--- a/group5_graphtheory.pptx
+++ b/group5_graphtheory.pptx
@@ -8,8 +8,13 @@
     <p:sldId id="257" r:id="rId2"/>
     <p:sldId id="259" r:id="rId3"/>
     <p:sldId id="260" r:id="rId4"/>
-    <p:sldId id="261" r:id="rId5"/>
-    <p:sldId id="262" r:id="rId6"/>
+    <p:sldId id="264" r:id="rId5"/>
+    <p:sldId id="261" r:id="rId6"/>
+    <p:sldId id="262" r:id="rId7"/>
+    <p:sldId id="265" r:id="rId8"/>
+    <p:sldId id="266" r:id="rId9"/>
+    <p:sldId id="263" r:id="rId10"/>
+    <p:sldId id="258" r:id="rId11"/>
   </p:sldIdLst>
   <p:sldSz cx="12192000" cy="6858000"/>
   <p:notesSz cx="6858000" cy="9144000"/>
@@ -263,7 +268,7 @@
           <a:p>
             <a:fld id="{98235D44-F49E-4F77-A348-B0CDA85E7A83}" type="datetimeFigureOut">
               <a:rPr lang="en-US" smtClean="0"/>
-              <a:t>10/8/2024</a:t>
+              <a:t>10/19/2024</a:t>
             </a:fld>
             <a:endParaRPr lang="en-US"/>
           </a:p>
@@ -461,7 +466,7 @@
           <a:p>
             <a:fld id="{98235D44-F49E-4F77-A348-B0CDA85E7A83}" type="datetimeFigureOut">
               <a:rPr lang="en-US" smtClean="0"/>
-              <a:t>10/8/2024</a:t>
+              <a:t>10/19/2024</a:t>
             </a:fld>
             <a:endParaRPr lang="en-US"/>
           </a:p>
@@ -669,7 +674,7 @@
           <a:p>
             <a:fld id="{98235D44-F49E-4F77-A348-B0CDA85E7A83}" type="datetimeFigureOut">
               <a:rPr lang="en-US" smtClean="0"/>
-              <a:t>10/8/2024</a:t>
+              <a:t>10/19/2024</a:t>
             </a:fld>
             <a:endParaRPr lang="en-US"/>
           </a:p>
@@ -867,7 +872,7 @@
           <a:p>
             <a:fld id="{98235D44-F49E-4F77-A348-B0CDA85E7A83}" type="datetimeFigureOut">
               <a:rPr lang="en-US" smtClean="0"/>
-              <a:t>10/8/2024</a:t>
+              <a:t>10/19/2024</a:t>
             </a:fld>
             <a:endParaRPr lang="en-US"/>
           </a:p>
@@ -1142,7 +1147,7 @@
           <a:p>
             <a:fld id="{98235D44-F49E-4F77-A348-B0CDA85E7A83}" type="datetimeFigureOut">
               <a:rPr lang="en-US" smtClean="0"/>
-              <a:t>10/8/2024</a:t>
+              <a:t>10/19/2024</a:t>
             </a:fld>
             <a:endParaRPr lang="en-US"/>
           </a:p>
@@ -1407,7 +1412,7 @@
           <a:p>
             <a:fld id="{98235D44-F49E-4F77-A348-B0CDA85E7A83}" type="datetimeFigureOut">
               <a:rPr lang="en-US" smtClean="0"/>
-              <a:t>10/8/2024</a:t>
+              <a:t>10/19/2024</a:t>
             </a:fld>
             <a:endParaRPr lang="en-US"/>
           </a:p>
@@ -1819,7 +1824,7 @@
           <a:p>
             <a:fld id="{98235D44-F49E-4F77-A348-B0CDA85E7A83}" type="datetimeFigureOut">
               <a:rPr lang="en-US" smtClean="0"/>
-              <a:t>10/8/2024</a:t>
+              <a:t>10/19/2024</a:t>
             </a:fld>
             <a:endParaRPr lang="en-US"/>
           </a:p>
@@ -1960,7 +1965,7 @@
           <a:p>
             <a:fld id="{98235D44-F49E-4F77-A348-B0CDA85E7A83}" type="datetimeFigureOut">
               <a:rPr lang="en-US" smtClean="0"/>
-              <a:t>10/8/2024</a:t>
+              <a:t>10/19/2024</a:t>
             </a:fld>
             <a:endParaRPr lang="en-US"/>
           </a:p>
@@ -2073,7 +2078,7 @@
           <a:p>
             <a:fld id="{98235D44-F49E-4F77-A348-B0CDA85E7A83}" type="datetimeFigureOut">
               <a:rPr lang="en-US" smtClean="0"/>
-              <a:t>10/8/2024</a:t>
+              <a:t>10/19/2024</a:t>
             </a:fld>
             <a:endParaRPr lang="en-US"/>
           </a:p>
@@ -2384,7 +2389,7 @@
           <a:p>
             <a:fld id="{98235D44-F49E-4F77-A348-B0CDA85E7A83}" type="datetimeFigureOut">
               <a:rPr lang="en-US" smtClean="0"/>
-              <a:t>10/8/2024</a:t>
+              <a:t>10/19/2024</a:t>
             </a:fld>
             <a:endParaRPr lang="en-US"/>
           </a:p>
@@ -2672,7 +2677,7 @@
           <a:p>
             <a:fld id="{98235D44-F49E-4F77-A348-B0CDA85E7A83}" type="datetimeFigureOut">
               <a:rPr lang="en-US" smtClean="0"/>
-              <a:t>10/8/2024</a:t>
+              <a:t>10/19/2024</a:t>
             </a:fld>
             <a:endParaRPr lang="en-US"/>
           </a:p>
@@ -2913,7 +2918,7 @@
           <a:p>
             <a:fld id="{98235D44-F49E-4F77-A348-B0CDA85E7A83}" type="datetimeFigureOut">
               <a:rPr lang="en-US" smtClean="0"/>
-              <a:t>10/8/2024</a:t>
+              <a:t>10/19/2024</a:t>
             </a:fld>
             <a:endParaRPr lang="en-US"/>
           </a:p>
@@ -7640,6 +7645,130 @@
 </p:sld>
 </file>
 
+<file path=ppt/slides/slide10.xml><?xml version="1.0" encoding="utf-8"?>
+<p:sld xmlns:a="http://schemas.openxmlformats.org/drawingml/2006/main" xmlns:r="http://schemas.openxmlformats.org/officeDocument/2006/relationships" xmlns:p="http://schemas.openxmlformats.org/presentationml/2006/main">
+  <p:cSld>
+    <p:spTree>
+      <p:nvGrpSpPr>
+        <p:cNvPr id="1" name=""/>
+        <p:cNvGrpSpPr/>
+        <p:nvPr/>
+      </p:nvGrpSpPr>
+      <p:grpSpPr>
+        <a:xfrm>
+          <a:off x="0" y="0"/>
+          <a:ext cx="0" cy="0"/>
+          <a:chOff x="0" y="0"/>
+          <a:chExt cx="0" cy="0"/>
+        </a:xfrm>
+      </p:grpSpPr>
+      <p:sp>
+        <p:nvSpPr>
+          <p:cNvPr id="2" name="Title 1">
+            <a:extLst>
+              <a:ext uri="{FF2B5EF4-FFF2-40B4-BE49-F238E27FC236}">
+                <a16:creationId xmlns:a16="http://schemas.microsoft.com/office/drawing/2014/main" id="{A044EC92-8709-66AA-FA34-6F35A4198D12}"/>
+              </a:ext>
+            </a:extLst>
+          </p:cNvPr>
+          <p:cNvSpPr>
+            <a:spLocks noGrp="1"/>
+          </p:cNvSpPr>
+          <p:nvPr>
+            <p:ph type="title"/>
+          </p:nvPr>
+        </p:nvSpPr>
+        <p:spPr>
+          <a:xfrm>
+            <a:off x="839788" y="987425"/>
+            <a:ext cx="3932237" cy="571500"/>
+          </a:xfrm>
+        </p:spPr>
+        <p:txBody>
+          <a:bodyPr>
+            <a:normAutofit fontScale="90000"/>
+          </a:bodyPr>
+          <a:lstStyle/>
+          <a:p>
+            <a:r>
+              <a:rPr lang="en-US" sz="3600" b="1" dirty="0">
+                <a:latin typeface="Arial Black" panose="020B0A04020102020204" pitchFamily="34" charset="0"/>
+              </a:rPr>
+              <a:t>Implementation</a:t>
+            </a:r>
+            <a:r>
+              <a:rPr lang="en-US" dirty="0"/>
+              <a:t> </a:t>
+            </a:r>
+          </a:p>
+        </p:txBody>
+      </p:sp>
+      <p:sp>
+        <p:nvSpPr>
+          <p:cNvPr id="3" name="Content Placeholder 2">
+            <a:extLst>
+              <a:ext uri="{FF2B5EF4-FFF2-40B4-BE49-F238E27FC236}">
+                <a16:creationId xmlns:a16="http://schemas.microsoft.com/office/drawing/2014/main" id="{EC01DA59-CF00-C507-B7E1-8A9C2CE84A03}"/>
+              </a:ext>
+            </a:extLst>
+          </p:cNvPr>
+          <p:cNvSpPr>
+            <a:spLocks noGrp="1"/>
+          </p:cNvSpPr>
+          <p:nvPr>
+            <p:ph idx="1"/>
+          </p:nvPr>
+        </p:nvSpPr>
+        <p:spPr/>
+        <p:txBody>
+          <a:bodyPr/>
+          <a:lstStyle/>
+          <a:p>
+            <a:endParaRPr lang="en-US"/>
+          </a:p>
+        </p:txBody>
+      </p:sp>
+      <p:sp>
+        <p:nvSpPr>
+          <p:cNvPr id="4" name="Text Placeholder 3">
+            <a:extLst>
+              <a:ext uri="{FF2B5EF4-FFF2-40B4-BE49-F238E27FC236}">
+                <a16:creationId xmlns:a16="http://schemas.microsoft.com/office/drawing/2014/main" id="{8AF72E6F-D5A1-6CBE-73C8-608D6839317F}"/>
+              </a:ext>
+            </a:extLst>
+          </p:cNvPr>
+          <p:cNvSpPr>
+            <a:spLocks noGrp="1"/>
+          </p:cNvSpPr>
+          <p:nvPr>
+            <p:ph type="body" sz="half" idx="2"/>
+          </p:nvPr>
+        </p:nvSpPr>
+        <p:spPr/>
+        <p:txBody>
+          <a:bodyPr/>
+          <a:lstStyle/>
+          <a:p>
+            <a:r>
+              <a:rPr lang="en-US" dirty="0"/>
+              <a:t>Topics like graph theory, and recursion play crucial roles in modeling and solving the game.</a:t>
+            </a:r>
+          </a:p>
+        </p:txBody>
+      </p:sp>
+    </p:spTree>
+    <p:extLst>
+      <p:ext uri="{BB962C8B-B14F-4D97-AF65-F5344CB8AC3E}">
+        <p14:creationId xmlns:p14="http://schemas.microsoft.com/office/powerpoint/2010/main" val="2278152757"/>
+      </p:ext>
+    </p:extLst>
+  </p:cSld>
+  <p:clrMapOvr>
+    <a:masterClrMapping/>
+  </p:clrMapOvr>
+</p:sld>
+</file>
+
 <file path=ppt/slides/slide2.xml><?xml version="1.0" encoding="utf-8"?>
 <p:sld xmlns:a="http://schemas.openxmlformats.org/drawingml/2006/main" xmlns:r="http://schemas.openxmlformats.org/officeDocument/2006/relationships" xmlns:p="http://schemas.openxmlformats.org/presentationml/2006/main">
   <p:cSld>
@@ -8416,6 +8545,88 @@
           </a:fontRef>
         </p:style>
       </p:cxnSp>
+      <p:sp>
+        <p:nvSpPr>
+          <p:cNvPr id="11" name="TextBox 10">
+            <a:extLst>
+              <a:ext uri="{FF2B5EF4-FFF2-40B4-BE49-F238E27FC236}">
+                <a16:creationId xmlns:a16="http://schemas.microsoft.com/office/drawing/2014/main" id="{25E40C69-AAB7-773A-3E63-8815E4C667BB}"/>
+              </a:ext>
+            </a:extLst>
+          </p:cNvPr>
+          <p:cNvSpPr txBox="1"/>
+          <p:nvPr/>
+        </p:nvSpPr>
+        <p:spPr>
+          <a:xfrm>
+            <a:off x="7248561" y="4465160"/>
+            <a:ext cx="734175" cy="369332"/>
+          </a:xfrm>
+          <a:prstGeom prst="rect">
+            <a:avLst/>
+          </a:prstGeom>
+          <a:noFill/>
+        </p:spPr>
+        <p:txBody>
+          <a:bodyPr wrap="none" rtlCol="0">
+            <a:spAutoFit/>
+          </a:bodyPr>
+          <a:lstStyle/>
+          <a:p>
+            <a:r>
+              <a:rPr lang="en-US" dirty="0">
+                <a:solidFill>
+                  <a:schemeClr val="accent1">
+                    <a:lumMod val="75000"/>
+                  </a:schemeClr>
+                </a:solidFill>
+              </a:rPr>
+              <a:t>edges</a:t>
+            </a:r>
+          </a:p>
+        </p:txBody>
+      </p:sp>
+      <p:sp>
+        <p:nvSpPr>
+          <p:cNvPr id="12" name="TextBox 11">
+            <a:extLst>
+              <a:ext uri="{FF2B5EF4-FFF2-40B4-BE49-F238E27FC236}">
+                <a16:creationId xmlns:a16="http://schemas.microsoft.com/office/drawing/2014/main" id="{C2D554D5-ACAF-44BE-A0AE-5FAD5C39073F}"/>
+              </a:ext>
+            </a:extLst>
+          </p:cNvPr>
+          <p:cNvSpPr txBox="1"/>
+          <p:nvPr/>
+        </p:nvSpPr>
+        <p:spPr>
+          <a:xfrm>
+            <a:off x="3742705" y="5697022"/>
+            <a:ext cx="767967" cy="369332"/>
+          </a:xfrm>
+          <a:prstGeom prst="rect">
+            <a:avLst/>
+          </a:prstGeom>
+          <a:noFill/>
+        </p:spPr>
+        <p:txBody>
+          <a:bodyPr wrap="none" rtlCol="0">
+            <a:spAutoFit/>
+          </a:bodyPr>
+          <a:lstStyle/>
+          <a:p>
+            <a:r>
+              <a:rPr lang="en-US" dirty="0">
+                <a:solidFill>
+                  <a:schemeClr val="accent1">
+                    <a:lumMod val="50000"/>
+                  </a:schemeClr>
+                </a:solidFill>
+              </a:rPr>
+              <a:t>vertex</a:t>
+            </a:r>
+          </a:p>
+        </p:txBody>
+      </p:sp>
     </p:spTree>
     <p:extLst>
       <p:ext uri="{BB962C8B-B14F-4D97-AF65-F5344CB8AC3E}">
@@ -8448,49 +8659,133 @@
       </p:grpSpPr>
       <p:sp>
         <p:nvSpPr>
-          <p:cNvPr id="2" name="TextBox 1">
-            <a:extLst>
-              <a:ext uri="{FF2B5EF4-FFF2-40B4-BE49-F238E27FC236}">
-                <a16:creationId xmlns:a16="http://schemas.microsoft.com/office/drawing/2014/main" id="{CFBB8880-030D-770F-78E0-250ED3C4086B}"/>
-              </a:ext>
-            </a:extLst>
-          </p:cNvPr>
-          <p:cNvSpPr txBox="1"/>
-          <p:nvPr/>
+          <p:cNvPr id="2" name="Title 1">
+            <a:extLst>
+              <a:ext uri="{FF2B5EF4-FFF2-40B4-BE49-F238E27FC236}">
+                <a16:creationId xmlns:a16="http://schemas.microsoft.com/office/drawing/2014/main" id="{5D30DDF8-853A-DFDB-A947-FE9D44C8E03C}"/>
+              </a:ext>
+            </a:extLst>
+          </p:cNvPr>
+          <p:cNvSpPr>
+            <a:spLocks noGrp="1"/>
+          </p:cNvSpPr>
+          <p:nvPr>
+            <p:ph type="title"/>
+          </p:nvPr>
         </p:nvSpPr>
         <p:spPr>
           <a:xfrm>
-            <a:off x="371477" y="471488"/>
-            <a:ext cx="6743700" cy="1754326"/>
+            <a:off x="831848" y="768350"/>
+            <a:ext cx="10515599" cy="1500187"/>
           </a:xfrm>
-          <a:prstGeom prst="rect">
-            <a:avLst/>
-          </a:prstGeom>
-          <a:noFill/>
         </p:spPr>
         <p:txBody>
-          <a:bodyPr wrap="square" rtlCol="0">
-            <a:spAutoFit/>
+          <a:bodyPr>
+            <a:normAutofit fontScale="90000"/>
           </a:bodyPr>
           <a:lstStyle/>
           <a:p>
-            <a:r>
-              <a:rPr lang="en-US" sz="3600" b="1" dirty="0">
+            <a:pPr>
+              <a:lnSpc>
+                <a:spcPct val="100000"/>
+              </a:lnSpc>
+            </a:pPr>
+            <a:r>
+              <a:rPr lang="en-US" sz="4000" b="1" dirty="0">
                 <a:latin typeface="Arial Black" panose="020B0A04020102020204" pitchFamily="34" charset="0"/>
-                <a:ea typeface="+mj-ea"/>
-                <a:cs typeface="+mj-cs"/>
               </a:rPr>
-              <a:t>Difference between Directed and undirected graphs?</a:t>
+              <a:t>GRAPH :</a:t>
+            </a:r>
+            <a:r>
+              <a:rPr lang="en-US" dirty="0"/>
+              <a:t> </a:t>
+            </a:r>
+            <a:r>
+              <a:rPr lang="en-US" sz="3200" dirty="0">
+                <a:latin typeface="Arial" panose="020B0604020202020204" pitchFamily="34" charset="0"/>
+                <a:cs typeface="Arial" panose="020B0604020202020204" pitchFamily="34" charset="0"/>
+              </a:rPr>
+              <a:t>a list of pairs of “things” called vertex/vertices, and lines between those points, called edges </a:t>
+            </a:r>
+            <a:endParaRPr lang="en-US" dirty="0">
+              <a:latin typeface="Arial" panose="020B0604020202020204" pitchFamily="34" charset="0"/>
+              <a:cs typeface="Arial" panose="020B0604020202020204" pitchFamily="34" charset="0"/>
+            </a:endParaRPr>
+          </a:p>
+        </p:txBody>
+      </p:sp>
+      <p:sp>
+        <p:nvSpPr>
+          <p:cNvPr id="3" name="Text Placeholder 2">
+            <a:extLst>
+              <a:ext uri="{FF2B5EF4-FFF2-40B4-BE49-F238E27FC236}">
+                <a16:creationId xmlns:a16="http://schemas.microsoft.com/office/drawing/2014/main" id="{F3FFBF10-3A6A-039D-96F3-6E61CA66CD1E}"/>
+              </a:ext>
+            </a:extLst>
+          </p:cNvPr>
+          <p:cNvSpPr>
+            <a:spLocks noGrp="1"/>
+          </p:cNvSpPr>
+          <p:nvPr>
+            <p:ph type="body" idx="1"/>
+          </p:nvPr>
+        </p:nvSpPr>
+        <p:spPr>
+          <a:xfrm>
+            <a:off x="831847" y="2903537"/>
+            <a:ext cx="10515600" cy="1500187"/>
+          </a:xfrm>
+        </p:spPr>
+        <p:txBody>
+          <a:bodyPr/>
+          <a:lstStyle/>
+          <a:p>
+            <a:r>
+              <a:rPr lang="en-US" dirty="0">
+                <a:solidFill>
+                  <a:schemeClr val="tx1">
+                    <a:lumMod val="95000"/>
+                    <a:lumOff val="5000"/>
+                  </a:schemeClr>
+                </a:solidFill>
+              </a:rPr>
+              <a:t>𝐴 = {(1, 2), (1, 3), (3, 4), (4, 5)} </a:t>
+            </a:r>
+          </a:p>
+          <a:p>
+            <a:r>
+              <a:rPr lang="en-US" dirty="0">
+                <a:solidFill>
+                  <a:schemeClr val="tx1">
+                    <a:lumMod val="95000"/>
+                    <a:lumOff val="5000"/>
+                  </a:schemeClr>
+                </a:solidFill>
+              </a:rPr>
+              <a:t>𝐵 = {(A, B), (B, C), (A, C), (A, D)} </a:t>
+            </a:r>
+          </a:p>
+          <a:p>
+            <a:r>
+              <a:rPr lang="en-US" dirty="0">
+                <a:solidFill>
+                  <a:schemeClr val="tx1">
+                    <a:lumMod val="95000"/>
+                    <a:lumOff val="5000"/>
+                  </a:schemeClr>
+                </a:solidFill>
+              </a:rPr>
+              <a:t>𝐶 = {(LHR,KRA), (LHR,ISB), (FSD,SWL), (STD,MUL)}</a:t>
             </a:r>
           </a:p>
         </p:txBody>
       </p:sp>
       <p:pic>
         <p:nvPicPr>
-          <p:cNvPr id="4" name="Picture 3">
-            <a:extLst>
-              <a:ext uri="{FF2B5EF4-FFF2-40B4-BE49-F238E27FC236}">
-                <a16:creationId xmlns:a16="http://schemas.microsoft.com/office/drawing/2014/main" id="{FAAEB7AD-C825-8836-2CCC-6A519C365B2E}"/>
+          <p:cNvPr id="5" name="Picture 4">
+            <a:extLst>
+              <a:ext uri="{FF2B5EF4-FFF2-40B4-BE49-F238E27FC236}">
+                <a16:creationId xmlns:a16="http://schemas.microsoft.com/office/drawing/2014/main" id="{DF5E120D-8E2E-D414-9BE3-A68A099B210E}"/>
               </a:ext>
             </a:extLst>
           </p:cNvPr>
@@ -8499,7 +8794,7 @@
           </p:cNvPicPr>
           <p:nvPr/>
         </p:nvPicPr>
-        <p:blipFill>
+        <p:blipFill rotWithShape="1">
           <a:blip r:embed="rId2">
             <a:extLst>
               <a:ext uri="{28A0092B-C50C-407E-A947-70E740481C1C}">
@@ -8507,14 +8802,13 @@
               </a:ext>
             </a:extLst>
           </a:blip>
-          <a:stretch>
-            <a:fillRect/>
-          </a:stretch>
+          <a:srcRect t="6531" b="9403"/>
+          <a:stretch/>
         </p:blipFill>
         <p:spPr>
           <a:xfrm>
-            <a:off x="8086723" y="1947863"/>
-            <a:ext cx="3733800" cy="3733800"/>
+            <a:off x="8343937" y="3702353"/>
+            <a:ext cx="3543263" cy="2978676"/>
           </a:xfrm>
           <a:prstGeom prst="rect">
             <a:avLst/>
@@ -8523,10 +8817,10 @@
       </p:pic>
       <p:pic>
         <p:nvPicPr>
-          <p:cNvPr id="6" name="Picture 5">
-            <a:extLst>
-              <a:ext uri="{FF2B5EF4-FFF2-40B4-BE49-F238E27FC236}">
-                <a16:creationId xmlns:a16="http://schemas.microsoft.com/office/drawing/2014/main" id="{12FC48A8-7E76-3B37-EC98-7F8A0B19AB46}"/>
+          <p:cNvPr id="7" name="Picture 6">
+            <a:extLst>
+              <a:ext uri="{FF2B5EF4-FFF2-40B4-BE49-F238E27FC236}">
+                <a16:creationId xmlns:a16="http://schemas.microsoft.com/office/drawing/2014/main" id="{5EC6C3A6-23EE-3547-4CDC-5D24A0A7D522}"/>
               </a:ext>
             </a:extLst>
           </p:cNvPr>
@@ -8535,7 +8829,7 @@
           </p:cNvPicPr>
           <p:nvPr/>
         </p:nvPicPr>
-        <p:blipFill>
+        <p:blipFill rotWithShape="1">
           <a:blip r:embed="rId3">
             <a:extLst>
               <a:ext uri="{28A0092B-C50C-407E-A947-70E740481C1C}">
@@ -8543,26 +8837,333 @@
               </a:ext>
             </a:extLst>
           </a:blip>
-          <a:stretch>
-            <a:fillRect/>
-          </a:stretch>
+          <a:srcRect l="16208" t="18615" r="21275" b="9955"/>
+          <a:stretch/>
         </p:blipFill>
         <p:spPr>
           <a:xfrm>
-            <a:off x="8086723" y="1947863"/>
-            <a:ext cx="3733800" cy="3733800"/>
+            <a:off x="5162513" y="4318386"/>
+            <a:ext cx="1909799" cy="2182041"/>
           </a:xfrm>
           <a:prstGeom prst="rect">
             <a:avLst/>
           </a:prstGeom>
         </p:spPr>
       </p:pic>
+      <p:pic>
+        <p:nvPicPr>
+          <p:cNvPr id="9" name="Picture 8">
+            <a:extLst>
+              <a:ext uri="{FF2B5EF4-FFF2-40B4-BE49-F238E27FC236}">
+                <a16:creationId xmlns:a16="http://schemas.microsoft.com/office/drawing/2014/main" id="{BCAA92A2-3C81-650B-7F86-D978F3483C08}"/>
+              </a:ext>
+            </a:extLst>
+          </p:cNvPr>
+          <p:cNvPicPr>
+            <a:picLocks noChangeAspect="1"/>
+          </p:cNvPicPr>
+          <p:nvPr/>
+        </p:nvPicPr>
+        <p:blipFill rotWithShape="1">
+          <a:blip r:embed="rId4">
+            <a:extLst>
+              <a:ext uri="{28A0092B-C50C-407E-A947-70E740481C1C}">
+                <a14:useLocalDpi xmlns:a14="http://schemas.microsoft.com/office/drawing/2010/main" val="0"/>
+              </a:ext>
+            </a:extLst>
+          </a:blip>
+          <a:srcRect l="14925" t="15385" r="12455" b="21978"/>
+          <a:stretch/>
+        </p:blipFill>
+        <p:spPr>
+          <a:xfrm>
+            <a:off x="1112026" y="4505918"/>
+            <a:ext cx="2331262" cy="2010805"/>
+          </a:xfrm>
+          <a:prstGeom prst="rect">
+            <a:avLst/>
+          </a:prstGeom>
+        </p:spPr>
+      </p:pic>
+      <p:cxnSp>
+        <p:nvCxnSpPr>
+          <p:cNvPr id="13" name="Straight Arrow Connector 12">
+            <a:extLst>
+              <a:ext uri="{FF2B5EF4-FFF2-40B4-BE49-F238E27FC236}">
+                <a16:creationId xmlns:a16="http://schemas.microsoft.com/office/drawing/2014/main" id="{0CF5CAB6-3C22-9FEC-7E1E-7B91C8E5761F}"/>
+              </a:ext>
+            </a:extLst>
+          </p:cNvPr>
+          <p:cNvCxnSpPr/>
+          <p:nvPr/>
+        </p:nvCxnSpPr>
+        <p:spPr>
+          <a:xfrm>
+            <a:off x="428625" y="5200650"/>
+            <a:ext cx="683401" cy="0"/>
+          </a:xfrm>
+          <a:prstGeom prst="straightConnector1">
+            <a:avLst/>
+          </a:prstGeom>
+          <a:ln w="57150">
+            <a:solidFill>
+              <a:schemeClr val="accent1">
+                <a:lumMod val="75000"/>
+              </a:schemeClr>
+            </a:solidFill>
+            <a:tailEnd type="triangle"/>
+          </a:ln>
+        </p:spPr>
+        <p:style>
+          <a:lnRef idx="1">
+            <a:schemeClr val="accent1"/>
+          </a:lnRef>
+          <a:fillRef idx="0">
+            <a:schemeClr val="accent1"/>
+          </a:fillRef>
+          <a:effectRef idx="0">
+            <a:schemeClr val="accent1"/>
+          </a:effectRef>
+          <a:fontRef idx="minor">
+            <a:schemeClr val="tx1"/>
+          </a:fontRef>
+        </p:style>
+      </p:cxnSp>
+      <p:cxnSp>
+        <p:nvCxnSpPr>
+          <p:cNvPr id="14" name="Straight Arrow Connector 13">
+            <a:extLst>
+              <a:ext uri="{FF2B5EF4-FFF2-40B4-BE49-F238E27FC236}">
+                <a16:creationId xmlns:a16="http://schemas.microsoft.com/office/drawing/2014/main" id="{1CCF16B9-A09E-4470-2324-7D202860F263}"/>
+              </a:ext>
+            </a:extLst>
+          </p:cNvPr>
+          <p:cNvCxnSpPr>
+            <a:cxnSpLocks/>
+          </p:cNvCxnSpPr>
+          <p:nvPr/>
+        </p:nvCxnSpPr>
+        <p:spPr>
+          <a:xfrm flipH="1">
+            <a:off x="2757488" y="4729163"/>
+            <a:ext cx="685800" cy="228600"/>
+          </a:xfrm>
+          <a:prstGeom prst="straightConnector1">
+            <a:avLst/>
+          </a:prstGeom>
+          <a:ln w="57150">
+            <a:solidFill>
+              <a:schemeClr val="accent1">
+                <a:lumMod val="40000"/>
+                <a:lumOff val="60000"/>
+              </a:schemeClr>
+            </a:solidFill>
+            <a:tailEnd type="triangle"/>
+          </a:ln>
+        </p:spPr>
+        <p:style>
+          <a:lnRef idx="1">
+            <a:schemeClr val="accent1"/>
+          </a:lnRef>
+          <a:fillRef idx="0">
+            <a:schemeClr val="accent1"/>
+          </a:fillRef>
+          <a:effectRef idx="0">
+            <a:schemeClr val="accent1"/>
+          </a:effectRef>
+          <a:fontRef idx="minor">
+            <a:schemeClr val="tx1"/>
+          </a:fontRef>
+        </p:style>
+      </p:cxnSp>
+      <p:cxnSp>
+        <p:nvCxnSpPr>
+          <p:cNvPr id="4" name="Straight Arrow Connector 3">
+            <a:extLst>
+              <a:ext uri="{FF2B5EF4-FFF2-40B4-BE49-F238E27FC236}">
+                <a16:creationId xmlns:a16="http://schemas.microsoft.com/office/drawing/2014/main" id="{98ADD665-6FC6-CEB4-6D76-8C26111BF116}"/>
+              </a:ext>
+            </a:extLst>
+          </p:cNvPr>
+          <p:cNvCxnSpPr/>
+          <p:nvPr/>
+        </p:nvCxnSpPr>
+        <p:spPr>
+          <a:xfrm>
+            <a:off x="4479112" y="5881688"/>
+            <a:ext cx="683401" cy="0"/>
+          </a:xfrm>
+          <a:prstGeom prst="straightConnector1">
+            <a:avLst/>
+          </a:prstGeom>
+          <a:ln w="57150">
+            <a:solidFill>
+              <a:schemeClr val="accent1">
+                <a:lumMod val="75000"/>
+              </a:schemeClr>
+            </a:solidFill>
+            <a:tailEnd type="triangle"/>
+          </a:ln>
+        </p:spPr>
+        <p:style>
+          <a:lnRef idx="1">
+            <a:schemeClr val="accent1"/>
+          </a:lnRef>
+          <a:fillRef idx="0">
+            <a:schemeClr val="accent1"/>
+          </a:fillRef>
+          <a:effectRef idx="0">
+            <a:schemeClr val="accent1"/>
+          </a:effectRef>
+          <a:fontRef idx="minor">
+            <a:schemeClr val="tx1"/>
+          </a:fontRef>
+        </p:style>
+      </p:cxnSp>
+      <p:cxnSp>
+        <p:nvCxnSpPr>
+          <p:cNvPr id="6" name="Straight Arrow Connector 5">
+            <a:extLst>
+              <a:ext uri="{FF2B5EF4-FFF2-40B4-BE49-F238E27FC236}">
+                <a16:creationId xmlns:a16="http://schemas.microsoft.com/office/drawing/2014/main" id="{3C0F131E-E90A-3652-2E94-739BA4B3AD14}"/>
+              </a:ext>
+            </a:extLst>
+          </p:cNvPr>
+          <p:cNvCxnSpPr/>
+          <p:nvPr/>
+        </p:nvCxnSpPr>
+        <p:spPr>
+          <a:xfrm>
+            <a:off x="8167688" y="5195887"/>
+            <a:ext cx="683401" cy="0"/>
+          </a:xfrm>
+          <a:prstGeom prst="straightConnector1">
+            <a:avLst/>
+          </a:prstGeom>
+          <a:ln w="57150">
+            <a:solidFill>
+              <a:schemeClr val="accent1">
+                <a:lumMod val="75000"/>
+              </a:schemeClr>
+            </a:solidFill>
+            <a:tailEnd type="triangle"/>
+          </a:ln>
+        </p:spPr>
+        <p:style>
+          <a:lnRef idx="1">
+            <a:schemeClr val="accent1"/>
+          </a:lnRef>
+          <a:fillRef idx="0">
+            <a:schemeClr val="accent1"/>
+          </a:fillRef>
+          <a:effectRef idx="0">
+            <a:schemeClr val="accent1"/>
+          </a:effectRef>
+          <a:fontRef idx="minor">
+            <a:schemeClr val="tx1"/>
+          </a:fontRef>
+        </p:style>
+      </p:cxnSp>
+      <p:cxnSp>
+        <p:nvCxnSpPr>
+          <p:cNvPr id="8" name="Straight Arrow Connector 7">
+            <a:extLst>
+              <a:ext uri="{FF2B5EF4-FFF2-40B4-BE49-F238E27FC236}">
+                <a16:creationId xmlns:a16="http://schemas.microsoft.com/office/drawing/2014/main" id="{953C8946-F2DA-9D06-E8E1-65ED0C5F25D8}"/>
+              </a:ext>
+            </a:extLst>
+          </p:cNvPr>
+          <p:cNvCxnSpPr>
+            <a:cxnSpLocks/>
+          </p:cNvCxnSpPr>
+          <p:nvPr/>
+        </p:nvCxnSpPr>
+        <p:spPr>
+          <a:xfrm flipH="1">
+            <a:off x="6562761" y="4685505"/>
+            <a:ext cx="685800" cy="228600"/>
+          </a:xfrm>
+          <a:prstGeom prst="straightConnector1">
+            <a:avLst/>
+          </a:prstGeom>
+          <a:ln w="57150">
+            <a:solidFill>
+              <a:schemeClr val="accent1">
+                <a:lumMod val="40000"/>
+                <a:lumOff val="60000"/>
+              </a:schemeClr>
+            </a:solidFill>
+            <a:tailEnd type="triangle"/>
+          </a:ln>
+        </p:spPr>
+        <p:style>
+          <a:lnRef idx="1">
+            <a:schemeClr val="accent1"/>
+          </a:lnRef>
+          <a:fillRef idx="0">
+            <a:schemeClr val="accent1"/>
+          </a:fillRef>
+          <a:effectRef idx="0">
+            <a:schemeClr val="accent1"/>
+          </a:effectRef>
+          <a:fontRef idx="minor">
+            <a:schemeClr val="tx1"/>
+          </a:fontRef>
+        </p:style>
+      </p:cxnSp>
+      <p:cxnSp>
+        <p:nvCxnSpPr>
+          <p:cNvPr id="10" name="Straight Arrow Connector 9">
+            <a:extLst>
+              <a:ext uri="{FF2B5EF4-FFF2-40B4-BE49-F238E27FC236}">
+                <a16:creationId xmlns:a16="http://schemas.microsoft.com/office/drawing/2014/main" id="{73A92731-B2F7-2195-B2DA-1A6401977BE5}"/>
+              </a:ext>
+            </a:extLst>
+          </p:cNvPr>
+          <p:cNvCxnSpPr>
+            <a:cxnSpLocks/>
+          </p:cNvCxnSpPr>
+          <p:nvPr/>
+        </p:nvCxnSpPr>
+        <p:spPr>
+          <a:xfrm flipH="1">
+            <a:off x="11004547" y="4091795"/>
+            <a:ext cx="685800" cy="228600"/>
+          </a:xfrm>
+          <a:prstGeom prst="straightConnector1">
+            <a:avLst/>
+          </a:prstGeom>
+          <a:ln w="57150">
+            <a:solidFill>
+              <a:schemeClr val="accent1">
+                <a:lumMod val="40000"/>
+                <a:lumOff val="60000"/>
+              </a:schemeClr>
+            </a:solidFill>
+            <a:tailEnd type="triangle"/>
+          </a:ln>
+        </p:spPr>
+        <p:style>
+          <a:lnRef idx="1">
+            <a:schemeClr val="accent1"/>
+          </a:lnRef>
+          <a:fillRef idx="0">
+            <a:schemeClr val="accent1"/>
+          </a:fillRef>
+          <a:effectRef idx="0">
+            <a:schemeClr val="accent1"/>
+          </a:effectRef>
+          <a:fontRef idx="minor">
+            <a:schemeClr val="tx1"/>
+          </a:fontRef>
+        </p:style>
+      </p:cxnSp>
       <p:sp>
         <p:nvSpPr>
-          <p:cNvPr id="7" name="TextBox 6">
-            <a:extLst>
-              <a:ext uri="{FF2B5EF4-FFF2-40B4-BE49-F238E27FC236}">
-                <a16:creationId xmlns:a16="http://schemas.microsoft.com/office/drawing/2014/main" id="{7A58E15A-2348-A7C6-FC81-48AD1D6E4181}"/>
+          <p:cNvPr id="11" name="TextBox 10">
+            <a:extLst>
+              <a:ext uri="{FF2B5EF4-FFF2-40B4-BE49-F238E27FC236}">
+                <a16:creationId xmlns:a16="http://schemas.microsoft.com/office/drawing/2014/main" id="{25E40C69-AAB7-773A-3E63-8815E4C667BB}"/>
               </a:ext>
             </a:extLst>
           </p:cNvPr>
@@ -8571,8 +9172,8 @@
         </p:nvSpPr>
         <p:spPr>
           <a:xfrm>
-            <a:off x="8940108" y="1348651"/>
-            <a:ext cx="2027030" cy="369332"/>
+            <a:off x="7248561" y="4465160"/>
+            <a:ext cx="734175" cy="369332"/>
           </a:xfrm>
           <a:prstGeom prst="rect">
             <a:avLst/>
@@ -8586,53 +9187,24 @@
           <a:lstStyle/>
           <a:p>
             <a:r>
-              <a:rPr lang="en-US" dirty="0"/>
-              <a:t>Instagram followers</a:t>
+              <a:rPr lang="en-US" dirty="0">
+                <a:solidFill>
+                  <a:schemeClr val="accent1">
+                    <a:lumMod val="75000"/>
+                  </a:schemeClr>
+                </a:solidFill>
+              </a:rPr>
+              <a:t>edges</a:t>
             </a:r>
           </a:p>
         </p:txBody>
       </p:sp>
-      <p:pic>
-        <p:nvPicPr>
-          <p:cNvPr id="8" name="Picture 7">
-            <a:extLst>
-              <a:ext uri="{FF2B5EF4-FFF2-40B4-BE49-F238E27FC236}">
-                <a16:creationId xmlns:a16="http://schemas.microsoft.com/office/drawing/2014/main" id="{C1B70BF2-C4A5-2826-E7C8-890B5910688F}"/>
-              </a:ext>
-            </a:extLst>
-          </p:cNvPr>
-          <p:cNvPicPr>
-            <a:picLocks noChangeAspect="1"/>
-          </p:cNvPicPr>
-          <p:nvPr/>
-        </p:nvPicPr>
-        <p:blipFill rotWithShape="1">
-          <a:blip r:embed="rId4">
-            <a:extLst>
-              <a:ext uri="{28A0092B-C50C-407E-A947-70E740481C1C}">
-                <a14:useLocalDpi xmlns:a14="http://schemas.microsoft.com/office/drawing/2010/main" val="0"/>
-              </a:ext>
-            </a:extLst>
-          </a:blip>
-          <a:srcRect l="17985" t="30404" r="18495" b="13347"/>
-          <a:stretch/>
-        </p:blipFill>
-        <p:spPr>
-          <a:xfrm>
-            <a:off x="2000250" y="3900487"/>
-            <a:ext cx="2371725" cy="2100263"/>
-          </a:xfrm>
-          <a:prstGeom prst="rect">
-            <a:avLst/>
-          </a:prstGeom>
-        </p:spPr>
-      </p:pic>
       <p:sp>
         <p:nvSpPr>
-          <p:cNvPr id="9" name="TextBox 8">
-            <a:extLst>
-              <a:ext uri="{FF2B5EF4-FFF2-40B4-BE49-F238E27FC236}">
-                <a16:creationId xmlns:a16="http://schemas.microsoft.com/office/drawing/2014/main" id="{F327D58F-429A-36B6-C4D6-D4B3D7248B24}"/>
+          <p:cNvPr id="12" name="TextBox 11">
+            <a:extLst>
+              <a:ext uri="{FF2B5EF4-FFF2-40B4-BE49-F238E27FC236}">
+                <a16:creationId xmlns:a16="http://schemas.microsoft.com/office/drawing/2014/main" id="{C2D554D5-ACAF-44BE-A0AE-5FAD5C39073F}"/>
               </a:ext>
             </a:extLst>
           </p:cNvPr>
@@ -8641,8 +9213,8 @@
         </p:nvSpPr>
         <p:spPr>
           <a:xfrm>
-            <a:off x="2328863" y="3243263"/>
-            <a:ext cx="1715791" cy="369332"/>
+            <a:off x="3742705" y="5697022"/>
+            <a:ext cx="767967" cy="369332"/>
           </a:xfrm>
           <a:prstGeom prst="rect">
             <a:avLst/>
@@ -8656,8 +9228,141 @@
           <a:lstStyle/>
           <a:p>
             <a:r>
+              <a:rPr lang="en-US" dirty="0">
+                <a:solidFill>
+                  <a:schemeClr val="accent1">
+                    <a:lumMod val="50000"/>
+                  </a:schemeClr>
+                </a:solidFill>
+              </a:rPr>
+              <a:t>vertex</a:t>
+            </a:r>
+          </a:p>
+        </p:txBody>
+      </p:sp>
+      <p:cxnSp>
+        <p:nvCxnSpPr>
+          <p:cNvPr id="16" name="Straight Connector 15">
+            <a:extLst>
+              <a:ext uri="{FF2B5EF4-FFF2-40B4-BE49-F238E27FC236}">
+                <a16:creationId xmlns:a16="http://schemas.microsoft.com/office/drawing/2014/main" id="{ACDAADC2-F7E7-2AB3-8431-833234F0D948}"/>
+              </a:ext>
+            </a:extLst>
+          </p:cNvPr>
+          <p:cNvCxnSpPr>
+            <a:cxnSpLocks/>
+          </p:cNvCxnSpPr>
+          <p:nvPr/>
+        </p:nvCxnSpPr>
+        <p:spPr>
+          <a:xfrm>
+            <a:off x="5629275" y="5881688"/>
+            <a:ext cx="357188" cy="184666"/>
+          </a:xfrm>
+          <a:prstGeom prst="line">
+            <a:avLst/>
+          </a:prstGeom>
+          <a:ln w="38100">
+            <a:solidFill>
+              <a:srgbClr val="FF0000"/>
+            </a:solidFill>
+          </a:ln>
+        </p:spPr>
+        <p:style>
+          <a:lnRef idx="1">
+            <a:schemeClr val="accent1"/>
+          </a:lnRef>
+          <a:fillRef idx="0">
+            <a:schemeClr val="accent1"/>
+          </a:fillRef>
+          <a:effectRef idx="0">
+            <a:schemeClr val="accent1"/>
+          </a:effectRef>
+          <a:fontRef idx="minor">
+            <a:schemeClr val="tx1"/>
+          </a:fontRef>
+        </p:style>
+      </p:cxnSp>
+      <p:cxnSp>
+        <p:nvCxnSpPr>
+          <p:cNvPr id="19" name="Straight Connector 18">
+            <a:extLst>
+              <a:ext uri="{FF2B5EF4-FFF2-40B4-BE49-F238E27FC236}">
+                <a16:creationId xmlns:a16="http://schemas.microsoft.com/office/drawing/2014/main" id="{1D3114F2-3799-D088-0DA0-DE82349A782F}"/>
+              </a:ext>
+            </a:extLst>
+          </p:cNvPr>
+          <p:cNvCxnSpPr>
+            <a:cxnSpLocks/>
+          </p:cNvCxnSpPr>
+          <p:nvPr/>
+        </p:nvCxnSpPr>
+        <p:spPr>
+          <a:xfrm flipV="1">
+            <a:off x="5629275" y="5314950"/>
+            <a:ext cx="814388" cy="566738"/>
+          </a:xfrm>
+          <a:prstGeom prst="line">
+            <a:avLst/>
+          </a:prstGeom>
+          <a:ln w="38100">
+            <a:solidFill>
+              <a:srgbClr val="FF0000"/>
+            </a:solidFill>
+          </a:ln>
+        </p:spPr>
+        <p:style>
+          <a:lnRef idx="1">
+            <a:schemeClr val="accent1"/>
+          </a:lnRef>
+          <a:fillRef idx="0">
+            <a:schemeClr val="accent1"/>
+          </a:fillRef>
+          <a:effectRef idx="0">
+            <a:schemeClr val="accent1"/>
+          </a:effectRef>
+          <a:fontRef idx="minor">
+            <a:schemeClr val="tx1"/>
+          </a:fontRef>
+        </p:style>
+      </p:cxnSp>
+      <p:sp>
+        <p:nvSpPr>
+          <p:cNvPr id="22" name="TextBox 21">
+            <a:extLst>
+              <a:ext uri="{FF2B5EF4-FFF2-40B4-BE49-F238E27FC236}">
+                <a16:creationId xmlns:a16="http://schemas.microsoft.com/office/drawing/2014/main" id="{46B7EA58-223A-76DA-904C-B127A21679D7}"/>
+              </a:ext>
+            </a:extLst>
+          </p:cNvPr>
+          <p:cNvSpPr txBox="1"/>
+          <p:nvPr/>
+        </p:nvSpPr>
+        <p:spPr>
+          <a:xfrm>
+            <a:off x="4124492" y="4799805"/>
+            <a:ext cx="1353640" cy="646331"/>
+          </a:xfrm>
+          <a:prstGeom prst="rect">
+            <a:avLst/>
+          </a:prstGeom>
+          <a:noFill/>
+        </p:spPr>
+        <p:txBody>
+          <a:bodyPr wrap="none" rtlCol="0">
+            <a:spAutoFit/>
+          </a:bodyPr>
+          <a:lstStyle/>
+          <a:p>
+            <a:r>
               <a:rPr lang="en-US" dirty="0"/>
-              <a:t>Siblings Relation</a:t>
+              <a:t>Total edges: </a:t>
+            </a:r>
+          </a:p>
+          <a:p>
+            <a:r>
+              <a:rPr lang="en-US" dirty="0"/>
+              <a:t>(n(n-1))/2</a:t>
             </a:r>
           </a:p>
         </p:txBody>
@@ -8665,7 +9370,7 @@
     </p:spTree>
     <p:extLst>
       <p:ext uri="{BB962C8B-B14F-4D97-AF65-F5344CB8AC3E}">
-        <p14:creationId xmlns:p14="http://schemas.microsoft.com/office/powerpoint/2010/main" val="1590546228"/>
+        <p14:creationId xmlns:p14="http://schemas.microsoft.com/office/powerpoint/2010/main" val="2602261616"/>
       </p:ext>
     </p:extLst>
   </p:cSld>
@@ -8767,12 +9472,48 @@
           </a:prstGeom>
         </p:spPr>
       </p:pic>
+      <p:pic>
+        <p:nvPicPr>
+          <p:cNvPr id="6" name="Picture 5">
+            <a:extLst>
+              <a:ext uri="{FF2B5EF4-FFF2-40B4-BE49-F238E27FC236}">
+                <a16:creationId xmlns:a16="http://schemas.microsoft.com/office/drawing/2014/main" id="{12FC48A8-7E76-3B37-EC98-7F8A0B19AB46}"/>
+              </a:ext>
+            </a:extLst>
+          </p:cNvPr>
+          <p:cNvPicPr>
+            <a:picLocks noChangeAspect="1"/>
+          </p:cNvPicPr>
+          <p:nvPr/>
+        </p:nvPicPr>
+        <p:blipFill>
+          <a:blip r:embed="rId3">
+            <a:extLst>
+              <a:ext uri="{28A0092B-C50C-407E-A947-70E740481C1C}">
+                <a14:useLocalDpi xmlns:a14="http://schemas.microsoft.com/office/drawing/2010/main" val="0"/>
+              </a:ext>
+            </a:extLst>
+          </a:blip>
+          <a:stretch>
+            <a:fillRect/>
+          </a:stretch>
+        </p:blipFill>
+        <p:spPr>
+          <a:xfrm>
+            <a:off x="8086723" y="1947863"/>
+            <a:ext cx="3733800" cy="3733800"/>
+          </a:xfrm>
+          <a:prstGeom prst="rect">
+            <a:avLst/>
+          </a:prstGeom>
+        </p:spPr>
+      </p:pic>
       <p:sp>
         <p:nvSpPr>
-          <p:cNvPr id="3" name="TextBox 2">
-            <a:extLst>
-              <a:ext uri="{FF2B5EF4-FFF2-40B4-BE49-F238E27FC236}">
-                <a16:creationId xmlns:a16="http://schemas.microsoft.com/office/drawing/2014/main" id="{C3BFC904-2C98-0A6B-DB9F-F77D7062E30B}"/>
+          <p:cNvPr id="7" name="TextBox 6">
+            <a:extLst>
+              <a:ext uri="{FF2B5EF4-FFF2-40B4-BE49-F238E27FC236}">
+                <a16:creationId xmlns:a16="http://schemas.microsoft.com/office/drawing/2014/main" id="{7A58E15A-2348-A7C6-FC81-48AD1D6E4181}"/>
               </a:ext>
             </a:extLst>
           </p:cNvPr>
@@ -8804,10 +9545,10 @@
       </p:sp>
       <p:pic>
         <p:nvPicPr>
-          <p:cNvPr id="10" name="Picture 9">
-            <a:extLst>
-              <a:ext uri="{FF2B5EF4-FFF2-40B4-BE49-F238E27FC236}">
-                <a16:creationId xmlns:a16="http://schemas.microsoft.com/office/drawing/2014/main" id="{479D0D63-8B89-D61F-B6AC-12A0A9B1880F}"/>
+          <p:cNvPr id="8" name="Picture 7">
+            <a:extLst>
+              <a:ext uri="{FF2B5EF4-FFF2-40B4-BE49-F238E27FC236}">
+                <a16:creationId xmlns:a16="http://schemas.microsoft.com/office/drawing/2014/main" id="{C1B70BF2-C4A5-2826-E7C8-890B5910688F}"/>
               </a:ext>
             </a:extLst>
           </p:cNvPr>
@@ -8817,7 +9558,7 @@
           <p:nvPr/>
         </p:nvPicPr>
         <p:blipFill rotWithShape="1">
-          <a:blip r:embed="rId3">
+          <a:blip r:embed="rId4">
             <a:extLst>
               <a:ext uri="{28A0092B-C50C-407E-A947-70E740481C1C}">
                 <a14:useLocalDpi xmlns:a14="http://schemas.microsoft.com/office/drawing/2010/main" val="0"/>
@@ -8839,10 +9580,10 @@
       </p:pic>
       <p:sp>
         <p:nvSpPr>
-          <p:cNvPr id="11" name="TextBox 10">
-            <a:extLst>
-              <a:ext uri="{FF2B5EF4-FFF2-40B4-BE49-F238E27FC236}">
-                <a16:creationId xmlns:a16="http://schemas.microsoft.com/office/drawing/2014/main" id="{3EE8954A-E471-F2EF-426C-D988AF32186F}"/>
+          <p:cNvPr id="9" name="TextBox 8">
+            <a:extLst>
+              <a:ext uri="{FF2B5EF4-FFF2-40B4-BE49-F238E27FC236}">
+                <a16:creationId xmlns:a16="http://schemas.microsoft.com/office/drawing/2014/main" id="{F327D58F-429A-36B6-C4D6-D4B3D7248B24}"/>
               </a:ext>
             </a:extLst>
           </p:cNvPr>
@@ -8875,7 +9616,708 @@
     </p:spTree>
     <p:extLst>
       <p:ext uri="{BB962C8B-B14F-4D97-AF65-F5344CB8AC3E}">
+        <p14:creationId xmlns:p14="http://schemas.microsoft.com/office/powerpoint/2010/main" val="1590546228"/>
+      </p:ext>
+    </p:extLst>
+  </p:cSld>
+  <p:clrMapOvr>
+    <a:masterClrMapping/>
+  </p:clrMapOvr>
+</p:sld>
+</file>
+
+<file path=ppt/slides/slide6.xml><?xml version="1.0" encoding="utf-8"?>
+<p:sld xmlns:a="http://schemas.openxmlformats.org/drawingml/2006/main" xmlns:r="http://schemas.openxmlformats.org/officeDocument/2006/relationships" xmlns:p="http://schemas.openxmlformats.org/presentationml/2006/main">
+  <p:cSld>
+    <p:spTree>
+      <p:nvGrpSpPr>
+        <p:cNvPr id="1" name=""/>
+        <p:cNvGrpSpPr/>
+        <p:nvPr/>
+      </p:nvGrpSpPr>
+      <p:grpSpPr>
+        <a:xfrm>
+          <a:off x="0" y="0"/>
+          <a:ext cx="0" cy="0"/>
+          <a:chOff x="0" y="0"/>
+          <a:chExt cx="0" cy="0"/>
+        </a:xfrm>
+      </p:grpSpPr>
+      <p:sp>
+        <p:nvSpPr>
+          <p:cNvPr id="2" name="TextBox 1">
+            <a:extLst>
+              <a:ext uri="{FF2B5EF4-FFF2-40B4-BE49-F238E27FC236}">
+                <a16:creationId xmlns:a16="http://schemas.microsoft.com/office/drawing/2014/main" id="{CFBB8880-030D-770F-78E0-250ED3C4086B}"/>
+              </a:ext>
+            </a:extLst>
+          </p:cNvPr>
+          <p:cNvSpPr txBox="1"/>
+          <p:nvPr/>
+        </p:nvSpPr>
+        <p:spPr>
+          <a:xfrm>
+            <a:off x="371477" y="471488"/>
+            <a:ext cx="6743700" cy="1754326"/>
+          </a:xfrm>
+          <a:prstGeom prst="rect">
+            <a:avLst/>
+          </a:prstGeom>
+          <a:noFill/>
+        </p:spPr>
+        <p:txBody>
+          <a:bodyPr wrap="square" rtlCol="0">
+            <a:spAutoFit/>
+          </a:bodyPr>
+          <a:lstStyle/>
+          <a:p>
+            <a:r>
+              <a:rPr lang="en-US" sz="3600" b="1" dirty="0">
+                <a:latin typeface="Arial Black" panose="020B0A04020102020204" pitchFamily="34" charset="0"/>
+                <a:ea typeface="+mj-ea"/>
+                <a:cs typeface="+mj-cs"/>
+              </a:rPr>
+              <a:t>Difference between Directed and undirected graphs?</a:t>
+            </a:r>
+          </a:p>
+        </p:txBody>
+      </p:sp>
+      <p:pic>
+        <p:nvPicPr>
+          <p:cNvPr id="4" name="Picture 3">
+            <a:extLst>
+              <a:ext uri="{FF2B5EF4-FFF2-40B4-BE49-F238E27FC236}">
+                <a16:creationId xmlns:a16="http://schemas.microsoft.com/office/drawing/2014/main" id="{FAAEB7AD-C825-8836-2CCC-6A519C365B2E}"/>
+              </a:ext>
+            </a:extLst>
+          </p:cNvPr>
+          <p:cNvPicPr>
+            <a:picLocks noChangeAspect="1"/>
+          </p:cNvPicPr>
+          <p:nvPr/>
+        </p:nvPicPr>
+        <p:blipFill>
+          <a:blip r:embed="rId2">
+            <a:extLst>
+              <a:ext uri="{28A0092B-C50C-407E-A947-70E740481C1C}">
+                <a14:useLocalDpi xmlns:a14="http://schemas.microsoft.com/office/drawing/2010/main" val="0"/>
+              </a:ext>
+            </a:extLst>
+          </a:blip>
+          <a:stretch>
+            <a:fillRect/>
+          </a:stretch>
+        </p:blipFill>
+        <p:spPr>
+          <a:xfrm>
+            <a:off x="8086723" y="1947863"/>
+            <a:ext cx="3733800" cy="3733800"/>
+          </a:xfrm>
+          <a:prstGeom prst="rect">
+            <a:avLst/>
+          </a:prstGeom>
+        </p:spPr>
+      </p:pic>
+      <p:sp>
+        <p:nvSpPr>
+          <p:cNvPr id="3" name="TextBox 2">
+            <a:extLst>
+              <a:ext uri="{FF2B5EF4-FFF2-40B4-BE49-F238E27FC236}">
+                <a16:creationId xmlns:a16="http://schemas.microsoft.com/office/drawing/2014/main" id="{C3BFC904-2C98-0A6B-DB9F-F77D7062E30B}"/>
+              </a:ext>
+            </a:extLst>
+          </p:cNvPr>
+          <p:cNvSpPr txBox="1"/>
+          <p:nvPr/>
+        </p:nvSpPr>
+        <p:spPr>
+          <a:xfrm>
+            <a:off x="8940108" y="1348651"/>
+            <a:ext cx="2027030" cy="369332"/>
+          </a:xfrm>
+          <a:prstGeom prst="rect">
+            <a:avLst/>
+          </a:prstGeom>
+          <a:noFill/>
+        </p:spPr>
+        <p:txBody>
+          <a:bodyPr wrap="none" rtlCol="0">
+            <a:spAutoFit/>
+          </a:bodyPr>
+          <a:lstStyle/>
+          <a:p>
+            <a:r>
+              <a:rPr lang="en-US" dirty="0"/>
+              <a:t>Instagram followers</a:t>
+            </a:r>
+          </a:p>
+        </p:txBody>
+      </p:sp>
+      <p:pic>
+        <p:nvPicPr>
+          <p:cNvPr id="10" name="Picture 9">
+            <a:extLst>
+              <a:ext uri="{FF2B5EF4-FFF2-40B4-BE49-F238E27FC236}">
+                <a16:creationId xmlns:a16="http://schemas.microsoft.com/office/drawing/2014/main" id="{479D0D63-8B89-D61F-B6AC-12A0A9B1880F}"/>
+              </a:ext>
+            </a:extLst>
+          </p:cNvPr>
+          <p:cNvPicPr>
+            <a:picLocks noChangeAspect="1"/>
+          </p:cNvPicPr>
+          <p:nvPr/>
+        </p:nvPicPr>
+        <p:blipFill rotWithShape="1">
+          <a:blip r:embed="rId3">
+            <a:extLst>
+              <a:ext uri="{28A0092B-C50C-407E-A947-70E740481C1C}">
+                <a14:useLocalDpi xmlns:a14="http://schemas.microsoft.com/office/drawing/2010/main" val="0"/>
+              </a:ext>
+            </a:extLst>
+          </a:blip>
+          <a:srcRect l="17985" t="30404" r="18495" b="13347"/>
+          <a:stretch/>
+        </p:blipFill>
+        <p:spPr>
+          <a:xfrm>
+            <a:off x="2000250" y="3900487"/>
+            <a:ext cx="2371725" cy="2100263"/>
+          </a:xfrm>
+          <a:prstGeom prst="rect">
+            <a:avLst/>
+          </a:prstGeom>
+        </p:spPr>
+      </p:pic>
+      <p:sp>
+        <p:nvSpPr>
+          <p:cNvPr id="11" name="TextBox 10">
+            <a:extLst>
+              <a:ext uri="{FF2B5EF4-FFF2-40B4-BE49-F238E27FC236}">
+                <a16:creationId xmlns:a16="http://schemas.microsoft.com/office/drawing/2014/main" id="{3EE8954A-E471-F2EF-426C-D988AF32186F}"/>
+              </a:ext>
+            </a:extLst>
+          </p:cNvPr>
+          <p:cNvSpPr txBox="1"/>
+          <p:nvPr/>
+        </p:nvSpPr>
+        <p:spPr>
+          <a:xfrm>
+            <a:off x="2328863" y="3243263"/>
+            <a:ext cx="1715791" cy="369332"/>
+          </a:xfrm>
+          <a:prstGeom prst="rect">
+            <a:avLst/>
+          </a:prstGeom>
+          <a:noFill/>
+        </p:spPr>
+        <p:txBody>
+          <a:bodyPr wrap="none" rtlCol="0">
+            <a:spAutoFit/>
+          </a:bodyPr>
+          <a:lstStyle/>
+          <a:p>
+            <a:r>
+              <a:rPr lang="en-US" dirty="0"/>
+              <a:t>Siblings Relation</a:t>
+            </a:r>
+          </a:p>
+        </p:txBody>
+      </p:sp>
+    </p:spTree>
+    <p:extLst>
+      <p:ext uri="{BB962C8B-B14F-4D97-AF65-F5344CB8AC3E}">
         <p14:creationId xmlns:p14="http://schemas.microsoft.com/office/powerpoint/2010/main" val="563380034"/>
+      </p:ext>
+    </p:extLst>
+  </p:cSld>
+  <p:clrMapOvr>
+    <a:masterClrMapping/>
+  </p:clrMapOvr>
+</p:sld>
+</file>
+
+<file path=ppt/slides/slide7.xml><?xml version="1.0" encoding="utf-8"?>
+<p:sld xmlns:a="http://schemas.openxmlformats.org/drawingml/2006/main" xmlns:r="http://schemas.openxmlformats.org/officeDocument/2006/relationships" xmlns:p="http://schemas.openxmlformats.org/presentationml/2006/main">
+  <p:cSld>
+    <p:spTree>
+      <p:nvGrpSpPr>
+        <p:cNvPr id="1" name=""/>
+        <p:cNvGrpSpPr/>
+        <p:nvPr/>
+      </p:nvGrpSpPr>
+      <p:grpSpPr>
+        <a:xfrm>
+          <a:off x="0" y="0"/>
+          <a:ext cx="0" cy="0"/>
+          <a:chOff x="0" y="0"/>
+          <a:chExt cx="0" cy="0"/>
+        </a:xfrm>
+      </p:grpSpPr>
+      <p:sp>
+        <p:nvSpPr>
+          <p:cNvPr id="3" name="TextBox 2">
+            <a:extLst>
+              <a:ext uri="{FF2B5EF4-FFF2-40B4-BE49-F238E27FC236}">
+                <a16:creationId xmlns:a16="http://schemas.microsoft.com/office/drawing/2014/main" id="{6129BCCE-EAA2-06B8-2ABB-36E1965B0FED}"/>
+              </a:ext>
+            </a:extLst>
+          </p:cNvPr>
+          <p:cNvSpPr txBox="1"/>
+          <p:nvPr/>
+        </p:nvSpPr>
+        <p:spPr>
+          <a:xfrm>
+            <a:off x="360759" y="472559"/>
+            <a:ext cx="6097191" cy="1089529"/>
+          </a:xfrm>
+          <a:prstGeom prst="rect">
+            <a:avLst/>
+          </a:prstGeom>
+          <a:noFill/>
+        </p:spPr>
+        <p:txBody>
+          <a:bodyPr wrap="square">
+            <a:spAutoFit/>
+          </a:bodyPr>
+          <a:lstStyle/>
+          <a:p>
+            <a:pPr>
+              <a:lnSpc>
+                <a:spcPct val="90000"/>
+              </a:lnSpc>
+              <a:spcBef>
+                <a:spcPct val="0"/>
+              </a:spcBef>
+            </a:pPr>
+            <a:r>
+              <a:rPr lang="en-US" sz="3600" b="1" dirty="0">
+                <a:latin typeface="Arial Black" panose="020B0A04020102020204" pitchFamily="34" charset="0"/>
+                <a:ea typeface="+mj-ea"/>
+                <a:cs typeface="+mj-cs"/>
+              </a:rPr>
+              <a:t>GRAPH REPRESENTATION</a:t>
+            </a:r>
+          </a:p>
+        </p:txBody>
+      </p:sp>
+      <p:sp>
+        <p:nvSpPr>
+          <p:cNvPr id="2" name="TextBox 1">
+            <a:extLst>
+              <a:ext uri="{FF2B5EF4-FFF2-40B4-BE49-F238E27FC236}">
+                <a16:creationId xmlns:a16="http://schemas.microsoft.com/office/drawing/2014/main" id="{4073108B-FF80-2542-E514-618C5A826695}"/>
+              </a:ext>
+            </a:extLst>
+          </p:cNvPr>
+          <p:cNvSpPr txBox="1"/>
+          <p:nvPr/>
+        </p:nvSpPr>
+        <p:spPr>
+          <a:xfrm>
+            <a:off x="471487" y="2214563"/>
+            <a:ext cx="7158037" cy="3970318"/>
+          </a:xfrm>
+          <a:prstGeom prst="rect">
+            <a:avLst/>
+          </a:prstGeom>
+          <a:noFill/>
+        </p:spPr>
+        <p:txBody>
+          <a:bodyPr wrap="square" rtlCol="0">
+            <a:spAutoFit/>
+          </a:bodyPr>
+          <a:lstStyle/>
+          <a:p>
+            <a:pPr marL="342900" indent="-342900">
+              <a:buAutoNum type="arabicPeriod"/>
+            </a:pPr>
+            <a:r>
+              <a:rPr lang="en-US" dirty="0"/>
+              <a:t>Edge List</a:t>
+            </a:r>
+          </a:p>
+          <a:p>
+            <a:pPr marL="800100" lvl="1" indent="-342900">
+              <a:buAutoNum type="arabicPeriod"/>
+            </a:pPr>
+            <a:r>
+              <a:rPr lang="en-US" dirty="0"/>
+              <a:t>Individual track of all edges</a:t>
+            </a:r>
+          </a:p>
+          <a:p>
+            <a:pPr marL="800100" lvl="1" indent="-342900">
+              <a:buAutoNum type="arabicPeriod"/>
+            </a:pPr>
+            <a:r>
+              <a:rPr lang="en-US" dirty="0"/>
+              <a:t>Need to check all edges</a:t>
+            </a:r>
+          </a:p>
+          <a:p>
+            <a:pPr marL="342900" indent="-342900">
+              <a:buAutoNum type="arabicPeriod"/>
+            </a:pPr>
+            <a:endParaRPr lang="en-US" dirty="0"/>
+          </a:p>
+          <a:p>
+            <a:pPr marL="342900" indent="-342900">
+              <a:buAutoNum type="arabicPeriod"/>
+            </a:pPr>
+            <a:r>
+              <a:rPr lang="en-US" dirty="0"/>
+              <a:t>Adjacency List</a:t>
+            </a:r>
+          </a:p>
+          <a:p>
+            <a:pPr marL="800100" lvl="1" indent="-342900">
+              <a:buAutoNum type="arabicPeriod"/>
+            </a:pPr>
+            <a:r>
+              <a:rPr lang="en-US" dirty="0"/>
+              <a:t>Track of all adjacent to a particular edge</a:t>
+            </a:r>
+          </a:p>
+          <a:p>
+            <a:pPr marL="800100" lvl="1" indent="-342900">
+              <a:buAutoNum type="arabicPeriod"/>
+            </a:pPr>
+            <a:r>
+              <a:rPr lang="en-US" dirty="0"/>
+              <a:t>Need to check relevant list of adjacent </a:t>
+            </a:r>
+          </a:p>
+          <a:p>
+            <a:pPr marL="342900" indent="-342900">
+              <a:buAutoNum type="arabicPeriod"/>
+            </a:pPr>
+            <a:endParaRPr lang="en-US" dirty="0"/>
+          </a:p>
+          <a:p>
+            <a:pPr marL="342900" indent="-342900">
+              <a:buAutoNum type="arabicPeriod"/>
+            </a:pPr>
+            <a:r>
+              <a:rPr lang="en-US" dirty="0"/>
+              <a:t>Adjacency Matrix</a:t>
+            </a:r>
+          </a:p>
+          <a:p>
+            <a:pPr marL="800100" lvl="1" indent="-342900">
+              <a:buAutoNum type="arabicPeriod"/>
+            </a:pPr>
+            <a:r>
+              <a:rPr lang="en-US" dirty="0"/>
+              <a:t>Table in form of rows and columns that keep track of all possible edges in terms of YES/NO</a:t>
+            </a:r>
+          </a:p>
+          <a:p>
+            <a:pPr marL="800100" lvl="1" indent="-342900">
+              <a:buAutoNum type="arabicPeriod"/>
+            </a:pPr>
+            <a:r>
+              <a:rPr lang="en-US" dirty="0"/>
+              <a:t>Only need to check one cell.</a:t>
+            </a:r>
+          </a:p>
+          <a:p>
+            <a:pPr marL="800100" lvl="1" indent="-342900">
+              <a:buAutoNum type="arabicPeriod"/>
+            </a:pPr>
+            <a:endParaRPr lang="en-US" dirty="0"/>
+          </a:p>
+          <a:p>
+            <a:pPr marL="342900" indent="-342900">
+              <a:buAutoNum type="arabicPeriod"/>
+            </a:pPr>
+            <a:endParaRPr lang="en-US" dirty="0"/>
+          </a:p>
+        </p:txBody>
+      </p:sp>
+    </p:spTree>
+    <p:extLst>
+      <p:ext uri="{BB962C8B-B14F-4D97-AF65-F5344CB8AC3E}">
+        <p14:creationId xmlns:p14="http://schemas.microsoft.com/office/powerpoint/2010/main" val="3072984554"/>
+      </p:ext>
+    </p:extLst>
+  </p:cSld>
+  <p:clrMapOvr>
+    <a:masterClrMapping/>
+  </p:clrMapOvr>
+</p:sld>
+</file>
+
+<file path=ppt/slides/slide8.xml><?xml version="1.0" encoding="utf-8"?>
+<p:sld xmlns:a="http://schemas.openxmlformats.org/drawingml/2006/main" xmlns:r="http://schemas.openxmlformats.org/officeDocument/2006/relationships" xmlns:p="http://schemas.openxmlformats.org/presentationml/2006/main">
+  <p:cSld>
+    <p:spTree>
+      <p:nvGrpSpPr>
+        <p:cNvPr id="1" name=""/>
+        <p:cNvGrpSpPr/>
+        <p:nvPr/>
+      </p:nvGrpSpPr>
+      <p:grpSpPr>
+        <a:xfrm>
+          <a:off x="0" y="0"/>
+          <a:ext cx="0" cy="0"/>
+          <a:chOff x="0" y="0"/>
+          <a:chExt cx="0" cy="0"/>
+        </a:xfrm>
+      </p:grpSpPr>
+      <p:sp>
+        <p:nvSpPr>
+          <p:cNvPr id="2" name="TextBox 1">
+            <a:extLst>
+              <a:ext uri="{FF2B5EF4-FFF2-40B4-BE49-F238E27FC236}">
+                <a16:creationId xmlns:a16="http://schemas.microsoft.com/office/drawing/2014/main" id="{199B9149-BCE3-E8FF-B980-A671C271C1F7}"/>
+              </a:ext>
+            </a:extLst>
+          </p:cNvPr>
+          <p:cNvSpPr txBox="1"/>
+          <p:nvPr/>
+        </p:nvSpPr>
+        <p:spPr>
+          <a:xfrm>
+            <a:off x="428625" y="628651"/>
+            <a:ext cx="5472112" cy="1089529"/>
+          </a:xfrm>
+          <a:prstGeom prst="rect">
+            <a:avLst/>
+          </a:prstGeom>
+          <a:noFill/>
+        </p:spPr>
+        <p:txBody>
+          <a:bodyPr wrap="square" rtlCol="0">
+            <a:spAutoFit/>
+          </a:bodyPr>
+          <a:lstStyle/>
+          <a:p>
+            <a:pPr>
+              <a:lnSpc>
+                <a:spcPct val="90000"/>
+              </a:lnSpc>
+              <a:spcBef>
+                <a:spcPct val="0"/>
+              </a:spcBef>
+            </a:pPr>
+            <a:r>
+              <a:rPr lang="en-US" sz="3600" b="1" dirty="0">
+                <a:latin typeface="Arial Black" panose="020B0A04020102020204" pitchFamily="34" charset="0"/>
+                <a:ea typeface="+mj-ea"/>
+                <a:cs typeface="+mj-cs"/>
+              </a:rPr>
+              <a:t>Things we need for our area of research:</a:t>
+            </a:r>
+          </a:p>
+        </p:txBody>
+      </p:sp>
+      <p:sp>
+        <p:nvSpPr>
+          <p:cNvPr id="3" name="TextBox 2">
+            <a:extLst>
+              <a:ext uri="{FF2B5EF4-FFF2-40B4-BE49-F238E27FC236}">
+                <a16:creationId xmlns:a16="http://schemas.microsoft.com/office/drawing/2014/main" id="{2A3DBAD7-0349-C138-49F2-34BA414DC8BC}"/>
+              </a:ext>
+            </a:extLst>
+          </p:cNvPr>
+          <p:cNvSpPr txBox="1"/>
+          <p:nvPr/>
+        </p:nvSpPr>
+        <p:spPr>
+          <a:xfrm>
+            <a:off x="657225" y="2557463"/>
+            <a:ext cx="3244927" cy="1477328"/>
+          </a:xfrm>
+          <a:prstGeom prst="rect">
+            <a:avLst/>
+          </a:prstGeom>
+          <a:noFill/>
+        </p:spPr>
+        <p:txBody>
+          <a:bodyPr wrap="none" rtlCol="0">
+            <a:spAutoFit/>
+          </a:bodyPr>
+          <a:lstStyle/>
+          <a:p>
+            <a:pPr marL="342900" indent="-342900">
+              <a:buAutoNum type="arabicPeriod"/>
+            </a:pPr>
+            <a:r>
+              <a:rPr lang="en-US" dirty="0"/>
+              <a:t>How to traverse a graph</a:t>
+            </a:r>
+          </a:p>
+          <a:p>
+            <a:pPr marL="342900" indent="-342900">
+              <a:buAutoNum type="arabicPeriod"/>
+            </a:pPr>
+            <a:r>
+              <a:rPr lang="en-US" dirty="0"/>
+              <a:t>Count neighbors of a vertex</a:t>
+            </a:r>
+          </a:p>
+          <a:p>
+            <a:pPr marL="342900" indent="-342900">
+              <a:buAutoNum type="arabicPeriod"/>
+            </a:pPr>
+            <a:r>
+              <a:rPr lang="en-US" dirty="0"/>
+              <a:t>Deleting and inserting edges</a:t>
+            </a:r>
+          </a:p>
+          <a:p>
+            <a:pPr marL="342900" indent="-342900">
+              <a:buAutoNum type="arabicPeriod"/>
+            </a:pPr>
+            <a:r>
+              <a:rPr lang="en-US" dirty="0"/>
+              <a:t>Path and cycle of vertices</a:t>
+            </a:r>
+          </a:p>
+          <a:p>
+            <a:pPr marL="342900" indent="-342900">
+              <a:buAutoNum type="arabicPeriod"/>
+            </a:pPr>
+            <a:endParaRPr lang="en-US" dirty="0"/>
+          </a:p>
+        </p:txBody>
+      </p:sp>
+    </p:spTree>
+    <p:extLst>
+      <p:ext uri="{BB962C8B-B14F-4D97-AF65-F5344CB8AC3E}">
+        <p14:creationId xmlns:p14="http://schemas.microsoft.com/office/powerpoint/2010/main" val="3045866047"/>
+      </p:ext>
+    </p:extLst>
+  </p:cSld>
+  <p:clrMapOvr>
+    <a:masterClrMapping/>
+  </p:clrMapOvr>
+</p:sld>
+</file>
+
+<file path=ppt/slides/slide9.xml><?xml version="1.0" encoding="utf-8"?>
+<p:sld xmlns:a="http://schemas.openxmlformats.org/drawingml/2006/main" xmlns:r="http://schemas.openxmlformats.org/officeDocument/2006/relationships" xmlns:p="http://schemas.openxmlformats.org/presentationml/2006/main">
+  <p:cSld>
+    <p:spTree>
+      <p:nvGrpSpPr>
+        <p:cNvPr id="1" name=""/>
+        <p:cNvGrpSpPr/>
+        <p:nvPr/>
+      </p:nvGrpSpPr>
+      <p:grpSpPr>
+        <a:xfrm>
+          <a:off x="0" y="0"/>
+          <a:ext cx="0" cy="0"/>
+          <a:chOff x="0" y="0"/>
+          <a:chExt cx="0" cy="0"/>
+        </a:xfrm>
+      </p:grpSpPr>
+      <p:sp>
+        <p:nvSpPr>
+          <p:cNvPr id="2" name="Title 1">
+            <a:extLst>
+              <a:ext uri="{FF2B5EF4-FFF2-40B4-BE49-F238E27FC236}">
+                <a16:creationId xmlns:a16="http://schemas.microsoft.com/office/drawing/2014/main" id="{4F6E24A9-DAC8-3CD7-F6AF-35F942D93487}"/>
+              </a:ext>
+            </a:extLst>
+          </p:cNvPr>
+          <p:cNvSpPr>
+            <a:spLocks noGrp="1"/>
+          </p:cNvSpPr>
+          <p:nvPr>
+            <p:ph type="title"/>
+          </p:nvPr>
+        </p:nvSpPr>
+        <p:spPr>
+          <a:xfrm>
+            <a:off x="839788" y="987425"/>
+            <a:ext cx="3932237" cy="614361"/>
+          </a:xfrm>
+        </p:spPr>
+        <p:txBody>
+          <a:bodyPr>
+            <a:noAutofit/>
+          </a:bodyPr>
+          <a:lstStyle/>
+          <a:p>
+            <a:r>
+              <a:rPr lang="en-US" sz="3600" b="1" dirty="0">
+                <a:latin typeface="Arial Black" panose="020B0A04020102020204" pitchFamily="34" charset="0"/>
+              </a:rPr>
+              <a:t>Graph in Board Games</a:t>
+            </a:r>
+          </a:p>
+        </p:txBody>
+      </p:sp>
+      <p:sp>
+        <p:nvSpPr>
+          <p:cNvPr id="3" name="Content Placeholder 2">
+            <a:extLst>
+              <a:ext uri="{FF2B5EF4-FFF2-40B4-BE49-F238E27FC236}">
+                <a16:creationId xmlns:a16="http://schemas.microsoft.com/office/drawing/2014/main" id="{A9173C1D-2F8B-2792-3149-B0AB3328C944}"/>
+              </a:ext>
+            </a:extLst>
+          </p:cNvPr>
+          <p:cNvSpPr>
+            <a:spLocks noGrp="1"/>
+          </p:cNvSpPr>
+          <p:nvPr>
+            <p:ph idx="1"/>
+          </p:nvPr>
+        </p:nvSpPr>
+        <p:spPr/>
+        <p:txBody>
+          <a:bodyPr/>
+          <a:lstStyle/>
+          <a:p>
+            <a:endParaRPr lang="en-US"/>
+          </a:p>
+        </p:txBody>
+      </p:sp>
+      <p:sp>
+        <p:nvSpPr>
+          <p:cNvPr id="4" name="Text Placeholder 3">
+            <a:extLst>
+              <a:ext uri="{FF2B5EF4-FFF2-40B4-BE49-F238E27FC236}">
+                <a16:creationId xmlns:a16="http://schemas.microsoft.com/office/drawing/2014/main" id="{2575CAD2-AC30-D5F5-9D23-CF4A3F0D6D87}"/>
+              </a:ext>
+            </a:extLst>
+          </p:cNvPr>
+          <p:cNvSpPr>
+            <a:spLocks noGrp="1"/>
+          </p:cNvSpPr>
+          <p:nvPr>
+            <p:ph type="body" sz="half" idx="2"/>
+          </p:nvPr>
+        </p:nvSpPr>
+        <p:spPr/>
+        <p:txBody>
+          <a:bodyPr/>
+          <a:lstStyle/>
+          <a:p>
+            <a:r>
+              <a:rPr lang="en-US" dirty="0"/>
+              <a:t>Most board games are played two-dimensional grid. </a:t>
+            </a:r>
+          </a:p>
+          <a:p>
+            <a:r>
+              <a:rPr lang="en-US" dirty="0"/>
+              <a:t>• Nodes represent the cells where game pieces are placed. </a:t>
+            </a:r>
+          </a:p>
+          <a:p>
+            <a:r>
+              <a:rPr lang="en-US" dirty="0"/>
+              <a:t>• Winning conditions involve finding paths (edges) with consecutive stones.</a:t>
+            </a:r>
+          </a:p>
+        </p:txBody>
+      </p:sp>
+    </p:spTree>
+    <p:extLst>
+      <p:ext uri="{BB962C8B-B14F-4D97-AF65-F5344CB8AC3E}">
+        <p14:creationId xmlns:p14="http://schemas.microsoft.com/office/powerpoint/2010/main" val="41218718"/>
       </p:ext>
     </p:extLst>
   </p:cSld>

--- a/group5_graphtheory.pptx
+++ b/group5_graphtheory.pptx
@@ -115,7 +115,7 @@
   </p:defaultTextStyle>
   <p:extLst>
     <p:ext uri="{EFAFB233-063F-42B5-8137-9DF3F51BA10A}">
-      <p15:sldGuideLst xmlns:p15="http://schemas.microsoft.com/office/powerpoint/2012/main"/>
+      <p15:sldGuideLst xmlns:p15="http://schemas.microsoft.com/office/powerpoint/2012/main" xmlns=""/>
     </p:ext>
   </p:extLst>
 </p:presentation>
@@ -143,7 +143,7 @@
           <p:cNvPr id="2" name="Title 1">
             <a:extLst>
               <a:ext uri="{FF2B5EF4-FFF2-40B4-BE49-F238E27FC236}">
-                <a16:creationId xmlns:a16="http://schemas.microsoft.com/office/drawing/2014/main" id="{BBCE1907-BF49-D1B3-738F-3128D585CAE0}"/>
+                <a16:creationId xmlns:a16="http://schemas.microsoft.com/office/drawing/2014/main" xmlns="" id="{BBCE1907-BF49-D1B3-738F-3128D585CAE0}"/>
               </a:ext>
             </a:extLst>
           </p:cNvPr>
@@ -180,7 +180,7 @@
           <p:cNvPr id="3" name="Subtitle 2">
             <a:extLst>
               <a:ext uri="{FF2B5EF4-FFF2-40B4-BE49-F238E27FC236}">
-                <a16:creationId xmlns:a16="http://schemas.microsoft.com/office/drawing/2014/main" id="{19BC5ED9-2757-F5C3-CD09-15EB86E41325}"/>
+                <a16:creationId xmlns:a16="http://schemas.microsoft.com/office/drawing/2014/main" xmlns="" id="{19BC5ED9-2757-F5C3-CD09-15EB86E41325}"/>
               </a:ext>
             </a:extLst>
           </p:cNvPr>
@@ -250,7 +250,7 @@
           <p:cNvPr id="4" name="Date Placeholder 3">
             <a:extLst>
               <a:ext uri="{FF2B5EF4-FFF2-40B4-BE49-F238E27FC236}">
-                <a16:creationId xmlns:a16="http://schemas.microsoft.com/office/drawing/2014/main" id="{05358264-F8B0-A276-EFD2-30AB32E7D94D}"/>
+                <a16:creationId xmlns:a16="http://schemas.microsoft.com/office/drawing/2014/main" xmlns="" id="{05358264-F8B0-A276-EFD2-30AB32E7D94D}"/>
               </a:ext>
             </a:extLst>
           </p:cNvPr>
@@ -279,7 +279,7 @@
           <p:cNvPr id="5" name="Footer Placeholder 4">
             <a:extLst>
               <a:ext uri="{FF2B5EF4-FFF2-40B4-BE49-F238E27FC236}">
-                <a16:creationId xmlns:a16="http://schemas.microsoft.com/office/drawing/2014/main" id="{90EE5563-C195-4274-9EC3-F64606ED5028}"/>
+                <a16:creationId xmlns:a16="http://schemas.microsoft.com/office/drawing/2014/main" xmlns="" id="{90EE5563-C195-4274-9EC3-F64606ED5028}"/>
               </a:ext>
             </a:extLst>
           </p:cNvPr>
@@ -304,7 +304,7 @@
           <p:cNvPr id="6" name="Slide Number Placeholder 5">
             <a:extLst>
               <a:ext uri="{FF2B5EF4-FFF2-40B4-BE49-F238E27FC236}">
-                <a16:creationId xmlns:a16="http://schemas.microsoft.com/office/drawing/2014/main" id="{F4099638-DF8D-621F-D9A4-D6A107E6D17D}"/>
+                <a16:creationId xmlns:a16="http://schemas.microsoft.com/office/drawing/2014/main" xmlns="" id="{F4099638-DF8D-621F-D9A4-D6A107E6D17D}"/>
               </a:ext>
             </a:extLst>
           </p:cNvPr>
@@ -363,7 +363,7 @@
           <p:cNvPr id="2" name="Title 1">
             <a:extLst>
               <a:ext uri="{FF2B5EF4-FFF2-40B4-BE49-F238E27FC236}">
-                <a16:creationId xmlns:a16="http://schemas.microsoft.com/office/drawing/2014/main" id="{ADFC1F59-0CFE-78AB-46EC-BCE01ADA4D41}"/>
+                <a16:creationId xmlns:a16="http://schemas.microsoft.com/office/drawing/2014/main" xmlns="" id="{ADFC1F59-0CFE-78AB-46EC-BCE01ADA4D41}"/>
               </a:ext>
             </a:extLst>
           </p:cNvPr>
@@ -391,7 +391,7 @@
           <p:cNvPr id="3" name="Vertical Text Placeholder 2">
             <a:extLst>
               <a:ext uri="{FF2B5EF4-FFF2-40B4-BE49-F238E27FC236}">
-                <a16:creationId xmlns:a16="http://schemas.microsoft.com/office/drawing/2014/main" id="{E67E3BB0-EA82-7DF3-C844-C08581E515F5}"/>
+                <a16:creationId xmlns:a16="http://schemas.microsoft.com/office/drawing/2014/main" xmlns="" id="{E67E3BB0-EA82-7DF3-C844-C08581E515F5}"/>
               </a:ext>
             </a:extLst>
           </p:cNvPr>
@@ -448,7 +448,7 @@
           <p:cNvPr id="4" name="Date Placeholder 3">
             <a:extLst>
               <a:ext uri="{FF2B5EF4-FFF2-40B4-BE49-F238E27FC236}">
-                <a16:creationId xmlns:a16="http://schemas.microsoft.com/office/drawing/2014/main" id="{397E52DF-A3DD-73BC-352D-108DA5F729C0}"/>
+                <a16:creationId xmlns:a16="http://schemas.microsoft.com/office/drawing/2014/main" xmlns="" id="{397E52DF-A3DD-73BC-352D-108DA5F729C0}"/>
               </a:ext>
             </a:extLst>
           </p:cNvPr>
@@ -477,7 +477,7 @@
           <p:cNvPr id="5" name="Footer Placeholder 4">
             <a:extLst>
               <a:ext uri="{FF2B5EF4-FFF2-40B4-BE49-F238E27FC236}">
-                <a16:creationId xmlns:a16="http://schemas.microsoft.com/office/drawing/2014/main" id="{EADBC1C7-87F5-254B-E446-5AD25DA0392E}"/>
+                <a16:creationId xmlns:a16="http://schemas.microsoft.com/office/drawing/2014/main" xmlns="" id="{EADBC1C7-87F5-254B-E446-5AD25DA0392E}"/>
               </a:ext>
             </a:extLst>
           </p:cNvPr>
@@ -502,7 +502,7 @@
           <p:cNvPr id="6" name="Slide Number Placeholder 5">
             <a:extLst>
               <a:ext uri="{FF2B5EF4-FFF2-40B4-BE49-F238E27FC236}">
-                <a16:creationId xmlns:a16="http://schemas.microsoft.com/office/drawing/2014/main" id="{C152FEE2-1BD3-A4D0-0D35-E7305E78860E}"/>
+                <a16:creationId xmlns:a16="http://schemas.microsoft.com/office/drawing/2014/main" xmlns="" id="{C152FEE2-1BD3-A4D0-0D35-E7305E78860E}"/>
               </a:ext>
             </a:extLst>
           </p:cNvPr>
@@ -561,7 +561,7 @@
           <p:cNvPr id="2" name="Vertical Title 1">
             <a:extLst>
               <a:ext uri="{FF2B5EF4-FFF2-40B4-BE49-F238E27FC236}">
-                <a16:creationId xmlns:a16="http://schemas.microsoft.com/office/drawing/2014/main" id="{481586F5-F921-B763-3950-D7872EE73133}"/>
+                <a16:creationId xmlns:a16="http://schemas.microsoft.com/office/drawing/2014/main" xmlns="" id="{481586F5-F921-B763-3950-D7872EE73133}"/>
               </a:ext>
             </a:extLst>
           </p:cNvPr>
@@ -594,7 +594,7 @@
           <p:cNvPr id="3" name="Vertical Text Placeholder 2">
             <a:extLst>
               <a:ext uri="{FF2B5EF4-FFF2-40B4-BE49-F238E27FC236}">
-                <a16:creationId xmlns:a16="http://schemas.microsoft.com/office/drawing/2014/main" id="{3EEE1185-E9A2-AC83-C12D-85B8AAFE2D09}"/>
+                <a16:creationId xmlns:a16="http://schemas.microsoft.com/office/drawing/2014/main" xmlns="" id="{3EEE1185-E9A2-AC83-C12D-85B8AAFE2D09}"/>
               </a:ext>
             </a:extLst>
           </p:cNvPr>
@@ -656,7 +656,7 @@
           <p:cNvPr id="4" name="Date Placeholder 3">
             <a:extLst>
               <a:ext uri="{FF2B5EF4-FFF2-40B4-BE49-F238E27FC236}">
-                <a16:creationId xmlns:a16="http://schemas.microsoft.com/office/drawing/2014/main" id="{19B0B450-44E0-65BA-46AD-192A2EAF8A93}"/>
+                <a16:creationId xmlns:a16="http://schemas.microsoft.com/office/drawing/2014/main" xmlns="" id="{19B0B450-44E0-65BA-46AD-192A2EAF8A93}"/>
               </a:ext>
             </a:extLst>
           </p:cNvPr>
@@ -685,7 +685,7 @@
           <p:cNvPr id="5" name="Footer Placeholder 4">
             <a:extLst>
               <a:ext uri="{FF2B5EF4-FFF2-40B4-BE49-F238E27FC236}">
-                <a16:creationId xmlns:a16="http://schemas.microsoft.com/office/drawing/2014/main" id="{CA3D37D5-2E14-DE41-F72B-817ED02D2C96}"/>
+                <a16:creationId xmlns:a16="http://schemas.microsoft.com/office/drawing/2014/main" xmlns="" id="{CA3D37D5-2E14-DE41-F72B-817ED02D2C96}"/>
               </a:ext>
             </a:extLst>
           </p:cNvPr>
@@ -710,7 +710,7 @@
           <p:cNvPr id="6" name="Slide Number Placeholder 5">
             <a:extLst>
               <a:ext uri="{FF2B5EF4-FFF2-40B4-BE49-F238E27FC236}">
-                <a16:creationId xmlns:a16="http://schemas.microsoft.com/office/drawing/2014/main" id="{E37FEEDB-FAA5-ACE2-C695-76BB6061883B}"/>
+                <a16:creationId xmlns:a16="http://schemas.microsoft.com/office/drawing/2014/main" xmlns="" id="{E37FEEDB-FAA5-ACE2-C695-76BB6061883B}"/>
               </a:ext>
             </a:extLst>
           </p:cNvPr>
@@ -769,7 +769,7 @@
           <p:cNvPr id="2" name="Title 1">
             <a:extLst>
               <a:ext uri="{FF2B5EF4-FFF2-40B4-BE49-F238E27FC236}">
-                <a16:creationId xmlns:a16="http://schemas.microsoft.com/office/drawing/2014/main" id="{84E22EA6-F011-81D0-C0ED-156511373D36}"/>
+                <a16:creationId xmlns:a16="http://schemas.microsoft.com/office/drawing/2014/main" xmlns="" id="{84E22EA6-F011-81D0-C0ED-156511373D36}"/>
               </a:ext>
             </a:extLst>
           </p:cNvPr>
@@ -797,7 +797,7 @@
           <p:cNvPr id="3" name="Content Placeholder 2">
             <a:extLst>
               <a:ext uri="{FF2B5EF4-FFF2-40B4-BE49-F238E27FC236}">
-                <a16:creationId xmlns:a16="http://schemas.microsoft.com/office/drawing/2014/main" id="{F131A518-20A3-5D2F-0E56-CE8C14DF8C9C}"/>
+                <a16:creationId xmlns:a16="http://schemas.microsoft.com/office/drawing/2014/main" xmlns="" id="{F131A518-20A3-5D2F-0E56-CE8C14DF8C9C}"/>
               </a:ext>
             </a:extLst>
           </p:cNvPr>
@@ -854,7 +854,7 @@
           <p:cNvPr id="4" name="Date Placeholder 3">
             <a:extLst>
               <a:ext uri="{FF2B5EF4-FFF2-40B4-BE49-F238E27FC236}">
-                <a16:creationId xmlns:a16="http://schemas.microsoft.com/office/drawing/2014/main" id="{C39E8D88-7C40-D6EA-C801-7004B82E559F}"/>
+                <a16:creationId xmlns:a16="http://schemas.microsoft.com/office/drawing/2014/main" xmlns="" id="{C39E8D88-7C40-D6EA-C801-7004B82E559F}"/>
               </a:ext>
             </a:extLst>
           </p:cNvPr>
@@ -883,7 +883,7 @@
           <p:cNvPr id="5" name="Footer Placeholder 4">
             <a:extLst>
               <a:ext uri="{FF2B5EF4-FFF2-40B4-BE49-F238E27FC236}">
-                <a16:creationId xmlns:a16="http://schemas.microsoft.com/office/drawing/2014/main" id="{2F8260DA-273E-9730-5618-99CA28D71F74}"/>
+                <a16:creationId xmlns:a16="http://schemas.microsoft.com/office/drawing/2014/main" xmlns="" id="{2F8260DA-273E-9730-5618-99CA28D71F74}"/>
               </a:ext>
             </a:extLst>
           </p:cNvPr>
@@ -908,7 +908,7 @@
           <p:cNvPr id="6" name="Slide Number Placeholder 5">
             <a:extLst>
               <a:ext uri="{FF2B5EF4-FFF2-40B4-BE49-F238E27FC236}">
-                <a16:creationId xmlns:a16="http://schemas.microsoft.com/office/drawing/2014/main" id="{50132774-5B01-379E-B018-4A9C359F9C93}"/>
+                <a16:creationId xmlns:a16="http://schemas.microsoft.com/office/drawing/2014/main" xmlns="" id="{50132774-5B01-379E-B018-4A9C359F9C93}"/>
               </a:ext>
             </a:extLst>
           </p:cNvPr>
@@ -967,7 +967,7 @@
           <p:cNvPr id="2" name="Title 1">
             <a:extLst>
               <a:ext uri="{FF2B5EF4-FFF2-40B4-BE49-F238E27FC236}">
-                <a16:creationId xmlns:a16="http://schemas.microsoft.com/office/drawing/2014/main" id="{00FB3524-C4D6-30E3-4D4B-0443D14E204B}"/>
+                <a16:creationId xmlns:a16="http://schemas.microsoft.com/office/drawing/2014/main" xmlns="" id="{00FB3524-C4D6-30E3-4D4B-0443D14E204B}"/>
               </a:ext>
             </a:extLst>
           </p:cNvPr>
@@ -1004,7 +1004,7 @@
           <p:cNvPr id="3" name="Text Placeholder 2">
             <a:extLst>
               <a:ext uri="{FF2B5EF4-FFF2-40B4-BE49-F238E27FC236}">
-                <a16:creationId xmlns:a16="http://schemas.microsoft.com/office/drawing/2014/main" id="{A5D1FA1C-A238-5208-BE02-3F4A97CA23FC}"/>
+                <a16:creationId xmlns:a16="http://schemas.microsoft.com/office/drawing/2014/main" xmlns="" id="{A5D1FA1C-A238-5208-BE02-3F4A97CA23FC}"/>
               </a:ext>
             </a:extLst>
           </p:cNvPr>
@@ -1129,7 +1129,7 @@
           <p:cNvPr id="4" name="Date Placeholder 3">
             <a:extLst>
               <a:ext uri="{FF2B5EF4-FFF2-40B4-BE49-F238E27FC236}">
-                <a16:creationId xmlns:a16="http://schemas.microsoft.com/office/drawing/2014/main" id="{800247F4-BC63-27C9-5D19-3C0C02ED9345}"/>
+                <a16:creationId xmlns:a16="http://schemas.microsoft.com/office/drawing/2014/main" xmlns="" id="{800247F4-BC63-27C9-5D19-3C0C02ED9345}"/>
               </a:ext>
             </a:extLst>
           </p:cNvPr>
@@ -1158,7 +1158,7 @@
           <p:cNvPr id="5" name="Footer Placeholder 4">
             <a:extLst>
               <a:ext uri="{FF2B5EF4-FFF2-40B4-BE49-F238E27FC236}">
-                <a16:creationId xmlns:a16="http://schemas.microsoft.com/office/drawing/2014/main" id="{BC194FA8-D691-0D9E-9120-77618A79867F}"/>
+                <a16:creationId xmlns:a16="http://schemas.microsoft.com/office/drawing/2014/main" xmlns="" id="{BC194FA8-D691-0D9E-9120-77618A79867F}"/>
               </a:ext>
             </a:extLst>
           </p:cNvPr>
@@ -1183,7 +1183,7 @@
           <p:cNvPr id="6" name="Slide Number Placeholder 5">
             <a:extLst>
               <a:ext uri="{FF2B5EF4-FFF2-40B4-BE49-F238E27FC236}">
-                <a16:creationId xmlns:a16="http://schemas.microsoft.com/office/drawing/2014/main" id="{072E3DB1-DA2C-41DA-6AD2-74A29F7CD026}"/>
+                <a16:creationId xmlns:a16="http://schemas.microsoft.com/office/drawing/2014/main" xmlns="" id="{072E3DB1-DA2C-41DA-6AD2-74A29F7CD026}"/>
               </a:ext>
             </a:extLst>
           </p:cNvPr>
@@ -1242,7 +1242,7 @@
           <p:cNvPr id="2" name="Title 1">
             <a:extLst>
               <a:ext uri="{FF2B5EF4-FFF2-40B4-BE49-F238E27FC236}">
-                <a16:creationId xmlns:a16="http://schemas.microsoft.com/office/drawing/2014/main" id="{D68B1386-0E2D-5C90-1B89-3B5418CF7ED3}"/>
+                <a16:creationId xmlns:a16="http://schemas.microsoft.com/office/drawing/2014/main" xmlns="" id="{D68B1386-0E2D-5C90-1B89-3B5418CF7ED3}"/>
               </a:ext>
             </a:extLst>
           </p:cNvPr>
@@ -1270,7 +1270,7 @@
           <p:cNvPr id="3" name="Content Placeholder 2">
             <a:extLst>
               <a:ext uri="{FF2B5EF4-FFF2-40B4-BE49-F238E27FC236}">
-                <a16:creationId xmlns:a16="http://schemas.microsoft.com/office/drawing/2014/main" id="{BE2FA58E-2FC7-158F-57C9-FA55B827EE2C}"/>
+                <a16:creationId xmlns:a16="http://schemas.microsoft.com/office/drawing/2014/main" xmlns="" id="{BE2FA58E-2FC7-158F-57C9-FA55B827EE2C}"/>
               </a:ext>
             </a:extLst>
           </p:cNvPr>
@@ -1332,7 +1332,7 @@
           <p:cNvPr id="4" name="Content Placeholder 3">
             <a:extLst>
               <a:ext uri="{FF2B5EF4-FFF2-40B4-BE49-F238E27FC236}">
-                <a16:creationId xmlns:a16="http://schemas.microsoft.com/office/drawing/2014/main" id="{5E19EEDA-1B50-C4A1-AA84-BDCE2951D7AC}"/>
+                <a16:creationId xmlns:a16="http://schemas.microsoft.com/office/drawing/2014/main" xmlns="" id="{5E19EEDA-1B50-C4A1-AA84-BDCE2951D7AC}"/>
               </a:ext>
             </a:extLst>
           </p:cNvPr>
@@ -1394,7 +1394,7 @@
           <p:cNvPr id="5" name="Date Placeholder 4">
             <a:extLst>
               <a:ext uri="{FF2B5EF4-FFF2-40B4-BE49-F238E27FC236}">
-                <a16:creationId xmlns:a16="http://schemas.microsoft.com/office/drawing/2014/main" id="{3F78F499-4FC9-1D3E-1E41-F30EE944124A}"/>
+                <a16:creationId xmlns:a16="http://schemas.microsoft.com/office/drawing/2014/main" xmlns="" id="{3F78F499-4FC9-1D3E-1E41-F30EE944124A}"/>
               </a:ext>
             </a:extLst>
           </p:cNvPr>
@@ -1423,7 +1423,7 @@
           <p:cNvPr id="6" name="Footer Placeholder 5">
             <a:extLst>
               <a:ext uri="{FF2B5EF4-FFF2-40B4-BE49-F238E27FC236}">
-                <a16:creationId xmlns:a16="http://schemas.microsoft.com/office/drawing/2014/main" id="{46B62AD9-1B9C-DABA-B54D-C1E21197DAB2}"/>
+                <a16:creationId xmlns:a16="http://schemas.microsoft.com/office/drawing/2014/main" xmlns="" id="{46B62AD9-1B9C-DABA-B54D-C1E21197DAB2}"/>
               </a:ext>
             </a:extLst>
           </p:cNvPr>
@@ -1448,7 +1448,7 @@
           <p:cNvPr id="7" name="Slide Number Placeholder 6">
             <a:extLst>
               <a:ext uri="{FF2B5EF4-FFF2-40B4-BE49-F238E27FC236}">
-                <a16:creationId xmlns:a16="http://schemas.microsoft.com/office/drawing/2014/main" id="{F844C1F3-1ACA-6BE7-97C3-B4EA973CF4CE}"/>
+                <a16:creationId xmlns:a16="http://schemas.microsoft.com/office/drawing/2014/main" xmlns="" id="{F844C1F3-1ACA-6BE7-97C3-B4EA973CF4CE}"/>
               </a:ext>
             </a:extLst>
           </p:cNvPr>
@@ -1507,7 +1507,7 @@
           <p:cNvPr id="2" name="Title 1">
             <a:extLst>
               <a:ext uri="{FF2B5EF4-FFF2-40B4-BE49-F238E27FC236}">
-                <a16:creationId xmlns:a16="http://schemas.microsoft.com/office/drawing/2014/main" id="{09A128E3-5716-3024-9D46-E59D7B932FF6}"/>
+                <a16:creationId xmlns:a16="http://schemas.microsoft.com/office/drawing/2014/main" xmlns="" id="{09A128E3-5716-3024-9D46-E59D7B932FF6}"/>
               </a:ext>
             </a:extLst>
           </p:cNvPr>
@@ -1540,7 +1540,7 @@
           <p:cNvPr id="3" name="Text Placeholder 2">
             <a:extLst>
               <a:ext uri="{FF2B5EF4-FFF2-40B4-BE49-F238E27FC236}">
-                <a16:creationId xmlns:a16="http://schemas.microsoft.com/office/drawing/2014/main" id="{903AEA5E-7524-8500-1847-1F745A90F0BE}"/>
+                <a16:creationId xmlns:a16="http://schemas.microsoft.com/office/drawing/2014/main" xmlns="" id="{903AEA5E-7524-8500-1847-1F745A90F0BE}"/>
               </a:ext>
             </a:extLst>
           </p:cNvPr>
@@ -1611,7 +1611,7 @@
           <p:cNvPr id="4" name="Content Placeholder 3">
             <a:extLst>
               <a:ext uri="{FF2B5EF4-FFF2-40B4-BE49-F238E27FC236}">
-                <a16:creationId xmlns:a16="http://schemas.microsoft.com/office/drawing/2014/main" id="{26385443-3F52-B4D9-DC5E-FBD9AFCC8004}"/>
+                <a16:creationId xmlns:a16="http://schemas.microsoft.com/office/drawing/2014/main" xmlns="" id="{26385443-3F52-B4D9-DC5E-FBD9AFCC8004}"/>
               </a:ext>
             </a:extLst>
           </p:cNvPr>
@@ -1673,7 +1673,7 @@
           <p:cNvPr id="5" name="Text Placeholder 4">
             <a:extLst>
               <a:ext uri="{FF2B5EF4-FFF2-40B4-BE49-F238E27FC236}">
-                <a16:creationId xmlns:a16="http://schemas.microsoft.com/office/drawing/2014/main" id="{35F61570-4F38-4CDB-A24E-DD8FAFC8576C}"/>
+                <a16:creationId xmlns:a16="http://schemas.microsoft.com/office/drawing/2014/main" xmlns="" id="{35F61570-4F38-4CDB-A24E-DD8FAFC8576C}"/>
               </a:ext>
             </a:extLst>
           </p:cNvPr>
@@ -1744,7 +1744,7 @@
           <p:cNvPr id="6" name="Content Placeholder 5">
             <a:extLst>
               <a:ext uri="{FF2B5EF4-FFF2-40B4-BE49-F238E27FC236}">
-                <a16:creationId xmlns:a16="http://schemas.microsoft.com/office/drawing/2014/main" id="{A684AE46-B417-9498-ACA0-B5C29C74F994}"/>
+                <a16:creationId xmlns:a16="http://schemas.microsoft.com/office/drawing/2014/main" xmlns="" id="{A684AE46-B417-9498-ACA0-B5C29C74F994}"/>
               </a:ext>
             </a:extLst>
           </p:cNvPr>
@@ -1806,7 +1806,7 @@
           <p:cNvPr id="7" name="Date Placeholder 6">
             <a:extLst>
               <a:ext uri="{FF2B5EF4-FFF2-40B4-BE49-F238E27FC236}">
-                <a16:creationId xmlns:a16="http://schemas.microsoft.com/office/drawing/2014/main" id="{0A6D5722-A5AB-C98A-3760-C4A46DB3E4F2}"/>
+                <a16:creationId xmlns:a16="http://schemas.microsoft.com/office/drawing/2014/main" xmlns="" id="{0A6D5722-A5AB-C98A-3760-C4A46DB3E4F2}"/>
               </a:ext>
             </a:extLst>
           </p:cNvPr>
@@ -1835,7 +1835,7 @@
           <p:cNvPr id="8" name="Footer Placeholder 7">
             <a:extLst>
               <a:ext uri="{FF2B5EF4-FFF2-40B4-BE49-F238E27FC236}">
-                <a16:creationId xmlns:a16="http://schemas.microsoft.com/office/drawing/2014/main" id="{8ADE145D-2965-4477-6BE6-F32EB844DBAB}"/>
+                <a16:creationId xmlns:a16="http://schemas.microsoft.com/office/drawing/2014/main" xmlns="" id="{8ADE145D-2965-4477-6BE6-F32EB844DBAB}"/>
               </a:ext>
             </a:extLst>
           </p:cNvPr>
@@ -1860,7 +1860,7 @@
           <p:cNvPr id="9" name="Slide Number Placeholder 8">
             <a:extLst>
               <a:ext uri="{FF2B5EF4-FFF2-40B4-BE49-F238E27FC236}">
-                <a16:creationId xmlns:a16="http://schemas.microsoft.com/office/drawing/2014/main" id="{B710E74F-2313-3984-02CF-47253D50D1DB}"/>
+                <a16:creationId xmlns:a16="http://schemas.microsoft.com/office/drawing/2014/main" xmlns="" id="{B710E74F-2313-3984-02CF-47253D50D1DB}"/>
               </a:ext>
             </a:extLst>
           </p:cNvPr>
@@ -1919,7 +1919,7 @@
           <p:cNvPr id="2" name="Title 1">
             <a:extLst>
               <a:ext uri="{FF2B5EF4-FFF2-40B4-BE49-F238E27FC236}">
-                <a16:creationId xmlns:a16="http://schemas.microsoft.com/office/drawing/2014/main" id="{D04FF4D3-F102-6994-FA69-5C26730E7C18}"/>
+                <a16:creationId xmlns:a16="http://schemas.microsoft.com/office/drawing/2014/main" xmlns="" id="{D04FF4D3-F102-6994-FA69-5C26730E7C18}"/>
               </a:ext>
             </a:extLst>
           </p:cNvPr>
@@ -1947,7 +1947,7 @@
           <p:cNvPr id="3" name="Date Placeholder 2">
             <a:extLst>
               <a:ext uri="{FF2B5EF4-FFF2-40B4-BE49-F238E27FC236}">
-                <a16:creationId xmlns:a16="http://schemas.microsoft.com/office/drawing/2014/main" id="{FDD70FFA-1560-4913-A4E9-9FECE4917152}"/>
+                <a16:creationId xmlns:a16="http://schemas.microsoft.com/office/drawing/2014/main" xmlns="" id="{FDD70FFA-1560-4913-A4E9-9FECE4917152}"/>
               </a:ext>
             </a:extLst>
           </p:cNvPr>
@@ -1976,7 +1976,7 @@
           <p:cNvPr id="4" name="Footer Placeholder 3">
             <a:extLst>
               <a:ext uri="{FF2B5EF4-FFF2-40B4-BE49-F238E27FC236}">
-                <a16:creationId xmlns:a16="http://schemas.microsoft.com/office/drawing/2014/main" id="{5CED9349-2BF4-715A-1D0D-66B2F7755624}"/>
+                <a16:creationId xmlns:a16="http://schemas.microsoft.com/office/drawing/2014/main" xmlns="" id="{5CED9349-2BF4-715A-1D0D-66B2F7755624}"/>
               </a:ext>
             </a:extLst>
           </p:cNvPr>
@@ -2001,7 +2001,7 @@
           <p:cNvPr id="5" name="Slide Number Placeholder 4">
             <a:extLst>
               <a:ext uri="{FF2B5EF4-FFF2-40B4-BE49-F238E27FC236}">
-                <a16:creationId xmlns:a16="http://schemas.microsoft.com/office/drawing/2014/main" id="{4E376E25-195F-FFE9-1361-CEACAF8E3FFC}"/>
+                <a16:creationId xmlns:a16="http://schemas.microsoft.com/office/drawing/2014/main" xmlns="" id="{4E376E25-195F-FFE9-1361-CEACAF8E3FFC}"/>
               </a:ext>
             </a:extLst>
           </p:cNvPr>
@@ -2060,7 +2060,7 @@
           <p:cNvPr id="2" name="Date Placeholder 1">
             <a:extLst>
               <a:ext uri="{FF2B5EF4-FFF2-40B4-BE49-F238E27FC236}">
-                <a16:creationId xmlns:a16="http://schemas.microsoft.com/office/drawing/2014/main" id="{888CE8D8-AA39-0D35-7F03-0BCCC48CF4E8}"/>
+                <a16:creationId xmlns:a16="http://schemas.microsoft.com/office/drawing/2014/main" xmlns="" id="{888CE8D8-AA39-0D35-7F03-0BCCC48CF4E8}"/>
               </a:ext>
             </a:extLst>
           </p:cNvPr>
@@ -2089,7 +2089,7 @@
           <p:cNvPr id="3" name="Footer Placeholder 2">
             <a:extLst>
               <a:ext uri="{FF2B5EF4-FFF2-40B4-BE49-F238E27FC236}">
-                <a16:creationId xmlns:a16="http://schemas.microsoft.com/office/drawing/2014/main" id="{D5D0993D-B522-8602-EDA4-47C7C80D3A9A}"/>
+                <a16:creationId xmlns:a16="http://schemas.microsoft.com/office/drawing/2014/main" xmlns="" id="{D5D0993D-B522-8602-EDA4-47C7C80D3A9A}"/>
               </a:ext>
             </a:extLst>
           </p:cNvPr>
@@ -2114,7 +2114,7 @@
           <p:cNvPr id="4" name="Slide Number Placeholder 3">
             <a:extLst>
               <a:ext uri="{FF2B5EF4-FFF2-40B4-BE49-F238E27FC236}">
-                <a16:creationId xmlns:a16="http://schemas.microsoft.com/office/drawing/2014/main" id="{D2DFDD99-8F35-0B5C-EA47-3CE1D767F1D7}"/>
+                <a16:creationId xmlns:a16="http://schemas.microsoft.com/office/drawing/2014/main" xmlns="" id="{D2DFDD99-8F35-0B5C-EA47-3CE1D767F1D7}"/>
               </a:ext>
             </a:extLst>
           </p:cNvPr>
@@ -2173,7 +2173,7 @@
           <p:cNvPr id="2" name="Title 1">
             <a:extLst>
               <a:ext uri="{FF2B5EF4-FFF2-40B4-BE49-F238E27FC236}">
-                <a16:creationId xmlns:a16="http://schemas.microsoft.com/office/drawing/2014/main" id="{409C0E09-3F32-A176-2CEC-80DE25093100}"/>
+                <a16:creationId xmlns:a16="http://schemas.microsoft.com/office/drawing/2014/main" xmlns="" id="{409C0E09-3F32-A176-2CEC-80DE25093100}"/>
               </a:ext>
             </a:extLst>
           </p:cNvPr>
@@ -2210,7 +2210,7 @@
           <p:cNvPr id="3" name="Content Placeholder 2">
             <a:extLst>
               <a:ext uri="{FF2B5EF4-FFF2-40B4-BE49-F238E27FC236}">
-                <a16:creationId xmlns:a16="http://schemas.microsoft.com/office/drawing/2014/main" id="{96161A0A-5C2F-040B-0B8B-2C8A80CBD3D9}"/>
+                <a16:creationId xmlns:a16="http://schemas.microsoft.com/office/drawing/2014/main" xmlns="" id="{96161A0A-5C2F-040B-0B8B-2C8A80CBD3D9}"/>
               </a:ext>
             </a:extLst>
           </p:cNvPr>
@@ -2300,7 +2300,7 @@
           <p:cNvPr id="4" name="Text Placeholder 3">
             <a:extLst>
               <a:ext uri="{FF2B5EF4-FFF2-40B4-BE49-F238E27FC236}">
-                <a16:creationId xmlns:a16="http://schemas.microsoft.com/office/drawing/2014/main" id="{230714B7-95F4-FD5A-4EFA-6E1CB9AC75D1}"/>
+                <a16:creationId xmlns:a16="http://schemas.microsoft.com/office/drawing/2014/main" xmlns="" id="{230714B7-95F4-FD5A-4EFA-6E1CB9AC75D1}"/>
               </a:ext>
             </a:extLst>
           </p:cNvPr>
@@ -2371,7 +2371,7 @@
           <p:cNvPr id="5" name="Date Placeholder 4">
             <a:extLst>
               <a:ext uri="{FF2B5EF4-FFF2-40B4-BE49-F238E27FC236}">
-                <a16:creationId xmlns:a16="http://schemas.microsoft.com/office/drawing/2014/main" id="{ACA955DA-6E22-361C-D051-1DEDC7B93482}"/>
+                <a16:creationId xmlns:a16="http://schemas.microsoft.com/office/drawing/2014/main" xmlns="" id="{ACA955DA-6E22-361C-D051-1DEDC7B93482}"/>
               </a:ext>
             </a:extLst>
           </p:cNvPr>
@@ -2400,7 +2400,7 @@
           <p:cNvPr id="6" name="Footer Placeholder 5">
             <a:extLst>
               <a:ext uri="{FF2B5EF4-FFF2-40B4-BE49-F238E27FC236}">
-                <a16:creationId xmlns:a16="http://schemas.microsoft.com/office/drawing/2014/main" id="{35E37E4F-2A21-0255-AF4B-171A69863F92}"/>
+                <a16:creationId xmlns:a16="http://schemas.microsoft.com/office/drawing/2014/main" xmlns="" id="{35E37E4F-2A21-0255-AF4B-171A69863F92}"/>
               </a:ext>
             </a:extLst>
           </p:cNvPr>
@@ -2425,7 +2425,7 @@
           <p:cNvPr id="7" name="Slide Number Placeholder 6">
             <a:extLst>
               <a:ext uri="{FF2B5EF4-FFF2-40B4-BE49-F238E27FC236}">
-                <a16:creationId xmlns:a16="http://schemas.microsoft.com/office/drawing/2014/main" id="{18E00153-4ED2-57CB-DE0A-9D5BEA86DAE0}"/>
+                <a16:creationId xmlns:a16="http://schemas.microsoft.com/office/drawing/2014/main" xmlns="" id="{18E00153-4ED2-57CB-DE0A-9D5BEA86DAE0}"/>
               </a:ext>
             </a:extLst>
           </p:cNvPr>
@@ -2484,7 +2484,7 @@
           <p:cNvPr id="2" name="Title 1">
             <a:extLst>
               <a:ext uri="{FF2B5EF4-FFF2-40B4-BE49-F238E27FC236}">
-                <a16:creationId xmlns:a16="http://schemas.microsoft.com/office/drawing/2014/main" id="{4F190398-F10E-E9EC-25DD-9CB1BB6771B2}"/>
+                <a16:creationId xmlns:a16="http://schemas.microsoft.com/office/drawing/2014/main" xmlns="" id="{4F190398-F10E-E9EC-25DD-9CB1BB6771B2}"/>
               </a:ext>
             </a:extLst>
           </p:cNvPr>
@@ -2521,7 +2521,7 @@
           <p:cNvPr id="3" name="Picture Placeholder 2">
             <a:extLst>
               <a:ext uri="{FF2B5EF4-FFF2-40B4-BE49-F238E27FC236}">
-                <a16:creationId xmlns:a16="http://schemas.microsoft.com/office/drawing/2014/main" id="{D893508A-77DE-4D92-69DC-11609AAA1531}"/>
+                <a16:creationId xmlns:a16="http://schemas.microsoft.com/office/drawing/2014/main" xmlns="" id="{D893508A-77DE-4D92-69DC-11609AAA1531}"/>
               </a:ext>
             </a:extLst>
           </p:cNvPr>
@@ -2588,7 +2588,7 @@
           <p:cNvPr id="4" name="Text Placeholder 3">
             <a:extLst>
               <a:ext uri="{FF2B5EF4-FFF2-40B4-BE49-F238E27FC236}">
-                <a16:creationId xmlns:a16="http://schemas.microsoft.com/office/drawing/2014/main" id="{7AFCBC79-8C85-31AF-D1C8-F2AF64DAB98F}"/>
+                <a16:creationId xmlns:a16="http://schemas.microsoft.com/office/drawing/2014/main" xmlns="" id="{7AFCBC79-8C85-31AF-D1C8-F2AF64DAB98F}"/>
               </a:ext>
             </a:extLst>
           </p:cNvPr>
@@ -2659,7 +2659,7 @@
           <p:cNvPr id="5" name="Date Placeholder 4">
             <a:extLst>
               <a:ext uri="{FF2B5EF4-FFF2-40B4-BE49-F238E27FC236}">
-                <a16:creationId xmlns:a16="http://schemas.microsoft.com/office/drawing/2014/main" id="{76389C7E-9267-3EDF-003D-7C0FDBFA508F}"/>
+                <a16:creationId xmlns:a16="http://schemas.microsoft.com/office/drawing/2014/main" xmlns="" id="{76389C7E-9267-3EDF-003D-7C0FDBFA508F}"/>
               </a:ext>
             </a:extLst>
           </p:cNvPr>
@@ -2688,7 +2688,7 @@
           <p:cNvPr id="6" name="Footer Placeholder 5">
             <a:extLst>
               <a:ext uri="{FF2B5EF4-FFF2-40B4-BE49-F238E27FC236}">
-                <a16:creationId xmlns:a16="http://schemas.microsoft.com/office/drawing/2014/main" id="{1B14C527-EFB6-DFF4-9FEB-0D9DFB2B6811}"/>
+                <a16:creationId xmlns:a16="http://schemas.microsoft.com/office/drawing/2014/main" xmlns="" id="{1B14C527-EFB6-DFF4-9FEB-0D9DFB2B6811}"/>
               </a:ext>
             </a:extLst>
           </p:cNvPr>
@@ -2713,7 +2713,7 @@
           <p:cNvPr id="7" name="Slide Number Placeholder 6">
             <a:extLst>
               <a:ext uri="{FF2B5EF4-FFF2-40B4-BE49-F238E27FC236}">
-                <a16:creationId xmlns:a16="http://schemas.microsoft.com/office/drawing/2014/main" id="{04F8F925-6262-B826-A3DD-C173AE89BFB6}"/>
+                <a16:creationId xmlns:a16="http://schemas.microsoft.com/office/drawing/2014/main" xmlns="" id="{04F8F925-6262-B826-A3DD-C173AE89BFB6}"/>
               </a:ext>
             </a:extLst>
           </p:cNvPr>
@@ -2777,7 +2777,7 @@
           <p:cNvPr id="2" name="Title Placeholder 1">
             <a:extLst>
               <a:ext uri="{FF2B5EF4-FFF2-40B4-BE49-F238E27FC236}">
-                <a16:creationId xmlns:a16="http://schemas.microsoft.com/office/drawing/2014/main" id="{B32AADF5-564A-6FC8-DA02-52CD62EE83BB}"/>
+                <a16:creationId xmlns:a16="http://schemas.microsoft.com/office/drawing/2014/main" xmlns="" id="{B32AADF5-564A-6FC8-DA02-52CD62EE83BB}"/>
               </a:ext>
             </a:extLst>
           </p:cNvPr>
@@ -2815,7 +2815,7 @@
           <p:cNvPr id="3" name="Text Placeholder 2">
             <a:extLst>
               <a:ext uri="{FF2B5EF4-FFF2-40B4-BE49-F238E27FC236}">
-                <a16:creationId xmlns:a16="http://schemas.microsoft.com/office/drawing/2014/main" id="{FCA809DA-1918-6B6E-84B9-7AF4846B4EF4}"/>
+                <a16:creationId xmlns:a16="http://schemas.microsoft.com/office/drawing/2014/main" xmlns="" id="{FCA809DA-1918-6B6E-84B9-7AF4846B4EF4}"/>
               </a:ext>
             </a:extLst>
           </p:cNvPr>
@@ -2882,7 +2882,7 @@
           <p:cNvPr id="4" name="Date Placeholder 3">
             <a:extLst>
               <a:ext uri="{FF2B5EF4-FFF2-40B4-BE49-F238E27FC236}">
-                <a16:creationId xmlns:a16="http://schemas.microsoft.com/office/drawing/2014/main" id="{770793CA-3E15-F6B2-B2A1-34FDFAE0C83D}"/>
+                <a16:creationId xmlns:a16="http://schemas.microsoft.com/office/drawing/2014/main" xmlns="" id="{770793CA-3E15-F6B2-B2A1-34FDFAE0C83D}"/>
               </a:ext>
             </a:extLst>
           </p:cNvPr>
@@ -2929,7 +2929,7 @@
           <p:cNvPr id="5" name="Footer Placeholder 4">
             <a:extLst>
               <a:ext uri="{FF2B5EF4-FFF2-40B4-BE49-F238E27FC236}">
-                <a16:creationId xmlns:a16="http://schemas.microsoft.com/office/drawing/2014/main" id="{AB07A422-CD51-D5AD-C86C-33D1D909F553}"/>
+                <a16:creationId xmlns:a16="http://schemas.microsoft.com/office/drawing/2014/main" xmlns="" id="{AB07A422-CD51-D5AD-C86C-33D1D909F553}"/>
               </a:ext>
             </a:extLst>
           </p:cNvPr>
@@ -2972,7 +2972,7 @@
           <p:cNvPr id="6" name="Slide Number Placeholder 5">
             <a:extLst>
               <a:ext uri="{FF2B5EF4-FFF2-40B4-BE49-F238E27FC236}">
-                <a16:creationId xmlns:a16="http://schemas.microsoft.com/office/drawing/2014/main" id="{CF4075A9-3CCD-DE39-76BC-8197600561E6}"/>
+                <a16:creationId xmlns:a16="http://schemas.microsoft.com/office/drawing/2014/main" xmlns="" id="{CF4075A9-3CCD-DE39-76BC-8197600561E6}"/>
               </a:ext>
             </a:extLst>
           </p:cNvPr>
@@ -3340,7 +3340,7 @@
           <p:cNvPr id="9" name="Picture 8">
             <a:extLst>
               <a:ext uri="{FF2B5EF4-FFF2-40B4-BE49-F238E27FC236}">
-                <a16:creationId xmlns:a16="http://schemas.microsoft.com/office/drawing/2014/main" id="{FFF4CB80-36A6-53FE-DF95-D3C353FD1650}"/>
+                <a16:creationId xmlns:a16="http://schemas.microsoft.com/office/drawing/2014/main" xmlns="" id="{FFF4CB80-36A6-53FE-DF95-D3C353FD1650}"/>
               </a:ext>
             </a:extLst>
           </p:cNvPr>
@@ -3376,7 +3376,7 @@
           <p:cNvPr id="16" name="Freeform: Shape 15">
             <a:extLst>
               <a:ext uri="{FF2B5EF4-FFF2-40B4-BE49-F238E27FC236}">
-                <a16:creationId xmlns:a16="http://schemas.microsoft.com/office/drawing/2014/main" id="{D04DD9E0-1FC1-F470-8348-5EAB7269C492}"/>
+                <a16:creationId xmlns:a16="http://schemas.microsoft.com/office/drawing/2014/main" xmlns="" id="{D04DD9E0-1FC1-F470-8348-5EAB7269C492}"/>
               </a:ext>
             </a:extLst>
           </p:cNvPr>
@@ -7510,7 +7510,7 @@
           <p:cNvPr id="3" name="Subtitle 2">
             <a:extLst>
               <a:ext uri="{FF2B5EF4-FFF2-40B4-BE49-F238E27FC236}">
-                <a16:creationId xmlns:a16="http://schemas.microsoft.com/office/drawing/2014/main" id="{40EC00D6-6139-ECCB-3970-DF39A63CDA01}"/>
+                <a16:creationId xmlns:a16="http://schemas.microsoft.com/office/drawing/2014/main" xmlns="" id="{40EC00D6-6139-ECCB-3970-DF39A63CDA01}"/>
               </a:ext>
             </a:extLst>
           </p:cNvPr>
@@ -7534,6 +7534,16 @@
           <a:lstStyle/>
           <a:p>
             <a:pPr algn="r"/>
+            <a:r>
+              <a:rPr lang="en-US" sz="1800" dirty="0">
+                <a:solidFill>
+                  <a:schemeClr val="bg1">
+                    <a:lumMod val="75000"/>
+                  </a:schemeClr>
+                </a:solidFill>
+              </a:rPr>
+              <a:t/>
+            </a:r>
             <a:br>
               <a:rPr lang="en-US" sz="1800" dirty="0">
                 <a:solidFill>
@@ -7667,7 +7677,7 @@
           <p:cNvPr id="2" name="Title 1">
             <a:extLst>
               <a:ext uri="{FF2B5EF4-FFF2-40B4-BE49-F238E27FC236}">
-                <a16:creationId xmlns:a16="http://schemas.microsoft.com/office/drawing/2014/main" id="{A044EC92-8709-66AA-FA34-6F35A4198D12}"/>
+                <a16:creationId xmlns:a16="http://schemas.microsoft.com/office/drawing/2014/main" xmlns="" id="{A044EC92-8709-66AA-FA34-6F35A4198D12}"/>
               </a:ext>
             </a:extLst>
           </p:cNvPr>
@@ -7708,7 +7718,7 @@
           <p:cNvPr id="3" name="Content Placeholder 2">
             <a:extLst>
               <a:ext uri="{FF2B5EF4-FFF2-40B4-BE49-F238E27FC236}">
-                <a16:creationId xmlns:a16="http://schemas.microsoft.com/office/drawing/2014/main" id="{EC01DA59-CF00-C507-B7E1-8A9C2CE84A03}"/>
+                <a16:creationId xmlns:a16="http://schemas.microsoft.com/office/drawing/2014/main" xmlns="" id="{EC01DA59-CF00-C507-B7E1-8A9C2CE84A03}"/>
               </a:ext>
             </a:extLst>
           </p:cNvPr>
@@ -7733,7 +7743,7 @@
           <p:cNvPr id="4" name="Text Placeholder 3">
             <a:extLst>
               <a:ext uri="{FF2B5EF4-FFF2-40B4-BE49-F238E27FC236}">
-                <a16:creationId xmlns:a16="http://schemas.microsoft.com/office/drawing/2014/main" id="{8AF72E6F-D5A1-6CBE-73C8-608D6839317F}"/>
+                <a16:creationId xmlns:a16="http://schemas.microsoft.com/office/drawing/2014/main" xmlns="" id="{8AF72E6F-D5A1-6CBE-73C8-608D6839317F}"/>
               </a:ext>
             </a:extLst>
           </p:cNvPr>
@@ -7791,7 +7801,7 @@
           <p:cNvPr id="2" name="Title 1">
             <a:extLst>
               <a:ext uri="{FF2B5EF4-FFF2-40B4-BE49-F238E27FC236}">
-                <a16:creationId xmlns:a16="http://schemas.microsoft.com/office/drawing/2014/main" id="{5D30DDF8-853A-DFDB-A947-FE9D44C8E03C}"/>
+                <a16:creationId xmlns:a16="http://schemas.microsoft.com/office/drawing/2014/main" xmlns="" id="{5D30DDF8-853A-DFDB-A947-FE9D44C8E03C}"/>
               </a:ext>
             </a:extLst>
           </p:cNvPr>
@@ -7848,7 +7858,7 @@
           <p:cNvPr id="3" name="Text Placeholder 2">
             <a:extLst>
               <a:ext uri="{FF2B5EF4-FFF2-40B4-BE49-F238E27FC236}">
-                <a16:creationId xmlns:a16="http://schemas.microsoft.com/office/drawing/2014/main" id="{F3FFBF10-3A6A-039D-96F3-6E61CA66CD1E}"/>
+                <a16:creationId xmlns:a16="http://schemas.microsoft.com/office/drawing/2014/main" xmlns="" id="{F3FFBF10-3A6A-039D-96F3-6E61CA66CD1E}"/>
               </a:ext>
             </a:extLst>
           </p:cNvPr>
@@ -7878,10 +7888,19 @@
                   </a:schemeClr>
                 </a:solidFill>
               </a:rPr>
-              <a:t>𝐴 = {(1, 2), (1, 3), (3, 4), (4, 5)} </a:t>
-            </a:r>
-          </a:p>
-          <a:p>
+              <a:t>𝐴 = {(</a:t>
+            </a:r>
+            <a:r>
+              <a:rPr lang="en-US" dirty="0" smtClean="0">
+                <a:solidFill>
+                  <a:schemeClr val="tx1">
+                    <a:lumMod val="95000"/>
+                    <a:lumOff val="5000"/>
+                  </a:schemeClr>
+                </a:solidFill>
+              </a:rPr>
+              <a:t>1→2</a:t>
+            </a:r>
             <a:r>
               <a:rPr lang="en-US" dirty="0">
                 <a:solidFill>
@@ -7891,10 +7910,30 @@
                   </a:schemeClr>
                 </a:solidFill>
               </a:rPr>
-              <a:t>𝐵 = {(A, B), (B, C), (A, C), (A, D)} </a:t>
-            </a:r>
-          </a:p>
-          <a:p>
+              <a:t>), (</a:t>
+            </a:r>
+            <a:r>
+              <a:rPr lang="en-US" dirty="0" smtClean="0">
+                <a:solidFill>
+                  <a:schemeClr val="tx1">
+                    <a:lumMod val="95000"/>
+                    <a:lumOff val="5000"/>
+                  </a:schemeClr>
+                </a:solidFill>
+              </a:rPr>
+              <a:t>1→</a:t>
+            </a:r>
+            <a:r>
+              <a:rPr lang="en-US" dirty="0" smtClean="0">
+                <a:solidFill>
+                  <a:schemeClr val="tx1">
+                    <a:lumMod val="95000"/>
+                    <a:lumOff val="5000"/>
+                  </a:schemeClr>
+                </a:solidFill>
+              </a:rPr>
+              <a:t>3</a:t>
+            </a:r>
             <a:r>
               <a:rPr lang="en-US" dirty="0">
                 <a:solidFill>
@@ -7904,8 +7943,240 @@
                   </a:schemeClr>
                 </a:solidFill>
               </a:rPr>
-              <a:t>𝐶 = {(LHR,KRA), (LHR,ISB), (FSD,SWL), (STD,MUL)}</a:t>
-            </a:r>
+              <a:t>), (</a:t>
+            </a:r>
+            <a:r>
+              <a:rPr lang="en-US" dirty="0" smtClean="0">
+                <a:solidFill>
+                  <a:schemeClr val="tx1">
+                    <a:lumMod val="95000"/>
+                    <a:lumOff val="5000"/>
+                  </a:schemeClr>
+                </a:solidFill>
+              </a:rPr>
+              <a:t>3→4</a:t>
+            </a:r>
+            <a:r>
+              <a:rPr lang="en-US" dirty="0">
+                <a:solidFill>
+                  <a:schemeClr val="tx1">
+                    <a:lumMod val="95000"/>
+                    <a:lumOff val="5000"/>
+                  </a:schemeClr>
+                </a:solidFill>
+              </a:rPr>
+              <a:t>), (</a:t>
+            </a:r>
+            <a:r>
+              <a:rPr lang="en-US" dirty="0" smtClean="0">
+                <a:solidFill>
+                  <a:schemeClr val="tx1">
+                    <a:lumMod val="95000"/>
+                    <a:lumOff val="5000"/>
+                  </a:schemeClr>
+                </a:solidFill>
+              </a:rPr>
+              <a:t>4→5</a:t>
+            </a:r>
+            <a:r>
+              <a:rPr lang="en-US" dirty="0">
+                <a:solidFill>
+                  <a:schemeClr val="tx1">
+                    <a:lumMod val="95000"/>
+                    <a:lumOff val="5000"/>
+                  </a:schemeClr>
+                </a:solidFill>
+              </a:rPr>
+              <a:t>)} </a:t>
+            </a:r>
+          </a:p>
+          <a:p>
+            <a:r>
+              <a:rPr lang="en-US" dirty="0">
+                <a:solidFill>
+                  <a:schemeClr val="tx1">
+                    <a:lumMod val="95000"/>
+                    <a:lumOff val="5000"/>
+                  </a:schemeClr>
+                </a:solidFill>
+              </a:rPr>
+              <a:t>𝐵 = {(</a:t>
+            </a:r>
+            <a:r>
+              <a:rPr lang="en-US" dirty="0" smtClean="0">
+                <a:solidFill>
+                  <a:schemeClr val="tx1">
+                    <a:lumMod val="95000"/>
+                    <a:lumOff val="5000"/>
+                  </a:schemeClr>
+                </a:solidFill>
+              </a:rPr>
+              <a:t>A→B</a:t>
+            </a:r>
+            <a:r>
+              <a:rPr lang="en-US" dirty="0">
+                <a:solidFill>
+                  <a:schemeClr val="tx1">
+                    <a:lumMod val="95000"/>
+                    <a:lumOff val="5000"/>
+                  </a:schemeClr>
+                </a:solidFill>
+              </a:rPr>
+              <a:t>), (</a:t>
+            </a:r>
+            <a:r>
+              <a:rPr lang="en-US" dirty="0" smtClean="0">
+                <a:solidFill>
+                  <a:schemeClr val="tx1">
+                    <a:lumMod val="95000"/>
+                    <a:lumOff val="5000"/>
+                  </a:schemeClr>
+                </a:solidFill>
+              </a:rPr>
+              <a:t>B</a:t>
+            </a:r>
+            <a:r>
+              <a:rPr lang="en-US" dirty="0" smtClean="0">
+                <a:solidFill>
+                  <a:schemeClr val="tx1">
+                    <a:lumMod val="95000"/>
+                    <a:lumOff val="5000"/>
+                  </a:schemeClr>
+                </a:solidFill>
+              </a:rPr>
+              <a:t>→C</a:t>
+            </a:r>
+            <a:r>
+              <a:rPr lang="en-US" dirty="0">
+                <a:solidFill>
+                  <a:schemeClr val="tx1">
+                    <a:lumMod val="95000"/>
+                    <a:lumOff val="5000"/>
+                  </a:schemeClr>
+                </a:solidFill>
+              </a:rPr>
+              <a:t>), (</a:t>
+            </a:r>
+            <a:r>
+              <a:rPr lang="en-US" dirty="0" smtClean="0">
+                <a:solidFill>
+                  <a:schemeClr val="tx1">
+                    <a:lumMod val="95000"/>
+                    <a:lumOff val="5000"/>
+                  </a:schemeClr>
+                </a:solidFill>
+              </a:rPr>
+              <a:t>A→C</a:t>
+            </a:r>
+            <a:r>
+              <a:rPr lang="en-US" dirty="0">
+                <a:solidFill>
+                  <a:schemeClr val="tx1">
+                    <a:lumMod val="95000"/>
+                    <a:lumOff val="5000"/>
+                  </a:schemeClr>
+                </a:solidFill>
+              </a:rPr>
+              <a:t>), (</a:t>
+            </a:r>
+            <a:r>
+              <a:rPr lang="en-US" dirty="0" smtClean="0">
+                <a:solidFill>
+                  <a:schemeClr val="tx1">
+                    <a:lumMod val="95000"/>
+                    <a:lumOff val="5000"/>
+                  </a:schemeClr>
+                </a:solidFill>
+              </a:rPr>
+              <a:t>A→D</a:t>
+            </a:r>
+            <a:r>
+              <a:rPr lang="en-US" dirty="0">
+                <a:solidFill>
+                  <a:schemeClr val="tx1">
+                    <a:lumMod val="95000"/>
+                    <a:lumOff val="5000"/>
+                  </a:schemeClr>
+                </a:solidFill>
+              </a:rPr>
+              <a:t>)} </a:t>
+            </a:r>
+          </a:p>
+          <a:p>
+            <a:r>
+              <a:rPr lang="en-US" dirty="0">
+                <a:solidFill>
+                  <a:schemeClr val="tx1">
+                    <a:lumMod val="95000"/>
+                    <a:lumOff val="5000"/>
+                  </a:schemeClr>
+                </a:solidFill>
+              </a:rPr>
+              <a:t>𝐶 = {(LHR</a:t>
+            </a:r>
+            <a:r>
+              <a:rPr lang="en-US" dirty="0" smtClean="0">
+                <a:solidFill>
+                  <a:schemeClr val="tx1">
+                    <a:lumMod val="95000"/>
+                    <a:lumOff val="5000"/>
+                  </a:schemeClr>
+                </a:solidFill>
+              </a:rPr>
+              <a:t>, KHI), </a:t>
+            </a:r>
+            <a:r>
+              <a:rPr lang="en-US" dirty="0">
+                <a:solidFill>
+                  <a:schemeClr val="tx1">
+                    <a:lumMod val="95000"/>
+                    <a:lumOff val="5000"/>
+                  </a:schemeClr>
+                </a:solidFill>
+              </a:rPr>
+              <a:t>(LHR</a:t>
+            </a:r>
+            <a:r>
+              <a:rPr lang="en-US" dirty="0" smtClean="0">
+                <a:solidFill>
+                  <a:schemeClr val="tx1">
+                    <a:lumMod val="95000"/>
+                    <a:lumOff val="5000"/>
+                  </a:schemeClr>
+                </a:solidFill>
+              </a:rPr>
+              <a:t>, ISB</a:t>
+            </a:r>
+            <a:r>
+              <a:rPr lang="en-US" dirty="0">
+                <a:solidFill>
+                  <a:schemeClr val="tx1">
+                    <a:lumMod val="95000"/>
+                    <a:lumOff val="5000"/>
+                  </a:schemeClr>
+                </a:solidFill>
+              </a:rPr>
+              <a:t>), (FSD</a:t>
+            </a:r>
+            <a:r>
+              <a:rPr lang="en-US" dirty="0" smtClean="0">
+                <a:solidFill>
+                  <a:schemeClr val="tx1">
+                    <a:lumMod val="95000"/>
+                    <a:lumOff val="5000"/>
+                  </a:schemeClr>
+                </a:solidFill>
+              </a:rPr>
+              <a:t>, SWL), (MUL, SGD)}</a:t>
+            </a:r>
+            <a:endParaRPr lang="en-US" dirty="0">
+              <a:solidFill>
+                <a:schemeClr val="tx1">
+                  <a:lumMod val="95000"/>
+                  <a:lumOff val="5000"/>
+                </a:schemeClr>
+              </a:solidFill>
+            </a:endParaRPr>
           </a:p>
         </p:txBody>
       </p:sp>
@@ -7914,7 +8185,7 @@
           <p:cNvPr id="5" name="Picture 4">
             <a:extLst>
               <a:ext uri="{FF2B5EF4-FFF2-40B4-BE49-F238E27FC236}">
-                <a16:creationId xmlns:a16="http://schemas.microsoft.com/office/drawing/2014/main" id="{DF5E120D-8E2E-D414-9BE3-A68A099B210E}"/>
+                <a16:creationId xmlns:a16="http://schemas.microsoft.com/office/drawing/2014/main" xmlns="" id="{DF5E120D-8E2E-D414-9BE3-A68A099B210E}"/>
               </a:ext>
             </a:extLst>
           </p:cNvPr>
@@ -7936,84 +8207,822 @@
         </p:blipFill>
         <p:spPr>
           <a:xfrm>
-            <a:off x="8343937" y="3702353"/>
-            <a:ext cx="3543263" cy="2978676"/>
+            <a:off x="7448518" y="2563999"/>
+            <a:ext cx="4316412" cy="3628631"/>
           </a:xfrm>
           <a:prstGeom prst="rect">
             <a:avLst/>
           </a:prstGeom>
         </p:spPr>
       </p:pic>
-      <p:pic>
-        <p:nvPicPr>
-          <p:cNvPr id="7" name="Picture 6">
-            <a:extLst>
-              <a:ext uri="{FF2B5EF4-FFF2-40B4-BE49-F238E27FC236}">
-                <a16:creationId xmlns:a16="http://schemas.microsoft.com/office/drawing/2014/main" id="{5EC6C3A6-23EE-3547-4CDC-5D24A0A7D522}"/>
-              </a:ext>
-            </a:extLst>
-          </p:cNvPr>
-          <p:cNvPicPr>
-            <a:picLocks noChangeAspect="1"/>
-          </p:cNvPicPr>
+      <p:sp>
+        <p:nvSpPr>
+          <p:cNvPr id="4" name="Oval 3"/>
+          <p:cNvSpPr/>
           <p:nvPr/>
-        </p:nvPicPr>
-        <p:blipFill rotWithShape="1">
-          <a:blip r:embed="rId3">
-            <a:extLst>
-              <a:ext uri="{28A0092B-C50C-407E-A947-70E740481C1C}">
-                <a14:useLocalDpi xmlns:a14="http://schemas.microsoft.com/office/drawing/2010/main" val="0"/>
-              </a:ext>
-            </a:extLst>
-          </a:blip>
-          <a:srcRect l="16208" t="18615" r="21275" b="9955"/>
-          <a:stretch/>
-        </p:blipFill>
+        </p:nvSpPr>
         <p:spPr>
           <a:xfrm>
-            <a:off x="5162513" y="4334682"/>
-            <a:ext cx="1909799" cy="2182041"/>
+            <a:off x="2636001" y="4527170"/>
+            <a:ext cx="413122" cy="413122"/>
           </a:xfrm>
-          <a:prstGeom prst="rect">
+          <a:prstGeom prst="ellipse">
             <a:avLst/>
           </a:prstGeom>
+          <a:solidFill>
+            <a:schemeClr val="bg1"/>
+          </a:solidFill>
+          <a:ln>
+            <a:solidFill>
+              <a:schemeClr val="tx1"/>
+            </a:solidFill>
+          </a:ln>
         </p:spPr>
-      </p:pic>
-      <p:pic>
-        <p:nvPicPr>
-          <p:cNvPr id="9" name="Picture 8">
-            <a:extLst>
-              <a:ext uri="{FF2B5EF4-FFF2-40B4-BE49-F238E27FC236}">
-                <a16:creationId xmlns:a16="http://schemas.microsoft.com/office/drawing/2014/main" id="{BCAA92A2-3C81-650B-7F86-D978F3483C08}"/>
-              </a:ext>
-            </a:extLst>
-          </p:cNvPr>
-          <p:cNvPicPr>
-            <a:picLocks noChangeAspect="1"/>
-          </p:cNvPicPr>
+        <p:style>
+          <a:lnRef idx="2">
+            <a:schemeClr val="accent1">
+              <a:shade val="50000"/>
+            </a:schemeClr>
+          </a:lnRef>
+          <a:fillRef idx="1">
+            <a:schemeClr val="accent1"/>
+          </a:fillRef>
+          <a:effectRef idx="0">
+            <a:schemeClr val="accent1"/>
+          </a:effectRef>
+          <a:fontRef idx="minor">
+            <a:schemeClr val="lt1"/>
+          </a:fontRef>
+        </p:style>
+        <p:txBody>
+          <a:bodyPr rtlCol="0" anchor="ctr"/>
+          <a:lstStyle/>
+          <a:p>
+            <a:pPr algn="ctr"/>
+            <a:r>
+              <a:rPr lang="en-US" dirty="0" smtClean="0">
+                <a:solidFill>
+                  <a:schemeClr val="tx1"/>
+                </a:solidFill>
+              </a:rPr>
+              <a:t>1</a:t>
+            </a:r>
+          </a:p>
+        </p:txBody>
+      </p:sp>
+      <p:sp>
+        <p:nvSpPr>
+          <p:cNvPr id="8" name="Oval 7"/>
+          <p:cNvSpPr/>
           <p:nvPr/>
-        </p:nvPicPr>
-        <p:blipFill rotWithShape="1">
-          <a:blip r:embed="rId4">
-            <a:extLst>
-              <a:ext uri="{28A0092B-C50C-407E-A947-70E740481C1C}">
-                <a14:useLocalDpi xmlns:a14="http://schemas.microsoft.com/office/drawing/2010/main" val="0"/>
-              </a:ext>
-            </a:extLst>
-          </a:blip>
-          <a:srcRect l="14925" t="15385" r="12455" b="21978"/>
-          <a:stretch/>
-        </p:blipFill>
+        </p:nvSpPr>
         <p:spPr>
           <a:xfrm>
-            <a:off x="1112026" y="4505918"/>
-            <a:ext cx="2331262" cy="2010805"/>
+            <a:off x="3477746" y="5090359"/>
+            <a:ext cx="413122" cy="413122"/>
           </a:xfrm>
-          <a:prstGeom prst="rect">
+          <a:prstGeom prst="ellipse">
             <a:avLst/>
           </a:prstGeom>
+          <a:solidFill>
+            <a:schemeClr val="bg1"/>
+          </a:solidFill>
+          <a:ln>
+            <a:solidFill>
+              <a:schemeClr val="tx1"/>
+            </a:solidFill>
+          </a:ln>
         </p:spPr>
-      </p:pic>
+        <p:style>
+          <a:lnRef idx="2">
+            <a:schemeClr val="accent1">
+              <a:shade val="50000"/>
+            </a:schemeClr>
+          </a:lnRef>
+          <a:fillRef idx="1">
+            <a:schemeClr val="accent1"/>
+          </a:fillRef>
+          <a:effectRef idx="0">
+            <a:schemeClr val="accent1"/>
+          </a:effectRef>
+          <a:fontRef idx="minor">
+            <a:schemeClr val="lt1"/>
+          </a:fontRef>
+        </p:style>
+        <p:txBody>
+          <a:bodyPr rtlCol="0" anchor="ctr"/>
+          <a:lstStyle/>
+          <a:p>
+            <a:pPr algn="ctr"/>
+            <a:r>
+              <a:rPr lang="en-US" dirty="0">
+                <a:solidFill>
+                  <a:schemeClr val="tx1"/>
+                </a:solidFill>
+              </a:rPr>
+              <a:t>2</a:t>
+            </a:r>
+            <a:endParaRPr lang="en-US" dirty="0" smtClean="0">
+              <a:solidFill>
+                <a:schemeClr val="tx1"/>
+              </a:solidFill>
+            </a:endParaRPr>
+          </a:p>
+        </p:txBody>
+      </p:sp>
+      <p:sp>
+        <p:nvSpPr>
+          <p:cNvPr id="10" name="Oval 9"/>
+          <p:cNvSpPr/>
+          <p:nvPr/>
+        </p:nvSpPr>
+        <p:spPr>
+          <a:xfrm>
+            <a:off x="2763375" y="5560630"/>
+            <a:ext cx="413122" cy="413122"/>
+          </a:xfrm>
+          <a:prstGeom prst="ellipse">
+            <a:avLst/>
+          </a:prstGeom>
+          <a:solidFill>
+            <a:schemeClr val="bg1"/>
+          </a:solidFill>
+          <a:ln>
+            <a:solidFill>
+              <a:schemeClr val="tx1"/>
+            </a:solidFill>
+          </a:ln>
+        </p:spPr>
+        <p:style>
+          <a:lnRef idx="2">
+            <a:schemeClr val="accent1">
+              <a:shade val="50000"/>
+            </a:schemeClr>
+          </a:lnRef>
+          <a:fillRef idx="1">
+            <a:schemeClr val="accent1"/>
+          </a:fillRef>
+          <a:effectRef idx="0">
+            <a:schemeClr val="accent1"/>
+          </a:effectRef>
+          <a:fontRef idx="minor">
+            <a:schemeClr val="lt1"/>
+          </a:fontRef>
+        </p:style>
+        <p:txBody>
+          <a:bodyPr rtlCol="0" anchor="ctr"/>
+          <a:lstStyle/>
+          <a:p>
+            <a:pPr algn="ctr"/>
+            <a:r>
+              <a:rPr lang="en-US" dirty="0">
+                <a:solidFill>
+                  <a:schemeClr val="tx1"/>
+                </a:solidFill>
+              </a:rPr>
+              <a:t>3</a:t>
+            </a:r>
+            <a:endParaRPr lang="en-US" dirty="0" smtClean="0">
+              <a:solidFill>
+                <a:schemeClr val="tx1"/>
+              </a:solidFill>
+            </a:endParaRPr>
+          </a:p>
+        </p:txBody>
+      </p:sp>
+      <p:sp>
+        <p:nvSpPr>
+          <p:cNvPr id="11" name="Oval 10"/>
+          <p:cNvSpPr/>
+          <p:nvPr/>
+        </p:nvSpPr>
+        <p:spPr>
+          <a:xfrm>
+            <a:off x="1629339" y="4789106"/>
+            <a:ext cx="413122" cy="413122"/>
+          </a:xfrm>
+          <a:prstGeom prst="ellipse">
+            <a:avLst/>
+          </a:prstGeom>
+          <a:solidFill>
+            <a:schemeClr val="bg1"/>
+          </a:solidFill>
+          <a:ln>
+            <a:solidFill>
+              <a:schemeClr val="tx1"/>
+            </a:solidFill>
+          </a:ln>
+        </p:spPr>
+        <p:style>
+          <a:lnRef idx="2">
+            <a:schemeClr val="accent1">
+              <a:shade val="50000"/>
+            </a:schemeClr>
+          </a:lnRef>
+          <a:fillRef idx="1">
+            <a:schemeClr val="accent1"/>
+          </a:fillRef>
+          <a:effectRef idx="0">
+            <a:schemeClr val="accent1"/>
+          </a:effectRef>
+          <a:fontRef idx="minor">
+            <a:schemeClr val="lt1"/>
+          </a:fontRef>
+        </p:style>
+        <p:txBody>
+          <a:bodyPr rtlCol="0" anchor="ctr"/>
+          <a:lstStyle/>
+          <a:p>
+            <a:pPr algn="ctr"/>
+            <a:r>
+              <a:rPr lang="en-US" dirty="0" smtClean="0">
+                <a:solidFill>
+                  <a:schemeClr val="tx1"/>
+                </a:solidFill>
+              </a:rPr>
+              <a:t>5</a:t>
+            </a:r>
+          </a:p>
+        </p:txBody>
+      </p:sp>
+      <p:sp>
+        <p:nvSpPr>
+          <p:cNvPr id="12" name="Oval 11"/>
+          <p:cNvSpPr/>
+          <p:nvPr/>
+        </p:nvSpPr>
+        <p:spPr>
+          <a:xfrm>
+            <a:off x="1835900" y="5751130"/>
+            <a:ext cx="413122" cy="413122"/>
+          </a:xfrm>
+          <a:prstGeom prst="ellipse">
+            <a:avLst/>
+          </a:prstGeom>
+          <a:solidFill>
+            <a:schemeClr val="bg1"/>
+          </a:solidFill>
+          <a:ln>
+            <a:solidFill>
+              <a:schemeClr val="tx1"/>
+            </a:solidFill>
+          </a:ln>
+        </p:spPr>
+        <p:style>
+          <a:lnRef idx="2">
+            <a:schemeClr val="accent1">
+              <a:shade val="50000"/>
+            </a:schemeClr>
+          </a:lnRef>
+          <a:fillRef idx="1">
+            <a:schemeClr val="accent1"/>
+          </a:fillRef>
+          <a:effectRef idx="0">
+            <a:schemeClr val="accent1"/>
+          </a:effectRef>
+          <a:fontRef idx="minor">
+            <a:schemeClr val="lt1"/>
+          </a:fontRef>
+        </p:style>
+        <p:txBody>
+          <a:bodyPr rtlCol="0" anchor="ctr"/>
+          <a:lstStyle/>
+          <a:p>
+            <a:pPr algn="ctr"/>
+            <a:r>
+              <a:rPr lang="en-US" dirty="0">
+                <a:solidFill>
+                  <a:schemeClr val="tx1"/>
+                </a:solidFill>
+              </a:rPr>
+              <a:t>4</a:t>
+            </a:r>
+            <a:endParaRPr lang="en-US" dirty="0" smtClean="0">
+              <a:solidFill>
+                <a:schemeClr val="tx1"/>
+              </a:solidFill>
+            </a:endParaRPr>
+          </a:p>
+        </p:txBody>
+      </p:sp>
+      <p:cxnSp>
+        <p:nvCxnSpPr>
+          <p:cNvPr id="13" name="Straight Arrow Connector 12"/>
+          <p:cNvCxnSpPr>
+            <a:stCxn id="4" idx="6"/>
+            <a:endCxn id="8" idx="1"/>
+          </p:cNvCxnSpPr>
+          <p:nvPr/>
+        </p:nvCxnSpPr>
+        <p:spPr>
+          <a:xfrm>
+            <a:off x="3049123" y="4733731"/>
+            <a:ext cx="489123" cy="417128"/>
+          </a:xfrm>
+          <a:prstGeom prst="straightConnector1">
+            <a:avLst/>
+          </a:prstGeom>
+          <a:ln>
+            <a:tailEnd type="arrow"/>
+          </a:ln>
+        </p:spPr>
+        <p:style>
+          <a:lnRef idx="1">
+            <a:schemeClr val="dk1"/>
+          </a:lnRef>
+          <a:fillRef idx="0">
+            <a:schemeClr val="dk1"/>
+          </a:fillRef>
+          <a:effectRef idx="0">
+            <a:schemeClr val="dk1"/>
+          </a:effectRef>
+          <a:fontRef idx="minor">
+            <a:schemeClr val="tx1"/>
+          </a:fontRef>
+        </p:style>
+      </p:cxnSp>
+      <p:cxnSp>
+        <p:nvCxnSpPr>
+          <p:cNvPr id="15" name="Straight Arrow Connector 14"/>
+          <p:cNvCxnSpPr>
+            <a:stCxn id="4" idx="4"/>
+            <a:endCxn id="10" idx="0"/>
+          </p:cNvCxnSpPr>
+          <p:nvPr/>
+        </p:nvCxnSpPr>
+        <p:spPr>
+          <a:xfrm>
+            <a:off x="2842562" y="4940292"/>
+            <a:ext cx="127374" cy="620338"/>
+          </a:xfrm>
+          <a:prstGeom prst="straightConnector1">
+            <a:avLst/>
+          </a:prstGeom>
+          <a:ln>
+            <a:tailEnd type="arrow"/>
+          </a:ln>
+        </p:spPr>
+        <p:style>
+          <a:lnRef idx="1">
+            <a:schemeClr val="dk1"/>
+          </a:lnRef>
+          <a:fillRef idx="0">
+            <a:schemeClr val="dk1"/>
+          </a:fillRef>
+          <a:effectRef idx="0">
+            <a:schemeClr val="dk1"/>
+          </a:effectRef>
+          <a:fontRef idx="minor">
+            <a:schemeClr val="tx1"/>
+          </a:fontRef>
+        </p:style>
+      </p:cxnSp>
+      <p:cxnSp>
+        <p:nvCxnSpPr>
+          <p:cNvPr id="18" name="Straight Arrow Connector 17"/>
+          <p:cNvCxnSpPr>
+            <a:stCxn id="10" idx="2"/>
+            <a:endCxn id="12" idx="6"/>
+          </p:cNvCxnSpPr>
+          <p:nvPr/>
+        </p:nvCxnSpPr>
+        <p:spPr>
+          <a:xfrm flipH="1">
+            <a:off x="2249022" y="5767191"/>
+            <a:ext cx="514353" cy="190500"/>
+          </a:xfrm>
+          <a:prstGeom prst="straightConnector1">
+            <a:avLst/>
+          </a:prstGeom>
+          <a:ln>
+            <a:tailEnd type="arrow"/>
+          </a:ln>
+        </p:spPr>
+        <p:style>
+          <a:lnRef idx="1">
+            <a:schemeClr val="dk1"/>
+          </a:lnRef>
+          <a:fillRef idx="0">
+            <a:schemeClr val="dk1"/>
+          </a:fillRef>
+          <a:effectRef idx="0">
+            <a:schemeClr val="dk1"/>
+          </a:effectRef>
+          <a:fontRef idx="minor">
+            <a:schemeClr val="tx1"/>
+          </a:fontRef>
+        </p:style>
+      </p:cxnSp>
+      <p:cxnSp>
+        <p:nvCxnSpPr>
+          <p:cNvPr id="21" name="Straight Arrow Connector 20"/>
+          <p:cNvCxnSpPr>
+            <a:stCxn id="12" idx="0"/>
+            <a:endCxn id="11" idx="4"/>
+          </p:cNvCxnSpPr>
+          <p:nvPr/>
+        </p:nvCxnSpPr>
+        <p:spPr>
+          <a:xfrm flipH="1" flipV="1">
+            <a:off x="1835900" y="5202228"/>
+            <a:ext cx="206561" cy="548902"/>
+          </a:xfrm>
+          <a:prstGeom prst="straightConnector1">
+            <a:avLst/>
+          </a:prstGeom>
+          <a:ln>
+            <a:tailEnd type="arrow"/>
+          </a:ln>
+        </p:spPr>
+        <p:style>
+          <a:lnRef idx="1">
+            <a:schemeClr val="dk1"/>
+          </a:lnRef>
+          <a:fillRef idx="0">
+            <a:schemeClr val="dk1"/>
+          </a:fillRef>
+          <a:effectRef idx="0">
+            <a:schemeClr val="dk1"/>
+          </a:effectRef>
+          <a:fontRef idx="minor">
+            <a:schemeClr val="tx1"/>
+          </a:fontRef>
+        </p:style>
+      </p:cxnSp>
+      <p:sp>
+        <p:nvSpPr>
+          <p:cNvPr id="24" name="Oval 23"/>
+          <p:cNvSpPr/>
+          <p:nvPr/>
+        </p:nvSpPr>
+        <p:spPr>
+          <a:xfrm>
+            <a:off x="5571848" y="4539687"/>
+            <a:ext cx="413122" cy="413122"/>
+          </a:xfrm>
+          <a:prstGeom prst="ellipse">
+            <a:avLst/>
+          </a:prstGeom>
+          <a:solidFill>
+            <a:schemeClr val="bg1"/>
+          </a:solidFill>
+          <a:ln>
+            <a:solidFill>
+              <a:schemeClr val="tx1"/>
+            </a:solidFill>
+          </a:ln>
+        </p:spPr>
+        <p:style>
+          <a:lnRef idx="2">
+            <a:schemeClr val="accent1">
+              <a:shade val="50000"/>
+            </a:schemeClr>
+          </a:lnRef>
+          <a:fillRef idx="1">
+            <a:schemeClr val="accent1"/>
+          </a:fillRef>
+          <a:effectRef idx="0">
+            <a:schemeClr val="accent1"/>
+          </a:effectRef>
+          <a:fontRef idx="minor">
+            <a:schemeClr val="lt1"/>
+          </a:fontRef>
+        </p:style>
+        <p:txBody>
+          <a:bodyPr rtlCol="0" anchor="ctr"/>
+          <a:lstStyle/>
+          <a:p>
+            <a:pPr algn="ctr"/>
+            <a:r>
+              <a:rPr lang="en-US" dirty="0">
+                <a:solidFill>
+                  <a:schemeClr val="tx1"/>
+                </a:solidFill>
+              </a:rPr>
+              <a:t>A</a:t>
+            </a:r>
+            <a:endParaRPr lang="en-US" dirty="0" smtClean="0">
+              <a:solidFill>
+                <a:schemeClr val="tx1"/>
+              </a:solidFill>
+            </a:endParaRPr>
+          </a:p>
+        </p:txBody>
+      </p:sp>
+      <p:sp>
+        <p:nvSpPr>
+          <p:cNvPr id="25" name="Oval 24"/>
+          <p:cNvSpPr/>
+          <p:nvPr/>
+        </p:nvSpPr>
+        <p:spPr>
+          <a:xfrm>
+            <a:off x="6261470" y="5133418"/>
+            <a:ext cx="413122" cy="413122"/>
+          </a:xfrm>
+          <a:prstGeom prst="ellipse">
+            <a:avLst/>
+          </a:prstGeom>
+          <a:solidFill>
+            <a:schemeClr val="bg1"/>
+          </a:solidFill>
+          <a:ln>
+            <a:solidFill>
+              <a:schemeClr val="tx1"/>
+            </a:solidFill>
+          </a:ln>
+        </p:spPr>
+        <p:style>
+          <a:lnRef idx="2">
+            <a:schemeClr val="accent1">
+              <a:shade val="50000"/>
+            </a:schemeClr>
+          </a:lnRef>
+          <a:fillRef idx="1">
+            <a:schemeClr val="accent1"/>
+          </a:fillRef>
+          <a:effectRef idx="0">
+            <a:schemeClr val="accent1"/>
+          </a:effectRef>
+          <a:fontRef idx="minor">
+            <a:schemeClr val="lt1"/>
+          </a:fontRef>
+        </p:style>
+        <p:txBody>
+          <a:bodyPr rtlCol="0" anchor="ctr"/>
+          <a:lstStyle/>
+          <a:p>
+            <a:pPr algn="ctr"/>
+            <a:r>
+              <a:rPr lang="en-US" dirty="0" smtClean="0">
+                <a:solidFill>
+                  <a:schemeClr val="tx1"/>
+                </a:solidFill>
+              </a:rPr>
+              <a:t>C</a:t>
+            </a:r>
+          </a:p>
+        </p:txBody>
+      </p:sp>
+      <p:sp>
+        <p:nvSpPr>
+          <p:cNvPr id="26" name="Oval 25"/>
+          <p:cNvSpPr/>
+          <p:nvPr/>
+        </p:nvSpPr>
+        <p:spPr>
+          <a:xfrm>
+            <a:off x="5586044" y="5792025"/>
+            <a:ext cx="413122" cy="413122"/>
+          </a:xfrm>
+          <a:prstGeom prst="ellipse">
+            <a:avLst/>
+          </a:prstGeom>
+          <a:solidFill>
+            <a:schemeClr val="bg1"/>
+          </a:solidFill>
+          <a:ln>
+            <a:solidFill>
+              <a:schemeClr val="tx1"/>
+            </a:solidFill>
+          </a:ln>
+        </p:spPr>
+        <p:style>
+          <a:lnRef idx="2">
+            <a:schemeClr val="accent1">
+              <a:shade val="50000"/>
+            </a:schemeClr>
+          </a:lnRef>
+          <a:fillRef idx="1">
+            <a:schemeClr val="accent1"/>
+          </a:fillRef>
+          <a:effectRef idx="0">
+            <a:schemeClr val="accent1"/>
+          </a:effectRef>
+          <a:fontRef idx="minor">
+            <a:schemeClr val="lt1"/>
+          </a:fontRef>
+        </p:style>
+        <p:txBody>
+          <a:bodyPr rtlCol="0" anchor="ctr"/>
+          <a:lstStyle/>
+          <a:p>
+            <a:pPr algn="ctr"/>
+            <a:r>
+              <a:rPr lang="en-US" dirty="0" smtClean="0">
+                <a:solidFill>
+                  <a:schemeClr val="tx1"/>
+                </a:solidFill>
+              </a:rPr>
+              <a:t>B</a:t>
+            </a:r>
+          </a:p>
+        </p:txBody>
+      </p:sp>
+      <p:sp>
+        <p:nvSpPr>
+          <p:cNvPr id="27" name="Oval 26"/>
+          <p:cNvSpPr/>
+          <p:nvPr/>
+        </p:nvSpPr>
+        <p:spPr>
+          <a:xfrm>
+            <a:off x="4907993" y="5133418"/>
+            <a:ext cx="413122" cy="413122"/>
+          </a:xfrm>
+          <a:prstGeom prst="ellipse">
+            <a:avLst/>
+          </a:prstGeom>
+          <a:solidFill>
+            <a:schemeClr val="bg1"/>
+          </a:solidFill>
+          <a:ln>
+            <a:solidFill>
+              <a:schemeClr val="tx1"/>
+            </a:solidFill>
+          </a:ln>
+        </p:spPr>
+        <p:style>
+          <a:lnRef idx="2">
+            <a:schemeClr val="accent1">
+              <a:shade val="50000"/>
+            </a:schemeClr>
+          </a:lnRef>
+          <a:fillRef idx="1">
+            <a:schemeClr val="accent1"/>
+          </a:fillRef>
+          <a:effectRef idx="0">
+            <a:schemeClr val="accent1"/>
+          </a:effectRef>
+          <a:fontRef idx="minor">
+            <a:schemeClr val="lt1"/>
+          </a:fontRef>
+        </p:style>
+        <p:txBody>
+          <a:bodyPr rtlCol="0" anchor="ctr"/>
+          <a:lstStyle/>
+          <a:p>
+            <a:pPr algn="ctr"/>
+            <a:r>
+              <a:rPr lang="en-US" dirty="0">
+                <a:solidFill>
+                  <a:schemeClr val="tx1"/>
+                </a:solidFill>
+              </a:rPr>
+              <a:t>D</a:t>
+            </a:r>
+            <a:endParaRPr lang="en-US" dirty="0" smtClean="0">
+              <a:solidFill>
+                <a:schemeClr val="tx1"/>
+              </a:solidFill>
+            </a:endParaRPr>
+          </a:p>
+        </p:txBody>
+      </p:sp>
+      <p:cxnSp>
+        <p:nvCxnSpPr>
+          <p:cNvPr id="29" name="Straight Arrow Connector 28"/>
+          <p:cNvCxnSpPr>
+            <a:stCxn id="24" idx="6"/>
+            <a:endCxn id="25" idx="1"/>
+          </p:cNvCxnSpPr>
+          <p:nvPr/>
+        </p:nvCxnSpPr>
+        <p:spPr>
+          <a:xfrm>
+            <a:off x="5984970" y="4746248"/>
+            <a:ext cx="337000" cy="447670"/>
+          </a:xfrm>
+          <a:prstGeom prst="straightConnector1">
+            <a:avLst/>
+          </a:prstGeom>
+          <a:ln>
+            <a:tailEnd type="arrow"/>
+          </a:ln>
+        </p:spPr>
+        <p:style>
+          <a:lnRef idx="1">
+            <a:schemeClr val="dk1"/>
+          </a:lnRef>
+          <a:fillRef idx="0">
+            <a:schemeClr val="dk1"/>
+          </a:fillRef>
+          <a:effectRef idx="0">
+            <a:schemeClr val="dk1"/>
+          </a:effectRef>
+          <a:fontRef idx="minor">
+            <a:schemeClr val="tx1"/>
+          </a:fontRef>
+        </p:style>
+      </p:cxnSp>
+      <p:cxnSp>
+        <p:nvCxnSpPr>
+          <p:cNvPr id="30" name="Straight Arrow Connector 29"/>
+          <p:cNvCxnSpPr>
+            <a:stCxn id="24" idx="4"/>
+            <a:endCxn id="26" idx="0"/>
+          </p:cNvCxnSpPr>
+          <p:nvPr/>
+        </p:nvCxnSpPr>
+        <p:spPr>
+          <a:xfrm>
+            <a:off x="5778409" y="4952809"/>
+            <a:ext cx="14196" cy="839216"/>
+          </a:xfrm>
+          <a:prstGeom prst="straightConnector1">
+            <a:avLst/>
+          </a:prstGeom>
+          <a:ln>
+            <a:tailEnd type="arrow"/>
+          </a:ln>
+        </p:spPr>
+        <p:style>
+          <a:lnRef idx="1">
+            <a:schemeClr val="dk1"/>
+          </a:lnRef>
+          <a:fillRef idx="0">
+            <a:schemeClr val="dk1"/>
+          </a:fillRef>
+          <a:effectRef idx="0">
+            <a:schemeClr val="dk1"/>
+          </a:effectRef>
+          <a:fontRef idx="minor">
+            <a:schemeClr val="tx1"/>
+          </a:fontRef>
+        </p:style>
+      </p:cxnSp>
+      <p:cxnSp>
+        <p:nvCxnSpPr>
+          <p:cNvPr id="44" name="Straight Arrow Connector 43"/>
+          <p:cNvCxnSpPr>
+            <a:stCxn id="24" idx="2"/>
+            <a:endCxn id="27" idx="7"/>
+          </p:cNvCxnSpPr>
+          <p:nvPr/>
+        </p:nvCxnSpPr>
+        <p:spPr>
+          <a:xfrm flipH="1">
+            <a:off x="5260615" y="4746248"/>
+            <a:ext cx="311233" cy="447670"/>
+          </a:xfrm>
+          <a:prstGeom prst="straightConnector1">
+            <a:avLst/>
+          </a:prstGeom>
+          <a:ln>
+            <a:tailEnd type="arrow"/>
+          </a:ln>
+        </p:spPr>
+        <p:style>
+          <a:lnRef idx="1">
+            <a:schemeClr val="dk1"/>
+          </a:lnRef>
+          <a:fillRef idx="0">
+            <a:schemeClr val="dk1"/>
+          </a:fillRef>
+          <a:effectRef idx="0">
+            <a:schemeClr val="dk1"/>
+          </a:effectRef>
+          <a:fontRef idx="minor">
+            <a:schemeClr val="tx1"/>
+          </a:fontRef>
+        </p:style>
+      </p:cxnSp>
+      <p:cxnSp>
+        <p:nvCxnSpPr>
+          <p:cNvPr id="49" name="Straight Arrow Connector 48"/>
+          <p:cNvCxnSpPr>
+            <a:stCxn id="26" idx="7"/>
+            <a:endCxn id="25" idx="3"/>
+          </p:cNvCxnSpPr>
+          <p:nvPr/>
+        </p:nvCxnSpPr>
+        <p:spPr>
+          <a:xfrm flipV="1">
+            <a:off x="5938666" y="5486040"/>
+            <a:ext cx="383304" cy="366485"/>
+          </a:xfrm>
+          <a:prstGeom prst="straightConnector1">
+            <a:avLst/>
+          </a:prstGeom>
+          <a:ln>
+            <a:tailEnd type="arrow"/>
+          </a:ln>
+        </p:spPr>
+        <p:style>
+          <a:lnRef idx="1">
+            <a:schemeClr val="dk1"/>
+          </a:lnRef>
+          <a:fillRef idx="0">
+            <a:schemeClr val="dk1"/>
+          </a:fillRef>
+          <a:effectRef idx="0">
+            <a:schemeClr val="dk1"/>
+          </a:effectRef>
+          <a:fontRef idx="minor">
+            <a:schemeClr val="tx1"/>
+          </a:fontRef>
+        </p:style>
+      </p:cxnSp>
     </p:spTree>
     <p:extLst>
       <p:ext uri="{BB962C8B-B14F-4D97-AF65-F5344CB8AC3E}">
@@ -8049,7 +9058,7 @@
           <p:cNvPr id="2" name="Title 1">
             <a:extLst>
               <a:ext uri="{FF2B5EF4-FFF2-40B4-BE49-F238E27FC236}">
-                <a16:creationId xmlns:a16="http://schemas.microsoft.com/office/drawing/2014/main" id="{5D30DDF8-853A-DFDB-A947-FE9D44C8E03C}"/>
+                <a16:creationId xmlns:a16="http://schemas.microsoft.com/office/drawing/2014/main" xmlns="" id="{5D30DDF8-853A-DFDB-A947-FE9D44C8E03C}"/>
               </a:ext>
             </a:extLst>
           </p:cNvPr>
@@ -8106,7 +9115,7 @@
           <p:cNvPr id="3" name="Text Placeholder 2">
             <a:extLst>
               <a:ext uri="{FF2B5EF4-FFF2-40B4-BE49-F238E27FC236}">
-                <a16:creationId xmlns:a16="http://schemas.microsoft.com/office/drawing/2014/main" id="{F3FFBF10-3A6A-039D-96F3-6E61CA66CD1E}"/>
+                <a16:creationId xmlns:a16="http://schemas.microsoft.com/office/drawing/2014/main" xmlns="" id="{F3FFBF10-3A6A-039D-96F3-6E61CA66CD1E}"/>
               </a:ext>
             </a:extLst>
           </p:cNvPr>
@@ -8136,7 +9145,7 @@
                   </a:schemeClr>
                 </a:solidFill>
               </a:rPr>
-              <a:t>𝐴 = {(1, 2), (1, 3), (3, 4), (4, 5)} </a:t>
+              <a:t>𝐴 = {(1→2), (1→3), (3→4), (4→5)} </a:t>
             </a:r>
           </a:p>
           <a:p>
@@ -8149,7 +9158,7 @@
                   </a:schemeClr>
                 </a:solidFill>
               </a:rPr>
-              <a:t>𝐵 = {(A, B), (B, C), (A, C), (A, D)} </a:t>
+              <a:t>𝐵 = {(A→B), (B→C), (A→C), (A→D)} </a:t>
             </a:r>
           </a:p>
           <a:p>
@@ -8162,17 +9171,833 @@
                   </a:schemeClr>
                 </a:solidFill>
               </a:rPr>
-              <a:t>𝐶 = {(LHR,KRA), (LHR,ISB), (FSD,SWL), (STD,MUL)}</a:t>
-            </a:r>
-          </a:p>
-        </p:txBody>
-      </p:sp>
+              <a:t>𝐶 = {(LHR, KHI), (LHR, ISB), (FSD, SWL), (MUL, SGD)}</a:t>
+            </a:r>
+            <a:endParaRPr lang="en-US" dirty="0">
+              <a:solidFill>
+                <a:schemeClr val="tx1">
+                  <a:lumMod val="95000"/>
+                  <a:lumOff val="5000"/>
+                </a:schemeClr>
+              </a:solidFill>
+            </a:endParaRPr>
+          </a:p>
+        </p:txBody>
+      </p:sp>
+      <p:sp>
+        <p:nvSpPr>
+          <p:cNvPr id="15" name="Oval 14"/>
+          <p:cNvSpPr/>
+          <p:nvPr/>
+        </p:nvSpPr>
+        <p:spPr>
+          <a:xfrm>
+            <a:off x="2636001" y="4527170"/>
+            <a:ext cx="413122" cy="413122"/>
+          </a:xfrm>
+          <a:prstGeom prst="ellipse">
+            <a:avLst/>
+          </a:prstGeom>
+          <a:solidFill>
+            <a:schemeClr val="bg1"/>
+          </a:solidFill>
+          <a:ln>
+            <a:solidFill>
+              <a:schemeClr val="tx1"/>
+            </a:solidFill>
+          </a:ln>
+        </p:spPr>
+        <p:style>
+          <a:lnRef idx="2">
+            <a:schemeClr val="accent1">
+              <a:shade val="50000"/>
+            </a:schemeClr>
+          </a:lnRef>
+          <a:fillRef idx="1">
+            <a:schemeClr val="accent1"/>
+          </a:fillRef>
+          <a:effectRef idx="0">
+            <a:schemeClr val="accent1"/>
+          </a:effectRef>
+          <a:fontRef idx="minor">
+            <a:schemeClr val="lt1"/>
+          </a:fontRef>
+        </p:style>
+        <p:txBody>
+          <a:bodyPr rtlCol="0" anchor="ctr"/>
+          <a:lstStyle/>
+          <a:p>
+            <a:pPr algn="ctr"/>
+            <a:r>
+              <a:rPr lang="en-US" dirty="0" smtClean="0">
+                <a:solidFill>
+                  <a:schemeClr val="tx1"/>
+                </a:solidFill>
+              </a:rPr>
+              <a:t>1</a:t>
+            </a:r>
+          </a:p>
+        </p:txBody>
+      </p:sp>
+      <p:sp>
+        <p:nvSpPr>
+          <p:cNvPr id="16" name="Oval 15"/>
+          <p:cNvSpPr/>
+          <p:nvPr/>
+        </p:nvSpPr>
+        <p:spPr>
+          <a:xfrm>
+            <a:off x="3477746" y="5090359"/>
+            <a:ext cx="413122" cy="413122"/>
+          </a:xfrm>
+          <a:prstGeom prst="ellipse">
+            <a:avLst/>
+          </a:prstGeom>
+          <a:solidFill>
+            <a:schemeClr val="bg1"/>
+          </a:solidFill>
+          <a:ln>
+            <a:solidFill>
+              <a:schemeClr val="tx1"/>
+            </a:solidFill>
+          </a:ln>
+        </p:spPr>
+        <p:style>
+          <a:lnRef idx="2">
+            <a:schemeClr val="accent1">
+              <a:shade val="50000"/>
+            </a:schemeClr>
+          </a:lnRef>
+          <a:fillRef idx="1">
+            <a:schemeClr val="accent1"/>
+          </a:fillRef>
+          <a:effectRef idx="0">
+            <a:schemeClr val="accent1"/>
+          </a:effectRef>
+          <a:fontRef idx="minor">
+            <a:schemeClr val="lt1"/>
+          </a:fontRef>
+        </p:style>
+        <p:txBody>
+          <a:bodyPr rtlCol="0" anchor="ctr"/>
+          <a:lstStyle/>
+          <a:p>
+            <a:pPr algn="ctr"/>
+            <a:r>
+              <a:rPr lang="en-US" dirty="0">
+                <a:solidFill>
+                  <a:schemeClr val="tx1"/>
+                </a:solidFill>
+              </a:rPr>
+              <a:t>2</a:t>
+            </a:r>
+            <a:endParaRPr lang="en-US" dirty="0" smtClean="0">
+              <a:solidFill>
+                <a:schemeClr val="tx1"/>
+              </a:solidFill>
+            </a:endParaRPr>
+          </a:p>
+        </p:txBody>
+      </p:sp>
+      <p:sp>
+        <p:nvSpPr>
+          <p:cNvPr id="17" name="Oval 16"/>
+          <p:cNvSpPr/>
+          <p:nvPr/>
+        </p:nvSpPr>
+        <p:spPr>
+          <a:xfrm>
+            <a:off x="2763375" y="5560630"/>
+            <a:ext cx="413122" cy="413122"/>
+          </a:xfrm>
+          <a:prstGeom prst="ellipse">
+            <a:avLst/>
+          </a:prstGeom>
+          <a:solidFill>
+            <a:schemeClr val="bg1"/>
+          </a:solidFill>
+          <a:ln>
+            <a:solidFill>
+              <a:schemeClr val="tx1"/>
+            </a:solidFill>
+          </a:ln>
+        </p:spPr>
+        <p:style>
+          <a:lnRef idx="2">
+            <a:schemeClr val="accent1">
+              <a:shade val="50000"/>
+            </a:schemeClr>
+          </a:lnRef>
+          <a:fillRef idx="1">
+            <a:schemeClr val="accent1"/>
+          </a:fillRef>
+          <a:effectRef idx="0">
+            <a:schemeClr val="accent1"/>
+          </a:effectRef>
+          <a:fontRef idx="minor">
+            <a:schemeClr val="lt1"/>
+          </a:fontRef>
+        </p:style>
+        <p:txBody>
+          <a:bodyPr rtlCol="0" anchor="ctr"/>
+          <a:lstStyle/>
+          <a:p>
+            <a:pPr algn="ctr"/>
+            <a:r>
+              <a:rPr lang="en-US" dirty="0">
+                <a:solidFill>
+                  <a:schemeClr val="tx1"/>
+                </a:solidFill>
+              </a:rPr>
+              <a:t>3</a:t>
+            </a:r>
+            <a:endParaRPr lang="en-US" dirty="0" smtClean="0">
+              <a:solidFill>
+                <a:schemeClr val="tx1"/>
+              </a:solidFill>
+            </a:endParaRPr>
+          </a:p>
+        </p:txBody>
+      </p:sp>
+      <p:sp>
+        <p:nvSpPr>
+          <p:cNvPr id="18" name="Oval 17"/>
+          <p:cNvSpPr/>
+          <p:nvPr/>
+        </p:nvSpPr>
+        <p:spPr>
+          <a:xfrm>
+            <a:off x="1629339" y="4789106"/>
+            <a:ext cx="413122" cy="413122"/>
+          </a:xfrm>
+          <a:prstGeom prst="ellipse">
+            <a:avLst/>
+          </a:prstGeom>
+          <a:solidFill>
+            <a:schemeClr val="bg1"/>
+          </a:solidFill>
+          <a:ln>
+            <a:solidFill>
+              <a:schemeClr val="tx1"/>
+            </a:solidFill>
+          </a:ln>
+        </p:spPr>
+        <p:style>
+          <a:lnRef idx="2">
+            <a:schemeClr val="accent1">
+              <a:shade val="50000"/>
+            </a:schemeClr>
+          </a:lnRef>
+          <a:fillRef idx="1">
+            <a:schemeClr val="accent1"/>
+          </a:fillRef>
+          <a:effectRef idx="0">
+            <a:schemeClr val="accent1"/>
+          </a:effectRef>
+          <a:fontRef idx="minor">
+            <a:schemeClr val="lt1"/>
+          </a:fontRef>
+        </p:style>
+        <p:txBody>
+          <a:bodyPr rtlCol="0" anchor="ctr"/>
+          <a:lstStyle/>
+          <a:p>
+            <a:pPr algn="ctr"/>
+            <a:r>
+              <a:rPr lang="en-US" dirty="0" smtClean="0">
+                <a:solidFill>
+                  <a:schemeClr val="tx1"/>
+                </a:solidFill>
+              </a:rPr>
+              <a:t>5</a:t>
+            </a:r>
+          </a:p>
+        </p:txBody>
+      </p:sp>
+      <p:sp>
+        <p:nvSpPr>
+          <p:cNvPr id="19" name="Oval 18"/>
+          <p:cNvSpPr/>
+          <p:nvPr/>
+        </p:nvSpPr>
+        <p:spPr>
+          <a:xfrm>
+            <a:off x="1835900" y="5751130"/>
+            <a:ext cx="413122" cy="413122"/>
+          </a:xfrm>
+          <a:prstGeom prst="ellipse">
+            <a:avLst/>
+          </a:prstGeom>
+          <a:solidFill>
+            <a:schemeClr val="bg1"/>
+          </a:solidFill>
+          <a:ln>
+            <a:solidFill>
+              <a:schemeClr val="tx1"/>
+            </a:solidFill>
+          </a:ln>
+        </p:spPr>
+        <p:style>
+          <a:lnRef idx="2">
+            <a:schemeClr val="accent1">
+              <a:shade val="50000"/>
+            </a:schemeClr>
+          </a:lnRef>
+          <a:fillRef idx="1">
+            <a:schemeClr val="accent1"/>
+          </a:fillRef>
+          <a:effectRef idx="0">
+            <a:schemeClr val="accent1"/>
+          </a:effectRef>
+          <a:fontRef idx="minor">
+            <a:schemeClr val="lt1"/>
+          </a:fontRef>
+        </p:style>
+        <p:txBody>
+          <a:bodyPr rtlCol="0" anchor="ctr"/>
+          <a:lstStyle/>
+          <a:p>
+            <a:pPr algn="ctr"/>
+            <a:r>
+              <a:rPr lang="en-US" dirty="0">
+                <a:solidFill>
+                  <a:schemeClr val="tx1"/>
+                </a:solidFill>
+              </a:rPr>
+              <a:t>4</a:t>
+            </a:r>
+            <a:endParaRPr lang="en-US" dirty="0" smtClean="0">
+              <a:solidFill>
+                <a:schemeClr val="tx1"/>
+              </a:solidFill>
+            </a:endParaRPr>
+          </a:p>
+        </p:txBody>
+      </p:sp>
+      <p:cxnSp>
+        <p:nvCxnSpPr>
+          <p:cNvPr id="20" name="Straight Arrow Connector 19"/>
+          <p:cNvCxnSpPr>
+            <a:stCxn id="15" idx="6"/>
+            <a:endCxn id="16" idx="1"/>
+          </p:cNvCxnSpPr>
+          <p:nvPr/>
+        </p:nvCxnSpPr>
+        <p:spPr>
+          <a:xfrm>
+            <a:off x="3049123" y="4733731"/>
+            <a:ext cx="489123" cy="417128"/>
+          </a:xfrm>
+          <a:prstGeom prst="straightConnector1">
+            <a:avLst/>
+          </a:prstGeom>
+          <a:ln>
+            <a:tailEnd type="arrow"/>
+          </a:ln>
+        </p:spPr>
+        <p:style>
+          <a:lnRef idx="1">
+            <a:schemeClr val="dk1"/>
+          </a:lnRef>
+          <a:fillRef idx="0">
+            <a:schemeClr val="dk1"/>
+          </a:fillRef>
+          <a:effectRef idx="0">
+            <a:schemeClr val="dk1"/>
+          </a:effectRef>
+          <a:fontRef idx="minor">
+            <a:schemeClr val="tx1"/>
+          </a:fontRef>
+        </p:style>
+      </p:cxnSp>
+      <p:cxnSp>
+        <p:nvCxnSpPr>
+          <p:cNvPr id="21" name="Straight Arrow Connector 20"/>
+          <p:cNvCxnSpPr>
+            <a:stCxn id="15" idx="4"/>
+            <a:endCxn id="17" idx="0"/>
+          </p:cNvCxnSpPr>
+          <p:nvPr/>
+        </p:nvCxnSpPr>
+        <p:spPr>
+          <a:xfrm>
+            <a:off x="2842562" y="4940292"/>
+            <a:ext cx="127374" cy="620338"/>
+          </a:xfrm>
+          <a:prstGeom prst="straightConnector1">
+            <a:avLst/>
+          </a:prstGeom>
+          <a:ln>
+            <a:tailEnd type="arrow"/>
+          </a:ln>
+        </p:spPr>
+        <p:style>
+          <a:lnRef idx="1">
+            <a:schemeClr val="dk1"/>
+          </a:lnRef>
+          <a:fillRef idx="0">
+            <a:schemeClr val="dk1"/>
+          </a:fillRef>
+          <a:effectRef idx="0">
+            <a:schemeClr val="dk1"/>
+          </a:effectRef>
+          <a:fontRef idx="minor">
+            <a:schemeClr val="tx1"/>
+          </a:fontRef>
+        </p:style>
+      </p:cxnSp>
+      <p:cxnSp>
+        <p:nvCxnSpPr>
+          <p:cNvPr id="22" name="Straight Arrow Connector 21"/>
+          <p:cNvCxnSpPr>
+            <a:stCxn id="17" idx="2"/>
+            <a:endCxn id="19" idx="6"/>
+          </p:cNvCxnSpPr>
+          <p:nvPr/>
+        </p:nvCxnSpPr>
+        <p:spPr>
+          <a:xfrm flipH="1">
+            <a:off x="2249022" y="5767191"/>
+            <a:ext cx="514353" cy="190500"/>
+          </a:xfrm>
+          <a:prstGeom prst="straightConnector1">
+            <a:avLst/>
+          </a:prstGeom>
+          <a:ln>
+            <a:tailEnd type="arrow"/>
+          </a:ln>
+        </p:spPr>
+        <p:style>
+          <a:lnRef idx="1">
+            <a:schemeClr val="dk1"/>
+          </a:lnRef>
+          <a:fillRef idx="0">
+            <a:schemeClr val="dk1"/>
+          </a:fillRef>
+          <a:effectRef idx="0">
+            <a:schemeClr val="dk1"/>
+          </a:effectRef>
+          <a:fontRef idx="minor">
+            <a:schemeClr val="tx1"/>
+          </a:fontRef>
+        </p:style>
+      </p:cxnSp>
+      <p:cxnSp>
+        <p:nvCxnSpPr>
+          <p:cNvPr id="23" name="Straight Arrow Connector 22"/>
+          <p:cNvCxnSpPr>
+            <a:stCxn id="19" idx="0"/>
+            <a:endCxn id="18" idx="4"/>
+          </p:cNvCxnSpPr>
+          <p:nvPr/>
+        </p:nvCxnSpPr>
+        <p:spPr>
+          <a:xfrm flipH="1" flipV="1">
+            <a:off x="1835900" y="5202228"/>
+            <a:ext cx="206561" cy="548902"/>
+          </a:xfrm>
+          <a:prstGeom prst="straightConnector1">
+            <a:avLst/>
+          </a:prstGeom>
+          <a:ln>
+            <a:tailEnd type="arrow"/>
+          </a:ln>
+        </p:spPr>
+        <p:style>
+          <a:lnRef idx="1">
+            <a:schemeClr val="dk1"/>
+          </a:lnRef>
+          <a:fillRef idx="0">
+            <a:schemeClr val="dk1"/>
+          </a:fillRef>
+          <a:effectRef idx="0">
+            <a:schemeClr val="dk1"/>
+          </a:effectRef>
+          <a:fontRef idx="minor">
+            <a:schemeClr val="tx1"/>
+          </a:fontRef>
+        </p:style>
+      </p:cxnSp>
+      <p:sp>
+        <p:nvSpPr>
+          <p:cNvPr id="24" name="Oval 23"/>
+          <p:cNvSpPr/>
+          <p:nvPr/>
+        </p:nvSpPr>
+        <p:spPr>
+          <a:xfrm>
+            <a:off x="5571848" y="4539687"/>
+            <a:ext cx="413122" cy="413122"/>
+          </a:xfrm>
+          <a:prstGeom prst="ellipse">
+            <a:avLst/>
+          </a:prstGeom>
+          <a:solidFill>
+            <a:schemeClr val="bg1"/>
+          </a:solidFill>
+          <a:ln>
+            <a:solidFill>
+              <a:schemeClr val="tx1"/>
+            </a:solidFill>
+          </a:ln>
+        </p:spPr>
+        <p:style>
+          <a:lnRef idx="2">
+            <a:schemeClr val="accent1">
+              <a:shade val="50000"/>
+            </a:schemeClr>
+          </a:lnRef>
+          <a:fillRef idx="1">
+            <a:schemeClr val="accent1"/>
+          </a:fillRef>
+          <a:effectRef idx="0">
+            <a:schemeClr val="accent1"/>
+          </a:effectRef>
+          <a:fontRef idx="minor">
+            <a:schemeClr val="lt1"/>
+          </a:fontRef>
+        </p:style>
+        <p:txBody>
+          <a:bodyPr rtlCol="0" anchor="ctr"/>
+          <a:lstStyle/>
+          <a:p>
+            <a:pPr algn="ctr"/>
+            <a:r>
+              <a:rPr lang="en-US" dirty="0">
+                <a:solidFill>
+                  <a:schemeClr val="tx1"/>
+                </a:solidFill>
+              </a:rPr>
+              <a:t>A</a:t>
+            </a:r>
+            <a:endParaRPr lang="en-US" dirty="0" smtClean="0">
+              <a:solidFill>
+                <a:schemeClr val="tx1"/>
+              </a:solidFill>
+            </a:endParaRPr>
+          </a:p>
+        </p:txBody>
+      </p:sp>
+      <p:sp>
+        <p:nvSpPr>
+          <p:cNvPr id="25" name="Oval 24"/>
+          <p:cNvSpPr/>
+          <p:nvPr/>
+        </p:nvSpPr>
+        <p:spPr>
+          <a:xfrm>
+            <a:off x="6261470" y="5133418"/>
+            <a:ext cx="413122" cy="413122"/>
+          </a:xfrm>
+          <a:prstGeom prst="ellipse">
+            <a:avLst/>
+          </a:prstGeom>
+          <a:solidFill>
+            <a:schemeClr val="bg1"/>
+          </a:solidFill>
+          <a:ln>
+            <a:solidFill>
+              <a:schemeClr val="tx1"/>
+            </a:solidFill>
+          </a:ln>
+        </p:spPr>
+        <p:style>
+          <a:lnRef idx="2">
+            <a:schemeClr val="accent1">
+              <a:shade val="50000"/>
+            </a:schemeClr>
+          </a:lnRef>
+          <a:fillRef idx="1">
+            <a:schemeClr val="accent1"/>
+          </a:fillRef>
+          <a:effectRef idx="0">
+            <a:schemeClr val="accent1"/>
+          </a:effectRef>
+          <a:fontRef idx="minor">
+            <a:schemeClr val="lt1"/>
+          </a:fontRef>
+        </p:style>
+        <p:txBody>
+          <a:bodyPr rtlCol="0" anchor="ctr"/>
+          <a:lstStyle/>
+          <a:p>
+            <a:pPr algn="ctr"/>
+            <a:r>
+              <a:rPr lang="en-US" dirty="0" smtClean="0">
+                <a:solidFill>
+                  <a:schemeClr val="tx1"/>
+                </a:solidFill>
+              </a:rPr>
+              <a:t>C</a:t>
+            </a:r>
+          </a:p>
+        </p:txBody>
+      </p:sp>
+      <p:sp>
+        <p:nvSpPr>
+          <p:cNvPr id="26" name="Oval 25"/>
+          <p:cNvSpPr/>
+          <p:nvPr/>
+        </p:nvSpPr>
+        <p:spPr>
+          <a:xfrm>
+            <a:off x="5586044" y="5792025"/>
+            <a:ext cx="413122" cy="413122"/>
+          </a:xfrm>
+          <a:prstGeom prst="ellipse">
+            <a:avLst/>
+          </a:prstGeom>
+          <a:solidFill>
+            <a:schemeClr val="bg1"/>
+          </a:solidFill>
+          <a:ln>
+            <a:solidFill>
+              <a:schemeClr val="tx1"/>
+            </a:solidFill>
+          </a:ln>
+        </p:spPr>
+        <p:style>
+          <a:lnRef idx="2">
+            <a:schemeClr val="accent1">
+              <a:shade val="50000"/>
+            </a:schemeClr>
+          </a:lnRef>
+          <a:fillRef idx="1">
+            <a:schemeClr val="accent1"/>
+          </a:fillRef>
+          <a:effectRef idx="0">
+            <a:schemeClr val="accent1"/>
+          </a:effectRef>
+          <a:fontRef idx="minor">
+            <a:schemeClr val="lt1"/>
+          </a:fontRef>
+        </p:style>
+        <p:txBody>
+          <a:bodyPr rtlCol="0" anchor="ctr"/>
+          <a:lstStyle/>
+          <a:p>
+            <a:pPr algn="ctr"/>
+            <a:r>
+              <a:rPr lang="en-US" dirty="0" smtClean="0">
+                <a:solidFill>
+                  <a:schemeClr val="tx1"/>
+                </a:solidFill>
+              </a:rPr>
+              <a:t>B</a:t>
+            </a:r>
+          </a:p>
+        </p:txBody>
+      </p:sp>
+      <p:sp>
+        <p:nvSpPr>
+          <p:cNvPr id="27" name="Oval 26"/>
+          <p:cNvSpPr/>
+          <p:nvPr/>
+        </p:nvSpPr>
+        <p:spPr>
+          <a:xfrm>
+            <a:off x="4907993" y="5133418"/>
+            <a:ext cx="413122" cy="413122"/>
+          </a:xfrm>
+          <a:prstGeom prst="ellipse">
+            <a:avLst/>
+          </a:prstGeom>
+          <a:solidFill>
+            <a:schemeClr val="bg1"/>
+          </a:solidFill>
+          <a:ln>
+            <a:solidFill>
+              <a:schemeClr val="tx1"/>
+            </a:solidFill>
+          </a:ln>
+        </p:spPr>
+        <p:style>
+          <a:lnRef idx="2">
+            <a:schemeClr val="accent1">
+              <a:shade val="50000"/>
+            </a:schemeClr>
+          </a:lnRef>
+          <a:fillRef idx="1">
+            <a:schemeClr val="accent1"/>
+          </a:fillRef>
+          <a:effectRef idx="0">
+            <a:schemeClr val="accent1"/>
+          </a:effectRef>
+          <a:fontRef idx="minor">
+            <a:schemeClr val="lt1"/>
+          </a:fontRef>
+        </p:style>
+        <p:txBody>
+          <a:bodyPr rtlCol="0" anchor="ctr"/>
+          <a:lstStyle/>
+          <a:p>
+            <a:pPr algn="ctr"/>
+            <a:r>
+              <a:rPr lang="en-US" dirty="0">
+                <a:solidFill>
+                  <a:schemeClr val="tx1"/>
+                </a:solidFill>
+              </a:rPr>
+              <a:t>D</a:t>
+            </a:r>
+            <a:endParaRPr lang="en-US" dirty="0" smtClean="0">
+              <a:solidFill>
+                <a:schemeClr val="tx1"/>
+              </a:solidFill>
+            </a:endParaRPr>
+          </a:p>
+        </p:txBody>
+      </p:sp>
+      <p:cxnSp>
+        <p:nvCxnSpPr>
+          <p:cNvPr id="28" name="Straight Arrow Connector 27"/>
+          <p:cNvCxnSpPr>
+            <a:stCxn id="24" idx="6"/>
+            <a:endCxn id="25" idx="1"/>
+          </p:cNvCxnSpPr>
+          <p:nvPr/>
+        </p:nvCxnSpPr>
+        <p:spPr>
+          <a:xfrm>
+            <a:off x="5984970" y="4746248"/>
+            <a:ext cx="337000" cy="447670"/>
+          </a:xfrm>
+          <a:prstGeom prst="straightConnector1">
+            <a:avLst/>
+          </a:prstGeom>
+          <a:ln>
+            <a:tailEnd type="arrow"/>
+          </a:ln>
+        </p:spPr>
+        <p:style>
+          <a:lnRef idx="1">
+            <a:schemeClr val="dk1"/>
+          </a:lnRef>
+          <a:fillRef idx="0">
+            <a:schemeClr val="dk1"/>
+          </a:fillRef>
+          <a:effectRef idx="0">
+            <a:schemeClr val="dk1"/>
+          </a:effectRef>
+          <a:fontRef idx="minor">
+            <a:schemeClr val="tx1"/>
+          </a:fontRef>
+        </p:style>
+      </p:cxnSp>
+      <p:cxnSp>
+        <p:nvCxnSpPr>
+          <p:cNvPr id="29" name="Straight Arrow Connector 28"/>
+          <p:cNvCxnSpPr>
+            <a:stCxn id="24" idx="4"/>
+            <a:endCxn id="26" idx="0"/>
+          </p:cNvCxnSpPr>
+          <p:nvPr/>
+        </p:nvCxnSpPr>
+        <p:spPr>
+          <a:xfrm>
+            <a:off x="5778409" y="4952809"/>
+            <a:ext cx="14196" cy="839216"/>
+          </a:xfrm>
+          <a:prstGeom prst="straightConnector1">
+            <a:avLst/>
+          </a:prstGeom>
+          <a:ln>
+            <a:tailEnd type="arrow"/>
+          </a:ln>
+        </p:spPr>
+        <p:style>
+          <a:lnRef idx="1">
+            <a:schemeClr val="dk1"/>
+          </a:lnRef>
+          <a:fillRef idx="0">
+            <a:schemeClr val="dk1"/>
+          </a:fillRef>
+          <a:effectRef idx="0">
+            <a:schemeClr val="dk1"/>
+          </a:effectRef>
+          <a:fontRef idx="minor">
+            <a:schemeClr val="tx1"/>
+          </a:fontRef>
+        </p:style>
+      </p:cxnSp>
+      <p:cxnSp>
+        <p:nvCxnSpPr>
+          <p:cNvPr id="30" name="Straight Arrow Connector 29"/>
+          <p:cNvCxnSpPr>
+            <a:stCxn id="24" idx="2"/>
+            <a:endCxn id="27" idx="7"/>
+          </p:cNvCxnSpPr>
+          <p:nvPr/>
+        </p:nvCxnSpPr>
+        <p:spPr>
+          <a:xfrm flipH="1">
+            <a:off x="5260615" y="4746248"/>
+            <a:ext cx="311233" cy="447670"/>
+          </a:xfrm>
+          <a:prstGeom prst="straightConnector1">
+            <a:avLst/>
+          </a:prstGeom>
+          <a:ln>
+            <a:tailEnd type="arrow"/>
+          </a:ln>
+        </p:spPr>
+        <p:style>
+          <a:lnRef idx="1">
+            <a:schemeClr val="dk1"/>
+          </a:lnRef>
+          <a:fillRef idx="0">
+            <a:schemeClr val="dk1"/>
+          </a:fillRef>
+          <a:effectRef idx="0">
+            <a:schemeClr val="dk1"/>
+          </a:effectRef>
+          <a:fontRef idx="minor">
+            <a:schemeClr val="tx1"/>
+          </a:fontRef>
+        </p:style>
+      </p:cxnSp>
+      <p:cxnSp>
+        <p:nvCxnSpPr>
+          <p:cNvPr id="31" name="Straight Arrow Connector 30"/>
+          <p:cNvCxnSpPr>
+            <a:stCxn id="26" idx="7"/>
+            <a:endCxn id="25" idx="3"/>
+          </p:cNvCxnSpPr>
+          <p:nvPr/>
+        </p:nvCxnSpPr>
+        <p:spPr>
+          <a:xfrm flipV="1">
+            <a:off x="5938666" y="5486040"/>
+            <a:ext cx="383304" cy="366485"/>
+          </a:xfrm>
+          <a:prstGeom prst="straightConnector1">
+            <a:avLst/>
+          </a:prstGeom>
+          <a:ln>
+            <a:tailEnd type="arrow"/>
+          </a:ln>
+        </p:spPr>
+        <p:style>
+          <a:lnRef idx="1">
+            <a:schemeClr val="dk1"/>
+          </a:lnRef>
+          <a:fillRef idx="0">
+            <a:schemeClr val="dk1"/>
+          </a:fillRef>
+          <a:effectRef idx="0">
+            <a:schemeClr val="dk1"/>
+          </a:effectRef>
+          <a:fontRef idx="minor">
+            <a:schemeClr val="tx1"/>
+          </a:fontRef>
+        </p:style>
+      </p:cxnSp>
       <p:pic>
         <p:nvPicPr>
-          <p:cNvPr id="5" name="Picture 4">
+          <p:cNvPr id="32" name="Picture 31">
             <a:extLst>
               <a:ext uri="{FF2B5EF4-FFF2-40B4-BE49-F238E27FC236}">
-                <a16:creationId xmlns:a16="http://schemas.microsoft.com/office/drawing/2014/main" id="{DF5E120D-8E2E-D414-9BE3-A68A099B210E}"/>
+                <a16:creationId xmlns:a16="http://schemas.microsoft.com/office/drawing/2014/main" xmlns="" id="{DF5E120D-8E2E-D414-9BE3-A68A099B210E}"/>
               </a:ext>
             </a:extLst>
           </p:cNvPr>
@@ -8194,436 +10019,254 @@
         </p:blipFill>
         <p:spPr>
           <a:xfrm>
-            <a:off x="8343937" y="3702353"/>
-            <a:ext cx="3543263" cy="2978676"/>
+            <a:off x="7448518" y="2563999"/>
+            <a:ext cx="4316412" cy="3628631"/>
           </a:xfrm>
           <a:prstGeom prst="rect">
             <a:avLst/>
           </a:prstGeom>
         </p:spPr>
       </p:pic>
-      <p:pic>
-        <p:nvPicPr>
-          <p:cNvPr id="7" name="Picture 6">
-            <a:extLst>
-              <a:ext uri="{FF2B5EF4-FFF2-40B4-BE49-F238E27FC236}">
-                <a16:creationId xmlns:a16="http://schemas.microsoft.com/office/drawing/2014/main" id="{5EC6C3A6-23EE-3547-4CDC-5D24A0A7D522}"/>
-              </a:ext>
-            </a:extLst>
-          </p:cNvPr>
-          <p:cNvPicPr>
-            <a:picLocks noChangeAspect="1"/>
-          </p:cNvPicPr>
+      <p:sp>
+        <p:nvSpPr>
+          <p:cNvPr id="33" name="TextBox 32"/>
+          <p:cNvSpPr txBox="1"/>
           <p:nvPr/>
-        </p:nvPicPr>
-        <p:blipFill rotWithShape="1">
-          <a:blip r:embed="rId3">
-            <a:extLst>
-              <a:ext uri="{28A0092B-C50C-407E-A947-70E740481C1C}">
-                <a14:useLocalDpi xmlns:a14="http://schemas.microsoft.com/office/drawing/2010/main" val="0"/>
-              </a:ext>
-            </a:extLst>
-          </a:blip>
-          <a:srcRect l="16208" t="18615" r="21275" b="9955"/>
-          <a:stretch/>
-        </p:blipFill>
+        </p:nvSpPr>
         <p:spPr>
           <a:xfrm>
-            <a:off x="5162513" y="4334682"/>
-            <a:ext cx="1909799" cy="2182041"/>
+            <a:off x="3943350" y="5933881"/>
+            <a:ext cx="933012" cy="369332"/>
           </a:xfrm>
           <a:prstGeom prst="rect">
             <a:avLst/>
           </a:prstGeom>
+          <a:noFill/>
         </p:spPr>
-      </p:pic>
-      <p:pic>
-        <p:nvPicPr>
-          <p:cNvPr id="9" name="Picture 8">
-            <a:extLst>
-              <a:ext uri="{FF2B5EF4-FFF2-40B4-BE49-F238E27FC236}">
-                <a16:creationId xmlns:a16="http://schemas.microsoft.com/office/drawing/2014/main" id="{BCAA92A2-3C81-650B-7F86-D978F3483C08}"/>
-              </a:ext>
-            </a:extLst>
-          </p:cNvPr>
-          <p:cNvPicPr>
-            <a:picLocks noChangeAspect="1"/>
-          </p:cNvPicPr>
+        <p:txBody>
+          <a:bodyPr wrap="none" rtlCol="0">
+            <a:spAutoFit/>
+          </a:bodyPr>
+          <a:lstStyle/>
+          <a:p>
+            <a:r>
+              <a:rPr lang="en-US" dirty="0" smtClean="0"/>
+              <a:t>Vertices</a:t>
+            </a:r>
+            <a:endParaRPr lang="en-US" dirty="0"/>
+          </a:p>
+        </p:txBody>
+      </p:sp>
+      <p:sp>
+        <p:nvSpPr>
+          <p:cNvPr id="36" name="Up Arrow 35"/>
+          <p:cNvSpPr/>
           <p:nvPr/>
-        </p:nvPicPr>
-        <p:blipFill rotWithShape="1">
-          <a:blip r:embed="rId4">
-            <a:extLst>
-              <a:ext uri="{28A0092B-C50C-407E-A947-70E740481C1C}">
-                <a14:useLocalDpi xmlns:a14="http://schemas.microsoft.com/office/drawing/2010/main" val="0"/>
-              </a:ext>
-            </a:extLst>
-          </a:blip>
-          <a:srcRect l="14925" t="15385" r="12455" b="21978"/>
-          <a:stretch/>
-        </p:blipFill>
+        </p:nvSpPr>
         <p:spPr>
-          <a:xfrm>
-            <a:off x="1112026" y="4505918"/>
-            <a:ext cx="2331262" cy="2010805"/>
+          <a:xfrm rot="5400000">
+            <a:off x="9826203" y="3045913"/>
+            <a:ext cx="202863" cy="934628"/>
           </a:xfrm>
-          <a:prstGeom prst="rect">
+          <a:prstGeom prst="upArrow">
             <a:avLst/>
           </a:prstGeom>
-        </p:spPr>
-      </p:pic>
-      <p:cxnSp>
-        <p:nvCxnSpPr>
-          <p:cNvPr id="13" name="Straight Arrow Connector 12">
-            <a:extLst>
-              <a:ext uri="{FF2B5EF4-FFF2-40B4-BE49-F238E27FC236}">
-                <a16:creationId xmlns:a16="http://schemas.microsoft.com/office/drawing/2014/main" id="{0CF5CAB6-3C22-9FEC-7E1E-7B91C8E5761F}"/>
-              </a:ext>
-            </a:extLst>
-          </p:cNvPr>
-          <p:cNvCxnSpPr/>
-          <p:nvPr/>
-        </p:nvCxnSpPr>
-        <p:spPr>
-          <a:xfrm>
-            <a:off x="428625" y="5200650"/>
-            <a:ext cx="683401" cy="0"/>
-          </a:xfrm>
-          <a:prstGeom prst="straightConnector1">
-            <a:avLst/>
-          </a:prstGeom>
-          <a:ln w="57150">
-            <a:solidFill>
-              <a:schemeClr val="accent1">
-                <a:lumMod val="75000"/>
-              </a:schemeClr>
-            </a:solidFill>
-            <a:tailEnd type="triangle"/>
-          </a:ln>
+          <a:solidFill>
+            <a:schemeClr val="accent4">
+              <a:lumMod val="60000"/>
+              <a:lumOff val="40000"/>
+            </a:schemeClr>
+          </a:solidFill>
         </p:spPr>
         <p:style>
-          <a:lnRef idx="1">
-            <a:schemeClr val="accent1"/>
+          <a:lnRef idx="2">
+            <a:schemeClr val="accent1">
+              <a:shade val="50000"/>
+            </a:schemeClr>
           </a:lnRef>
-          <a:fillRef idx="0">
+          <a:fillRef idx="1">
             <a:schemeClr val="accent1"/>
           </a:fillRef>
           <a:effectRef idx="0">
             <a:schemeClr val="accent1"/>
           </a:effectRef>
           <a:fontRef idx="minor">
-            <a:schemeClr val="tx1"/>
+            <a:schemeClr val="lt1"/>
           </a:fontRef>
         </p:style>
-      </p:cxnSp>
-      <p:cxnSp>
-        <p:nvCxnSpPr>
-          <p:cNvPr id="14" name="Straight Arrow Connector 13">
-            <a:extLst>
-              <a:ext uri="{FF2B5EF4-FFF2-40B4-BE49-F238E27FC236}">
-                <a16:creationId xmlns:a16="http://schemas.microsoft.com/office/drawing/2014/main" id="{1CCF16B9-A09E-4470-2324-7D202860F263}"/>
-              </a:ext>
-            </a:extLst>
-          </p:cNvPr>
-          <p:cNvCxnSpPr>
-            <a:cxnSpLocks/>
-          </p:cNvCxnSpPr>
+        <p:txBody>
+          <a:bodyPr rtlCol="0" anchor="ctr"/>
+          <a:lstStyle/>
+          <a:p>
+            <a:pPr algn="ctr"/>
+            <a:endParaRPr lang="en-US"/>
+          </a:p>
+        </p:txBody>
+      </p:sp>
+      <p:sp>
+        <p:nvSpPr>
+          <p:cNvPr id="37" name="Up Arrow 36"/>
+          <p:cNvSpPr/>
           <p:nvPr/>
-        </p:nvCxnSpPr>
+        </p:nvSpPr>
         <p:spPr>
-          <a:xfrm flipH="1">
-            <a:off x="2757488" y="4729163"/>
-            <a:ext cx="685800" cy="228600"/>
+          <a:xfrm rot="18960734">
+            <a:off x="3956802" y="5476686"/>
+            <a:ext cx="202863" cy="581010"/>
           </a:xfrm>
-          <a:prstGeom prst="straightConnector1">
+          <a:prstGeom prst="upArrow">
             <a:avLst/>
           </a:prstGeom>
-          <a:ln w="57150">
-            <a:solidFill>
-              <a:schemeClr val="accent1">
-                <a:lumMod val="40000"/>
-                <a:lumOff val="60000"/>
-              </a:schemeClr>
-            </a:solidFill>
-            <a:tailEnd type="triangle"/>
-          </a:ln>
+          <a:solidFill>
+            <a:schemeClr val="accent1">
+              <a:lumMod val="40000"/>
+              <a:lumOff val="60000"/>
+            </a:schemeClr>
+          </a:solidFill>
         </p:spPr>
         <p:style>
-          <a:lnRef idx="1">
-            <a:schemeClr val="accent1"/>
+          <a:lnRef idx="2">
+            <a:schemeClr val="accent1">
+              <a:shade val="50000"/>
+            </a:schemeClr>
           </a:lnRef>
-          <a:fillRef idx="0">
+          <a:fillRef idx="1">
             <a:schemeClr val="accent1"/>
           </a:fillRef>
           <a:effectRef idx="0">
             <a:schemeClr val="accent1"/>
           </a:effectRef>
           <a:fontRef idx="minor">
-            <a:schemeClr val="tx1"/>
+            <a:schemeClr val="lt1"/>
           </a:fontRef>
         </p:style>
-      </p:cxnSp>
-      <p:cxnSp>
-        <p:nvCxnSpPr>
-          <p:cNvPr id="4" name="Straight Arrow Connector 3">
-            <a:extLst>
-              <a:ext uri="{FF2B5EF4-FFF2-40B4-BE49-F238E27FC236}">
-                <a16:creationId xmlns:a16="http://schemas.microsoft.com/office/drawing/2014/main" id="{98ADD665-6FC6-CEB4-6D76-8C26111BF116}"/>
-              </a:ext>
-            </a:extLst>
-          </p:cNvPr>
-          <p:cNvCxnSpPr/>
+        <p:txBody>
+          <a:bodyPr rtlCol="0" anchor="ctr"/>
+          <a:lstStyle/>
+          <a:p>
+            <a:pPr algn="ctr"/>
+            <a:endParaRPr lang="en-US"/>
+          </a:p>
+        </p:txBody>
+      </p:sp>
+      <p:sp>
+        <p:nvSpPr>
+          <p:cNvPr id="39" name="TextBox 38"/>
+          <p:cNvSpPr txBox="1"/>
           <p:nvPr/>
-        </p:nvCxnSpPr>
+        </p:nvSpPr>
         <p:spPr>
           <a:xfrm>
-            <a:off x="4479112" y="5881688"/>
-            <a:ext cx="683401" cy="0"/>
+            <a:off x="8680450" y="3324547"/>
+            <a:ext cx="727571" cy="369332"/>
           </a:xfrm>
-          <a:prstGeom prst="straightConnector1">
+          <a:prstGeom prst="rect">
             <a:avLst/>
           </a:prstGeom>
-          <a:ln w="57150">
-            <a:solidFill>
-              <a:schemeClr val="accent1">
-                <a:lumMod val="75000"/>
-              </a:schemeClr>
-            </a:solidFill>
-            <a:tailEnd type="triangle"/>
-          </a:ln>
+          <a:noFill/>
+        </p:spPr>
+        <p:txBody>
+          <a:bodyPr wrap="none" rtlCol="0">
+            <a:spAutoFit/>
+          </a:bodyPr>
+          <a:lstStyle/>
+          <a:p>
+            <a:r>
+              <a:rPr lang="en-US" dirty="0" smtClean="0"/>
+              <a:t>Edges</a:t>
+            </a:r>
+          </a:p>
+        </p:txBody>
+      </p:sp>
+      <p:sp>
+        <p:nvSpPr>
+          <p:cNvPr id="40" name="Up Arrow 39"/>
+          <p:cNvSpPr/>
+          <p:nvPr/>
+        </p:nvSpPr>
+        <p:spPr>
+          <a:xfrm rot="10800000">
+            <a:off x="8874956" y="3693877"/>
+            <a:ext cx="202863" cy="1246414"/>
+          </a:xfrm>
+          <a:prstGeom prst="upArrow">
+            <a:avLst/>
+          </a:prstGeom>
+          <a:solidFill>
+            <a:schemeClr val="accent4">
+              <a:lumMod val="60000"/>
+              <a:lumOff val="40000"/>
+            </a:schemeClr>
+          </a:solidFill>
         </p:spPr>
         <p:style>
-          <a:lnRef idx="1">
-            <a:schemeClr val="accent1"/>
+          <a:lnRef idx="2">
+            <a:schemeClr val="accent1">
+              <a:shade val="50000"/>
+            </a:schemeClr>
           </a:lnRef>
-          <a:fillRef idx="0">
+          <a:fillRef idx="1">
             <a:schemeClr val="accent1"/>
           </a:fillRef>
           <a:effectRef idx="0">
             <a:schemeClr val="accent1"/>
           </a:effectRef>
           <a:fontRef idx="minor">
-            <a:schemeClr val="tx1"/>
+            <a:schemeClr val="lt1"/>
           </a:fontRef>
         </p:style>
-      </p:cxnSp>
-      <p:cxnSp>
-        <p:nvCxnSpPr>
-          <p:cNvPr id="6" name="Straight Arrow Connector 5">
-            <a:extLst>
-              <a:ext uri="{FF2B5EF4-FFF2-40B4-BE49-F238E27FC236}">
-                <a16:creationId xmlns:a16="http://schemas.microsoft.com/office/drawing/2014/main" id="{3C0F131E-E90A-3652-2E94-739BA4B3AD14}"/>
-              </a:ext>
-            </a:extLst>
-          </p:cNvPr>
-          <p:cNvCxnSpPr/>
+        <p:txBody>
+          <a:bodyPr rtlCol="0" anchor="ctr"/>
+          <a:lstStyle/>
+          <a:p>
+            <a:pPr algn="ctr"/>
+            <a:endParaRPr lang="en-US"/>
+          </a:p>
+        </p:txBody>
+      </p:sp>
+      <p:sp>
+        <p:nvSpPr>
+          <p:cNvPr id="41" name="Up Arrow 40"/>
+          <p:cNvSpPr/>
           <p:nvPr/>
-        </p:nvCxnSpPr>
+        </p:nvSpPr>
         <p:spPr>
-          <a:xfrm>
-            <a:off x="8167688" y="5195887"/>
-            <a:ext cx="683401" cy="0"/>
+          <a:xfrm rot="2606823">
+            <a:off x="4487959" y="5492435"/>
+            <a:ext cx="202863" cy="581010"/>
           </a:xfrm>
-          <a:prstGeom prst="straightConnector1">
+          <a:prstGeom prst="upArrow">
             <a:avLst/>
           </a:prstGeom>
-          <a:ln w="57150">
-            <a:solidFill>
-              <a:schemeClr val="accent1">
-                <a:lumMod val="75000"/>
-              </a:schemeClr>
-            </a:solidFill>
-            <a:tailEnd type="triangle"/>
-          </a:ln>
+          <a:solidFill>
+            <a:schemeClr val="accent1">
+              <a:lumMod val="40000"/>
+              <a:lumOff val="60000"/>
+            </a:schemeClr>
+          </a:solidFill>
         </p:spPr>
         <p:style>
-          <a:lnRef idx="1">
-            <a:schemeClr val="accent1"/>
+          <a:lnRef idx="2">
+            <a:schemeClr val="accent1">
+              <a:shade val="50000"/>
+            </a:schemeClr>
           </a:lnRef>
-          <a:fillRef idx="0">
+          <a:fillRef idx="1">
             <a:schemeClr val="accent1"/>
           </a:fillRef>
           <a:effectRef idx="0">
             <a:schemeClr val="accent1"/>
           </a:effectRef>
           <a:fontRef idx="minor">
-            <a:schemeClr val="tx1"/>
+            <a:schemeClr val="lt1"/>
           </a:fontRef>
         </p:style>
-      </p:cxnSp>
-      <p:cxnSp>
-        <p:nvCxnSpPr>
-          <p:cNvPr id="8" name="Straight Arrow Connector 7">
-            <a:extLst>
-              <a:ext uri="{FF2B5EF4-FFF2-40B4-BE49-F238E27FC236}">
-                <a16:creationId xmlns:a16="http://schemas.microsoft.com/office/drawing/2014/main" id="{953C8946-F2DA-9D06-E8E1-65ED0C5F25D8}"/>
-              </a:ext>
-            </a:extLst>
-          </p:cNvPr>
-          <p:cNvCxnSpPr>
-            <a:cxnSpLocks/>
-          </p:cNvCxnSpPr>
-          <p:nvPr/>
-        </p:nvCxnSpPr>
-        <p:spPr>
-          <a:xfrm flipH="1">
-            <a:off x="6562761" y="4685505"/>
-            <a:ext cx="685800" cy="228600"/>
-          </a:xfrm>
-          <a:prstGeom prst="straightConnector1">
-            <a:avLst/>
-          </a:prstGeom>
-          <a:ln w="57150">
-            <a:solidFill>
-              <a:schemeClr val="accent1">
-                <a:lumMod val="40000"/>
-                <a:lumOff val="60000"/>
-              </a:schemeClr>
-            </a:solidFill>
-            <a:tailEnd type="triangle"/>
-          </a:ln>
-        </p:spPr>
-        <p:style>
-          <a:lnRef idx="1">
-            <a:schemeClr val="accent1"/>
-          </a:lnRef>
-          <a:fillRef idx="0">
-            <a:schemeClr val="accent1"/>
-          </a:fillRef>
-          <a:effectRef idx="0">
-            <a:schemeClr val="accent1"/>
-          </a:effectRef>
-          <a:fontRef idx="minor">
-            <a:schemeClr val="tx1"/>
-          </a:fontRef>
-        </p:style>
-      </p:cxnSp>
-      <p:cxnSp>
-        <p:nvCxnSpPr>
-          <p:cNvPr id="10" name="Straight Arrow Connector 9">
-            <a:extLst>
-              <a:ext uri="{FF2B5EF4-FFF2-40B4-BE49-F238E27FC236}">
-                <a16:creationId xmlns:a16="http://schemas.microsoft.com/office/drawing/2014/main" id="{73A92731-B2F7-2195-B2DA-1A6401977BE5}"/>
-              </a:ext>
-            </a:extLst>
-          </p:cNvPr>
-          <p:cNvCxnSpPr>
-            <a:cxnSpLocks/>
-          </p:cNvCxnSpPr>
-          <p:nvPr/>
-        </p:nvCxnSpPr>
-        <p:spPr>
-          <a:xfrm flipH="1">
-            <a:off x="11004547" y="4091795"/>
-            <a:ext cx="685800" cy="228600"/>
-          </a:xfrm>
-          <a:prstGeom prst="straightConnector1">
-            <a:avLst/>
-          </a:prstGeom>
-          <a:ln w="57150">
-            <a:solidFill>
-              <a:schemeClr val="accent1">
-                <a:lumMod val="40000"/>
-                <a:lumOff val="60000"/>
-              </a:schemeClr>
-            </a:solidFill>
-            <a:tailEnd type="triangle"/>
-          </a:ln>
-        </p:spPr>
-        <p:style>
-          <a:lnRef idx="1">
-            <a:schemeClr val="accent1"/>
-          </a:lnRef>
-          <a:fillRef idx="0">
-            <a:schemeClr val="accent1"/>
-          </a:fillRef>
-          <a:effectRef idx="0">
-            <a:schemeClr val="accent1"/>
-          </a:effectRef>
-          <a:fontRef idx="minor">
-            <a:schemeClr val="tx1"/>
-          </a:fontRef>
-        </p:style>
-      </p:cxnSp>
-      <p:sp>
-        <p:nvSpPr>
-          <p:cNvPr id="11" name="TextBox 10">
-            <a:extLst>
-              <a:ext uri="{FF2B5EF4-FFF2-40B4-BE49-F238E27FC236}">
-                <a16:creationId xmlns:a16="http://schemas.microsoft.com/office/drawing/2014/main" id="{25E40C69-AAB7-773A-3E63-8815E4C667BB}"/>
-              </a:ext>
-            </a:extLst>
-          </p:cNvPr>
-          <p:cNvSpPr txBox="1"/>
-          <p:nvPr/>
-        </p:nvSpPr>
-        <p:spPr>
-          <a:xfrm>
-            <a:off x="7248561" y="4465160"/>
-            <a:ext cx="734175" cy="369332"/>
-          </a:xfrm>
-          <a:prstGeom prst="rect">
-            <a:avLst/>
-          </a:prstGeom>
-          <a:noFill/>
-        </p:spPr>
-        <p:txBody>
-          <a:bodyPr wrap="none" rtlCol="0">
-            <a:spAutoFit/>
-          </a:bodyPr>
+        <p:txBody>
+          <a:bodyPr rtlCol="0" anchor="ctr"/>
           <a:lstStyle/>
           <a:p>
-            <a:r>
-              <a:rPr lang="en-US" dirty="0">
-                <a:solidFill>
-                  <a:schemeClr val="accent1">
-                    <a:lumMod val="75000"/>
-                  </a:schemeClr>
-                </a:solidFill>
-              </a:rPr>
-              <a:t>edges</a:t>
-            </a:r>
-          </a:p>
-        </p:txBody>
-      </p:sp>
-      <p:sp>
-        <p:nvSpPr>
-          <p:cNvPr id="12" name="TextBox 11">
-            <a:extLst>
-              <a:ext uri="{FF2B5EF4-FFF2-40B4-BE49-F238E27FC236}">
-                <a16:creationId xmlns:a16="http://schemas.microsoft.com/office/drawing/2014/main" id="{C2D554D5-ACAF-44BE-A0AE-5FAD5C39073F}"/>
-              </a:ext>
-            </a:extLst>
-          </p:cNvPr>
-          <p:cNvSpPr txBox="1"/>
-          <p:nvPr/>
-        </p:nvSpPr>
-        <p:spPr>
-          <a:xfrm>
-            <a:off x="3742705" y="5697022"/>
-            <a:ext cx="767967" cy="369332"/>
-          </a:xfrm>
-          <a:prstGeom prst="rect">
-            <a:avLst/>
-          </a:prstGeom>
-          <a:noFill/>
-        </p:spPr>
-        <p:txBody>
-          <a:bodyPr wrap="none" rtlCol="0">
-            <a:spAutoFit/>
-          </a:bodyPr>
-          <a:lstStyle/>
-          <a:p>
-            <a:r>
-              <a:rPr lang="en-US" dirty="0">
-                <a:solidFill>
-                  <a:schemeClr val="accent1">
-                    <a:lumMod val="50000"/>
-                  </a:schemeClr>
-                </a:solidFill>
-              </a:rPr>
-              <a:t>vertex</a:t>
-            </a:r>
+            <a:pPr algn="ctr"/>
+            <a:endParaRPr lang="en-US"/>
           </a:p>
         </p:txBody>
       </p:sp>
@@ -8662,7 +10305,7 @@
           <p:cNvPr id="2" name="Title 1">
             <a:extLst>
               <a:ext uri="{FF2B5EF4-FFF2-40B4-BE49-F238E27FC236}">
-                <a16:creationId xmlns:a16="http://schemas.microsoft.com/office/drawing/2014/main" id="{5D30DDF8-853A-DFDB-A947-FE9D44C8E03C}"/>
+                <a16:creationId xmlns:a16="http://schemas.microsoft.com/office/drawing/2014/main" xmlns="" id="{5D30DDF8-853A-DFDB-A947-FE9D44C8E03C}"/>
               </a:ext>
             </a:extLst>
           </p:cNvPr>
@@ -8719,7 +10362,7 @@
           <p:cNvPr id="3" name="Text Placeholder 2">
             <a:extLst>
               <a:ext uri="{FF2B5EF4-FFF2-40B4-BE49-F238E27FC236}">
-                <a16:creationId xmlns:a16="http://schemas.microsoft.com/office/drawing/2014/main" id="{F3FFBF10-3A6A-039D-96F3-6E61CA66CD1E}"/>
+                <a16:creationId xmlns:a16="http://schemas.microsoft.com/office/drawing/2014/main" xmlns="" id="{F3FFBF10-3A6A-039D-96F3-6E61CA66CD1E}"/>
               </a:ext>
             </a:extLst>
           </p:cNvPr>
@@ -8749,7 +10392,7 @@
                   </a:schemeClr>
                 </a:solidFill>
               </a:rPr>
-              <a:t>𝐴 = {(1, 2), (1, 3), (3, 4), (4, 5)} </a:t>
+              <a:t>𝐴 = {(1→2), (1→3), (3→4), (4→5)} </a:t>
             </a:r>
           </a:p>
           <a:p>
@@ -8762,7 +10405,7 @@
                   </a:schemeClr>
                 </a:solidFill>
               </a:rPr>
-              <a:t>𝐵 = {(A, B), (B, C), (A, C), (A, D)} </a:t>
+              <a:t>𝐵 = {(A→B), (B→C), (A→C), (A→D)} </a:t>
             </a:r>
           </a:p>
           <a:p>
@@ -8775,17 +10418,833 @@
                   </a:schemeClr>
                 </a:solidFill>
               </a:rPr>
-              <a:t>𝐶 = {(LHR,KRA), (LHR,ISB), (FSD,SWL), (STD,MUL)}</a:t>
-            </a:r>
-          </a:p>
-        </p:txBody>
-      </p:sp>
+              <a:t>𝐶 = {(LHR, KHI), (LHR, ISB), (FSD, SWL), (MUL, SGD)}</a:t>
+            </a:r>
+            <a:endParaRPr lang="en-US" dirty="0">
+              <a:solidFill>
+                <a:schemeClr val="tx1">
+                  <a:lumMod val="95000"/>
+                  <a:lumOff val="5000"/>
+                </a:schemeClr>
+              </a:solidFill>
+            </a:endParaRPr>
+          </a:p>
+        </p:txBody>
+      </p:sp>
+      <p:sp>
+        <p:nvSpPr>
+          <p:cNvPr id="18" name="Oval 17"/>
+          <p:cNvSpPr/>
+          <p:nvPr/>
+        </p:nvSpPr>
+        <p:spPr>
+          <a:xfrm>
+            <a:off x="2636001" y="4527170"/>
+            <a:ext cx="413122" cy="413122"/>
+          </a:xfrm>
+          <a:prstGeom prst="ellipse">
+            <a:avLst/>
+          </a:prstGeom>
+          <a:solidFill>
+            <a:schemeClr val="bg1"/>
+          </a:solidFill>
+          <a:ln>
+            <a:solidFill>
+              <a:schemeClr val="tx1"/>
+            </a:solidFill>
+          </a:ln>
+        </p:spPr>
+        <p:style>
+          <a:lnRef idx="2">
+            <a:schemeClr val="accent1">
+              <a:shade val="50000"/>
+            </a:schemeClr>
+          </a:lnRef>
+          <a:fillRef idx="1">
+            <a:schemeClr val="accent1"/>
+          </a:fillRef>
+          <a:effectRef idx="0">
+            <a:schemeClr val="accent1"/>
+          </a:effectRef>
+          <a:fontRef idx="minor">
+            <a:schemeClr val="lt1"/>
+          </a:fontRef>
+        </p:style>
+        <p:txBody>
+          <a:bodyPr rtlCol="0" anchor="ctr"/>
+          <a:lstStyle/>
+          <a:p>
+            <a:pPr algn="ctr"/>
+            <a:r>
+              <a:rPr lang="en-US" dirty="0" smtClean="0">
+                <a:solidFill>
+                  <a:schemeClr val="tx1"/>
+                </a:solidFill>
+              </a:rPr>
+              <a:t>1</a:t>
+            </a:r>
+          </a:p>
+        </p:txBody>
+      </p:sp>
+      <p:sp>
+        <p:nvSpPr>
+          <p:cNvPr id="20" name="Oval 19"/>
+          <p:cNvSpPr/>
+          <p:nvPr/>
+        </p:nvSpPr>
+        <p:spPr>
+          <a:xfrm>
+            <a:off x="3477746" y="5090359"/>
+            <a:ext cx="413122" cy="413122"/>
+          </a:xfrm>
+          <a:prstGeom prst="ellipse">
+            <a:avLst/>
+          </a:prstGeom>
+          <a:solidFill>
+            <a:schemeClr val="bg1"/>
+          </a:solidFill>
+          <a:ln>
+            <a:solidFill>
+              <a:schemeClr val="tx1"/>
+            </a:solidFill>
+          </a:ln>
+        </p:spPr>
+        <p:style>
+          <a:lnRef idx="2">
+            <a:schemeClr val="accent1">
+              <a:shade val="50000"/>
+            </a:schemeClr>
+          </a:lnRef>
+          <a:fillRef idx="1">
+            <a:schemeClr val="accent1"/>
+          </a:fillRef>
+          <a:effectRef idx="0">
+            <a:schemeClr val="accent1"/>
+          </a:effectRef>
+          <a:fontRef idx="minor">
+            <a:schemeClr val="lt1"/>
+          </a:fontRef>
+        </p:style>
+        <p:txBody>
+          <a:bodyPr rtlCol="0" anchor="ctr"/>
+          <a:lstStyle/>
+          <a:p>
+            <a:pPr algn="ctr"/>
+            <a:r>
+              <a:rPr lang="en-US" dirty="0">
+                <a:solidFill>
+                  <a:schemeClr val="tx1"/>
+                </a:solidFill>
+              </a:rPr>
+              <a:t>2</a:t>
+            </a:r>
+            <a:endParaRPr lang="en-US" dirty="0" smtClean="0">
+              <a:solidFill>
+                <a:schemeClr val="tx1"/>
+              </a:solidFill>
+            </a:endParaRPr>
+          </a:p>
+        </p:txBody>
+      </p:sp>
+      <p:sp>
+        <p:nvSpPr>
+          <p:cNvPr id="21" name="Oval 20"/>
+          <p:cNvSpPr/>
+          <p:nvPr/>
+        </p:nvSpPr>
+        <p:spPr>
+          <a:xfrm>
+            <a:off x="2763375" y="5560630"/>
+            <a:ext cx="413122" cy="413122"/>
+          </a:xfrm>
+          <a:prstGeom prst="ellipse">
+            <a:avLst/>
+          </a:prstGeom>
+          <a:solidFill>
+            <a:schemeClr val="bg1"/>
+          </a:solidFill>
+          <a:ln>
+            <a:solidFill>
+              <a:schemeClr val="tx1"/>
+            </a:solidFill>
+          </a:ln>
+        </p:spPr>
+        <p:style>
+          <a:lnRef idx="2">
+            <a:schemeClr val="accent1">
+              <a:shade val="50000"/>
+            </a:schemeClr>
+          </a:lnRef>
+          <a:fillRef idx="1">
+            <a:schemeClr val="accent1"/>
+          </a:fillRef>
+          <a:effectRef idx="0">
+            <a:schemeClr val="accent1"/>
+          </a:effectRef>
+          <a:fontRef idx="minor">
+            <a:schemeClr val="lt1"/>
+          </a:fontRef>
+        </p:style>
+        <p:txBody>
+          <a:bodyPr rtlCol="0" anchor="ctr"/>
+          <a:lstStyle/>
+          <a:p>
+            <a:pPr algn="ctr"/>
+            <a:r>
+              <a:rPr lang="en-US" dirty="0">
+                <a:solidFill>
+                  <a:schemeClr val="tx1"/>
+                </a:solidFill>
+              </a:rPr>
+              <a:t>3</a:t>
+            </a:r>
+            <a:endParaRPr lang="en-US" dirty="0" smtClean="0">
+              <a:solidFill>
+                <a:schemeClr val="tx1"/>
+              </a:solidFill>
+            </a:endParaRPr>
+          </a:p>
+        </p:txBody>
+      </p:sp>
+      <p:sp>
+        <p:nvSpPr>
+          <p:cNvPr id="23" name="Oval 22"/>
+          <p:cNvSpPr/>
+          <p:nvPr/>
+        </p:nvSpPr>
+        <p:spPr>
+          <a:xfrm>
+            <a:off x="1629339" y="4789106"/>
+            <a:ext cx="413122" cy="413122"/>
+          </a:xfrm>
+          <a:prstGeom prst="ellipse">
+            <a:avLst/>
+          </a:prstGeom>
+          <a:solidFill>
+            <a:schemeClr val="bg1"/>
+          </a:solidFill>
+          <a:ln>
+            <a:solidFill>
+              <a:schemeClr val="tx1"/>
+            </a:solidFill>
+          </a:ln>
+        </p:spPr>
+        <p:style>
+          <a:lnRef idx="2">
+            <a:schemeClr val="accent1">
+              <a:shade val="50000"/>
+            </a:schemeClr>
+          </a:lnRef>
+          <a:fillRef idx="1">
+            <a:schemeClr val="accent1"/>
+          </a:fillRef>
+          <a:effectRef idx="0">
+            <a:schemeClr val="accent1"/>
+          </a:effectRef>
+          <a:fontRef idx="minor">
+            <a:schemeClr val="lt1"/>
+          </a:fontRef>
+        </p:style>
+        <p:txBody>
+          <a:bodyPr rtlCol="0" anchor="ctr"/>
+          <a:lstStyle/>
+          <a:p>
+            <a:pPr algn="ctr"/>
+            <a:r>
+              <a:rPr lang="en-US" dirty="0" smtClean="0">
+                <a:solidFill>
+                  <a:schemeClr val="tx1"/>
+                </a:solidFill>
+              </a:rPr>
+              <a:t>5</a:t>
+            </a:r>
+          </a:p>
+        </p:txBody>
+      </p:sp>
+      <p:sp>
+        <p:nvSpPr>
+          <p:cNvPr id="24" name="Oval 23"/>
+          <p:cNvSpPr/>
+          <p:nvPr/>
+        </p:nvSpPr>
+        <p:spPr>
+          <a:xfrm>
+            <a:off x="1835900" y="5751130"/>
+            <a:ext cx="413122" cy="413122"/>
+          </a:xfrm>
+          <a:prstGeom prst="ellipse">
+            <a:avLst/>
+          </a:prstGeom>
+          <a:solidFill>
+            <a:schemeClr val="bg1"/>
+          </a:solidFill>
+          <a:ln>
+            <a:solidFill>
+              <a:schemeClr val="tx1"/>
+            </a:solidFill>
+          </a:ln>
+        </p:spPr>
+        <p:style>
+          <a:lnRef idx="2">
+            <a:schemeClr val="accent1">
+              <a:shade val="50000"/>
+            </a:schemeClr>
+          </a:lnRef>
+          <a:fillRef idx="1">
+            <a:schemeClr val="accent1"/>
+          </a:fillRef>
+          <a:effectRef idx="0">
+            <a:schemeClr val="accent1"/>
+          </a:effectRef>
+          <a:fontRef idx="minor">
+            <a:schemeClr val="lt1"/>
+          </a:fontRef>
+        </p:style>
+        <p:txBody>
+          <a:bodyPr rtlCol="0" anchor="ctr"/>
+          <a:lstStyle/>
+          <a:p>
+            <a:pPr algn="ctr"/>
+            <a:r>
+              <a:rPr lang="en-US" dirty="0">
+                <a:solidFill>
+                  <a:schemeClr val="tx1"/>
+                </a:solidFill>
+              </a:rPr>
+              <a:t>4</a:t>
+            </a:r>
+            <a:endParaRPr lang="en-US" dirty="0" smtClean="0">
+              <a:solidFill>
+                <a:schemeClr val="tx1"/>
+              </a:solidFill>
+            </a:endParaRPr>
+          </a:p>
+        </p:txBody>
+      </p:sp>
+      <p:cxnSp>
+        <p:nvCxnSpPr>
+          <p:cNvPr id="25" name="Straight Arrow Connector 24"/>
+          <p:cNvCxnSpPr>
+            <a:stCxn id="18" idx="6"/>
+            <a:endCxn id="20" idx="1"/>
+          </p:cNvCxnSpPr>
+          <p:nvPr/>
+        </p:nvCxnSpPr>
+        <p:spPr>
+          <a:xfrm>
+            <a:off x="3049123" y="4733731"/>
+            <a:ext cx="489123" cy="417128"/>
+          </a:xfrm>
+          <a:prstGeom prst="straightConnector1">
+            <a:avLst/>
+          </a:prstGeom>
+          <a:ln>
+            <a:tailEnd type="arrow"/>
+          </a:ln>
+        </p:spPr>
+        <p:style>
+          <a:lnRef idx="1">
+            <a:schemeClr val="dk1"/>
+          </a:lnRef>
+          <a:fillRef idx="0">
+            <a:schemeClr val="dk1"/>
+          </a:fillRef>
+          <a:effectRef idx="0">
+            <a:schemeClr val="dk1"/>
+          </a:effectRef>
+          <a:fontRef idx="minor">
+            <a:schemeClr val="tx1"/>
+          </a:fontRef>
+        </p:style>
+      </p:cxnSp>
+      <p:cxnSp>
+        <p:nvCxnSpPr>
+          <p:cNvPr id="26" name="Straight Arrow Connector 25"/>
+          <p:cNvCxnSpPr>
+            <a:stCxn id="18" idx="4"/>
+            <a:endCxn id="21" idx="0"/>
+          </p:cNvCxnSpPr>
+          <p:nvPr/>
+        </p:nvCxnSpPr>
+        <p:spPr>
+          <a:xfrm>
+            <a:off x="2842562" y="4940292"/>
+            <a:ext cx="127374" cy="620338"/>
+          </a:xfrm>
+          <a:prstGeom prst="straightConnector1">
+            <a:avLst/>
+          </a:prstGeom>
+          <a:ln>
+            <a:tailEnd type="arrow"/>
+          </a:ln>
+        </p:spPr>
+        <p:style>
+          <a:lnRef idx="1">
+            <a:schemeClr val="dk1"/>
+          </a:lnRef>
+          <a:fillRef idx="0">
+            <a:schemeClr val="dk1"/>
+          </a:fillRef>
+          <a:effectRef idx="0">
+            <a:schemeClr val="dk1"/>
+          </a:effectRef>
+          <a:fontRef idx="minor">
+            <a:schemeClr val="tx1"/>
+          </a:fontRef>
+        </p:style>
+      </p:cxnSp>
+      <p:cxnSp>
+        <p:nvCxnSpPr>
+          <p:cNvPr id="27" name="Straight Arrow Connector 26"/>
+          <p:cNvCxnSpPr>
+            <a:stCxn id="21" idx="2"/>
+            <a:endCxn id="24" idx="6"/>
+          </p:cNvCxnSpPr>
+          <p:nvPr/>
+        </p:nvCxnSpPr>
+        <p:spPr>
+          <a:xfrm flipH="1">
+            <a:off x="2249022" y="5767191"/>
+            <a:ext cx="514353" cy="190500"/>
+          </a:xfrm>
+          <a:prstGeom prst="straightConnector1">
+            <a:avLst/>
+          </a:prstGeom>
+          <a:ln>
+            <a:tailEnd type="arrow"/>
+          </a:ln>
+        </p:spPr>
+        <p:style>
+          <a:lnRef idx="1">
+            <a:schemeClr val="dk1"/>
+          </a:lnRef>
+          <a:fillRef idx="0">
+            <a:schemeClr val="dk1"/>
+          </a:fillRef>
+          <a:effectRef idx="0">
+            <a:schemeClr val="dk1"/>
+          </a:effectRef>
+          <a:fontRef idx="minor">
+            <a:schemeClr val="tx1"/>
+          </a:fontRef>
+        </p:style>
+      </p:cxnSp>
+      <p:cxnSp>
+        <p:nvCxnSpPr>
+          <p:cNvPr id="28" name="Straight Arrow Connector 27"/>
+          <p:cNvCxnSpPr>
+            <a:stCxn id="24" idx="0"/>
+            <a:endCxn id="23" idx="4"/>
+          </p:cNvCxnSpPr>
+          <p:nvPr/>
+        </p:nvCxnSpPr>
+        <p:spPr>
+          <a:xfrm flipH="1" flipV="1">
+            <a:off x="1835900" y="5202228"/>
+            <a:ext cx="206561" cy="548902"/>
+          </a:xfrm>
+          <a:prstGeom prst="straightConnector1">
+            <a:avLst/>
+          </a:prstGeom>
+          <a:ln>
+            <a:tailEnd type="arrow"/>
+          </a:ln>
+        </p:spPr>
+        <p:style>
+          <a:lnRef idx="1">
+            <a:schemeClr val="dk1"/>
+          </a:lnRef>
+          <a:fillRef idx="0">
+            <a:schemeClr val="dk1"/>
+          </a:fillRef>
+          <a:effectRef idx="0">
+            <a:schemeClr val="dk1"/>
+          </a:effectRef>
+          <a:fontRef idx="minor">
+            <a:schemeClr val="tx1"/>
+          </a:fontRef>
+        </p:style>
+      </p:cxnSp>
+      <p:sp>
+        <p:nvSpPr>
+          <p:cNvPr id="29" name="Oval 28"/>
+          <p:cNvSpPr/>
+          <p:nvPr/>
+        </p:nvSpPr>
+        <p:spPr>
+          <a:xfrm>
+            <a:off x="5571848" y="4539687"/>
+            <a:ext cx="413122" cy="413122"/>
+          </a:xfrm>
+          <a:prstGeom prst="ellipse">
+            <a:avLst/>
+          </a:prstGeom>
+          <a:solidFill>
+            <a:schemeClr val="bg1"/>
+          </a:solidFill>
+          <a:ln>
+            <a:solidFill>
+              <a:schemeClr val="tx1"/>
+            </a:solidFill>
+          </a:ln>
+        </p:spPr>
+        <p:style>
+          <a:lnRef idx="2">
+            <a:schemeClr val="accent1">
+              <a:shade val="50000"/>
+            </a:schemeClr>
+          </a:lnRef>
+          <a:fillRef idx="1">
+            <a:schemeClr val="accent1"/>
+          </a:fillRef>
+          <a:effectRef idx="0">
+            <a:schemeClr val="accent1"/>
+          </a:effectRef>
+          <a:fontRef idx="minor">
+            <a:schemeClr val="lt1"/>
+          </a:fontRef>
+        </p:style>
+        <p:txBody>
+          <a:bodyPr rtlCol="0" anchor="ctr"/>
+          <a:lstStyle/>
+          <a:p>
+            <a:pPr algn="ctr"/>
+            <a:r>
+              <a:rPr lang="en-US" dirty="0">
+                <a:solidFill>
+                  <a:schemeClr val="tx1"/>
+                </a:solidFill>
+              </a:rPr>
+              <a:t>A</a:t>
+            </a:r>
+            <a:endParaRPr lang="en-US" dirty="0" smtClean="0">
+              <a:solidFill>
+                <a:schemeClr val="tx1"/>
+              </a:solidFill>
+            </a:endParaRPr>
+          </a:p>
+        </p:txBody>
+      </p:sp>
+      <p:sp>
+        <p:nvSpPr>
+          <p:cNvPr id="30" name="Oval 29"/>
+          <p:cNvSpPr/>
+          <p:nvPr/>
+        </p:nvSpPr>
+        <p:spPr>
+          <a:xfrm>
+            <a:off x="6261470" y="5133418"/>
+            <a:ext cx="413122" cy="413122"/>
+          </a:xfrm>
+          <a:prstGeom prst="ellipse">
+            <a:avLst/>
+          </a:prstGeom>
+          <a:solidFill>
+            <a:schemeClr val="bg1"/>
+          </a:solidFill>
+          <a:ln>
+            <a:solidFill>
+              <a:schemeClr val="tx1"/>
+            </a:solidFill>
+          </a:ln>
+        </p:spPr>
+        <p:style>
+          <a:lnRef idx="2">
+            <a:schemeClr val="accent1">
+              <a:shade val="50000"/>
+            </a:schemeClr>
+          </a:lnRef>
+          <a:fillRef idx="1">
+            <a:schemeClr val="accent1"/>
+          </a:fillRef>
+          <a:effectRef idx="0">
+            <a:schemeClr val="accent1"/>
+          </a:effectRef>
+          <a:fontRef idx="minor">
+            <a:schemeClr val="lt1"/>
+          </a:fontRef>
+        </p:style>
+        <p:txBody>
+          <a:bodyPr rtlCol="0" anchor="ctr"/>
+          <a:lstStyle/>
+          <a:p>
+            <a:pPr algn="ctr"/>
+            <a:r>
+              <a:rPr lang="en-US" dirty="0" smtClean="0">
+                <a:solidFill>
+                  <a:schemeClr val="tx1"/>
+                </a:solidFill>
+              </a:rPr>
+              <a:t>C</a:t>
+            </a:r>
+          </a:p>
+        </p:txBody>
+      </p:sp>
+      <p:sp>
+        <p:nvSpPr>
+          <p:cNvPr id="31" name="Oval 30"/>
+          <p:cNvSpPr/>
+          <p:nvPr/>
+        </p:nvSpPr>
+        <p:spPr>
+          <a:xfrm>
+            <a:off x="5586044" y="5792025"/>
+            <a:ext cx="413122" cy="413122"/>
+          </a:xfrm>
+          <a:prstGeom prst="ellipse">
+            <a:avLst/>
+          </a:prstGeom>
+          <a:solidFill>
+            <a:schemeClr val="bg1"/>
+          </a:solidFill>
+          <a:ln>
+            <a:solidFill>
+              <a:schemeClr val="tx1"/>
+            </a:solidFill>
+          </a:ln>
+        </p:spPr>
+        <p:style>
+          <a:lnRef idx="2">
+            <a:schemeClr val="accent1">
+              <a:shade val="50000"/>
+            </a:schemeClr>
+          </a:lnRef>
+          <a:fillRef idx="1">
+            <a:schemeClr val="accent1"/>
+          </a:fillRef>
+          <a:effectRef idx="0">
+            <a:schemeClr val="accent1"/>
+          </a:effectRef>
+          <a:fontRef idx="minor">
+            <a:schemeClr val="lt1"/>
+          </a:fontRef>
+        </p:style>
+        <p:txBody>
+          <a:bodyPr rtlCol="0" anchor="ctr"/>
+          <a:lstStyle/>
+          <a:p>
+            <a:pPr algn="ctr"/>
+            <a:r>
+              <a:rPr lang="en-US" dirty="0" smtClean="0">
+                <a:solidFill>
+                  <a:schemeClr val="tx1"/>
+                </a:solidFill>
+              </a:rPr>
+              <a:t>B</a:t>
+            </a:r>
+          </a:p>
+        </p:txBody>
+      </p:sp>
+      <p:sp>
+        <p:nvSpPr>
+          <p:cNvPr id="32" name="Oval 31"/>
+          <p:cNvSpPr/>
+          <p:nvPr/>
+        </p:nvSpPr>
+        <p:spPr>
+          <a:xfrm>
+            <a:off x="4907993" y="5133418"/>
+            <a:ext cx="413122" cy="413122"/>
+          </a:xfrm>
+          <a:prstGeom prst="ellipse">
+            <a:avLst/>
+          </a:prstGeom>
+          <a:solidFill>
+            <a:schemeClr val="bg1"/>
+          </a:solidFill>
+          <a:ln>
+            <a:solidFill>
+              <a:schemeClr val="tx1"/>
+            </a:solidFill>
+          </a:ln>
+        </p:spPr>
+        <p:style>
+          <a:lnRef idx="2">
+            <a:schemeClr val="accent1">
+              <a:shade val="50000"/>
+            </a:schemeClr>
+          </a:lnRef>
+          <a:fillRef idx="1">
+            <a:schemeClr val="accent1"/>
+          </a:fillRef>
+          <a:effectRef idx="0">
+            <a:schemeClr val="accent1"/>
+          </a:effectRef>
+          <a:fontRef idx="minor">
+            <a:schemeClr val="lt1"/>
+          </a:fontRef>
+        </p:style>
+        <p:txBody>
+          <a:bodyPr rtlCol="0" anchor="ctr"/>
+          <a:lstStyle/>
+          <a:p>
+            <a:pPr algn="ctr"/>
+            <a:r>
+              <a:rPr lang="en-US" dirty="0">
+                <a:solidFill>
+                  <a:schemeClr val="tx1"/>
+                </a:solidFill>
+              </a:rPr>
+              <a:t>D</a:t>
+            </a:r>
+            <a:endParaRPr lang="en-US" dirty="0" smtClean="0">
+              <a:solidFill>
+                <a:schemeClr val="tx1"/>
+              </a:solidFill>
+            </a:endParaRPr>
+          </a:p>
+        </p:txBody>
+      </p:sp>
+      <p:cxnSp>
+        <p:nvCxnSpPr>
+          <p:cNvPr id="33" name="Straight Arrow Connector 32"/>
+          <p:cNvCxnSpPr>
+            <a:stCxn id="29" idx="6"/>
+            <a:endCxn id="30" idx="1"/>
+          </p:cNvCxnSpPr>
+          <p:nvPr/>
+        </p:nvCxnSpPr>
+        <p:spPr>
+          <a:xfrm>
+            <a:off x="5984970" y="4746248"/>
+            <a:ext cx="337000" cy="447670"/>
+          </a:xfrm>
+          <a:prstGeom prst="straightConnector1">
+            <a:avLst/>
+          </a:prstGeom>
+          <a:ln>
+            <a:tailEnd type="arrow"/>
+          </a:ln>
+        </p:spPr>
+        <p:style>
+          <a:lnRef idx="1">
+            <a:schemeClr val="dk1"/>
+          </a:lnRef>
+          <a:fillRef idx="0">
+            <a:schemeClr val="dk1"/>
+          </a:fillRef>
+          <a:effectRef idx="0">
+            <a:schemeClr val="dk1"/>
+          </a:effectRef>
+          <a:fontRef idx="minor">
+            <a:schemeClr val="tx1"/>
+          </a:fontRef>
+        </p:style>
+      </p:cxnSp>
+      <p:cxnSp>
+        <p:nvCxnSpPr>
+          <p:cNvPr id="34" name="Straight Arrow Connector 33"/>
+          <p:cNvCxnSpPr>
+            <a:stCxn id="29" idx="4"/>
+            <a:endCxn id="31" idx="0"/>
+          </p:cNvCxnSpPr>
+          <p:nvPr/>
+        </p:nvCxnSpPr>
+        <p:spPr>
+          <a:xfrm>
+            <a:off x="5778409" y="4952809"/>
+            <a:ext cx="14196" cy="839216"/>
+          </a:xfrm>
+          <a:prstGeom prst="straightConnector1">
+            <a:avLst/>
+          </a:prstGeom>
+          <a:ln>
+            <a:tailEnd type="arrow"/>
+          </a:ln>
+        </p:spPr>
+        <p:style>
+          <a:lnRef idx="1">
+            <a:schemeClr val="dk1"/>
+          </a:lnRef>
+          <a:fillRef idx="0">
+            <a:schemeClr val="dk1"/>
+          </a:fillRef>
+          <a:effectRef idx="0">
+            <a:schemeClr val="dk1"/>
+          </a:effectRef>
+          <a:fontRef idx="minor">
+            <a:schemeClr val="tx1"/>
+          </a:fontRef>
+        </p:style>
+      </p:cxnSp>
+      <p:cxnSp>
+        <p:nvCxnSpPr>
+          <p:cNvPr id="35" name="Straight Arrow Connector 34"/>
+          <p:cNvCxnSpPr>
+            <a:stCxn id="29" idx="2"/>
+            <a:endCxn id="32" idx="7"/>
+          </p:cNvCxnSpPr>
+          <p:nvPr/>
+        </p:nvCxnSpPr>
+        <p:spPr>
+          <a:xfrm flipH="1">
+            <a:off x="5260615" y="4746248"/>
+            <a:ext cx="311233" cy="447670"/>
+          </a:xfrm>
+          <a:prstGeom prst="straightConnector1">
+            <a:avLst/>
+          </a:prstGeom>
+          <a:ln>
+            <a:tailEnd type="arrow"/>
+          </a:ln>
+        </p:spPr>
+        <p:style>
+          <a:lnRef idx="1">
+            <a:schemeClr val="dk1"/>
+          </a:lnRef>
+          <a:fillRef idx="0">
+            <a:schemeClr val="dk1"/>
+          </a:fillRef>
+          <a:effectRef idx="0">
+            <a:schemeClr val="dk1"/>
+          </a:effectRef>
+          <a:fontRef idx="minor">
+            <a:schemeClr val="tx1"/>
+          </a:fontRef>
+        </p:style>
+      </p:cxnSp>
+      <p:cxnSp>
+        <p:nvCxnSpPr>
+          <p:cNvPr id="36" name="Straight Arrow Connector 35"/>
+          <p:cNvCxnSpPr>
+            <a:stCxn id="31" idx="7"/>
+            <a:endCxn id="30" idx="3"/>
+          </p:cNvCxnSpPr>
+          <p:nvPr/>
+        </p:nvCxnSpPr>
+        <p:spPr>
+          <a:xfrm flipV="1">
+            <a:off x="5938666" y="5486040"/>
+            <a:ext cx="383304" cy="366485"/>
+          </a:xfrm>
+          <a:prstGeom prst="straightConnector1">
+            <a:avLst/>
+          </a:prstGeom>
+          <a:ln>
+            <a:tailEnd type="arrow"/>
+          </a:ln>
+        </p:spPr>
+        <p:style>
+          <a:lnRef idx="1">
+            <a:schemeClr val="dk1"/>
+          </a:lnRef>
+          <a:fillRef idx="0">
+            <a:schemeClr val="dk1"/>
+          </a:fillRef>
+          <a:effectRef idx="0">
+            <a:schemeClr val="dk1"/>
+          </a:effectRef>
+          <a:fontRef idx="minor">
+            <a:schemeClr val="tx1"/>
+          </a:fontRef>
+        </p:style>
+      </p:cxnSp>
       <p:pic>
         <p:nvPicPr>
-          <p:cNvPr id="5" name="Picture 4">
+          <p:cNvPr id="37" name="Picture 36">
             <a:extLst>
               <a:ext uri="{FF2B5EF4-FFF2-40B4-BE49-F238E27FC236}">
-                <a16:creationId xmlns:a16="http://schemas.microsoft.com/office/drawing/2014/main" id="{DF5E120D-8E2E-D414-9BE3-A68A099B210E}"/>
+                <a16:creationId xmlns:a16="http://schemas.microsoft.com/office/drawing/2014/main" xmlns="" id="{DF5E120D-8E2E-D414-9BE3-A68A099B210E}"/>
               </a:ext>
             </a:extLst>
           </p:cNvPr>
@@ -8807,563 +11266,576 @@
         </p:blipFill>
         <p:spPr>
           <a:xfrm>
-            <a:off x="8343937" y="3702353"/>
-            <a:ext cx="3543263" cy="2978676"/>
+            <a:off x="7448518" y="2563999"/>
+            <a:ext cx="4316412" cy="3628631"/>
           </a:xfrm>
           <a:prstGeom prst="rect">
             <a:avLst/>
           </a:prstGeom>
         </p:spPr>
       </p:pic>
-      <p:pic>
-        <p:nvPicPr>
-          <p:cNvPr id="7" name="Picture 6">
-            <a:extLst>
-              <a:ext uri="{FF2B5EF4-FFF2-40B4-BE49-F238E27FC236}">
-                <a16:creationId xmlns:a16="http://schemas.microsoft.com/office/drawing/2014/main" id="{5EC6C3A6-23EE-3547-4CDC-5D24A0A7D522}"/>
-              </a:ext>
-            </a:extLst>
-          </p:cNvPr>
-          <p:cNvPicPr>
-            <a:picLocks noChangeAspect="1"/>
-          </p:cNvPicPr>
+      <p:sp>
+        <p:nvSpPr>
+          <p:cNvPr id="38" name="TextBox 37"/>
+          <p:cNvSpPr txBox="1"/>
           <p:nvPr/>
-        </p:nvPicPr>
-        <p:blipFill rotWithShape="1">
-          <a:blip r:embed="rId3">
-            <a:extLst>
-              <a:ext uri="{28A0092B-C50C-407E-A947-70E740481C1C}">
-                <a14:useLocalDpi xmlns:a14="http://schemas.microsoft.com/office/drawing/2010/main" val="0"/>
-              </a:ext>
-            </a:extLst>
-          </a:blip>
-          <a:srcRect l="16208" t="18615" r="21275" b="9955"/>
-          <a:stretch/>
-        </p:blipFill>
+        </p:nvSpPr>
         <p:spPr>
           <a:xfrm>
-            <a:off x="5162513" y="4318386"/>
-            <a:ext cx="1909799" cy="2182041"/>
+            <a:off x="3943350" y="5933881"/>
+            <a:ext cx="933012" cy="369332"/>
           </a:xfrm>
           <a:prstGeom prst="rect">
             <a:avLst/>
           </a:prstGeom>
+          <a:noFill/>
         </p:spPr>
-      </p:pic>
-      <p:pic>
-        <p:nvPicPr>
-          <p:cNvPr id="9" name="Picture 8">
-            <a:extLst>
-              <a:ext uri="{FF2B5EF4-FFF2-40B4-BE49-F238E27FC236}">
-                <a16:creationId xmlns:a16="http://schemas.microsoft.com/office/drawing/2014/main" id="{BCAA92A2-3C81-650B-7F86-D978F3483C08}"/>
-              </a:ext>
-            </a:extLst>
-          </p:cNvPr>
-          <p:cNvPicPr>
-            <a:picLocks noChangeAspect="1"/>
-          </p:cNvPicPr>
+        <p:txBody>
+          <a:bodyPr wrap="none" rtlCol="0">
+            <a:spAutoFit/>
+          </a:bodyPr>
+          <a:lstStyle/>
+          <a:p>
+            <a:r>
+              <a:rPr lang="en-US" dirty="0" smtClean="0"/>
+              <a:t>Vertices</a:t>
+            </a:r>
+            <a:endParaRPr lang="en-US" dirty="0"/>
+          </a:p>
+        </p:txBody>
+      </p:sp>
+      <p:sp>
+        <p:nvSpPr>
+          <p:cNvPr id="39" name="Up Arrow 38"/>
+          <p:cNvSpPr/>
           <p:nvPr/>
-        </p:nvPicPr>
-        <p:blipFill rotWithShape="1">
-          <a:blip r:embed="rId4">
-            <a:extLst>
-              <a:ext uri="{28A0092B-C50C-407E-A947-70E740481C1C}">
-                <a14:useLocalDpi xmlns:a14="http://schemas.microsoft.com/office/drawing/2010/main" val="0"/>
-              </a:ext>
-            </a:extLst>
-          </a:blip>
-          <a:srcRect l="14925" t="15385" r="12455" b="21978"/>
-          <a:stretch/>
-        </p:blipFill>
+        </p:nvSpPr>
         <p:spPr>
-          <a:xfrm>
-            <a:off x="1112026" y="4505918"/>
-            <a:ext cx="2331262" cy="2010805"/>
+          <a:xfrm rot="5400000">
+            <a:off x="9826203" y="3045913"/>
+            <a:ext cx="202863" cy="934628"/>
           </a:xfrm>
-          <a:prstGeom prst="rect">
+          <a:prstGeom prst="upArrow">
             <a:avLst/>
           </a:prstGeom>
-        </p:spPr>
-      </p:pic>
-      <p:cxnSp>
-        <p:nvCxnSpPr>
-          <p:cNvPr id="13" name="Straight Arrow Connector 12">
-            <a:extLst>
-              <a:ext uri="{FF2B5EF4-FFF2-40B4-BE49-F238E27FC236}">
-                <a16:creationId xmlns:a16="http://schemas.microsoft.com/office/drawing/2014/main" id="{0CF5CAB6-3C22-9FEC-7E1E-7B91C8E5761F}"/>
-              </a:ext>
-            </a:extLst>
-          </p:cNvPr>
-          <p:cNvCxnSpPr/>
-          <p:nvPr/>
-        </p:nvCxnSpPr>
-        <p:spPr>
-          <a:xfrm>
-            <a:off x="428625" y="5200650"/>
-            <a:ext cx="683401" cy="0"/>
-          </a:xfrm>
-          <a:prstGeom prst="straightConnector1">
-            <a:avLst/>
-          </a:prstGeom>
-          <a:ln w="57150">
-            <a:solidFill>
-              <a:schemeClr val="accent1">
-                <a:lumMod val="75000"/>
-              </a:schemeClr>
-            </a:solidFill>
-            <a:tailEnd type="triangle"/>
-          </a:ln>
+          <a:solidFill>
+            <a:schemeClr val="accent4">
+              <a:lumMod val="60000"/>
+              <a:lumOff val="40000"/>
+            </a:schemeClr>
+          </a:solidFill>
         </p:spPr>
         <p:style>
-          <a:lnRef idx="1">
-            <a:schemeClr val="accent1"/>
+          <a:lnRef idx="2">
+            <a:schemeClr val="accent1">
+              <a:shade val="50000"/>
+            </a:schemeClr>
           </a:lnRef>
-          <a:fillRef idx="0">
+          <a:fillRef idx="1">
             <a:schemeClr val="accent1"/>
           </a:fillRef>
           <a:effectRef idx="0">
             <a:schemeClr val="accent1"/>
           </a:effectRef>
           <a:fontRef idx="minor">
-            <a:schemeClr val="tx1"/>
+            <a:schemeClr val="lt1"/>
           </a:fontRef>
         </p:style>
-      </p:cxnSp>
-      <p:cxnSp>
-        <p:nvCxnSpPr>
-          <p:cNvPr id="14" name="Straight Arrow Connector 13">
-            <a:extLst>
-              <a:ext uri="{FF2B5EF4-FFF2-40B4-BE49-F238E27FC236}">
-                <a16:creationId xmlns:a16="http://schemas.microsoft.com/office/drawing/2014/main" id="{1CCF16B9-A09E-4470-2324-7D202860F263}"/>
-              </a:ext>
-            </a:extLst>
-          </p:cNvPr>
-          <p:cNvCxnSpPr>
-            <a:cxnSpLocks/>
-          </p:cNvCxnSpPr>
+        <p:txBody>
+          <a:bodyPr rtlCol="0" anchor="ctr"/>
+          <a:lstStyle/>
+          <a:p>
+            <a:pPr algn="ctr"/>
+            <a:endParaRPr lang="en-US"/>
+          </a:p>
+        </p:txBody>
+      </p:sp>
+      <p:sp>
+        <p:nvSpPr>
+          <p:cNvPr id="40" name="Up Arrow 39"/>
+          <p:cNvSpPr/>
           <p:nvPr/>
-        </p:nvCxnSpPr>
+        </p:nvSpPr>
         <p:spPr>
-          <a:xfrm flipH="1">
-            <a:off x="2757488" y="4729163"/>
-            <a:ext cx="685800" cy="228600"/>
+          <a:xfrm rot="18960734">
+            <a:off x="3956802" y="5476686"/>
+            <a:ext cx="202863" cy="581010"/>
           </a:xfrm>
-          <a:prstGeom prst="straightConnector1">
+          <a:prstGeom prst="upArrow">
             <a:avLst/>
           </a:prstGeom>
-          <a:ln w="57150">
-            <a:solidFill>
-              <a:schemeClr val="accent1">
-                <a:lumMod val="40000"/>
-                <a:lumOff val="60000"/>
-              </a:schemeClr>
-            </a:solidFill>
-            <a:tailEnd type="triangle"/>
-          </a:ln>
+          <a:solidFill>
+            <a:schemeClr val="accent1">
+              <a:lumMod val="40000"/>
+              <a:lumOff val="60000"/>
+            </a:schemeClr>
+          </a:solidFill>
         </p:spPr>
         <p:style>
-          <a:lnRef idx="1">
-            <a:schemeClr val="accent1"/>
+          <a:lnRef idx="2">
+            <a:schemeClr val="accent1">
+              <a:shade val="50000"/>
+            </a:schemeClr>
           </a:lnRef>
-          <a:fillRef idx="0">
+          <a:fillRef idx="1">
             <a:schemeClr val="accent1"/>
           </a:fillRef>
           <a:effectRef idx="0">
             <a:schemeClr val="accent1"/>
           </a:effectRef>
           <a:fontRef idx="minor">
-            <a:schemeClr val="tx1"/>
+            <a:schemeClr val="lt1"/>
           </a:fontRef>
         </p:style>
-      </p:cxnSp>
-      <p:cxnSp>
-        <p:nvCxnSpPr>
-          <p:cNvPr id="4" name="Straight Arrow Connector 3">
-            <a:extLst>
-              <a:ext uri="{FF2B5EF4-FFF2-40B4-BE49-F238E27FC236}">
-                <a16:creationId xmlns:a16="http://schemas.microsoft.com/office/drawing/2014/main" id="{98ADD665-6FC6-CEB4-6D76-8C26111BF116}"/>
-              </a:ext>
-            </a:extLst>
-          </p:cNvPr>
-          <p:cNvCxnSpPr/>
+        <p:txBody>
+          <a:bodyPr rtlCol="0" anchor="ctr"/>
+          <a:lstStyle/>
+          <a:p>
+            <a:pPr algn="ctr"/>
+            <a:endParaRPr lang="en-US"/>
+          </a:p>
+        </p:txBody>
+      </p:sp>
+      <p:sp>
+        <p:nvSpPr>
+          <p:cNvPr id="41" name="TextBox 40"/>
+          <p:cNvSpPr txBox="1"/>
           <p:nvPr/>
-        </p:nvCxnSpPr>
+        </p:nvSpPr>
         <p:spPr>
           <a:xfrm>
-            <a:off x="4479112" y="5881688"/>
-            <a:ext cx="683401" cy="0"/>
+            <a:off x="8680450" y="3324547"/>
+            <a:ext cx="727571" cy="369332"/>
           </a:xfrm>
-          <a:prstGeom prst="straightConnector1">
+          <a:prstGeom prst="rect">
             <a:avLst/>
           </a:prstGeom>
-          <a:ln w="57150">
-            <a:solidFill>
-              <a:schemeClr val="accent1">
-                <a:lumMod val="75000"/>
-              </a:schemeClr>
-            </a:solidFill>
-            <a:tailEnd type="triangle"/>
-          </a:ln>
+          <a:noFill/>
+        </p:spPr>
+        <p:txBody>
+          <a:bodyPr wrap="none" rtlCol="0">
+            <a:spAutoFit/>
+          </a:bodyPr>
+          <a:lstStyle/>
+          <a:p>
+            <a:r>
+              <a:rPr lang="en-US" dirty="0" smtClean="0"/>
+              <a:t>Edges</a:t>
+            </a:r>
+          </a:p>
+        </p:txBody>
+      </p:sp>
+      <p:sp>
+        <p:nvSpPr>
+          <p:cNvPr id="42" name="Up Arrow 41"/>
+          <p:cNvSpPr/>
+          <p:nvPr/>
+        </p:nvSpPr>
+        <p:spPr>
+          <a:xfrm rot="10800000">
+            <a:off x="8874956" y="3693877"/>
+            <a:ext cx="202863" cy="1246414"/>
+          </a:xfrm>
+          <a:prstGeom prst="upArrow">
+            <a:avLst/>
+          </a:prstGeom>
+          <a:solidFill>
+            <a:schemeClr val="accent4">
+              <a:lumMod val="60000"/>
+              <a:lumOff val="40000"/>
+            </a:schemeClr>
+          </a:solidFill>
         </p:spPr>
         <p:style>
-          <a:lnRef idx="1">
-            <a:schemeClr val="accent1"/>
+          <a:lnRef idx="2">
+            <a:schemeClr val="accent1">
+              <a:shade val="50000"/>
+            </a:schemeClr>
           </a:lnRef>
-          <a:fillRef idx="0">
+          <a:fillRef idx="1">
             <a:schemeClr val="accent1"/>
           </a:fillRef>
           <a:effectRef idx="0">
             <a:schemeClr val="accent1"/>
           </a:effectRef>
           <a:fontRef idx="minor">
-            <a:schemeClr val="tx1"/>
+            <a:schemeClr val="lt1"/>
           </a:fontRef>
         </p:style>
-      </p:cxnSp>
-      <p:cxnSp>
-        <p:nvCxnSpPr>
-          <p:cNvPr id="6" name="Straight Arrow Connector 5">
-            <a:extLst>
-              <a:ext uri="{FF2B5EF4-FFF2-40B4-BE49-F238E27FC236}">
-                <a16:creationId xmlns:a16="http://schemas.microsoft.com/office/drawing/2014/main" id="{3C0F131E-E90A-3652-2E94-739BA4B3AD14}"/>
-              </a:ext>
-            </a:extLst>
-          </p:cNvPr>
-          <p:cNvCxnSpPr/>
+        <p:txBody>
+          <a:bodyPr rtlCol="0" anchor="ctr"/>
+          <a:lstStyle/>
+          <a:p>
+            <a:pPr algn="ctr"/>
+            <a:endParaRPr lang="en-US"/>
+          </a:p>
+        </p:txBody>
+      </p:sp>
+      <p:sp>
+        <p:nvSpPr>
+          <p:cNvPr id="43" name="Up Arrow 42"/>
+          <p:cNvSpPr/>
           <p:nvPr/>
-        </p:nvCxnSpPr>
+        </p:nvSpPr>
         <p:spPr>
-          <a:xfrm>
-            <a:off x="8167688" y="5195887"/>
-            <a:ext cx="683401" cy="0"/>
+          <a:xfrm rot="2606823">
+            <a:off x="4487959" y="5492435"/>
+            <a:ext cx="202863" cy="581010"/>
           </a:xfrm>
-          <a:prstGeom prst="straightConnector1">
+          <a:prstGeom prst="upArrow">
             <a:avLst/>
           </a:prstGeom>
-          <a:ln w="57150">
-            <a:solidFill>
-              <a:schemeClr val="accent1">
-                <a:lumMod val="75000"/>
-              </a:schemeClr>
-            </a:solidFill>
-            <a:tailEnd type="triangle"/>
-          </a:ln>
+          <a:solidFill>
+            <a:schemeClr val="accent1">
+              <a:lumMod val="40000"/>
+              <a:lumOff val="60000"/>
+            </a:schemeClr>
+          </a:solidFill>
         </p:spPr>
         <p:style>
-          <a:lnRef idx="1">
-            <a:schemeClr val="accent1"/>
+          <a:lnRef idx="2">
+            <a:schemeClr val="accent1">
+              <a:shade val="50000"/>
+            </a:schemeClr>
           </a:lnRef>
-          <a:fillRef idx="0">
+          <a:fillRef idx="1">
             <a:schemeClr val="accent1"/>
           </a:fillRef>
           <a:effectRef idx="0">
             <a:schemeClr val="accent1"/>
           </a:effectRef>
           <a:fontRef idx="minor">
-            <a:schemeClr val="tx1"/>
+            <a:schemeClr val="lt1"/>
           </a:fontRef>
         </p:style>
-      </p:cxnSp>
-      <p:cxnSp>
-        <p:nvCxnSpPr>
-          <p:cNvPr id="8" name="Straight Arrow Connector 7">
-            <a:extLst>
-              <a:ext uri="{FF2B5EF4-FFF2-40B4-BE49-F238E27FC236}">
-                <a16:creationId xmlns:a16="http://schemas.microsoft.com/office/drawing/2014/main" id="{953C8946-F2DA-9D06-E8E1-65ED0C5F25D8}"/>
-              </a:ext>
-            </a:extLst>
-          </p:cNvPr>
-          <p:cNvCxnSpPr>
-            <a:cxnSpLocks/>
-          </p:cNvCxnSpPr>
+        <p:txBody>
+          <a:bodyPr rtlCol="0" anchor="ctr"/>
+          <a:lstStyle/>
+          <a:p>
+            <a:pPr algn="ctr"/>
+            <a:endParaRPr lang="en-US"/>
+          </a:p>
+        </p:txBody>
+      </p:sp>
+      <p:sp>
+        <p:nvSpPr>
+          <p:cNvPr id="44" name="Up Arrow 43"/>
+          <p:cNvSpPr/>
           <p:nvPr/>
-        </p:nvCxnSpPr>
+        </p:nvSpPr>
         <p:spPr>
-          <a:xfrm flipH="1">
-            <a:off x="6562761" y="4685505"/>
-            <a:ext cx="685800" cy="228600"/>
+          <a:xfrm rot="3435134">
+            <a:off x="1228706" y="4992560"/>
+            <a:ext cx="202863" cy="581010"/>
           </a:xfrm>
-          <a:prstGeom prst="straightConnector1">
+          <a:prstGeom prst="upArrow">
             <a:avLst/>
           </a:prstGeom>
-          <a:ln w="57150">
-            <a:solidFill>
-              <a:schemeClr val="accent1">
-                <a:lumMod val="40000"/>
-                <a:lumOff val="60000"/>
-              </a:schemeClr>
-            </a:solidFill>
-            <a:tailEnd type="triangle"/>
-          </a:ln>
+          <a:solidFill>
+            <a:schemeClr val="accent1">
+              <a:lumMod val="40000"/>
+              <a:lumOff val="60000"/>
+            </a:schemeClr>
+          </a:solidFill>
         </p:spPr>
         <p:style>
-          <a:lnRef idx="1">
-            <a:schemeClr val="accent1"/>
+          <a:lnRef idx="2">
+            <a:schemeClr val="accent1">
+              <a:shade val="50000"/>
+            </a:schemeClr>
           </a:lnRef>
-          <a:fillRef idx="0">
+          <a:fillRef idx="1">
             <a:schemeClr val="accent1"/>
           </a:fillRef>
           <a:effectRef idx="0">
             <a:schemeClr val="accent1"/>
           </a:effectRef>
           <a:fontRef idx="minor">
-            <a:schemeClr val="tx1"/>
+            <a:schemeClr val="lt1"/>
           </a:fontRef>
         </p:style>
-      </p:cxnSp>
-      <p:cxnSp>
-        <p:nvCxnSpPr>
-          <p:cNvPr id="10" name="Straight Arrow Connector 9">
-            <a:extLst>
-              <a:ext uri="{FF2B5EF4-FFF2-40B4-BE49-F238E27FC236}">
-                <a16:creationId xmlns:a16="http://schemas.microsoft.com/office/drawing/2014/main" id="{73A92731-B2F7-2195-B2DA-1A6401977BE5}"/>
-              </a:ext>
-            </a:extLst>
-          </p:cNvPr>
-          <p:cNvCxnSpPr>
-            <a:cxnSpLocks/>
-          </p:cNvCxnSpPr>
+        <p:txBody>
+          <a:bodyPr rtlCol="0" anchor="ctr"/>
+          <a:lstStyle/>
+          <a:p>
+            <a:pPr algn="ctr"/>
+            <a:endParaRPr lang="en-US"/>
+          </a:p>
+        </p:txBody>
+      </p:sp>
+      <p:sp>
+        <p:nvSpPr>
+          <p:cNvPr id="45" name="Up Arrow 44"/>
+          <p:cNvSpPr/>
           <p:nvPr/>
-        </p:nvCxnSpPr>
+        </p:nvSpPr>
         <p:spPr>
-          <a:xfrm flipH="1">
-            <a:off x="11004547" y="4091795"/>
-            <a:ext cx="685800" cy="228600"/>
+          <a:xfrm rot="1055600">
+            <a:off x="2701907" y="6012706"/>
+            <a:ext cx="202863" cy="581010"/>
           </a:xfrm>
-          <a:prstGeom prst="straightConnector1">
+          <a:prstGeom prst="upArrow">
             <a:avLst/>
           </a:prstGeom>
-          <a:ln w="57150">
-            <a:solidFill>
-              <a:schemeClr val="accent1">
-                <a:lumMod val="40000"/>
-                <a:lumOff val="60000"/>
-              </a:schemeClr>
-            </a:solidFill>
-            <a:tailEnd type="triangle"/>
-          </a:ln>
+          <a:solidFill>
+            <a:schemeClr val="accent1">
+              <a:lumMod val="40000"/>
+              <a:lumOff val="60000"/>
+            </a:schemeClr>
+          </a:solidFill>
         </p:spPr>
         <p:style>
-          <a:lnRef idx="1">
-            <a:schemeClr val="accent1"/>
+          <a:lnRef idx="2">
+            <a:schemeClr val="accent1">
+              <a:shade val="50000"/>
+            </a:schemeClr>
           </a:lnRef>
-          <a:fillRef idx="0">
+          <a:fillRef idx="1">
             <a:schemeClr val="accent1"/>
           </a:fillRef>
           <a:effectRef idx="0">
             <a:schemeClr val="accent1"/>
           </a:effectRef>
           <a:fontRef idx="minor">
-            <a:schemeClr val="tx1"/>
+            <a:schemeClr val="lt1"/>
           </a:fontRef>
         </p:style>
-      </p:cxnSp>
-      <p:sp>
-        <p:nvSpPr>
-          <p:cNvPr id="11" name="TextBox 10">
-            <a:extLst>
-              <a:ext uri="{FF2B5EF4-FFF2-40B4-BE49-F238E27FC236}">
-                <a16:creationId xmlns:a16="http://schemas.microsoft.com/office/drawing/2014/main" id="{25E40C69-AAB7-773A-3E63-8815E4C667BB}"/>
-              </a:ext>
-            </a:extLst>
-          </p:cNvPr>
-          <p:cNvSpPr txBox="1"/>
+        <p:txBody>
+          <a:bodyPr rtlCol="0" anchor="ctr"/>
+          <a:lstStyle/>
+          <a:p>
+            <a:pPr algn="ctr"/>
+            <a:endParaRPr lang="en-US"/>
+          </a:p>
+        </p:txBody>
+      </p:sp>
+      <p:sp>
+        <p:nvSpPr>
+          <p:cNvPr id="46" name="Up Arrow 45"/>
+          <p:cNvSpPr/>
           <p:nvPr/>
         </p:nvSpPr>
         <p:spPr>
-          <a:xfrm>
-            <a:off x="7248561" y="4465160"/>
-            <a:ext cx="734175" cy="369332"/>
+          <a:xfrm rot="2925079">
+            <a:off x="1511633" y="5390322"/>
+            <a:ext cx="202863" cy="689596"/>
           </a:xfrm>
-          <a:prstGeom prst="rect">
+          <a:prstGeom prst="upArrow">
             <a:avLst/>
           </a:prstGeom>
-          <a:noFill/>
-        </p:spPr>
-        <p:txBody>
-          <a:bodyPr wrap="none" rtlCol="0">
-            <a:spAutoFit/>
-          </a:bodyPr>
-          <a:lstStyle/>
-          <a:p>
-            <a:r>
-              <a:rPr lang="en-US" dirty="0">
-                <a:solidFill>
-                  <a:schemeClr val="accent1">
-                    <a:lumMod val="75000"/>
-                  </a:schemeClr>
-                </a:solidFill>
-              </a:rPr>
-              <a:t>edges</a:t>
-            </a:r>
-          </a:p>
-        </p:txBody>
-      </p:sp>
-      <p:sp>
-        <p:nvSpPr>
-          <p:cNvPr id="12" name="TextBox 11">
-            <a:extLst>
-              <a:ext uri="{FF2B5EF4-FFF2-40B4-BE49-F238E27FC236}">
-                <a16:creationId xmlns:a16="http://schemas.microsoft.com/office/drawing/2014/main" id="{C2D554D5-ACAF-44BE-A0AE-5FAD5C39073F}"/>
-              </a:ext>
-            </a:extLst>
-          </p:cNvPr>
-          <p:cNvSpPr txBox="1"/>
-          <p:nvPr/>
-        </p:nvSpPr>
-        <p:spPr>
-          <a:xfrm>
-            <a:off x="3742705" y="5697022"/>
-            <a:ext cx="767967" cy="369332"/>
-          </a:xfrm>
-          <a:prstGeom prst="rect">
-            <a:avLst/>
-          </a:prstGeom>
-          <a:noFill/>
-        </p:spPr>
-        <p:txBody>
-          <a:bodyPr wrap="none" rtlCol="0">
-            <a:spAutoFit/>
-          </a:bodyPr>
-          <a:lstStyle/>
-          <a:p>
-            <a:r>
-              <a:rPr lang="en-US" dirty="0">
-                <a:solidFill>
-                  <a:schemeClr val="accent1">
-                    <a:lumMod val="50000"/>
-                  </a:schemeClr>
-                </a:solidFill>
-              </a:rPr>
-              <a:t>vertex</a:t>
-            </a:r>
-          </a:p>
-        </p:txBody>
-      </p:sp>
-      <p:cxnSp>
-        <p:nvCxnSpPr>
-          <p:cNvPr id="16" name="Straight Connector 15">
-            <a:extLst>
-              <a:ext uri="{FF2B5EF4-FFF2-40B4-BE49-F238E27FC236}">
-                <a16:creationId xmlns:a16="http://schemas.microsoft.com/office/drawing/2014/main" id="{ACDAADC2-F7E7-2AB3-8431-833234F0D948}"/>
-              </a:ext>
-            </a:extLst>
-          </p:cNvPr>
-          <p:cNvCxnSpPr>
-            <a:cxnSpLocks/>
-          </p:cNvCxnSpPr>
-          <p:nvPr/>
-        </p:nvCxnSpPr>
-        <p:spPr>
-          <a:xfrm>
-            <a:off x="5629275" y="5881688"/>
-            <a:ext cx="357188" cy="184666"/>
-          </a:xfrm>
-          <a:prstGeom prst="line">
-            <a:avLst/>
-          </a:prstGeom>
-          <a:ln w="38100">
-            <a:solidFill>
-              <a:srgbClr val="FF0000"/>
-            </a:solidFill>
-          </a:ln>
+          <a:solidFill>
+            <a:schemeClr val="accent4">
+              <a:lumMod val="60000"/>
+              <a:lumOff val="40000"/>
+            </a:schemeClr>
+          </a:solidFill>
         </p:spPr>
         <p:style>
-          <a:lnRef idx="1">
-            <a:schemeClr val="accent1"/>
+          <a:lnRef idx="2">
+            <a:schemeClr val="accent1">
+              <a:shade val="50000"/>
+            </a:schemeClr>
           </a:lnRef>
-          <a:fillRef idx="0">
+          <a:fillRef idx="1">
             <a:schemeClr val="accent1"/>
           </a:fillRef>
           <a:effectRef idx="0">
             <a:schemeClr val="accent1"/>
           </a:effectRef>
           <a:fontRef idx="minor">
-            <a:schemeClr val="tx1"/>
+            <a:schemeClr val="lt1"/>
           </a:fontRef>
         </p:style>
-      </p:cxnSp>
-      <p:cxnSp>
-        <p:nvCxnSpPr>
-          <p:cNvPr id="19" name="Straight Connector 18">
-            <a:extLst>
-              <a:ext uri="{FF2B5EF4-FFF2-40B4-BE49-F238E27FC236}">
-                <a16:creationId xmlns:a16="http://schemas.microsoft.com/office/drawing/2014/main" id="{1D3114F2-3799-D088-0DA0-DE82349A782F}"/>
-              </a:ext>
-            </a:extLst>
-          </p:cNvPr>
-          <p:cNvCxnSpPr>
-            <a:cxnSpLocks/>
-          </p:cNvCxnSpPr>
+        <p:txBody>
+          <a:bodyPr rtlCol="0" anchor="ctr"/>
+          <a:lstStyle/>
+          <a:p>
+            <a:pPr algn="ctr"/>
+            <a:endParaRPr lang="en-US"/>
+          </a:p>
+        </p:txBody>
+      </p:sp>
+      <p:sp>
+        <p:nvSpPr>
+          <p:cNvPr id="47" name="Up Arrow 46"/>
+          <p:cNvSpPr/>
           <p:nvPr/>
-        </p:nvCxnSpPr>
+        </p:nvSpPr>
         <p:spPr>
-          <a:xfrm flipV="1">
-            <a:off x="5629275" y="5314950"/>
-            <a:ext cx="814388" cy="566738"/>
+          <a:xfrm rot="7207978">
+            <a:off x="4965676" y="4390053"/>
+            <a:ext cx="202863" cy="689596"/>
           </a:xfrm>
-          <a:prstGeom prst="line">
+          <a:prstGeom prst="upArrow">
             <a:avLst/>
           </a:prstGeom>
-          <a:ln w="38100">
-            <a:solidFill>
-              <a:srgbClr val="FF0000"/>
-            </a:solidFill>
-          </a:ln>
+          <a:solidFill>
+            <a:schemeClr val="accent4">
+              <a:lumMod val="60000"/>
+              <a:lumOff val="40000"/>
+            </a:schemeClr>
+          </a:solidFill>
         </p:spPr>
         <p:style>
-          <a:lnRef idx="1">
-            <a:schemeClr val="accent1"/>
+          <a:lnRef idx="2">
+            <a:schemeClr val="accent1">
+              <a:shade val="50000"/>
+            </a:schemeClr>
           </a:lnRef>
-          <a:fillRef idx="0">
+          <a:fillRef idx="1">
             <a:schemeClr val="accent1"/>
           </a:fillRef>
           <a:effectRef idx="0">
             <a:schemeClr val="accent1"/>
           </a:effectRef>
           <a:fontRef idx="minor">
-            <a:schemeClr val="tx1"/>
+            <a:schemeClr val="lt1"/>
           </a:fontRef>
         </p:style>
-      </p:cxnSp>
-      <p:sp>
-        <p:nvSpPr>
-          <p:cNvPr id="22" name="TextBox 21">
-            <a:extLst>
-              <a:ext uri="{FF2B5EF4-FFF2-40B4-BE49-F238E27FC236}">
-                <a16:creationId xmlns:a16="http://schemas.microsoft.com/office/drawing/2014/main" id="{46B7EA58-223A-76DA-904C-B127A21679D7}"/>
-              </a:ext>
-            </a:extLst>
-          </p:cNvPr>
-          <p:cNvSpPr txBox="1"/>
+        <p:txBody>
+          <a:bodyPr rtlCol="0" anchor="ctr"/>
+          <a:lstStyle/>
+          <a:p>
+            <a:pPr algn="ctr"/>
+            <a:endParaRPr lang="en-US"/>
+          </a:p>
+        </p:txBody>
+      </p:sp>
+      <p:sp>
+        <p:nvSpPr>
+          <p:cNvPr id="48" name="Up Arrow 47"/>
+          <p:cNvSpPr/>
           <p:nvPr/>
         </p:nvSpPr>
         <p:spPr>
-          <a:xfrm>
-            <a:off x="4124492" y="4799805"/>
-            <a:ext cx="1353640" cy="646331"/>
+          <a:xfrm rot="12265766">
+            <a:off x="10912572" y="4679578"/>
+            <a:ext cx="202863" cy="581010"/>
           </a:xfrm>
-          <a:prstGeom prst="rect">
+          <a:prstGeom prst="upArrow">
             <a:avLst/>
           </a:prstGeom>
-          <a:noFill/>
+          <a:solidFill>
+            <a:schemeClr val="accent1">
+              <a:lumMod val="40000"/>
+              <a:lumOff val="60000"/>
+            </a:schemeClr>
+          </a:solidFill>
         </p:spPr>
-        <p:txBody>
-          <a:bodyPr wrap="none" rtlCol="0">
-            <a:spAutoFit/>
-          </a:bodyPr>
+        <p:style>
+          <a:lnRef idx="2">
+            <a:schemeClr val="accent1">
+              <a:shade val="50000"/>
+            </a:schemeClr>
+          </a:lnRef>
+          <a:fillRef idx="1">
+            <a:schemeClr val="accent1"/>
+          </a:fillRef>
+          <a:effectRef idx="0">
+            <a:schemeClr val="accent1"/>
+          </a:effectRef>
+          <a:fontRef idx="minor">
+            <a:schemeClr val="lt1"/>
+          </a:fontRef>
+        </p:style>
+        <p:txBody>
+          <a:bodyPr rtlCol="0" anchor="ctr"/>
           <a:lstStyle/>
           <a:p>
-            <a:r>
-              <a:rPr lang="en-US" dirty="0"/>
-              <a:t>Total edges: </a:t>
-            </a:r>
-          </a:p>
-          <a:p>
-            <a:r>
-              <a:rPr lang="en-US" dirty="0"/>
-              <a:t>(n(n-1))/2</a:t>
-            </a:r>
+            <a:pPr algn="ctr"/>
+            <a:endParaRPr lang="en-US"/>
+          </a:p>
+        </p:txBody>
+      </p:sp>
+      <p:sp>
+        <p:nvSpPr>
+          <p:cNvPr id="49" name="Up Arrow 48"/>
+          <p:cNvSpPr/>
+          <p:nvPr/>
+        </p:nvSpPr>
+        <p:spPr>
+          <a:xfrm rot="15356085">
+            <a:off x="8344383" y="5275624"/>
+            <a:ext cx="202863" cy="581010"/>
+          </a:xfrm>
+          <a:prstGeom prst="upArrow">
+            <a:avLst/>
+          </a:prstGeom>
+          <a:solidFill>
+            <a:schemeClr val="accent1">
+              <a:lumMod val="40000"/>
+              <a:lumOff val="60000"/>
+            </a:schemeClr>
+          </a:solidFill>
+        </p:spPr>
+        <p:style>
+          <a:lnRef idx="2">
+            <a:schemeClr val="accent1">
+              <a:shade val="50000"/>
+            </a:schemeClr>
+          </a:lnRef>
+          <a:fillRef idx="1">
+            <a:schemeClr val="accent1"/>
+          </a:fillRef>
+          <a:effectRef idx="0">
+            <a:schemeClr val="accent1"/>
+          </a:effectRef>
+          <a:fontRef idx="minor">
+            <a:schemeClr val="lt1"/>
+          </a:fontRef>
+        </p:style>
+        <p:txBody>
+          <a:bodyPr rtlCol="0" anchor="ctr"/>
+          <a:lstStyle/>
+          <a:p>
+            <a:pPr algn="ctr"/>
+            <a:endParaRPr lang="en-US"/>
+          </a:p>
+        </p:txBody>
+      </p:sp>
+      <p:sp>
+        <p:nvSpPr>
+          <p:cNvPr id="50" name="Up Arrow 49"/>
+          <p:cNvSpPr/>
+          <p:nvPr/>
+        </p:nvSpPr>
+        <p:spPr>
+          <a:xfrm rot="8663713">
+            <a:off x="7749715" y="4356420"/>
+            <a:ext cx="202863" cy="689596"/>
+          </a:xfrm>
+          <a:prstGeom prst="upArrow">
+            <a:avLst/>
+          </a:prstGeom>
+          <a:solidFill>
+            <a:schemeClr val="accent4">
+              <a:lumMod val="60000"/>
+              <a:lumOff val="40000"/>
+            </a:schemeClr>
+          </a:solidFill>
+        </p:spPr>
+        <p:style>
+          <a:lnRef idx="2">
+            <a:schemeClr val="accent1">
+              <a:shade val="50000"/>
+            </a:schemeClr>
+          </a:lnRef>
+          <a:fillRef idx="1">
+            <a:schemeClr val="accent1"/>
+          </a:fillRef>
+          <a:effectRef idx="0">
+            <a:schemeClr val="accent1"/>
+          </a:effectRef>
+          <a:fontRef idx="minor">
+            <a:schemeClr val="lt1"/>
+          </a:fontRef>
+        </p:style>
+        <p:txBody>
+          <a:bodyPr rtlCol="0" anchor="ctr"/>
+          <a:lstStyle/>
+          <a:p>
+            <a:pPr algn="ctr"/>
+            <a:endParaRPr lang="en-US"/>
           </a:p>
         </p:txBody>
       </p:sp>
@@ -9402,7 +11874,7 @@
           <p:cNvPr id="2" name="TextBox 1">
             <a:extLst>
               <a:ext uri="{FF2B5EF4-FFF2-40B4-BE49-F238E27FC236}">
-                <a16:creationId xmlns:a16="http://schemas.microsoft.com/office/drawing/2014/main" id="{CFBB8880-030D-770F-78E0-250ED3C4086B}"/>
+                <a16:creationId xmlns:a16="http://schemas.microsoft.com/office/drawing/2014/main" xmlns="" id="{CFBB8880-030D-770F-78E0-250ED3C4086B}"/>
               </a:ext>
             </a:extLst>
           </p:cNvPr>
@@ -9438,10 +11910,10 @@
       </p:sp>
       <p:pic>
         <p:nvPicPr>
-          <p:cNvPr id="4" name="Picture 3">
+          <p:cNvPr id="6" name="Picture 5">
             <a:extLst>
               <a:ext uri="{FF2B5EF4-FFF2-40B4-BE49-F238E27FC236}">
-                <a16:creationId xmlns:a16="http://schemas.microsoft.com/office/drawing/2014/main" id="{FAAEB7AD-C825-8836-2CCC-6A519C365B2E}"/>
+                <a16:creationId xmlns:a16="http://schemas.microsoft.com/office/drawing/2014/main" xmlns="" id="{12FC48A8-7E76-3B37-EC98-7F8A0B19AB46}"/>
               </a:ext>
             </a:extLst>
           </p:cNvPr>
@@ -9464,56 +11936,20 @@
         </p:blipFill>
         <p:spPr>
           <a:xfrm>
-            <a:off x="8086723" y="1947863"/>
-            <a:ext cx="3733800" cy="3733800"/>
+            <a:off x="6586536" y="1675329"/>
+            <a:ext cx="4857752" cy="4857752"/>
           </a:xfrm>
           <a:prstGeom prst="rect">
             <a:avLst/>
           </a:prstGeom>
         </p:spPr>
       </p:pic>
-      <p:pic>
-        <p:nvPicPr>
-          <p:cNvPr id="6" name="Picture 5">
+      <p:sp>
+        <p:nvSpPr>
+          <p:cNvPr id="19" name="TextBox 18">
             <a:extLst>
               <a:ext uri="{FF2B5EF4-FFF2-40B4-BE49-F238E27FC236}">
-                <a16:creationId xmlns:a16="http://schemas.microsoft.com/office/drawing/2014/main" id="{12FC48A8-7E76-3B37-EC98-7F8A0B19AB46}"/>
-              </a:ext>
-            </a:extLst>
-          </p:cNvPr>
-          <p:cNvPicPr>
-            <a:picLocks noChangeAspect="1"/>
-          </p:cNvPicPr>
-          <p:nvPr/>
-        </p:nvPicPr>
-        <p:blipFill>
-          <a:blip r:embed="rId3">
-            <a:extLst>
-              <a:ext uri="{28A0092B-C50C-407E-A947-70E740481C1C}">
-                <a14:useLocalDpi xmlns:a14="http://schemas.microsoft.com/office/drawing/2010/main" val="0"/>
-              </a:ext>
-            </a:extLst>
-          </a:blip>
-          <a:stretch>
-            <a:fillRect/>
-          </a:stretch>
-        </p:blipFill>
-        <p:spPr>
-          <a:xfrm>
-            <a:off x="8086723" y="1947863"/>
-            <a:ext cx="3733800" cy="3733800"/>
-          </a:xfrm>
-          <a:prstGeom prst="rect">
-            <a:avLst/>
-          </a:prstGeom>
-        </p:spPr>
-      </p:pic>
-      <p:sp>
-        <p:nvSpPr>
-          <p:cNvPr id="7" name="TextBox 6">
-            <a:extLst>
-              <a:ext uri="{FF2B5EF4-FFF2-40B4-BE49-F238E27FC236}">
-                <a16:creationId xmlns:a16="http://schemas.microsoft.com/office/drawing/2014/main" id="{7A58E15A-2348-A7C6-FC81-48AD1D6E4181}"/>
+                <a16:creationId xmlns:a16="http://schemas.microsoft.com/office/drawing/2014/main" xmlns="" id="{3EE8954A-E471-F2EF-426C-D988AF32186F}"/>
               </a:ext>
             </a:extLst>
           </p:cNvPr>
@@ -9522,8 +11958,8 @@
         </p:nvSpPr>
         <p:spPr>
           <a:xfrm>
-            <a:off x="8940108" y="1348651"/>
-            <a:ext cx="2027030" cy="369332"/>
+            <a:off x="1359772" y="3100358"/>
+            <a:ext cx="2865656" cy="400110"/>
           </a:xfrm>
           <a:prstGeom prst="rect">
             <a:avLst/>
@@ -9537,53 +11973,283 @@
           <a:lstStyle/>
           <a:p>
             <a:r>
-              <a:rPr lang="en-US" dirty="0"/>
-              <a:t>Instagram followers</a:t>
-            </a:r>
-          </a:p>
-        </p:txBody>
-      </p:sp>
-      <p:pic>
-        <p:nvPicPr>
-          <p:cNvPr id="8" name="Picture 7">
-            <a:extLst>
-              <a:ext uri="{FF2B5EF4-FFF2-40B4-BE49-F238E27FC236}">
-                <a16:creationId xmlns:a16="http://schemas.microsoft.com/office/drawing/2014/main" id="{C1B70BF2-C4A5-2826-E7C8-890B5910688F}"/>
-              </a:ext>
-            </a:extLst>
-          </p:cNvPr>
-          <p:cNvPicPr>
-            <a:picLocks noChangeAspect="1"/>
-          </p:cNvPicPr>
+              <a:rPr lang="en-US" sz="2000" dirty="0" smtClean="0"/>
+              <a:t>Relation between Siblings</a:t>
+            </a:r>
+            <a:endParaRPr lang="en-US" sz="2000" dirty="0"/>
+          </a:p>
+        </p:txBody>
+      </p:sp>
+      <p:sp>
+        <p:nvSpPr>
+          <p:cNvPr id="20" name="Oval 19"/>
+          <p:cNvSpPr/>
           <p:nvPr/>
-        </p:nvPicPr>
-        <p:blipFill rotWithShape="1">
-          <a:blip r:embed="rId4">
-            <a:extLst>
-              <a:ext uri="{28A0092B-C50C-407E-A947-70E740481C1C}">
-                <a14:useLocalDpi xmlns:a14="http://schemas.microsoft.com/office/drawing/2010/main" val="0"/>
-              </a:ext>
-            </a:extLst>
-          </a:blip>
-          <a:srcRect l="17985" t="30404" r="18495" b="13347"/>
-          <a:stretch/>
-        </p:blipFill>
+        </p:nvSpPr>
         <p:spPr>
           <a:xfrm>
-            <a:off x="2000250" y="3900487"/>
-            <a:ext cx="2371725" cy="2100263"/>
+            <a:off x="3114770" y="3887630"/>
+            <a:ext cx="1257114" cy="1257114"/>
           </a:xfrm>
-          <a:prstGeom prst="rect">
+          <a:prstGeom prst="ellipse">
+            <a:avLst/>
+          </a:prstGeom>
+          <a:solidFill>
+            <a:schemeClr val="bg1"/>
+          </a:solidFill>
+          <a:ln>
+            <a:solidFill>
+              <a:schemeClr val="tx1"/>
+            </a:solidFill>
+          </a:ln>
+        </p:spPr>
+        <p:style>
+          <a:lnRef idx="2">
+            <a:schemeClr val="accent1">
+              <a:shade val="50000"/>
+            </a:schemeClr>
+          </a:lnRef>
+          <a:fillRef idx="1">
+            <a:schemeClr val="accent1"/>
+          </a:fillRef>
+          <a:effectRef idx="0">
+            <a:schemeClr val="accent1"/>
+          </a:effectRef>
+          <a:fontRef idx="minor">
+            <a:schemeClr val="lt1"/>
+          </a:fontRef>
+        </p:style>
+        <p:txBody>
+          <a:bodyPr rtlCol="0" anchor="ctr"/>
+          <a:lstStyle/>
+          <a:p>
+            <a:pPr algn="ctr"/>
+            <a:r>
+              <a:rPr lang="en-US" dirty="0" smtClean="0">
+                <a:solidFill>
+                  <a:schemeClr val="tx1"/>
+                </a:solidFill>
+              </a:rPr>
+              <a:t>Usman</a:t>
+            </a:r>
+          </a:p>
+        </p:txBody>
+      </p:sp>
+      <p:sp>
+        <p:nvSpPr>
+          <p:cNvPr id="21" name="Oval 20"/>
+          <p:cNvSpPr/>
+          <p:nvPr/>
+        </p:nvSpPr>
+        <p:spPr>
+          <a:xfrm>
+            <a:off x="1322201" y="3706312"/>
+            <a:ext cx="1006662" cy="1006662"/>
+          </a:xfrm>
+          <a:prstGeom prst="ellipse">
+            <a:avLst/>
+          </a:prstGeom>
+          <a:solidFill>
+            <a:schemeClr val="bg1"/>
+          </a:solidFill>
+          <a:ln>
+            <a:solidFill>
+              <a:schemeClr val="tx1"/>
+            </a:solidFill>
+          </a:ln>
+        </p:spPr>
+        <p:style>
+          <a:lnRef idx="2">
+            <a:schemeClr val="accent1">
+              <a:shade val="50000"/>
+            </a:schemeClr>
+          </a:lnRef>
+          <a:fillRef idx="1">
+            <a:schemeClr val="accent1"/>
+          </a:fillRef>
+          <a:effectRef idx="0">
+            <a:schemeClr val="accent1"/>
+          </a:effectRef>
+          <a:fontRef idx="minor">
+            <a:schemeClr val="lt1"/>
+          </a:fontRef>
+        </p:style>
+        <p:txBody>
+          <a:bodyPr rtlCol="0" anchor="ctr"/>
+          <a:lstStyle/>
+          <a:p>
+            <a:pPr algn="ctr"/>
+            <a:r>
+              <a:rPr lang="en-US" dirty="0" smtClean="0">
+                <a:solidFill>
+                  <a:schemeClr val="tx1"/>
+                </a:solidFill>
+              </a:rPr>
+              <a:t>Amir</a:t>
+            </a:r>
+          </a:p>
+        </p:txBody>
+      </p:sp>
+      <p:sp>
+        <p:nvSpPr>
+          <p:cNvPr id="22" name="Oval 21"/>
+          <p:cNvSpPr/>
+          <p:nvPr/>
+        </p:nvSpPr>
+        <p:spPr>
+          <a:xfrm>
+            <a:off x="1865125" y="5120607"/>
+            <a:ext cx="927475" cy="927475"/>
+          </a:xfrm>
+          <a:prstGeom prst="ellipse">
+            <a:avLst/>
+          </a:prstGeom>
+          <a:solidFill>
+            <a:schemeClr val="bg1"/>
+          </a:solidFill>
+          <a:ln>
+            <a:solidFill>
+              <a:schemeClr val="tx1"/>
+            </a:solidFill>
+          </a:ln>
+        </p:spPr>
+        <p:style>
+          <a:lnRef idx="2">
+            <a:schemeClr val="accent1">
+              <a:shade val="50000"/>
+            </a:schemeClr>
+          </a:lnRef>
+          <a:fillRef idx="1">
+            <a:schemeClr val="accent1"/>
+          </a:fillRef>
+          <a:effectRef idx="0">
+            <a:schemeClr val="accent1"/>
+          </a:effectRef>
+          <a:fontRef idx="minor">
+            <a:schemeClr val="lt1"/>
+          </a:fontRef>
+        </p:style>
+        <p:txBody>
+          <a:bodyPr rtlCol="0" anchor="ctr"/>
+          <a:lstStyle/>
+          <a:p>
+            <a:pPr algn="ctr"/>
+            <a:r>
+              <a:rPr lang="en-US" dirty="0" smtClean="0">
+                <a:solidFill>
+                  <a:schemeClr val="tx1"/>
+                </a:solidFill>
+              </a:rPr>
+              <a:t>Ali</a:t>
+            </a:r>
+          </a:p>
+        </p:txBody>
+      </p:sp>
+      <p:cxnSp>
+        <p:nvCxnSpPr>
+          <p:cNvPr id="23" name="Straight Connector 22"/>
+          <p:cNvCxnSpPr>
+            <a:stCxn id="20" idx="2"/>
+            <a:endCxn id="21" idx="6"/>
+          </p:cNvCxnSpPr>
+          <p:nvPr/>
+        </p:nvCxnSpPr>
+        <p:spPr>
+          <a:xfrm flipH="1" flipV="1">
+            <a:off x="2328863" y="4209643"/>
+            <a:ext cx="785907" cy="306544"/>
+          </a:xfrm>
+          <a:prstGeom prst="line">
             <a:avLst/>
           </a:prstGeom>
         </p:spPr>
-      </p:pic>
-      <p:sp>
-        <p:nvSpPr>
-          <p:cNvPr id="9" name="TextBox 8">
+        <p:style>
+          <a:lnRef idx="1">
+            <a:schemeClr val="dk1"/>
+          </a:lnRef>
+          <a:fillRef idx="0">
+            <a:schemeClr val="dk1"/>
+          </a:fillRef>
+          <a:effectRef idx="0">
+            <a:schemeClr val="dk1"/>
+          </a:effectRef>
+          <a:fontRef idx="minor">
+            <a:schemeClr val="tx1"/>
+          </a:fontRef>
+        </p:style>
+      </p:cxnSp>
+      <p:cxnSp>
+        <p:nvCxnSpPr>
+          <p:cNvPr id="24" name="Straight Connector 23"/>
+          <p:cNvCxnSpPr>
+            <a:stCxn id="20" idx="3"/>
+            <a:endCxn id="22" idx="7"/>
+          </p:cNvCxnSpPr>
+          <p:nvPr/>
+        </p:nvCxnSpPr>
+        <p:spPr>
+          <a:xfrm flipH="1">
+            <a:off x="2656774" y="4960644"/>
+            <a:ext cx="642096" cy="295789"/>
+          </a:xfrm>
+          <a:prstGeom prst="line">
+            <a:avLst/>
+          </a:prstGeom>
+        </p:spPr>
+        <p:style>
+          <a:lnRef idx="1">
+            <a:schemeClr val="dk1"/>
+          </a:lnRef>
+          <a:fillRef idx="0">
+            <a:schemeClr val="dk1"/>
+          </a:fillRef>
+          <a:effectRef idx="0">
+            <a:schemeClr val="dk1"/>
+          </a:effectRef>
+          <a:fontRef idx="minor">
+            <a:schemeClr val="tx1"/>
+          </a:fontRef>
+        </p:style>
+      </p:cxnSp>
+      <p:cxnSp>
+        <p:nvCxnSpPr>
+          <p:cNvPr id="25" name="Straight Connector 24"/>
+          <p:cNvCxnSpPr>
+            <a:stCxn id="22" idx="1"/>
+            <a:endCxn id="21" idx="4"/>
+          </p:cNvCxnSpPr>
+          <p:nvPr/>
+        </p:nvCxnSpPr>
+        <p:spPr>
+          <a:xfrm flipH="1" flipV="1">
+            <a:off x="1825532" y="4712974"/>
+            <a:ext cx="175419" cy="543459"/>
+          </a:xfrm>
+          <a:prstGeom prst="line">
+            <a:avLst/>
+          </a:prstGeom>
+        </p:spPr>
+        <p:style>
+          <a:lnRef idx="1">
+            <a:schemeClr val="dk1"/>
+          </a:lnRef>
+          <a:fillRef idx="0">
+            <a:schemeClr val="dk1"/>
+          </a:fillRef>
+          <a:effectRef idx="0">
+            <a:schemeClr val="dk1"/>
+          </a:effectRef>
+          <a:fontRef idx="minor">
+            <a:schemeClr val="tx1"/>
+          </a:fontRef>
+        </p:style>
+      </p:cxnSp>
+      <p:sp>
+        <p:nvSpPr>
+          <p:cNvPr id="26" name="TextBox 25">
             <a:extLst>
               <a:ext uri="{FF2B5EF4-FFF2-40B4-BE49-F238E27FC236}">
-                <a16:creationId xmlns:a16="http://schemas.microsoft.com/office/drawing/2014/main" id="{F327D58F-429A-36B6-C4D6-D4B3D7248B24}"/>
+                <a16:creationId xmlns:a16="http://schemas.microsoft.com/office/drawing/2014/main" xmlns="" id="{C3BFC904-2C98-0A6B-DB9F-F77D7062E30B}"/>
               </a:ext>
             </a:extLst>
           </p:cNvPr>
@@ -9592,8 +12258,8 @@
         </p:nvSpPr>
         <p:spPr>
           <a:xfrm>
-            <a:off x="2328863" y="3243263"/>
-            <a:ext cx="1715791" cy="369332"/>
+            <a:off x="7911408" y="1517929"/>
+            <a:ext cx="2234651" cy="400110"/>
           </a:xfrm>
           <a:prstGeom prst="rect">
             <a:avLst/>
@@ -9607,9 +12273,68 @@
           <a:lstStyle/>
           <a:p>
             <a:r>
-              <a:rPr lang="en-US" dirty="0"/>
-              <a:t>Siblings Relation</a:t>
-            </a:r>
+              <a:rPr lang="en-US" sz="2000" dirty="0"/>
+              <a:t>Instagram followers</a:t>
+            </a:r>
+          </a:p>
+        </p:txBody>
+      </p:sp>
+      <p:sp>
+        <p:nvSpPr>
+          <p:cNvPr id="3" name="Action Button: Help 2">
+            <a:hlinkClick r:id="" action="ppaction://noaction" highlightClick="1"/>
+          </p:cNvPr>
+          <p:cNvSpPr/>
+          <p:nvPr/>
+        </p:nvSpPr>
+        <p:spPr>
+          <a:xfrm>
+            <a:off x="10258425" y="1260990"/>
+            <a:ext cx="1028700" cy="818079"/>
+          </a:xfrm>
+          <a:prstGeom prst="actionButtonHelp">
+            <a:avLst/>
+          </a:prstGeom>
+          <a:solidFill>
+            <a:schemeClr val="bg1"/>
+          </a:solidFill>
+          <a:ln>
+            <a:solidFill>
+              <a:schemeClr val="tx1"/>
+            </a:solidFill>
+          </a:ln>
+        </p:spPr>
+        <p:style>
+          <a:lnRef idx="2">
+            <a:schemeClr val="accent1">
+              <a:shade val="50000"/>
+            </a:schemeClr>
+          </a:lnRef>
+          <a:fillRef idx="1">
+            <a:schemeClr val="accent1"/>
+          </a:fillRef>
+          <a:effectRef idx="0">
+            <a:schemeClr val="accent1"/>
+          </a:effectRef>
+          <a:fontRef idx="minor">
+            <a:schemeClr val="lt1"/>
+          </a:fontRef>
+        </p:style>
+        <p:txBody>
+          <a:bodyPr rtlCol="0" anchor="ctr"/>
+          <a:lstStyle/>
+          <a:p>
+            <a:pPr algn="ctr"/>
+            <a:endParaRPr lang="en-US">
+              <a:ln>
+                <a:solidFill>
+                  <a:schemeClr val="tx1"/>
+                </a:solidFill>
+              </a:ln>
+              <a:solidFill>
+                <a:schemeClr val="tx1"/>
+              </a:solidFill>
+            </a:endParaRPr>
           </a:p>
         </p:txBody>
       </p:sp>
@@ -9648,7 +12373,7 @@
           <p:cNvPr id="2" name="TextBox 1">
             <a:extLst>
               <a:ext uri="{FF2B5EF4-FFF2-40B4-BE49-F238E27FC236}">
-                <a16:creationId xmlns:a16="http://schemas.microsoft.com/office/drawing/2014/main" id="{CFBB8880-030D-770F-78E0-250ED3C4086B}"/>
+                <a16:creationId xmlns:a16="http://schemas.microsoft.com/office/drawing/2014/main" xmlns="" id="{CFBB8880-030D-770F-78E0-250ED3C4086B}"/>
               </a:ext>
             </a:extLst>
           </p:cNvPr>
@@ -9687,7 +12412,7 @@
           <p:cNvPr id="4" name="Picture 3">
             <a:extLst>
               <a:ext uri="{FF2B5EF4-FFF2-40B4-BE49-F238E27FC236}">
-                <a16:creationId xmlns:a16="http://schemas.microsoft.com/office/drawing/2014/main" id="{FAAEB7AD-C825-8836-2CCC-6A519C365B2E}"/>
+                <a16:creationId xmlns:a16="http://schemas.microsoft.com/office/drawing/2014/main" xmlns="" id="{FAAEB7AD-C825-8836-2CCC-6A519C365B2E}"/>
               </a:ext>
             </a:extLst>
           </p:cNvPr>
@@ -9710,8 +12435,8 @@
         </p:blipFill>
         <p:spPr>
           <a:xfrm>
-            <a:off x="8086723" y="1947863"/>
-            <a:ext cx="3733800" cy="3733800"/>
+            <a:off x="6485558" y="1666468"/>
+            <a:ext cx="5086350" cy="5086350"/>
           </a:xfrm>
           <a:prstGeom prst="rect">
             <a:avLst/>
@@ -9723,7 +12448,7 @@
           <p:cNvPr id="3" name="TextBox 2">
             <a:extLst>
               <a:ext uri="{FF2B5EF4-FFF2-40B4-BE49-F238E27FC236}">
-                <a16:creationId xmlns:a16="http://schemas.microsoft.com/office/drawing/2014/main" id="{C3BFC904-2C98-0A6B-DB9F-F77D7062E30B}"/>
+                <a16:creationId xmlns:a16="http://schemas.microsoft.com/office/drawing/2014/main" xmlns="" id="{C3BFC904-2C98-0A6B-DB9F-F77D7062E30B}"/>
               </a:ext>
             </a:extLst>
           </p:cNvPr>
@@ -9732,8 +12457,8 @@
         </p:nvSpPr>
         <p:spPr>
           <a:xfrm>
-            <a:off x="8940108" y="1348651"/>
-            <a:ext cx="2027030" cy="369332"/>
+            <a:off x="7911408" y="1517929"/>
+            <a:ext cx="2234651" cy="400110"/>
           </a:xfrm>
           <a:prstGeom prst="rect">
             <a:avLst/>
@@ -9747,53 +12472,18 @@
           <a:lstStyle/>
           <a:p>
             <a:r>
-              <a:rPr lang="en-US" dirty="0"/>
+              <a:rPr lang="en-US" sz="2000" dirty="0"/>
               <a:t>Instagram followers</a:t>
             </a:r>
           </a:p>
         </p:txBody>
       </p:sp>
-      <p:pic>
-        <p:nvPicPr>
-          <p:cNvPr id="10" name="Picture 9">
-            <a:extLst>
-              <a:ext uri="{FF2B5EF4-FFF2-40B4-BE49-F238E27FC236}">
-                <a16:creationId xmlns:a16="http://schemas.microsoft.com/office/drawing/2014/main" id="{479D0D63-8B89-D61F-B6AC-12A0A9B1880F}"/>
-              </a:ext>
-            </a:extLst>
-          </p:cNvPr>
-          <p:cNvPicPr>
-            <a:picLocks noChangeAspect="1"/>
-          </p:cNvPicPr>
-          <p:nvPr/>
-        </p:nvPicPr>
-        <p:blipFill rotWithShape="1">
-          <a:blip r:embed="rId3">
-            <a:extLst>
-              <a:ext uri="{28A0092B-C50C-407E-A947-70E740481C1C}">
-                <a14:useLocalDpi xmlns:a14="http://schemas.microsoft.com/office/drawing/2010/main" val="0"/>
-              </a:ext>
-            </a:extLst>
-          </a:blip>
-          <a:srcRect l="17985" t="30404" r="18495" b="13347"/>
-          <a:stretch/>
-        </p:blipFill>
-        <p:spPr>
-          <a:xfrm>
-            <a:off x="2000250" y="3900487"/>
-            <a:ext cx="2371725" cy="2100263"/>
-          </a:xfrm>
-          <a:prstGeom prst="rect">
-            <a:avLst/>
-          </a:prstGeom>
-        </p:spPr>
-      </p:pic>
       <p:sp>
         <p:nvSpPr>
           <p:cNvPr id="11" name="TextBox 10">
             <a:extLst>
               <a:ext uri="{FF2B5EF4-FFF2-40B4-BE49-F238E27FC236}">
-                <a16:creationId xmlns:a16="http://schemas.microsoft.com/office/drawing/2014/main" id="{3EE8954A-E471-F2EF-426C-D988AF32186F}"/>
+                <a16:creationId xmlns:a16="http://schemas.microsoft.com/office/drawing/2014/main" xmlns="" id="{3EE8954A-E471-F2EF-426C-D988AF32186F}"/>
               </a:ext>
             </a:extLst>
           </p:cNvPr>
@@ -9802,8 +12492,8 @@
         </p:nvSpPr>
         <p:spPr>
           <a:xfrm>
-            <a:off x="2328863" y="3243263"/>
-            <a:ext cx="1715791" cy="369332"/>
+            <a:off x="1359772" y="3100358"/>
+            <a:ext cx="2865656" cy="400110"/>
           </a:xfrm>
           <a:prstGeom prst="rect">
             <a:avLst/>
@@ -9817,12 +12507,277 @@
           <a:lstStyle/>
           <a:p>
             <a:r>
-              <a:rPr lang="en-US" dirty="0"/>
-              <a:t>Siblings Relation</a:t>
-            </a:r>
-          </a:p>
-        </p:txBody>
-      </p:sp>
+              <a:rPr lang="en-US" sz="2000" dirty="0" smtClean="0"/>
+              <a:t>Relation between Siblings</a:t>
+            </a:r>
+            <a:endParaRPr lang="en-US" sz="2000" dirty="0"/>
+          </a:p>
+        </p:txBody>
+      </p:sp>
+      <p:sp>
+        <p:nvSpPr>
+          <p:cNvPr id="9" name="Oval 8"/>
+          <p:cNvSpPr/>
+          <p:nvPr/>
+        </p:nvSpPr>
+        <p:spPr>
+          <a:xfrm>
+            <a:off x="3114770" y="3887630"/>
+            <a:ext cx="1257114" cy="1257114"/>
+          </a:xfrm>
+          <a:prstGeom prst="ellipse">
+            <a:avLst/>
+          </a:prstGeom>
+          <a:solidFill>
+            <a:schemeClr val="bg1"/>
+          </a:solidFill>
+          <a:ln>
+            <a:solidFill>
+              <a:schemeClr val="tx1"/>
+            </a:solidFill>
+          </a:ln>
+        </p:spPr>
+        <p:style>
+          <a:lnRef idx="2">
+            <a:schemeClr val="accent1">
+              <a:shade val="50000"/>
+            </a:schemeClr>
+          </a:lnRef>
+          <a:fillRef idx="1">
+            <a:schemeClr val="accent1"/>
+          </a:fillRef>
+          <a:effectRef idx="0">
+            <a:schemeClr val="accent1"/>
+          </a:effectRef>
+          <a:fontRef idx="minor">
+            <a:schemeClr val="lt1"/>
+          </a:fontRef>
+        </p:style>
+        <p:txBody>
+          <a:bodyPr rtlCol="0" anchor="ctr"/>
+          <a:lstStyle/>
+          <a:p>
+            <a:pPr algn="ctr"/>
+            <a:r>
+              <a:rPr lang="en-US" dirty="0" smtClean="0">
+                <a:solidFill>
+                  <a:schemeClr val="tx1"/>
+                </a:solidFill>
+              </a:rPr>
+              <a:t>Usman</a:t>
+            </a:r>
+          </a:p>
+        </p:txBody>
+      </p:sp>
+      <p:sp>
+        <p:nvSpPr>
+          <p:cNvPr id="12" name="Oval 11"/>
+          <p:cNvSpPr/>
+          <p:nvPr/>
+        </p:nvSpPr>
+        <p:spPr>
+          <a:xfrm>
+            <a:off x="1322201" y="3706312"/>
+            <a:ext cx="1006662" cy="1006662"/>
+          </a:xfrm>
+          <a:prstGeom prst="ellipse">
+            <a:avLst/>
+          </a:prstGeom>
+          <a:solidFill>
+            <a:schemeClr val="bg1"/>
+          </a:solidFill>
+          <a:ln>
+            <a:solidFill>
+              <a:schemeClr val="tx1"/>
+            </a:solidFill>
+          </a:ln>
+        </p:spPr>
+        <p:style>
+          <a:lnRef idx="2">
+            <a:schemeClr val="accent1">
+              <a:shade val="50000"/>
+            </a:schemeClr>
+          </a:lnRef>
+          <a:fillRef idx="1">
+            <a:schemeClr val="accent1"/>
+          </a:fillRef>
+          <a:effectRef idx="0">
+            <a:schemeClr val="accent1"/>
+          </a:effectRef>
+          <a:fontRef idx="minor">
+            <a:schemeClr val="lt1"/>
+          </a:fontRef>
+        </p:style>
+        <p:txBody>
+          <a:bodyPr rtlCol="0" anchor="ctr"/>
+          <a:lstStyle/>
+          <a:p>
+            <a:pPr algn="ctr"/>
+            <a:r>
+              <a:rPr lang="en-US" dirty="0" smtClean="0">
+                <a:solidFill>
+                  <a:schemeClr val="tx1"/>
+                </a:solidFill>
+              </a:rPr>
+              <a:t>Amir</a:t>
+            </a:r>
+          </a:p>
+        </p:txBody>
+      </p:sp>
+      <p:sp>
+        <p:nvSpPr>
+          <p:cNvPr id="13" name="Oval 12"/>
+          <p:cNvSpPr/>
+          <p:nvPr/>
+        </p:nvSpPr>
+        <p:spPr>
+          <a:xfrm>
+            <a:off x="1865125" y="5120607"/>
+            <a:ext cx="927475" cy="927475"/>
+          </a:xfrm>
+          <a:prstGeom prst="ellipse">
+            <a:avLst/>
+          </a:prstGeom>
+          <a:solidFill>
+            <a:schemeClr val="bg1"/>
+          </a:solidFill>
+          <a:ln>
+            <a:solidFill>
+              <a:schemeClr val="tx1"/>
+            </a:solidFill>
+          </a:ln>
+        </p:spPr>
+        <p:style>
+          <a:lnRef idx="2">
+            <a:schemeClr val="accent1">
+              <a:shade val="50000"/>
+            </a:schemeClr>
+          </a:lnRef>
+          <a:fillRef idx="1">
+            <a:schemeClr val="accent1"/>
+          </a:fillRef>
+          <a:effectRef idx="0">
+            <a:schemeClr val="accent1"/>
+          </a:effectRef>
+          <a:fontRef idx="minor">
+            <a:schemeClr val="lt1"/>
+          </a:fontRef>
+        </p:style>
+        <p:txBody>
+          <a:bodyPr rtlCol="0" anchor="ctr"/>
+          <a:lstStyle/>
+          <a:p>
+            <a:pPr algn="ctr"/>
+            <a:r>
+              <a:rPr lang="en-US" dirty="0" smtClean="0">
+                <a:solidFill>
+                  <a:schemeClr val="tx1"/>
+                </a:solidFill>
+              </a:rPr>
+              <a:t>Ali</a:t>
+            </a:r>
+          </a:p>
+        </p:txBody>
+      </p:sp>
+      <p:cxnSp>
+        <p:nvCxnSpPr>
+          <p:cNvPr id="30" name="Straight Connector 29"/>
+          <p:cNvCxnSpPr>
+            <a:stCxn id="9" idx="2"/>
+            <a:endCxn id="12" idx="6"/>
+          </p:cNvCxnSpPr>
+          <p:nvPr/>
+        </p:nvCxnSpPr>
+        <p:spPr>
+          <a:xfrm flipH="1" flipV="1">
+            <a:off x="2328863" y="4209643"/>
+            <a:ext cx="785907" cy="306544"/>
+          </a:xfrm>
+          <a:prstGeom prst="line">
+            <a:avLst/>
+          </a:prstGeom>
+        </p:spPr>
+        <p:style>
+          <a:lnRef idx="1">
+            <a:schemeClr val="dk1"/>
+          </a:lnRef>
+          <a:fillRef idx="0">
+            <a:schemeClr val="dk1"/>
+          </a:fillRef>
+          <a:effectRef idx="0">
+            <a:schemeClr val="dk1"/>
+          </a:effectRef>
+          <a:fontRef idx="minor">
+            <a:schemeClr val="tx1"/>
+          </a:fontRef>
+        </p:style>
+      </p:cxnSp>
+      <p:cxnSp>
+        <p:nvCxnSpPr>
+          <p:cNvPr id="33" name="Straight Connector 32"/>
+          <p:cNvCxnSpPr>
+            <a:stCxn id="9" idx="3"/>
+            <a:endCxn id="13" idx="7"/>
+          </p:cNvCxnSpPr>
+          <p:nvPr/>
+        </p:nvCxnSpPr>
+        <p:spPr>
+          <a:xfrm flipH="1">
+            <a:off x="2656774" y="4960644"/>
+            <a:ext cx="642096" cy="295789"/>
+          </a:xfrm>
+          <a:prstGeom prst="line">
+            <a:avLst/>
+          </a:prstGeom>
+        </p:spPr>
+        <p:style>
+          <a:lnRef idx="1">
+            <a:schemeClr val="dk1"/>
+          </a:lnRef>
+          <a:fillRef idx="0">
+            <a:schemeClr val="dk1"/>
+          </a:fillRef>
+          <a:effectRef idx="0">
+            <a:schemeClr val="dk1"/>
+          </a:effectRef>
+          <a:fontRef idx="minor">
+            <a:schemeClr val="tx1"/>
+          </a:fontRef>
+        </p:style>
+      </p:cxnSp>
+      <p:cxnSp>
+        <p:nvCxnSpPr>
+          <p:cNvPr id="36" name="Straight Connector 35"/>
+          <p:cNvCxnSpPr>
+            <a:stCxn id="13" idx="1"/>
+            <a:endCxn id="12" idx="4"/>
+          </p:cNvCxnSpPr>
+          <p:nvPr/>
+        </p:nvCxnSpPr>
+        <p:spPr>
+          <a:xfrm flipH="1" flipV="1">
+            <a:off x="1825532" y="4712974"/>
+            <a:ext cx="175419" cy="543459"/>
+          </a:xfrm>
+          <a:prstGeom prst="line">
+            <a:avLst/>
+          </a:prstGeom>
+        </p:spPr>
+        <p:style>
+          <a:lnRef idx="1">
+            <a:schemeClr val="dk1"/>
+          </a:lnRef>
+          <a:fillRef idx="0">
+            <a:schemeClr val="dk1"/>
+          </a:fillRef>
+          <a:effectRef idx="0">
+            <a:schemeClr val="dk1"/>
+          </a:effectRef>
+          <a:fontRef idx="minor">
+            <a:schemeClr val="tx1"/>
+          </a:fontRef>
+        </p:style>
+      </p:cxnSp>
     </p:spTree>
     <p:extLst>
       <p:ext uri="{BB962C8B-B14F-4D97-AF65-F5344CB8AC3E}">
@@ -9858,7 +12813,7 @@
           <p:cNvPr id="3" name="TextBox 2">
             <a:extLst>
               <a:ext uri="{FF2B5EF4-FFF2-40B4-BE49-F238E27FC236}">
-                <a16:creationId xmlns:a16="http://schemas.microsoft.com/office/drawing/2014/main" id="{6129BCCE-EAA2-06B8-2ABB-36E1965B0FED}"/>
+                <a16:creationId xmlns:a16="http://schemas.microsoft.com/office/drawing/2014/main" xmlns="" id="{6129BCCE-EAA2-06B8-2ABB-36E1965B0FED}"/>
               </a:ext>
             </a:extLst>
           </p:cNvPr>
@@ -9905,7 +12860,7 @@
           <p:cNvPr id="2" name="TextBox 1">
             <a:extLst>
               <a:ext uri="{FF2B5EF4-FFF2-40B4-BE49-F238E27FC236}">
-                <a16:creationId xmlns:a16="http://schemas.microsoft.com/office/drawing/2014/main" id="{4073108B-FF80-2542-E514-618C5A826695}"/>
+                <a16:creationId xmlns:a16="http://schemas.microsoft.com/office/drawing/2014/main" xmlns="" id="{4073108B-FF80-2542-E514-618C5A826695}"/>
               </a:ext>
             </a:extLst>
           </p:cNvPr>
@@ -10069,7 +13024,7 @@
           <p:cNvPr id="2" name="TextBox 1">
             <a:extLst>
               <a:ext uri="{FF2B5EF4-FFF2-40B4-BE49-F238E27FC236}">
-                <a16:creationId xmlns:a16="http://schemas.microsoft.com/office/drawing/2014/main" id="{199B9149-BCE3-E8FF-B980-A671C271C1F7}"/>
+                <a16:creationId xmlns:a16="http://schemas.microsoft.com/office/drawing/2014/main" xmlns="" id="{199B9149-BCE3-E8FF-B980-A671C271C1F7}"/>
               </a:ext>
             </a:extLst>
           </p:cNvPr>
@@ -10116,7 +13071,7 @@
           <p:cNvPr id="3" name="TextBox 2">
             <a:extLst>
               <a:ext uri="{FF2B5EF4-FFF2-40B4-BE49-F238E27FC236}">
-                <a16:creationId xmlns:a16="http://schemas.microsoft.com/office/drawing/2014/main" id="{2A3DBAD7-0349-C138-49F2-34BA414DC8BC}"/>
+                <a16:creationId xmlns:a16="http://schemas.microsoft.com/office/drawing/2014/main" xmlns="" id="{2A3DBAD7-0349-C138-49F2-34BA414DC8BC}"/>
               </a:ext>
             </a:extLst>
           </p:cNvPr>
@@ -10217,7 +13172,7 @@
           <p:cNvPr id="2" name="Title 1">
             <a:extLst>
               <a:ext uri="{FF2B5EF4-FFF2-40B4-BE49-F238E27FC236}">
-                <a16:creationId xmlns:a16="http://schemas.microsoft.com/office/drawing/2014/main" id="{4F6E24A9-DAC8-3CD7-F6AF-35F942D93487}"/>
+                <a16:creationId xmlns:a16="http://schemas.microsoft.com/office/drawing/2014/main" xmlns="" id="{4F6E24A9-DAC8-3CD7-F6AF-35F942D93487}"/>
               </a:ext>
             </a:extLst>
           </p:cNvPr>
@@ -10254,7 +13209,7 @@
           <p:cNvPr id="3" name="Content Placeholder 2">
             <a:extLst>
               <a:ext uri="{FF2B5EF4-FFF2-40B4-BE49-F238E27FC236}">
-                <a16:creationId xmlns:a16="http://schemas.microsoft.com/office/drawing/2014/main" id="{A9173C1D-2F8B-2792-3149-B0AB3328C944}"/>
+                <a16:creationId xmlns:a16="http://schemas.microsoft.com/office/drawing/2014/main" xmlns="" id="{A9173C1D-2F8B-2792-3149-B0AB3328C944}"/>
               </a:ext>
             </a:extLst>
           </p:cNvPr>
@@ -10279,7 +13234,7 @@
           <p:cNvPr id="4" name="Text Placeholder 3">
             <a:extLst>
               <a:ext uri="{FF2B5EF4-FFF2-40B4-BE49-F238E27FC236}">
-                <a16:creationId xmlns:a16="http://schemas.microsoft.com/office/drawing/2014/main" id="{2575CAD2-AC30-D5F5-9D23-CF4A3F0D6D87}"/>
+                <a16:creationId xmlns:a16="http://schemas.microsoft.com/office/drawing/2014/main" xmlns="" id="{2575CAD2-AC30-D5F5-9D23-CF4A3F0D6D87}"/>
               </a:ext>
             </a:extLst>
           </p:cNvPr>
@@ -10616,7 +13571,7 @@
   <a:extraClrSchemeLst/>
   <a:extLst>
     <a:ext uri="{05A4C25C-085E-4340-85A3-A5531E510DB2}">
-      <thm15:themeFamily xmlns:thm15="http://schemas.microsoft.com/office/thememl/2012/main" name="Office Theme" id="{62F939B6-93AF-4DB8-9C6B-D6C7DFDC589F}" vid="{4A3C46E8-61CC-4603-A589-7422A47A8E4A}"/>
+      <thm15:themeFamily xmlns:thm15="http://schemas.microsoft.com/office/thememl/2012/main" xmlns="" name="Office Theme" id="{62F939B6-93AF-4DB8-9C6B-D6C7DFDC589F}" vid="{4A3C46E8-61CC-4603-A589-7422A47A8E4A}"/>
     </a:ext>
   </a:extLst>
 </a:theme>

--- a/group5_graphtheory.pptx
+++ b/group5_graphtheory.pptx
@@ -7705,10 +7705,38 @@
       </p:sp>
       <p:sp>
         <p:nvSpPr>
-          <p:cNvPr id="3" name="Content Placeholder 2">
-            <a:extLst>
-              <a:ext uri="{FF2B5EF4-FFF2-40B4-BE49-F238E27FC236}">
-                <a16:creationId xmlns:a16="http://schemas.microsoft.com/office/drawing/2014/main" id="{EC01DA59-CF00-C507-B7E1-8A9C2CE84A03}"/>
+          <p:cNvPr id="4" name="Text Placeholder 3">
+            <a:extLst>
+              <a:ext uri="{FF2B5EF4-FFF2-40B4-BE49-F238E27FC236}">
+                <a16:creationId xmlns:a16="http://schemas.microsoft.com/office/drawing/2014/main" id="{8AF72E6F-D5A1-6CBE-73C8-608D6839317F}"/>
+              </a:ext>
+            </a:extLst>
+          </p:cNvPr>
+          <p:cNvSpPr>
+            <a:spLocks noGrp="1"/>
+          </p:cNvSpPr>
+          <p:nvPr>
+            <p:ph type="body" sz="half" idx="2"/>
+          </p:nvPr>
+        </p:nvSpPr>
+        <p:spPr/>
+        <p:txBody>
+          <a:bodyPr/>
+          <a:lstStyle/>
+          <a:p>
+            <a:r>
+              <a:rPr lang="en-US" dirty="0"/>
+              <a:t>Topics like graph theory, and recursion play crucial roles in modeling and solving the game.</a:t>
+            </a:r>
+          </a:p>
+        </p:txBody>
+      </p:sp>
+      <p:sp>
+        <p:nvSpPr>
+          <p:cNvPr id="6" name="Content Placeholder 5">
+            <a:extLst>
+              <a:ext uri="{FF2B5EF4-FFF2-40B4-BE49-F238E27FC236}">
+                <a16:creationId xmlns:a16="http://schemas.microsoft.com/office/drawing/2014/main" id="{B9CFAF54-15B2-1616-DECA-3D0BCAC28B41}"/>
               </a:ext>
             </a:extLst>
           </p:cNvPr>
@@ -7725,34 +7753,6 @@
           <a:lstStyle/>
           <a:p>
             <a:endParaRPr lang="en-US"/>
-          </a:p>
-        </p:txBody>
-      </p:sp>
-      <p:sp>
-        <p:nvSpPr>
-          <p:cNvPr id="4" name="Text Placeholder 3">
-            <a:extLst>
-              <a:ext uri="{FF2B5EF4-FFF2-40B4-BE49-F238E27FC236}">
-                <a16:creationId xmlns:a16="http://schemas.microsoft.com/office/drawing/2014/main" id="{8AF72E6F-D5A1-6CBE-73C8-608D6839317F}"/>
-              </a:ext>
-            </a:extLst>
-          </p:cNvPr>
-          <p:cNvSpPr>
-            <a:spLocks noGrp="1"/>
-          </p:cNvSpPr>
-          <p:nvPr>
-            <p:ph type="body" sz="half" idx="2"/>
-          </p:nvPr>
-        </p:nvSpPr>
-        <p:spPr/>
-        <p:txBody>
-          <a:bodyPr/>
-          <a:lstStyle/>
-          <a:p>
-            <a:r>
-              <a:rPr lang="en-US" dirty="0"/>
-              <a:t>Topics like graph theory, and recursion play crucial roles in modeling and solving the game.</a:t>
-            </a:r>
           </a:p>
         </p:txBody>
       </p:sp>
@@ -10126,7 +10126,7 @@
         <p:spPr>
           <a:xfrm>
             <a:off x="657225" y="2557463"/>
-            <a:ext cx="3244927" cy="1477328"/>
+            <a:ext cx="6772944" cy="1754326"/>
           </a:xfrm>
           <a:prstGeom prst="rect">
             <a:avLst/>
@@ -10154,6 +10154,15 @@
             <a:r>
               <a:rPr lang="en-US" dirty="0"/>
               <a:t>Count neighbors of a vertex</a:t>
+            </a:r>
+          </a:p>
+          <a:p>
+            <a:pPr marL="342900" indent="-342900">
+              <a:buAutoNum type="arabicPeriod"/>
+            </a:pPr>
+            <a:r>
+              <a:rPr lang="en-US" dirty="0"/>
+              <a:t>Count degree of a vertex(number of edges meeting at that vertex) </a:t>
             </a:r>
           </a:p>
           <a:p>

--- a/group5_graphtheory.pptx
+++ b/group5_graphtheory.pptx
@@ -115,7 +115,7 @@
   </p:defaultTextStyle>
   <p:extLst>
     <p:ext uri="{EFAFB233-063F-42B5-8137-9DF3F51BA10A}">
-      <p15:sldGuideLst xmlns:p15="http://schemas.microsoft.com/office/powerpoint/2012/main" xmlns=""/>
+      <p15:sldGuideLst xmlns:p15="http://schemas.microsoft.com/office/powerpoint/2012/main"/>
     </p:ext>
   </p:extLst>
 </p:presentation>
@@ -143,7 +143,7 @@
           <p:cNvPr id="2" name="Title 1">
             <a:extLst>
               <a:ext uri="{FF2B5EF4-FFF2-40B4-BE49-F238E27FC236}">
-                <a16:creationId xmlns:a16="http://schemas.microsoft.com/office/drawing/2014/main" xmlns="" id="{BBCE1907-BF49-D1B3-738F-3128D585CAE0}"/>
+                <a16:creationId xmlns:a16="http://schemas.microsoft.com/office/drawing/2014/main" id="{BBCE1907-BF49-D1B3-738F-3128D585CAE0}"/>
               </a:ext>
             </a:extLst>
           </p:cNvPr>
@@ -180,7 +180,7 @@
           <p:cNvPr id="3" name="Subtitle 2">
             <a:extLst>
               <a:ext uri="{FF2B5EF4-FFF2-40B4-BE49-F238E27FC236}">
-                <a16:creationId xmlns:a16="http://schemas.microsoft.com/office/drawing/2014/main" xmlns="" id="{19BC5ED9-2757-F5C3-CD09-15EB86E41325}"/>
+                <a16:creationId xmlns:a16="http://schemas.microsoft.com/office/drawing/2014/main" id="{19BC5ED9-2757-F5C3-CD09-15EB86E41325}"/>
               </a:ext>
             </a:extLst>
           </p:cNvPr>
@@ -250,7 +250,7 @@
           <p:cNvPr id="4" name="Date Placeholder 3">
             <a:extLst>
               <a:ext uri="{FF2B5EF4-FFF2-40B4-BE49-F238E27FC236}">
-                <a16:creationId xmlns:a16="http://schemas.microsoft.com/office/drawing/2014/main" xmlns="" id="{05358264-F8B0-A276-EFD2-30AB32E7D94D}"/>
+                <a16:creationId xmlns:a16="http://schemas.microsoft.com/office/drawing/2014/main" id="{05358264-F8B0-A276-EFD2-30AB32E7D94D}"/>
               </a:ext>
             </a:extLst>
           </p:cNvPr>
@@ -279,7 +279,7 @@
           <p:cNvPr id="5" name="Footer Placeholder 4">
             <a:extLst>
               <a:ext uri="{FF2B5EF4-FFF2-40B4-BE49-F238E27FC236}">
-                <a16:creationId xmlns:a16="http://schemas.microsoft.com/office/drawing/2014/main" xmlns="" id="{90EE5563-C195-4274-9EC3-F64606ED5028}"/>
+                <a16:creationId xmlns:a16="http://schemas.microsoft.com/office/drawing/2014/main" id="{90EE5563-C195-4274-9EC3-F64606ED5028}"/>
               </a:ext>
             </a:extLst>
           </p:cNvPr>
@@ -304,7 +304,7 @@
           <p:cNvPr id="6" name="Slide Number Placeholder 5">
             <a:extLst>
               <a:ext uri="{FF2B5EF4-FFF2-40B4-BE49-F238E27FC236}">
-                <a16:creationId xmlns:a16="http://schemas.microsoft.com/office/drawing/2014/main" xmlns="" id="{F4099638-DF8D-621F-D9A4-D6A107E6D17D}"/>
+                <a16:creationId xmlns:a16="http://schemas.microsoft.com/office/drawing/2014/main" id="{F4099638-DF8D-621F-D9A4-D6A107E6D17D}"/>
               </a:ext>
             </a:extLst>
           </p:cNvPr>
@@ -363,7 +363,7 @@
           <p:cNvPr id="2" name="Title 1">
             <a:extLst>
               <a:ext uri="{FF2B5EF4-FFF2-40B4-BE49-F238E27FC236}">
-                <a16:creationId xmlns:a16="http://schemas.microsoft.com/office/drawing/2014/main" xmlns="" id="{ADFC1F59-0CFE-78AB-46EC-BCE01ADA4D41}"/>
+                <a16:creationId xmlns:a16="http://schemas.microsoft.com/office/drawing/2014/main" id="{ADFC1F59-0CFE-78AB-46EC-BCE01ADA4D41}"/>
               </a:ext>
             </a:extLst>
           </p:cNvPr>
@@ -391,7 +391,7 @@
           <p:cNvPr id="3" name="Vertical Text Placeholder 2">
             <a:extLst>
               <a:ext uri="{FF2B5EF4-FFF2-40B4-BE49-F238E27FC236}">
-                <a16:creationId xmlns:a16="http://schemas.microsoft.com/office/drawing/2014/main" xmlns="" id="{E67E3BB0-EA82-7DF3-C844-C08581E515F5}"/>
+                <a16:creationId xmlns:a16="http://schemas.microsoft.com/office/drawing/2014/main" id="{E67E3BB0-EA82-7DF3-C844-C08581E515F5}"/>
               </a:ext>
             </a:extLst>
           </p:cNvPr>
@@ -448,7 +448,7 @@
           <p:cNvPr id="4" name="Date Placeholder 3">
             <a:extLst>
               <a:ext uri="{FF2B5EF4-FFF2-40B4-BE49-F238E27FC236}">
-                <a16:creationId xmlns:a16="http://schemas.microsoft.com/office/drawing/2014/main" xmlns="" id="{397E52DF-A3DD-73BC-352D-108DA5F729C0}"/>
+                <a16:creationId xmlns:a16="http://schemas.microsoft.com/office/drawing/2014/main" id="{397E52DF-A3DD-73BC-352D-108DA5F729C0}"/>
               </a:ext>
             </a:extLst>
           </p:cNvPr>
@@ -477,7 +477,7 @@
           <p:cNvPr id="5" name="Footer Placeholder 4">
             <a:extLst>
               <a:ext uri="{FF2B5EF4-FFF2-40B4-BE49-F238E27FC236}">
-                <a16:creationId xmlns:a16="http://schemas.microsoft.com/office/drawing/2014/main" xmlns="" id="{EADBC1C7-87F5-254B-E446-5AD25DA0392E}"/>
+                <a16:creationId xmlns:a16="http://schemas.microsoft.com/office/drawing/2014/main" id="{EADBC1C7-87F5-254B-E446-5AD25DA0392E}"/>
               </a:ext>
             </a:extLst>
           </p:cNvPr>
@@ -502,7 +502,7 @@
           <p:cNvPr id="6" name="Slide Number Placeholder 5">
             <a:extLst>
               <a:ext uri="{FF2B5EF4-FFF2-40B4-BE49-F238E27FC236}">
-                <a16:creationId xmlns:a16="http://schemas.microsoft.com/office/drawing/2014/main" xmlns="" id="{C152FEE2-1BD3-A4D0-0D35-E7305E78860E}"/>
+                <a16:creationId xmlns:a16="http://schemas.microsoft.com/office/drawing/2014/main" id="{C152FEE2-1BD3-A4D0-0D35-E7305E78860E}"/>
               </a:ext>
             </a:extLst>
           </p:cNvPr>
@@ -561,7 +561,7 @@
           <p:cNvPr id="2" name="Vertical Title 1">
             <a:extLst>
               <a:ext uri="{FF2B5EF4-FFF2-40B4-BE49-F238E27FC236}">
-                <a16:creationId xmlns:a16="http://schemas.microsoft.com/office/drawing/2014/main" xmlns="" id="{481586F5-F921-B763-3950-D7872EE73133}"/>
+                <a16:creationId xmlns:a16="http://schemas.microsoft.com/office/drawing/2014/main" id="{481586F5-F921-B763-3950-D7872EE73133}"/>
               </a:ext>
             </a:extLst>
           </p:cNvPr>
@@ -594,7 +594,7 @@
           <p:cNvPr id="3" name="Vertical Text Placeholder 2">
             <a:extLst>
               <a:ext uri="{FF2B5EF4-FFF2-40B4-BE49-F238E27FC236}">
-                <a16:creationId xmlns:a16="http://schemas.microsoft.com/office/drawing/2014/main" xmlns="" id="{3EEE1185-E9A2-AC83-C12D-85B8AAFE2D09}"/>
+                <a16:creationId xmlns:a16="http://schemas.microsoft.com/office/drawing/2014/main" id="{3EEE1185-E9A2-AC83-C12D-85B8AAFE2D09}"/>
               </a:ext>
             </a:extLst>
           </p:cNvPr>
@@ -656,7 +656,7 @@
           <p:cNvPr id="4" name="Date Placeholder 3">
             <a:extLst>
               <a:ext uri="{FF2B5EF4-FFF2-40B4-BE49-F238E27FC236}">
-                <a16:creationId xmlns:a16="http://schemas.microsoft.com/office/drawing/2014/main" xmlns="" id="{19B0B450-44E0-65BA-46AD-192A2EAF8A93}"/>
+                <a16:creationId xmlns:a16="http://schemas.microsoft.com/office/drawing/2014/main" id="{19B0B450-44E0-65BA-46AD-192A2EAF8A93}"/>
               </a:ext>
             </a:extLst>
           </p:cNvPr>
@@ -685,7 +685,7 @@
           <p:cNvPr id="5" name="Footer Placeholder 4">
             <a:extLst>
               <a:ext uri="{FF2B5EF4-FFF2-40B4-BE49-F238E27FC236}">
-                <a16:creationId xmlns:a16="http://schemas.microsoft.com/office/drawing/2014/main" xmlns="" id="{CA3D37D5-2E14-DE41-F72B-817ED02D2C96}"/>
+                <a16:creationId xmlns:a16="http://schemas.microsoft.com/office/drawing/2014/main" id="{CA3D37D5-2E14-DE41-F72B-817ED02D2C96}"/>
               </a:ext>
             </a:extLst>
           </p:cNvPr>
@@ -710,7 +710,7 @@
           <p:cNvPr id="6" name="Slide Number Placeholder 5">
             <a:extLst>
               <a:ext uri="{FF2B5EF4-FFF2-40B4-BE49-F238E27FC236}">
-                <a16:creationId xmlns:a16="http://schemas.microsoft.com/office/drawing/2014/main" xmlns="" id="{E37FEEDB-FAA5-ACE2-C695-76BB6061883B}"/>
+                <a16:creationId xmlns:a16="http://schemas.microsoft.com/office/drawing/2014/main" id="{E37FEEDB-FAA5-ACE2-C695-76BB6061883B}"/>
               </a:ext>
             </a:extLst>
           </p:cNvPr>
@@ -769,7 +769,7 @@
           <p:cNvPr id="2" name="Title 1">
             <a:extLst>
               <a:ext uri="{FF2B5EF4-FFF2-40B4-BE49-F238E27FC236}">
-                <a16:creationId xmlns:a16="http://schemas.microsoft.com/office/drawing/2014/main" xmlns="" id="{84E22EA6-F011-81D0-C0ED-156511373D36}"/>
+                <a16:creationId xmlns:a16="http://schemas.microsoft.com/office/drawing/2014/main" id="{84E22EA6-F011-81D0-C0ED-156511373D36}"/>
               </a:ext>
             </a:extLst>
           </p:cNvPr>
@@ -797,7 +797,7 @@
           <p:cNvPr id="3" name="Content Placeholder 2">
             <a:extLst>
               <a:ext uri="{FF2B5EF4-FFF2-40B4-BE49-F238E27FC236}">
-                <a16:creationId xmlns:a16="http://schemas.microsoft.com/office/drawing/2014/main" xmlns="" id="{F131A518-20A3-5D2F-0E56-CE8C14DF8C9C}"/>
+                <a16:creationId xmlns:a16="http://schemas.microsoft.com/office/drawing/2014/main" id="{F131A518-20A3-5D2F-0E56-CE8C14DF8C9C}"/>
               </a:ext>
             </a:extLst>
           </p:cNvPr>
@@ -854,7 +854,7 @@
           <p:cNvPr id="4" name="Date Placeholder 3">
             <a:extLst>
               <a:ext uri="{FF2B5EF4-FFF2-40B4-BE49-F238E27FC236}">
-                <a16:creationId xmlns:a16="http://schemas.microsoft.com/office/drawing/2014/main" xmlns="" id="{C39E8D88-7C40-D6EA-C801-7004B82E559F}"/>
+                <a16:creationId xmlns:a16="http://schemas.microsoft.com/office/drawing/2014/main" id="{C39E8D88-7C40-D6EA-C801-7004B82E559F}"/>
               </a:ext>
             </a:extLst>
           </p:cNvPr>
@@ -883,7 +883,7 @@
           <p:cNvPr id="5" name="Footer Placeholder 4">
             <a:extLst>
               <a:ext uri="{FF2B5EF4-FFF2-40B4-BE49-F238E27FC236}">
-                <a16:creationId xmlns:a16="http://schemas.microsoft.com/office/drawing/2014/main" xmlns="" id="{2F8260DA-273E-9730-5618-99CA28D71F74}"/>
+                <a16:creationId xmlns:a16="http://schemas.microsoft.com/office/drawing/2014/main" id="{2F8260DA-273E-9730-5618-99CA28D71F74}"/>
               </a:ext>
             </a:extLst>
           </p:cNvPr>
@@ -908,7 +908,7 @@
           <p:cNvPr id="6" name="Slide Number Placeholder 5">
             <a:extLst>
               <a:ext uri="{FF2B5EF4-FFF2-40B4-BE49-F238E27FC236}">
-                <a16:creationId xmlns:a16="http://schemas.microsoft.com/office/drawing/2014/main" xmlns="" id="{50132774-5B01-379E-B018-4A9C359F9C93}"/>
+                <a16:creationId xmlns:a16="http://schemas.microsoft.com/office/drawing/2014/main" id="{50132774-5B01-379E-B018-4A9C359F9C93}"/>
               </a:ext>
             </a:extLst>
           </p:cNvPr>
@@ -967,7 +967,7 @@
           <p:cNvPr id="2" name="Title 1">
             <a:extLst>
               <a:ext uri="{FF2B5EF4-FFF2-40B4-BE49-F238E27FC236}">
-                <a16:creationId xmlns:a16="http://schemas.microsoft.com/office/drawing/2014/main" xmlns="" id="{00FB3524-C4D6-30E3-4D4B-0443D14E204B}"/>
+                <a16:creationId xmlns:a16="http://schemas.microsoft.com/office/drawing/2014/main" id="{00FB3524-C4D6-30E3-4D4B-0443D14E204B}"/>
               </a:ext>
             </a:extLst>
           </p:cNvPr>
@@ -1004,7 +1004,7 @@
           <p:cNvPr id="3" name="Text Placeholder 2">
             <a:extLst>
               <a:ext uri="{FF2B5EF4-FFF2-40B4-BE49-F238E27FC236}">
-                <a16:creationId xmlns:a16="http://schemas.microsoft.com/office/drawing/2014/main" xmlns="" id="{A5D1FA1C-A238-5208-BE02-3F4A97CA23FC}"/>
+                <a16:creationId xmlns:a16="http://schemas.microsoft.com/office/drawing/2014/main" id="{A5D1FA1C-A238-5208-BE02-3F4A97CA23FC}"/>
               </a:ext>
             </a:extLst>
           </p:cNvPr>
@@ -1129,7 +1129,7 @@
           <p:cNvPr id="4" name="Date Placeholder 3">
             <a:extLst>
               <a:ext uri="{FF2B5EF4-FFF2-40B4-BE49-F238E27FC236}">
-                <a16:creationId xmlns:a16="http://schemas.microsoft.com/office/drawing/2014/main" xmlns="" id="{800247F4-BC63-27C9-5D19-3C0C02ED9345}"/>
+                <a16:creationId xmlns:a16="http://schemas.microsoft.com/office/drawing/2014/main" id="{800247F4-BC63-27C9-5D19-3C0C02ED9345}"/>
               </a:ext>
             </a:extLst>
           </p:cNvPr>
@@ -1158,7 +1158,7 @@
           <p:cNvPr id="5" name="Footer Placeholder 4">
             <a:extLst>
               <a:ext uri="{FF2B5EF4-FFF2-40B4-BE49-F238E27FC236}">
-                <a16:creationId xmlns:a16="http://schemas.microsoft.com/office/drawing/2014/main" xmlns="" id="{BC194FA8-D691-0D9E-9120-77618A79867F}"/>
+                <a16:creationId xmlns:a16="http://schemas.microsoft.com/office/drawing/2014/main" id="{BC194FA8-D691-0D9E-9120-77618A79867F}"/>
               </a:ext>
             </a:extLst>
           </p:cNvPr>
@@ -1183,7 +1183,7 @@
           <p:cNvPr id="6" name="Slide Number Placeholder 5">
             <a:extLst>
               <a:ext uri="{FF2B5EF4-FFF2-40B4-BE49-F238E27FC236}">
-                <a16:creationId xmlns:a16="http://schemas.microsoft.com/office/drawing/2014/main" xmlns="" id="{072E3DB1-DA2C-41DA-6AD2-74A29F7CD026}"/>
+                <a16:creationId xmlns:a16="http://schemas.microsoft.com/office/drawing/2014/main" id="{072E3DB1-DA2C-41DA-6AD2-74A29F7CD026}"/>
               </a:ext>
             </a:extLst>
           </p:cNvPr>
@@ -1242,7 +1242,7 @@
           <p:cNvPr id="2" name="Title 1">
             <a:extLst>
               <a:ext uri="{FF2B5EF4-FFF2-40B4-BE49-F238E27FC236}">
-                <a16:creationId xmlns:a16="http://schemas.microsoft.com/office/drawing/2014/main" xmlns="" id="{D68B1386-0E2D-5C90-1B89-3B5418CF7ED3}"/>
+                <a16:creationId xmlns:a16="http://schemas.microsoft.com/office/drawing/2014/main" id="{D68B1386-0E2D-5C90-1B89-3B5418CF7ED3}"/>
               </a:ext>
             </a:extLst>
           </p:cNvPr>
@@ -1270,7 +1270,7 @@
           <p:cNvPr id="3" name="Content Placeholder 2">
             <a:extLst>
               <a:ext uri="{FF2B5EF4-FFF2-40B4-BE49-F238E27FC236}">
-                <a16:creationId xmlns:a16="http://schemas.microsoft.com/office/drawing/2014/main" xmlns="" id="{BE2FA58E-2FC7-158F-57C9-FA55B827EE2C}"/>
+                <a16:creationId xmlns:a16="http://schemas.microsoft.com/office/drawing/2014/main" id="{BE2FA58E-2FC7-158F-57C9-FA55B827EE2C}"/>
               </a:ext>
             </a:extLst>
           </p:cNvPr>
@@ -1332,7 +1332,7 @@
           <p:cNvPr id="4" name="Content Placeholder 3">
             <a:extLst>
               <a:ext uri="{FF2B5EF4-FFF2-40B4-BE49-F238E27FC236}">
-                <a16:creationId xmlns:a16="http://schemas.microsoft.com/office/drawing/2014/main" xmlns="" id="{5E19EEDA-1B50-C4A1-AA84-BDCE2951D7AC}"/>
+                <a16:creationId xmlns:a16="http://schemas.microsoft.com/office/drawing/2014/main" id="{5E19EEDA-1B50-C4A1-AA84-BDCE2951D7AC}"/>
               </a:ext>
             </a:extLst>
           </p:cNvPr>
@@ -1394,7 +1394,7 @@
           <p:cNvPr id="5" name="Date Placeholder 4">
             <a:extLst>
               <a:ext uri="{FF2B5EF4-FFF2-40B4-BE49-F238E27FC236}">
-                <a16:creationId xmlns:a16="http://schemas.microsoft.com/office/drawing/2014/main" xmlns="" id="{3F78F499-4FC9-1D3E-1E41-F30EE944124A}"/>
+                <a16:creationId xmlns:a16="http://schemas.microsoft.com/office/drawing/2014/main" id="{3F78F499-4FC9-1D3E-1E41-F30EE944124A}"/>
               </a:ext>
             </a:extLst>
           </p:cNvPr>
@@ -1423,7 +1423,7 @@
           <p:cNvPr id="6" name="Footer Placeholder 5">
             <a:extLst>
               <a:ext uri="{FF2B5EF4-FFF2-40B4-BE49-F238E27FC236}">
-                <a16:creationId xmlns:a16="http://schemas.microsoft.com/office/drawing/2014/main" xmlns="" id="{46B62AD9-1B9C-DABA-B54D-C1E21197DAB2}"/>
+                <a16:creationId xmlns:a16="http://schemas.microsoft.com/office/drawing/2014/main" id="{46B62AD9-1B9C-DABA-B54D-C1E21197DAB2}"/>
               </a:ext>
             </a:extLst>
           </p:cNvPr>
@@ -1448,7 +1448,7 @@
           <p:cNvPr id="7" name="Slide Number Placeholder 6">
             <a:extLst>
               <a:ext uri="{FF2B5EF4-FFF2-40B4-BE49-F238E27FC236}">
-                <a16:creationId xmlns:a16="http://schemas.microsoft.com/office/drawing/2014/main" xmlns="" id="{F844C1F3-1ACA-6BE7-97C3-B4EA973CF4CE}"/>
+                <a16:creationId xmlns:a16="http://schemas.microsoft.com/office/drawing/2014/main" id="{F844C1F3-1ACA-6BE7-97C3-B4EA973CF4CE}"/>
               </a:ext>
             </a:extLst>
           </p:cNvPr>
@@ -1507,7 +1507,7 @@
           <p:cNvPr id="2" name="Title 1">
             <a:extLst>
               <a:ext uri="{FF2B5EF4-FFF2-40B4-BE49-F238E27FC236}">
-                <a16:creationId xmlns:a16="http://schemas.microsoft.com/office/drawing/2014/main" xmlns="" id="{09A128E3-5716-3024-9D46-E59D7B932FF6}"/>
+                <a16:creationId xmlns:a16="http://schemas.microsoft.com/office/drawing/2014/main" id="{09A128E3-5716-3024-9D46-E59D7B932FF6}"/>
               </a:ext>
             </a:extLst>
           </p:cNvPr>
@@ -1540,7 +1540,7 @@
           <p:cNvPr id="3" name="Text Placeholder 2">
             <a:extLst>
               <a:ext uri="{FF2B5EF4-FFF2-40B4-BE49-F238E27FC236}">
-                <a16:creationId xmlns:a16="http://schemas.microsoft.com/office/drawing/2014/main" xmlns="" id="{903AEA5E-7524-8500-1847-1F745A90F0BE}"/>
+                <a16:creationId xmlns:a16="http://schemas.microsoft.com/office/drawing/2014/main" id="{903AEA5E-7524-8500-1847-1F745A90F0BE}"/>
               </a:ext>
             </a:extLst>
           </p:cNvPr>
@@ -1611,7 +1611,7 @@
           <p:cNvPr id="4" name="Content Placeholder 3">
             <a:extLst>
               <a:ext uri="{FF2B5EF4-FFF2-40B4-BE49-F238E27FC236}">
-                <a16:creationId xmlns:a16="http://schemas.microsoft.com/office/drawing/2014/main" xmlns="" id="{26385443-3F52-B4D9-DC5E-FBD9AFCC8004}"/>
+                <a16:creationId xmlns:a16="http://schemas.microsoft.com/office/drawing/2014/main" id="{26385443-3F52-B4D9-DC5E-FBD9AFCC8004}"/>
               </a:ext>
             </a:extLst>
           </p:cNvPr>
@@ -1673,7 +1673,7 @@
           <p:cNvPr id="5" name="Text Placeholder 4">
             <a:extLst>
               <a:ext uri="{FF2B5EF4-FFF2-40B4-BE49-F238E27FC236}">
-                <a16:creationId xmlns:a16="http://schemas.microsoft.com/office/drawing/2014/main" xmlns="" id="{35F61570-4F38-4CDB-A24E-DD8FAFC8576C}"/>
+                <a16:creationId xmlns:a16="http://schemas.microsoft.com/office/drawing/2014/main" id="{35F61570-4F38-4CDB-A24E-DD8FAFC8576C}"/>
               </a:ext>
             </a:extLst>
           </p:cNvPr>
@@ -1744,7 +1744,7 @@
           <p:cNvPr id="6" name="Content Placeholder 5">
             <a:extLst>
               <a:ext uri="{FF2B5EF4-FFF2-40B4-BE49-F238E27FC236}">
-                <a16:creationId xmlns:a16="http://schemas.microsoft.com/office/drawing/2014/main" xmlns="" id="{A684AE46-B417-9498-ACA0-B5C29C74F994}"/>
+                <a16:creationId xmlns:a16="http://schemas.microsoft.com/office/drawing/2014/main" id="{A684AE46-B417-9498-ACA0-B5C29C74F994}"/>
               </a:ext>
             </a:extLst>
           </p:cNvPr>
@@ -1806,7 +1806,7 @@
           <p:cNvPr id="7" name="Date Placeholder 6">
             <a:extLst>
               <a:ext uri="{FF2B5EF4-FFF2-40B4-BE49-F238E27FC236}">
-                <a16:creationId xmlns:a16="http://schemas.microsoft.com/office/drawing/2014/main" xmlns="" id="{0A6D5722-A5AB-C98A-3760-C4A46DB3E4F2}"/>
+                <a16:creationId xmlns:a16="http://schemas.microsoft.com/office/drawing/2014/main" id="{0A6D5722-A5AB-C98A-3760-C4A46DB3E4F2}"/>
               </a:ext>
             </a:extLst>
           </p:cNvPr>
@@ -1835,7 +1835,7 @@
           <p:cNvPr id="8" name="Footer Placeholder 7">
             <a:extLst>
               <a:ext uri="{FF2B5EF4-FFF2-40B4-BE49-F238E27FC236}">
-                <a16:creationId xmlns:a16="http://schemas.microsoft.com/office/drawing/2014/main" xmlns="" id="{8ADE145D-2965-4477-6BE6-F32EB844DBAB}"/>
+                <a16:creationId xmlns:a16="http://schemas.microsoft.com/office/drawing/2014/main" id="{8ADE145D-2965-4477-6BE6-F32EB844DBAB}"/>
               </a:ext>
             </a:extLst>
           </p:cNvPr>
@@ -1860,7 +1860,7 @@
           <p:cNvPr id="9" name="Slide Number Placeholder 8">
             <a:extLst>
               <a:ext uri="{FF2B5EF4-FFF2-40B4-BE49-F238E27FC236}">
-                <a16:creationId xmlns:a16="http://schemas.microsoft.com/office/drawing/2014/main" xmlns="" id="{B710E74F-2313-3984-02CF-47253D50D1DB}"/>
+                <a16:creationId xmlns:a16="http://schemas.microsoft.com/office/drawing/2014/main" id="{B710E74F-2313-3984-02CF-47253D50D1DB}"/>
               </a:ext>
             </a:extLst>
           </p:cNvPr>
@@ -1919,7 +1919,7 @@
           <p:cNvPr id="2" name="Title 1">
             <a:extLst>
               <a:ext uri="{FF2B5EF4-FFF2-40B4-BE49-F238E27FC236}">
-                <a16:creationId xmlns:a16="http://schemas.microsoft.com/office/drawing/2014/main" xmlns="" id="{D04FF4D3-F102-6994-FA69-5C26730E7C18}"/>
+                <a16:creationId xmlns:a16="http://schemas.microsoft.com/office/drawing/2014/main" id="{D04FF4D3-F102-6994-FA69-5C26730E7C18}"/>
               </a:ext>
             </a:extLst>
           </p:cNvPr>
@@ -1947,7 +1947,7 @@
           <p:cNvPr id="3" name="Date Placeholder 2">
             <a:extLst>
               <a:ext uri="{FF2B5EF4-FFF2-40B4-BE49-F238E27FC236}">
-                <a16:creationId xmlns:a16="http://schemas.microsoft.com/office/drawing/2014/main" xmlns="" id="{FDD70FFA-1560-4913-A4E9-9FECE4917152}"/>
+                <a16:creationId xmlns:a16="http://schemas.microsoft.com/office/drawing/2014/main" id="{FDD70FFA-1560-4913-A4E9-9FECE4917152}"/>
               </a:ext>
             </a:extLst>
           </p:cNvPr>
@@ -1976,7 +1976,7 @@
           <p:cNvPr id="4" name="Footer Placeholder 3">
             <a:extLst>
               <a:ext uri="{FF2B5EF4-FFF2-40B4-BE49-F238E27FC236}">
-                <a16:creationId xmlns:a16="http://schemas.microsoft.com/office/drawing/2014/main" xmlns="" id="{5CED9349-2BF4-715A-1D0D-66B2F7755624}"/>
+                <a16:creationId xmlns:a16="http://schemas.microsoft.com/office/drawing/2014/main" id="{5CED9349-2BF4-715A-1D0D-66B2F7755624}"/>
               </a:ext>
             </a:extLst>
           </p:cNvPr>
@@ -2001,7 +2001,7 @@
           <p:cNvPr id="5" name="Slide Number Placeholder 4">
             <a:extLst>
               <a:ext uri="{FF2B5EF4-FFF2-40B4-BE49-F238E27FC236}">
-                <a16:creationId xmlns:a16="http://schemas.microsoft.com/office/drawing/2014/main" xmlns="" id="{4E376E25-195F-FFE9-1361-CEACAF8E3FFC}"/>
+                <a16:creationId xmlns:a16="http://schemas.microsoft.com/office/drawing/2014/main" id="{4E376E25-195F-FFE9-1361-CEACAF8E3FFC}"/>
               </a:ext>
             </a:extLst>
           </p:cNvPr>
@@ -2060,7 +2060,7 @@
           <p:cNvPr id="2" name="Date Placeholder 1">
             <a:extLst>
               <a:ext uri="{FF2B5EF4-FFF2-40B4-BE49-F238E27FC236}">
-                <a16:creationId xmlns:a16="http://schemas.microsoft.com/office/drawing/2014/main" xmlns="" id="{888CE8D8-AA39-0D35-7F03-0BCCC48CF4E8}"/>
+                <a16:creationId xmlns:a16="http://schemas.microsoft.com/office/drawing/2014/main" id="{888CE8D8-AA39-0D35-7F03-0BCCC48CF4E8}"/>
               </a:ext>
             </a:extLst>
           </p:cNvPr>
@@ -2089,7 +2089,7 @@
           <p:cNvPr id="3" name="Footer Placeholder 2">
             <a:extLst>
               <a:ext uri="{FF2B5EF4-FFF2-40B4-BE49-F238E27FC236}">
-                <a16:creationId xmlns:a16="http://schemas.microsoft.com/office/drawing/2014/main" xmlns="" id="{D5D0993D-B522-8602-EDA4-47C7C80D3A9A}"/>
+                <a16:creationId xmlns:a16="http://schemas.microsoft.com/office/drawing/2014/main" id="{D5D0993D-B522-8602-EDA4-47C7C80D3A9A}"/>
               </a:ext>
             </a:extLst>
           </p:cNvPr>
@@ -2114,7 +2114,7 @@
           <p:cNvPr id="4" name="Slide Number Placeholder 3">
             <a:extLst>
               <a:ext uri="{FF2B5EF4-FFF2-40B4-BE49-F238E27FC236}">
-                <a16:creationId xmlns:a16="http://schemas.microsoft.com/office/drawing/2014/main" xmlns="" id="{D2DFDD99-8F35-0B5C-EA47-3CE1D767F1D7}"/>
+                <a16:creationId xmlns:a16="http://schemas.microsoft.com/office/drawing/2014/main" id="{D2DFDD99-8F35-0B5C-EA47-3CE1D767F1D7}"/>
               </a:ext>
             </a:extLst>
           </p:cNvPr>
@@ -2173,7 +2173,7 @@
           <p:cNvPr id="2" name="Title 1">
             <a:extLst>
               <a:ext uri="{FF2B5EF4-FFF2-40B4-BE49-F238E27FC236}">
-                <a16:creationId xmlns:a16="http://schemas.microsoft.com/office/drawing/2014/main" xmlns="" id="{409C0E09-3F32-A176-2CEC-80DE25093100}"/>
+                <a16:creationId xmlns:a16="http://schemas.microsoft.com/office/drawing/2014/main" id="{409C0E09-3F32-A176-2CEC-80DE25093100}"/>
               </a:ext>
             </a:extLst>
           </p:cNvPr>
@@ -2210,7 +2210,7 @@
           <p:cNvPr id="3" name="Content Placeholder 2">
             <a:extLst>
               <a:ext uri="{FF2B5EF4-FFF2-40B4-BE49-F238E27FC236}">
-                <a16:creationId xmlns:a16="http://schemas.microsoft.com/office/drawing/2014/main" xmlns="" id="{96161A0A-5C2F-040B-0B8B-2C8A80CBD3D9}"/>
+                <a16:creationId xmlns:a16="http://schemas.microsoft.com/office/drawing/2014/main" id="{96161A0A-5C2F-040B-0B8B-2C8A80CBD3D9}"/>
               </a:ext>
             </a:extLst>
           </p:cNvPr>
@@ -2300,7 +2300,7 @@
           <p:cNvPr id="4" name="Text Placeholder 3">
             <a:extLst>
               <a:ext uri="{FF2B5EF4-FFF2-40B4-BE49-F238E27FC236}">
-                <a16:creationId xmlns:a16="http://schemas.microsoft.com/office/drawing/2014/main" xmlns="" id="{230714B7-95F4-FD5A-4EFA-6E1CB9AC75D1}"/>
+                <a16:creationId xmlns:a16="http://schemas.microsoft.com/office/drawing/2014/main" id="{230714B7-95F4-FD5A-4EFA-6E1CB9AC75D1}"/>
               </a:ext>
             </a:extLst>
           </p:cNvPr>
@@ -2371,7 +2371,7 @@
           <p:cNvPr id="5" name="Date Placeholder 4">
             <a:extLst>
               <a:ext uri="{FF2B5EF4-FFF2-40B4-BE49-F238E27FC236}">
-                <a16:creationId xmlns:a16="http://schemas.microsoft.com/office/drawing/2014/main" xmlns="" id="{ACA955DA-6E22-361C-D051-1DEDC7B93482}"/>
+                <a16:creationId xmlns:a16="http://schemas.microsoft.com/office/drawing/2014/main" id="{ACA955DA-6E22-361C-D051-1DEDC7B93482}"/>
               </a:ext>
             </a:extLst>
           </p:cNvPr>
@@ -2400,7 +2400,7 @@
           <p:cNvPr id="6" name="Footer Placeholder 5">
             <a:extLst>
               <a:ext uri="{FF2B5EF4-FFF2-40B4-BE49-F238E27FC236}">
-                <a16:creationId xmlns:a16="http://schemas.microsoft.com/office/drawing/2014/main" xmlns="" id="{35E37E4F-2A21-0255-AF4B-171A69863F92}"/>
+                <a16:creationId xmlns:a16="http://schemas.microsoft.com/office/drawing/2014/main" id="{35E37E4F-2A21-0255-AF4B-171A69863F92}"/>
               </a:ext>
             </a:extLst>
           </p:cNvPr>
@@ -2425,7 +2425,7 @@
           <p:cNvPr id="7" name="Slide Number Placeholder 6">
             <a:extLst>
               <a:ext uri="{FF2B5EF4-FFF2-40B4-BE49-F238E27FC236}">
-                <a16:creationId xmlns:a16="http://schemas.microsoft.com/office/drawing/2014/main" xmlns="" id="{18E00153-4ED2-57CB-DE0A-9D5BEA86DAE0}"/>
+                <a16:creationId xmlns:a16="http://schemas.microsoft.com/office/drawing/2014/main" id="{18E00153-4ED2-57CB-DE0A-9D5BEA86DAE0}"/>
               </a:ext>
             </a:extLst>
           </p:cNvPr>
@@ -2484,7 +2484,7 @@
           <p:cNvPr id="2" name="Title 1">
             <a:extLst>
               <a:ext uri="{FF2B5EF4-FFF2-40B4-BE49-F238E27FC236}">
-                <a16:creationId xmlns:a16="http://schemas.microsoft.com/office/drawing/2014/main" xmlns="" id="{4F190398-F10E-E9EC-25DD-9CB1BB6771B2}"/>
+                <a16:creationId xmlns:a16="http://schemas.microsoft.com/office/drawing/2014/main" id="{4F190398-F10E-E9EC-25DD-9CB1BB6771B2}"/>
               </a:ext>
             </a:extLst>
           </p:cNvPr>
@@ -2521,7 +2521,7 @@
           <p:cNvPr id="3" name="Picture Placeholder 2">
             <a:extLst>
               <a:ext uri="{FF2B5EF4-FFF2-40B4-BE49-F238E27FC236}">
-                <a16:creationId xmlns:a16="http://schemas.microsoft.com/office/drawing/2014/main" xmlns="" id="{D893508A-77DE-4D92-69DC-11609AAA1531}"/>
+                <a16:creationId xmlns:a16="http://schemas.microsoft.com/office/drawing/2014/main" id="{D893508A-77DE-4D92-69DC-11609AAA1531}"/>
               </a:ext>
             </a:extLst>
           </p:cNvPr>
@@ -2588,7 +2588,7 @@
           <p:cNvPr id="4" name="Text Placeholder 3">
             <a:extLst>
               <a:ext uri="{FF2B5EF4-FFF2-40B4-BE49-F238E27FC236}">
-                <a16:creationId xmlns:a16="http://schemas.microsoft.com/office/drawing/2014/main" xmlns="" id="{7AFCBC79-8C85-31AF-D1C8-F2AF64DAB98F}"/>
+                <a16:creationId xmlns:a16="http://schemas.microsoft.com/office/drawing/2014/main" id="{7AFCBC79-8C85-31AF-D1C8-F2AF64DAB98F}"/>
               </a:ext>
             </a:extLst>
           </p:cNvPr>
@@ -2659,7 +2659,7 @@
           <p:cNvPr id="5" name="Date Placeholder 4">
             <a:extLst>
               <a:ext uri="{FF2B5EF4-FFF2-40B4-BE49-F238E27FC236}">
-                <a16:creationId xmlns:a16="http://schemas.microsoft.com/office/drawing/2014/main" xmlns="" id="{76389C7E-9267-3EDF-003D-7C0FDBFA508F}"/>
+                <a16:creationId xmlns:a16="http://schemas.microsoft.com/office/drawing/2014/main" id="{76389C7E-9267-3EDF-003D-7C0FDBFA508F}"/>
               </a:ext>
             </a:extLst>
           </p:cNvPr>
@@ -2688,7 +2688,7 @@
           <p:cNvPr id="6" name="Footer Placeholder 5">
             <a:extLst>
               <a:ext uri="{FF2B5EF4-FFF2-40B4-BE49-F238E27FC236}">
-                <a16:creationId xmlns:a16="http://schemas.microsoft.com/office/drawing/2014/main" xmlns="" id="{1B14C527-EFB6-DFF4-9FEB-0D9DFB2B6811}"/>
+                <a16:creationId xmlns:a16="http://schemas.microsoft.com/office/drawing/2014/main" id="{1B14C527-EFB6-DFF4-9FEB-0D9DFB2B6811}"/>
               </a:ext>
             </a:extLst>
           </p:cNvPr>
@@ -2713,7 +2713,7 @@
           <p:cNvPr id="7" name="Slide Number Placeholder 6">
             <a:extLst>
               <a:ext uri="{FF2B5EF4-FFF2-40B4-BE49-F238E27FC236}">
-                <a16:creationId xmlns:a16="http://schemas.microsoft.com/office/drawing/2014/main" xmlns="" id="{04F8F925-6262-B826-A3DD-C173AE89BFB6}"/>
+                <a16:creationId xmlns:a16="http://schemas.microsoft.com/office/drawing/2014/main" id="{04F8F925-6262-B826-A3DD-C173AE89BFB6}"/>
               </a:ext>
             </a:extLst>
           </p:cNvPr>
@@ -2777,7 +2777,7 @@
           <p:cNvPr id="2" name="Title Placeholder 1">
             <a:extLst>
               <a:ext uri="{FF2B5EF4-FFF2-40B4-BE49-F238E27FC236}">
-                <a16:creationId xmlns:a16="http://schemas.microsoft.com/office/drawing/2014/main" xmlns="" id="{B32AADF5-564A-6FC8-DA02-52CD62EE83BB}"/>
+                <a16:creationId xmlns:a16="http://schemas.microsoft.com/office/drawing/2014/main" id="{B32AADF5-564A-6FC8-DA02-52CD62EE83BB}"/>
               </a:ext>
             </a:extLst>
           </p:cNvPr>
@@ -2815,7 +2815,7 @@
           <p:cNvPr id="3" name="Text Placeholder 2">
             <a:extLst>
               <a:ext uri="{FF2B5EF4-FFF2-40B4-BE49-F238E27FC236}">
-                <a16:creationId xmlns:a16="http://schemas.microsoft.com/office/drawing/2014/main" xmlns="" id="{FCA809DA-1918-6B6E-84B9-7AF4846B4EF4}"/>
+                <a16:creationId xmlns:a16="http://schemas.microsoft.com/office/drawing/2014/main" id="{FCA809DA-1918-6B6E-84B9-7AF4846B4EF4}"/>
               </a:ext>
             </a:extLst>
           </p:cNvPr>
@@ -2882,7 +2882,7 @@
           <p:cNvPr id="4" name="Date Placeholder 3">
             <a:extLst>
               <a:ext uri="{FF2B5EF4-FFF2-40B4-BE49-F238E27FC236}">
-                <a16:creationId xmlns:a16="http://schemas.microsoft.com/office/drawing/2014/main" xmlns="" id="{770793CA-3E15-F6B2-B2A1-34FDFAE0C83D}"/>
+                <a16:creationId xmlns:a16="http://schemas.microsoft.com/office/drawing/2014/main" id="{770793CA-3E15-F6B2-B2A1-34FDFAE0C83D}"/>
               </a:ext>
             </a:extLst>
           </p:cNvPr>
@@ -2929,7 +2929,7 @@
           <p:cNvPr id="5" name="Footer Placeholder 4">
             <a:extLst>
               <a:ext uri="{FF2B5EF4-FFF2-40B4-BE49-F238E27FC236}">
-                <a16:creationId xmlns:a16="http://schemas.microsoft.com/office/drawing/2014/main" xmlns="" id="{AB07A422-CD51-D5AD-C86C-33D1D909F553}"/>
+                <a16:creationId xmlns:a16="http://schemas.microsoft.com/office/drawing/2014/main" id="{AB07A422-CD51-D5AD-C86C-33D1D909F553}"/>
               </a:ext>
             </a:extLst>
           </p:cNvPr>
@@ -2972,7 +2972,7 @@
           <p:cNvPr id="6" name="Slide Number Placeholder 5">
             <a:extLst>
               <a:ext uri="{FF2B5EF4-FFF2-40B4-BE49-F238E27FC236}">
-                <a16:creationId xmlns:a16="http://schemas.microsoft.com/office/drawing/2014/main" xmlns="" id="{CF4075A9-3CCD-DE39-76BC-8197600561E6}"/>
+                <a16:creationId xmlns:a16="http://schemas.microsoft.com/office/drawing/2014/main" id="{CF4075A9-3CCD-DE39-76BC-8197600561E6}"/>
               </a:ext>
             </a:extLst>
           </p:cNvPr>
@@ -3340,7 +3340,7 @@
           <p:cNvPr id="9" name="Picture 8">
             <a:extLst>
               <a:ext uri="{FF2B5EF4-FFF2-40B4-BE49-F238E27FC236}">
-                <a16:creationId xmlns:a16="http://schemas.microsoft.com/office/drawing/2014/main" xmlns="" id="{FFF4CB80-36A6-53FE-DF95-D3C353FD1650}"/>
+                <a16:creationId xmlns:a16="http://schemas.microsoft.com/office/drawing/2014/main" id="{FFF4CB80-36A6-53FE-DF95-D3C353FD1650}"/>
               </a:ext>
             </a:extLst>
           </p:cNvPr>
@@ -3376,7 +3376,7 @@
           <p:cNvPr id="16" name="Freeform: Shape 15">
             <a:extLst>
               <a:ext uri="{FF2B5EF4-FFF2-40B4-BE49-F238E27FC236}">
-                <a16:creationId xmlns:a16="http://schemas.microsoft.com/office/drawing/2014/main" xmlns="" id="{D04DD9E0-1FC1-F470-8348-5EAB7269C492}"/>
+                <a16:creationId xmlns:a16="http://schemas.microsoft.com/office/drawing/2014/main" id="{D04DD9E0-1FC1-F470-8348-5EAB7269C492}"/>
               </a:ext>
             </a:extLst>
           </p:cNvPr>
@@ -7510,7 +7510,7 @@
           <p:cNvPr id="3" name="Subtitle 2">
             <a:extLst>
               <a:ext uri="{FF2B5EF4-FFF2-40B4-BE49-F238E27FC236}">
-                <a16:creationId xmlns:a16="http://schemas.microsoft.com/office/drawing/2014/main" xmlns="" id="{40EC00D6-6139-ECCB-3970-DF39A63CDA01}"/>
+                <a16:creationId xmlns:a16="http://schemas.microsoft.com/office/drawing/2014/main" id="{40EC00D6-6139-ECCB-3970-DF39A63CDA01}"/>
               </a:ext>
             </a:extLst>
           </p:cNvPr>
@@ -7534,16 +7534,6 @@
           <a:lstStyle/>
           <a:p>
             <a:pPr algn="r"/>
-            <a:r>
-              <a:rPr lang="en-US" sz="1800" dirty="0">
-                <a:solidFill>
-                  <a:schemeClr val="bg1">
-                    <a:lumMod val="75000"/>
-                  </a:schemeClr>
-                </a:solidFill>
-              </a:rPr>
-              <a:t/>
-            </a:r>
             <a:br>
               <a:rPr lang="en-US" sz="1800" dirty="0">
                 <a:solidFill>
@@ -7677,7 +7667,7 @@
           <p:cNvPr id="2" name="Title 1">
             <a:extLst>
               <a:ext uri="{FF2B5EF4-FFF2-40B4-BE49-F238E27FC236}">
-                <a16:creationId xmlns:a16="http://schemas.microsoft.com/office/drawing/2014/main" xmlns="" id="{A044EC92-8709-66AA-FA34-6F35A4198D12}"/>
+                <a16:creationId xmlns:a16="http://schemas.microsoft.com/office/drawing/2014/main" id="{A044EC92-8709-66AA-FA34-6F35A4198D12}"/>
               </a:ext>
             </a:extLst>
           </p:cNvPr>
@@ -7718,7 +7708,7 @@
           <p:cNvPr id="3" name="Content Placeholder 2">
             <a:extLst>
               <a:ext uri="{FF2B5EF4-FFF2-40B4-BE49-F238E27FC236}">
-                <a16:creationId xmlns:a16="http://schemas.microsoft.com/office/drawing/2014/main" xmlns="" id="{EC01DA59-CF00-C507-B7E1-8A9C2CE84A03}"/>
+                <a16:creationId xmlns:a16="http://schemas.microsoft.com/office/drawing/2014/main" id="{EC01DA59-CF00-C507-B7E1-8A9C2CE84A03}"/>
               </a:ext>
             </a:extLst>
           </p:cNvPr>
@@ -7743,7 +7733,7 @@
           <p:cNvPr id="4" name="Text Placeholder 3">
             <a:extLst>
               <a:ext uri="{FF2B5EF4-FFF2-40B4-BE49-F238E27FC236}">
-                <a16:creationId xmlns:a16="http://schemas.microsoft.com/office/drawing/2014/main" xmlns="" id="{8AF72E6F-D5A1-6CBE-73C8-608D6839317F}"/>
+                <a16:creationId xmlns:a16="http://schemas.microsoft.com/office/drawing/2014/main" id="{8AF72E6F-D5A1-6CBE-73C8-608D6839317F}"/>
               </a:ext>
             </a:extLst>
           </p:cNvPr>
@@ -7801,7 +7791,7 @@
           <p:cNvPr id="2" name="Title 1">
             <a:extLst>
               <a:ext uri="{FF2B5EF4-FFF2-40B4-BE49-F238E27FC236}">
-                <a16:creationId xmlns:a16="http://schemas.microsoft.com/office/drawing/2014/main" xmlns="" id="{5D30DDF8-853A-DFDB-A947-FE9D44C8E03C}"/>
+                <a16:creationId xmlns:a16="http://schemas.microsoft.com/office/drawing/2014/main" id="{5D30DDF8-853A-DFDB-A947-FE9D44C8E03C}"/>
               </a:ext>
             </a:extLst>
           </p:cNvPr>
@@ -7858,7 +7848,7 @@
           <p:cNvPr id="3" name="Text Placeholder 2">
             <a:extLst>
               <a:ext uri="{FF2B5EF4-FFF2-40B4-BE49-F238E27FC236}">
-                <a16:creationId xmlns:a16="http://schemas.microsoft.com/office/drawing/2014/main" xmlns="" id="{F3FFBF10-3A6A-039D-96F3-6E61CA66CD1E}"/>
+                <a16:creationId xmlns:a16="http://schemas.microsoft.com/office/drawing/2014/main" id="{F3FFBF10-3A6A-039D-96F3-6E61CA66CD1E}"/>
               </a:ext>
             </a:extLst>
           </p:cNvPr>
@@ -7888,19 +7878,10 @@
                   </a:schemeClr>
                 </a:solidFill>
               </a:rPr>
-              <a:t>𝐴 = {(</a:t>
-            </a:r>
-            <a:r>
-              <a:rPr lang="en-US" dirty="0" smtClean="0">
-                <a:solidFill>
-                  <a:schemeClr val="tx1">
-                    <a:lumMod val="95000"/>
-                    <a:lumOff val="5000"/>
-                  </a:schemeClr>
-                </a:solidFill>
-              </a:rPr>
-              <a:t>1→2</a:t>
-            </a:r>
+              <a:t>𝐴 = {(1, 2), (1, 3), (3, 4), (4, 5)} </a:t>
+            </a:r>
+          </a:p>
+          <a:p>
             <a:r>
               <a:rPr lang="en-US" dirty="0">
                 <a:solidFill>
@@ -7910,30 +7891,10 @@
                   </a:schemeClr>
                 </a:solidFill>
               </a:rPr>
-              <a:t>), (</a:t>
-            </a:r>
-            <a:r>
-              <a:rPr lang="en-US" dirty="0" smtClean="0">
-                <a:solidFill>
-                  <a:schemeClr val="tx1">
-                    <a:lumMod val="95000"/>
-                    <a:lumOff val="5000"/>
-                  </a:schemeClr>
-                </a:solidFill>
-              </a:rPr>
-              <a:t>1→</a:t>
-            </a:r>
-            <a:r>
-              <a:rPr lang="en-US" dirty="0" smtClean="0">
-                <a:solidFill>
-                  <a:schemeClr val="tx1">
-                    <a:lumMod val="95000"/>
-                    <a:lumOff val="5000"/>
-                  </a:schemeClr>
-                </a:solidFill>
-              </a:rPr>
-              <a:t>3</a:t>
-            </a:r>
+              <a:t>𝐵 = {(A, B), (B, C), (A, C), (A, D)} </a:t>
+            </a:r>
+          </a:p>
+          <a:p>
             <a:r>
               <a:rPr lang="en-US" dirty="0">
                 <a:solidFill>
@@ -7943,240 +7904,8 @@
                   </a:schemeClr>
                 </a:solidFill>
               </a:rPr>
-              <a:t>), (</a:t>
-            </a:r>
-            <a:r>
-              <a:rPr lang="en-US" dirty="0" smtClean="0">
-                <a:solidFill>
-                  <a:schemeClr val="tx1">
-                    <a:lumMod val="95000"/>
-                    <a:lumOff val="5000"/>
-                  </a:schemeClr>
-                </a:solidFill>
-              </a:rPr>
-              <a:t>3→4</a:t>
-            </a:r>
-            <a:r>
-              <a:rPr lang="en-US" dirty="0">
-                <a:solidFill>
-                  <a:schemeClr val="tx1">
-                    <a:lumMod val="95000"/>
-                    <a:lumOff val="5000"/>
-                  </a:schemeClr>
-                </a:solidFill>
-              </a:rPr>
-              <a:t>), (</a:t>
-            </a:r>
-            <a:r>
-              <a:rPr lang="en-US" dirty="0" smtClean="0">
-                <a:solidFill>
-                  <a:schemeClr val="tx1">
-                    <a:lumMod val="95000"/>
-                    <a:lumOff val="5000"/>
-                  </a:schemeClr>
-                </a:solidFill>
-              </a:rPr>
-              <a:t>4→5</a:t>
-            </a:r>
-            <a:r>
-              <a:rPr lang="en-US" dirty="0">
-                <a:solidFill>
-                  <a:schemeClr val="tx1">
-                    <a:lumMod val="95000"/>
-                    <a:lumOff val="5000"/>
-                  </a:schemeClr>
-                </a:solidFill>
-              </a:rPr>
-              <a:t>)} </a:t>
-            </a:r>
-          </a:p>
-          <a:p>
-            <a:r>
-              <a:rPr lang="en-US" dirty="0">
-                <a:solidFill>
-                  <a:schemeClr val="tx1">
-                    <a:lumMod val="95000"/>
-                    <a:lumOff val="5000"/>
-                  </a:schemeClr>
-                </a:solidFill>
-              </a:rPr>
-              <a:t>𝐵 = {(</a:t>
-            </a:r>
-            <a:r>
-              <a:rPr lang="en-US" dirty="0" smtClean="0">
-                <a:solidFill>
-                  <a:schemeClr val="tx1">
-                    <a:lumMod val="95000"/>
-                    <a:lumOff val="5000"/>
-                  </a:schemeClr>
-                </a:solidFill>
-              </a:rPr>
-              <a:t>A→B</a:t>
-            </a:r>
-            <a:r>
-              <a:rPr lang="en-US" dirty="0">
-                <a:solidFill>
-                  <a:schemeClr val="tx1">
-                    <a:lumMod val="95000"/>
-                    <a:lumOff val="5000"/>
-                  </a:schemeClr>
-                </a:solidFill>
-              </a:rPr>
-              <a:t>), (</a:t>
-            </a:r>
-            <a:r>
-              <a:rPr lang="en-US" dirty="0" smtClean="0">
-                <a:solidFill>
-                  <a:schemeClr val="tx1">
-                    <a:lumMod val="95000"/>
-                    <a:lumOff val="5000"/>
-                  </a:schemeClr>
-                </a:solidFill>
-              </a:rPr>
-              <a:t>B</a:t>
-            </a:r>
-            <a:r>
-              <a:rPr lang="en-US" dirty="0" smtClean="0">
-                <a:solidFill>
-                  <a:schemeClr val="tx1">
-                    <a:lumMod val="95000"/>
-                    <a:lumOff val="5000"/>
-                  </a:schemeClr>
-                </a:solidFill>
-              </a:rPr>
-              <a:t>→C</a:t>
-            </a:r>
-            <a:r>
-              <a:rPr lang="en-US" dirty="0">
-                <a:solidFill>
-                  <a:schemeClr val="tx1">
-                    <a:lumMod val="95000"/>
-                    <a:lumOff val="5000"/>
-                  </a:schemeClr>
-                </a:solidFill>
-              </a:rPr>
-              <a:t>), (</a:t>
-            </a:r>
-            <a:r>
-              <a:rPr lang="en-US" dirty="0" smtClean="0">
-                <a:solidFill>
-                  <a:schemeClr val="tx1">
-                    <a:lumMod val="95000"/>
-                    <a:lumOff val="5000"/>
-                  </a:schemeClr>
-                </a:solidFill>
-              </a:rPr>
-              <a:t>A→C</a:t>
-            </a:r>
-            <a:r>
-              <a:rPr lang="en-US" dirty="0">
-                <a:solidFill>
-                  <a:schemeClr val="tx1">
-                    <a:lumMod val="95000"/>
-                    <a:lumOff val="5000"/>
-                  </a:schemeClr>
-                </a:solidFill>
-              </a:rPr>
-              <a:t>), (</a:t>
-            </a:r>
-            <a:r>
-              <a:rPr lang="en-US" dirty="0" smtClean="0">
-                <a:solidFill>
-                  <a:schemeClr val="tx1">
-                    <a:lumMod val="95000"/>
-                    <a:lumOff val="5000"/>
-                  </a:schemeClr>
-                </a:solidFill>
-              </a:rPr>
-              <a:t>A→D</a:t>
-            </a:r>
-            <a:r>
-              <a:rPr lang="en-US" dirty="0">
-                <a:solidFill>
-                  <a:schemeClr val="tx1">
-                    <a:lumMod val="95000"/>
-                    <a:lumOff val="5000"/>
-                  </a:schemeClr>
-                </a:solidFill>
-              </a:rPr>
-              <a:t>)} </a:t>
-            </a:r>
-          </a:p>
-          <a:p>
-            <a:r>
-              <a:rPr lang="en-US" dirty="0">
-                <a:solidFill>
-                  <a:schemeClr val="tx1">
-                    <a:lumMod val="95000"/>
-                    <a:lumOff val="5000"/>
-                  </a:schemeClr>
-                </a:solidFill>
-              </a:rPr>
-              <a:t>𝐶 = {(LHR</a:t>
-            </a:r>
-            <a:r>
-              <a:rPr lang="en-US" dirty="0" smtClean="0">
-                <a:solidFill>
-                  <a:schemeClr val="tx1">
-                    <a:lumMod val="95000"/>
-                    <a:lumOff val="5000"/>
-                  </a:schemeClr>
-                </a:solidFill>
-              </a:rPr>
-              <a:t>, KHI), </a:t>
-            </a:r>
-            <a:r>
-              <a:rPr lang="en-US" dirty="0">
-                <a:solidFill>
-                  <a:schemeClr val="tx1">
-                    <a:lumMod val="95000"/>
-                    <a:lumOff val="5000"/>
-                  </a:schemeClr>
-                </a:solidFill>
-              </a:rPr>
-              <a:t>(LHR</a:t>
-            </a:r>
-            <a:r>
-              <a:rPr lang="en-US" dirty="0" smtClean="0">
-                <a:solidFill>
-                  <a:schemeClr val="tx1">
-                    <a:lumMod val="95000"/>
-                    <a:lumOff val="5000"/>
-                  </a:schemeClr>
-                </a:solidFill>
-              </a:rPr>
-              <a:t>, ISB</a:t>
-            </a:r>
-            <a:r>
-              <a:rPr lang="en-US" dirty="0">
-                <a:solidFill>
-                  <a:schemeClr val="tx1">
-                    <a:lumMod val="95000"/>
-                    <a:lumOff val="5000"/>
-                  </a:schemeClr>
-                </a:solidFill>
-              </a:rPr>
-              <a:t>), (FSD</a:t>
-            </a:r>
-            <a:r>
-              <a:rPr lang="en-US" dirty="0" smtClean="0">
-                <a:solidFill>
-                  <a:schemeClr val="tx1">
-                    <a:lumMod val="95000"/>
-                    <a:lumOff val="5000"/>
-                  </a:schemeClr>
-                </a:solidFill>
-              </a:rPr>
-              <a:t>, SWL), (MUL, SGD)}</a:t>
-            </a:r>
-            <a:endParaRPr lang="en-US" dirty="0">
-              <a:solidFill>
-                <a:schemeClr val="tx1">
-                  <a:lumMod val="95000"/>
-                  <a:lumOff val="5000"/>
-                </a:schemeClr>
-              </a:solidFill>
-            </a:endParaRPr>
+              <a:t>𝐶 = {(LHR,KRA), (LHR,ISB), (FSD,SWL), (STD,MUL)}</a:t>
+            </a:r>
           </a:p>
         </p:txBody>
       </p:sp>
@@ -8185,7 +7914,7 @@
           <p:cNvPr id="5" name="Picture 4">
             <a:extLst>
               <a:ext uri="{FF2B5EF4-FFF2-40B4-BE49-F238E27FC236}">
-                <a16:creationId xmlns:a16="http://schemas.microsoft.com/office/drawing/2014/main" xmlns="" id="{DF5E120D-8E2E-D414-9BE3-A68A099B210E}"/>
+                <a16:creationId xmlns:a16="http://schemas.microsoft.com/office/drawing/2014/main" id="{DF5E120D-8E2E-D414-9BE3-A68A099B210E}"/>
               </a:ext>
             </a:extLst>
           </p:cNvPr>
@@ -8207,822 +7936,84 @@
         </p:blipFill>
         <p:spPr>
           <a:xfrm>
-            <a:off x="7448518" y="2563999"/>
-            <a:ext cx="4316412" cy="3628631"/>
+            <a:off x="8343937" y="3702353"/>
+            <a:ext cx="3543263" cy="2978676"/>
           </a:xfrm>
           <a:prstGeom prst="rect">
             <a:avLst/>
           </a:prstGeom>
         </p:spPr>
       </p:pic>
-      <p:sp>
-        <p:nvSpPr>
-          <p:cNvPr id="4" name="Oval 3"/>
-          <p:cNvSpPr/>
+      <p:pic>
+        <p:nvPicPr>
+          <p:cNvPr id="7" name="Picture 6">
+            <a:extLst>
+              <a:ext uri="{FF2B5EF4-FFF2-40B4-BE49-F238E27FC236}">
+                <a16:creationId xmlns:a16="http://schemas.microsoft.com/office/drawing/2014/main" id="{5EC6C3A6-23EE-3547-4CDC-5D24A0A7D522}"/>
+              </a:ext>
+            </a:extLst>
+          </p:cNvPr>
+          <p:cNvPicPr>
+            <a:picLocks noChangeAspect="1"/>
+          </p:cNvPicPr>
           <p:nvPr/>
-        </p:nvSpPr>
+        </p:nvPicPr>
+        <p:blipFill rotWithShape="1">
+          <a:blip r:embed="rId3">
+            <a:extLst>
+              <a:ext uri="{28A0092B-C50C-407E-A947-70E740481C1C}">
+                <a14:useLocalDpi xmlns:a14="http://schemas.microsoft.com/office/drawing/2010/main" val="0"/>
+              </a:ext>
+            </a:extLst>
+          </a:blip>
+          <a:srcRect l="16208" t="18615" r="21275" b="9955"/>
+          <a:stretch/>
+        </p:blipFill>
         <p:spPr>
           <a:xfrm>
-            <a:off x="2636001" y="4527170"/>
-            <a:ext cx="413122" cy="413122"/>
+            <a:off x="5162513" y="4334682"/>
+            <a:ext cx="1909799" cy="2182041"/>
           </a:xfrm>
-          <a:prstGeom prst="ellipse">
+          <a:prstGeom prst="rect">
             <a:avLst/>
           </a:prstGeom>
-          <a:solidFill>
-            <a:schemeClr val="bg1"/>
-          </a:solidFill>
-          <a:ln>
-            <a:solidFill>
-              <a:schemeClr val="tx1"/>
-            </a:solidFill>
-          </a:ln>
         </p:spPr>
-        <p:style>
-          <a:lnRef idx="2">
-            <a:schemeClr val="accent1">
-              <a:shade val="50000"/>
-            </a:schemeClr>
-          </a:lnRef>
-          <a:fillRef idx="1">
-            <a:schemeClr val="accent1"/>
-          </a:fillRef>
-          <a:effectRef idx="0">
-            <a:schemeClr val="accent1"/>
-          </a:effectRef>
-          <a:fontRef idx="minor">
-            <a:schemeClr val="lt1"/>
-          </a:fontRef>
-        </p:style>
-        <p:txBody>
-          <a:bodyPr rtlCol="0" anchor="ctr"/>
-          <a:lstStyle/>
-          <a:p>
-            <a:pPr algn="ctr"/>
-            <a:r>
-              <a:rPr lang="en-US" dirty="0" smtClean="0">
-                <a:solidFill>
-                  <a:schemeClr val="tx1"/>
-                </a:solidFill>
-              </a:rPr>
-              <a:t>1</a:t>
-            </a:r>
-          </a:p>
-        </p:txBody>
-      </p:sp>
-      <p:sp>
-        <p:nvSpPr>
-          <p:cNvPr id="8" name="Oval 7"/>
-          <p:cNvSpPr/>
+      </p:pic>
+      <p:pic>
+        <p:nvPicPr>
+          <p:cNvPr id="9" name="Picture 8">
+            <a:extLst>
+              <a:ext uri="{FF2B5EF4-FFF2-40B4-BE49-F238E27FC236}">
+                <a16:creationId xmlns:a16="http://schemas.microsoft.com/office/drawing/2014/main" id="{BCAA92A2-3C81-650B-7F86-D978F3483C08}"/>
+              </a:ext>
+            </a:extLst>
+          </p:cNvPr>
+          <p:cNvPicPr>
+            <a:picLocks noChangeAspect="1"/>
+          </p:cNvPicPr>
           <p:nvPr/>
-        </p:nvSpPr>
+        </p:nvPicPr>
+        <p:blipFill rotWithShape="1">
+          <a:blip r:embed="rId4">
+            <a:extLst>
+              <a:ext uri="{28A0092B-C50C-407E-A947-70E740481C1C}">
+                <a14:useLocalDpi xmlns:a14="http://schemas.microsoft.com/office/drawing/2010/main" val="0"/>
+              </a:ext>
+            </a:extLst>
+          </a:blip>
+          <a:srcRect l="14925" t="15385" r="12455" b="21978"/>
+          <a:stretch/>
+        </p:blipFill>
         <p:spPr>
           <a:xfrm>
-            <a:off x="3477746" y="5090359"/>
-            <a:ext cx="413122" cy="413122"/>
+            <a:off x="1112026" y="4505918"/>
+            <a:ext cx="2331262" cy="2010805"/>
           </a:xfrm>
-          <a:prstGeom prst="ellipse">
+          <a:prstGeom prst="rect">
             <a:avLst/>
           </a:prstGeom>
-          <a:solidFill>
-            <a:schemeClr val="bg1"/>
-          </a:solidFill>
-          <a:ln>
-            <a:solidFill>
-              <a:schemeClr val="tx1"/>
-            </a:solidFill>
-          </a:ln>
         </p:spPr>
-        <p:style>
-          <a:lnRef idx="2">
-            <a:schemeClr val="accent1">
-              <a:shade val="50000"/>
-            </a:schemeClr>
-          </a:lnRef>
-          <a:fillRef idx="1">
-            <a:schemeClr val="accent1"/>
-          </a:fillRef>
-          <a:effectRef idx="0">
-            <a:schemeClr val="accent1"/>
-          </a:effectRef>
-          <a:fontRef idx="minor">
-            <a:schemeClr val="lt1"/>
-          </a:fontRef>
-        </p:style>
-        <p:txBody>
-          <a:bodyPr rtlCol="0" anchor="ctr"/>
-          <a:lstStyle/>
-          <a:p>
-            <a:pPr algn="ctr"/>
-            <a:r>
-              <a:rPr lang="en-US" dirty="0">
-                <a:solidFill>
-                  <a:schemeClr val="tx1"/>
-                </a:solidFill>
-              </a:rPr>
-              <a:t>2</a:t>
-            </a:r>
-            <a:endParaRPr lang="en-US" dirty="0" smtClean="0">
-              <a:solidFill>
-                <a:schemeClr val="tx1"/>
-              </a:solidFill>
-            </a:endParaRPr>
-          </a:p>
-        </p:txBody>
-      </p:sp>
-      <p:sp>
-        <p:nvSpPr>
-          <p:cNvPr id="10" name="Oval 9"/>
-          <p:cNvSpPr/>
-          <p:nvPr/>
-        </p:nvSpPr>
-        <p:spPr>
-          <a:xfrm>
-            <a:off x="2763375" y="5560630"/>
-            <a:ext cx="413122" cy="413122"/>
-          </a:xfrm>
-          <a:prstGeom prst="ellipse">
-            <a:avLst/>
-          </a:prstGeom>
-          <a:solidFill>
-            <a:schemeClr val="bg1"/>
-          </a:solidFill>
-          <a:ln>
-            <a:solidFill>
-              <a:schemeClr val="tx1"/>
-            </a:solidFill>
-          </a:ln>
-        </p:spPr>
-        <p:style>
-          <a:lnRef idx="2">
-            <a:schemeClr val="accent1">
-              <a:shade val="50000"/>
-            </a:schemeClr>
-          </a:lnRef>
-          <a:fillRef idx="1">
-            <a:schemeClr val="accent1"/>
-          </a:fillRef>
-          <a:effectRef idx="0">
-            <a:schemeClr val="accent1"/>
-          </a:effectRef>
-          <a:fontRef idx="minor">
-            <a:schemeClr val="lt1"/>
-          </a:fontRef>
-        </p:style>
-        <p:txBody>
-          <a:bodyPr rtlCol="0" anchor="ctr"/>
-          <a:lstStyle/>
-          <a:p>
-            <a:pPr algn="ctr"/>
-            <a:r>
-              <a:rPr lang="en-US" dirty="0">
-                <a:solidFill>
-                  <a:schemeClr val="tx1"/>
-                </a:solidFill>
-              </a:rPr>
-              <a:t>3</a:t>
-            </a:r>
-            <a:endParaRPr lang="en-US" dirty="0" smtClean="0">
-              <a:solidFill>
-                <a:schemeClr val="tx1"/>
-              </a:solidFill>
-            </a:endParaRPr>
-          </a:p>
-        </p:txBody>
-      </p:sp>
-      <p:sp>
-        <p:nvSpPr>
-          <p:cNvPr id="11" name="Oval 10"/>
-          <p:cNvSpPr/>
-          <p:nvPr/>
-        </p:nvSpPr>
-        <p:spPr>
-          <a:xfrm>
-            <a:off x="1629339" y="4789106"/>
-            <a:ext cx="413122" cy="413122"/>
-          </a:xfrm>
-          <a:prstGeom prst="ellipse">
-            <a:avLst/>
-          </a:prstGeom>
-          <a:solidFill>
-            <a:schemeClr val="bg1"/>
-          </a:solidFill>
-          <a:ln>
-            <a:solidFill>
-              <a:schemeClr val="tx1"/>
-            </a:solidFill>
-          </a:ln>
-        </p:spPr>
-        <p:style>
-          <a:lnRef idx="2">
-            <a:schemeClr val="accent1">
-              <a:shade val="50000"/>
-            </a:schemeClr>
-          </a:lnRef>
-          <a:fillRef idx="1">
-            <a:schemeClr val="accent1"/>
-          </a:fillRef>
-          <a:effectRef idx="0">
-            <a:schemeClr val="accent1"/>
-          </a:effectRef>
-          <a:fontRef idx="minor">
-            <a:schemeClr val="lt1"/>
-          </a:fontRef>
-        </p:style>
-        <p:txBody>
-          <a:bodyPr rtlCol="0" anchor="ctr"/>
-          <a:lstStyle/>
-          <a:p>
-            <a:pPr algn="ctr"/>
-            <a:r>
-              <a:rPr lang="en-US" dirty="0" smtClean="0">
-                <a:solidFill>
-                  <a:schemeClr val="tx1"/>
-                </a:solidFill>
-              </a:rPr>
-              <a:t>5</a:t>
-            </a:r>
-          </a:p>
-        </p:txBody>
-      </p:sp>
-      <p:sp>
-        <p:nvSpPr>
-          <p:cNvPr id="12" name="Oval 11"/>
-          <p:cNvSpPr/>
-          <p:nvPr/>
-        </p:nvSpPr>
-        <p:spPr>
-          <a:xfrm>
-            <a:off x="1835900" y="5751130"/>
-            <a:ext cx="413122" cy="413122"/>
-          </a:xfrm>
-          <a:prstGeom prst="ellipse">
-            <a:avLst/>
-          </a:prstGeom>
-          <a:solidFill>
-            <a:schemeClr val="bg1"/>
-          </a:solidFill>
-          <a:ln>
-            <a:solidFill>
-              <a:schemeClr val="tx1"/>
-            </a:solidFill>
-          </a:ln>
-        </p:spPr>
-        <p:style>
-          <a:lnRef idx="2">
-            <a:schemeClr val="accent1">
-              <a:shade val="50000"/>
-            </a:schemeClr>
-          </a:lnRef>
-          <a:fillRef idx="1">
-            <a:schemeClr val="accent1"/>
-          </a:fillRef>
-          <a:effectRef idx="0">
-            <a:schemeClr val="accent1"/>
-          </a:effectRef>
-          <a:fontRef idx="minor">
-            <a:schemeClr val="lt1"/>
-          </a:fontRef>
-        </p:style>
-        <p:txBody>
-          <a:bodyPr rtlCol="0" anchor="ctr"/>
-          <a:lstStyle/>
-          <a:p>
-            <a:pPr algn="ctr"/>
-            <a:r>
-              <a:rPr lang="en-US" dirty="0">
-                <a:solidFill>
-                  <a:schemeClr val="tx1"/>
-                </a:solidFill>
-              </a:rPr>
-              <a:t>4</a:t>
-            </a:r>
-            <a:endParaRPr lang="en-US" dirty="0" smtClean="0">
-              <a:solidFill>
-                <a:schemeClr val="tx1"/>
-              </a:solidFill>
-            </a:endParaRPr>
-          </a:p>
-        </p:txBody>
-      </p:sp>
-      <p:cxnSp>
-        <p:nvCxnSpPr>
-          <p:cNvPr id="13" name="Straight Arrow Connector 12"/>
-          <p:cNvCxnSpPr>
-            <a:stCxn id="4" idx="6"/>
-            <a:endCxn id="8" idx="1"/>
-          </p:cNvCxnSpPr>
-          <p:nvPr/>
-        </p:nvCxnSpPr>
-        <p:spPr>
-          <a:xfrm>
-            <a:off x="3049123" y="4733731"/>
-            <a:ext cx="489123" cy="417128"/>
-          </a:xfrm>
-          <a:prstGeom prst="straightConnector1">
-            <a:avLst/>
-          </a:prstGeom>
-          <a:ln>
-            <a:tailEnd type="arrow"/>
-          </a:ln>
-        </p:spPr>
-        <p:style>
-          <a:lnRef idx="1">
-            <a:schemeClr val="dk1"/>
-          </a:lnRef>
-          <a:fillRef idx="0">
-            <a:schemeClr val="dk1"/>
-          </a:fillRef>
-          <a:effectRef idx="0">
-            <a:schemeClr val="dk1"/>
-          </a:effectRef>
-          <a:fontRef idx="minor">
-            <a:schemeClr val="tx1"/>
-          </a:fontRef>
-        </p:style>
-      </p:cxnSp>
-      <p:cxnSp>
-        <p:nvCxnSpPr>
-          <p:cNvPr id="15" name="Straight Arrow Connector 14"/>
-          <p:cNvCxnSpPr>
-            <a:stCxn id="4" idx="4"/>
-            <a:endCxn id="10" idx="0"/>
-          </p:cNvCxnSpPr>
-          <p:nvPr/>
-        </p:nvCxnSpPr>
-        <p:spPr>
-          <a:xfrm>
-            <a:off x="2842562" y="4940292"/>
-            <a:ext cx="127374" cy="620338"/>
-          </a:xfrm>
-          <a:prstGeom prst="straightConnector1">
-            <a:avLst/>
-          </a:prstGeom>
-          <a:ln>
-            <a:tailEnd type="arrow"/>
-          </a:ln>
-        </p:spPr>
-        <p:style>
-          <a:lnRef idx="1">
-            <a:schemeClr val="dk1"/>
-          </a:lnRef>
-          <a:fillRef idx="0">
-            <a:schemeClr val="dk1"/>
-          </a:fillRef>
-          <a:effectRef idx="0">
-            <a:schemeClr val="dk1"/>
-          </a:effectRef>
-          <a:fontRef idx="minor">
-            <a:schemeClr val="tx1"/>
-          </a:fontRef>
-        </p:style>
-      </p:cxnSp>
-      <p:cxnSp>
-        <p:nvCxnSpPr>
-          <p:cNvPr id="18" name="Straight Arrow Connector 17"/>
-          <p:cNvCxnSpPr>
-            <a:stCxn id="10" idx="2"/>
-            <a:endCxn id="12" idx="6"/>
-          </p:cNvCxnSpPr>
-          <p:nvPr/>
-        </p:nvCxnSpPr>
-        <p:spPr>
-          <a:xfrm flipH="1">
-            <a:off x="2249022" y="5767191"/>
-            <a:ext cx="514353" cy="190500"/>
-          </a:xfrm>
-          <a:prstGeom prst="straightConnector1">
-            <a:avLst/>
-          </a:prstGeom>
-          <a:ln>
-            <a:tailEnd type="arrow"/>
-          </a:ln>
-        </p:spPr>
-        <p:style>
-          <a:lnRef idx="1">
-            <a:schemeClr val="dk1"/>
-          </a:lnRef>
-          <a:fillRef idx="0">
-            <a:schemeClr val="dk1"/>
-          </a:fillRef>
-          <a:effectRef idx="0">
-            <a:schemeClr val="dk1"/>
-          </a:effectRef>
-          <a:fontRef idx="minor">
-            <a:schemeClr val="tx1"/>
-          </a:fontRef>
-        </p:style>
-      </p:cxnSp>
-      <p:cxnSp>
-        <p:nvCxnSpPr>
-          <p:cNvPr id="21" name="Straight Arrow Connector 20"/>
-          <p:cNvCxnSpPr>
-            <a:stCxn id="12" idx="0"/>
-            <a:endCxn id="11" idx="4"/>
-          </p:cNvCxnSpPr>
-          <p:nvPr/>
-        </p:nvCxnSpPr>
-        <p:spPr>
-          <a:xfrm flipH="1" flipV="1">
-            <a:off x="1835900" y="5202228"/>
-            <a:ext cx="206561" cy="548902"/>
-          </a:xfrm>
-          <a:prstGeom prst="straightConnector1">
-            <a:avLst/>
-          </a:prstGeom>
-          <a:ln>
-            <a:tailEnd type="arrow"/>
-          </a:ln>
-        </p:spPr>
-        <p:style>
-          <a:lnRef idx="1">
-            <a:schemeClr val="dk1"/>
-          </a:lnRef>
-          <a:fillRef idx="0">
-            <a:schemeClr val="dk1"/>
-          </a:fillRef>
-          <a:effectRef idx="0">
-            <a:schemeClr val="dk1"/>
-          </a:effectRef>
-          <a:fontRef idx="minor">
-            <a:schemeClr val="tx1"/>
-          </a:fontRef>
-        </p:style>
-      </p:cxnSp>
-      <p:sp>
-        <p:nvSpPr>
-          <p:cNvPr id="24" name="Oval 23"/>
-          <p:cNvSpPr/>
-          <p:nvPr/>
-        </p:nvSpPr>
-        <p:spPr>
-          <a:xfrm>
-            <a:off x="5571848" y="4539687"/>
-            <a:ext cx="413122" cy="413122"/>
-          </a:xfrm>
-          <a:prstGeom prst="ellipse">
-            <a:avLst/>
-          </a:prstGeom>
-          <a:solidFill>
-            <a:schemeClr val="bg1"/>
-          </a:solidFill>
-          <a:ln>
-            <a:solidFill>
-              <a:schemeClr val="tx1"/>
-            </a:solidFill>
-          </a:ln>
-        </p:spPr>
-        <p:style>
-          <a:lnRef idx="2">
-            <a:schemeClr val="accent1">
-              <a:shade val="50000"/>
-            </a:schemeClr>
-          </a:lnRef>
-          <a:fillRef idx="1">
-            <a:schemeClr val="accent1"/>
-          </a:fillRef>
-          <a:effectRef idx="0">
-            <a:schemeClr val="accent1"/>
-          </a:effectRef>
-          <a:fontRef idx="minor">
-            <a:schemeClr val="lt1"/>
-          </a:fontRef>
-        </p:style>
-        <p:txBody>
-          <a:bodyPr rtlCol="0" anchor="ctr"/>
-          <a:lstStyle/>
-          <a:p>
-            <a:pPr algn="ctr"/>
-            <a:r>
-              <a:rPr lang="en-US" dirty="0">
-                <a:solidFill>
-                  <a:schemeClr val="tx1"/>
-                </a:solidFill>
-              </a:rPr>
-              <a:t>A</a:t>
-            </a:r>
-            <a:endParaRPr lang="en-US" dirty="0" smtClean="0">
-              <a:solidFill>
-                <a:schemeClr val="tx1"/>
-              </a:solidFill>
-            </a:endParaRPr>
-          </a:p>
-        </p:txBody>
-      </p:sp>
-      <p:sp>
-        <p:nvSpPr>
-          <p:cNvPr id="25" name="Oval 24"/>
-          <p:cNvSpPr/>
-          <p:nvPr/>
-        </p:nvSpPr>
-        <p:spPr>
-          <a:xfrm>
-            <a:off x="6261470" y="5133418"/>
-            <a:ext cx="413122" cy="413122"/>
-          </a:xfrm>
-          <a:prstGeom prst="ellipse">
-            <a:avLst/>
-          </a:prstGeom>
-          <a:solidFill>
-            <a:schemeClr val="bg1"/>
-          </a:solidFill>
-          <a:ln>
-            <a:solidFill>
-              <a:schemeClr val="tx1"/>
-            </a:solidFill>
-          </a:ln>
-        </p:spPr>
-        <p:style>
-          <a:lnRef idx="2">
-            <a:schemeClr val="accent1">
-              <a:shade val="50000"/>
-            </a:schemeClr>
-          </a:lnRef>
-          <a:fillRef idx="1">
-            <a:schemeClr val="accent1"/>
-          </a:fillRef>
-          <a:effectRef idx="0">
-            <a:schemeClr val="accent1"/>
-          </a:effectRef>
-          <a:fontRef idx="minor">
-            <a:schemeClr val="lt1"/>
-          </a:fontRef>
-        </p:style>
-        <p:txBody>
-          <a:bodyPr rtlCol="0" anchor="ctr"/>
-          <a:lstStyle/>
-          <a:p>
-            <a:pPr algn="ctr"/>
-            <a:r>
-              <a:rPr lang="en-US" dirty="0" smtClean="0">
-                <a:solidFill>
-                  <a:schemeClr val="tx1"/>
-                </a:solidFill>
-              </a:rPr>
-              <a:t>C</a:t>
-            </a:r>
-          </a:p>
-        </p:txBody>
-      </p:sp>
-      <p:sp>
-        <p:nvSpPr>
-          <p:cNvPr id="26" name="Oval 25"/>
-          <p:cNvSpPr/>
-          <p:nvPr/>
-        </p:nvSpPr>
-        <p:spPr>
-          <a:xfrm>
-            <a:off x="5586044" y="5792025"/>
-            <a:ext cx="413122" cy="413122"/>
-          </a:xfrm>
-          <a:prstGeom prst="ellipse">
-            <a:avLst/>
-          </a:prstGeom>
-          <a:solidFill>
-            <a:schemeClr val="bg1"/>
-          </a:solidFill>
-          <a:ln>
-            <a:solidFill>
-              <a:schemeClr val="tx1"/>
-            </a:solidFill>
-          </a:ln>
-        </p:spPr>
-        <p:style>
-          <a:lnRef idx="2">
-            <a:schemeClr val="accent1">
-              <a:shade val="50000"/>
-            </a:schemeClr>
-          </a:lnRef>
-          <a:fillRef idx="1">
-            <a:schemeClr val="accent1"/>
-          </a:fillRef>
-          <a:effectRef idx="0">
-            <a:schemeClr val="accent1"/>
-          </a:effectRef>
-          <a:fontRef idx="minor">
-            <a:schemeClr val="lt1"/>
-          </a:fontRef>
-        </p:style>
-        <p:txBody>
-          <a:bodyPr rtlCol="0" anchor="ctr"/>
-          <a:lstStyle/>
-          <a:p>
-            <a:pPr algn="ctr"/>
-            <a:r>
-              <a:rPr lang="en-US" dirty="0" smtClean="0">
-                <a:solidFill>
-                  <a:schemeClr val="tx1"/>
-                </a:solidFill>
-              </a:rPr>
-              <a:t>B</a:t>
-            </a:r>
-          </a:p>
-        </p:txBody>
-      </p:sp>
-      <p:sp>
-        <p:nvSpPr>
-          <p:cNvPr id="27" name="Oval 26"/>
-          <p:cNvSpPr/>
-          <p:nvPr/>
-        </p:nvSpPr>
-        <p:spPr>
-          <a:xfrm>
-            <a:off x="4907993" y="5133418"/>
-            <a:ext cx="413122" cy="413122"/>
-          </a:xfrm>
-          <a:prstGeom prst="ellipse">
-            <a:avLst/>
-          </a:prstGeom>
-          <a:solidFill>
-            <a:schemeClr val="bg1"/>
-          </a:solidFill>
-          <a:ln>
-            <a:solidFill>
-              <a:schemeClr val="tx1"/>
-            </a:solidFill>
-          </a:ln>
-        </p:spPr>
-        <p:style>
-          <a:lnRef idx="2">
-            <a:schemeClr val="accent1">
-              <a:shade val="50000"/>
-            </a:schemeClr>
-          </a:lnRef>
-          <a:fillRef idx="1">
-            <a:schemeClr val="accent1"/>
-          </a:fillRef>
-          <a:effectRef idx="0">
-            <a:schemeClr val="accent1"/>
-          </a:effectRef>
-          <a:fontRef idx="minor">
-            <a:schemeClr val="lt1"/>
-          </a:fontRef>
-        </p:style>
-        <p:txBody>
-          <a:bodyPr rtlCol="0" anchor="ctr"/>
-          <a:lstStyle/>
-          <a:p>
-            <a:pPr algn="ctr"/>
-            <a:r>
-              <a:rPr lang="en-US" dirty="0">
-                <a:solidFill>
-                  <a:schemeClr val="tx1"/>
-                </a:solidFill>
-              </a:rPr>
-              <a:t>D</a:t>
-            </a:r>
-            <a:endParaRPr lang="en-US" dirty="0" smtClean="0">
-              <a:solidFill>
-                <a:schemeClr val="tx1"/>
-              </a:solidFill>
-            </a:endParaRPr>
-          </a:p>
-        </p:txBody>
-      </p:sp>
-      <p:cxnSp>
-        <p:nvCxnSpPr>
-          <p:cNvPr id="29" name="Straight Arrow Connector 28"/>
-          <p:cNvCxnSpPr>
-            <a:stCxn id="24" idx="6"/>
-            <a:endCxn id="25" idx="1"/>
-          </p:cNvCxnSpPr>
-          <p:nvPr/>
-        </p:nvCxnSpPr>
-        <p:spPr>
-          <a:xfrm>
-            <a:off x="5984970" y="4746248"/>
-            <a:ext cx="337000" cy="447670"/>
-          </a:xfrm>
-          <a:prstGeom prst="straightConnector1">
-            <a:avLst/>
-          </a:prstGeom>
-          <a:ln>
-            <a:tailEnd type="arrow"/>
-          </a:ln>
-        </p:spPr>
-        <p:style>
-          <a:lnRef idx="1">
-            <a:schemeClr val="dk1"/>
-          </a:lnRef>
-          <a:fillRef idx="0">
-            <a:schemeClr val="dk1"/>
-          </a:fillRef>
-          <a:effectRef idx="0">
-            <a:schemeClr val="dk1"/>
-          </a:effectRef>
-          <a:fontRef idx="minor">
-            <a:schemeClr val="tx1"/>
-          </a:fontRef>
-        </p:style>
-      </p:cxnSp>
-      <p:cxnSp>
-        <p:nvCxnSpPr>
-          <p:cNvPr id="30" name="Straight Arrow Connector 29"/>
-          <p:cNvCxnSpPr>
-            <a:stCxn id="24" idx="4"/>
-            <a:endCxn id="26" idx="0"/>
-          </p:cNvCxnSpPr>
-          <p:nvPr/>
-        </p:nvCxnSpPr>
-        <p:spPr>
-          <a:xfrm>
-            <a:off x="5778409" y="4952809"/>
-            <a:ext cx="14196" cy="839216"/>
-          </a:xfrm>
-          <a:prstGeom prst="straightConnector1">
-            <a:avLst/>
-          </a:prstGeom>
-          <a:ln>
-            <a:tailEnd type="arrow"/>
-          </a:ln>
-        </p:spPr>
-        <p:style>
-          <a:lnRef idx="1">
-            <a:schemeClr val="dk1"/>
-          </a:lnRef>
-          <a:fillRef idx="0">
-            <a:schemeClr val="dk1"/>
-          </a:fillRef>
-          <a:effectRef idx="0">
-            <a:schemeClr val="dk1"/>
-          </a:effectRef>
-          <a:fontRef idx="minor">
-            <a:schemeClr val="tx1"/>
-          </a:fontRef>
-        </p:style>
-      </p:cxnSp>
-      <p:cxnSp>
-        <p:nvCxnSpPr>
-          <p:cNvPr id="44" name="Straight Arrow Connector 43"/>
-          <p:cNvCxnSpPr>
-            <a:stCxn id="24" idx="2"/>
-            <a:endCxn id="27" idx="7"/>
-          </p:cNvCxnSpPr>
-          <p:nvPr/>
-        </p:nvCxnSpPr>
-        <p:spPr>
-          <a:xfrm flipH="1">
-            <a:off x="5260615" y="4746248"/>
-            <a:ext cx="311233" cy="447670"/>
-          </a:xfrm>
-          <a:prstGeom prst="straightConnector1">
-            <a:avLst/>
-          </a:prstGeom>
-          <a:ln>
-            <a:tailEnd type="arrow"/>
-          </a:ln>
-        </p:spPr>
-        <p:style>
-          <a:lnRef idx="1">
-            <a:schemeClr val="dk1"/>
-          </a:lnRef>
-          <a:fillRef idx="0">
-            <a:schemeClr val="dk1"/>
-          </a:fillRef>
-          <a:effectRef idx="0">
-            <a:schemeClr val="dk1"/>
-          </a:effectRef>
-          <a:fontRef idx="minor">
-            <a:schemeClr val="tx1"/>
-          </a:fontRef>
-        </p:style>
-      </p:cxnSp>
-      <p:cxnSp>
-        <p:nvCxnSpPr>
-          <p:cNvPr id="49" name="Straight Arrow Connector 48"/>
-          <p:cNvCxnSpPr>
-            <a:stCxn id="26" idx="7"/>
-            <a:endCxn id="25" idx="3"/>
-          </p:cNvCxnSpPr>
-          <p:nvPr/>
-        </p:nvCxnSpPr>
-        <p:spPr>
-          <a:xfrm flipV="1">
-            <a:off x="5938666" y="5486040"/>
-            <a:ext cx="383304" cy="366485"/>
-          </a:xfrm>
-          <a:prstGeom prst="straightConnector1">
-            <a:avLst/>
-          </a:prstGeom>
-          <a:ln>
-            <a:tailEnd type="arrow"/>
-          </a:ln>
-        </p:spPr>
-        <p:style>
-          <a:lnRef idx="1">
-            <a:schemeClr val="dk1"/>
-          </a:lnRef>
-          <a:fillRef idx="0">
-            <a:schemeClr val="dk1"/>
-          </a:fillRef>
-          <a:effectRef idx="0">
-            <a:schemeClr val="dk1"/>
-          </a:effectRef>
-          <a:fontRef idx="minor">
-            <a:schemeClr val="tx1"/>
-          </a:fontRef>
-        </p:style>
-      </p:cxnSp>
+      </p:pic>
     </p:spTree>
     <p:extLst>
       <p:ext uri="{BB962C8B-B14F-4D97-AF65-F5344CB8AC3E}">
@@ -9058,7 +8049,7 @@
           <p:cNvPr id="2" name="Title 1">
             <a:extLst>
               <a:ext uri="{FF2B5EF4-FFF2-40B4-BE49-F238E27FC236}">
-                <a16:creationId xmlns:a16="http://schemas.microsoft.com/office/drawing/2014/main" xmlns="" id="{5D30DDF8-853A-DFDB-A947-FE9D44C8E03C}"/>
+                <a16:creationId xmlns:a16="http://schemas.microsoft.com/office/drawing/2014/main" id="{5D30DDF8-853A-DFDB-A947-FE9D44C8E03C}"/>
               </a:ext>
             </a:extLst>
           </p:cNvPr>
@@ -9115,7 +8106,7 @@
           <p:cNvPr id="3" name="Text Placeholder 2">
             <a:extLst>
               <a:ext uri="{FF2B5EF4-FFF2-40B4-BE49-F238E27FC236}">
-                <a16:creationId xmlns:a16="http://schemas.microsoft.com/office/drawing/2014/main" xmlns="" id="{F3FFBF10-3A6A-039D-96F3-6E61CA66CD1E}"/>
+                <a16:creationId xmlns:a16="http://schemas.microsoft.com/office/drawing/2014/main" id="{F3FFBF10-3A6A-039D-96F3-6E61CA66CD1E}"/>
               </a:ext>
             </a:extLst>
           </p:cNvPr>
@@ -9145,7 +8136,7 @@
                   </a:schemeClr>
                 </a:solidFill>
               </a:rPr>
-              <a:t>𝐴 = {(1→2), (1→3), (3→4), (4→5)} </a:t>
+              <a:t>𝐴 = {(1, 2), (1, 3), (3, 4), (4, 5)} </a:t>
             </a:r>
           </a:p>
           <a:p>
@@ -9158,7 +8149,7 @@
                   </a:schemeClr>
                 </a:solidFill>
               </a:rPr>
-              <a:t>𝐵 = {(A→B), (B→C), (A→C), (A→D)} </a:t>
+              <a:t>𝐵 = {(A, B), (B, C), (A, C), (A, D)} </a:t>
             </a:r>
           </a:p>
           <a:p>
@@ -9171,339 +8162,154 @@
                   </a:schemeClr>
                 </a:solidFill>
               </a:rPr>
-              <a:t>𝐶 = {(LHR, KHI), (LHR, ISB), (FSD, SWL), (MUL, SGD)}</a:t>
-            </a:r>
-            <a:endParaRPr lang="en-US" dirty="0">
-              <a:solidFill>
-                <a:schemeClr val="tx1">
-                  <a:lumMod val="95000"/>
-                  <a:lumOff val="5000"/>
-                </a:schemeClr>
-              </a:solidFill>
-            </a:endParaRPr>
+              <a:t>𝐶 = {(LHR,KRA), (LHR,ISB), (FSD,SWL), (STD,MUL)}</a:t>
+            </a:r>
           </a:p>
         </p:txBody>
       </p:sp>
-      <p:sp>
-        <p:nvSpPr>
-          <p:cNvPr id="15" name="Oval 14"/>
-          <p:cNvSpPr/>
+      <p:pic>
+        <p:nvPicPr>
+          <p:cNvPr id="5" name="Picture 4">
+            <a:extLst>
+              <a:ext uri="{FF2B5EF4-FFF2-40B4-BE49-F238E27FC236}">
+                <a16:creationId xmlns:a16="http://schemas.microsoft.com/office/drawing/2014/main" id="{DF5E120D-8E2E-D414-9BE3-A68A099B210E}"/>
+              </a:ext>
+            </a:extLst>
+          </p:cNvPr>
+          <p:cNvPicPr>
+            <a:picLocks noChangeAspect="1"/>
+          </p:cNvPicPr>
           <p:nvPr/>
-        </p:nvSpPr>
+        </p:nvPicPr>
+        <p:blipFill rotWithShape="1">
+          <a:blip r:embed="rId2">
+            <a:extLst>
+              <a:ext uri="{28A0092B-C50C-407E-A947-70E740481C1C}">
+                <a14:useLocalDpi xmlns:a14="http://schemas.microsoft.com/office/drawing/2010/main" val="0"/>
+              </a:ext>
+            </a:extLst>
+          </a:blip>
+          <a:srcRect t="6531" b="9403"/>
+          <a:stretch/>
+        </p:blipFill>
         <p:spPr>
           <a:xfrm>
-            <a:off x="2636001" y="4527170"/>
-            <a:ext cx="413122" cy="413122"/>
+            <a:off x="8343937" y="3702353"/>
+            <a:ext cx="3543263" cy="2978676"/>
           </a:xfrm>
-          <a:prstGeom prst="ellipse">
+          <a:prstGeom prst="rect">
             <a:avLst/>
           </a:prstGeom>
-          <a:solidFill>
-            <a:schemeClr val="bg1"/>
-          </a:solidFill>
-          <a:ln>
+        </p:spPr>
+      </p:pic>
+      <p:pic>
+        <p:nvPicPr>
+          <p:cNvPr id="7" name="Picture 6">
+            <a:extLst>
+              <a:ext uri="{FF2B5EF4-FFF2-40B4-BE49-F238E27FC236}">
+                <a16:creationId xmlns:a16="http://schemas.microsoft.com/office/drawing/2014/main" id="{5EC6C3A6-23EE-3547-4CDC-5D24A0A7D522}"/>
+              </a:ext>
+            </a:extLst>
+          </p:cNvPr>
+          <p:cNvPicPr>
+            <a:picLocks noChangeAspect="1"/>
+          </p:cNvPicPr>
+          <p:nvPr/>
+        </p:nvPicPr>
+        <p:blipFill rotWithShape="1">
+          <a:blip r:embed="rId3">
+            <a:extLst>
+              <a:ext uri="{28A0092B-C50C-407E-A947-70E740481C1C}">
+                <a14:useLocalDpi xmlns:a14="http://schemas.microsoft.com/office/drawing/2010/main" val="0"/>
+              </a:ext>
+            </a:extLst>
+          </a:blip>
+          <a:srcRect l="16208" t="18615" r="21275" b="9955"/>
+          <a:stretch/>
+        </p:blipFill>
+        <p:spPr>
+          <a:xfrm>
+            <a:off x="5162513" y="4334682"/>
+            <a:ext cx="1909799" cy="2182041"/>
+          </a:xfrm>
+          <a:prstGeom prst="rect">
+            <a:avLst/>
+          </a:prstGeom>
+        </p:spPr>
+      </p:pic>
+      <p:pic>
+        <p:nvPicPr>
+          <p:cNvPr id="9" name="Picture 8">
+            <a:extLst>
+              <a:ext uri="{FF2B5EF4-FFF2-40B4-BE49-F238E27FC236}">
+                <a16:creationId xmlns:a16="http://schemas.microsoft.com/office/drawing/2014/main" id="{BCAA92A2-3C81-650B-7F86-D978F3483C08}"/>
+              </a:ext>
+            </a:extLst>
+          </p:cNvPr>
+          <p:cNvPicPr>
+            <a:picLocks noChangeAspect="1"/>
+          </p:cNvPicPr>
+          <p:nvPr/>
+        </p:nvPicPr>
+        <p:blipFill rotWithShape="1">
+          <a:blip r:embed="rId4">
+            <a:extLst>
+              <a:ext uri="{28A0092B-C50C-407E-A947-70E740481C1C}">
+                <a14:useLocalDpi xmlns:a14="http://schemas.microsoft.com/office/drawing/2010/main" val="0"/>
+              </a:ext>
+            </a:extLst>
+          </a:blip>
+          <a:srcRect l="14925" t="15385" r="12455" b="21978"/>
+          <a:stretch/>
+        </p:blipFill>
+        <p:spPr>
+          <a:xfrm>
+            <a:off x="1112026" y="4505918"/>
+            <a:ext cx="2331262" cy="2010805"/>
+          </a:xfrm>
+          <a:prstGeom prst="rect">
+            <a:avLst/>
+          </a:prstGeom>
+        </p:spPr>
+      </p:pic>
+      <p:cxnSp>
+        <p:nvCxnSpPr>
+          <p:cNvPr id="13" name="Straight Arrow Connector 12">
+            <a:extLst>
+              <a:ext uri="{FF2B5EF4-FFF2-40B4-BE49-F238E27FC236}">
+                <a16:creationId xmlns:a16="http://schemas.microsoft.com/office/drawing/2014/main" id="{0CF5CAB6-3C22-9FEC-7E1E-7B91C8E5761F}"/>
+              </a:ext>
+            </a:extLst>
+          </p:cNvPr>
+          <p:cNvCxnSpPr/>
+          <p:nvPr/>
+        </p:nvCxnSpPr>
+        <p:spPr>
+          <a:xfrm>
+            <a:off x="428625" y="5200650"/>
+            <a:ext cx="683401" cy="0"/>
+          </a:xfrm>
+          <a:prstGeom prst="straightConnector1">
+            <a:avLst/>
+          </a:prstGeom>
+          <a:ln w="57150">
             <a:solidFill>
-              <a:schemeClr val="tx1"/>
+              <a:schemeClr val="accent1">
+                <a:lumMod val="75000"/>
+              </a:schemeClr>
             </a:solidFill>
+            <a:tailEnd type="triangle"/>
           </a:ln>
         </p:spPr>
         <p:style>
-          <a:lnRef idx="2">
-            <a:schemeClr val="accent1">
-              <a:shade val="50000"/>
-            </a:schemeClr>
+          <a:lnRef idx="1">
+            <a:schemeClr val="accent1"/>
           </a:lnRef>
-          <a:fillRef idx="1">
+          <a:fillRef idx="0">
             <a:schemeClr val="accent1"/>
           </a:fillRef>
           <a:effectRef idx="0">
             <a:schemeClr val="accent1"/>
-          </a:effectRef>
-          <a:fontRef idx="minor">
-            <a:schemeClr val="lt1"/>
-          </a:fontRef>
-        </p:style>
-        <p:txBody>
-          <a:bodyPr rtlCol="0" anchor="ctr"/>
-          <a:lstStyle/>
-          <a:p>
-            <a:pPr algn="ctr"/>
-            <a:r>
-              <a:rPr lang="en-US" dirty="0" smtClean="0">
-                <a:solidFill>
-                  <a:schemeClr val="tx1"/>
-                </a:solidFill>
-              </a:rPr>
-              <a:t>1</a:t>
-            </a:r>
-          </a:p>
-        </p:txBody>
-      </p:sp>
-      <p:sp>
-        <p:nvSpPr>
-          <p:cNvPr id="16" name="Oval 15"/>
-          <p:cNvSpPr/>
-          <p:nvPr/>
-        </p:nvSpPr>
-        <p:spPr>
-          <a:xfrm>
-            <a:off x="3477746" y="5090359"/>
-            <a:ext cx="413122" cy="413122"/>
-          </a:xfrm>
-          <a:prstGeom prst="ellipse">
-            <a:avLst/>
-          </a:prstGeom>
-          <a:solidFill>
-            <a:schemeClr val="bg1"/>
-          </a:solidFill>
-          <a:ln>
-            <a:solidFill>
-              <a:schemeClr val="tx1"/>
-            </a:solidFill>
-          </a:ln>
-        </p:spPr>
-        <p:style>
-          <a:lnRef idx="2">
-            <a:schemeClr val="accent1">
-              <a:shade val="50000"/>
-            </a:schemeClr>
-          </a:lnRef>
-          <a:fillRef idx="1">
-            <a:schemeClr val="accent1"/>
-          </a:fillRef>
-          <a:effectRef idx="0">
-            <a:schemeClr val="accent1"/>
-          </a:effectRef>
-          <a:fontRef idx="minor">
-            <a:schemeClr val="lt1"/>
-          </a:fontRef>
-        </p:style>
-        <p:txBody>
-          <a:bodyPr rtlCol="0" anchor="ctr"/>
-          <a:lstStyle/>
-          <a:p>
-            <a:pPr algn="ctr"/>
-            <a:r>
-              <a:rPr lang="en-US" dirty="0">
-                <a:solidFill>
-                  <a:schemeClr val="tx1"/>
-                </a:solidFill>
-              </a:rPr>
-              <a:t>2</a:t>
-            </a:r>
-            <a:endParaRPr lang="en-US" dirty="0" smtClean="0">
-              <a:solidFill>
-                <a:schemeClr val="tx1"/>
-              </a:solidFill>
-            </a:endParaRPr>
-          </a:p>
-        </p:txBody>
-      </p:sp>
-      <p:sp>
-        <p:nvSpPr>
-          <p:cNvPr id="17" name="Oval 16"/>
-          <p:cNvSpPr/>
-          <p:nvPr/>
-        </p:nvSpPr>
-        <p:spPr>
-          <a:xfrm>
-            <a:off x="2763375" y="5560630"/>
-            <a:ext cx="413122" cy="413122"/>
-          </a:xfrm>
-          <a:prstGeom prst="ellipse">
-            <a:avLst/>
-          </a:prstGeom>
-          <a:solidFill>
-            <a:schemeClr val="bg1"/>
-          </a:solidFill>
-          <a:ln>
-            <a:solidFill>
-              <a:schemeClr val="tx1"/>
-            </a:solidFill>
-          </a:ln>
-        </p:spPr>
-        <p:style>
-          <a:lnRef idx="2">
-            <a:schemeClr val="accent1">
-              <a:shade val="50000"/>
-            </a:schemeClr>
-          </a:lnRef>
-          <a:fillRef idx="1">
-            <a:schemeClr val="accent1"/>
-          </a:fillRef>
-          <a:effectRef idx="0">
-            <a:schemeClr val="accent1"/>
-          </a:effectRef>
-          <a:fontRef idx="minor">
-            <a:schemeClr val="lt1"/>
-          </a:fontRef>
-        </p:style>
-        <p:txBody>
-          <a:bodyPr rtlCol="0" anchor="ctr"/>
-          <a:lstStyle/>
-          <a:p>
-            <a:pPr algn="ctr"/>
-            <a:r>
-              <a:rPr lang="en-US" dirty="0">
-                <a:solidFill>
-                  <a:schemeClr val="tx1"/>
-                </a:solidFill>
-              </a:rPr>
-              <a:t>3</a:t>
-            </a:r>
-            <a:endParaRPr lang="en-US" dirty="0" smtClean="0">
-              <a:solidFill>
-                <a:schemeClr val="tx1"/>
-              </a:solidFill>
-            </a:endParaRPr>
-          </a:p>
-        </p:txBody>
-      </p:sp>
-      <p:sp>
-        <p:nvSpPr>
-          <p:cNvPr id="18" name="Oval 17"/>
-          <p:cNvSpPr/>
-          <p:nvPr/>
-        </p:nvSpPr>
-        <p:spPr>
-          <a:xfrm>
-            <a:off x="1629339" y="4789106"/>
-            <a:ext cx="413122" cy="413122"/>
-          </a:xfrm>
-          <a:prstGeom prst="ellipse">
-            <a:avLst/>
-          </a:prstGeom>
-          <a:solidFill>
-            <a:schemeClr val="bg1"/>
-          </a:solidFill>
-          <a:ln>
-            <a:solidFill>
-              <a:schemeClr val="tx1"/>
-            </a:solidFill>
-          </a:ln>
-        </p:spPr>
-        <p:style>
-          <a:lnRef idx="2">
-            <a:schemeClr val="accent1">
-              <a:shade val="50000"/>
-            </a:schemeClr>
-          </a:lnRef>
-          <a:fillRef idx="1">
-            <a:schemeClr val="accent1"/>
-          </a:fillRef>
-          <a:effectRef idx="0">
-            <a:schemeClr val="accent1"/>
-          </a:effectRef>
-          <a:fontRef idx="minor">
-            <a:schemeClr val="lt1"/>
-          </a:fontRef>
-        </p:style>
-        <p:txBody>
-          <a:bodyPr rtlCol="0" anchor="ctr"/>
-          <a:lstStyle/>
-          <a:p>
-            <a:pPr algn="ctr"/>
-            <a:r>
-              <a:rPr lang="en-US" dirty="0" smtClean="0">
-                <a:solidFill>
-                  <a:schemeClr val="tx1"/>
-                </a:solidFill>
-              </a:rPr>
-              <a:t>5</a:t>
-            </a:r>
-          </a:p>
-        </p:txBody>
-      </p:sp>
-      <p:sp>
-        <p:nvSpPr>
-          <p:cNvPr id="19" name="Oval 18"/>
-          <p:cNvSpPr/>
-          <p:nvPr/>
-        </p:nvSpPr>
-        <p:spPr>
-          <a:xfrm>
-            <a:off x="1835900" y="5751130"/>
-            <a:ext cx="413122" cy="413122"/>
-          </a:xfrm>
-          <a:prstGeom prst="ellipse">
-            <a:avLst/>
-          </a:prstGeom>
-          <a:solidFill>
-            <a:schemeClr val="bg1"/>
-          </a:solidFill>
-          <a:ln>
-            <a:solidFill>
-              <a:schemeClr val="tx1"/>
-            </a:solidFill>
-          </a:ln>
-        </p:spPr>
-        <p:style>
-          <a:lnRef idx="2">
-            <a:schemeClr val="accent1">
-              <a:shade val="50000"/>
-            </a:schemeClr>
-          </a:lnRef>
-          <a:fillRef idx="1">
-            <a:schemeClr val="accent1"/>
-          </a:fillRef>
-          <a:effectRef idx="0">
-            <a:schemeClr val="accent1"/>
-          </a:effectRef>
-          <a:fontRef idx="minor">
-            <a:schemeClr val="lt1"/>
-          </a:fontRef>
-        </p:style>
-        <p:txBody>
-          <a:bodyPr rtlCol="0" anchor="ctr"/>
-          <a:lstStyle/>
-          <a:p>
-            <a:pPr algn="ctr"/>
-            <a:r>
-              <a:rPr lang="en-US" dirty="0">
-                <a:solidFill>
-                  <a:schemeClr val="tx1"/>
-                </a:solidFill>
-              </a:rPr>
-              <a:t>4</a:t>
-            </a:r>
-            <a:endParaRPr lang="en-US" dirty="0" smtClean="0">
-              <a:solidFill>
-                <a:schemeClr val="tx1"/>
-              </a:solidFill>
-            </a:endParaRPr>
-          </a:p>
-        </p:txBody>
-      </p:sp>
-      <p:cxnSp>
-        <p:nvCxnSpPr>
-          <p:cNvPr id="20" name="Straight Arrow Connector 19"/>
-          <p:cNvCxnSpPr>
-            <a:stCxn id="15" idx="6"/>
-            <a:endCxn id="16" idx="1"/>
-          </p:cNvCxnSpPr>
-          <p:nvPr/>
-        </p:nvCxnSpPr>
-        <p:spPr>
-          <a:xfrm>
-            <a:off x="3049123" y="4733731"/>
-            <a:ext cx="489123" cy="417128"/>
-          </a:xfrm>
-          <a:prstGeom prst="straightConnector1">
-            <a:avLst/>
-          </a:prstGeom>
-          <a:ln>
-            <a:tailEnd type="arrow"/>
-          </a:ln>
-        </p:spPr>
-        <p:style>
-          <a:lnRef idx="1">
-            <a:schemeClr val="dk1"/>
-          </a:lnRef>
-          <a:fillRef idx="0">
-            <a:schemeClr val="dk1"/>
-          </a:fillRef>
-          <a:effectRef idx="0">
-            <a:schemeClr val="dk1"/>
           </a:effectRef>
           <a:fontRef idx="minor">
             <a:schemeClr val="tx1"/>
@@ -9512,34 +8318,45 @@
       </p:cxnSp>
       <p:cxnSp>
         <p:nvCxnSpPr>
-          <p:cNvPr id="21" name="Straight Arrow Connector 20"/>
+          <p:cNvPr id="14" name="Straight Arrow Connector 13">
+            <a:extLst>
+              <a:ext uri="{FF2B5EF4-FFF2-40B4-BE49-F238E27FC236}">
+                <a16:creationId xmlns:a16="http://schemas.microsoft.com/office/drawing/2014/main" id="{1CCF16B9-A09E-4470-2324-7D202860F263}"/>
+              </a:ext>
+            </a:extLst>
+          </p:cNvPr>
           <p:cNvCxnSpPr>
-            <a:stCxn id="15" idx="4"/>
-            <a:endCxn id="17" idx="0"/>
+            <a:cxnSpLocks/>
           </p:cNvCxnSpPr>
           <p:nvPr/>
         </p:nvCxnSpPr>
         <p:spPr>
-          <a:xfrm>
-            <a:off x="2842562" y="4940292"/>
-            <a:ext cx="127374" cy="620338"/>
+          <a:xfrm flipH="1">
+            <a:off x="2757488" y="4729163"/>
+            <a:ext cx="685800" cy="228600"/>
           </a:xfrm>
           <a:prstGeom prst="straightConnector1">
             <a:avLst/>
           </a:prstGeom>
-          <a:ln>
-            <a:tailEnd type="arrow"/>
+          <a:ln w="57150">
+            <a:solidFill>
+              <a:schemeClr val="accent1">
+                <a:lumMod val="40000"/>
+                <a:lumOff val="60000"/>
+              </a:schemeClr>
+            </a:solidFill>
+            <a:tailEnd type="triangle"/>
           </a:ln>
         </p:spPr>
         <p:style>
           <a:lnRef idx="1">
-            <a:schemeClr val="dk1"/>
+            <a:schemeClr val="accent1"/>
           </a:lnRef>
           <a:fillRef idx="0">
-            <a:schemeClr val="dk1"/>
+            <a:schemeClr val="accent1"/>
           </a:fillRef>
           <a:effectRef idx="0">
-            <a:schemeClr val="dk1"/>
+            <a:schemeClr val="accent1"/>
           </a:effectRef>
           <a:fontRef idx="minor">
             <a:schemeClr val="tx1"/>
@@ -9548,34 +8365,42 @@
       </p:cxnSp>
       <p:cxnSp>
         <p:nvCxnSpPr>
-          <p:cNvPr id="22" name="Straight Arrow Connector 21"/>
-          <p:cNvCxnSpPr>
-            <a:stCxn id="17" idx="2"/>
-            <a:endCxn id="19" idx="6"/>
-          </p:cNvCxnSpPr>
+          <p:cNvPr id="4" name="Straight Arrow Connector 3">
+            <a:extLst>
+              <a:ext uri="{FF2B5EF4-FFF2-40B4-BE49-F238E27FC236}">
+                <a16:creationId xmlns:a16="http://schemas.microsoft.com/office/drawing/2014/main" id="{98ADD665-6FC6-CEB4-6D76-8C26111BF116}"/>
+              </a:ext>
+            </a:extLst>
+          </p:cNvPr>
+          <p:cNvCxnSpPr/>
           <p:nvPr/>
         </p:nvCxnSpPr>
         <p:spPr>
-          <a:xfrm flipH="1">
-            <a:off x="2249022" y="5767191"/>
-            <a:ext cx="514353" cy="190500"/>
+          <a:xfrm>
+            <a:off x="4479112" y="5881688"/>
+            <a:ext cx="683401" cy="0"/>
           </a:xfrm>
           <a:prstGeom prst="straightConnector1">
             <a:avLst/>
           </a:prstGeom>
-          <a:ln>
-            <a:tailEnd type="arrow"/>
+          <a:ln w="57150">
+            <a:solidFill>
+              <a:schemeClr val="accent1">
+                <a:lumMod val="75000"/>
+              </a:schemeClr>
+            </a:solidFill>
+            <a:tailEnd type="triangle"/>
           </a:ln>
         </p:spPr>
         <p:style>
           <a:lnRef idx="1">
-            <a:schemeClr val="dk1"/>
+            <a:schemeClr val="accent1"/>
           </a:lnRef>
           <a:fillRef idx="0">
-            <a:schemeClr val="dk1"/>
+            <a:schemeClr val="accent1"/>
           </a:fillRef>
           <a:effectRef idx="0">
-            <a:schemeClr val="dk1"/>
+            <a:schemeClr val="accent1"/>
           </a:effectRef>
           <a:fontRef idx="minor">
             <a:schemeClr val="tx1"/>
@@ -9584,34 +8409,136 @@
       </p:cxnSp>
       <p:cxnSp>
         <p:nvCxnSpPr>
-          <p:cNvPr id="23" name="Straight Arrow Connector 22"/>
+          <p:cNvPr id="6" name="Straight Arrow Connector 5">
+            <a:extLst>
+              <a:ext uri="{FF2B5EF4-FFF2-40B4-BE49-F238E27FC236}">
+                <a16:creationId xmlns:a16="http://schemas.microsoft.com/office/drawing/2014/main" id="{3C0F131E-E90A-3652-2E94-739BA4B3AD14}"/>
+              </a:ext>
+            </a:extLst>
+          </p:cNvPr>
+          <p:cNvCxnSpPr/>
+          <p:nvPr/>
+        </p:nvCxnSpPr>
+        <p:spPr>
+          <a:xfrm>
+            <a:off x="8167688" y="5195887"/>
+            <a:ext cx="683401" cy="0"/>
+          </a:xfrm>
+          <a:prstGeom prst="straightConnector1">
+            <a:avLst/>
+          </a:prstGeom>
+          <a:ln w="57150">
+            <a:solidFill>
+              <a:schemeClr val="accent1">
+                <a:lumMod val="75000"/>
+              </a:schemeClr>
+            </a:solidFill>
+            <a:tailEnd type="triangle"/>
+          </a:ln>
+        </p:spPr>
+        <p:style>
+          <a:lnRef idx="1">
+            <a:schemeClr val="accent1"/>
+          </a:lnRef>
+          <a:fillRef idx="0">
+            <a:schemeClr val="accent1"/>
+          </a:fillRef>
+          <a:effectRef idx="0">
+            <a:schemeClr val="accent1"/>
+          </a:effectRef>
+          <a:fontRef idx="minor">
+            <a:schemeClr val="tx1"/>
+          </a:fontRef>
+        </p:style>
+      </p:cxnSp>
+      <p:cxnSp>
+        <p:nvCxnSpPr>
+          <p:cNvPr id="8" name="Straight Arrow Connector 7">
+            <a:extLst>
+              <a:ext uri="{FF2B5EF4-FFF2-40B4-BE49-F238E27FC236}">
+                <a16:creationId xmlns:a16="http://schemas.microsoft.com/office/drawing/2014/main" id="{953C8946-F2DA-9D06-E8E1-65ED0C5F25D8}"/>
+              </a:ext>
+            </a:extLst>
+          </p:cNvPr>
           <p:cNvCxnSpPr>
-            <a:stCxn id="19" idx="0"/>
-            <a:endCxn id="18" idx="4"/>
+            <a:cxnSpLocks/>
           </p:cNvCxnSpPr>
           <p:nvPr/>
         </p:nvCxnSpPr>
         <p:spPr>
-          <a:xfrm flipH="1" flipV="1">
-            <a:off x="1835900" y="5202228"/>
-            <a:ext cx="206561" cy="548902"/>
+          <a:xfrm flipH="1">
+            <a:off x="6562761" y="4685505"/>
+            <a:ext cx="685800" cy="228600"/>
           </a:xfrm>
           <a:prstGeom prst="straightConnector1">
             <a:avLst/>
           </a:prstGeom>
-          <a:ln>
-            <a:tailEnd type="arrow"/>
+          <a:ln w="57150">
+            <a:solidFill>
+              <a:schemeClr val="accent1">
+                <a:lumMod val="40000"/>
+                <a:lumOff val="60000"/>
+              </a:schemeClr>
+            </a:solidFill>
+            <a:tailEnd type="triangle"/>
           </a:ln>
         </p:spPr>
         <p:style>
           <a:lnRef idx="1">
-            <a:schemeClr val="dk1"/>
+            <a:schemeClr val="accent1"/>
           </a:lnRef>
           <a:fillRef idx="0">
-            <a:schemeClr val="dk1"/>
+            <a:schemeClr val="accent1"/>
           </a:fillRef>
           <a:effectRef idx="0">
-            <a:schemeClr val="dk1"/>
+            <a:schemeClr val="accent1"/>
+          </a:effectRef>
+          <a:fontRef idx="minor">
+            <a:schemeClr val="tx1"/>
+          </a:fontRef>
+        </p:style>
+      </p:cxnSp>
+      <p:cxnSp>
+        <p:nvCxnSpPr>
+          <p:cNvPr id="10" name="Straight Arrow Connector 9">
+            <a:extLst>
+              <a:ext uri="{FF2B5EF4-FFF2-40B4-BE49-F238E27FC236}">
+                <a16:creationId xmlns:a16="http://schemas.microsoft.com/office/drawing/2014/main" id="{73A92731-B2F7-2195-B2DA-1A6401977BE5}"/>
+              </a:ext>
+            </a:extLst>
+          </p:cNvPr>
+          <p:cNvCxnSpPr>
+            <a:cxnSpLocks/>
+          </p:cNvCxnSpPr>
+          <p:nvPr/>
+        </p:nvCxnSpPr>
+        <p:spPr>
+          <a:xfrm flipH="1">
+            <a:off x="11004547" y="4091795"/>
+            <a:ext cx="685800" cy="228600"/>
+          </a:xfrm>
+          <a:prstGeom prst="straightConnector1">
+            <a:avLst/>
+          </a:prstGeom>
+          <a:ln w="57150">
+            <a:solidFill>
+              <a:schemeClr val="accent1">
+                <a:lumMod val="40000"/>
+                <a:lumOff val="60000"/>
+              </a:schemeClr>
+            </a:solidFill>
+            <a:tailEnd type="triangle"/>
+          </a:ln>
+        </p:spPr>
+        <p:style>
+          <a:lnRef idx="1">
+            <a:schemeClr val="accent1"/>
+          </a:lnRef>
+          <a:fillRef idx="0">
+            <a:schemeClr val="accent1"/>
+          </a:fillRef>
+          <a:effectRef idx="0">
+            <a:schemeClr val="accent1"/>
           </a:effectRef>
           <a:fontRef idx="minor">
             <a:schemeClr val="tx1"/>
@@ -9620,423 +8547,20 @@
       </p:cxnSp>
       <p:sp>
         <p:nvSpPr>
-          <p:cNvPr id="24" name="Oval 23"/>
-          <p:cNvSpPr/>
-          <p:nvPr/>
-        </p:nvSpPr>
-        <p:spPr>
-          <a:xfrm>
-            <a:off x="5571848" y="4539687"/>
-            <a:ext cx="413122" cy="413122"/>
-          </a:xfrm>
-          <a:prstGeom prst="ellipse">
-            <a:avLst/>
-          </a:prstGeom>
-          <a:solidFill>
-            <a:schemeClr val="bg1"/>
-          </a:solidFill>
-          <a:ln>
-            <a:solidFill>
-              <a:schemeClr val="tx1"/>
-            </a:solidFill>
-          </a:ln>
-        </p:spPr>
-        <p:style>
-          <a:lnRef idx="2">
-            <a:schemeClr val="accent1">
-              <a:shade val="50000"/>
-            </a:schemeClr>
-          </a:lnRef>
-          <a:fillRef idx="1">
-            <a:schemeClr val="accent1"/>
-          </a:fillRef>
-          <a:effectRef idx="0">
-            <a:schemeClr val="accent1"/>
-          </a:effectRef>
-          <a:fontRef idx="minor">
-            <a:schemeClr val="lt1"/>
-          </a:fontRef>
-        </p:style>
-        <p:txBody>
-          <a:bodyPr rtlCol="0" anchor="ctr"/>
-          <a:lstStyle/>
-          <a:p>
-            <a:pPr algn="ctr"/>
-            <a:r>
-              <a:rPr lang="en-US" dirty="0">
-                <a:solidFill>
-                  <a:schemeClr val="tx1"/>
-                </a:solidFill>
-              </a:rPr>
-              <a:t>A</a:t>
-            </a:r>
-            <a:endParaRPr lang="en-US" dirty="0" smtClean="0">
-              <a:solidFill>
-                <a:schemeClr val="tx1"/>
-              </a:solidFill>
-            </a:endParaRPr>
-          </a:p>
-        </p:txBody>
-      </p:sp>
-      <p:sp>
-        <p:nvSpPr>
-          <p:cNvPr id="25" name="Oval 24"/>
-          <p:cNvSpPr/>
-          <p:nvPr/>
-        </p:nvSpPr>
-        <p:spPr>
-          <a:xfrm>
-            <a:off x="6261470" y="5133418"/>
-            <a:ext cx="413122" cy="413122"/>
-          </a:xfrm>
-          <a:prstGeom prst="ellipse">
-            <a:avLst/>
-          </a:prstGeom>
-          <a:solidFill>
-            <a:schemeClr val="bg1"/>
-          </a:solidFill>
-          <a:ln>
-            <a:solidFill>
-              <a:schemeClr val="tx1"/>
-            </a:solidFill>
-          </a:ln>
-        </p:spPr>
-        <p:style>
-          <a:lnRef idx="2">
-            <a:schemeClr val="accent1">
-              <a:shade val="50000"/>
-            </a:schemeClr>
-          </a:lnRef>
-          <a:fillRef idx="1">
-            <a:schemeClr val="accent1"/>
-          </a:fillRef>
-          <a:effectRef idx="0">
-            <a:schemeClr val="accent1"/>
-          </a:effectRef>
-          <a:fontRef idx="minor">
-            <a:schemeClr val="lt1"/>
-          </a:fontRef>
-        </p:style>
-        <p:txBody>
-          <a:bodyPr rtlCol="0" anchor="ctr"/>
-          <a:lstStyle/>
-          <a:p>
-            <a:pPr algn="ctr"/>
-            <a:r>
-              <a:rPr lang="en-US" dirty="0" smtClean="0">
-                <a:solidFill>
-                  <a:schemeClr val="tx1"/>
-                </a:solidFill>
-              </a:rPr>
-              <a:t>C</a:t>
-            </a:r>
-          </a:p>
-        </p:txBody>
-      </p:sp>
-      <p:sp>
-        <p:nvSpPr>
-          <p:cNvPr id="26" name="Oval 25"/>
-          <p:cNvSpPr/>
-          <p:nvPr/>
-        </p:nvSpPr>
-        <p:spPr>
-          <a:xfrm>
-            <a:off x="5586044" y="5792025"/>
-            <a:ext cx="413122" cy="413122"/>
-          </a:xfrm>
-          <a:prstGeom prst="ellipse">
-            <a:avLst/>
-          </a:prstGeom>
-          <a:solidFill>
-            <a:schemeClr val="bg1"/>
-          </a:solidFill>
-          <a:ln>
-            <a:solidFill>
-              <a:schemeClr val="tx1"/>
-            </a:solidFill>
-          </a:ln>
-        </p:spPr>
-        <p:style>
-          <a:lnRef idx="2">
-            <a:schemeClr val="accent1">
-              <a:shade val="50000"/>
-            </a:schemeClr>
-          </a:lnRef>
-          <a:fillRef idx="1">
-            <a:schemeClr val="accent1"/>
-          </a:fillRef>
-          <a:effectRef idx="0">
-            <a:schemeClr val="accent1"/>
-          </a:effectRef>
-          <a:fontRef idx="minor">
-            <a:schemeClr val="lt1"/>
-          </a:fontRef>
-        </p:style>
-        <p:txBody>
-          <a:bodyPr rtlCol="0" anchor="ctr"/>
-          <a:lstStyle/>
-          <a:p>
-            <a:pPr algn="ctr"/>
-            <a:r>
-              <a:rPr lang="en-US" dirty="0" smtClean="0">
-                <a:solidFill>
-                  <a:schemeClr val="tx1"/>
-                </a:solidFill>
-              </a:rPr>
-              <a:t>B</a:t>
-            </a:r>
-          </a:p>
-        </p:txBody>
-      </p:sp>
-      <p:sp>
-        <p:nvSpPr>
-          <p:cNvPr id="27" name="Oval 26"/>
-          <p:cNvSpPr/>
-          <p:nvPr/>
-        </p:nvSpPr>
-        <p:spPr>
-          <a:xfrm>
-            <a:off x="4907993" y="5133418"/>
-            <a:ext cx="413122" cy="413122"/>
-          </a:xfrm>
-          <a:prstGeom prst="ellipse">
-            <a:avLst/>
-          </a:prstGeom>
-          <a:solidFill>
-            <a:schemeClr val="bg1"/>
-          </a:solidFill>
-          <a:ln>
-            <a:solidFill>
-              <a:schemeClr val="tx1"/>
-            </a:solidFill>
-          </a:ln>
-        </p:spPr>
-        <p:style>
-          <a:lnRef idx="2">
-            <a:schemeClr val="accent1">
-              <a:shade val="50000"/>
-            </a:schemeClr>
-          </a:lnRef>
-          <a:fillRef idx="1">
-            <a:schemeClr val="accent1"/>
-          </a:fillRef>
-          <a:effectRef idx="0">
-            <a:schemeClr val="accent1"/>
-          </a:effectRef>
-          <a:fontRef idx="minor">
-            <a:schemeClr val="lt1"/>
-          </a:fontRef>
-        </p:style>
-        <p:txBody>
-          <a:bodyPr rtlCol="0" anchor="ctr"/>
-          <a:lstStyle/>
-          <a:p>
-            <a:pPr algn="ctr"/>
-            <a:r>
-              <a:rPr lang="en-US" dirty="0">
-                <a:solidFill>
-                  <a:schemeClr val="tx1"/>
-                </a:solidFill>
-              </a:rPr>
-              <a:t>D</a:t>
-            </a:r>
-            <a:endParaRPr lang="en-US" dirty="0" smtClean="0">
-              <a:solidFill>
-                <a:schemeClr val="tx1"/>
-              </a:solidFill>
-            </a:endParaRPr>
-          </a:p>
-        </p:txBody>
-      </p:sp>
-      <p:cxnSp>
-        <p:nvCxnSpPr>
-          <p:cNvPr id="28" name="Straight Arrow Connector 27"/>
-          <p:cNvCxnSpPr>
-            <a:stCxn id="24" idx="6"/>
-            <a:endCxn id="25" idx="1"/>
-          </p:cNvCxnSpPr>
-          <p:nvPr/>
-        </p:nvCxnSpPr>
-        <p:spPr>
-          <a:xfrm>
-            <a:off x="5984970" y="4746248"/>
-            <a:ext cx="337000" cy="447670"/>
-          </a:xfrm>
-          <a:prstGeom prst="straightConnector1">
-            <a:avLst/>
-          </a:prstGeom>
-          <a:ln>
-            <a:tailEnd type="arrow"/>
-          </a:ln>
-        </p:spPr>
-        <p:style>
-          <a:lnRef idx="1">
-            <a:schemeClr val="dk1"/>
-          </a:lnRef>
-          <a:fillRef idx="0">
-            <a:schemeClr val="dk1"/>
-          </a:fillRef>
-          <a:effectRef idx="0">
-            <a:schemeClr val="dk1"/>
-          </a:effectRef>
-          <a:fontRef idx="minor">
-            <a:schemeClr val="tx1"/>
-          </a:fontRef>
-        </p:style>
-      </p:cxnSp>
-      <p:cxnSp>
-        <p:nvCxnSpPr>
-          <p:cNvPr id="29" name="Straight Arrow Connector 28"/>
-          <p:cNvCxnSpPr>
-            <a:stCxn id="24" idx="4"/>
-            <a:endCxn id="26" idx="0"/>
-          </p:cNvCxnSpPr>
-          <p:nvPr/>
-        </p:nvCxnSpPr>
-        <p:spPr>
-          <a:xfrm>
-            <a:off x="5778409" y="4952809"/>
-            <a:ext cx="14196" cy="839216"/>
-          </a:xfrm>
-          <a:prstGeom prst="straightConnector1">
-            <a:avLst/>
-          </a:prstGeom>
-          <a:ln>
-            <a:tailEnd type="arrow"/>
-          </a:ln>
-        </p:spPr>
-        <p:style>
-          <a:lnRef idx="1">
-            <a:schemeClr val="dk1"/>
-          </a:lnRef>
-          <a:fillRef idx="0">
-            <a:schemeClr val="dk1"/>
-          </a:fillRef>
-          <a:effectRef idx="0">
-            <a:schemeClr val="dk1"/>
-          </a:effectRef>
-          <a:fontRef idx="minor">
-            <a:schemeClr val="tx1"/>
-          </a:fontRef>
-        </p:style>
-      </p:cxnSp>
-      <p:cxnSp>
-        <p:nvCxnSpPr>
-          <p:cNvPr id="30" name="Straight Arrow Connector 29"/>
-          <p:cNvCxnSpPr>
-            <a:stCxn id="24" idx="2"/>
-            <a:endCxn id="27" idx="7"/>
-          </p:cNvCxnSpPr>
-          <p:nvPr/>
-        </p:nvCxnSpPr>
-        <p:spPr>
-          <a:xfrm flipH="1">
-            <a:off x="5260615" y="4746248"/>
-            <a:ext cx="311233" cy="447670"/>
-          </a:xfrm>
-          <a:prstGeom prst="straightConnector1">
-            <a:avLst/>
-          </a:prstGeom>
-          <a:ln>
-            <a:tailEnd type="arrow"/>
-          </a:ln>
-        </p:spPr>
-        <p:style>
-          <a:lnRef idx="1">
-            <a:schemeClr val="dk1"/>
-          </a:lnRef>
-          <a:fillRef idx="0">
-            <a:schemeClr val="dk1"/>
-          </a:fillRef>
-          <a:effectRef idx="0">
-            <a:schemeClr val="dk1"/>
-          </a:effectRef>
-          <a:fontRef idx="minor">
-            <a:schemeClr val="tx1"/>
-          </a:fontRef>
-        </p:style>
-      </p:cxnSp>
-      <p:cxnSp>
-        <p:nvCxnSpPr>
-          <p:cNvPr id="31" name="Straight Arrow Connector 30"/>
-          <p:cNvCxnSpPr>
-            <a:stCxn id="26" idx="7"/>
-            <a:endCxn id="25" idx="3"/>
-          </p:cNvCxnSpPr>
-          <p:nvPr/>
-        </p:nvCxnSpPr>
-        <p:spPr>
-          <a:xfrm flipV="1">
-            <a:off x="5938666" y="5486040"/>
-            <a:ext cx="383304" cy="366485"/>
-          </a:xfrm>
-          <a:prstGeom prst="straightConnector1">
-            <a:avLst/>
-          </a:prstGeom>
-          <a:ln>
-            <a:tailEnd type="arrow"/>
-          </a:ln>
-        </p:spPr>
-        <p:style>
-          <a:lnRef idx="1">
-            <a:schemeClr val="dk1"/>
-          </a:lnRef>
-          <a:fillRef idx="0">
-            <a:schemeClr val="dk1"/>
-          </a:fillRef>
-          <a:effectRef idx="0">
-            <a:schemeClr val="dk1"/>
-          </a:effectRef>
-          <a:fontRef idx="minor">
-            <a:schemeClr val="tx1"/>
-          </a:fontRef>
-        </p:style>
-      </p:cxnSp>
-      <p:pic>
-        <p:nvPicPr>
-          <p:cNvPr id="32" name="Picture 31">
-            <a:extLst>
-              <a:ext uri="{FF2B5EF4-FFF2-40B4-BE49-F238E27FC236}">
-                <a16:creationId xmlns:a16="http://schemas.microsoft.com/office/drawing/2014/main" xmlns="" id="{DF5E120D-8E2E-D414-9BE3-A68A099B210E}"/>
-              </a:ext>
-            </a:extLst>
-          </p:cNvPr>
-          <p:cNvPicPr>
-            <a:picLocks noChangeAspect="1"/>
-          </p:cNvPicPr>
-          <p:nvPr/>
-        </p:nvPicPr>
-        <p:blipFill rotWithShape="1">
-          <a:blip r:embed="rId2">
-            <a:extLst>
-              <a:ext uri="{28A0092B-C50C-407E-A947-70E740481C1C}">
-                <a14:useLocalDpi xmlns:a14="http://schemas.microsoft.com/office/drawing/2010/main" val="0"/>
-              </a:ext>
-            </a:extLst>
-          </a:blip>
-          <a:srcRect t="6531" b="9403"/>
-          <a:stretch/>
-        </p:blipFill>
-        <p:spPr>
-          <a:xfrm>
-            <a:off x="7448518" y="2563999"/>
-            <a:ext cx="4316412" cy="3628631"/>
-          </a:xfrm>
-          <a:prstGeom prst="rect">
-            <a:avLst/>
-          </a:prstGeom>
-        </p:spPr>
-      </p:pic>
-      <p:sp>
-        <p:nvSpPr>
-          <p:cNvPr id="33" name="TextBox 32"/>
+          <p:cNvPr id="11" name="TextBox 10">
+            <a:extLst>
+              <a:ext uri="{FF2B5EF4-FFF2-40B4-BE49-F238E27FC236}">
+                <a16:creationId xmlns:a16="http://schemas.microsoft.com/office/drawing/2014/main" id="{25E40C69-AAB7-773A-3E63-8815E4C667BB}"/>
+              </a:ext>
+            </a:extLst>
+          </p:cNvPr>
           <p:cNvSpPr txBox="1"/>
           <p:nvPr/>
         </p:nvSpPr>
         <p:spPr>
           <a:xfrm>
-            <a:off x="3943350" y="5933881"/>
-            <a:ext cx="933012" cy="369332"/>
+            <a:off x="7248561" y="4465160"/>
+            <a:ext cx="734175" cy="369332"/>
           </a:xfrm>
           <a:prstGeom prst="rect">
             <a:avLst/>
@@ -10050,115 +8574,34 @@
           <a:lstStyle/>
           <a:p>
             <a:r>
-              <a:rPr lang="en-US" dirty="0" smtClean="0"/>
-              <a:t>Vertices</a:t>
-            </a:r>
-            <a:endParaRPr lang="en-US" dirty="0"/>
+              <a:rPr lang="en-US" dirty="0">
+                <a:solidFill>
+                  <a:schemeClr val="accent1">
+                    <a:lumMod val="75000"/>
+                  </a:schemeClr>
+                </a:solidFill>
+              </a:rPr>
+              <a:t>edges</a:t>
+            </a:r>
           </a:p>
         </p:txBody>
       </p:sp>
       <p:sp>
         <p:nvSpPr>
-          <p:cNvPr id="36" name="Up Arrow 35"/>
-          <p:cNvSpPr/>
-          <p:nvPr/>
-        </p:nvSpPr>
-        <p:spPr>
-          <a:xfrm rot="5400000">
-            <a:off x="9826203" y="3045913"/>
-            <a:ext cx="202863" cy="934628"/>
-          </a:xfrm>
-          <a:prstGeom prst="upArrow">
-            <a:avLst/>
-          </a:prstGeom>
-          <a:solidFill>
-            <a:schemeClr val="accent4">
-              <a:lumMod val="60000"/>
-              <a:lumOff val="40000"/>
-            </a:schemeClr>
-          </a:solidFill>
-        </p:spPr>
-        <p:style>
-          <a:lnRef idx="2">
-            <a:schemeClr val="accent1">
-              <a:shade val="50000"/>
-            </a:schemeClr>
-          </a:lnRef>
-          <a:fillRef idx="1">
-            <a:schemeClr val="accent1"/>
-          </a:fillRef>
-          <a:effectRef idx="0">
-            <a:schemeClr val="accent1"/>
-          </a:effectRef>
-          <a:fontRef idx="minor">
-            <a:schemeClr val="lt1"/>
-          </a:fontRef>
-        </p:style>
-        <p:txBody>
-          <a:bodyPr rtlCol="0" anchor="ctr"/>
-          <a:lstStyle/>
-          <a:p>
-            <a:pPr algn="ctr"/>
-            <a:endParaRPr lang="en-US"/>
-          </a:p>
-        </p:txBody>
-      </p:sp>
-      <p:sp>
-        <p:nvSpPr>
-          <p:cNvPr id="37" name="Up Arrow 36"/>
-          <p:cNvSpPr/>
-          <p:nvPr/>
-        </p:nvSpPr>
-        <p:spPr>
-          <a:xfrm rot="18960734">
-            <a:off x="3956802" y="5476686"/>
-            <a:ext cx="202863" cy="581010"/>
-          </a:xfrm>
-          <a:prstGeom prst="upArrow">
-            <a:avLst/>
-          </a:prstGeom>
-          <a:solidFill>
-            <a:schemeClr val="accent1">
-              <a:lumMod val="40000"/>
-              <a:lumOff val="60000"/>
-            </a:schemeClr>
-          </a:solidFill>
-        </p:spPr>
-        <p:style>
-          <a:lnRef idx="2">
-            <a:schemeClr val="accent1">
-              <a:shade val="50000"/>
-            </a:schemeClr>
-          </a:lnRef>
-          <a:fillRef idx="1">
-            <a:schemeClr val="accent1"/>
-          </a:fillRef>
-          <a:effectRef idx="0">
-            <a:schemeClr val="accent1"/>
-          </a:effectRef>
-          <a:fontRef idx="minor">
-            <a:schemeClr val="lt1"/>
-          </a:fontRef>
-        </p:style>
-        <p:txBody>
-          <a:bodyPr rtlCol="0" anchor="ctr"/>
-          <a:lstStyle/>
-          <a:p>
-            <a:pPr algn="ctr"/>
-            <a:endParaRPr lang="en-US"/>
-          </a:p>
-        </p:txBody>
-      </p:sp>
-      <p:sp>
-        <p:nvSpPr>
-          <p:cNvPr id="39" name="TextBox 38"/>
+          <p:cNvPr id="12" name="TextBox 11">
+            <a:extLst>
+              <a:ext uri="{FF2B5EF4-FFF2-40B4-BE49-F238E27FC236}">
+                <a16:creationId xmlns:a16="http://schemas.microsoft.com/office/drawing/2014/main" id="{C2D554D5-ACAF-44BE-A0AE-5FAD5C39073F}"/>
+              </a:ext>
+            </a:extLst>
+          </p:cNvPr>
           <p:cNvSpPr txBox="1"/>
           <p:nvPr/>
         </p:nvSpPr>
         <p:spPr>
           <a:xfrm>
-            <a:off x="8680450" y="3324547"/>
-            <a:ext cx="727571" cy="369332"/>
+            <a:off x="3742705" y="5697022"/>
+            <a:ext cx="767967" cy="369332"/>
           </a:xfrm>
           <a:prstGeom prst="rect">
             <a:avLst/>
@@ -10172,101 +8615,15 @@
           <a:lstStyle/>
           <a:p>
             <a:r>
-              <a:rPr lang="en-US" dirty="0" smtClean="0"/>
-              <a:t>Edges</a:t>
-            </a:r>
-          </a:p>
-        </p:txBody>
-      </p:sp>
-      <p:sp>
-        <p:nvSpPr>
-          <p:cNvPr id="40" name="Up Arrow 39"/>
-          <p:cNvSpPr/>
-          <p:nvPr/>
-        </p:nvSpPr>
-        <p:spPr>
-          <a:xfrm rot="10800000">
-            <a:off x="8874956" y="3693877"/>
-            <a:ext cx="202863" cy="1246414"/>
-          </a:xfrm>
-          <a:prstGeom prst="upArrow">
-            <a:avLst/>
-          </a:prstGeom>
-          <a:solidFill>
-            <a:schemeClr val="accent4">
-              <a:lumMod val="60000"/>
-              <a:lumOff val="40000"/>
-            </a:schemeClr>
-          </a:solidFill>
-        </p:spPr>
-        <p:style>
-          <a:lnRef idx="2">
-            <a:schemeClr val="accent1">
-              <a:shade val="50000"/>
-            </a:schemeClr>
-          </a:lnRef>
-          <a:fillRef idx="1">
-            <a:schemeClr val="accent1"/>
-          </a:fillRef>
-          <a:effectRef idx="0">
-            <a:schemeClr val="accent1"/>
-          </a:effectRef>
-          <a:fontRef idx="minor">
-            <a:schemeClr val="lt1"/>
-          </a:fontRef>
-        </p:style>
-        <p:txBody>
-          <a:bodyPr rtlCol="0" anchor="ctr"/>
-          <a:lstStyle/>
-          <a:p>
-            <a:pPr algn="ctr"/>
-            <a:endParaRPr lang="en-US"/>
-          </a:p>
-        </p:txBody>
-      </p:sp>
-      <p:sp>
-        <p:nvSpPr>
-          <p:cNvPr id="41" name="Up Arrow 40"/>
-          <p:cNvSpPr/>
-          <p:nvPr/>
-        </p:nvSpPr>
-        <p:spPr>
-          <a:xfrm rot="2606823">
-            <a:off x="4487959" y="5492435"/>
-            <a:ext cx="202863" cy="581010"/>
-          </a:xfrm>
-          <a:prstGeom prst="upArrow">
-            <a:avLst/>
-          </a:prstGeom>
-          <a:solidFill>
-            <a:schemeClr val="accent1">
-              <a:lumMod val="40000"/>
-              <a:lumOff val="60000"/>
-            </a:schemeClr>
-          </a:solidFill>
-        </p:spPr>
-        <p:style>
-          <a:lnRef idx="2">
-            <a:schemeClr val="accent1">
-              <a:shade val="50000"/>
-            </a:schemeClr>
-          </a:lnRef>
-          <a:fillRef idx="1">
-            <a:schemeClr val="accent1"/>
-          </a:fillRef>
-          <a:effectRef idx="0">
-            <a:schemeClr val="accent1"/>
-          </a:effectRef>
-          <a:fontRef idx="minor">
-            <a:schemeClr val="lt1"/>
-          </a:fontRef>
-        </p:style>
-        <p:txBody>
-          <a:bodyPr rtlCol="0" anchor="ctr"/>
-          <a:lstStyle/>
-          <a:p>
-            <a:pPr algn="ctr"/>
-            <a:endParaRPr lang="en-US"/>
+              <a:rPr lang="en-US" dirty="0">
+                <a:solidFill>
+                  <a:schemeClr val="accent1">
+                    <a:lumMod val="50000"/>
+                  </a:schemeClr>
+                </a:solidFill>
+              </a:rPr>
+              <a:t>vertex</a:t>
+            </a:r>
           </a:p>
         </p:txBody>
       </p:sp>
@@ -10305,7 +8662,7 @@
           <p:cNvPr id="2" name="Title 1">
             <a:extLst>
               <a:ext uri="{FF2B5EF4-FFF2-40B4-BE49-F238E27FC236}">
-                <a16:creationId xmlns:a16="http://schemas.microsoft.com/office/drawing/2014/main" xmlns="" id="{5D30DDF8-853A-DFDB-A947-FE9D44C8E03C}"/>
+                <a16:creationId xmlns:a16="http://schemas.microsoft.com/office/drawing/2014/main" id="{5D30DDF8-853A-DFDB-A947-FE9D44C8E03C}"/>
               </a:ext>
             </a:extLst>
           </p:cNvPr>
@@ -10362,7 +8719,7 @@
           <p:cNvPr id="3" name="Text Placeholder 2">
             <a:extLst>
               <a:ext uri="{FF2B5EF4-FFF2-40B4-BE49-F238E27FC236}">
-                <a16:creationId xmlns:a16="http://schemas.microsoft.com/office/drawing/2014/main" xmlns="" id="{F3FFBF10-3A6A-039D-96F3-6E61CA66CD1E}"/>
+                <a16:creationId xmlns:a16="http://schemas.microsoft.com/office/drawing/2014/main" id="{F3FFBF10-3A6A-039D-96F3-6E61CA66CD1E}"/>
               </a:ext>
             </a:extLst>
           </p:cNvPr>
@@ -10392,7 +8749,7 @@
                   </a:schemeClr>
                 </a:solidFill>
               </a:rPr>
-              <a:t>𝐴 = {(1→2), (1→3), (3→4), (4→5)} </a:t>
+              <a:t>𝐴 = {(1, 2), (1, 3), (3, 4), (4, 5)} </a:t>
             </a:r>
           </a:p>
           <a:p>
@@ -10405,7 +8762,7 @@
                   </a:schemeClr>
                 </a:solidFill>
               </a:rPr>
-              <a:t>𝐵 = {(A→B), (B→C), (A→C), (A→D)} </a:t>
+              <a:t>𝐵 = {(A, B), (B, C), (A, C), (A, D)} </a:t>
             </a:r>
           </a:p>
           <a:p>
@@ -10418,339 +8775,154 @@
                   </a:schemeClr>
                 </a:solidFill>
               </a:rPr>
-              <a:t>𝐶 = {(LHR, KHI), (LHR, ISB), (FSD, SWL), (MUL, SGD)}</a:t>
-            </a:r>
-            <a:endParaRPr lang="en-US" dirty="0">
-              <a:solidFill>
-                <a:schemeClr val="tx1">
-                  <a:lumMod val="95000"/>
-                  <a:lumOff val="5000"/>
-                </a:schemeClr>
-              </a:solidFill>
-            </a:endParaRPr>
+              <a:t>𝐶 = {(LHR,KRA), (LHR,ISB), (FSD,SWL), (STD,MUL)}</a:t>
+            </a:r>
           </a:p>
         </p:txBody>
       </p:sp>
-      <p:sp>
-        <p:nvSpPr>
-          <p:cNvPr id="18" name="Oval 17"/>
-          <p:cNvSpPr/>
+      <p:pic>
+        <p:nvPicPr>
+          <p:cNvPr id="5" name="Picture 4">
+            <a:extLst>
+              <a:ext uri="{FF2B5EF4-FFF2-40B4-BE49-F238E27FC236}">
+                <a16:creationId xmlns:a16="http://schemas.microsoft.com/office/drawing/2014/main" id="{DF5E120D-8E2E-D414-9BE3-A68A099B210E}"/>
+              </a:ext>
+            </a:extLst>
+          </p:cNvPr>
+          <p:cNvPicPr>
+            <a:picLocks noChangeAspect="1"/>
+          </p:cNvPicPr>
           <p:nvPr/>
-        </p:nvSpPr>
+        </p:nvPicPr>
+        <p:blipFill rotWithShape="1">
+          <a:blip r:embed="rId2">
+            <a:extLst>
+              <a:ext uri="{28A0092B-C50C-407E-A947-70E740481C1C}">
+                <a14:useLocalDpi xmlns:a14="http://schemas.microsoft.com/office/drawing/2010/main" val="0"/>
+              </a:ext>
+            </a:extLst>
+          </a:blip>
+          <a:srcRect t="6531" b="9403"/>
+          <a:stretch/>
+        </p:blipFill>
         <p:spPr>
           <a:xfrm>
-            <a:off x="2636001" y="4527170"/>
-            <a:ext cx="413122" cy="413122"/>
+            <a:off x="8343937" y="3702353"/>
+            <a:ext cx="3543263" cy="2978676"/>
           </a:xfrm>
-          <a:prstGeom prst="ellipse">
+          <a:prstGeom prst="rect">
             <a:avLst/>
           </a:prstGeom>
-          <a:solidFill>
-            <a:schemeClr val="bg1"/>
-          </a:solidFill>
-          <a:ln>
+        </p:spPr>
+      </p:pic>
+      <p:pic>
+        <p:nvPicPr>
+          <p:cNvPr id="7" name="Picture 6">
+            <a:extLst>
+              <a:ext uri="{FF2B5EF4-FFF2-40B4-BE49-F238E27FC236}">
+                <a16:creationId xmlns:a16="http://schemas.microsoft.com/office/drawing/2014/main" id="{5EC6C3A6-23EE-3547-4CDC-5D24A0A7D522}"/>
+              </a:ext>
+            </a:extLst>
+          </p:cNvPr>
+          <p:cNvPicPr>
+            <a:picLocks noChangeAspect="1"/>
+          </p:cNvPicPr>
+          <p:nvPr/>
+        </p:nvPicPr>
+        <p:blipFill rotWithShape="1">
+          <a:blip r:embed="rId3">
+            <a:extLst>
+              <a:ext uri="{28A0092B-C50C-407E-A947-70E740481C1C}">
+                <a14:useLocalDpi xmlns:a14="http://schemas.microsoft.com/office/drawing/2010/main" val="0"/>
+              </a:ext>
+            </a:extLst>
+          </a:blip>
+          <a:srcRect l="16208" t="18615" r="21275" b="9955"/>
+          <a:stretch/>
+        </p:blipFill>
+        <p:spPr>
+          <a:xfrm>
+            <a:off x="5162513" y="4318386"/>
+            <a:ext cx="1909799" cy="2182041"/>
+          </a:xfrm>
+          <a:prstGeom prst="rect">
+            <a:avLst/>
+          </a:prstGeom>
+        </p:spPr>
+      </p:pic>
+      <p:pic>
+        <p:nvPicPr>
+          <p:cNvPr id="9" name="Picture 8">
+            <a:extLst>
+              <a:ext uri="{FF2B5EF4-FFF2-40B4-BE49-F238E27FC236}">
+                <a16:creationId xmlns:a16="http://schemas.microsoft.com/office/drawing/2014/main" id="{BCAA92A2-3C81-650B-7F86-D978F3483C08}"/>
+              </a:ext>
+            </a:extLst>
+          </p:cNvPr>
+          <p:cNvPicPr>
+            <a:picLocks noChangeAspect="1"/>
+          </p:cNvPicPr>
+          <p:nvPr/>
+        </p:nvPicPr>
+        <p:blipFill rotWithShape="1">
+          <a:blip r:embed="rId4">
+            <a:extLst>
+              <a:ext uri="{28A0092B-C50C-407E-A947-70E740481C1C}">
+                <a14:useLocalDpi xmlns:a14="http://schemas.microsoft.com/office/drawing/2010/main" val="0"/>
+              </a:ext>
+            </a:extLst>
+          </a:blip>
+          <a:srcRect l="14925" t="15385" r="12455" b="21978"/>
+          <a:stretch/>
+        </p:blipFill>
+        <p:spPr>
+          <a:xfrm>
+            <a:off x="1112026" y="4505918"/>
+            <a:ext cx="2331262" cy="2010805"/>
+          </a:xfrm>
+          <a:prstGeom prst="rect">
+            <a:avLst/>
+          </a:prstGeom>
+        </p:spPr>
+      </p:pic>
+      <p:cxnSp>
+        <p:nvCxnSpPr>
+          <p:cNvPr id="13" name="Straight Arrow Connector 12">
+            <a:extLst>
+              <a:ext uri="{FF2B5EF4-FFF2-40B4-BE49-F238E27FC236}">
+                <a16:creationId xmlns:a16="http://schemas.microsoft.com/office/drawing/2014/main" id="{0CF5CAB6-3C22-9FEC-7E1E-7B91C8E5761F}"/>
+              </a:ext>
+            </a:extLst>
+          </p:cNvPr>
+          <p:cNvCxnSpPr/>
+          <p:nvPr/>
+        </p:nvCxnSpPr>
+        <p:spPr>
+          <a:xfrm>
+            <a:off x="428625" y="5200650"/>
+            <a:ext cx="683401" cy="0"/>
+          </a:xfrm>
+          <a:prstGeom prst="straightConnector1">
+            <a:avLst/>
+          </a:prstGeom>
+          <a:ln w="57150">
             <a:solidFill>
-              <a:schemeClr val="tx1"/>
+              <a:schemeClr val="accent1">
+                <a:lumMod val="75000"/>
+              </a:schemeClr>
             </a:solidFill>
+            <a:tailEnd type="triangle"/>
           </a:ln>
         </p:spPr>
         <p:style>
-          <a:lnRef idx="2">
-            <a:schemeClr val="accent1">
-              <a:shade val="50000"/>
-            </a:schemeClr>
+          <a:lnRef idx="1">
+            <a:schemeClr val="accent1"/>
           </a:lnRef>
-          <a:fillRef idx="1">
+          <a:fillRef idx="0">
             <a:schemeClr val="accent1"/>
           </a:fillRef>
           <a:effectRef idx="0">
             <a:schemeClr val="accent1"/>
-          </a:effectRef>
-          <a:fontRef idx="minor">
-            <a:schemeClr val="lt1"/>
-          </a:fontRef>
-        </p:style>
-        <p:txBody>
-          <a:bodyPr rtlCol="0" anchor="ctr"/>
-          <a:lstStyle/>
-          <a:p>
-            <a:pPr algn="ctr"/>
-            <a:r>
-              <a:rPr lang="en-US" dirty="0" smtClean="0">
-                <a:solidFill>
-                  <a:schemeClr val="tx1"/>
-                </a:solidFill>
-              </a:rPr>
-              <a:t>1</a:t>
-            </a:r>
-          </a:p>
-        </p:txBody>
-      </p:sp>
-      <p:sp>
-        <p:nvSpPr>
-          <p:cNvPr id="20" name="Oval 19"/>
-          <p:cNvSpPr/>
-          <p:nvPr/>
-        </p:nvSpPr>
-        <p:spPr>
-          <a:xfrm>
-            <a:off x="3477746" y="5090359"/>
-            <a:ext cx="413122" cy="413122"/>
-          </a:xfrm>
-          <a:prstGeom prst="ellipse">
-            <a:avLst/>
-          </a:prstGeom>
-          <a:solidFill>
-            <a:schemeClr val="bg1"/>
-          </a:solidFill>
-          <a:ln>
-            <a:solidFill>
-              <a:schemeClr val="tx1"/>
-            </a:solidFill>
-          </a:ln>
-        </p:spPr>
-        <p:style>
-          <a:lnRef idx="2">
-            <a:schemeClr val="accent1">
-              <a:shade val="50000"/>
-            </a:schemeClr>
-          </a:lnRef>
-          <a:fillRef idx="1">
-            <a:schemeClr val="accent1"/>
-          </a:fillRef>
-          <a:effectRef idx="0">
-            <a:schemeClr val="accent1"/>
-          </a:effectRef>
-          <a:fontRef idx="minor">
-            <a:schemeClr val="lt1"/>
-          </a:fontRef>
-        </p:style>
-        <p:txBody>
-          <a:bodyPr rtlCol="0" anchor="ctr"/>
-          <a:lstStyle/>
-          <a:p>
-            <a:pPr algn="ctr"/>
-            <a:r>
-              <a:rPr lang="en-US" dirty="0">
-                <a:solidFill>
-                  <a:schemeClr val="tx1"/>
-                </a:solidFill>
-              </a:rPr>
-              <a:t>2</a:t>
-            </a:r>
-            <a:endParaRPr lang="en-US" dirty="0" smtClean="0">
-              <a:solidFill>
-                <a:schemeClr val="tx1"/>
-              </a:solidFill>
-            </a:endParaRPr>
-          </a:p>
-        </p:txBody>
-      </p:sp>
-      <p:sp>
-        <p:nvSpPr>
-          <p:cNvPr id="21" name="Oval 20"/>
-          <p:cNvSpPr/>
-          <p:nvPr/>
-        </p:nvSpPr>
-        <p:spPr>
-          <a:xfrm>
-            <a:off x="2763375" y="5560630"/>
-            <a:ext cx="413122" cy="413122"/>
-          </a:xfrm>
-          <a:prstGeom prst="ellipse">
-            <a:avLst/>
-          </a:prstGeom>
-          <a:solidFill>
-            <a:schemeClr val="bg1"/>
-          </a:solidFill>
-          <a:ln>
-            <a:solidFill>
-              <a:schemeClr val="tx1"/>
-            </a:solidFill>
-          </a:ln>
-        </p:spPr>
-        <p:style>
-          <a:lnRef idx="2">
-            <a:schemeClr val="accent1">
-              <a:shade val="50000"/>
-            </a:schemeClr>
-          </a:lnRef>
-          <a:fillRef idx="1">
-            <a:schemeClr val="accent1"/>
-          </a:fillRef>
-          <a:effectRef idx="0">
-            <a:schemeClr val="accent1"/>
-          </a:effectRef>
-          <a:fontRef idx="minor">
-            <a:schemeClr val="lt1"/>
-          </a:fontRef>
-        </p:style>
-        <p:txBody>
-          <a:bodyPr rtlCol="0" anchor="ctr"/>
-          <a:lstStyle/>
-          <a:p>
-            <a:pPr algn="ctr"/>
-            <a:r>
-              <a:rPr lang="en-US" dirty="0">
-                <a:solidFill>
-                  <a:schemeClr val="tx1"/>
-                </a:solidFill>
-              </a:rPr>
-              <a:t>3</a:t>
-            </a:r>
-            <a:endParaRPr lang="en-US" dirty="0" smtClean="0">
-              <a:solidFill>
-                <a:schemeClr val="tx1"/>
-              </a:solidFill>
-            </a:endParaRPr>
-          </a:p>
-        </p:txBody>
-      </p:sp>
-      <p:sp>
-        <p:nvSpPr>
-          <p:cNvPr id="23" name="Oval 22"/>
-          <p:cNvSpPr/>
-          <p:nvPr/>
-        </p:nvSpPr>
-        <p:spPr>
-          <a:xfrm>
-            <a:off x="1629339" y="4789106"/>
-            <a:ext cx="413122" cy="413122"/>
-          </a:xfrm>
-          <a:prstGeom prst="ellipse">
-            <a:avLst/>
-          </a:prstGeom>
-          <a:solidFill>
-            <a:schemeClr val="bg1"/>
-          </a:solidFill>
-          <a:ln>
-            <a:solidFill>
-              <a:schemeClr val="tx1"/>
-            </a:solidFill>
-          </a:ln>
-        </p:spPr>
-        <p:style>
-          <a:lnRef idx="2">
-            <a:schemeClr val="accent1">
-              <a:shade val="50000"/>
-            </a:schemeClr>
-          </a:lnRef>
-          <a:fillRef idx="1">
-            <a:schemeClr val="accent1"/>
-          </a:fillRef>
-          <a:effectRef idx="0">
-            <a:schemeClr val="accent1"/>
-          </a:effectRef>
-          <a:fontRef idx="minor">
-            <a:schemeClr val="lt1"/>
-          </a:fontRef>
-        </p:style>
-        <p:txBody>
-          <a:bodyPr rtlCol="0" anchor="ctr"/>
-          <a:lstStyle/>
-          <a:p>
-            <a:pPr algn="ctr"/>
-            <a:r>
-              <a:rPr lang="en-US" dirty="0" smtClean="0">
-                <a:solidFill>
-                  <a:schemeClr val="tx1"/>
-                </a:solidFill>
-              </a:rPr>
-              <a:t>5</a:t>
-            </a:r>
-          </a:p>
-        </p:txBody>
-      </p:sp>
-      <p:sp>
-        <p:nvSpPr>
-          <p:cNvPr id="24" name="Oval 23"/>
-          <p:cNvSpPr/>
-          <p:nvPr/>
-        </p:nvSpPr>
-        <p:spPr>
-          <a:xfrm>
-            <a:off x="1835900" y="5751130"/>
-            <a:ext cx="413122" cy="413122"/>
-          </a:xfrm>
-          <a:prstGeom prst="ellipse">
-            <a:avLst/>
-          </a:prstGeom>
-          <a:solidFill>
-            <a:schemeClr val="bg1"/>
-          </a:solidFill>
-          <a:ln>
-            <a:solidFill>
-              <a:schemeClr val="tx1"/>
-            </a:solidFill>
-          </a:ln>
-        </p:spPr>
-        <p:style>
-          <a:lnRef idx="2">
-            <a:schemeClr val="accent1">
-              <a:shade val="50000"/>
-            </a:schemeClr>
-          </a:lnRef>
-          <a:fillRef idx="1">
-            <a:schemeClr val="accent1"/>
-          </a:fillRef>
-          <a:effectRef idx="0">
-            <a:schemeClr val="accent1"/>
-          </a:effectRef>
-          <a:fontRef idx="minor">
-            <a:schemeClr val="lt1"/>
-          </a:fontRef>
-        </p:style>
-        <p:txBody>
-          <a:bodyPr rtlCol="0" anchor="ctr"/>
-          <a:lstStyle/>
-          <a:p>
-            <a:pPr algn="ctr"/>
-            <a:r>
-              <a:rPr lang="en-US" dirty="0">
-                <a:solidFill>
-                  <a:schemeClr val="tx1"/>
-                </a:solidFill>
-              </a:rPr>
-              <a:t>4</a:t>
-            </a:r>
-            <a:endParaRPr lang="en-US" dirty="0" smtClean="0">
-              <a:solidFill>
-                <a:schemeClr val="tx1"/>
-              </a:solidFill>
-            </a:endParaRPr>
-          </a:p>
-        </p:txBody>
-      </p:sp>
-      <p:cxnSp>
-        <p:nvCxnSpPr>
-          <p:cNvPr id="25" name="Straight Arrow Connector 24"/>
-          <p:cNvCxnSpPr>
-            <a:stCxn id="18" idx="6"/>
-            <a:endCxn id="20" idx="1"/>
-          </p:cNvCxnSpPr>
-          <p:nvPr/>
-        </p:nvCxnSpPr>
-        <p:spPr>
-          <a:xfrm>
-            <a:off x="3049123" y="4733731"/>
-            <a:ext cx="489123" cy="417128"/>
-          </a:xfrm>
-          <a:prstGeom prst="straightConnector1">
-            <a:avLst/>
-          </a:prstGeom>
-          <a:ln>
-            <a:tailEnd type="arrow"/>
-          </a:ln>
-        </p:spPr>
-        <p:style>
-          <a:lnRef idx="1">
-            <a:schemeClr val="dk1"/>
-          </a:lnRef>
-          <a:fillRef idx="0">
-            <a:schemeClr val="dk1"/>
-          </a:fillRef>
-          <a:effectRef idx="0">
-            <a:schemeClr val="dk1"/>
           </a:effectRef>
           <a:fontRef idx="minor">
             <a:schemeClr val="tx1"/>
@@ -10759,34 +8931,45 @@
       </p:cxnSp>
       <p:cxnSp>
         <p:nvCxnSpPr>
-          <p:cNvPr id="26" name="Straight Arrow Connector 25"/>
+          <p:cNvPr id="14" name="Straight Arrow Connector 13">
+            <a:extLst>
+              <a:ext uri="{FF2B5EF4-FFF2-40B4-BE49-F238E27FC236}">
+                <a16:creationId xmlns:a16="http://schemas.microsoft.com/office/drawing/2014/main" id="{1CCF16B9-A09E-4470-2324-7D202860F263}"/>
+              </a:ext>
+            </a:extLst>
+          </p:cNvPr>
           <p:cNvCxnSpPr>
-            <a:stCxn id="18" idx="4"/>
-            <a:endCxn id="21" idx="0"/>
+            <a:cxnSpLocks/>
           </p:cNvCxnSpPr>
           <p:nvPr/>
         </p:nvCxnSpPr>
         <p:spPr>
-          <a:xfrm>
-            <a:off x="2842562" y="4940292"/>
-            <a:ext cx="127374" cy="620338"/>
+          <a:xfrm flipH="1">
+            <a:off x="2757488" y="4729163"/>
+            <a:ext cx="685800" cy="228600"/>
           </a:xfrm>
           <a:prstGeom prst="straightConnector1">
             <a:avLst/>
           </a:prstGeom>
-          <a:ln>
-            <a:tailEnd type="arrow"/>
+          <a:ln w="57150">
+            <a:solidFill>
+              <a:schemeClr val="accent1">
+                <a:lumMod val="40000"/>
+                <a:lumOff val="60000"/>
+              </a:schemeClr>
+            </a:solidFill>
+            <a:tailEnd type="triangle"/>
           </a:ln>
         </p:spPr>
         <p:style>
           <a:lnRef idx="1">
-            <a:schemeClr val="dk1"/>
+            <a:schemeClr val="accent1"/>
           </a:lnRef>
           <a:fillRef idx="0">
-            <a:schemeClr val="dk1"/>
+            <a:schemeClr val="accent1"/>
           </a:fillRef>
           <a:effectRef idx="0">
-            <a:schemeClr val="dk1"/>
+            <a:schemeClr val="accent1"/>
           </a:effectRef>
           <a:fontRef idx="minor">
             <a:schemeClr val="tx1"/>
@@ -10795,34 +8978,42 @@
       </p:cxnSp>
       <p:cxnSp>
         <p:nvCxnSpPr>
-          <p:cNvPr id="27" name="Straight Arrow Connector 26"/>
-          <p:cNvCxnSpPr>
-            <a:stCxn id="21" idx="2"/>
-            <a:endCxn id="24" idx="6"/>
-          </p:cNvCxnSpPr>
+          <p:cNvPr id="4" name="Straight Arrow Connector 3">
+            <a:extLst>
+              <a:ext uri="{FF2B5EF4-FFF2-40B4-BE49-F238E27FC236}">
+                <a16:creationId xmlns:a16="http://schemas.microsoft.com/office/drawing/2014/main" id="{98ADD665-6FC6-CEB4-6D76-8C26111BF116}"/>
+              </a:ext>
+            </a:extLst>
+          </p:cNvPr>
+          <p:cNvCxnSpPr/>
           <p:nvPr/>
         </p:nvCxnSpPr>
         <p:spPr>
-          <a:xfrm flipH="1">
-            <a:off x="2249022" y="5767191"/>
-            <a:ext cx="514353" cy="190500"/>
+          <a:xfrm>
+            <a:off x="4479112" y="5881688"/>
+            <a:ext cx="683401" cy="0"/>
           </a:xfrm>
           <a:prstGeom prst="straightConnector1">
             <a:avLst/>
           </a:prstGeom>
-          <a:ln>
-            <a:tailEnd type="arrow"/>
+          <a:ln w="57150">
+            <a:solidFill>
+              <a:schemeClr val="accent1">
+                <a:lumMod val="75000"/>
+              </a:schemeClr>
+            </a:solidFill>
+            <a:tailEnd type="triangle"/>
           </a:ln>
         </p:spPr>
         <p:style>
           <a:lnRef idx="1">
-            <a:schemeClr val="dk1"/>
+            <a:schemeClr val="accent1"/>
           </a:lnRef>
           <a:fillRef idx="0">
-            <a:schemeClr val="dk1"/>
+            <a:schemeClr val="accent1"/>
           </a:fillRef>
           <a:effectRef idx="0">
-            <a:schemeClr val="dk1"/>
+            <a:schemeClr val="accent1"/>
           </a:effectRef>
           <a:fontRef idx="minor">
             <a:schemeClr val="tx1"/>
@@ -10831,34 +9022,136 @@
       </p:cxnSp>
       <p:cxnSp>
         <p:nvCxnSpPr>
-          <p:cNvPr id="28" name="Straight Arrow Connector 27"/>
+          <p:cNvPr id="6" name="Straight Arrow Connector 5">
+            <a:extLst>
+              <a:ext uri="{FF2B5EF4-FFF2-40B4-BE49-F238E27FC236}">
+                <a16:creationId xmlns:a16="http://schemas.microsoft.com/office/drawing/2014/main" id="{3C0F131E-E90A-3652-2E94-739BA4B3AD14}"/>
+              </a:ext>
+            </a:extLst>
+          </p:cNvPr>
+          <p:cNvCxnSpPr/>
+          <p:nvPr/>
+        </p:nvCxnSpPr>
+        <p:spPr>
+          <a:xfrm>
+            <a:off x="8167688" y="5195887"/>
+            <a:ext cx="683401" cy="0"/>
+          </a:xfrm>
+          <a:prstGeom prst="straightConnector1">
+            <a:avLst/>
+          </a:prstGeom>
+          <a:ln w="57150">
+            <a:solidFill>
+              <a:schemeClr val="accent1">
+                <a:lumMod val="75000"/>
+              </a:schemeClr>
+            </a:solidFill>
+            <a:tailEnd type="triangle"/>
+          </a:ln>
+        </p:spPr>
+        <p:style>
+          <a:lnRef idx="1">
+            <a:schemeClr val="accent1"/>
+          </a:lnRef>
+          <a:fillRef idx="0">
+            <a:schemeClr val="accent1"/>
+          </a:fillRef>
+          <a:effectRef idx="0">
+            <a:schemeClr val="accent1"/>
+          </a:effectRef>
+          <a:fontRef idx="minor">
+            <a:schemeClr val="tx1"/>
+          </a:fontRef>
+        </p:style>
+      </p:cxnSp>
+      <p:cxnSp>
+        <p:nvCxnSpPr>
+          <p:cNvPr id="8" name="Straight Arrow Connector 7">
+            <a:extLst>
+              <a:ext uri="{FF2B5EF4-FFF2-40B4-BE49-F238E27FC236}">
+                <a16:creationId xmlns:a16="http://schemas.microsoft.com/office/drawing/2014/main" id="{953C8946-F2DA-9D06-E8E1-65ED0C5F25D8}"/>
+              </a:ext>
+            </a:extLst>
+          </p:cNvPr>
           <p:cNvCxnSpPr>
-            <a:stCxn id="24" idx="0"/>
-            <a:endCxn id="23" idx="4"/>
+            <a:cxnSpLocks/>
           </p:cNvCxnSpPr>
           <p:nvPr/>
         </p:nvCxnSpPr>
         <p:spPr>
-          <a:xfrm flipH="1" flipV="1">
-            <a:off x="1835900" y="5202228"/>
-            <a:ext cx="206561" cy="548902"/>
+          <a:xfrm flipH="1">
+            <a:off x="6562761" y="4685505"/>
+            <a:ext cx="685800" cy="228600"/>
           </a:xfrm>
           <a:prstGeom prst="straightConnector1">
             <a:avLst/>
           </a:prstGeom>
-          <a:ln>
-            <a:tailEnd type="arrow"/>
+          <a:ln w="57150">
+            <a:solidFill>
+              <a:schemeClr val="accent1">
+                <a:lumMod val="40000"/>
+                <a:lumOff val="60000"/>
+              </a:schemeClr>
+            </a:solidFill>
+            <a:tailEnd type="triangle"/>
           </a:ln>
         </p:spPr>
         <p:style>
           <a:lnRef idx="1">
-            <a:schemeClr val="dk1"/>
+            <a:schemeClr val="accent1"/>
           </a:lnRef>
           <a:fillRef idx="0">
-            <a:schemeClr val="dk1"/>
+            <a:schemeClr val="accent1"/>
           </a:fillRef>
           <a:effectRef idx="0">
-            <a:schemeClr val="dk1"/>
+            <a:schemeClr val="accent1"/>
+          </a:effectRef>
+          <a:fontRef idx="minor">
+            <a:schemeClr val="tx1"/>
+          </a:fontRef>
+        </p:style>
+      </p:cxnSp>
+      <p:cxnSp>
+        <p:nvCxnSpPr>
+          <p:cNvPr id="10" name="Straight Arrow Connector 9">
+            <a:extLst>
+              <a:ext uri="{FF2B5EF4-FFF2-40B4-BE49-F238E27FC236}">
+                <a16:creationId xmlns:a16="http://schemas.microsoft.com/office/drawing/2014/main" id="{73A92731-B2F7-2195-B2DA-1A6401977BE5}"/>
+              </a:ext>
+            </a:extLst>
+          </p:cNvPr>
+          <p:cNvCxnSpPr>
+            <a:cxnSpLocks/>
+          </p:cNvCxnSpPr>
+          <p:nvPr/>
+        </p:nvCxnSpPr>
+        <p:spPr>
+          <a:xfrm flipH="1">
+            <a:off x="11004547" y="4091795"/>
+            <a:ext cx="685800" cy="228600"/>
+          </a:xfrm>
+          <a:prstGeom prst="straightConnector1">
+            <a:avLst/>
+          </a:prstGeom>
+          <a:ln w="57150">
+            <a:solidFill>
+              <a:schemeClr val="accent1">
+                <a:lumMod val="40000"/>
+                <a:lumOff val="60000"/>
+              </a:schemeClr>
+            </a:solidFill>
+            <a:tailEnd type="triangle"/>
+          </a:ln>
+        </p:spPr>
+        <p:style>
+          <a:lnRef idx="1">
+            <a:schemeClr val="accent1"/>
+          </a:lnRef>
+          <a:fillRef idx="0">
+            <a:schemeClr val="accent1"/>
+          </a:fillRef>
+          <a:effectRef idx="0">
+            <a:schemeClr val="accent1"/>
           </a:effectRef>
           <a:fontRef idx="minor">
             <a:schemeClr val="tx1"/>
@@ -10867,423 +9160,20 @@
       </p:cxnSp>
       <p:sp>
         <p:nvSpPr>
-          <p:cNvPr id="29" name="Oval 28"/>
-          <p:cNvSpPr/>
-          <p:nvPr/>
-        </p:nvSpPr>
-        <p:spPr>
-          <a:xfrm>
-            <a:off x="5571848" y="4539687"/>
-            <a:ext cx="413122" cy="413122"/>
-          </a:xfrm>
-          <a:prstGeom prst="ellipse">
-            <a:avLst/>
-          </a:prstGeom>
-          <a:solidFill>
-            <a:schemeClr val="bg1"/>
-          </a:solidFill>
-          <a:ln>
-            <a:solidFill>
-              <a:schemeClr val="tx1"/>
-            </a:solidFill>
-          </a:ln>
-        </p:spPr>
-        <p:style>
-          <a:lnRef idx="2">
-            <a:schemeClr val="accent1">
-              <a:shade val="50000"/>
-            </a:schemeClr>
-          </a:lnRef>
-          <a:fillRef idx="1">
-            <a:schemeClr val="accent1"/>
-          </a:fillRef>
-          <a:effectRef idx="0">
-            <a:schemeClr val="accent1"/>
-          </a:effectRef>
-          <a:fontRef idx="minor">
-            <a:schemeClr val="lt1"/>
-          </a:fontRef>
-        </p:style>
-        <p:txBody>
-          <a:bodyPr rtlCol="0" anchor="ctr"/>
-          <a:lstStyle/>
-          <a:p>
-            <a:pPr algn="ctr"/>
-            <a:r>
-              <a:rPr lang="en-US" dirty="0">
-                <a:solidFill>
-                  <a:schemeClr val="tx1"/>
-                </a:solidFill>
-              </a:rPr>
-              <a:t>A</a:t>
-            </a:r>
-            <a:endParaRPr lang="en-US" dirty="0" smtClean="0">
-              <a:solidFill>
-                <a:schemeClr val="tx1"/>
-              </a:solidFill>
-            </a:endParaRPr>
-          </a:p>
-        </p:txBody>
-      </p:sp>
-      <p:sp>
-        <p:nvSpPr>
-          <p:cNvPr id="30" name="Oval 29"/>
-          <p:cNvSpPr/>
-          <p:nvPr/>
-        </p:nvSpPr>
-        <p:spPr>
-          <a:xfrm>
-            <a:off x="6261470" y="5133418"/>
-            <a:ext cx="413122" cy="413122"/>
-          </a:xfrm>
-          <a:prstGeom prst="ellipse">
-            <a:avLst/>
-          </a:prstGeom>
-          <a:solidFill>
-            <a:schemeClr val="bg1"/>
-          </a:solidFill>
-          <a:ln>
-            <a:solidFill>
-              <a:schemeClr val="tx1"/>
-            </a:solidFill>
-          </a:ln>
-        </p:spPr>
-        <p:style>
-          <a:lnRef idx="2">
-            <a:schemeClr val="accent1">
-              <a:shade val="50000"/>
-            </a:schemeClr>
-          </a:lnRef>
-          <a:fillRef idx="1">
-            <a:schemeClr val="accent1"/>
-          </a:fillRef>
-          <a:effectRef idx="0">
-            <a:schemeClr val="accent1"/>
-          </a:effectRef>
-          <a:fontRef idx="minor">
-            <a:schemeClr val="lt1"/>
-          </a:fontRef>
-        </p:style>
-        <p:txBody>
-          <a:bodyPr rtlCol="0" anchor="ctr"/>
-          <a:lstStyle/>
-          <a:p>
-            <a:pPr algn="ctr"/>
-            <a:r>
-              <a:rPr lang="en-US" dirty="0" smtClean="0">
-                <a:solidFill>
-                  <a:schemeClr val="tx1"/>
-                </a:solidFill>
-              </a:rPr>
-              <a:t>C</a:t>
-            </a:r>
-          </a:p>
-        </p:txBody>
-      </p:sp>
-      <p:sp>
-        <p:nvSpPr>
-          <p:cNvPr id="31" name="Oval 30"/>
-          <p:cNvSpPr/>
-          <p:nvPr/>
-        </p:nvSpPr>
-        <p:spPr>
-          <a:xfrm>
-            <a:off x="5586044" y="5792025"/>
-            <a:ext cx="413122" cy="413122"/>
-          </a:xfrm>
-          <a:prstGeom prst="ellipse">
-            <a:avLst/>
-          </a:prstGeom>
-          <a:solidFill>
-            <a:schemeClr val="bg1"/>
-          </a:solidFill>
-          <a:ln>
-            <a:solidFill>
-              <a:schemeClr val="tx1"/>
-            </a:solidFill>
-          </a:ln>
-        </p:spPr>
-        <p:style>
-          <a:lnRef idx="2">
-            <a:schemeClr val="accent1">
-              <a:shade val="50000"/>
-            </a:schemeClr>
-          </a:lnRef>
-          <a:fillRef idx="1">
-            <a:schemeClr val="accent1"/>
-          </a:fillRef>
-          <a:effectRef idx="0">
-            <a:schemeClr val="accent1"/>
-          </a:effectRef>
-          <a:fontRef idx="minor">
-            <a:schemeClr val="lt1"/>
-          </a:fontRef>
-        </p:style>
-        <p:txBody>
-          <a:bodyPr rtlCol="0" anchor="ctr"/>
-          <a:lstStyle/>
-          <a:p>
-            <a:pPr algn="ctr"/>
-            <a:r>
-              <a:rPr lang="en-US" dirty="0" smtClean="0">
-                <a:solidFill>
-                  <a:schemeClr val="tx1"/>
-                </a:solidFill>
-              </a:rPr>
-              <a:t>B</a:t>
-            </a:r>
-          </a:p>
-        </p:txBody>
-      </p:sp>
-      <p:sp>
-        <p:nvSpPr>
-          <p:cNvPr id="32" name="Oval 31"/>
-          <p:cNvSpPr/>
-          <p:nvPr/>
-        </p:nvSpPr>
-        <p:spPr>
-          <a:xfrm>
-            <a:off x="4907993" y="5133418"/>
-            <a:ext cx="413122" cy="413122"/>
-          </a:xfrm>
-          <a:prstGeom prst="ellipse">
-            <a:avLst/>
-          </a:prstGeom>
-          <a:solidFill>
-            <a:schemeClr val="bg1"/>
-          </a:solidFill>
-          <a:ln>
-            <a:solidFill>
-              <a:schemeClr val="tx1"/>
-            </a:solidFill>
-          </a:ln>
-        </p:spPr>
-        <p:style>
-          <a:lnRef idx="2">
-            <a:schemeClr val="accent1">
-              <a:shade val="50000"/>
-            </a:schemeClr>
-          </a:lnRef>
-          <a:fillRef idx="1">
-            <a:schemeClr val="accent1"/>
-          </a:fillRef>
-          <a:effectRef idx="0">
-            <a:schemeClr val="accent1"/>
-          </a:effectRef>
-          <a:fontRef idx="minor">
-            <a:schemeClr val="lt1"/>
-          </a:fontRef>
-        </p:style>
-        <p:txBody>
-          <a:bodyPr rtlCol="0" anchor="ctr"/>
-          <a:lstStyle/>
-          <a:p>
-            <a:pPr algn="ctr"/>
-            <a:r>
-              <a:rPr lang="en-US" dirty="0">
-                <a:solidFill>
-                  <a:schemeClr val="tx1"/>
-                </a:solidFill>
-              </a:rPr>
-              <a:t>D</a:t>
-            </a:r>
-            <a:endParaRPr lang="en-US" dirty="0" smtClean="0">
-              <a:solidFill>
-                <a:schemeClr val="tx1"/>
-              </a:solidFill>
-            </a:endParaRPr>
-          </a:p>
-        </p:txBody>
-      </p:sp>
-      <p:cxnSp>
-        <p:nvCxnSpPr>
-          <p:cNvPr id="33" name="Straight Arrow Connector 32"/>
-          <p:cNvCxnSpPr>
-            <a:stCxn id="29" idx="6"/>
-            <a:endCxn id="30" idx="1"/>
-          </p:cNvCxnSpPr>
-          <p:nvPr/>
-        </p:nvCxnSpPr>
-        <p:spPr>
-          <a:xfrm>
-            <a:off x="5984970" y="4746248"/>
-            <a:ext cx="337000" cy="447670"/>
-          </a:xfrm>
-          <a:prstGeom prst="straightConnector1">
-            <a:avLst/>
-          </a:prstGeom>
-          <a:ln>
-            <a:tailEnd type="arrow"/>
-          </a:ln>
-        </p:spPr>
-        <p:style>
-          <a:lnRef idx="1">
-            <a:schemeClr val="dk1"/>
-          </a:lnRef>
-          <a:fillRef idx="0">
-            <a:schemeClr val="dk1"/>
-          </a:fillRef>
-          <a:effectRef idx="0">
-            <a:schemeClr val="dk1"/>
-          </a:effectRef>
-          <a:fontRef idx="minor">
-            <a:schemeClr val="tx1"/>
-          </a:fontRef>
-        </p:style>
-      </p:cxnSp>
-      <p:cxnSp>
-        <p:nvCxnSpPr>
-          <p:cNvPr id="34" name="Straight Arrow Connector 33"/>
-          <p:cNvCxnSpPr>
-            <a:stCxn id="29" idx="4"/>
-            <a:endCxn id="31" idx="0"/>
-          </p:cNvCxnSpPr>
-          <p:nvPr/>
-        </p:nvCxnSpPr>
-        <p:spPr>
-          <a:xfrm>
-            <a:off x="5778409" y="4952809"/>
-            <a:ext cx="14196" cy="839216"/>
-          </a:xfrm>
-          <a:prstGeom prst="straightConnector1">
-            <a:avLst/>
-          </a:prstGeom>
-          <a:ln>
-            <a:tailEnd type="arrow"/>
-          </a:ln>
-        </p:spPr>
-        <p:style>
-          <a:lnRef idx="1">
-            <a:schemeClr val="dk1"/>
-          </a:lnRef>
-          <a:fillRef idx="0">
-            <a:schemeClr val="dk1"/>
-          </a:fillRef>
-          <a:effectRef idx="0">
-            <a:schemeClr val="dk1"/>
-          </a:effectRef>
-          <a:fontRef idx="minor">
-            <a:schemeClr val="tx1"/>
-          </a:fontRef>
-        </p:style>
-      </p:cxnSp>
-      <p:cxnSp>
-        <p:nvCxnSpPr>
-          <p:cNvPr id="35" name="Straight Arrow Connector 34"/>
-          <p:cNvCxnSpPr>
-            <a:stCxn id="29" idx="2"/>
-            <a:endCxn id="32" idx="7"/>
-          </p:cNvCxnSpPr>
-          <p:nvPr/>
-        </p:nvCxnSpPr>
-        <p:spPr>
-          <a:xfrm flipH="1">
-            <a:off x="5260615" y="4746248"/>
-            <a:ext cx="311233" cy="447670"/>
-          </a:xfrm>
-          <a:prstGeom prst="straightConnector1">
-            <a:avLst/>
-          </a:prstGeom>
-          <a:ln>
-            <a:tailEnd type="arrow"/>
-          </a:ln>
-        </p:spPr>
-        <p:style>
-          <a:lnRef idx="1">
-            <a:schemeClr val="dk1"/>
-          </a:lnRef>
-          <a:fillRef idx="0">
-            <a:schemeClr val="dk1"/>
-          </a:fillRef>
-          <a:effectRef idx="0">
-            <a:schemeClr val="dk1"/>
-          </a:effectRef>
-          <a:fontRef idx="minor">
-            <a:schemeClr val="tx1"/>
-          </a:fontRef>
-        </p:style>
-      </p:cxnSp>
-      <p:cxnSp>
-        <p:nvCxnSpPr>
-          <p:cNvPr id="36" name="Straight Arrow Connector 35"/>
-          <p:cNvCxnSpPr>
-            <a:stCxn id="31" idx="7"/>
-            <a:endCxn id="30" idx="3"/>
-          </p:cNvCxnSpPr>
-          <p:nvPr/>
-        </p:nvCxnSpPr>
-        <p:spPr>
-          <a:xfrm flipV="1">
-            <a:off x="5938666" y="5486040"/>
-            <a:ext cx="383304" cy="366485"/>
-          </a:xfrm>
-          <a:prstGeom prst="straightConnector1">
-            <a:avLst/>
-          </a:prstGeom>
-          <a:ln>
-            <a:tailEnd type="arrow"/>
-          </a:ln>
-        </p:spPr>
-        <p:style>
-          <a:lnRef idx="1">
-            <a:schemeClr val="dk1"/>
-          </a:lnRef>
-          <a:fillRef idx="0">
-            <a:schemeClr val="dk1"/>
-          </a:fillRef>
-          <a:effectRef idx="0">
-            <a:schemeClr val="dk1"/>
-          </a:effectRef>
-          <a:fontRef idx="minor">
-            <a:schemeClr val="tx1"/>
-          </a:fontRef>
-        </p:style>
-      </p:cxnSp>
-      <p:pic>
-        <p:nvPicPr>
-          <p:cNvPr id="37" name="Picture 36">
-            <a:extLst>
-              <a:ext uri="{FF2B5EF4-FFF2-40B4-BE49-F238E27FC236}">
-                <a16:creationId xmlns:a16="http://schemas.microsoft.com/office/drawing/2014/main" xmlns="" id="{DF5E120D-8E2E-D414-9BE3-A68A099B210E}"/>
-              </a:ext>
-            </a:extLst>
-          </p:cNvPr>
-          <p:cNvPicPr>
-            <a:picLocks noChangeAspect="1"/>
-          </p:cNvPicPr>
-          <p:nvPr/>
-        </p:nvPicPr>
-        <p:blipFill rotWithShape="1">
-          <a:blip r:embed="rId2">
-            <a:extLst>
-              <a:ext uri="{28A0092B-C50C-407E-A947-70E740481C1C}">
-                <a14:useLocalDpi xmlns:a14="http://schemas.microsoft.com/office/drawing/2010/main" val="0"/>
-              </a:ext>
-            </a:extLst>
-          </a:blip>
-          <a:srcRect t="6531" b="9403"/>
-          <a:stretch/>
-        </p:blipFill>
-        <p:spPr>
-          <a:xfrm>
-            <a:off x="7448518" y="2563999"/>
-            <a:ext cx="4316412" cy="3628631"/>
-          </a:xfrm>
-          <a:prstGeom prst="rect">
-            <a:avLst/>
-          </a:prstGeom>
-        </p:spPr>
-      </p:pic>
-      <p:sp>
-        <p:nvSpPr>
-          <p:cNvPr id="38" name="TextBox 37"/>
+          <p:cNvPr id="11" name="TextBox 10">
+            <a:extLst>
+              <a:ext uri="{FF2B5EF4-FFF2-40B4-BE49-F238E27FC236}">
+                <a16:creationId xmlns:a16="http://schemas.microsoft.com/office/drawing/2014/main" id="{25E40C69-AAB7-773A-3E63-8815E4C667BB}"/>
+              </a:ext>
+            </a:extLst>
+          </p:cNvPr>
           <p:cNvSpPr txBox="1"/>
           <p:nvPr/>
         </p:nvSpPr>
         <p:spPr>
           <a:xfrm>
-            <a:off x="3943350" y="5933881"/>
-            <a:ext cx="933012" cy="369332"/>
+            <a:off x="7248561" y="4465160"/>
+            <a:ext cx="734175" cy="369332"/>
           </a:xfrm>
           <a:prstGeom prst="rect">
             <a:avLst/>
@@ -11297,115 +9187,34 @@
           <a:lstStyle/>
           <a:p>
             <a:r>
-              <a:rPr lang="en-US" dirty="0" smtClean="0"/>
-              <a:t>Vertices</a:t>
-            </a:r>
-            <a:endParaRPr lang="en-US" dirty="0"/>
+              <a:rPr lang="en-US" dirty="0">
+                <a:solidFill>
+                  <a:schemeClr val="accent1">
+                    <a:lumMod val="75000"/>
+                  </a:schemeClr>
+                </a:solidFill>
+              </a:rPr>
+              <a:t>edges</a:t>
+            </a:r>
           </a:p>
         </p:txBody>
       </p:sp>
       <p:sp>
         <p:nvSpPr>
-          <p:cNvPr id="39" name="Up Arrow 38"/>
-          <p:cNvSpPr/>
-          <p:nvPr/>
-        </p:nvSpPr>
-        <p:spPr>
-          <a:xfrm rot="5400000">
-            <a:off x="9826203" y="3045913"/>
-            <a:ext cx="202863" cy="934628"/>
-          </a:xfrm>
-          <a:prstGeom prst="upArrow">
-            <a:avLst/>
-          </a:prstGeom>
-          <a:solidFill>
-            <a:schemeClr val="accent4">
-              <a:lumMod val="60000"/>
-              <a:lumOff val="40000"/>
-            </a:schemeClr>
-          </a:solidFill>
-        </p:spPr>
-        <p:style>
-          <a:lnRef idx="2">
-            <a:schemeClr val="accent1">
-              <a:shade val="50000"/>
-            </a:schemeClr>
-          </a:lnRef>
-          <a:fillRef idx="1">
-            <a:schemeClr val="accent1"/>
-          </a:fillRef>
-          <a:effectRef idx="0">
-            <a:schemeClr val="accent1"/>
-          </a:effectRef>
-          <a:fontRef idx="minor">
-            <a:schemeClr val="lt1"/>
-          </a:fontRef>
-        </p:style>
-        <p:txBody>
-          <a:bodyPr rtlCol="0" anchor="ctr"/>
-          <a:lstStyle/>
-          <a:p>
-            <a:pPr algn="ctr"/>
-            <a:endParaRPr lang="en-US"/>
-          </a:p>
-        </p:txBody>
-      </p:sp>
-      <p:sp>
-        <p:nvSpPr>
-          <p:cNvPr id="40" name="Up Arrow 39"/>
-          <p:cNvSpPr/>
-          <p:nvPr/>
-        </p:nvSpPr>
-        <p:spPr>
-          <a:xfrm rot="18960734">
-            <a:off x="3956802" y="5476686"/>
-            <a:ext cx="202863" cy="581010"/>
-          </a:xfrm>
-          <a:prstGeom prst="upArrow">
-            <a:avLst/>
-          </a:prstGeom>
-          <a:solidFill>
-            <a:schemeClr val="accent1">
-              <a:lumMod val="40000"/>
-              <a:lumOff val="60000"/>
-            </a:schemeClr>
-          </a:solidFill>
-        </p:spPr>
-        <p:style>
-          <a:lnRef idx="2">
-            <a:schemeClr val="accent1">
-              <a:shade val="50000"/>
-            </a:schemeClr>
-          </a:lnRef>
-          <a:fillRef idx="1">
-            <a:schemeClr val="accent1"/>
-          </a:fillRef>
-          <a:effectRef idx="0">
-            <a:schemeClr val="accent1"/>
-          </a:effectRef>
-          <a:fontRef idx="minor">
-            <a:schemeClr val="lt1"/>
-          </a:fontRef>
-        </p:style>
-        <p:txBody>
-          <a:bodyPr rtlCol="0" anchor="ctr"/>
-          <a:lstStyle/>
-          <a:p>
-            <a:pPr algn="ctr"/>
-            <a:endParaRPr lang="en-US"/>
-          </a:p>
-        </p:txBody>
-      </p:sp>
-      <p:sp>
-        <p:nvSpPr>
-          <p:cNvPr id="41" name="TextBox 40"/>
+          <p:cNvPr id="12" name="TextBox 11">
+            <a:extLst>
+              <a:ext uri="{FF2B5EF4-FFF2-40B4-BE49-F238E27FC236}">
+                <a16:creationId xmlns:a16="http://schemas.microsoft.com/office/drawing/2014/main" id="{C2D554D5-ACAF-44BE-A0AE-5FAD5C39073F}"/>
+              </a:ext>
+            </a:extLst>
+          </p:cNvPr>
           <p:cNvSpPr txBox="1"/>
           <p:nvPr/>
         </p:nvSpPr>
         <p:spPr>
           <a:xfrm>
-            <a:off x="8680450" y="3324547"/>
-            <a:ext cx="727571" cy="369332"/>
+            <a:off x="3742705" y="5697022"/>
+            <a:ext cx="767967" cy="369332"/>
           </a:xfrm>
           <a:prstGeom prst="rect">
             <a:avLst/>
@@ -11419,423 +9228,142 @@
           <a:lstStyle/>
           <a:p>
             <a:r>
-              <a:rPr lang="en-US" dirty="0" smtClean="0"/>
-              <a:t>Edges</a:t>
+              <a:rPr lang="en-US" dirty="0">
+                <a:solidFill>
+                  <a:schemeClr val="accent1">
+                    <a:lumMod val="50000"/>
+                  </a:schemeClr>
+                </a:solidFill>
+              </a:rPr>
+              <a:t>vertex</a:t>
             </a:r>
           </a:p>
         </p:txBody>
       </p:sp>
-      <p:sp>
-        <p:nvSpPr>
-          <p:cNvPr id="42" name="Up Arrow 41"/>
-          <p:cNvSpPr/>
+      <p:cxnSp>
+        <p:nvCxnSpPr>
+          <p:cNvPr id="16" name="Straight Connector 15">
+            <a:extLst>
+              <a:ext uri="{FF2B5EF4-FFF2-40B4-BE49-F238E27FC236}">
+                <a16:creationId xmlns:a16="http://schemas.microsoft.com/office/drawing/2014/main" id="{ACDAADC2-F7E7-2AB3-8431-833234F0D948}"/>
+              </a:ext>
+            </a:extLst>
+          </p:cNvPr>
+          <p:cNvCxnSpPr>
+            <a:cxnSpLocks/>
+          </p:cNvCxnSpPr>
           <p:nvPr/>
-        </p:nvSpPr>
+        </p:nvCxnSpPr>
         <p:spPr>
-          <a:xfrm rot="10800000">
-            <a:off x="8874956" y="3693877"/>
-            <a:ext cx="202863" cy="1246414"/>
+          <a:xfrm>
+            <a:off x="5629275" y="5881688"/>
+            <a:ext cx="357188" cy="184666"/>
           </a:xfrm>
-          <a:prstGeom prst="upArrow">
+          <a:prstGeom prst="line">
             <a:avLst/>
           </a:prstGeom>
-          <a:solidFill>
-            <a:schemeClr val="accent4">
-              <a:lumMod val="60000"/>
-              <a:lumOff val="40000"/>
-            </a:schemeClr>
-          </a:solidFill>
+          <a:ln w="38100">
+            <a:solidFill>
+              <a:srgbClr val="FF0000"/>
+            </a:solidFill>
+          </a:ln>
         </p:spPr>
         <p:style>
-          <a:lnRef idx="2">
-            <a:schemeClr val="accent1">
-              <a:shade val="50000"/>
-            </a:schemeClr>
+          <a:lnRef idx="1">
+            <a:schemeClr val="accent1"/>
           </a:lnRef>
-          <a:fillRef idx="1">
+          <a:fillRef idx="0">
             <a:schemeClr val="accent1"/>
           </a:fillRef>
           <a:effectRef idx="0">
             <a:schemeClr val="accent1"/>
           </a:effectRef>
           <a:fontRef idx="minor">
-            <a:schemeClr val="lt1"/>
+            <a:schemeClr val="tx1"/>
           </a:fontRef>
         </p:style>
-        <p:txBody>
-          <a:bodyPr rtlCol="0" anchor="ctr"/>
-          <a:lstStyle/>
-          <a:p>
-            <a:pPr algn="ctr"/>
-            <a:endParaRPr lang="en-US"/>
-          </a:p>
-        </p:txBody>
-      </p:sp>
-      <p:sp>
-        <p:nvSpPr>
-          <p:cNvPr id="43" name="Up Arrow 42"/>
-          <p:cNvSpPr/>
+      </p:cxnSp>
+      <p:cxnSp>
+        <p:nvCxnSpPr>
+          <p:cNvPr id="19" name="Straight Connector 18">
+            <a:extLst>
+              <a:ext uri="{FF2B5EF4-FFF2-40B4-BE49-F238E27FC236}">
+                <a16:creationId xmlns:a16="http://schemas.microsoft.com/office/drawing/2014/main" id="{1D3114F2-3799-D088-0DA0-DE82349A782F}"/>
+              </a:ext>
+            </a:extLst>
+          </p:cNvPr>
+          <p:cNvCxnSpPr>
+            <a:cxnSpLocks/>
+          </p:cNvCxnSpPr>
           <p:nvPr/>
-        </p:nvSpPr>
+        </p:nvCxnSpPr>
         <p:spPr>
-          <a:xfrm rot="2606823">
-            <a:off x="4487959" y="5492435"/>
-            <a:ext cx="202863" cy="581010"/>
+          <a:xfrm flipV="1">
+            <a:off x="5629275" y="5314950"/>
+            <a:ext cx="814388" cy="566738"/>
           </a:xfrm>
-          <a:prstGeom prst="upArrow">
+          <a:prstGeom prst="line">
             <a:avLst/>
           </a:prstGeom>
-          <a:solidFill>
-            <a:schemeClr val="accent1">
-              <a:lumMod val="40000"/>
-              <a:lumOff val="60000"/>
-            </a:schemeClr>
-          </a:solidFill>
+          <a:ln w="38100">
+            <a:solidFill>
+              <a:srgbClr val="FF0000"/>
+            </a:solidFill>
+          </a:ln>
         </p:spPr>
         <p:style>
-          <a:lnRef idx="2">
-            <a:schemeClr val="accent1">
-              <a:shade val="50000"/>
-            </a:schemeClr>
+          <a:lnRef idx="1">
+            <a:schemeClr val="accent1"/>
           </a:lnRef>
-          <a:fillRef idx="1">
+          <a:fillRef idx="0">
             <a:schemeClr val="accent1"/>
           </a:fillRef>
           <a:effectRef idx="0">
             <a:schemeClr val="accent1"/>
           </a:effectRef>
           <a:fontRef idx="minor">
-            <a:schemeClr val="lt1"/>
+            <a:schemeClr val="tx1"/>
           </a:fontRef>
         </p:style>
-        <p:txBody>
-          <a:bodyPr rtlCol="0" anchor="ctr"/>
-          <a:lstStyle/>
-          <a:p>
-            <a:pPr algn="ctr"/>
-            <a:endParaRPr lang="en-US"/>
-          </a:p>
-        </p:txBody>
-      </p:sp>
+      </p:cxnSp>
       <p:sp>
         <p:nvSpPr>
-          <p:cNvPr id="44" name="Up Arrow 43"/>
-          <p:cNvSpPr/>
+          <p:cNvPr id="22" name="TextBox 21">
+            <a:extLst>
+              <a:ext uri="{FF2B5EF4-FFF2-40B4-BE49-F238E27FC236}">
+                <a16:creationId xmlns:a16="http://schemas.microsoft.com/office/drawing/2014/main" id="{46B7EA58-223A-76DA-904C-B127A21679D7}"/>
+              </a:ext>
+            </a:extLst>
+          </p:cNvPr>
+          <p:cNvSpPr txBox="1"/>
           <p:nvPr/>
         </p:nvSpPr>
         <p:spPr>
-          <a:xfrm rot="3435134">
-            <a:off x="1228706" y="4992560"/>
-            <a:ext cx="202863" cy="581010"/>
+          <a:xfrm>
+            <a:off x="4124492" y="4799805"/>
+            <a:ext cx="1353640" cy="646331"/>
           </a:xfrm>
-          <a:prstGeom prst="upArrow">
+          <a:prstGeom prst="rect">
             <a:avLst/>
           </a:prstGeom>
-          <a:solidFill>
-            <a:schemeClr val="accent1">
-              <a:lumMod val="40000"/>
-              <a:lumOff val="60000"/>
-            </a:schemeClr>
-          </a:solidFill>
+          <a:noFill/>
         </p:spPr>
-        <p:style>
-          <a:lnRef idx="2">
-            <a:schemeClr val="accent1">
-              <a:shade val="50000"/>
-            </a:schemeClr>
-          </a:lnRef>
-          <a:fillRef idx="1">
-            <a:schemeClr val="accent1"/>
-          </a:fillRef>
-          <a:effectRef idx="0">
-            <a:schemeClr val="accent1"/>
-          </a:effectRef>
-          <a:fontRef idx="minor">
-            <a:schemeClr val="lt1"/>
-          </a:fontRef>
-        </p:style>
         <p:txBody>
-          <a:bodyPr rtlCol="0" anchor="ctr"/>
+          <a:bodyPr wrap="none" rtlCol="0">
+            <a:spAutoFit/>
+          </a:bodyPr>
           <a:lstStyle/>
           <a:p>
-            <a:pPr algn="ctr"/>
-            <a:endParaRPr lang="en-US"/>
-          </a:p>
-        </p:txBody>
-      </p:sp>
-      <p:sp>
-        <p:nvSpPr>
-          <p:cNvPr id="45" name="Up Arrow 44"/>
-          <p:cNvSpPr/>
-          <p:nvPr/>
-        </p:nvSpPr>
-        <p:spPr>
-          <a:xfrm rot="1055600">
-            <a:off x="2701907" y="6012706"/>
-            <a:ext cx="202863" cy="581010"/>
-          </a:xfrm>
-          <a:prstGeom prst="upArrow">
-            <a:avLst/>
-          </a:prstGeom>
-          <a:solidFill>
-            <a:schemeClr val="accent1">
-              <a:lumMod val="40000"/>
-              <a:lumOff val="60000"/>
-            </a:schemeClr>
-          </a:solidFill>
-        </p:spPr>
-        <p:style>
-          <a:lnRef idx="2">
-            <a:schemeClr val="accent1">
-              <a:shade val="50000"/>
-            </a:schemeClr>
-          </a:lnRef>
-          <a:fillRef idx="1">
-            <a:schemeClr val="accent1"/>
-          </a:fillRef>
-          <a:effectRef idx="0">
-            <a:schemeClr val="accent1"/>
-          </a:effectRef>
-          <a:fontRef idx="minor">
-            <a:schemeClr val="lt1"/>
-          </a:fontRef>
-        </p:style>
-        <p:txBody>
-          <a:bodyPr rtlCol="0" anchor="ctr"/>
-          <a:lstStyle/>
-          <a:p>
-            <a:pPr algn="ctr"/>
-            <a:endParaRPr lang="en-US"/>
-          </a:p>
-        </p:txBody>
-      </p:sp>
-      <p:sp>
-        <p:nvSpPr>
-          <p:cNvPr id="46" name="Up Arrow 45"/>
-          <p:cNvSpPr/>
-          <p:nvPr/>
-        </p:nvSpPr>
-        <p:spPr>
-          <a:xfrm rot="2925079">
-            <a:off x="1511633" y="5390322"/>
-            <a:ext cx="202863" cy="689596"/>
-          </a:xfrm>
-          <a:prstGeom prst="upArrow">
-            <a:avLst/>
-          </a:prstGeom>
-          <a:solidFill>
-            <a:schemeClr val="accent4">
-              <a:lumMod val="60000"/>
-              <a:lumOff val="40000"/>
-            </a:schemeClr>
-          </a:solidFill>
-        </p:spPr>
-        <p:style>
-          <a:lnRef idx="2">
-            <a:schemeClr val="accent1">
-              <a:shade val="50000"/>
-            </a:schemeClr>
-          </a:lnRef>
-          <a:fillRef idx="1">
-            <a:schemeClr val="accent1"/>
-          </a:fillRef>
-          <a:effectRef idx="0">
-            <a:schemeClr val="accent1"/>
-          </a:effectRef>
-          <a:fontRef idx="minor">
-            <a:schemeClr val="lt1"/>
-          </a:fontRef>
-        </p:style>
-        <p:txBody>
-          <a:bodyPr rtlCol="0" anchor="ctr"/>
-          <a:lstStyle/>
-          <a:p>
-            <a:pPr algn="ctr"/>
-            <a:endParaRPr lang="en-US"/>
-          </a:p>
-        </p:txBody>
-      </p:sp>
-      <p:sp>
-        <p:nvSpPr>
-          <p:cNvPr id="47" name="Up Arrow 46"/>
-          <p:cNvSpPr/>
-          <p:nvPr/>
-        </p:nvSpPr>
-        <p:spPr>
-          <a:xfrm rot="7207978">
-            <a:off x="4965676" y="4390053"/>
-            <a:ext cx="202863" cy="689596"/>
-          </a:xfrm>
-          <a:prstGeom prst="upArrow">
-            <a:avLst/>
-          </a:prstGeom>
-          <a:solidFill>
-            <a:schemeClr val="accent4">
-              <a:lumMod val="60000"/>
-              <a:lumOff val="40000"/>
-            </a:schemeClr>
-          </a:solidFill>
-        </p:spPr>
-        <p:style>
-          <a:lnRef idx="2">
-            <a:schemeClr val="accent1">
-              <a:shade val="50000"/>
-            </a:schemeClr>
-          </a:lnRef>
-          <a:fillRef idx="1">
-            <a:schemeClr val="accent1"/>
-          </a:fillRef>
-          <a:effectRef idx="0">
-            <a:schemeClr val="accent1"/>
-          </a:effectRef>
-          <a:fontRef idx="minor">
-            <a:schemeClr val="lt1"/>
-          </a:fontRef>
-        </p:style>
-        <p:txBody>
-          <a:bodyPr rtlCol="0" anchor="ctr"/>
-          <a:lstStyle/>
-          <a:p>
-            <a:pPr algn="ctr"/>
-            <a:endParaRPr lang="en-US"/>
-          </a:p>
-        </p:txBody>
-      </p:sp>
-      <p:sp>
-        <p:nvSpPr>
-          <p:cNvPr id="48" name="Up Arrow 47"/>
-          <p:cNvSpPr/>
-          <p:nvPr/>
-        </p:nvSpPr>
-        <p:spPr>
-          <a:xfrm rot="12265766">
-            <a:off x="10912572" y="4679578"/>
-            <a:ext cx="202863" cy="581010"/>
-          </a:xfrm>
-          <a:prstGeom prst="upArrow">
-            <a:avLst/>
-          </a:prstGeom>
-          <a:solidFill>
-            <a:schemeClr val="accent1">
-              <a:lumMod val="40000"/>
-              <a:lumOff val="60000"/>
-            </a:schemeClr>
-          </a:solidFill>
-        </p:spPr>
-        <p:style>
-          <a:lnRef idx="2">
-            <a:schemeClr val="accent1">
-              <a:shade val="50000"/>
-            </a:schemeClr>
-          </a:lnRef>
-          <a:fillRef idx="1">
-            <a:schemeClr val="accent1"/>
-          </a:fillRef>
-          <a:effectRef idx="0">
-            <a:schemeClr val="accent1"/>
-          </a:effectRef>
-          <a:fontRef idx="minor">
-            <a:schemeClr val="lt1"/>
-          </a:fontRef>
-        </p:style>
-        <p:txBody>
-          <a:bodyPr rtlCol="0" anchor="ctr"/>
-          <a:lstStyle/>
-          <a:p>
-            <a:pPr algn="ctr"/>
-            <a:endParaRPr lang="en-US"/>
-          </a:p>
-        </p:txBody>
-      </p:sp>
-      <p:sp>
-        <p:nvSpPr>
-          <p:cNvPr id="49" name="Up Arrow 48"/>
-          <p:cNvSpPr/>
-          <p:nvPr/>
-        </p:nvSpPr>
-        <p:spPr>
-          <a:xfrm rot="15356085">
-            <a:off x="8344383" y="5275624"/>
-            <a:ext cx="202863" cy="581010"/>
-          </a:xfrm>
-          <a:prstGeom prst="upArrow">
-            <a:avLst/>
-          </a:prstGeom>
-          <a:solidFill>
-            <a:schemeClr val="accent1">
-              <a:lumMod val="40000"/>
-              <a:lumOff val="60000"/>
-            </a:schemeClr>
-          </a:solidFill>
-        </p:spPr>
-        <p:style>
-          <a:lnRef idx="2">
-            <a:schemeClr val="accent1">
-              <a:shade val="50000"/>
-            </a:schemeClr>
-          </a:lnRef>
-          <a:fillRef idx="1">
-            <a:schemeClr val="accent1"/>
-          </a:fillRef>
-          <a:effectRef idx="0">
-            <a:schemeClr val="accent1"/>
-          </a:effectRef>
-          <a:fontRef idx="minor">
-            <a:schemeClr val="lt1"/>
-          </a:fontRef>
-        </p:style>
-        <p:txBody>
-          <a:bodyPr rtlCol="0" anchor="ctr"/>
-          <a:lstStyle/>
-          <a:p>
-            <a:pPr algn="ctr"/>
-            <a:endParaRPr lang="en-US"/>
-          </a:p>
-        </p:txBody>
-      </p:sp>
-      <p:sp>
-        <p:nvSpPr>
-          <p:cNvPr id="50" name="Up Arrow 49"/>
-          <p:cNvSpPr/>
-          <p:nvPr/>
-        </p:nvSpPr>
-        <p:spPr>
-          <a:xfrm rot="8663713">
-            <a:off x="7749715" y="4356420"/>
-            <a:ext cx="202863" cy="689596"/>
-          </a:xfrm>
-          <a:prstGeom prst="upArrow">
-            <a:avLst/>
-          </a:prstGeom>
-          <a:solidFill>
-            <a:schemeClr val="accent4">
-              <a:lumMod val="60000"/>
-              <a:lumOff val="40000"/>
-            </a:schemeClr>
-          </a:solidFill>
-        </p:spPr>
-        <p:style>
-          <a:lnRef idx="2">
-            <a:schemeClr val="accent1">
-              <a:shade val="50000"/>
-            </a:schemeClr>
-          </a:lnRef>
-          <a:fillRef idx="1">
-            <a:schemeClr val="accent1"/>
-          </a:fillRef>
-          <a:effectRef idx="0">
-            <a:schemeClr val="accent1"/>
-          </a:effectRef>
-          <a:fontRef idx="minor">
-            <a:schemeClr val="lt1"/>
-          </a:fontRef>
-        </p:style>
-        <p:txBody>
-          <a:bodyPr rtlCol="0" anchor="ctr"/>
-          <a:lstStyle/>
-          <a:p>
-            <a:pPr algn="ctr"/>
-            <a:endParaRPr lang="en-US"/>
+            <a:r>
+              <a:rPr lang="en-US" dirty="0"/>
+              <a:t>Total edges: </a:t>
+            </a:r>
+          </a:p>
+          <a:p>
+            <a:r>
+              <a:rPr lang="en-US" dirty="0"/>
+              <a:t>(n(n-1))/2</a:t>
+            </a:r>
           </a:p>
         </p:txBody>
       </p:sp>
@@ -11874,7 +9402,7 @@
           <p:cNvPr id="2" name="TextBox 1">
             <a:extLst>
               <a:ext uri="{FF2B5EF4-FFF2-40B4-BE49-F238E27FC236}">
-                <a16:creationId xmlns:a16="http://schemas.microsoft.com/office/drawing/2014/main" xmlns="" id="{CFBB8880-030D-770F-78E0-250ED3C4086B}"/>
+                <a16:creationId xmlns:a16="http://schemas.microsoft.com/office/drawing/2014/main" id="{CFBB8880-030D-770F-78E0-250ED3C4086B}"/>
               </a:ext>
             </a:extLst>
           </p:cNvPr>
@@ -11910,10 +9438,10 @@
       </p:sp>
       <p:pic>
         <p:nvPicPr>
-          <p:cNvPr id="6" name="Picture 5">
-            <a:extLst>
-              <a:ext uri="{FF2B5EF4-FFF2-40B4-BE49-F238E27FC236}">
-                <a16:creationId xmlns:a16="http://schemas.microsoft.com/office/drawing/2014/main" xmlns="" id="{12FC48A8-7E76-3B37-EC98-7F8A0B19AB46}"/>
+          <p:cNvPr id="4" name="Picture 3">
+            <a:extLst>
+              <a:ext uri="{FF2B5EF4-FFF2-40B4-BE49-F238E27FC236}">
+                <a16:creationId xmlns:a16="http://schemas.microsoft.com/office/drawing/2014/main" id="{FAAEB7AD-C825-8836-2CCC-6A519C365B2E}"/>
               </a:ext>
             </a:extLst>
           </p:cNvPr>
@@ -11936,8 +9464,44 @@
         </p:blipFill>
         <p:spPr>
           <a:xfrm>
-            <a:off x="6586536" y="1675329"/>
-            <a:ext cx="4857752" cy="4857752"/>
+            <a:off x="8086723" y="1947863"/>
+            <a:ext cx="3733800" cy="3733800"/>
+          </a:xfrm>
+          <a:prstGeom prst="rect">
+            <a:avLst/>
+          </a:prstGeom>
+        </p:spPr>
+      </p:pic>
+      <p:pic>
+        <p:nvPicPr>
+          <p:cNvPr id="6" name="Picture 5">
+            <a:extLst>
+              <a:ext uri="{FF2B5EF4-FFF2-40B4-BE49-F238E27FC236}">
+                <a16:creationId xmlns:a16="http://schemas.microsoft.com/office/drawing/2014/main" id="{12FC48A8-7E76-3B37-EC98-7F8A0B19AB46}"/>
+              </a:ext>
+            </a:extLst>
+          </p:cNvPr>
+          <p:cNvPicPr>
+            <a:picLocks noChangeAspect="1"/>
+          </p:cNvPicPr>
+          <p:nvPr/>
+        </p:nvPicPr>
+        <p:blipFill>
+          <a:blip r:embed="rId3">
+            <a:extLst>
+              <a:ext uri="{28A0092B-C50C-407E-A947-70E740481C1C}">
+                <a14:useLocalDpi xmlns:a14="http://schemas.microsoft.com/office/drawing/2010/main" val="0"/>
+              </a:ext>
+            </a:extLst>
+          </a:blip>
+          <a:stretch>
+            <a:fillRect/>
+          </a:stretch>
+        </p:blipFill>
+        <p:spPr>
+          <a:xfrm>
+            <a:off x="8086723" y="1947863"/>
+            <a:ext cx="3733800" cy="3733800"/>
           </a:xfrm>
           <a:prstGeom prst="rect">
             <a:avLst/>
@@ -11946,10 +9510,10 @@
       </p:pic>
       <p:sp>
         <p:nvSpPr>
-          <p:cNvPr id="19" name="TextBox 18">
-            <a:extLst>
-              <a:ext uri="{FF2B5EF4-FFF2-40B4-BE49-F238E27FC236}">
-                <a16:creationId xmlns:a16="http://schemas.microsoft.com/office/drawing/2014/main" xmlns="" id="{3EE8954A-E471-F2EF-426C-D988AF32186F}"/>
+          <p:cNvPr id="7" name="TextBox 6">
+            <a:extLst>
+              <a:ext uri="{FF2B5EF4-FFF2-40B4-BE49-F238E27FC236}">
+                <a16:creationId xmlns:a16="http://schemas.microsoft.com/office/drawing/2014/main" id="{7A58E15A-2348-A7C6-FC81-48AD1D6E4181}"/>
               </a:ext>
             </a:extLst>
           </p:cNvPr>
@@ -11958,8 +9522,8 @@
         </p:nvSpPr>
         <p:spPr>
           <a:xfrm>
-            <a:off x="1359772" y="3100358"/>
-            <a:ext cx="2865656" cy="400110"/>
+            <a:off x="8940108" y="1348651"/>
+            <a:ext cx="2027030" cy="369332"/>
           </a:xfrm>
           <a:prstGeom prst="rect">
             <a:avLst/>
@@ -11973,283 +9537,53 @@
           <a:lstStyle/>
           <a:p>
             <a:r>
-              <a:rPr lang="en-US" sz="2000" dirty="0" smtClean="0"/>
-              <a:t>Relation between Siblings</a:t>
-            </a:r>
-            <a:endParaRPr lang="en-US" sz="2000" dirty="0"/>
+              <a:rPr lang="en-US" dirty="0"/>
+              <a:t>Instagram followers</a:t>
+            </a:r>
           </a:p>
         </p:txBody>
       </p:sp>
-      <p:sp>
-        <p:nvSpPr>
-          <p:cNvPr id="20" name="Oval 19"/>
-          <p:cNvSpPr/>
+      <p:pic>
+        <p:nvPicPr>
+          <p:cNvPr id="8" name="Picture 7">
+            <a:extLst>
+              <a:ext uri="{FF2B5EF4-FFF2-40B4-BE49-F238E27FC236}">
+                <a16:creationId xmlns:a16="http://schemas.microsoft.com/office/drawing/2014/main" id="{C1B70BF2-C4A5-2826-E7C8-890B5910688F}"/>
+              </a:ext>
+            </a:extLst>
+          </p:cNvPr>
+          <p:cNvPicPr>
+            <a:picLocks noChangeAspect="1"/>
+          </p:cNvPicPr>
           <p:nvPr/>
-        </p:nvSpPr>
+        </p:nvPicPr>
+        <p:blipFill rotWithShape="1">
+          <a:blip r:embed="rId4">
+            <a:extLst>
+              <a:ext uri="{28A0092B-C50C-407E-A947-70E740481C1C}">
+                <a14:useLocalDpi xmlns:a14="http://schemas.microsoft.com/office/drawing/2010/main" val="0"/>
+              </a:ext>
+            </a:extLst>
+          </a:blip>
+          <a:srcRect l="17985" t="30404" r="18495" b="13347"/>
+          <a:stretch/>
+        </p:blipFill>
         <p:spPr>
           <a:xfrm>
-            <a:off x="3114770" y="3887630"/>
-            <a:ext cx="1257114" cy="1257114"/>
+            <a:off x="2000250" y="3900487"/>
+            <a:ext cx="2371725" cy="2100263"/>
           </a:xfrm>
-          <a:prstGeom prst="ellipse">
-            <a:avLst/>
-          </a:prstGeom>
-          <a:solidFill>
-            <a:schemeClr val="bg1"/>
-          </a:solidFill>
-          <a:ln>
-            <a:solidFill>
-              <a:schemeClr val="tx1"/>
-            </a:solidFill>
-          </a:ln>
-        </p:spPr>
-        <p:style>
-          <a:lnRef idx="2">
-            <a:schemeClr val="accent1">
-              <a:shade val="50000"/>
-            </a:schemeClr>
-          </a:lnRef>
-          <a:fillRef idx="1">
-            <a:schemeClr val="accent1"/>
-          </a:fillRef>
-          <a:effectRef idx="0">
-            <a:schemeClr val="accent1"/>
-          </a:effectRef>
-          <a:fontRef idx="minor">
-            <a:schemeClr val="lt1"/>
-          </a:fontRef>
-        </p:style>
-        <p:txBody>
-          <a:bodyPr rtlCol="0" anchor="ctr"/>
-          <a:lstStyle/>
-          <a:p>
-            <a:pPr algn="ctr"/>
-            <a:r>
-              <a:rPr lang="en-US" dirty="0" smtClean="0">
-                <a:solidFill>
-                  <a:schemeClr val="tx1"/>
-                </a:solidFill>
-              </a:rPr>
-              <a:t>Usman</a:t>
-            </a:r>
-          </a:p>
-        </p:txBody>
-      </p:sp>
-      <p:sp>
-        <p:nvSpPr>
-          <p:cNvPr id="21" name="Oval 20"/>
-          <p:cNvSpPr/>
-          <p:nvPr/>
-        </p:nvSpPr>
-        <p:spPr>
-          <a:xfrm>
-            <a:off x="1322201" y="3706312"/>
-            <a:ext cx="1006662" cy="1006662"/>
-          </a:xfrm>
-          <a:prstGeom prst="ellipse">
-            <a:avLst/>
-          </a:prstGeom>
-          <a:solidFill>
-            <a:schemeClr val="bg1"/>
-          </a:solidFill>
-          <a:ln>
-            <a:solidFill>
-              <a:schemeClr val="tx1"/>
-            </a:solidFill>
-          </a:ln>
-        </p:spPr>
-        <p:style>
-          <a:lnRef idx="2">
-            <a:schemeClr val="accent1">
-              <a:shade val="50000"/>
-            </a:schemeClr>
-          </a:lnRef>
-          <a:fillRef idx="1">
-            <a:schemeClr val="accent1"/>
-          </a:fillRef>
-          <a:effectRef idx="0">
-            <a:schemeClr val="accent1"/>
-          </a:effectRef>
-          <a:fontRef idx="minor">
-            <a:schemeClr val="lt1"/>
-          </a:fontRef>
-        </p:style>
-        <p:txBody>
-          <a:bodyPr rtlCol="0" anchor="ctr"/>
-          <a:lstStyle/>
-          <a:p>
-            <a:pPr algn="ctr"/>
-            <a:r>
-              <a:rPr lang="en-US" dirty="0" smtClean="0">
-                <a:solidFill>
-                  <a:schemeClr val="tx1"/>
-                </a:solidFill>
-              </a:rPr>
-              <a:t>Amir</a:t>
-            </a:r>
-          </a:p>
-        </p:txBody>
-      </p:sp>
-      <p:sp>
-        <p:nvSpPr>
-          <p:cNvPr id="22" name="Oval 21"/>
-          <p:cNvSpPr/>
-          <p:nvPr/>
-        </p:nvSpPr>
-        <p:spPr>
-          <a:xfrm>
-            <a:off x="1865125" y="5120607"/>
-            <a:ext cx="927475" cy="927475"/>
-          </a:xfrm>
-          <a:prstGeom prst="ellipse">
-            <a:avLst/>
-          </a:prstGeom>
-          <a:solidFill>
-            <a:schemeClr val="bg1"/>
-          </a:solidFill>
-          <a:ln>
-            <a:solidFill>
-              <a:schemeClr val="tx1"/>
-            </a:solidFill>
-          </a:ln>
-        </p:spPr>
-        <p:style>
-          <a:lnRef idx="2">
-            <a:schemeClr val="accent1">
-              <a:shade val="50000"/>
-            </a:schemeClr>
-          </a:lnRef>
-          <a:fillRef idx="1">
-            <a:schemeClr val="accent1"/>
-          </a:fillRef>
-          <a:effectRef idx="0">
-            <a:schemeClr val="accent1"/>
-          </a:effectRef>
-          <a:fontRef idx="minor">
-            <a:schemeClr val="lt1"/>
-          </a:fontRef>
-        </p:style>
-        <p:txBody>
-          <a:bodyPr rtlCol="0" anchor="ctr"/>
-          <a:lstStyle/>
-          <a:p>
-            <a:pPr algn="ctr"/>
-            <a:r>
-              <a:rPr lang="en-US" dirty="0" smtClean="0">
-                <a:solidFill>
-                  <a:schemeClr val="tx1"/>
-                </a:solidFill>
-              </a:rPr>
-              <a:t>Ali</a:t>
-            </a:r>
-          </a:p>
-        </p:txBody>
-      </p:sp>
-      <p:cxnSp>
-        <p:nvCxnSpPr>
-          <p:cNvPr id="23" name="Straight Connector 22"/>
-          <p:cNvCxnSpPr>
-            <a:stCxn id="20" idx="2"/>
-            <a:endCxn id="21" idx="6"/>
-          </p:cNvCxnSpPr>
-          <p:nvPr/>
-        </p:nvCxnSpPr>
-        <p:spPr>
-          <a:xfrm flipH="1" flipV="1">
-            <a:off x="2328863" y="4209643"/>
-            <a:ext cx="785907" cy="306544"/>
-          </a:xfrm>
-          <a:prstGeom prst="line">
+          <a:prstGeom prst="rect">
             <a:avLst/>
           </a:prstGeom>
         </p:spPr>
-        <p:style>
-          <a:lnRef idx="1">
-            <a:schemeClr val="dk1"/>
-          </a:lnRef>
-          <a:fillRef idx="0">
-            <a:schemeClr val="dk1"/>
-          </a:fillRef>
-          <a:effectRef idx="0">
-            <a:schemeClr val="dk1"/>
-          </a:effectRef>
-          <a:fontRef idx="minor">
-            <a:schemeClr val="tx1"/>
-          </a:fontRef>
-        </p:style>
-      </p:cxnSp>
-      <p:cxnSp>
-        <p:nvCxnSpPr>
-          <p:cNvPr id="24" name="Straight Connector 23"/>
-          <p:cNvCxnSpPr>
-            <a:stCxn id="20" idx="3"/>
-            <a:endCxn id="22" idx="7"/>
-          </p:cNvCxnSpPr>
-          <p:nvPr/>
-        </p:nvCxnSpPr>
-        <p:spPr>
-          <a:xfrm flipH="1">
-            <a:off x="2656774" y="4960644"/>
-            <a:ext cx="642096" cy="295789"/>
-          </a:xfrm>
-          <a:prstGeom prst="line">
-            <a:avLst/>
-          </a:prstGeom>
-        </p:spPr>
-        <p:style>
-          <a:lnRef idx="1">
-            <a:schemeClr val="dk1"/>
-          </a:lnRef>
-          <a:fillRef idx="0">
-            <a:schemeClr val="dk1"/>
-          </a:fillRef>
-          <a:effectRef idx="0">
-            <a:schemeClr val="dk1"/>
-          </a:effectRef>
-          <a:fontRef idx="minor">
-            <a:schemeClr val="tx1"/>
-          </a:fontRef>
-        </p:style>
-      </p:cxnSp>
-      <p:cxnSp>
-        <p:nvCxnSpPr>
-          <p:cNvPr id="25" name="Straight Connector 24"/>
-          <p:cNvCxnSpPr>
-            <a:stCxn id="22" idx="1"/>
-            <a:endCxn id="21" idx="4"/>
-          </p:cNvCxnSpPr>
-          <p:nvPr/>
-        </p:nvCxnSpPr>
-        <p:spPr>
-          <a:xfrm flipH="1" flipV="1">
-            <a:off x="1825532" y="4712974"/>
-            <a:ext cx="175419" cy="543459"/>
-          </a:xfrm>
-          <a:prstGeom prst="line">
-            <a:avLst/>
-          </a:prstGeom>
-        </p:spPr>
-        <p:style>
-          <a:lnRef idx="1">
-            <a:schemeClr val="dk1"/>
-          </a:lnRef>
-          <a:fillRef idx="0">
-            <a:schemeClr val="dk1"/>
-          </a:fillRef>
-          <a:effectRef idx="0">
-            <a:schemeClr val="dk1"/>
-          </a:effectRef>
-          <a:fontRef idx="minor">
-            <a:schemeClr val="tx1"/>
-          </a:fontRef>
-        </p:style>
-      </p:cxnSp>
+      </p:pic>
       <p:sp>
         <p:nvSpPr>
-          <p:cNvPr id="26" name="TextBox 25">
-            <a:extLst>
-              <a:ext uri="{FF2B5EF4-FFF2-40B4-BE49-F238E27FC236}">
-                <a16:creationId xmlns:a16="http://schemas.microsoft.com/office/drawing/2014/main" xmlns="" id="{C3BFC904-2C98-0A6B-DB9F-F77D7062E30B}"/>
+          <p:cNvPr id="9" name="TextBox 8">
+            <a:extLst>
+              <a:ext uri="{FF2B5EF4-FFF2-40B4-BE49-F238E27FC236}">
+                <a16:creationId xmlns:a16="http://schemas.microsoft.com/office/drawing/2014/main" id="{F327D58F-429A-36B6-C4D6-D4B3D7248B24}"/>
               </a:ext>
             </a:extLst>
           </p:cNvPr>
@@ -12258,8 +9592,8 @@
         </p:nvSpPr>
         <p:spPr>
           <a:xfrm>
-            <a:off x="7911408" y="1517929"/>
-            <a:ext cx="2234651" cy="400110"/>
+            <a:off x="2328863" y="3243263"/>
+            <a:ext cx="1715791" cy="369332"/>
           </a:xfrm>
           <a:prstGeom prst="rect">
             <a:avLst/>
@@ -12273,68 +9607,9 @@
           <a:lstStyle/>
           <a:p>
             <a:r>
-              <a:rPr lang="en-US" sz="2000" dirty="0"/>
-              <a:t>Instagram followers</a:t>
-            </a:r>
-          </a:p>
-        </p:txBody>
-      </p:sp>
-      <p:sp>
-        <p:nvSpPr>
-          <p:cNvPr id="3" name="Action Button: Help 2">
-            <a:hlinkClick r:id="" action="ppaction://noaction" highlightClick="1"/>
-          </p:cNvPr>
-          <p:cNvSpPr/>
-          <p:nvPr/>
-        </p:nvSpPr>
-        <p:spPr>
-          <a:xfrm>
-            <a:off x="10258425" y="1260990"/>
-            <a:ext cx="1028700" cy="818079"/>
-          </a:xfrm>
-          <a:prstGeom prst="actionButtonHelp">
-            <a:avLst/>
-          </a:prstGeom>
-          <a:solidFill>
-            <a:schemeClr val="bg1"/>
-          </a:solidFill>
-          <a:ln>
-            <a:solidFill>
-              <a:schemeClr val="tx1"/>
-            </a:solidFill>
-          </a:ln>
-        </p:spPr>
-        <p:style>
-          <a:lnRef idx="2">
-            <a:schemeClr val="accent1">
-              <a:shade val="50000"/>
-            </a:schemeClr>
-          </a:lnRef>
-          <a:fillRef idx="1">
-            <a:schemeClr val="accent1"/>
-          </a:fillRef>
-          <a:effectRef idx="0">
-            <a:schemeClr val="accent1"/>
-          </a:effectRef>
-          <a:fontRef idx="minor">
-            <a:schemeClr val="lt1"/>
-          </a:fontRef>
-        </p:style>
-        <p:txBody>
-          <a:bodyPr rtlCol="0" anchor="ctr"/>
-          <a:lstStyle/>
-          <a:p>
-            <a:pPr algn="ctr"/>
-            <a:endParaRPr lang="en-US">
-              <a:ln>
-                <a:solidFill>
-                  <a:schemeClr val="tx1"/>
-                </a:solidFill>
-              </a:ln>
-              <a:solidFill>
-                <a:schemeClr val="tx1"/>
-              </a:solidFill>
-            </a:endParaRPr>
+              <a:rPr lang="en-US" dirty="0"/>
+              <a:t>Siblings Relation</a:t>
+            </a:r>
           </a:p>
         </p:txBody>
       </p:sp>
@@ -12373,7 +9648,7 @@
           <p:cNvPr id="2" name="TextBox 1">
             <a:extLst>
               <a:ext uri="{FF2B5EF4-FFF2-40B4-BE49-F238E27FC236}">
-                <a16:creationId xmlns:a16="http://schemas.microsoft.com/office/drawing/2014/main" xmlns="" id="{CFBB8880-030D-770F-78E0-250ED3C4086B}"/>
+                <a16:creationId xmlns:a16="http://schemas.microsoft.com/office/drawing/2014/main" id="{CFBB8880-030D-770F-78E0-250ED3C4086B}"/>
               </a:ext>
             </a:extLst>
           </p:cNvPr>
@@ -12412,7 +9687,7 @@
           <p:cNvPr id="4" name="Picture 3">
             <a:extLst>
               <a:ext uri="{FF2B5EF4-FFF2-40B4-BE49-F238E27FC236}">
-                <a16:creationId xmlns:a16="http://schemas.microsoft.com/office/drawing/2014/main" xmlns="" id="{FAAEB7AD-C825-8836-2CCC-6A519C365B2E}"/>
+                <a16:creationId xmlns:a16="http://schemas.microsoft.com/office/drawing/2014/main" id="{FAAEB7AD-C825-8836-2CCC-6A519C365B2E}"/>
               </a:ext>
             </a:extLst>
           </p:cNvPr>
@@ -12435,8 +9710,8 @@
         </p:blipFill>
         <p:spPr>
           <a:xfrm>
-            <a:off x="6485558" y="1666468"/>
-            <a:ext cx="5086350" cy="5086350"/>
+            <a:off x="8086723" y="1947863"/>
+            <a:ext cx="3733800" cy="3733800"/>
           </a:xfrm>
           <a:prstGeom prst="rect">
             <a:avLst/>
@@ -12448,7 +9723,7 @@
           <p:cNvPr id="3" name="TextBox 2">
             <a:extLst>
               <a:ext uri="{FF2B5EF4-FFF2-40B4-BE49-F238E27FC236}">
-                <a16:creationId xmlns:a16="http://schemas.microsoft.com/office/drawing/2014/main" xmlns="" id="{C3BFC904-2C98-0A6B-DB9F-F77D7062E30B}"/>
+                <a16:creationId xmlns:a16="http://schemas.microsoft.com/office/drawing/2014/main" id="{C3BFC904-2C98-0A6B-DB9F-F77D7062E30B}"/>
               </a:ext>
             </a:extLst>
           </p:cNvPr>
@@ -12457,8 +9732,8 @@
         </p:nvSpPr>
         <p:spPr>
           <a:xfrm>
-            <a:off x="7911408" y="1517929"/>
-            <a:ext cx="2234651" cy="400110"/>
+            <a:off x="8940108" y="1348651"/>
+            <a:ext cx="2027030" cy="369332"/>
           </a:xfrm>
           <a:prstGeom prst="rect">
             <a:avLst/>
@@ -12472,18 +9747,53 @@
           <a:lstStyle/>
           <a:p>
             <a:r>
-              <a:rPr lang="en-US" sz="2000" dirty="0"/>
+              <a:rPr lang="en-US" dirty="0"/>
               <a:t>Instagram followers</a:t>
             </a:r>
           </a:p>
         </p:txBody>
       </p:sp>
+      <p:pic>
+        <p:nvPicPr>
+          <p:cNvPr id="10" name="Picture 9">
+            <a:extLst>
+              <a:ext uri="{FF2B5EF4-FFF2-40B4-BE49-F238E27FC236}">
+                <a16:creationId xmlns:a16="http://schemas.microsoft.com/office/drawing/2014/main" id="{479D0D63-8B89-D61F-B6AC-12A0A9B1880F}"/>
+              </a:ext>
+            </a:extLst>
+          </p:cNvPr>
+          <p:cNvPicPr>
+            <a:picLocks noChangeAspect="1"/>
+          </p:cNvPicPr>
+          <p:nvPr/>
+        </p:nvPicPr>
+        <p:blipFill rotWithShape="1">
+          <a:blip r:embed="rId3">
+            <a:extLst>
+              <a:ext uri="{28A0092B-C50C-407E-A947-70E740481C1C}">
+                <a14:useLocalDpi xmlns:a14="http://schemas.microsoft.com/office/drawing/2010/main" val="0"/>
+              </a:ext>
+            </a:extLst>
+          </a:blip>
+          <a:srcRect l="17985" t="30404" r="18495" b="13347"/>
+          <a:stretch/>
+        </p:blipFill>
+        <p:spPr>
+          <a:xfrm>
+            <a:off x="2000250" y="3900487"/>
+            <a:ext cx="2371725" cy="2100263"/>
+          </a:xfrm>
+          <a:prstGeom prst="rect">
+            <a:avLst/>
+          </a:prstGeom>
+        </p:spPr>
+      </p:pic>
       <p:sp>
         <p:nvSpPr>
           <p:cNvPr id="11" name="TextBox 10">
             <a:extLst>
               <a:ext uri="{FF2B5EF4-FFF2-40B4-BE49-F238E27FC236}">
-                <a16:creationId xmlns:a16="http://schemas.microsoft.com/office/drawing/2014/main" xmlns="" id="{3EE8954A-E471-F2EF-426C-D988AF32186F}"/>
+                <a16:creationId xmlns:a16="http://schemas.microsoft.com/office/drawing/2014/main" id="{3EE8954A-E471-F2EF-426C-D988AF32186F}"/>
               </a:ext>
             </a:extLst>
           </p:cNvPr>
@@ -12492,8 +9802,8 @@
         </p:nvSpPr>
         <p:spPr>
           <a:xfrm>
-            <a:off x="1359772" y="3100358"/>
-            <a:ext cx="2865656" cy="400110"/>
+            <a:off x="2328863" y="3243263"/>
+            <a:ext cx="1715791" cy="369332"/>
           </a:xfrm>
           <a:prstGeom prst="rect">
             <a:avLst/>
@@ -12507,277 +9817,12 @@
           <a:lstStyle/>
           <a:p>
             <a:r>
-              <a:rPr lang="en-US" sz="2000" dirty="0" smtClean="0"/>
-              <a:t>Relation between Siblings</a:t>
-            </a:r>
-            <a:endParaRPr lang="en-US" sz="2000" dirty="0"/>
+              <a:rPr lang="en-US" dirty="0"/>
+              <a:t>Siblings Relation</a:t>
+            </a:r>
           </a:p>
         </p:txBody>
       </p:sp>
-      <p:sp>
-        <p:nvSpPr>
-          <p:cNvPr id="9" name="Oval 8"/>
-          <p:cNvSpPr/>
-          <p:nvPr/>
-        </p:nvSpPr>
-        <p:spPr>
-          <a:xfrm>
-            <a:off x="3114770" y="3887630"/>
-            <a:ext cx="1257114" cy="1257114"/>
-          </a:xfrm>
-          <a:prstGeom prst="ellipse">
-            <a:avLst/>
-          </a:prstGeom>
-          <a:solidFill>
-            <a:schemeClr val="bg1"/>
-          </a:solidFill>
-          <a:ln>
-            <a:solidFill>
-              <a:schemeClr val="tx1"/>
-            </a:solidFill>
-          </a:ln>
-        </p:spPr>
-        <p:style>
-          <a:lnRef idx="2">
-            <a:schemeClr val="accent1">
-              <a:shade val="50000"/>
-            </a:schemeClr>
-          </a:lnRef>
-          <a:fillRef idx="1">
-            <a:schemeClr val="accent1"/>
-          </a:fillRef>
-          <a:effectRef idx="0">
-            <a:schemeClr val="accent1"/>
-          </a:effectRef>
-          <a:fontRef idx="minor">
-            <a:schemeClr val="lt1"/>
-          </a:fontRef>
-        </p:style>
-        <p:txBody>
-          <a:bodyPr rtlCol="0" anchor="ctr"/>
-          <a:lstStyle/>
-          <a:p>
-            <a:pPr algn="ctr"/>
-            <a:r>
-              <a:rPr lang="en-US" dirty="0" smtClean="0">
-                <a:solidFill>
-                  <a:schemeClr val="tx1"/>
-                </a:solidFill>
-              </a:rPr>
-              <a:t>Usman</a:t>
-            </a:r>
-          </a:p>
-        </p:txBody>
-      </p:sp>
-      <p:sp>
-        <p:nvSpPr>
-          <p:cNvPr id="12" name="Oval 11"/>
-          <p:cNvSpPr/>
-          <p:nvPr/>
-        </p:nvSpPr>
-        <p:spPr>
-          <a:xfrm>
-            <a:off x="1322201" y="3706312"/>
-            <a:ext cx="1006662" cy="1006662"/>
-          </a:xfrm>
-          <a:prstGeom prst="ellipse">
-            <a:avLst/>
-          </a:prstGeom>
-          <a:solidFill>
-            <a:schemeClr val="bg1"/>
-          </a:solidFill>
-          <a:ln>
-            <a:solidFill>
-              <a:schemeClr val="tx1"/>
-            </a:solidFill>
-          </a:ln>
-        </p:spPr>
-        <p:style>
-          <a:lnRef idx="2">
-            <a:schemeClr val="accent1">
-              <a:shade val="50000"/>
-            </a:schemeClr>
-          </a:lnRef>
-          <a:fillRef idx="1">
-            <a:schemeClr val="accent1"/>
-          </a:fillRef>
-          <a:effectRef idx="0">
-            <a:schemeClr val="accent1"/>
-          </a:effectRef>
-          <a:fontRef idx="minor">
-            <a:schemeClr val="lt1"/>
-          </a:fontRef>
-        </p:style>
-        <p:txBody>
-          <a:bodyPr rtlCol="0" anchor="ctr"/>
-          <a:lstStyle/>
-          <a:p>
-            <a:pPr algn="ctr"/>
-            <a:r>
-              <a:rPr lang="en-US" dirty="0" smtClean="0">
-                <a:solidFill>
-                  <a:schemeClr val="tx1"/>
-                </a:solidFill>
-              </a:rPr>
-              <a:t>Amir</a:t>
-            </a:r>
-          </a:p>
-        </p:txBody>
-      </p:sp>
-      <p:sp>
-        <p:nvSpPr>
-          <p:cNvPr id="13" name="Oval 12"/>
-          <p:cNvSpPr/>
-          <p:nvPr/>
-        </p:nvSpPr>
-        <p:spPr>
-          <a:xfrm>
-            <a:off x="1865125" y="5120607"/>
-            <a:ext cx="927475" cy="927475"/>
-          </a:xfrm>
-          <a:prstGeom prst="ellipse">
-            <a:avLst/>
-          </a:prstGeom>
-          <a:solidFill>
-            <a:schemeClr val="bg1"/>
-          </a:solidFill>
-          <a:ln>
-            <a:solidFill>
-              <a:schemeClr val="tx1"/>
-            </a:solidFill>
-          </a:ln>
-        </p:spPr>
-        <p:style>
-          <a:lnRef idx="2">
-            <a:schemeClr val="accent1">
-              <a:shade val="50000"/>
-            </a:schemeClr>
-          </a:lnRef>
-          <a:fillRef idx="1">
-            <a:schemeClr val="accent1"/>
-          </a:fillRef>
-          <a:effectRef idx="0">
-            <a:schemeClr val="accent1"/>
-          </a:effectRef>
-          <a:fontRef idx="minor">
-            <a:schemeClr val="lt1"/>
-          </a:fontRef>
-        </p:style>
-        <p:txBody>
-          <a:bodyPr rtlCol="0" anchor="ctr"/>
-          <a:lstStyle/>
-          <a:p>
-            <a:pPr algn="ctr"/>
-            <a:r>
-              <a:rPr lang="en-US" dirty="0" smtClean="0">
-                <a:solidFill>
-                  <a:schemeClr val="tx1"/>
-                </a:solidFill>
-              </a:rPr>
-              <a:t>Ali</a:t>
-            </a:r>
-          </a:p>
-        </p:txBody>
-      </p:sp>
-      <p:cxnSp>
-        <p:nvCxnSpPr>
-          <p:cNvPr id="30" name="Straight Connector 29"/>
-          <p:cNvCxnSpPr>
-            <a:stCxn id="9" idx="2"/>
-            <a:endCxn id="12" idx="6"/>
-          </p:cNvCxnSpPr>
-          <p:nvPr/>
-        </p:nvCxnSpPr>
-        <p:spPr>
-          <a:xfrm flipH="1" flipV="1">
-            <a:off x="2328863" y="4209643"/>
-            <a:ext cx="785907" cy="306544"/>
-          </a:xfrm>
-          <a:prstGeom prst="line">
-            <a:avLst/>
-          </a:prstGeom>
-        </p:spPr>
-        <p:style>
-          <a:lnRef idx="1">
-            <a:schemeClr val="dk1"/>
-          </a:lnRef>
-          <a:fillRef idx="0">
-            <a:schemeClr val="dk1"/>
-          </a:fillRef>
-          <a:effectRef idx="0">
-            <a:schemeClr val="dk1"/>
-          </a:effectRef>
-          <a:fontRef idx="minor">
-            <a:schemeClr val="tx1"/>
-          </a:fontRef>
-        </p:style>
-      </p:cxnSp>
-      <p:cxnSp>
-        <p:nvCxnSpPr>
-          <p:cNvPr id="33" name="Straight Connector 32"/>
-          <p:cNvCxnSpPr>
-            <a:stCxn id="9" idx="3"/>
-            <a:endCxn id="13" idx="7"/>
-          </p:cNvCxnSpPr>
-          <p:nvPr/>
-        </p:nvCxnSpPr>
-        <p:spPr>
-          <a:xfrm flipH="1">
-            <a:off x="2656774" y="4960644"/>
-            <a:ext cx="642096" cy="295789"/>
-          </a:xfrm>
-          <a:prstGeom prst="line">
-            <a:avLst/>
-          </a:prstGeom>
-        </p:spPr>
-        <p:style>
-          <a:lnRef idx="1">
-            <a:schemeClr val="dk1"/>
-          </a:lnRef>
-          <a:fillRef idx="0">
-            <a:schemeClr val="dk1"/>
-          </a:fillRef>
-          <a:effectRef idx="0">
-            <a:schemeClr val="dk1"/>
-          </a:effectRef>
-          <a:fontRef idx="minor">
-            <a:schemeClr val="tx1"/>
-          </a:fontRef>
-        </p:style>
-      </p:cxnSp>
-      <p:cxnSp>
-        <p:nvCxnSpPr>
-          <p:cNvPr id="36" name="Straight Connector 35"/>
-          <p:cNvCxnSpPr>
-            <a:stCxn id="13" idx="1"/>
-            <a:endCxn id="12" idx="4"/>
-          </p:cNvCxnSpPr>
-          <p:nvPr/>
-        </p:nvCxnSpPr>
-        <p:spPr>
-          <a:xfrm flipH="1" flipV="1">
-            <a:off x="1825532" y="4712974"/>
-            <a:ext cx="175419" cy="543459"/>
-          </a:xfrm>
-          <a:prstGeom prst="line">
-            <a:avLst/>
-          </a:prstGeom>
-        </p:spPr>
-        <p:style>
-          <a:lnRef idx="1">
-            <a:schemeClr val="dk1"/>
-          </a:lnRef>
-          <a:fillRef idx="0">
-            <a:schemeClr val="dk1"/>
-          </a:fillRef>
-          <a:effectRef idx="0">
-            <a:schemeClr val="dk1"/>
-          </a:effectRef>
-          <a:fontRef idx="minor">
-            <a:schemeClr val="tx1"/>
-          </a:fontRef>
-        </p:style>
-      </p:cxnSp>
     </p:spTree>
     <p:extLst>
       <p:ext uri="{BB962C8B-B14F-4D97-AF65-F5344CB8AC3E}">
@@ -12813,7 +9858,7 @@
           <p:cNvPr id="3" name="TextBox 2">
             <a:extLst>
               <a:ext uri="{FF2B5EF4-FFF2-40B4-BE49-F238E27FC236}">
-                <a16:creationId xmlns:a16="http://schemas.microsoft.com/office/drawing/2014/main" xmlns="" id="{6129BCCE-EAA2-06B8-2ABB-36E1965B0FED}"/>
+                <a16:creationId xmlns:a16="http://schemas.microsoft.com/office/drawing/2014/main" id="{6129BCCE-EAA2-06B8-2ABB-36E1965B0FED}"/>
               </a:ext>
             </a:extLst>
           </p:cNvPr>
@@ -12860,7 +9905,7 @@
           <p:cNvPr id="2" name="TextBox 1">
             <a:extLst>
               <a:ext uri="{FF2B5EF4-FFF2-40B4-BE49-F238E27FC236}">
-                <a16:creationId xmlns:a16="http://schemas.microsoft.com/office/drawing/2014/main" xmlns="" id="{4073108B-FF80-2542-E514-618C5A826695}"/>
+                <a16:creationId xmlns:a16="http://schemas.microsoft.com/office/drawing/2014/main" id="{4073108B-FF80-2542-E514-618C5A826695}"/>
               </a:ext>
             </a:extLst>
           </p:cNvPr>
@@ -13024,7 +10069,7 @@
           <p:cNvPr id="2" name="TextBox 1">
             <a:extLst>
               <a:ext uri="{FF2B5EF4-FFF2-40B4-BE49-F238E27FC236}">
-                <a16:creationId xmlns:a16="http://schemas.microsoft.com/office/drawing/2014/main" xmlns="" id="{199B9149-BCE3-E8FF-B980-A671C271C1F7}"/>
+                <a16:creationId xmlns:a16="http://schemas.microsoft.com/office/drawing/2014/main" id="{199B9149-BCE3-E8FF-B980-A671C271C1F7}"/>
               </a:ext>
             </a:extLst>
           </p:cNvPr>
@@ -13071,7 +10116,7 @@
           <p:cNvPr id="3" name="TextBox 2">
             <a:extLst>
               <a:ext uri="{FF2B5EF4-FFF2-40B4-BE49-F238E27FC236}">
-                <a16:creationId xmlns:a16="http://schemas.microsoft.com/office/drawing/2014/main" xmlns="" id="{2A3DBAD7-0349-C138-49F2-34BA414DC8BC}"/>
+                <a16:creationId xmlns:a16="http://schemas.microsoft.com/office/drawing/2014/main" id="{2A3DBAD7-0349-C138-49F2-34BA414DC8BC}"/>
               </a:ext>
             </a:extLst>
           </p:cNvPr>
@@ -13172,7 +10217,7 @@
           <p:cNvPr id="2" name="Title 1">
             <a:extLst>
               <a:ext uri="{FF2B5EF4-FFF2-40B4-BE49-F238E27FC236}">
-                <a16:creationId xmlns:a16="http://schemas.microsoft.com/office/drawing/2014/main" xmlns="" id="{4F6E24A9-DAC8-3CD7-F6AF-35F942D93487}"/>
+                <a16:creationId xmlns:a16="http://schemas.microsoft.com/office/drawing/2014/main" id="{4F6E24A9-DAC8-3CD7-F6AF-35F942D93487}"/>
               </a:ext>
             </a:extLst>
           </p:cNvPr>
@@ -13209,7 +10254,7 @@
           <p:cNvPr id="3" name="Content Placeholder 2">
             <a:extLst>
               <a:ext uri="{FF2B5EF4-FFF2-40B4-BE49-F238E27FC236}">
-                <a16:creationId xmlns:a16="http://schemas.microsoft.com/office/drawing/2014/main" xmlns="" id="{A9173C1D-2F8B-2792-3149-B0AB3328C944}"/>
+                <a16:creationId xmlns:a16="http://schemas.microsoft.com/office/drawing/2014/main" id="{A9173C1D-2F8B-2792-3149-B0AB3328C944}"/>
               </a:ext>
             </a:extLst>
           </p:cNvPr>
@@ -13234,7 +10279,7 @@
           <p:cNvPr id="4" name="Text Placeholder 3">
             <a:extLst>
               <a:ext uri="{FF2B5EF4-FFF2-40B4-BE49-F238E27FC236}">
-                <a16:creationId xmlns:a16="http://schemas.microsoft.com/office/drawing/2014/main" xmlns="" id="{2575CAD2-AC30-D5F5-9D23-CF4A3F0D6D87}"/>
+                <a16:creationId xmlns:a16="http://schemas.microsoft.com/office/drawing/2014/main" id="{2575CAD2-AC30-D5F5-9D23-CF4A3F0D6D87}"/>
               </a:ext>
             </a:extLst>
           </p:cNvPr>
@@ -13571,7 +10616,7 @@
   <a:extraClrSchemeLst/>
   <a:extLst>
     <a:ext uri="{05A4C25C-085E-4340-85A3-A5531E510DB2}">
-      <thm15:themeFamily xmlns:thm15="http://schemas.microsoft.com/office/thememl/2012/main" xmlns="" name="Office Theme" id="{62F939B6-93AF-4DB8-9C6B-D6C7DFDC589F}" vid="{4A3C46E8-61CC-4603-A589-7422A47A8E4A}"/>
+      <thm15:themeFamily xmlns:thm15="http://schemas.microsoft.com/office/thememl/2012/main" name="Office Theme" id="{62F939B6-93AF-4DB8-9C6B-D6C7DFDC589F}" vid="{4A3C46E8-61CC-4603-A589-7422A47A8E4A}"/>
     </a:ext>
   </a:extLst>
 </a:theme>

--- a/group5_graphtheory.pptx
+++ b/group5_graphtheory.pptx
@@ -15,6 +15,7 @@
     <p:sldId id="266" r:id="rId9"/>
     <p:sldId id="263" r:id="rId10"/>
     <p:sldId id="258" r:id="rId11"/>
+    <p:sldId id="267" r:id="rId12"/>
   </p:sldIdLst>
   <p:sldSz cx="12192000" cy="6858000"/>
   <p:notesSz cx="6858000" cy="9144000"/>
@@ -7703,31 +7704,35 @@
           </a:p>
         </p:txBody>
       </p:sp>
-      <p:sp>
-        <p:nvSpPr>
-          <p:cNvPr id="3" name="Content Placeholder 2">
-            <a:extLst>
-              <a:ext uri="{FF2B5EF4-FFF2-40B4-BE49-F238E27FC236}">
-                <a16:creationId xmlns:a16="http://schemas.microsoft.com/office/drawing/2014/main" id="{EC01DA59-CF00-C507-B7E1-8A9C2CE84A03}"/>
-              </a:ext>
-            </a:extLst>
-          </p:cNvPr>
-          <p:cNvSpPr>
-            <a:spLocks noGrp="1"/>
-          </p:cNvSpPr>
+      <p:pic>
+        <p:nvPicPr>
+          <p:cNvPr id="6" name="Content Placeholder 5">
+            <a:extLst>
+              <a:ext uri="{FF2B5EF4-FFF2-40B4-BE49-F238E27FC236}">
+                <a16:creationId xmlns:a16="http://schemas.microsoft.com/office/drawing/2014/main" id="{D5132012-B86D-97AB-EDF4-365FC01F476D}"/>
+              </a:ext>
+            </a:extLst>
+          </p:cNvPr>
+          <p:cNvPicPr>
+            <a:picLocks noGrp="1" noChangeAspect="1"/>
+          </p:cNvPicPr>
           <p:nvPr>
             <p:ph idx="1"/>
           </p:nvPr>
-        </p:nvSpPr>
-        <p:spPr/>
-        <p:txBody>
-          <a:bodyPr/>
-          <a:lstStyle/>
-          <a:p>
-            <a:endParaRPr lang="en-US"/>
-          </a:p>
-        </p:txBody>
-      </p:sp>
+        </p:nvPicPr>
+        <p:blipFill>
+          <a:blip r:embed="rId2"/>
+          <a:stretch>
+            <a:fillRect/>
+          </a:stretch>
+        </p:blipFill>
+        <p:spPr>
+          <a:xfrm>
+            <a:off x="5183188" y="1228725"/>
+            <a:ext cx="6172200" cy="4391025"/>
+          </a:xfrm>
+        </p:spPr>
+      </p:pic>
       <p:sp>
         <p:nvSpPr>
           <p:cNvPr id="4" name="Text Placeholder 3">
@@ -7760,6 +7765,249 @@
     <p:extLst>
       <p:ext uri="{BB962C8B-B14F-4D97-AF65-F5344CB8AC3E}">
         <p14:creationId xmlns:p14="http://schemas.microsoft.com/office/powerpoint/2010/main" val="2278152757"/>
+      </p:ext>
+    </p:extLst>
+  </p:cSld>
+  <p:clrMapOvr>
+    <a:masterClrMapping/>
+  </p:clrMapOvr>
+</p:sld>
+</file>
+
+<file path=ppt/slides/slide11.xml><?xml version="1.0" encoding="utf-8"?>
+<p:sld xmlns:a="http://schemas.openxmlformats.org/drawingml/2006/main" xmlns:r="http://schemas.openxmlformats.org/officeDocument/2006/relationships" xmlns:p="http://schemas.openxmlformats.org/presentationml/2006/main">
+  <p:cSld>
+    <p:spTree>
+      <p:nvGrpSpPr>
+        <p:cNvPr id="1" name=""/>
+        <p:cNvGrpSpPr/>
+        <p:nvPr/>
+      </p:nvGrpSpPr>
+      <p:grpSpPr>
+        <a:xfrm>
+          <a:off x="0" y="0"/>
+          <a:ext cx="0" cy="0"/>
+          <a:chOff x="0" y="0"/>
+          <a:chExt cx="0" cy="0"/>
+        </a:xfrm>
+      </p:grpSpPr>
+      <p:sp>
+        <p:nvSpPr>
+          <p:cNvPr id="2" name="TextBox 1">
+            <a:extLst>
+              <a:ext uri="{FF2B5EF4-FFF2-40B4-BE49-F238E27FC236}">
+                <a16:creationId xmlns:a16="http://schemas.microsoft.com/office/drawing/2014/main" id="{6E50E356-37DA-4535-A5F0-B50C7D4B463F}"/>
+              </a:ext>
+            </a:extLst>
+          </p:cNvPr>
+          <p:cNvSpPr txBox="1"/>
+          <p:nvPr/>
+        </p:nvSpPr>
+        <p:spPr>
+          <a:xfrm>
+            <a:off x="497840" y="528320"/>
+            <a:ext cx="4602480" cy="369332"/>
+          </a:xfrm>
+          <a:prstGeom prst="rect">
+            <a:avLst/>
+          </a:prstGeom>
+          <a:noFill/>
+        </p:spPr>
+        <p:txBody>
+          <a:bodyPr wrap="square" rtlCol="0">
+            <a:spAutoFit/>
+          </a:bodyPr>
+          <a:lstStyle/>
+          <a:p>
+            <a:r>
+              <a:rPr lang="en-US" dirty="0">
+                <a:latin typeface="Arial Black" panose="020B0A04020102020204" pitchFamily="34" charset="0"/>
+              </a:rPr>
+              <a:t>Graph Coloring in Board Games</a:t>
+            </a:r>
+          </a:p>
+        </p:txBody>
+      </p:sp>
+      <p:sp>
+        <p:nvSpPr>
+          <p:cNvPr id="3" name="TextBox 2">
+            <a:extLst>
+              <a:ext uri="{FF2B5EF4-FFF2-40B4-BE49-F238E27FC236}">
+                <a16:creationId xmlns:a16="http://schemas.microsoft.com/office/drawing/2014/main" id="{7E4FD040-A3D1-4B76-8051-4FF75D79F6C4}"/>
+              </a:ext>
+            </a:extLst>
+          </p:cNvPr>
+          <p:cNvSpPr txBox="1"/>
+          <p:nvPr/>
+        </p:nvSpPr>
+        <p:spPr>
+          <a:xfrm>
+            <a:off x="650240" y="1371600"/>
+            <a:ext cx="4145280" cy="2031325"/>
+          </a:xfrm>
+          <a:prstGeom prst="rect">
+            <a:avLst/>
+          </a:prstGeom>
+          <a:noFill/>
+        </p:spPr>
+        <p:txBody>
+          <a:bodyPr wrap="square" rtlCol="0">
+            <a:spAutoFit/>
+          </a:bodyPr>
+          <a:lstStyle/>
+          <a:p>
+            <a:pPr marL="285750" indent="-285750">
+              <a:buFont typeface="Arial" panose="020B0604020202020204" pitchFamily="34" charset="0"/>
+              <a:buChar char="•"/>
+            </a:pPr>
+            <a:r>
+              <a:rPr lang="en-US" dirty="0"/>
+              <a:t>involves assigning different colors to the vertices of a graph such that no two adjacent vertices share the same color.</a:t>
+            </a:r>
+          </a:p>
+          <a:p>
+            <a:pPr marL="285750" indent="-285750">
+              <a:buFont typeface="Arial" panose="020B0604020202020204" pitchFamily="34" charset="0"/>
+              <a:buChar char="•"/>
+            </a:pPr>
+            <a:r>
+              <a:rPr lang="en-US" dirty="0"/>
+              <a:t>Simplifies game design by managing player interactions and organizing regions.</a:t>
+            </a:r>
+          </a:p>
+        </p:txBody>
+      </p:sp>
+      <p:pic>
+        <p:nvPicPr>
+          <p:cNvPr id="5" name="Picture 4">
+            <a:extLst>
+              <a:ext uri="{FF2B5EF4-FFF2-40B4-BE49-F238E27FC236}">
+                <a16:creationId xmlns:a16="http://schemas.microsoft.com/office/drawing/2014/main" id="{247980FC-C224-4514-901E-C9B97207D2FD}"/>
+              </a:ext>
+            </a:extLst>
+          </p:cNvPr>
+          <p:cNvPicPr>
+            <a:picLocks noChangeAspect="1"/>
+          </p:cNvPicPr>
+          <p:nvPr/>
+        </p:nvPicPr>
+        <p:blipFill>
+          <a:blip r:embed="rId2">
+            <a:extLst>
+              <a:ext uri="{28A0092B-C50C-407E-A947-70E740481C1C}">
+                <a14:useLocalDpi xmlns:a14="http://schemas.microsoft.com/office/drawing/2010/main" val="0"/>
+              </a:ext>
+            </a:extLst>
+          </a:blip>
+          <a:stretch>
+            <a:fillRect/>
+          </a:stretch>
+        </p:blipFill>
+        <p:spPr>
+          <a:xfrm>
+            <a:off x="7833360" y="897652"/>
+            <a:ext cx="1904762" cy="1904762"/>
+          </a:xfrm>
+          <a:prstGeom prst="rect">
+            <a:avLst/>
+          </a:prstGeom>
+        </p:spPr>
+      </p:pic>
+      <p:sp>
+        <p:nvSpPr>
+          <p:cNvPr id="6" name="TextBox 5">
+            <a:extLst>
+              <a:ext uri="{FF2B5EF4-FFF2-40B4-BE49-F238E27FC236}">
+                <a16:creationId xmlns:a16="http://schemas.microsoft.com/office/drawing/2014/main" id="{7FFE7E87-12A9-44B8-B6D2-87BF797DE487}"/>
+              </a:ext>
+            </a:extLst>
+          </p:cNvPr>
+          <p:cNvSpPr txBox="1"/>
+          <p:nvPr/>
+        </p:nvSpPr>
+        <p:spPr>
+          <a:xfrm>
+            <a:off x="975360" y="3749040"/>
+            <a:ext cx="9083040" cy="923330"/>
+          </a:xfrm>
+          <a:prstGeom prst="rect">
+            <a:avLst/>
+          </a:prstGeom>
+          <a:noFill/>
+        </p:spPr>
+        <p:txBody>
+          <a:bodyPr wrap="square" rtlCol="0">
+            <a:spAutoFit/>
+          </a:bodyPr>
+          <a:lstStyle/>
+          <a:p>
+            <a:pPr marL="342900" indent="-342900">
+              <a:buFont typeface="+mj-lt"/>
+              <a:buAutoNum type="arabicPeriod"/>
+            </a:pPr>
+            <a:r>
+              <a:rPr lang="en-US" dirty="0"/>
+              <a:t>Territory </a:t>
+            </a:r>
+            <a:r>
+              <a:rPr lang="en-US" dirty="0" err="1"/>
+              <a:t>Colouring</a:t>
+            </a:r>
+            <a:r>
+              <a:rPr lang="en-US" dirty="0"/>
+              <a:t>:  Assigning different </a:t>
+            </a:r>
+            <a:r>
+              <a:rPr lang="en-US" dirty="0" err="1"/>
+              <a:t>colours</a:t>
+            </a:r>
+            <a:r>
+              <a:rPr lang="en-US" dirty="0"/>
+              <a:t> to </a:t>
+            </a:r>
+            <a:r>
+              <a:rPr lang="en-US" dirty="0" err="1"/>
+              <a:t>neighbouring</a:t>
+            </a:r>
+            <a:r>
+              <a:rPr lang="en-US" dirty="0"/>
+              <a:t> territories.</a:t>
+            </a:r>
+          </a:p>
+          <a:p>
+            <a:pPr marL="342900" indent="-342900">
+              <a:buFont typeface="+mj-lt"/>
+              <a:buAutoNum type="arabicPeriod"/>
+            </a:pPr>
+            <a:r>
+              <a:rPr lang="en-US" dirty="0"/>
+              <a:t>Player moves: Useful in multiplayer games to minimize conflicts.</a:t>
+            </a:r>
+          </a:p>
+          <a:p>
+            <a:pPr marL="342900" indent="-342900">
+              <a:buFont typeface="+mj-lt"/>
+              <a:buAutoNum type="arabicPeriod"/>
+            </a:pPr>
+            <a:r>
+              <a:rPr lang="en-US" dirty="0"/>
+              <a:t>Puzzle Solving: No two adjacent players have the same </a:t>
+            </a:r>
+            <a:r>
+              <a:rPr lang="en-US" dirty="0" err="1"/>
+              <a:t>colours</a:t>
+            </a:r>
+            <a:r>
+              <a:rPr lang="en-US" dirty="0"/>
+              <a:t>.</a:t>
+            </a:r>
+          </a:p>
+        </p:txBody>
+      </p:sp>
+    </p:spTree>
+    <p:extLst>
+      <p:ext uri="{BB962C8B-B14F-4D97-AF65-F5344CB8AC3E}">
+        <p14:creationId xmlns:p14="http://schemas.microsoft.com/office/powerpoint/2010/main" val="1875216096"/>
       </p:ext>
     </p:extLst>
   </p:cSld>
@@ -10126,7 +10374,7 @@
         <p:spPr>
           <a:xfrm>
             <a:off x="657225" y="2557463"/>
-            <a:ext cx="3244927" cy="1477328"/>
+            <a:ext cx="6777433" cy="1754326"/>
           </a:xfrm>
           <a:prstGeom prst="rect">
             <a:avLst/>
@@ -10139,40 +10387,141 @@
           </a:bodyPr>
           <a:lstStyle/>
           <a:p>
-            <a:pPr marL="342900" indent="-342900">
+            <a:pPr marL="347472" indent="-347472" algn="l" rtl="0" eaLnBrk="1" latinLnBrk="0" hangingPunct="1">
+              <a:spcBef>
+                <a:spcPts val="0"/>
+              </a:spcBef>
+              <a:spcAft>
+                <a:spcPts val="0"/>
+              </a:spcAft>
+              <a:buClrTx/>
+              <a:buSzPts val="1800"/>
+              <a:buFont typeface="+mj-lt"/>
               <a:buAutoNum type="arabicPeriod"/>
             </a:pPr>
             <a:r>
-              <a:rPr lang="en-US" dirty="0"/>
+              <a:rPr lang="en-US" sz="1800" kern="1200" dirty="0">
+                <a:solidFill>
+                  <a:srgbClr val="000000"/>
+                </a:solidFill>
+                <a:effectLst/>
+                <a:latin typeface="Calibri" panose="020F0502020204030204" pitchFamily="34" charset="0"/>
+                <a:ea typeface="+mn-ea"/>
+                <a:cs typeface="+mn-cs"/>
+              </a:rPr>
               <a:t>How to traverse a graph</a:t>
             </a:r>
-          </a:p>
-          <a:p>
-            <a:pPr marL="342900" indent="-342900">
+            <a:endParaRPr lang="en-US" dirty="0"/>
+          </a:p>
+          <a:p>
+            <a:pPr marL="347472" indent="-347472" algn="l" rtl="0" eaLnBrk="1" latinLnBrk="0" hangingPunct="1">
+              <a:spcBef>
+                <a:spcPts val="0"/>
+              </a:spcBef>
+              <a:spcAft>
+                <a:spcPts val="0"/>
+              </a:spcAft>
+              <a:buClrTx/>
+              <a:buSzPts val="1800"/>
+              <a:buFont typeface="+mj-lt"/>
               <a:buAutoNum type="arabicPeriod"/>
             </a:pPr>
             <a:r>
-              <a:rPr lang="en-US" dirty="0"/>
+              <a:rPr lang="en-US" sz="1800" kern="1200" dirty="0">
+                <a:solidFill>
+                  <a:srgbClr val="000000"/>
+                </a:solidFill>
+                <a:effectLst/>
+                <a:latin typeface="Calibri" panose="020F0502020204030204" pitchFamily="34" charset="0"/>
+                <a:ea typeface="+mn-ea"/>
+                <a:cs typeface="+mn-cs"/>
+              </a:rPr>
               <a:t>Count neighbors of a vertex</a:t>
             </a:r>
-          </a:p>
-          <a:p>
-            <a:pPr marL="342900" indent="-342900">
+            <a:endParaRPr lang="en-US" dirty="0"/>
+          </a:p>
+          <a:p>
+            <a:pPr marL="347472" indent="-347472" algn="l" rtl="0" eaLnBrk="1" latinLnBrk="0" hangingPunct="1">
+              <a:spcBef>
+                <a:spcPts val="0"/>
+              </a:spcBef>
+              <a:spcAft>
+                <a:spcPts val="0"/>
+              </a:spcAft>
+              <a:buClrTx/>
+              <a:buSzPts val="1800"/>
+              <a:buFont typeface="+mj-lt"/>
               <a:buAutoNum type="arabicPeriod"/>
             </a:pPr>
             <a:r>
-              <a:rPr lang="en-US" dirty="0"/>
-              <a:t>Deleting and inserting edges</a:t>
-            </a:r>
-          </a:p>
-          <a:p>
-            <a:pPr marL="342900" indent="-342900">
+              <a:rPr lang="en-US" sz="1800" kern="1200" dirty="0">
+                <a:solidFill>
+                  <a:srgbClr val="000000"/>
+                </a:solidFill>
+                <a:effectLst/>
+                <a:latin typeface="Calibri" panose="020F0502020204030204" pitchFamily="34" charset="0"/>
+                <a:ea typeface="+mn-ea"/>
+                <a:cs typeface="+mn-cs"/>
+              </a:rPr>
+              <a:t>Count degree of a vertex(number of edges meeting at that vertex) </a:t>
+            </a:r>
+            <a:endParaRPr lang="en-US" dirty="0"/>
+          </a:p>
+          <a:p>
+            <a:pPr marL="347472" indent="-347472" algn="l" rtl="0" eaLnBrk="1" latinLnBrk="0" hangingPunct="1">
+              <a:spcBef>
+                <a:spcPts val="0"/>
+              </a:spcBef>
+              <a:spcAft>
+                <a:spcPts val="0"/>
+              </a:spcAft>
+              <a:buClrTx/>
+              <a:buSzPts val="1800"/>
+              <a:buFont typeface="+mj-lt"/>
               <a:buAutoNum type="arabicPeriod"/>
             </a:pPr>
             <a:r>
-              <a:rPr lang="en-US" dirty="0"/>
+              <a:rPr lang="en-US" sz="1800" kern="1200" dirty="0">
+                <a:solidFill>
+                  <a:srgbClr val="000000"/>
+                </a:solidFill>
+                <a:effectLst/>
+                <a:latin typeface="Calibri" panose="020F0502020204030204" pitchFamily="34" charset="0"/>
+                <a:ea typeface="+mn-ea"/>
+                <a:cs typeface="+mn-cs"/>
+              </a:rPr>
+              <a:t>Deleting and inserting edges</a:t>
+            </a:r>
+            <a:endParaRPr lang="en-US" dirty="0"/>
+          </a:p>
+          <a:p>
+            <a:pPr marL="347472" indent="-347472" algn="l" rtl="0" eaLnBrk="1" latinLnBrk="0" hangingPunct="1">
+              <a:spcBef>
+                <a:spcPts val="0"/>
+              </a:spcBef>
+              <a:spcAft>
+                <a:spcPts val="0"/>
+              </a:spcAft>
+              <a:buClrTx/>
+              <a:buSzPts val="1800"/>
+              <a:buFont typeface="+mj-lt"/>
+              <a:buAutoNum type="arabicPeriod"/>
+            </a:pPr>
+            <a:r>
+              <a:rPr lang="en-US" sz="1800" kern="1200" dirty="0">
+                <a:solidFill>
+                  <a:srgbClr val="000000"/>
+                </a:solidFill>
+                <a:effectLst/>
+                <a:latin typeface="Calibri" panose="020F0502020204030204" pitchFamily="34" charset="0"/>
+                <a:ea typeface="+mn-ea"/>
+                <a:cs typeface="+mn-cs"/>
+              </a:rPr>
               <a:t>Path and cycle of vertices</a:t>
             </a:r>
+            <a:endParaRPr lang="en-US" dirty="0">
+              <a:effectLst/>
+            </a:endParaRPr>
           </a:p>
           <a:p>
             <a:pPr marL="342900" indent="-342900">

--- a/group5_graphtheory.pptx
+++ b/group5_graphtheory.pptx
@@ -269,7 +269,7 @@
           <a:p>
             <a:fld id="{98235D44-F49E-4F77-A348-B0CDA85E7A83}" type="datetimeFigureOut">
               <a:rPr lang="en-US" smtClean="0"/>
-              <a:t>10/19/2024</a:t>
+              <a:t>10/28/2024</a:t>
             </a:fld>
             <a:endParaRPr lang="en-US"/>
           </a:p>
@@ -467,7 +467,7 @@
           <a:p>
             <a:fld id="{98235D44-F49E-4F77-A348-B0CDA85E7A83}" type="datetimeFigureOut">
               <a:rPr lang="en-US" smtClean="0"/>
-              <a:t>10/19/2024</a:t>
+              <a:t>10/28/2024</a:t>
             </a:fld>
             <a:endParaRPr lang="en-US"/>
           </a:p>
@@ -675,7 +675,7 @@
           <a:p>
             <a:fld id="{98235D44-F49E-4F77-A348-B0CDA85E7A83}" type="datetimeFigureOut">
               <a:rPr lang="en-US" smtClean="0"/>
-              <a:t>10/19/2024</a:t>
+              <a:t>10/28/2024</a:t>
             </a:fld>
             <a:endParaRPr lang="en-US"/>
           </a:p>
@@ -873,7 +873,7 @@
           <a:p>
             <a:fld id="{98235D44-F49E-4F77-A348-B0CDA85E7A83}" type="datetimeFigureOut">
               <a:rPr lang="en-US" smtClean="0"/>
-              <a:t>10/19/2024</a:t>
+              <a:t>10/28/2024</a:t>
             </a:fld>
             <a:endParaRPr lang="en-US"/>
           </a:p>
@@ -1148,7 +1148,7 @@
           <a:p>
             <a:fld id="{98235D44-F49E-4F77-A348-B0CDA85E7A83}" type="datetimeFigureOut">
               <a:rPr lang="en-US" smtClean="0"/>
-              <a:t>10/19/2024</a:t>
+              <a:t>10/28/2024</a:t>
             </a:fld>
             <a:endParaRPr lang="en-US"/>
           </a:p>
@@ -1413,7 +1413,7 @@
           <a:p>
             <a:fld id="{98235D44-F49E-4F77-A348-B0CDA85E7A83}" type="datetimeFigureOut">
               <a:rPr lang="en-US" smtClean="0"/>
-              <a:t>10/19/2024</a:t>
+              <a:t>10/28/2024</a:t>
             </a:fld>
             <a:endParaRPr lang="en-US"/>
           </a:p>
@@ -1825,7 +1825,7 @@
           <a:p>
             <a:fld id="{98235D44-F49E-4F77-A348-B0CDA85E7A83}" type="datetimeFigureOut">
               <a:rPr lang="en-US" smtClean="0"/>
-              <a:t>10/19/2024</a:t>
+              <a:t>10/28/2024</a:t>
             </a:fld>
             <a:endParaRPr lang="en-US"/>
           </a:p>
@@ -1966,7 +1966,7 @@
           <a:p>
             <a:fld id="{98235D44-F49E-4F77-A348-B0CDA85E7A83}" type="datetimeFigureOut">
               <a:rPr lang="en-US" smtClean="0"/>
-              <a:t>10/19/2024</a:t>
+              <a:t>10/28/2024</a:t>
             </a:fld>
             <a:endParaRPr lang="en-US"/>
           </a:p>
@@ -2079,7 +2079,7 @@
           <a:p>
             <a:fld id="{98235D44-F49E-4F77-A348-B0CDA85E7A83}" type="datetimeFigureOut">
               <a:rPr lang="en-US" smtClean="0"/>
-              <a:t>10/19/2024</a:t>
+              <a:t>10/28/2024</a:t>
             </a:fld>
             <a:endParaRPr lang="en-US"/>
           </a:p>
@@ -2390,7 +2390,7 @@
           <a:p>
             <a:fld id="{98235D44-F49E-4F77-A348-B0CDA85E7A83}" type="datetimeFigureOut">
               <a:rPr lang="en-US" smtClean="0"/>
-              <a:t>10/19/2024</a:t>
+              <a:t>10/28/2024</a:t>
             </a:fld>
             <a:endParaRPr lang="en-US"/>
           </a:p>
@@ -2678,7 +2678,7 @@
           <a:p>
             <a:fld id="{98235D44-F49E-4F77-A348-B0CDA85E7A83}" type="datetimeFigureOut">
               <a:rPr lang="en-US" smtClean="0"/>
-              <a:t>10/19/2024</a:t>
+              <a:t>10/28/2024</a:t>
             </a:fld>
             <a:endParaRPr lang="en-US"/>
           </a:p>
@@ -2919,7 +2919,7 @@
           <a:p>
             <a:fld id="{98235D44-F49E-4F77-A348-B0CDA85E7A83}" type="datetimeFigureOut">
               <a:rPr lang="en-US" smtClean="0"/>
-              <a:t>10/19/2024</a:t>
+              <a:t>10/28/2024</a:t>
             </a:fld>
             <a:endParaRPr lang="en-US"/>
           </a:p>
@@ -7704,35 +7704,6 @@
           </a:p>
         </p:txBody>
       </p:sp>
-      <p:pic>
-        <p:nvPicPr>
-          <p:cNvPr id="6" name="Content Placeholder 5">
-            <a:extLst>
-              <a:ext uri="{FF2B5EF4-FFF2-40B4-BE49-F238E27FC236}">
-                <a16:creationId xmlns:a16="http://schemas.microsoft.com/office/drawing/2014/main" id="{D5132012-B86D-97AB-EDF4-365FC01F476D}"/>
-              </a:ext>
-            </a:extLst>
-          </p:cNvPr>
-          <p:cNvPicPr>
-            <a:picLocks noGrp="1" noChangeAspect="1"/>
-          </p:cNvPicPr>
-          <p:nvPr>
-            <p:ph idx="1"/>
-          </p:nvPr>
-        </p:nvPicPr>
-        <p:blipFill>
-          <a:blip r:embed="rId2"/>
-          <a:stretch>
-            <a:fillRect/>
-          </a:stretch>
-        </p:blipFill>
-        <p:spPr>
-          <a:xfrm>
-            <a:off x="5183188" y="1228725"/>
-            <a:ext cx="6172200" cy="4391025"/>
-          </a:xfrm>
-        </p:spPr>
-      </p:pic>
       <p:sp>
         <p:nvSpPr>
           <p:cNvPr id="4" name="Text Placeholder 3">
@@ -7758,6 +7729,31 @@
               <a:rPr lang="en-US" dirty="0"/>
               <a:t>Topics like graph theory, and recursion play crucial roles in modeling and solving the game.</a:t>
             </a:r>
+          </a:p>
+        </p:txBody>
+      </p:sp>
+      <p:sp>
+        <p:nvSpPr>
+          <p:cNvPr id="3" name="Content Placeholder 2">
+            <a:extLst>
+              <a:ext uri="{FF2B5EF4-FFF2-40B4-BE49-F238E27FC236}">
+                <a16:creationId xmlns:a16="http://schemas.microsoft.com/office/drawing/2014/main" id="{D5E016E4-BDAF-4DC3-9D94-4DE8B9339639}"/>
+              </a:ext>
+            </a:extLst>
+          </p:cNvPr>
+          <p:cNvSpPr>
+            <a:spLocks noGrp="1"/>
+          </p:cNvSpPr>
+          <p:nvPr>
+            <p:ph idx="1"/>
+          </p:nvPr>
+        </p:nvSpPr>
+        <p:spPr/>
+        <p:txBody>
+          <a:bodyPr/>
+          <a:lstStyle/>
+          <a:p>
+            <a:endParaRPr lang="en-US"/>
           </a:p>
         </p:txBody>
       </p:sp>

--- a/group5_graphtheory.pptx
+++ b/group5_graphtheory.pptx
@@ -16,6 +16,7 @@
     <p:sldId id="263" r:id="rId10"/>
     <p:sldId id="258" r:id="rId11"/>
     <p:sldId id="267" r:id="rId12"/>
+    <p:sldId id="268" r:id="rId13"/>
   </p:sldIdLst>
   <p:sldSz cx="12192000" cy="6858000"/>
   <p:notesSz cx="6858000" cy="9144000"/>
@@ -269,7 +270,7 @@
           <a:p>
             <a:fld id="{98235D44-F49E-4F77-A348-B0CDA85E7A83}" type="datetimeFigureOut">
               <a:rPr lang="en-US" smtClean="0"/>
-              <a:t>10/28/2024</a:t>
+              <a:t>11/3/2024</a:t>
             </a:fld>
             <a:endParaRPr lang="en-US"/>
           </a:p>
@@ -467,7 +468,7 @@
           <a:p>
             <a:fld id="{98235D44-F49E-4F77-A348-B0CDA85E7A83}" type="datetimeFigureOut">
               <a:rPr lang="en-US" smtClean="0"/>
-              <a:t>10/28/2024</a:t>
+              <a:t>11/3/2024</a:t>
             </a:fld>
             <a:endParaRPr lang="en-US"/>
           </a:p>
@@ -675,7 +676,7 @@
           <a:p>
             <a:fld id="{98235D44-F49E-4F77-A348-B0CDA85E7A83}" type="datetimeFigureOut">
               <a:rPr lang="en-US" smtClean="0"/>
-              <a:t>10/28/2024</a:t>
+              <a:t>11/3/2024</a:t>
             </a:fld>
             <a:endParaRPr lang="en-US"/>
           </a:p>
@@ -873,7 +874,7 @@
           <a:p>
             <a:fld id="{98235D44-F49E-4F77-A348-B0CDA85E7A83}" type="datetimeFigureOut">
               <a:rPr lang="en-US" smtClean="0"/>
-              <a:t>10/28/2024</a:t>
+              <a:t>11/3/2024</a:t>
             </a:fld>
             <a:endParaRPr lang="en-US"/>
           </a:p>
@@ -1148,7 +1149,7 @@
           <a:p>
             <a:fld id="{98235D44-F49E-4F77-A348-B0CDA85E7A83}" type="datetimeFigureOut">
               <a:rPr lang="en-US" smtClean="0"/>
-              <a:t>10/28/2024</a:t>
+              <a:t>11/3/2024</a:t>
             </a:fld>
             <a:endParaRPr lang="en-US"/>
           </a:p>
@@ -1413,7 +1414,7 @@
           <a:p>
             <a:fld id="{98235D44-F49E-4F77-A348-B0CDA85E7A83}" type="datetimeFigureOut">
               <a:rPr lang="en-US" smtClean="0"/>
-              <a:t>10/28/2024</a:t>
+              <a:t>11/3/2024</a:t>
             </a:fld>
             <a:endParaRPr lang="en-US"/>
           </a:p>
@@ -1825,7 +1826,7 @@
           <a:p>
             <a:fld id="{98235D44-F49E-4F77-A348-B0CDA85E7A83}" type="datetimeFigureOut">
               <a:rPr lang="en-US" smtClean="0"/>
-              <a:t>10/28/2024</a:t>
+              <a:t>11/3/2024</a:t>
             </a:fld>
             <a:endParaRPr lang="en-US"/>
           </a:p>
@@ -1966,7 +1967,7 @@
           <a:p>
             <a:fld id="{98235D44-F49E-4F77-A348-B0CDA85E7A83}" type="datetimeFigureOut">
               <a:rPr lang="en-US" smtClean="0"/>
-              <a:t>10/28/2024</a:t>
+              <a:t>11/3/2024</a:t>
             </a:fld>
             <a:endParaRPr lang="en-US"/>
           </a:p>
@@ -2079,7 +2080,7 @@
           <a:p>
             <a:fld id="{98235D44-F49E-4F77-A348-B0CDA85E7A83}" type="datetimeFigureOut">
               <a:rPr lang="en-US" smtClean="0"/>
-              <a:t>10/28/2024</a:t>
+              <a:t>11/3/2024</a:t>
             </a:fld>
             <a:endParaRPr lang="en-US"/>
           </a:p>
@@ -2390,7 +2391,7 @@
           <a:p>
             <a:fld id="{98235D44-F49E-4F77-A348-B0CDA85E7A83}" type="datetimeFigureOut">
               <a:rPr lang="en-US" smtClean="0"/>
-              <a:t>10/28/2024</a:t>
+              <a:t>11/3/2024</a:t>
             </a:fld>
             <a:endParaRPr lang="en-US"/>
           </a:p>
@@ -2678,7 +2679,7 @@
           <a:p>
             <a:fld id="{98235D44-F49E-4F77-A348-B0CDA85E7A83}" type="datetimeFigureOut">
               <a:rPr lang="en-US" smtClean="0"/>
-              <a:t>10/28/2024</a:t>
+              <a:t>11/3/2024</a:t>
             </a:fld>
             <a:endParaRPr lang="en-US"/>
           </a:p>
@@ -2919,7 +2920,7 @@
           <a:p>
             <a:fld id="{98235D44-F49E-4F77-A348-B0CDA85E7A83}" type="datetimeFigureOut">
               <a:rPr lang="en-US" smtClean="0"/>
-              <a:t>10/28/2024</a:t>
+              <a:t>11/3/2024</a:t>
             </a:fld>
             <a:endParaRPr lang="en-US"/>
           </a:p>
@@ -7535,6 +7536,16 @@
           <a:lstStyle/>
           <a:p>
             <a:pPr algn="r"/>
+            <a:r>
+              <a:rPr lang="en-US" sz="1800" dirty="0">
+                <a:solidFill>
+                  <a:schemeClr val="bg1">
+                    <a:lumMod val="75000"/>
+                  </a:schemeClr>
+                </a:solidFill>
+              </a:rPr>
+              <a:t/>
+            </a:r>
             <a:br>
               <a:rPr lang="en-US" sz="1800" dirty="0">
                 <a:solidFill>
@@ -8004,6 +8015,394 @@
     <p:extLst>
       <p:ext uri="{BB962C8B-B14F-4D97-AF65-F5344CB8AC3E}">
         <p14:creationId xmlns:p14="http://schemas.microsoft.com/office/powerpoint/2010/main" val="1875216096"/>
+      </p:ext>
+    </p:extLst>
+  </p:cSld>
+  <p:clrMapOvr>
+    <a:masterClrMapping/>
+  </p:clrMapOvr>
+</p:sld>
+</file>
+
+<file path=ppt/slides/slide12.xml><?xml version="1.0" encoding="utf-8"?>
+<p:sld xmlns:a="http://schemas.openxmlformats.org/drawingml/2006/main" xmlns:r="http://schemas.openxmlformats.org/officeDocument/2006/relationships" xmlns:p="http://schemas.openxmlformats.org/presentationml/2006/main">
+  <p:cSld>
+    <p:spTree>
+      <p:nvGrpSpPr>
+        <p:cNvPr id="1" name=""/>
+        <p:cNvGrpSpPr/>
+        <p:nvPr/>
+      </p:nvGrpSpPr>
+      <p:grpSpPr>
+        <a:xfrm>
+          <a:off x="0" y="0"/>
+          <a:ext cx="0" cy="0"/>
+          <a:chOff x="0" y="0"/>
+          <a:chExt cx="0" cy="0"/>
+        </a:xfrm>
+      </p:grpSpPr>
+      <p:sp>
+        <p:nvSpPr>
+          <p:cNvPr id="2" name="Title 1"/>
+          <p:cNvSpPr>
+            <a:spLocks noGrp="1"/>
+          </p:cNvSpPr>
+          <p:nvPr>
+            <p:ph type="ctrTitle"/>
+          </p:nvPr>
+        </p:nvSpPr>
+        <p:spPr>
+          <a:xfrm>
+            <a:off x="480330" y="546443"/>
+            <a:ext cx="4449537" cy="1012370"/>
+          </a:xfrm>
+        </p:spPr>
+        <p:txBody>
+          <a:bodyPr>
+            <a:noAutofit/>
+          </a:bodyPr>
+          <a:lstStyle/>
+          <a:p>
+            <a:pPr algn="just"/>
+            <a:r>
+              <a:rPr lang="en-US" sz="3200" b="1" dirty="0" smtClean="0">
+                <a:latin typeface="Arial Black" panose="020B0A04020102020204" pitchFamily="34" charset="0"/>
+              </a:rPr>
+              <a:t>GRAPH THEORY IN BOARD GAMES</a:t>
+            </a:r>
+            <a:endParaRPr lang="en-US" sz="3200" b="1" dirty="0">
+              <a:latin typeface="Arial Black" panose="020B0A04020102020204" pitchFamily="34" charset="0"/>
+            </a:endParaRPr>
+          </a:p>
+        </p:txBody>
+      </p:sp>
+      <p:sp>
+        <p:nvSpPr>
+          <p:cNvPr id="5" name="TextBox 4"/>
+          <p:cNvSpPr txBox="1"/>
+          <p:nvPr/>
+        </p:nvSpPr>
+        <p:spPr>
+          <a:xfrm>
+            <a:off x="774245" y="1833320"/>
+            <a:ext cx="3292929" cy="400110"/>
+          </a:xfrm>
+          <a:prstGeom prst="rect">
+            <a:avLst/>
+          </a:prstGeom>
+          <a:noFill/>
+        </p:spPr>
+        <p:txBody>
+          <a:bodyPr wrap="square" rtlCol="0">
+            <a:spAutoFit/>
+          </a:bodyPr>
+          <a:lstStyle/>
+          <a:p>
+            <a:pPr>
+              <a:defRPr sz="2000" b="1">
+                <a:solidFill>
+                  <a:srgbClr val="003366"/>
+                </a:solidFill>
+              </a:defRPr>
+            </a:pPr>
+            <a:r>
+              <a:rPr lang="en-US" dirty="0"/>
+              <a:t>Board Games as Graphs:</a:t>
+            </a:r>
+          </a:p>
+        </p:txBody>
+      </p:sp>
+      <p:sp>
+        <p:nvSpPr>
+          <p:cNvPr id="6" name="TextBox 5"/>
+          <p:cNvSpPr txBox="1"/>
+          <p:nvPr/>
+        </p:nvSpPr>
+        <p:spPr>
+          <a:xfrm>
+            <a:off x="774245" y="2382515"/>
+            <a:ext cx="6720569" cy="1200329"/>
+          </a:xfrm>
+          <a:prstGeom prst="rect">
+            <a:avLst/>
+          </a:prstGeom>
+          <a:noFill/>
+        </p:spPr>
+        <p:txBody>
+          <a:bodyPr wrap="square" rtlCol="0">
+            <a:spAutoFit/>
+          </a:bodyPr>
+          <a:lstStyle/>
+          <a:p>
+            <a:pPr marL="285750" indent="-285750" algn="just">
+              <a:buFont typeface="Arial" panose="020B0604020202020204" pitchFamily="34" charset="0"/>
+              <a:buChar char="•"/>
+            </a:pPr>
+            <a:r>
+              <a:rPr lang="en-US" dirty="0" smtClean="0"/>
+              <a:t>Each position (like squares in chess or intersections in Go) is represented as a vertex.</a:t>
+            </a:r>
+          </a:p>
+          <a:p>
+            <a:pPr marL="285750" indent="-285750" algn="just">
+              <a:buFont typeface="Arial" panose="020B0604020202020204" pitchFamily="34" charset="0"/>
+              <a:buChar char="•"/>
+            </a:pPr>
+            <a:r>
+              <a:rPr lang="en-US" dirty="0" smtClean="0"/>
+              <a:t>The possible moves between these vertices are represented as edges.</a:t>
+            </a:r>
+            <a:endParaRPr lang="en-US" dirty="0"/>
+          </a:p>
+        </p:txBody>
+      </p:sp>
+      <p:sp>
+        <p:nvSpPr>
+          <p:cNvPr id="7" name="TextBox 6"/>
+          <p:cNvSpPr txBox="1"/>
+          <p:nvPr/>
+        </p:nvSpPr>
+        <p:spPr>
+          <a:xfrm>
+            <a:off x="774245" y="3454930"/>
+            <a:ext cx="2920092" cy="954107"/>
+          </a:xfrm>
+          <a:prstGeom prst="rect">
+            <a:avLst/>
+          </a:prstGeom>
+          <a:noFill/>
+        </p:spPr>
+        <p:txBody>
+          <a:bodyPr wrap="square" rtlCol="0">
+            <a:spAutoFit/>
+          </a:bodyPr>
+          <a:lstStyle/>
+          <a:p>
+            <a:endParaRPr lang="en-US" dirty="0" smtClean="0"/>
+          </a:p>
+          <a:p>
+            <a:pPr>
+              <a:defRPr sz="2000" b="1">
+                <a:solidFill>
+                  <a:srgbClr val="003366"/>
+                </a:solidFill>
+              </a:defRPr>
+            </a:pPr>
+            <a:r>
+              <a:rPr lang="en-US" dirty="0"/>
+              <a:t>Network of Connections:</a:t>
+            </a:r>
+          </a:p>
+          <a:p>
+            <a:endParaRPr lang="en-US" dirty="0"/>
+          </a:p>
+        </p:txBody>
+      </p:sp>
+      <p:sp>
+        <p:nvSpPr>
+          <p:cNvPr id="8" name="TextBox 7"/>
+          <p:cNvSpPr txBox="1"/>
+          <p:nvPr/>
+        </p:nvSpPr>
+        <p:spPr>
+          <a:xfrm>
+            <a:off x="778326" y="4234956"/>
+            <a:ext cx="6716488" cy="1200329"/>
+          </a:xfrm>
+          <a:prstGeom prst="rect">
+            <a:avLst/>
+          </a:prstGeom>
+          <a:noFill/>
+        </p:spPr>
+        <p:txBody>
+          <a:bodyPr wrap="square" rtlCol="0">
+            <a:spAutoFit/>
+          </a:bodyPr>
+          <a:lstStyle/>
+          <a:p>
+            <a:pPr marL="285750" indent="-285750" algn="just">
+              <a:buFont typeface="Arial" panose="020B0604020202020204" pitchFamily="34" charset="0"/>
+              <a:buChar char="•"/>
+            </a:pPr>
+            <a:r>
+              <a:rPr lang="en-US" dirty="0" smtClean="0"/>
+              <a:t>This creates a network of connections which can be used for strategy development.</a:t>
+            </a:r>
+          </a:p>
+          <a:p>
+            <a:pPr marL="285750" indent="-285750" algn="just">
+              <a:buFont typeface="Arial" panose="020B0604020202020204" pitchFamily="34" charset="0"/>
+              <a:buChar char="•"/>
+            </a:pPr>
+            <a:r>
+              <a:rPr lang="en-US" dirty="0" smtClean="0"/>
+              <a:t>Tools like adjacency matrices and adjacency lists help map these relationships.</a:t>
+            </a:r>
+            <a:endParaRPr lang="en-US" dirty="0"/>
+          </a:p>
+        </p:txBody>
+      </p:sp>
+      <p:pic>
+        <p:nvPicPr>
+          <p:cNvPr id="9" name="Picture 8"/>
+          <p:cNvPicPr>
+            <a:picLocks noChangeAspect="1"/>
+          </p:cNvPicPr>
+          <p:nvPr/>
+        </p:nvPicPr>
+        <p:blipFill>
+          <a:blip r:embed="rId2">
+            <a:extLst>
+              <a:ext uri="{28A0092B-C50C-407E-A947-70E740481C1C}">
+                <a14:useLocalDpi xmlns:a14="http://schemas.microsoft.com/office/drawing/2010/main" val="0"/>
+              </a:ext>
+            </a:extLst>
+          </a:blip>
+          <a:stretch>
+            <a:fillRect/>
+          </a:stretch>
+        </p:blipFill>
+        <p:spPr>
+          <a:xfrm>
+            <a:off x="8741402" y="2121397"/>
+            <a:ext cx="2759528" cy="2759528"/>
+          </a:xfrm>
+          <a:prstGeom prst="rect">
+            <a:avLst/>
+          </a:prstGeom>
+        </p:spPr>
+      </p:pic>
+      <p:sp>
+        <p:nvSpPr>
+          <p:cNvPr id="11" name="Rectangle 10"/>
+          <p:cNvSpPr/>
+          <p:nvPr/>
+        </p:nvSpPr>
+        <p:spPr>
+          <a:xfrm>
+            <a:off x="9096158" y="1558813"/>
+            <a:ext cx="1762342" cy="400110"/>
+          </a:xfrm>
+          <a:prstGeom prst="rect">
+            <a:avLst/>
+          </a:prstGeom>
+        </p:spPr>
+        <p:txBody>
+          <a:bodyPr wrap="none">
+            <a:spAutoFit/>
+          </a:bodyPr>
+          <a:lstStyle/>
+          <a:p>
+            <a:pPr>
+              <a:defRPr sz="2000" b="1">
+                <a:solidFill>
+                  <a:srgbClr val="003366"/>
+                </a:solidFill>
+              </a:defRPr>
+            </a:pPr>
+            <a:r>
+              <a:rPr lang="en-US" dirty="0"/>
+              <a:t>Adjacency List:</a:t>
+            </a:r>
+            <a:endParaRPr lang="en-US" dirty="0"/>
+          </a:p>
+        </p:txBody>
+      </p:sp>
+      <p:sp>
+        <p:nvSpPr>
+          <p:cNvPr id="12" name="Rectangle 11"/>
+          <p:cNvSpPr/>
+          <p:nvPr/>
+        </p:nvSpPr>
+        <p:spPr>
+          <a:xfrm>
+            <a:off x="8453728" y="5043399"/>
+            <a:ext cx="3047202" cy="1569660"/>
+          </a:xfrm>
+          <a:prstGeom prst="rect">
+            <a:avLst/>
+          </a:prstGeom>
+        </p:spPr>
+        <p:txBody>
+          <a:bodyPr wrap="square">
+            <a:spAutoFit/>
+          </a:bodyPr>
+          <a:lstStyle/>
+          <a:p>
+            <a:pPr lvl="1" algn="just">
+              <a:defRPr sz="1600">
+                <a:solidFill>
+                  <a:srgbClr val="000000"/>
+                </a:solidFill>
+              </a:defRPr>
+            </a:pPr>
+            <a:r>
+              <a:rPr lang="en-US" dirty="0"/>
+              <a:t>Represents each position and lists possible moves.</a:t>
+            </a:r>
+          </a:p>
+          <a:p>
+            <a:pPr lvl="1" algn="just">
+              <a:defRPr sz="1600">
+                <a:solidFill>
+                  <a:srgbClr val="000000"/>
+                </a:solidFill>
+              </a:defRPr>
+            </a:pPr>
+            <a:r>
+              <a:rPr lang="en-US" dirty="0"/>
+              <a:t>Example (Chess - Knight Moves</a:t>
+            </a:r>
+            <a:r>
+              <a:rPr lang="en-US" dirty="0" smtClean="0"/>
+              <a:t>):</a:t>
+            </a:r>
+          </a:p>
+          <a:p>
+            <a:pPr marL="742950" lvl="1" indent="-285750" algn="just">
+              <a:buFont typeface="Arial" panose="020B0604020202020204" pitchFamily="34" charset="0"/>
+              <a:buChar char="•"/>
+              <a:defRPr sz="1600">
+                <a:solidFill>
+                  <a:srgbClr val="000000"/>
+                </a:solidFill>
+              </a:defRPr>
+            </a:pPr>
+            <a:r>
+              <a:rPr lang="en-US" dirty="0" smtClean="0"/>
+              <a:t>B1 </a:t>
+            </a:r>
+            <a:r>
+              <a:rPr lang="en-US" dirty="0"/>
+              <a:t>-&gt; A3, </a:t>
+            </a:r>
+            <a:r>
+              <a:rPr lang="en-US" dirty="0" smtClean="0"/>
+              <a:t>C3</a:t>
+            </a:r>
+          </a:p>
+          <a:p>
+            <a:pPr marL="742950" lvl="1" indent="-285750" algn="just">
+              <a:buFont typeface="Arial" panose="020B0604020202020204" pitchFamily="34" charset="0"/>
+              <a:buChar char="•"/>
+              <a:defRPr sz="1600">
+                <a:solidFill>
+                  <a:srgbClr val="000000"/>
+                </a:solidFill>
+              </a:defRPr>
+            </a:pPr>
+            <a:r>
+              <a:rPr lang="en-US" dirty="0" smtClean="0"/>
+              <a:t>G1 -&gt; F3, H3</a:t>
+            </a:r>
+            <a:endParaRPr lang="en-US" dirty="0"/>
+          </a:p>
+        </p:txBody>
+      </p:sp>
+    </p:spTree>
+    <p:extLst>
+      <p:ext uri="{BB962C8B-B14F-4D97-AF65-F5344CB8AC3E}">
+        <p14:creationId xmlns:p14="http://schemas.microsoft.com/office/powerpoint/2010/main" val="397153283"/>
       </p:ext>
     </p:extLst>
   </p:cSld>

--- a/group5_graphtheory.pptx
+++ b/group5_graphtheory.pptx
@@ -4,6 +4,9 @@
   <p:sldMasterIdLst>
     <p:sldMasterId id="2147483648" r:id="rId1"/>
   </p:sldMasterIdLst>
+  <p:notesMasterIdLst>
+    <p:notesMasterId r:id="rId16"/>
+  </p:notesMasterIdLst>
   <p:sldIdLst>
     <p:sldId id="257" r:id="rId2"/>
     <p:sldId id="259" r:id="rId3"/>
@@ -11,11 +14,14 @@
     <p:sldId id="264" r:id="rId5"/>
     <p:sldId id="261" r:id="rId6"/>
     <p:sldId id="262" r:id="rId7"/>
-    <p:sldId id="265" r:id="rId8"/>
-    <p:sldId id="266" r:id="rId9"/>
-    <p:sldId id="263" r:id="rId10"/>
-    <p:sldId id="258" r:id="rId11"/>
-    <p:sldId id="267" r:id="rId12"/>
+    <p:sldId id="268" r:id="rId8"/>
+    <p:sldId id="269" r:id="rId9"/>
+    <p:sldId id="265" r:id="rId10"/>
+    <p:sldId id="266" r:id="rId11"/>
+    <p:sldId id="263" r:id="rId12"/>
+    <p:sldId id="258" r:id="rId13"/>
+    <p:sldId id="267" r:id="rId14"/>
+    <p:sldId id="270" r:id="rId15"/>
   </p:sldIdLst>
   <p:sldSz cx="12192000" cy="6858000"/>
   <p:notesSz cx="6858000" cy="9144000"/>
@@ -122,6 +128,355 @@
 </p:presentation>
 </file>
 
+<file path=ppt/notesMasters/notesMaster1.xml><?xml version="1.0" encoding="utf-8"?>
+<p:notesMaster xmlns:a="http://schemas.openxmlformats.org/drawingml/2006/main" xmlns:r="http://schemas.openxmlformats.org/officeDocument/2006/relationships" xmlns:p="http://schemas.openxmlformats.org/presentationml/2006/main">
+  <p:cSld>
+    <p:bg>
+      <p:bgRef idx="1001">
+        <a:schemeClr val="bg1"/>
+      </p:bgRef>
+    </p:bg>
+    <p:spTree>
+      <p:nvGrpSpPr>
+        <p:cNvPr id="1" name=""/>
+        <p:cNvGrpSpPr/>
+        <p:nvPr/>
+      </p:nvGrpSpPr>
+      <p:grpSpPr>
+        <a:xfrm>
+          <a:off x="0" y="0"/>
+          <a:ext cx="0" cy="0"/>
+          <a:chOff x="0" y="0"/>
+          <a:chExt cx="0" cy="0"/>
+        </a:xfrm>
+      </p:grpSpPr>
+      <p:sp>
+        <p:nvSpPr>
+          <p:cNvPr id="2" name="Header Placeholder 1"/>
+          <p:cNvSpPr>
+            <a:spLocks noGrp="1"/>
+          </p:cNvSpPr>
+          <p:nvPr>
+            <p:ph type="hdr" sz="quarter"/>
+          </p:nvPr>
+        </p:nvSpPr>
+        <p:spPr>
+          <a:xfrm>
+            <a:off x="0" y="0"/>
+            <a:ext cx="2971800" cy="458788"/>
+          </a:xfrm>
+          <a:prstGeom prst="rect">
+            <a:avLst/>
+          </a:prstGeom>
+        </p:spPr>
+        <p:txBody>
+          <a:bodyPr vert="horz" lIns="91440" tIns="45720" rIns="91440" bIns="45720" rtlCol="0"/>
+          <a:lstStyle>
+            <a:lvl1pPr algn="l">
+              <a:defRPr sz="1200"/>
+            </a:lvl1pPr>
+          </a:lstStyle>
+          <a:p>
+            <a:endParaRPr lang="en-US"/>
+          </a:p>
+        </p:txBody>
+      </p:sp>
+      <p:sp>
+        <p:nvSpPr>
+          <p:cNvPr id="3" name="Date Placeholder 2"/>
+          <p:cNvSpPr>
+            <a:spLocks noGrp="1"/>
+          </p:cNvSpPr>
+          <p:nvPr>
+            <p:ph type="dt" idx="1"/>
+          </p:nvPr>
+        </p:nvSpPr>
+        <p:spPr>
+          <a:xfrm>
+            <a:off x="3884613" y="0"/>
+            <a:ext cx="2971800" cy="458788"/>
+          </a:xfrm>
+          <a:prstGeom prst="rect">
+            <a:avLst/>
+          </a:prstGeom>
+        </p:spPr>
+        <p:txBody>
+          <a:bodyPr vert="horz" lIns="91440" tIns="45720" rIns="91440" bIns="45720" rtlCol="0"/>
+          <a:lstStyle>
+            <a:lvl1pPr algn="r">
+              <a:defRPr sz="1200"/>
+            </a:lvl1pPr>
+          </a:lstStyle>
+          <a:p>
+            <a:fld id="{1ACB21A0-39B6-47AA-9E9C-8EBA43CBC444}" type="datetimeFigureOut">
+              <a:rPr lang="en-US" smtClean="0"/>
+              <a:t>11/3/2024</a:t>
+            </a:fld>
+            <a:endParaRPr lang="en-US"/>
+          </a:p>
+        </p:txBody>
+      </p:sp>
+      <p:sp>
+        <p:nvSpPr>
+          <p:cNvPr id="4" name="Slide Image Placeholder 3"/>
+          <p:cNvSpPr>
+            <a:spLocks noGrp="1" noRot="1" noChangeAspect="1"/>
+          </p:cNvSpPr>
+          <p:nvPr>
+            <p:ph type="sldImg" idx="2"/>
+          </p:nvPr>
+        </p:nvSpPr>
+        <p:spPr>
+          <a:xfrm>
+            <a:off x="685800" y="1143000"/>
+            <a:ext cx="5486400" cy="3086100"/>
+          </a:xfrm>
+          <a:prstGeom prst="rect">
+            <a:avLst/>
+          </a:prstGeom>
+          <a:noFill/>
+          <a:ln w="12700">
+            <a:solidFill>
+              <a:prstClr val="black"/>
+            </a:solidFill>
+          </a:ln>
+        </p:spPr>
+        <p:txBody>
+          <a:bodyPr vert="horz" lIns="91440" tIns="45720" rIns="91440" bIns="45720" rtlCol="0" anchor="ctr"/>
+          <a:lstStyle/>
+          <a:p>
+            <a:endParaRPr lang="en-US"/>
+          </a:p>
+        </p:txBody>
+      </p:sp>
+      <p:sp>
+        <p:nvSpPr>
+          <p:cNvPr id="5" name="Notes Placeholder 4"/>
+          <p:cNvSpPr>
+            <a:spLocks noGrp="1"/>
+          </p:cNvSpPr>
+          <p:nvPr>
+            <p:ph type="body" sz="quarter" idx="3"/>
+          </p:nvPr>
+        </p:nvSpPr>
+        <p:spPr>
+          <a:xfrm>
+            <a:off x="685800" y="4400550"/>
+            <a:ext cx="5486400" cy="3600450"/>
+          </a:xfrm>
+          <a:prstGeom prst="rect">
+            <a:avLst/>
+          </a:prstGeom>
+        </p:spPr>
+        <p:txBody>
+          <a:bodyPr vert="horz" lIns="91440" tIns="45720" rIns="91440" bIns="45720" rtlCol="0"/>
+          <a:lstStyle/>
+          <a:p>
+            <a:pPr lvl="0"/>
+            <a:r>
+              <a:rPr lang="en-US"/>
+              <a:t>Edit Master text styles</a:t>
+            </a:r>
+          </a:p>
+          <a:p>
+            <a:pPr lvl="1"/>
+            <a:r>
+              <a:rPr lang="en-US"/>
+              <a:t>Second level</a:t>
+            </a:r>
+          </a:p>
+          <a:p>
+            <a:pPr lvl="2"/>
+            <a:r>
+              <a:rPr lang="en-US"/>
+              <a:t>Third level</a:t>
+            </a:r>
+          </a:p>
+          <a:p>
+            <a:pPr lvl="3"/>
+            <a:r>
+              <a:rPr lang="en-US"/>
+              <a:t>Fourth level</a:t>
+            </a:r>
+          </a:p>
+          <a:p>
+            <a:pPr lvl="4"/>
+            <a:r>
+              <a:rPr lang="en-US"/>
+              <a:t>Fifth level</a:t>
+            </a:r>
+          </a:p>
+        </p:txBody>
+      </p:sp>
+      <p:sp>
+        <p:nvSpPr>
+          <p:cNvPr id="6" name="Footer Placeholder 5"/>
+          <p:cNvSpPr>
+            <a:spLocks noGrp="1"/>
+          </p:cNvSpPr>
+          <p:nvPr>
+            <p:ph type="ftr" sz="quarter" idx="4"/>
+          </p:nvPr>
+        </p:nvSpPr>
+        <p:spPr>
+          <a:xfrm>
+            <a:off x="0" y="8685213"/>
+            <a:ext cx="2971800" cy="458787"/>
+          </a:xfrm>
+          <a:prstGeom prst="rect">
+            <a:avLst/>
+          </a:prstGeom>
+        </p:spPr>
+        <p:txBody>
+          <a:bodyPr vert="horz" lIns="91440" tIns="45720" rIns="91440" bIns="45720" rtlCol="0" anchor="b"/>
+          <a:lstStyle>
+            <a:lvl1pPr algn="l">
+              <a:defRPr sz="1200"/>
+            </a:lvl1pPr>
+          </a:lstStyle>
+          <a:p>
+            <a:endParaRPr lang="en-US"/>
+          </a:p>
+        </p:txBody>
+      </p:sp>
+      <p:sp>
+        <p:nvSpPr>
+          <p:cNvPr id="7" name="Slide Number Placeholder 6"/>
+          <p:cNvSpPr>
+            <a:spLocks noGrp="1"/>
+          </p:cNvSpPr>
+          <p:nvPr>
+            <p:ph type="sldNum" sz="quarter" idx="5"/>
+          </p:nvPr>
+        </p:nvSpPr>
+        <p:spPr>
+          <a:xfrm>
+            <a:off x="3884613" y="8685213"/>
+            <a:ext cx="2971800" cy="458787"/>
+          </a:xfrm>
+          <a:prstGeom prst="rect">
+            <a:avLst/>
+          </a:prstGeom>
+        </p:spPr>
+        <p:txBody>
+          <a:bodyPr vert="horz" lIns="91440" tIns="45720" rIns="91440" bIns="45720" rtlCol="0" anchor="b"/>
+          <a:lstStyle>
+            <a:lvl1pPr algn="r">
+              <a:defRPr sz="1200"/>
+            </a:lvl1pPr>
+          </a:lstStyle>
+          <a:p>
+            <a:fld id="{1A122BCB-6F2A-45E8-96E3-CBA62FE3D8B2}" type="slidenum">
+              <a:rPr lang="en-US" smtClean="0"/>
+              <a:t>‹#›</a:t>
+            </a:fld>
+            <a:endParaRPr lang="en-US"/>
+          </a:p>
+        </p:txBody>
+      </p:sp>
+    </p:spTree>
+    <p:extLst>
+      <p:ext uri="{BB962C8B-B14F-4D97-AF65-F5344CB8AC3E}">
+        <p14:creationId xmlns:p14="http://schemas.microsoft.com/office/powerpoint/2010/main" val="3485748690"/>
+      </p:ext>
+    </p:extLst>
+  </p:cSld>
+  <p:clrMap bg1="lt1" tx1="dk1" bg2="lt2" tx2="dk2" accent1="accent1" accent2="accent2" accent3="accent3" accent4="accent4" accent5="accent5" accent6="accent6" hlink="hlink" folHlink="folHlink"/>
+  <p:notesStyle>
+    <a:lvl1pPr marL="0" algn="l" defTabSz="914400" rtl="0" eaLnBrk="1" latinLnBrk="0" hangingPunct="1">
+      <a:defRPr sz="1200" kern="1200">
+        <a:solidFill>
+          <a:schemeClr val="tx1"/>
+        </a:solidFill>
+        <a:latin typeface="+mn-lt"/>
+        <a:ea typeface="+mn-ea"/>
+        <a:cs typeface="+mn-cs"/>
+      </a:defRPr>
+    </a:lvl1pPr>
+    <a:lvl2pPr marL="457200" algn="l" defTabSz="914400" rtl="0" eaLnBrk="1" latinLnBrk="0" hangingPunct="1">
+      <a:defRPr sz="1200" kern="1200">
+        <a:solidFill>
+          <a:schemeClr val="tx1"/>
+        </a:solidFill>
+        <a:latin typeface="+mn-lt"/>
+        <a:ea typeface="+mn-ea"/>
+        <a:cs typeface="+mn-cs"/>
+      </a:defRPr>
+    </a:lvl2pPr>
+    <a:lvl3pPr marL="914400" algn="l" defTabSz="914400" rtl="0" eaLnBrk="1" latinLnBrk="0" hangingPunct="1">
+      <a:defRPr sz="1200" kern="1200">
+        <a:solidFill>
+          <a:schemeClr val="tx1"/>
+        </a:solidFill>
+        <a:latin typeface="+mn-lt"/>
+        <a:ea typeface="+mn-ea"/>
+        <a:cs typeface="+mn-cs"/>
+      </a:defRPr>
+    </a:lvl3pPr>
+    <a:lvl4pPr marL="1371600" algn="l" defTabSz="914400" rtl="0" eaLnBrk="1" latinLnBrk="0" hangingPunct="1">
+      <a:defRPr sz="1200" kern="1200">
+        <a:solidFill>
+          <a:schemeClr val="tx1"/>
+        </a:solidFill>
+        <a:latin typeface="+mn-lt"/>
+        <a:ea typeface="+mn-ea"/>
+        <a:cs typeface="+mn-cs"/>
+      </a:defRPr>
+    </a:lvl4pPr>
+    <a:lvl5pPr marL="1828800" algn="l" defTabSz="914400" rtl="0" eaLnBrk="1" latinLnBrk="0" hangingPunct="1">
+      <a:defRPr sz="1200" kern="1200">
+        <a:solidFill>
+          <a:schemeClr val="tx1"/>
+        </a:solidFill>
+        <a:latin typeface="+mn-lt"/>
+        <a:ea typeface="+mn-ea"/>
+        <a:cs typeface="+mn-cs"/>
+      </a:defRPr>
+    </a:lvl5pPr>
+    <a:lvl6pPr marL="2286000" algn="l" defTabSz="914400" rtl="0" eaLnBrk="1" latinLnBrk="0" hangingPunct="1">
+      <a:defRPr sz="1200" kern="1200">
+        <a:solidFill>
+          <a:schemeClr val="tx1"/>
+        </a:solidFill>
+        <a:latin typeface="+mn-lt"/>
+        <a:ea typeface="+mn-ea"/>
+        <a:cs typeface="+mn-cs"/>
+      </a:defRPr>
+    </a:lvl6pPr>
+    <a:lvl7pPr marL="2743200" algn="l" defTabSz="914400" rtl="0" eaLnBrk="1" latinLnBrk="0" hangingPunct="1">
+      <a:defRPr sz="1200" kern="1200">
+        <a:solidFill>
+          <a:schemeClr val="tx1"/>
+        </a:solidFill>
+        <a:latin typeface="+mn-lt"/>
+        <a:ea typeface="+mn-ea"/>
+        <a:cs typeface="+mn-cs"/>
+      </a:defRPr>
+    </a:lvl7pPr>
+    <a:lvl8pPr marL="3200400" algn="l" defTabSz="914400" rtl="0" eaLnBrk="1" latinLnBrk="0" hangingPunct="1">
+      <a:defRPr sz="1200" kern="1200">
+        <a:solidFill>
+          <a:schemeClr val="tx1"/>
+        </a:solidFill>
+        <a:latin typeface="+mn-lt"/>
+        <a:ea typeface="+mn-ea"/>
+        <a:cs typeface="+mn-cs"/>
+      </a:defRPr>
+    </a:lvl8pPr>
+    <a:lvl9pPr marL="3657600" algn="l" defTabSz="914400" rtl="0" eaLnBrk="1" latinLnBrk="0" hangingPunct="1">
+      <a:defRPr sz="1200" kern="1200">
+        <a:solidFill>
+          <a:schemeClr val="tx1"/>
+        </a:solidFill>
+        <a:latin typeface="+mn-lt"/>
+        <a:ea typeface="+mn-ea"/>
+        <a:cs typeface="+mn-cs"/>
+      </a:defRPr>
+    </a:lvl9pPr>
+  </p:notesStyle>
+</p:notesMaster>
+</file>
+
 <file path=ppt/slideLayouts/slideLayout1.xml><?xml version="1.0" encoding="utf-8"?>
 <p:sldLayout xmlns:a="http://schemas.openxmlformats.org/drawingml/2006/main" xmlns:r="http://schemas.openxmlformats.org/officeDocument/2006/relationships" xmlns:p="http://schemas.openxmlformats.org/presentationml/2006/main" type="title" preserve="1">
   <p:cSld name="Title Slide">
@@ -269,7 +624,7 @@
           <a:p>
             <a:fld id="{98235D44-F49E-4F77-A348-B0CDA85E7A83}" type="datetimeFigureOut">
               <a:rPr lang="en-US" smtClean="0"/>
-              <a:t>10/28/2024</a:t>
+              <a:t>11/3/2024</a:t>
             </a:fld>
             <a:endParaRPr lang="en-US"/>
           </a:p>
@@ -467,7 +822,7 @@
           <a:p>
             <a:fld id="{98235D44-F49E-4F77-A348-B0CDA85E7A83}" type="datetimeFigureOut">
               <a:rPr lang="en-US" smtClean="0"/>
-              <a:t>10/28/2024</a:t>
+              <a:t>11/3/2024</a:t>
             </a:fld>
             <a:endParaRPr lang="en-US"/>
           </a:p>
@@ -675,7 +1030,7 @@
           <a:p>
             <a:fld id="{98235D44-F49E-4F77-A348-B0CDA85E7A83}" type="datetimeFigureOut">
               <a:rPr lang="en-US" smtClean="0"/>
-              <a:t>10/28/2024</a:t>
+              <a:t>11/3/2024</a:t>
             </a:fld>
             <a:endParaRPr lang="en-US"/>
           </a:p>
@@ -873,7 +1228,7 @@
           <a:p>
             <a:fld id="{98235D44-F49E-4F77-A348-B0CDA85E7A83}" type="datetimeFigureOut">
               <a:rPr lang="en-US" smtClean="0"/>
-              <a:t>10/28/2024</a:t>
+              <a:t>11/3/2024</a:t>
             </a:fld>
             <a:endParaRPr lang="en-US"/>
           </a:p>
@@ -1148,7 +1503,7 @@
           <a:p>
             <a:fld id="{98235D44-F49E-4F77-A348-B0CDA85E7A83}" type="datetimeFigureOut">
               <a:rPr lang="en-US" smtClean="0"/>
-              <a:t>10/28/2024</a:t>
+              <a:t>11/3/2024</a:t>
             </a:fld>
             <a:endParaRPr lang="en-US"/>
           </a:p>
@@ -1413,7 +1768,7 @@
           <a:p>
             <a:fld id="{98235D44-F49E-4F77-A348-B0CDA85E7A83}" type="datetimeFigureOut">
               <a:rPr lang="en-US" smtClean="0"/>
-              <a:t>10/28/2024</a:t>
+              <a:t>11/3/2024</a:t>
             </a:fld>
             <a:endParaRPr lang="en-US"/>
           </a:p>
@@ -1825,7 +2180,7 @@
           <a:p>
             <a:fld id="{98235D44-F49E-4F77-A348-B0CDA85E7A83}" type="datetimeFigureOut">
               <a:rPr lang="en-US" smtClean="0"/>
-              <a:t>10/28/2024</a:t>
+              <a:t>11/3/2024</a:t>
             </a:fld>
             <a:endParaRPr lang="en-US"/>
           </a:p>
@@ -1966,7 +2321,7 @@
           <a:p>
             <a:fld id="{98235D44-F49E-4F77-A348-B0CDA85E7A83}" type="datetimeFigureOut">
               <a:rPr lang="en-US" smtClean="0"/>
-              <a:t>10/28/2024</a:t>
+              <a:t>11/3/2024</a:t>
             </a:fld>
             <a:endParaRPr lang="en-US"/>
           </a:p>
@@ -2079,7 +2434,7 @@
           <a:p>
             <a:fld id="{98235D44-F49E-4F77-A348-B0CDA85E7A83}" type="datetimeFigureOut">
               <a:rPr lang="en-US" smtClean="0"/>
-              <a:t>10/28/2024</a:t>
+              <a:t>11/3/2024</a:t>
             </a:fld>
             <a:endParaRPr lang="en-US"/>
           </a:p>
@@ -2390,7 +2745,7 @@
           <a:p>
             <a:fld id="{98235D44-F49E-4F77-A348-B0CDA85E7A83}" type="datetimeFigureOut">
               <a:rPr lang="en-US" smtClean="0"/>
-              <a:t>10/28/2024</a:t>
+              <a:t>11/3/2024</a:t>
             </a:fld>
             <a:endParaRPr lang="en-US"/>
           </a:p>
@@ -2678,7 +3033,7 @@
           <a:p>
             <a:fld id="{98235D44-F49E-4F77-A348-B0CDA85E7A83}" type="datetimeFigureOut">
               <a:rPr lang="en-US" smtClean="0"/>
-              <a:t>10/28/2024</a:t>
+              <a:t>11/3/2024</a:t>
             </a:fld>
             <a:endParaRPr lang="en-US"/>
           </a:p>
@@ -2919,7 +3274,7 @@
           <a:p>
             <a:fld id="{98235D44-F49E-4F77-A348-B0CDA85E7A83}" type="datetimeFigureOut">
               <a:rPr lang="en-US" smtClean="0"/>
-              <a:t>10/28/2024</a:t>
+              <a:t>11/3/2024</a:t>
             </a:fld>
             <a:endParaRPr lang="en-US"/>
           </a:p>
@@ -7665,102 +8020,227 @@
       </p:grpSpPr>
       <p:sp>
         <p:nvSpPr>
-          <p:cNvPr id="2" name="Title 1">
-            <a:extLst>
-              <a:ext uri="{FF2B5EF4-FFF2-40B4-BE49-F238E27FC236}">
-                <a16:creationId xmlns:a16="http://schemas.microsoft.com/office/drawing/2014/main" id="{A044EC92-8709-66AA-FA34-6F35A4198D12}"/>
-              </a:ext>
-            </a:extLst>
-          </p:cNvPr>
-          <p:cNvSpPr>
-            <a:spLocks noGrp="1"/>
-          </p:cNvSpPr>
-          <p:nvPr>
-            <p:ph type="title"/>
-          </p:nvPr>
+          <p:cNvPr id="2" name="TextBox 1">
+            <a:extLst>
+              <a:ext uri="{FF2B5EF4-FFF2-40B4-BE49-F238E27FC236}">
+                <a16:creationId xmlns:a16="http://schemas.microsoft.com/office/drawing/2014/main" id="{199B9149-BCE3-E8FF-B980-A671C271C1F7}"/>
+              </a:ext>
+            </a:extLst>
+          </p:cNvPr>
+          <p:cNvSpPr txBox="1"/>
+          <p:nvPr/>
         </p:nvSpPr>
         <p:spPr>
           <a:xfrm>
-            <a:off x="839788" y="987425"/>
-            <a:ext cx="3932237" cy="571500"/>
+            <a:off x="428625" y="628651"/>
+            <a:ext cx="5472112" cy="1089529"/>
           </a:xfrm>
+          <a:prstGeom prst="rect">
+            <a:avLst/>
+          </a:prstGeom>
+          <a:noFill/>
         </p:spPr>
         <p:txBody>
-          <a:bodyPr>
-            <a:normAutofit fontScale="90000"/>
+          <a:bodyPr wrap="square" rtlCol="0">
+            <a:spAutoFit/>
           </a:bodyPr>
           <a:lstStyle/>
           <a:p>
+            <a:pPr>
+              <a:lnSpc>
+                <a:spcPct val="90000"/>
+              </a:lnSpc>
+              <a:spcBef>
+                <a:spcPct val="0"/>
+              </a:spcBef>
+            </a:pPr>
             <a:r>
               <a:rPr lang="en-US" sz="3600" b="1" dirty="0">
                 <a:latin typeface="Arial Black" panose="020B0A04020102020204" pitchFamily="34" charset="0"/>
+                <a:ea typeface="+mj-ea"/>
+                <a:cs typeface="+mj-cs"/>
               </a:rPr>
-              <a:t>Implementation</a:t>
-            </a:r>
-            <a:r>
-              <a:rPr lang="en-US" dirty="0"/>
-              <a:t> </a:t>
+              <a:t>Things we need for our area of research:</a:t>
             </a:r>
           </a:p>
         </p:txBody>
       </p:sp>
       <p:sp>
         <p:nvSpPr>
-          <p:cNvPr id="4" name="Text Placeholder 3">
-            <a:extLst>
-              <a:ext uri="{FF2B5EF4-FFF2-40B4-BE49-F238E27FC236}">
-                <a16:creationId xmlns:a16="http://schemas.microsoft.com/office/drawing/2014/main" id="{8AF72E6F-D5A1-6CBE-73C8-608D6839317F}"/>
-              </a:ext>
-            </a:extLst>
-          </p:cNvPr>
-          <p:cNvSpPr>
-            <a:spLocks noGrp="1"/>
-          </p:cNvSpPr>
-          <p:nvPr>
-            <p:ph type="body" sz="half" idx="2"/>
-          </p:nvPr>
+          <p:cNvPr id="3" name="TextBox 2">
+            <a:extLst>
+              <a:ext uri="{FF2B5EF4-FFF2-40B4-BE49-F238E27FC236}">
+                <a16:creationId xmlns:a16="http://schemas.microsoft.com/office/drawing/2014/main" id="{2A3DBAD7-0349-C138-49F2-34BA414DC8BC}"/>
+              </a:ext>
+            </a:extLst>
+          </p:cNvPr>
+          <p:cNvSpPr txBox="1"/>
+          <p:nvPr/>
         </p:nvSpPr>
-        <p:spPr/>
+        <p:spPr>
+          <a:xfrm>
+            <a:off x="657225" y="2557463"/>
+            <a:ext cx="6777433" cy="1754326"/>
+          </a:xfrm>
+          <a:prstGeom prst="rect">
+            <a:avLst/>
+          </a:prstGeom>
+          <a:noFill/>
+        </p:spPr>
         <p:txBody>
-          <a:bodyPr/>
+          <a:bodyPr wrap="none" rtlCol="0">
+            <a:spAutoFit/>
+          </a:bodyPr>
           <a:lstStyle/>
           <a:p>
-            <a:r>
-              <a:rPr lang="en-US" dirty="0"/>
-              <a:t>Topics like graph theory, and recursion play crucial roles in modeling and solving the game.</a:t>
-            </a:r>
-          </a:p>
-        </p:txBody>
-      </p:sp>
-      <p:sp>
-        <p:nvSpPr>
-          <p:cNvPr id="3" name="Content Placeholder 2">
-            <a:extLst>
-              <a:ext uri="{FF2B5EF4-FFF2-40B4-BE49-F238E27FC236}">
-                <a16:creationId xmlns:a16="http://schemas.microsoft.com/office/drawing/2014/main" id="{D5E016E4-BDAF-4DC3-9D94-4DE8B9339639}"/>
-              </a:ext>
-            </a:extLst>
-          </p:cNvPr>
-          <p:cNvSpPr>
-            <a:spLocks noGrp="1"/>
-          </p:cNvSpPr>
-          <p:nvPr>
-            <p:ph idx="1"/>
-          </p:nvPr>
-        </p:nvSpPr>
-        <p:spPr/>
-        <p:txBody>
-          <a:bodyPr/>
-          <a:lstStyle/>
-          <a:p>
-            <a:endParaRPr lang="en-US"/>
+            <a:pPr marL="347472" indent="-347472" algn="l" rtl="0" eaLnBrk="1" latinLnBrk="0" hangingPunct="1">
+              <a:spcBef>
+                <a:spcPts val="0"/>
+              </a:spcBef>
+              <a:spcAft>
+                <a:spcPts val="0"/>
+              </a:spcAft>
+              <a:buClrTx/>
+              <a:buSzPts val="1800"/>
+              <a:buFont typeface="+mj-lt"/>
+              <a:buAutoNum type="arabicPeriod"/>
+            </a:pPr>
+            <a:r>
+              <a:rPr lang="en-US" sz="1800" kern="1200" dirty="0">
+                <a:solidFill>
+                  <a:srgbClr val="000000"/>
+                </a:solidFill>
+                <a:effectLst/>
+                <a:latin typeface="Calibri" panose="020F0502020204030204" pitchFamily="34" charset="0"/>
+                <a:ea typeface="+mn-ea"/>
+                <a:cs typeface="+mn-cs"/>
+              </a:rPr>
+              <a:t>How to traverse a graph</a:t>
+            </a:r>
+            <a:endParaRPr lang="en-US" dirty="0"/>
+          </a:p>
+          <a:p>
+            <a:pPr marL="347472" indent="-347472" algn="l" rtl="0" eaLnBrk="1" latinLnBrk="0" hangingPunct="1">
+              <a:spcBef>
+                <a:spcPts val="0"/>
+              </a:spcBef>
+              <a:spcAft>
+                <a:spcPts val="0"/>
+              </a:spcAft>
+              <a:buClrTx/>
+              <a:buSzPts val="1800"/>
+              <a:buFont typeface="+mj-lt"/>
+              <a:buAutoNum type="arabicPeriod"/>
+            </a:pPr>
+            <a:r>
+              <a:rPr lang="en-US" sz="1800" kern="1200" dirty="0">
+                <a:solidFill>
+                  <a:srgbClr val="000000"/>
+                </a:solidFill>
+                <a:effectLst/>
+                <a:latin typeface="Calibri" panose="020F0502020204030204" pitchFamily="34" charset="0"/>
+                <a:ea typeface="+mn-ea"/>
+                <a:cs typeface="+mn-cs"/>
+              </a:rPr>
+              <a:t>Count neighbors of a vertex</a:t>
+            </a:r>
+            <a:endParaRPr lang="en-US" dirty="0"/>
+          </a:p>
+          <a:p>
+            <a:pPr marL="347472" indent="-347472" algn="l" rtl="0" eaLnBrk="1" latinLnBrk="0" hangingPunct="1">
+              <a:spcBef>
+                <a:spcPts val="0"/>
+              </a:spcBef>
+              <a:spcAft>
+                <a:spcPts val="0"/>
+              </a:spcAft>
+              <a:buClrTx/>
+              <a:buSzPts val="1800"/>
+              <a:buFont typeface="+mj-lt"/>
+              <a:buAutoNum type="arabicPeriod"/>
+            </a:pPr>
+            <a:r>
+              <a:rPr lang="en-US" sz="1800" kern="1200" dirty="0">
+                <a:solidFill>
+                  <a:srgbClr val="000000"/>
+                </a:solidFill>
+                <a:effectLst/>
+                <a:latin typeface="Calibri" panose="020F0502020204030204" pitchFamily="34" charset="0"/>
+                <a:ea typeface="+mn-ea"/>
+                <a:cs typeface="+mn-cs"/>
+              </a:rPr>
+              <a:t>Count degree of a vertex(number of edges meeting at that vertex) </a:t>
+            </a:r>
+            <a:endParaRPr lang="en-US" dirty="0"/>
+          </a:p>
+          <a:p>
+            <a:pPr marL="347472" indent="-347472" algn="l" rtl="0" eaLnBrk="1" latinLnBrk="0" hangingPunct="1">
+              <a:spcBef>
+                <a:spcPts val="0"/>
+              </a:spcBef>
+              <a:spcAft>
+                <a:spcPts val="0"/>
+              </a:spcAft>
+              <a:buClrTx/>
+              <a:buSzPts val="1800"/>
+              <a:buFont typeface="+mj-lt"/>
+              <a:buAutoNum type="arabicPeriod"/>
+            </a:pPr>
+            <a:r>
+              <a:rPr lang="en-US" sz="1800" kern="1200" dirty="0">
+                <a:solidFill>
+                  <a:srgbClr val="000000"/>
+                </a:solidFill>
+                <a:effectLst/>
+                <a:latin typeface="Calibri" panose="020F0502020204030204" pitchFamily="34" charset="0"/>
+                <a:ea typeface="+mn-ea"/>
+                <a:cs typeface="+mn-cs"/>
+              </a:rPr>
+              <a:t>Deleting and inserting edges</a:t>
+            </a:r>
+            <a:endParaRPr lang="en-US" dirty="0"/>
+          </a:p>
+          <a:p>
+            <a:pPr marL="347472" indent="-347472" algn="l" rtl="0" eaLnBrk="1" latinLnBrk="0" hangingPunct="1">
+              <a:spcBef>
+                <a:spcPts val="0"/>
+              </a:spcBef>
+              <a:spcAft>
+                <a:spcPts val="0"/>
+              </a:spcAft>
+              <a:buClrTx/>
+              <a:buSzPts val="1800"/>
+              <a:buFont typeface="+mj-lt"/>
+              <a:buAutoNum type="arabicPeriod"/>
+            </a:pPr>
+            <a:r>
+              <a:rPr lang="en-US" sz="1800" kern="1200" dirty="0">
+                <a:solidFill>
+                  <a:srgbClr val="000000"/>
+                </a:solidFill>
+                <a:effectLst/>
+                <a:latin typeface="Calibri" panose="020F0502020204030204" pitchFamily="34" charset="0"/>
+                <a:ea typeface="+mn-ea"/>
+                <a:cs typeface="+mn-cs"/>
+              </a:rPr>
+              <a:t>Path and cycle of vertices</a:t>
+            </a:r>
+            <a:endParaRPr lang="en-US" dirty="0">
+              <a:effectLst/>
+            </a:endParaRPr>
+          </a:p>
+          <a:p>
+            <a:pPr marL="342900" indent="-342900">
+              <a:buAutoNum type="arabicPeriod"/>
+            </a:pPr>
+            <a:endParaRPr lang="en-US" dirty="0"/>
           </a:p>
         </p:txBody>
       </p:sp>
     </p:spTree>
     <p:extLst>
       <p:ext uri="{BB962C8B-B14F-4D97-AF65-F5344CB8AC3E}">
-        <p14:creationId xmlns:p14="http://schemas.microsoft.com/office/powerpoint/2010/main" val="2278152757"/>
+        <p14:creationId xmlns:p14="http://schemas.microsoft.com/office/powerpoint/2010/main" val="3045866047"/>
       </p:ext>
     </p:extLst>
   </p:cSld>
@@ -7789,6 +8269,262 @@
       </p:grpSpPr>
       <p:sp>
         <p:nvSpPr>
+          <p:cNvPr id="2" name="Title 1">
+            <a:extLst>
+              <a:ext uri="{FF2B5EF4-FFF2-40B4-BE49-F238E27FC236}">
+                <a16:creationId xmlns:a16="http://schemas.microsoft.com/office/drawing/2014/main" id="{4F6E24A9-DAC8-3CD7-F6AF-35F942D93487}"/>
+              </a:ext>
+            </a:extLst>
+          </p:cNvPr>
+          <p:cNvSpPr>
+            <a:spLocks noGrp="1"/>
+          </p:cNvSpPr>
+          <p:nvPr>
+            <p:ph type="title"/>
+          </p:nvPr>
+        </p:nvSpPr>
+        <p:spPr>
+          <a:xfrm>
+            <a:off x="839788" y="987425"/>
+            <a:ext cx="3932237" cy="614361"/>
+          </a:xfrm>
+        </p:spPr>
+        <p:txBody>
+          <a:bodyPr>
+            <a:noAutofit/>
+          </a:bodyPr>
+          <a:lstStyle/>
+          <a:p>
+            <a:r>
+              <a:rPr lang="en-US" sz="3600" b="1" dirty="0">
+                <a:latin typeface="Arial Black" panose="020B0A04020102020204" pitchFamily="34" charset="0"/>
+              </a:rPr>
+              <a:t>Graph in Board Games</a:t>
+            </a:r>
+          </a:p>
+        </p:txBody>
+      </p:sp>
+      <p:sp>
+        <p:nvSpPr>
+          <p:cNvPr id="3" name="Content Placeholder 2">
+            <a:extLst>
+              <a:ext uri="{FF2B5EF4-FFF2-40B4-BE49-F238E27FC236}">
+                <a16:creationId xmlns:a16="http://schemas.microsoft.com/office/drawing/2014/main" id="{A9173C1D-2F8B-2792-3149-B0AB3328C944}"/>
+              </a:ext>
+            </a:extLst>
+          </p:cNvPr>
+          <p:cNvSpPr>
+            <a:spLocks noGrp="1"/>
+          </p:cNvSpPr>
+          <p:nvPr>
+            <p:ph idx="1"/>
+          </p:nvPr>
+        </p:nvSpPr>
+        <p:spPr/>
+        <p:txBody>
+          <a:bodyPr/>
+          <a:lstStyle/>
+          <a:p>
+            <a:endParaRPr lang="en-US"/>
+          </a:p>
+        </p:txBody>
+      </p:sp>
+      <p:sp>
+        <p:nvSpPr>
+          <p:cNvPr id="4" name="Text Placeholder 3">
+            <a:extLst>
+              <a:ext uri="{FF2B5EF4-FFF2-40B4-BE49-F238E27FC236}">
+                <a16:creationId xmlns:a16="http://schemas.microsoft.com/office/drawing/2014/main" id="{2575CAD2-AC30-D5F5-9D23-CF4A3F0D6D87}"/>
+              </a:ext>
+            </a:extLst>
+          </p:cNvPr>
+          <p:cNvSpPr>
+            <a:spLocks noGrp="1"/>
+          </p:cNvSpPr>
+          <p:nvPr>
+            <p:ph type="body" sz="half" idx="2"/>
+          </p:nvPr>
+        </p:nvSpPr>
+        <p:spPr/>
+        <p:txBody>
+          <a:bodyPr/>
+          <a:lstStyle/>
+          <a:p>
+            <a:r>
+              <a:rPr lang="en-US" dirty="0"/>
+              <a:t>Most board games are played two-dimensional grid. </a:t>
+            </a:r>
+          </a:p>
+          <a:p>
+            <a:r>
+              <a:rPr lang="en-US" dirty="0"/>
+              <a:t>• Nodes represent the cells where game pieces are placed. </a:t>
+            </a:r>
+          </a:p>
+          <a:p>
+            <a:r>
+              <a:rPr lang="en-US" dirty="0"/>
+              <a:t>• Winning conditions involve finding paths (edges) with consecutive stones.</a:t>
+            </a:r>
+          </a:p>
+        </p:txBody>
+      </p:sp>
+    </p:spTree>
+    <p:extLst>
+      <p:ext uri="{BB962C8B-B14F-4D97-AF65-F5344CB8AC3E}">
+        <p14:creationId xmlns:p14="http://schemas.microsoft.com/office/powerpoint/2010/main" val="41218718"/>
+      </p:ext>
+    </p:extLst>
+  </p:cSld>
+  <p:clrMapOvr>
+    <a:masterClrMapping/>
+  </p:clrMapOvr>
+</p:sld>
+</file>
+
+<file path=ppt/slides/slide12.xml><?xml version="1.0" encoding="utf-8"?>
+<p:sld xmlns:a="http://schemas.openxmlformats.org/drawingml/2006/main" xmlns:r="http://schemas.openxmlformats.org/officeDocument/2006/relationships" xmlns:p="http://schemas.openxmlformats.org/presentationml/2006/main">
+  <p:cSld>
+    <p:spTree>
+      <p:nvGrpSpPr>
+        <p:cNvPr id="1" name=""/>
+        <p:cNvGrpSpPr/>
+        <p:nvPr/>
+      </p:nvGrpSpPr>
+      <p:grpSpPr>
+        <a:xfrm>
+          <a:off x="0" y="0"/>
+          <a:ext cx="0" cy="0"/>
+          <a:chOff x="0" y="0"/>
+          <a:chExt cx="0" cy="0"/>
+        </a:xfrm>
+      </p:grpSpPr>
+      <p:sp>
+        <p:nvSpPr>
+          <p:cNvPr id="2" name="Title 1">
+            <a:extLst>
+              <a:ext uri="{FF2B5EF4-FFF2-40B4-BE49-F238E27FC236}">
+                <a16:creationId xmlns:a16="http://schemas.microsoft.com/office/drawing/2014/main" id="{A044EC92-8709-66AA-FA34-6F35A4198D12}"/>
+              </a:ext>
+            </a:extLst>
+          </p:cNvPr>
+          <p:cNvSpPr>
+            <a:spLocks noGrp="1"/>
+          </p:cNvSpPr>
+          <p:nvPr>
+            <p:ph type="title"/>
+          </p:nvPr>
+        </p:nvSpPr>
+        <p:spPr>
+          <a:xfrm>
+            <a:off x="839788" y="987425"/>
+            <a:ext cx="3932237" cy="571500"/>
+          </a:xfrm>
+        </p:spPr>
+        <p:txBody>
+          <a:bodyPr>
+            <a:normAutofit fontScale="90000"/>
+          </a:bodyPr>
+          <a:lstStyle/>
+          <a:p>
+            <a:r>
+              <a:rPr lang="en-US" sz="3600" b="1" dirty="0">
+                <a:latin typeface="Arial Black" panose="020B0A04020102020204" pitchFamily="34" charset="0"/>
+              </a:rPr>
+              <a:t>Implementation</a:t>
+            </a:r>
+            <a:r>
+              <a:rPr lang="en-US" dirty="0"/>
+              <a:t> </a:t>
+            </a:r>
+          </a:p>
+        </p:txBody>
+      </p:sp>
+      <p:sp>
+        <p:nvSpPr>
+          <p:cNvPr id="4" name="Text Placeholder 3">
+            <a:extLst>
+              <a:ext uri="{FF2B5EF4-FFF2-40B4-BE49-F238E27FC236}">
+                <a16:creationId xmlns:a16="http://schemas.microsoft.com/office/drawing/2014/main" id="{8AF72E6F-D5A1-6CBE-73C8-608D6839317F}"/>
+              </a:ext>
+            </a:extLst>
+          </p:cNvPr>
+          <p:cNvSpPr>
+            <a:spLocks noGrp="1"/>
+          </p:cNvSpPr>
+          <p:nvPr>
+            <p:ph type="body" sz="half" idx="2"/>
+          </p:nvPr>
+        </p:nvSpPr>
+        <p:spPr/>
+        <p:txBody>
+          <a:bodyPr/>
+          <a:lstStyle/>
+          <a:p>
+            <a:r>
+              <a:rPr lang="en-US" dirty="0"/>
+              <a:t>Topics like graph theory, and recursion play crucial roles in modeling and solving the game.</a:t>
+            </a:r>
+          </a:p>
+        </p:txBody>
+      </p:sp>
+      <p:sp>
+        <p:nvSpPr>
+          <p:cNvPr id="3" name="Content Placeholder 2">
+            <a:extLst>
+              <a:ext uri="{FF2B5EF4-FFF2-40B4-BE49-F238E27FC236}">
+                <a16:creationId xmlns:a16="http://schemas.microsoft.com/office/drawing/2014/main" id="{D5E016E4-BDAF-4DC3-9D94-4DE8B9339639}"/>
+              </a:ext>
+            </a:extLst>
+          </p:cNvPr>
+          <p:cNvSpPr>
+            <a:spLocks noGrp="1"/>
+          </p:cNvSpPr>
+          <p:nvPr>
+            <p:ph idx="1"/>
+          </p:nvPr>
+        </p:nvSpPr>
+        <p:spPr/>
+        <p:txBody>
+          <a:bodyPr/>
+          <a:lstStyle/>
+          <a:p>
+            <a:endParaRPr lang="en-US" dirty="0"/>
+          </a:p>
+        </p:txBody>
+      </p:sp>
+    </p:spTree>
+    <p:extLst>
+      <p:ext uri="{BB962C8B-B14F-4D97-AF65-F5344CB8AC3E}">
+        <p14:creationId xmlns:p14="http://schemas.microsoft.com/office/powerpoint/2010/main" val="2278152757"/>
+      </p:ext>
+    </p:extLst>
+  </p:cSld>
+  <p:clrMapOvr>
+    <a:masterClrMapping/>
+  </p:clrMapOvr>
+</p:sld>
+</file>
+
+<file path=ppt/slides/slide13.xml><?xml version="1.0" encoding="utf-8"?>
+<p:sld xmlns:a="http://schemas.openxmlformats.org/drawingml/2006/main" xmlns:r="http://schemas.openxmlformats.org/officeDocument/2006/relationships" xmlns:p="http://schemas.openxmlformats.org/presentationml/2006/main">
+  <p:cSld>
+    <p:spTree>
+      <p:nvGrpSpPr>
+        <p:cNvPr id="1" name=""/>
+        <p:cNvGrpSpPr/>
+        <p:nvPr/>
+      </p:nvGrpSpPr>
+      <p:grpSpPr>
+        <a:xfrm>
+          <a:off x="0" y="0"/>
+          <a:ext cx="0" cy="0"/>
+          <a:chOff x="0" y="0"/>
+          <a:chExt cx="0" cy="0"/>
+        </a:xfrm>
+      </p:grpSpPr>
+      <p:sp>
+        <p:nvSpPr>
           <p:cNvPr id="2" name="TextBox 1">
             <a:extLst>
               <a:ext uri="{FF2B5EF4-FFF2-40B4-BE49-F238E27FC236}">
@@ -8004,6 +8740,177 @@
     <p:extLst>
       <p:ext uri="{BB962C8B-B14F-4D97-AF65-F5344CB8AC3E}">
         <p14:creationId xmlns:p14="http://schemas.microsoft.com/office/powerpoint/2010/main" val="1875216096"/>
+      </p:ext>
+    </p:extLst>
+  </p:cSld>
+  <p:clrMapOvr>
+    <a:masterClrMapping/>
+  </p:clrMapOvr>
+</p:sld>
+</file>
+
+<file path=ppt/slides/slide14.xml><?xml version="1.0" encoding="utf-8"?>
+<p:sld xmlns:a="http://schemas.openxmlformats.org/drawingml/2006/main" xmlns:r="http://schemas.openxmlformats.org/officeDocument/2006/relationships" xmlns:p="http://schemas.openxmlformats.org/presentationml/2006/main">
+  <p:cSld>
+    <p:spTree>
+      <p:nvGrpSpPr>
+        <p:cNvPr id="1" name=""/>
+        <p:cNvGrpSpPr/>
+        <p:nvPr/>
+      </p:nvGrpSpPr>
+      <p:grpSpPr>
+        <a:xfrm>
+          <a:off x="0" y="0"/>
+          <a:ext cx="0" cy="0"/>
+          <a:chOff x="0" y="0"/>
+          <a:chExt cx="0" cy="0"/>
+        </a:xfrm>
+      </p:grpSpPr>
+      <p:sp>
+        <p:nvSpPr>
+          <p:cNvPr id="2" name="TextBox 1">
+            <a:extLst>
+              <a:ext uri="{FF2B5EF4-FFF2-40B4-BE49-F238E27FC236}">
+                <a16:creationId xmlns:a16="http://schemas.microsoft.com/office/drawing/2014/main" id="{79AFAFDD-C02B-4607-A351-DA70A2324FF1}"/>
+              </a:ext>
+            </a:extLst>
+          </p:cNvPr>
+          <p:cNvSpPr txBox="1"/>
+          <p:nvPr/>
+        </p:nvSpPr>
+        <p:spPr>
+          <a:xfrm>
+            <a:off x="519764" y="467360"/>
+            <a:ext cx="6175676" cy="584775"/>
+          </a:xfrm>
+          <a:prstGeom prst="rect">
+            <a:avLst/>
+          </a:prstGeom>
+          <a:noFill/>
+        </p:spPr>
+        <p:txBody>
+          <a:bodyPr wrap="square" rtlCol="0">
+            <a:spAutoFit/>
+          </a:bodyPr>
+          <a:lstStyle/>
+          <a:p>
+            <a:r>
+              <a:rPr lang="en-US" sz="3200" b="1" dirty="0"/>
+              <a:t>TREES AND SPANNING TREES</a:t>
+            </a:r>
+          </a:p>
+        </p:txBody>
+      </p:sp>
+      <p:sp>
+        <p:nvSpPr>
+          <p:cNvPr id="3" name="TextBox 2">
+            <a:extLst>
+              <a:ext uri="{FF2B5EF4-FFF2-40B4-BE49-F238E27FC236}">
+                <a16:creationId xmlns:a16="http://schemas.microsoft.com/office/drawing/2014/main" id="{08DB893F-338B-4F13-9E44-F3967F58E0B0}"/>
+              </a:ext>
+            </a:extLst>
+          </p:cNvPr>
+          <p:cNvSpPr txBox="1"/>
+          <p:nvPr/>
+        </p:nvSpPr>
+        <p:spPr>
+          <a:xfrm>
+            <a:off x="589280" y="1330960"/>
+            <a:ext cx="6390640" cy="3139321"/>
+          </a:xfrm>
+          <a:prstGeom prst="rect">
+            <a:avLst/>
+          </a:prstGeom>
+          <a:noFill/>
+        </p:spPr>
+        <p:txBody>
+          <a:bodyPr wrap="square" rtlCol="0">
+            <a:spAutoFit/>
+          </a:bodyPr>
+          <a:lstStyle/>
+          <a:p>
+            <a:r>
+              <a:rPr lang="en-US" dirty="0"/>
+              <a:t>Tree is a simple, connected ,undirected ,acyclic(having  a unique path between any two vertices) graph.</a:t>
+            </a:r>
+          </a:p>
+          <a:p>
+            <a:endParaRPr lang="en-US" dirty="0"/>
+          </a:p>
+          <a:p>
+            <a:r>
+              <a:rPr lang="en-US" dirty="0"/>
+              <a:t>A </a:t>
+            </a:r>
+            <a:r>
+              <a:rPr lang="en-US" b="1" dirty="0"/>
+              <a:t>spanning tree</a:t>
+            </a:r>
+            <a:r>
+              <a:rPr lang="en-US" dirty="0"/>
+              <a:t> of a graph is a subgraph that includes all vertices of the graph and is a tree.</a:t>
+            </a:r>
+          </a:p>
+          <a:p>
+            <a:r>
+              <a:rPr lang="en-US" dirty="0"/>
+              <a:t>- Spanning trees connect all vertices with the minimum possible edges.</a:t>
+            </a:r>
+          </a:p>
+          <a:p>
+            <a:endParaRPr lang="en-US" dirty="0"/>
+          </a:p>
+          <a:p>
+            <a:endParaRPr lang="en-US" dirty="0"/>
+          </a:p>
+          <a:p>
+            <a:r>
+              <a:rPr lang="en-US" dirty="0"/>
+              <a:t>In games, spanning trees can help create unique paths with no loops.</a:t>
+            </a:r>
+          </a:p>
+        </p:txBody>
+      </p:sp>
+      <p:pic>
+        <p:nvPicPr>
+          <p:cNvPr id="4" name="Picture 3">
+            <a:extLst>
+              <a:ext uri="{FF2B5EF4-FFF2-40B4-BE49-F238E27FC236}">
+                <a16:creationId xmlns:a16="http://schemas.microsoft.com/office/drawing/2014/main" id="{34D0DE42-2284-4BA0-9993-E885FC0F9DBD}"/>
+              </a:ext>
+            </a:extLst>
+          </p:cNvPr>
+          <p:cNvPicPr>
+            <a:picLocks noChangeAspect="1"/>
+          </p:cNvPicPr>
+          <p:nvPr/>
+        </p:nvPicPr>
+        <p:blipFill>
+          <a:blip r:embed="rId2"/>
+          <a:stretch>
+            <a:fillRect/>
+          </a:stretch>
+        </p:blipFill>
+        <p:spPr>
+          <a:xfrm>
+            <a:off x="6979920" y="1187529"/>
+            <a:ext cx="4157832" cy="4035902"/>
+          </a:xfrm>
+          <a:prstGeom prst="rect">
+            <a:avLst/>
+          </a:prstGeom>
+          <a:solidFill>
+            <a:schemeClr val="accent4">
+              <a:lumMod val="20000"/>
+              <a:lumOff val="80000"/>
+            </a:schemeClr>
+          </a:solidFill>
+        </p:spPr>
+      </p:pic>
+    </p:spTree>
+    <p:extLst>
+      <p:ext uri="{BB962C8B-B14F-4D97-AF65-F5344CB8AC3E}">
+        <p14:creationId xmlns:p14="http://schemas.microsoft.com/office/powerpoint/2010/main" val="267629350"/>
       </p:ext>
     </p:extLst>
   </p:cSld>
@@ -10099,10 +11006,10 @@
       </p:grpSpPr>
       <p:sp>
         <p:nvSpPr>
-          <p:cNvPr id="3" name="TextBox 2">
-            <a:extLst>
-              <a:ext uri="{FF2B5EF4-FFF2-40B4-BE49-F238E27FC236}">
-                <a16:creationId xmlns:a16="http://schemas.microsoft.com/office/drawing/2014/main" id="{6129BCCE-EAA2-06B8-2ABB-36E1965B0FED}"/>
+          <p:cNvPr id="2" name="TextBox 1">
+            <a:extLst>
+              <a:ext uri="{FF2B5EF4-FFF2-40B4-BE49-F238E27FC236}">
+                <a16:creationId xmlns:a16="http://schemas.microsoft.com/office/drawing/2014/main" id="{58458917-3328-445C-86E8-B4D8A6CBAF47}"/>
               </a:ext>
             </a:extLst>
           </p:cNvPr>
@@ -10111,55 +11018,8 @@
         </p:nvSpPr>
         <p:spPr>
           <a:xfrm>
-            <a:off x="360759" y="472559"/>
-            <a:ext cx="6097191" cy="1089529"/>
-          </a:xfrm>
-          <a:prstGeom prst="rect">
-            <a:avLst/>
-          </a:prstGeom>
-          <a:noFill/>
-        </p:spPr>
-        <p:txBody>
-          <a:bodyPr wrap="square">
-            <a:spAutoFit/>
-          </a:bodyPr>
-          <a:lstStyle/>
-          <a:p>
-            <a:pPr>
-              <a:lnSpc>
-                <a:spcPct val="90000"/>
-              </a:lnSpc>
-              <a:spcBef>
-                <a:spcPct val="0"/>
-              </a:spcBef>
-            </a:pPr>
-            <a:r>
-              <a:rPr lang="en-US" sz="3600" b="1" dirty="0">
-                <a:latin typeface="Arial Black" panose="020B0A04020102020204" pitchFamily="34" charset="0"/>
-                <a:ea typeface="+mj-ea"/>
-                <a:cs typeface="+mj-cs"/>
-              </a:rPr>
-              <a:t>GRAPH REPRESENTATION</a:t>
-            </a:r>
-          </a:p>
-        </p:txBody>
-      </p:sp>
-      <p:sp>
-        <p:nvSpPr>
-          <p:cNvPr id="2" name="TextBox 1">
-            <a:extLst>
-              <a:ext uri="{FF2B5EF4-FFF2-40B4-BE49-F238E27FC236}">
-                <a16:creationId xmlns:a16="http://schemas.microsoft.com/office/drawing/2014/main" id="{4073108B-FF80-2542-E514-618C5A826695}"/>
-              </a:ext>
-            </a:extLst>
-          </p:cNvPr>
-          <p:cNvSpPr txBox="1"/>
-          <p:nvPr/>
-        </p:nvSpPr>
-        <p:spPr>
-          <a:xfrm>
-            <a:off x="471487" y="2214563"/>
-            <a:ext cx="7158037" cy="3970318"/>
+            <a:off x="888275" y="439783"/>
+            <a:ext cx="5344160" cy="707886"/>
           </a:xfrm>
           <a:prstGeom prst="rect">
             <a:avLst/>
@@ -10172,116 +11032,159 @@
           </a:bodyPr>
           <a:lstStyle/>
           <a:p>
-            <a:pPr marL="342900" indent="-342900">
-              <a:buAutoNum type="arabicPeriod"/>
+            <a:r>
+              <a:rPr lang="en-US" sz="4000" b="1" dirty="0"/>
+              <a:t>Weighted Graphs</a:t>
+            </a:r>
+          </a:p>
+        </p:txBody>
+      </p:sp>
+      <p:sp>
+        <p:nvSpPr>
+          <p:cNvPr id="4" name="TextBox 3">
+            <a:extLst>
+              <a:ext uri="{FF2B5EF4-FFF2-40B4-BE49-F238E27FC236}">
+                <a16:creationId xmlns:a16="http://schemas.microsoft.com/office/drawing/2014/main" id="{59C408C2-F21E-4C19-8E48-FFB355E98CF4}"/>
+              </a:ext>
+            </a:extLst>
+          </p:cNvPr>
+          <p:cNvSpPr txBox="1"/>
+          <p:nvPr/>
+        </p:nvSpPr>
+        <p:spPr>
+          <a:xfrm>
+            <a:off x="979714" y="1491343"/>
+            <a:ext cx="4604657" cy="1477328"/>
+          </a:xfrm>
+          <a:prstGeom prst="rect">
+            <a:avLst/>
+          </a:prstGeom>
+          <a:noFill/>
+        </p:spPr>
+        <p:txBody>
+          <a:bodyPr wrap="square" rtlCol="0">
+            <a:spAutoFit/>
+          </a:bodyPr>
+          <a:lstStyle/>
+          <a:p>
+            <a:r>
+              <a:rPr lang="en-US" dirty="0"/>
+              <a:t>Many graphs can have edges that contain a certain weight to represent an arbitrary value such as cost, distance, quantity,  etc.</a:t>
+            </a:r>
+          </a:p>
+          <a:p>
+            <a:r>
+              <a:rPr lang="en-US" dirty="0"/>
+              <a:t>This suggests that all edges cannot be treated equally in certain cases.</a:t>
+            </a:r>
+          </a:p>
+        </p:txBody>
+      </p:sp>
+      <p:pic>
+        <p:nvPicPr>
+          <p:cNvPr id="24" name="Picture 23">
+            <a:extLst>
+              <a:ext uri="{FF2B5EF4-FFF2-40B4-BE49-F238E27FC236}">
+                <a16:creationId xmlns:a16="http://schemas.microsoft.com/office/drawing/2014/main" id="{7601F9BB-3928-4495-B86A-5B5A12CCEAB1}"/>
+              </a:ext>
+            </a:extLst>
+          </p:cNvPr>
+          <p:cNvPicPr>
+            <a:picLocks noChangeAspect="1"/>
+          </p:cNvPicPr>
+          <p:nvPr/>
+        </p:nvPicPr>
+        <p:blipFill>
+          <a:blip r:embed="rId2">
+            <a:extLst>
+              <a:ext uri="{28A0092B-C50C-407E-A947-70E740481C1C}">
+                <a14:useLocalDpi xmlns:a14="http://schemas.microsoft.com/office/drawing/2010/main" val="0"/>
+              </a:ext>
+            </a:extLst>
+          </a:blip>
+          <a:stretch>
+            <a:fillRect/>
+          </a:stretch>
+        </p:blipFill>
+        <p:spPr>
+          <a:xfrm>
+            <a:off x="6359978" y="1608363"/>
+            <a:ext cx="3752851" cy="3692979"/>
+          </a:xfrm>
+          <a:prstGeom prst="rect">
+            <a:avLst/>
+          </a:prstGeom>
+        </p:spPr>
+      </p:pic>
+      <p:sp>
+        <p:nvSpPr>
+          <p:cNvPr id="25" name="TextBox 24">
+            <a:extLst>
+              <a:ext uri="{FF2B5EF4-FFF2-40B4-BE49-F238E27FC236}">
+                <a16:creationId xmlns:a16="http://schemas.microsoft.com/office/drawing/2014/main" id="{76B2A961-23A7-46AF-9437-D9BEDD34FE3E}"/>
+              </a:ext>
+            </a:extLst>
+          </p:cNvPr>
+          <p:cNvSpPr txBox="1"/>
+          <p:nvPr/>
+        </p:nvSpPr>
+        <p:spPr>
+          <a:xfrm>
+            <a:off x="979714" y="3570514"/>
+            <a:ext cx="4147457" cy="2585323"/>
+          </a:xfrm>
+          <a:prstGeom prst="rect">
+            <a:avLst/>
+          </a:prstGeom>
+          <a:noFill/>
+        </p:spPr>
+        <p:txBody>
+          <a:bodyPr wrap="square" rtlCol="0">
+            <a:spAutoFit/>
+          </a:bodyPr>
+          <a:lstStyle/>
+          <a:p>
+            <a:r>
+              <a:rPr lang="en-US" dirty="0"/>
+              <a:t>USE IN GAME:</a:t>
+            </a:r>
+          </a:p>
+          <a:p>
+            <a:pPr marL="285750" indent="-285750">
+              <a:buFont typeface="Arial" panose="020B0604020202020204" pitchFamily="34" charset="0"/>
+              <a:buChar char="•"/>
             </a:pPr>
             <a:r>
               <a:rPr lang="en-US" dirty="0"/>
-              <a:t>Edge List</a:t>
-            </a:r>
-          </a:p>
-          <a:p>
-            <a:pPr marL="800100" lvl="1" indent="-342900">
-              <a:buAutoNum type="arabicPeriod"/>
+              <a:t>to represent the potential impact or strategic value of certain moves.</a:t>
+            </a:r>
+          </a:p>
+          <a:p>
+            <a:pPr marL="285750" indent="-285750">
+              <a:buFont typeface="Arial" panose="020B0604020202020204" pitchFamily="34" charset="0"/>
+              <a:buChar char="•"/>
             </a:pPr>
             <a:r>
               <a:rPr lang="en-US" dirty="0"/>
-              <a:t>Individual track of all edges</a:t>
-            </a:r>
-          </a:p>
-          <a:p>
-            <a:pPr marL="800100" lvl="1" indent="-342900">
-              <a:buAutoNum type="arabicPeriod"/>
+              <a:t>Weights could represent how close a sequence is to completion</a:t>
+            </a:r>
+          </a:p>
+          <a:p>
+            <a:pPr marL="285750" indent="-285750">
+              <a:buFont typeface="Arial" panose="020B0604020202020204" pitchFamily="34" charset="0"/>
+              <a:buChar char="•"/>
             </a:pPr>
             <a:r>
               <a:rPr lang="en-US" dirty="0"/>
-              <a:t>Need to check all edges</a:t>
-            </a:r>
-          </a:p>
-          <a:p>
-            <a:pPr marL="342900" indent="-342900">
-              <a:buAutoNum type="arabicPeriod"/>
-            </a:pPr>
-            <a:endParaRPr lang="en-US" dirty="0"/>
-          </a:p>
-          <a:p>
-            <a:pPr marL="342900" indent="-342900">
-              <a:buAutoNum type="arabicPeriod"/>
-            </a:pPr>
-            <a:r>
-              <a:rPr lang="en-US" dirty="0"/>
-              <a:t>Adjacency List</a:t>
-            </a:r>
-          </a:p>
-          <a:p>
-            <a:pPr marL="800100" lvl="1" indent="-342900">
-              <a:buAutoNum type="arabicPeriod"/>
-            </a:pPr>
-            <a:r>
-              <a:rPr lang="en-US" dirty="0"/>
-              <a:t>Track of all adjacent to a particular edge</a:t>
-            </a:r>
-          </a:p>
-          <a:p>
-            <a:pPr marL="800100" lvl="1" indent="-342900">
-              <a:buAutoNum type="arabicPeriod"/>
-            </a:pPr>
-            <a:r>
-              <a:rPr lang="en-US" dirty="0"/>
-              <a:t>Need to check relevant list of adjacent </a:t>
-            </a:r>
-          </a:p>
-          <a:p>
-            <a:pPr marL="342900" indent="-342900">
-              <a:buAutoNum type="arabicPeriod"/>
-            </a:pPr>
-            <a:endParaRPr lang="en-US" dirty="0"/>
-          </a:p>
-          <a:p>
-            <a:pPr marL="342900" indent="-342900">
-              <a:buAutoNum type="arabicPeriod"/>
-            </a:pPr>
-            <a:r>
-              <a:rPr lang="en-US" dirty="0"/>
-              <a:t>Adjacency Matrix</a:t>
-            </a:r>
-          </a:p>
-          <a:p>
-            <a:pPr marL="800100" lvl="1" indent="-342900">
-              <a:buAutoNum type="arabicPeriod"/>
-            </a:pPr>
-            <a:r>
-              <a:rPr lang="en-US" dirty="0"/>
-              <a:t>Table in form of rows and columns that keep track of all possible edges in terms of YES/NO</a:t>
-            </a:r>
-          </a:p>
-          <a:p>
-            <a:pPr marL="800100" lvl="1" indent="-342900">
-              <a:buAutoNum type="arabicPeriod"/>
-            </a:pPr>
-            <a:r>
-              <a:rPr lang="en-US" dirty="0"/>
-              <a:t>Only need to check one cell.</a:t>
-            </a:r>
-          </a:p>
-          <a:p>
-            <a:pPr marL="800100" lvl="1" indent="-342900">
-              <a:buAutoNum type="arabicPeriod"/>
-            </a:pPr>
-            <a:endParaRPr lang="en-US" dirty="0"/>
-          </a:p>
-          <a:p>
-            <a:pPr marL="342900" indent="-342900">
-              <a:buAutoNum type="arabicPeriod"/>
-            </a:pPr>
-            <a:endParaRPr lang="en-US" dirty="0"/>
+              <a:t>In more advanced AI implementations, weighted graphs can help find paths that maximize player's advantage while minimizing the opponent’s.</a:t>
+            </a:r>
           </a:p>
         </p:txBody>
       </p:sp>
     </p:spTree>
     <p:extLst>
       <p:ext uri="{BB962C8B-B14F-4D97-AF65-F5344CB8AC3E}">
-        <p14:creationId xmlns:p14="http://schemas.microsoft.com/office/powerpoint/2010/main" val="3072984554"/>
+        <p14:creationId xmlns:p14="http://schemas.microsoft.com/office/powerpoint/2010/main" val="949719021"/>
       </p:ext>
     </p:extLst>
   </p:cSld>
@@ -10313,7 +11216,7 @@
           <p:cNvPr id="2" name="TextBox 1">
             <a:extLst>
               <a:ext uri="{FF2B5EF4-FFF2-40B4-BE49-F238E27FC236}">
-                <a16:creationId xmlns:a16="http://schemas.microsoft.com/office/drawing/2014/main" id="{199B9149-BCE3-E8FF-B980-A671C271C1F7}"/>
+                <a16:creationId xmlns:a16="http://schemas.microsoft.com/office/drawing/2014/main" id="{A694A103-367C-4EBF-A279-F53737AF5323}"/>
               </a:ext>
             </a:extLst>
           </p:cNvPr>
@@ -10322,8 +11225,8 @@
         </p:nvSpPr>
         <p:spPr>
           <a:xfrm>
-            <a:off x="428625" y="628651"/>
-            <a:ext cx="5472112" cy="1089529"/>
+            <a:off x="538479" y="508000"/>
+            <a:ext cx="11000378" cy="707886"/>
           </a:xfrm>
           <a:prstGeom prst="rect">
             <a:avLst/>
@@ -10336,31 +11239,20 @@
           </a:bodyPr>
           <a:lstStyle/>
           <a:p>
-            <a:pPr>
-              <a:lnSpc>
-                <a:spcPct val="90000"/>
-              </a:lnSpc>
-              <a:spcBef>
-                <a:spcPct val="0"/>
-              </a:spcBef>
-            </a:pPr>
-            <a:r>
-              <a:rPr lang="en-US" sz="3600" b="1" dirty="0">
-                <a:latin typeface="Arial Black" panose="020B0A04020102020204" pitchFamily="34" charset="0"/>
-                <a:ea typeface="+mj-ea"/>
-                <a:cs typeface="+mj-cs"/>
-              </a:rPr>
-              <a:t>Things we need for our area of research:</a:t>
+            <a:pPr algn="ctr"/>
+            <a:r>
+              <a:rPr lang="en-US" sz="4000" b="1" dirty="0"/>
+              <a:t>Connected vs Disconnected Graphs</a:t>
             </a:r>
           </a:p>
         </p:txBody>
       </p:sp>
       <p:sp>
         <p:nvSpPr>
-          <p:cNvPr id="3" name="TextBox 2">
-            <a:extLst>
-              <a:ext uri="{FF2B5EF4-FFF2-40B4-BE49-F238E27FC236}">
-                <a16:creationId xmlns:a16="http://schemas.microsoft.com/office/drawing/2014/main" id="{2A3DBAD7-0349-C138-49F2-34BA414DC8BC}"/>
+          <p:cNvPr id="4" name="TextBox 3">
+            <a:extLst>
+              <a:ext uri="{FF2B5EF4-FFF2-40B4-BE49-F238E27FC236}">
+                <a16:creationId xmlns:a16="http://schemas.microsoft.com/office/drawing/2014/main" id="{8E41D626-2890-4F5E-986E-D62832054533}"/>
               </a:ext>
             </a:extLst>
           </p:cNvPr>
@@ -10369,8 +11261,8 @@
         </p:nvSpPr>
         <p:spPr>
           <a:xfrm>
-            <a:off x="657225" y="2557463"/>
-            <a:ext cx="6777433" cy="1754326"/>
+            <a:off x="6422571" y="1839686"/>
+            <a:ext cx="4789715" cy="1261884"/>
           </a:xfrm>
           <a:prstGeom prst="rect">
             <a:avLst/>
@@ -10378,159 +11270,150 @@
           <a:noFill/>
         </p:spPr>
         <p:txBody>
-          <a:bodyPr wrap="none" rtlCol="0">
+          <a:bodyPr wrap="square" rtlCol="0">
             <a:spAutoFit/>
           </a:bodyPr>
           <a:lstStyle/>
           <a:p>
-            <a:pPr marL="347472" indent="-347472" algn="l" rtl="0" eaLnBrk="1" latinLnBrk="0" hangingPunct="1">
-              <a:spcBef>
-                <a:spcPts val="0"/>
-              </a:spcBef>
-              <a:spcAft>
-                <a:spcPts val="0"/>
-              </a:spcAft>
-              <a:buClrTx/>
-              <a:buSzPts val="1800"/>
-              <a:buFont typeface="+mj-lt"/>
-              <a:buAutoNum type="arabicPeriod"/>
-            </a:pPr>
-            <a:r>
-              <a:rPr lang="en-US" sz="1800" kern="1200" dirty="0">
-                <a:solidFill>
-                  <a:srgbClr val="000000"/>
-                </a:solidFill>
-                <a:effectLst/>
-                <a:latin typeface="Calibri" panose="020F0502020204030204" pitchFamily="34" charset="0"/>
-                <a:ea typeface="+mn-ea"/>
-                <a:cs typeface="+mn-cs"/>
-              </a:rPr>
-              <a:t>How to traverse a graph</a:t>
-            </a:r>
+            <a:r>
+              <a:rPr lang="en-US" sz="2000" dirty="0"/>
+              <a:t>A graph is called connected when a path doesn’t exist between all of its vertices.</a:t>
+            </a:r>
+          </a:p>
+          <a:p>
             <a:endParaRPr lang="en-US" dirty="0"/>
           </a:p>
           <a:p>
-            <a:pPr marL="347472" indent="-347472" algn="l" rtl="0" eaLnBrk="1" latinLnBrk="0" hangingPunct="1">
-              <a:spcBef>
-                <a:spcPts val="0"/>
-              </a:spcBef>
-              <a:spcAft>
-                <a:spcPts val="0"/>
-              </a:spcAft>
-              <a:buClrTx/>
-              <a:buSzPts val="1800"/>
-              <a:buFont typeface="+mj-lt"/>
-              <a:buAutoNum type="arabicPeriod"/>
-            </a:pPr>
-            <a:r>
-              <a:rPr lang="en-US" sz="1800" kern="1200" dirty="0">
-                <a:solidFill>
-                  <a:srgbClr val="000000"/>
-                </a:solidFill>
-                <a:effectLst/>
-                <a:latin typeface="Calibri" panose="020F0502020204030204" pitchFamily="34" charset="0"/>
-                <a:ea typeface="+mn-ea"/>
-                <a:cs typeface="+mn-cs"/>
-              </a:rPr>
-              <a:t>Count neighbors of a vertex</a:t>
-            </a:r>
-            <a:endParaRPr lang="en-US" dirty="0"/>
-          </a:p>
-          <a:p>
-            <a:pPr marL="347472" indent="-347472" algn="l" rtl="0" eaLnBrk="1" latinLnBrk="0" hangingPunct="1">
-              <a:spcBef>
-                <a:spcPts val="0"/>
-              </a:spcBef>
-              <a:spcAft>
-                <a:spcPts val="0"/>
-              </a:spcAft>
-              <a:buClrTx/>
-              <a:buSzPts val="1800"/>
-              <a:buFont typeface="+mj-lt"/>
-              <a:buAutoNum type="arabicPeriod"/>
-            </a:pPr>
-            <a:r>
-              <a:rPr lang="en-US" sz="1800" kern="1200" dirty="0">
-                <a:solidFill>
-                  <a:srgbClr val="000000"/>
-                </a:solidFill>
-                <a:effectLst/>
-                <a:latin typeface="Calibri" panose="020F0502020204030204" pitchFamily="34" charset="0"/>
-                <a:ea typeface="+mn-ea"/>
-                <a:cs typeface="+mn-cs"/>
-              </a:rPr>
-              <a:t>Count degree of a vertex(number of edges meeting at that vertex) </a:t>
-            </a:r>
-            <a:endParaRPr lang="en-US" dirty="0"/>
-          </a:p>
-          <a:p>
-            <a:pPr marL="347472" indent="-347472" algn="l" rtl="0" eaLnBrk="1" latinLnBrk="0" hangingPunct="1">
-              <a:spcBef>
-                <a:spcPts val="0"/>
-              </a:spcBef>
-              <a:spcAft>
-                <a:spcPts val="0"/>
-              </a:spcAft>
-              <a:buClrTx/>
-              <a:buSzPts val="1800"/>
-              <a:buFont typeface="+mj-lt"/>
-              <a:buAutoNum type="arabicPeriod"/>
-            </a:pPr>
-            <a:r>
-              <a:rPr lang="en-US" sz="1800" kern="1200" dirty="0">
-                <a:solidFill>
-                  <a:srgbClr val="000000"/>
-                </a:solidFill>
-                <a:effectLst/>
-                <a:latin typeface="Calibri" panose="020F0502020204030204" pitchFamily="34" charset="0"/>
-                <a:ea typeface="+mn-ea"/>
-                <a:cs typeface="+mn-cs"/>
-              </a:rPr>
-              <a:t>Deleting and inserting edges</a:t>
-            </a:r>
-            <a:endParaRPr lang="en-US" dirty="0"/>
-          </a:p>
-          <a:p>
-            <a:pPr marL="347472" indent="-347472" algn="l" rtl="0" eaLnBrk="1" latinLnBrk="0" hangingPunct="1">
-              <a:spcBef>
-                <a:spcPts val="0"/>
-              </a:spcBef>
-              <a:spcAft>
-                <a:spcPts val="0"/>
-              </a:spcAft>
-              <a:buClrTx/>
-              <a:buSzPts val="1800"/>
-              <a:buFont typeface="+mj-lt"/>
-              <a:buAutoNum type="arabicPeriod"/>
-            </a:pPr>
-            <a:r>
-              <a:rPr lang="en-US" sz="1800" kern="1200" dirty="0">
-                <a:solidFill>
-                  <a:srgbClr val="000000"/>
-                </a:solidFill>
-                <a:effectLst/>
-                <a:latin typeface="Calibri" panose="020F0502020204030204" pitchFamily="34" charset="0"/>
-                <a:ea typeface="+mn-ea"/>
-                <a:cs typeface="+mn-cs"/>
-              </a:rPr>
-              <a:t>Path and cycle of vertices</a:t>
-            </a:r>
-            <a:endParaRPr lang="en-US" dirty="0">
-              <a:effectLst/>
-            </a:endParaRPr>
-          </a:p>
-          <a:p>
-            <a:pPr marL="342900" indent="-342900">
-              <a:buAutoNum type="arabicPeriod"/>
-            </a:pPr>
             <a:endParaRPr lang="en-US" dirty="0"/>
           </a:p>
         </p:txBody>
       </p:sp>
+      <p:pic>
+        <p:nvPicPr>
+          <p:cNvPr id="6" name="Picture 5">
+            <a:extLst>
+              <a:ext uri="{FF2B5EF4-FFF2-40B4-BE49-F238E27FC236}">
+                <a16:creationId xmlns:a16="http://schemas.microsoft.com/office/drawing/2014/main" id="{BB4F0E99-6A1D-4C17-B926-AF7D414F4769}"/>
+              </a:ext>
+            </a:extLst>
+          </p:cNvPr>
+          <p:cNvPicPr>
+            <a:picLocks noChangeAspect="1"/>
+          </p:cNvPicPr>
+          <p:nvPr/>
+        </p:nvPicPr>
+        <p:blipFill>
+          <a:blip r:embed="rId2">
+            <a:extLst>
+              <a:ext uri="{28A0092B-C50C-407E-A947-70E740481C1C}">
+                <a14:useLocalDpi xmlns:a14="http://schemas.microsoft.com/office/drawing/2010/main" val="0"/>
+              </a:ext>
+            </a:extLst>
+          </a:blip>
+          <a:stretch>
+            <a:fillRect/>
+          </a:stretch>
+        </p:blipFill>
+        <p:spPr>
+          <a:xfrm>
+            <a:off x="6817178" y="2721429"/>
+            <a:ext cx="3086100" cy="3219450"/>
+          </a:xfrm>
+          <a:prstGeom prst="rect">
+            <a:avLst/>
+          </a:prstGeom>
+        </p:spPr>
+      </p:pic>
+      <p:sp>
+        <p:nvSpPr>
+          <p:cNvPr id="7" name="TextBox 6">
+            <a:extLst>
+              <a:ext uri="{FF2B5EF4-FFF2-40B4-BE49-F238E27FC236}">
+                <a16:creationId xmlns:a16="http://schemas.microsoft.com/office/drawing/2014/main" id="{BD591925-B68E-4F15-A165-E73B5EC33074}"/>
+              </a:ext>
+            </a:extLst>
+          </p:cNvPr>
+          <p:cNvSpPr txBox="1"/>
+          <p:nvPr/>
+        </p:nvSpPr>
+        <p:spPr>
+          <a:xfrm>
+            <a:off x="538479" y="1783378"/>
+            <a:ext cx="5111207" cy="2031325"/>
+          </a:xfrm>
+          <a:prstGeom prst="rect">
+            <a:avLst/>
+          </a:prstGeom>
+          <a:noFill/>
+        </p:spPr>
+        <p:txBody>
+          <a:bodyPr wrap="square" rtlCol="0">
+            <a:spAutoFit/>
+          </a:bodyPr>
+          <a:lstStyle/>
+          <a:p>
+            <a:r>
+              <a:rPr lang="en-US" dirty="0"/>
+              <a:t>A graph is called connected when a path exist between all of its vertices.</a:t>
+            </a:r>
+          </a:p>
+          <a:p>
+            <a:endParaRPr lang="en-US" dirty="0"/>
+          </a:p>
+          <a:p>
+            <a:endParaRPr lang="en-US" dirty="0"/>
+          </a:p>
+          <a:p>
+            <a:endParaRPr lang="en-US" dirty="0"/>
+          </a:p>
+          <a:p>
+            <a:endParaRPr lang="en-US" dirty="0"/>
+          </a:p>
+          <a:p>
+            <a:endParaRPr lang="en-US" dirty="0"/>
+          </a:p>
+        </p:txBody>
+      </p:sp>
+      <p:pic>
+        <p:nvPicPr>
+          <p:cNvPr id="11" name="Picture 10">
+            <a:extLst>
+              <a:ext uri="{FF2B5EF4-FFF2-40B4-BE49-F238E27FC236}">
+                <a16:creationId xmlns:a16="http://schemas.microsoft.com/office/drawing/2014/main" id="{0532259E-1BD2-4B1E-AFFB-6294D0EFCE91}"/>
+              </a:ext>
+            </a:extLst>
+          </p:cNvPr>
+          <p:cNvPicPr>
+            <a:picLocks noChangeAspect="1"/>
+          </p:cNvPicPr>
+          <p:nvPr/>
+        </p:nvPicPr>
+        <p:blipFill>
+          <a:blip r:embed="rId3">
+            <a:extLst>
+              <a:ext uri="{28A0092B-C50C-407E-A947-70E740481C1C}">
+                <a14:useLocalDpi xmlns:a14="http://schemas.microsoft.com/office/drawing/2010/main" val="0"/>
+              </a:ext>
+            </a:extLst>
+          </a:blip>
+          <a:stretch>
+            <a:fillRect/>
+          </a:stretch>
+        </p:blipFill>
+        <p:spPr>
+          <a:xfrm>
+            <a:off x="979714" y="2854779"/>
+            <a:ext cx="3086100" cy="3086100"/>
+          </a:xfrm>
+          <a:prstGeom prst="rect">
+            <a:avLst/>
+          </a:prstGeom>
+        </p:spPr>
+      </p:pic>
     </p:spTree>
     <p:extLst>
       <p:ext uri="{BB962C8B-B14F-4D97-AF65-F5344CB8AC3E}">
-        <p14:creationId xmlns:p14="http://schemas.microsoft.com/office/powerpoint/2010/main" val="3045866047"/>
+        <p14:creationId xmlns:p14="http://schemas.microsoft.com/office/powerpoint/2010/main" val="4223169130"/>
       </p:ext>
     </p:extLst>
   </p:cSld>
@@ -10559,110 +11442,189 @@
       </p:grpSpPr>
       <p:sp>
         <p:nvSpPr>
-          <p:cNvPr id="2" name="Title 1">
-            <a:extLst>
-              <a:ext uri="{FF2B5EF4-FFF2-40B4-BE49-F238E27FC236}">
-                <a16:creationId xmlns:a16="http://schemas.microsoft.com/office/drawing/2014/main" id="{4F6E24A9-DAC8-3CD7-F6AF-35F942D93487}"/>
-              </a:ext>
-            </a:extLst>
-          </p:cNvPr>
-          <p:cNvSpPr>
-            <a:spLocks noGrp="1"/>
-          </p:cNvSpPr>
-          <p:nvPr>
-            <p:ph type="title"/>
-          </p:nvPr>
+          <p:cNvPr id="3" name="TextBox 2">
+            <a:extLst>
+              <a:ext uri="{FF2B5EF4-FFF2-40B4-BE49-F238E27FC236}">
+                <a16:creationId xmlns:a16="http://schemas.microsoft.com/office/drawing/2014/main" id="{6129BCCE-EAA2-06B8-2ABB-36E1965B0FED}"/>
+              </a:ext>
+            </a:extLst>
+          </p:cNvPr>
+          <p:cNvSpPr txBox="1"/>
+          <p:nvPr/>
         </p:nvSpPr>
         <p:spPr>
           <a:xfrm>
-            <a:off x="839788" y="987425"/>
-            <a:ext cx="3932237" cy="614361"/>
+            <a:off x="360759" y="472559"/>
+            <a:ext cx="6097191" cy="1089529"/>
           </a:xfrm>
+          <a:prstGeom prst="rect">
+            <a:avLst/>
+          </a:prstGeom>
+          <a:noFill/>
         </p:spPr>
         <p:txBody>
-          <a:bodyPr>
-            <a:noAutofit/>
+          <a:bodyPr wrap="square">
+            <a:spAutoFit/>
           </a:bodyPr>
           <a:lstStyle/>
           <a:p>
+            <a:pPr>
+              <a:lnSpc>
+                <a:spcPct val="90000"/>
+              </a:lnSpc>
+              <a:spcBef>
+                <a:spcPct val="0"/>
+              </a:spcBef>
+            </a:pPr>
             <a:r>
               <a:rPr lang="en-US" sz="3600" b="1" dirty="0">
                 <a:latin typeface="Arial Black" panose="020B0A04020102020204" pitchFamily="34" charset="0"/>
+                <a:ea typeface="+mj-ea"/>
+                <a:cs typeface="+mj-cs"/>
               </a:rPr>
-              <a:t>Graph in Board Games</a:t>
+              <a:t>GRAPH REPRESENTATION</a:t>
             </a:r>
           </a:p>
         </p:txBody>
       </p:sp>
       <p:sp>
         <p:nvSpPr>
-          <p:cNvPr id="3" name="Content Placeholder 2">
-            <a:extLst>
-              <a:ext uri="{FF2B5EF4-FFF2-40B4-BE49-F238E27FC236}">
-                <a16:creationId xmlns:a16="http://schemas.microsoft.com/office/drawing/2014/main" id="{A9173C1D-2F8B-2792-3149-B0AB3328C944}"/>
-              </a:ext>
-            </a:extLst>
-          </p:cNvPr>
-          <p:cNvSpPr>
-            <a:spLocks noGrp="1"/>
-          </p:cNvSpPr>
-          <p:nvPr>
-            <p:ph idx="1"/>
-          </p:nvPr>
+          <p:cNvPr id="2" name="TextBox 1">
+            <a:extLst>
+              <a:ext uri="{FF2B5EF4-FFF2-40B4-BE49-F238E27FC236}">
+                <a16:creationId xmlns:a16="http://schemas.microsoft.com/office/drawing/2014/main" id="{4073108B-FF80-2542-E514-618C5A826695}"/>
+              </a:ext>
+            </a:extLst>
+          </p:cNvPr>
+          <p:cNvSpPr txBox="1"/>
+          <p:nvPr/>
         </p:nvSpPr>
-        <p:spPr/>
+        <p:spPr>
+          <a:xfrm>
+            <a:off x="471487" y="2214563"/>
+            <a:ext cx="7158037" cy="3970318"/>
+          </a:xfrm>
+          <a:prstGeom prst="rect">
+            <a:avLst/>
+          </a:prstGeom>
+          <a:noFill/>
+        </p:spPr>
         <p:txBody>
-          <a:bodyPr/>
+          <a:bodyPr wrap="square" rtlCol="0">
+            <a:spAutoFit/>
+          </a:bodyPr>
           <a:lstStyle/>
           <a:p>
-            <a:endParaRPr lang="en-US"/>
-          </a:p>
-        </p:txBody>
-      </p:sp>
-      <p:sp>
-        <p:nvSpPr>
-          <p:cNvPr id="4" name="Text Placeholder 3">
-            <a:extLst>
-              <a:ext uri="{FF2B5EF4-FFF2-40B4-BE49-F238E27FC236}">
-                <a16:creationId xmlns:a16="http://schemas.microsoft.com/office/drawing/2014/main" id="{2575CAD2-AC30-D5F5-9D23-CF4A3F0D6D87}"/>
-              </a:ext>
-            </a:extLst>
-          </p:cNvPr>
-          <p:cNvSpPr>
-            <a:spLocks noGrp="1"/>
-          </p:cNvSpPr>
-          <p:nvPr>
-            <p:ph type="body" sz="half" idx="2"/>
-          </p:nvPr>
-        </p:nvSpPr>
-        <p:spPr/>
-        <p:txBody>
-          <a:bodyPr/>
-          <a:lstStyle/>
-          <a:p>
+            <a:pPr marL="342900" indent="-342900">
+              <a:buAutoNum type="arabicPeriod"/>
+            </a:pPr>
             <a:r>
               <a:rPr lang="en-US" dirty="0"/>
-              <a:t>Most board games are played two-dimensional grid. </a:t>
-            </a:r>
-          </a:p>
-          <a:p>
+              <a:t>Edge List</a:t>
+            </a:r>
+          </a:p>
+          <a:p>
+            <a:pPr marL="800100" lvl="1" indent="-342900">
+              <a:buAutoNum type="arabicPeriod"/>
+            </a:pPr>
             <a:r>
               <a:rPr lang="en-US" dirty="0"/>
-              <a:t>• Nodes represent the cells where game pieces are placed. </a:t>
-            </a:r>
-          </a:p>
-          <a:p>
+              <a:t>Individual track of all edges</a:t>
+            </a:r>
+          </a:p>
+          <a:p>
+            <a:pPr marL="800100" lvl="1" indent="-342900">
+              <a:buAutoNum type="arabicPeriod"/>
+            </a:pPr>
             <a:r>
               <a:rPr lang="en-US" dirty="0"/>
-              <a:t>• Winning conditions involve finding paths (edges) with consecutive stones.</a:t>
-            </a:r>
+              <a:t>Need to check all edges</a:t>
+            </a:r>
+          </a:p>
+          <a:p>
+            <a:pPr marL="342900" indent="-342900">
+              <a:buAutoNum type="arabicPeriod"/>
+            </a:pPr>
+            <a:endParaRPr lang="en-US" dirty="0"/>
+          </a:p>
+          <a:p>
+            <a:pPr marL="342900" indent="-342900">
+              <a:buAutoNum type="arabicPeriod"/>
+            </a:pPr>
+            <a:r>
+              <a:rPr lang="en-US" dirty="0"/>
+              <a:t>Adjacency List</a:t>
+            </a:r>
+          </a:p>
+          <a:p>
+            <a:pPr marL="800100" lvl="1" indent="-342900">
+              <a:buAutoNum type="arabicPeriod"/>
+            </a:pPr>
+            <a:r>
+              <a:rPr lang="en-US" dirty="0"/>
+              <a:t>Track of all adjacent to a particular edge</a:t>
+            </a:r>
+          </a:p>
+          <a:p>
+            <a:pPr marL="800100" lvl="1" indent="-342900">
+              <a:buAutoNum type="arabicPeriod"/>
+            </a:pPr>
+            <a:r>
+              <a:rPr lang="en-US" dirty="0"/>
+              <a:t>Need to check relevant list of adjacent </a:t>
+            </a:r>
+          </a:p>
+          <a:p>
+            <a:pPr marL="342900" indent="-342900">
+              <a:buAutoNum type="arabicPeriod"/>
+            </a:pPr>
+            <a:endParaRPr lang="en-US" dirty="0"/>
+          </a:p>
+          <a:p>
+            <a:pPr marL="342900" indent="-342900">
+              <a:buAutoNum type="arabicPeriod"/>
+            </a:pPr>
+            <a:r>
+              <a:rPr lang="en-US" dirty="0"/>
+              <a:t>Adjacency Matrix</a:t>
+            </a:r>
+          </a:p>
+          <a:p>
+            <a:pPr marL="800100" lvl="1" indent="-342900">
+              <a:buAutoNum type="arabicPeriod"/>
+            </a:pPr>
+            <a:r>
+              <a:rPr lang="en-US" dirty="0"/>
+              <a:t>Table in form of rows and columns that keep track of all possible edges in terms of YES/NO</a:t>
+            </a:r>
+          </a:p>
+          <a:p>
+            <a:pPr marL="800100" lvl="1" indent="-342900">
+              <a:buAutoNum type="arabicPeriod"/>
+            </a:pPr>
+            <a:r>
+              <a:rPr lang="en-US" dirty="0"/>
+              <a:t>Only need to check one cell.</a:t>
+            </a:r>
+          </a:p>
+          <a:p>
+            <a:pPr marL="800100" lvl="1" indent="-342900">
+              <a:buAutoNum type="arabicPeriod"/>
+            </a:pPr>
+            <a:endParaRPr lang="en-US" dirty="0"/>
+          </a:p>
+          <a:p>
+            <a:pPr marL="342900" indent="-342900">
+              <a:buAutoNum type="arabicPeriod"/>
+            </a:pPr>
+            <a:endParaRPr lang="en-US" dirty="0"/>
           </a:p>
         </p:txBody>
       </p:sp>
     </p:spTree>
     <p:extLst>
       <p:ext uri="{BB962C8B-B14F-4D97-AF65-F5344CB8AC3E}">
-        <p14:creationId xmlns:p14="http://schemas.microsoft.com/office/powerpoint/2010/main" val="41218718"/>
+        <p14:creationId xmlns:p14="http://schemas.microsoft.com/office/powerpoint/2010/main" val="3072984554"/>
       </p:ext>
     </p:extLst>
   </p:cSld>
@@ -10965,4 +11927,299 @@
     </a:ext>
   </a:extLst>
 </a:theme>
+</file>
+
+<file path=ppt/theme/theme2.xml><?xml version="1.0" encoding="utf-8"?>
+<a:theme xmlns:a="http://schemas.openxmlformats.org/drawingml/2006/main" name="Office Theme">
+  <a:themeElements>
+    <a:clrScheme name="Office">
+      <a:dk1>
+        <a:sysClr val="windowText" lastClr="000000"/>
+      </a:dk1>
+      <a:lt1>
+        <a:sysClr val="window" lastClr="FFFFFF"/>
+      </a:lt1>
+      <a:dk2>
+        <a:srgbClr val="44546A"/>
+      </a:dk2>
+      <a:lt2>
+        <a:srgbClr val="E7E6E6"/>
+      </a:lt2>
+      <a:accent1>
+        <a:srgbClr val="4472C4"/>
+      </a:accent1>
+      <a:accent2>
+        <a:srgbClr val="ED7D31"/>
+      </a:accent2>
+      <a:accent3>
+        <a:srgbClr val="A5A5A5"/>
+      </a:accent3>
+      <a:accent4>
+        <a:srgbClr val="FFC000"/>
+      </a:accent4>
+      <a:accent5>
+        <a:srgbClr val="5B9BD5"/>
+      </a:accent5>
+      <a:accent6>
+        <a:srgbClr val="70AD47"/>
+      </a:accent6>
+      <a:hlink>
+        <a:srgbClr val="0563C1"/>
+      </a:hlink>
+      <a:folHlink>
+        <a:srgbClr val="954F72"/>
+      </a:folHlink>
+    </a:clrScheme>
+    <a:fontScheme name="Office">
+      <a:majorFont>
+        <a:latin typeface="Calibri Light" panose="020F0302020204030204"/>
+        <a:ea typeface=""/>
+        <a:cs typeface=""/>
+        <a:font script="Jpan" typeface="游ゴシック Light"/>
+        <a:font script="Hang" typeface="맑은 고딕"/>
+        <a:font script="Hans" typeface="等线 Light"/>
+        <a:font script="Hant" typeface="新細明體"/>
+        <a:font script="Arab" typeface="Times New Roman"/>
+        <a:font script="Hebr" typeface="Times New Roman"/>
+        <a:font script="Thai" typeface="Angsana New"/>
+        <a:font script="Ethi" typeface="Nyala"/>
+        <a:font script="Beng" typeface="Vrinda"/>
+        <a:font script="Gujr" typeface="Shruti"/>
+        <a:font script="Khmr" typeface="MoolBoran"/>
+        <a:font script="Knda" typeface="Tunga"/>
+        <a:font script="Guru" typeface="Raavi"/>
+        <a:font script="Cans" typeface="Euphemia"/>
+        <a:font script="Cher" typeface="Plantagenet Cherokee"/>
+        <a:font script="Yiii" typeface="Microsoft Yi Baiti"/>
+        <a:font script="Tibt" typeface="Microsoft Himalaya"/>
+        <a:font script="Thaa" typeface="MV Boli"/>
+        <a:font script="Deva" typeface="Mangal"/>
+        <a:font script="Telu" typeface="Gautami"/>
+        <a:font script="Taml" typeface="Latha"/>
+        <a:font script="Syrc" typeface="Estrangelo Edessa"/>
+        <a:font script="Orya" typeface="Kalinga"/>
+        <a:font script="Mlym" typeface="Kartika"/>
+        <a:font script="Laoo" typeface="DokChampa"/>
+        <a:font script="Sinh" typeface="Iskoola Pota"/>
+        <a:font script="Mong" typeface="Mongolian Baiti"/>
+        <a:font script="Viet" typeface="Times New Roman"/>
+        <a:font script="Uigh" typeface="Microsoft Uighur"/>
+        <a:font script="Geor" typeface="Sylfaen"/>
+        <a:font script="Armn" typeface="Arial"/>
+        <a:font script="Bugi" typeface="Leelawadee UI"/>
+        <a:font script="Bopo" typeface="Microsoft JhengHei"/>
+        <a:font script="Java" typeface="Javanese Text"/>
+        <a:font script="Lisu" typeface="Segoe UI"/>
+        <a:font script="Mymr" typeface="Myanmar Text"/>
+        <a:font script="Nkoo" typeface="Ebrima"/>
+        <a:font script="Olck" typeface="Nirmala UI"/>
+        <a:font script="Osma" typeface="Ebrima"/>
+        <a:font script="Phag" typeface="Phagspa"/>
+        <a:font script="Syrn" typeface="Estrangelo Edessa"/>
+        <a:font script="Syrj" typeface="Estrangelo Edessa"/>
+        <a:font script="Syre" typeface="Estrangelo Edessa"/>
+        <a:font script="Sora" typeface="Nirmala UI"/>
+        <a:font script="Tale" typeface="Microsoft Tai Le"/>
+        <a:font script="Talu" typeface="Microsoft New Tai Lue"/>
+        <a:font script="Tfng" typeface="Ebrima"/>
+      </a:majorFont>
+      <a:minorFont>
+        <a:latin typeface="Calibri" panose="020F0502020204030204"/>
+        <a:ea typeface=""/>
+        <a:cs typeface=""/>
+        <a:font script="Jpan" typeface="游ゴシック"/>
+        <a:font script="Hang" typeface="맑은 고딕"/>
+        <a:font script="Hans" typeface="等线"/>
+        <a:font script="Hant" typeface="新細明體"/>
+        <a:font script="Arab" typeface="Arial"/>
+        <a:font script="Hebr" typeface="Arial"/>
+        <a:font script="Thai" typeface="Cordia New"/>
+        <a:font script="Ethi" typeface="Nyala"/>
+        <a:font script="Beng" typeface="Vrinda"/>
+        <a:font script="Gujr" typeface="Shruti"/>
+        <a:font script="Khmr" typeface="DaunPenh"/>
+        <a:font script="Knda" typeface="Tunga"/>
+        <a:font script="Guru" typeface="Raavi"/>
+        <a:font script="Cans" typeface="Euphemia"/>
+        <a:font script="Cher" typeface="Plantagenet Cherokee"/>
+        <a:font script="Yiii" typeface="Microsoft Yi Baiti"/>
+        <a:font script="Tibt" typeface="Microsoft Himalaya"/>
+        <a:font script="Thaa" typeface="MV Boli"/>
+        <a:font script="Deva" typeface="Mangal"/>
+        <a:font script="Telu" typeface="Gautami"/>
+        <a:font script="Taml" typeface="Latha"/>
+        <a:font script="Syrc" typeface="Estrangelo Edessa"/>
+        <a:font script="Orya" typeface="Kalinga"/>
+        <a:font script="Mlym" typeface="Kartika"/>
+        <a:font script="Laoo" typeface="DokChampa"/>
+        <a:font script="Sinh" typeface="Iskoola Pota"/>
+        <a:font script="Mong" typeface="Mongolian Baiti"/>
+        <a:font script="Viet" typeface="Arial"/>
+        <a:font script="Uigh" typeface="Microsoft Uighur"/>
+        <a:font script="Geor" typeface="Sylfaen"/>
+        <a:font script="Armn" typeface="Arial"/>
+        <a:font script="Bugi" typeface="Leelawadee UI"/>
+        <a:font script="Bopo" typeface="Microsoft JhengHei"/>
+        <a:font script="Java" typeface="Javanese Text"/>
+        <a:font script="Lisu" typeface="Segoe UI"/>
+        <a:font script="Mymr" typeface="Myanmar Text"/>
+        <a:font script="Nkoo" typeface="Ebrima"/>
+        <a:font script="Olck" typeface="Nirmala UI"/>
+        <a:font script="Osma" typeface="Ebrima"/>
+        <a:font script="Phag" typeface="Phagspa"/>
+        <a:font script="Syrn" typeface="Estrangelo Edessa"/>
+        <a:font script="Syrj" typeface="Estrangelo Edessa"/>
+        <a:font script="Syre" typeface="Estrangelo Edessa"/>
+        <a:font script="Sora" typeface="Nirmala UI"/>
+        <a:font script="Tale" typeface="Microsoft Tai Le"/>
+        <a:font script="Talu" typeface="Microsoft New Tai Lue"/>
+        <a:font script="Tfng" typeface="Ebrima"/>
+      </a:minorFont>
+    </a:fontScheme>
+    <a:fmtScheme name="Office">
+      <a:fillStyleLst>
+        <a:solidFill>
+          <a:schemeClr val="phClr"/>
+        </a:solidFill>
+        <a:gradFill rotWithShape="1">
+          <a:gsLst>
+            <a:gs pos="0">
+              <a:schemeClr val="phClr">
+                <a:lumMod val="110000"/>
+                <a:satMod val="105000"/>
+                <a:tint val="67000"/>
+              </a:schemeClr>
+            </a:gs>
+            <a:gs pos="50000">
+              <a:schemeClr val="phClr">
+                <a:lumMod val="105000"/>
+                <a:satMod val="103000"/>
+                <a:tint val="73000"/>
+              </a:schemeClr>
+            </a:gs>
+            <a:gs pos="100000">
+              <a:schemeClr val="phClr">
+                <a:lumMod val="105000"/>
+                <a:satMod val="109000"/>
+                <a:tint val="81000"/>
+              </a:schemeClr>
+            </a:gs>
+          </a:gsLst>
+          <a:lin ang="5400000" scaled="0"/>
+        </a:gradFill>
+        <a:gradFill rotWithShape="1">
+          <a:gsLst>
+            <a:gs pos="0">
+              <a:schemeClr val="phClr">
+                <a:satMod val="103000"/>
+                <a:lumMod val="102000"/>
+                <a:tint val="94000"/>
+              </a:schemeClr>
+            </a:gs>
+            <a:gs pos="50000">
+              <a:schemeClr val="phClr">
+                <a:satMod val="110000"/>
+                <a:lumMod val="100000"/>
+                <a:shade val="100000"/>
+              </a:schemeClr>
+            </a:gs>
+            <a:gs pos="100000">
+              <a:schemeClr val="phClr">
+                <a:lumMod val="99000"/>
+                <a:satMod val="120000"/>
+                <a:shade val="78000"/>
+              </a:schemeClr>
+            </a:gs>
+          </a:gsLst>
+          <a:lin ang="5400000" scaled="0"/>
+        </a:gradFill>
+      </a:fillStyleLst>
+      <a:lnStyleLst>
+        <a:ln w="6350" cap="flat" cmpd="sng" algn="ctr">
+          <a:solidFill>
+            <a:schemeClr val="phClr"/>
+          </a:solidFill>
+          <a:prstDash val="solid"/>
+          <a:miter lim="800000"/>
+        </a:ln>
+        <a:ln w="12700" cap="flat" cmpd="sng" algn="ctr">
+          <a:solidFill>
+            <a:schemeClr val="phClr"/>
+          </a:solidFill>
+          <a:prstDash val="solid"/>
+          <a:miter lim="800000"/>
+        </a:ln>
+        <a:ln w="19050" cap="flat" cmpd="sng" algn="ctr">
+          <a:solidFill>
+            <a:schemeClr val="phClr"/>
+          </a:solidFill>
+          <a:prstDash val="solid"/>
+          <a:miter lim="800000"/>
+        </a:ln>
+      </a:lnStyleLst>
+      <a:effectStyleLst>
+        <a:effectStyle>
+          <a:effectLst/>
+        </a:effectStyle>
+        <a:effectStyle>
+          <a:effectLst/>
+        </a:effectStyle>
+        <a:effectStyle>
+          <a:effectLst>
+            <a:outerShdw blurRad="57150" dist="19050" dir="5400000" algn="ctr" rotWithShape="0">
+              <a:srgbClr val="000000">
+                <a:alpha val="63000"/>
+              </a:srgbClr>
+            </a:outerShdw>
+          </a:effectLst>
+        </a:effectStyle>
+      </a:effectStyleLst>
+      <a:bgFillStyleLst>
+        <a:solidFill>
+          <a:schemeClr val="phClr"/>
+        </a:solidFill>
+        <a:solidFill>
+          <a:schemeClr val="phClr">
+            <a:tint val="95000"/>
+            <a:satMod val="170000"/>
+          </a:schemeClr>
+        </a:solidFill>
+        <a:gradFill rotWithShape="1">
+          <a:gsLst>
+            <a:gs pos="0">
+              <a:schemeClr val="phClr">
+                <a:tint val="93000"/>
+                <a:satMod val="150000"/>
+                <a:shade val="98000"/>
+                <a:lumMod val="102000"/>
+              </a:schemeClr>
+            </a:gs>
+            <a:gs pos="50000">
+              <a:schemeClr val="phClr">
+                <a:tint val="98000"/>
+                <a:satMod val="130000"/>
+                <a:shade val="90000"/>
+                <a:lumMod val="103000"/>
+              </a:schemeClr>
+            </a:gs>
+            <a:gs pos="100000">
+              <a:schemeClr val="phClr">
+                <a:shade val="63000"/>
+                <a:satMod val="120000"/>
+              </a:schemeClr>
+            </a:gs>
+          </a:gsLst>
+          <a:lin ang="5400000" scaled="0"/>
+        </a:gradFill>
+      </a:bgFillStyleLst>
+    </a:fmtScheme>
+  </a:themeElements>
+  <a:objectDefaults/>
+  <a:extraClrSchemeLst/>
+  <a:extLst>
+    <a:ext uri="{05A4C25C-085E-4340-85A3-A5531E510DB2}">
+      <thm15:themeFamily xmlns:thm15="http://schemas.microsoft.com/office/thememl/2012/main" name="Office Theme" id="{62F939B6-93AF-4DB8-9C6B-D6C7DFDC589F}" vid="{4A3C46E8-61CC-4603-A589-7422A47A8E4A}"/>
+    </a:ext>
+  </a:extLst>
+</a:theme>
 </file>
--- a/group5_graphtheory.pptx
+++ b/group5_graphtheory.pptx
@@ -4,6 +4,9 @@
   <p:sldMasterIdLst>
     <p:sldMasterId id="2147483648" r:id="rId1"/>
   </p:sldMasterIdLst>
+  <p:notesMasterIdLst>
+    <p:notesMasterId r:id="rId16"/>
+  </p:notesMasterIdLst>
   <p:sldIdLst>
     <p:sldId id="257" r:id="rId2"/>
     <p:sldId id="259" r:id="rId3"/>
@@ -11,12 +14,14 @@
     <p:sldId id="264" r:id="rId5"/>
     <p:sldId id="261" r:id="rId6"/>
     <p:sldId id="262" r:id="rId7"/>
-    <p:sldId id="265" r:id="rId8"/>
-    <p:sldId id="266" r:id="rId9"/>
-    <p:sldId id="263" r:id="rId10"/>
-    <p:sldId id="258" r:id="rId11"/>
-    <p:sldId id="267" r:id="rId12"/>
-    <p:sldId id="268" r:id="rId13"/>
+    <p:sldId id="268" r:id="rId8"/>
+    <p:sldId id="269" r:id="rId9"/>
+    <p:sldId id="265" r:id="rId10"/>
+    <p:sldId id="266" r:id="rId11"/>
+    <p:sldId id="263" r:id="rId12"/>
+    <p:sldId id="258" r:id="rId13"/>
+    <p:sldId id="267" r:id="rId14"/>
+    <p:sldId id="270" r:id="rId15"/>
   </p:sldIdLst>
   <p:sldSz cx="12192000" cy="6858000"/>
   <p:notesSz cx="6858000" cy="9144000"/>
@@ -121,6 +126,355 @@
     </p:ext>
   </p:extLst>
 </p:presentation>
+</file>
+
+<file path=ppt/notesMasters/notesMaster1.xml><?xml version="1.0" encoding="utf-8"?>
+<p:notesMaster xmlns:a="http://schemas.openxmlformats.org/drawingml/2006/main" xmlns:r="http://schemas.openxmlformats.org/officeDocument/2006/relationships" xmlns:p="http://schemas.openxmlformats.org/presentationml/2006/main">
+  <p:cSld>
+    <p:bg>
+      <p:bgRef idx="1001">
+        <a:schemeClr val="bg1"/>
+      </p:bgRef>
+    </p:bg>
+    <p:spTree>
+      <p:nvGrpSpPr>
+        <p:cNvPr id="1" name=""/>
+        <p:cNvGrpSpPr/>
+        <p:nvPr/>
+      </p:nvGrpSpPr>
+      <p:grpSpPr>
+        <a:xfrm>
+          <a:off x="0" y="0"/>
+          <a:ext cx="0" cy="0"/>
+          <a:chOff x="0" y="0"/>
+          <a:chExt cx="0" cy="0"/>
+        </a:xfrm>
+      </p:grpSpPr>
+      <p:sp>
+        <p:nvSpPr>
+          <p:cNvPr id="2" name="Header Placeholder 1"/>
+          <p:cNvSpPr>
+            <a:spLocks noGrp="1"/>
+          </p:cNvSpPr>
+          <p:nvPr>
+            <p:ph type="hdr" sz="quarter"/>
+          </p:nvPr>
+        </p:nvSpPr>
+        <p:spPr>
+          <a:xfrm>
+            <a:off x="0" y="0"/>
+            <a:ext cx="2971800" cy="458788"/>
+          </a:xfrm>
+          <a:prstGeom prst="rect">
+            <a:avLst/>
+          </a:prstGeom>
+        </p:spPr>
+        <p:txBody>
+          <a:bodyPr vert="horz" lIns="91440" tIns="45720" rIns="91440" bIns="45720" rtlCol="0"/>
+          <a:lstStyle>
+            <a:lvl1pPr algn="l">
+              <a:defRPr sz="1200"/>
+            </a:lvl1pPr>
+          </a:lstStyle>
+          <a:p>
+            <a:endParaRPr lang="en-US"/>
+          </a:p>
+        </p:txBody>
+      </p:sp>
+      <p:sp>
+        <p:nvSpPr>
+          <p:cNvPr id="3" name="Date Placeholder 2"/>
+          <p:cNvSpPr>
+            <a:spLocks noGrp="1"/>
+          </p:cNvSpPr>
+          <p:nvPr>
+            <p:ph type="dt" idx="1"/>
+          </p:nvPr>
+        </p:nvSpPr>
+        <p:spPr>
+          <a:xfrm>
+            <a:off x="3884613" y="0"/>
+            <a:ext cx="2971800" cy="458788"/>
+          </a:xfrm>
+          <a:prstGeom prst="rect">
+            <a:avLst/>
+          </a:prstGeom>
+        </p:spPr>
+        <p:txBody>
+          <a:bodyPr vert="horz" lIns="91440" tIns="45720" rIns="91440" bIns="45720" rtlCol="0"/>
+          <a:lstStyle>
+            <a:lvl1pPr algn="r">
+              <a:defRPr sz="1200"/>
+            </a:lvl1pPr>
+          </a:lstStyle>
+          <a:p>
+            <a:fld id="{1ACB21A0-39B6-47AA-9E9C-8EBA43CBC444}" type="datetimeFigureOut">
+              <a:rPr lang="en-US" smtClean="0"/>
+              <a:t>11/3/2024</a:t>
+            </a:fld>
+            <a:endParaRPr lang="en-US"/>
+          </a:p>
+        </p:txBody>
+      </p:sp>
+      <p:sp>
+        <p:nvSpPr>
+          <p:cNvPr id="4" name="Slide Image Placeholder 3"/>
+          <p:cNvSpPr>
+            <a:spLocks noGrp="1" noRot="1" noChangeAspect="1"/>
+          </p:cNvSpPr>
+          <p:nvPr>
+            <p:ph type="sldImg" idx="2"/>
+          </p:nvPr>
+        </p:nvSpPr>
+        <p:spPr>
+          <a:xfrm>
+            <a:off x="685800" y="1143000"/>
+            <a:ext cx="5486400" cy="3086100"/>
+          </a:xfrm>
+          <a:prstGeom prst="rect">
+            <a:avLst/>
+          </a:prstGeom>
+          <a:noFill/>
+          <a:ln w="12700">
+            <a:solidFill>
+              <a:prstClr val="black"/>
+            </a:solidFill>
+          </a:ln>
+        </p:spPr>
+        <p:txBody>
+          <a:bodyPr vert="horz" lIns="91440" tIns="45720" rIns="91440" bIns="45720" rtlCol="0" anchor="ctr"/>
+          <a:lstStyle/>
+          <a:p>
+            <a:endParaRPr lang="en-US"/>
+          </a:p>
+        </p:txBody>
+      </p:sp>
+      <p:sp>
+        <p:nvSpPr>
+          <p:cNvPr id="5" name="Notes Placeholder 4"/>
+          <p:cNvSpPr>
+            <a:spLocks noGrp="1"/>
+          </p:cNvSpPr>
+          <p:nvPr>
+            <p:ph type="body" sz="quarter" idx="3"/>
+          </p:nvPr>
+        </p:nvSpPr>
+        <p:spPr>
+          <a:xfrm>
+            <a:off x="685800" y="4400550"/>
+            <a:ext cx="5486400" cy="3600450"/>
+          </a:xfrm>
+          <a:prstGeom prst="rect">
+            <a:avLst/>
+          </a:prstGeom>
+        </p:spPr>
+        <p:txBody>
+          <a:bodyPr vert="horz" lIns="91440" tIns="45720" rIns="91440" bIns="45720" rtlCol="0"/>
+          <a:lstStyle/>
+          <a:p>
+            <a:pPr lvl="0"/>
+            <a:r>
+              <a:rPr lang="en-US"/>
+              <a:t>Edit Master text styles</a:t>
+            </a:r>
+          </a:p>
+          <a:p>
+            <a:pPr lvl="1"/>
+            <a:r>
+              <a:rPr lang="en-US"/>
+              <a:t>Second level</a:t>
+            </a:r>
+          </a:p>
+          <a:p>
+            <a:pPr lvl="2"/>
+            <a:r>
+              <a:rPr lang="en-US"/>
+              <a:t>Third level</a:t>
+            </a:r>
+          </a:p>
+          <a:p>
+            <a:pPr lvl="3"/>
+            <a:r>
+              <a:rPr lang="en-US"/>
+              <a:t>Fourth level</a:t>
+            </a:r>
+          </a:p>
+          <a:p>
+            <a:pPr lvl="4"/>
+            <a:r>
+              <a:rPr lang="en-US"/>
+              <a:t>Fifth level</a:t>
+            </a:r>
+          </a:p>
+        </p:txBody>
+      </p:sp>
+      <p:sp>
+        <p:nvSpPr>
+          <p:cNvPr id="6" name="Footer Placeholder 5"/>
+          <p:cNvSpPr>
+            <a:spLocks noGrp="1"/>
+          </p:cNvSpPr>
+          <p:nvPr>
+            <p:ph type="ftr" sz="quarter" idx="4"/>
+          </p:nvPr>
+        </p:nvSpPr>
+        <p:spPr>
+          <a:xfrm>
+            <a:off x="0" y="8685213"/>
+            <a:ext cx="2971800" cy="458787"/>
+          </a:xfrm>
+          <a:prstGeom prst="rect">
+            <a:avLst/>
+          </a:prstGeom>
+        </p:spPr>
+        <p:txBody>
+          <a:bodyPr vert="horz" lIns="91440" tIns="45720" rIns="91440" bIns="45720" rtlCol="0" anchor="b"/>
+          <a:lstStyle>
+            <a:lvl1pPr algn="l">
+              <a:defRPr sz="1200"/>
+            </a:lvl1pPr>
+          </a:lstStyle>
+          <a:p>
+            <a:endParaRPr lang="en-US"/>
+          </a:p>
+        </p:txBody>
+      </p:sp>
+      <p:sp>
+        <p:nvSpPr>
+          <p:cNvPr id="7" name="Slide Number Placeholder 6"/>
+          <p:cNvSpPr>
+            <a:spLocks noGrp="1"/>
+          </p:cNvSpPr>
+          <p:nvPr>
+            <p:ph type="sldNum" sz="quarter" idx="5"/>
+          </p:nvPr>
+        </p:nvSpPr>
+        <p:spPr>
+          <a:xfrm>
+            <a:off x="3884613" y="8685213"/>
+            <a:ext cx="2971800" cy="458787"/>
+          </a:xfrm>
+          <a:prstGeom prst="rect">
+            <a:avLst/>
+          </a:prstGeom>
+        </p:spPr>
+        <p:txBody>
+          <a:bodyPr vert="horz" lIns="91440" tIns="45720" rIns="91440" bIns="45720" rtlCol="0" anchor="b"/>
+          <a:lstStyle>
+            <a:lvl1pPr algn="r">
+              <a:defRPr sz="1200"/>
+            </a:lvl1pPr>
+          </a:lstStyle>
+          <a:p>
+            <a:fld id="{1A122BCB-6F2A-45E8-96E3-CBA62FE3D8B2}" type="slidenum">
+              <a:rPr lang="en-US" smtClean="0"/>
+              <a:t>‹#›</a:t>
+            </a:fld>
+            <a:endParaRPr lang="en-US"/>
+          </a:p>
+        </p:txBody>
+      </p:sp>
+    </p:spTree>
+    <p:extLst>
+      <p:ext uri="{BB962C8B-B14F-4D97-AF65-F5344CB8AC3E}">
+        <p14:creationId xmlns:p14="http://schemas.microsoft.com/office/powerpoint/2010/main" val="3485748690"/>
+      </p:ext>
+    </p:extLst>
+  </p:cSld>
+  <p:clrMap bg1="lt1" tx1="dk1" bg2="lt2" tx2="dk2" accent1="accent1" accent2="accent2" accent3="accent3" accent4="accent4" accent5="accent5" accent6="accent6" hlink="hlink" folHlink="folHlink"/>
+  <p:notesStyle>
+    <a:lvl1pPr marL="0" algn="l" defTabSz="914400" rtl="0" eaLnBrk="1" latinLnBrk="0" hangingPunct="1">
+      <a:defRPr sz="1200" kern="1200">
+        <a:solidFill>
+          <a:schemeClr val="tx1"/>
+        </a:solidFill>
+        <a:latin typeface="+mn-lt"/>
+        <a:ea typeface="+mn-ea"/>
+        <a:cs typeface="+mn-cs"/>
+      </a:defRPr>
+    </a:lvl1pPr>
+    <a:lvl2pPr marL="457200" algn="l" defTabSz="914400" rtl="0" eaLnBrk="1" latinLnBrk="0" hangingPunct="1">
+      <a:defRPr sz="1200" kern="1200">
+        <a:solidFill>
+          <a:schemeClr val="tx1"/>
+        </a:solidFill>
+        <a:latin typeface="+mn-lt"/>
+        <a:ea typeface="+mn-ea"/>
+        <a:cs typeface="+mn-cs"/>
+      </a:defRPr>
+    </a:lvl2pPr>
+    <a:lvl3pPr marL="914400" algn="l" defTabSz="914400" rtl="0" eaLnBrk="1" latinLnBrk="0" hangingPunct="1">
+      <a:defRPr sz="1200" kern="1200">
+        <a:solidFill>
+          <a:schemeClr val="tx1"/>
+        </a:solidFill>
+        <a:latin typeface="+mn-lt"/>
+        <a:ea typeface="+mn-ea"/>
+        <a:cs typeface="+mn-cs"/>
+      </a:defRPr>
+    </a:lvl3pPr>
+    <a:lvl4pPr marL="1371600" algn="l" defTabSz="914400" rtl="0" eaLnBrk="1" latinLnBrk="0" hangingPunct="1">
+      <a:defRPr sz="1200" kern="1200">
+        <a:solidFill>
+          <a:schemeClr val="tx1"/>
+        </a:solidFill>
+        <a:latin typeface="+mn-lt"/>
+        <a:ea typeface="+mn-ea"/>
+        <a:cs typeface="+mn-cs"/>
+      </a:defRPr>
+    </a:lvl4pPr>
+    <a:lvl5pPr marL="1828800" algn="l" defTabSz="914400" rtl="0" eaLnBrk="1" latinLnBrk="0" hangingPunct="1">
+      <a:defRPr sz="1200" kern="1200">
+        <a:solidFill>
+          <a:schemeClr val="tx1"/>
+        </a:solidFill>
+        <a:latin typeface="+mn-lt"/>
+        <a:ea typeface="+mn-ea"/>
+        <a:cs typeface="+mn-cs"/>
+      </a:defRPr>
+    </a:lvl5pPr>
+    <a:lvl6pPr marL="2286000" algn="l" defTabSz="914400" rtl="0" eaLnBrk="1" latinLnBrk="0" hangingPunct="1">
+      <a:defRPr sz="1200" kern="1200">
+        <a:solidFill>
+          <a:schemeClr val="tx1"/>
+        </a:solidFill>
+        <a:latin typeface="+mn-lt"/>
+        <a:ea typeface="+mn-ea"/>
+        <a:cs typeface="+mn-cs"/>
+      </a:defRPr>
+    </a:lvl6pPr>
+    <a:lvl7pPr marL="2743200" algn="l" defTabSz="914400" rtl="0" eaLnBrk="1" latinLnBrk="0" hangingPunct="1">
+      <a:defRPr sz="1200" kern="1200">
+        <a:solidFill>
+          <a:schemeClr val="tx1"/>
+        </a:solidFill>
+        <a:latin typeface="+mn-lt"/>
+        <a:ea typeface="+mn-ea"/>
+        <a:cs typeface="+mn-cs"/>
+      </a:defRPr>
+    </a:lvl7pPr>
+    <a:lvl8pPr marL="3200400" algn="l" defTabSz="914400" rtl="0" eaLnBrk="1" latinLnBrk="0" hangingPunct="1">
+      <a:defRPr sz="1200" kern="1200">
+        <a:solidFill>
+          <a:schemeClr val="tx1"/>
+        </a:solidFill>
+        <a:latin typeface="+mn-lt"/>
+        <a:ea typeface="+mn-ea"/>
+        <a:cs typeface="+mn-cs"/>
+      </a:defRPr>
+    </a:lvl8pPr>
+    <a:lvl9pPr marL="3657600" algn="l" defTabSz="914400" rtl="0" eaLnBrk="1" latinLnBrk="0" hangingPunct="1">
+      <a:defRPr sz="1200" kern="1200">
+        <a:solidFill>
+          <a:schemeClr val="tx1"/>
+        </a:solidFill>
+        <a:latin typeface="+mn-lt"/>
+        <a:ea typeface="+mn-ea"/>
+        <a:cs typeface="+mn-cs"/>
+      </a:defRPr>
+    </a:lvl9pPr>
+  </p:notesStyle>
+</p:notesMaster>
 </file>
 
 <file path=ppt/slideLayouts/slideLayout1.xml><?xml version="1.0" encoding="utf-8"?>
@@ -7536,16 +7890,6 @@
           <a:lstStyle/>
           <a:p>
             <a:pPr algn="r"/>
-            <a:r>
-              <a:rPr lang="en-US" sz="1800" dirty="0">
-                <a:solidFill>
-                  <a:schemeClr val="bg1">
-                    <a:lumMod val="75000"/>
-                  </a:schemeClr>
-                </a:solidFill>
-              </a:rPr>
-              <a:t/>
-            </a:r>
             <a:br>
               <a:rPr lang="en-US" sz="1800" dirty="0">
                 <a:solidFill>
@@ -7676,102 +8020,227 @@
       </p:grpSpPr>
       <p:sp>
         <p:nvSpPr>
-          <p:cNvPr id="2" name="Title 1">
-            <a:extLst>
-              <a:ext uri="{FF2B5EF4-FFF2-40B4-BE49-F238E27FC236}">
-                <a16:creationId xmlns:a16="http://schemas.microsoft.com/office/drawing/2014/main" id="{A044EC92-8709-66AA-FA34-6F35A4198D12}"/>
-              </a:ext>
-            </a:extLst>
-          </p:cNvPr>
-          <p:cNvSpPr>
-            <a:spLocks noGrp="1"/>
-          </p:cNvSpPr>
-          <p:nvPr>
-            <p:ph type="title"/>
-          </p:nvPr>
+          <p:cNvPr id="2" name="TextBox 1">
+            <a:extLst>
+              <a:ext uri="{FF2B5EF4-FFF2-40B4-BE49-F238E27FC236}">
+                <a16:creationId xmlns:a16="http://schemas.microsoft.com/office/drawing/2014/main" id="{199B9149-BCE3-E8FF-B980-A671C271C1F7}"/>
+              </a:ext>
+            </a:extLst>
+          </p:cNvPr>
+          <p:cNvSpPr txBox="1"/>
+          <p:nvPr/>
         </p:nvSpPr>
         <p:spPr>
           <a:xfrm>
-            <a:off x="839788" y="987425"/>
-            <a:ext cx="3932237" cy="571500"/>
+            <a:off x="428625" y="628651"/>
+            <a:ext cx="5472112" cy="1089529"/>
           </a:xfrm>
+          <a:prstGeom prst="rect">
+            <a:avLst/>
+          </a:prstGeom>
+          <a:noFill/>
         </p:spPr>
         <p:txBody>
-          <a:bodyPr>
-            <a:normAutofit fontScale="90000"/>
+          <a:bodyPr wrap="square" rtlCol="0">
+            <a:spAutoFit/>
           </a:bodyPr>
           <a:lstStyle/>
           <a:p>
+            <a:pPr>
+              <a:lnSpc>
+                <a:spcPct val="90000"/>
+              </a:lnSpc>
+              <a:spcBef>
+                <a:spcPct val="0"/>
+              </a:spcBef>
+            </a:pPr>
             <a:r>
               <a:rPr lang="en-US" sz="3600" b="1" dirty="0">
                 <a:latin typeface="Arial Black" panose="020B0A04020102020204" pitchFamily="34" charset="0"/>
+                <a:ea typeface="+mj-ea"/>
+                <a:cs typeface="+mj-cs"/>
               </a:rPr>
-              <a:t>Implementation</a:t>
-            </a:r>
-            <a:r>
-              <a:rPr lang="en-US" dirty="0"/>
-              <a:t> </a:t>
+              <a:t>Things we need for our area of research:</a:t>
             </a:r>
           </a:p>
         </p:txBody>
       </p:sp>
       <p:sp>
         <p:nvSpPr>
-          <p:cNvPr id="4" name="Text Placeholder 3">
-            <a:extLst>
-              <a:ext uri="{FF2B5EF4-FFF2-40B4-BE49-F238E27FC236}">
-                <a16:creationId xmlns:a16="http://schemas.microsoft.com/office/drawing/2014/main" id="{8AF72E6F-D5A1-6CBE-73C8-608D6839317F}"/>
-              </a:ext>
-            </a:extLst>
-          </p:cNvPr>
-          <p:cNvSpPr>
-            <a:spLocks noGrp="1"/>
-          </p:cNvSpPr>
-          <p:nvPr>
-            <p:ph type="body" sz="half" idx="2"/>
-          </p:nvPr>
+          <p:cNvPr id="3" name="TextBox 2">
+            <a:extLst>
+              <a:ext uri="{FF2B5EF4-FFF2-40B4-BE49-F238E27FC236}">
+                <a16:creationId xmlns:a16="http://schemas.microsoft.com/office/drawing/2014/main" id="{2A3DBAD7-0349-C138-49F2-34BA414DC8BC}"/>
+              </a:ext>
+            </a:extLst>
+          </p:cNvPr>
+          <p:cNvSpPr txBox="1"/>
+          <p:nvPr/>
         </p:nvSpPr>
-        <p:spPr/>
+        <p:spPr>
+          <a:xfrm>
+            <a:off x="657225" y="2557463"/>
+            <a:ext cx="6777433" cy="1754326"/>
+          </a:xfrm>
+          <a:prstGeom prst="rect">
+            <a:avLst/>
+          </a:prstGeom>
+          <a:noFill/>
+        </p:spPr>
         <p:txBody>
-          <a:bodyPr/>
+          <a:bodyPr wrap="none" rtlCol="0">
+            <a:spAutoFit/>
+          </a:bodyPr>
           <a:lstStyle/>
           <a:p>
-            <a:r>
-              <a:rPr lang="en-US" dirty="0"/>
-              <a:t>Topics like graph theory, and recursion play crucial roles in modeling and solving the game.</a:t>
-            </a:r>
-          </a:p>
-        </p:txBody>
-      </p:sp>
-      <p:sp>
-        <p:nvSpPr>
-          <p:cNvPr id="3" name="Content Placeholder 2">
-            <a:extLst>
-              <a:ext uri="{FF2B5EF4-FFF2-40B4-BE49-F238E27FC236}">
-                <a16:creationId xmlns:a16="http://schemas.microsoft.com/office/drawing/2014/main" id="{D5E016E4-BDAF-4DC3-9D94-4DE8B9339639}"/>
-              </a:ext>
-            </a:extLst>
-          </p:cNvPr>
-          <p:cNvSpPr>
-            <a:spLocks noGrp="1"/>
-          </p:cNvSpPr>
-          <p:nvPr>
-            <p:ph idx="1"/>
-          </p:nvPr>
-        </p:nvSpPr>
-        <p:spPr/>
-        <p:txBody>
-          <a:bodyPr/>
-          <a:lstStyle/>
-          <a:p>
-            <a:endParaRPr lang="en-US"/>
+            <a:pPr marL="347472" indent="-347472" algn="l" rtl="0" eaLnBrk="1" latinLnBrk="0" hangingPunct="1">
+              <a:spcBef>
+                <a:spcPts val="0"/>
+              </a:spcBef>
+              <a:spcAft>
+                <a:spcPts val="0"/>
+              </a:spcAft>
+              <a:buClrTx/>
+              <a:buSzPts val="1800"/>
+              <a:buFont typeface="+mj-lt"/>
+              <a:buAutoNum type="arabicPeriod"/>
+            </a:pPr>
+            <a:r>
+              <a:rPr lang="en-US" sz="1800" kern="1200" dirty="0">
+                <a:solidFill>
+                  <a:srgbClr val="000000"/>
+                </a:solidFill>
+                <a:effectLst/>
+                <a:latin typeface="Calibri" panose="020F0502020204030204" pitchFamily="34" charset="0"/>
+                <a:ea typeface="+mn-ea"/>
+                <a:cs typeface="+mn-cs"/>
+              </a:rPr>
+              <a:t>How to traverse a graph</a:t>
+            </a:r>
+            <a:endParaRPr lang="en-US" dirty="0"/>
+          </a:p>
+          <a:p>
+            <a:pPr marL="347472" indent="-347472" algn="l" rtl="0" eaLnBrk="1" latinLnBrk="0" hangingPunct="1">
+              <a:spcBef>
+                <a:spcPts val="0"/>
+              </a:spcBef>
+              <a:spcAft>
+                <a:spcPts val="0"/>
+              </a:spcAft>
+              <a:buClrTx/>
+              <a:buSzPts val="1800"/>
+              <a:buFont typeface="+mj-lt"/>
+              <a:buAutoNum type="arabicPeriod"/>
+            </a:pPr>
+            <a:r>
+              <a:rPr lang="en-US" sz="1800" kern="1200" dirty="0">
+                <a:solidFill>
+                  <a:srgbClr val="000000"/>
+                </a:solidFill>
+                <a:effectLst/>
+                <a:latin typeface="Calibri" panose="020F0502020204030204" pitchFamily="34" charset="0"/>
+                <a:ea typeface="+mn-ea"/>
+                <a:cs typeface="+mn-cs"/>
+              </a:rPr>
+              <a:t>Count neighbors of a vertex</a:t>
+            </a:r>
+            <a:endParaRPr lang="en-US" dirty="0"/>
+          </a:p>
+          <a:p>
+            <a:pPr marL="347472" indent="-347472" algn="l" rtl="0" eaLnBrk="1" latinLnBrk="0" hangingPunct="1">
+              <a:spcBef>
+                <a:spcPts val="0"/>
+              </a:spcBef>
+              <a:spcAft>
+                <a:spcPts val="0"/>
+              </a:spcAft>
+              <a:buClrTx/>
+              <a:buSzPts val="1800"/>
+              <a:buFont typeface="+mj-lt"/>
+              <a:buAutoNum type="arabicPeriod"/>
+            </a:pPr>
+            <a:r>
+              <a:rPr lang="en-US" sz="1800" kern="1200" dirty="0">
+                <a:solidFill>
+                  <a:srgbClr val="000000"/>
+                </a:solidFill>
+                <a:effectLst/>
+                <a:latin typeface="Calibri" panose="020F0502020204030204" pitchFamily="34" charset="0"/>
+                <a:ea typeface="+mn-ea"/>
+                <a:cs typeface="+mn-cs"/>
+              </a:rPr>
+              <a:t>Count degree of a vertex(number of edges meeting at that vertex) </a:t>
+            </a:r>
+            <a:endParaRPr lang="en-US" dirty="0"/>
+          </a:p>
+          <a:p>
+            <a:pPr marL="347472" indent="-347472" algn="l" rtl="0" eaLnBrk="1" latinLnBrk="0" hangingPunct="1">
+              <a:spcBef>
+                <a:spcPts val="0"/>
+              </a:spcBef>
+              <a:spcAft>
+                <a:spcPts val="0"/>
+              </a:spcAft>
+              <a:buClrTx/>
+              <a:buSzPts val="1800"/>
+              <a:buFont typeface="+mj-lt"/>
+              <a:buAutoNum type="arabicPeriod"/>
+            </a:pPr>
+            <a:r>
+              <a:rPr lang="en-US" sz="1800" kern="1200" dirty="0">
+                <a:solidFill>
+                  <a:srgbClr val="000000"/>
+                </a:solidFill>
+                <a:effectLst/>
+                <a:latin typeface="Calibri" panose="020F0502020204030204" pitchFamily="34" charset="0"/>
+                <a:ea typeface="+mn-ea"/>
+                <a:cs typeface="+mn-cs"/>
+              </a:rPr>
+              <a:t>Deleting and inserting edges</a:t>
+            </a:r>
+            <a:endParaRPr lang="en-US" dirty="0"/>
+          </a:p>
+          <a:p>
+            <a:pPr marL="347472" indent="-347472" algn="l" rtl="0" eaLnBrk="1" latinLnBrk="0" hangingPunct="1">
+              <a:spcBef>
+                <a:spcPts val="0"/>
+              </a:spcBef>
+              <a:spcAft>
+                <a:spcPts val="0"/>
+              </a:spcAft>
+              <a:buClrTx/>
+              <a:buSzPts val="1800"/>
+              <a:buFont typeface="+mj-lt"/>
+              <a:buAutoNum type="arabicPeriod"/>
+            </a:pPr>
+            <a:r>
+              <a:rPr lang="en-US" sz="1800" kern="1200" dirty="0">
+                <a:solidFill>
+                  <a:srgbClr val="000000"/>
+                </a:solidFill>
+                <a:effectLst/>
+                <a:latin typeface="Calibri" panose="020F0502020204030204" pitchFamily="34" charset="0"/>
+                <a:ea typeface="+mn-ea"/>
+                <a:cs typeface="+mn-cs"/>
+              </a:rPr>
+              <a:t>Path and cycle of vertices</a:t>
+            </a:r>
+            <a:endParaRPr lang="en-US" dirty="0">
+              <a:effectLst/>
+            </a:endParaRPr>
+          </a:p>
+          <a:p>
+            <a:pPr marL="342900" indent="-342900">
+              <a:buAutoNum type="arabicPeriod"/>
+            </a:pPr>
+            <a:endParaRPr lang="en-US" dirty="0"/>
           </a:p>
         </p:txBody>
       </p:sp>
     </p:spTree>
     <p:extLst>
       <p:ext uri="{BB962C8B-B14F-4D97-AF65-F5344CB8AC3E}">
-        <p14:creationId xmlns:p14="http://schemas.microsoft.com/office/powerpoint/2010/main" val="2278152757"/>
+        <p14:creationId xmlns:p14="http://schemas.microsoft.com/office/powerpoint/2010/main" val="3045866047"/>
       </p:ext>
     </p:extLst>
   </p:cSld>
@@ -7800,213 +8269,102 @@
       </p:grpSpPr>
       <p:sp>
         <p:nvSpPr>
-          <p:cNvPr id="2" name="TextBox 1">
-            <a:extLst>
-              <a:ext uri="{FF2B5EF4-FFF2-40B4-BE49-F238E27FC236}">
-                <a16:creationId xmlns:a16="http://schemas.microsoft.com/office/drawing/2014/main" id="{6E50E356-37DA-4535-A5F0-B50C7D4B463F}"/>
-              </a:ext>
-            </a:extLst>
-          </p:cNvPr>
-          <p:cNvSpPr txBox="1"/>
-          <p:nvPr/>
+          <p:cNvPr id="2" name="Title 1">
+            <a:extLst>
+              <a:ext uri="{FF2B5EF4-FFF2-40B4-BE49-F238E27FC236}">
+                <a16:creationId xmlns:a16="http://schemas.microsoft.com/office/drawing/2014/main" id="{4F6E24A9-DAC8-3CD7-F6AF-35F942D93487}"/>
+              </a:ext>
+            </a:extLst>
+          </p:cNvPr>
+          <p:cNvSpPr>
+            <a:spLocks noGrp="1"/>
+          </p:cNvSpPr>
+          <p:nvPr>
+            <p:ph type="title"/>
+          </p:nvPr>
         </p:nvSpPr>
         <p:spPr>
           <a:xfrm>
-            <a:off x="497840" y="528320"/>
-            <a:ext cx="4602480" cy="369332"/>
+            <a:off x="839788" y="987425"/>
+            <a:ext cx="3932237" cy="614361"/>
           </a:xfrm>
-          <a:prstGeom prst="rect">
-            <a:avLst/>
-          </a:prstGeom>
-          <a:noFill/>
         </p:spPr>
         <p:txBody>
-          <a:bodyPr wrap="square" rtlCol="0">
-            <a:spAutoFit/>
+          <a:bodyPr>
+            <a:noAutofit/>
           </a:bodyPr>
           <a:lstStyle/>
           <a:p>
             <a:r>
-              <a:rPr lang="en-US" dirty="0">
+              <a:rPr lang="en-US" sz="3600" b="1" dirty="0">
                 <a:latin typeface="Arial Black" panose="020B0A04020102020204" pitchFamily="34" charset="0"/>
               </a:rPr>
-              <a:t>Graph Coloring in Board Games</a:t>
+              <a:t>Graph in Board Games</a:t>
             </a:r>
           </a:p>
         </p:txBody>
       </p:sp>
       <p:sp>
         <p:nvSpPr>
-          <p:cNvPr id="3" name="TextBox 2">
-            <a:extLst>
-              <a:ext uri="{FF2B5EF4-FFF2-40B4-BE49-F238E27FC236}">
-                <a16:creationId xmlns:a16="http://schemas.microsoft.com/office/drawing/2014/main" id="{7E4FD040-A3D1-4B76-8051-4FF75D79F6C4}"/>
-              </a:ext>
-            </a:extLst>
-          </p:cNvPr>
-          <p:cNvSpPr txBox="1"/>
-          <p:nvPr/>
+          <p:cNvPr id="3" name="Content Placeholder 2">
+            <a:extLst>
+              <a:ext uri="{FF2B5EF4-FFF2-40B4-BE49-F238E27FC236}">
+                <a16:creationId xmlns:a16="http://schemas.microsoft.com/office/drawing/2014/main" id="{A9173C1D-2F8B-2792-3149-B0AB3328C944}"/>
+              </a:ext>
+            </a:extLst>
+          </p:cNvPr>
+          <p:cNvSpPr>
+            <a:spLocks noGrp="1"/>
+          </p:cNvSpPr>
+          <p:nvPr>
+            <p:ph idx="1"/>
+          </p:nvPr>
         </p:nvSpPr>
-        <p:spPr>
-          <a:xfrm>
-            <a:off x="650240" y="1371600"/>
-            <a:ext cx="4145280" cy="2031325"/>
-          </a:xfrm>
-          <a:prstGeom prst="rect">
-            <a:avLst/>
-          </a:prstGeom>
-          <a:noFill/>
-        </p:spPr>
+        <p:spPr/>
         <p:txBody>
-          <a:bodyPr wrap="square" rtlCol="0">
-            <a:spAutoFit/>
-          </a:bodyPr>
+          <a:bodyPr/>
           <a:lstStyle/>
           <a:p>
-            <a:pPr marL="285750" indent="-285750">
-              <a:buFont typeface="Arial" panose="020B0604020202020204" pitchFamily="34" charset="0"/>
-              <a:buChar char="•"/>
-            </a:pPr>
-            <a:r>
-              <a:rPr lang="en-US" dirty="0"/>
-              <a:t>involves assigning different colors to the vertices of a graph such that no two adjacent vertices share the same color.</a:t>
-            </a:r>
-          </a:p>
-          <a:p>
-            <a:pPr marL="285750" indent="-285750">
-              <a:buFont typeface="Arial" panose="020B0604020202020204" pitchFamily="34" charset="0"/>
-              <a:buChar char="•"/>
-            </a:pPr>
-            <a:r>
-              <a:rPr lang="en-US" dirty="0"/>
-              <a:t>Simplifies game design by managing player interactions and organizing regions.</a:t>
-            </a:r>
+            <a:endParaRPr lang="en-US"/>
           </a:p>
         </p:txBody>
       </p:sp>
-      <p:pic>
-        <p:nvPicPr>
-          <p:cNvPr id="5" name="Picture 4">
-            <a:extLst>
-              <a:ext uri="{FF2B5EF4-FFF2-40B4-BE49-F238E27FC236}">
-                <a16:creationId xmlns:a16="http://schemas.microsoft.com/office/drawing/2014/main" id="{247980FC-C224-4514-901E-C9B97207D2FD}"/>
-              </a:ext>
-            </a:extLst>
-          </p:cNvPr>
-          <p:cNvPicPr>
-            <a:picLocks noChangeAspect="1"/>
-          </p:cNvPicPr>
-          <p:nvPr/>
-        </p:nvPicPr>
-        <p:blipFill>
-          <a:blip r:embed="rId2">
-            <a:extLst>
-              <a:ext uri="{28A0092B-C50C-407E-A947-70E740481C1C}">
-                <a14:useLocalDpi xmlns:a14="http://schemas.microsoft.com/office/drawing/2010/main" val="0"/>
-              </a:ext>
-            </a:extLst>
-          </a:blip>
-          <a:stretch>
-            <a:fillRect/>
-          </a:stretch>
-        </p:blipFill>
-        <p:spPr>
-          <a:xfrm>
-            <a:off x="7833360" y="897652"/>
-            <a:ext cx="1904762" cy="1904762"/>
-          </a:xfrm>
-          <a:prstGeom prst="rect">
-            <a:avLst/>
-          </a:prstGeom>
-        </p:spPr>
-      </p:pic>
       <p:sp>
         <p:nvSpPr>
-          <p:cNvPr id="6" name="TextBox 5">
-            <a:extLst>
-              <a:ext uri="{FF2B5EF4-FFF2-40B4-BE49-F238E27FC236}">
-                <a16:creationId xmlns:a16="http://schemas.microsoft.com/office/drawing/2014/main" id="{7FFE7E87-12A9-44B8-B6D2-87BF797DE487}"/>
-              </a:ext>
-            </a:extLst>
-          </p:cNvPr>
-          <p:cNvSpPr txBox="1"/>
-          <p:nvPr/>
+          <p:cNvPr id="4" name="Text Placeholder 3">
+            <a:extLst>
+              <a:ext uri="{FF2B5EF4-FFF2-40B4-BE49-F238E27FC236}">
+                <a16:creationId xmlns:a16="http://schemas.microsoft.com/office/drawing/2014/main" id="{2575CAD2-AC30-D5F5-9D23-CF4A3F0D6D87}"/>
+              </a:ext>
+            </a:extLst>
+          </p:cNvPr>
+          <p:cNvSpPr>
+            <a:spLocks noGrp="1"/>
+          </p:cNvSpPr>
+          <p:nvPr>
+            <p:ph type="body" sz="half" idx="2"/>
+          </p:nvPr>
         </p:nvSpPr>
-        <p:spPr>
-          <a:xfrm>
-            <a:off x="975360" y="3749040"/>
-            <a:ext cx="9083040" cy="923330"/>
-          </a:xfrm>
-          <a:prstGeom prst="rect">
-            <a:avLst/>
-          </a:prstGeom>
-          <a:noFill/>
-        </p:spPr>
+        <p:spPr/>
         <p:txBody>
-          <a:bodyPr wrap="square" rtlCol="0">
-            <a:spAutoFit/>
-          </a:bodyPr>
+          <a:bodyPr/>
           <a:lstStyle/>
           <a:p>
-            <a:pPr marL="342900" indent="-342900">
-              <a:buFont typeface="+mj-lt"/>
-              <a:buAutoNum type="arabicPeriod"/>
-            </a:pPr>
             <a:r>
               <a:rPr lang="en-US" dirty="0"/>
-              <a:t>Territory </a:t>
-            </a:r>
-            <a:r>
-              <a:rPr lang="en-US" dirty="0" err="1"/>
-              <a:t>Colouring</a:t>
-            </a:r>
+              <a:t>Most board games are played two-dimensional grid. </a:t>
+            </a:r>
+          </a:p>
+          <a:p>
             <a:r>
               <a:rPr lang="en-US" dirty="0"/>
-              <a:t>:  Assigning different </a:t>
-            </a:r>
-            <a:r>
-              <a:rPr lang="en-US" dirty="0" err="1"/>
-              <a:t>colours</a:t>
-            </a:r>
+              <a:t>• Nodes represent the cells where game pieces are placed. </a:t>
+            </a:r>
+          </a:p>
+          <a:p>
             <a:r>
               <a:rPr lang="en-US" dirty="0"/>
-              <a:t> to </a:t>
-            </a:r>
-            <a:r>
-              <a:rPr lang="en-US" dirty="0" err="1"/>
-              <a:t>neighbouring</a:t>
-            </a:r>
-            <a:r>
-              <a:rPr lang="en-US" dirty="0"/>
-              <a:t> territories.</a:t>
-            </a:r>
-          </a:p>
-          <a:p>
-            <a:pPr marL="342900" indent="-342900">
-              <a:buFont typeface="+mj-lt"/>
-              <a:buAutoNum type="arabicPeriod"/>
-            </a:pPr>
-            <a:r>
-              <a:rPr lang="en-US" dirty="0"/>
-              <a:t>Player moves: Useful in multiplayer games to minimize conflicts.</a:t>
-            </a:r>
-          </a:p>
-          <a:p>
-            <a:pPr marL="342900" indent="-342900">
-              <a:buFont typeface="+mj-lt"/>
-              <a:buAutoNum type="arabicPeriod"/>
-            </a:pPr>
-            <a:r>
-              <a:rPr lang="en-US" dirty="0"/>
-              <a:t>Puzzle Solving: No two adjacent players have the same </a:t>
-            </a:r>
-            <a:r>
-              <a:rPr lang="en-US" dirty="0" err="1"/>
-              <a:t>colours</a:t>
-            </a:r>
-            <a:r>
-              <a:rPr lang="en-US" dirty="0"/>
-              <a:t>.</a:t>
+              <a:t>• Winning conditions involve finding paths (edges) with consecutive stones.</a:t>
             </a:r>
           </a:p>
         </p:txBody>
@@ -8014,7 +8372,7 @@
     </p:spTree>
     <p:extLst>
       <p:ext uri="{BB962C8B-B14F-4D97-AF65-F5344CB8AC3E}">
-        <p14:creationId xmlns:p14="http://schemas.microsoft.com/office/powerpoint/2010/main" val="1875216096"/>
+        <p14:creationId xmlns:p14="http://schemas.microsoft.com/office/powerpoint/2010/main" val="41218718"/>
       </p:ext>
     </p:extLst>
   </p:cSld>
@@ -8043,49 +8401,144 @@
       </p:grpSpPr>
       <p:sp>
         <p:nvSpPr>
-          <p:cNvPr id="2" name="Title 1"/>
+          <p:cNvPr id="2" name="Title 1">
+            <a:extLst>
+              <a:ext uri="{FF2B5EF4-FFF2-40B4-BE49-F238E27FC236}">
+                <a16:creationId xmlns:a16="http://schemas.microsoft.com/office/drawing/2014/main" id="{A044EC92-8709-66AA-FA34-6F35A4198D12}"/>
+              </a:ext>
+            </a:extLst>
+          </p:cNvPr>
           <p:cNvSpPr>
             <a:spLocks noGrp="1"/>
           </p:cNvSpPr>
           <p:nvPr>
-            <p:ph type="ctrTitle"/>
+            <p:ph type="title"/>
           </p:nvPr>
         </p:nvSpPr>
         <p:spPr>
           <a:xfrm>
-            <a:off x="480330" y="546443"/>
-            <a:ext cx="4449537" cy="1012370"/>
+            <a:off x="839788" y="987425"/>
+            <a:ext cx="3932237" cy="571500"/>
           </a:xfrm>
         </p:spPr>
         <p:txBody>
           <a:bodyPr>
-            <a:noAutofit/>
+            <a:normAutofit fontScale="90000"/>
           </a:bodyPr>
           <a:lstStyle/>
           <a:p>
-            <a:pPr algn="just"/>
-            <a:r>
-              <a:rPr lang="en-US" sz="3200" b="1" dirty="0" smtClean="0">
+            <a:r>
+              <a:rPr lang="en-US" sz="3600" b="1" dirty="0">
                 <a:latin typeface="Arial Black" panose="020B0A04020102020204" pitchFamily="34" charset="0"/>
               </a:rPr>
-              <a:t>GRAPH THEORY IN BOARD GAMES</a:t>
-            </a:r>
-            <a:endParaRPr lang="en-US" sz="3200" b="1" dirty="0">
-              <a:latin typeface="Arial Black" panose="020B0A04020102020204" pitchFamily="34" charset="0"/>
-            </a:endParaRPr>
+              <a:t>Implementation</a:t>
+            </a:r>
+            <a:r>
+              <a:rPr lang="en-US" dirty="0"/>
+              <a:t> </a:t>
+            </a:r>
           </a:p>
         </p:txBody>
       </p:sp>
       <p:sp>
         <p:nvSpPr>
-          <p:cNvPr id="5" name="TextBox 4"/>
+          <p:cNvPr id="4" name="Text Placeholder 3">
+            <a:extLst>
+              <a:ext uri="{FF2B5EF4-FFF2-40B4-BE49-F238E27FC236}">
+                <a16:creationId xmlns:a16="http://schemas.microsoft.com/office/drawing/2014/main" id="{8AF72E6F-D5A1-6CBE-73C8-608D6839317F}"/>
+              </a:ext>
+            </a:extLst>
+          </p:cNvPr>
+          <p:cNvSpPr>
+            <a:spLocks noGrp="1"/>
+          </p:cNvSpPr>
+          <p:nvPr>
+            <p:ph type="body" sz="half" idx="2"/>
+          </p:nvPr>
+        </p:nvSpPr>
+        <p:spPr/>
+        <p:txBody>
+          <a:bodyPr/>
+          <a:lstStyle/>
+          <a:p>
+            <a:r>
+              <a:rPr lang="en-US" dirty="0"/>
+              <a:t>Topics like graph theory, and recursion play crucial roles in modeling and solving the game.</a:t>
+            </a:r>
+          </a:p>
+        </p:txBody>
+      </p:sp>
+      <p:sp>
+        <p:nvSpPr>
+          <p:cNvPr id="3" name="Content Placeholder 2">
+            <a:extLst>
+              <a:ext uri="{FF2B5EF4-FFF2-40B4-BE49-F238E27FC236}">
+                <a16:creationId xmlns:a16="http://schemas.microsoft.com/office/drawing/2014/main" id="{D5E016E4-BDAF-4DC3-9D94-4DE8B9339639}"/>
+              </a:ext>
+            </a:extLst>
+          </p:cNvPr>
+          <p:cNvSpPr>
+            <a:spLocks noGrp="1"/>
+          </p:cNvSpPr>
+          <p:nvPr>
+            <p:ph idx="1"/>
+          </p:nvPr>
+        </p:nvSpPr>
+        <p:spPr/>
+        <p:txBody>
+          <a:bodyPr/>
+          <a:lstStyle/>
+          <a:p>
+            <a:endParaRPr lang="en-US" dirty="0"/>
+          </a:p>
+        </p:txBody>
+      </p:sp>
+    </p:spTree>
+    <p:extLst>
+      <p:ext uri="{BB962C8B-B14F-4D97-AF65-F5344CB8AC3E}">
+        <p14:creationId xmlns:p14="http://schemas.microsoft.com/office/powerpoint/2010/main" val="2278152757"/>
+      </p:ext>
+    </p:extLst>
+  </p:cSld>
+  <p:clrMapOvr>
+    <a:masterClrMapping/>
+  </p:clrMapOvr>
+</p:sld>
+</file>
+
+<file path=ppt/slides/slide13.xml><?xml version="1.0" encoding="utf-8"?>
+<p:sld xmlns:a="http://schemas.openxmlformats.org/drawingml/2006/main" xmlns:r="http://schemas.openxmlformats.org/officeDocument/2006/relationships" xmlns:p="http://schemas.openxmlformats.org/presentationml/2006/main">
+  <p:cSld>
+    <p:spTree>
+      <p:nvGrpSpPr>
+        <p:cNvPr id="1" name=""/>
+        <p:cNvGrpSpPr/>
+        <p:nvPr/>
+      </p:nvGrpSpPr>
+      <p:grpSpPr>
+        <a:xfrm>
+          <a:off x="0" y="0"/>
+          <a:ext cx="0" cy="0"/>
+          <a:chOff x="0" y="0"/>
+          <a:chExt cx="0" cy="0"/>
+        </a:xfrm>
+      </p:grpSpPr>
+      <p:sp>
+        <p:nvSpPr>
+          <p:cNvPr id="2" name="TextBox 1">
+            <a:extLst>
+              <a:ext uri="{FF2B5EF4-FFF2-40B4-BE49-F238E27FC236}">
+                <a16:creationId xmlns:a16="http://schemas.microsoft.com/office/drawing/2014/main" id="{6E50E356-37DA-4535-A5F0-B50C7D4B463F}"/>
+              </a:ext>
+            </a:extLst>
+          </p:cNvPr>
           <p:cNvSpPr txBox="1"/>
           <p:nvPr/>
         </p:nvSpPr>
         <p:spPr>
           <a:xfrm>
-            <a:off x="774245" y="1833320"/>
-            <a:ext cx="3292929" cy="400110"/>
+            <a:off x="497840" y="528320"/>
+            <a:ext cx="4602480" cy="369332"/>
           </a:xfrm>
           <a:prstGeom prst="rect">
             <a:avLst/>
@@ -8098,30 +8551,31 @@
           </a:bodyPr>
           <a:lstStyle/>
           <a:p>
-            <a:pPr>
-              <a:defRPr sz="2000" b="1">
-                <a:solidFill>
-                  <a:srgbClr val="003366"/>
-                </a:solidFill>
-              </a:defRPr>
-            </a:pPr>
-            <a:r>
-              <a:rPr lang="en-US" dirty="0"/>
-              <a:t>Board Games as Graphs:</a:t>
+            <a:r>
+              <a:rPr lang="en-US" dirty="0">
+                <a:latin typeface="Arial Black" panose="020B0A04020102020204" pitchFamily="34" charset="0"/>
+              </a:rPr>
+              <a:t>Graph Coloring in Board Games</a:t>
             </a:r>
           </a:p>
         </p:txBody>
       </p:sp>
       <p:sp>
         <p:nvSpPr>
-          <p:cNvPr id="6" name="TextBox 5"/>
+          <p:cNvPr id="3" name="TextBox 2">
+            <a:extLst>
+              <a:ext uri="{FF2B5EF4-FFF2-40B4-BE49-F238E27FC236}">
+                <a16:creationId xmlns:a16="http://schemas.microsoft.com/office/drawing/2014/main" id="{7E4FD040-A3D1-4B76-8051-4FF75D79F6C4}"/>
+              </a:ext>
+            </a:extLst>
+          </p:cNvPr>
           <p:cNvSpPr txBox="1"/>
           <p:nvPr/>
         </p:nvSpPr>
         <p:spPr>
           <a:xfrm>
-            <a:off x="774245" y="2382515"/>
-            <a:ext cx="6720569" cy="1200329"/>
+            <a:off x="650240" y="1371600"/>
+            <a:ext cx="4145280" cy="2031325"/>
           </a:xfrm>
           <a:prstGeom prst="rect">
             <a:avLst/>
@@ -8134,38 +8588,79 @@
           </a:bodyPr>
           <a:lstStyle/>
           <a:p>
-            <a:pPr marL="285750" indent="-285750" algn="just">
+            <a:pPr marL="285750" indent="-285750">
               <a:buFont typeface="Arial" panose="020B0604020202020204" pitchFamily="34" charset="0"/>
               <a:buChar char="•"/>
             </a:pPr>
             <a:r>
-              <a:rPr lang="en-US" dirty="0" smtClean="0"/>
-              <a:t>Each position (like squares in chess or intersections in Go) is represented as a vertex.</a:t>
-            </a:r>
-          </a:p>
-          <a:p>
-            <a:pPr marL="285750" indent="-285750" algn="just">
+              <a:rPr lang="en-US" dirty="0"/>
+              <a:t>involves assigning different colors to the vertices of a graph such that no two adjacent vertices share the same color.</a:t>
+            </a:r>
+          </a:p>
+          <a:p>
+            <a:pPr marL="285750" indent="-285750">
               <a:buFont typeface="Arial" panose="020B0604020202020204" pitchFamily="34" charset="0"/>
               <a:buChar char="•"/>
             </a:pPr>
             <a:r>
-              <a:rPr lang="en-US" dirty="0" smtClean="0"/>
-              <a:t>The possible moves between these vertices are represented as edges.</a:t>
-            </a:r>
-            <a:endParaRPr lang="en-US" dirty="0"/>
+              <a:rPr lang="en-US" dirty="0"/>
+              <a:t>Simplifies game design by managing player interactions and organizing regions.</a:t>
+            </a:r>
           </a:p>
         </p:txBody>
       </p:sp>
+      <p:pic>
+        <p:nvPicPr>
+          <p:cNvPr id="5" name="Picture 4">
+            <a:extLst>
+              <a:ext uri="{FF2B5EF4-FFF2-40B4-BE49-F238E27FC236}">
+                <a16:creationId xmlns:a16="http://schemas.microsoft.com/office/drawing/2014/main" id="{247980FC-C224-4514-901E-C9B97207D2FD}"/>
+              </a:ext>
+            </a:extLst>
+          </p:cNvPr>
+          <p:cNvPicPr>
+            <a:picLocks noChangeAspect="1"/>
+          </p:cNvPicPr>
+          <p:nvPr/>
+        </p:nvPicPr>
+        <p:blipFill>
+          <a:blip r:embed="rId2">
+            <a:extLst>
+              <a:ext uri="{28A0092B-C50C-407E-A947-70E740481C1C}">
+                <a14:useLocalDpi xmlns:a14="http://schemas.microsoft.com/office/drawing/2010/main" val="0"/>
+              </a:ext>
+            </a:extLst>
+          </a:blip>
+          <a:stretch>
+            <a:fillRect/>
+          </a:stretch>
+        </p:blipFill>
+        <p:spPr>
+          <a:xfrm>
+            <a:off x="7833360" y="897652"/>
+            <a:ext cx="1904762" cy="1904762"/>
+          </a:xfrm>
+          <a:prstGeom prst="rect">
+            <a:avLst/>
+          </a:prstGeom>
+        </p:spPr>
+      </p:pic>
       <p:sp>
         <p:nvSpPr>
-          <p:cNvPr id="7" name="TextBox 6"/>
+          <p:cNvPr id="6" name="TextBox 5">
+            <a:extLst>
+              <a:ext uri="{FF2B5EF4-FFF2-40B4-BE49-F238E27FC236}">
+                <a16:creationId xmlns:a16="http://schemas.microsoft.com/office/drawing/2014/main" id="{7FFE7E87-12A9-44B8-B6D2-87BF797DE487}"/>
+              </a:ext>
+            </a:extLst>
+          </p:cNvPr>
           <p:cNvSpPr txBox="1"/>
           <p:nvPr/>
         </p:nvSpPr>
         <p:spPr>
           <a:xfrm>
-            <a:off x="774245" y="3454930"/>
-            <a:ext cx="2920092" cy="954107"/>
+            <a:off x="975360" y="3749040"/>
+            <a:ext cx="9083040" cy="923330"/>
           </a:xfrm>
           <a:prstGeom prst="rect">
             <a:avLst/>
@@ -8178,36 +8673,115 @@
           </a:bodyPr>
           <a:lstStyle/>
           <a:p>
-            <a:endParaRPr lang="en-US" dirty="0" smtClean="0"/>
-          </a:p>
-          <a:p>
-            <a:pPr>
-              <a:defRPr sz="2000" b="1">
-                <a:solidFill>
-                  <a:srgbClr val="003366"/>
-                </a:solidFill>
-              </a:defRPr>
+            <a:pPr marL="342900" indent="-342900">
+              <a:buFont typeface="+mj-lt"/>
+              <a:buAutoNum type="arabicPeriod"/>
             </a:pPr>
             <a:r>
               <a:rPr lang="en-US" dirty="0"/>
-              <a:t>Network of Connections:</a:t>
-            </a:r>
-          </a:p>
-          <a:p>
-            <a:endParaRPr lang="en-US" dirty="0"/>
+              <a:t>Territory </a:t>
+            </a:r>
+            <a:r>
+              <a:rPr lang="en-US" dirty="0" err="1"/>
+              <a:t>Colouring</a:t>
+            </a:r>
+            <a:r>
+              <a:rPr lang="en-US" dirty="0"/>
+              <a:t>:  Assigning different </a:t>
+            </a:r>
+            <a:r>
+              <a:rPr lang="en-US" dirty="0" err="1"/>
+              <a:t>colours</a:t>
+            </a:r>
+            <a:r>
+              <a:rPr lang="en-US" dirty="0"/>
+              <a:t> to </a:t>
+            </a:r>
+            <a:r>
+              <a:rPr lang="en-US" dirty="0" err="1"/>
+              <a:t>neighbouring</a:t>
+            </a:r>
+            <a:r>
+              <a:rPr lang="en-US" dirty="0"/>
+              <a:t> territories.</a:t>
+            </a:r>
+          </a:p>
+          <a:p>
+            <a:pPr marL="342900" indent="-342900">
+              <a:buFont typeface="+mj-lt"/>
+              <a:buAutoNum type="arabicPeriod"/>
+            </a:pPr>
+            <a:r>
+              <a:rPr lang="en-US" dirty="0"/>
+              <a:t>Player moves: Useful in multiplayer games to minimize conflicts.</a:t>
+            </a:r>
+          </a:p>
+          <a:p>
+            <a:pPr marL="342900" indent="-342900">
+              <a:buFont typeface="+mj-lt"/>
+              <a:buAutoNum type="arabicPeriod"/>
+            </a:pPr>
+            <a:r>
+              <a:rPr lang="en-US" dirty="0"/>
+              <a:t>Puzzle Solving: No two adjacent players have the same </a:t>
+            </a:r>
+            <a:r>
+              <a:rPr lang="en-US" dirty="0" err="1"/>
+              <a:t>colours</a:t>
+            </a:r>
+            <a:r>
+              <a:rPr lang="en-US" dirty="0"/>
+              <a:t>.</a:t>
+            </a:r>
           </a:p>
         </p:txBody>
       </p:sp>
+    </p:spTree>
+    <p:extLst>
+      <p:ext uri="{BB962C8B-B14F-4D97-AF65-F5344CB8AC3E}">
+        <p14:creationId xmlns:p14="http://schemas.microsoft.com/office/powerpoint/2010/main" val="1875216096"/>
+      </p:ext>
+    </p:extLst>
+  </p:cSld>
+  <p:clrMapOvr>
+    <a:masterClrMapping/>
+  </p:clrMapOvr>
+</p:sld>
+</file>
+
+<file path=ppt/slides/slide14.xml><?xml version="1.0" encoding="utf-8"?>
+<p:sld xmlns:a="http://schemas.openxmlformats.org/drawingml/2006/main" xmlns:r="http://schemas.openxmlformats.org/officeDocument/2006/relationships" xmlns:p="http://schemas.openxmlformats.org/presentationml/2006/main">
+  <p:cSld>
+    <p:spTree>
+      <p:nvGrpSpPr>
+        <p:cNvPr id="1" name=""/>
+        <p:cNvGrpSpPr/>
+        <p:nvPr/>
+      </p:nvGrpSpPr>
+      <p:grpSpPr>
+        <a:xfrm>
+          <a:off x="0" y="0"/>
+          <a:ext cx="0" cy="0"/>
+          <a:chOff x="0" y="0"/>
+          <a:chExt cx="0" cy="0"/>
+        </a:xfrm>
+      </p:grpSpPr>
       <p:sp>
         <p:nvSpPr>
-          <p:cNvPr id="8" name="TextBox 7"/>
+          <p:cNvPr id="2" name="TextBox 1">
+            <a:extLst>
+              <a:ext uri="{FF2B5EF4-FFF2-40B4-BE49-F238E27FC236}">
+                <a16:creationId xmlns:a16="http://schemas.microsoft.com/office/drawing/2014/main" id="{79AFAFDD-C02B-4607-A351-DA70A2324FF1}"/>
+              </a:ext>
+            </a:extLst>
+          </p:cNvPr>
           <p:cNvSpPr txBox="1"/>
           <p:nvPr/>
         </p:nvSpPr>
         <p:spPr>
           <a:xfrm>
-            <a:off x="778326" y="4234956"/>
-            <a:ext cx="6716488" cy="1200329"/>
+            <a:off x="519764" y="467360"/>
+            <a:ext cx="6175676" cy="584775"/>
           </a:xfrm>
           <a:prstGeom prst="rect">
             <a:avLst/>
@@ -8220,189 +8794,123 @@
           </a:bodyPr>
           <a:lstStyle/>
           <a:p>
-            <a:pPr marL="285750" indent="-285750" algn="just">
-              <a:buFont typeface="Arial" panose="020B0604020202020204" pitchFamily="34" charset="0"/>
-              <a:buChar char="•"/>
-            </a:pPr>
-            <a:r>
-              <a:rPr lang="en-US" dirty="0" smtClean="0"/>
-              <a:t>This creates a network of connections which can be used for strategy development.</a:t>
-            </a:r>
-          </a:p>
-          <a:p>
-            <a:pPr marL="285750" indent="-285750" algn="just">
-              <a:buFont typeface="Arial" panose="020B0604020202020204" pitchFamily="34" charset="0"/>
-              <a:buChar char="•"/>
-            </a:pPr>
-            <a:r>
-              <a:rPr lang="en-US" dirty="0" smtClean="0"/>
-              <a:t>Tools like adjacency matrices and adjacency lists help map these relationships.</a:t>
-            </a:r>
+            <a:r>
+              <a:rPr lang="en-US" sz="3200" b="1" dirty="0"/>
+              <a:t>TREES AND SPANNING TREES</a:t>
+            </a:r>
+          </a:p>
+        </p:txBody>
+      </p:sp>
+      <p:sp>
+        <p:nvSpPr>
+          <p:cNvPr id="3" name="TextBox 2">
+            <a:extLst>
+              <a:ext uri="{FF2B5EF4-FFF2-40B4-BE49-F238E27FC236}">
+                <a16:creationId xmlns:a16="http://schemas.microsoft.com/office/drawing/2014/main" id="{08DB893F-338B-4F13-9E44-F3967F58E0B0}"/>
+              </a:ext>
+            </a:extLst>
+          </p:cNvPr>
+          <p:cNvSpPr txBox="1"/>
+          <p:nvPr/>
+        </p:nvSpPr>
+        <p:spPr>
+          <a:xfrm>
+            <a:off x="589280" y="1330960"/>
+            <a:ext cx="6390640" cy="3139321"/>
+          </a:xfrm>
+          <a:prstGeom prst="rect">
+            <a:avLst/>
+          </a:prstGeom>
+          <a:noFill/>
+        </p:spPr>
+        <p:txBody>
+          <a:bodyPr wrap="square" rtlCol="0">
+            <a:spAutoFit/>
+          </a:bodyPr>
+          <a:lstStyle/>
+          <a:p>
+            <a:r>
+              <a:rPr lang="en-US" dirty="0"/>
+              <a:t>Tree is a simple, connected ,undirected ,acyclic(having  a unique path between any two vertices) graph.</a:t>
+            </a:r>
+          </a:p>
+          <a:p>
             <a:endParaRPr lang="en-US" dirty="0"/>
+          </a:p>
+          <a:p>
+            <a:r>
+              <a:rPr lang="en-US" dirty="0"/>
+              <a:t>A </a:t>
+            </a:r>
+            <a:r>
+              <a:rPr lang="en-US" b="1" dirty="0"/>
+              <a:t>spanning tree</a:t>
+            </a:r>
+            <a:r>
+              <a:rPr lang="en-US" dirty="0"/>
+              <a:t> of a graph is a subgraph that includes all vertices of the graph and is a tree.</a:t>
+            </a:r>
+          </a:p>
+          <a:p>
+            <a:r>
+              <a:rPr lang="en-US" dirty="0"/>
+              <a:t>- Spanning trees connect all vertices with the minimum possible edges.</a:t>
+            </a:r>
+          </a:p>
+          <a:p>
+            <a:endParaRPr lang="en-US" dirty="0"/>
+          </a:p>
+          <a:p>
+            <a:endParaRPr lang="en-US" dirty="0"/>
+          </a:p>
+          <a:p>
+            <a:r>
+              <a:rPr lang="en-US" dirty="0"/>
+              <a:t>In games, spanning trees can help create unique paths with no loops.</a:t>
+            </a:r>
           </a:p>
         </p:txBody>
       </p:sp>
       <p:pic>
         <p:nvPicPr>
-          <p:cNvPr id="9" name="Picture 8"/>
+          <p:cNvPr id="4" name="Picture 3">
+            <a:extLst>
+              <a:ext uri="{FF2B5EF4-FFF2-40B4-BE49-F238E27FC236}">
+                <a16:creationId xmlns:a16="http://schemas.microsoft.com/office/drawing/2014/main" id="{34D0DE42-2284-4BA0-9993-E885FC0F9DBD}"/>
+              </a:ext>
+            </a:extLst>
+          </p:cNvPr>
           <p:cNvPicPr>
             <a:picLocks noChangeAspect="1"/>
           </p:cNvPicPr>
           <p:nvPr/>
         </p:nvPicPr>
         <p:blipFill>
-          <a:blip r:embed="rId2">
-            <a:extLst>
-              <a:ext uri="{28A0092B-C50C-407E-A947-70E740481C1C}">
-                <a14:useLocalDpi xmlns:a14="http://schemas.microsoft.com/office/drawing/2010/main" val="0"/>
-              </a:ext>
-            </a:extLst>
-          </a:blip>
+          <a:blip r:embed="rId2"/>
           <a:stretch>
             <a:fillRect/>
           </a:stretch>
         </p:blipFill>
         <p:spPr>
           <a:xfrm>
-            <a:off x="8741402" y="2121397"/>
-            <a:ext cx="2759528" cy="2759528"/>
+            <a:off x="6979920" y="1187529"/>
+            <a:ext cx="4157832" cy="4035902"/>
           </a:xfrm>
           <a:prstGeom prst="rect">
             <a:avLst/>
           </a:prstGeom>
+          <a:solidFill>
+            <a:schemeClr val="accent4">
+              <a:lumMod val="20000"/>
+              <a:lumOff val="80000"/>
+            </a:schemeClr>
+          </a:solidFill>
         </p:spPr>
       </p:pic>
-      <p:sp>
-        <p:nvSpPr>
-          <p:cNvPr id="11" name="Rectangle 10"/>
-          <p:cNvSpPr/>
-          <p:nvPr/>
-        </p:nvSpPr>
-        <p:spPr>
-          <a:xfrm>
-            <a:off x="9096158" y="1558813"/>
-            <a:ext cx="1762342" cy="400110"/>
-          </a:xfrm>
-          <a:prstGeom prst="rect">
-            <a:avLst/>
-          </a:prstGeom>
-        </p:spPr>
-        <p:txBody>
-          <a:bodyPr wrap="none">
-            <a:spAutoFit/>
-          </a:bodyPr>
-          <a:lstStyle/>
-          <a:p>
-            <a:pPr>
-              <a:defRPr sz="2000" b="1">
-                <a:solidFill>
-                  <a:srgbClr val="003366"/>
-                </a:solidFill>
-              </a:defRPr>
-            </a:pPr>
-            <a:r>
-              <a:rPr lang="en-US" dirty="0"/>
-              <a:t>Adjacency List:</a:t>
-            </a:r>
-            <a:endParaRPr lang="en-US" dirty="0"/>
-          </a:p>
-        </p:txBody>
-      </p:sp>
-      <p:sp>
-        <p:nvSpPr>
-          <p:cNvPr id="12" name="Rectangle 11"/>
-          <p:cNvSpPr/>
-          <p:nvPr/>
-        </p:nvSpPr>
-        <p:spPr>
-          <a:xfrm>
-            <a:off x="8453728" y="5043399"/>
-            <a:ext cx="3047202" cy="1569660"/>
-          </a:xfrm>
-          <a:prstGeom prst="rect">
-            <a:avLst/>
-          </a:prstGeom>
-        </p:spPr>
-        <p:txBody>
-          <a:bodyPr wrap="square">
-            <a:spAutoFit/>
-          </a:bodyPr>
-          <a:lstStyle/>
-          <a:p>
-            <a:pPr lvl="1" algn="just">
-              <a:defRPr sz="1600">
-                <a:solidFill>
-                  <a:srgbClr val="000000"/>
-                </a:solidFill>
-              </a:defRPr>
-            </a:pPr>
-            <a:r>
-              <a:rPr lang="en-US" dirty="0"/>
-              <a:t>Represents each position and lists possible moves.</a:t>
-            </a:r>
-          </a:p>
-          <a:p>
-            <a:pPr lvl="1" algn="just">
-              <a:defRPr sz="1600">
-                <a:solidFill>
-                  <a:srgbClr val="000000"/>
-                </a:solidFill>
-              </a:defRPr>
-            </a:pPr>
-            <a:r>
-              <a:rPr lang="en-US" dirty="0"/>
-              <a:t>Example (Chess - Knight Moves</a:t>
-            </a:r>
-            <a:r>
-              <a:rPr lang="en-US" dirty="0" smtClean="0"/>
-              <a:t>):</a:t>
-            </a:r>
-          </a:p>
-          <a:p>
-            <a:pPr marL="742950" lvl="1" indent="-285750" algn="just">
-              <a:buFont typeface="Arial" panose="020B0604020202020204" pitchFamily="34" charset="0"/>
-              <a:buChar char="•"/>
-              <a:defRPr sz="1600">
-                <a:solidFill>
-                  <a:srgbClr val="000000"/>
-                </a:solidFill>
-              </a:defRPr>
-            </a:pPr>
-            <a:r>
-              <a:rPr lang="en-US" dirty="0" smtClean="0"/>
-              <a:t>B1 </a:t>
-            </a:r>
-            <a:r>
-              <a:rPr lang="en-US" dirty="0"/>
-              <a:t>-&gt; A3, </a:t>
-            </a:r>
-            <a:r>
-              <a:rPr lang="en-US" dirty="0" smtClean="0"/>
-              <a:t>C3</a:t>
-            </a:r>
-          </a:p>
-          <a:p>
-            <a:pPr marL="742950" lvl="1" indent="-285750" algn="just">
-              <a:buFont typeface="Arial" panose="020B0604020202020204" pitchFamily="34" charset="0"/>
-              <a:buChar char="•"/>
-              <a:defRPr sz="1600">
-                <a:solidFill>
-                  <a:srgbClr val="000000"/>
-                </a:solidFill>
-              </a:defRPr>
-            </a:pPr>
-            <a:r>
-              <a:rPr lang="en-US" dirty="0" smtClean="0"/>
-              <a:t>G1 -&gt; F3, H3</a:t>
-            </a:r>
-            <a:endParaRPr lang="en-US" dirty="0"/>
-          </a:p>
-        </p:txBody>
-      </p:sp>
     </p:spTree>
     <p:extLst>
       <p:ext uri="{BB962C8B-B14F-4D97-AF65-F5344CB8AC3E}">
-        <p14:creationId xmlns:p14="http://schemas.microsoft.com/office/powerpoint/2010/main" val="397153283"/>
+        <p14:creationId xmlns:p14="http://schemas.microsoft.com/office/powerpoint/2010/main" val="267629350"/>
       </p:ext>
     </p:extLst>
   </p:cSld>
@@ -10498,10 +11006,10 @@
       </p:grpSpPr>
       <p:sp>
         <p:nvSpPr>
-          <p:cNvPr id="3" name="TextBox 2">
-            <a:extLst>
-              <a:ext uri="{FF2B5EF4-FFF2-40B4-BE49-F238E27FC236}">
-                <a16:creationId xmlns:a16="http://schemas.microsoft.com/office/drawing/2014/main" id="{6129BCCE-EAA2-06B8-2ABB-36E1965B0FED}"/>
+          <p:cNvPr id="2" name="TextBox 1">
+            <a:extLst>
+              <a:ext uri="{FF2B5EF4-FFF2-40B4-BE49-F238E27FC236}">
+                <a16:creationId xmlns:a16="http://schemas.microsoft.com/office/drawing/2014/main" id="{58458917-3328-445C-86E8-B4D8A6CBAF47}"/>
               </a:ext>
             </a:extLst>
           </p:cNvPr>
@@ -10510,55 +11018,8 @@
         </p:nvSpPr>
         <p:spPr>
           <a:xfrm>
-            <a:off x="360759" y="472559"/>
-            <a:ext cx="6097191" cy="1089529"/>
-          </a:xfrm>
-          <a:prstGeom prst="rect">
-            <a:avLst/>
-          </a:prstGeom>
-          <a:noFill/>
-        </p:spPr>
-        <p:txBody>
-          <a:bodyPr wrap="square">
-            <a:spAutoFit/>
-          </a:bodyPr>
-          <a:lstStyle/>
-          <a:p>
-            <a:pPr>
-              <a:lnSpc>
-                <a:spcPct val="90000"/>
-              </a:lnSpc>
-              <a:spcBef>
-                <a:spcPct val="0"/>
-              </a:spcBef>
-            </a:pPr>
-            <a:r>
-              <a:rPr lang="en-US" sz="3600" b="1" dirty="0">
-                <a:latin typeface="Arial Black" panose="020B0A04020102020204" pitchFamily="34" charset="0"/>
-                <a:ea typeface="+mj-ea"/>
-                <a:cs typeface="+mj-cs"/>
-              </a:rPr>
-              <a:t>GRAPH REPRESENTATION</a:t>
-            </a:r>
-          </a:p>
-        </p:txBody>
-      </p:sp>
-      <p:sp>
-        <p:nvSpPr>
-          <p:cNvPr id="2" name="TextBox 1">
-            <a:extLst>
-              <a:ext uri="{FF2B5EF4-FFF2-40B4-BE49-F238E27FC236}">
-                <a16:creationId xmlns:a16="http://schemas.microsoft.com/office/drawing/2014/main" id="{4073108B-FF80-2542-E514-618C5A826695}"/>
-              </a:ext>
-            </a:extLst>
-          </p:cNvPr>
-          <p:cNvSpPr txBox="1"/>
-          <p:nvPr/>
-        </p:nvSpPr>
-        <p:spPr>
-          <a:xfrm>
-            <a:off x="471487" y="2214563"/>
-            <a:ext cx="7158037" cy="3970318"/>
+            <a:off x="888275" y="439783"/>
+            <a:ext cx="5344160" cy="707886"/>
           </a:xfrm>
           <a:prstGeom prst="rect">
             <a:avLst/>
@@ -10571,116 +11032,159 @@
           </a:bodyPr>
           <a:lstStyle/>
           <a:p>
-            <a:pPr marL="342900" indent="-342900">
-              <a:buAutoNum type="arabicPeriod"/>
+            <a:r>
+              <a:rPr lang="en-US" sz="4000" b="1" dirty="0"/>
+              <a:t>Weighted Graphs</a:t>
+            </a:r>
+          </a:p>
+        </p:txBody>
+      </p:sp>
+      <p:sp>
+        <p:nvSpPr>
+          <p:cNvPr id="4" name="TextBox 3">
+            <a:extLst>
+              <a:ext uri="{FF2B5EF4-FFF2-40B4-BE49-F238E27FC236}">
+                <a16:creationId xmlns:a16="http://schemas.microsoft.com/office/drawing/2014/main" id="{59C408C2-F21E-4C19-8E48-FFB355E98CF4}"/>
+              </a:ext>
+            </a:extLst>
+          </p:cNvPr>
+          <p:cNvSpPr txBox="1"/>
+          <p:nvPr/>
+        </p:nvSpPr>
+        <p:spPr>
+          <a:xfrm>
+            <a:off x="979714" y="1491343"/>
+            <a:ext cx="4604657" cy="1477328"/>
+          </a:xfrm>
+          <a:prstGeom prst="rect">
+            <a:avLst/>
+          </a:prstGeom>
+          <a:noFill/>
+        </p:spPr>
+        <p:txBody>
+          <a:bodyPr wrap="square" rtlCol="0">
+            <a:spAutoFit/>
+          </a:bodyPr>
+          <a:lstStyle/>
+          <a:p>
+            <a:r>
+              <a:rPr lang="en-US" dirty="0"/>
+              <a:t>Many graphs can have edges that contain a certain weight to represent an arbitrary value such as cost, distance, quantity,  etc.</a:t>
+            </a:r>
+          </a:p>
+          <a:p>
+            <a:r>
+              <a:rPr lang="en-US" dirty="0"/>
+              <a:t>This suggests that all edges cannot be treated equally in certain cases.</a:t>
+            </a:r>
+          </a:p>
+        </p:txBody>
+      </p:sp>
+      <p:pic>
+        <p:nvPicPr>
+          <p:cNvPr id="24" name="Picture 23">
+            <a:extLst>
+              <a:ext uri="{FF2B5EF4-FFF2-40B4-BE49-F238E27FC236}">
+                <a16:creationId xmlns:a16="http://schemas.microsoft.com/office/drawing/2014/main" id="{7601F9BB-3928-4495-B86A-5B5A12CCEAB1}"/>
+              </a:ext>
+            </a:extLst>
+          </p:cNvPr>
+          <p:cNvPicPr>
+            <a:picLocks noChangeAspect="1"/>
+          </p:cNvPicPr>
+          <p:nvPr/>
+        </p:nvPicPr>
+        <p:blipFill>
+          <a:blip r:embed="rId2">
+            <a:extLst>
+              <a:ext uri="{28A0092B-C50C-407E-A947-70E740481C1C}">
+                <a14:useLocalDpi xmlns:a14="http://schemas.microsoft.com/office/drawing/2010/main" val="0"/>
+              </a:ext>
+            </a:extLst>
+          </a:blip>
+          <a:stretch>
+            <a:fillRect/>
+          </a:stretch>
+        </p:blipFill>
+        <p:spPr>
+          <a:xfrm>
+            <a:off x="6359978" y="1608363"/>
+            <a:ext cx="3752851" cy="3692979"/>
+          </a:xfrm>
+          <a:prstGeom prst="rect">
+            <a:avLst/>
+          </a:prstGeom>
+        </p:spPr>
+      </p:pic>
+      <p:sp>
+        <p:nvSpPr>
+          <p:cNvPr id="25" name="TextBox 24">
+            <a:extLst>
+              <a:ext uri="{FF2B5EF4-FFF2-40B4-BE49-F238E27FC236}">
+                <a16:creationId xmlns:a16="http://schemas.microsoft.com/office/drawing/2014/main" id="{76B2A961-23A7-46AF-9437-D9BEDD34FE3E}"/>
+              </a:ext>
+            </a:extLst>
+          </p:cNvPr>
+          <p:cNvSpPr txBox="1"/>
+          <p:nvPr/>
+        </p:nvSpPr>
+        <p:spPr>
+          <a:xfrm>
+            <a:off x="979714" y="3570514"/>
+            <a:ext cx="4147457" cy="2585323"/>
+          </a:xfrm>
+          <a:prstGeom prst="rect">
+            <a:avLst/>
+          </a:prstGeom>
+          <a:noFill/>
+        </p:spPr>
+        <p:txBody>
+          <a:bodyPr wrap="square" rtlCol="0">
+            <a:spAutoFit/>
+          </a:bodyPr>
+          <a:lstStyle/>
+          <a:p>
+            <a:r>
+              <a:rPr lang="en-US" dirty="0"/>
+              <a:t>USE IN GAME:</a:t>
+            </a:r>
+          </a:p>
+          <a:p>
+            <a:pPr marL="285750" indent="-285750">
+              <a:buFont typeface="Arial" panose="020B0604020202020204" pitchFamily="34" charset="0"/>
+              <a:buChar char="•"/>
             </a:pPr>
             <a:r>
               <a:rPr lang="en-US" dirty="0"/>
-              <a:t>Edge List</a:t>
-            </a:r>
-          </a:p>
-          <a:p>
-            <a:pPr marL="800100" lvl="1" indent="-342900">
-              <a:buAutoNum type="arabicPeriod"/>
+              <a:t>to represent the potential impact or strategic value of certain moves.</a:t>
+            </a:r>
+          </a:p>
+          <a:p>
+            <a:pPr marL="285750" indent="-285750">
+              <a:buFont typeface="Arial" panose="020B0604020202020204" pitchFamily="34" charset="0"/>
+              <a:buChar char="•"/>
             </a:pPr>
             <a:r>
               <a:rPr lang="en-US" dirty="0"/>
-              <a:t>Individual track of all edges</a:t>
-            </a:r>
-          </a:p>
-          <a:p>
-            <a:pPr marL="800100" lvl="1" indent="-342900">
-              <a:buAutoNum type="arabicPeriod"/>
+              <a:t>Weights could represent how close a sequence is to completion</a:t>
+            </a:r>
+          </a:p>
+          <a:p>
+            <a:pPr marL="285750" indent="-285750">
+              <a:buFont typeface="Arial" panose="020B0604020202020204" pitchFamily="34" charset="0"/>
+              <a:buChar char="•"/>
             </a:pPr>
             <a:r>
               <a:rPr lang="en-US" dirty="0"/>
-              <a:t>Need to check all edges</a:t>
-            </a:r>
-          </a:p>
-          <a:p>
-            <a:pPr marL="342900" indent="-342900">
-              <a:buAutoNum type="arabicPeriod"/>
-            </a:pPr>
-            <a:endParaRPr lang="en-US" dirty="0"/>
-          </a:p>
-          <a:p>
-            <a:pPr marL="342900" indent="-342900">
-              <a:buAutoNum type="arabicPeriod"/>
-            </a:pPr>
-            <a:r>
-              <a:rPr lang="en-US" dirty="0"/>
-              <a:t>Adjacency List</a:t>
-            </a:r>
-          </a:p>
-          <a:p>
-            <a:pPr marL="800100" lvl="1" indent="-342900">
-              <a:buAutoNum type="arabicPeriod"/>
-            </a:pPr>
-            <a:r>
-              <a:rPr lang="en-US" dirty="0"/>
-              <a:t>Track of all adjacent to a particular edge</a:t>
-            </a:r>
-          </a:p>
-          <a:p>
-            <a:pPr marL="800100" lvl="1" indent="-342900">
-              <a:buAutoNum type="arabicPeriod"/>
-            </a:pPr>
-            <a:r>
-              <a:rPr lang="en-US" dirty="0"/>
-              <a:t>Need to check relevant list of adjacent </a:t>
-            </a:r>
-          </a:p>
-          <a:p>
-            <a:pPr marL="342900" indent="-342900">
-              <a:buAutoNum type="arabicPeriod"/>
-            </a:pPr>
-            <a:endParaRPr lang="en-US" dirty="0"/>
-          </a:p>
-          <a:p>
-            <a:pPr marL="342900" indent="-342900">
-              <a:buAutoNum type="arabicPeriod"/>
-            </a:pPr>
-            <a:r>
-              <a:rPr lang="en-US" dirty="0"/>
-              <a:t>Adjacency Matrix</a:t>
-            </a:r>
-          </a:p>
-          <a:p>
-            <a:pPr marL="800100" lvl="1" indent="-342900">
-              <a:buAutoNum type="arabicPeriod"/>
-            </a:pPr>
-            <a:r>
-              <a:rPr lang="en-US" dirty="0"/>
-              <a:t>Table in form of rows and columns that keep track of all possible edges in terms of YES/NO</a:t>
-            </a:r>
-          </a:p>
-          <a:p>
-            <a:pPr marL="800100" lvl="1" indent="-342900">
-              <a:buAutoNum type="arabicPeriod"/>
-            </a:pPr>
-            <a:r>
-              <a:rPr lang="en-US" dirty="0"/>
-              <a:t>Only need to check one cell.</a:t>
-            </a:r>
-          </a:p>
-          <a:p>
-            <a:pPr marL="800100" lvl="1" indent="-342900">
-              <a:buAutoNum type="arabicPeriod"/>
-            </a:pPr>
-            <a:endParaRPr lang="en-US" dirty="0"/>
-          </a:p>
-          <a:p>
-            <a:pPr marL="342900" indent="-342900">
-              <a:buAutoNum type="arabicPeriod"/>
-            </a:pPr>
-            <a:endParaRPr lang="en-US" dirty="0"/>
+              <a:t>In more advanced AI implementations, weighted graphs can help find paths that maximize player's advantage while minimizing the opponent’s.</a:t>
+            </a:r>
           </a:p>
         </p:txBody>
       </p:sp>
     </p:spTree>
     <p:extLst>
       <p:ext uri="{BB962C8B-B14F-4D97-AF65-F5344CB8AC3E}">
-        <p14:creationId xmlns:p14="http://schemas.microsoft.com/office/powerpoint/2010/main" val="3072984554"/>
+        <p14:creationId xmlns:p14="http://schemas.microsoft.com/office/powerpoint/2010/main" val="949719021"/>
       </p:ext>
     </p:extLst>
   </p:cSld>
@@ -10712,7 +11216,7 @@
           <p:cNvPr id="2" name="TextBox 1">
             <a:extLst>
               <a:ext uri="{FF2B5EF4-FFF2-40B4-BE49-F238E27FC236}">
-                <a16:creationId xmlns:a16="http://schemas.microsoft.com/office/drawing/2014/main" id="{199B9149-BCE3-E8FF-B980-A671C271C1F7}"/>
+                <a16:creationId xmlns:a16="http://schemas.microsoft.com/office/drawing/2014/main" id="{A694A103-367C-4EBF-A279-F53737AF5323}"/>
               </a:ext>
             </a:extLst>
           </p:cNvPr>
@@ -10721,8 +11225,8 @@
         </p:nvSpPr>
         <p:spPr>
           <a:xfrm>
-            <a:off x="428625" y="628651"/>
-            <a:ext cx="5472112" cy="1089529"/>
+            <a:off x="538479" y="508000"/>
+            <a:ext cx="11000378" cy="707886"/>
           </a:xfrm>
           <a:prstGeom prst="rect">
             <a:avLst/>
@@ -10735,31 +11239,20 @@
           </a:bodyPr>
           <a:lstStyle/>
           <a:p>
-            <a:pPr>
-              <a:lnSpc>
-                <a:spcPct val="90000"/>
-              </a:lnSpc>
-              <a:spcBef>
-                <a:spcPct val="0"/>
-              </a:spcBef>
-            </a:pPr>
-            <a:r>
-              <a:rPr lang="en-US" sz="3600" b="1" dirty="0">
-                <a:latin typeface="Arial Black" panose="020B0A04020102020204" pitchFamily="34" charset="0"/>
-                <a:ea typeface="+mj-ea"/>
-                <a:cs typeface="+mj-cs"/>
-              </a:rPr>
-              <a:t>Things we need for our area of research:</a:t>
+            <a:pPr algn="ctr"/>
+            <a:r>
+              <a:rPr lang="en-US" sz="4000" b="1" dirty="0"/>
+              <a:t>Connected vs Disconnected Graphs</a:t>
             </a:r>
           </a:p>
         </p:txBody>
       </p:sp>
       <p:sp>
         <p:nvSpPr>
-          <p:cNvPr id="3" name="TextBox 2">
-            <a:extLst>
-              <a:ext uri="{FF2B5EF4-FFF2-40B4-BE49-F238E27FC236}">
-                <a16:creationId xmlns:a16="http://schemas.microsoft.com/office/drawing/2014/main" id="{2A3DBAD7-0349-C138-49F2-34BA414DC8BC}"/>
+          <p:cNvPr id="4" name="TextBox 3">
+            <a:extLst>
+              <a:ext uri="{FF2B5EF4-FFF2-40B4-BE49-F238E27FC236}">
+                <a16:creationId xmlns:a16="http://schemas.microsoft.com/office/drawing/2014/main" id="{8E41D626-2890-4F5E-986E-D62832054533}"/>
               </a:ext>
             </a:extLst>
           </p:cNvPr>
@@ -10768,8 +11261,8 @@
         </p:nvSpPr>
         <p:spPr>
           <a:xfrm>
-            <a:off x="657225" y="2557463"/>
-            <a:ext cx="6777433" cy="1754326"/>
+            <a:off x="6422571" y="1839686"/>
+            <a:ext cx="4789715" cy="1261884"/>
           </a:xfrm>
           <a:prstGeom prst="rect">
             <a:avLst/>
@@ -10777,159 +11270,150 @@
           <a:noFill/>
         </p:spPr>
         <p:txBody>
-          <a:bodyPr wrap="none" rtlCol="0">
+          <a:bodyPr wrap="square" rtlCol="0">
             <a:spAutoFit/>
           </a:bodyPr>
           <a:lstStyle/>
           <a:p>
-            <a:pPr marL="347472" indent="-347472" algn="l" rtl="0" eaLnBrk="1" latinLnBrk="0" hangingPunct="1">
-              <a:spcBef>
-                <a:spcPts val="0"/>
-              </a:spcBef>
-              <a:spcAft>
-                <a:spcPts val="0"/>
-              </a:spcAft>
-              <a:buClrTx/>
-              <a:buSzPts val="1800"/>
-              <a:buFont typeface="+mj-lt"/>
-              <a:buAutoNum type="arabicPeriod"/>
-            </a:pPr>
-            <a:r>
-              <a:rPr lang="en-US" sz="1800" kern="1200" dirty="0">
-                <a:solidFill>
-                  <a:srgbClr val="000000"/>
-                </a:solidFill>
-                <a:effectLst/>
-                <a:latin typeface="Calibri" panose="020F0502020204030204" pitchFamily="34" charset="0"/>
-                <a:ea typeface="+mn-ea"/>
-                <a:cs typeface="+mn-cs"/>
-              </a:rPr>
-              <a:t>How to traverse a graph</a:t>
-            </a:r>
+            <a:r>
+              <a:rPr lang="en-US" sz="2000" dirty="0"/>
+              <a:t>A graph is called connected when a path doesn’t exist between all of its vertices.</a:t>
+            </a:r>
+          </a:p>
+          <a:p>
             <a:endParaRPr lang="en-US" dirty="0"/>
           </a:p>
           <a:p>
-            <a:pPr marL="347472" indent="-347472" algn="l" rtl="0" eaLnBrk="1" latinLnBrk="0" hangingPunct="1">
-              <a:spcBef>
-                <a:spcPts val="0"/>
-              </a:spcBef>
-              <a:spcAft>
-                <a:spcPts val="0"/>
-              </a:spcAft>
-              <a:buClrTx/>
-              <a:buSzPts val="1800"/>
-              <a:buFont typeface="+mj-lt"/>
-              <a:buAutoNum type="arabicPeriod"/>
-            </a:pPr>
-            <a:r>
-              <a:rPr lang="en-US" sz="1800" kern="1200" dirty="0">
-                <a:solidFill>
-                  <a:srgbClr val="000000"/>
-                </a:solidFill>
-                <a:effectLst/>
-                <a:latin typeface="Calibri" panose="020F0502020204030204" pitchFamily="34" charset="0"/>
-                <a:ea typeface="+mn-ea"/>
-                <a:cs typeface="+mn-cs"/>
-              </a:rPr>
-              <a:t>Count neighbors of a vertex</a:t>
-            </a:r>
-            <a:endParaRPr lang="en-US" dirty="0"/>
-          </a:p>
-          <a:p>
-            <a:pPr marL="347472" indent="-347472" algn="l" rtl="0" eaLnBrk="1" latinLnBrk="0" hangingPunct="1">
-              <a:spcBef>
-                <a:spcPts val="0"/>
-              </a:spcBef>
-              <a:spcAft>
-                <a:spcPts val="0"/>
-              </a:spcAft>
-              <a:buClrTx/>
-              <a:buSzPts val="1800"/>
-              <a:buFont typeface="+mj-lt"/>
-              <a:buAutoNum type="arabicPeriod"/>
-            </a:pPr>
-            <a:r>
-              <a:rPr lang="en-US" sz="1800" kern="1200" dirty="0">
-                <a:solidFill>
-                  <a:srgbClr val="000000"/>
-                </a:solidFill>
-                <a:effectLst/>
-                <a:latin typeface="Calibri" panose="020F0502020204030204" pitchFamily="34" charset="0"/>
-                <a:ea typeface="+mn-ea"/>
-                <a:cs typeface="+mn-cs"/>
-              </a:rPr>
-              <a:t>Count degree of a vertex(number of edges meeting at that vertex) </a:t>
-            </a:r>
-            <a:endParaRPr lang="en-US" dirty="0"/>
-          </a:p>
-          <a:p>
-            <a:pPr marL="347472" indent="-347472" algn="l" rtl="0" eaLnBrk="1" latinLnBrk="0" hangingPunct="1">
-              <a:spcBef>
-                <a:spcPts val="0"/>
-              </a:spcBef>
-              <a:spcAft>
-                <a:spcPts val="0"/>
-              </a:spcAft>
-              <a:buClrTx/>
-              <a:buSzPts val="1800"/>
-              <a:buFont typeface="+mj-lt"/>
-              <a:buAutoNum type="arabicPeriod"/>
-            </a:pPr>
-            <a:r>
-              <a:rPr lang="en-US" sz="1800" kern="1200" dirty="0">
-                <a:solidFill>
-                  <a:srgbClr val="000000"/>
-                </a:solidFill>
-                <a:effectLst/>
-                <a:latin typeface="Calibri" panose="020F0502020204030204" pitchFamily="34" charset="0"/>
-                <a:ea typeface="+mn-ea"/>
-                <a:cs typeface="+mn-cs"/>
-              </a:rPr>
-              <a:t>Deleting and inserting edges</a:t>
-            </a:r>
-            <a:endParaRPr lang="en-US" dirty="0"/>
-          </a:p>
-          <a:p>
-            <a:pPr marL="347472" indent="-347472" algn="l" rtl="0" eaLnBrk="1" latinLnBrk="0" hangingPunct="1">
-              <a:spcBef>
-                <a:spcPts val="0"/>
-              </a:spcBef>
-              <a:spcAft>
-                <a:spcPts val="0"/>
-              </a:spcAft>
-              <a:buClrTx/>
-              <a:buSzPts val="1800"/>
-              <a:buFont typeface="+mj-lt"/>
-              <a:buAutoNum type="arabicPeriod"/>
-            </a:pPr>
-            <a:r>
-              <a:rPr lang="en-US" sz="1800" kern="1200" dirty="0">
-                <a:solidFill>
-                  <a:srgbClr val="000000"/>
-                </a:solidFill>
-                <a:effectLst/>
-                <a:latin typeface="Calibri" panose="020F0502020204030204" pitchFamily="34" charset="0"/>
-                <a:ea typeface="+mn-ea"/>
-                <a:cs typeface="+mn-cs"/>
-              </a:rPr>
-              <a:t>Path and cycle of vertices</a:t>
-            </a:r>
-            <a:endParaRPr lang="en-US" dirty="0">
-              <a:effectLst/>
-            </a:endParaRPr>
-          </a:p>
-          <a:p>
-            <a:pPr marL="342900" indent="-342900">
-              <a:buAutoNum type="arabicPeriod"/>
-            </a:pPr>
             <a:endParaRPr lang="en-US" dirty="0"/>
           </a:p>
         </p:txBody>
       </p:sp>
+      <p:pic>
+        <p:nvPicPr>
+          <p:cNvPr id="6" name="Picture 5">
+            <a:extLst>
+              <a:ext uri="{FF2B5EF4-FFF2-40B4-BE49-F238E27FC236}">
+                <a16:creationId xmlns:a16="http://schemas.microsoft.com/office/drawing/2014/main" id="{BB4F0E99-6A1D-4C17-B926-AF7D414F4769}"/>
+              </a:ext>
+            </a:extLst>
+          </p:cNvPr>
+          <p:cNvPicPr>
+            <a:picLocks noChangeAspect="1"/>
+          </p:cNvPicPr>
+          <p:nvPr/>
+        </p:nvPicPr>
+        <p:blipFill>
+          <a:blip r:embed="rId2">
+            <a:extLst>
+              <a:ext uri="{28A0092B-C50C-407E-A947-70E740481C1C}">
+                <a14:useLocalDpi xmlns:a14="http://schemas.microsoft.com/office/drawing/2010/main" val="0"/>
+              </a:ext>
+            </a:extLst>
+          </a:blip>
+          <a:stretch>
+            <a:fillRect/>
+          </a:stretch>
+        </p:blipFill>
+        <p:spPr>
+          <a:xfrm>
+            <a:off x="6817178" y="2721429"/>
+            <a:ext cx="3086100" cy="3219450"/>
+          </a:xfrm>
+          <a:prstGeom prst="rect">
+            <a:avLst/>
+          </a:prstGeom>
+        </p:spPr>
+      </p:pic>
+      <p:sp>
+        <p:nvSpPr>
+          <p:cNvPr id="7" name="TextBox 6">
+            <a:extLst>
+              <a:ext uri="{FF2B5EF4-FFF2-40B4-BE49-F238E27FC236}">
+                <a16:creationId xmlns:a16="http://schemas.microsoft.com/office/drawing/2014/main" id="{BD591925-B68E-4F15-A165-E73B5EC33074}"/>
+              </a:ext>
+            </a:extLst>
+          </p:cNvPr>
+          <p:cNvSpPr txBox="1"/>
+          <p:nvPr/>
+        </p:nvSpPr>
+        <p:spPr>
+          <a:xfrm>
+            <a:off x="538479" y="1783378"/>
+            <a:ext cx="5111207" cy="2031325"/>
+          </a:xfrm>
+          <a:prstGeom prst="rect">
+            <a:avLst/>
+          </a:prstGeom>
+          <a:noFill/>
+        </p:spPr>
+        <p:txBody>
+          <a:bodyPr wrap="square" rtlCol="0">
+            <a:spAutoFit/>
+          </a:bodyPr>
+          <a:lstStyle/>
+          <a:p>
+            <a:r>
+              <a:rPr lang="en-US" dirty="0"/>
+              <a:t>A graph is called connected when a path exist between all of its vertices.</a:t>
+            </a:r>
+          </a:p>
+          <a:p>
+            <a:endParaRPr lang="en-US" dirty="0"/>
+          </a:p>
+          <a:p>
+            <a:endParaRPr lang="en-US" dirty="0"/>
+          </a:p>
+          <a:p>
+            <a:endParaRPr lang="en-US" dirty="0"/>
+          </a:p>
+          <a:p>
+            <a:endParaRPr lang="en-US" dirty="0"/>
+          </a:p>
+          <a:p>
+            <a:endParaRPr lang="en-US" dirty="0"/>
+          </a:p>
+        </p:txBody>
+      </p:sp>
+      <p:pic>
+        <p:nvPicPr>
+          <p:cNvPr id="11" name="Picture 10">
+            <a:extLst>
+              <a:ext uri="{FF2B5EF4-FFF2-40B4-BE49-F238E27FC236}">
+                <a16:creationId xmlns:a16="http://schemas.microsoft.com/office/drawing/2014/main" id="{0532259E-1BD2-4B1E-AFFB-6294D0EFCE91}"/>
+              </a:ext>
+            </a:extLst>
+          </p:cNvPr>
+          <p:cNvPicPr>
+            <a:picLocks noChangeAspect="1"/>
+          </p:cNvPicPr>
+          <p:nvPr/>
+        </p:nvPicPr>
+        <p:blipFill>
+          <a:blip r:embed="rId3">
+            <a:extLst>
+              <a:ext uri="{28A0092B-C50C-407E-A947-70E740481C1C}">
+                <a14:useLocalDpi xmlns:a14="http://schemas.microsoft.com/office/drawing/2010/main" val="0"/>
+              </a:ext>
+            </a:extLst>
+          </a:blip>
+          <a:stretch>
+            <a:fillRect/>
+          </a:stretch>
+        </p:blipFill>
+        <p:spPr>
+          <a:xfrm>
+            <a:off x="979714" y="2854779"/>
+            <a:ext cx="3086100" cy="3086100"/>
+          </a:xfrm>
+          <a:prstGeom prst="rect">
+            <a:avLst/>
+          </a:prstGeom>
+        </p:spPr>
+      </p:pic>
     </p:spTree>
     <p:extLst>
       <p:ext uri="{BB962C8B-B14F-4D97-AF65-F5344CB8AC3E}">
-        <p14:creationId xmlns:p14="http://schemas.microsoft.com/office/powerpoint/2010/main" val="3045866047"/>
+        <p14:creationId xmlns:p14="http://schemas.microsoft.com/office/powerpoint/2010/main" val="4223169130"/>
       </p:ext>
     </p:extLst>
   </p:cSld>
@@ -10958,110 +11442,189 @@
       </p:grpSpPr>
       <p:sp>
         <p:nvSpPr>
-          <p:cNvPr id="2" name="Title 1">
-            <a:extLst>
-              <a:ext uri="{FF2B5EF4-FFF2-40B4-BE49-F238E27FC236}">
-                <a16:creationId xmlns:a16="http://schemas.microsoft.com/office/drawing/2014/main" id="{4F6E24A9-DAC8-3CD7-F6AF-35F942D93487}"/>
-              </a:ext>
-            </a:extLst>
-          </p:cNvPr>
-          <p:cNvSpPr>
-            <a:spLocks noGrp="1"/>
-          </p:cNvSpPr>
-          <p:nvPr>
-            <p:ph type="title"/>
-          </p:nvPr>
+          <p:cNvPr id="3" name="TextBox 2">
+            <a:extLst>
+              <a:ext uri="{FF2B5EF4-FFF2-40B4-BE49-F238E27FC236}">
+                <a16:creationId xmlns:a16="http://schemas.microsoft.com/office/drawing/2014/main" id="{6129BCCE-EAA2-06B8-2ABB-36E1965B0FED}"/>
+              </a:ext>
+            </a:extLst>
+          </p:cNvPr>
+          <p:cNvSpPr txBox="1"/>
+          <p:nvPr/>
         </p:nvSpPr>
         <p:spPr>
           <a:xfrm>
-            <a:off x="839788" y="987425"/>
-            <a:ext cx="3932237" cy="614361"/>
+            <a:off x="360759" y="472559"/>
+            <a:ext cx="6097191" cy="1089529"/>
           </a:xfrm>
+          <a:prstGeom prst="rect">
+            <a:avLst/>
+          </a:prstGeom>
+          <a:noFill/>
         </p:spPr>
         <p:txBody>
-          <a:bodyPr>
-            <a:noAutofit/>
+          <a:bodyPr wrap="square">
+            <a:spAutoFit/>
           </a:bodyPr>
           <a:lstStyle/>
           <a:p>
+            <a:pPr>
+              <a:lnSpc>
+                <a:spcPct val="90000"/>
+              </a:lnSpc>
+              <a:spcBef>
+                <a:spcPct val="0"/>
+              </a:spcBef>
+            </a:pPr>
             <a:r>
               <a:rPr lang="en-US" sz="3600" b="1" dirty="0">
                 <a:latin typeface="Arial Black" panose="020B0A04020102020204" pitchFamily="34" charset="0"/>
+                <a:ea typeface="+mj-ea"/>
+                <a:cs typeface="+mj-cs"/>
               </a:rPr>
-              <a:t>Graph in Board Games</a:t>
+              <a:t>GRAPH REPRESENTATION</a:t>
             </a:r>
           </a:p>
         </p:txBody>
       </p:sp>
       <p:sp>
         <p:nvSpPr>
-          <p:cNvPr id="3" name="Content Placeholder 2">
-            <a:extLst>
-              <a:ext uri="{FF2B5EF4-FFF2-40B4-BE49-F238E27FC236}">
-                <a16:creationId xmlns:a16="http://schemas.microsoft.com/office/drawing/2014/main" id="{A9173C1D-2F8B-2792-3149-B0AB3328C944}"/>
-              </a:ext>
-            </a:extLst>
-          </p:cNvPr>
-          <p:cNvSpPr>
-            <a:spLocks noGrp="1"/>
-          </p:cNvSpPr>
-          <p:nvPr>
-            <p:ph idx="1"/>
-          </p:nvPr>
+          <p:cNvPr id="2" name="TextBox 1">
+            <a:extLst>
+              <a:ext uri="{FF2B5EF4-FFF2-40B4-BE49-F238E27FC236}">
+                <a16:creationId xmlns:a16="http://schemas.microsoft.com/office/drawing/2014/main" id="{4073108B-FF80-2542-E514-618C5A826695}"/>
+              </a:ext>
+            </a:extLst>
+          </p:cNvPr>
+          <p:cNvSpPr txBox="1"/>
+          <p:nvPr/>
         </p:nvSpPr>
-        <p:spPr/>
+        <p:spPr>
+          <a:xfrm>
+            <a:off x="471487" y="2214563"/>
+            <a:ext cx="7158037" cy="3970318"/>
+          </a:xfrm>
+          <a:prstGeom prst="rect">
+            <a:avLst/>
+          </a:prstGeom>
+          <a:noFill/>
+        </p:spPr>
         <p:txBody>
-          <a:bodyPr/>
+          <a:bodyPr wrap="square" rtlCol="0">
+            <a:spAutoFit/>
+          </a:bodyPr>
           <a:lstStyle/>
           <a:p>
-            <a:endParaRPr lang="en-US"/>
-          </a:p>
-        </p:txBody>
-      </p:sp>
-      <p:sp>
-        <p:nvSpPr>
-          <p:cNvPr id="4" name="Text Placeholder 3">
-            <a:extLst>
-              <a:ext uri="{FF2B5EF4-FFF2-40B4-BE49-F238E27FC236}">
-                <a16:creationId xmlns:a16="http://schemas.microsoft.com/office/drawing/2014/main" id="{2575CAD2-AC30-D5F5-9D23-CF4A3F0D6D87}"/>
-              </a:ext>
-            </a:extLst>
-          </p:cNvPr>
-          <p:cNvSpPr>
-            <a:spLocks noGrp="1"/>
-          </p:cNvSpPr>
-          <p:nvPr>
-            <p:ph type="body" sz="half" idx="2"/>
-          </p:nvPr>
-        </p:nvSpPr>
-        <p:spPr/>
-        <p:txBody>
-          <a:bodyPr/>
-          <a:lstStyle/>
-          <a:p>
+            <a:pPr marL="342900" indent="-342900">
+              <a:buAutoNum type="arabicPeriod"/>
+            </a:pPr>
             <a:r>
               <a:rPr lang="en-US" dirty="0"/>
-              <a:t>Most board games are played two-dimensional grid. </a:t>
-            </a:r>
-          </a:p>
-          <a:p>
+              <a:t>Edge List</a:t>
+            </a:r>
+          </a:p>
+          <a:p>
+            <a:pPr marL="800100" lvl="1" indent="-342900">
+              <a:buAutoNum type="arabicPeriod"/>
+            </a:pPr>
             <a:r>
               <a:rPr lang="en-US" dirty="0"/>
-              <a:t>• Nodes represent the cells where game pieces are placed. </a:t>
-            </a:r>
-          </a:p>
-          <a:p>
+              <a:t>Individual track of all edges</a:t>
+            </a:r>
+          </a:p>
+          <a:p>
+            <a:pPr marL="800100" lvl="1" indent="-342900">
+              <a:buAutoNum type="arabicPeriod"/>
+            </a:pPr>
             <a:r>
               <a:rPr lang="en-US" dirty="0"/>
-              <a:t>• Winning conditions involve finding paths (edges) with consecutive stones.</a:t>
-            </a:r>
+              <a:t>Need to check all edges</a:t>
+            </a:r>
+          </a:p>
+          <a:p>
+            <a:pPr marL="342900" indent="-342900">
+              <a:buAutoNum type="arabicPeriod"/>
+            </a:pPr>
+            <a:endParaRPr lang="en-US" dirty="0"/>
+          </a:p>
+          <a:p>
+            <a:pPr marL="342900" indent="-342900">
+              <a:buAutoNum type="arabicPeriod"/>
+            </a:pPr>
+            <a:r>
+              <a:rPr lang="en-US" dirty="0"/>
+              <a:t>Adjacency List</a:t>
+            </a:r>
+          </a:p>
+          <a:p>
+            <a:pPr marL="800100" lvl="1" indent="-342900">
+              <a:buAutoNum type="arabicPeriod"/>
+            </a:pPr>
+            <a:r>
+              <a:rPr lang="en-US" dirty="0"/>
+              <a:t>Track of all adjacent to a particular edge</a:t>
+            </a:r>
+          </a:p>
+          <a:p>
+            <a:pPr marL="800100" lvl="1" indent="-342900">
+              <a:buAutoNum type="arabicPeriod"/>
+            </a:pPr>
+            <a:r>
+              <a:rPr lang="en-US" dirty="0"/>
+              <a:t>Need to check relevant list of adjacent </a:t>
+            </a:r>
+          </a:p>
+          <a:p>
+            <a:pPr marL="342900" indent="-342900">
+              <a:buAutoNum type="arabicPeriod"/>
+            </a:pPr>
+            <a:endParaRPr lang="en-US" dirty="0"/>
+          </a:p>
+          <a:p>
+            <a:pPr marL="342900" indent="-342900">
+              <a:buAutoNum type="arabicPeriod"/>
+            </a:pPr>
+            <a:r>
+              <a:rPr lang="en-US" dirty="0"/>
+              <a:t>Adjacency Matrix</a:t>
+            </a:r>
+          </a:p>
+          <a:p>
+            <a:pPr marL="800100" lvl="1" indent="-342900">
+              <a:buAutoNum type="arabicPeriod"/>
+            </a:pPr>
+            <a:r>
+              <a:rPr lang="en-US" dirty="0"/>
+              <a:t>Table in form of rows and columns that keep track of all possible edges in terms of YES/NO</a:t>
+            </a:r>
+          </a:p>
+          <a:p>
+            <a:pPr marL="800100" lvl="1" indent="-342900">
+              <a:buAutoNum type="arabicPeriod"/>
+            </a:pPr>
+            <a:r>
+              <a:rPr lang="en-US" dirty="0"/>
+              <a:t>Only need to check one cell.</a:t>
+            </a:r>
+          </a:p>
+          <a:p>
+            <a:pPr marL="800100" lvl="1" indent="-342900">
+              <a:buAutoNum type="arabicPeriod"/>
+            </a:pPr>
+            <a:endParaRPr lang="en-US" dirty="0"/>
+          </a:p>
+          <a:p>
+            <a:pPr marL="342900" indent="-342900">
+              <a:buAutoNum type="arabicPeriod"/>
+            </a:pPr>
+            <a:endParaRPr lang="en-US" dirty="0"/>
           </a:p>
         </p:txBody>
       </p:sp>
     </p:spTree>
     <p:extLst>
       <p:ext uri="{BB962C8B-B14F-4D97-AF65-F5344CB8AC3E}">
-        <p14:creationId xmlns:p14="http://schemas.microsoft.com/office/powerpoint/2010/main" val="41218718"/>
+        <p14:creationId xmlns:p14="http://schemas.microsoft.com/office/powerpoint/2010/main" val="3072984554"/>
       </p:ext>
     </p:extLst>
   </p:cSld>
@@ -11364,4 +11927,299 @@
     </a:ext>
   </a:extLst>
 </a:theme>
+</file>
+
+<file path=ppt/theme/theme2.xml><?xml version="1.0" encoding="utf-8"?>
+<a:theme xmlns:a="http://schemas.openxmlformats.org/drawingml/2006/main" name="Office Theme">
+  <a:themeElements>
+    <a:clrScheme name="Office">
+      <a:dk1>
+        <a:sysClr val="windowText" lastClr="000000"/>
+      </a:dk1>
+      <a:lt1>
+        <a:sysClr val="window" lastClr="FFFFFF"/>
+      </a:lt1>
+      <a:dk2>
+        <a:srgbClr val="44546A"/>
+      </a:dk2>
+      <a:lt2>
+        <a:srgbClr val="E7E6E6"/>
+      </a:lt2>
+      <a:accent1>
+        <a:srgbClr val="4472C4"/>
+      </a:accent1>
+      <a:accent2>
+        <a:srgbClr val="ED7D31"/>
+      </a:accent2>
+      <a:accent3>
+        <a:srgbClr val="A5A5A5"/>
+      </a:accent3>
+      <a:accent4>
+        <a:srgbClr val="FFC000"/>
+      </a:accent4>
+      <a:accent5>
+        <a:srgbClr val="5B9BD5"/>
+      </a:accent5>
+      <a:accent6>
+        <a:srgbClr val="70AD47"/>
+      </a:accent6>
+      <a:hlink>
+        <a:srgbClr val="0563C1"/>
+      </a:hlink>
+      <a:folHlink>
+        <a:srgbClr val="954F72"/>
+      </a:folHlink>
+    </a:clrScheme>
+    <a:fontScheme name="Office">
+      <a:majorFont>
+        <a:latin typeface="Calibri Light" panose="020F0302020204030204"/>
+        <a:ea typeface=""/>
+        <a:cs typeface=""/>
+        <a:font script="Jpan" typeface="游ゴシック Light"/>
+        <a:font script="Hang" typeface="맑은 고딕"/>
+        <a:font script="Hans" typeface="等线 Light"/>
+        <a:font script="Hant" typeface="新細明體"/>
+        <a:font script="Arab" typeface="Times New Roman"/>
+        <a:font script="Hebr" typeface="Times New Roman"/>
+        <a:font script="Thai" typeface="Angsana New"/>
+        <a:font script="Ethi" typeface="Nyala"/>
+        <a:font script="Beng" typeface="Vrinda"/>
+        <a:font script="Gujr" typeface="Shruti"/>
+        <a:font script="Khmr" typeface="MoolBoran"/>
+        <a:font script="Knda" typeface="Tunga"/>
+        <a:font script="Guru" typeface="Raavi"/>
+        <a:font script="Cans" typeface="Euphemia"/>
+        <a:font script="Cher" typeface="Plantagenet Cherokee"/>
+        <a:font script="Yiii" typeface="Microsoft Yi Baiti"/>
+        <a:font script="Tibt" typeface="Microsoft Himalaya"/>
+        <a:font script="Thaa" typeface="MV Boli"/>
+        <a:font script="Deva" typeface="Mangal"/>
+        <a:font script="Telu" typeface="Gautami"/>
+        <a:font script="Taml" typeface="Latha"/>
+        <a:font script="Syrc" typeface="Estrangelo Edessa"/>
+        <a:font script="Orya" typeface="Kalinga"/>
+        <a:font script="Mlym" typeface="Kartika"/>
+        <a:font script="Laoo" typeface="DokChampa"/>
+        <a:font script="Sinh" typeface="Iskoola Pota"/>
+        <a:font script="Mong" typeface="Mongolian Baiti"/>
+        <a:font script="Viet" typeface="Times New Roman"/>
+        <a:font script="Uigh" typeface="Microsoft Uighur"/>
+        <a:font script="Geor" typeface="Sylfaen"/>
+        <a:font script="Armn" typeface="Arial"/>
+        <a:font script="Bugi" typeface="Leelawadee UI"/>
+        <a:font script="Bopo" typeface="Microsoft JhengHei"/>
+        <a:font script="Java" typeface="Javanese Text"/>
+        <a:font script="Lisu" typeface="Segoe UI"/>
+        <a:font script="Mymr" typeface="Myanmar Text"/>
+        <a:font script="Nkoo" typeface="Ebrima"/>
+        <a:font script="Olck" typeface="Nirmala UI"/>
+        <a:font script="Osma" typeface="Ebrima"/>
+        <a:font script="Phag" typeface="Phagspa"/>
+        <a:font script="Syrn" typeface="Estrangelo Edessa"/>
+        <a:font script="Syrj" typeface="Estrangelo Edessa"/>
+        <a:font script="Syre" typeface="Estrangelo Edessa"/>
+        <a:font script="Sora" typeface="Nirmala UI"/>
+        <a:font script="Tale" typeface="Microsoft Tai Le"/>
+        <a:font script="Talu" typeface="Microsoft New Tai Lue"/>
+        <a:font script="Tfng" typeface="Ebrima"/>
+      </a:majorFont>
+      <a:minorFont>
+        <a:latin typeface="Calibri" panose="020F0502020204030204"/>
+        <a:ea typeface=""/>
+        <a:cs typeface=""/>
+        <a:font script="Jpan" typeface="游ゴシック"/>
+        <a:font script="Hang" typeface="맑은 고딕"/>
+        <a:font script="Hans" typeface="等线"/>
+        <a:font script="Hant" typeface="新細明體"/>
+        <a:font script="Arab" typeface="Arial"/>
+        <a:font script="Hebr" typeface="Arial"/>
+        <a:font script="Thai" typeface="Cordia New"/>
+        <a:font script="Ethi" typeface="Nyala"/>
+        <a:font script="Beng" typeface="Vrinda"/>
+        <a:font script="Gujr" typeface="Shruti"/>
+        <a:font script="Khmr" typeface="DaunPenh"/>
+        <a:font script="Knda" typeface="Tunga"/>
+        <a:font script="Guru" typeface="Raavi"/>
+        <a:font script="Cans" typeface="Euphemia"/>
+        <a:font script="Cher" typeface="Plantagenet Cherokee"/>
+        <a:font script="Yiii" typeface="Microsoft Yi Baiti"/>
+        <a:font script="Tibt" typeface="Microsoft Himalaya"/>
+        <a:font script="Thaa" typeface="MV Boli"/>
+        <a:font script="Deva" typeface="Mangal"/>
+        <a:font script="Telu" typeface="Gautami"/>
+        <a:font script="Taml" typeface="Latha"/>
+        <a:font script="Syrc" typeface="Estrangelo Edessa"/>
+        <a:font script="Orya" typeface="Kalinga"/>
+        <a:font script="Mlym" typeface="Kartika"/>
+        <a:font script="Laoo" typeface="DokChampa"/>
+        <a:font script="Sinh" typeface="Iskoola Pota"/>
+        <a:font script="Mong" typeface="Mongolian Baiti"/>
+        <a:font script="Viet" typeface="Arial"/>
+        <a:font script="Uigh" typeface="Microsoft Uighur"/>
+        <a:font script="Geor" typeface="Sylfaen"/>
+        <a:font script="Armn" typeface="Arial"/>
+        <a:font script="Bugi" typeface="Leelawadee UI"/>
+        <a:font script="Bopo" typeface="Microsoft JhengHei"/>
+        <a:font script="Java" typeface="Javanese Text"/>
+        <a:font script="Lisu" typeface="Segoe UI"/>
+        <a:font script="Mymr" typeface="Myanmar Text"/>
+        <a:font script="Nkoo" typeface="Ebrima"/>
+        <a:font script="Olck" typeface="Nirmala UI"/>
+        <a:font script="Osma" typeface="Ebrima"/>
+        <a:font script="Phag" typeface="Phagspa"/>
+        <a:font script="Syrn" typeface="Estrangelo Edessa"/>
+        <a:font script="Syrj" typeface="Estrangelo Edessa"/>
+        <a:font script="Syre" typeface="Estrangelo Edessa"/>
+        <a:font script="Sora" typeface="Nirmala UI"/>
+        <a:font script="Tale" typeface="Microsoft Tai Le"/>
+        <a:font script="Talu" typeface="Microsoft New Tai Lue"/>
+        <a:font script="Tfng" typeface="Ebrima"/>
+      </a:minorFont>
+    </a:fontScheme>
+    <a:fmtScheme name="Office">
+      <a:fillStyleLst>
+        <a:solidFill>
+          <a:schemeClr val="phClr"/>
+        </a:solidFill>
+        <a:gradFill rotWithShape="1">
+          <a:gsLst>
+            <a:gs pos="0">
+              <a:schemeClr val="phClr">
+                <a:lumMod val="110000"/>
+                <a:satMod val="105000"/>
+                <a:tint val="67000"/>
+              </a:schemeClr>
+            </a:gs>
+            <a:gs pos="50000">
+              <a:schemeClr val="phClr">
+                <a:lumMod val="105000"/>
+                <a:satMod val="103000"/>
+                <a:tint val="73000"/>
+              </a:schemeClr>
+            </a:gs>
+            <a:gs pos="100000">
+              <a:schemeClr val="phClr">
+                <a:lumMod val="105000"/>
+                <a:satMod val="109000"/>
+                <a:tint val="81000"/>
+              </a:schemeClr>
+            </a:gs>
+          </a:gsLst>
+          <a:lin ang="5400000" scaled="0"/>
+        </a:gradFill>
+        <a:gradFill rotWithShape="1">
+          <a:gsLst>
+            <a:gs pos="0">
+              <a:schemeClr val="phClr">
+                <a:satMod val="103000"/>
+                <a:lumMod val="102000"/>
+                <a:tint val="94000"/>
+              </a:schemeClr>
+            </a:gs>
+            <a:gs pos="50000">
+              <a:schemeClr val="phClr">
+                <a:satMod val="110000"/>
+                <a:lumMod val="100000"/>
+                <a:shade val="100000"/>
+              </a:schemeClr>
+            </a:gs>
+            <a:gs pos="100000">
+              <a:schemeClr val="phClr">
+                <a:lumMod val="99000"/>
+                <a:satMod val="120000"/>
+                <a:shade val="78000"/>
+              </a:schemeClr>
+            </a:gs>
+          </a:gsLst>
+          <a:lin ang="5400000" scaled="0"/>
+        </a:gradFill>
+      </a:fillStyleLst>
+      <a:lnStyleLst>
+        <a:ln w="6350" cap="flat" cmpd="sng" algn="ctr">
+          <a:solidFill>
+            <a:schemeClr val="phClr"/>
+          </a:solidFill>
+          <a:prstDash val="solid"/>
+          <a:miter lim="800000"/>
+        </a:ln>
+        <a:ln w="12700" cap="flat" cmpd="sng" algn="ctr">
+          <a:solidFill>
+            <a:schemeClr val="phClr"/>
+          </a:solidFill>
+          <a:prstDash val="solid"/>
+          <a:miter lim="800000"/>
+        </a:ln>
+        <a:ln w="19050" cap="flat" cmpd="sng" algn="ctr">
+          <a:solidFill>
+            <a:schemeClr val="phClr"/>
+          </a:solidFill>
+          <a:prstDash val="solid"/>
+          <a:miter lim="800000"/>
+        </a:ln>
+      </a:lnStyleLst>
+      <a:effectStyleLst>
+        <a:effectStyle>
+          <a:effectLst/>
+        </a:effectStyle>
+        <a:effectStyle>
+          <a:effectLst/>
+        </a:effectStyle>
+        <a:effectStyle>
+          <a:effectLst>
+            <a:outerShdw blurRad="57150" dist="19050" dir="5400000" algn="ctr" rotWithShape="0">
+              <a:srgbClr val="000000">
+                <a:alpha val="63000"/>
+              </a:srgbClr>
+            </a:outerShdw>
+          </a:effectLst>
+        </a:effectStyle>
+      </a:effectStyleLst>
+      <a:bgFillStyleLst>
+        <a:solidFill>
+          <a:schemeClr val="phClr"/>
+        </a:solidFill>
+        <a:solidFill>
+          <a:schemeClr val="phClr">
+            <a:tint val="95000"/>
+            <a:satMod val="170000"/>
+          </a:schemeClr>
+        </a:solidFill>
+        <a:gradFill rotWithShape="1">
+          <a:gsLst>
+            <a:gs pos="0">
+              <a:schemeClr val="phClr">
+                <a:tint val="93000"/>
+                <a:satMod val="150000"/>
+                <a:shade val="98000"/>
+                <a:lumMod val="102000"/>
+              </a:schemeClr>
+            </a:gs>
+            <a:gs pos="50000">
+              <a:schemeClr val="phClr">
+                <a:tint val="98000"/>
+                <a:satMod val="130000"/>
+                <a:shade val="90000"/>
+                <a:lumMod val="103000"/>
+              </a:schemeClr>
+            </a:gs>
+            <a:gs pos="100000">
+              <a:schemeClr val="phClr">
+                <a:shade val="63000"/>
+                <a:satMod val="120000"/>
+              </a:schemeClr>
+            </a:gs>
+          </a:gsLst>
+          <a:lin ang="5400000" scaled="0"/>
+        </a:gradFill>
+      </a:bgFillStyleLst>
+    </a:fmtScheme>
+  </a:themeElements>
+  <a:objectDefaults/>
+  <a:extraClrSchemeLst/>
+  <a:extLst>
+    <a:ext uri="{05A4C25C-085E-4340-85A3-A5531E510DB2}">
+      <thm15:themeFamily xmlns:thm15="http://schemas.microsoft.com/office/thememl/2012/main" name="Office Theme" id="{62F939B6-93AF-4DB8-9C6B-D6C7DFDC589F}" vid="{4A3C46E8-61CC-4603-A589-7422A47A8E4A}"/>
+    </a:ext>
+  </a:extLst>
+</a:theme>
 </file>
--- a/group5_graphtheory.pptx
+++ b/group5_graphtheory.pptx
@@ -5,7 +5,7 @@
     <p:sldMasterId id="2147483648" r:id="rId1"/>
   </p:sldMasterIdLst>
   <p:notesMasterIdLst>
-    <p:notesMasterId r:id="rId16"/>
+    <p:notesMasterId r:id="rId21"/>
   </p:notesMasterIdLst>
   <p:sldIdLst>
     <p:sldId id="257" r:id="rId2"/>
@@ -22,6 +22,11 @@
     <p:sldId id="258" r:id="rId13"/>
     <p:sldId id="267" r:id="rId14"/>
     <p:sldId id="270" r:id="rId15"/>
+    <p:sldId id="271" r:id="rId16"/>
+    <p:sldId id="272" r:id="rId17"/>
+    <p:sldId id="273" r:id="rId18"/>
+    <p:sldId id="274" r:id="rId19"/>
+    <p:sldId id="275" r:id="rId20"/>
   </p:sldIdLst>
   <p:sldSz cx="12192000" cy="6858000"/>
   <p:notesSz cx="6858000" cy="9144000"/>
@@ -122,7 +127,7 @@
   </p:defaultTextStyle>
   <p:extLst>
     <p:ext uri="{EFAFB233-063F-42B5-8137-9DF3F51BA10A}">
-      <p15:sldGuideLst xmlns:p15="http://schemas.microsoft.com/office/powerpoint/2012/main"/>
+      <p15:sldGuideLst xmlns:p15="http://schemas.microsoft.com/office/powerpoint/2012/main" xmlns=""/>
     </p:ext>
   </p:extLst>
 </p:presentation>
@@ -210,7 +215,7 @@
           <a:p>
             <a:fld id="{1ACB21A0-39B6-47AA-9E9C-8EBA43CBC444}" type="datetimeFigureOut">
               <a:rPr lang="en-US" smtClean="0"/>
-              <a:t>11/3/2024</a:t>
+              <a:t>11/9/2024</a:t>
             </a:fld>
             <a:endParaRPr lang="en-US"/>
           </a:p>
@@ -499,7 +504,7 @@
           <p:cNvPr id="2" name="Title 1">
             <a:extLst>
               <a:ext uri="{FF2B5EF4-FFF2-40B4-BE49-F238E27FC236}">
-                <a16:creationId xmlns:a16="http://schemas.microsoft.com/office/drawing/2014/main" id="{BBCE1907-BF49-D1B3-738F-3128D585CAE0}"/>
+                <a16:creationId xmlns:a16="http://schemas.microsoft.com/office/drawing/2014/main" xmlns="" id="{BBCE1907-BF49-D1B3-738F-3128D585CAE0}"/>
               </a:ext>
             </a:extLst>
           </p:cNvPr>
@@ -536,7 +541,7 @@
           <p:cNvPr id="3" name="Subtitle 2">
             <a:extLst>
               <a:ext uri="{FF2B5EF4-FFF2-40B4-BE49-F238E27FC236}">
-                <a16:creationId xmlns:a16="http://schemas.microsoft.com/office/drawing/2014/main" id="{19BC5ED9-2757-F5C3-CD09-15EB86E41325}"/>
+                <a16:creationId xmlns:a16="http://schemas.microsoft.com/office/drawing/2014/main" xmlns="" id="{19BC5ED9-2757-F5C3-CD09-15EB86E41325}"/>
               </a:ext>
             </a:extLst>
           </p:cNvPr>
@@ -606,7 +611,7 @@
           <p:cNvPr id="4" name="Date Placeholder 3">
             <a:extLst>
               <a:ext uri="{FF2B5EF4-FFF2-40B4-BE49-F238E27FC236}">
-                <a16:creationId xmlns:a16="http://schemas.microsoft.com/office/drawing/2014/main" id="{05358264-F8B0-A276-EFD2-30AB32E7D94D}"/>
+                <a16:creationId xmlns:a16="http://schemas.microsoft.com/office/drawing/2014/main" xmlns="" id="{05358264-F8B0-A276-EFD2-30AB32E7D94D}"/>
               </a:ext>
             </a:extLst>
           </p:cNvPr>
@@ -624,7 +629,7 @@
           <a:p>
             <a:fld id="{98235D44-F49E-4F77-A348-B0CDA85E7A83}" type="datetimeFigureOut">
               <a:rPr lang="en-US" smtClean="0"/>
-              <a:t>11/3/2024</a:t>
+              <a:t>11/9/2024</a:t>
             </a:fld>
             <a:endParaRPr lang="en-US"/>
           </a:p>
@@ -635,7 +640,7 @@
           <p:cNvPr id="5" name="Footer Placeholder 4">
             <a:extLst>
               <a:ext uri="{FF2B5EF4-FFF2-40B4-BE49-F238E27FC236}">
-                <a16:creationId xmlns:a16="http://schemas.microsoft.com/office/drawing/2014/main" id="{90EE5563-C195-4274-9EC3-F64606ED5028}"/>
+                <a16:creationId xmlns:a16="http://schemas.microsoft.com/office/drawing/2014/main" xmlns="" id="{90EE5563-C195-4274-9EC3-F64606ED5028}"/>
               </a:ext>
             </a:extLst>
           </p:cNvPr>
@@ -660,7 +665,7 @@
           <p:cNvPr id="6" name="Slide Number Placeholder 5">
             <a:extLst>
               <a:ext uri="{FF2B5EF4-FFF2-40B4-BE49-F238E27FC236}">
-                <a16:creationId xmlns:a16="http://schemas.microsoft.com/office/drawing/2014/main" id="{F4099638-DF8D-621F-D9A4-D6A107E6D17D}"/>
+                <a16:creationId xmlns:a16="http://schemas.microsoft.com/office/drawing/2014/main" xmlns="" id="{F4099638-DF8D-621F-D9A4-D6A107E6D17D}"/>
               </a:ext>
             </a:extLst>
           </p:cNvPr>
@@ -719,7 +724,7 @@
           <p:cNvPr id="2" name="Title 1">
             <a:extLst>
               <a:ext uri="{FF2B5EF4-FFF2-40B4-BE49-F238E27FC236}">
-                <a16:creationId xmlns:a16="http://schemas.microsoft.com/office/drawing/2014/main" id="{ADFC1F59-0CFE-78AB-46EC-BCE01ADA4D41}"/>
+                <a16:creationId xmlns:a16="http://schemas.microsoft.com/office/drawing/2014/main" xmlns="" id="{ADFC1F59-0CFE-78AB-46EC-BCE01ADA4D41}"/>
               </a:ext>
             </a:extLst>
           </p:cNvPr>
@@ -747,7 +752,7 @@
           <p:cNvPr id="3" name="Vertical Text Placeholder 2">
             <a:extLst>
               <a:ext uri="{FF2B5EF4-FFF2-40B4-BE49-F238E27FC236}">
-                <a16:creationId xmlns:a16="http://schemas.microsoft.com/office/drawing/2014/main" id="{E67E3BB0-EA82-7DF3-C844-C08581E515F5}"/>
+                <a16:creationId xmlns:a16="http://schemas.microsoft.com/office/drawing/2014/main" xmlns="" id="{E67E3BB0-EA82-7DF3-C844-C08581E515F5}"/>
               </a:ext>
             </a:extLst>
           </p:cNvPr>
@@ -804,7 +809,7 @@
           <p:cNvPr id="4" name="Date Placeholder 3">
             <a:extLst>
               <a:ext uri="{FF2B5EF4-FFF2-40B4-BE49-F238E27FC236}">
-                <a16:creationId xmlns:a16="http://schemas.microsoft.com/office/drawing/2014/main" id="{397E52DF-A3DD-73BC-352D-108DA5F729C0}"/>
+                <a16:creationId xmlns:a16="http://schemas.microsoft.com/office/drawing/2014/main" xmlns="" id="{397E52DF-A3DD-73BC-352D-108DA5F729C0}"/>
               </a:ext>
             </a:extLst>
           </p:cNvPr>
@@ -822,7 +827,7 @@
           <a:p>
             <a:fld id="{98235D44-F49E-4F77-A348-B0CDA85E7A83}" type="datetimeFigureOut">
               <a:rPr lang="en-US" smtClean="0"/>
-              <a:t>11/3/2024</a:t>
+              <a:t>11/9/2024</a:t>
             </a:fld>
             <a:endParaRPr lang="en-US"/>
           </a:p>
@@ -833,7 +838,7 @@
           <p:cNvPr id="5" name="Footer Placeholder 4">
             <a:extLst>
               <a:ext uri="{FF2B5EF4-FFF2-40B4-BE49-F238E27FC236}">
-                <a16:creationId xmlns:a16="http://schemas.microsoft.com/office/drawing/2014/main" id="{EADBC1C7-87F5-254B-E446-5AD25DA0392E}"/>
+                <a16:creationId xmlns:a16="http://schemas.microsoft.com/office/drawing/2014/main" xmlns="" id="{EADBC1C7-87F5-254B-E446-5AD25DA0392E}"/>
               </a:ext>
             </a:extLst>
           </p:cNvPr>
@@ -858,7 +863,7 @@
           <p:cNvPr id="6" name="Slide Number Placeholder 5">
             <a:extLst>
               <a:ext uri="{FF2B5EF4-FFF2-40B4-BE49-F238E27FC236}">
-                <a16:creationId xmlns:a16="http://schemas.microsoft.com/office/drawing/2014/main" id="{C152FEE2-1BD3-A4D0-0D35-E7305E78860E}"/>
+                <a16:creationId xmlns:a16="http://schemas.microsoft.com/office/drawing/2014/main" xmlns="" id="{C152FEE2-1BD3-A4D0-0D35-E7305E78860E}"/>
               </a:ext>
             </a:extLst>
           </p:cNvPr>
@@ -917,7 +922,7 @@
           <p:cNvPr id="2" name="Vertical Title 1">
             <a:extLst>
               <a:ext uri="{FF2B5EF4-FFF2-40B4-BE49-F238E27FC236}">
-                <a16:creationId xmlns:a16="http://schemas.microsoft.com/office/drawing/2014/main" id="{481586F5-F921-B763-3950-D7872EE73133}"/>
+                <a16:creationId xmlns:a16="http://schemas.microsoft.com/office/drawing/2014/main" xmlns="" id="{481586F5-F921-B763-3950-D7872EE73133}"/>
               </a:ext>
             </a:extLst>
           </p:cNvPr>
@@ -950,7 +955,7 @@
           <p:cNvPr id="3" name="Vertical Text Placeholder 2">
             <a:extLst>
               <a:ext uri="{FF2B5EF4-FFF2-40B4-BE49-F238E27FC236}">
-                <a16:creationId xmlns:a16="http://schemas.microsoft.com/office/drawing/2014/main" id="{3EEE1185-E9A2-AC83-C12D-85B8AAFE2D09}"/>
+                <a16:creationId xmlns:a16="http://schemas.microsoft.com/office/drawing/2014/main" xmlns="" id="{3EEE1185-E9A2-AC83-C12D-85B8AAFE2D09}"/>
               </a:ext>
             </a:extLst>
           </p:cNvPr>
@@ -1012,7 +1017,7 @@
           <p:cNvPr id="4" name="Date Placeholder 3">
             <a:extLst>
               <a:ext uri="{FF2B5EF4-FFF2-40B4-BE49-F238E27FC236}">
-                <a16:creationId xmlns:a16="http://schemas.microsoft.com/office/drawing/2014/main" id="{19B0B450-44E0-65BA-46AD-192A2EAF8A93}"/>
+                <a16:creationId xmlns:a16="http://schemas.microsoft.com/office/drawing/2014/main" xmlns="" id="{19B0B450-44E0-65BA-46AD-192A2EAF8A93}"/>
               </a:ext>
             </a:extLst>
           </p:cNvPr>
@@ -1030,7 +1035,7 @@
           <a:p>
             <a:fld id="{98235D44-F49E-4F77-A348-B0CDA85E7A83}" type="datetimeFigureOut">
               <a:rPr lang="en-US" smtClean="0"/>
-              <a:t>11/3/2024</a:t>
+              <a:t>11/9/2024</a:t>
             </a:fld>
             <a:endParaRPr lang="en-US"/>
           </a:p>
@@ -1041,7 +1046,7 @@
           <p:cNvPr id="5" name="Footer Placeholder 4">
             <a:extLst>
               <a:ext uri="{FF2B5EF4-FFF2-40B4-BE49-F238E27FC236}">
-                <a16:creationId xmlns:a16="http://schemas.microsoft.com/office/drawing/2014/main" id="{CA3D37D5-2E14-DE41-F72B-817ED02D2C96}"/>
+                <a16:creationId xmlns:a16="http://schemas.microsoft.com/office/drawing/2014/main" xmlns="" id="{CA3D37D5-2E14-DE41-F72B-817ED02D2C96}"/>
               </a:ext>
             </a:extLst>
           </p:cNvPr>
@@ -1066,7 +1071,7 @@
           <p:cNvPr id="6" name="Slide Number Placeholder 5">
             <a:extLst>
               <a:ext uri="{FF2B5EF4-FFF2-40B4-BE49-F238E27FC236}">
-                <a16:creationId xmlns:a16="http://schemas.microsoft.com/office/drawing/2014/main" id="{E37FEEDB-FAA5-ACE2-C695-76BB6061883B}"/>
+                <a16:creationId xmlns:a16="http://schemas.microsoft.com/office/drawing/2014/main" xmlns="" id="{E37FEEDB-FAA5-ACE2-C695-76BB6061883B}"/>
               </a:ext>
             </a:extLst>
           </p:cNvPr>
@@ -1125,7 +1130,7 @@
           <p:cNvPr id="2" name="Title 1">
             <a:extLst>
               <a:ext uri="{FF2B5EF4-FFF2-40B4-BE49-F238E27FC236}">
-                <a16:creationId xmlns:a16="http://schemas.microsoft.com/office/drawing/2014/main" id="{84E22EA6-F011-81D0-C0ED-156511373D36}"/>
+                <a16:creationId xmlns:a16="http://schemas.microsoft.com/office/drawing/2014/main" xmlns="" id="{84E22EA6-F011-81D0-C0ED-156511373D36}"/>
               </a:ext>
             </a:extLst>
           </p:cNvPr>
@@ -1153,7 +1158,7 @@
           <p:cNvPr id="3" name="Content Placeholder 2">
             <a:extLst>
               <a:ext uri="{FF2B5EF4-FFF2-40B4-BE49-F238E27FC236}">
-                <a16:creationId xmlns:a16="http://schemas.microsoft.com/office/drawing/2014/main" id="{F131A518-20A3-5D2F-0E56-CE8C14DF8C9C}"/>
+                <a16:creationId xmlns:a16="http://schemas.microsoft.com/office/drawing/2014/main" xmlns="" id="{F131A518-20A3-5D2F-0E56-CE8C14DF8C9C}"/>
               </a:ext>
             </a:extLst>
           </p:cNvPr>
@@ -1210,7 +1215,7 @@
           <p:cNvPr id="4" name="Date Placeholder 3">
             <a:extLst>
               <a:ext uri="{FF2B5EF4-FFF2-40B4-BE49-F238E27FC236}">
-                <a16:creationId xmlns:a16="http://schemas.microsoft.com/office/drawing/2014/main" id="{C39E8D88-7C40-D6EA-C801-7004B82E559F}"/>
+                <a16:creationId xmlns:a16="http://schemas.microsoft.com/office/drawing/2014/main" xmlns="" id="{C39E8D88-7C40-D6EA-C801-7004B82E559F}"/>
               </a:ext>
             </a:extLst>
           </p:cNvPr>
@@ -1228,7 +1233,7 @@
           <a:p>
             <a:fld id="{98235D44-F49E-4F77-A348-B0CDA85E7A83}" type="datetimeFigureOut">
               <a:rPr lang="en-US" smtClean="0"/>
-              <a:t>11/3/2024</a:t>
+              <a:t>11/9/2024</a:t>
             </a:fld>
             <a:endParaRPr lang="en-US"/>
           </a:p>
@@ -1239,7 +1244,7 @@
           <p:cNvPr id="5" name="Footer Placeholder 4">
             <a:extLst>
               <a:ext uri="{FF2B5EF4-FFF2-40B4-BE49-F238E27FC236}">
-                <a16:creationId xmlns:a16="http://schemas.microsoft.com/office/drawing/2014/main" id="{2F8260DA-273E-9730-5618-99CA28D71F74}"/>
+                <a16:creationId xmlns:a16="http://schemas.microsoft.com/office/drawing/2014/main" xmlns="" id="{2F8260DA-273E-9730-5618-99CA28D71F74}"/>
               </a:ext>
             </a:extLst>
           </p:cNvPr>
@@ -1264,7 +1269,7 @@
           <p:cNvPr id="6" name="Slide Number Placeholder 5">
             <a:extLst>
               <a:ext uri="{FF2B5EF4-FFF2-40B4-BE49-F238E27FC236}">
-                <a16:creationId xmlns:a16="http://schemas.microsoft.com/office/drawing/2014/main" id="{50132774-5B01-379E-B018-4A9C359F9C93}"/>
+                <a16:creationId xmlns:a16="http://schemas.microsoft.com/office/drawing/2014/main" xmlns="" id="{50132774-5B01-379E-B018-4A9C359F9C93}"/>
               </a:ext>
             </a:extLst>
           </p:cNvPr>
@@ -1323,7 +1328,7 @@
           <p:cNvPr id="2" name="Title 1">
             <a:extLst>
               <a:ext uri="{FF2B5EF4-FFF2-40B4-BE49-F238E27FC236}">
-                <a16:creationId xmlns:a16="http://schemas.microsoft.com/office/drawing/2014/main" id="{00FB3524-C4D6-30E3-4D4B-0443D14E204B}"/>
+                <a16:creationId xmlns:a16="http://schemas.microsoft.com/office/drawing/2014/main" xmlns="" id="{00FB3524-C4D6-30E3-4D4B-0443D14E204B}"/>
               </a:ext>
             </a:extLst>
           </p:cNvPr>
@@ -1360,7 +1365,7 @@
           <p:cNvPr id="3" name="Text Placeholder 2">
             <a:extLst>
               <a:ext uri="{FF2B5EF4-FFF2-40B4-BE49-F238E27FC236}">
-                <a16:creationId xmlns:a16="http://schemas.microsoft.com/office/drawing/2014/main" id="{A5D1FA1C-A238-5208-BE02-3F4A97CA23FC}"/>
+                <a16:creationId xmlns:a16="http://schemas.microsoft.com/office/drawing/2014/main" xmlns="" id="{A5D1FA1C-A238-5208-BE02-3F4A97CA23FC}"/>
               </a:ext>
             </a:extLst>
           </p:cNvPr>
@@ -1485,7 +1490,7 @@
           <p:cNvPr id="4" name="Date Placeholder 3">
             <a:extLst>
               <a:ext uri="{FF2B5EF4-FFF2-40B4-BE49-F238E27FC236}">
-                <a16:creationId xmlns:a16="http://schemas.microsoft.com/office/drawing/2014/main" id="{800247F4-BC63-27C9-5D19-3C0C02ED9345}"/>
+                <a16:creationId xmlns:a16="http://schemas.microsoft.com/office/drawing/2014/main" xmlns="" id="{800247F4-BC63-27C9-5D19-3C0C02ED9345}"/>
               </a:ext>
             </a:extLst>
           </p:cNvPr>
@@ -1503,7 +1508,7 @@
           <a:p>
             <a:fld id="{98235D44-F49E-4F77-A348-B0CDA85E7A83}" type="datetimeFigureOut">
               <a:rPr lang="en-US" smtClean="0"/>
-              <a:t>11/3/2024</a:t>
+              <a:t>11/9/2024</a:t>
             </a:fld>
             <a:endParaRPr lang="en-US"/>
           </a:p>
@@ -1514,7 +1519,7 @@
           <p:cNvPr id="5" name="Footer Placeholder 4">
             <a:extLst>
               <a:ext uri="{FF2B5EF4-FFF2-40B4-BE49-F238E27FC236}">
-                <a16:creationId xmlns:a16="http://schemas.microsoft.com/office/drawing/2014/main" id="{BC194FA8-D691-0D9E-9120-77618A79867F}"/>
+                <a16:creationId xmlns:a16="http://schemas.microsoft.com/office/drawing/2014/main" xmlns="" id="{BC194FA8-D691-0D9E-9120-77618A79867F}"/>
               </a:ext>
             </a:extLst>
           </p:cNvPr>
@@ -1539,7 +1544,7 @@
           <p:cNvPr id="6" name="Slide Number Placeholder 5">
             <a:extLst>
               <a:ext uri="{FF2B5EF4-FFF2-40B4-BE49-F238E27FC236}">
-                <a16:creationId xmlns:a16="http://schemas.microsoft.com/office/drawing/2014/main" id="{072E3DB1-DA2C-41DA-6AD2-74A29F7CD026}"/>
+                <a16:creationId xmlns:a16="http://schemas.microsoft.com/office/drawing/2014/main" xmlns="" id="{072E3DB1-DA2C-41DA-6AD2-74A29F7CD026}"/>
               </a:ext>
             </a:extLst>
           </p:cNvPr>
@@ -1598,7 +1603,7 @@
           <p:cNvPr id="2" name="Title 1">
             <a:extLst>
               <a:ext uri="{FF2B5EF4-FFF2-40B4-BE49-F238E27FC236}">
-                <a16:creationId xmlns:a16="http://schemas.microsoft.com/office/drawing/2014/main" id="{D68B1386-0E2D-5C90-1B89-3B5418CF7ED3}"/>
+                <a16:creationId xmlns:a16="http://schemas.microsoft.com/office/drawing/2014/main" xmlns="" id="{D68B1386-0E2D-5C90-1B89-3B5418CF7ED3}"/>
               </a:ext>
             </a:extLst>
           </p:cNvPr>
@@ -1626,7 +1631,7 @@
           <p:cNvPr id="3" name="Content Placeholder 2">
             <a:extLst>
               <a:ext uri="{FF2B5EF4-FFF2-40B4-BE49-F238E27FC236}">
-                <a16:creationId xmlns:a16="http://schemas.microsoft.com/office/drawing/2014/main" id="{BE2FA58E-2FC7-158F-57C9-FA55B827EE2C}"/>
+                <a16:creationId xmlns:a16="http://schemas.microsoft.com/office/drawing/2014/main" xmlns="" id="{BE2FA58E-2FC7-158F-57C9-FA55B827EE2C}"/>
               </a:ext>
             </a:extLst>
           </p:cNvPr>
@@ -1688,7 +1693,7 @@
           <p:cNvPr id="4" name="Content Placeholder 3">
             <a:extLst>
               <a:ext uri="{FF2B5EF4-FFF2-40B4-BE49-F238E27FC236}">
-                <a16:creationId xmlns:a16="http://schemas.microsoft.com/office/drawing/2014/main" id="{5E19EEDA-1B50-C4A1-AA84-BDCE2951D7AC}"/>
+                <a16:creationId xmlns:a16="http://schemas.microsoft.com/office/drawing/2014/main" xmlns="" id="{5E19EEDA-1B50-C4A1-AA84-BDCE2951D7AC}"/>
               </a:ext>
             </a:extLst>
           </p:cNvPr>
@@ -1750,7 +1755,7 @@
           <p:cNvPr id="5" name="Date Placeholder 4">
             <a:extLst>
               <a:ext uri="{FF2B5EF4-FFF2-40B4-BE49-F238E27FC236}">
-                <a16:creationId xmlns:a16="http://schemas.microsoft.com/office/drawing/2014/main" id="{3F78F499-4FC9-1D3E-1E41-F30EE944124A}"/>
+                <a16:creationId xmlns:a16="http://schemas.microsoft.com/office/drawing/2014/main" xmlns="" id="{3F78F499-4FC9-1D3E-1E41-F30EE944124A}"/>
               </a:ext>
             </a:extLst>
           </p:cNvPr>
@@ -1768,7 +1773,7 @@
           <a:p>
             <a:fld id="{98235D44-F49E-4F77-A348-B0CDA85E7A83}" type="datetimeFigureOut">
               <a:rPr lang="en-US" smtClean="0"/>
-              <a:t>11/3/2024</a:t>
+              <a:t>11/9/2024</a:t>
             </a:fld>
             <a:endParaRPr lang="en-US"/>
           </a:p>
@@ -1779,7 +1784,7 @@
           <p:cNvPr id="6" name="Footer Placeholder 5">
             <a:extLst>
               <a:ext uri="{FF2B5EF4-FFF2-40B4-BE49-F238E27FC236}">
-                <a16:creationId xmlns:a16="http://schemas.microsoft.com/office/drawing/2014/main" id="{46B62AD9-1B9C-DABA-B54D-C1E21197DAB2}"/>
+                <a16:creationId xmlns:a16="http://schemas.microsoft.com/office/drawing/2014/main" xmlns="" id="{46B62AD9-1B9C-DABA-B54D-C1E21197DAB2}"/>
               </a:ext>
             </a:extLst>
           </p:cNvPr>
@@ -1804,7 +1809,7 @@
           <p:cNvPr id="7" name="Slide Number Placeholder 6">
             <a:extLst>
               <a:ext uri="{FF2B5EF4-FFF2-40B4-BE49-F238E27FC236}">
-                <a16:creationId xmlns:a16="http://schemas.microsoft.com/office/drawing/2014/main" id="{F844C1F3-1ACA-6BE7-97C3-B4EA973CF4CE}"/>
+                <a16:creationId xmlns:a16="http://schemas.microsoft.com/office/drawing/2014/main" xmlns="" id="{F844C1F3-1ACA-6BE7-97C3-B4EA973CF4CE}"/>
               </a:ext>
             </a:extLst>
           </p:cNvPr>
@@ -1863,7 +1868,7 @@
           <p:cNvPr id="2" name="Title 1">
             <a:extLst>
               <a:ext uri="{FF2B5EF4-FFF2-40B4-BE49-F238E27FC236}">
-                <a16:creationId xmlns:a16="http://schemas.microsoft.com/office/drawing/2014/main" id="{09A128E3-5716-3024-9D46-E59D7B932FF6}"/>
+                <a16:creationId xmlns:a16="http://schemas.microsoft.com/office/drawing/2014/main" xmlns="" id="{09A128E3-5716-3024-9D46-E59D7B932FF6}"/>
               </a:ext>
             </a:extLst>
           </p:cNvPr>
@@ -1896,7 +1901,7 @@
           <p:cNvPr id="3" name="Text Placeholder 2">
             <a:extLst>
               <a:ext uri="{FF2B5EF4-FFF2-40B4-BE49-F238E27FC236}">
-                <a16:creationId xmlns:a16="http://schemas.microsoft.com/office/drawing/2014/main" id="{903AEA5E-7524-8500-1847-1F745A90F0BE}"/>
+                <a16:creationId xmlns:a16="http://schemas.microsoft.com/office/drawing/2014/main" xmlns="" id="{903AEA5E-7524-8500-1847-1F745A90F0BE}"/>
               </a:ext>
             </a:extLst>
           </p:cNvPr>
@@ -1967,7 +1972,7 @@
           <p:cNvPr id="4" name="Content Placeholder 3">
             <a:extLst>
               <a:ext uri="{FF2B5EF4-FFF2-40B4-BE49-F238E27FC236}">
-                <a16:creationId xmlns:a16="http://schemas.microsoft.com/office/drawing/2014/main" id="{26385443-3F52-B4D9-DC5E-FBD9AFCC8004}"/>
+                <a16:creationId xmlns:a16="http://schemas.microsoft.com/office/drawing/2014/main" xmlns="" id="{26385443-3F52-B4D9-DC5E-FBD9AFCC8004}"/>
               </a:ext>
             </a:extLst>
           </p:cNvPr>
@@ -2029,7 +2034,7 @@
           <p:cNvPr id="5" name="Text Placeholder 4">
             <a:extLst>
               <a:ext uri="{FF2B5EF4-FFF2-40B4-BE49-F238E27FC236}">
-                <a16:creationId xmlns:a16="http://schemas.microsoft.com/office/drawing/2014/main" id="{35F61570-4F38-4CDB-A24E-DD8FAFC8576C}"/>
+                <a16:creationId xmlns:a16="http://schemas.microsoft.com/office/drawing/2014/main" xmlns="" id="{35F61570-4F38-4CDB-A24E-DD8FAFC8576C}"/>
               </a:ext>
             </a:extLst>
           </p:cNvPr>
@@ -2100,7 +2105,7 @@
           <p:cNvPr id="6" name="Content Placeholder 5">
             <a:extLst>
               <a:ext uri="{FF2B5EF4-FFF2-40B4-BE49-F238E27FC236}">
-                <a16:creationId xmlns:a16="http://schemas.microsoft.com/office/drawing/2014/main" id="{A684AE46-B417-9498-ACA0-B5C29C74F994}"/>
+                <a16:creationId xmlns:a16="http://schemas.microsoft.com/office/drawing/2014/main" xmlns="" id="{A684AE46-B417-9498-ACA0-B5C29C74F994}"/>
               </a:ext>
             </a:extLst>
           </p:cNvPr>
@@ -2162,7 +2167,7 @@
           <p:cNvPr id="7" name="Date Placeholder 6">
             <a:extLst>
               <a:ext uri="{FF2B5EF4-FFF2-40B4-BE49-F238E27FC236}">
-                <a16:creationId xmlns:a16="http://schemas.microsoft.com/office/drawing/2014/main" id="{0A6D5722-A5AB-C98A-3760-C4A46DB3E4F2}"/>
+                <a16:creationId xmlns:a16="http://schemas.microsoft.com/office/drawing/2014/main" xmlns="" id="{0A6D5722-A5AB-C98A-3760-C4A46DB3E4F2}"/>
               </a:ext>
             </a:extLst>
           </p:cNvPr>
@@ -2180,7 +2185,7 @@
           <a:p>
             <a:fld id="{98235D44-F49E-4F77-A348-B0CDA85E7A83}" type="datetimeFigureOut">
               <a:rPr lang="en-US" smtClean="0"/>
-              <a:t>11/3/2024</a:t>
+              <a:t>11/9/2024</a:t>
             </a:fld>
             <a:endParaRPr lang="en-US"/>
           </a:p>
@@ -2191,7 +2196,7 @@
           <p:cNvPr id="8" name="Footer Placeholder 7">
             <a:extLst>
               <a:ext uri="{FF2B5EF4-FFF2-40B4-BE49-F238E27FC236}">
-                <a16:creationId xmlns:a16="http://schemas.microsoft.com/office/drawing/2014/main" id="{8ADE145D-2965-4477-6BE6-F32EB844DBAB}"/>
+                <a16:creationId xmlns:a16="http://schemas.microsoft.com/office/drawing/2014/main" xmlns="" id="{8ADE145D-2965-4477-6BE6-F32EB844DBAB}"/>
               </a:ext>
             </a:extLst>
           </p:cNvPr>
@@ -2216,7 +2221,7 @@
           <p:cNvPr id="9" name="Slide Number Placeholder 8">
             <a:extLst>
               <a:ext uri="{FF2B5EF4-FFF2-40B4-BE49-F238E27FC236}">
-                <a16:creationId xmlns:a16="http://schemas.microsoft.com/office/drawing/2014/main" id="{B710E74F-2313-3984-02CF-47253D50D1DB}"/>
+                <a16:creationId xmlns:a16="http://schemas.microsoft.com/office/drawing/2014/main" xmlns="" id="{B710E74F-2313-3984-02CF-47253D50D1DB}"/>
               </a:ext>
             </a:extLst>
           </p:cNvPr>
@@ -2275,7 +2280,7 @@
           <p:cNvPr id="2" name="Title 1">
             <a:extLst>
               <a:ext uri="{FF2B5EF4-FFF2-40B4-BE49-F238E27FC236}">
-                <a16:creationId xmlns:a16="http://schemas.microsoft.com/office/drawing/2014/main" id="{D04FF4D3-F102-6994-FA69-5C26730E7C18}"/>
+                <a16:creationId xmlns:a16="http://schemas.microsoft.com/office/drawing/2014/main" xmlns="" id="{D04FF4D3-F102-6994-FA69-5C26730E7C18}"/>
               </a:ext>
             </a:extLst>
           </p:cNvPr>
@@ -2303,7 +2308,7 @@
           <p:cNvPr id="3" name="Date Placeholder 2">
             <a:extLst>
               <a:ext uri="{FF2B5EF4-FFF2-40B4-BE49-F238E27FC236}">
-                <a16:creationId xmlns:a16="http://schemas.microsoft.com/office/drawing/2014/main" id="{FDD70FFA-1560-4913-A4E9-9FECE4917152}"/>
+                <a16:creationId xmlns:a16="http://schemas.microsoft.com/office/drawing/2014/main" xmlns="" id="{FDD70FFA-1560-4913-A4E9-9FECE4917152}"/>
               </a:ext>
             </a:extLst>
           </p:cNvPr>
@@ -2321,7 +2326,7 @@
           <a:p>
             <a:fld id="{98235D44-F49E-4F77-A348-B0CDA85E7A83}" type="datetimeFigureOut">
               <a:rPr lang="en-US" smtClean="0"/>
-              <a:t>11/3/2024</a:t>
+              <a:t>11/9/2024</a:t>
             </a:fld>
             <a:endParaRPr lang="en-US"/>
           </a:p>
@@ -2332,7 +2337,7 @@
           <p:cNvPr id="4" name="Footer Placeholder 3">
             <a:extLst>
               <a:ext uri="{FF2B5EF4-FFF2-40B4-BE49-F238E27FC236}">
-                <a16:creationId xmlns:a16="http://schemas.microsoft.com/office/drawing/2014/main" id="{5CED9349-2BF4-715A-1D0D-66B2F7755624}"/>
+                <a16:creationId xmlns:a16="http://schemas.microsoft.com/office/drawing/2014/main" xmlns="" id="{5CED9349-2BF4-715A-1D0D-66B2F7755624}"/>
               </a:ext>
             </a:extLst>
           </p:cNvPr>
@@ -2357,7 +2362,7 @@
           <p:cNvPr id="5" name="Slide Number Placeholder 4">
             <a:extLst>
               <a:ext uri="{FF2B5EF4-FFF2-40B4-BE49-F238E27FC236}">
-                <a16:creationId xmlns:a16="http://schemas.microsoft.com/office/drawing/2014/main" id="{4E376E25-195F-FFE9-1361-CEACAF8E3FFC}"/>
+                <a16:creationId xmlns:a16="http://schemas.microsoft.com/office/drawing/2014/main" xmlns="" id="{4E376E25-195F-FFE9-1361-CEACAF8E3FFC}"/>
               </a:ext>
             </a:extLst>
           </p:cNvPr>
@@ -2416,7 +2421,7 @@
           <p:cNvPr id="2" name="Date Placeholder 1">
             <a:extLst>
               <a:ext uri="{FF2B5EF4-FFF2-40B4-BE49-F238E27FC236}">
-                <a16:creationId xmlns:a16="http://schemas.microsoft.com/office/drawing/2014/main" id="{888CE8D8-AA39-0D35-7F03-0BCCC48CF4E8}"/>
+                <a16:creationId xmlns:a16="http://schemas.microsoft.com/office/drawing/2014/main" xmlns="" id="{888CE8D8-AA39-0D35-7F03-0BCCC48CF4E8}"/>
               </a:ext>
             </a:extLst>
           </p:cNvPr>
@@ -2434,7 +2439,7 @@
           <a:p>
             <a:fld id="{98235D44-F49E-4F77-A348-B0CDA85E7A83}" type="datetimeFigureOut">
               <a:rPr lang="en-US" smtClean="0"/>
-              <a:t>11/3/2024</a:t>
+              <a:t>11/9/2024</a:t>
             </a:fld>
             <a:endParaRPr lang="en-US"/>
           </a:p>
@@ -2445,7 +2450,7 @@
           <p:cNvPr id="3" name="Footer Placeholder 2">
             <a:extLst>
               <a:ext uri="{FF2B5EF4-FFF2-40B4-BE49-F238E27FC236}">
-                <a16:creationId xmlns:a16="http://schemas.microsoft.com/office/drawing/2014/main" id="{D5D0993D-B522-8602-EDA4-47C7C80D3A9A}"/>
+                <a16:creationId xmlns:a16="http://schemas.microsoft.com/office/drawing/2014/main" xmlns="" id="{D5D0993D-B522-8602-EDA4-47C7C80D3A9A}"/>
               </a:ext>
             </a:extLst>
           </p:cNvPr>
@@ -2470,7 +2475,7 @@
           <p:cNvPr id="4" name="Slide Number Placeholder 3">
             <a:extLst>
               <a:ext uri="{FF2B5EF4-FFF2-40B4-BE49-F238E27FC236}">
-                <a16:creationId xmlns:a16="http://schemas.microsoft.com/office/drawing/2014/main" id="{D2DFDD99-8F35-0B5C-EA47-3CE1D767F1D7}"/>
+                <a16:creationId xmlns:a16="http://schemas.microsoft.com/office/drawing/2014/main" xmlns="" id="{D2DFDD99-8F35-0B5C-EA47-3CE1D767F1D7}"/>
               </a:ext>
             </a:extLst>
           </p:cNvPr>
@@ -2529,7 +2534,7 @@
           <p:cNvPr id="2" name="Title 1">
             <a:extLst>
               <a:ext uri="{FF2B5EF4-FFF2-40B4-BE49-F238E27FC236}">
-                <a16:creationId xmlns:a16="http://schemas.microsoft.com/office/drawing/2014/main" id="{409C0E09-3F32-A176-2CEC-80DE25093100}"/>
+                <a16:creationId xmlns:a16="http://schemas.microsoft.com/office/drawing/2014/main" xmlns="" id="{409C0E09-3F32-A176-2CEC-80DE25093100}"/>
               </a:ext>
             </a:extLst>
           </p:cNvPr>
@@ -2566,7 +2571,7 @@
           <p:cNvPr id="3" name="Content Placeholder 2">
             <a:extLst>
               <a:ext uri="{FF2B5EF4-FFF2-40B4-BE49-F238E27FC236}">
-                <a16:creationId xmlns:a16="http://schemas.microsoft.com/office/drawing/2014/main" id="{96161A0A-5C2F-040B-0B8B-2C8A80CBD3D9}"/>
+                <a16:creationId xmlns:a16="http://schemas.microsoft.com/office/drawing/2014/main" xmlns="" id="{96161A0A-5C2F-040B-0B8B-2C8A80CBD3D9}"/>
               </a:ext>
             </a:extLst>
           </p:cNvPr>
@@ -2656,7 +2661,7 @@
           <p:cNvPr id="4" name="Text Placeholder 3">
             <a:extLst>
               <a:ext uri="{FF2B5EF4-FFF2-40B4-BE49-F238E27FC236}">
-                <a16:creationId xmlns:a16="http://schemas.microsoft.com/office/drawing/2014/main" id="{230714B7-95F4-FD5A-4EFA-6E1CB9AC75D1}"/>
+                <a16:creationId xmlns:a16="http://schemas.microsoft.com/office/drawing/2014/main" xmlns="" id="{230714B7-95F4-FD5A-4EFA-6E1CB9AC75D1}"/>
               </a:ext>
             </a:extLst>
           </p:cNvPr>
@@ -2727,7 +2732,7 @@
           <p:cNvPr id="5" name="Date Placeholder 4">
             <a:extLst>
               <a:ext uri="{FF2B5EF4-FFF2-40B4-BE49-F238E27FC236}">
-                <a16:creationId xmlns:a16="http://schemas.microsoft.com/office/drawing/2014/main" id="{ACA955DA-6E22-361C-D051-1DEDC7B93482}"/>
+                <a16:creationId xmlns:a16="http://schemas.microsoft.com/office/drawing/2014/main" xmlns="" id="{ACA955DA-6E22-361C-D051-1DEDC7B93482}"/>
               </a:ext>
             </a:extLst>
           </p:cNvPr>
@@ -2745,7 +2750,7 @@
           <a:p>
             <a:fld id="{98235D44-F49E-4F77-A348-B0CDA85E7A83}" type="datetimeFigureOut">
               <a:rPr lang="en-US" smtClean="0"/>
-              <a:t>11/3/2024</a:t>
+              <a:t>11/9/2024</a:t>
             </a:fld>
             <a:endParaRPr lang="en-US"/>
           </a:p>
@@ -2756,7 +2761,7 @@
           <p:cNvPr id="6" name="Footer Placeholder 5">
             <a:extLst>
               <a:ext uri="{FF2B5EF4-FFF2-40B4-BE49-F238E27FC236}">
-                <a16:creationId xmlns:a16="http://schemas.microsoft.com/office/drawing/2014/main" id="{35E37E4F-2A21-0255-AF4B-171A69863F92}"/>
+                <a16:creationId xmlns:a16="http://schemas.microsoft.com/office/drawing/2014/main" xmlns="" id="{35E37E4F-2A21-0255-AF4B-171A69863F92}"/>
               </a:ext>
             </a:extLst>
           </p:cNvPr>
@@ -2781,7 +2786,7 @@
           <p:cNvPr id="7" name="Slide Number Placeholder 6">
             <a:extLst>
               <a:ext uri="{FF2B5EF4-FFF2-40B4-BE49-F238E27FC236}">
-                <a16:creationId xmlns:a16="http://schemas.microsoft.com/office/drawing/2014/main" id="{18E00153-4ED2-57CB-DE0A-9D5BEA86DAE0}"/>
+                <a16:creationId xmlns:a16="http://schemas.microsoft.com/office/drawing/2014/main" xmlns="" id="{18E00153-4ED2-57CB-DE0A-9D5BEA86DAE0}"/>
               </a:ext>
             </a:extLst>
           </p:cNvPr>
@@ -2840,7 +2845,7 @@
           <p:cNvPr id="2" name="Title 1">
             <a:extLst>
               <a:ext uri="{FF2B5EF4-FFF2-40B4-BE49-F238E27FC236}">
-                <a16:creationId xmlns:a16="http://schemas.microsoft.com/office/drawing/2014/main" id="{4F190398-F10E-E9EC-25DD-9CB1BB6771B2}"/>
+                <a16:creationId xmlns:a16="http://schemas.microsoft.com/office/drawing/2014/main" xmlns="" id="{4F190398-F10E-E9EC-25DD-9CB1BB6771B2}"/>
               </a:ext>
             </a:extLst>
           </p:cNvPr>
@@ -2877,7 +2882,7 @@
           <p:cNvPr id="3" name="Picture Placeholder 2">
             <a:extLst>
               <a:ext uri="{FF2B5EF4-FFF2-40B4-BE49-F238E27FC236}">
-                <a16:creationId xmlns:a16="http://schemas.microsoft.com/office/drawing/2014/main" id="{D893508A-77DE-4D92-69DC-11609AAA1531}"/>
+                <a16:creationId xmlns:a16="http://schemas.microsoft.com/office/drawing/2014/main" xmlns="" id="{D893508A-77DE-4D92-69DC-11609AAA1531}"/>
               </a:ext>
             </a:extLst>
           </p:cNvPr>
@@ -2944,7 +2949,7 @@
           <p:cNvPr id="4" name="Text Placeholder 3">
             <a:extLst>
               <a:ext uri="{FF2B5EF4-FFF2-40B4-BE49-F238E27FC236}">
-                <a16:creationId xmlns:a16="http://schemas.microsoft.com/office/drawing/2014/main" id="{7AFCBC79-8C85-31AF-D1C8-F2AF64DAB98F}"/>
+                <a16:creationId xmlns:a16="http://schemas.microsoft.com/office/drawing/2014/main" xmlns="" id="{7AFCBC79-8C85-31AF-D1C8-F2AF64DAB98F}"/>
               </a:ext>
             </a:extLst>
           </p:cNvPr>
@@ -3015,7 +3020,7 @@
           <p:cNvPr id="5" name="Date Placeholder 4">
             <a:extLst>
               <a:ext uri="{FF2B5EF4-FFF2-40B4-BE49-F238E27FC236}">
-                <a16:creationId xmlns:a16="http://schemas.microsoft.com/office/drawing/2014/main" id="{76389C7E-9267-3EDF-003D-7C0FDBFA508F}"/>
+                <a16:creationId xmlns:a16="http://schemas.microsoft.com/office/drawing/2014/main" xmlns="" id="{76389C7E-9267-3EDF-003D-7C0FDBFA508F}"/>
               </a:ext>
             </a:extLst>
           </p:cNvPr>
@@ -3033,7 +3038,7 @@
           <a:p>
             <a:fld id="{98235D44-F49E-4F77-A348-B0CDA85E7A83}" type="datetimeFigureOut">
               <a:rPr lang="en-US" smtClean="0"/>
-              <a:t>11/3/2024</a:t>
+              <a:t>11/9/2024</a:t>
             </a:fld>
             <a:endParaRPr lang="en-US"/>
           </a:p>
@@ -3044,7 +3049,7 @@
           <p:cNvPr id="6" name="Footer Placeholder 5">
             <a:extLst>
               <a:ext uri="{FF2B5EF4-FFF2-40B4-BE49-F238E27FC236}">
-                <a16:creationId xmlns:a16="http://schemas.microsoft.com/office/drawing/2014/main" id="{1B14C527-EFB6-DFF4-9FEB-0D9DFB2B6811}"/>
+                <a16:creationId xmlns:a16="http://schemas.microsoft.com/office/drawing/2014/main" xmlns="" id="{1B14C527-EFB6-DFF4-9FEB-0D9DFB2B6811}"/>
               </a:ext>
             </a:extLst>
           </p:cNvPr>
@@ -3069,7 +3074,7 @@
           <p:cNvPr id="7" name="Slide Number Placeholder 6">
             <a:extLst>
               <a:ext uri="{FF2B5EF4-FFF2-40B4-BE49-F238E27FC236}">
-                <a16:creationId xmlns:a16="http://schemas.microsoft.com/office/drawing/2014/main" id="{04F8F925-6262-B826-A3DD-C173AE89BFB6}"/>
+                <a16:creationId xmlns:a16="http://schemas.microsoft.com/office/drawing/2014/main" xmlns="" id="{04F8F925-6262-B826-A3DD-C173AE89BFB6}"/>
               </a:ext>
             </a:extLst>
           </p:cNvPr>
@@ -3133,7 +3138,7 @@
           <p:cNvPr id="2" name="Title Placeholder 1">
             <a:extLst>
               <a:ext uri="{FF2B5EF4-FFF2-40B4-BE49-F238E27FC236}">
-                <a16:creationId xmlns:a16="http://schemas.microsoft.com/office/drawing/2014/main" id="{B32AADF5-564A-6FC8-DA02-52CD62EE83BB}"/>
+                <a16:creationId xmlns:a16="http://schemas.microsoft.com/office/drawing/2014/main" xmlns="" id="{B32AADF5-564A-6FC8-DA02-52CD62EE83BB}"/>
               </a:ext>
             </a:extLst>
           </p:cNvPr>
@@ -3171,7 +3176,7 @@
           <p:cNvPr id="3" name="Text Placeholder 2">
             <a:extLst>
               <a:ext uri="{FF2B5EF4-FFF2-40B4-BE49-F238E27FC236}">
-                <a16:creationId xmlns:a16="http://schemas.microsoft.com/office/drawing/2014/main" id="{FCA809DA-1918-6B6E-84B9-7AF4846B4EF4}"/>
+                <a16:creationId xmlns:a16="http://schemas.microsoft.com/office/drawing/2014/main" xmlns="" id="{FCA809DA-1918-6B6E-84B9-7AF4846B4EF4}"/>
               </a:ext>
             </a:extLst>
           </p:cNvPr>
@@ -3238,7 +3243,7 @@
           <p:cNvPr id="4" name="Date Placeholder 3">
             <a:extLst>
               <a:ext uri="{FF2B5EF4-FFF2-40B4-BE49-F238E27FC236}">
-                <a16:creationId xmlns:a16="http://schemas.microsoft.com/office/drawing/2014/main" id="{770793CA-3E15-F6B2-B2A1-34FDFAE0C83D}"/>
+                <a16:creationId xmlns:a16="http://schemas.microsoft.com/office/drawing/2014/main" xmlns="" id="{770793CA-3E15-F6B2-B2A1-34FDFAE0C83D}"/>
               </a:ext>
             </a:extLst>
           </p:cNvPr>
@@ -3274,7 +3279,7 @@
           <a:p>
             <a:fld id="{98235D44-F49E-4F77-A348-B0CDA85E7A83}" type="datetimeFigureOut">
               <a:rPr lang="en-US" smtClean="0"/>
-              <a:t>11/3/2024</a:t>
+              <a:t>11/9/2024</a:t>
             </a:fld>
             <a:endParaRPr lang="en-US"/>
           </a:p>
@@ -3285,7 +3290,7 @@
           <p:cNvPr id="5" name="Footer Placeholder 4">
             <a:extLst>
               <a:ext uri="{FF2B5EF4-FFF2-40B4-BE49-F238E27FC236}">
-                <a16:creationId xmlns:a16="http://schemas.microsoft.com/office/drawing/2014/main" id="{AB07A422-CD51-D5AD-C86C-33D1D909F553}"/>
+                <a16:creationId xmlns:a16="http://schemas.microsoft.com/office/drawing/2014/main" xmlns="" id="{AB07A422-CD51-D5AD-C86C-33D1D909F553}"/>
               </a:ext>
             </a:extLst>
           </p:cNvPr>
@@ -3328,7 +3333,7 @@
           <p:cNvPr id="6" name="Slide Number Placeholder 5">
             <a:extLst>
               <a:ext uri="{FF2B5EF4-FFF2-40B4-BE49-F238E27FC236}">
-                <a16:creationId xmlns:a16="http://schemas.microsoft.com/office/drawing/2014/main" id="{CF4075A9-3CCD-DE39-76BC-8197600561E6}"/>
+                <a16:creationId xmlns:a16="http://schemas.microsoft.com/office/drawing/2014/main" xmlns="" id="{CF4075A9-3CCD-DE39-76BC-8197600561E6}"/>
               </a:ext>
             </a:extLst>
           </p:cNvPr>
@@ -3696,7 +3701,7 @@
           <p:cNvPr id="9" name="Picture 8">
             <a:extLst>
               <a:ext uri="{FF2B5EF4-FFF2-40B4-BE49-F238E27FC236}">
-                <a16:creationId xmlns:a16="http://schemas.microsoft.com/office/drawing/2014/main" id="{FFF4CB80-36A6-53FE-DF95-D3C353FD1650}"/>
+                <a16:creationId xmlns:a16="http://schemas.microsoft.com/office/drawing/2014/main" xmlns="" id="{FFF4CB80-36A6-53FE-DF95-D3C353FD1650}"/>
               </a:ext>
             </a:extLst>
           </p:cNvPr>
@@ -3732,7 +3737,7 @@
           <p:cNvPr id="16" name="Freeform: Shape 15">
             <a:extLst>
               <a:ext uri="{FF2B5EF4-FFF2-40B4-BE49-F238E27FC236}">
-                <a16:creationId xmlns:a16="http://schemas.microsoft.com/office/drawing/2014/main" id="{D04DD9E0-1FC1-F470-8348-5EAB7269C492}"/>
+                <a16:creationId xmlns:a16="http://schemas.microsoft.com/office/drawing/2014/main" xmlns="" id="{D04DD9E0-1FC1-F470-8348-5EAB7269C492}"/>
               </a:ext>
             </a:extLst>
           </p:cNvPr>
@@ -7866,7 +7871,7 @@
           <p:cNvPr id="3" name="Subtitle 2">
             <a:extLst>
               <a:ext uri="{FF2B5EF4-FFF2-40B4-BE49-F238E27FC236}">
-                <a16:creationId xmlns:a16="http://schemas.microsoft.com/office/drawing/2014/main" id="{40EC00D6-6139-ECCB-3970-DF39A63CDA01}"/>
+                <a16:creationId xmlns:a16="http://schemas.microsoft.com/office/drawing/2014/main" xmlns="" id="{40EC00D6-6139-ECCB-3970-DF39A63CDA01}"/>
               </a:ext>
             </a:extLst>
           </p:cNvPr>
@@ -7890,6 +7895,16 @@
           <a:lstStyle/>
           <a:p>
             <a:pPr algn="r"/>
+            <a:r>
+              <a:rPr lang="en-US" sz="1800" dirty="0">
+                <a:solidFill>
+                  <a:schemeClr val="bg1">
+                    <a:lumMod val="75000"/>
+                  </a:schemeClr>
+                </a:solidFill>
+              </a:rPr>
+              <a:t/>
+            </a:r>
             <a:br>
               <a:rPr lang="en-US" sz="1800" dirty="0">
                 <a:solidFill>
@@ -8023,7 +8038,7 @@
           <p:cNvPr id="2" name="TextBox 1">
             <a:extLst>
               <a:ext uri="{FF2B5EF4-FFF2-40B4-BE49-F238E27FC236}">
-                <a16:creationId xmlns:a16="http://schemas.microsoft.com/office/drawing/2014/main" id="{199B9149-BCE3-E8FF-B980-A671C271C1F7}"/>
+                <a16:creationId xmlns:a16="http://schemas.microsoft.com/office/drawing/2014/main" xmlns="" id="{199B9149-BCE3-E8FF-B980-A671C271C1F7}"/>
               </a:ext>
             </a:extLst>
           </p:cNvPr>
@@ -8070,7 +8085,7 @@
           <p:cNvPr id="3" name="TextBox 2">
             <a:extLst>
               <a:ext uri="{FF2B5EF4-FFF2-40B4-BE49-F238E27FC236}">
-                <a16:creationId xmlns:a16="http://schemas.microsoft.com/office/drawing/2014/main" id="{2A3DBAD7-0349-C138-49F2-34BA414DC8BC}"/>
+                <a16:creationId xmlns:a16="http://schemas.microsoft.com/office/drawing/2014/main" xmlns="" id="{2A3DBAD7-0349-C138-49F2-34BA414DC8BC}"/>
               </a:ext>
             </a:extLst>
           </p:cNvPr>
@@ -8272,7 +8287,7 @@
           <p:cNvPr id="2" name="Title 1">
             <a:extLst>
               <a:ext uri="{FF2B5EF4-FFF2-40B4-BE49-F238E27FC236}">
-                <a16:creationId xmlns:a16="http://schemas.microsoft.com/office/drawing/2014/main" id="{4F6E24A9-DAC8-3CD7-F6AF-35F942D93487}"/>
+                <a16:creationId xmlns:a16="http://schemas.microsoft.com/office/drawing/2014/main" xmlns="" id="{4F6E24A9-DAC8-3CD7-F6AF-35F942D93487}"/>
               </a:ext>
             </a:extLst>
           </p:cNvPr>
@@ -8309,7 +8324,7 @@
           <p:cNvPr id="3" name="Content Placeholder 2">
             <a:extLst>
               <a:ext uri="{FF2B5EF4-FFF2-40B4-BE49-F238E27FC236}">
-                <a16:creationId xmlns:a16="http://schemas.microsoft.com/office/drawing/2014/main" id="{A9173C1D-2F8B-2792-3149-B0AB3328C944}"/>
+                <a16:creationId xmlns:a16="http://schemas.microsoft.com/office/drawing/2014/main" xmlns="" id="{A9173C1D-2F8B-2792-3149-B0AB3328C944}"/>
               </a:ext>
             </a:extLst>
           </p:cNvPr>
@@ -8334,7 +8349,7 @@
           <p:cNvPr id="4" name="Text Placeholder 3">
             <a:extLst>
               <a:ext uri="{FF2B5EF4-FFF2-40B4-BE49-F238E27FC236}">
-                <a16:creationId xmlns:a16="http://schemas.microsoft.com/office/drawing/2014/main" id="{2575CAD2-AC30-D5F5-9D23-CF4A3F0D6D87}"/>
+                <a16:creationId xmlns:a16="http://schemas.microsoft.com/office/drawing/2014/main" xmlns="" id="{2575CAD2-AC30-D5F5-9D23-CF4A3F0D6D87}"/>
               </a:ext>
             </a:extLst>
           </p:cNvPr>
@@ -8404,7 +8419,7 @@
           <p:cNvPr id="2" name="Title 1">
             <a:extLst>
               <a:ext uri="{FF2B5EF4-FFF2-40B4-BE49-F238E27FC236}">
-                <a16:creationId xmlns:a16="http://schemas.microsoft.com/office/drawing/2014/main" id="{A044EC92-8709-66AA-FA34-6F35A4198D12}"/>
+                <a16:creationId xmlns:a16="http://schemas.microsoft.com/office/drawing/2014/main" xmlns="" id="{A044EC92-8709-66AA-FA34-6F35A4198D12}"/>
               </a:ext>
             </a:extLst>
           </p:cNvPr>
@@ -8445,7 +8460,7 @@
           <p:cNvPr id="4" name="Text Placeholder 3">
             <a:extLst>
               <a:ext uri="{FF2B5EF4-FFF2-40B4-BE49-F238E27FC236}">
-                <a16:creationId xmlns:a16="http://schemas.microsoft.com/office/drawing/2014/main" id="{8AF72E6F-D5A1-6CBE-73C8-608D6839317F}"/>
+                <a16:creationId xmlns:a16="http://schemas.microsoft.com/office/drawing/2014/main" xmlns="" id="{8AF72E6F-D5A1-6CBE-73C8-608D6839317F}"/>
               </a:ext>
             </a:extLst>
           </p:cNvPr>
@@ -8473,7 +8488,7 @@
           <p:cNvPr id="3" name="Content Placeholder 2">
             <a:extLst>
               <a:ext uri="{FF2B5EF4-FFF2-40B4-BE49-F238E27FC236}">
-                <a16:creationId xmlns:a16="http://schemas.microsoft.com/office/drawing/2014/main" id="{D5E016E4-BDAF-4DC3-9D94-4DE8B9339639}"/>
+                <a16:creationId xmlns:a16="http://schemas.microsoft.com/office/drawing/2014/main" xmlns="" id="{D5E016E4-BDAF-4DC3-9D94-4DE8B9339639}"/>
               </a:ext>
             </a:extLst>
           </p:cNvPr>
@@ -8528,7 +8543,7 @@
           <p:cNvPr id="2" name="TextBox 1">
             <a:extLst>
               <a:ext uri="{FF2B5EF4-FFF2-40B4-BE49-F238E27FC236}">
-                <a16:creationId xmlns:a16="http://schemas.microsoft.com/office/drawing/2014/main" id="{6E50E356-37DA-4535-A5F0-B50C7D4B463F}"/>
+                <a16:creationId xmlns:a16="http://schemas.microsoft.com/office/drawing/2014/main" xmlns="" id="{6E50E356-37DA-4535-A5F0-B50C7D4B463F}"/>
               </a:ext>
             </a:extLst>
           </p:cNvPr>
@@ -8565,7 +8580,7 @@
           <p:cNvPr id="3" name="TextBox 2">
             <a:extLst>
               <a:ext uri="{FF2B5EF4-FFF2-40B4-BE49-F238E27FC236}">
-                <a16:creationId xmlns:a16="http://schemas.microsoft.com/office/drawing/2014/main" id="{7E4FD040-A3D1-4B76-8051-4FF75D79F6C4}"/>
+                <a16:creationId xmlns:a16="http://schemas.microsoft.com/office/drawing/2014/main" xmlns="" id="{7E4FD040-A3D1-4B76-8051-4FF75D79F6C4}"/>
               </a:ext>
             </a:extLst>
           </p:cNvPr>
@@ -8614,7 +8629,7 @@
           <p:cNvPr id="5" name="Picture 4">
             <a:extLst>
               <a:ext uri="{FF2B5EF4-FFF2-40B4-BE49-F238E27FC236}">
-                <a16:creationId xmlns:a16="http://schemas.microsoft.com/office/drawing/2014/main" id="{247980FC-C224-4514-901E-C9B97207D2FD}"/>
+                <a16:creationId xmlns:a16="http://schemas.microsoft.com/office/drawing/2014/main" xmlns="" id="{247980FC-C224-4514-901E-C9B97207D2FD}"/>
               </a:ext>
             </a:extLst>
           </p:cNvPr>
@@ -8650,7 +8665,7 @@
           <p:cNvPr id="6" name="TextBox 5">
             <a:extLst>
               <a:ext uri="{FF2B5EF4-FFF2-40B4-BE49-F238E27FC236}">
-                <a16:creationId xmlns:a16="http://schemas.microsoft.com/office/drawing/2014/main" id="{7FFE7E87-12A9-44B8-B6D2-87BF797DE487}"/>
+                <a16:creationId xmlns:a16="http://schemas.microsoft.com/office/drawing/2014/main" xmlns="" id="{7FFE7E87-12A9-44B8-B6D2-87BF797DE487}"/>
               </a:ext>
             </a:extLst>
           </p:cNvPr>
@@ -8771,7 +8786,7 @@
           <p:cNvPr id="2" name="TextBox 1">
             <a:extLst>
               <a:ext uri="{FF2B5EF4-FFF2-40B4-BE49-F238E27FC236}">
-                <a16:creationId xmlns:a16="http://schemas.microsoft.com/office/drawing/2014/main" id="{79AFAFDD-C02B-4607-A351-DA70A2324FF1}"/>
+                <a16:creationId xmlns:a16="http://schemas.microsoft.com/office/drawing/2014/main" xmlns="" id="{79AFAFDD-C02B-4607-A351-DA70A2324FF1}"/>
               </a:ext>
             </a:extLst>
           </p:cNvPr>
@@ -8806,7 +8821,7 @@
           <p:cNvPr id="3" name="TextBox 2">
             <a:extLst>
               <a:ext uri="{FF2B5EF4-FFF2-40B4-BE49-F238E27FC236}">
-                <a16:creationId xmlns:a16="http://schemas.microsoft.com/office/drawing/2014/main" id="{08DB893F-338B-4F13-9E44-F3967F58E0B0}"/>
+                <a16:creationId xmlns:a16="http://schemas.microsoft.com/office/drawing/2014/main" xmlns="" id="{08DB893F-338B-4F13-9E44-F3967F58E0B0}"/>
               </a:ext>
             </a:extLst>
           </p:cNvPr>
@@ -8876,7 +8891,7 @@
           <p:cNvPr id="4" name="Picture 3">
             <a:extLst>
               <a:ext uri="{FF2B5EF4-FFF2-40B4-BE49-F238E27FC236}">
-                <a16:creationId xmlns:a16="http://schemas.microsoft.com/office/drawing/2014/main" id="{34D0DE42-2284-4BA0-9993-E885FC0F9DBD}"/>
+                <a16:creationId xmlns:a16="http://schemas.microsoft.com/office/drawing/2014/main" xmlns="" id="{34D0DE42-2284-4BA0-9993-E885FC0F9DBD}"/>
               </a:ext>
             </a:extLst>
           </p:cNvPr>
@@ -8920,6 +8935,857 @@
 </p:sld>
 </file>
 
+<file path=ppt/slides/slide15.xml><?xml version="1.0" encoding="utf-8"?>
+<p:sld xmlns:a="http://schemas.openxmlformats.org/drawingml/2006/main" xmlns:r="http://schemas.openxmlformats.org/officeDocument/2006/relationships" xmlns:p="http://schemas.openxmlformats.org/presentationml/2006/main">
+  <p:cSld>
+    <p:spTree>
+      <p:nvGrpSpPr>
+        <p:cNvPr id="1" name=""/>
+        <p:cNvGrpSpPr/>
+        <p:nvPr/>
+      </p:nvGrpSpPr>
+      <p:grpSpPr>
+        <a:xfrm>
+          <a:off x="0" y="0"/>
+          <a:ext cx="0" cy="0"/>
+          <a:chOff x="0" y="0"/>
+          <a:chExt cx="0" cy="0"/>
+        </a:xfrm>
+      </p:grpSpPr>
+      <p:sp>
+        <p:nvSpPr>
+          <p:cNvPr id="2" name="Title 1"/>
+          <p:cNvSpPr>
+            <a:spLocks noGrp="1"/>
+          </p:cNvSpPr>
+          <p:nvPr>
+            <p:ph type="title"/>
+          </p:nvPr>
+        </p:nvSpPr>
+        <p:spPr/>
+        <p:txBody>
+          <a:bodyPr>
+            <a:normAutofit/>
+          </a:bodyPr>
+          <a:lstStyle/>
+          <a:p>
+            <a:pPr algn="ctr"/>
+            <a:r>
+              <a:rPr lang="en-US" sz="3600" b="1" u="sng" dirty="0" smtClean="0"/>
+              <a:t>Path finding</a:t>
+            </a:r>
+            <a:endParaRPr lang="en-US" sz="3600" b="1" u="sng" dirty="0"/>
+          </a:p>
+        </p:txBody>
+      </p:sp>
+      <p:sp>
+        <p:nvSpPr>
+          <p:cNvPr id="3" name="Content Placeholder 2"/>
+          <p:cNvSpPr>
+            <a:spLocks noGrp="1"/>
+          </p:cNvSpPr>
+          <p:nvPr>
+            <p:ph idx="1"/>
+          </p:nvPr>
+        </p:nvSpPr>
+        <p:spPr>
+          <a:xfrm>
+            <a:off x="852487" y="1625600"/>
+            <a:ext cx="10515600" cy="2674938"/>
+          </a:xfrm>
+        </p:spPr>
+        <p:txBody>
+          <a:bodyPr>
+            <a:normAutofit/>
+          </a:bodyPr>
+          <a:lstStyle/>
+          <a:p>
+            <a:pPr marL="0" indent="0">
+              <a:buNone/>
+            </a:pPr>
+            <a:r>
+              <a:rPr lang="en-US" sz="2000" b="1" dirty="0" smtClean="0"/>
+              <a:t>Definition:</a:t>
+            </a:r>
+          </a:p>
+          <a:p>
+            <a:pPr marL="0" indent="0">
+              <a:buNone/>
+            </a:pPr>
+            <a:r>
+              <a:rPr lang="en-US" sz="2000" b="1" dirty="0"/>
+              <a:t>	</a:t>
+            </a:r>
+            <a:r>
+              <a:rPr lang="en-US" sz="2000" b="1" dirty="0" smtClean="0"/>
+              <a:t>“Pathfinding</a:t>
+            </a:r>
+            <a:r>
+              <a:rPr lang="en-US" sz="2000" dirty="0" smtClean="0"/>
+              <a:t> </a:t>
+            </a:r>
+            <a:r>
+              <a:rPr lang="en-US" sz="2000" dirty="0"/>
+              <a:t>refers to the process of finding a path </a:t>
+            </a:r>
+            <a:r>
+              <a:rPr lang="en-US" sz="2000" dirty="0" smtClean="0"/>
+              <a:t>from </a:t>
+            </a:r>
+            <a:r>
+              <a:rPr lang="en-US" sz="2000" dirty="0"/>
+              <a:t>one </a:t>
+            </a:r>
+            <a:r>
+              <a:rPr lang="en-US" sz="2000" dirty="0" smtClean="0"/>
+              <a:t>point (vertex) </a:t>
+            </a:r>
+            <a:r>
+              <a:rPr lang="en-US" sz="2000" dirty="0"/>
+              <a:t>to another in a </a:t>
+            </a:r>
+            <a:r>
+              <a:rPr lang="en-US" sz="2000" dirty="0" smtClean="0"/>
+              <a:t>graph.</a:t>
+            </a:r>
+            <a:r>
+              <a:rPr lang="en-US" sz="2000" b="1" dirty="0" smtClean="0"/>
+              <a:t>”</a:t>
+            </a:r>
+          </a:p>
+          <a:p>
+            <a:pPr marL="0" indent="0">
+              <a:buNone/>
+            </a:pPr>
+            <a:endParaRPr lang="en-US" sz="2000" b="1" dirty="0" smtClean="0"/>
+          </a:p>
+          <a:p>
+            <a:pPr marL="0" indent="0">
+              <a:buNone/>
+            </a:pPr>
+            <a:r>
+              <a:rPr lang="en-US" sz="2000" dirty="0"/>
+              <a:t>A </a:t>
+            </a:r>
+            <a:r>
+              <a:rPr lang="en-US" sz="2000" b="1" dirty="0"/>
+              <a:t>path</a:t>
+            </a:r>
+            <a:r>
+              <a:rPr lang="en-US" sz="2000" dirty="0"/>
+              <a:t> in a graph is a sequence of edges that connects a series of vertices.</a:t>
+            </a:r>
+          </a:p>
+          <a:p>
+            <a:pPr marL="0" indent="0">
+              <a:buNone/>
+            </a:pPr>
+            <a:r>
+              <a:rPr lang="en-US" sz="2000" dirty="0" smtClean="0"/>
+              <a:t>It </a:t>
+            </a:r>
+            <a:r>
+              <a:rPr lang="en-US" sz="2000" dirty="0"/>
+              <a:t>can be represented as a list of vertices starting from a source node and ending at a destination node, with each consecutive vertex connected by an edge</a:t>
+            </a:r>
+            <a:r>
+              <a:rPr lang="en-US" sz="2000" dirty="0" smtClean="0"/>
+              <a:t>.</a:t>
+            </a:r>
+            <a:endParaRPr lang="en-US" sz="2000" dirty="0"/>
+          </a:p>
+        </p:txBody>
+      </p:sp>
+      <p:pic>
+        <p:nvPicPr>
+          <p:cNvPr id="4" name="Picture 3"/>
+          <p:cNvPicPr>
+            <a:picLocks noChangeAspect="1"/>
+          </p:cNvPicPr>
+          <p:nvPr/>
+        </p:nvPicPr>
+        <p:blipFill rotWithShape="1">
+          <a:blip r:embed="rId2">
+            <a:extLst>
+              <a:ext uri="{28A0092B-C50C-407E-A947-70E740481C1C}">
+                <a14:useLocalDpi xmlns:a14="http://schemas.microsoft.com/office/drawing/2010/main" val="0"/>
+              </a:ext>
+            </a:extLst>
+          </a:blip>
+          <a:srcRect b="13698"/>
+          <a:stretch/>
+        </p:blipFill>
+        <p:spPr>
+          <a:xfrm>
+            <a:off x="3324222" y="4143374"/>
+            <a:ext cx="5423384" cy="2343151"/>
+          </a:xfrm>
+          <a:prstGeom prst="rect">
+            <a:avLst/>
+          </a:prstGeom>
+        </p:spPr>
+      </p:pic>
+    </p:spTree>
+    <p:extLst>
+      <p:ext uri="{BB962C8B-B14F-4D97-AF65-F5344CB8AC3E}">
+        <p14:creationId xmlns:p14="http://schemas.microsoft.com/office/powerpoint/2010/main" val="142484890"/>
+      </p:ext>
+    </p:extLst>
+  </p:cSld>
+  <p:clrMapOvr>
+    <a:masterClrMapping/>
+  </p:clrMapOvr>
+</p:sld>
+</file>
+
+<file path=ppt/slides/slide16.xml><?xml version="1.0" encoding="utf-8"?>
+<p:sld xmlns:a="http://schemas.openxmlformats.org/drawingml/2006/main" xmlns:r="http://schemas.openxmlformats.org/officeDocument/2006/relationships" xmlns:p="http://schemas.openxmlformats.org/presentationml/2006/main">
+  <p:cSld>
+    <p:spTree>
+      <p:nvGrpSpPr>
+        <p:cNvPr id="1" name=""/>
+        <p:cNvGrpSpPr/>
+        <p:nvPr/>
+      </p:nvGrpSpPr>
+      <p:grpSpPr>
+        <a:xfrm>
+          <a:off x="0" y="0"/>
+          <a:ext cx="0" cy="0"/>
+          <a:chOff x="0" y="0"/>
+          <a:chExt cx="0" cy="0"/>
+        </a:xfrm>
+      </p:grpSpPr>
+      <p:sp>
+        <p:nvSpPr>
+          <p:cNvPr id="2" name="Title 1"/>
+          <p:cNvSpPr>
+            <a:spLocks noGrp="1"/>
+          </p:cNvSpPr>
+          <p:nvPr>
+            <p:ph type="title"/>
+          </p:nvPr>
+        </p:nvSpPr>
+        <p:spPr/>
+        <p:txBody>
+          <a:bodyPr>
+            <a:normAutofit/>
+          </a:bodyPr>
+          <a:lstStyle/>
+          <a:p>
+            <a:pPr algn="ctr"/>
+            <a:r>
+              <a:rPr lang="en-US" sz="3600" b="1" u="sng" dirty="0" smtClean="0"/>
+              <a:t>Shortest Path</a:t>
+            </a:r>
+            <a:endParaRPr lang="en-US" sz="3600" b="1" u="sng" dirty="0"/>
+          </a:p>
+        </p:txBody>
+      </p:sp>
+      <p:sp>
+        <p:nvSpPr>
+          <p:cNvPr id="3" name="Content Placeholder 2"/>
+          <p:cNvSpPr>
+            <a:spLocks noGrp="1"/>
+          </p:cNvSpPr>
+          <p:nvPr>
+            <p:ph idx="1"/>
+          </p:nvPr>
+        </p:nvSpPr>
+        <p:spPr>
+          <a:xfrm>
+            <a:off x="852488" y="1673203"/>
+            <a:ext cx="10515600" cy="2317750"/>
+          </a:xfrm>
+        </p:spPr>
+        <p:txBody>
+          <a:bodyPr>
+            <a:normAutofit/>
+          </a:bodyPr>
+          <a:lstStyle/>
+          <a:p>
+            <a:pPr marL="0" indent="0">
+              <a:buNone/>
+            </a:pPr>
+            <a:r>
+              <a:rPr lang="en-US" sz="2000" b="1" dirty="0" smtClean="0"/>
+              <a:t>Definition:</a:t>
+            </a:r>
+          </a:p>
+          <a:p>
+            <a:pPr marL="0" indent="0">
+              <a:buNone/>
+            </a:pPr>
+            <a:r>
+              <a:rPr lang="en-US" sz="2000" dirty="0" smtClean="0"/>
+              <a:t>	“The </a:t>
+            </a:r>
+            <a:r>
+              <a:rPr lang="en-US" sz="2000" b="1" dirty="0"/>
+              <a:t>shortest path</a:t>
+            </a:r>
+            <a:r>
+              <a:rPr lang="en-US" sz="2000" dirty="0"/>
+              <a:t> is a path between two vertices such that the sum of the weights of the edges in the path is minimized</a:t>
+            </a:r>
+            <a:r>
+              <a:rPr lang="en-US" sz="2000" dirty="0" smtClean="0"/>
+              <a:t>.”</a:t>
+            </a:r>
+          </a:p>
+          <a:p>
+            <a:pPr marL="0" indent="0">
+              <a:buNone/>
+            </a:pPr>
+            <a:endParaRPr lang="en-US" sz="2000" dirty="0" smtClean="0"/>
+          </a:p>
+          <a:p>
+            <a:pPr marL="0" indent="0">
+              <a:buNone/>
+            </a:pPr>
+            <a:r>
+              <a:rPr lang="en-US" sz="2000" dirty="0" smtClean="0"/>
+              <a:t>In </a:t>
+            </a:r>
+            <a:r>
+              <a:rPr lang="en-US" sz="2000" dirty="0"/>
+              <a:t>unweighted graphs, the shortest path is simply the path with the least number of </a:t>
+            </a:r>
+            <a:r>
+              <a:rPr lang="en-US" sz="2000" dirty="0" smtClean="0"/>
+              <a:t>edges.</a:t>
+            </a:r>
+          </a:p>
+          <a:p>
+            <a:pPr marL="0" indent="0">
+              <a:buNone/>
+            </a:pPr>
+            <a:r>
+              <a:rPr lang="en-US" sz="2000" dirty="0" smtClean="0"/>
+              <a:t>In </a:t>
+            </a:r>
+            <a:r>
+              <a:rPr lang="en-US" sz="2000" dirty="0"/>
+              <a:t>weighted graphs, it’s the path with the minimum total weight.</a:t>
+            </a:r>
+          </a:p>
+        </p:txBody>
+      </p:sp>
+      <p:pic>
+        <p:nvPicPr>
+          <p:cNvPr id="4" name="Picture 3"/>
+          <p:cNvPicPr>
+            <a:picLocks noChangeAspect="1"/>
+          </p:cNvPicPr>
+          <p:nvPr/>
+        </p:nvPicPr>
+        <p:blipFill>
+          <a:blip r:embed="rId2">
+            <a:extLst>
+              <a:ext uri="{28A0092B-C50C-407E-A947-70E740481C1C}">
+                <a14:useLocalDpi xmlns:a14="http://schemas.microsoft.com/office/drawing/2010/main" val="0"/>
+              </a:ext>
+            </a:extLst>
+          </a:blip>
+          <a:stretch>
+            <a:fillRect/>
+          </a:stretch>
+        </p:blipFill>
+        <p:spPr>
+          <a:xfrm>
+            <a:off x="1119168" y="3890937"/>
+            <a:ext cx="4865672" cy="2709885"/>
+          </a:xfrm>
+          <a:prstGeom prst="rect">
+            <a:avLst/>
+          </a:prstGeom>
+        </p:spPr>
+      </p:pic>
+      <p:pic>
+        <p:nvPicPr>
+          <p:cNvPr id="5" name="Picture 4"/>
+          <p:cNvPicPr>
+            <a:picLocks noChangeAspect="1"/>
+          </p:cNvPicPr>
+          <p:nvPr/>
+        </p:nvPicPr>
+        <p:blipFill>
+          <a:blip r:embed="rId3">
+            <a:extLst>
+              <a:ext uri="{28A0092B-C50C-407E-A947-70E740481C1C}">
+                <a14:useLocalDpi xmlns:a14="http://schemas.microsoft.com/office/drawing/2010/main" val="0"/>
+              </a:ext>
+            </a:extLst>
+          </a:blip>
+          <a:stretch>
+            <a:fillRect/>
+          </a:stretch>
+        </p:blipFill>
+        <p:spPr>
+          <a:xfrm>
+            <a:off x="6386513" y="4190985"/>
+            <a:ext cx="4226704" cy="2109788"/>
+          </a:xfrm>
+          <a:prstGeom prst="rect">
+            <a:avLst/>
+          </a:prstGeom>
+        </p:spPr>
+      </p:pic>
+    </p:spTree>
+    <p:extLst>
+      <p:ext uri="{BB962C8B-B14F-4D97-AF65-F5344CB8AC3E}">
+        <p14:creationId xmlns:p14="http://schemas.microsoft.com/office/powerpoint/2010/main" val="1626842515"/>
+      </p:ext>
+    </p:extLst>
+  </p:cSld>
+  <p:clrMapOvr>
+    <a:masterClrMapping/>
+  </p:clrMapOvr>
+</p:sld>
+</file>
+
+<file path=ppt/slides/slide17.xml><?xml version="1.0" encoding="utf-8"?>
+<p:sld xmlns:a="http://schemas.openxmlformats.org/drawingml/2006/main" xmlns:r="http://schemas.openxmlformats.org/officeDocument/2006/relationships" xmlns:p="http://schemas.openxmlformats.org/presentationml/2006/main">
+  <p:cSld>
+    <p:spTree>
+      <p:nvGrpSpPr>
+        <p:cNvPr id="1" name=""/>
+        <p:cNvGrpSpPr/>
+        <p:nvPr/>
+      </p:nvGrpSpPr>
+      <p:grpSpPr>
+        <a:xfrm>
+          <a:off x="0" y="0"/>
+          <a:ext cx="0" cy="0"/>
+          <a:chOff x="0" y="0"/>
+          <a:chExt cx="0" cy="0"/>
+        </a:xfrm>
+      </p:grpSpPr>
+      <p:sp>
+        <p:nvSpPr>
+          <p:cNvPr id="2" name="Title 1"/>
+          <p:cNvSpPr>
+            <a:spLocks noGrp="1"/>
+          </p:cNvSpPr>
+          <p:nvPr>
+            <p:ph type="title"/>
+          </p:nvPr>
+        </p:nvSpPr>
+        <p:spPr/>
+        <p:txBody>
+          <a:bodyPr>
+            <a:normAutofit/>
+          </a:bodyPr>
+          <a:lstStyle/>
+          <a:p>
+            <a:pPr algn="ctr"/>
+            <a:r>
+              <a:rPr lang="en-US" sz="3200" b="1" u="sng" dirty="0" smtClean="0"/>
+              <a:t>Some Algorithms Used for Path Finding</a:t>
+            </a:r>
+            <a:endParaRPr lang="en-US" sz="3200" b="1" u="sng" dirty="0"/>
+          </a:p>
+        </p:txBody>
+      </p:sp>
+      <p:sp>
+        <p:nvSpPr>
+          <p:cNvPr id="3" name="Content Placeholder 2"/>
+          <p:cNvSpPr>
+            <a:spLocks noGrp="1"/>
+          </p:cNvSpPr>
+          <p:nvPr>
+            <p:ph idx="1"/>
+          </p:nvPr>
+        </p:nvSpPr>
+        <p:spPr>
+          <a:xfrm>
+            <a:off x="838199" y="1911350"/>
+            <a:ext cx="10515600" cy="3846513"/>
+          </a:xfrm>
+        </p:spPr>
+        <p:txBody>
+          <a:bodyPr>
+            <a:normAutofit/>
+          </a:bodyPr>
+          <a:lstStyle/>
+          <a:p>
+            <a:pPr algn="ctr"/>
+            <a:r>
+              <a:rPr lang="en-US" sz="2000" dirty="0"/>
+              <a:t>Dijkstra’s </a:t>
+            </a:r>
+            <a:r>
+              <a:rPr lang="en-US" sz="2000" dirty="0" smtClean="0"/>
+              <a:t>Algorithm</a:t>
+            </a:r>
+          </a:p>
+          <a:p>
+            <a:pPr algn="ctr"/>
+            <a:r>
+              <a:rPr lang="en-US" sz="2000" dirty="0" smtClean="0"/>
+              <a:t>A</a:t>
+            </a:r>
+            <a:r>
+              <a:rPr lang="en-US" sz="2000" dirty="0"/>
+              <a:t>* </a:t>
+            </a:r>
+            <a:r>
+              <a:rPr lang="en-US" sz="2000" dirty="0" smtClean="0"/>
+              <a:t>Algorithm</a:t>
+            </a:r>
+          </a:p>
+          <a:p>
+            <a:pPr algn="ctr"/>
+            <a:r>
+              <a:rPr lang="en-US" sz="2000" dirty="0" smtClean="0"/>
+              <a:t>Bellman-Ford Algorithm</a:t>
+            </a:r>
+          </a:p>
+          <a:p>
+            <a:pPr algn="ctr"/>
+            <a:r>
+              <a:rPr lang="en-US" sz="2000" dirty="0" smtClean="0"/>
+              <a:t>Floyd-</a:t>
+            </a:r>
+            <a:r>
+              <a:rPr lang="en-US" sz="2000" dirty="0" err="1" smtClean="0"/>
+              <a:t>Warshall</a:t>
+            </a:r>
+            <a:r>
+              <a:rPr lang="en-US" sz="2000" dirty="0" smtClean="0"/>
+              <a:t> Algorithm</a:t>
+            </a:r>
+          </a:p>
+          <a:p>
+            <a:pPr algn="ctr"/>
+            <a:r>
+              <a:rPr lang="en-US" sz="2000" dirty="0" smtClean="0"/>
+              <a:t>Breadth-First </a:t>
+            </a:r>
+            <a:r>
+              <a:rPr lang="en-US" sz="2000" dirty="0"/>
+              <a:t>Search (</a:t>
+            </a:r>
+            <a:r>
+              <a:rPr lang="en-US" sz="2000" dirty="0" smtClean="0"/>
+              <a:t>BFS)</a:t>
+            </a:r>
+          </a:p>
+          <a:p>
+            <a:pPr algn="ctr"/>
+            <a:r>
+              <a:rPr lang="en-US" sz="2000" dirty="0" smtClean="0"/>
+              <a:t>Depth-First </a:t>
+            </a:r>
+            <a:r>
+              <a:rPr lang="en-US" sz="2000" dirty="0"/>
+              <a:t>Search (</a:t>
+            </a:r>
+            <a:r>
+              <a:rPr lang="en-US" sz="2000" dirty="0" smtClean="0"/>
+              <a:t>DFS)</a:t>
+            </a:r>
+          </a:p>
+          <a:p>
+            <a:pPr algn="ctr"/>
+            <a:r>
+              <a:rPr lang="en-US" sz="2000" dirty="0" smtClean="0"/>
+              <a:t>Johnson’s Algorithm</a:t>
+            </a:r>
+          </a:p>
+        </p:txBody>
+      </p:sp>
+    </p:spTree>
+    <p:extLst>
+      <p:ext uri="{BB962C8B-B14F-4D97-AF65-F5344CB8AC3E}">
+        <p14:creationId xmlns:p14="http://schemas.microsoft.com/office/powerpoint/2010/main" val="2745718031"/>
+      </p:ext>
+    </p:extLst>
+  </p:cSld>
+  <p:clrMapOvr>
+    <a:masterClrMapping/>
+  </p:clrMapOvr>
+</p:sld>
+</file>
+
+<file path=ppt/slides/slide18.xml><?xml version="1.0" encoding="utf-8"?>
+<p:sld xmlns:a="http://schemas.openxmlformats.org/drawingml/2006/main" xmlns:r="http://schemas.openxmlformats.org/officeDocument/2006/relationships" xmlns:p="http://schemas.openxmlformats.org/presentationml/2006/main">
+  <p:cSld>
+    <p:spTree>
+      <p:nvGrpSpPr>
+        <p:cNvPr id="1" name=""/>
+        <p:cNvGrpSpPr/>
+        <p:nvPr/>
+      </p:nvGrpSpPr>
+      <p:grpSpPr>
+        <a:xfrm>
+          <a:off x="0" y="0"/>
+          <a:ext cx="0" cy="0"/>
+          <a:chOff x="0" y="0"/>
+          <a:chExt cx="0" cy="0"/>
+        </a:xfrm>
+      </p:grpSpPr>
+      <p:sp>
+        <p:nvSpPr>
+          <p:cNvPr id="2" name="Title 1"/>
+          <p:cNvSpPr>
+            <a:spLocks noGrp="1"/>
+          </p:cNvSpPr>
+          <p:nvPr>
+            <p:ph type="title"/>
+          </p:nvPr>
+        </p:nvSpPr>
+        <p:spPr/>
+        <p:txBody>
+          <a:bodyPr>
+            <a:normAutofit/>
+          </a:bodyPr>
+          <a:lstStyle/>
+          <a:p>
+            <a:pPr algn="ctr"/>
+            <a:r>
+              <a:rPr lang="en-US" sz="3200" b="1" u="sng" dirty="0" smtClean="0"/>
+              <a:t>Some Algorithms Used for Path Finding</a:t>
+            </a:r>
+            <a:endParaRPr lang="en-US" sz="3200" b="1" u="sng" dirty="0"/>
+          </a:p>
+        </p:txBody>
+      </p:sp>
+      <p:sp>
+        <p:nvSpPr>
+          <p:cNvPr id="3" name="Content Placeholder 2"/>
+          <p:cNvSpPr>
+            <a:spLocks noGrp="1"/>
+          </p:cNvSpPr>
+          <p:nvPr>
+            <p:ph idx="1"/>
+          </p:nvPr>
+        </p:nvSpPr>
+        <p:spPr>
+          <a:xfrm>
+            <a:off x="838199" y="1911350"/>
+            <a:ext cx="10515600" cy="3846513"/>
+          </a:xfrm>
+        </p:spPr>
+        <p:txBody>
+          <a:bodyPr>
+            <a:normAutofit/>
+          </a:bodyPr>
+          <a:lstStyle/>
+          <a:p>
+            <a:pPr algn="ctr"/>
+            <a:r>
+              <a:rPr lang="en-US" sz="2000" dirty="0"/>
+              <a:t>Dijkstra’s </a:t>
+            </a:r>
+            <a:r>
+              <a:rPr lang="en-US" sz="2000" dirty="0" smtClean="0"/>
+              <a:t>Algorithm</a:t>
+            </a:r>
+          </a:p>
+          <a:p>
+            <a:pPr algn="ctr"/>
+            <a:r>
+              <a:rPr lang="en-US" sz="2000" dirty="0" smtClean="0"/>
+              <a:t>A</a:t>
+            </a:r>
+            <a:r>
+              <a:rPr lang="en-US" sz="2000" dirty="0"/>
+              <a:t>* </a:t>
+            </a:r>
+            <a:r>
+              <a:rPr lang="en-US" sz="2000" dirty="0" smtClean="0"/>
+              <a:t>Algorithm</a:t>
+            </a:r>
+          </a:p>
+          <a:p>
+            <a:pPr algn="ctr"/>
+            <a:r>
+              <a:rPr lang="en-US" sz="2000" dirty="0" smtClean="0"/>
+              <a:t>Bellman-Ford Algorithm</a:t>
+            </a:r>
+          </a:p>
+          <a:p>
+            <a:pPr algn="ctr"/>
+            <a:r>
+              <a:rPr lang="en-US" sz="2000" dirty="0" smtClean="0"/>
+              <a:t>Floyd-</a:t>
+            </a:r>
+            <a:r>
+              <a:rPr lang="en-US" sz="2000" dirty="0" err="1" smtClean="0"/>
+              <a:t>Warshall</a:t>
+            </a:r>
+            <a:r>
+              <a:rPr lang="en-US" sz="2000" dirty="0" smtClean="0"/>
+              <a:t> Algorithm</a:t>
+            </a:r>
+          </a:p>
+          <a:p>
+            <a:pPr algn="ctr"/>
+            <a:r>
+              <a:rPr lang="en-US" sz="2000" dirty="0" smtClean="0"/>
+              <a:t>Breadth-First </a:t>
+            </a:r>
+            <a:r>
+              <a:rPr lang="en-US" sz="2000" dirty="0"/>
+              <a:t>Search (</a:t>
+            </a:r>
+            <a:r>
+              <a:rPr lang="en-US" sz="2000" dirty="0" smtClean="0"/>
+              <a:t>BFS)</a:t>
+            </a:r>
+          </a:p>
+          <a:p>
+            <a:pPr algn="ctr"/>
+            <a:r>
+              <a:rPr lang="en-US" sz="2000" dirty="0" smtClean="0"/>
+              <a:t>Depth-First </a:t>
+            </a:r>
+            <a:r>
+              <a:rPr lang="en-US" sz="2000" dirty="0"/>
+              <a:t>Search (</a:t>
+            </a:r>
+            <a:r>
+              <a:rPr lang="en-US" sz="2000" dirty="0" smtClean="0"/>
+              <a:t>DFS)</a:t>
+            </a:r>
+          </a:p>
+          <a:p>
+            <a:pPr algn="ctr"/>
+            <a:r>
+              <a:rPr lang="en-US" sz="2000" dirty="0" smtClean="0"/>
+              <a:t>Johnson’s Algorithm</a:t>
+            </a:r>
+          </a:p>
+          <a:p>
+            <a:pPr marL="0" indent="0" algn="ctr">
+              <a:buNone/>
+            </a:pPr>
+            <a:endParaRPr lang="en-US" sz="2000" dirty="0" smtClean="0"/>
+          </a:p>
+          <a:p>
+            <a:pPr marL="0" indent="0" algn="ctr">
+              <a:buNone/>
+            </a:pPr>
+            <a:r>
+              <a:rPr lang="en-US" sz="2000" dirty="0"/>
+              <a:t>We have used Breadth-First Search (BFS) in our </a:t>
+            </a:r>
+            <a:r>
+              <a:rPr lang="en-US" sz="2000" dirty="0" smtClean="0"/>
+              <a:t>code..</a:t>
+            </a:r>
+            <a:endParaRPr lang="en-US" sz="2000" dirty="0"/>
+          </a:p>
+        </p:txBody>
+      </p:sp>
+    </p:spTree>
+    <p:extLst>
+      <p:ext uri="{BB962C8B-B14F-4D97-AF65-F5344CB8AC3E}">
+        <p14:creationId xmlns:p14="http://schemas.microsoft.com/office/powerpoint/2010/main" val="1758734204"/>
+      </p:ext>
+    </p:extLst>
+  </p:cSld>
+  <p:clrMapOvr>
+    <a:masterClrMapping/>
+  </p:clrMapOvr>
+</p:sld>
+</file>
+
+<file path=ppt/slides/slide19.xml><?xml version="1.0" encoding="utf-8"?>
+<p:sld xmlns:a="http://schemas.openxmlformats.org/drawingml/2006/main" xmlns:r="http://schemas.openxmlformats.org/officeDocument/2006/relationships" xmlns:p="http://schemas.openxmlformats.org/presentationml/2006/main">
+  <p:cSld>
+    <p:spTree>
+      <p:nvGrpSpPr>
+        <p:cNvPr id="1" name=""/>
+        <p:cNvGrpSpPr/>
+        <p:nvPr/>
+      </p:nvGrpSpPr>
+      <p:grpSpPr>
+        <a:xfrm>
+          <a:off x="0" y="0"/>
+          <a:ext cx="0" cy="0"/>
+          <a:chOff x="0" y="0"/>
+          <a:chExt cx="0" cy="0"/>
+        </a:xfrm>
+      </p:grpSpPr>
+      <p:sp>
+        <p:nvSpPr>
+          <p:cNvPr id="2" name="Title 1"/>
+          <p:cNvSpPr>
+            <a:spLocks noGrp="1"/>
+          </p:cNvSpPr>
+          <p:nvPr>
+            <p:ph type="title"/>
+          </p:nvPr>
+        </p:nvSpPr>
+        <p:spPr/>
+        <p:txBody>
+          <a:bodyPr>
+            <a:normAutofit/>
+          </a:bodyPr>
+          <a:lstStyle/>
+          <a:p>
+            <a:pPr algn="ctr"/>
+            <a:r>
+              <a:rPr lang="en-US" sz="3600" b="1" u="sng" dirty="0" smtClean="0"/>
+              <a:t>Breadth-First Search Algorithm</a:t>
+            </a:r>
+            <a:endParaRPr lang="en-US" sz="3600" b="1" u="sng" dirty="0"/>
+          </a:p>
+        </p:txBody>
+      </p:sp>
+      <p:sp>
+        <p:nvSpPr>
+          <p:cNvPr id="3" name="Content Placeholder 2"/>
+          <p:cNvSpPr>
+            <a:spLocks noGrp="1"/>
+          </p:cNvSpPr>
+          <p:nvPr>
+            <p:ph idx="1"/>
+          </p:nvPr>
+        </p:nvSpPr>
+        <p:spPr/>
+        <p:txBody>
+          <a:bodyPr/>
+          <a:lstStyle/>
+          <a:p>
+            <a:pPr marL="0" indent="0">
+              <a:buNone/>
+            </a:pPr>
+            <a:r>
+              <a:rPr lang="en-US" dirty="0" smtClean="0"/>
+              <a:t>BFS is the best algorithm used for path finding in </a:t>
+            </a:r>
+            <a:r>
+              <a:rPr lang="en-US" b="1" dirty="0" smtClean="0"/>
+              <a:t>unweighted graphs</a:t>
+            </a:r>
+            <a:r>
+              <a:rPr lang="en-US" dirty="0" smtClean="0"/>
+              <a:t>.</a:t>
+            </a:r>
+          </a:p>
+          <a:p>
+            <a:pPr marL="0" indent="0">
+              <a:buNone/>
+            </a:pPr>
+            <a:endParaRPr lang="en-US" dirty="0"/>
+          </a:p>
+        </p:txBody>
+      </p:sp>
+    </p:spTree>
+    <p:extLst>
+      <p:ext uri="{BB962C8B-B14F-4D97-AF65-F5344CB8AC3E}">
+        <p14:creationId xmlns:p14="http://schemas.microsoft.com/office/powerpoint/2010/main" val="3891699235"/>
+      </p:ext>
+    </p:extLst>
+  </p:cSld>
+  <p:clrMapOvr>
+    <a:masterClrMapping/>
+  </p:clrMapOvr>
+</p:sld>
+</file>
+
 <file path=ppt/slides/slide2.xml><?xml version="1.0" encoding="utf-8"?>
 <p:sld xmlns:a="http://schemas.openxmlformats.org/drawingml/2006/main" xmlns:r="http://schemas.openxmlformats.org/officeDocument/2006/relationships" xmlns:p="http://schemas.openxmlformats.org/presentationml/2006/main">
   <p:cSld>
@@ -8942,7 +9808,7 @@
           <p:cNvPr id="2" name="Title 1">
             <a:extLst>
               <a:ext uri="{FF2B5EF4-FFF2-40B4-BE49-F238E27FC236}">
-                <a16:creationId xmlns:a16="http://schemas.microsoft.com/office/drawing/2014/main" id="{5D30DDF8-853A-DFDB-A947-FE9D44C8E03C}"/>
+                <a16:creationId xmlns:a16="http://schemas.microsoft.com/office/drawing/2014/main" xmlns="" id="{5D30DDF8-853A-DFDB-A947-FE9D44C8E03C}"/>
               </a:ext>
             </a:extLst>
           </p:cNvPr>
@@ -8999,7 +9865,7 @@
           <p:cNvPr id="3" name="Text Placeholder 2">
             <a:extLst>
               <a:ext uri="{FF2B5EF4-FFF2-40B4-BE49-F238E27FC236}">
-                <a16:creationId xmlns:a16="http://schemas.microsoft.com/office/drawing/2014/main" id="{F3FFBF10-3A6A-039D-96F3-6E61CA66CD1E}"/>
+                <a16:creationId xmlns:a16="http://schemas.microsoft.com/office/drawing/2014/main" xmlns="" id="{F3FFBF10-3A6A-039D-96F3-6E61CA66CD1E}"/>
               </a:ext>
             </a:extLst>
           </p:cNvPr>
@@ -9065,7 +9931,7 @@
           <p:cNvPr id="5" name="Picture 4">
             <a:extLst>
               <a:ext uri="{FF2B5EF4-FFF2-40B4-BE49-F238E27FC236}">
-                <a16:creationId xmlns:a16="http://schemas.microsoft.com/office/drawing/2014/main" id="{DF5E120D-8E2E-D414-9BE3-A68A099B210E}"/>
+                <a16:creationId xmlns:a16="http://schemas.microsoft.com/office/drawing/2014/main" xmlns="" id="{DF5E120D-8E2E-D414-9BE3-A68A099B210E}"/>
               </a:ext>
             </a:extLst>
           </p:cNvPr>
@@ -9100,7 +9966,7 @@
           <p:cNvPr id="7" name="Picture 6">
             <a:extLst>
               <a:ext uri="{FF2B5EF4-FFF2-40B4-BE49-F238E27FC236}">
-                <a16:creationId xmlns:a16="http://schemas.microsoft.com/office/drawing/2014/main" id="{5EC6C3A6-23EE-3547-4CDC-5D24A0A7D522}"/>
+                <a16:creationId xmlns:a16="http://schemas.microsoft.com/office/drawing/2014/main" xmlns="" id="{5EC6C3A6-23EE-3547-4CDC-5D24A0A7D522}"/>
               </a:ext>
             </a:extLst>
           </p:cNvPr>
@@ -9135,7 +10001,7 @@
           <p:cNvPr id="9" name="Picture 8">
             <a:extLst>
               <a:ext uri="{FF2B5EF4-FFF2-40B4-BE49-F238E27FC236}">
-                <a16:creationId xmlns:a16="http://schemas.microsoft.com/office/drawing/2014/main" id="{BCAA92A2-3C81-650B-7F86-D978F3483C08}"/>
+                <a16:creationId xmlns:a16="http://schemas.microsoft.com/office/drawing/2014/main" xmlns="" id="{BCAA92A2-3C81-650B-7F86-D978F3483C08}"/>
               </a:ext>
             </a:extLst>
           </p:cNvPr>
@@ -9200,7 +10066,7 @@
           <p:cNvPr id="2" name="Title 1">
             <a:extLst>
               <a:ext uri="{FF2B5EF4-FFF2-40B4-BE49-F238E27FC236}">
-                <a16:creationId xmlns:a16="http://schemas.microsoft.com/office/drawing/2014/main" id="{5D30DDF8-853A-DFDB-A947-FE9D44C8E03C}"/>
+                <a16:creationId xmlns:a16="http://schemas.microsoft.com/office/drawing/2014/main" xmlns="" id="{5D30DDF8-853A-DFDB-A947-FE9D44C8E03C}"/>
               </a:ext>
             </a:extLst>
           </p:cNvPr>
@@ -9257,7 +10123,7 @@
           <p:cNvPr id="3" name="Text Placeholder 2">
             <a:extLst>
               <a:ext uri="{FF2B5EF4-FFF2-40B4-BE49-F238E27FC236}">
-                <a16:creationId xmlns:a16="http://schemas.microsoft.com/office/drawing/2014/main" id="{F3FFBF10-3A6A-039D-96F3-6E61CA66CD1E}"/>
+                <a16:creationId xmlns:a16="http://schemas.microsoft.com/office/drawing/2014/main" xmlns="" id="{F3FFBF10-3A6A-039D-96F3-6E61CA66CD1E}"/>
               </a:ext>
             </a:extLst>
           </p:cNvPr>
@@ -9323,7 +10189,7 @@
           <p:cNvPr id="5" name="Picture 4">
             <a:extLst>
               <a:ext uri="{FF2B5EF4-FFF2-40B4-BE49-F238E27FC236}">
-                <a16:creationId xmlns:a16="http://schemas.microsoft.com/office/drawing/2014/main" id="{DF5E120D-8E2E-D414-9BE3-A68A099B210E}"/>
+                <a16:creationId xmlns:a16="http://schemas.microsoft.com/office/drawing/2014/main" xmlns="" id="{DF5E120D-8E2E-D414-9BE3-A68A099B210E}"/>
               </a:ext>
             </a:extLst>
           </p:cNvPr>
@@ -9358,7 +10224,7 @@
           <p:cNvPr id="7" name="Picture 6">
             <a:extLst>
               <a:ext uri="{FF2B5EF4-FFF2-40B4-BE49-F238E27FC236}">
-                <a16:creationId xmlns:a16="http://schemas.microsoft.com/office/drawing/2014/main" id="{5EC6C3A6-23EE-3547-4CDC-5D24A0A7D522}"/>
+                <a16:creationId xmlns:a16="http://schemas.microsoft.com/office/drawing/2014/main" xmlns="" id="{5EC6C3A6-23EE-3547-4CDC-5D24A0A7D522}"/>
               </a:ext>
             </a:extLst>
           </p:cNvPr>
@@ -9393,7 +10259,7 @@
           <p:cNvPr id="9" name="Picture 8">
             <a:extLst>
               <a:ext uri="{FF2B5EF4-FFF2-40B4-BE49-F238E27FC236}">
-                <a16:creationId xmlns:a16="http://schemas.microsoft.com/office/drawing/2014/main" id="{BCAA92A2-3C81-650B-7F86-D978F3483C08}"/>
+                <a16:creationId xmlns:a16="http://schemas.microsoft.com/office/drawing/2014/main" xmlns="" id="{BCAA92A2-3C81-650B-7F86-D978F3483C08}"/>
               </a:ext>
             </a:extLst>
           </p:cNvPr>
@@ -9428,7 +10294,7 @@
           <p:cNvPr id="13" name="Straight Arrow Connector 12">
             <a:extLst>
               <a:ext uri="{FF2B5EF4-FFF2-40B4-BE49-F238E27FC236}">
-                <a16:creationId xmlns:a16="http://schemas.microsoft.com/office/drawing/2014/main" id="{0CF5CAB6-3C22-9FEC-7E1E-7B91C8E5761F}"/>
+                <a16:creationId xmlns:a16="http://schemas.microsoft.com/office/drawing/2014/main" xmlns="" id="{0CF5CAB6-3C22-9FEC-7E1E-7B91C8E5761F}"/>
               </a:ext>
             </a:extLst>
           </p:cNvPr>
@@ -9472,7 +10338,7 @@
           <p:cNvPr id="14" name="Straight Arrow Connector 13">
             <a:extLst>
               <a:ext uri="{FF2B5EF4-FFF2-40B4-BE49-F238E27FC236}">
-                <a16:creationId xmlns:a16="http://schemas.microsoft.com/office/drawing/2014/main" id="{1CCF16B9-A09E-4470-2324-7D202860F263}"/>
+                <a16:creationId xmlns:a16="http://schemas.microsoft.com/office/drawing/2014/main" xmlns="" id="{1CCF16B9-A09E-4470-2324-7D202860F263}"/>
               </a:ext>
             </a:extLst>
           </p:cNvPr>
@@ -9519,7 +10385,7 @@
           <p:cNvPr id="4" name="Straight Arrow Connector 3">
             <a:extLst>
               <a:ext uri="{FF2B5EF4-FFF2-40B4-BE49-F238E27FC236}">
-                <a16:creationId xmlns:a16="http://schemas.microsoft.com/office/drawing/2014/main" id="{98ADD665-6FC6-CEB4-6D76-8C26111BF116}"/>
+                <a16:creationId xmlns:a16="http://schemas.microsoft.com/office/drawing/2014/main" xmlns="" id="{98ADD665-6FC6-CEB4-6D76-8C26111BF116}"/>
               </a:ext>
             </a:extLst>
           </p:cNvPr>
@@ -9563,7 +10429,7 @@
           <p:cNvPr id="6" name="Straight Arrow Connector 5">
             <a:extLst>
               <a:ext uri="{FF2B5EF4-FFF2-40B4-BE49-F238E27FC236}">
-                <a16:creationId xmlns:a16="http://schemas.microsoft.com/office/drawing/2014/main" id="{3C0F131E-E90A-3652-2E94-739BA4B3AD14}"/>
+                <a16:creationId xmlns:a16="http://schemas.microsoft.com/office/drawing/2014/main" xmlns="" id="{3C0F131E-E90A-3652-2E94-739BA4B3AD14}"/>
               </a:ext>
             </a:extLst>
           </p:cNvPr>
@@ -9607,7 +10473,7 @@
           <p:cNvPr id="8" name="Straight Arrow Connector 7">
             <a:extLst>
               <a:ext uri="{FF2B5EF4-FFF2-40B4-BE49-F238E27FC236}">
-                <a16:creationId xmlns:a16="http://schemas.microsoft.com/office/drawing/2014/main" id="{953C8946-F2DA-9D06-E8E1-65ED0C5F25D8}"/>
+                <a16:creationId xmlns:a16="http://schemas.microsoft.com/office/drawing/2014/main" xmlns="" id="{953C8946-F2DA-9D06-E8E1-65ED0C5F25D8}"/>
               </a:ext>
             </a:extLst>
           </p:cNvPr>
@@ -9654,7 +10520,7 @@
           <p:cNvPr id="10" name="Straight Arrow Connector 9">
             <a:extLst>
               <a:ext uri="{FF2B5EF4-FFF2-40B4-BE49-F238E27FC236}">
-                <a16:creationId xmlns:a16="http://schemas.microsoft.com/office/drawing/2014/main" id="{73A92731-B2F7-2195-B2DA-1A6401977BE5}"/>
+                <a16:creationId xmlns:a16="http://schemas.microsoft.com/office/drawing/2014/main" xmlns="" id="{73A92731-B2F7-2195-B2DA-1A6401977BE5}"/>
               </a:ext>
             </a:extLst>
           </p:cNvPr>
@@ -9701,7 +10567,7 @@
           <p:cNvPr id="11" name="TextBox 10">
             <a:extLst>
               <a:ext uri="{FF2B5EF4-FFF2-40B4-BE49-F238E27FC236}">
-                <a16:creationId xmlns:a16="http://schemas.microsoft.com/office/drawing/2014/main" id="{25E40C69-AAB7-773A-3E63-8815E4C667BB}"/>
+                <a16:creationId xmlns:a16="http://schemas.microsoft.com/office/drawing/2014/main" xmlns="" id="{25E40C69-AAB7-773A-3E63-8815E4C667BB}"/>
               </a:ext>
             </a:extLst>
           </p:cNvPr>
@@ -9742,7 +10608,7 @@
           <p:cNvPr id="12" name="TextBox 11">
             <a:extLst>
               <a:ext uri="{FF2B5EF4-FFF2-40B4-BE49-F238E27FC236}">
-                <a16:creationId xmlns:a16="http://schemas.microsoft.com/office/drawing/2014/main" id="{C2D554D5-ACAF-44BE-A0AE-5FAD5C39073F}"/>
+                <a16:creationId xmlns:a16="http://schemas.microsoft.com/office/drawing/2014/main" xmlns="" id="{C2D554D5-ACAF-44BE-A0AE-5FAD5C39073F}"/>
               </a:ext>
             </a:extLst>
           </p:cNvPr>
@@ -9813,7 +10679,7 @@
           <p:cNvPr id="2" name="Title 1">
             <a:extLst>
               <a:ext uri="{FF2B5EF4-FFF2-40B4-BE49-F238E27FC236}">
-                <a16:creationId xmlns:a16="http://schemas.microsoft.com/office/drawing/2014/main" id="{5D30DDF8-853A-DFDB-A947-FE9D44C8E03C}"/>
+                <a16:creationId xmlns:a16="http://schemas.microsoft.com/office/drawing/2014/main" xmlns="" id="{5D30DDF8-853A-DFDB-A947-FE9D44C8E03C}"/>
               </a:ext>
             </a:extLst>
           </p:cNvPr>
@@ -9870,7 +10736,7 @@
           <p:cNvPr id="3" name="Text Placeholder 2">
             <a:extLst>
               <a:ext uri="{FF2B5EF4-FFF2-40B4-BE49-F238E27FC236}">
-                <a16:creationId xmlns:a16="http://schemas.microsoft.com/office/drawing/2014/main" id="{F3FFBF10-3A6A-039D-96F3-6E61CA66CD1E}"/>
+                <a16:creationId xmlns:a16="http://schemas.microsoft.com/office/drawing/2014/main" xmlns="" id="{F3FFBF10-3A6A-039D-96F3-6E61CA66CD1E}"/>
               </a:ext>
             </a:extLst>
           </p:cNvPr>
@@ -9936,7 +10802,7 @@
           <p:cNvPr id="5" name="Picture 4">
             <a:extLst>
               <a:ext uri="{FF2B5EF4-FFF2-40B4-BE49-F238E27FC236}">
-                <a16:creationId xmlns:a16="http://schemas.microsoft.com/office/drawing/2014/main" id="{DF5E120D-8E2E-D414-9BE3-A68A099B210E}"/>
+                <a16:creationId xmlns:a16="http://schemas.microsoft.com/office/drawing/2014/main" xmlns="" id="{DF5E120D-8E2E-D414-9BE3-A68A099B210E}"/>
               </a:ext>
             </a:extLst>
           </p:cNvPr>
@@ -9971,7 +10837,7 @@
           <p:cNvPr id="7" name="Picture 6">
             <a:extLst>
               <a:ext uri="{FF2B5EF4-FFF2-40B4-BE49-F238E27FC236}">
-                <a16:creationId xmlns:a16="http://schemas.microsoft.com/office/drawing/2014/main" id="{5EC6C3A6-23EE-3547-4CDC-5D24A0A7D522}"/>
+                <a16:creationId xmlns:a16="http://schemas.microsoft.com/office/drawing/2014/main" xmlns="" id="{5EC6C3A6-23EE-3547-4CDC-5D24A0A7D522}"/>
               </a:ext>
             </a:extLst>
           </p:cNvPr>
@@ -10006,7 +10872,7 @@
           <p:cNvPr id="9" name="Picture 8">
             <a:extLst>
               <a:ext uri="{FF2B5EF4-FFF2-40B4-BE49-F238E27FC236}">
-                <a16:creationId xmlns:a16="http://schemas.microsoft.com/office/drawing/2014/main" id="{BCAA92A2-3C81-650B-7F86-D978F3483C08}"/>
+                <a16:creationId xmlns:a16="http://schemas.microsoft.com/office/drawing/2014/main" xmlns="" id="{BCAA92A2-3C81-650B-7F86-D978F3483C08}"/>
               </a:ext>
             </a:extLst>
           </p:cNvPr>
@@ -10041,7 +10907,7 @@
           <p:cNvPr id="13" name="Straight Arrow Connector 12">
             <a:extLst>
               <a:ext uri="{FF2B5EF4-FFF2-40B4-BE49-F238E27FC236}">
-                <a16:creationId xmlns:a16="http://schemas.microsoft.com/office/drawing/2014/main" id="{0CF5CAB6-3C22-9FEC-7E1E-7B91C8E5761F}"/>
+                <a16:creationId xmlns:a16="http://schemas.microsoft.com/office/drawing/2014/main" xmlns="" id="{0CF5CAB6-3C22-9FEC-7E1E-7B91C8E5761F}"/>
               </a:ext>
             </a:extLst>
           </p:cNvPr>
@@ -10085,7 +10951,7 @@
           <p:cNvPr id="14" name="Straight Arrow Connector 13">
             <a:extLst>
               <a:ext uri="{FF2B5EF4-FFF2-40B4-BE49-F238E27FC236}">
-                <a16:creationId xmlns:a16="http://schemas.microsoft.com/office/drawing/2014/main" id="{1CCF16B9-A09E-4470-2324-7D202860F263}"/>
+                <a16:creationId xmlns:a16="http://schemas.microsoft.com/office/drawing/2014/main" xmlns="" id="{1CCF16B9-A09E-4470-2324-7D202860F263}"/>
               </a:ext>
             </a:extLst>
           </p:cNvPr>
@@ -10132,7 +10998,7 @@
           <p:cNvPr id="4" name="Straight Arrow Connector 3">
             <a:extLst>
               <a:ext uri="{FF2B5EF4-FFF2-40B4-BE49-F238E27FC236}">
-                <a16:creationId xmlns:a16="http://schemas.microsoft.com/office/drawing/2014/main" id="{98ADD665-6FC6-CEB4-6D76-8C26111BF116}"/>
+                <a16:creationId xmlns:a16="http://schemas.microsoft.com/office/drawing/2014/main" xmlns="" id="{98ADD665-6FC6-CEB4-6D76-8C26111BF116}"/>
               </a:ext>
             </a:extLst>
           </p:cNvPr>
@@ -10176,7 +11042,7 @@
           <p:cNvPr id="6" name="Straight Arrow Connector 5">
             <a:extLst>
               <a:ext uri="{FF2B5EF4-FFF2-40B4-BE49-F238E27FC236}">
-                <a16:creationId xmlns:a16="http://schemas.microsoft.com/office/drawing/2014/main" id="{3C0F131E-E90A-3652-2E94-739BA4B3AD14}"/>
+                <a16:creationId xmlns:a16="http://schemas.microsoft.com/office/drawing/2014/main" xmlns="" id="{3C0F131E-E90A-3652-2E94-739BA4B3AD14}"/>
               </a:ext>
             </a:extLst>
           </p:cNvPr>
@@ -10220,7 +11086,7 @@
           <p:cNvPr id="8" name="Straight Arrow Connector 7">
             <a:extLst>
               <a:ext uri="{FF2B5EF4-FFF2-40B4-BE49-F238E27FC236}">
-                <a16:creationId xmlns:a16="http://schemas.microsoft.com/office/drawing/2014/main" id="{953C8946-F2DA-9D06-E8E1-65ED0C5F25D8}"/>
+                <a16:creationId xmlns:a16="http://schemas.microsoft.com/office/drawing/2014/main" xmlns="" id="{953C8946-F2DA-9D06-E8E1-65ED0C5F25D8}"/>
               </a:ext>
             </a:extLst>
           </p:cNvPr>
@@ -10267,7 +11133,7 @@
           <p:cNvPr id="10" name="Straight Arrow Connector 9">
             <a:extLst>
               <a:ext uri="{FF2B5EF4-FFF2-40B4-BE49-F238E27FC236}">
-                <a16:creationId xmlns:a16="http://schemas.microsoft.com/office/drawing/2014/main" id="{73A92731-B2F7-2195-B2DA-1A6401977BE5}"/>
+                <a16:creationId xmlns:a16="http://schemas.microsoft.com/office/drawing/2014/main" xmlns="" id="{73A92731-B2F7-2195-B2DA-1A6401977BE5}"/>
               </a:ext>
             </a:extLst>
           </p:cNvPr>
@@ -10314,7 +11180,7 @@
           <p:cNvPr id="11" name="TextBox 10">
             <a:extLst>
               <a:ext uri="{FF2B5EF4-FFF2-40B4-BE49-F238E27FC236}">
-                <a16:creationId xmlns:a16="http://schemas.microsoft.com/office/drawing/2014/main" id="{25E40C69-AAB7-773A-3E63-8815E4C667BB}"/>
+                <a16:creationId xmlns:a16="http://schemas.microsoft.com/office/drawing/2014/main" xmlns="" id="{25E40C69-AAB7-773A-3E63-8815E4C667BB}"/>
               </a:ext>
             </a:extLst>
           </p:cNvPr>
@@ -10355,7 +11221,7 @@
           <p:cNvPr id="12" name="TextBox 11">
             <a:extLst>
               <a:ext uri="{FF2B5EF4-FFF2-40B4-BE49-F238E27FC236}">
-                <a16:creationId xmlns:a16="http://schemas.microsoft.com/office/drawing/2014/main" id="{C2D554D5-ACAF-44BE-A0AE-5FAD5C39073F}"/>
+                <a16:creationId xmlns:a16="http://schemas.microsoft.com/office/drawing/2014/main" xmlns="" id="{C2D554D5-ACAF-44BE-A0AE-5FAD5C39073F}"/>
               </a:ext>
             </a:extLst>
           </p:cNvPr>
@@ -10396,7 +11262,7 @@
           <p:cNvPr id="16" name="Straight Connector 15">
             <a:extLst>
               <a:ext uri="{FF2B5EF4-FFF2-40B4-BE49-F238E27FC236}">
-                <a16:creationId xmlns:a16="http://schemas.microsoft.com/office/drawing/2014/main" id="{ACDAADC2-F7E7-2AB3-8431-833234F0D948}"/>
+                <a16:creationId xmlns:a16="http://schemas.microsoft.com/office/drawing/2014/main" xmlns="" id="{ACDAADC2-F7E7-2AB3-8431-833234F0D948}"/>
               </a:ext>
             </a:extLst>
           </p:cNvPr>
@@ -10439,7 +11305,7 @@
           <p:cNvPr id="19" name="Straight Connector 18">
             <a:extLst>
               <a:ext uri="{FF2B5EF4-FFF2-40B4-BE49-F238E27FC236}">
-                <a16:creationId xmlns:a16="http://schemas.microsoft.com/office/drawing/2014/main" id="{1D3114F2-3799-D088-0DA0-DE82349A782F}"/>
+                <a16:creationId xmlns:a16="http://schemas.microsoft.com/office/drawing/2014/main" xmlns="" id="{1D3114F2-3799-D088-0DA0-DE82349A782F}"/>
               </a:ext>
             </a:extLst>
           </p:cNvPr>
@@ -10482,7 +11348,7 @@
           <p:cNvPr id="22" name="TextBox 21">
             <a:extLst>
               <a:ext uri="{FF2B5EF4-FFF2-40B4-BE49-F238E27FC236}">
-                <a16:creationId xmlns:a16="http://schemas.microsoft.com/office/drawing/2014/main" id="{46B7EA58-223A-76DA-904C-B127A21679D7}"/>
+                <a16:creationId xmlns:a16="http://schemas.microsoft.com/office/drawing/2014/main" xmlns="" id="{46B7EA58-223A-76DA-904C-B127A21679D7}"/>
               </a:ext>
             </a:extLst>
           </p:cNvPr>
@@ -10553,7 +11419,7 @@
           <p:cNvPr id="2" name="TextBox 1">
             <a:extLst>
               <a:ext uri="{FF2B5EF4-FFF2-40B4-BE49-F238E27FC236}">
-                <a16:creationId xmlns:a16="http://schemas.microsoft.com/office/drawing/2014/main" id="{CFBB8880-030D-770F-78E0-250ED3C4086B}"/>
+                <a16:creationId xmlns:a16="http://schemas.microsoft.com/office/drawing/2014/main" xmlns="" id="{CFBB8880-030D-770F-78E0-250ED3C4086B}"/>
               </a:ext>
             </a:extLst>
           </p:cNvPr>
@@ -10592,7 +11458,7 @@
           <p:cNvPr id="4" name="Picture 3">
             <a:extLst>
               <a:ext uri="{FF2B5EF4-FFF2-40B4-BE49-F238E27FC236}">
-                <a16:creationId xmlns:a16="http://schemas.microsoft.com/office/drawing/2014/main" id="{FAAEB7AD-C825-8836-2CCC-6A519C365B2E}"/>
+                <a16:creationId xmlns:a16="http://schemas.microsoft.com/office/drawing/2014/main" xmlns="" id="{FAAEB7AD-C825-8836-2CCC-6A519C365B2E}"/>
               </a:ext>
             </a:extLst>
           </p:cNvPr>
@@ -10628,7 +11494,7 @@
           <p:cNvPr id="6" name="Picture 5">
             <a:extLst>
               <a:ext uri="{FF2B5EF4-FFF2-40B4-BE49-F238E27FC236}">
-                <a16:creationId xmlns:a16="http://schemas.microsoft.com/office/drawing/2014/main" id="{12FC48A8-7E76-3B37-EC98-7F8A0B19AB46}"/>
+                <a16:creationId xmlns:a16="http://schemas.microsoft.com/office/drawing/2014/main" xmlns="" id="{12FC48A8-7E76-3B37-EC98-7F8A0B19AB46}"/>
               </a:ext>
             </a:extLst>
           </p:cNvPr>
@@ -10664,7 +11530,7 @@
           <p:cNvPr id="7" name="TextBox 6">
             <a:extLst>
               <a:ext uri="{FF2B5EF4-FFF2-40B4-BE49-F238E27FC236}">
-                <a16:creationId xmlns:a16="http://schemas.microsoft.com/office/drawing/2014/main" id="{7A58E15A-2348-A7C6-FC81-48AD1D6E4181}"/>
+                <a16:creationId xmlns:a16="http://schemas.microsoft.com/office/drawing/2014/main" xmlns="" id="{7A58E15A-2348-A7C6-FC81-48AD1D6E4181}"/>
               </a:ext>
             </a:extLst>
           </p:cNvPr>
@@ -10699,7 +11565,7 @@
           <p:cNvPr id="8" name="Picture 7">
             <a:extLst>
               <a:ext uri="{FF2B5EF4-FFF2-40B4-BE49-F238E27FC236}">
-                <a16:creationId xmlns:a16="http://schemas.microsoft.com/office/drawing/2014/main" id="{C1B70BF2-C4A5-2826-E7C8-890B5910688F}"/>
+                <a16:creationId xmlns:a16="http://schemas.microsoft.com/office/drawing/2014/main" xmlns="" id="{C1B70BF2-C4A5-2826-E7C8-890B5910688F}"/>
               </a:ext>
             </a:extLst>
           </p:cNvPr>
@@ -10734,7 +11600,7 @@
           <p:cNvPr id="9" name="TextBox 8">
             <a:extLst>
               <a:ext uri="{FF2B5EF4-FFF2-40B4-BE49-F238E27FC236}">
-                <a16:creationId xmlns:a16="http://schemas.microsoft.com/office/drawing/2014/main" id="{F327D58F-429A-36B6-C4D6-D4B3D7248B24}"/>
+                <a16:creationId xmlns:a16="http://schemas.microsoft.com/office/drawing/2014/main" xmlns="" id="{F327D58F-429A-36B6-C4D6-D4B3D7248B24}"/>
               </a:ext>
             </a:extLst>
           </p:cNvPr>
@@ -10799,7 +11665,7 @@
           <p:cNvPr id="2" name="TextBox 1">
             <a:extLst>
               <a:ext uri="{FF2B5EF4-FFF2-40B4-BE49-F238E27FC236}">
-                <a16:creationId xmlns:a16="http://schemas.microsoft.com/office/drawing/2014/main" id="{CFBB8880-030D-770F-78E0-250ED3C4086B}"/>
+                <a16:creationId xmlns:a16="http://schemas.microsoft.com/office/drawing/2014/main" xmlns="" id="{CFBB8880-030D-770F-78E0-250ED3C4086B}"/>
               </a:ext>
             </a:extLst>
           </p:cNvPr>
@@ -10838,7 +11704,7 @@
           <p:cNvPr id="4" name="Picture 3">
             <a:extLst>
               <a:ext uri="{FF2B5EF4-FFF2-40B4-BE49-F238E27FC236}">
-                <a16:creationId xmlns:a16="http://schemas.microsoft.com/office/drawing/2014/main" id="{FAAEB7AD-C825-8836-2CCC-6A519C365B2E}"/>
+                <a16:creationId xmlns:a16="http://schemas.microsoft.com/office/drawing/2014/main" xmlns="" id="{FAAEB7AD-C825-8836-2CCC-6A519C365B2E}"/>
               </a:ext>
             </a:extLst>
           </p:cNvPr>
@@ -10874,7 +11740,7 @@
           <p:cNvPr id="3" name="TextBox 2">
             <a:extLst>
               <a:ext uri="{FF2B5EF4-FFF2-40B4-BE49-F238E27FC236}">
-                <a16:creationId xmlns:a16="http://schemas.microsoft.com/office/drawing/2014/main" id="{C3BFC904-2C98-0A6B-DB9F-F77D7062E30B}"/>
+                <a16:creationId xmlns:a16="http://schemas.microsoft.com/office/drawing/2014/main" xmlns="" id="{C3BFC904-2C98-0A6B-DB9F-F77D7062E30B}"/>
               </a:ext>
             </a:extLst>
           </p:cNvPr>
@@ -10909,7 +11775,7 @@
           <p:cNvPr id="10" name="Picture 9">
             <a:extLst>
               <a:ext uri="{FF2B5EF4-FFF2-40B4-BE49-F238E27FC236}">
-                <a16:creationId xmlns:a16="http://schemas.microsoft.com/office/drawing/2014/main" id="{479D0D63-8B89-D61F-B6AC-12A0A9B1880F}"/>
+                <a16:creationId xmlns:a16="http://schemas.microsoft.com/office/drawing/2014/main" xmlns="" id="{479D0D63-8B89-D61F-B6AC-12A0A9B1880F}"/>
               </a:ext>
             </a:extLst>
           </p:cNvPr>
@@ -10944,7 +11810,7 @@
           <p:cNvPr id="11" name="TextBox 10">
             <a:extLst>
               <a:ext uri="{FF2B5EF4-FFF2-40B4-BE49-F238E27FC236}">
-                <a16:creationId xmlns:a16="http://schemas.microsoft.com/office/drawing/2014/main" id="{3EE8954A-E471-F2EF-426C-D988AF32186F}"/>
+                <a16:creationId xmlns:a16="http://schemas.microsoft.com/office/drawing/2014/main" xmlns="" id="{3EE8954A-E471-F2EF-426C-D988AF32186F}"/>
               </a:ext>
             </a:extLst>
           </p:cNvPr>
@@ -11009,7 +11875,7 @@
           <p:cNvPr id="2" name="TextBox 1">
             <a:extLst>
               <a:ext uri="{FF2B5EF4-FFF2-40B4-BE49-F238E27FC236}">
-                <a16:creationId xmlns:a16="http://schemas.microsoft.com/office/drawing/2014/main" id="{58458917-3328-445C-86E8-B4D8A6CBAF47}"/>
+                <a16:creationId xmlns:a16="http://schemas.microsoft.com/office/drawing/2014/main" xmlns="" id="{58458917-3328-445C-86E8-B4D8A6CBAF47}"/>
               </a:ext>
             </a:extLst>
           </p:cNvPr>
@@ -11044,7 +11910,7 @@
           <p:cNvPr id="4" name="TextBox 3">
             <a:extLst>
               <a:ext uri="{FF2B5EF4-FFF2-40B4-BE49-F238E27FC236}">
-                <a16:creationId xmlns:a16="http://schemas.microsoft.com/office/drawing/2014/main" id="{59C408C2-F21E-4C19-8E48-FFB355E98CF4}"/>
+                <a16:creationId xmlns:a16="http://schemas.microsoft.com/office/drawing/2014/main" xmlns="" id="{59C408C2-F21E-4C19-8E48-FFB355E98CF4}"/>
               </a:ext>
             </a:extLst>
           </p:cNvPr>
@@ -11085,7 +11951,7 @@
           <p:cNvPr id="24" name="Picture 23">
             <a:extLst>
               <a:ext uri="{FF2B5EF4-FFF2-40B4-BE49-F238E27FC236}">
-                <a16:creationId xmlns:a16="http://schemas.microsoft.com/office/drawing/2014/main" id="{7601F9BB-3928-4495-B86A-5B5A12CCEAB1}"/>
+                <a16:creationId xmlns:a16="http://schemas.microsoft.com/office/drawing/2014/main" xmlns="" id="{7601F9BB-3928-4495-B86A-5B5A12CCEAB1}"/>
               </a:ext>
             </a:extLst>
           </p:cNvPr>
@@ -11121,7 +11987,7 @@
           <p:cNvPr id="25" name="TextBox 24">
             <a:extLst>
               <a:ext uri="{FF2B5EF4-FFF2-40B4-BE49-F238E27FC236}">
-                <a16:creationId xmlns:a16="http://schemas.microsoft.com/office/drawing/2014/main" id="{76B2A961-23A7-46AF-9437-D9BEDD34FE3E}"/>
+                <a16:creationId xmlns:a16="http://schemas.microsoft.com/office/drawing/2014/main" xmlns="" id="{76B2A961-23A7-46AF-9437-D9BEDD34FE3E}"/>
               </a:ext>
             </a:extLst>
           </p:cNvPr>
@@ -11216,7 +12082,7 @@
           <p:cNvPr id="2" name="TextBox 1">
             <a:extLst>
               <a:ext uri="{FF2B5EF4-FFF2-40B4-BE49-F238E27FC236}">
-                <a16:creationId xmlns:a16="http://schemas.microsoft.com/office/drawing/2014/main" id="{A694A103-367C-4EBF-A279-F53737AF5323}"/>
+                <a16:creationId xmlns:a16="http://schemas.microsoft.com/office/drawing/2014/main" xmlns="" id="{A694A103-367C-4EBF-A279-F53737AF5323}"/>
               </a:ext>
             </a:extLst>
           </p:cNvPr>
@@ -11252,7 +12118,7 @@
           <p:cNvPr id="4" name="TextBox 3">
             <a:extLst>
               <a:ext uri="{FF2B5EF4-FFF2-40B4-BE49-F238E27FC236}">
-                <a16:creationId xmlns:a16="http://schemas.microsoft.com/office/drawing/2014/main" id="{8E41D626-2890-4F5E-986E-D62832054533}"/>
+                <a16:creationId xmlns:a16="http://schemas.microsoft.com/office/drawing/2014/main" xmlns="" id="{8E41D626-2890-4F5E-986E-D62832054533}"/>
               </a:ext>
             </a:extLst>
           </p:cNvPr>
@@ -11293,7 +12159,7 @@
           <p:cNvPr id="6" name="Picture 5">
             <a:extLst>
               <a:ext uri="{FF2B5EF4-FFF2-40B4-BE49-F238E27FC236}">
-                <a16:creationId xmlns:a16="http://schemas.microsoft.com/office/drawing/2014/main" id="{BB4F0E99-6A1D-4C17-B926-AF7D414F4769}"/>
+                <a16:creationId xmlns:a16="http://schemas.microsoft.com/office/drawing/2014/main" xmlns="" id="{BB4F0E99-6A1D-4C17-B926-AF7D414F4769}"/>
               </a:ext>
             </a:extLst>
           </p:cNvPr>
@@ -11329,7 +12195,7 @@
           <p:cNvPr id="7" name="TextBox 6">
             <a:extLst>
               <a:ext uri="{FF2B5EF4-FFF2-40B4-BE49-F238E27FC236}">
-                <a16:creationId xmlns:a16="http://schemas.microsoft.com/office/drawing/2014/main" id="{BD591925-B68E-4F15-A165-E73B5EC33074}"/>
+                <a16:creationId xmlns:a16="http://schemas.microsoft.com/office/drawing/2014/main" xmlns="" id="{BD591925-B68E-4F15-A165-E73B5EC33074}"/>
               </a:ext>
             </a:extLst>
           </p:cNvPr>
@@ -11379,7 +12245,7 @@
           <p:cNvPr id="11" name="Picture 10">
             <a:extLst>
               <a:ext uri="{FF2B5EF4-FFF2-40B4-BE49-F238E27FC236}">
-                <a16:creationId xmlns:a16="http://schemas.microsoft.com/office/drawing/2014/main" id="{0532259E-1BD2-4B1E-AFFB-6294D0EFCE91}"/>
+                <a16:creationId xmlns:a16="http://schemas.microsoft.com/office/drawing/2014/main" xmlns="" id="{0532259E-1BD2-4B1E-AFFB-6294D0EFCE91}"/>
               </a:ext>
             </a:extLst>
           </p:cNvPr>
@@ -11445,7 +12311,7 @@
           <p:cNvPr id="3" name="TextBox 2">
             <a:extLst>
               <a:ext uri="{FF2B5EF4-FFF2-40B4-BE49-F238E27FC236}">
-                <a16:creationId xmlns:a16="http://schemas.microsoft.com/office/drawing/2014/main" id="{6129BCCE-EAA2-06B8-2ABB-36E1965B0FED}"/>
+                <a16:creationId xmlns:a16="http://schemas.microsoft.com/office/drawing/2014/main" xmlns="" id="{6129BCCE-EAA2-06B8-2ABB-36E1965B0FED}"/>
               </a:ext>
             </a:extLst>
           </p:cNvPr>
@@ -11492,7 +12358,7 @@
           <p:cNvPr id="2" name="TextBox 1">
             <a:extLst>
               <a:ext uri="{FF2B5EF4-FFF2-40B4-BE49-F238E27FC236}">
-                <a16:creationId xmlns:a16="http://schemas.microsoft.com/office/drawing/2014/main" id="{4073108B-FF80-2542-E514-618C5A826695}"/>
+                <a16:creationId xmlns:a16="http://schemas.microsoft.com/office/drawing/2014/main" xmlns="" id="{4073108B-FF80-2542-E514-618C5A826695}"/>
               </a:ext>
             </a:extLst>
           </p:cNvPr>
@@ -11923,7 +12789,7 @@
   <a:extraClrSchemeLst/>
   <a:extLst>
     <a:ext uri="{05A4C25C-085E-4340-85A3-A5531E510DB2}">
-      <thm15:themeFamily xmlns:thm15="http://schemas.microsoft.com/office/thememl/2012/main" name="Office Theme" id="{62F939B6-93AF-4DB8-9C6B-D6C7DFDC589F}" vid="{4A3C46E8-61CC-4603-A589-7422A47A8E4A}"/>
+      <thm15:themeFamily xmlns:thm15="http://schemas.microsoft.com/office/thememl/2012/main" xmlns="" name="Office Theme" id="{62F939B6-93AF-4DB8-9C6B-D6C7DFDC589F}" vid="{4A3C46E8-61CC-4603-A589-7422A47A8E4A}"/>
     </a:ext>
   </a:extLst>
 </a:theme>
@@ -12218,7 +13084,7 @@
   <a:extraClrSchemeLst/>
   <a:extLst>
     <a:ext uri="{05A4C25C-085E-4340-85A3-A5531E510DB2}">
-      <thm15:themeFamily xmlns:thm15="http://schemas.microsoft.com/office/thememl/2012/main" name="Office Theme" id="{62F939B6-93AF-4DB8-9C6B-D6C7DFDC589F}" vid="{4A3C46E8-61CC-4603-A589-7422A47A8E4A}"/>
+      <thm15:themeFamily xmlns:thm15="http://schemas.microsoft.com/office/thememl/2012/main" xmlns="" name="Office Theme" id="{62F939B6-93AF-4DB8-9C6B-D6C7DFDC589F}" vid="{4A3C46E8-61CC-4603-A589-7422A47A8E4A}"/>
     </a:ext>
   </a:extLst>
 </a:theme>

--- a/group5_graphtheory.pptx
+++ b/group5_graphtheory.pptx
@@ -127,7 +127,7 @@
   </p:defaultTextStyle>
   <p:extLst>
     <p:ext uri="{EFAFB233-063F-42B5-8137-9DF3F51BA10A}">
-      <p15:sldGuideLst xmlns:p15="http://schemas.microsoft.com/office/powerpoint/2012/main" xmlns=""/>
+      <p15:sldGuideLst xmlns="" xmlns:p15="http://schemas.microsoft.com/office/powerpoint/2012/main"/>
     </p:ext>
   </p:extLst>
 </p:presentation>
@@ -504,7 +504,7 @@
           <p:cNvPr id="2" name="Title 1">
             <a:extLst>
               <a:ext uri="{FF2B5EF4-FFF2-40B4-BE49-F238E27FC236}">
-                <a16:creationId xmlns:a16="http://schemas.microsoft.com/office/drawing/2014/main" xmlns="" id="{BBCE1907-BF49-D1B3-738F-3128D585CAE0}"/>
+                <a16:creationId xmlns="" xmlns:a16="http://schemas.microsoft.com/office/drawing/2014/main" id="{BBCE1907-BF49-D1B3-738F-3128D585CAE0}"/>
               </a:ext>
             </a:extLst>
           </p:cNvPr>
@@ -541,7 +541,7 @@
           <p:cNvPr id="3" name="Subtitle 2">
             <a:extLst>
               <a:ext uri="{FF2B5EF4-FFF2-40B4-BE49-F238E27FC236}">
-                <a16:creationId xmlns:a16="http://schemas.microsoft.com/office/drawing/2014/main" xmlns="" id="{19BC5ED9-2757-F5C3-CD09-15EB86E41325}"/>
+                <a16:creationId xmlns="" xmlns:a16="http://schemas.microsoft.com/office/drawing/2014/main" id="{19BC5ED9-2757-F5C3-CD09-15EB86E41325}"/>
               </a:ext>
             </a:extLst>
           </p:cNvPr>
@@ -611,7 +611,7 @@
           <p:cNvPr id="4" name="Date Placeholder 3">
             <a:extLst>
               <a:ext uri="{FF2B5EF4-FFF2-40B4-BE49-F238E27FC236}">
-                <a16:creationId xmlns:a16="http://schemas.microsoft.com/office/drawing/2014/main" xmlns="" id="{05358264-F8B0-A276-EFD2-30AB32E7D94D}"/>
+                <a16:creationId xmlns="" xmlns:a16="http://schemas.microsoft.com/office/drawing/2014/main" id="{05358264-F8B0-A276-EFD2-30AB32E7D94D}"/>
               </a:ext>
             </a:extLst>
           </p:cNvPr>
@@ -640,7 +640,7 @@
           <p:cNvPr id="5" name="Footer Placeholder 4">
             <a:extLst>
               <a:ext uri="{FF2B5EF4-FFF2-40B4-BE49-F238E27FC236}">
-                <a16:creationId xmlns:a16="http://schemas.microsoft.com/office/drawing/2014/main" xmlns="" id="{90EE5563-C195-4274-9EC3-F64606ED5028}"/>
+                <a16:creationId xmlns="" xmlns:a16="http://schemas.microsoft.com/office/drawing/2014/main" id="{90EE5563-C195-4274-9EC3-F64606ED5028}"/>
               </a:ext>
             </a:extLst>
           </p:cNvPr>
@@ -665,7 +665,7 @@
           <p:cNvPr id="6" name="Slide Number Placeholder 5">
             <a:extLst>
               <a:ext uri="{FF2B5EF4-FFF2-40B4-BE49-F238E27FC236}">
-                <a16:creationId xmlns:a16="http://schemas.microsoft.com/office/drawing/2014/main" xmlns="" id="{F4099638-DF8D-621F-D9A4-D6A107E6D17D}"/>
+                <a16:creationId xmlns="" xmlns:a16="http://schemas.microsoft.com/office/drawing/2014/main" id="{F4099638-DF8D-621F-D9A4-D6A107E6D17D}"/>
               </a:ext>
             </a:extLst>
           </p:cNvPr>
@@ -724,7 +724,7 @@
           <p:cNvPr id="2" name="Title 1">
             <a:extLst>
               <a:ext uri="{FF2B5EF4-FFF2-40B4-BE49-F238E27FC236}">
-                <a16:creationId xmlns:a16="http://schemas.microsoft.com/office/drawing/2014/main" xmlns="" id="{ADFC1F59-0CFE-78AB-46EC-BCE01ADA4D41}"/>
+                <a16:creationId xmlns="" xmlns:a16="http://schemas.microsoft.com/office/drawing/2014/main" id="{ADFC1F59-0CFE-78AB-46EC-BCE01ADA4D41}"/>
               </a:ext>
             </a:extLst>
           </p:cNvPr>
@@ -752,7 +752,7 @@
           <p:cNvPr id="3" name="Vertical Text Placeholder 2">
             <a:extLst>
               <a:ext uri="{FF2B5EF4-FFF2-40B4-BE49-F238E27FC236}">
-                <a16:creationId xmlns:a16="http://schemas.microsoft.com/office/drawing/2014/main" xmlns="" id="{E67E3BB0-EA82-7DF3-C844-C08581E515F5}"/>
+                <a16:creationId xmlns="" xmlns:a16="http://schemas.microsoft.com/office/drawing/2014/main" id="{E67E3BB0-EA82-7DF3-C844-C08581E515F5}"/>
               </a:ext>
             </a:extLst>
           </p:cNvPr>
@@ -809,7 +809,7 @@
           <p:cNvPr id="4" name="Date Placeholder 3">
             <a:extLst>
               <a:ext uri="{FF2B5EF4-FFF2-40B4-BE49-F238E27FC236}">
-                <a16:creationId xmlns:a16="http://schemas.microsoft.com/office/drawing/2014/main" xmlns="" id="{397E52DF-A3DD-73BC-352D-108DA5F729C0}"/>
+                <a16:creationId xmlns="" xmlns:a16="http://schemas.microsoft.com/office/drawing/2014/main" id="{397E52DF-A3DD-73BC-352D-108DA5F729C0}"/>
               </a:ext>
             </a:extLst>
           </p:cNvPr>
@@ -838,7 +838,7 @@
           <p:cNvPr id="5" name="Footer Placeholder 4">
             <a:extLst>
               <a:ext uri="{FF2B5EF4-FFF2-40B4-BE49-F238E27FC236}">
-                <a16:creationId xmlns:a16="http://schemas.microsoft.com/office/drawing/2014/main" xmlns="" id="{EADBC1C7-87F5-254B-E446-5AD25DA0392E}"/>
+                <a16:creationId xmlns="" xmlns:a16="http://schemas.microsoft.com/office/drawing/2014/main" id="{EADBC1C7-87F5-254B-E446-5AD25DA0392E}"/>
               </a:ext>
             </a:extLst>
           </p:cNvPr>
@@ -863,7 +863,7 @@
           <p:cNvPr id="6" name="Slide Number Placeholder 5">
             <a:extLst>
               <a:ext uri="{FF2B5EF4-FFF2-40B4-BE49-F238E27FC236}">
-                <a16:creationId xmlns:a16="http://schemas.microsoft.com/office/drawing/2014/main" xmlns="" id="{C152FEE2-1BD3-A4D0-0D35-E7305E78860E}"/>
+                <a16:creationId xmlns="" xmlns:a16="http://schemas.microsoft.com/office/drawing/2014/main" id="{C152FEE2-1BD3-A4D0-0D35-E7305E78860E}"/>
               </a:ext>
             </a:extLst>
           </p:cNvPr>
@@ -922,7 +922,7 @@
           <p:cNvPr id="2" name="Vertical Title 1">
             <a:extLst>
               <a:ext uri="{FF2B5EF4-FFF2-40B4-BE49-F238E27FC236}">
-                <a16:creationId xmlns:a16="http://schemas.microsoft.com/office/drawing/2014/main" xmlns="" id="{481586F5-F921-B763-3950-D7872EE73133}"/>
+                <a16:creationId xmlns="" xmlns:a16="http://schemas.microsoft.com/office/drawing/2014/main" id="{481586F5-F921-B763-3950-D7872EE73133}"/>
               </a:ext>
             </a:extLst>
           </p:cNvPr>
@@ -955,7 +955,7 @@
           <p:cNvPr id="3" name="Vertical Text Placeholder 2">
             <a:extLst>
               <a:ext uri="{FF2B5EF4-FFF2-40B4-BE49-F238E27FC236}">
-                <a16:creationId xmlns:a16="http://schemas.microsoft.com/office/drawing/2014/main" xmlns="" id="{3EEE1185-E9A2-AC83-C12D-85B8AAFE2D09}"/>
+                <a16:creationId xmlns="" xmlns:a16="http://schemas.microsoft.com/office/drawing/2014/main" id="{3EEE1185-E9A2-AC83-C12D-85B8AAFE2D09}"/>
               </a:ext>
             </a:extLst>
           </p:cNvPr>
@@ -1017,7 +1017,7 @@
           <p:cNvPr id="4" name="Date Placeholder 3">
             <a:extLst>
               <a:ext uri="{FF2B5EF4-FFF2-40B4-BE49-F238E27FC236}">
-                <a16:creationId xmlns:a16="http://schemas.microsoft.com/office/drawing/2014/main" xmlns="" id="{19B0B450-44E0-65BA-46AD-192A2EAF8A93}"/>
+                <a16:creationId xmlns="" xmlns:a16="http://schemas.microsoft.com/office/drawing/2014/main" id="{19B0B450-44E0-65BA-46AD-192A2EAF8A93}"/>
               </a:ext>
             </a:extLst>
           </p:cNvPr>
@@ -1046,7 +1046,7 @@
           <p:cNvPr id="5" name="Footer Placeholder 4">
             <a:extLst>
               <a:ext uri="{FF2B5EF4-FFF2-40B4-BE49-F238E27FC236}">
-                <a16:creationId xmlns:a16="http://schemas.microsoft.com/office/drawing/2014/main" xmlns="" id="{CA3D37D5-2E14-DE41-F72B-817ED02D2C96}"/>
+                <a16:creationId xmlns="" xmlns:a16="http://schemas.microsoft.com/office/drawing/2014/main" id="{CA3D37D5-2E14-DE41-F72B-817ED02D2C96}"/>
               </a:ext>
             </a:extLst>
           </p:cNvPr>
@@ -1071,7 +1071,7 @@
           <p:cNvPr id="6" name="Slide Number Placeholder 5">
             <a:extLst>
               <a:ext uri="{FF2B5EF4-FFF2-40B4-BE49-F238E27FC236}">
-                <a16:creationId xmlns:a16="http://schemas.microsoft.com/office/drawing/2014/main" xmlns="" id="{E37FEEDB-FAA5-ACE2-C695-76BB6061883B}"/>
+                <a16:creationId xmlns="" xmlns:a16="http://schemas.microsoft.com/office/drawing/2014/main" id="{E37FEEDB-FAA5-ACE2-C695-76BB6061883B}"/>
               </a:ext>
             </a:extLst>
           </p:cNvPr>
@@ -1130,7 +1130,7 @@
           <p:cNvPr id="2" name="Title 1">
             <a:extLst>
               <a:ext uri="{FF2B5EF4-FFF2-40B4-BE49-F238E27FC236}">
-                <a16:creationId xmlns:a16="http://schemas.microsoft.com/office/drawing/2014/main" xmlns="" id="{84E22EA6-F011-81D0-C0ED-156511373D36}"/>
+                <a16:creationId xmlns="" xmlns:a16="http://schemas.microsoft.com/office/drawing/2014/main" id="{84E22EA6-F011-81D0-C0ED-156511373D36}"/>
               </a:ext>
             </a:extLst>
           </p:cNvPr>
@@ -1158,7 +1158,7 @@
           <p:cNvPr id="3" name="Content Placeholder 2">
             <a:extLst>
               <a:ext uri="{FF2B5EF4-FFF2-40B4-BE49-F238E27FC236}">
-                <a16:creationId xmlns:a16="http://schemas.microsoft.com/office/drawing/2014/main" xmlns="" id="{F131A518-20A3-5D2F-0E56-CE8C14DF8C9C}"/>
+                <a16:creationId xmlns="" xmlns:a16="http://schemas.microsoft.com/office/drawing/2014/main" id="{F131A518-20A3-5D2F-0E56-CE8C14DF8C9C}"/>
               </a:ext>
             </a:extLst>
           </p:cNvPr>
@@ -1215,7 +1215,7 @@
           <p:cNvPr id="4" name="Date Placeholder 3">
             <a:extLst>
               <a:ext uri="{FF2B5EF4-FFF2-40B4-BE49-F238E27FC236}">
-                <a16:creationId xmlns:a16="http://schemas.microsoft.com/office/drawing/2014/main" xmlns="" id="{C39E8D88-7C40-D6EA-C801-7004B82E559F}"/>
+                <a16:creationId xmlns="" xmlns:a16="http://schemas.microsoft.com/office/drawing/2014/main" id="{C39E8D88-7C40-D6EA-C801-7004B82E559F}"/>
               </a:ext>
             </a:extLst>
           </p:cNvPr>
@@ -1244,7 +1244,7 @@
           <p:cNvPr id="5" name="Footer Placeholder 4">
             <a:extLst>
               <a:ext uri="{FF2B5EF4-FFF2-40B4-BE49-F238E27FC236}">
-                <a16:creationId xmlns:a16="http://schemas.microsoft.com/office/drawing/2014/main" xmlns="" id="{2F8260DA-273E-9730-5618-99CA28D71F74}"/>
+                <a16:creationId xmlns="" xmlns:a16="http://schemas.microsoft.com/office/drawing/2014/main" id="{2F8260DA-273E-9730-5618-99CA28D71F74}"/>
               </a:ext>
             </a:extLst>
           </p:cNvPr>
@@ -1269,7 +1269,7 @@
           <p:cNvPr id="6" name="Slide Number Placeholder 5">
             <a:extLst>
               <a:ext uri="{FF2B5EF4-FFF2-40B4-BE49-F238E27FC236}">
-                <a16:creationId xmlns:a16="http://schemas.microsoft.com/office/drawing/2014/main" xmlns="" id="{50132774-5B01-379E-B018-4A9C359F9C93}"/>
+                <a16:creationId xmlns="" xmlns:a16="http://schemas.microsoft.com/office/drawing/2014/main" id="{50132774-5B01-379E-B018-4A9C359F9C93}"/>
               </a:ext>
             </a:extLst>
           </p:cNvPr>
@@ -1328,7 +1328,7 @@
           <p:cNvPr id="2" name="Title 1">
             <a:extLst>
               <a:ext uri="{FF2B5EF4-FFF2-40B4-BE49-F238E27FC236}">
-                <a16:creationId xmlns:a16="http://schemas.microsoft.com/office/drawing/2014/main" xmlns="" id="{00FB3524-C4D6-30E3-4D4B-0443D14E204B}"/>
+                <a16:creationId xmlns="" xmlns:a16="http://schemas.microsoft.com/office/drawing/2014/main" id="{00FB3524-C4D6-30E3-4D4B-0443D14E204B}"/>
               </a:ext>
             </a:extLst>
           </p:cNvPr>
@@ -1365,7 +1365,7 @@
           <p:cNvPr id="3" name="Text Placeholder 2">
             <a:extLst>
               <a:ext uri="{FF2B5EF4-FFF2-40B4-BE49-F238E27FC236}">
-                <a16:creationId xmlns:a16="http://schemas.microsoft.com/office/drawing/2014/main" xmlns="" id="{A5D1FA1C-A238-5208-BE02-3F4A97CA23FC}"/>
+                <a16:creationId xmlns="" xmlns:a16="http://schemas.microsoft.com/office/drawing/2014/main" id="{A5D1FA1C-A238-5208-BE02-3F4A97CA23FC}"/>
               </a:ext>
             </a:extLst>
           </p:cNvPr>
@@ -1490,7 +1490,7 @@
           <p:cNvPr id="4" name="Date Placeholder 3">
             <a:extLst>
               <a:ext uri="{FF2B5EF4-FFF2-40B4-BE49-F238E27FC236}">
-                <a16:creationId xmlns:a16="http://schemas.microsoft.com/office/drawing/2014/main" xmlns="" id="{800247F4-BC63-27C9-5D19-3C0C02ED9345}"/>
+                <a16:creationId xmlns="" xmlns:a16="http://schemas.microsoft.com/office/drawing/2014/main" id="{800247F4-BC63-27C9-5D19-3C0C02ED9345}"/>
               </a:ext>
             </a:extLst>
           </p:cNvPr>
@@ -1519,7 +1519,7 @@
           <p:cNvPr id="5" name="Footer Placeholder 4">
             <a:extLst>
               <a:ext uri="{FF2B5EF4-FFF2-40B4-BE49-F238E27FC236}">
-                <a16:creationId xmlns:a16="http://schemas.microsoft.com/office/drawing/2014/main" xmlns="" id="{BC194FA8-D691-0D9E-9120-77618A79867F}"/>
+                <a16:creationId xmlns="" xmlns:a16="http://schemas.microsoft.com/office/drawing/2014/main" id="{BC194FA8-D691-0D9E-9120-77618A79867F}"/>
               </a:ext>
             </a:extLst>
           </p:cNvPr>
@@ -1544,7 +1544,7 @@
           <p:cNvPr id="6" name="Slide Number Placeholder 5">
             <a:extLst>
               <a:ext uri="{FF2B5EF4-FFF2-40B4-BE49-F238E27FC236}">
-                <a16:creationId xmlns:a16="http://schemas.microsoft.com/office/drawing/2014/main" xmlns="" id="{072E3DB1-DA2C-41DA-6AD2-74A29F7CD026}"/>
+                <a16:creationId xmlns="" xmlns:a16="http://schemas.microsoft.com/office/drawing/2014/main" id="{072E3DB1-DA2C-41DA-6AD2-74A29F7CD026}"/>
               </a:ext>
             </a:extLst>
           </p:cNvPr>
@@ -1603,7 +1603,7 @@
           <p:cNvPr id="2" name="Title 1">
             <a:extLst>
               <a:ext uri="{FF2B5EF4-FFF2-40B4-BE49-F238E27FC236}">
-                <a16:creationId xmlns:a16="http://schemas.microsoft.com/office/drawing/2014/main" xmlns="" id="{D68B1386-0E2D-5C90-1B89-3B5418CF7ED3}"/>
+                <a16:creationId xmlns="" xmlns:a16="http://schemas.microsoft.com/office/drawing/2014/main" id="{D68B1386-0E2D-5C90-1B89-3B5418CF7ED3}"/>
               </a:ext>
             </a:extLst>
           </p:cNvPr>
@@ -1631,7 +1631,7 @@
           <p:cNvPr id="3" name="Content Placeholder 2">
             <a:extLst>
               <a:ext uri="{FF2B5EF4-FFF2-40B4-BE49-F238E27FC236}">
-                <a16:creationId xmlns:a16="http://schemas.microsoft.com/office/drawing/2014/main" xmlns="" id="{BE2FA58E-2FC7-158F-57C9-FA55B827EE2C}"/>
+                <a16:creationId xmlns="" xmlns:a16="http://schemas.microsoft.com/office/drawing/2014/main" id="{BE2FA58E-2FC7-158F-57C9-FA55B827EE2C}"/>
               </a:ext>
             </a:extLst>
           </p:cNvPr>
@@ -1693,7 +1693,7 @@
           <p:cNvPr id="4" name="Content Placeholder 3">
             <a:extLst>
               <a:ext uri="{FF2B5EF4-FFF2-40B4-BE49-F238E27FC236}">
-                <a16:creationId xmlns:a16="http://schemas.microsoft.com/office/drawing/2014/main" xmlns="" id="{5E19EEDA-1B50-C4A1-AA84-BDCE2951D7AC}"/>
+                <a16:creationId xmlns="" xmlns:a16="http://schemas.microsoft.com/office/drawing/2014/main" id="{5E19EEDA-1B50-C4A1-AA84-BDCE2951D7AC}"/>
               </a:ext>
             </a:extLst>
           </p:cNvPr>
@@ -1755,7 +1755,7 @@
           <p:cNvPr id="5" name="Date Placeholder 4">
             <a:extLst>
               <a:ext uri="{FF2B5EF4-FFF2-40B4-BE49-F238E27FC236}">
-                <a16:creationId xmlns:a16="http://schemas.microsoft.com/office/drawing/2014/main" xmlns="" id="{3F78F499-4FC9-1D3E-1E41-F30EE944124A}"/>
+                <a16:creationId xmlns="" xmlns:a16="http://schemas.microsoft.com/office/drawing/2014/main" id="{3F78F499-4FC9-1D3E-1E41-F30EE944124A}"/>
               </a:ext>
             </a:extLst>
           </p:cNvPr>
@@ -1784,7 +1784,7 @@
           <p:cNvPr id="6" name="Footer Placeholder 5">
             <a:extLst>
               <a:ext uri="{FF2B5EF4-FFF2-40B4-BE49-F238E27FC236}">
-                <a16:creationId xmlns:a16="http://schemas.microsoft.com/office/drawing/2014/main" xmlns="" id="{46B62AD9-1B9C-DABA-B54D-C1E21197DAB2}"/>
+                <a16:creationId xmlns="" xmlns:a16="http://schemas.microsoft.com/office/drawing/2014/main" id="{46B62AD9-1B9C-DABA-B54D-C1E21197DAB2}"/>
               </a:ext>
             </a:extLst>
           </p:cNvPr>
@@ -1809,7 +1809,7 @@
           <p:cNvPr id="7" name="Slide Number Placeholder 6">
             <a:extLst>
               <a:ext uri="{FF2B5EF4-FFF2-40B4-BE49-F238E27FC236}">
-                <a16:creationId xmlns:a16="http://schemas.microsoft.com/office/drawing/2014/main" xmlns="" id="{F844C1F3-1ACA-6BE7-97C3-B4EA973CF4CE}"/>
+                <a16:creationId xmlns="" xmlns:a16="http://schemas.microsoft.com/office/drawing/2014/main" id="{F844C1F3-1ACA-6BE7-97C3-B4EA973CF4CE}"/>
               </a:ext>
             </a:extLst>
           </p:cNvPr>
@@ -1868,7 +1868,7 @@
           <p:cNvPr id="2" name="Title 1">
             <a:extLst>
               <a:ext uri="{FF2B5EF4-FFF2-40B4-BE49-F238E27FC236}">
-                <a16:creationId xmlns:a16="http://schemas.microsoft.com/office/drawing/2014/main" xmlns="" id="{09A128E3-5716-3024-9D46-E59D7B932FF6}"/>
+                <a16:creationId xmlns="" xmlns:a16="http://schemas.microsoft.com/office/drawing/2014/main" id="{09A128E3-5716-3024-9D46-E59D7B932FF6}"/>
               </a:ext>
             </a:extLst>
           </p:cNvPr>
@@ -1901,7 +1901,7 @@
           <p:cNvPr id="3" name="Text Placeholder 2">
             <a:extLst>
               <a:ext uri="{FF2B5EF4-FFF2-40B4-BE49-F238E27FC236}">
-                <a16:creationId xmlns:a16="http://schemas.microsoft.com/office/drawing/2014/main" xmlns="" id="{903AEA5E-7524-8500-1847-1F745A90F0BE}"/>
+                <a16:creationId xmlns="" xmlns:a16="http://schemas.microsoft.com/office/drawing/2014/main" id="{903AEA5E-7524-8500-1847-1F745A90F0BE}"/>
               </a:ext>
             </a:extLst>
           </p:cNvPr>
@@ -1972,7 +1972,7 @@
           <p:cNvPr id="4" name="Content Placeholder 3">
             <a:extLst>
               <a:ext uri="{FF2B5EF4-FFF2-40B4-BE49-F238E27FC236}">
-                <a16:creationId xmlns:a16="http://schemas.microsoft.com/office/drawing/2014/main" xmlns="" id="{26385443-3F52-B4D9-DC5E-FBD9AFCC8004}"/>
+                <a16:creationId xmlns="" xmlns:a16="http://schemas.microsoft.com/office/drawing/2014/main" id="{26385443-3F52-B4D9-DC5E-FBD9AFCC8004}"/>
               </a:ext>
             </a:extLst>
           </p:cNvPr>
@@ -2034,7 +2034,7 @@
           <p:cNvPr id="5" name="Text Placeholder 4">
             <a:extLst>
               <a:ext uri="{FF2B5EF4-FFF2-40B4-BE49-F238E27FC236}">
-                <a16:creationId xmlns:a16="http://schemas.microsoft.com/office/drawing/2014/main" xmlns="" id="{35F61570-4F38-4CDB-A24E-DD8FAFC8576C}"/>
+                <a16:creationId xmlns="" xmlns:a16="http://schemas.microsoft.com/office/drawing/2014/main" id="{35F61570-4F38-4CDB-A24E-DD8FAFC8576C}"/>
               </a:ext>
             </a:extLst>
           </p:cNvPr>
@@ -2105,7 +2105,7 @@
           <p:cNvPr id="6" name="Content Placeholder 5">
             <a:extLst>
               <a:ext uri="{FF2B5EF4-FFF2-40B4-BE49-F238E27FC236}">
-                <a16:creationId xmlns:a16="http://schemas.microsoft.com/office/drawing/2014/main" xmlns="" id="{A684AE46-B417-9498-ACA0-B5C29C74F994}"/>
+                <a16:creationId xmlns="" xmlns:a16="http://schemas.microsoft.com/office/drawing/2014/main" id="{A684AE46-B417-9498-ACA0-B5C29C74F994}"/>
               </a:ext>
             </a:extLst>
           </p:cNvPr>
@@ -2167,7 +2167,7 @@
           <p:cNvPr id="7" name="Date Placeholder 6">
             <a:extLst>
               <a:ext uri="{FF2B5EF4-FFF2-40B4-BE49-F238E27FC236}">
-                <a16:creationId xmlns:a16="http://schemas.microsoft.com/office/drawing/2014/main" xmlns="" id="{0A6D5722-A5AB-C98A-3760-C4A46DB3E4F2}"/>
+                <a16:creationId xmlns="" xmlns:a16="http://schemas.microsoft.com/office/drawing/2014/main" id="{0A6D5722-A5AB-C98A-3760-C4A46DB3E4F2}"/>
               </a:ext>
             </a:extLst>
           </p:cNvPr>
@@ -2196,7 +2196,7 @@
           <p:cNvPr id="8" name="Footer Placeholder 7">
             <a:extLst>
               <a:ext uri="{FF2B5EF4-FFF2-40B4-BE49-F238E27FC236}">
-                <a16:creationId xmlns:a16="http://schemas.microsoft.com/office/drawing/2014/main" xmlns="" id="{8ADE145D-2965-4477-6BE6-F32EB844DBAB}"/>
+                <a16:creationId xmlns="" xmlns:a16="http://schemas.microsoft.com/office/drawing/2014/main" id="{8ADE145D-2965-4477-6BE6-F32EB844DBAB}"/>
               </a:ext>
             </a:extLst>
           </p:cNvPr>
@@ -2221,7 +2221,7 @@
           <p:cNvPr id="9" name="Slide Number Placeholder 8">
             <a:extLst>
               <a:ext uri="{FF2B5EF4-FFF2-40B4-BE49-F238E27FC236}">
-                <a16:creationId xmlns:a16="http://schemas.microsoft.com/office/drawing/2014/main" xmlns="" id="{B710E74F-2313-3984-02CF-47253D50D1DB}"/>
+                <a16:creationId xmlns="" xmlns:a16="http://schemas.microsoft.com/office/drawing/2014/main" id="{B710E74F-2313-3984-02CF-47253D50D1DB}"/>
               </a:ext>
             </a:extLst>
           </p:cNvPr>
@@ -2280,7 +2280,7 @@
           <p:cNvPr id="2" name="Title 1">
             <a:extLst>
               <a:ext uri="{FF2B5EF4-FFF2-40B4-BE49-F238E27FC236}">
-                <a16:creationId xmlns:a16="http://schemas.microsoft.com/office/drawing/2014/main" xmlns="" id="{D04FF4D3-F102-6994-FA69-5C26730E7C18}"/>
+                <a16:creationId xmlns="" xmlns:a16="http://schemas.microsoft.com/office/drawing/2014/main" id="{D04FF4D3-F102-6994-FA69-5C26730E7C18}"/>
               </a:ext>
             </a:extLst>
           </p:cNvPr>
@@ -2308,7 +2308,7 @@
           <p:cNvPr id="3" name="Date Placeholder 2">
             <a:extLst>
               <a:ext uri="{FF2B5EF4-FFF2-40B4-BE49-F238E27FC236}">
-                <a16:creationId xmlns:a16="http://schemas.microsoft.com/office/drawing/2014/main" xmlns="" id="{FDD70FFA-1560-4913-A4E9-9FECE4917152}"/>
+                <a16:creationId xmlns="" xmlns:a16="http://schemas.microsoft.com/office/drawing/2014/main" id="{FDD70FFA-1560-4913-A4E9-9FECE4917152}"/>
               </a:ext>
             </a:extLst>
           </p:cNvPr>
@@ -2337,7 +2337,7 @@
           <p:cNvPr id="4" name="Footer Placeholder 3">
             <a:extLst>
               <a:ext uri="{FF2B5EF4-FFF2-40B4-BE49-F238E27FC236}">
-                <a16:creationId xmlns:a16="http://schemas.microsoft.com/office/drawing/2014/main" xmlns="" id="{5CED9349-2BF4-715A-1D0D-66B2F7755624}"/>
+                <a16:creationId xmlns="" xmlns:a16="http://schemas.microsoft.com/office/drawing/2014/main" id="{5CED9349-2BF4-715A-1D0D-66B2F7755624}"/>
               </a:ext>
             </a:extLst>
           </p:cNvPr>
@@ -2362,7 +2362,7 @@
           <p:cNvPr id="5" name="Slide Number Placeholder 4">
             <a:extLst>
               <a:ext uri="{FF2B5EF4-FFF2-40B4-BE49-F238E27FC236}">
-                <a16:creationId xmlns:a16="http://schemas.microsoft.com/office/drawing/2014/main" xmlns="" id="{4E376E25-195F-FFE9-1361-CEACAF8E3FFC}"/>
+                <a16:creationId xmlns="" xmlns:a16="http://schemas.microsoft.com/office/drawing/2014/main" id="{4E376E25-195F-FFE9-1361-CEACAF8E3FFC}"/>
               </a:ext>
             </a:extLst>
           </p:cNvPr>
@@ -2421,7 +2421,7 @@
           <p:cNvPr id="2" name="Date Placeholder 1">
             <a:extLst>
               <a:ext uri="{FF2B5EF4-FFF2-40B4-BE49-F238E27FC236}">
-                <a16:creationId xmlns:a16="http://schemas.microsoft.com/office/drawing/2014/main" xmlns="" id="{888CE8D8-AA39-0D35-7F03-0BCCC48CF4E8}"/>
+                <a16:creationId xmlns="" xmlns:a16="http://schemas.microsoft.com/office/drawing/2014/main" id="{888CE8D8-AA39-0D35-7F03-0BCCC48CF4E8}"/>
               </a:ext>
             </a:extLst>
           </p:cNvPr>
@@ -2450,7 +2450,7 @@
           <p:cNvPr id="3" name="Footer Placeholder 2">
             <a:extLst>
               <a:ext uri="{FF2B5EF4-FFF2-40B4-BE49-F238E27FC236}">
-                <a16:creationId xmlns:a16="http://schemas.microsoft.com/office/drawing/2014/main" xmlns="" id="{D5D0993D-B522-8602-EDA4-47C7C80D3A9A}"/>
+                <a16:creationId xmlns="" xmlns:a16="http://schemas.microsoft.com/office/drawing/2014/main" id="{D5D0993D-B522-8602-EDA4-47C7C80D3A9A}"/>
               </a:ext>
             </a:extLst>
           </p:cNvPr>
@@ -2475,7 +2475,7 @@
           <p:cNvPr id="4" name="Slide Number Placeholder 3">
             <a:extLst>
               <a:ext uri="{FF2B5EF4-FFF2-40B4-BE49-F238E27FC236}">
-                <a16:creationId xmlns:a16="http://schemas.microsoft.com/office/drawing/2014/main" xmlns="" id="{D2DFDD99-8F35-0B5C-EA47-3CE1D767F1D7}"/>
+                <a16:creationId xmlns="" xmlns:a16="http://schemas.microsoft.com/office/drawing/2014/main" id="{D2DFDD99-8F35-0B5C-EA47-3CE1D767F1D7}"/>
               </a:ext>
             </a:extLst>
           </p:cNvPr>
@@ -2534,7 +2534,7 @@
           <p:cNvPr id="2" name="Title 1">
             <a:extLst>
               <a:ext uri="{FF2B5EF4-FFF2-40B4-BE49-F238E27FC236}">
-                <a16:creationId xmlns:a16="http://schemas.microsoft.com/office/drawing/2014/main" xmlns="" id="{409C0E09-3F32-A176-2CEC-80DE25093100}"/>
+                <a16:creationId xmlns="" xmlns:a16="http://schemas.microsoft.com/office/drawing/2014/main" id="{409C0E09-3F32-A176-2CEC-80DE25093100}"/>
               </a:ext>
             </a:extLst>
           </p:cNvPr>
@@ -2571,7 +2571,7 @@
           <p:cNvPr id="3" name="Content Placeholder 2">
             <a:extLst>
               <a:ext uri="{FF2B5EF4-FFF2-40B4-BE49-F238E27FC236}">
-                <a16:creationId xmlns:a16="http://schemas.microsoft.com/office/drawing/2014/main" xmlns="" id="{96161A0A-5C2F-040B-0B8B-2C8A80CBD3D9}"/>
+                <a16:creationId xmlns="" xmlns:a16="http://schemas.microsoft.com/office/drawing/2014/main" id="{96161A0A-5C2F-040B-0B8B-2C8A80CBD3D9}"/>
               </a:ext>
             </a:extLst>
           </p:cNvPr>
@@ -2661,7 +2661,7 @@
           <p:cNvPr id="4" name="Text Placeholder 3">
             <a:extLst>
               <a:ext uri="{FF2B5EF4-FFF2-40B4-BE49-F238E27FC236}">
-                <a16:creationId xmlns:a16="http://schemas.microsoft.com/office/drawing/2014/main" xmlns="" id="{230714B7-95F4-FD5A-4EFA-6E1CB9AC75D1}"/>
+                <a16:creationId xmlns="" xmlns:a16="http://schemas.microsoft.com/office/drawing/2014/main" id="{230714B7-95F4-FD5A-4EFA-6E1CB9AC75D1}"/>
               </a:ext>
             </a:extLst>
           </p:cNvPr>
@@ -2732,7 +2732,7 @@
           <p:cNvPr id="5" name="Date Placeholder 4">
             <a:extLst>
               <a:ext uri="{FF2B5EF4-FFF2-40B4-BE49-F238E27FC236}">
-                <a16:creationId xmlns:a16="http://schemas.microsoft.com/office/drawing/2014/main" xmlns="" id="{ACA955DA-6E22-361C-D051-1DEDC7B93482}"/>
+                <a16:creationId xmlns="" xmlns:a16="http://schemas.microsoft.com/office/drawing/2014/main" id="{ACA955DA-6E22-361C-D051-1DEDC7B93482}"/>
               </a:ext>
             </a:extLst>
           </p:cNvPr>
@@ -2761,7 +2761,7 @@
           <p:cNvPr id="6" name="Footer Placeholder 5">
             <a:extLst>
               <a:ext uri="{FF2B5EF4-FFF2-40B4-BE49-F238E27FC236}">
-                <a16:creationId xmlns:a16="http://schemas.microsoft.com/office/drawing/2014/main" xmlns="" id="{35E37E4F-2A21-0255-AF4B-171A69863F92}"/>
+                <a16:creationId xmlns="" xmlns:a16="http://schemas.microsoft.com/office/drawing/2014/main" id="{35E37E4F-2A21-0255-AF4B-171A69863F92}"/>
               </a:ext>
             </a:extLst>
           </p:cNvPr>
@@ -2786,7 +2786,7 @@
           <p:cNvPr id="7" name="Slide Number Placeholder 6">
             <a:extLst>
               <a:ext uri="{FF2B5EF4-FFF2-40B4-BE49-F238E27FC236}">
-                <a16:creationId xmlns:a16="http://schemas.microsoft.com/office/drawing/2014/main" xmlns="" id="{18E00153-4ED2-57CB-DE0A-9D5BEA86DAE0}"/>
+                <a16:creationId xmlns="" xmlns:a16="http://schemas.microsoft.com/office/drawing/2014/main" id="{18E00153-4ED2-57CB-DE0A-9D5BEA86DAE0}"/>
               </a:ext>
             </a:extLst>
           </p:cNvPr>
@@ -2845,7 +2845,7 @@
           <p:cNvPr id="2" name="Title 1">
             <a:extLst>
               <a:ext uri="{FF2B5EF4-FFF2-40B4-BE49-F238E27FC236}">
-                <a16:creationId xmlns:a16="http://schemas.microsoft.com/office/drawing/2014/main" xmlns="" id="{4F190398-F10E-E9EC-25DD-9CB1BB6771B2}"/>
+                <a16:creationId xmlns="" xmlns:a16="http://schemas.microsoft.com/office/drawing/2014/main" id="{4F190398-F10E-E9EC-25DD-9CB1BB6771B2}"/>
               </a:ext>
             </a:extLst>
           </p:cNvPr>
@@ -2882,7 +2882,7 @@
           <p:cNvPr id="3" name="Picture Placeholder 2">
             <a:extLst>
               <a:ext uri="{FF2B5EF4-FFF2-40B4-BE49-F238E27FC236}">
-                <a16:creationId xmlns:a16="http://schemas.microsoft.com/office/drawing/2014/main" xmlns="" id="{D893508A-77DE-4D92-69DC-11609AAA1531}"/>
+                <a16:creationId xmlns="" xmlns:a16="http://schemas.microsoft.com/office/drawing/2014/main" id="{D893508A-77DE-4D92-69DC-11609AAA1531}"/>
               </a:ext>
             </a:extLst>
           </p:cNvPr>
@@ -2949,7 +2949,7 @@
           <p:cNvPr id="4" name="Text Placeholder 3">
             <a:extLst>
               <a:ext uri="{FF2B5EF4-FFF2-40B4-BE49-F238E27FC236}">
-                <a16:creationId xmlns:a16="http://schemas.microsoft.com/office/drawing/2014/main" xmlns="" id="{7AFCBC79-8C85-31AF-D1C8-F2AF64DAB98F}"/>
+                <a16:creationId xmlns="" xmlns:a16="http://schemas.microsoft.com/office/drawing/2014/main" id="{7AFCBC79-8C85-31AF-D1C8-F2AF64DAB98F}"/>
               </a:ext>
             </a:extLst>
           </p:cNvPr>
@@ -3020,7 +3020,7 @@
           <p:cNvPr id="5" name="Date Placeholder 4">
             <a:extLst>
               <a:ext uri="{FF2B5EF4-FFF2-40B4-BE49-F238E27FC236}">
-                <a16:creationId xmlns:a16="http://schemas.microsoft.com/office/drawing/2014/main" xmlns="" id="{76389C7E-9267-3EDF-003D-7C0FDBFA508F}"/>
+                <a16:creationId xmlns="" xmlns:a16="http://schemas.microsoft.com/office/drawing/2014/main" id="{76389C7E-9267-3EDF-003D-7C0FDBFA508F}"/>
               </a:ext>
             </a:extLst>
           </p:cNvPr>
@@ -3049,7 +3049,7 @@
           <p:cNvPr id="6" name="Footer Placeholder 5">
             <a:extLst>
               <a:ext uri="{FF2B5EF4-FFF2-40B4-BE49-F238E27FC236}">
-                <a16:creationId xmlns:a16="http://schemas.microsoft.com/office/drawing/2014/main" xmlns="" id="{1B14C527-EFB6-DFF4-9FEB-0D9DFB2B6811}"/>
+                <a16:creationId xmlns="" xmlns:a16="http://schemas.microsoft.com/office/drawing/2014/main" id="{1B14C527-EFB6-DFF4-9FEB-0D9DFB2B6811}"/>
               </a:ext>
             </a:extLst>
           </p:cNvPr>
@@ -3074,7 +3074,7 @@
           <p:cNvPr id="7" name="Slide Number Placeholder 6">
             <a:extLst>
               <a:ext uri="{FF2B5EF4-FFF2-40B4-BE49-F238E27FC236}">
-                <a16:creationId xmlns:a16="http://schemas.microsoft.com/office/drawing/2014/main" xmlns="" id="{04F8F925-6262-B826-A3DD-C173AE89BFB6}"/>
+                <a16:creationId xmlns="" xmlns:a16="http://schemas.microsoft.com/office/drawing/2014/main" id="{04F8F925-6262-B826-A3DD-C173AE89BFB6}"/>
               </a:ext>
             </a:extLst>
           </p:cNvPr>
@@ -3138,7 +3138,7 @@
           <p:cNvPr id="2" name="Title Placeholder 1">
             <a:extLst>
               <a:ext uri="{FF2B5EF4-FFF2-40B4-BE49-F238E27FC236}">
-                <a16:creationId xmlns:a16="http://schemas.microsoft.com/office/drawing/2014/main" xmlns="" id="{B32AADF5-564A-6FC8-DA02-52CD62EE83BB}"/>
+                <a16:creationId xmlns="" xmlns:a16="http://schemas.microsoft.com/office/drawing/2014/main" id="{B32AADF5-564A-6FC8-DA02-52CD62EE83BB}"/>
               </a:ext>
             </a:extLst>
           </p:cNvPr>
@@ -3176,7 +3176,7 @@
           <p:cNvPr id="3" name="Text Placeholder 2">
             <a:extLst>
               <a:ext uri="{FF2B5EF4-FFF2-40B4-BE49-F238E27FC236}">
-                <a16:creationId xmlns:a16="http://schemas.microsoft.com/office/drawing/2014/main" xmlns="" id="{FCA809DA-1918-6B6E-84B9-7AF4846B4EF4}"/>
+                <a16:creationId xmlns="" xmlns:a16="http://schemas.microsoft.com/office/drawing/2014/main" id="{FCA809DA-1918-6B6E-84B9-7AF4846B4EF4}"/>
               </a:ext>
             </a:extLst>
           </p:cNvPr>
@@ -3243,7 +3243,7 @@
           <p:cNvPr id="4" name="Date Placeholder 3">
             <a:extLst>
               <a:ext uri="{FF2B5EF4-FFF2-40B4-BE49-F238E27FC236}">
-                <a16:creationId xmlns:a16="http://schemas.microsoft.com/office/drawing/2014/main" xmlns="" id="{770793CA-3E15-F6B2-B2A1-34FDFAE0C83D}"/>
+                <a16:creationId xmlns="" xmlns:a16="http://schemas.microsoft.com/office/drawing/2014/main" id="{770793CA-3E15-F6B2-B2A1-34FDFAE0C83D}"/>
               </a:ext>
             </a:extLst>
           </p:cNvPr>
@@ -3290,7 +3290,7 @@
           <p:cNvPr id="5" name="Footer Placeholder 4">
             <a:extLst>
               <a:ext uri="{FF2B5EF4-FFF2-40B4-BE49-F238E27FC236}">
-                <a16:creationId xmlns:a16="http://schemas.microsoft.com/office/drawing/2014/main" xmlns="" id="{AB07A422-CD51-D5AD-C86C-33D1D909F553}"/>
+                <a16:creationId xmlns="" xmlns:a16="http://schemas.microsoft.com/office/drawing/2014/main" id="{AB07A422-CD51-D5AD-C86C-33D1D909F553}"/>
               </a:ext>
             </a:extLst>
           </p:cNvPr>
@@ -3333,7 +3333,7 @@
           <p:cNvPr id="6" name="Slide Number Placeholder 5">
             <a:extLst>
               <a:ext uri="{FF2B5EF4-FFF2-40B4-BE49-F238E27FC236}">
-                <a16:creationId xmlns:a16="http://schemas.microsoft.com/office/drawing/2014/main" xmlns="" id="{CF4075A9-3CCD-DE39-76BC-8197600561E6}"/>
+                <a16:creationId xmlns="" xmlns:a16="http://schemas.microsoft.com/office/drawing/2014/main" id="{CF4075A9-3CCD-DE39-76BC-8197600561E6}"/>
               </a:ext>
             </a:extLst>
           </p:cNvPr>
@@ -3701,7 +3701,7 @@
           <p:cNvPr id="9" name="Picture 8">
             <a:extLst>
               <a:ext uri="{FF2B5EF4-FFF2-40B4-BE49-F238E27FC236}">
-                <a16:creationId xmlns:a16="http://schemas.microsoft.com/office/drawing/2014/main" xmlns="" id="{FFF4CB80-36A6-53FE-DF95-D3C353FD1650}"/>
+                <a16:creationId xmlns="" xmlns:a16="http://schemas.microsoft.com/office/drawing/2014/main" id="{FFF4CB80-36A6-53FE-DF95-D3C353FD1650}"/>
               </a:ext>
             </a:extLst>
           </p:cNvPr>
@@ -3737,7 +3737,7 @@
           <p:cNvPr id="16" name="Freeform: Shape 15">
             <a:extLst>
               <a:ext uri="{FF2B5EF4-FFF2-40B4-BE49-F238E27FC236}">
-                <a16:creationId xmlns:a16="http://schemas.microsoft.com/office/drawing/2014/main" xmlns="" id="{D04DD9E0-1FC1-F470-8348-5EAB7269C492}"/>
+                <a16:creationId xmlns="" xmlns:a16="http://schemas.microsoft.com/office/drawing/2014/main" id="{D04DD9E0-1FC1-F470-8348-5EAB7269C492}"/>
               </a:ext>
             </a:extLst>
           </p:cNvPr>
@@ -7871,7 +7871,7 @@
           <p:cNvPr id="3" name="Subtitle 2">
             <a:extLst>
               <a:ext uri="{FF2B5EF4-FFF2-40B4-BE49-F238E27FC236}">
-                <a16:creationId xmlns:a16="http://schemas.microsoft.com/office/drawing/2014/main" xmlns="" id="{40EC00D6-6139-ECCB-3970-DF39A63CDA01}"/>
+                <a16:creationId xmlns="" xmlns:a16="http://schemas.microsoft.com/office/drawing/2014/main" id="{40EC00D6-6139-ECCB-3970-DF39A63CDA01}"/>
               </a:ext>
             </a:extLst>
           </p:cNvPr>
@@ -8038,7 +8038,7 @@
           <p:cNvPr id="2" name="TextBox 1">
             <a:extLst>
               <a:ext uri="{FF2B5EF4-FFF2-40B4-BE49-F238E27FC236}">
-                <a16:creationId xmlns:a16="http://schemas.microsoft.com/office/drawing/2014/main" xmlns="" id="{199B9149-BCE3-E8FF-B980-A671C271C1F7}"/>
+                <a16:creationId xmlns="" xmlns:a16="http://schemas.microsoft.com/office/drawing/2014/main" id="{199B9149-BCE3-E8FF-B980-A671C271C1F7}"/>
               </a:ext>
             </a:extLst>
           </p:cNvPr>
@@ -8085,7 +8085,7 @@
           <p:cNvPr id="3" name="TextBox 2">
             <a:extLst>
               <a:ext uri="{FF2B5EF4-FFF2-40B4-BE49-F238E27FC236}">
-                <a16:creationId xmlns:a16="http://schemas.microsoft.com/office/drawing/2014/main" xmlns="" id="{2A3DBAD7-0349-C138-49F2-34BA414DC8BC}"/>
+                <a16:creationId xmlns="" xmlns:a16="http://schemas.microsoft.com/office/drawing/2014/main" id="{2A3DBAD7-0349-C138-49F2-34BA414DC8BC}"/>
               </a:ext>
             </a:extLst>
           </p:cNvPr>
@@ -8287,7 +8287,7 @@
           <p:cNvPr id="2" name="Title 1">
             <a:extLst>
               <a:ext uri="{FF2B5EF4-FFF2-40B4-BE49-F238E27FC236}">
-                <a16:creationId xmlns:a16="http://schemas.microsoft.com/office/drawing/2014/main" xmlns="" id="{4F6E24A9-DAC8-3CD7-F6AF-35F942D93487}"/>
+                <a16:creationId xmlns="" xmlns:a16="http://schemas.microsoft.com/office/drawing/2014/main" id="{4F6E24A9-DAC8-3CD7-F6AF-35F942D93487}"/>
               </a:ext>
             </a:extLst>
           </p:cNvPr>
@@ -8324,7 +8324,7 @@
           <p:cNvPr id="3" name="Content Placeholder 2">
             <a:extLst>
               <a:ext uri="{FF2B5EF4-FFF2-40B4-BE49-F238E27FC236}">
-                <a16:creationId xmlns:a16="http://schemas.microsoft.com/office/drawing/2014/main" xmlns="" id="{A9173C1D-2F8B-2792-3149-B0AB3328C944}"/>
+                <a16:creationId xmlns="" xmlns:a16="http://schemas.microsoft.com/office/drawing/2014/main" id="{A9173C1D-2F8B-2792-3149-B0AB3328C944}"/>
               </a:ext>
             </a:extLst>
           </p:cNvPr>
@@ -8349,7 +8349,7 @@
           <p:cNvPr id="4" name="Text Placeholder 3">
             <a:extLst>
               <a:ext uri="{FF2B5EF4-FFF2-40B4-BE49-F238E27FC236}">
-                <a16:creationId xmlns:a16="http://schemas.microsoft.com/office/drawing/2014/main" xmlns="" id="{2575CAD2-AC30-D5F5-9D23-CF4A3F0D6D87}"/>
+                <a16:creationId xmlns="" xmlns:a16="http://schemas.microsoft.com/office/drawing/2014/main" id="{2575CAD2-AC30-D5F5-9D23-CF4A3F0D6D87}"/>
               </a:ext>
             </a:extLst>
           </p:cNvPr>
@@ -8419,7 +8419,7 @@
           <p:cNvPr id="2" name="Title 1">
             <a:extLst>
               <a:ext uri="{FF2B5EF4-FFF2-40B4-BE49-F238E27FC236}">
-                <a16:creationId xmlns:a16="http://schemas.microsoft.com/office/drawing/2014/main" xmlns="" id="{A044EC92-8709-66AA-FA34-6F35A4198D12}"/>
+                <a16:creationId xmlns="" xmlns:a16="http://schemas.microsoft.com/office/drawing/2014/main" id="{A044EC92-8709-66AA-FA34-6F35A4198D12}"/>
               </a:ext>
             </a:extLst>
           </p:cNvPr>
@@ -8460,7 +8460,7 @@
           <p:cNvPr id="4" name="Text Placeholder 3">
             <a:extLst>
               <a:ext uri="{FF2B5EF4-FFF2-40B4-BE49-F238E27FC236}">
-                <a16:creationId xmlns:a16="http://schemas.microsoft.com/office/drawing/2014/main" xmlns="" id="{8AF72E6F-D5A1-6CBE-73C8-608D6839317F}"/>
+                <a16:creationId xmlns="" xmlns:a16="http://schemas.microsoft.com/office/drawing/2014/main" id="{8AF72E6F-D5A1-6CBE-73C8-608D6839317F}"/>
               </a:ext>
             </a:extLst>
           </p:cNvPr>
@@ -8488,7 +8488,7 @@
           <p:cNvPr id="3" name="Content Placeholder 2">
             <a:extLst>
               <a:ext uri="{FF2B5EF4-FFF2-40B4-BE49-F238E27FC236}">
-                <a16:creationId xmlns:a16="http://schemas.microsoft.com/office/drawing/2014/main" xmlns="" id="{D5E016E4-BDAF-4DC3-9D94-4DE8B9339639}"/>
+                <a16:creationId xmlns="" xmlns:a16="http://schemas.microsoft.com/office/drawing/2014/main" id="{D5E016E4-BDAF-4DC3-9D94-4DE8B9339639}"/>
               </a:ext>
             </a:extLst>
           </p:cNvPr>
@@ -8543,7 +8543,7 @@
           <p:cNvPr id="2" name="TextBox 1">
             <a:extLst>
               <a:ext uri="{FF2B5EF4-FFF2-40B4-BE49-F238E27FC236}">
-                <a16:creationId xmlns:a16="http://schemas.microsoft.com/office/drawing/2014/main" xmlns="" id="{6E50E356-37DA-4535-A5F0-B50C7D4B463F}"/>
+                <a16:creationId xmlns="" xmlns:a16="http://schemas.microsoft.com/office/drawing/2014/main" id="{6E50E356-37DA-4535-A5F0-B50C7D4B463F}"/>
               </a:ext>
             </a:extLst>
           </p:cNvPr>
@@ -8580,7 +8580,7 @@
           <p:cNvPr id="3" name="TextBox 2">
             <a:extLst>
               <a:ext uri="{FF2B5EF4-FFF2-40B4-BE49-F238E27FC236}">
-                <a16:creationId xmlns:a16="http://schemas.microsoft.com/office/drawing/2014/main" xmlns="" id="{7E4FD040-A3D1-4B76-8051-4FF75D79F6C4}"/>
+                <a16:creationId xmlns="" xmlns:a16="http://schemas.microsoft.com/office/drawing/2014/main" id="{7E4FD040-A3D1-4B76-8051-4FF75D79F6C4}"/>
               </a:ext>
             </a:extLst>
           </p:cNvPr>
@@ -8629,7 +8629,7 @@
           <p:cNvPr id="5" name="Picture 4">
             <a:extLst>
               <a:ext uri="{FF2B5EF4-FFF2-40B4-BE49-F238E27FC236}">
-                <a16:creationId xmlns:a16="http://schemas.microsoft.com/office/drawing/2014/main" xmlns="" id="{247980FC-C224-4514-901E-C9B97207D2FD}"/>
+                <a16:creationId xmlns="" xmlns:a16="http://schemas.microsoft.com/office/drawing/2014/main" id="{247980FC-C224-4514-901E-C9B97207D2FD}"/>
               </a:ext>
             </a:extLst>
           </p:cNvPr>
@@ -8665,7 +8665,7 @@
           <p:cNvPr id="6" name="TextBox 5">
             <a:extLst>
               <a:ext uri="{FF2B5EF4-FFF2-40B4-BE49-F238E27FC236}">
-                <a16:creationId xmlns:a16="http://schemas.microsoft.com/office/drawing/2014/main" xmlns="" id="{7FFE7E87-12A9-44B8-B6D2-87BF797DE487}"/>
+                <a16:creationId xmlns="" xmlns:a16="http://schemas.microsoft.com/office/drawing/2014/main" id="{7FFE7E87-12A9-44B8-B6D2-87BF797DE487}"/>
               </a:ext>
             </a:extLst>
           </p:cNvPr>
@@ -8786,7 +8786,7 @@
           <p:cNvPr id="2" name="TextBox 1">
             <a:extLst>
               <a:ext uri="{FF2B5EF4-FFF2-40B4-BE49-F238E27FC236}">
-                <a16:creationId xmlns:a16="http://schemas.microsoft.com/office/drawing/2014/main" xmlns="" id="{79AFAFDD-C02B-4607-A351-DA70A2324FF1}"/>
+                <a16:creationId xmlns="" xmlns:a16="http://schemas.microsoft.com/office/drawing/2014/main" id="{79AFAFDD-C02B-4607-A351-DA70A2324FF1}"/>
               </a:ext>
             </a:extLst>
           </p:cNvPr>
@@ -8821,7 +8821,7 @@
           <p:cNvPr id="3" name="TextBox 2">
             <a:extLst>
               <a:ext uri="{FF2B5EF4-FFF2-40B4-BE49-F238E27FC236}">
-                <a16:creationId xmlns:a16="http://schemas.microsoft.com/office/drawing/2014/main" xmlns="" id="{08DB893F-338B-4F13-9E44-F3967F58E0B0}"/>
+                <a16:creationId xmlns="" xmlns:a16="http://schemas.microsoft.com/office/drawing/2014/main" id="{08DB893F-338B-4F13-9E44-F3967F58E0B0}"/>
               </a:ext>
             </a:extLst>
           </p:cNvPr>
@@ -8891,7 +8891,7 @@
           <p:cNvPr id="4" name="Picture 3">
             <a:extLst>
               <a:ext uri="{FF2B5EF4-FFF2-40B4-BE49-F238E27FC236}">
-                <a16:creationId xmlns:a16="http://schemas.microsoft.com/office/drawing/2014/main" xmlns="" id="{34D0DE42-2284-4BA0-9993-E885FC0F9DBD}"/>
+                <a16:creationId xmlns="" xmlns:a16="http://schemas.microsoft.com/office/drawing/2014/main" id="{34D0DE42-2284-4BA0-9993-E885FC0F9DBD}"/>
               </a:ext>
             </a:extLst>
           </p:cNvPr>
@@ -9808,7 +9808,7 @@
           <p:cNvPr id="2" name="Title 1">
             <a:extLst>
               <a:ext uri="{FF2B5EF4-FFF2-40B4-BE49-F238E27FC236}">
-                <a16:creationId xmlns:a16="http://schemas.microsoft.com/office/drawing/2014/main" xmlns="" id="{5D30DDF8-853A-DFDB-A947-FE9D44C8E03C}"/>
+                <a16:creationId xmlns="" xmlns:a16="http://schemas.microsoft.com/office/drawing/2014/main" id="{5D30DDF8-853A-DFDB-A947-FE9D44C8E03C}"/>
               </a:ext>
             </a:extLst>
           </p:cNvPr>
@@ -9865,7 +9865,7 @@
           <p:cNvPr id="3" name="Text Placeholder 2">
             <a:extLst>
               <a:ext uri="{FF2B5EF4-FFF2-40B4-BE49-F238E27FC236}">
-                <a16:creationId xmlns:a16="http://schemas.microsoft.com/office/drawing/2014/main" xmlns="" id="{F3FFBF10-3A6A-039D-96F3-6E61CA66CD1E}"/>
+                <a16:creationId xmlns="" xmlns:a16="http://schemas.microsoft.com/office/drawing/2014/main" id="{F3FFBF10-3A6A-039D-96F3-6E61CA66CD1E}"/>
               </a:ext>
             </a:extLst>
           </p:cNvPr>
@@ -9931,7 +9931,7 @@
           <p:cNvPr id="5" name="Picture 4">
             <a:extLst>
               <a:ext uri="{FF2B5EF4-FFF2-40B4-BE49-F238E27FC236}">
-                <a16:creationId xmlns:a16="http://schemas.microsoft.com/office/drawing/2014/main" xmlns="" id="{DF5E120D-8E2E-D414-9BE3-A68A099B210E}"/>
+                <a16:creationId xmlns="" xmlns:a16="http://schemas.microsoft.com/office/drawing/2014/main" id="{DF5E120D-8E2E-D414-9BE3-A68A099B210E}"/>
               </a:ext>
             </a:extLst>
           </p:cNvPr>
@@ -9966,7 +9966,7 @@
           <p:cNvPr id="7" name="Picture 6">
             <a:extLst>
               <a:ext uri="{FF2B5EF4-FFF2-40B4-BE49-F238E27FC236}">
-                <a16:creationId xmlns:a16="http://schemas.microsoft.com/office/drawing/2014/main" xmlns="" id="{5EC6C3A6-23EE-3547-4CDC-5D24A0A7D522}"/>
+                <a16:creationId xmlns="" xmlns:a16="http://schemas.microsoft.com/office/drawing/2014/main" id="{5EC6C3A6-23EE-3547-4CDC-5D24A0A7D522}"/>
               </a:ext>
             </a:extLst>
           </p:cNvPr>
@@ -10001,7 +10001,7 @@
           <p:cNvPr id="9" name="Picture 8">
             <a:extLst>
               <a:ext uri="{FF2B5EF4-FFF2-40B4-BE49-F238E27FC236}">
-                <a16:creationId xmlns:a16="http://schemas.microsoft.com/office/drawing/2014/main" xmlns="" id="{BCAA92A2-3C81-650B-7F86-D978F3483C08}"/>
+                <a16:creationId xmlns="" xmlns:a16="http://schemas.microsoft.com/office/drawing/2014/main" id="{BCAA92A2-3C81-650B-7F86-D978F3483C08}"/>
               </a:ext>
             </a:extLst>
           </p:cNvPr>
@@ -10066,7 +10066,7 @@
           <p:cNvPr id="2" name="Title 1">
             <a:extLst>
               <a:ext uri="{FF2B5EF4-FFF2-40B4-BE49-F238E27FC236}">
-                <a16:creationId xmlns:a16="http://schemas.microsoft.com/office/drawing/2014/main" xmlns="" id="{5D30DDF8-853A-DFDB-A947-FE9D44C8E03C}"/>
+                <a16:creationId xmlns="" xmlns:a16="http://schemas.microsoft.com/office/drawing/2014/main" id="{5D30DDF8-853A-DFDB-A947-FE9D44C8E03C}"/>
               </a:ext>
             </a:extLst>
           </p:cNvPr>
@@ -10123,7 +10123,7 @@
           <p:cNvPr id="3" name="Text Placeholder 2">
             <a:extLst>
               <a:ext uri="{FF2B5EF4-FFF2-40B4-BE49-F238E27FC236}">
-                <a16:creationId xmlns:a16="http://schemas.microsoft.com/office/drawing/2014/main" xmlns="" id="{F3FFBF10-3A6A-039D-96F3-6E61CA66CD1E}"/>
+                <a16:creationId xmlns="" xmlns:a16="http://schemas.microsoft.com/office/drawing/2014/main" id="{F3FFBF10-3A6A-039D-96F3-6E61CA66CD1E}"/>
               </a:ext>
             </a:extLst>
           </p:cNvPr>
@@ -10189,7 +10189,7 @@
           <p:cNvPr id="5" name="Picture 4">
             <a:extLst>
               <a:ext uri="{FF2B5EF4-FFF2-40B4-BE49-F238E27FC236}">
-                <a16:creationId xmlns:a16="http://schemas.microsoft.com/office/drawing/2014/main" xmlns="" id="{DF5E120D-8E2E-D414-9BE3-A68A099B210E}"/>
+                <a16:creationId xmlns="" xmlns:a16="http://schemas.microsoft.com/office/drawing/2014/main" id="{DF5E120D-8E2E-D414-9BE3-A68A099B210E}"/>
               </a:ext>
             </a:extLst>
           </p:cNvPr>
@@ -10224,7 +10224,7 @@
           <p:cNvPr id="7" name="Picture 6">
             <a:extLst>
               <a:ext uri="{FF2B5EF4-FFF2-40B4-BE49-F238E27FC236}">
-                <a16:creationId xmlns:a16="http://schemas.microsoft.com/office/drawing/2014/main" xmlns="" id="{5EC6C3A6-23EE-3547-4CDC-5D24A0A7D522}"/>
+                <a16:creationId xmlns="" xmlns:a16="http://schemas.microsoft.com/office/drawing/2014/main" id="{5EC6C3A6-23EE-3547-4CDC-5D24A0A7D522}"/>
               </a:ext>
             </a:extLst>
           </p:cNvPr>
@@ -10259,7 +10259,7 @@
           <p:cNvPr id="9" name="Picture 8">
             <a:extLst>
               <a:ext uri="{FF2B5EF4-FFF2-40B4-BE49-F238E27FC236}">
-                <a16:creationId xmlns:a16="http://schemas.microsoft.com/office/drawing/2014/main" xmlns="" id="{BCAA92A2-3C81-650B-7F86-D978F3483C08}"/>
+                <a16:creationId xmlns="" xmlns:a16="http://schemas.microsoft.com/office/drawing/2014/main" id="{BCAA92A2-3C81-650B-7F86-D978F3483C08}"/>
               </a:ext>
             </a:extLst>
           </p:cNvPr>
@@ -10294,7 +10294,7 @@
           <p:cNvPr id="13" name="Straight Arrow Connector 12">
             <a:extLst>
               <a:ext uri="{FF2B5EF4-FFF2-40B4-BE49-F238E27FC236}">
-                <a16:creationId xmlns:a16="http://schemas.microsoft.com/office/drawing/2014/main" xmlns="" id="{0CF5CAB6-3C22-9FEC-7E1E-7B91C8E5761F}"/>
+                <a16:creationId xmlns="" xmlns:a16="http://schemas.microsoft.com/office/drawing/2014/main" id="{0CF5CAB6-3C22-9FEC-7E1E-7B91C8E5761F}"/>
               </a:ext>
             </a:extLst>
           </p:cNvPr>
@@ -10338,7 +10338,7 @@
           <p:cNvPr id="14" name="Straight Arrow Connector 13">
             <a:extLst>
               <a:ext uri="{FF2B5EF4-FFF2-40B4-BE49-F238E27FC236}">
-                <a16:creationId xmlns:a16="http://schemas.microsoft.com/office/drawing/2014/main" xmlns="" id="{1CCF16B9-A09E-4470-2324-7D202860F263}"/>
+                <a16:creationId xmlns="" xmlns:a16="http://schemas.microsoft.com/office/drawing/2014/main" id="{1CCF16B9-A09E-4470-2324-7D202860F263}"/>
               </a:ext>
             </a:extLst>
           </p:cNvPr>
@@ -10385,7 +10385,7 @@
           <p:cNvPr id="4" name="Straight Arrow Connector 3">
             <a:extLst>
               <a:ext uri="{FF2B5EF4-FFF2-40B4-BE49-F238E27FC236}">
-                <a16:creationId xmlns:a16="http://schemas.microsoft.com/office/drawing/2014/main" xmlns="" id="{98ADD665-6FC6-CEB4-6D76-8C26111BF116}"/>
+                <a16:creationId xmlns="" xmlns:a16="http://schemas.microsoft.com/office/drawing/2014/main" id="{98ADD665-6FC6-CEB4-6D76-8C26111BF116}"/>
               </a:ext>
             </a:extLst>
           </p:cNvPr>
@@ -10429,7 +10429,7 @@
           <p:cNvPr id="6" name="Straight Arrow Connector 5">
             <a:extLst>
               <a:ext uri="{FF2B5EF4-FFF2-40B4-BE49-F238E27FC236}">
-                <a16:creationId xmlns:a16="http://schemas.microsoft.com/office/drawing/2014/main" xmlns="" id="{3C0F131E-E90A-3652-2E94-739BA4B3AD14}"/>
+                <a16:creationId xmlns="" xmlns:a16="http://schemas.microsoft.com/office/drawing/2014/main" id="{3C0F131E-E90A-3652-2E94-739BA4B3AD14}"/>
               </a:ext>
             </a:extLst>
           </p:cNvPr>
@@ -10473,7 +10473,7 @@
           <p:cNvPr id="8" name="Straight Arrow Connector 7">
             <a:extLst>
               <a:ext uri="{FF2B5EF4-FFF2-40B4-BE49-F238E27FC236}">
-                <a16:creationId xmlns:a16="http://schemas.microsoft.com/office/drawing/2014/main" xmlns="" id="{953C8946-F2DA-9D06-E8E1-65ED0C5F25D8}"/>
+                <a16:creationId xmlns="" xmlns:a16="http://schemas.microsoft.com/office/drawing/2014/main" id="{953C8946-F2DA-9D06-E8E1-65ED0C5F25D8}"/>
               </a:ext>
             </a:extLst>
           </p:cNvPr>
@@ -10520,7 +10520,7 @@
           <p:cNvPr id="10" name="Straight Arrow Connector 9">
             <a:extLst>
               <a:ext uri="{FF2B5EF4-FFF2-40B4-BE49-F238E27FC236}">
-                <a16:creationId xmlns:a16="http://schemas.microsoft.com/office/drawing/2014/main" xmlns="" id="{73A92731-B2F7-2195-B2DA-1A6401977BE5}"/>
+                <a16:creationId xmlns="" xmlns:a16="http://schemas.microsoft.com/office/drawing/2014/main" id="{73A92731-B2F7-2195-B2DA-1A6401977BE5}"/>
               </a:ext>
             </a:extLst>
           </p:cNvPr>
@@ -10567,7 +10567,7 @@
           <p:cNvPr id="11" name="TextBox 10">
             <a:extLst>
               <a:ext uri="{FF2B5EF4-FFF2-40B4-BE49-F238E27FC236}">
-                <a16:creationId xmlns:a16="http://schemas.microsoft.com/office/drawing/2014/main" xmlns="" id="{25E40C69-AAB7-773A-3E63-8815E4C667BB}"/>
+                <a16:creationId xmlns="" xmlns:a16="http://schemas.microsoft.com/office/drawing/2014/main" id="{25E40C69-AAB7-773A-3E63-8815E4C667BB}"/>
               </a:ext>
             </a:extLst>
           </p:cNvPr>
@@ -10608,7 +10608,7 @@
           <p:cNvPr id="12" name="TextBox 11">
             <a:extLst>
               <a:ext uri="{FF2B5EF4-FFF2-40B4-BE49-F238E27FC236}">
-                <a16:creationId xmlns:a16="http://schemas.microsoft.com/office/drawing/2014/main" xmlns="" id="{C2D554D5-ACAF-44BE-A0AE-5FAD5C39073F}"/>
+                <a16:creationId xmlns="" xmlns:a16="http://schemas.microsoft.com/office/drawing/2014/main" id="{C2D554D5-ACAF-44BE-A0AE-5FAD5C39073F}"/>
               </a:ext>
             </a:extLst>
           </p:cNvPr>
@@ -10679,7 +10679,7 @@
           <p:cNvPr id="2" name="Title 1">
             <a:extLst>
               <a:ext uri="{FF2B5EF4-FFF2-40B4-BE49-F238E27FC236}">
-                <a16:creationId xmlns:a16="http://schemas.microsoft.com/office/drawing/2014/main" xmlns="" id="{5D30DDF8-853A-DFDB-A947-FE9D44C8E03C}"/>
+                <a16:creationId xmlns="" xmlns:a16="http://schemas.microsoft.com/office/drawing/2014/main" id="{5D30DDF8-853A-DFDB-A947-FE9D44C8E03C}"/>
               </a:ext>
             </a:extLst>
           </p:cNvPr>
@@ -10736,7 +10736,7 @@
           <p:cNvPr id="3" name="Text Placeholder 2">
             <a:extLst>
               <a:ext uri="{FF2B5EF4-FFF2-40B4-BE49-F238E27FC236}">
-                <a16:creationId xmlns:a16="http://schemas.microsoft.com/office/drawing/2014/main" xmlns="" id="{F3FFBF10-3A6A-039D-96F3-6E61CA66CD1E}"/>
+                <a16:creationId xmlns="" xmlns:a16="http://schemas.microsoft.com/office/drawing/2014/main" id="{F3FFBF10-3A6A-039D-96F3-6E61CA66CD1E}"/>
               </a:ext>
             </a:extLst>
           </p:cNvPr>
@@ -10802,7 +10802,7 @@
           <p:cNvPr id="5" name="Picture 4">
             <a:extLst>
               <a:ext uri="{FF2B5EF4-FFF2-40B4-BE49-F238E27FC236}">
-                <a16:creationId xmlns:a16="http://schemas.microsoft.com/office/drawing/2014/main" xmlns="" id="{DF5E120D-8E2E-D414-9BE3-A68A099B210E}"/>
+                <a16:creationId xmlns="" xmlns:a16="http://schemas.microsoft.com/office/drawing/2014/main" id="{DF5E120D-8E2E-D414-9BE3-A68A099B210E}"/>
               </a:ext>
             </a:extLst>
           </p:cNvPr>
@@ -10837,7 +10837,7 @@
           <p:cNvPr id="7" name="Picture 6">
             <a:extLst>
               <a:ext uri="{FF2B5EF4-FFF2-40B4-BE49-F238E27FC236}">
-                <a16:creationId xmlns:a16="http://schemas.microsoft.com/office/drawing/2014/main" xmlns="" id="{5EC6C3A6-23EE-3547-4CDC-5D24A0A7D522}"/>
+                <a16:creationId xmlns="" xmlns:a16="http://schemas.microsoft.com/office/drawing/2014/main" id="{5EC6C3A6-23EE-3547-4CDC-5D24A0A7D522}"/>
               </a:ext>
             </a:extLst>
           </p:cNvPr>
@@ -10872,7 +10872,7 @@
           <p:cNvPr id="9" name="Picture 8">
             <a:extLst>
               <a:ext uri="{FF2B5EF4-FFF2-40B4-BE49-F238E27FC236}">
-                <a16:creationId xmlns:a16="http://schemas.microsoft.com/office/drawing/2014/main" xmlns="" id="{BCAA92A2-3C81-650B-7F86-D978F3483C08}"/>
+                <a16:creationId xmlns="" xmlns:a16="http://schemas.microsoft.com/office/drawing/2014/main" id="{BCAA92A2-3C81-650B-7F86-D978F3483C08}"/>
               </a:ext>
             </a:extLst>
           </p:cNvPr>
@@ -10907,7 +10907,7 @@
           <p:cNvPr id="13" name="Straight Arrow Connector 12">
             <a:extLst>
               <a:ext uri="{FF2B5EF4-FFF2-40B4-BE49-F238E27FC236}">
-                <a16:creationId xmlns:a16="http://schemas.microsoft.com/office/drawing/2014/main" xmlns="" id="{0CF5CAB6-3C22-9FEC-7E1E-7B91C8E5761F}"/>
+                <a16:creationId xmlns="" xmlns:a16="http://schemas.microsoft.com/office/drawing/2014/main" id="{0CF5CAB6-3C22-9FEC-7E1E-7B91C8E5761F}"/>
               </a:ext>
             </a:extLst>
           </p:cNvPr>
@@ -10951,7 +10951,7 @@
           <p:cNvPr id="14" name="Straight Arrow Connector 13">
             <a:extLst>
               <a:ext uri="{FF2B5EF4-FFF2-40B4-BE49-F238E27FC236}">
-                <a16:creationId xmlns:a16="http://schemas.microsoft.com/office/drawing/2014/main" xmlns="" id="{1CCF16B9-A09E-4470-2324-7D202860F263}"/>
+                <a16:creationId xmlns="" xmlns:a16="http://schemas.microsoft.com/office/drawing/2014/main" id="{1CCF16B9-A09E-4470-2324-7D202860F263}"/>
               </a:ext>
             </a:extLst>
           </p:cNvPr>
@@ -10998,7 +10998,7 @@
           <p:cNvPr id="4" name="Straight Arrow Connector 3">
             <a:extLst>
               <a:ext uri="{FF2B5EF4-FFF2-40B4-BE49-F238E27FC236}">
-                <a16:creationId xmlns:a16="http://schemas.microsoft.com/office/drawing/2014/main" xmlns="" id="{98ADD665-6FC6-CEB4-6D76-8C26111BF116}"/>
+                <a16:creationId xmlns="" xmlns:a16="http://schemas.microsoft.com/office/drawing/2014/main" id="{98ADD665-6FC6-CEB4-6D76-8C26111BF116}"/>
               </a:ext>
             </a:extLst>
           </p:cNvPr>
@@ -11042,7 +11042,7 @@
           <p:cNvPr id="6" name="Straight Arrow Connector 5">
             <a:extLst>
               <a:ext uri="{FF2B5EF4-FFF2-40B4-BE49-F238E27FC236}">
-                <a16:creationId xmlns:a16="http://schemas.microsoft.com/office/drawing/2014/main" xmlns="" id="{3C0F131E-E90A-3652-2E94-739BA4B3AD14}"/>
+                <a16:creationId xmlns="" xmlns:a16="http://schemas.microsoft.com/office/drawing/2014/main" id="{3C0F131E-E90A-3652-2E94-739BA4B3AD14}"/>
               </a:ext>
             </a:extLst>
           </p:cNvPr>
@@ -11086,7 +11086,7 @@
           <p:cNvPr id="8" name="Straight Arrow Connector 7">
             <a:extLst>
               <a:ext uri="{FF2B5EF4-FFF2-40B4-BE49-F238E27FC236}">
-                <a16:creationId xmlns:a16="http://schemas.microsoft.com/office/drawing/2014/main" xmlns="" id="{953C8946-F2DA-9D06-E8E1-65ED0C5F25D8}"/>
+                <a16:creationId xmlns="" xmlns:a16="http://schemas.microsoft.com/office/drawing/2014/main" id="{953C8946-F2DA-9D06-E8E1-65ED0C5F25D8}"/>
               </a:ext>
             </a:extLst>
           </p:cNvPr>
@@ -11133,7 +11133,7 @@
           <p:cNvPr id="10" name="Straight Arrow Connector 9">
             <a:extLst>
               <a:ext uri="{FF2B5EF4-FFF2-40B4-BE49-F238E27FC236}">
-                <a16:creationId xmlns:a16="http://schemas.microsoft.com/office/drawing/2014/main" xmlns="" id="{73A92731-B2F7-2195-B2DA-1A6401977BE5}"/>
+                <a16:creationId xmlns="" xmlns:a16="http://schemas.microsoft.com/office/drawing/2014/main" id="{73A92731-B2F7-2195-B2DA-1A6401977BE5}"/>
               </a:ext>
             </a:extLst>
           </p:cNvPr>
@@ -11180,7 +11180,7 @@
           <p:cNvPr id="11" name="TextBox 10">
             <a:extLst>
               <a:ext uri="{FF2B5EF4-FFF2-40B4-BE49-F238E27FC236}">
-                <a16:creationId xmlns:a16="http://schemas.microsoft.com/office/drawing/2014/main" xmlns="" id="{25E40C69-AAB7-773A-3E63-8815E4C667BB}"/>
+                <a16:creationId xmlns="" xmlns:a16="http://schemas.microsoft.com/office/drawing/2014/main" id="{25E40C69-AAB7-773A-3E63-8815E4C667BB}"/>
               </a:ext>
             </a:extLst>
           </p:cNvPr>
@@ -11221,7 +11221,7 @@
           <p:cNvPr id="12" name="TextBox 11">
             <a:extLst>
               <a:ext uri="{FF2B5EF4-FFF2-40B4-BE49-F238E27FC236}">
-                <a16:creationId xmlns:a16="http://schemas.microsoft.com/office/drawing/2014/main" xmlns="" id="{C2D554D5-ACAF-44BE-A0AE-5FAD5C39073F}"/>
+                <a16:creationId xmlns="" xmlns:a16="http://schemas.microsoft.com/office/drawing/2014/main" id="{C2D554D5-ACAF-44BE-A0AE-5FAD5C39073F}"/>
               </a:ext>
             </a:extLst>
           </p:cNvPr>
@@ -11262,7 +11262,7 @@
           <p:cNvPr id="16" name="Straight Connector 15">
             <a:extLst>
               <a:ext uri="{FF2B5EF4-FFF2-40B4-BE49-F238E27FC236}">
-                <a16:creationId xmlns:a16="http://schemas.microsoft.com/office/drawing/2014/main" xmlns="" id="{ACDAADC2-F7E7-2AB3-8431-833234F0D948}"/>
+                <a16:creationId xmlns="" xmlns:a16="http://schemas.microsoft.com/office/drawing/2014/main" id="{ACDAADC2-F7E7-2AB3-8431-833234F0D948}"/>
               </a:ext>
             </a:extLst>
           </p:cNvPr>
@@ -11305,7 +11305,7 @@
           <p:cNvPr id="19" name="Straight Connector 18">
             <a:extLst>
               <a:ext uri="{FF2B5EF4-FFF2-40B4-BE49-F238E27FC236}">
-                <a16:creationId xmlns:a16="http://schemas.microsoft.com/office/drawing/2014/main" xmlns="" id="{1D3114F2-3799-D088-0DA0-DE82349A782F}"/>
+                <a16:creationId xmlns="" xmlns:a16="http://schemas.microsoft.com/office/drawing/2014/main" id="{1D3114F2-3799-D088-0DA0-DE82349A782F}"/>
               </a:ext>
             </a:extLst>
           </p:cNvPr>
@@ -11348,7 +11348,7 @@
           <p:cNvPr id="22" name="TextBox 21">
             <a:extLst>
               <a:ext uri="{FF2B5EF4-FFF2-40B4-BE49-F238E27FC236}">
-                <a16:creationId xmlns:a16="http://schemas.microsoft.com/office/drawing/2014/main" xmlns="" id="{46B7EA58-223A-76DA-904C-B127A21679D7}"/>
+                <a16:creationId xmlns="" xmlns:a16="http://schemas.microsoft.com/office/drawing/2014/main" id="{46B7EA58-223A-76DA-904C-B127A21679D7}"/>
               </a:ext>
             </a:extLst>
           </p:cNvPr>
@@ -11419,7 +11419,7 @@
           <p:cNvPr id="2" name="TextBox 1">
             <a:extLst>
               <a:ext uri="{FF2B5EF4-FFF2-40B4-BE49-F238E27FC236}">
-                <a16:creationId xmlns:a16="http://schemas.microsoft.com/office/drawing/2014/main" xmlns="" id="{CFBB8880-030D-770F-78E0-250ED3C4086B}"/>
+                <a16:creationId xmlns="" xmlns:a16="http://schemas.microsoft.com/office/drawing/2014/main" id="{CFBB8880-030D-770F-78E0-250ED3C4086B}"/>
               </a:ext>
             </a:extLst>
           </p:cNvPr>
@@ -11458,7 +11458,7 @@
           <p:cNvPr id="4" name="Picture 3">
             <a:extLst>
               <a:ext uri="{FF2B5EF4-FFF2-40B4-BE49-F238E27FC236}">
-                <a16:creationId xmlns:a16="http://schemas.microsoft.com/office/drawing/2014/main" xmlns="" id="{FAAEB7AD-C825-8836-2CCC-6A519C365B2E}"/>
+                <a16:creationId xmlns="" xmlns:a16="http://schemas.microsoft.com/office/drawing/2014/main" id="{FAAEB7AD-C825-8836-2CCC-6A519C365B2E}"/>
               </a:ext>
             </a:extLst>
           </p:cNvPr>
@@ -11494,7 +11494,7 @@
           <p:cNvPr id="6" name="Picture 5">
             <a:extLst>
               <a:ext uri="{FF2B5EF4-FFF2-40B4-BE49-F238E27FC236}">
-                <a16:creationId xmlns:a16="http://schemas.microsoft.com/office/drawing/2014/main" xmlns="" id="{12FC48A8-7E76-3B37-EC98-7F8A0B19AB46}"/>
+                <a16:creationId xmlns="" xmlns:a16="http://schemas.microsoft.com/office/drawing/2014/main" id="{12FC48A8-7E76-3B37-EC98-7F8A0B19AB46}"/>
               </a:ext>
             </a:extLst>
           </p:cNvPr>
@@ -11530,7 +11530,7 @@
           <p:cNvPr id="7" name="TextBox 6">
             <a:extLst>
               <a:ext uri="{FF2B5EF4-FFF2-40B4-BE49-F238E27FC236}">
-                <a16:creationId xmlns:a16="http://schemas.microsoft.com/office/drawing/2014/main" xmlns="" id="{7A58E15A-2348-A7C6-FC81-48AD1D6E4181}"/>
+                <a16:creationId xmlns="" xmlns:a16="http://schemas.microsoft.com/office/drawing/2014/main" id="{7A58E15A-2348-A7C6-FC81-48AD1D6E4181}"/>
               </a:ext>
             </a:extLst>
           </p:cNvPr>
@@ -11565,7 +11565,7 @@
           <p:cNvPr id="8" name="Picture 7">
             <a:extLst>
               <a:ext uri="{FF2B5EF4-FFF2-40B4-BE49-F238E27FC236}">
-                <a16:creationId xmlns:a16="http://schemas.microsoft.com/office/drawing/2014/main" xmlns="" id="{C1B70BF2-C4A5-2826-E7C8-890B5910688F}"/>
+                <a16:creationId xmlns="" xmlns:a16="http://schemas.microsoft.com/office/drawing/2014/main" id="{C1B70BF2-C4A5-2826-E7C8-890B5910688F}"/>
               </a:ext>
             </a:extLst>
           </p:cNvPr>
@@ -11600,7 +11600,7 @@
           <p:cNvPr id="9" name="TextBox 8">
             <a:extLst>
               <a:ext uri="{FF2B5EF4-FFF2-40B4-BE49-F238E27FC236}">
-                <a16:creationId xmlns:a16="http://schemas.microsoft.com/office/drawing/2014/main" xmlns="" id="{F327D58F-429A-36B6-C4D6-D4B3D7248B24}"/>
+                <a16:creationId xmlns="" xmlns:a16="http://schemas.microsoft.com/office/drawing/2014/main" id="{F327D58F-429A-36B6-C4D6-D4B3D7248B24}"/>
               </a:ext>
             </a:extLst>
           </p:cNvPr>
@@ -11665,7 +11665,7 @@
           <p:cNvPr id="2" name="TextBox 1">
             <a:extLst>
               <a:ext uri="{FF2B5EF4-FFF2-40B4-BE49-F238E27FC236}">
-                <a16:creationId xmlns:a16="http://schemas.microsoft.com/office/drawing/2014/main" xmlns="" id="{CFBB8880-030D-770F-78E0-250ED3C4086B}"/>
+                <a16:creationId xmlns="" xmlns:a16="http://schemas.microsoft.com/office/drawing/2014/main" id="{CFBB8880-030D-770F-78E0-250ED3C4086B}"/>
               </a:ext>
             </a:extLst>
           </p:cNvPr>
@@ -11704,7 +11704,7 @@
           <p:cNvPr id="4" name="Picture 3">
             <a:extLst>
               <a:ext uri="{FF2B5EF4-FFF2-40B4-BE49-F238E27FC236}">
-                <a16:creationId xmlns:a16="http://schemas.microsoft.com/office/drawing/2014/main" xmlns="" id="{FAAEB7AD-C825-8836-2CCC-6A519C365B2E}"/>
+                <a16:creationId xmlns="" xmlns:a16="http://schemas.microsoft.com/office/drawing/2014/main" id="{FAAEB7AD-C825-8836-2CCC-6A519C365B2E}"/>
               </a:ext>
             </a:extLst>
           </p:cNvPr>
@@ -11740,7 +11740,7 @@
           <p:cNvPr id="3" name="TextBox 2">
             <a:extLst>
               <a:ext uri="{FF2B5EF4-FFF2-40B4-BE49-F238E27FC236}">
-                <a16:creationId xmlns:a16="http://schemas.microsoft.com/office/drawing/2014/main" xmlns="" id="{C3BFC904-2C98-0A6B-DB9F-F77D7062E30B}"/>
+                <a16:creationId xmlns="" xmlns:a16="http://schemas.microsoft.com/office/drawing/2014/main" id="{C3BFC904-2C98-0A6B-DB9F-F77D7062E30B}"/>
               </a:ext>
             </a:extLst>
           </p:cNvPr>
@@ -11775,7 +11775,7 @@
           <p:cNvPr id="10" name="Picture 9">
             <a:extLst>
               <a:ext uri="{FF2B5EF4-FFF2-40B4-BE49-F238E27FC236}">
-                <a16:creationId xmlns:a16="http://schemas.microsoft.com/office/drawing/2014/main" xmlns="" id="{479D0D63-8B89-D61F-B6AC-12A0A9B1880F}"/>
+                <a16:creationId xmlns="" xmlns:a16="http://schemas.microsoft.com/office/drawing/2014/main" id="{479D0D63-8B89-D61F-B6AC-12A0A9B1880F}"/>
               </a:ext>
             </a:extLst>
           </p:cNvPr>
@@ -11810,7 +11810,7 @@
           <p:cNvPr id="11" name="TextBox 10">
             <a:extLst>
               <a:ext uri="{FF2B5EF4-FFF2-40B4-BE49-F238E27FC236}">
-                <a16:creationId xmlns:a16="http://schemas.microsoft.com/office/drawing/2014/main" xmlns="" id="{3EE8954A-E471-F2EF-426C-D988AF32186F}"/>
+                <a16:creationId xmlns="" xmlns:a16="http://schemas.microsoft.com/office/drawing/2014/main" id="{3EE8954A-E471-F2EF-426C-D988AF32186F}"/>
               </a:ext>
             </a:extLst>
           </p:cNvPr>
@@ -11875,7 +11875,7 @@
           <p:cNvPr id="2" name="TextBox 1">
             <a:extLst>
               <a:ext uri="{FF2B5EF4-FFF2-40B4-BE49-F238E27FC236}">
-                <a16:creationId xmlns:a16="http://schemas.microsoft.com/office/drawing/2014/main" xmlns="" id="{58458917-3328-445C-86E8-B4D8A6CBAF47}"/>
+                <a16:creationId xmlns="" xmlns:a16="http://schemas.microsoft.com/office/drawing/2014/main" id="{58458917-3328-445C-86E8-B4D8A6CBAF47}"/>
               </a:ext>
             </a:extLst>
           </p:cNvPr>
@@ -11910,7 +11910,7 @@
           <p:cNvPr id="4" name="TextBox 3">
             <a:extLst>
               <a:ext uri="{FF2B5EF4-FFF2-40B4-BE49-F238E27FC236}">
-                <a16:creationId xmlns:a16="http://schemas.microsoft.com/office/drawing/2014/main" xmlns="" id="{59C408C2-F21E-4C19-8E48-FFB355E98CF4}"/>
+                <a16:creationId xmlns="" xmlns:a16="http://schemas.microsoft.com/office/drawing/2014/main" id="{59C408C2-F21E-4C19-8E48-FFB355E98CF4}"/>
               </a:ext>
             </a:extLst>
           </p:cNvPr>
@@ -11951,7 +11951,7 @@
           <p:cNvPr id="24" name="Picture 23">
             <a:extLst>
               <a:ext uri="{FF2B5EF4-FFF2-40B4-BE49-F238E27FC236}">
-                <a16:creationId xmlns:a16="http://schemas.microsoft.com/office/drawing/2014/main" xmlns="" id="{7601F9BB-3928-4495-B86A-5B5A12CCEAB1}"/>
+                <a16:creationId xmlns="" xmlns:a16="http://schemas.microsoft.com/office/drawing/2014/main" id="{7601F9BB-3928-4495-B86A-5B5A12CCEAB1}"/>
               </a:ext>
             </a:extLst>
           </p:cNvPr>
@@ -11987,7 +11987,7 @@
           <p:cNvPr id="25" name="TextBox 24">
             <a:extLst>
               <a:ext uri="{FF2B5EF4-FFF2-40B4-BE49-F238E27FC236}">
-                <a16:creationId xmlns:a16="http://schemas.microsoft.com/office/drawing/2014/main" xmlns="" id="{76B2A961-23A7-46AF-9437-D9BEDD34FE3E}"/>
+                <a16:creationId xmlns="" xmlns:a16="http://schemas.microsoft.com/office/drawing/2014/main" id="{76B2A961-23A7-46AF-9437-D9BEDD34FE3E}"/>
               </a:ext>
             </a:extLst>
           </p:cNvPr>
@@ -12082,7 +12082,7 @@
           <p:cNvPr id="2" name="TextBox 1">
             <a:extLst>
               <a:ext uri="{FF2B5EF4-FFF2-40B4-BE49-F238E27FC236}">
-                <a16:creationId xmlns:a16="http://schemas.microsoft.com/office/drawing/2014/main" xmlns="" id="{A694A103-367C-4EBF-A279-F53737AF5323}"/>
+                <a16:creationId xmlns="" xmlns:a16="http://schemas.microsoft.com/office/drawing/2014/main" id="{A694A103-367C-4EBF-A279-F53737AF5323}"/>
               </a:ext>
             </a:extLst>
           </p:cNvPr>
@@ -12118,7 +12118,7 @@
           <p:cNvPr id="4" name="TextBox 3">
             <a:extLst>
               <a:ext uri="{FF2B5EF4-FFF2-40B4-BE49-F238E27FC236}">
-                <a16:creationId xmlns:a16="http://schemas.microsoft.com/office/drawing/2014/main" xmlns="" id="{8E41D626-2890-4F5E-986E-D62832054533}"/>
+                <a16:creationId xmlns="" xmlns:a16="http://schemas.microsoft.com/office/drawing/2014/main" id="{8E41D626-2890-4F5E-986E-D62832054533}"/>
               </a:ext>
             </a:extLst>
           </p:cNvPr>
@@ -12127,7 +12127,7 @@
         </p:nvSpPr>
         <p:spPr>
           <a:xfrm>
-            <a:off x="6422571" y="1839686"/>
+            <a:off x="6422570" y="1783378"/>
             <a:ext cx="4789715" cy="1261884"/>
           </a:xfrm>
           <a:prstGeom prst="rect">
@@ -12143,7 +12143,19 @@
           <a:p>
             <a:r>
               <a:rPr lang="en-US" sz="2000" dirty="0"/>
-              <a:t>A graph is called connected when a path doesn’t exist between all of its vertices.</a:t>
+              <a:t>A graph is </a:t>
+            </a:r>
+            <a:r>
+              <a:rPr lang="en-US" sz="2000"/>
+              <a:t>called </a:t>
+            </a:r>
+            <a:r>
+              <a:rPr lang="en-US" sz="2000" smtClean="0"/>
+              <a:t>disconnected </a:t>
+            </a:r>
+            <a:r>
+              <a:rPr lang="en-US" sz="2000" dirty="0"/>
+              <a:t>when a path doesn’t exist between all of its vertices.</a:t>
             </a:r>
           </a:p>
           <a:p>
@@ -12159,7 +12171,7 @@
           <p:cNvPr id="6" name="Picture 5">
             <a:extLst>
               <a:ext uri="{FF2B5EF4-FFF2-40B4-BE49-F238E27FC236}">
-                <a16:creationId xmlns:a16="http://schemas.microsoft.com/office/drawing/2014/main" xmlns="" id="{BB4F0E99-6A1D-4C17-B926-AF7D414F4769}"/>
+                <a16:creationId xmlns="" xmlns:a16="http://schemas.microsoft.com/office/drawing/2014/main" id="{BB4F0E99-6A1D-4C17-B926-AF7D414F4769}"/>
               </a:ext>
             </a:extLst>
           </p:cNvPr>
@@ -12195,7 +12207,7 @@
           <p:cNvPr id="7" name="TextBox 6">
             <a:extLst>
               <a:ext uri="{FF2B5EF4-FFF2-40B4-BE49-F238E27FC236}">
-                <a16:creationId xmlns:a16="http://schemas.microsoft.com/office/drawing/2014/main" xmlns="" id="{BD591925-B68E-4F15-A165-E73B5EC33074}"/>
+                <a16:creationId xmlns="" xmlns:a16="http://schemas.microsoft.com/office/drawing/2014/main" id="{BD591925-B68E-4F15-A165-E73B5EC33074}"/>
               </a:ext>
             </a:extLst>
           </p:cNvPr>
@@ -12245,7 +12257,7 @@
           <p:cNvPr id="11" name="Picture 10">
             <a:extLst>
               <a:ext uri="{FF2B5EF4-FFF2-40B4-BE49-F238E27FC236}">
-                <a16:creationId xmlns:a16="http://schemas.microsoft.com/office/drawing/2014/main" xmlns="" id="{0532259E-1BD2-4B1E-AFFB-6294D0EFCE91}"/>
+                <a16:creationId xmlns="" xmlns:a16="http://schemas.microsoft.com/office/drawing/2014/main" id="{0532259E-1BD2-4B1E-AFFB-6294D0EFCE91}"/>
               </a:ext>
             </a:extLst>
           </p:cNvPr>
@@ -12311,7 +12323,7 @@
           <p:cNvPr id="3" name="TextBox 2">
             <a:extLst>
               <a:ext uri="{FF2B5EF4-FFF2-40B4-BE49-F238E27FC236}">
-                <a16:creationId xmlns:a16="http://schemas.microsoft.com/office/drawing/2014/main" xmlns="" id="{6129BCCE-EAA2-06B8-2ABB-36E1965B0FED}"/>
+                <a16:creationId xmlns="" xmlns:a16="http://schemas.microsoft.com/office/drawing/2014/main" id="{6129BCCE-EAA2-06B8-2ABB-36E1965B0FED}"/>
               </a:ext>
             </a:extLst>
           </p:cNvPr>
@@ -12358,7 +12370,7 @@
           <p:cNvPr id="2" name="TextBox 1">
             <a:extLst>
               <a:ext uri="{FF2B5EF4-FFF2-40B4-BE49-F238E27FC236}">
-                <a16:creationId xmlns:a16="http://schemas.microsoft.com/office/drawing/2014/main" xmlns="" id="{4073108B-FF80-2542-E514-618C5A826695}"/>
+                <a16:creationId xmlns="" xmlns:a16="http://schemas.microsoft.com/office/drawing/2014/main" id="{4073108B-FF80-2542-E514-618C5A826695}"/>
               </a:ext>
             </a:extLst>
           </p:cNvPr>
@@ -12789,7 +12801,7 @@
   <a:extraClrSchemeLst/>
   <a:extLst>
     <a:ext uri="{05A4C25C-085E-4340-85A3-A5531E510DB2}">
-      <thm15:themeFamily xmlns:thm15="http://schemas.microsoft.com/office/thememl/2012/main" xmlns="" name="Office Theme" id="{62F939B6-93AF-4DB8-9C6B-D6C7DFDC589F}" vid="{4A3C46E8-61CC-4603-A589-7422A47A8E4A}"/>
+      <thm15:themeFamily xmlns="" xmlns:thm15="http://schemas.microsoft.com/office/thememl/2012/main" name="Office Theme" id="{62F939B6-93AF-4DB8-9C6B-D6C7DFDC589F}" vid="{4A3C46E8-61CC-4603-A589-7422A47A8E4A}"/>
     </a:ext>
   </a:extLst>
 </a:theme>
@@ -13084,7 +13096,7 @@
   <a:extraClrSchemeLst/>
   <a:extLst>
     <a:ext uri="{05A4C25C-085E-4340-85A3-A5531E510DB2}">
-      <thm15:themeFamily xmlns:thm15="http://schemas.microsoft.com/office/thememl/2012/main" xmlns="" name="Office Theme" id="{62F939B6-93AF-4DB8-9C6B-D6C7DFDC589F}" vid="{4A3C46E8-61CC-4603-A589-7422A47A8E4A}"/>
+      <thm15:themeFamily xmlns="" xmlns:thm15="http://schemas.microsoft.com/office/thememl/2012/main" name="Office Theme" id="{62F939B6-93AF-4DB8-9C6B-D6C7DFDC589F}" vid="{4A3C46E8-61CC-4603-A589-7422A47A8E4A}"/>
     </a:ext>
   </a:extLst>
 </a:theme>

--- a/group5_graphtheory.pptx
+++ b/group5_graphtheory.pptx
@@ -5,7 +5,7 @@
     <p:sldMasterId id="2147483648" r:id="rId1"/>
   </p:sldMasterIdLst>
   <p:notesMasterIdLst>
-    <p:notesMasterId r:id="rId21"/>
+    <p:notesMasterId r:id="rId23"/>
   </p:notesMasterIdLst>
   <p:sldIdLst>
     <p:sldId id="257" r:id="rId2"/>
@@ -21,12 +21,14 @@
     <p:sldId id="263" r:id="rId12"/>
     <p:sldId id="258" r:id="rId13"/>
     <p:sldId id="267" r:id="rId14"/>
-    <p:sldId id="270" r:id="rId15"/>
-    <p:sldId id="271" r:id="rId16"/>
-    <p:sldId id="272" r:id="rId17"/>
-    <p:sldId id="273" r:id="rId18"/>
-    <p:sldId id="274" r:id="rId19"/>
-    <p:sldId id="275" r:id="rId20"/>
+    <p:sldId id="276" r:id="rId15"/>
+    <p:sldId id="277" r:id="rId16"/>
+    <p:sldId id="270" r:id="rId17"/>
+    <p:sldId id="271" r:id="rId18"/>
+    <p:sldId id="272" r:id="rId19"/>
+    <p:sldId id="273" r:id="rId20"/>
+    <p:sldId id="274" r:id="rId21"/>
+    <p:sldId id="275" r:id="rId22"/>
   </p:sldIdLst>
   <p:sldSz cx="12192000" cy="6858000"/>
   <p:notesSz cx="6858000" cy="9144000"/>
@@ -127,7 +129,18 @@
   </p:defaultTextStyle>
   <p:extLst>
     <p:ext uri="{EFAFB233-063F-42B5-8137-9DF3F51BA10A}">
-      <p15:sldGuideLst xmlns="" xmlns:p15="http://schemas.microsoft.com/office/powerpoint/2012/main"/>
+      <p15:sldGuideLst xmlns:p15="http://schemas.microsoft.com/office/powerpoint/2012/main">
+        <p15:guide id="1" orient="horz" pos="2160">
+          <p15:clr>
+            <a:srgbClr val="A4A3A4"/>
+          </p15:clr>
+        </p15:guide>
+        <p15:guide id="2" pos="3840">
+          <p15:clr>
+            <a:srgbClr val="A4A3A4"/>
+          </p15:clr>
+        </p15:guide>
+      </p15:sldGuideLst>
     </p:ext>
   </p:extLst>
 </p:presentation>
@@ -504,7 +517,7 @@
           <p:cNvPr id="2" name="Title 1">
             <a:extLst>
               <a:ext uri="{FF2B5EF4-FFF2-40B4-BE49-F238E27FC236}">
-                <a16:creationId xmlns="" xmlns:a16="http://schemas.microsoft.com/office/drawing/2014/main" id="{BBCE1907-BF49-D1B3-738F-3128D585CAE0}"/>
+                <a16:creationId xmlns:a16="http://schemas.microsoft.com/office/drawing/2014/main" id="{BBCE1907-BF49-D1B3-738F-3128D585CAE0}"/>
               </a:ext>
             </a:extLst>
           </p:cNvPr>
@@ -541,7 +554,7 @@
           <p:cNvPr id="3" name="Subtitle 2">
             <a:extLst>
               <a:ext uri="{FF2B5EF4-FFF2-40B4-BE49-F238E27FC236}">
-                <a16:creationId xmlns="" xmlns:a16="http://schemas.microsoft.com/office/drawing/2014/main" id="{19BC5ED9-2757-F5C3-CD09-15EB86E41325}"/>
+                <a16:creationId xmlns:a16="http://schemas.microsoft.com/office/drawing/2014/main" id="{19BC5ED9-2757-F5C3-CD09-15EB86E41325}"/>
               </a:ext>
             </a:extLst>
           </p:cNvPr>
@@ -611,7 +624,7 @@
           <p:cNvPr id="4" name="Date Placeholder 3">
             <a:extLst>
               <a:ext uri="{FF2B5EF4-FFF2-40B4-BE49-F238E27FC236}">
-                <a16:creationId xmlns="" xmlns:a16="http://schemas.microsoft.com/office/drawing/2014/main" id="{05358264-F8B0-A276-EFD2-30AB32E7D94D}"/>
+                <a16:creationId xmlns:a16="http://schemas.microsoft.com/office/drawing/2014/main" id="{05358264-F8B0-A276-EFD2-30AB32E7D94D}"/>
               </a:ext>
             </a:extLst>
           </p:cNvPr>
@@ -640,7 +653,7 @@
           <p:cNvPr id="5" name="Footer Placeholder 4">
             <a:extLst>
               <a:ext uri="{FF2B5EF4-FFF2-40B4-BE49-F238E27FC236}">
-                <a16:creationId xmlns="" xmlns:a16="http://schemas.microsoft.com/office/drawing/2014/main" id="{90EE5563-C195-4274-9EC3-F64606ED5028}"/>
+                <a16:creationId xmlns:a16="http://schemas.microsoft.com/office/drawing/2014/main" id="{90EE5563-C195-4274-9EC3-F64606ED5028}"/>
               </a:ext>
             </a:extLst>
           </p:cNvPr>
@@ -665,7 +678,7 @@
           <p:cNvPr id="6" name="Slide Number Placeholder 5">
             <a:extLst>
               <a:ext uri="{FF2B5EF4-FFF2-40B4-BE49-F238E27FC236}">
-                <a16:creationId xmlns="" xmlns:a16="http://schemas.microsoft.com/office/drawing/2014/main" id="{F4099638-DF8D-621F-D9A4-D6A107E6D17D}"/>
+                <a16:creationId xmlns:a16="http://schemas.microsoft.com/office/drawing/2014/main" id="{F4099638-DF8D-621F-D9A4-D6A107E6D17D}"/>
               </a:ext>
             </a:extLst>
           </p:cNvPr>
@@ -724,7 +737,7 @@
           <p:cNvPr id="2" name="Title 1">
             <a:extLst>
               <a:ext uri="{FF2B5EF4-FFF2-40B4-BE49-F238E27FC236}">
-                <a16:creationId xmlns="" xmlns:a16="http://schemas.microsoft.com/office/drawing/2014/main" id="{ADFC1F59-0CFE-78AB-46EC-BCE01ADA4D41}"/>
+                <a16:creationId xmlns:a16="http://schemas.microsoft.com/office/drawing/2014/main" id="{ADFC1F59-0CFE-78AB-46EC-BCE01ADA4D41}"/>
               </a:ext>
             </a:extLst>
           </p:cNvPr>
@@ -752,7 +765,7 @@
           <p:cNvPr id="3" name="Vertical Text Placeholder 2">
             <a:extLst>
               <a:ext uri="{FF2B5EF4-FFF2-40B4-BE49-F238E27FC236}">
-                <a16:creationId xmlns="" xmlns:a16="http://schemas.microsoft.com/office/drawing/2014/main" id="{E67E3BB0-EA82-7DF3-C844-C08581E515F5}"/>
+                <a16:creationId xmlns:a16="http://schemas.microsoft.com/office/drawing/2014/main" id="{E67E3BB0-EA82-7DF3-C844-C08581E515F5}"/>
               </a:ext>
             </a:extLst>
           </p:cNvPr>
@@ -809,7 +822,7 @@
           <p:cNvPr id="4" name="Date Placeholder 3">
             <a:extLst>
               <a:ext uri="{FF2B5EF4-FFF2-40B4-BE49-F238E27FC236}">
-                <a16:creationId xmlns="" xmlns:a16="http://schemas.microsoft.com/office/drawing/2014/main" id="{397E52DF-A3DD-73BC-352D-108DA5F729C0}"/>
+                <a16:creationId xmlns:a16="http://schemas.microsoft.com/office/drawing/2014/main" id="{397E52DF-A3DD-73BC-352D-108DA5F729C0}"/>
               </a:ext>
             </a:extLst>
           </p:cNvPr>
@@ -838,7 +851,7 @@
           <p:cNvPr id="5" name="Footer Placeholder 4">
             <a:extLst>
               <a:ext uri="{FF2B5EF4-FFF2-40B4-BE49-F238E27FC236}">
-                <a16:creationId xmlns="" xmlns:a16="http://schemas.microsoft.com/office/drawing/2014/main" id="{EADBC1C7-87F5-254B-E446-5AD25DA0392E}"/>
+                <a16:creationId xmlns:a16="http://schemas.microsoft.com/office/drawing/2014/main" id="{EADBC1C7-87F5-254B-E446-5AD25DA0392E}"/>
               </a:ext>
             </a:extLst>
           </p:cNvPr>
@@ -863,7 +876,7 @@
           <p:cNvPr id="6" name="Slide Number Placeholder 5">
             <a:extLst>
               <a:ext uri="{FF2B5EF4-FFF2-40B4-BE49-F238E27FC236}">
-                <a16:creationId xmlns="" xmlns:a16="http://schemas.microsoft.com/office/drawing/2014/main" id="{C152FEE2-1BD3-A4D0-0D35-E7305E78860E}"/>
+                <a16:creationId xmlns:a16="http://schemas.microsoft.com/office/drawing/2014/main" id="{C152FEE2-1BD3-A4D0-0D35-E7305E78860E}"/>
               </a:ext>
             </a:extLst>
           </p:cNvPr>
@@ -922,7 +935,7 @@
           <p:cNvPr id="2" name="Vertical Title 1">
             <a:extLst>
               <a:ext uri="{FF2B5EF4-FFF2-40B4-BE49-F238E27FC236}">
-                <a16:creationId xmlns="" xmlns:a16="http://schemas.microsoft.com/office/drawing/2014/main" id="{481586F5-F921-B763-3950-D7872EE73133}"/>
+                <a16:creationId xmlns:a16="http://schemas.microsoft.com/office/drawing/2014/main" id="{481586F5-F921-B763-3950-D7872EE73133}"/>
               </a:ext>
             </a:extLst>
           </p:cNvPr>
@@ -955,7 +968,7 @@
           <p:cNvPr id="3" name="Vertical Text Placeholder 2">
             <a:extLst>
               <a:ext uri="{FF2B5EF4-FFF2-40B4-BE49-F238E27FC236}">
-                <a16:creationId xmlns="" xmlns:a16="http://schemas.microsoft.com/office/drawing/2014/main" id="{3EEE1185-E9A2-AC83-C12D-85B8AAFE2D09}"/>
+                <a16:creationId xmlns:a16="http://schemas.microsoft.com/office/drawing/2014/main" id="{3EEE1185-E9A2-AC83-C12D-85B8AAFE2D09}"/>
               </a:ext>
             </a:extLst>
           </p:cNvPr>
@@ -1017,7 +1030,7 @@
           <p:cNvPr id="4" name="Date Placeholder 3">
             <a:extLst>
               <a:ext uri="{FF2B5EF4-FFF2-40B4-BE49-F238E27FC236}">
-                <a16:creationId xmlns="" xmlns:a16="http://schemas.microsoft.com/office/drawing/2014/main" id="{19B0B450-44E0-65BA-46AD-192A2EAF8A93}"/>
+                <a16:creationId xmlns:a16="http://schemas.microsoft.com/office/drawing/2014/main" id="{19B0B450-44E0-65BA-46AD-192A2EAF8A93}"/>
               </a:ext>
             </a:extLst>
           </p:cNvPr>
@@ -1046,7 +1059,7 @@
           <p:cNvPr id="5" name="Footer Placeholder 4">
             <a:extLst>
               <a:ext uri="{FF2B5EF4-FFF2-40B4-BE49-F238E27FC236}">
-                <a16:creationId xmlns="" xmlns:a16="http://schemas.microsoft.com/office/drawing/2014/main" id="{CA3D37D5-2E14-DE41-F72B-817ED02D2C96}"/>
+                <a16:creationId xmlns:a16="http://schemas.microsoft.com/office/drawing/2014/main" id="{CA3D37D5-2E14-DE41-F72B-817ED02D2C96}"/>
               </a:ext>
             </a:extLst>
           </p:cNvPr>
@@ -1071,7 +1084,7 @@
           <p:cNvPr id="6" name="Slide Number Placeholder 5">
             <a:extLst>
               <a:ext uri="{FF2B5EF4-FFF2-40B4-BE49-F238E27FC236}">
-                <a16:creationId xmlns="" xmlns:a16="http://schemas.microsoft.com/office/drawing/2014/main" id="{E37FEEDB-FAA5-ACE2-C695-76BB6061883B}"/>
+                <a16:creationId xmlns:a16="http://schemas.microsoft.com/office/drawing/2014/main" id="{E37FEEDB-FAA5-ACE2-C695-76BB6061883B}"/>
               </a:ext>
             </a:extLst>
           </p:cNvPr>
@@ -1130,7 +1143,7 @@
           <p:cNvPr id="2" name="Title 1">
             <a:extLst>
               <a:ext uri="{FF2B5EF4-FFF2-40B4-BE49-F238E27FC236}">
-                <a16:creationId xmlns="" xmlns:a16="http://schemas.microsoft.com/office/drawing/2014/main" id="{84E22EA6-F011-81D0-C0ED-156511373D36}"/>
+                <a16:creationId xmlns:a16="http://schemas.microsoft.com/office/drawing/2014/main" id="{84E22EA6-F011-81D0-C0ED-156511373D36}"/>
               </a:ext>
             </a:extLst>
           </p:cNvPr>
@@ -1158,7 +1171,7 @@
           <p:cNvPr id="3" name="Content Placeholder 2">
             <a:extLst>
               <a:ext uri="{FF2B5EF4-FFF2-40B4-BE49-F238E27FC236}">
-                <a16:creationId xmlns="" xmlns:a16="http://schemas.microsoft.com/office/drawing/2014/main" id="{F131A518-20A3-5D2F-0E56-CE8C14DF8C9C}"/>
+                <a16:creationId xmlns:a16="http://schemas.microsoft.com/office/drawing/2014/main" id="{F131A518-20A3-5D2F-0E56-CE8C14DF8C9C}"/>
               </a:ext>
             </a:extLst>
           </p:cNvPr>
@@ -1215,7 +1228,7 @@
           <p:cNvPr id="4" name="Date Placeholder 3">
             <a:extLst>
               <a:ext uri="{FF2B5EF4-FFF2-40B4-BE49-F238E27FC236}">
-                <a16:creationId xmlns="" xmlns:a16="http://schemas.microsoft.com/office/drawing/2014/main" id="{C39E8D88-7C40-D6EA-C801-7004B82E559F}"/>
+                <a16:creationId xmlns:a16="http://schemas.microsoft.com/office/drawing/2014/main" id="{C39E8D88-7C40-D6EA-C801-7004B82E559F}"/>
               </a:ext>
             </a:extLst>
           </p:cNvPr>
@@ -1244,7 +1257,7 @@
           <p:cNvPr id="5" name="Footer Placeholder 4">
             <a:extLst>
               <a:ext uri="{FF2B5EF4-FFF2-40B4-BE49-F238E27FC236}">
-                <a16:creationId xmlns="" xmlns:a16="http://schemas.microsoft.com/office/drawing/2014/main" id="{2F8260DA-273E-9730-5618-99CA28D71F74}"/>
+                <a16:creationId xmlns:a16="http://schemas.microsoft.com/office/drawing/2014/main" id="{2F8260DA-273E-9730-5618-99CA28D71F74}"/>
               </a:ext>
             </a:extLst>
           </p:cNvPr>
@@ -1269,7 +1282,7 @@
           <p:cNvPr id="6" name="Slide Number Placeholder 5">
             <a:extLst>
               <a:ext uri="{FF2B5EF4-FFF2-40B4-BE49-F238E27FC236}">
-                <a16:creationId xmlns="" xmlns:a16="http://schemas.microsoft.com/office/drawing/2014/main" id="{50132774-5B01-379E-B018-4A9C359F9C93}"/>
+                <a16:creationId xmlns:a16="http://schemas.microsoft.com/office/drawing/2014/main" id="{50132774-5B01-379E-B018-4A9C359F9C93}"/>
               </a:ext>
             </a:extLst>
           </p:cNvPr>
@@ -1328,7 +1341,7 @@
           <p:cNvPr id="2" name="Title 1">
             <a:extLst>
               <a:ext uri="{FF2B5EF4-FFF2-40B4-BE49-F238E27FC236}">
-                <a16:creationId xmlns="" xmlns:a16="http://schemas.microsoft.com/office/drawing/2014/main" id="{00FB3524-C4D6-30E3-4D4B-0443D14E204B}"/>
+                <a16:creationId xmlns:a16="http://schemas.microsoft.com/office/drawing/2014/main" id="{00FB3524-C4D6-30E3-4D4B-0443D14E204B}"/>
               </a:ext>
             </a:extLst>
           </p:cNvPr>
@@ -1365,7 +1378,7 @@
           <p:cNvPr id="3" name="Text Placeholder 2">
             <a:extLst>
               <a:ext uri="{FF2B5EF4-FFF2-40B4-BE49-F238E27FC236}">
-                <a16:creationId xmlns="" xmlns:a16="http://schemas.microsoft.com/office/drawing/2014/main" id="{A5D1FA1C-A238-5208-BE02-3F4A97CA23FC}"/>
+                <a16:creationId xmlns:a16="http://schemas.microsoft.com/office/drawing/2014/main" id="{A5D1FA1C-A238-5208-BE02-3F4A97CA23FC}"/>
               </a:ext>
             </a:extLst>
           </p:cNvPr>
@@ -1490,7 +1503,7 @@
           <p:cNvPr id="4" name="Date Placeholder 3">
             <a:extLst>
               <a:ext uri="{FF2B5EF4-FFF2-40B4-BE49-F238E27FC236}">
-                <a16:creationId xmlns="" xmlns:a16="http://schemas.microsoft.com/office/drawing/2014/main" id="{800247F4-BC63-27C9-5D19-3C0C02ED9345}"/>
+                <a16:creationId xmlns:a16="http://schemas.microsoft.com/office/drawing/2014/main" id="{800247F4-BC63-27C9-5D19-3C0C02ED9345}"/>
               </a:ext>
             </a:extLst>
           </p:cNvPr>
@@ -1519,7 +1532,7 @@
           <p:cNvPr id="5" name="Footer Placeholder 4">
             <a:extLst>
               <a:ext uri="{FF2B5EF4-FFF2-40B4-BE49-F238E27FC236}">
-                <a16:creationId xmlns="" xmlns:a16="http://schemas.microsoft.com/office/drawing/2014/main" id="{BC194FA8-D691-0D9E-9120-77618A79867F}"/>
+                <a16:creationId xmlns:a16="http://schemas.microsoft.com/office/drawing/2014/main" id="{BC194FA8-D691-0D9E-9120-77618A79867F}"/>
               </a:ext>
             </a:extLst>
           </p:cNvPr>
@@ -1544,7 +1557,7 @@
           <p:cNvPr id="6" name="Slide Number Placeholder 5">
             <a:extLst>
               <a:ext uri="{FF2B5EF4-FFF2-40B4-BE49-F238E27FC236}">
-                <a16:creationId xmlns="" xmlns:a16="http://schemas.microsoft.com/office/drawing/2014/main" id="{072E3DB1-DA2C-41DA-6AD2-74A29F7CD026}"/>
+                <a16:creationId xmlns:a16="http://schemas.microsoft.com/office/drawing/2014/main" id="{072E3DB1-DA2C-41DA-6AD2-74A29F7CD026}"/>
               </a:ext>
             </a:extLst>
           </p:cNvPr>
@@ -1603,7 +1616,7 @@
           <p:cNvPr id="2" name="Title 1">
             <a:extLst>
               <a:ext uri="{FF2B5EF4-FFF2-40B4-BE49-F238E27FC236}">
-                <a16:creationId xmlns="" xmlns:a16="http://schemas.microsoft.com/office/drawing/2014/main" id="{D68B1386-0E2D-5C90-1B89-3B5418CF7ED3}"/>
+                <a16:creationId xmlns:a16="http://schemas.microsoft.com/office/drawing/2014/main" id="{D68B1386-0E2D-5C90-1B89-3B5418CF7ED3}"/>
               </a:ext>
             </a:extLst>
           </p:cNvPr>
@@ -1631,7 +1644,7 @@
           <p:cNvPr id="3" name="Content Placeholder 2">
             <a:extLst>
               <a:ext uri="{FF2B5EF4-FFF2-40B4-BE49-F238E27FC236}">
-                <a16:creationId xmlns="" xmlns:a16="http://schemas.microsoft.com/office/drawing/2014/main" id="{BE2FA58E-2FC7-158F-57C9-FA55B827EE2C}"/>
+                <a16:creationId xmlns:a16="http://schemas.microsoft.com/office/drawing/2014/main" id="{BE2FA58E-2FC7-158F-57C9-FA55B827EE2C}"/>
               </a:ext>
             </a:extLst>
           </p:cNvPr>
@@ -1693,7 +1706,7 @@
           <p:cNvPr id="4" name="Content Placeholder 3">
             <a:extLst>
               <a:ext uri="{FF2B5EF4-FFF2-40B4-BE49-F238E27FC236}">
-                <a16:creationId xmlns="" xmlns:a16="http://schemas.microsoft.com/office/drawing/2014/main" id="{5E19EEDA-1B50-C4A1-AA84-BDCE2951D7AC}"/>
+                <a16:creationId xmlns:a16="http://schemas.microsoft.com/office/drawing/2014/main" id="{5E19EEDA-1B50-C4A1-AA84-BDCE2951D7AC}"/>
               </a:ext>
             </a:extLst>
           </p:cNvPr>
@@ -1755,7 +1768,7 @@
           <p:cNvPr id="5" name="Date Placeholder 4">
             <a:extLst>
               <a:ext uri="{FF2B5EF4-FFF2-40B4-BE49-F238E27FC236}">
-                <a16:creationId xmlns="" xmlns:a16="http://schemas.microsoft.com/office/drawing/2014/main" id="{3F78F499-4FC9-1D3E-1E41-F30EE944124A}"/>
+                <a16:creationId xmlns:a16="http://schemas.microsoft.com/office/drawing/2014/main" id="{3F78F499-4FC9-1D3E-1E41-F30EE944124A}"/>
               </a:ext>
             </a:extLst>
           </p:cNvPr>
@@ -1784,7 +1797,7 @@
           <p:cNvPr id="6" name="Footer Placeholder 5">
             <a:extLst>
               <a:ext uri="{FF2B5EF4-FFF2-40B4-BE49-F238E27FC236}">
-                <a16:creationId xmlns="" xmlns:a16="http://schemas.microsoft.com/office/drawing/2014/main" id="{46B62AD9-1B9C-DABA-B54D-C1E21197DAB2}"/>
+                <a16:creationId xmlns:a16="http://schemas.microsoft.com/office/drawing/2014/main" id="{46B62AD9-1B9C-DABA-B54D-C1E21197DAB2}"/>
               </a:ext>
             </a:extLst>
           </p:cNvPr>
@@ -1809,7 +1822,7 @@
           <p:cNvPr id="7" name="Slide Number Placeholder 6">
             <a:extLst>
               <a:ext uri="{FF2B5EF4-FFF2-40B4-BE49-F238E27FC236}">
-                <a16:creationId xmlns="" xmlns:a16="http://schemas.microsoft.com/office/drawing/2014/main" id="{F844C1F3-1ACA-6BE7-97C3-B4EA973CF4CE}"/>
+                <a16:creationId xmlns:a16="http://schemas.microsoft.com/office/drawing/2014/main" id="{F844C1F3-1ACA-6BE7-97C3-B4EA973CF4CE}"/>
               </a:ext>
             </a:extLst>
           </p:cNvPr>
@@ -1868,7 +1881,7 @@
           <p:cNvPr id="2" name="Title 1">
             <a:extLst>
               <a:ext uri="{FF2B5EF4-FFF2-40B4-BE49-F238E27FC236}">
-                <a16:creationId xmlns="" xmlns:a16="http://schemas.microsoft.com/office/drawing/2014/main" id="{09A128E3-5716-3024-9D46-E59D7B932FF6}"/>
+                <a16:creationId xmlns:a16="http://schemas.microsoft.com/office/drawing/2014/main" id="{09A128E3-5716-3024-9D46-E59D7B932FF6}"/>
               </a:ext>
             </a:extLst>
           </p:cNvPr>
@@ -1901,7 +1914,7 @@
           <p:cNvPr id="3" name="Text Placeholder 2">
             <a:extLst>
               <a:ext uri="{FF2B5EF4-FFF2-40B4-BE49-F238E27FC236}">
-                <a16:creationId xmlns="" xmlns:a16="http://schemas.microsoft.com/office/drawing/2014/main" id="{903AEA5E-7524-8500-1847-1F745A90F0BE}"/>
+                <a16:creationId xmlns:a16="http://schemas.microsoft.com/office/drawing/2014/main" id="{903AEA5E-7524-8500-1847-1F745A90F0BE}"/>
               </a:ext>
             </a:extLst>
           </p:cNvPr>
@@ -1972,7 +1985,7 @@
           <p:cNvPr id="4" name="Content Placeholder 3">
             <a:extLst>
               <a:ext uri="{FF2B5EF4-FFF2-40B4-BE49-F238E27FC236}">
-                <a16:creationId xmlns="" xmlns:a16="http://schemas.microsoft.com/office/drawing/2014/main" id="{26385443-3F52-B4D9-DC5E-FBD9AFCC8004}"/>
+                <a16:creationId xmlns:a16="http://schemas.microsoft.com/office/drawing/2014/main" id="{26385443-3F52-B4D9-DC5E-FBD9AFCC8004}"/>
               </a:ext>
             </a:extLst>
           </p:cNvPr>
@@ -2034,7 +2047,7 @@
           <p:cNvPr id="5" name="Text Placeholder 4">
             <a:extLst>
               <a:ext uri="{FF2B5EF4-FFF2-40B4-BE49-F238E27FC236}">
-                <a16:creationId xmlns="" xmlns:a16="http://schemas.microsoft.com/office/drawing/2014/main" id="{35F61570-4F38-4CDB-A24E-DD8FAFC8576C}"/>
+                <a16:creationId xmlns:a16="http://schemas.microsoft.com/office/drawing/2014/main" id="{35F61570-4F38-4CDB-A24E-DD8FAFC8576C}"/>
               </a:ext>
             </a:extLst>
           </p:cNvPr>
@@ -2105,7 +2118,7 @@
           <p:cNvPr id="6" name="Content Placeholder 5">
             <a:extLst>
               <a:ext uri="{FF2B5EF4-FFF2-40B4-BE49-F238E27FC236}">
-                <a16:creationId xmlns="" xmlns:a16="http://schemas.microsoft.com/office/drawing/2014/main" id="{A684AE46-B417-9498-ACA0-B5C29C74F994}"/>
+                <a16:creationId xmlns:a16="http://schemas.microsoft.com/office/drawing/2014/main" id="{A684AE46-B417-9498-ACA0-B5C29C74F994}"/>
               </a:ext>
             </a:extLst>
           </p:cNvPr>
@@ -2167,7 +2180,7 @@
           <p:cNvPr id="7" name="Date Placeholder 6">
             <a:extLst>
               <a:ext uri="{FF2B5EF4-FFF2-40B4-BE49-F238E27FC236}">
-                <a16:creationId xmlns="" xmlns:a16="http://schemas.microsoft.com/office/drawing/2014/main" id="{0A6D5722-A5AB-C98A-3760-C4A46DB3E4F2}"/>
+                <a16:creationId xmlns:a16="http://schemas.microsoft.com/office/drawing/2014/main" id="{0A6D5722-A5AB-C98A-3760-C4A46DB3E4F2}"/>
               </a:ext>
             </a:extLst>
           </p:cNvPr>
@@ -2196,7 +2209,7 @@
           <p:cNvPr id="8" name="Footer Placeholder 7">
             <a:extLst>
               <a:ext uri="{FF2B5EF4-FFF2-40B4-BE49-F238E27FC236}">
-                <a16:creationId xmlns="" xmlns:a16="http://schemas.microsoft.com/office/drawing/2014/main" id="{8ADE145D-2965-4477-6BE6-F32EB844DBAB}"/>
+                <a16:creationId xmlns:a16="http://schemas.microsoft.com/office/drawing/2014/main" id="{8ADE145D-2965-4477-6BE6-F32EB844DBAB}"/>
               </a:ext>
             </a:extLst>
           </p:cNvPr>
@@ -2221,7 +2234,7 @@
           <p:cNvPr id="9" name="Slide Number Placeholder 8">
             <a:extLst>
               <a:ext uri="{FF2B5EF4-FFF2-40B4-BE49-F238E27FC236}">
-                <a16:creationId xmlns="" xmlns:a16="http://schemas.microsoft.com/office/drawing/2014/main" id="{B710E74F-2313-3984-02CF-47253D50D1DB}"/>
+                <a16:creationId xmlns:a16="http://schemas.microsoft.com/office/drawing/2014/main" id="{B710E74F-2313-3984-02CF-47253D50D1DB}"/>
               </a:ext>
             </a:extLst>
           </p:cNvPr>
@@ -2280,7 +2293,7 @@
           <p:cNvPr id="2" name="Title 1">
             <a:extLst>
               <a:ext uri="{FF2B5EF4-FFF2-40B4-BE49-F238E27FC236}">
-                <a16:creationId xmlns="" xmlns:a16="http://schemas.microsoft.com/office/drawing/2014/main" id="{D04FF4D3-F102-6994-FA69-5C26730E7C18}"/>
+                <a16:creationId xmlns:a16="http://schemas.microsoft.com/office/drawing/2014/main" id="{D04FF4D3-F102-6994-FA69-5C26730E7C18}"/>
               </a:ext>
             </a:extLst>
           </p:cNvPr>
@@ -2308,7 +2321,7 @@
           <p:cNvPr id="3" name="Date Placeholder 2">
             <a:extLst>
               <a:ext uri="{FF2B5EF4-FFF2-40B4-BE49-F238E27FC236}">
-                <a16:creationId xmlns="" xmlns:a16="http://schemas.microsoft.com/office/drawing/2014/main" id="{FDD70FFA-1560-4913-A4E9-9FECE4917152}"/>
+                <a16:creationId xmlns:a16="http://schemas.microsoft.com/office/drawing/2014/main" id="{FDD70FFA-1560-4913-A4E9-9FECE4917152}"/>
               </a:ext>
             </a:extLst>
           </p:cNvPr>
@@ -2337,7 +2350,7 @@
           <p:cNvPr id="4" name="Footer Placeholder 3">
             <a:extLst>
               <a:ext uri="{FF2B5EF4-FFF2-40B4-BE49-F238E27FC236}">
-                <a16:creationId xmlns="" xmlns:a16="http://schemas.microsoft.com/office/drawing/2014/main" id="{5CED9349-2BF4-715A-1D0D-66B2F7755624}"/>
+                <a16:creationId xmlns:a16="http://schemas.microsoft.com/office/drawing/2014/main" id="{5CED9349-2BF4-715A-1D0D-66B2F7755624}"/>
               </a:ext>
             </a:extLst>
           </p:cNvPr>
@@ -2362,7 +2375,7 @@
           <p:cNvPr id="5" name="Slide Number Placeholder 4">
             <a:extLst>
               <a:ext uri="{FF2B5EF4-FFF2-40B4-BE49-F238E27FC236}">
-                <a16:creationId xmlns="" xmlns:a16="http://schemas.microsoft.com/office/drawing/2014/main" id="{4E376E25-195F-FFE9-1361-CEACAF8E3FFC}"/>
+                <a16:creationId xmlns:a16="http://schemas.microsoft.com/office/drawing/2014/main" id="{4E376E25-195F-FFE9-1361-CEACAF8E3FFC}"/>
               </a:ext>
             </a:extLst>
           </p:cNvPr>
@@ -2421,7 +2434,7 @@
           <p:cNvPr id="2" name="Date Placeholder 1">
             <a:extLst>
               <a:ext uri="{FF2B5EF4-FFF2-40B4-BE49-F238E27FC236}">
-                <a16:creationId xmlns="" xmlns:a16="http://schemas.microsoft.com/office/drawing/2014/main" id="{888CE8D8-AA39-0D35-7F03-0BCCC48CF4E8}"/>
+                <a16:creationId xmlns:a16="http://schemas.microsoft.com/office/drawing/2014/main" id="{888CE8D8-AA39-0D35-7F03-0BCCC48CF4E8}"/>
               </a:ext>
             </a:extLst>
           </p:cNvPr>
@@ -2450,7 +2463,7 @@
           <p:cNvPr id="3" name="Footer Placeholder 2">
             <a:extLst>
               <a:ext uri="{FF2B5EF4-FFF2-40B4-BE49-F238E27FC236}">
-                <a16:creationId xmlns="" xmlns:a16="http://schemas.microsoft.com/office/drawing/2014/main" id="{D5D0993D-B522-8602-EDA4-47C7C80D3A9A}"/>
+                <a16:creationId xmlns:a16="http://schemas.microsoft.com/office/drawing/2014/main" id="{D5D0993D-B522-8602-EDA4-47C7C80D3A9A}"/>
               </a:ext>
             </a:extLst>
           </p:cNvPr>
@@ -2475,7 +2488,7 @@
           <p:cNvPr id="4" name="Slide Number Placeholder 3">
             <a:extLst>
               <a:ext uri="{FF2B5EF4-FFF2-40B4-BE49-F238E27FC236}">
-                <a16:creationId xmlns="" xmlns:a16="http://schemas.microsoft.com/office/drawing/2014/main" id="{D2DFDD99-8F35-0B5C-EA47-3CE1D767F1D7}"/>
+                <a16:creationId xmlns:a16="http://schemas.microsoft.com/office/drawing/2014/main" id="{D2DFDD99-8F35-0B5C-EA47-3CE1D767F1D7}"/>
               </a:ext>
             </a:extLst>
           </p:cNvPr>
@@ -2534,7 +2547,7 @@
           <p:cNvPr id="2" name="Title 1">
             <a:extLst>
               <a:ext uri="{FF2B5EF4-FFF2-40B4-BE49-F238E27FC236}">
-                <a16:creationId xmlns="" xmlns:a16="http://schemas.microsoft.com/office/drawing/2014/main" id="{409C0E09-3F32-A176-2CEC-80DE25093100}"/>
+                <a16:creationId xmlns:a16="http://schemas.microsoft.com/office/drawing/2014/main" id="{409C0E09-3F32-A176-2CEC-80DE25093100}"/>
               </a:ext>
             </a:extLst>
           </p:cNvPr>
@@ -2571,7 +2584,7 @@
           <p:cNvPr id="3" name="Content Placeholder 2">
             <a:extLst>
               <a:ext uri="{FF2B5EF4-FFF2-40B4-BE49-F238E27FC236}">
-                <a16:creationId xmlns="" xmlns:a16="http://schemas.microsoft.com/office/drawing/2014/main" id="{96161A0A-5C2F-040B-0B8B-2C8A80CBD3D9}"/>
+                <a16:creationId xmlns:a16="http://schemas.microsoft.com/office/drawing/2014/main" id="{96161A0A-5C2F-040B-0B8B-2C8A80CBD3D9}"/>
               </a:ext>
             </a:extLst>
           </p:cNvPr>
@@ -2661,7 +2674,7 @@
           <p:cNvPr id="4" name="Text Placeholder 3">
             <a:extLst>
               <a:ext uri="{FF2B5EF4-FFF2-40B4-BE49-F238E27FC236}">
-                <a16:creationId xmlns="" xmlns:a16="http://schemas.microsoft.com/office/drawing/2014/main" id="{230714B7-95F4-FD5A-4EFA-6E1CB9AC75D1}"/>
+                <a16:creationId xmlns:a16="http://schemas.microsoft.com/office/drawing/2014/main" id="{230714B7-95F4-FD5A-4EFA-6E1CB9AC75D1}"/>
               </a:ext>
             </a:extLst>
           </p:cNvPr>
@@ -2732,7 +2745,7 @@
           <p:cNvPr id="5" name="Date Placeholder 4">
             <a:extLst>
               <a:ext uri="{FF2B5EF4-FFF2-40B4-BE49-F238E27FC236}">
-                <a16:creationId xmlns="" xmlns:a16="http://schemas.microsoft.com/office/drawing/2014/main" id="{ACA955DA-6E22-361C-D051-1DEDC7B93482}"/>
+                <a16:creationId xmlns:a16="http://schemas.microsoft.com/office/drawing/2014/main" id="{ACA955DA-6E22-361C-D051-1DEDC7B93482}"/>
               </a:ext>
             </a:extLst>
           </p:cNvPr>
@@ -2761,7 +2774,7 @@
           <p:cNvPr id="6" name="Footer Placeholder 5">
             <a:extLst>
               <a:ext uri="{FF2B5EF4-FFF2-40B4-BE49-F238E27FC236}">
-                <a16:creationId xmlns="" xmlns:a16="http://schemas.microsoft.com/office/drawing/2014/main" id="{35E37E4F-2A21-0255-AF4B-171A69863F92}"/>
+                <a16:creationId xmlns:a16="http://schemas.microsoft.com/office/drawing/2014/main" id="{35E37E4F-2A21-0255-AF4B-171A69863F92}"/>
               </a:ext>
             </a:extLst>
           </p:cNvPr>
@@ -2786,7 +2799,7 @@
           <p:cNvPr id="7" name="Slide Number Placeholder 6">
             <a:extLst>
               <a:ext uri="{FF2B5EF4-FFF2-40B4-BE49-F238E27FC236}">
-                <a16:creationId xmlns="" xmlns:a16="http://schemas.microsoft.com/office/drawing/2014/main" id="{18E00153-4ED2-57CB-DE0A-9D5BEA86DAE0}"/>
+                <a16:creationId xmlns:a16="http://schemas.microsoft.com/office/drawing/2014/main" id="{18E00153-4ED2-57CB-DE0A-9D5BEA86DAE0}"/>
               </a:ext>
             </a:extLst>
           </p:cNvPr>
@@ -2845,7 +2858,7 @@
           <p:cNvPr id="2" name="Title 1">
             <a:extLst>
               <a:ext uri="{FF2B5EF4-FFF2-40B4-BE49-F238E27FC236}">
-                <a16:creationId xmlns="" xmlns:a16="http://schemas.microsoft.com/office/drawing/2014/main" id="{4F190398-F10E-E9EC-25DD-9CB1BB6771B2}"/>
+                <a16:creationId xmlns:a16="http://schemas.microsoft.com/office/drawing/2014/main" id="{4F190398-F10E-E9EC-25DD-9CB1BB6771B2}"/>
               </a:ext>
             </a:extLst>
           </p:cNvPr>
@@ -2882,7 +2895,7 @@
           <p:cNvPr id="3" name="Picture Placeholder 2">
             <a:extLst>
               <a:ext uri="{FF2B5EF4-FFF2-40B4-BE49-F238E27FC236}">
-                <a16:creationId xmlns="" xmlns:a16="http://schemas.microsoft.com/office/drawing/2014/main" id="{D893508A-77DE-4D92-69DC-11609AAA1531}"/>
+                <a16:creationId xmlns:a16="http://schemas.microsoft.com/office/drawing/2014/main" id="{D893508A-77DE-4D92-69DC-11609AAA1531}"/>
               </a:ext>
             </a:extLst>
           </p:cNvPr>
@@ -2949,7 +2962,7 @@
           <p:cNvPr id="4" name="Text Placeholder 3">
             <a:extLst>
               <a:ext uri="{FF2B5EF4-FFF2-40B4-BE49-F238E27FC236}">
-                <a16:creationId xmlns="" xmlns:a16="http://schemas.microsoft.com/office/drawing/2014/main" id="{7AFCBC79-8C85-31AF-D1C8-F2AF64DAB98F}"/>
+                <a16:creationId xmlns:a16="http://schemas.microsoft.com/office/drawing/2014/main" id="{7AFCBC79-8C85-31AF-D1C8-F2AF64DAB98F}"/>
               </a:ext>
             </a:extLst>
           </p:cNvPr>
@@ -3020,7 +3033,7 @@
           <p:cNvPr id="5" name="Date Placeholder 4">
             <a:extLst>
               <a:ext uri="{FF2B5EF4-FFF2-40B4-BE49-F238E27FC236}">
-                <a16:creationId xmlns="" xmlns:a16="http://schemas.microsoft.com/office/drawing/2014/main" id="{76389C7E-9267-3EDF-003D-7C0FDBFA508F}"/>
+                <a16:creationId xmlns:a16="http://schemas.microsoft.com/office/drawing/2014/main" id="{76389C7E-9267-3EDF-003D-7C0FDBFA508F}"/>
               </a:ext>
             </a:extLst>
           </p:cNvPr>
@@ -3049,7 +3062,7 @@
           <p:cNvPr id="6" name="Footer Placeholder 5">
             <a:extLst>
               <a:ext uri="{FF2B5EF4-FFF2-40B4-BE49-F238E27FC236}">
-                <a16:creationId xmlns="" xmlns:a16="http://schemas.microsoft.com/office/drawing/2014/main" id="{1B14C527-EFB6-DFF4-9FEB-0D9DFB2B6811}"/>
+                <a16:creationId xmlns:a16="http://schemas.microsoft.com/office/drawing/2014/main" id="{1B14C527-EFB6-DFF4-9FEB-0D9DFB2B6811}"/>
               </a:ext>
             </a:extLst>
           </p:cNvPr>
@@ -3074,7 +3087,7 @@
           <p:cNvPr id="7" name="Slide Number Placeholder 6">
             <a:extLst>
               <a:ext uri="{FF2B5EF4-FFF2-40B4-BE49-F238E27FC236}">
-                <a16:creationId xmlns="" xmlns:a16="http://schemas.microsoft.com/office/drawing/2014/main" id="{04F8F925-6262-B826-A3DD-C173AE89BFB6}"/>
+                <a16:creationId xmlns:a16="http://schemas.microsoft.com/office/drawing/2014/main" id="{04F8F925-6262-B826-A3DD-C173AE89BFB6}"/>
               </a:ext>
             </a:extLst>
           </p:cNvPr>
@@ -3138,7 +3151,7 @@
           <p:cNvPr id="2" name="Title Placeholder 1">
             <a:extLst>
               <a:ext uri="{FF2B5EF4-FFF2-40B4-BE49-F238E27FC236}">
-                <a16:creationId xmlns="" xmlns:a16="http://schemas.microsoft.com/office/drawing/2014/main" id="{B32AADF5-564A-6FC8-DA02-52CD62EE83BB}"/>
+                <a16:creationId xmlns:a16="http://schemas.microsoft.com/office/drawing/2014/main" id="{B32AADF5-564A-6FC8-DA02-52CD62EE83BB}"/>
               </a:ext>
             </a:extLst>
           </p:cNvPr>
@@ -3176,7 +3189,7 @@
           <p:cNvPr id="3" name="Text Placeholder 2">
             <a:extLst>
               <a:ext uri="{FF2B5EF4-FFF2-40B4-BE49-F238E27FC236}">
-                <a16:creationId xmlns="" xmlns:a16="http://schemas.microsoft.com/office/drawing/2014/main" id="{FCA809DA-1918-6B6E-84B9-7AF4846B4EF4}"/>
+                <a16:creationId xmlns:a16="http://schemas.microsoft.com/office/drawing/2014/main" id="{FCA809DA-1918-6B6E-84B9-7AF4846B4EF4}"/>
               </a:ext>
             </a:extLst>
           </p:cNvPr>
@@ -3243,7 +3256,7 @@
           <p:cNvPr id="4" name="Date Placeholder 3">
             <a:extLst>
               <a:ext uri="{FF2B5EF4-FFF2-40B4-BE49-F238E27FC236}">
-                <a16:creationId xmlns="" xmlns:a16="http://schemas.microsoft.com/office/drawing/2014/main" id="{770793CA-3E15-F6B2-B2A1-34FDFAE0C83D}"/>
+                <a16:creationId xmlns:a16="http://schemas.microsoft.com/office/drawing/2014/main" id="{770793CA-3E15-F6B2-B2A1-34FDFAE0C83D}"/>
               </a:ext>
             </a:extLst>
           </p:cNvPr>
@@ -3290,7 +3303,7 @@
           <p:cNvPr id="5" name="Footer Placeholder 4">
             <a:extLst>
               <a:ext uri="{FF2B5EF4-FFF2-40B4-BE49-F238E27FC236}">
-                <a16:creationId xmlns="" xmlns:a16="http://schemas.microsoft.com/office/drawing/2014/main" id="{AB07A422-CD51-D5AD-C86C-33D1D909F553}"/>
+                <a16:creationId xmlns:a16="http://schemas.microsoft.com/office/drawing/2014/main" id="{AB07A422-CD51-D5AD-C86C-33D1D909F553}"/>
               </a:ext>
             </a:extLst>
           </p:cNvPr>
@@ -3333,7 +3346,7 @@
           <p:cNvPr id="6" name="Slide Number Placeholder 5">
             <a:extLst>
               <a:ext uri="{FF2B5EF4-FFF2-40B4-BE49-F238E27FC236}">
-                <a16:creationId xmlns="" xmlns:a16="http://schemas.microsoft.com/office/drawing/2014/main" id="{CF4075A9-3CCD-DE39-76BC-8197600561E6}"/>
+                <a16:creationId xmlns:a16="http://schemas.microsoft.com/office/drawing/2014/main" id="{CF4075A9-3CCD-DE39-76BC-8197600561E6}"/>
               </a:ext>
             </a:extLst>
           </p:cNvPr>
@@ -3701,7 +3714,7 @@
           <p:cNvPr id="9" name="Picture 8">
             <a:extLst>
               <a:ext uri="{FF2B5EF4-FFF2-40B4-BE49-F238E27FC236}">
-                <a16:creationId xmlns="" xmlns:a16="http://schemas.microsoft.com/office/drawing/2014/main" id="{FFF4CB80-36A6-53FE-DF95-D3C353FD1650}"/>
+                <a16:creationId xmlns:a16="http://schemas.microsoft.com/office/drawing/2014/main" id="{FFF4CB80-36A6-53FE-DF95-D3C353FD1650}"/>
               </a:ext>
             </a:extLst>
           </p:cNvPr>
@@ -3737,7 +3750,7 @@
           <p:cNvPr id="16" name="Freeform: Shape 15">
             <a:extLst>
               <a:ext uri="{FF2B5EF4-FFF2-40B4-BE49-F238E27FC236}">
-                <a16:creationId xmlns="" xmlns:a16="http://schemas.microsoft.com/office/drawing/2014/main" id="{D04DD9E0-1FC1-F470-8348-5EAB7269C492}"/>
+                <a16:creationId xmlns:a16="http://schemas.microsoft.com/office/drawing/2014/main" id="{D04DD9E0-1FC1-F470-8348-5EAB7269C492}"/>
               </a:ext>
             </a:extLst>
           </p:cNvPr>
@@ -7871,7 +7884,7 @@
           <p:cNvPr id="3" name="Subtitle 2">
             <a:extLst>
               <a:ext uri="{FF2B5EF4-FFF2-40B4-BE49-F238E27FC236}">
-                <a16:creationId xmlns="" xmlns:a16="http://schemas.microsoft.com/office/drawing/2014/main" id="{40EC00D6-6139-ECCB-3970-DF39A63CDA01}"/>
+                <a16:creationId xmlns:a16="http://schemas.microsoft.com/office/drawing/2014/main" id="{40EC00D6-6139-ECCB-3970-DF39A63CDA01}"/>
               </a:ext>
             </a:extLst>
           </p:cNvPr>
@@ -8038,7 +8051,7 @@
           <p:cNvPr id="2" name="TextBox 1">
             <a:extLst>
               <a:ext uri="{FF2B5EF4-FFF2-40B4-BE49-F238E27FC236}">
-                <a16:creationId xmlns="" xmlns:a16="http://schemas.microsoft.com/office/drawing/2014/main" id="{199B9149-BCE3-E8FF-B980-A671C271C1F7}"/>
+                <a16:creationId xmlns:a16="http://schemas.microsoft.com/office/drawing/2014/main" id="{199B9149-BCE3-E8FF-B980-A671C271C1F7}"/>
               </a:ext>
             </a:extLst>
           </p:cNvPr>
@@ -8085,7 +8098,7 @@
           <p:cNvPr id="3" name="TextBox 2">
             <a:extLst>
               <a:ext uri="{FF2B5EF4-FFF2-40B4-BE49-F238E27FC236}">
-                <a16:creationId xmlns="" xmlns:a16="http://schemas.microsoft.com/office/drawing/2014/main" id="{2A3DBAD7-0349-C138-49F2-34BA414DC8BC}"/>
+                <a16:creationId xmlns:a16="http://schemas.microsoft.com/office/drawing/2014/main" id="{2A3DBAD7-0349-C138-49F2-34BA414DC8BC}"/>
               </a:ext>
             </a:extLst>
           </p:cNvPr>
@@ -8287,7 +8300,7 @@
           <p:cNvPr id="2" name="Title 1">
             <a:extLst>
               <a:ext uri="{FF2B5EF4-FFF2-40B4-BE49-F238E27FC236}">
-                <a16:creationId xmlns="" xmlns:a16="http://schemas.microsoft.com/office/drawing/2014/main" id="{4F6E24A9-DAC8-3CD7-F6AF-35F942D93487}"/>
+                <a16:creationId xmlns:a16="http://schemas.microsoft.com/office/drawing/2014/main" id="{4F6E24A9-DAC8-3CD7-F6AF-35F942D93487}"/>
               </a:ext>
             </a:extLst>
           </p:cNvPr>
@@ -8324,7 +8337,7 @@
           <p:cNvPr id="3" name="Content Placeholder 2">
             <a:extLst>
               <a:ext uri="{FF2B5EF4-FFF2-40B4-BE49-F238E27FC236}">
-                <a16:creationId xmlns="" xmlns:a16="http://schemas.microsoft.com/office/drawing/2014/main" id="{A9173C1D-2F8B-2792-3149-B0AB3328C944}"/>
+                <a16:creationId xmlns:a16="http://schemas.microsoft.com/office/drawing/2014/main" id="{A9173C1D-2F8B-2792-3149-B0AB3328C944}"/>
               </a:ext>
             </a:extLst>
           </p:cNvPr>
@@ -8349,7 +8362,7 @@
           <p:cNvPr id="4" name="Text Placeholder 3">
             <a:extLst>
               <a:ext uri="{FF2B5EF4-FFF2-40B4-BE49-F238E27FC236}">
-                <a16:creationId xmlns="" xmlns:a16="http://schemas.microsoft.com/office/drawing/2014/main" id="{2575CAD2-AC30-D5F5-9D23-CF4A3F0D6D87}"/>
+                <a16:creationId xmlns:a16="http://schemas.microsoft.com/office/drawing/2014/main" id="{2575CAD2-AC30-D5F5-9D23-CF4A3F0D6D87}"/>
               </a:ext>
             </a:extLst>
           </p:cNvPr>
@@ -8419,7 +8432,7 @@
           <p:cNvPr id="2" name="Title 1">
             <a:extLst>
               <a:ext uri="{FF2B5EF4-FFF2-40B4-BE49-F238E27FC236}">
-                <a16:creationId xmlns="" xmlns:a16="http://schemas.microsoft.com/office/drawing/2014/main" id="{A044EC92-8709-66AA-FA34-6F35A4198D12}"/>
+                <a16:creationId xmlns:a16="http://schemas.microsoft.com/office/drawing/2014/main" id="{A044EC92-8709-66AA-FA34-6F35A4198D12}"/>
               </a:ext>
             </a:extLst>
           </p:cNvPr>
@@ -8460,7 +8473,7 @@
           <p:cNvPr id="4" name="Text Placeholder 3">
             <a:extLst>
               <a:ext uri="{FF2B5EF4-FFF2-40B4-BE49-F238E27FC236}">
-                <a16:creationId xmlns="" xmlns:a16="http://schemas.microsoft.com/office/drawing/2014/main" id="{8AF72E6F-D5A1-6CBE-73C8-608D6839317F}"/>
+                <a16:creationId xmlns:a16="http://schemas.microsoft.com/office/drawing/2014/main" id="{8AF72E6F-D5A1-6CBE-73C8-608D6839317F}"/>
               </a:ext>
             </a:extLst>
           </p:cNvPr>
@@ -8488,7 +8501,7 @@
           <p:cNvPr id="3" name="Content Placeholder 2">
             <a:extLst>
               <a:ext uri="{FF2B5EF4-FFF2-40B4-BE49-F238E27FC236}">
-                <a16:creationId xmlns="" xmlns:a16="http://schemas.microsoft.com/office/drawing/2014/main" id="{D5E016E4-BDAF-4DC3-9D94-4DE8B9339639}"/>
+                <a16:creationId xmlns:a16="http://schemas.microsoft.com/office/drawing/2014/main" id="{D5E016E4-BDAF-4DC3-9D94-4DE8B9339639}"/>
               </a:ext>
             </a:extLst>
           </p:cNvPr>
@@ -8543,7 +8556,7 @@
           <p:cNvPr id="2" name="TextBox 1">
             <a:extLst>
               <a:ext uri="{FF2B5EF4-FFF2-40B4-BE49-F238E27FC236}">
-                <a16:creationId xmlns="" xmlns:a16="http://schemas.microsoft.com/office/drawing/2014/main" id="{6E50E356-37DA-4535-A5F0-B50C7D4B463F}"/>
+                <a16:creationId xmlns:a16="http://schemas.microsoft.com/office/drawing/2014/main" id="{6E50E356-37DA-4535-A5F0-B50C7D4B463F}"/>
               </a:ext>
             </a:extLst>
           </p:cNvPr>
@@ -8580,7 +8593,7 @@
           <p:cNvPr id="3" name="TextBox 2">
             <a:extLst>
               <a:ext uri="{FF2B5EF4-FFF2-40B4-BE49-F238E27FC236}">
-                <a16:creationId xmlns="" xmlns:a16="http://schemas.microsoft.com/office/drawing/2014/main" id="{7E4FD040-A3D1-4B76-8051-4FF75D79F6C4}"/>
+                <a16:creationId xmlns:a16="http://schemas.microsoft.com/office/drawing/2014/main" id="{7E4FD040-A3D1-4B76-8051-4FF75D79F6C4}"/>
               </a:ext>
             </a:extLst>
           </p:cNvPr>
@@ -8629,7 +8642,7 @@
           <p:cNvPr id="5" name="Picture 4">
             <a:extLst>
               <a:ext uri="{FF2B5EF4-FFF2-40B4-BE49-F238E27FC236}">
-                <a16:creationId xmlns="" xmlns:a16="http://schemas.microsoft.com/office/drawing/2014/main" id="{247980FC-C224-4514-901E-C9B97207D2FD}"/>
+                <a16:creationId xmlns:a16="http://schemas.microsoft.com/office/drawing/2014/main" id="{247980FC-C224-4514-901E-C9B97207D2FD}"/>
               </a:ext>
             </a:extLst>
           </p:cNvPr>
@@ -8665,7 +8678,7 @@
           <p:cNvPr id="6" name="TextBox 5">
             <a:extLst>
               <a:ext uri="{FF2B5EF4-FFF2-40B4-BE49-F238E27FC236}">
-                <a16:creationId xmlns="" xmlns:a16="http://schemas.microsoft.com/office/drawing/2014/main" id="{7FFE7E87-12A9-44B8-B6D2-87BF797DE487}"/>
+                <a16:creationId xmlns:a16="http://schemas.microsoft.com/office/drawing/2014/main" id="{7FFE7E87-12A9-44B8-B6D2-87BF797DE487}"/>
               </a:ext>
             </a:extLst>
           </p:cNvPr>
@@ -8783,20 +8796,49 @@
       </p:grpSpPr>
       <p:sp>
         <p:nvSpPr>
-          <p:cNvPr id="2" name="TextBox 1">
-            <a:extLst>
-              <a:ext uri="{FF2B5EF4-FFF2-40B4-BE49-F238E27FC236}">
-                <a16:creationId xmlns="" xmlns:a16="http://schemas.microsoft.com/office/drawing/2014/main" id="{79AFAFDD-C02B-4607-A351-DA70A2324FF1}"/>
-              </a:ext>
-            </a:extLst>
-          </p:cNvPr>
+          <p:cNvPr id="2" name="Title 1"/>
+          <p:cNvSpPr>
+            <a:spLocks noGrp="1"/>
+          </p:cNvSpPr>
+          <p:nvPr>
+            <p:ph type="ctrTitle"/>
+          </p:nvPr>
+        </p:nvSpPr>
+        <p:spPr>
+          <a:xfrm>
+            <a:off x="480330" y="546443"/>
+            <a:ext cx="4449537" cy="1012370"/>
+          </a:xfrm>
+        </p:spPr>
+        <p:txBody>
+          <a:bodyPr>
+            <a:noAutofit/>
+          </a:bodyPr>
+          <a:lstStyle/>
+          <a:p>
+            <a:pPr algn="just"/>
+            <a:r>
+              <a:rPr lang="en-US" sz="3200" b="1" dirty="0" smtClean="0">
+                <a:latin typeface="Arial Black" panose="020B0A04020102020204" pitchFamily="34" charset="0"/>
+              </a:rPr>
+              <a:t>GRAPH THEORY IN BOARD GAMES</a:t>
+            </a:r>
+            <a:endParaRPr lang="en-US" sz="3200" b="1" dirty="0">
+              <a:latin typeface="Arial Black" panose="020B0A04020102020204" pitchFamily="34" charset="0"/>
+            </a:endParaRPr>
+          </a:p>
+        </p:txBody>
+      </p:sp>
+      <p:sp>
+        <p:nvSpPr>
+          <p:cNvPr id="5" name="TextBox 4"/>
           <p:cNvSpPr txBox="1"/>
           <p:nvPr/>
         </p:nvSpPr>
         <p:spPr>
           <a:xfrm>
-            <a:off x="519764" y="467360"/>
-            <a:ext cx="6175676" cy="584775"/>
+            <a:off x="774245" y="1833320"/>
+            <a:ext cx="3292929" cy="400110"/>
           </a:xfrm>
           <a:prstGeom prst="rect">
             <a:avLst/>
@@ -8809,29 +8851,30 @@
           </a:bodyPr>
           <a:lstStyle/>
           <a:p>
-            <a:r>
-              <a:rPr lang="en-US" sz="3200" b="1" dirty="0"/>
-              <a:t>TREES AND SPANNING TREES</a:t>
+            <a:pPr>
+              <a:defRPr sz="2000" b="1">
+                <a:solidFill>
+                  <a:srgbClr val="003366"/>
+                </a:solidFill>
+              </a:defRPr>
+            </a:pPr>
+            <a:r>
+              <a:rPr lang="en-US" dirty="0"/>
+              <a:t>Board Games as Graphs:</a:t>
             </a:r>
           </a:p>
         </p:txBody>
       </p:sp>
       <p:sp>
         <p:nvSpPr>
-          <p:cNvPr id="3" name="TextBox 2">
-            <a:extLst>
-              <a:ext uri="{FF2B5EF4-FFF2-40B4-BE49-F238E27FC236}">
-                <a16:creationId xmlns="" xmlns:a16="http://schemas.microsoft.com/office/drawing/2014/main" id="{08DB893F-338B-4F13-9E44-F3967F58E0B0}"/>
-              </a:ext>
-            </a:extLst>
-          </p:cNvPr>
+          <p:cNvPr id="6" name="TextBox 5"/>
           <p:cNvSpPr txBox="1"/>
           <p:nvPr/>
         </p:nvSpPr>
         <p:spPr>
           <a:xfrm>
-            <a:off x="589280" y="1330960"/>
-            <a:ext cx="6390640" cy="3139321"/>
+            <a:off x="774245" y="2382515"/>
+            <a:ext cx="6720569" cy="1200329"/>
           </a:xfrm>
           <a:prstGeom prst="rect">
             <a:avLst/>
@@ -8844,88 +8887,274 @@
           </a:bodyPr>
           <a:lstStyle/>
           <a:p>
+            <a:pPr marL="285750" indent="-285750" algn="just">
+              <a:buFont typeface="Arial" panose="020B0604020202020204" pitchFamily="34" charset="0"/>
+              <a:buChar char="•"/>
+            </a:pPr>
+            <a:r>
+              <a:rPr lang="en-US" dirty="0" smtClean="0"/>
+              <a:t>Each position (like squares in chess or intersections in Go) is represented as a vertex.</a:t>
+            </a:r>
+          </a:p>
+          <a:p>
+            <a:pPr marL="285750" indent="-285750" algn="just">
+              <a:buFont typeface="Arial" panose="020B0604020202020204" pitchFamily="34" charset="0"/>
+              <a:buChar char="•"/>
+            </a:pPr>
+            <a:r>
+              <a:rPr lang="en-US" dirty="0" smtClean="0"/>
+              <a:t>The possible moves between these vertices are represented as edges.</a:t>
+            </a:r>
+            <a:endParaRPr lang="en-US" dirty="0"/>
+          </a:p>
+        </p:txBody>
+      </p:sp>
+      <p:sp>
+        <p:nvSpPr>
+          <p:cNvPr id="7" name="TextBox 6"/>
+          <p:cNvSpPr txBox="1"/>
+          <p:nvPr/>
+        </p:nvSpPr>
+        <p:spPr>
+          <a:xfrm>
+            <a:off x="774245" y="3454930"/>
+            <a:ext cx="2920092" cy="954107"/>
+          </a:xfrm>
+          <a:prstGeom prst="rect">
+            <a:avLst/>
+          </a:prstGeom>
+          <a:noFill/>
+        </p:spPr>
+        <p:txBody>
+          <a:bodyPr wrap="square" rtlCol="0">
+            <a:spAutoFit/>
+          </a:bodyPr>
+          <a:lstStyle/>
+          <a:p>
+            <a:endParaRPr lang="en-US" dirty="0" smtClean="0"/>
+          </a:p>
+          <a:p>
+            <a:pPr>
+              <a:defRPr sz="2000" b="1">
+                <a:solidFill>
+                  <a:srgbClr val="003366"/>
+                </a:solidFill>
+              </a:defRPr>
+            </a:pPr>
             <a:r>
               <a:rPr lang="en-US" dirty="0"/>
-              <a:t>Tree is a simple, connected ,undirected ,acyclic(having  a unique path between any two vertices) graph.</a:t>
+              <a:t>Network of Connections:</a:t>
             </a:r>
           </a:p>
           <a:p>
             <a:endParaRPr lang="en-US" dirty="0"/>
           </a:p>
-          <a:p>
-            <a:r>
-              <a:rPr lang="en-US" dirty="0"/>
-              <a:t>A </a:t>
-            </a:r>
-            <a:r>
-              <a:rPr lang="en-US" b="1" dirty="0"/>
-              <a:t>spanning tree</a:t>
-            </a:r>
-            <a:r>
-              <a:rPr lang="en-US" dirty="0"/>
-              <a:t> of a graph is a subgraph that includes all vertices of the graph and is a tree.</a:t>
-            </a:r>
-          </a:p>
-          <a:p>
-            <a:r>
-              <a:rPr lang="en-US" dirty="0"/>
-              <a:t>- Spanning trees connect all vertices with the minimum possible edges.</a:t>
-            </a:r>
-          </a:p>
-          <a:p>
+        </p:txBody>
+      </p:sp>
+      <p:sp>
+        <p:nvSpPr>
+          <p:cNvPr id="8" name="TextBox 7"/>
+          <p:cNvSpPr txBox="1"/>
+          <p:nvPr/>
+        </p:nvSpPr>
+        <p:spPr>
+          <a:xfrm>
+            <a:off x="778326" y="4234956"/>
+            <a:ext cx="6716488" cy="1200329"/>
+          </a:xfrm>
+          <a:prstGeom prst="rect">
+            <a:avLst/>
+          </a:prstGeom>
+          <a:noFill/>
+        </p:spPr>
+        <p:txBody>
+          <a:bodyPr wrap="square" rtlCol="0">
+            <a:spAutoFit/>
+          </a:bodyPr>
+          <a:lstStyle/>
+          <a:p>
+            <a:pPr marL="285750" indent="-285750" algn="just">
+              <a:buFont typeface="Arial" panose="020B0604020202020204" pitchFamily="34" charset="0"/>
+              <a:buChar char="•"/>
+            </a:pPr>
+            <a:r>
+              <a:rPr lang="en-US" dirty="0" smtClean="0"/>
+              <a:t>This creates a network of connections which can be used for strategy development.</a:t>
+            </a:r>
+          </a:p>
+          <a:p>
+            <a:pPr marL="285750" indent="-285750" algn="just">
+              <a:buFont typeface="Arial" panose="020B0604020202020204" pitchFamily="34" charset="0"/>
+              <a:buChar char="•"/>
+            </a:pPr>
+            <a:r>
+              <a:rPr lang="en-US" dirty="0" smtClean="0"/>
+              <a:t>Tools like adjacency matrices and adjacency lists help map these relationships.</a:t>
+            </a:r>
             <a:endParaRPr lang="en-US" dirty="0"/>
-          </a:p>
-          <a:p>
-            <a:endParaRPr lang="en-US" dirty="0"/>
-          </a:p>
-          <a:p>
-            <a:r>
-              <a:rPr lang="en-US" dirty="0"/>
-              <a:t>In games, spanning trees can help create unique paths with no loops.</a:t>
-            </a:r>
           </a:p>
         </p:txBody>
       </p:sp>
       <p:pic>
         <p:nvPicPr>
-          <p:cNvPr id="4" name="Picture 3">
-            <a:extLst>
-              <a:ext uri="{FF2B5EF4-FFF2-40B4-BE49-F238E27FC236}">
-                <a16:creationId xmlns="" xmlns:a16="http://schemas.microsoft.com/office/drawing/2014/main" id="{34D0DE42-2284-4BA0-9993-E885FC0F9DBD}"/>
-              </a:ext>
-            </a:extLst>
-          </p:cNvPr>
+          <p:cNvPr id="9" name="Picture 8"/>
           <p:cNvPicPr>
             <a:picLocks noChangeAspect="1"/>
           </p:cNvPicPr>
           <p:nvPr/>
         </p:nvPicPr>
         <p:blipFill>
-          <a:blip r:embed="rId2"/>
+          <a:blip r:embed="rId2">
+            <a:extLst>
+              <a:ext uri="{28A0092B-C50C-407E-A947-70E740481C1C}">
+                <a14:useLocalDpi xmlns:a14="http://schemas.microsoft.com/office/drawing/2010/main" val="0"/>
+              </a:ext>
+            </a:extLst>
+          </a:blip>
           <a:stretch>
             <a:fillRect/>
           </a:stretch>
         </p:blipFill>
         <p:spPr>
           <a:xfrm>
-            <a:off x="6979920" y="1187529"/>
-            <a:ext cx="4157832" cy="4035902"/>
+            <a:off x="8741402" y="2121397"/>
+            <a:ext cx="2759528" cy="2759528"/>
           </a:xfrm>
           <a:prstGeom prst="rect">
             <a:avLst/>
           </a:prstGeom>
-          <a:solidFill>
-            <a:schemeClr val="accent4">
-              <a:lumMod val="20000"/>
-              <a:lumOff val="80000"/>
-            </a:schemeClr>
-          </a:solidFill>
         </p:spPr>
       </p:pic>
+      <p:sp>
+        <p:nvSpPr>
+          <p:cNvPr id="11" name="Rectangle 10"/>
+          <p:cNvSpPr/>
+          <p:nvPr/>
+        </p:nvSpPr>
+        <p:spPr>
+          <a:xfrm>
+            <a:off x="9096158" y="1558813"/>
+            <a:ext cx="1762342" cy="400110"/>
+          </a:xfrm>
+          <a:prstGeom prst="rect">
+            <a:avLst/>
+          </a:prstGeom>
+        </p:spPr>
+        <p:txBody>
+          <a:bodyPr wrap="none">
+            <a:spAutoFit/>
+          </a:bodyPr>
+          <a:lstStyle/>
+          <a:p>
+            <a:pPr>
+              <a:defRPr sz="2000" b="1">
+                <a:solidFill>
+                  <a:srgbClr val="003366"/>
+                </a:solidFill>
+              </a:defRPr>
+            </a:pPr>
+            <a:r>
+              <a:rPr lang="en-US" dirty="0"/>
+              <a:t>Adjacency List:</a:t>
+            </a:r>
+          </a:p>
+        </p:txBody>
+      </p:sp>
+      <p:sp>
+        <p:nvSpPr>
+          <p:cNvPr id="12" name="Rectangle 11"/>
+          <p:cNvSpPr/>
+          <p:nvPr/>
+        </p:nvSpPr>
+        <p:spPr>
+          <a:xfrm>
+            <a:off x="8453728" y="5043399"/>
+            <a:ext cx="3047202" cy="1569660"/>
+          </a:xfrm>
+          <a:prstGeom prst="rect">
+            <a:avLst/>
+          </a:prstGeom>
+        </p:spPr>
+        <p:txBody>
+          <a:bodyPr wrap="square">
+            <a:spAutoFit/>
+          </a:bodyPr>
+          <a:lstStyle/>
+          <a:p>
+            <a:pPr lvl="1" algn="just">
+              <a:defRPr sz="1600">
+                <a:solidFill>
+                  <a:srgbClr val="000000"/>
+                </a:solidFill>
+              </a:defRPr>
+            </a:pPr>
+            <a:r>
+              <a:rPr lang="en-US" dirty="0"/>
+              <a:t>Represents each position and lists possible moves.</a:t>
+            </a:r>
+          </a:p>
+          <a:p>
+            <a:pPr lvl="1" algn="just">
+              <a:defRPr sz="1600">
+                <a:solidFill>
+                  <a:srgbClr val="000000"/>
+                </a:solidFill>
+              </a:defRPr>
+            </a:pPr>
+            <a:r>
+              <a:rPr lang="en-US" dirty="0"/>
+              <a:t>Example (Chess - Knight Moves</a:t>
+            </a:r>
+            <a:r>
+              <a:rPr lang="en-US" dirty="0" smtClean="0"/>
+              <a:t>):</a:t>
+            </a:r>
+          </a:p>
+          <a:p>
+            <a:pPr marL="742950" lvl="1" indent="-285750" algn="just">
+              <a:buFont typeface="Arial" panose="020B0604020202020204" pitchFamily="34" charset="0"/>
+              <a:buChar char="•"/>
+              <a:defRPr sz="1600">
+                <a:solidFill>
+                  <a:srgbClr val="000000"/>
+                </a:solidFill>
+              </a:defRPr>
+            </a:pPr>
+            <a:r>
+              <a:rPr lang="en-US" dirty="0" smtClean="0"/>
+              <a:t>B1 </a:t>
+            </a:r>
+            <a:r>
+              <a:rPr lang="en-US" dirty="0"/>
+              <a:t>-&gt; A3, </a:t>
+            </a:r>
+            <a:r>
+              <a:rPr lang="en-US" dirty="0" smtClean="0"/>
+              <a:t>C3</a:t>
+            </a:r>
+          </a:p>
+          <a:p>
+            <a:pPr marL="742950" lvl="1" indent="-285750" algn="just">
+              <a:buFont typeface="Arial" panose="020B0604020202020204" pitchFamily="34" charset="0"/>
+              <a:buChar char="•"/>
+              <a:defRPr sz="1600">
+                <a:solidFill>
+                  <a:srgbClr val="000000"/>
+                </a:solidFill>
+              </a:defRPr>
+            </a:pPr>
+            <a:r>
+              <a:rPr lang="en-US" dirty="0" smtClean="0"/>
+              <a:t>G1 -&gt; F3, H3</a:t>
+            </a:r>
+            <a:endParaRPr lang="en-US" dirty="0"/>
+          </a:p>
+        </p:txBody>
+      </p:sp>
     </p:spTree>
     <p:extLst>
       <p:ext uri="{BB962C8B-B14F-4D97-AF65-F5344CB8AC3E}">
-        <p14:creationId xmlns:p14="http://schemas.microsoft.com/office/powerpoint/2010/main" val="267629350"/>
+        <p14:creationId xmlns:p14="http://schemas.microsoft.com/office/powerpoint/2010/main" val="3643783711"/>
       </p:ext>
     </p:extLst>
   </p:cSld>
@@ -8959,182 +9188,269 @@
             <a:spLocks noGrp="1"/>
           </p:cNvSpPr>
           <p:nvPr>
-            <p:ph type="title"/>
+            <p:ph type="ctrTitle"/>
           </p:nvPr>
         </p:nvSpPr>
-        <p:spPr/>
+        <p:spPr>
+          <a:xfrm>
+            <a:off x="480330" y="546443"/>
+            <a:ext cx="5539470" cy="1012370"/>
+          </a:xfrm>
+        </p:spPr>
         <p:txBody>
           <a:bodyPr>
-            <a:normAutofit/>
+            <a:noAutofit/>
           </a:bodyPr>
           <a:lstStyle/>
           <a:p>
-            <a:pPr algn="ctr"/>
-            <a:r>
-              <a:rPr lang="en-US" sz="3600" b="1" u="sng" dirty="0" smtClean="0"/>
-              <a:t>Path finding</a:t>
-            </a:r>
-            <a:endParaRPr lang="en-US" sz="3600" b="1" u="sng" dirty="0"/>
+            <a:pPr algn="just"/>
+            <a:r>
+              <a:rPr lang="en-US" sz="3200" b="1" dirty="0" smtClean="0">
+                <a:latin typeface="Arial Black" panose="020B0A04020102020204" pitchFamily="34" charset="0"/>
+              </a:rPr>
+              <a:t>Game Strategies Using Graph Traversal</a:t>
+            </a:r>
+            <a:endParaRPr lang="en-US" sz="3200" b="1" dirty="0">
+              <a:latin typeface="Arial Black" panose="020B0A04020102020204" pitchFamily="34" charset="0"/>
+            </a:endParaRPr>
           </a:p>
         </p:txBody>
       </p:sp>
       <p:sp>
         <p:nvSpPr>
-          <p:cNvPr id="3" name="Content Placeholder 2"/>
-          <p:cNvSpPr>
-            <a:spLocks noGrp="1"/>
-          </p:cNvSpPr>
-          <p:nvPr>
-            <p:ph idx="1"/>
-          </p:nvPr>
+          <p:cNvPr id="5" name="TextBox 4"/>
+          <p:cNvSpPr txBox="1"/>
+          <p:nvPr/>
         </p:nvSpPr>
         <p:spPr>
           <a:xfrm>
-            <a:off x="852487" y="1625600"/>
-            <a:ext cx="10515600" cy="2674938"/>
-          </a:xfrm>
-        </p:spPr>
-        <p:txBody>
-          <a:bodyPr>
-            <a:normAutofit/>
-          </a:bodyPr>
-          <a:lstStyle/>
-          <a:p>
-            <a:pPr marL="0" indent="0">
-              <a:buNone/>
-            </a:pPr>
-            <a:r>
-              <a:rPr lang="en-US" sz="2000" b="1" dirty="0" smtClean="0"/>
-              <a:t>Definition:</a:t>
-            </a:r>
-          </a:p>
-          <a:p>
-            <a:pPr marL="0" indent="0">
-              <a:buNone/>
-            </a:pPr>
-            <a:r>
-              <a:rPr lang="en-US" sz="2000" b="1" dirty="0"/>
-              <a:t>	</a:t>
-            </a:r>
-            <a:r>
-              <a:rPr lang="en-US" sz="2000" b="1" dirty="0" smtClean="0"/>
-              <a:t>“Pathfinding</a:t>
-            </a:r>
-            <a:r>
-              <a:rPr lang="en-US" sz="2000" dirty="0" smtClean="0"/>
-              <a:t> </a:t>
-            </a:r>
-            <a:r>
-              <a:rPr lang="en-US" sz="2000" dirty="0"/>
-              <a:t>refers to the process of finding a path </a:t>
-            </a:r>
-            <a:r>
-              <a:rPr lang="en-US" sz="2000" dirty="0" smtClean="0"/>
-              <a:t>from </a:t>
-            </a:r>
-            <a:r>
-              <a:rPr lang="en-US" sz="2000" dirty="0"/>
-              <a:t>one </a:t>
-            </a:r>
-            <a:r>
-              <a:rPr lang="en-US" sz="2000" dirty="0" smtClean="0"/>
-              <a:t>point (vertex) </a:t>
-            </a:r>
-            <a:r>
-              <a:rPr lang="en-US" sz="2000" dirty="0"/>
-              <a:t>to another in a </a:t>
-            </a:r>
-            <a:r>
-              <a:rPr lang="en-US" sz="2000" dirty="0" smtClean="0"/>
-              <a:t>graph.</a:t>
-            </a:r>
-            <a:r>
-              <a:rPr lang="en-US" sz="2000" b="1" dirty="0" smtClean="0"/>
-              <a:t>”</a:t>
-            </a:r>
-          </a:p>
-          <a:p>
-            <a:pPr marL="0" indent="0">
-              <a:buNone/>
-            </a:pPr>
-            <a:endParaRPr lang="en-US" sz="2000" b="1" dirty="0" smtClean="0"/>
-          </a:p>
-          <a:p>
-            <a:pPr marL="0" indent="0">
-              <a:buNone/>
-            </a:pPr>
-            <a:r>
-              <a:rPr lang="en-US" sz="2000" dirty="0"/>
-              <a:t>A </a:t>
-            </a:r>
-            <a:r>
-              <a:rPr lang="en-US" sz="2000" b="1" dirty="0"/>
-              <a:t>path</a:t>
-            </a:r>
-            <a:r>
-              <a:rPr lang="en-US" sz="2000" dirty="0"/>
-              <a:t> in a graph is a sequence of edges that connects a series of vertices.</a:t>
-            </a:r>
-          </a:p>
-          <a:p>
-            <a:pPr marL="0" indent="0">
-              <a:buNone/>
-            </a:pPr>
-            <a:r>
-              <a:rPr lang="en-US" sz="2000" dirty="0" smtClean="0"/>
-              <a:t>It </a:t>
-            </a:r>
-            <a:r>
-              <a:rPr lang="en-US" sz="2000" dirty="0"/>
-              <a:t>can be represented as a list of vertices starting from a source node and ending at a destination node, with each consecutive vertex connected by an edge</a:t>
-            </a:r>
-            <a:r>
-              <a:rPr lang="en-US" sz="2000" dirty="0" smtClean="0"/>
-              <a:t>.</a:t>
-            </a:r>
-            <a:endParaRPr lang="en-US" sz="2000" dirty="0"/>
-          </a:p>
-        </p:txBody>
-      </p:sp>
-      <p:pic>
-        <p:nvPicPr>
-          <p:cNvPr id="4" name="Picture 3"/>
-          <p:cNvPicPr>
-            <a:picLocks noChangeAspect="1"/>
-          </p:cNvPicPr>
-          <p:nvPr/>
-        </p:nvPicPr>
-        <p:blipFill rotWithShape="1">
-          <a:blip r:embed="rId2">
-            <a:extLst>
-              <a:ext uri="{28A0092B-C50C-407E-A947-70E740481C1C}">
-                <a14:useLocalDpi xmlns:a14="http://schemas.microsoft.com/office/drawing/2010/main" val="0"/>
-              </a:ext>
-            </a:extLst>
-          </a:blip>
-          <a:srcRect b="13698"/>
-          <a:stretch/>
-        </p:blipFill>
-        <p:spPr>
-          <a:xfrm>
-            <a:off x="3324222" y="4143374"/>
-            <a:ext cx="5423384" cy="2343151"/>
+            <a:off x="774244" y="2851463"/>
+            <a:ext cx="3292929" cy="400110"/>
           </a:xfrm>
           <a:prstGeom prst="rect">
             <a:avLst/>
           </a:prstGeom>
+          <a:noFill/>
         </p:spPr>
-      </p:pic>
+        <p:txBody>
+          <a:bodyPr wrap="square" rtlCol="0">
+            <a:spAutoFit/>
+          </a:bodyPr>
+          <a:lstStyle/>
+          <a:p>
+            <a:pPr>
+              <a:defRPr sz="2000" b="1">
+                <a:solidFill>
+                  <a:srgbClr val="003366"/>
+                </a:solidFill>
+              </a:defRPr>
+            </a:pPr>
+            <a:r>
+              <a:rPr lang="en-US" sz="2000" b="1" dirty="0"/>
+              <a:t>Depth-First Search (DFS):</a:t>
+            </a:r>
+            <a:endParaRPr lang="en-US" dirty="0"/>
+          </a:p>
+        </p:txBody>
+      </p:sp>
+      <p:sp>
+        <p:nvSpPr>
+          <p:cNvPr id="6" name="TextBox 5"/>
+          <p:cNvSpPr txBox="1"/>
+          <p:nvPr/>
+        </p:nvSpPr>
+        <p:spPr>
+          <a:xfrm>
+            <a:off x="774244" y="3516507"/>
+            <a:ext cx="8843284" cy="923330"/>
+          </a:xfrm>
+          <a:prstGeom prst="rect">
+            <a:avLst/>
+          </a:prstGeom>
+          <a:noFill/>
+        </p:spPr>
+        <p:txBody>
+          <a:bodyPr wrap="square" rtlCol="0" anchor="t">
+            <a:spAutoFit/>
+          </a:bodyPr>
+          <a:lstStyle/>
+          <a:p>
+            <a:pPr marL="285750" indent="-285750" algn="just">
+              <a:buFont typeface="Arial" panose="020B0604020202020204" pitchFamily="34" charset="0"/>
+              <a:buChar char="•"/>
+            </a:pPr>
+            <a:r>
+              <a:rPr lang="en-US" dirty="0" smtClean="0"/>
+              <a:t>DFS explores a game tree by going as deep as possible from the current game state</a:t>
+            </a:r>
+          </a:p>
+          <a:p>
+            <a:pPr marL="285750" indent="-285750" algn="just">
+              <a:buFont typeface="Arial" panose="020B0604020202020204" pitchFamily="34" charset="0"/>
+              <a:buChar char="•"/>
+            </a:pPr>
+            <a:r>
+              <a:rPr lang="en-US" dirty="0" smtClean="0"/>
+              <a:t> It checks all possible moves in one direction before backtracking to explore other options.</a:t>
+            </a:r>
+          </a:p>
+          <a:p>
+            <a:pPr marL="285750" indent="-285750" algn="just">
+              <a:buFont typeface="Arial" panose="020B0604020202020204" pitchFamily="34" charset="0"/>
+              <a:buChar char="•"/>
+            </a:pPr>
+            <a:r>
+              <a:rPr lang="en-US" dirty="0" smtClean="0"/>
+              <a:t>The possible moves between these vertices are represented as </a:t>
+            </a:r>
+            <a:r>
+              <a:rPr lang="en-US" dirty="0" smtClean="0"/>
+              <a:t>edges.</a:t>
+            </a:r>
+          </a:p>
+        </p:txBody>
+      </p:sp>
+      <p:sp>
+        <p:nvSpPr>
+          <p:cNvPr id="7" name="TextBox 6"/>
+          <p:cNvSpPr txBox="1"/>
+          <p:nvPr/>
+        </p:nvSpPr>
+        <p:spPr>
+          <a:xfrm>
+            <a:off x="774243" y="4528214"/>
+            <a:ext cx="2920092" cy="646331"/>
+          </a:xfrm>
+          <a:prstGeom prst="rect">
+            <a:avLst/>
+          </a:prstGeom>
+          <a:noFill/>
+        </p:spPr>
+        <p:txBody>
+          <a:bodyPr wrap="square" rtlCol="0">
+            <a:spAutoFit/>
+          </a:bodyPr>
+          <a:lstStyle/>
+          <a:p>
+            <a:endParaRPr lang="en-US" dirty="0" smtClean="0"/>
+          </a:p>
+          <a:p>
+            <a:r>
+              <a:rPr lang="en-US" b="1" dirty="0">
+                <a:solidFill>
+                  <a:schemeClr val="accent5">
+                    <a:lumMod val="50000"/>
+                  </a:schemeClr>
+                </a:solidFill>
+              </a:rPr>
+              <a:t>Breadth-First Search (BFS):</a:t>
+            </a:r>
+          </a:p>
+        </p:txBody>
+      </p:sp>
+      <p:sp>
+        <p:nvSpPr>
+          <p:cNvPr id="8" name="TextBox 7"/>
+          <p:cNvSpPr txBox="1"/>
+          <p:nvPr/>
+        </p:nvSpPr>
+        <p:spPr>
+          <a:xfrm>
+            <a:off x="774243" y="5351300"/>
+            <a:ext cx="8843285" cy="923330"/>
+          </a:xfrm>
+          <a:prstGeom prst="rect">
+            <a:avLst/>
+          </a:prstGeom>
+          <a:noFill/>
+        </p:spPr>
+        <p:txBody>
+          <a:bodyPr wrap="square" rtlCol="0">
+            <a:spAutoFit/>
+          </a:bodyPr>
+          <a:lstStyle/>
+          <a:p>
+            <a:pPr marL="285750" indent="-285750" algn="just">
+              <a:buFont typeface="Arial" panose="020B0604020202020204" pitchFamily="34" charset="0"/>
+              <a:buChar char="•"/>
+            </a:pPr>
+            <a:r>
+              <a:rPr lang="en-US" dirty="0" smtClean="0"/>
+              <a:t>BFS explores the game tree level by level, considering all possible moves at the current depth before moving on to the next set of moves.</a:t>
+            </a:r>
+          </a:p>
+          <a:p>
+            <a:pPr marL="285750" indent="-285750" algn="just">
+              <a:buFont typeface="Arial" panose="020B0604020202020204" pitchFamily="34" charset="0"/>
+              <a:buChar char="•"/>
+            </a:pPr>
+            <a:r>
+              <a:rPr lang="en-US" dirty="0" smtClean="0"/>
+              <a:t> It guarantees the shortest path to a goal</a:t>
+            </a:r>
+            <a:r>
+              <a:rPr lang="en-US" dirty="0" smtClean="0"/>
+              <a:t>.</a:t>
+            </a:r>
+            <a:endParaRPr lang="en-US" dirty="0" smtClean="0"/>
+          </a:p>
+        </p:txBody>
+      </p:sp>
+      <p:sp>
+        <p:nvSpPr>
+          <p:cNvPr id="10" name="TextBox 9"/>
+          <p:cNvSpPr txBox="1"/>
+          <p:nvPr/>
+        </p:nvSpPr>
+        <p:spPr>
+          <a:xfrm>
+            <a:off x="774243" y="1954782"/>
+            <a:ext cx="9871985" cy="646331"/>
+          </a:xfrm>
+          <a:prstGeom prst="rect">
+            <a:avLst/>
+          </a:prstGeom>
+          <a:noFill/>
+        </p:spPr>
+        <p:txBody>
+          <a:bodyPr wrap="square" rtlCol="0">
+            <a:spAutoFit/>
+          </a:bodyPr>
+          <a:lstStyle/>
+          <a:p>
+            <a:pPr lvl="0" algn="just" eaLnBrk="0" fontAlgn="base" hangingPunct="0">
+              <a:spcBef>
+                <a:spcPct val="0"/>
+              </a:spcBef>
+              <a:spcAft>
+                <a:spcPct val="0"/>
+              </a:spcAft>
+            </a:pPr>
+            <a:r>
+              <a:rPr lang="en-US" dirty="0" smtClean="0"/>
+              <a:t>Graph traversal techniques, like DFS and BFS, allow exploration of all possible moves and outcomes, guiding optimal strategies in games like Gomoku.</a:t>
+            </a:r>
+            <a:endParaRPr lang="en-US" dirty="0"/>
+          </a:p>
+        </p:txBody>
+      </p:sp>
     </p:spTree>
     <p:extLst>
       <p:ext uri="{BB962C8B-B14F-4D97-AF65-F5344CB8AC3E}">
-        <p14:creationId xmlns:p14="http://schemas.microsoft.com/office/powerpoint/2010/main" val="142484890"/>
+        <p14:creationId xmlns:p14="http://schemas.microsoft.com/office/powerpoint/2010/main" val="1489047286"/>
       </p:ext>
     </p:extLst>
   </p:cSld>
   <p:clrMapOvr>
     <a:masterClrMapping/>
   </p:clrMapOvr>
+  <p:timing>
+    <p:tnLst>
+      <p:par>
+        <p:cTn id="1" dur="indefinite" restart="never" nodeType="tmRoot"/>
+      </p:par>
+    </p:tnLst>
+  </p:timing>
 </p:sld>
 </file>
 
@@ -9157,183 +9473,149 @@
       </p:grpSpPr>
       <p:sp>
         <p:nvSpPr>
-          <p:cNvPr id="2" name="Title 1"/>
-          <p:cNvSpPr>
-            <a:spLocks noGrp="1"/>
-          </p:cNvSpPr>
-          <p:nvPr>
-            <p:ph type="title"/>
-          </p:nvPr>
+          <p:cNvPr id="2" name="TextBox 1">
+            <a:extLst>
+              <a:ext uri="{FF2B5EF4-FFF2-40B4-BE49-F238E27FC236}">
+                <a16:creationId xmlns:a16="http://schemas.microsoft.com/office/drawing/2014/main" id="{79AFAFDD-C02B-4607-A351-DA70A2324FF1}"/>
+              </a:ext>
+            </a:extLst>
+          </p:cNvPr>
+          <p:cNvSpPr txBox="1"/>
+          <p:nvPr/>
         </p:nvSpPr>
-        <p:spPr/>
+        <p:spPr>
+          <a:xfrm>
+            <a:off x="519764" y="467360"/>
+            <a:ext cx="6175676" cy="584775"/>
+          </a:xfrm>
+          <a:prstGeom prst="rect">
+            <a:avLst/>
+          </a:prstGeom>
+          <a:noFill/>
+        </p:spPr>
         <p:txBody>
-          <a:bodyPr>
-            <a:normAutofit/>
+          <a:bodyPr wrap="square" rtlCol="0">
+            <a:spAutoFit/>
           </a:bodyPr>
           <a:lstStyle/>
           <a:p>
-            <a:pPr algn="ctr"/>
-            <a:r>
-              <a:rPr lang="en-US" sz="3600" b="1" u="sng" dirty="0" smtClean="0"/>
-              <a:t>Shortest Path</a:t>
-            </a:r>
-            <a:endParaRPr lang="en-US" sz="3600" b="1" u="sng" dirty="0"/>
+            <a:r>
+              <a:rPr lang="en-US" sz="3200" b="1" dirty="0"/>
+              <a:t>TREES AND SPANNING TREES</a:t>
+            </a:r>
           </a:p>
         </p:txBody>
       </p:sp>
       <p:sp>
         <p:nvSpPr>
-          <p:cNvPr id="3" name="Content Placeholder 2"/>
-          <p:cNvSpPr>
-            <a:spLocks noGrp="1"/>
-          </p:cNvSpPr>
-          <p:nvPr>
-            <p:ph idx="1"/>
-          </p:nvPr>
+          <p:cNvPr id="3" name="TextBox 2">
+            <a:extLst>
+              <a:ext uri="{FF2B5EF4-FFF2-40B4-BE49-F238E27FC236}">
+                <a16:creationId xmlns:a16="http://schemas.microsoft.com/office/drawing/2014/main" id="{08DB893F-338B-4F13-9E44-F3967F58E0B0}"/>
+              </a:ext>
+            </a:extLst>
+          </p:cNvPr>
+          <p:cNvSpPr txBox="1"/>
+          <p:nvPr/>
         </p:nvSpPr>
         <p:spPr>
           <a:xfrm>
-            <a:off x="852488" y="1673203"/>
-            <a:ext cx="10515600" cy="2317750"/>
+            <a:off x="589280" y="1330960"/>
+            <a:ext cx="6390640" cy="3139321"/>
           </a:xfrm>
+          <a:prstGeom prst="rect">
+            <a:avLst/>
+          </a:prstGeom>
+          <a:noFill/>
         </p:spPr>
         <p:txBody>
-          <a:bodyPr>
-            <a:normAutofit/>
+          <a:bodyPr wrap="square" rtlCol="0">
+            <a:spAutoFit/>
           </a:bodyPr>
           <a:lstStyle/>
           <a:p>
-            <a:pPr marL="0" indent="0">
-              <a:buNone/>
-            </a:pPr>
-            <a:r>
-              <a:rPr lang="en-US" sz="2000" b="1" dirty="0" smtClean="0"/>
-              <a:t>Definition:</a:t>
-            </a:r>
-          </a:p>
-          <a:p>
-            <a:pPr marL="0" indent="0">
-              <a:buNone/>
-            </a:pPr>
-            <a:r>
-              <a:rPr lang="en-US" sz="2000" dirty="0" smtClean="0"/>
-              <a:t>	“The </a:t>
-            </a:r>
-            <a:r>
-              <a:rPr lang="en-US" sz="2000" b="1" dirty="0"/>
-              <a:t>shortest path</a:t>
-            </a:r>
-            <a:r>
-              <a:rPr lang="en-US" sz="2000" dirty="0"/>
-              <a:t> is a path between two vertices such that the sum of the weights of the edges in the path is minimized</a:t>
-            </a:r>
-            <a:r>
-              <a:rPr lang="en-US" sz="2000" dirty="0" smtClean="0"/>
-              <a:t>.”</a:t>
-            </a:r>
-          </a:p>
-          <a:p>
-            <a:pPr marL="0" indent="0">
-              <a:buNone/>
-            </a:pPr>
-            <a:endParaRPr lang="en-US" sz="2000" dirty="0" smtClean="0"/>
-          </a:p>
-          <a:p>
-            <a:pPr marL="0" indent="0">
-              <a:buNone/>
-            </a:pPr>
-            <a:r>
-              <a:rPr lang="en-US" sz="2000" dirty="0" smtClean="0"/>
-              <a:t>In </a:t>
-            </a:r>
-            <a:r>
-              <a:rPr lang="en-US" sz="2000" dirty="0"/>
-              <a:t>unweighted graphs, the shortest path is simply the path with the least number of </a:t>
-            </a:r>
-            <a:r>
-              <a:rPr lang="en-US" sz="2000" dirty="0" smtClean="0"/>
-              <a:t>edges.</a:t>
-            </a:r>
-          </a:p>
-          <a:p>
-            <a:pPr marL="0" indent="0">
-              <a:buNone/>
-            </a:pPr>
-            <a:r>
-              <a:rPr lang="en-US" sz="2000" dirty="0" smtClean="0"/>
-              <a:t>In </a:t>
-            </a:r>
-            <a:r>
-              <a:rPr lang="en-US" sz="2000" dirty="0"/>
-              <a:t>weighted graphs, it’s the path with the minimum total weight.</a:t>
+            <a:r>
+              <a:rPr lang="en-US" dirty="0"/>
+              <a:t>Tree is a simple, connected ,undirected ,acyclic(having  a unique path between any two vertices) graph.</a:t>
+            </a:r>
+          </a:p>
+          <a:p>
+            <a:endParaRPr lang="en-US" dirty="0"/>
+          </a:p>
+          <a:p>
+            <a:r>
+              <a:rPr lang="en-US" dirty="0"/>
+              <a:t>A </a:t>
+            </a:r>
+            <a:r>
+              <a:rPr lang="en-US" b="1" dirty="0"/>
+              <a:t>spanning tree</a:t>
+            </a:r>
+            <a:r>
+              <a:rPr lang="en-US" dirty="0"/>
+              <a:t> of a graph is a subgraph that includes all vertices of the graph and is a tree.</a:t>
+            </a:r>
+          </a:p>
+          <a:p>
+            <a:r>
+              <a:rPr lang="en-US" dirty="0"/>
+              <a:t>- Spanning trees connect all vertices with the minimum possible edges.</a:t>
+            </a:r>
+          </a:p>
+          <a:p>
+            <a:endParaRPr lang="en-US" dirty="0"/>
+          </a:p>
+          <a:p>
+            <a:endParaRPr lang="en-US" dirty="0"/>
+          </a:p>
+          <a:p>
+            <a:r>
+              <a:rPr lang="en-US" dirty="0"/>
+              <a:t>In games, spanning trees can help create unique paths with no loops.</a:t>
             </a:r>
           </a:p>
         </p:txBody>
       </p:sp>
       <p:pic>
         <p:nvPicPr>
-          <p:cNvPr id="4" name="Picture 3"/>
+          <p:cNvPr id="4" name="Picture 3">
+            <a:extLst>
+              <a:ext uri="{FF2B5EF4-FFF2-40B4-BE49-F238E27FC236}">
+                <a16:creationId xmlns:a16="http://schemas.microsoft.com/office/drawing/2014/main" id="{34D0DE42-2284-4BA0-9993-E885FC0F9DBD}"/>
+              </a:ext>
+            </a:extLst>
+          </p:cNvPr>
           <p:cNvPicPr>
             <a:picLocks noChangeAspect="1"/>
           </p:cNvPicPr>
           <p:nvPr/>
         </p:nvPicPr>
         <p:blipFill>
-          <a:blip r:embed="rId2">
-            <a:extLst>
-              <a:ext uri="{28A0092B-C50C-407E-A947-70E740481C1C}">
-                <a14:useLocalDpi xmlns:a14="http://schemas.microsoft.com/office/drawing/2010/main" val="0"/>
-              </a:ext>
-            </a:extLst>
-          </a:blip>
+          <a:blip r:embed="rId2"/>
           <a:stretch>
             <a:fillRect/>
           </a:stretch>
         </p:blipFill>
         <p:spPr>
           <a:xfrm>
-            <a:off x="1119168" y="3890937"/>
-            <a:ext cx="4865672" cy="2709885"/>
+            <a:off x="6979920" y="1187529"/>
+            <a:ext cx="4157832" cy="4035902"/>
           </a:xfrm>
           <a:prstGeom prst="rect">
             <a:avLst/>
           </a:prstGeom>
-        </p:spPr>
-      </p:pic>
-      <p:pic>
-        <p:nvPicPr>
-          <p:cNvPr id="5" name="Picture 4"/>
-          <p:cNvPicPr>
-            <a:picLocks noChangeAspect="1"/>
-          </p:cNvPicPr>
-          <p:nvPr/>
-        </p:nvPicPr>
-        <p:blipFill>
-          <a:blip r:embed="rId3">
-            <a:extLst>
-              <a:ext uri="{28A0092B-C50C-407E-A947-70E740481C1C}">
-                <a14:useLocalDpi xmlns:a14="http://schemas.microsoft.com/office/drawing/2010/main" val="0"/>
-              </a:ext>
-            </a:extLst>
-          </a:blip>
-          <a:stretch>
-            <a:fillRect/>
-          </a:stretch>
-        </p:blipFill>
-        <p:spPr>
-          <a:xfrm>
-            <a:off x="6386513" y="4190985"/>
-            <a:ext cx="4226704" cy="2109788"/>
-          </a:xfrm>
-          <a:prstGeom prst="rect">
-            <a:avLst/>
-          </a:prstGeom>
+          <a:solidFill>
+            <a:schemeClr val="accent4">
+              <a:lumMod val="20000"/>
+              <a:lumOff val="80000"/>
+            </a:schemeClr>
+          </a:solidFill>
         </p:spPr>
       </p:pic>
     </p:spTree>
     <p:extLst>
       <p:ext uri="{BB962C8B-B14F-4D97-AF65-F5344CB8AC3E}">
-        <p14:creationId xmlns:p14="http://schemas.microsoft.com/office/powerpoint/2010/main" val="1626842515"/>
+        <p14:creationId xmlns:p14="http://schemas.microsoft.com/office/powerpoint/2010/main" val="267629350"/>
       </p:ext>
     </p:extLst>
   </p:cSld>
@@ -9379,10 +9661,10 @@
           <a:p>
             <a:pPr algn="ctr"/>
             <a:r>
-              <a:rPr lang="en-US" sz="3200" b="1" u="sng" dirty="0" smtClean="0"/>
-              <a:t>Some Algorithms Used for Path Finding</a:t>
-            </a:r>
-            <a:endParaRPr lang="en-US" sz="3200" b="1" u="sng" dirty="0"/>
+              <a:rPr lang="en-US" sz="3600" b="1" u="sng" dirty="0" smtClean="0"/>
+              <a:t>Path finding</a:t>
+            </a:r>
+            <a:endParaRPr lang="en-US" sz="3600" b="1" u="sng" dirty="0"/>
           </a:p>
         </p:txBody>
       </p:sp>
@@ -9398,8 +9680,8 @@
         </p:nvSpPr>
         <p:spPr>
           <a:xfrm>
-            <a:off x="838199" y="1911350"/>
-            <a:ext cx="10515600" cy="3846513"/>
+            <a:off x="852487" y="1625600"/>
+            <a:ext cx="10515600" cy="2674938"/>
           </a:xfrm>
         </p:spPr>
         <p:txBody>
@@ -9408,96 +9690,135 @@
           </a:bodyPr>
           <a:lstStyle/>
           <a:p>
-            <a:pPr algn="ctr"/>
+            <a:pPr marL="0" indent="0">
+              <a:buNone/>
+            </a:pPr>
+            <a:r>
+              <a:rPr lang="en-US" sz="2000" b="1" dirty="0" smtClean="0"/>
+              <a:t>Definition:</a:t>
+            </a:r>
+          </a:p>
+          <a:p>
+            <a:pPr marL="0" indent="0">
+              <a:buNone/>
+            </a:pPr>
+            <a:r>
+              <a:rPr lang="en-US" sz="2000" b="1" dirty="0"/>
+              <a:t>	</a:t>
+            </a:r>
+            <a:r>
+              <a:rPr lang="en-US" sz="2000" b="1" dirty="0" smtClean="0"/>
+              <a:t>“Pathfinding</a:t>
+            </a:r>
+            <a:r>
+              <a:rPr lang="en-US" sz="2000" dirty="0" smtClean="0"/>
+              <a:t> </a:t>
+            </a:r>
             <a:r>
               <a:rPr lang="en-US" sz="2000" dirty="0"/>
-              <a:t>Dijkstra’s </a:t>
+              <a:t>refers to the process of finding a path </a:t>
             </a:r>
             <a:r>
               <a:rPr lang="en-US" sz="2000" dirty="0" smtClean="0"/>
-              <a:t>Algorithm</a:t>
-            </a:r>
-          </a:p>
-          <a:p>
-            <a:pPr algn="ctr"/>
+              <a:t>from </a:t>
+            </a:r>
+            <a:r>
+              <a:rPr lang="en-US" sz="2000" dirty="0"/>
+              <a:t>one </a:t>
+            </a:r>
             <a:r>
               <a:rPr lang="en-US" sz="2000" dirty="0" smtClean="0"/>
-              <a:t>A</a:t>
+              <a:t>point (vertex) </a:t>
             </a:r>
             <a:r>
               <a:rPr lang="en-US" sz="2000" dirty="0"/>
-              <a:t>* </a:t>
+              <a:t>to another in a </a:t>
             </a:r>
             <a:r>
               <a:rPr lang="en-US" sz="2000" dirty="0" smtClean="0"/>
-              <a:t>Algorithm</a:t>
-            </a:r>
-          </a:p>
-          <a:p>
-            <a:pPr algn="ctr"/>
+              <a:t>graph.</a:t>
+            </a:r>
+            <a:r>
+              <a:rPr lang="en-US" sz="2000" b="1" dirty="0" smtClean="0"/>
+              <a:t>”</a:t>
+            </a:r>
+          </a:p>
+          <a:p>
+            <a:pPr marL="0" indent="0">
+              <a:buNone/>
+            </a:pPr>
+            <a:endParaRPr lang="en-US" sz="2000" b="1" dirty="0" smtClean="0"/>
+          </a:p>
+          <a:p>
+            <a:pPr marL="0" indent="0">
+              <a:buNone/>
+            </a:pPr>
+            <a:r>
+              <a:rPr lang="en-US" sz="2000" dirty="0"/>
+              <a:t>A </a:t>
+            </a:r>
+            <a:r>
+              <a:rPr lang="en-US" sz="2000" b="1" dirty="0"/>
+              <a:t>path</a:t>
+            </a:r>
+            <a:r>
+              <a:rPr lang="en-US" sz="2000" dirty="0"/>
+              <a:t> in a graph is a sequence of edges that connects a series of vertices.</a:t>
+            </a:r>
+          </a:p>
+          <a:p>
+            <a:pPr marL="0" indent="0">
+              <a:buNone/>
+            </a:pPr>
             <a:r>
               <a:rPr lang="en-US" sz="2000" dirty="0" smtClean="0"/>
-              <a:t>Bellman-Ford Algorithm</a:t>
-            </a:r>
-          </a:p>
-          <a:p>
-            <a:pPr algn="ctr"/>
+              <a:t>It </a:t>
+            </a:r>
+            <a:r>
+              <a:rPr lang="en-US" sz="2000" dirty="0"/>
+              <a:t>can be represented as a list of vertices starting from a source node and ending at a destination node, with each consecutive vertex connected by an edge</a:t>
+            </a:r>
             <a:r>
               <a:rPr lang="en-US" sz="2000" dirty="0" smtClean="0"/>
-              <a:t>Floyd-</a:t>
-            </a:r>
-            <a:r>
-              <a:rPr lang="en-US" sz="2000" dirty="0" err="1" smtClean="0"/>
-              <a:t>Warshall</a:t>
-            </a:r>
-            <a:r>
-              <a:rPr lang="en-US" sz="2000" dirty="0" smtClean="0"/>
-              <a:t> Algorithm</a:t>
-            </a:r>
-          </a:p>
-          <a:p>
-            <a:pPr algn="ctr"/>
-            <a:r>
-              <a:rPr lang="en-US" sz="2000" dirty="0" smtClean="0"/>
-              <a:t>Breadth-First </a:t>
-            </a:r>
-            <a:r>
-              <a:rPr lang="en-US" sz="2000" dirty="0"/>
-              <a:t>Search (</a:t>
-            </a:r>
-            <a:r>
-              <a:rPr lang="en-US" sz="2000" dirty="0" smtClean="0"/>
-              <a:t>BFS)</a:t>
-            </a:r>
-          </a:p>
-          <a:p>
-            <a:pPr algn="ctr"/>
-            <a:r>
-              <a:rPr lang="en-US" sz="2000" dirty="0" smtClean="0"/>
-              <a:t>Depth-First </a:t>
-            </a:r>
-            <a:r>
-              <a:rPr lang="en-US" sz="2000" dirty="0"/>
-              <a:t>Search (</a:t>
-            </a:r>
-            <a:r>
-              <a:rPr lang="en-US" sz="2000" dirty="0" smtClean="0"/>
-              <a:t>DFS)</a:t>
-            </a:r>
-          </a:p>
-          <a:p>
-            <a:pPr algn="ctr"/>
-            <a:r>
-              <a:rPr lang="en-US" sz="2000" dirty="0" smtClean="0"/>
-              <a:t>Johnson’s Algorithm</a:t>
-            </a:r>
+              <a:t>.</a:t>
+            </a:r>
+            <a:endParaRPr lang="en-US" sz="2000" dirty="0"/>
           </a:p>
         </p:txBody>
       </p:sp>
+      <p:pic>
+        <p:nvPicPr>
+          <p:cNvPr id="4" name="Picture 3"/>
+          <p:cNvPicPr>
+            <a:picLocks noChangeAspect="1"/>
+          </p:cNvPicPr>
+          <p:nvPr/>
+        </p:nvPicPr>
+        <p:blipFill rotWithShape="1">
+          <a:blip r:embed="rId2">
+            <a:extLst>
+              <a:ext uri="{28A0092B-C50C-407E-A947-70E740481C1C}">
+                <a14:useLocalDpi xmlns:a14="http://schemas.microsoft.com/office/drawing/2010/main" val="0"/>
+              </a:ext>
+            </a:extLst>
+          </a:blip>
+          <a:srcRect b="13698"/>
+          <a:stretch/>
+        </p:blipFill>
+        <p:spPr>
+          <a:xfrm>
+            <a:off x="3324222" y="4143374"/>
+            <a:ext cx="5423384" cy="2343151"/>
+          </a:xfrm>
+          <a:prstGeom prst="rect">
+            <a:avLst/>
+          </a:prstGeom>
+        </p:spPr>
+      </p:pic>
     </p:spTree>
     <p:extLst>
       <p:ext uri="{BB962C8B-B14F-4D97-AF65-F5344CB8AC3E}">
-        <p14:creationId xmlns:p14="http://schemas.microsoft.com/office/powerpoint/2010/main" val="2745718031"/>
+        <p14:creationId xmlns:p14="http://schemas.microsoft.com/office/powerpoint/2010/main" val="142484890"/>
       </p:ext>
     </p:extLst>
   </p:cSld>
@@ -9543,10 +9864,10 @@
           <a:p>
             <a:pPr algn="ctr"/>
             <a:r>
-              <a:rPr lang="en-US" sz="3200" b="1" u="sng" dirty="0" smtClean="0"/>
-              <a:t>Some Algorithms Used for Path Finding</a:t>
-            </a:r>
-            <a:endParaRPr lang="en-US" sz="3200" b="1" u="sng" dirty="0"/>
+              <a:rPr lang="en-US" sz="3600" b="1" u="sng" dirty="0" smtClean="0"/>
+              <a:t>Shortest Path</a:t>
+            </a:r>
+            <a:endParaRPr lang="en-US" sz="3600" b="1" u="sng" dirty="0"/>
           </a:p>
         </p:txBody>
       </p:sp>
@@ -9562,8 +9883,8 @@
         </p:nvSpPr>
         <p:spPr>
           <a:xfrm>
-            <a:off x="838199" y="1911350"/>
-            <a:ext cx="10515600" cy="3846513"/>
+            <a:off x="852488" y="1673203"/>
+            <a:ext cx="10515600" cy="2317750"/>
           </a:xfrm>
         </p:spPr>
         <p:txBody>
@@ -9572,116 +9893,137 @@
           </a:bodyPr>
           <a:lstStyle/>
           <a:p>
-            <a:pPr algn="ctr"/>
+            <a:pPr marL="0" indent="0">
+              <a:buNone/>
+            </a:pPr>
+            <a:r>
+              <a:rPr lang="en-US" sz="2000" b="1" dirty="0" smtClean="0"/>
+              <a:t>Definition:</a:t>
+            </a:r>
+          </a:p>
+          <a:p>
+            <a:pPr marL="0" indent="0">
+              <a:buNone/>
+            </a:pPr>
+            <a:r>
+              <a:rPr lang="en-US" sz="2000" dirty="0" smtClean="0"/>
+              <a:t>	“The </a:t>
+            </a:r>
+            <a:r>
+              <a:rPr lang="en-US" sz="2000" b="1" dirty="0"/>
+              <a:t>shortest path</a:t>
+            </a:r>
             <a:r>
               <a:rPr lang="en-US" sz="2000" dirty="0"/>
-              <a:t>Dijkstra’s </a:t>
+              <a:t> is a path between two vertices such that the sum of the weights of the edges in the path is minimized</a:t>
             </a:r>
             <a:r>
               <a:rPr lang="en-US" sz="2000" dirty="0" smtClean="0"/>
-              <a:t>Algorithm</a:t>
-            </a:r>
-          </a:p>
-          <a:p>
-            <a:pPr algn="ctr"/>
-            <a:r>
-              <a:rPr lang="en-US" sz="2000" dirty="0" smtClean="0"/>
-              <a:t>A</a:t>
-            </a:r>
-            <a:r>
-              <a:rPr lang="en-US" sz="2000" dirty="0"/>
-              <a:t>* </a:t>
-            </a:r>
-            <a:r>
-              <a:rPr lang="en-US" sz="2000" dirty="0" smtClean="0"/>
-              <a:t>Algorithm</a:t>
-            </a:r>
-          </a:p>
-          <a:p>
-            <a:pPr algn="ctr"/>
-            <a:r>
-              <a:rPr lang="en-US" sz="2000" dirty="0" smtClean="0"/>
-              <a:t>Bellman-Ford Algorithm</a:t>
-            </a:r>
-          </a:p>
-          <a:p>
-            <a:pPr algn="ctr"/>
-            <a:r>
-              <a:rPr lang="en-US" sz="2000" dirty="0" smtClean="0"/>
-              <a:t>Floyd-</a:t>
-            </a:r>
-            <a:r>
-              <a:rPr lang="en-US" sz="2000" dirty="0" err="1" smtClean="0"/>
-              <a:t>Warshall</a:t>
-            </a:r>
-            <a:r>
-              <a:rPr lang="en-US" sz="2000" dirty="0" smtClean="0"/>
-              <a:t> Algorithm</a:t>
-            </a:r>
-          </a:p>
-          <a:p>
-            <a:pPr algn="ctr"/>
-            <a:r>
-              <a:rPr lang="en-US" sz="2000" dirty="0" smtClean="0"/>
-              <a:t>Breadth-First </a:t>
-            </a:r>
-            <a:r>
-              <a:rPr lang="en-US" sz="2000" dirty="0"/>
-              <a:t>Search (</a:t>
-            </a:r>
-            <a:r>
-              <a:rPr lang="en-US" sz="2000" dirty="0" smtClean="0"/>
-              <a:t>BFS)</a:t>
-            </a:r>
-          </a:p>
-          <a:p>
-            <a:pPr algn="ctr"/>
-            <a:r>
-              <a:rPr lang="en-US" sz="2000" dirty="0" smtClean="0"/>
-              <a:t>Depth-First </a:t>
-            </a:r>
-            <a:r>
-              <a:rPr lang="en-US" sz="2000" dirty="0"/>
-              <a:t>Search (</a:t>
-            </a:r>
-            <a:r>
-              <a:rPr lang="en-US" sz="2000" dirty="0" smtClean="0"/>
-              <a:t>DFS)</a:t>
-            </a:r>
-          </a:p>
-          <a:p>
-            <a:pPr algn="ctr"/>
-            <a:r>
-              <a:rPr lang="en-US" sz="2000" dirty="0" smtClean="0"/>
-              <a:t>Johnson’s Algorithm</a:t>
-            </a:r>
-          </a:p>
-          <a:p>
-            <a:pPr marL="0" indent="0" algn="ctr">
+              <a:t>.”</a:t>
+            </a:r>
+          </a:p>
+          <a:p>
+            <a:pPr marL="0" indent="0">
               <a:buNone/>
             </a:pPr>
             <a:endParaRPr lang="en-US" sz="2000" dirty="0" smtClean="0"/>
           </a:p>
           <a:p>
-            <a:pPr marL="0" indent="0" algn="ctr">
+            <a:pPr marL="0" indent="0">
               <a:buNone/>
             </a:pPr>
             <a:r>
+              <a:rPr lang="en-US" sz="2000" dirty="0" smtClean="0"/>
+              <a:t>In </a:t>
+            </a:r>
+            <a:r>
               <a:rPr lang="en-US" sz="2000" dirty="0"/>
-              <a:t>We have used Breadth-First Search (BFS) in our </a:t>
+              <a:t>unweighted graphs, the shortest path is simply the path with the least number of </a:t>
             </a:r>
             <a:r>
               <a:rPr lang="en-US" sz="2000" dirty="0" smtClean="0"/>
-              <a:t>code..</a:t>
-            </a:r>
-            <a:endParaRPr lang="en-US" sz="2000" dirty="0"/>
+              <a:t>edges.</a:t>
+            </a:r>
+          </a:p>
+          <a:p>
+            <a:pPr marL="0" indent="0">
+              <a:buNone/>
+            </a:pPr>
+            <a:r>
+              <a:rPr lang="en-US" sz="2000" dirty="0" smtClean="0"/>
+              <a:t>In </a:t>
+            </a:r>
+            <a:r>
+              <a:rPr lang="en-US" sz="2000" dirty="0"/>
+              <a:t>weighted graphs, it’s the path with the minimum total weight.</a:t>
+            </a:r>
           </a:p>
         </p:txBody>
       </p:sp>
+      <p:pic>
+        <p:nvPicPr>
+          <p:cNvPr id="4" name="Picture 3"/>
+          <p:cNvPicPr>
+            <a:picLocks noChangeAspect="1"/>
+          </p:cNvPicPr>
+          <p:nvPr/>
+        </p:nvPicPr>
+        <p:blipFill>
+          <a:blip r:embed="rId2">
+            <a:extLst>
+              <a:ext uri="{28A0092B-C50C-407E-A947-70E740481C1C}">
+                <a14:useLocalDpi xmlns:a14="http://schemas.microsoft.com/office/drawing/2010/main" val="0"/>
+              </a:ext>
+            </a:extLst>
+          </a:blip>
+          <a:stretch>
+            <a:fillRect/>
+          </a:stretch>
+        </p:blipFill>
+        <p:spPr>
+          <a:xfrm>
+            <a:off x="1119168" y="3890937"/>
+            <a:ext cx="4865672" cy="2709885"/>
+          </a:xfrm>
+          <a:prstGeom prst="rect">
+            <a:avLst/>
+          </a:prstGeom>
+        </p:spPr>
+      </p:pic>
+      <p:pic>
+        <p:nvPicPr>
+          <p:cNvPr id="5" name="Picture 4"/>
+          <p:cNvPicPr>
+            <a:picLocks noChangeAspect="1"/>
+          </p:cNvPicPr>
+          <p:nvPr/>
+        </p:nvPicPr>
+        <p:blipFill>
+          <a:blip r:embed="rId3">
+            <a:extLst>
+              <a:ext uri="{28A0092B-C50C-407E-A947-70E740481C1C}">
+                <a14:useLocalDpi xmlns:a14="http://schemas.microsoft.com/office/drawing/2010/main" val="0"/>
+              </a:ext>
+            </a:extLst>
+          </a:blip>
+          <a:stretch>
+            <a:fillRect/>
+          </a:stretch>
+        </p:blipFill>
+        <p:spPr>
+          <a:xfrm>
+            <a:off x="6386513" y="4190985"/>
+            <a:ext cx="4226704" cy="2109788"/>
+          </a:xfrm>
+          <a:prstGeom prst="rect">
+            <a:avLst/>
+          </a:prstGeom>
+        </p:spPr>
+      </p:pic>
     </p:spTree>
     <p:extLst>
       <p:ext uri="{BB962C8B-B14F-4D97-AF65-F5344CB8AC3E}">
-        <p14:creationId xmlns:p14="http://schemas.microsoft.com/office/powerpoint/2010/main" val="1758734204"/>
+        <p14:creationId xmlns:p14="http://schemas.microsoft.com/office/powerpoint/2010/main" val="1626842515"/>
       </p:ext>
     </p:extLst>
   </p:cSld>
@@ -9727,10 +10069,10 @@
           <a:p>
             <a:pPr algn="ctr"/>
             <a:r>
-              <a:rPr lang="en-US" sz="3600" b="1" u="sng" dirty="0" smtClean="0"/>
-              <a:t>Breadth-First Search Algorithm</a:t>
-            </a:r>
-            <a:endParaRPr lang="en-US" sz="3600" b="1" u="sng" dirty="0"/>
+              <a:rPr lang="en-US" sz="3200" b="1" u="sng" dirty="0" smtClean="0"/>
+              <a:t>Some Algorithms Used for Path Finding</a:t>
+            </a:r>
+            <a:endParaRPr lang="en-US" sz="3200" b="1" u="sng" dirty="0"/>
           </a:p>
         </p:txBody>
       </p:sp>
@@ -9744,39 +10086,108 @@
             <p:ph idx="1"/>
           </p:nvPr>
         </p:nvSpPr>
-        <p:spPr/>
+        <p:spPr>
+          <a:xfrm>
+            <a:off x="838199" y="1911350"/>
+            <a:ext cx="10515600" cy="3846513"/>
+          </a:xfrm>
+        </p:spPr>
         <p:txBody>
-          <a:bodyPr/>
+          <a:bodyPr>
+            <a:normAutofit/>
+          </a:bodyPr>
           <a:lstStyle/>
           <a:p>
-            <a:pPr marL="0" indent="0">
-              <a:buNone/>
-            </a:pPr>
-            <a:r>
-              <a:rPr lang="en-US" dirty="0" smtClean="0"/>
-              <a:t>BFS is the best algorithm used for path finding in </a:t>
-            </a:r>
-            <a:r>
-              <a:rPr lang="en-US" b="1" dirty="0" smtClean="0"/>
-              <a:t>unweighted graphs</a:t>
-            </a:r>
-            <a:r>
-              <a:rPr lang="en-US" dirty="0" smtClean="0"/>
-              <a:t>.</a:t>
-            </a:r>
-          </a:p>
-          <a:p>
-            <a:pPr marL="0" indent="0">
-              <a:buNone/>
-            </a:pPr>
-            <a:endParaRPr lang="en-US" dirty="0"/>
+            <a:pPr algn="ctr"/>
+            <a:r>
+              <a:rPr lang="en-US" sz="2000" dirty="0"/>
+              <a:t>Dijkstra’s </a:t>
+            </a:r>
+            <a:r>
+              <a:rPr lang="en-US" sz="2000" dirty="0" smtClean="0"/>
+              <a:t>Algorithm</a:t>
+            </a:r>
+          </a:p>
+          <a:p>
+            <a:pPr algn="ctr"/>
+            <a:r>
+              <a:rPr lang="en-US" sz="2000" dirty="0" smtClean="0"/>
+              <a:t>A</a:t>
+            </a:r>
+            <a:r>
+              <a:rPr lang="en-US" sz="2000" dirty="0"/>
+              <a:t>* </a:t>
+            </a:r>
+            <a:r>
+              <a:rPr lang="en-US" sz="2000" dirty="0" smtClean="0"/>
+              <a:t>Algorithm</a:t>
+            </a:r>
+          </a:p>
+          <a:p>
+            <a:pPr algn="ctr"/>
+            <a:r>
+              <a:rPr lang="en-US" sz="2000" dirty="0" smtClean="0"/>
+              <a:t>Bellman-Ford Algorithm</a:t>
+            </a:r>
+          </a:p>
+          <a:p>
+            <a:pPr algn="ctr"/>
+            <a:r>
+              <a:rPr lang="en-US" sz="2000" dirty="0" smtClean="0"/>
+              <a:t>Floyd-</a:t>
+            </a:r>
+            <a:r>
+              <a:rPr lang="en-US" sz="2000" dirty="0" err="1" smtClean="0"/>
+              <a:t>Warshall</a:t>
+            </a:r>
+            <a:r>
+              <a:rPr lang="en-US" sz="2000" dirty="0" smtClean="0"/>
+              <a:t> Algorithm</a:t>
+            </a:r>
+          </a:p>
+          <a:p>
+            <a:pPr algn="ctr"/>
+            <a:r>
+              <a:rPr lang="en-US" sz="2000" dirty="0" smtClean="0"/>
+              <a:t>Breadth-First </a:t>
+            </a:r>
+            <a:r>
+              <a:rPr lang="en-US" sz="2000" dirty="0"/>
+              <a:t>Search (</a:t>
+            </a:r>
+            <a:r>
+              <a:rPr lang="en-US" sz="2000" dirty="0" smtClean="0"/>
+              <a:t>BFS)</a:t>
+            </a:r>
+          </a:p>
+          <a:p>
+            <a:pPr algn="ctr"/>
+            <a:r>
+              <a:rPr lang="en-US" sz="2000" dirty="0" smtClean="0"/>
+              <a:t>Depth-First </a:t>
+            </a:r>
+            <a:r>
+              <a:rPr lang="en-US" sz="2000" dirty="0"/>
+              <a:t>Search (</a:t>
+            </a:r>
+            <a:r>
+              <a:rPr lang="en-US" sz="2000" dirty="0" smtClean="0"/>
+              <a:t>DFS)</a:t>
+            </a:r>
+          </a:p>
+          <a:p>
+            <a:pPr algn="ctr"/>
+            <a:r>
+              <a:rPr lang="en-US" sz="2000" dirty="0" smtClean="0"/>
+              <a:t>Johnson’s Algorithm</a:t>
+            </a:r>
           </a:p>
         </p:txBody>
       </p:sp>
     </p:spTree>
     <p:extLst>
       <p:ext uri="{BB962C8B-B14F-4D97-AF65-F5344CB8AC3E}">
-        <p14:creationId xmlns:p14="http://schemas.microsoft.com/office/powerpoint/2010/main" val="3891699235"/>
+        <p14:creationId xmlns:p14="http://schemas.microsoft.com/office/powerpoint/2010/main" val="2745718031"/>
       </p:ext>
     </p:extLst>
   </p:cSld>
@@ -9808,7 +10219,7 @@
           <p:cNvPr id="2" name="Title 1">
             <a:extLst>
               <a:ext uri="{FF2B5EF4-FFF2-40B4-BE49-F238E27FC236}">
-                <a16:creationId xmlns="" xmlns:a16="http://schemas.microsoft.com/office/drawing/2014/main" id="{5D30DDF8-853A-DFDB-A947-FE9D44C8E03C}"/>
+                <a16:creationId xmlns:a16="http://schemas.microsoft.com/office/drawing/2014/main" id="{5D30DDF8-853A-DFDB-A947-FE9D44C8E03C}"/>
               </a:ext>
             </a:extLst>
           </p:cNvPr>
@@ -9865,7 +10276,7 @@
           <p:cNvPr id="3" name="Text Placeholder 2">
             <a:extLst>
               <a:ext uri="{FF2B5EF4-FFF2-40B4-BE49-F238E27FC236}">
-                <a16:creationId xmlns="" xmlns:a16="http://schemas.microsoft.com/office/drawing/2014/main" id="{F3FFBF10-3A6A-039D-96F3-6E61CA66CD1E}"/>
+                <a16:creationId xmlns:a16="http://schemas.microsoft.com/office/drawing/2014/main" id="{F3FFBF10-3A6A-039D-96F3-6E61CA66CD1E}"/>
               </a:ext>
             </a:extLst>
           </p:cNvPr>
@@ -9931,7 +10342,7 @@
           <p:cNvPr id="5" name="Picture 4">
             <a:extLst>
               <a:ext uri="{FF2B5EF4-FFF2-40B4-BE49-F238E27FC236}">
-                <a16:creationId xmlns="" xmlns:a16="http://schemas.microsoft.com/office/drawing/2014/main" id="{DF5E120D-8E2E-D414-9BE3-A68A099B210E}"/>
+                <a16:creationId xmlns:a16="http://schemas.microsoft.com/office/drawing/2014/main" id="{DF5E120D-8E2E-D414-9BE3-A68A099B210E}"/>
               </a:ext>
             </a:extLst>
           </p:cNvPr>
@@ -9966,7 +10377,7 @@
           <p:cNvPr id="7" name="Picture 6">
             <a:extLst>
               <a:ext uri="{FF2B5EF4-FFF2-40B4-BE49-F238E27FC236}">
-                <a16:creationId xmlns="" xmlns:a16="http://schemas.microsoft.com/office/drawing/2014/main" id="{5EC6C3A6-23EE-3547-4CDC-5D24A0A7D522}"/>
+                <a16:creationId xmlns:a16="http://schemas.microsoft.com/office/drawing/2014/main" id="{5EC6C3A6-23EE-3547-4CDC-5D24A0A7D522}"/>
               </a:ext>
             </a:extLst>
           </p:cNvPr>
@@ -10001,7 +10412,7 @@
           <p:cNvPr id="9" name="Picture 8">
             <a:extLst>
               <a:ext uri="{FF2B5EF4-FFF2-40B4-BE49-F238E27FC236}">
-                <a16:creationId xmlns="" xmlns:a16="http://schemas.microsoft.com/office/drawing/2014/main" id="{BCAA92A2-3C81-650B-7F86-D978F3483C08}"/>
+                <a16:creationId xmlns:a16="http://schemas.microsoft.com/office/drawing/2014/main" id="{BCAA92A2-3C81-650B-7F86-D978F3483C08}"/>
               </a:ext>
             </a:extLst>
           </p:cNvPr>
@@ -10035,6 +10446,285 @@
     <p:extLst>
       <p:ext uri="{BB962C8B-B14F-4D97-AF65-F5344CB8AC3E}">
         <p14:creationId xmlns:p14="http://schemas.microsoft.com/office/powerpoint/2010/main" val="34415871"/>
+      </p:ext>
+    </p:extLst>
+  </p:cSld>
+  <p:clrMapOvr>
+    <a:masterClrMapping/>
+  </p:clrMapOvr>
+</p:sld>
+</file>
+
+<file path=ppt/slides/slide20.xml><?xml version="1.0" encoding="utf-8"?>
+<p:sld xmlns:a="http://schemas.openxmlformats.org/drawingml/2006/main" xmlns:r="http://schemas.openxmlformats.org/officeDocument/2006/relationships" xmlns:p="http://schemas.openxmlformats.org/presentationml/2006/main">
+  <p:cSld>
+    <p:spTree>
+      <p:nvGrpSpPr>
+        <p:cNvPr id="1" name=""/>
+        <p:cNvGrpSpPr/>
+        <p:nvPr/>
+      </p:nvGrpSpPr>
+      <p:grpSpPr>
+        <a:xfrm>
+          <a:off x="0" y="0"/>
+          <a:ext cx="0" cy="0"/>
+          <a:chOff x="0" y="0"/>
+          <a:chExt cx="0" cy="0"/>
+        </a:xfrm>
+      </p:grpSpPr>
+      <p:sp>
+        <p:nvSpPr>
+          <p:cNvPr id="2" name="Title 1"/>
+          <p:cNvSpPr>
+            <a:spLocks noGrp="1"/>
+          </p:cNvSpPr>
+          <p:nvPr>
+            <p:ph type="title"/>
+          </p:nvPr>
+        </p:nvSpPr>
+        <p:spPr/>
+        <p:txBody>
+          <a:bodyPr>
+            <a:normAutofit/>
+          </a:bodyPr>
+          <a:lstStyle/>
+          <a:p>
+            <a:pPr algn="ctr"/>
+            <a:r>
+              <a:rPr lang="en-US" sz="3200" b="1" u="sng" dirty="0" smtClean="0"/>
+              <a:t>Some Algorithms Used for Path Finding</a:t>
+            </a:r>
+            <a:endParaRPr lang="en-US" sz="3200" b="1" u="sng" dirty="0"/>
+          </a:p>
+        </p:txBody>
+      </p:sp>
+      <p:sp>
+        <p:nvSpPr>
+          <p:cNvPr id="3" name="Content Placeholder 2"/>
+          <p:cNvSpPr>
+            <a:spLocks noGrp="1"/>
+          </p:cNvSpPr>
+          <p:nvPr>
+            <p:ph idx="1"/>
+          </p:nvPr>
+        </p:nvSpPr>
+        <p:spPr>
+          <a:xfrm>
+            <a:off x="838199" y="1911350"/>
+            <a:ext cx="10515600" cy="3846513"/>
+          </a:xfrm>
+        </p:spPr>
+        <p:txBody>
+          <a:bodyPr>
+            <a:normAutofit/>
+          </a:bodyPr>
+          <a:lstStyle/>
+          <a:p>
+            <a:pPr algn="ctr"/>
+            <a:r>
+              <a:rPr lang="en-US" sz="2000" dirty="0"/>
+              <a:t>Dijkstra’s </a:t>
+            </a:r>
+            <a:r>
+              <a:rPr lang="en-US" sz="2000" dirty="0" smtClean="0"/>
+              <a:t>Algorithm</a:t>
+            </a:r>
+          </a:p>
+          <a:p>
+            <a:pPr algn="ctr"/>
+            <a:r>
+              <a:rPr lang="en-US" sz="2000" dirty="0" smtClean="0"/>
+              <a:t>A</a:t>
+            </a:r>
+            <a:r>
+              <a:rPr lang="en-US" sz="2000" dirty="0"/>
+              <a:t>* </a:t>
+            </a:r>
+            <a:r>
+              <a:rPr lang="en-US" sz="2000" dirty="0" smtClean="0"/>
+              <a:t>Algorithm</a:t>
+            </a:r>
+          </a:p>
+          <a:p>
+            <a:pPr algn="ctr"/>
+            <a:r>
+              <a:rPr lang="en-US" sz="2000" dirty="0" smtClean="0"/>
+              <a:t>Bellman-Ford Algorithm</a:t>
+            </a:r>
+          </a:p>
+          <a:p>
+            <a:pPr algn="ctr"/>
+            <a:r>
+              <a:rPr lang="en-US" sz="2000" dirty="0" smtClean="0"/>
+              <a:t>Floyd-</a:t>
+            </a:r>
+            <a:r>
+              <a:rPr lang="en-US" sz="2000" dirty="0" err="1" smtClean="0"/>
+              <a:t>Warshall</a:t>
+            </a:r>
+            <a:r>
+              <a:rPr lang="en-US" sz="2000" dirty="0" smtClean="0"/>
+              <a:t> Algorithm</a:t>
+            </a:r>
+          </a:p>
+          <a:p>
+            <a:pPr algn="ctr"/>
+            <a:r>
+              <a:rPr lang="en-US" sz="2000" dirty="0" smtClean="0"/>
+              <a:t>Breadth-First </a:t>
+            </a:r>
+            <a:r>
+              <a:rPr lang="en-US" sz="2000" dirty="0"/>
+              <a:t>Search (</a:t>
+            </a:r>
+            <a:r>
+              <a:rPr lang="en-US" sz="2000" dirty="0" smtClean="0"/>
+              <a:t>BFS)</a:t>
+            </a:r>
+          </a:p>
+          <a:p>
+            <a:pPr algn="ctr"/>
+            <a:r>
+              <a:rPr lang="en-US" sz="2000" dirty="0" smtClean="0"/>
+              <a:t>Depth-First </a:t>
+            </a:r>
+            <a:r>
+              <a:rPr lang="en-US" sz="2000" dirty="0"/>
+              <a:t>Search (</a:t>
+            </a:r>
+            <a:r>
+              <a:rPr lang="en-US" sz="2000" dirty="0" smtClean="0"/>
+              <a:t>DFS)</a:t>
+            </a:r>
+          </a:p>
+          <a:p>
+            <a:pPr algn="ctr"/>
+            <a:r>
+              <a:rPr lang="en-US" sz="2000" dirty="0" smtClean="0"/>
+              <a:t>Johnson’s Algorithm</a:t>
+            </a:r>
+          </a:p>
+          <a:p>
+            <a:pPr marL="0" indent="0" algn="ctr">
+              <a:buNone/>
+            </a:pPr>
+            <a:endParaRPr lang="en-US" sz="2000" dirty="0" smtClean="0"/>
+          </a:p>
+          <a:p>
+            <a:pPr marL="0" indent="0" algn="ctr">
+              <a:buNone/>
+            </a:pPr>
+            <a:r>
+              <a:rPr lang="en-US" sz="2000" dirty="0"/>
+              <a:t>We have used Breadth-First Search (BFS) in our </a:t>
+            </a:r>
+            <a:r>
+              <a:rPr lang="en-US" sz="2000" dirty="0" smtClean="0"/>
+              <a:t>code..</a:t>
+            </a:r>
+            <a:endParaRPr lang="en-US" sz="2000" dirty="0"/>
+          </a:p>
+        </p:txBody>
+      </p:sp>
+    </p:spTree>
+    <p:extLst>
+      <p:ext uri="{BB962C8B-B14F-4D97-AF65-F5344CB8AC3E}">
+        <p14:creationId xmlns:p14="http://schemas.microsoft.com/office/powerpoint/2010/main" val="1758734204"/>
+      </p:ext>
+    </p:extLst>
+  </p:cSld>
+  <p:clrMapOvr>
+    <a:masterClrMapping/>
+  </p:clrMapOvr>
+</p:sld>
+</file>
+
+<file path=ppt/slides/slide21.xml><?xml version="1.0" encoding="utf-8"?>
+<p:sld xmlns:a="http://schemas.openxmlformats.org/drawingml/2006/main" xmlns:r="http://schemas.openxmlformats.org/officeDocument/2006/relationships" xmlns:p="http://schemas.openxmlformats.org/presentationml/2006/main">
+  <p:cSld>
+    <p:spTree>
+      <p:nvGrpSpPr>
+        <p:cNvPr id="1" name=""/>
+        <p:cNvGrpSpPr/>
+        <p:nvPr/>
+      </p:nvGrpSpPr>
+      <p:grpSpPr>
+        <a:xfrm>
+          <a:off x="0" y="0"/>
+          <a:ext cx="0" cy="0"/>
+          <a:chOff x="0" y="0"/>
+          <a:chExt cx="0" cy="0"/>
+        </a:xfrm>
+      </p:grpSpPr>
+      <p:sp>
+        <p:nvSpPr>
+          <p:cNvPr id="2" name="Title 1"/>
+          <p:cNvSpPr>
+            <a:spLocks noGrp="1"/>
+          </p:cNvSpPr>
+          <p:nvPr>
+            <p:ph type="title"/>
+          </p:nvPr>
+        </p:nvSpPr>
+        <p:spPr/>
+        <p:txBody>
+          <a:bodyPr>
+            <a:normAutofit/>
+          </a:bodyPr>
+          <a:lstStyle/>
+          <a:p>
+            <a:pPr algn="ctr"/>
+            <a:r>
+              <a:rPr lang="en-US" sz="3600" b="1" u="sng" dirty="0" smtClean="0"/>
+              <a:t>Breadth-First Search Algorithm</a:t>
+            </a:r>
+            <a:endParaRPr lang="en-US" sz="3600" b="1" u="sng" dirty="0"/>
+          </a:p>
+        </p:txBody>
+      </p:sp>
+      <p:sp>
+        <p:nvSpPr>
+          <p:cNvPr id="3" name="Content Placeholder 2"/>
+          <p:cNvSpPr>
+            <a:spLocks noGrp="1"/>
+          </p:cNvSpPr>
+          <p:nvPr>
+            <p:ph idx="1"/>
+          </p:nvPr>
+        </p:nvSpPr>
+        <p:spPr/>
+        <p:txBody>
+          <a:bodyPr/>
+          <a:lstStyle/>
+          <a:p>
+            <a:pPr marL="0" indent="0">
+              <a:buNone/>
+            </a:pPr>
+            <a:r>
+              <a:rPr lang="en-US" dirty="0" smtClean="0"/>
+              <a:t>BFS is the best algorithm used for path finding in </a:t>
+            </a:r>
+            <a:r>
+              <a:rPr lang="en-US" b="1" dirty="0" smtClean="0"/>
+              <a:t>unweighted graphs</a:t>
+            </a:r>
+            <a:r>
+              <a:rPr lang="en-US" dirty="0" smtClean="0"/>
+              <a:t>.</a:t>
+            </a:r>
+          </a:p>
+          <a:p>
+            <a:pPr marL="0" indent="0">
+              <a:buNone/>
+            </a:pPr>
+            <a:endParaRPr lang="en-US" dirty="0"/>
+          </a:p>
+        </p:txBody>
+      </p:sp>
+    </p:spTree>
+    <p:extLst>
+      <p:ext uri="{BB962C8B-B14F-4D97-AF65-F5344CB8AC3E}">
+        <p14:creationId xmlns:p14="http://schemas.microsoft.com/office/powerpoint/2010/main" val="3891699235"/>
       </p:ext>
     </p:extLst>
   </p:cSld>
@@ -10066,7 +10756,7 @@
           <p:cNvPr id="2" name="Title 1">
             <a:extLst>
               <a:ext uri="{FF2B5EF4-FFF2-40B4-BE49-F238E27FC236}">
-                <a16:creationId xmlns="" xmlns:a16="http://schemas.microsoft.com/office/drawing/2014/main" id="{5D30DDF8-853A-DFDB-A947-FE9D44C8E03C}"/>
+                <a16:creationId xmlns:a16="http://schemas.microsoft.com/office/drawing/2014/main" id="{5D30DDF8-853A-DFDB-A947-FE9D44C8E03C}"/>
               </a:ext>
             </a:extLst>
           </p:cNvPr>
@@ -10123,7 +10813,7 @@
           <p:cNvPr id="3" name="Text Placeholder 2">
             <a:extLst>
               <a:ext uri="{FF2B5EF4-FFF2-40B4-BE49-F238E27FC236}">
-                <a16:creationId xmlns="" xmlns:a16="http://schemas.microsoft.com/office/drawing/2014/main" id="{F3FFBF10-3A6A-039D-96F3-6E61CA66CD1E}"/>
+                <a16:creationId xmlns:a16="http://schemas.microsoft.com/office/drawing/2014/main" id="{F3FFBF10-3A6A-039D-96F3-6E61CA66CD1E}"/>
               </a:ext>
             </a:extLst>
           </p:cNvPr>
@@ -10189,7 +10879,7 @@
           <p:cNvPr id="5" name="Picture 4">
             <a:extLst>
               <a:ext uri="{FF2B5EF4-FFF2-40B4-BE49-F238E27FC236}">
-                <a16:creationId xmlns="" xmlns:a16="http://schemas.microsoft.com/office/drawing/2014/main" id="{DF5E120D-8E2E-D414-9BE3-A68A099B210E}"/>
+                <a16:creationId xmlns:a16="http://schemas.microsoft.com/office/drawing/2014/main" id="{DF5E120D-8E2E-D414-9BE3-A68A099B210E}"/>
               </a:ext>
             </a:extLst>
           </p:cNvPr>
@@ -10224,7 +10914,7 @@
           <p:cNvPr id="7" name="Picture 6">
             <a:extLst>
               <a:ext uri="{FF2B5EF4-FFF2-40B4-BE49-F238E27FC236}">
-                <a16:creationId xmlns="" xmlns:a16="http://schemas.microsoft.com/office/drawing/2014/main" id="{5EC6C3A6-23EE-3547-4CDC-5D24A0A7D522}"/>
+                <a16:creationId xmlns:a16="http://schemas.microsoft.com/office/drawing/2014/main" id="{5EC6C3A6-23EE-3547-4CDC-5D24A0A7D522}"/>
               </a:ext>
             </a:extLst>
           </p:cNvPr>
@@ -10259,7 +10949,7 @@
           <p:cNvPr id="9" name="Picture 8">
             <a:extLst>
               <a:ext uri="{FF2B5EF4-FFF2-40B4-BE49-F238E27FC236}">
-                <a16:creationId xmlns="" xmlns:a16="http://schemas.microsoft.com/office/drawing/2014/main" id="{BCAA92A2-3C81-650B-7F86-D978F3483C08}"/>
+                <a16:creationId xmlns:a16="http://schemas.microsoft.com/office/drawing/2014/main" id="{BCAA92A2-3C81-650B-7F86-D978F3483C08}"/>
               </a:ext>
             </a:extLst>
           </p:cNvPr>
@@ -10294,7 +10984,7 @@
           <p:cNvPr id="13" name="Straight Arrow Connector 12">
             <a:extLst>
               <a:ext uri="{FF2B5EF4-FFF2-40B4-BE49-F238E27FC236}">
-                <a16:creationId xmlns="" xmlns:a16="http://schemas.microsoft.com/office/drawing/2014/main" id="{0CF5CAB6-3C22-9FEC-7E1E-7B91C8E5761F}"/>
+                <a16:creationId xmlns:a16="http://schemas.microsoft.com/office/drawing/2014/main" id="{0CF5CAB6-3C22-9FEC-7E1E-7B91C8E5761F}"/>
               </a:ext>
             </a:extLst>
           </p:cNvPr>
@@ -10338,7 +11028,7 @@
           <p:cNvPr id="14" name="Straight Arrow Connector 13">
             <a:extLst>
               <a:ext uri="{FF2B5EF4-FFF2-40B4-BE49-F238E27FC236}">
-                <a16:creationId xmlns="" xmlns:a16="http://schemas.microsoft.com/office/drawing/2014/main" id="{1CCF16B9-A09E-4470-2324-7D202860F263}"/>
+                <a16:creationId xmlns:a16="http://schemas.microsoft.com/office/drawing/2014/main" id="{1CCF16B9-A09E-4470-2324-7D202860F263}"/>
               </a:ext>
             </a:extLst>
           </p:cNvPr>
@@ -10385,7 +11075,7 @@
           <p:cNvPr id="4" name="Straight Arrow Connector 3">
             <a:extLst>
               <a:ext uri="{FF2B5EF4-FFF2-40B4-BE49-F238E27FC236}">
-                <a16:creationId xmlns="" xmlns:a16="http://schemas.microsoft.com/office/drawing/2014/main" id="{98ADD665-6FC6-CEB4-6D76-8C26111BF116}"/>
+                <a16:creationId xmlns:a16="http://schemas.microsoft.com/office/drawing/2014/main" id="{98ADD665-6FC6-CEB4-6D76-8C26111BF116}"/>
               </a:ext>
             </a:extLst>
           </p:cNvPr>
@@ -10429,7 +11119,7 @@
           <p:cNvPr id="6" name="Straight Arrow Connector 5">
             <a:extLst>
               <a:ext uri="{FF2B5EF4-FFF2-40B4-BE49-F238E27FC236}">
-                <a16:creationId xmlns="" xmlns:a16="http://schemas.microsoft.com/office/drawing/2014/main" id="{3C0F131E-E90A-3652-2E94-739BA4B3AD14}"/>
+                <a16:creationId xmlns:a16="http://schemas.microsoft.com/office/drawing/2014/main" id="{3C0F131E-E90A-3652-2E94-739BA4B3AD14}"/>
               </a:ext>
             </a:extLst>
           </p:cNvPr>
@@ -10473,7 +11163,7 @@
           <p:cNvPr id="8" name="Straight Arrow Connector 7">
             <a:extLst>
               <a:ext uri="{FF2B5EF4-FFF2-40B4-BE49-F238E27FC236}">
-                <a16:creationId xmlns="" xmlns:a16="http://schemas.microsoft.com/office/drawing/2014/main" id="{953C8946-F2DA-9D06-E8E1-65ED0C5F25D8}"/>
+                <a16:creationId xmlns:a16="http://schemas.microsoft.com/office/drawing/2014/main" id="{953C8946-F2DA-9D06-E8E1-65ED0C5F25D8}"/>
               </a:ext>
             </a:extLst>
           </p:cNvPr>
@@ -10520,7 +11210,7 @@
           <p:cNvPr id="10" name="Straight Arrow Connector 9">
             <a:extLst>
               <a:ext uri="{FF2B5EF4-FFF2-40B4-BE49-F238E27FC236}">
-                <a16:creationId xmlns="" xmlns:a16="http://schemas.microsoft.com/office/drawing/2014/main" id="{73A92731-B2F7-2195-B2DA-1A6401977BE5}"/>
+                <a16:creationId xmlns:a16="http://schemas.microsoft.com/office/drawing/2014/main" id="{73A92731-B2F7-2195-B2DA-1A6401977BE5}"/>
               </a:ext>
             </a:extLst>
           </p:cNvPr>
@@ -10567,7 +11257,7 @@
           <p:cNvPr id="11" name="TextBox 10">
             <a:extLst>
               <a:ext uri="{FF2B5EF4-FFF2-40B4-BE49-F238E27FC236}">
-                <a16:creationId xmlns="" xmlns:a16="http://schemas.microsoft.com/office/drawing/2014/main" id="{25E40C69-AAB7-773A-3E63-8815E4C667BB}"/>
+                <a16:creationId xmlns:a16="http://schemas.microsoft.com/office/drawing/2014/main" id="{25E40C69-AAB7-773A-3E63-8815E4C667BB}"/>
               </a:ext>
             </a:extLst>
           </p:cNvPr>
@@ -10608,7 +11298,7 @@
           <p:cNvPr id="12" name="TextBox 11">
             <a:extLst>
               <a:ext uri="{FF2B5EF4-FFF2-40B4-BE49-F238E27FC236}">
-                <a16:creationId xmlns="" xmlns:a16="http://schemas.microsoft.com/office/drawing/2014/main" id="{C2D554D5-ACAF-44BE-A0AE-5FAD5C39073F}"/>
+                <a16:creationId xmlns:a16="http://schemas.microsoft.com/office/drawing/2014/main" id="{C2D554D5-ACAF-44BE-A0AE-5FAD5C39073F}"/>
               </a:ext>
             </a:extLst>
           </p:cNvPr>
@@ -10679,7 +11369,7 @@
           <p:cNvPr id="2" name="Title 1">
             <a:extLst>
               <a:ext uri="{FF2B5EF4-FFF2-40B4-BE49-F238E27FC236}">
-                <a16:creationId xmlns="" xmlns:a16="http://schemas.microsoft.com/office/drawing/2014/main" id="{5D30DDF8-853A-DFDB-A947-FE9D44C8E03C}"/>
+                <a16:creationId xmlns:a16="http://schemas.microsoft.com/office/drawing/2014/main" id="{5D30DDF8-853A-DFDB-A947-FE9D44C8E03C}"/>
               </a:ext>
             </a:extLst>
           </p:cNvPr>
@@ -10736,7 +11426,7 @@
           <p:cNvPr id="3" name="Text Placeholder 2">
             <a:extLst>
               <a:ext uri="{FF2B5EF4-FFF2-40B4-BE49-F238E27FC236}">
-                <a16:creationId xmlns="" xmlns:a16="http://schemas.microsoft.com/office/drawing/2014/main" id="{F3FFBF10-3A6A-039D-96F3-6E61CA66CD1E}"/>
+                <a16:creationId xmlns:a16="http://schemas.microsoft.com/office/drawing/2014/main" id="{F3FFBF10-3A6A-039D-96F3-6E61CA66CD1E}"/>
               </a:ext>
             </a:extLst>
           </p:cNvPr>
@@ -10802,7 +11492,7 @@
           <p:cNvPr id="5" name="Picture 4">
             <a:extLst>
               <a:ext uri="{FF2B5EF4-FFF2-40B4-BE49-F238E27FC236}">
-                <a16:creationId xmlns="" xmlns:a16="http://schemas.microsoft.com/office/drawing/2014/main" id="{DF5E120D-8E2E-D414-9BE3-A68A099B210E}"/>
+                <a16:creationId xmlns:a16="http://schemas.microsoft.com/office/drawing/2014/main" id="{DF5E120D-8E2E-D414-9BE3-A68A099B210E}"/>
               </a:ext>
             </a:extLst>
           </p:cNvPr>
@@ -10837,7 +11527,7 @@
           <p:cNvPr id="7" name="Picture 6">
             <a:extLst>
               <a:ext uri="{FF2B5EF4-FFF2-40B4-BE49-F238E27FC236}">
-                <a16:creationId xmlns="" xmlns:a16="http://schemas.microsoft.com/office/drawing/2014/main" id="{5EC6C3A6-23EE-3547-4CDC-5D24A0A7D522}"/>
+                <a16:creationId xmlns:a16="http://schemas.microsoft.com/office/drawing/2014/main" id="{5EC6C3A6-23EE-3547-4CDC-5D24A0A7D522}"/>
               </a:ext>
             </a:extLst>
           </p:cNvPr>
@@ -10872,7 +11562,7 @@
           <p:cNvPr id="9" name="Picture 8">
             <a:extLst>
               <a:ext uri="{FF2B5EF4-FFF2-40B4-BE49-F238E27FC236}">
-                <a16:creationId xmlns="" xmlns:a16="http://schemas.microsoft.com/office/drawing/2014/main" id="{BCAA92A2-3C81-650B-7F86-D978F3483C08}"/>
+                <a16:creationId xmlns:a16="http://schemas.microsoft.com/office/drawing/2014/main" id="{BCAA92A2-3C81-650B-7F86-D978F3483C08}"/>
               </a:ext>
             </a:extLst>
           </p:cNvPr>
@@ -10907,7 +11597,7 @@
           <p:cNvPr id="13" name="Straight Arrow Connector 12">
             <a:extLst>
               <a:ext uri="{FF2B5EF4-FFF2-40B4-BE49-F238E27FC236}">
-                <a16:creationId xmlns="" xmlns:a16="http://schemas.microsoft.com/office/drawing/2014/main" id="{0CF5CAB6-3C22-9FEC-7E1E-7B91C8E5761F}"/>
+                <a16:creationId xmlns:a16="http://schemas.microsoft.com/office/drawing/2014/main" id="{0CF5CAB6-3C22-9FEC-7E1E-7B91C8E5761F}"/>
               </a:ext>
             </a:extLst>
           </p:cNvPr>
@@ -10951,7 +11641,7 @@
           <p:cNvPr id="14" name="Straight Arrow Connector 13">
             <a:extLst>
               <a:ext uri="{FF2B5EF4-FFF2-40B4-BE49-F238E27FC236}">
-                <a16:creationId xmlns="" xmlns:a16="http://schemas.microsoft.com/office/drawing/2014/main" id="{1CCF16B9-A09E-4470-2324-7D202860F263}"/>
+                <a16:creationId xmlns:a16="http://schemas.microsoft.com/office/drawing/2014/main" id="{1CCF16B9-A09E-4470-2324-7D202860F263}"/>
               </a:ext>
             </a:extLst>
           </p:cNvPr>
@@ -10998,7 +11688,7 @@
           <p:cNvPr id="4" name="Straight Arrow Connector 3">
             <a:extLst>
               <a:ext uri="{FF2B5EF4-FFF2-40B4-BE49-F238E27FC236}">
-                <a16:creationId xmlns="" xmlns:a16="http://schemas.microsoft.com/office/drawing/2014/main" id="{98ADD665-6FC6-CEB4-6D76-8C26111BF116}"/>
+                <a16:creationId xmlns:a16="http://schemas.microsoft.com/office/drawing/2014/main" id="{98ADD665-6FC6-CEB4-6D76-8C26111BF116}"/>
               </a:ext>
             </a:extLst>
           </p:cNvPr>
@@ -11042,7 +11732,7 @@
           <p:cNvPr id="6" name="Straight Arrow Connector 5">
             <a:extLst>
               <a:ext uri="{FF2B5EF4-FFF2-40B4-BE49-F238E27FC236}">
-                <a16:creationId xmlns="" xmlns:a16="http://schemas.microsoft.com/office/drawing/2014/main" id="{3C0F131E-E90A-3652-2E94-739BA4B3AD14}"/>
+                <a16:creationId xmlns:a16="http://schemas.microsoft.com/office/drawing/2014/main" id="{3C0F131E-E90A-3652-2E94-739BA4B3AD14}"/>
               </a:ext>
             </a:extLst>
           </p:cNvPr>
@@ -11086,7 +11776,7 @@
           <p:cNvPr id="8" name="Straight Arrow Connector 7">
             <a:extLst>
               <a:ext uri="{FF2B5EF4-FFF2-40B4-BE49-F238E27FC236}">
-                <a16:creationId xmlns="" xmlns:a16="http://schemas.microsoft.com/office/drawing/2014/main" id="{953C8946-F2DA-9D06-E8E1-65ED0C5F25D8}"/>
+                <a16:creationId xmlns:a16="http://schemas.microsoft.com/office/drawing/2014/main" id="{953C8946-F2DA-9D06-E8E1-65ED0C5F25D8}"/>
               </a:ext>
             </a:extLst>
           </p:cNvPr>
@@ -11133,7 +11823,7 @@
           <p:cNvPr id="10" name="Straight Arrow Connector 9">
             <a:extLst>
               <a:ext uri="{FF2B5EF4-FFF2-40B4-BE49-F238E27FC236}">
-                <a16:creationId xmlns="" xmlns:a16="http://schemas.microsoft.com/office/drawing/2014/main" id="{73A92731-B2F7-2195-B2DA-1A6401977BE5}"/>
+                <a16:creationId xmlns:a16="http://schemas.microsoft.com/office/drawing/2014/main" id="{73A92731-B2F7-2195-B2DA-1A6401977BE5}"/>
               </a:ext>
             </a:extLst>
           </p:cNvPr>
@@ -11180,7 +11870,7 @@
           <p:cNvPr id="11" name="TextBox 10">
             <a:extLst>
               <a:ext uri="{FF2B5EF4-FFF2-40B4-BE49-F238E27FC236}">
-                <a16:creationId xmlns="" xmlns:a16="http://schemas.microsoft.com/office/drawing/2014/main" id="{25E40C69-AAB7-773A-3E63-8815E4C667BB}"/>
+                <a16:creationId xmlns:a16="http://schemas.microsoft.com/office/drawing/2014/main" id="{25E40C69-AAB7-773A-3E63-8815E4C667BB}"/>
               </a:ext>
             </a:extLst>
           </p:cNvPr>
@@ -11221,7 +11911,7 @@
           <p:cNvPr id="12" name="TextBox 11">
             <a:extLst>
               <a:ext uri="{FF2B5EF4-FFF2-40B4-BE49-F238E27FC236}">
-                <a16:creationId xmlns="" xmlns:a16="http://schemas.microsoft.com/office/drawing/2014/main" id="{C2D554D5-ACAF-44BE-A0AE-5FAD5C39073F}"/>
+                <a16:creationId xmlns:a16="http://schemas.microsoft.com/office/drawing/2014/main" id="{C2D554D5-ACAF-44BE-A0AE-5FAD5C39073F}"/>
               </a:ext>
             </a:extLst>
           </p:cNvPr>
@@ -11262,7 +11952,7 @@
           <p:cNvPr id="16" name="Straight Connector 15">
             <a:extLst>
               <a:ext uri="{FF2B5EF4-FFF2-40B4-BE49-F238E27FC236}">
-                <a16:creationId xmlns="" xmlns:a16="http://schemas.microsoft.com/office/drawing/2014/main" id="{ACDAADC2-F7E7-2AB3-8431-833234F0D948}"/>
+                <a16:creationId xmlns:a16="http://schemas.microsoft.com/office/drawing/2014/main" id="{ACDAADC2-F7E7-2AB3-8431-833234F0D948}"/>
               </a:ext>
             </a:extLst>
           </p:cNvPr>
@@ -11305,7 +11995,7 @@
           <p:cNvPr id="19" name="Straight Connector 18">
             <a:extLst>
               <a:ext uri="{FF2B5EF4-FFF2-40B4-BE49-F238E27FC236}">
-                <a16:creationId xmlns="" xmlns:a16="http://schemas.microsoft.com/office/drawing/2014/main" id="{1D3114F2-3799-D088-0DA0-DE82349A782F}"/>
+                <a16:creationId xmlns:a16="http://schemas.microsoft.com/office/drawing/2014/main" id="{1D3114F2-3799-D088-0DA0-DE82349A782F}"/>
               </a:ext>
             </a:extLst>
           </p:cNvPr>
@@ -11348,7 +12038,7 @@
           <p:cNvPr id="22" name="TextBox 21">
             <a:extLst>
               <a:ext uri="{FF2B5EF4-FFF2-40B4-BE49-F238E27FC236}">
-                <a16:creationId xmlns="" xmlns:a16="http://schemas.microsoft.com/office/drawing/2014/main" id="{46B7EA58-223A-76DA-904C-B127A21679D7}"/>
+                <a16:creationId xmlns:a16="http://schemas.microsoft.com/office/drawing/2014/main" id="{46B7EA58-223A-76DA-904C-B127A21679D7}"/>
               </a:ext>
             </a:extLst>
           </p:cNvPr>
@@ -11419,7 +12109,7 @@
           <p:cNvPr id="2" name="TextBox 1">
             <a:extLst>
               <a:ext uri="{FF2B5EF4-FFF2-40B4-BE49-F238E27FC236}">
-                <a16:creationId xmlns="" xmlns:a16="http://schemas.microsoft.com/office/drawing/2014/main" id="{CFBB8880-030D-770F-78E0-250ED3C4086B}"/>
+                <a16:creationId xmlns:a16="http://schemas.microsoft.com/office/drawing/2014/main" id="{CFBB8880-030D-770F-78E0-250ED3C4086B}"/>
               </a:ext>
             </a:extLst>
           </p:cNvPr>
@@ -11458,7 +12148,7 @@
           <p:cNvPr id="4" name="Picture 3">
             <a:extLst>
               <a:ext uri="{FF2B5EF4-FFF2-40B4-BE49-F238E27FC236}">
-                <a16:creationId xmlns="" xmlns:a16="http://schemas.microsoft.com/office/drawing/2014/main" id="{FAAEB7AD-C825-8836-2CCC-6A519C365B2E}"/>
+                <a16:creationId xmlns:a16="http://schemas.microsoft.com/office/drawing/2014/main" id="{FAAEB7AD-C825-8836-2CCC-6A519C365B2E}"/>
               </a:ext>
             </a:extLst>
           </p:cNvPr>
@@ -11494,7 +12184,7 @@
           <p:cNvPr id="6" name="Picture 5">
             <a:extLst>
               <a:ext uri="{FF2B5EF4-FFF2-40B4-BE49-F238E27FC236}">
-                <a16:creationId xmlns="" xmlns:a16="http://schemas.microsoft.com/office/drawing/2014/main" id="{12FC48A8-7E76-3B37-EC98-7F8A0B19AB46}"/>
+                <a16:creationId xmlns:a16="http://schemas.microsoft.com/office/drawing/2014/main" id="{12FC48A8-7E76-3B37-EC98-7F8A0B19AB46}"/>
               </a:ext>
             </a:extLst>
           </p:cNvPr>
@@ -11530,7 +12220,7 @@
           <p:cNvPr id="7" name="TextBox 6">
             <a:extLst>
               <a:ext uri="{FF2B5EF4-FFF2-40B4-BE49-F238E27FC236}">
-                <a16:creationId xmlns="" xmlns:a16="http://schemas.microsoft.com/office/drawing/2014/main" id="{7A58E15A-2348-A7C6-FC81-48AD1D6E4181}"/>
+                <a16:creationId xmlns:a16="http://schemas.microsoft.com/office/drawing/2014/main" id="{7A58E15A-2348-A7C6-FC81-48AD1D6E4181}"/>
               </a:ext>
             </a:extLst>
           </p:cNvPr>
@@ -11565,7 +12255,7 @@
           <p:cNvPr id="8" name="Picture 7">
             <a:extLst>
               <a:ext uri="{FF2B5EF4-FFF2-40B4-BE49-F238E27FC236}">
-                <a16:creationId xmlns="" xmlns:a16="http://schemas.microsoft.com/office/drawing/2014/main" id="{C1B70BF2-C4A5-2826-E7C8-890B5910688F}"/>
+                <a16:creationId xmlns:a16="http://schemas.microsoft.com/office/drawing/2014/main" id="{C1B70BF2-C4A5-2826-E7C8-890B5910688F}"/>
               </a:ext>
             </a:extLst>
           </p:cNvPr>
@@ -11600,7 +12290,7 @@
           <p:cNvPr id="9" name="TextBox 8">
             <a:extLst>
               <a:ext uri="{FF2B5EF4-FFF2-40B4-BE49-F238E27FC236}">
-                <a16:creationId xmlns="" xmlns:a16="http://schemas.microsoft.com/office/drawing/2014/main" id="{F327D58F-429A-36B6-C4D6-D4B3D7248B24}"/>
+                <a16:creationId xmlns:a16="http://schemas.microsoft.com/office/drawing/2014/main" id="{F327D58F-429A-36B6-C4D6-D4B3D7248B24}"/>
               </a:ext>
             </a:extLst>
           </p:cNvPr>
@@ -11665,7 +12355,7 @@
           <p:cNvPr id="2" name="TextBox 1">
             <a:extLst>
               <a:ext uri="{FF2B5EF4-FFF2-40B4-BE49-F238E27FC236}">
-                <a16:creationId xmlns="" xmlns:a16="http://schemas.microsoft.com/office/drawing/2014/main" id="{CFBB8880-030D-770F-78E0-250ED3C4086B}"/>
+                <a16:creationId xmlns:a16="http://schemas.microsoft.com/office/drawing/2014/main" id="{CFBB8880-030D-770F-78E0-250ED3C4086B}"/>
               </a:ext>
             </a:extLst>
           </p:cNvPr>
@@ -11704,7 +12394,7 @@
           <p:cNvPr id="4" name="Picture 3">
             <a:extLst>
               <a:ext uri="{FF2B5EF4-FFF2-40B4-BE49-F238E27FC236}">
-                <a16:creationId xmlns="" xmlns:a16="http://schemas.microsoft.com/office/drawing/2014/main" id="{FAAEB7AD-C825-8836-2CCC-6A519C365B2E}"/>
+                <a16:creationId xmlns:a16="http://schemas.microsoft.com/office/drawing/2014/main" id="{FAAEB7AD-C825-8836-2CCC-6A519C365B2E}"/>
               </a:ext>
             </a:extLst>
           </p:cNvPr>
@@ -11740,7 +12430,7 @@
           <p:cNvPr id="3" name="TextBox 2">
             <a:extLst>
               <a:ext uri="{FF2B5EF4-FFF2-40B4-BE49-F238E27FC236}">
-                <a16:creationId xmlns="" xmlns:a16="http://schemas.microsoft.com/office/drawing/2014/main" id="{C3BFC904-2C98-0A6B-DB9F-F77D7062E30B}"/>
+                <a16:creationId xmlns:a16="http://schemas.microsoft.com/office/drawing/2014/main" id="{C3BFC904-2C98-0A6B-DB9F-F77D7062E30B}"/>
               </a:ext>
             </a:extLst>
           </p:cNvPr>
@@ -11775,7 +12465,7 @@
           <p:cNvPr id="10" name="Picture 9">
             <a:extLst>
               <a:ext uri="{FF2B5EF4-FFF2-40B4-BE49-F238E27FC236}">
-                <a16:creationId xmlns="" xmlns:a16="http://schemas.microsoft.com/office/drawing/2014/main" id="{479D0D63-8B89-D61F-B6AC-12A0A9B1880F}"/>
+                <a16:creationId xmlns:a16="http://schemas.microsoft.com/office/drawing/2014/main" id="{479D0D63-8B89-D61F-B6AC-12A0A9B1880F}"/>
               </a:ext>
             </a:extLst>
           </p:cNvPr>
@@ -11810,7 +12500,7 @@
           <p:cNvPr id="11" name="TextBox 10">
             <a:extLst>
               <a:ext uri="{FF2B5EF4-FFF2-40B4-BE49-F238E27FC236}">
-                <a16:creationId xmlns="" xmlns:a16="http://schemas.microsoft.com/office/drawing/2014/main" id="{3EE8954A-E471-F2EF-426C-D988AF32186F}"/>
+                <a16:creationId xmlns:a16="http://schemas.microsoft.com/office/drawing/2014/main" id="{3EE8954A-E471-F2EF-426C-D988AF32186F}"/>
               </a:ext>
             </a:extLst>
           </p:cNvPr>
@@ -11875,7 +12565,7 @@
           <p:cNvPr id="2" name="TextBox 1">
             <a:extLst>
               <a:ext uri="{FF2B5EF4-FFF2-40B4-BE49-F238E27FC236}">
-                <a16:creationId xmlns="" xmlns:a16="http://schemas.microsoft.com/office/drawing/2014/main" id="{58458917-3328-445C-86E8-B4D8A6CBAF47}"/>
+                <a16:creationId xmlns:a16="http://schemas.microsoft.com/office/drawing/2014/main" id="{58458917-3328-445C-86E8-B4D8A6CBAF47}"/>
               </a:ext>
             </a:extLst>
           </p:cNvPr>
@@ -11910,7 +12600,7 @@
           <p:cNvPr id="4" name="TextBox 3">
             <a:extLst>
               <a:ext uri="{FF2B5EF4-FFF2-40B4-BE49-F238E27FC236}">
-                <a16:creationId xmlns="" xmlns:a16="http://schemas.microsoft.com/office/drawing/2014/main" id="{59C408C2-F21E-4C19-8E48-FFB355E98CF4}"/>
+                <a16:creationId xmlns:a16="http://schemas.microsoft.com/office/drawing/2014/main" id="{59C408C2-F21E-4C19-8E48-FFB355E98CF4}"/>
               </a:ext>
             </a:extLst>
           </p:cNvPr>
@@ -11951,7 +12641,7 @@
           <p:cNvPr id="24" name="Picture 23">
             <a:extLst>
               <a:ext uri="{FF2B5EF4-FFF2-40B4-BE49-F238E27FC236}">
-                <a16:creationId xmlns="" xmlns:a16="http://schemas.microsoft.com/office/drawing/2014/main" id="{7601F9BB-3928-4495-B86A-5B5A12CCEAB1}"/>
+                <a16:creationId xmlns:a16="http://schemas.microsoft.com/office/drawing/2014/main" id="{7601F9BB-3928-4495-B86A-5B5A12CCEAB1}"/>
               </a:ext>
             </a:extLst>
           </p:cNvPr>
@@ -11987,7 +12677,7 @@
           <p:cNvPr id="25" name="TextBox 24">
             <a:extLst>
               <a:ext uri="{FF2B5EF4-FFF2-40B4-BE49-F238E27FC236}">
-                <a16:creationId xmlns="" xmlns:a16="http://schemas.microsoft.com/office/drawing/2014/main" id="{76B2A961-23A7-46AF-9437-D9BEDD34FE3E}"/>
+                <a16:creationId xmlns:a16="http://schemas.microsoft.com/office/drawing/2014/main" id="{76B2A961-23A7-46AF-9437-D9BEDD34FE3E}"/>
               </a:ext>
             </a:extLst>
           </p:cNvPr>
@@ -12082,7 +12772,7 @@
           <p:cNvPr id="2" name="TextBox 1">
             <a:extLst>
               <a:ext uri="{FF2B5EF4-FFF2-40B4-BE49-F238E27FC236}">
-                <a16:creationId xmlns="" xmlns:a16="http://schemas.microsoft.com/office/drawing/2014/main" id="{A694A103-367C-4EBF-A279-F53737AF5323}"/>
+                <a16:creationId xmlns:a16="http://schemas.microsoft.com/office/drawing/2014/main" id="{A694A103-367C-4EBF-A279-F53737AF5323}"/>
               </a:ext>
             </a:extLst>
           </p:cNvPr>
@@ -12118,7 +12808,7 @@
           <p:cNvPr id="4" name="TextBox 3">
             <a:extLst>
               <a:ext uri="{FF2B5EF4-FFF2-40B4-BE49-F238E27FC236}">
-                <a16:creationId xmlns="" xmlns:a16="http://schemas.microsoft.com/office/drawing/2014/main" id="{8E41D626-2890-4F5E-986E-D62832054533}"/>
+                <a16:creationId xmlns:a16="http://schemas.microsoft.com/office/drawing/2014/main" id="{8E41D626-2890-4F5E-986E-D62832054533}"/>
               </a:ext>
             </a:extLst>
           </p:cNvPr>
@@ -12171,7 +12861,7 @@
           <p:cNvPr id="6" name="Picture 5">
             <a:extLst>
               <a:ext uri="{FF2B5EF4-FFF2-40B4-BE49-F238E27FC236}">
-                <a16:creationId xmlns="" xmlns:a16="http://schemas.microsoft.com/office/drawing/2014/main" id="{BB4F0E99-6A1D-4C17-B926-AF7D414F4769}"/>
+                <a16:creationId xmlns:a16="http://schemas.microsoft.com/office/drawing/2014/main" id="{BB4F0E99-6A1D-4C17-B926-AF7D414F4769}"/>
               </a:ext>
             </a:extLst>
           </p:cNvPr>
@@ -12207,7 +12897,7 @@
           <p:cNvPr id="7" name="TextBox 6">
             <a:extLst>
               <a:ext uri="{FF2B5EF4-FFF2-40B4-BE49-F238E27FC236}">
-                <a16:creationId xmlns="" xmlns:a16="http://schemas.microsoft.com/office/drawing/2014/main" id="{BD591925-B68E-4F15-A165-E73B5EC33074}"/>
+                <a16:creationId xmlns:a16="http://schemas.microsoft.com/office/drawing/2014/main" id="{BD591925-B68E-4F15-A165-E73B5EC33074}"/>
               </a:ext>
             </a:extLst>
           </p:cNvPr>
@@ -12257,7 +12947,7 @@
           <p:cNvPr id="11" name="Picture 10">
             <a:extLst>
               <a:ext uri="{FF2B5EF4-FFF2-40B4-BE49-F238E27FC236}">
-                <a16:creationId xmlns="" xmlns:a16="http://schemas.microsoft.com/office/drawing/2014/main" id="{0532259E-1BD2-4B1E-AFFB-6294D0EFCE91}"/>
+                <a16:creationId xmlns:a16="http://schemas.microsoft.com/office/drawing/2014/main" id="{0532259E-1BD2-4B1E-AFFB-6294D0EFCE91}"/>
               </a:ext>
             </a:extLst>
           </p:cNvPr>
@@ -12323,7 +13013,7 @@
           <p:cNvPr id="3" name="TextBox 2">
             <a:extLst>
               <a:ext uri="{FF2B5EF4-FFF2-40B4-BE49-F238E27FC236}">
-                <a16:creationId xmlns="" xmlns:a16="http://schemas.microsoft.com/office/drawing/2014/main" id="{6129BCCE-EAA2-06B8-2ABB-36E1965B0FED}"/>
+                <a16:creationId xmlns:a16="http://schemas.microsoft.com/office/drawing/2014/main" id="{6129BCCE-EAA2-06B8-2ABB-36E1965B0FED}"/>
               </a:ext>
             </a:extLst>
           </p:cNvPr>
@@ -12370,7 +13060,7 @@
           <p:cNvPr id="2" name="TextBox 1">
             <a:extLst>
               <a:ext uri="{FF2B5EF4-FFF2-40B4-BE49-F238E27FC236}">
-                <a16:creationId xmlns="" xmlns:a16="http://schemas.microsoft.com/office/drawing/2014/main" id="{4073108B-FF80-2542-E514-618C5A826695}"/>
+                <a16:creationId xmlns:a16="http://schemas.microsoft.com/office/drawing/2014/main" id="{4073108B-FF80-2542-E514-618C5A826695}"/>
               </a:ext>
             </a:extLst>
           </p:cNvPr>
@@ -12801,7 +13491,7 @@
   <a:extraClrSchemeLst/>
   <a:extLst>
     <a:ext uri="{05A4C25C-085E-4340-85A3-A5531E510DB2}">
-      <thm15:themeFamily xmlns="" xmlns:thm15="http://schemas.microsoft.com/office/thememl/2012/main" name="Office Theme" id="{62F939B6-93AF-4DB8-9C6B-D6C7DFDC589F}" vid="{4A3C46E8-61CC-4603-A589-7422A47A8E4A}"/>
+      <thm15:themeFamily xmlns:thm15="http://schemas.microsoft.com/office/thememl/2012/main" name="Office Theme" id="{62F939B6-93AF-4DB8-9C6B-D6C7DFDC589F}" vid="{4A3C46E8-61CC-4603-A589-7422A47A8E4A}"/>
     </a:ext>
   </a:extLst>
 </a:theme>
@@ -13096,7 +13786,7 @@
   <a:extraClrSchemeLst/>
   <a:extLst>
     <a:ext uri="{05A4C25C-085E-4340-85A3-A5531E510DB2}">
-      <thm15:themeFamily xmlns="" xmlns:thm15="http://schemas.microsoft.com/office/thememl/2012/main" name="Office Theme" id="{62F939B6-93AF-4DB8-9C6B-D6C7DFDC589F}" vid="{4A3C46E8-61CC-4603-A589-7422A47A8E4A}"/>
+      <thm15:themeFamily xmlns:thm15="http://schemas.microsoft.com/office/thememl/2012/main" name="Office Theme" id="{62F939B6-93AF-4DB8-9C6B-D6C7DFDC589F}" vid="{4A3C46E8-61CC-4603-A589-7422A47A8E4A}"/>
     </a:ext>
   </a:extLst>
 </a:theme>

--- a/group5_graphtheory.pptx
+++ b/group5_graphtheory.pptx
@@ -5,7 +5,7 @@
     <p:sldMasterId id="2147483648" r:id="rId1"/>
   </p:sldMasterIdLst>
   <p:notesMasterIdLst>
-    <p:notesMasterId r:id="rId23"/>
+    <p:notesMasterId r:id="rId26"/>
   </p:notesMasterIdLst>
   <p:sldIdLst>
     <p:sldId id="257" r:id="rId2"/>
@@ -21,14 +21,17 @@
     <p:sldId id="263" r:id="rId12"/>
     <p:sldId id="258" r:id="rId13"/>
     <p:sldId id="267" r:id="rId14"/>
-    <p:sldId id="276" r:id="rId15"/>
-    <p:sldId id="277" r:id="rId16"/>
-    <p:sldId id="270" r:id="rId17"/>
-    <p:sldId id="271" r:id="rId18"/>
-    <p:sldId id="272" r:id="rId19"/>
-    <p:sldId id="273" r:id="rId20"/>
-    <p:sldId id="274" r:id="rId21"/>
-    <p:sldId id="275" r:id="rId22"/>
+    <p:sldId id="270" r:id="rId15"/>
+    <p:sldId id="271" r:id="rId16"/>
+    <p:sldId id="272" r:id="rId17"/>
+    <p:sldId id="273" r:id="rId18"/>
+    <p:sldId id="274" r:id="rId19"/>
+    <p:sldId id="275" r:id="rId20"/>
+    <p:sldId id="277" r:id="rId21"/>
+    <p:sldId id="278" r:id="rId22"/>
+    <p:sldId id="279" r:id="rId23"/>
+    <p:sldId id="281" r:id="rId24"/>
+    <p:sldId id="280" r:id="rId25"/>
   </p:sldIdLst>
   <p:sldSz cx="12192000" cy="6858000"/>
   <p:notesSz cx="6858000" cy="9144000"/>
@@ -7908,16 +7911,6 @@
           <a:lstStyle/>
           <a:p>
             <a:pPr algn="r"/>
-            <a:r>
-              <a:rPr lang="en-US" sz="1800" dirty="0">
-                <a:solidFill>
-                  <a:schemeClr val="bg1">
-                    <a:lumMod val="75000"/>
-                  </a:schemeClr>
-                </a:solidFill>
-              </a:rPr>
-              <a:t/>
-            </a:r>
             <a:br>
               <a:rPr lang="en-US" sz="1800" dirty="0">
                 <a:solidFill>
@@ -8796,49 +8789,20 @@
       </p:grpSpPr>
       <p:sp>
         <p:nvSpPr>
-          <p:cNvPr id="2" name="Title 1"/>
-          <p:cNvSpPr>
-            <a:spLocks noGrp="1"/>
-          </p:cNvSpPr>
-          <p:nvPr>
-            <p:ph type="ctrTitle"/>
-          </p:nvPr>
-        </p:nvSpPr>
-        <p:spPr>
-          <a:xfrm>
-            <a:off x="480330" y="546443"/>
-            <a:ext cx="4449537" cy="1012370"/>
-          </a:xfrm>
-        </p:spPr>
-        <p:txBody>
-          <a:bodyPr>
-            <a:noAutofit/>
-          </a:bodyPr>
-          <a:lstStyle/>
-          <a:p>
-            <a:pPr algn="just"/>
-            <a:r>
-              <a:rPr lang="en-US" sz="3200" b="1" dirty="0" smtClean="0">
-                <a:latin typeface="Arial Black" panose="020B0A04020102020204" pitchFamily="34" charset="0"/>
-              </a:rPr>
-              <a:t>GRAPH THEORY IN BOARD GAMES</a:t>
-            </a:r>
-            <a:endParaRPr lang="en-US" sz="3200" b="1" dirty="0">
-              <a:latin typeface="Arial Black" panose="020B0A04020102020204" pitchFamily="34" charset="0"/>
-            </a:endParaRPr>
-          </a:p>
-        </p:txBody>
-      </p:sp>
-      <p:sp>
-        <p:nvSpPr>
-          <p:cNvPr id="5" name="TextBox 4"/>
+          <p:cNvPr id="2" name="TextBox 1">
+            <a:extLst>
+              <a:ext uri="{FF2B5EF4-FFF2-40B4-BE49-F238E27FC236}">
+                <a16:creationId xmlns:a16="http://schemas.microsoft.com/office/drawing/2014/main" id="{79AFAFDD-C02B-4607-A351-DA70A2324FF1}"/>
+              </a:ext>
+            </a:extLst>
+          </p:cNvPr>
           <p:cNvSpPr txBox="1"/>
           <p:nvPr/>
         </p:nvSpPr>
         <p:spPr>
           <a:xfrm>
-            <a:off x="774245" y="1833320"/>
-            <a:ext cx="3292929" cy="400110"/>
+            <a:off x="519764" y="467360"/>
+            <a:ext cx="6175676" cy="584775"/>
           </a:xfrm>
           <a:prstGeom prst="rect">
             <a:avLst/>
@@ -8851,30 +8815,29 @@
           </a:bodyPr>
           <a:lstStyle/>
           <a:p>
-            <a:pPr>
-              <a:defRPr sz="2000" b="1">
-                <a:solidFill>
-                  <a:srgbClr val="003366"/>
-                </a:solidFill>
-              </a:defRPr>
-            </a:pPr>
-            <a:r>
-              <a:rPr lang="en-US" dirty="0"/>
-              <a:t>Board Games as Graphs:</a:t>
+            <a:r>
+              <a:rPr lang="en-US" sz="3200" b="1" dirty="0"/>
+              <a:t>TREES AND SPANNING TREES</a:t>
             </a:r>
           </a:p>
         </p:txBody>
       </p:sp>
       <p:sp>
         <p:nvSpPr>
-          <p:cNvPr id="6" name="TextBox 5"/>
+          <p:cNvPr id="3" name="TextBox 2">
+            <a:extLst>
+              <a:ext uri="{FF2B5EF4-FFF2-40B4-BE49-F238E27FC236}">
+                <a16:creationId xmlns:a16="http://schemas.microsoft.com/office/drawing/2014/main" id="{08DB893F-338B-4F13-9E44-F3967F58E0B0}"/>
+              </a:ext>
+            </a:extLst>
+          </p:cNvPr>
           <p:cNvSpPr txBox="1"/>
           <p:nvPr/>
         </p:nvSpPr>
         <p:spPr>
           <a:xfrm>
-            <a:off x="774245" y="2382515"/>
-            <a:ext cx="6720569" cy="1200329"/>
+            <a:off x="589280" y="1330960"/>
+            <a:ext cx="6390640" cy="3139321"/>
           </a:xfrm>
           <a:prstGeom prst="rect">
             <a:avLst/>
@@ -8887,274 +8850,88 @@
           </a:bodyPr>
           <a:lstStyle/>
           <a:p>
-            <a:pPr marL="285750" indent="-285750" algn="just">
-              <a:buFont typeface="Arial" panose="020B0604020202020204" pitchFamily="34" charset="0"/>
-              <a:buChar char="•"/>
-            </a:pPr>
-            <a:r>
-              <a:rPr lang="en-US" dirty="0" smtClean="0"/>
-              <a:t>Each position (like squares in chess or intersections in Go) is represented as a vertex.</a:t>
-            </a:r>
-          </a:p>
-          <a:p>
-            <a:pPr marL="285750" indent="-285750" algn="just">
-              <a:buFont typeface="Arial" panose="020B0604020202020204" pitchFamily="34" charset="0"/>
-              <a:buChar char="•"/>
-            </a:pPr>
-            <a:r>
-              <a:rPr lang="en-US" dirty="0" smtClean="0"/>
-              <a:t>The possible moves between these vertices are represented as edges.</a:t>
-            </a:r>
+            <a:r>
+              <a:rPr lang="en-US" dirty="0"/>
+              <a:t>Tree is a simple, connected ,undirected ,acyclic(having  a unique path between any two vertices) graph.</a:t>
+            </a:r>
+          </a:p>
+          <a:p>
             <a:endParaRPr lang="en-US" dirty="0"/>
           </a:p>
-        </p:txBody>
-      </p:sp>
-      <p:sp>
-        <p:nvSpPr>
-          <p:cNvPr id="7" name="TextBox 6"/>
-          <p:cNvSpPr txBox="1"/>
-          <p:nvPr/>
-        </p:nvSpPr>
-        <p:spPr>
-          <a:xfrm>
-            <a:off x="774245" y="3454930"/>
-            <a:ext cx="2920092" cy="954107"/>
-          </a:xfrm>
-          <a:prstGeom prst="rect">
-            <a:avLst/>
-          </a:prstGeom>
-          <a:noFill/>
-        </p:spPr>
-        <p:txBody>
-          <a:bodyPr wrap="square" rtlCol="0">
-            <a:spAutoFit/>
-          </a:bodyPr>
-          <a:lstStyle/>
-          <a:p>
-            <a:endParaRPr lang="en-US" dirty="0" smtClean="0"/>
-          </a:p>
-          <a:p>
-            <a:pPr>
-              <a:defRPr sz="2000" b="1">
-                <a:solidFill>
-                  <a:srgbClr val="003366"/>
-                </a:solidFill>
-              </a:defRPr>
-            </a:pPr>
+          <a:p>
             <a:r>
               <a:rPr lang="en-US" dirty="0"/>
-              <a:t>Network of Connections:</a:t>
+              <a:t>A </a:t>
+            </a:r>
+            <a:r>
+              <a:rPr lang="en-US" b="1" dirty="0"/>
+              <a:t>spanning tree</a:t>
+            </a:r>
+            <a:r>
+              <a:rPr lang="en-US" dirty="0"/>
+              <a:t> of a graph is a subgraph that includes all vertices of the graph and is a tree.</a:t>
+            </a:r>
+          </a:p>
+          <a:p>
+            <a:r>
+              <a:rPr lang="en-US" dirty="0"/>
+              <a:t>- Spanning trees connect all vertices with the minimum possible edges.</a:t>
             </a:r>
           </a:p>
           <a:p>
             <a:endParaRPr lang="en-US" dirty="0"/>
           </a:p>
-        </p:txBody>
-      </p:sp>
-      <p:sp>
-        <p:nvSpPr>
-          <p:cNvPr id="8" name="TextBox 7"/>
-          <p:cNvSpPr txBox="1"/>
-          <p:nvPr/>
-        </p:nvSpPr>
-        <p:spPr>
-          <a:xfrm>
-            <a:off x="778326" y="4234956"/>
-            <a:ext cx="6716488" cy="1200329"/>
-          </a:xfrm>
-          <a:prstGeom prst="rect">
-            <a:avLst/>
-          </a:prstGeom>
-          <a:noFill/>
-        </p:spPr>
-        <p:txBody>
-          <a:bodyPr wrap="square" rtlCol="0">
-            <a:spAutoFit/>
-          </a:bodyPr>
-          <a:lstStyle/>
-          <a:p>
-            <a:pPr marL="285750" indent="-285750" algn="just">
-              <a:buFont typeface="Arial" panose="020B0604020202020204" pitchFamily="34" charset="0"/>
-              <a:buChar char="•"/>
-            </a:pPr>
-            <a:r>
-              <a:rPr lang="en-US" dirty="0" smtClean="0"/>
-              <a:t>This creates a network of connections which can be used for strategy development.</a:t>
-            </a:r>
-          </a:p>
-          <a:p>
-            <a:pPr marL="285750" indent="-285750" algn="just">
-              <a:buFont typeface="Arial" panose="020B0604020202020204" pitchFamily="34" charset="0"/>
-              <a:buChar char="•"/>
-            </a:pPr>
-            <a:r>
-              <a:rPr lang="en-US" dirty="0" smtClean="0"/>
-              <a:t>Tools like adjacency matrices and adjacency lists help map these relationships.</a:t>
-            </a:r>
+          <a:p>
             <a:endParaRPr lang="en-US" dirty="0"/>
+          </a:p>
+          <a:p>
+            <a:r>
+              <a:rPr lang="en-US" dirty="0"/>
+              <a:t>In games, spanning trees can help create unique paths with no loops.</a:t>
+            </a:r>
           </a:p>
         </p:txBody>
       </p:sp>
       <p:pic>
         <p:nvPicPr>
-          <p:cNvPr id="9" name="Picture 8"/>
+          <p:cNvPr id="4" name="Picture 3">
+            <a:extLst>
+              <a:ext uri="{FF2B5EF4-FFF2-40B4-BE49-F238E27FC236}">
+                <a16:creationId xmlns:a16="http://schemas.microsoft.com/office/drawing/2014/main" id="{34D0DE42-2284-4BA0-9993-E885FC0F9DBD}"/>
+              </a:ext>
+            </a:extLst>
+          </p:cNvPr>
           <p:cNvPicPr>
             <a:picLocks noChangeAspect="1"/>
           </p:cNvPicPr>
           <p:nvPr/>
         </p:nvPicPr>
         <p:blipFill>
-          <a:blip r:embed="rId2">
-            <a:extLst>
-              <a:ext uri="{28A0092B-C50C-407E-A947-70E740481C1C}">
-                <a14:useLocalDpi xmlns:a14="http://schemas.microsoft.com/office/drawing/2010/main" val="0"/>
-              </a:ext>
-            </a:extLst>
-          </a:blip>
+          <a:blip r:embed="rId2"/>
           <a:stretch>
             <a:fillRect/>
           </a:stretch>
         </p:blipFill>
         <p:spPr>
           <a:xfrm>
-            <a:off x="8741402" y="2121397"/>
-            <a:ext cx="2759528" cy="2759528"/>
+            <a:off x="6979920" y="1187529"/>
+            <a:ext cx="4157832" cy="4035902"/>
           </a:xfrm>
           <a:prstGeom prst="rect">
             <a:avLst/>
           </a:prstGeom>
+          <a:solidFill>
+            <a:schemeClr val="accent4">
+              <a:lumMod val="20000"/>
+              <a:lumOff val="80000"/>
+            </a:schemeClr>
+          </a:solidFill>
         </p:spPr>
       </p:pic>
-      <p:sp>
-        <p:nvSpPr>
-          <p:cNvPr id="11" name="Rectangle 10"/>
-          <p:cNvSpPr/>
-          <p:nvPr/>
-        </p:nvSpPr>
-        <p:spPr>
-          <a:xfrm>
-            <a:off x="9096158" y="1558813"/>
-            <a:ext cx="1762342" cy="400110"/>
-          </a:xfrm>
-          <a:prstGeom prst="rect">
-            <a:avLst/>
-          </a:prstGeom>
-        </p:spPr>
-        <p:txBody>
-          <a:bodyPr wrap="none">
-            <a:spAutoFit/>
-          </a:bodyPr>
-          <a:lstStyle/>
-          <a:p>
-            <a:pPr>
-              <a:defRPr sz="2000" b="1">
-                <a:solidFill>
-                  <a:srgbClr val="003366"/>
-                </a:solidFill>
-              </a:defRPr>
-            </a:pPr>
-            <a:r>
-              <a:rPr lang="en-US" dirty="0"/>
-              <a:t>Adjacency List:</a:t>
-            </a:r>
-          </a:p>
-        </p:txBody>
-      </p:sp>
-      <p:sp>
-        <p:nvSpPr>
-          <p:cNvPr id="12" name="Rectangle 11"/>
-          <p:cNvSpPr/>
-          <p:nvPr/>
-        </p:nvSpPr>
-        <p:spPr>
-          <a:xfrm>
-            <a:off x="8453728" y="5043399"/>
-            <a:ext cx="3047202" cy="1569660"/>
-          </a:xfrm>
-          <a:prstGeom prst="rect">
-            <a:avLst/>
-          </a:prstGeom>
-        </p:spPr>
-        <p:txBody>
-          <a:bodyPr wrap="square">
-            <a:spAutoFit/>
-          </a:bodyPr>
-          <a:lstStyle/>
-          <a:p>
-            <a:pPr lvl="1" algn="just">
-              <a:defRPr sz="1600">
-                <a:solidFill>
-                  <a:srgbClr val="000000"/>
-                </a:solidFill>
-              </a:defRPr>
-            </a:pPr>
-            <a:r>
-              <a:rPr lang="en-US" dirty="0"/>
-              <a:t>Represents each position and lists possible moves.</a:t>
-            </a:r>
-          </a:p>
-          <a:p>
-            <a:pPr lvl="1" algn="just">
-              <a:defRPr sz="1600">
-                <a:solidFill>
-                  <a:srgbClr val="000000"/>
-                </a:solidFill>
-              </a:defRPr>
-            </a:pPr>
-            <a:r>
-              <a:rPr lang="en-US" dirty="0"/>
-              <a:t>Example (Chess - Knight Moves</a:t>
-            </a:r>
-            <a:r>
-              <a:rPr lang="en-US" dirty="0" smtClean="0"/>
-              <a:t>):</a:t>
-            </a:r>
-          </a:p>
-          <a:p>
-            <a:pPr marL="742950" lvl="1" indent="-285750" algn="just">
-              <a:buFont typeface="Arial" panose="020B0604020202020204" pitchFamily="34" charset="0"/>
-              <a:buChar char="•"/>
-              <a:defRPr sz="1600">
-                <a:solidFill>
-                  <a:srgbClr val="000000"/>
-                </a:solidFill>
-              </a:defRPr>
-            </a:pPr>
-            <a:r>
-              <a:rPr lang="en-US" dirty="0" smtClean="0"/>
-              <a:t>B1 </a:t>
-            </a:r>
-            <a:r>
-              <a:rPr lang="en-US" dirty="0"/>
-              <a:t>-&gt; A3, </a:t>
-            </a:r>
-            <a:r>
-              <a:rPr lang="en-US" dirty="0" smtClean="0"/>
-              <a:t>C3</a:t>
-            </a:r>
-          </a:p>
-          <a:p>
-            <a:pPr marL="742950" lvl="1" indent="-285750" algn="just">
-              <a:buFont typeface="Arial" panose="020B0604020202020204" pitchFamily="34" charset="0"/>
-              <a:buChar char="•"/>
-              <a:defRPr sz="1600">
-                <a:solidFill>
-                  <a:srgbClr val="000000"/>
-                </a:solidFill>
-              </a:defRPr>
-            </a:pPr>
-            <a:r>
-              <a:rPr lang="en-US" dirty="0" smtClean="0"/>
-              <a:t>G1 -&gt; F3, H3</a:t>
-            </a:r>
-            <a:endParaRPr lang="en-US" dirty="0"/>
-          </a:p>
-        </p:txBody>
-      </p:sp>
     </p:spTree>
     <p:extLst>
       <p:ext uri="{BB962C8B-B14F-4D97-AF65-F5344CB8AC3E}">
-        <p14:creationId xmlns:p14="http://schemas.microsoft.com/office/powerpoint/2010/main" val="3643783711"/>
+        <p14:creationId xmlns:p14="http://schemas.microsoft.com/office/powerpoint/2010/main" val="267629350"/>
       </p:ext>
     </p:extLst>
   </p:cSld>
@@ -9188,269 +8965,144 @@
             <a:spLocks noGrp="1"/>
           </p:cNvSpPr>
           <p:nvPr>
-            <p:ph type="ctrTitle"/>
+            <p:ph type="title"/>
+          </p:nvPr>
+        </p:nvSpPr>
+        <p:spPr/>
+        <p:txBody>
+          <a:bodyPr>
+            <a:normAutofit/>
+          </a:bodyPr>
+          <a:lstStyle/>
+          <a:p>
+            <a:pPr algn="ctr"/>
+            <a:r>
+              <a:rPr lang="en-US" sz="3600" b="1" u="sng" dirty="0"/>
+              <a:t>Path finding</a:t>
+            </a:r>
+          </a:p>
+        </p:txBody>
+      </p:sp>
+      <p:sp>
+        <p:nvSpPr>
+          <p:cNvPr id="3" name="Content Placeholder 2"/>
+          <p:cNvSpPr>
+            <a:spLocks noGrp="1"/>
+          </p:cNvSpPr>
+          <p:nvPr>
+            <p:ph idx="1"/>
           </p:nvPr>
         </p:nvSpPr>
         <p:spPr>
           <a:xfrm>
-            <a:off x="480330" y="546443"/>
-            <a:ext cx="5539470" cy="1012370"/>
+            <a:off x="852487" y="1625600"/>
+            <a:ext cx="10515600" cy="2674938"/>
           </a:xfrm>
         </p:spPr>
         <p:txBody>
           <a:bodyPr>
-            <a:noAutofit/>
+            <a:normAutofit/>
           </a:bodyPr>
           <a:lstStyle/>
           <a:p>
-            <a:pPr algn="just"/>
-            <a:r>
-              <a:rPr lang="en-US" sz="3200" b="1" dirty="0" smtClean="0">
-                <a:latin typeface="Arial Black" panose="020B0A04020102020204" pitchFamily="34" charset="0"/>
-              </a:rPr>
-              <a:t>Game Strategies Using Graph Traversal</a:t>
-            </a:r>
-            <a:endParaRPr lang="en-US" sz="3200" b="1" dirty="0">
-              <a:latin typeface="Arial Black" panose="020B0A04020102020204" pitchFamily="34" charset="0"/>
-            </a:endParaRPr>
+            <a:pPr marL="0" indent="0">
+              <a:buNone/>
+            </a:pPr>
+            <a:r>
+              <a:rPr lang="en-US" sz="2000" b="1" dirty="0"/>
+              <a:t>Definition:</a:t>
+            </a:r>
+          </a:p>
+          <a:p>
+            <a:pPr marL="0" indent="0">
+              <a:buNone/>
+            </a:pPr>
+            <a:r>
+              <a:rPr lang="en-US" sz="2000" b="1" dirty="0"/>
+              <a:t>	“Pathfinding</a:t>
+            </a:r>
+            <a:r>
+              <a:rPr lang="en-US" sz="2000" dirty="0"/>
+              <a:t> refers to the process of finding a path from one point (vertex) to another in a graph.</a:t>
+            </a:r>
+            <a:r>
+              <a:rPr lang="en-US" sz="2000" b="1" dirty="0"/>
+              <a:t>”</a:t>
+            </a:r>
+          </a:p>
+          <a:p>
+            <a:pPr marL="0" indent="0">
+              <a:buNone/>
+            </a:pPr>
+            <a:endParaRPr lang="en-US" sz="2000" b="1" dirty="0"/>
+          </a:p>
+          <a:p>
+            <a:pPr marL="0" indent="0">
+              <a:buNone/>
+            </a:pPr>
+            <a:r>
+              <a:rPr lang="en-US" sz="2000" dirty="0"/>
+              <a:t>A </a:t>
+            </a:r>
+            <a:r>
+              <a:rPr lang="en-US" sz="2000" b="1" dirty="0"/>
+              <a:t>path</a:t>
+            </a:r>
+            <a:r>
+              <a:rPr lang="en-US" sz="2000" dirty="0"/>
+              <a:t> in a graph is a sequence of edges that connects a series of vertices.</a:t>
+            </a:r>
+          </a:p>
+          <a:p>
+            <a:pPr marL="0" indent="0">
+              <a:buNone/>
+            </a:pPr>
+            <a:r>
+              <a:rPr lang="en-US" sz="2000" dirty="0"/>
+              <a:t>It can be represented as a list of vertices starting from a source node and ending at a destination node, with each consecutive vertex connected by an edge.</a:t>
+            </a:r>
           </a:p>
         </p:txBody>
       </p:sp>
-      <p:sp>
-        <p:nvSpPr>
-          <p:cNvPr id="5" name="TextBox 4"/>
-          <p:cNvSpPr txBox="1"/>
+      <p:pic>
+        <p:nvPicPr>
+          <p:cNvPr id="4" name="Picture 3"/>
+          <p:cNvPicPr>
+            <a:picLocks noChangeAspect="1"/>
+          </p:cNvPicPr>
           <p:nvPr/>
-        </p:nvSpPr>
+        </p:nvPicPr>
+        <p:blipFill rotWithShape="1">
+          <a:blip r:embed="rId2">
+            <a:extLst>
+              <a:ext uri="{28A0092B-C50C-407E-A947-70E740481C1C}">
+                <a14:useLocalDpi xmlns:a14="http://schemas.microsoft.com/office/drawing/2010/main" val="0"/>
+              </a:ext>
+            </a:extLst>
+          </a:blip>
+          <a:srcRect b="13698"/>
+          <a:stretch/>
+        </p:blipFill>
         <p:spPr>
           <a:xfrm>
-            <a:off x="774244" y="2851463"/>
-            <a:ext cx="3292929" cy="400110"/>
+            <a:off x="3324222" y="4143374"/>
+            <a:ext cx="5423384" cy="2343151"/>
           </a:xfrm>
           <a:prstGeom prst="rect">
             <a:avLst/>
           </a:prstGeom>
-          <a:noFill/>
         </p:spPr>
-        <p:txBody>
-          <a:bodyPr wrap="square" rtlCol="0">
-            <a:spAutoFit/>
-          </a:bodyPr>
-          <a:lstStyle/>
-          <a:p>
-            <a:pPr>
-              <a:defRPr sz="2000" b="1">
-                <a:solidFill>
-                  <a:srgbClr val="003366"/>
-                </a:solidFill>
-              </a:defRPr>
-            </a:pPr>
-            <a:r>
-              <a:rPr lang="en-US" sz="2000" b="1" dirty="0"/>
-              <a:t>Depth-First Search (DFS):</a:t>
-            </a:r>
-            <a:endParaRPr lang="en-US" dirty="0"/>
-          </a:p>
-        </p:txBody>
-      </p:sp>
-      <p:sp>
-        <p:nvSpPr>
-          <p:cNvPr id="6" name="TextBox 5"/>
-          <p:cNvSpPr txBox="1"/>
-          <p:nvPr/>
-        </p:nvSpPr>
-        <p:spPr>
-          <a:xfrm>
-            <a:off x="774244" y="3516507"/>
-            <a:ext cx="8843284" cy="923330"/>
-          </a:xfrm>
-          <a:prstGeom prst="rect">
-            <a:avLst/>
-          </a:prstGeom>
-          <a:noFill/>
-        </p:spPr>
-        <p:txBody>
-          <a:bodyPr wrap="square" rtlCol="0" anchor="t">
-            <a:spAutoFit/>
-          </a:bodyPr>
-          <a:lstStyle/>
-          <a:p>
-            <a:pPr marL="285750" indent="-285750" algn="just">
-              <a:buFont typeface="Arial" panose="020B0604020202020204" pitchFamily="34" charset="0"/>
-              <a:buChar char="•"/>
-            </a:pPr>
-            <a:r>
-              <a:rPr lang="en-US" dirty="0" smtClean="0"/>
-              <a:t>DFS explores a game tree by going as deep as possible from the current game state</a:t>
-            </a:r>
-          </a:p>
-          <a:p>
-            <a:pPr marL="285750" indent="-285750" algn="just">
-              <a:buFont typeface="Arial" panose="020B0604020202020204" pitchFamily="34" charset="0"/>
-              <a:buChar char="•"/>
-            </a:pPr>
-            <a:r>
-              <a:rPr lang="en-US" dirty="0" smtClean="0"/>
-              <a:t> It checks all possible moves in one direction before backtracking to explore other options.</a:t>
-            </a:r>
-          </a:p>
-          <a:p>
-            <a:pPr marL="285750" indent="-285750" algn="just">
-              <a:buFont typeface="Arial" panose="020B0604020202020204" pitchFamily="34" charset="0"/>
-              <a:buChar char="•"/>
-            </a:pPr>
-            <a:r>
-              <a:rPr lang="en-US" dirty="0" smtClean="0"/>
-              <a:t>The possible moves between these vertices are represented as </a:t>
-            </a:r>
-            <a:r>
-              <a:rPr lang="en-US" dirty="0" smtClean="0"/>
-              <a:t>edges.</a:t>
-            </a:r>
-          </a:p>
-        </p:txBody>
-      </p:sp>
-      <p:sp>
-        <p:nvSpPr>
-          <p:cNvPr id="7" name="TextBox 6"/>
-          <p:cNvSpPr txBox="1"/>
-          <p:nvPr/>
-        </p:nvSpPr>
-        <p:spPr>
-          <a:xfrm>
-            <a:off x="774243" y="4528214"/>
-            <a:ext cx="2920092" cy="646331"/>
-          </a:xfrm>
-          <a:prstGeom prst="rect">
-            <a:avLst/>
-          </a:prstGeom>
-          <a:noFill/>
-        </p:spPr>
-        <p:txBody>
-          <a:bodyPr wrap="square" rtlCol="0">
-            <a:spAutoFit/>
-          </a:bodyPr>
-          <a:lstStyle/>
-          <a:p>
-            <a:endParaRPr lang="en-US" dirty="0" smtClean="0"/>
-          </a:p>
-          <a:p>
-            <a:r>
-              <a:rPr lang="en-US" b="1" dirty="0">
-                <a:solidFill>
-                  <a:schemeClr val="accent5">
-                    <a:lumMod val="50000"/>
-                  </a:schemeClr>
-                </a:solidFill>
-              </a:rPr>
-              <a:t>Breadth-First Search (BFS):</a:t>
-            </a:r>
-          </a:p>
-        </p:txBody>
-      </p:sp>
-      <p:sp>
-        <p:nvSpPr>
-          <p:cNvPr id="8" name="TextBox 7"/>
-          <p:cNvSpPr txBox="1"/>
-          <p:nvPr/>
-        </p:nvSpPr>
-        <p:spPr>
-          <a:xfrm>
-            <a:off x="774243" y="5351300"/>
-            <a:ext cx="8843285" cy="923330"/>
-          </a:xfrm>
-          <a:prstGeom prst="rect">
-            <a:avLst/>
-          </a:prstGeom>
-          <a:noFill/>
-        </p:spPr>
-        <p:txBody>
-          <a:bodyPr wrap="square" rtlCol="0">
-            <a:spAutoFit/>
-          </a:bodyPr>
-          <a:lstStyle/>
-          <a:p>
-            <a:pPr marL="285750" indent="-285750" algn="just">
-              <a:buFont typeface="Arial" panose="020B0604020202020204" pitchFamily="34" charset="0"/>
-              <a:buChar char="•"/>
-            </a:pPr>
-            <a:r>
-              <a:rPr lang="en-US" dirty="0" smtClean="0"/>
-              <a:t>BFS explores the game tree level by level, considering all possible moves at the current depth before moving on to the next set of moves.</a:t>
-            </a:r>
-          </a:p>
-          <a:p>
-            <a:pPr marL="285750" indent="-285750" algn="just">
-              <a:buFont typeface="Arial" panose="020B0604020202020204" pitchFamily="34" charset="0"/>
-              <a:buChar char="•"/>
-            </a:pPr>
-            <a:r>
-              <a:rPr lang="en-US" dirty="0" smtClean="0"/>
-              <a:t> It guarantees the shortest path to a goal</a:t>
-            </a:r>
-            <a:r>
-              <a:rPr lang="en-US" dirty="0" smtClean="0"/>
-              <a:t>.</a:t>
-            </a:r>
-            <a:endParaRPr lang="en-US" dirty="0" smtClean="0"/>
-          </a:p>
-        </p:txBody>
-      </p:sp>
-      <p:sp>
-        <p:nvSpPr>
-          <p:cNvPr id="10" name="TextBox 9"/>
-          <p:cNvSpPr txBox="1"/>
-          <p:nvPr/>
-        </p:nvSpPr>
-        <p:spPr>
-          <a:xfrm>
-            <a:off x="774243" y="1954782"/>
-            <a:ext cx="9871985" cy="646331"/>
-          </a:xfrm>
-          <a:prstGeom prst="rect">
-            <a:avLst/>
-          </a:prstGeom>
-          <a:noFill/>
-        </p:spPr>
-        <p:txBody>
-          <a:bodyPr wrap="square" rtlCol="0">
-            <a:spAutoFit/>
-          </a:bodyPr>
-          <a:lstStyle/>
-          <a:p>
-            <a:pPr lvl="0" algn="just" eaLnBrk="0" fontAlgn="base" hangingPunct="0">
-              <a:spcBef>
-                <a:spcPct val="0"/>
-              </a:spcBef>
-              <a:spcAft>
-                <a:spcPct val="0"/>
-              </a:spcAft>
-            </a:pPr>
-            <a:r>
-              <a:rPr lang="en-US" dirty="0" smtClean="0"/>
-              <a:t>Graph traversal techniques, like DFS and BFS, allow exploration of all possible moves and outcomes, guiding optimal strategies in games like Gomoku.</a:t>
-            </a:r>
-            <a:endParaRPr lang="en-US" dirty="0"/>
-          </a:p>
-        </p:txBody>
-      </p:sp>
+      </p:pic>
     </p:spTree>
     <p:extLst>
       <p:ext uri="{BB962C8B-B14F-4D97-AF65-F5344CB8AC3E}">
-        <p14:creationId xmlns:p14="http://schemas.microsoft.com/office/powerpoint/2010/main" val="1489047286"/>
+        <p14:creationId xmlns:p14="http://schemas.microsoft.com/office/powerpoint/2010/main" val="142484890"/>
       </p:ext>
     </p:extLst>
   </p:cSld>
   <p:clrMapOvr>
     <a:masterClrMapping/>
   </p:clrMapOvr>
-  <p:timing>
-    <p:tnLst>
-      <p:par>
-        <p:cTn id="1" dur="indefinite" restart="never" nodeType="tmRoot"/>
-      </p:par>
-    </p:tnLst>
-  </p:timing>
 </p:sld>
 </file>
 
@@ -9473,149 +9125,166 @@
       </p:grpSpPr>
       <p:sp>
         <p:nvSpPr>
-          <p:cNvPr id="2" name="TextBox 1">
-            <a:extLst>
-              <a:ext uri="{FF2B5EF4-FFF2-40B4-BE49-F238E27FC236}">
-                <a16:creationId xmlns:a16="http://schemas.microsoft.com/office/drawing/2014/main" id="{79AFAFDD-C02B-4607-A351-DA70A2324FF1}"/>
-              </a:ext>
-            </a:extLst>
-          </p:cNvPr>
-          <p:cNvSpPr txBox="1"/>
-          <p:nvPr/>
+          <p:cNvPr id="2" name="Title 1"/>
+          <p:cNvSpPr>
+            <a:spLocks noGrp="1"/>
+          </p:cNvSpPr>
+          <p:nvPr>
+            <p:ph type="title"/>
+          </p:nvPr>
         </p:nvSpPr>
-        <p:spPr>
-          <a:xfrm>
-            <a:off x="519764" y="467360"/>
-            <a:ext cx="6175676" cy="584775"/>
-          </a:xfrm>
-          <a:prstGeom prst="rect">
-            <a:avLst/>
-          </a:prstGeom>
-          <a:noFill/>
-        </p:spPr>
+        <p:spPr/>
         <p:txBody>
-          <a:bodyPr wrap="square" rtlCol="0">
-            <a:spAutoFit/>
+          <a:bodyPr>
+            <a:normAutofit/>
           </a:bodyPr>
           <a:lstStyle/>
           <a:p>
-            <a:r>
-              <a:rPr lang="en-US" sz="3200" b="1" dirty="0"/>
-              <a:t>TREES AND SPANNING TREES</a:t>
+            <a:pPr algn="ctr"/>
+            <a:r>
+              <a:rPr lang="en-US" sz="3600" b="1" u="sng" dirty="0"/>
+              <a:t>Shortest Path</a:t>
             </a:r>
           </a:p>
         </p:txBody>
       </p:sp>
       <p:sp>
         <p:nvSpPr>
-          <p:cNvPr id="3" name="TextBox 2">
-            <a:extLst>
-              <a:ext uri="{FF2B5EF4-FFF2-40B4-BE49-F238E27FC236}">
-                <a16:creationId xmlns:a16="http://schemas.microsoft.com/office/drawing/2014/main" id="{08DB893F-338B-4F13-9E44-F3967F58E0B0}"/>
-              </a:ext>
-            </a:extLst>
-          </p:cNvPr>
-          <p:cNvSpPr txBox="1"/>
-          <p:nvPr/>
+          <p:cNvPr id="3" name="Content Placeholder 2"/>
+          <p:cNvSpPr>
+            <a:spLocks noGrp="1"/>
+          </p:cNvSpPr>
+          <p:nvPr>
+            <p:ph idx="1"/>
+          </p:nvPr>
         </p:nvSpPr>
         <p:spPr>
           <a:xfrm>
-            <a:off x="589280" y="1330960"/>
-            <a:ext cx="6390640" cy="3139321"/>
+            <a:off x="852488" y="1673203"/>
+            <a:ext cx="10515600" cy="2317750"/>
           </a:xfrm>
-          <a:prstGeom prst="rect">
-            <a:avLst/>
-          </a:prstGeom>
-          <a:noFill/>
         </p:spPr>
         <p:txBody>
-          <a:bodyPr wrap="square" rtlCol="0">
-            <a:spAutoFit/>
+          <a:bodyPr>
+            <a:normAutofit/>
           </a:bodyPr>
           <a:lstStyle/>
           <a:p>
-            <a:r>
-              <a:rPr lang="en-US" dirty="0"/>
-              <a:t>Tree is a simple, connected ,undirected ,acyclic(having  a unique path between any two vertices) graph.</a:t>
-            </a:r>
-          </a:p>
-          <a:p>
-            <a:endParaRPr lang="en-US" dirty="0"/>
-          </a:p>
-          <a:p>
-            <a:r>
-              <a:rPr lang="en-US" dirty="0"/>
-              <a:t>A </a:t>
-            </a:r>
-            <a:r>
-              <a:rPr lang="en-US" b="1" dirty="0"/>
-              <a:t>spanning tree</a:t>
-            </a:r>
-            <a:r>
-              <a:rPr lang="en-US" dirty="0"/>
-              <a:t> of a graph is a subgraph that includes all vertices of the graph and is a tree.</a:t>
-            </a:r>
-          </a:p>
-          <a:p>
-            <a:r>
-              <a:rPr lang="en-US" dirty="0"/>
-              <a:t>- Spanning trees connect all vertices with the minimum possible edges.</a:t>
-            </a:r>
-          </a:p>
-          <a:p>
-            <a:endParaRPr lang="en-US" dirty="0"/>
-          </a:p>
-          <a:p>
-            <a:endParaRPr lang="en-US" dirty="0"/>
-          </a:p>
-          <a:p>
-            <a:r>
-              <a:rPr lang="en-US" dirty="0"/>
-              <a:t>In games, spanning trees can help create unique paths with no loops.</a:t>
+            <a:pPr marL="0" indent="0">
+              <a:buNone/>
+            </a:pPr>
+            <a:r>
+              <a:rPr lang="en-US" sz="2000" b="1" dirty="0"/>
+              <a:t>Definition:</a:t>
+            </a:r>
+          </a:p>
+          <a:p>
+            <a:pPr marL="0" indent="0">
+              <a:buNone/>
+            </a:pPr>
+            <a:r>
+              <a:rPr lang="en-US" sz="2000" dirty="0"/>
+              <a:t>	“The </a:t>
+            </a:r>
+            <a:r>
+              <a:rPr lang="en-US" sz="2000" b="1" dirty="0"/>
+              <a:t>shortest path</a:t>
+            </a:r>
+            <a:r>
+              <a:rPr lang="en-US" sz="2000" dirty="0"/>
+              <a:t> is a path between two vertices such that the sum of the weights of the edges in the path is minimized.”</a:t>
+            </a:r>
+          </a:p>
+          <a:p>
+            <a:pPr marL="0" indent="0">
+              <a:buNone/>
+            </a:pPr>
+            <a:endParaRPr lang="en-US" sz="2000" dirty="0"/>
+          </a:p>
+          <a:p>
+            <a:pPr marL="0" indent="0">
+              <a:buNone/>
+            </a:pPr>
+            <a:r>
+              <a:rPr lang="en-US" sz="2000" dirty="0"/>
+              <a:t>In unweighted graphs, the shortest path is simply the path with the least number of edges.</a:t>
+            </a:r>
+          </a:p>
+          <a:p>
+            <a:pPr marL="0" indent="0">
+              <a:buNone/>
+            </a:pPr>
+            <a:r>
+              <a:rPr lang="en-US" sz="2000" dirty="0"/>
+              <a:t>In weighted graphs, it’s the path with the minimum total weight.</a:t>
             </a:r>
           </a:p>
         </p:txBody>
       </p:sp>
       <p:pic>
         <p:nvPicPr>
-          <p:cNvPr id="4" name="Picture 3">
-            <a:extLst>
-              <a:ext uri="{FF2B5EF4-FFF2-40B4-BE49-F238E27FC236}">
-                <a16:creationId xmlns:a16="http://schemas.microsoft.com/office/drawing/2014/main" id="{34D0DE42-2284-4BA0-9993-E885FC0F9DBD}"/>
-              </a:ext>
-            </a:extLst>
-          </p:cNvPr>
+          <p:cNvPr id="4" name="Picture 3"/>
           <p:cNvPicPr>
             <a:picLocks noChangeAspect="1"/>
           </p:cNvPicPr>
           <p:nvPr/>
         </p:nvPicPr>
         <p:blipFill>
-          <a:blip r:embed="rId2"/>
+          <a:blip r:embed="rId2">
+            <a:extLst>
+              <a:ext uri="{28A0092B-C50C-407E-A947-70E740481C1C}">
+                <a14:useLocalDpi xmlns:a14="http://schemas.microsoft.com/office/drawing/2010/main" val="0"/>
+              </a:ext>
+            </a:extLst>
+          </a:blip>
           <a:stretch>
             <a:fillRect/>
           </a:stretch>
         </p:blipFill>
         <p:spPr>
           <a:xfrm>
-            <a:off x="6979920" y="1187529"/>
-            <a:ext cx="4157832" cy="4035902"/>
+            <a:off x="1119168" y="3890937"/>
+            <a:ext cx="4865672" cy="2709885"/>
           </a:xfrm>
           <a:prstGeom prst="rect">
             <a:avLst/>
           </a:prstGeom>
-          <a:solidFill>
-            <a:schemeClr val="accent4">
-              <a:lumMod val="20000"/>
-              <a:lumOff val="80000"/>
-            </a:schemeClr>
-          </a:solidFill>
+        </p:spPr>
+      </p:pic>
+      <p:pic>
+        <p:nvPicPr>
+          <p:cNvPr id="5" name="Picture 4"/>
+          <p:cNvPicPr>
+            <a:picLocks noChangeAspect="1"/>
+          </p:cNvPicPr>
+          <p:nvPr/>
+        </p:nvPicPr>
+        <p:blipFill>
+          <a:blip r:embed="rId3">
+            <a:extLst>
+              <a:ext uri="{28A0092B-C50C-407E-A947-70E740481C1C}">
+                <a14:useLocalDpi xmlns:a14="http://schemas.microsoft.com/office/drawing/2010/main" val="0"/>
+              </a:ext>
+            </a:extLst>
+          </a:blip>
+          <a:stretch>
+            <a:fillRect/>
+          </a:stretch>
+        </p:blipFill>
+        <p:spPr>
+          <a:xfrm>
+            <a:off x="6386513" y="4190985"/>
+            <a:ext cx="4226704" cy="2109788"/>
+          </a:xfrm>
+          <a:prstGeom prst="rect">
+            <a:avLst/>
+          </a:prstGeom>
         </p:spPr>
       </p:pic>
     </p:spTree>
     <p:extLst>
       <p:ext uri="{BB962C8B-B14F-4D97-AF65-F5344CB8AC3E}">
-        <p14:creationId xmlns:p14="http://schemas.microsoft.com/office/powerpoint/2010/main" val="267629350"/>
+        <p14:creationId xmlns:p14="http://schemas.microsoft.com/office/powerpoint/2010/main" val="1626842515"/>
       </p:ext>
     </p:extLst>
   </p:cSld>
@@ -9661,10 +9330,9 @@
           <a:p>
             <a:pPr algn="ctr"/>
             <a:r>
-              <a:rPr lang="en-US" sz="3600" b="1" u="sng" dirty="0" smtClean="0"/>
-              <a:t>Path finding</a:t>
-            </a:r>
-            <a:endParaRPr lang="en-US" sz="3600" b="1" u="sng" dirty="0"/>
+              <a:rPr lang="en-US" sz="3200" b="1" u="sng" dirty="0"/>
+              <a:t>Some Algorithms Used for Path Finding</a:t>
+            </a:r>
           </a:p>
         </p:txBody>
       </p:sp>
@@ -9680,8 +9348,8 @@
         </p:nvSpPr>
         <p:spPr>
           <a:xfrm>
-            <a:off x="852487" y="1625600"/>
-            <a:ext cx="10515600" cy="2674938"/>
+            <a:off x="838199" y="1911350"/>
+            <a:ext cx="10515600" cy="3846513"/>
           </a:xfrm>
         </p:spPr>
         <p:txBody>
@@ -9690,135 +9358,68 @@
           </a:bodyPr>
           <a:lstStyle/>
           <a:p>
-            <a:pPr marL="0" indent="0">
-              <a:buNone/>
-            </a:pPr>
-            <a:r>
-              <a:rPr lang="en-US" sz="2000" b="1" dirty="0" smtClean="0"/>
-              <a:t>Definition:</a:t>
-            </a:r>
-          </a:p>
-          <a:p>
-            <a:pPr marL="0" indent="0">
-              <a:buNone/>
-            </a:pPr>
-            <a:r>
-              <a:rPr lang="en-US" sz="2000" b="1" dirty="0"/>
-              <a:t>	</a:t>
-            </a:r>
-            <a:r>
-              <a:rPr lang="en-US" sz="2000" b="1" dirty="0" smtClean="0"/>
-              <a:t>“Pathfinding</a:t>
-            </a:r>
-            <a:r>
-              <a:rPr lang="en-US" sz="2000" dirty="0" smtClean="0"/>
-              <a:t> </a:t>
-            </a:r>
+            <a:pPr algn="ctr"/>
             <a:r>
               <a:rPr lang="en-US" sz="2000" dirty="0"/>
-              <a:t>refers to the process of finding a path </a:t>
-            </a:r>
-            <a:r>
-              <a:rPr lang="en-US" sz="2000" dirty="0" smtClean="0"/>
-              <a:t>from </a:t>
-            </a:r>
+              <a:t>Dijkstra’s Algorithm</a:t>
+            </a:r>
+          </a:p>
+          <a:p>
+            <a:pPr algn="ctr"/>
             <a:r>
               <a:rPr lang="en-US" sz="2000" dirty="0"/>
-              <a:t>one </a:t>
-            </a:r>
-            <a:r>
-              <a:rPr lang="en-US" sz="2000" dirty="0" smtClean="0"/>
-              <a:t>point (vertex) </a:t>
-            </a:r>
+              <a:t>A* Algorithm</a:t>
+            </a:r>
+          </a:p>
+          <a:p>
+            <a:pPr algn="ctr"/>
             <a:r>
               <a:rPr lang="en-US" sz="2000" dirty="0"/>
-              <a:t>to another in a </a:t>
-            </a:r>
-            <a:r>
-              <a:rPr lang="en-US" sz="2000" dirty="0" smtClean="0"/>
-              <a:t>graph.</a:t>
-            </a:r>
-            <a:r>
-              <a:rPr lang="en-US" sz="2000" b="1" dirty="0" smtClean="0"/>
-              <a:t>”</a:t>
-            </a:r>
-          </a:p>
-          <a:p>
-            <a:pPr marL="0" indent="0">
-              <a:buNone/>
-            </a:pPr>
-            <a:endParaRPr lang="en-US" sz="2000" b="1" dirty="0" smtClean="0"/>
-          </a:p>
-          <a:p>
-            <a:pPr marL="0" indent="0">
-              <a:buNone/>
-            </a:pPr>
+              <a:t>Bellman-Ford Algorithm</a:t>
+            </a:r>
+          </a:p>
+          <a:p>
+            <a:pPr algn="ctr"/>
             <a:r>
               <a:rPr lang="en-US" sz="2000" dirty="0"/>
-              <a:t>A </a:t>
-            </a:r>
-            <a:r>
-              <a:rPr lang="en-US" sz="2000" b="1" dirty="0"/>
-              <a:t>path</a:t>
+              <a:t>Floyd-</a:t>
+            </a:r>
+            <a:r>
+              <a:rPr lang="en-US" sz="2000" dirty="0" err="1"/>
+              <a:t>Warshall</a:t>
             </a:r>
             <a:r>
               <a:rPr lang="en-US" sz="2000" dirty="0"/>
-              <a:t> in a graph is a sequence of edges that connects a series of vertices.</a:t>
-            </a:r>
-          </a:p>
-          <a:p>
-            <a:pPr marL="0" indent="0">
-              <a:buNone/>
-            </a:pPr>
-            <a:r>
-              <a:rPr lang="en-US" sz="2000" dirty="0" smtClean="0"/>
-              <a:t>It </a:t>
-            </a:r>
+              <a:t> Algorithm</a:t>
+            </a:r>
+          </a:p>
+          <a:p>
+            <a:pPr algn="ctr"/>
             <a:r>
               <a:rPr lang="en-US" sz="2000" dirty="0"/>
-              <a:t>can be represented as a list of vertices starting from a source node and ending at a destination node, with each consecutive vertex connected by an edge</a:t>
-            </a:r>
-            <a:r>
-              <a:rPr lang="en-US" sz="2000" dirty="0" smtClean="0"/>
-              <a:t>.</a:t>
-            </a:r>
-            <a:endParaRPr lang="en-US" sz="2000" dirty="0"/>
+              <a:t>Breadth-First Search (BFS)</a:t>
+            </a:r>
+          </a:p>
+          <a:p>
+            <a:pPr algn="ctr"/>
+            <a:r>
+              <a:rPr lang="en-US" sz="2000" dirty="0"/>
+              <a:t>Depth-First Search (DFS)</a:t>
+            </a:r>
+          </a:p>
+          <a:p>
+            <a:pPr algn="ctr"/>
+            <a:r>
+              <a:rPr lang="en-US" sz="2000" dirty="0"/>
+              <a:t>Johnson’s Algorithm</a:t>
+            </a:r>
           </a:p>
         </p:txBody>
       </p:sp>
-      <p:pic>
-        <p:nvPicPr>
-          <p:cNvPr id="4" name="Picture 3"/>
-          <p:cNvPicPr>
-            <a:picLocks noChangeAspect="1"/>
-          </p:cNvPicPr>
-          <p:nvPr/>
-        </p:nvPicPr>
-        <p:blipFill rotWithShape="1">
-          <a:blip r:embed="rId2">
-            <a:extLst>
-              <a:ext uri="{28A0092B-C50C-407E-A947-70E740481C1C}">
-                <a14:useLocalDpi xmlns:a14="http://schemas.microsoft.com/office/drawing/2010/main" val="0"/>
-              </a:ext>
-            </a:extLst>
-          </a:blip>
-          <a:srcRect b="13698"/>
-          <a:stretch/>
-        </p:blipFill>
-        <p:spPr>
-          <a:xfrm>
-            <a:off x="3324222" y="4143374"/>
-            <a:ext cx="5423384" cy="2343151"/>
-          </a:xfrm>
-          <a:prstGeom prst="rect">
-            <a:avLst/>
-          </a:prstGeom>
-        </p:spPr>
-      </p:pic>
     </p:spTree>
     <p:extLst>
       <p:ext uri="{BB962C8B-B14F-4D97-AF65-F5344CB8AC3E}">
-        <p14:creationId xmlns:p14="http://schemas.microsoft.com/office/powerpoint/2010/main" val="142484890"/>
+        <p14:creationId xmlns:p14="http://schemas.microsoft.com/office/powerpoint/2010/main" val="2745718031"/>
       </p:ext>
     </p:extLst>
   </p:cSld>
@@ -9864,10 +9465,9 @@
           <a:p>
             <a:pPr algn="ctr"/>
             <a:r>
-              <a:rPr lang="en-US" sz="3600" b="1" u="sng" dirty="0" smtClean="0"/>
-              <a:t>Shortest Path</a:t>
-            </a:r>
-            <a:endParaRPr lang="en-US" sz="3600" b="1" u="sng" dirty="0"/>
+              <a:rPr lang="en-US" sz="3200" b="1" u="sng" dirty="0"/>
+              <a:t>Some Algorithms Used for Path Finding</a:t>
+            </a:r>
           </a:p>
         </p:txBody>
       </p:sp>
@@ -9883,8 +9483,8 @@
         </p:nvSpPr>
         <p:spPr>
           <a:xfrm>
-            <a:off x="852488" y="1673203"/>
-            <a:ext cx="10515600" cy="2317750"/>
+            <a:off x="838199" y="1911350"/>
+            <a:ext cx="10515600" cy="3846513"/>
           </a:xfrm>
         </p:spPr>
         <p:txBody>
@@ -9893,137 +9493,83 @@
           </a:bodyPr>
           <a:lstStyle/>
           <a:p>
-            <a:pPr marL="0" indent="0">
+            <a:pPr algn="ctr"/>
+            <a:r>
+              <a:rPr lang="en-US" sz="2000" dirty="0"/>
+              <a:t>Dijkstra’s Algorithm</a:t>
+            </a:r>
+          </a:p>
+          <a:p>
+            <a:pPr algn="ctr"/>
+            <a:r>
+              <a:rPr lang="en-US" sz="2000" dirty="0"/>
+              <a:t>A* Algorithm</a:t>
+            </a:r>
+          </a:p>
+          <a:p>
+            <a:pPr algn="ctr"/>
+            <a:r>
+              <a:rPr lang="en-US" sz="2000" dirty="0"/>
+              <a:t>Bellman-Ford Algorithm</a:t>
+            </a:r>
+          </a:p>
+          <a:p>
+            <a:pPr algn="ctr"/>
+            <a:r>
+              <a:rPr lang="en-US" sz="2000" dirty="0"/>
+              <a:t>Floyd-</a:t>
+            </a:r>
+            <a:r>
+              <a:rPr lang="en-US" sz="2000" dirty="0" err="1"/>
+              <a:t>Warshall</a:t>
+            </a:r>
+            <a:r>
+              <a:rPr lang="en-US" sz="2000" dirty="0"/>
+              <a:t> Algorithm</a:t>
+            </a:r>
+          </a:p>
+          <a:p>
+            <a:pPr algn="ctr"/>
+            <a:r>
+              <a:rPr lang="en-US" sz="2000" dirty="0"/>
+              <a:t>Breadth-First Search (BFS)</a:t>
+            </a:r>
+          </a:p>
+          <a:p>
+            <a:pPr algn="ctr"/>
+            <a:r>
+              <a:rPr lang="en-US" sz="2000" dirty="0"/>
+              <a:t>Depth-First Search (DFS)</a:t>
+            </a:r>
+          </a:p>
+          <a:p>
+            <a:pPr algn="ctr"/>
+            <a:r>
+              <a:rPr lang="en-US" sz="2000" dirty="0"/>
+              <a:t>Johnson’s Algorithm</a:t>
+            </a:r>
+          </a:p>
+          <a:p>
+            <a:pPr marL="0" indent="0" algn="ctr">
               <a:buNone/>
             </a:pPr>
-            <a:r>
-              <a:rPr lang="en-US" sz="2000" b="1" dirty="0" smtClean="0"/>
-              <a:t>Definition:</a:t>
-            </a:r>
-          </a:p>
-          <a:p>
-            <a:pPr marL="0" indent="0">
+            <a:endParaRPr lang="en-US" sz="2000" dirty="0"/>
+          </a:p>
+          <a:p>
+            <a:pPr marL="0" indent="0" algn="ctr">
               <a:buNone/>
             </a:pPr>
             <a:r>
-              <a:rPr lang="en-US" sz="2000" dirty="0" smtClean="0"/>
-              <a:t>	“The </a:t>
-            </a:r>
-            <a:r>
-              <a:rPr lang="en-US" sz="2000" b="1" dirty="0"/>
-              <a:t>shortest path</a:t>
-            </a:r>
-            <a:r>
               <a:rPr lang="en-US" sz="2000" dirty="0"/>
-              <a:t> is a path between two vertices such that the sum of the weights of the edges in the path is minimized</a:t>
-            </a:r>
-            <a:r>
-              <a:rPr lang="en-US" sz="2000" dirty="0" smtClean="0"/>
-              <a:t>.”</a:t>
-            </a:r>
-          </a:p>
-          <a:p>
-            <a:pPr marL="0" indent="0">
-              <a:buNone/>
-            </a:pPr>
-            <a:endParaRPr lang="en-US" sz="2000" dirty="0" smtClean="0"/>
-          </a:p>
-          <a:p>
-            <a:pPr marL="0" indent="0">
-              <a:buNone/>
-            </a:pPr>
-            <a:r>
-              <a:rPr lang="en-US" sz="2000" dirty="0" smtClean="0"/>
-              <a:t>In </a:t>
-            </a:r>
-            <a:r>
-              <a:rPr lang="en-US" sz="2000" dirty="0"/>
-              <a:t>unweighted graphs, the shortest path is simply the path with the least number of </a:t>
-            </a:r>
-            <a:r>
-              <a:rPr lang="en-US" sz="2000" dirty="0" smtClean="0"/>
-              <a:t>edges.</a:t>
-            </a:r>
-          </a:p>
-          <a:p>
-            <a:pPr marL="0" indent="0">
-              <a:buNone/>
-            </a:pPr>
-            <a:r>
-              <a:rPr lang="en-US" sz="2000" dirty="0" smtClean="0"/>
-              <a:t>In </a:t>
-            </a:r>
-            <a:r>
-              <a:rPr lang="en-US" sz="2000" dirty="0"/>
-              <a:t>weighted graphs, it’s the path with the minimum total weight.</a:t>
+              <a:t>We have used Breadth-First Search (BFS) in our code..</a:t>
             </a:r>
           </a:p>
         </p:txBody>
       </p:sp>
-      <p:pic>
-        <p:nvPicPr>
-          <p:cNvPr id="4" name="Picture 3"/>
-          <p:cNvPicPr>
-            <a:picLocks noChangeAspect="1"/>
-          </p:cNvPicPr>
-          <p:nvPr/>
-        </p:nvPicPr>
-        <p:blipFill>
-          <a:blip r:embed="rId2">
-            <a:extLst>
-              <a:ext uri="{28A0092B-C50C-407E-A947-70E740481C1C}">
-                <a14:useLocalDpi xmlns:a14="http://schemas.microsoft.com/office/drawing/2010/main" val="0"/>
-              </a:ext>
-            </a:extLst>
-          </a:blip>
-          <a:stretch>
-            <a:fillRect/>
-          </a:stretch>
-        </p:blipFill>
-        <p:spPr>
-          <a:xfrm>
-            <a:off x="1119168" y="3890937"/>
-            <a:ext cx="4865672" cy="2709885"/>
-          </a:xfrm>
-          <a:prstGeom prst="rect">
-            <a:avLst/>
-          </a:prstGeom>
-        </p:spPr>
-      </p:pic>
-      <p:pic>
-        <p:nvPicPr>
-          <p:cNvPr id="5" name="Picture 4"/>
-          <p:cNvPicPr>
-            <a:picLocks noChangeAspect="1"/>
-          </p:cNvPicPr>
-          <p:nvPr/>
-        </p:nvPicPr>
-        <p:blipFill>
-          <a:blip r:embed="rId3">
-            <a:extLst>
-              <a:ext uri="{28A0092B-C50C-407E-A947-70E740481C1C}">
-                <a14:useLocalDpi xmlns:a14="http://schemas.microsoft.com/office/drawing/2010/main" val="0"/>
-              </a:ext>
-            </a:extLst>
-          </a:blip>
-          <a:stretch>
-            <a:fillRect/>
-          </a:stretch>
-        </p:blipFill>
-        <p:spPr>
-          <a:xfrm>
-            <a:off x="6386513" y="4190985"/>
-            <a:ext cx="4226704" cy="2109788"/>
-          </a:xfrm>
-          <a:prstGeom prst="rect">
-            <a:avLst/>
-          </a:prstGeom>
-        </p:spPr>
-      </p:pic>
     </p:spTree>
     <p:extLst>
       <p:ext uri="{BB962C8B-B14F-4D97-AF65-F5344CB8AC3E}">
-        <p14:creationId xmlns:p14="http://schemas.microsoft.com/office/powerpoint/2010/main" val="1626842515"/>
+        <p14:creationId xmlns:p14="http://schemas.microsoft.com/office/powerpoint/2010/main" val="1758734204"/>
       </p:ext>
     </p:extLst>
   </p:cSld>
@@ -10069,10 +9615,9 @@
           <a:p>
             <a:pPr algn="ctr"/>
             <a:r>
-              <a:rPr lang="en-US" sz="3200" b="1" u="sng" dirty="0" smtClean="0"/>
-              <a:t>Some Algorithms Used for Path Finding</a:t>
-            </a:r>
-            <a:endParaRPr lang="en-US" sz="3200" b="1" u="sng" dirty="0"/>
+              <a:rPr lang="en-US" sz="3600" b="1" u="sng" dirty="0"/>
+              <a:t>Breadth-First Search Algorithm</a:t>
+            </a:r>
           </a:p>
         </p:txBody>
       </p:sp>
@@ -10086,108 +9631,39 @@
             <p:ph idx="1"/>
           </p:nvPr>
         </p:nvSpPr>
-        <p:spPr>
-          <a:xfrm>
-            <a:off x="838199" y="1911350"/>
-            <a:ext cx="10515600" cy="3846513"/>
-          </a:xfrm>
-        </p:spPr>
+        <p:spPr/>
         <p:txBody>
-          <a:bodyPr>
-            <a:normAutofit/>
-          </a:bodyPr>
+          <a:bodyPr/>
           <a:lstStyle/>
           <a:p>
-            <a:pPr algn="ctr"/>
-            <a:r>
-              <a:rPr lang="en-US" sz="2000" dirty="0"/>
-              <a:t>Dijkstra’s </a:t>
-            </a:r>
-            <a:r>
-              <a:rPr lang="en-US" sz="2000" dirty="0" smtClean="0"/>
-              <a:t>Algorithm</a:t>
-            </a:r>
-          </a:p>
-          <a:p>
-            <a:pPr algn="ctr"/>
-            <a:r>
-              <a:rPr lang="en-US" sz="2000" dirty="0" smtClean="0"/>
-              <a:t>A</a:t>
-            </a:r>
-            <a:r>
-              <a:rPr lang="en-US" sz="2000" dirty="0"/>
-              <a:t>* </a:t>
-            </a:r>
-            <a:r>
-              <a:rPr lang="en-US" sz="2000" dirty="0" smtClean="0"/>
-              <a:t>Algorithm</a:t>
-            </a:r>
-          </a:p>
-          <a:p>
-            <a:pPr algn="ctr"/>
-            <a:r>
-              <a:rPr lang="en-US" sz="2000" dirty="0" smtClean="0"/>
-              <a:t>Bellman-Ford Algorithm</a:t>
-            </a:r>
-          </a:p>
-          <a:p>
-            <a:pPr algn="ctr"/>
-            <a:r>
-              <a:rPr lang="en-US" sz="2000" dirty="0" smtClean="0"/>
-              <a:t>Floyd-</a:t>
-            </a:r>
-            <a:r>
-              <a:rPr lang="en-US" sz="2000" dirty="0" err="1" smtClean="0"/>
-              <a:t>Warshall</a:t>
-            </a:r>
-            <a:r>
-              <a:rPr lang="en-US" sz="2000" dirty="0" smtClean="0"/>
-              <a:t> Algorithm</a:t>
-            </a:r>
-          </a:p>
-          <a:p>
-            <a:pPr algn="ctr"/>
-            <a:r>
-              <a:rPr lang="en-US" sz="2000" dirty="0" smtClean="0"/>
-              <a:t>Breadth-First </a:t>
-            </a:r>
-            <a:r>
-              <a:rPr lang="en-US" sz="2000" dirty="0"/>
-              <a:t>Search (</a:t>
-            </a:r>
-            <a:r>
-              <a:rPr lang="en-US" sz="2000" dirty="0" smtClean="0"/>
-              <a:t>BFS)</a:t>
-            </a:r>
-          </a:p>
-          <a:p>
-            <a:pPr algn="ctr"/>
-            <a:r>
-              <a:rPr lang="en-US" sz="2000" dirty="0" smtClean="0"/>
-              <a:t>Depth-First </a:t>
-            </a:r>
-            <a:r>
-              <a:rPr lang="en-US" sz="2000" dirty="0"/>
-              <a:t>Search (</a:t>
-            </a:r>
-            <a:r>
-              <a:rPr lang="en-US" sz="2000" dirty="0" smtClean="0"/>
-              <a:t>DFS)</a:t>
-            </a:r>
-          </a:p>
-          <a:p>
-            <a:pPr algn="ctr"/>
-            <a:r>
-              <a:rPr lang="en-US" sz="2000" dirty="0" smtClean="0"/>
-              <a:t>Johnson’s Algorithm</a:t>
-            </a:r>
+            <a:pPr marL="0" indent="0">
+              <a:buNone/>
+            </a:pPr>
+            <a:r>
+              <a:rPr lang="en-US" dirty="0"/>
+              <a:t>BFS is the best algorithm used for path finding in </a:t>
+            </a:r>
+            <a:r>
+              <a:rPr lang="en-US" b="1" dirty="0"/>
+              <a:t>unweighted graphs</a:t>
+            </a:r>
+            <a:r>
+              <a:rPr lang="en-US" dirty="0"/>
+              <a:t>.</a:t>
+            </a:r>
+          </a:p>
+          <a:p>
+            <a:pPr marL="0" indent="0">
+              <a:buNone/>
+            </a:pPr>
+            <a:endParaRPr lang="en-US" dirty="0"/>
           </a:p>
         </p:txBody>
       </p:sp>
     </p:spTree>
     <p:extLst>
       <p:ext uri="{BB962C8B-B14F-4D97-AF65-F5344CB8AC3E}">
-        <p14:creationId xmlns:p14="http://schemas.microsoft.com/office/powerpoint/2010/main" val="2745718031"/>
+        <p14:creationId xmlns:p14="http://schemas.microsoft.com/office/powerpoint/2010/main" val="3891699235"/>
       </p:ext>
     </p:extLst>
   </p:cSld>
@@ -10474,7 +9950,13 @@
       </p:grpSpPr>
       <p:sp>
         <p:nvSpPr>
-          <p:cNvPr id="2" name="Title 1"/>
+          <p:cNvPr id="2" name="Title 1">
+            <a:extLst>
+              <a:ext uri="{FF2B5EF4-FFF2-40B4-BE49-F238E27FC236}">
+                <a16:creationId xmlns:a16="http://schemas.microsoft.com/office/drawing/2014/main" id="{F53F7F84-3779-F19C-0419-35270F37BEB9}"/>
+              </a:ext>
+            </a:extLst>
+          </p:cNvPr>
           <p:cNvSpPr>
             <a:spLocks noGrp="1"/>
           </p:cNvSpPr>
@@ -10482,25 +9964,34 @@
             <p:ph type="title"/>
           </p:nvPr>
         </p:nvSpPr>
-        <p:spPr/>
+        <p:spPr>
+          <a:xfrm>
+            <a:off x="838200" y="365126"/>
+            <a:ext cx="9456174" cy="568940"/>
+          </a:xfrm>
+        </p:spPr>
         <p:txBody>
           <a:bodyPr>
-            <a:normAutofit/>
+            <a:normAutofit fontScale="90000"/>
           </a:bodyPr>
           <a:lstStyle/>
           <a:p>
-            <a:pPr algn="ctr"/>
-            <a:r>
-              <a:rPr lang="en-US" sz="3200" b="1" u="sng" dirty="0" smtClean="0"/>
-              <a:t>Some Algorithms Used for Path Finding</a:t>
-            </a:r>
-            <a:endParaRPr lang="en-US" sz="3200" b="1" u="sng" dirty="0"/>
+            <a:r>
+              <a:rPr lang="en-US" b="1" dirty="0"/>
+              <a:t>RECURSION:</a:t>
+            </a:r>
           </a:p>
         </p:txBody>
       </p:sp>
       <p:sp>
         <p:nvSpPr>
-          <p:cNvPr id="3" name="Content Placeholder 2"/>
+          <p:cNvPr id="3" name="Content Placeholder 2">
+            <a:extLst>
+              <a:ext uri="{FF2B5EF4-FFF2-40B4-BE49-F238E27FC236}">
+                <a16:creationId xmlns:a16="http://schemas.microsoft.com/office/drawing/2014/main" id="{966624D1-576C-AC87-B49D-B0CFB2390EA1}"/>
+              </a:ext>
+            </a:extLst>
+          </p:cNvPr>
           <p:cNvSpPr>
             <a:spLocks noGrp="1"/>
           </p:cNvSpPr>
@@ -10510,126 +10001,85 @@
         </p:nvSpPr>
         <p:spPr>
           <a:xfrm>
-            <a:off x="838199" y="1911350"/>
-            <a:ext cx="10515600" cy="3846513"/>
+            <a:off x="678426" y="1170038"/>
+            <a:ext cx="6312309" cy="5043948"/>
           </a:xfrm>
         </p:spPr>
         <p:txBody>
           <a:bodyPr>
-            <a:normAutofit/>
+            <a:normAutofit lnSpcReduction="10000"/>
           </a:bodyPr>
           <a:lstStyle/>
           <a:p>
-            <a:pPr algn="ctr"/>
+            <a:r>
+              <a:rPr lang="en-US" b="1" dirty="0"/>
+              <a:t>BASE CASE:</a:t>
+            </a:r>
+            <a:br>
+              <a:rPr lang="en-US" b="1" dirty="0"/>
+            </a:br>
             <a:r>
               <a:rPr lang="en-US" sz="2000" dirty="0"/>
-              <a:t>Dijkstra’s </a:t>
-            </a:r>
-            <a:r>
-              <a:rPr lang="en-US" sz="2000" dirty="0" smtClean="0"/>
-              <a:t>Algorithm</a:t>
-            </a:r>
-          </a:p>
-          <a:p>
-            <a:pPr algn="ctr"/>
-            <a:r>
-              <a:rPr lang="en-US" sz="2000" dirty="0" smtClean="0"/>
-              <a:t>A</a:t>
-            </a:r>
-            <a:r>
-              <a:rPr lang="en-US" sz="2000" dirty="0"/>
-              <a:t>* </a:t>
-            </a:r>
-            <a:r>
-              <a:rPr lang="en-US" sz="2000" dirty="0" smtClean="0"/>
-              <a:t>Algorithm</a:t>
-            </a:r>
-          </a:p>
-          <a:p>
-            <a:pPr algn="ctr"/>
-            <a:r>
-              <a:rPr lang="en-US" sz="2000" dirty="0" smtClean="0"/>
-              <a:t>Bellman-Ford Algorithm</a:t>
-            </a:r>
-          </a:p>
-          <a:p>
-            <a:pPr algn="ctr"/>
-            <a:r>
-              <a:rPr lang="en-US" sz="2000" dirty="0" smtClean="0"/>
-              <a:t>Floyd-</a:t>
-            </a:r>
-            <a:r>
-              <a:rPr lang="en-US" sz="2000" dirty="0" err="1" smtClean="0"/>
-              <a:t>Warshall</a:t>
-            </a:r>
-            <a:r>
-              <a:rPr lang="en-US" sz="2000" dirty="0" smtClean="0"/>
-              <a:t> Algorithm</a:t>
-            </a:r>
-          </a:p>
-          <a:p>
-            <a:pPr algn="ctr"/>
-            <a:r>
-              <a:rPr lang="en-US" sz="2000" dirty="0" smtClean="0"/>
-              <a:t>Breadth-First </a:t>
-            </a:r>
-            <a:r>
-              <a:rPr lang="en-US" sz="2000" dirty="0"/>
-              <a:t>Search (</a:t>
-            </a:r>
-            <a:r>
-              <a:rPr lang="en-US" sz="2000" dirty="0" smtClean="0"/>
-              <a:t>BFS)</a:t>
-            </a:r>
-          </a:p>
-          <a:p>
-            <a:pPr algn="ctr"/>
-            <a:r>
-              <a:rPr lang="en-US" sz="2000" dirty="0" smtClean="0"/>
-              <a:t>Depth-First </a:t>
-            </a:r>
-            <a:r>
-              <a:rPr lang="en-US" sz="2000" dirty="0"/>
-              <a:t>Search (</a:t>
-            </a:r>
-            <a:r>
-              <a:rPr lang="en-US" sz="2000" dirty="0" smtClean="0"/>
-              <a:t>DFS)</a:t>
-            </a:r>
-          </a:p>
-          <a:p>
-            <a:pPr algn="ctr"/>
-            <a:r>
-              <a:rPr lang="en-US" sz="2000" dirty="0" smtClean="0"/>
-              <a:t>Johnson’s Algorithm</a:t>
-            </a:r>
-          </a:p>
-          <a:p>
-            <a:pPr marL="0" indent="0" algn="ctr">
-              <a:buNone/>
-            </a:pPr>
-            <a:endParaRPr lang="en-US" sz="2000" dirty="0" smtClean="0"/>
-          </a:p>
-          <a:p>
-            <a:pPr marL="0" indent="0" algn="ctr">
-              <a:buNone/>
-            </a:pPr>
-            <a:r>
-              <a:rPr lang="en-US" sz="2000" dirty="0"/>
-              <a:t>We have used Breadth-First Search (BFS) in our </a:t>
-            </a:r>
-            <a:r>
-              <a:rPr lang="en-US" sz="2000" dirty="0" smtClean="0"/>
-              <a:t>code..</a:t>
-            </a:r>
-            <a:endParaRPr lang="en-US" sz="2000" dirty="0"/>
+              <a:t>       </a:t>
+            </a:r>
+            <a:r>
+              <a:rPr lang="en-US" sz="2400" dirty="0"/>
+              <a:t>a condition that allows an algorithm stops further recursive calls and return a result.</a:t>
+            </a:r>
+          </a:p>
+          <a:p>
+            <a:r>
+              <a:rPr lang="en-US" b="1" dirty="0"/>
+              <a:t>Recursive case:</a:t>
+            </a:r>
+            <a:br>
+              <a:rPr lang="en-US" sz="3600" b="1" dirty="0"/>
+            </a:br>
+            <a:r>
+              <a:rPr lang="en-US" sz="3600" dirty="0"/>
+              <a:t>      </a:t>
+            </a:r>
+            <a:r>
+              <a:rPr lang="en-US" sz="2400" dirty="0"/>
+              <a:t>It is the part of a recursive function that breaks down a problem into smaller subproblems, which moves the problem closer to the base case.</a:t>
+            </a:r>
+            <a:br>
+              <a:rPr lang="en-US" sz="2400" b="1" dirty="0"/>
+            </a:br>
+            <a:br>
+              <a:rPr lang="en-US" sz="2400" b="1" dirty="0"/>
+            </a:br>
+            <a:r>
+              <a:rPr lang="en-US" sz="2400" b="1" dirty="0"/>
+              <a:t>RECURSIVE FUNCTION:</a:t>
+            </a:r>
+            <a:br>
+              <a:rPr lang="en-US" sz="2400" b="1" dirty="0"/>
+            </a:br>
+            <a:r>
+              <a:rPr lang="en-US" sz="2400" b="1" dirty="0"/>
+              <a:t>    </a:t>
+            </a:r>
+            <a:r>
+              <a:rPr lang="en-US" sz="2400" dirty="0">
+                <a:latin typeface="+mj-lt"/>
+              </a:rPr>
+              <a:t>Recursive function is a function that values at any point can be calculated from the values of the function at some previous points</a:t>
+            </a:r>
+            <a:br>
+              <a:rPr lang="en-US" sz="2400" b="1" dirty="0"/>
+            </a:br>
+            <a:r>
+              <a:rPr lang="en-US" sz="2400" b="1" dirty="0"/>
+              <a:t>        </a:t>
+            </a:r>
           </a:p>
         </p:txBody>
       </p:sp>
     </p:spTree>
     <p:extLst>
       <p:ext uri="{BB962C8B-B14F-4D97-AF65-F5344CB8AC3E}">
-        <p14:creationId xmlns:p14="http://schemas.microsoft.com/office/powerpoint/2010/main" val="1758734204"/>
+        <p14:creationId xmlns:p14="http://schemas.microsoft.com/office/powerpoint/2010/main" val="681848417"/>
       </p:ext>
     </p:extLst>
   </p:cSld>
@@ -10658,7 +10108,530 @@
       </p:grpSpPr>
       <p:sp>
         <p:nvSpPr>
-          <p:cNvPr id="2" name="Title 1"/>
+          <p:cNvPr id="2" name="Title 1">
+            <a:extLst>
+              <a:ext uri="{FF2B5EF4-FFF2-40B4-BE49-F238E27FC236}">
+                <a16:creationId xmlns:a16="http://schemas.microsoft.com/office/drawing/2014/main" id="{702DA543-C91E-61A5-6A9C-86CB92B78E34}"/>
+              </a:ext>
+            </a:extLst>
+          </p:cNvPr>
+          <p:cNvSpPr>
+            <a:spLocks noGrp="1"/>
+          </p:cNvSpPr>
+          <p:nvPr>
+            <p:ph type="title"/>
+          </p:nvPr>
+        </p:nvSpPr>
+        <p:spPr>
+          <a:xfrm>
+            <a:off x="838200" y="365125"/>
+            <a:ext cx="10515600" cy="752475"/>
+          </a:xfrm>
+        </p:spPr>
+        <p:txBody>
+          <a:bodyPr/>
+          <a:lstStyle/>
+          <a:p>
+            <a:r>
+              <a:rPr lang="en-US" dirty="0"/>
+              <a:t>HOW RECURSION WORKS :</a:t>
+            </a:r>
+          </a:p>
+        </p:txBody>
+      </p:sp>
+      <p:sp>
+        <p:nvSpPr>
+          <p:cNvPr id="3" name="Content Placeholder 2">
+            <a:extLst>
+              <a:ext uri="{FF2B5EF4-FFF2-40B4-BE49-F238E27FC236}">
+                <a16:creationId xmlns:a16="http://schemas.microsoft.com/office/drawing/2014/main" id="{E6DBD077-263B-59D3-81D2-E6FBE084C96D}"/>
+              </a:ext>
+            </a:extLst>
+          </p:cNvPr>
+          <p:cNvSpPr>
+            <a:spLocks noGrp="1"/>
+          </p:cNvSpPr>
+          <p:nvPr>
+            <p:ph idx="1"/>
+          </p:nvPr>
+        </p:nvSpPr>
+        <p:spPr>
+          <a:xfrm>
+            <a:off x="838200" y="1117601"/>
+            <a:ext cx="7625080" cy="3809999"/>
+          </a:xfrm>
+        </p:spPr>
+        <p:txBody>
+          <a:bodyPr>
+            <a:normAutofit/>
+          </a:bodyPr>
+          <a:lstStyle/>
+          <a:p>
+            <a:r>
+              <a:rPr lang="en-US" dirty="0"/>
+              <a:t>Step By Step :</a:t>
+            </a:r>
+          </a:p>
+          <a:p>
+            <a:pPr marL="0" indent="0">
+              <a:buNone/>
+            </a:pPr>
+            <a:r>
+              <a:rPr lang="en-US" sz="2000" dirty="0"/>
+              <a:t>Step 2: Step 1 + lowest step.</a:t>
+            </a:r>
+          </a:p>
+          <a:p>
+            <a:pPr marL="0" indent="0">
+              <a:buNone/>
+            </a:pPr>
+            <a:r>
+              <a:rPr lang="en-US" sz="2000" dirty="0"/>
+              <a:t>Step 3: Step 2 + Step 1 + lowest step.</a:t>
+            </a:r>
+          </a:p>
+          <a:p>
+            <a:pPr marL="0" indent="0">
+              <a:buNone/>
+            </a:pPr>
+            <a:r>
+              <a:rPr lang="en-US" sz="2000" dirty="0"/>
+              <a:t>Step 4: Step 3 + step 2 + step 1+ lowest step, and so on.</a:t>
+            </a:r>
+            <a:br>
+              <a:rPr lang="en-US" sz="2000" dirty="0"/>
+            </a:br>
+            <a:endParaRPr lang="en-US" sz="2000" dirty="0"/>
+          </a:p>
+          <a:p>
+            <a:pPr marL="0" indent="0">
+              <a:buNone/>
+            </a:pPr>
+            <a:r>
+              <a:rPr lang="en-US" sz="2000" dirty="0">
+                <a:latin typeface="+mj-lt"/>
+              </a:rPr>
+              <a:t>The smallest argument is donated by f(0) or f(1) .</a:t>
+            </a:r>
+          </a:p>
+          <a:p>
+            <a:pPr marL="0" indent="0">
+              <a:buNone/>
+            </a:pPr>
+            <a:r>
+              <a:rPr lang="en-US" sz="2000" dirty="0">
+                <a:latin typeface="+mj-lt"/>
+              </a:rPr>
+              <a:t>The nth argument is donated by f(n).         </a:t>
+            </a:r>
+          </a:p>
+          <a:p>
+            <a:r>
+              <a:rPr lang="en-US" sz="2000" b="1" dirty="0">
+                <a:latin typeface="+mj-lt"/>
+              </a:rPr>
+              <a:t>Example:</a:t>
+            </a:r>
+            <a:br>
+              <a:rPr lang="en-US" sz="2000" b="1" dirty="0">
+                <a:latin typeface="+mj-lt"/>
+              </a:rPr>
+            </a:br>
+            <a:r>
+              <a:rPr lang="en-US" sz="2000" b="1" dirty="0">
+                <a:latin typeface="+mj-lt"/>
+              </a:rPr>
+              <a:t>           </a:t>
+            </a:r>
+            <a:r>
+              <a:rPr lang="en-US" sz="2000" dirty="0" err="1">
+                <a:latin typeface="+mj-lt"/>
+              </a:rPr>
+              <a:t>fibonacci</a:t>
+            </a:r>
+            <a:r>
+              <a:rPr lang="en-US" sz="2000" dirty="0">
+                <a:latin typeface="+mj-lt"/>
+              </a:rPr>
+              <a:t> sequence.</a:t>
+            </a:r>
+            <a:endParaRPr lang="en-US" sz="2000" b="1" dirty="0">
+              <a:latin typeface="+mj-lt"/>
+            </a:endParaRPr>
+          </a:p>
+        </p:txBody>
+      </p:sp>
+      <p:pic>
+        <p:nvPicPr>
+          <p:cNvPr id="7" name="Picture 6" descr="A formula of formula with numbers and symbols&#10;&#10;Description automatically generated with medium confidence">
+            <a:extLst>
+              <a:ext uri="{FF2B5EF4-FFF2-40B4-BE49-F238E27FC236}">
+                <a16:creationId xmlns:a16="http://schemas.microsoft.com/office/drawing/2014/main" id="{0726D2C9-95C2-65EE-4E78-771E9CAAFF76}"/>
+              </a:ext>
+            </a:extLst>
+          </p:cNvPr>
+          <p:cNvPicPr>
+            <a:picLocks noChangeAspect="1"/>
+          </p:cNvPicPr>
+          <p:nvPr/>
+        </p:nvPicPr>
+        <p:blipFill>
+          <a:blip r:embed="rId2">
+            <a:extLst>
+              <a:ext uri="{28A0092B-C50C-407E-A947-70E740481C1C}">
+                <a14:useLocalDpi xmlns:a14="http://schemas.microsoft.com/office/drawing/2010/main" val="0"/>
+              </a:ext>
+            </a:extLst>
+          </a:blip>
+          <a:stretch>
+            <a:fillRect/>
+          </a:stretch>
+        </p:blipFill>
+        <p:spPr>
+          <a:xfrm>
+            <a:off x="7598369" y="1117600"/>
+            <a:ext cx="3351868" cy="2580781"/>
+          </a:xfrm>
+          <a:prstGeom prst="rect">
+            <a:avLst/>
+          </a:prstGeom>
+        </p:spPr>
+      </p:pic>
+    </p:spTree>
+    <p:extLst>
+      <p:ext uri="{BB962C8B-B14F-4D97-AF65-F5344CB8AC3E}">
+        <p14:creationId xmlns:p14="http://schemas.microsoft.com/office/powerpoint/2010/main" val="3699213669"/>
+      </p:ext>
+    </p:extLst>
+  </p:cSld>
+  <p:clrMapOvr>
+    <a:masterClrMapping/>
+  </p:clrMapOvr>
+</p:sld>
+</file>
+
+<file path=ppt/slides/slide22.xml><?xml version="1.0" encoding="utf-8"?>
+<p:sld xmlns:a="http://schemas.openxmlformats.org/drawingml/2006/main" xmlns:r="http://schemas.openxmlformats.org/officeDocument/2006/relationships" xmlns:p="http://schemas.openxmlformats.org/presentationml/2006/main">
+  <p:cSld>
+    <p:spTree>
+      <p:nvGrpSpPr>
+        <p:cNvPr id="1" name=""/>
+        <p:cNvGrpSpPr/>
+        <p:nvPr/>
+      </p:nvGrpSpPr>
+      <p:grpSpPr>
+        <a:xfrm>
+          <a:off x="0" y="0"/>
+          <a:ext cx="0" cy="0"/>
+          <a:chOff x="0" y="0"/>
+          <a:chExt cx="0" cy="0"/>
+        </a:xfrm>
+      </p:grpSpPr>
+      <p:sp>
+        <p:nvSpPr>
+          <p:cNvPr id="2" name="Title 1">
+            <a:extLst>
+              <a:ext uri="{FF2B5EF4-FFF2-40B4-BE49-F238E27FC236}">
+                <a16:creationId xmlns:a16="http://schemas.microsoft.com/office/drawing/2014/main" id="{4CB26A3C-A0BC-0EEB-93FB-62793A9C5DCB}"/>
+              </a:ext>
+            </a:extLst>
+          </p:cNvPr>
+          <p:cNvSpPr>
+            <a:spLocks noGrp="1"/>
+          </p:cNvSpPr>
+          <p:nvPr>
+            <p:ph type="title"/>
+          </p:nvPr>
+        </p:nvSpPr>
+        <p:spPr>
+          <a:xfrm>
+            <a:off x="838200" y="365126"/>
+            <a:ext cx="5120473" cy="860774"/>
+          </a:xfrm>
+        </p:spPr>
+        <p:txBody>
+          <a:bodyPr>
+            <a:normAutofit/>
+          </a:bodyPr>
+          <a:lstStyle/>
+          <a:p>
+            <a:r>
+              <a:rPr lang="en-US" dirty="0"/>
+              <a:t>Recursive function:</a:t>
+            </a:r>
+          </a:p>
+        </p:txBody>
+      </p:sp>
+      <p:pic>
+        <p:nvPicPr>
+          <p:cNvPr id="5" name="Content Placeholder 4" descr="A diagram of a tree&#10;&#10;Description automatically generated">
+            <a:extLst>
+              <a:ext uri="{FF2B5EF4-FFF2-40B4-BE49-F238E27FC236}">
+                <a16:creationId xmlns:a16="http://schemas.microsoft.com/office/drawing/2014/main" id="{52073382-5AE2-3093-D6D4-80B4B3EA25A0}"/>
+              </a:ext>
+            </a:extLst>
+          </p:cNvPr>
+          <p:cNvPicPr>
+            <a:picLocks noGrp="1" noChangeAspect="1"/>
+          </p:cNvPicPr>
+          <p:nvPr>
+            <p:ph idx="1"/>
+          </p:nvPr>
+        </p:nvPicPr>
+        <p:blipFill>
+          <a:blip r:embed="rId2">
+            <a:extLst>
+              <a:ext uri="{28A0092B-C50C-407E-A947-70E740481C1C}">
+                <a14:useLocalDpi xmlns:a14="http://schemas.microsoft.com/office/drawing/2010/main" val="0"/>
+              </a:ext>
+            </a:extLst>
+          </a:blip>
+          <a:stretch>
+            <a:fillRect/>
+          </a:stretch>
+        </p:blipFill>
+        <p:spPr>
+          <a:xfrm>
+            <a:off x="7120535" y="-1"/>
+            <a:ext cx="4466079" cy="4301705"/>
+          </a:xfrm>
+        </p:spPr>
+      </p:pic>
+      <p:pic>
+        <p:nvPicPr>
+          <p:cNvPr id="7" name="Picture 6" descr="A math equation with numbers&#10;&#10;Description automatically generated">
+            <a:extLst>
+              <a:ext uri="{FF2B5EF4-FFF2-40B4-BE49-F238E27FC236}">
+                <a16:creationId xmlns:a16="http://schemas.microsoft.com/office/drawing/2014/main" id="{1D27D323-25BB-8BB8-2B40-5CAB37537CEA}"/>
+              </a:ext>
+            </a:extLst>
+          </p:cNvPr>
+          <p:cNvPicPr>
+            <a:picLocks noChangeAspect="1"/>
+          </p:cNvPicPr>
+          <p:nvPr/>
+        </p:nvPicPr>
+        <p:blipFill>
+          <a:blip r:embed="rId3">
+            <a:extLst>
+              <a:ext uri="{28A0092B-C50C-407E-A947-70E740481C1C}">
+                <a14:useLocalDpi xmlns:a14="http://schemas.microsoft.com/office/drawing/2010/main" val="0"/>
+              </a:ext>
+            </a:extLst>
+          </a:blip>
+          <a:stretch>
+            <a:fillRect/>
+          </a:stretch>
+        </p:blipFill>
+        <p:spPr>
+          <a:xfrm>
+            <a:off x="1056490" y="1298279"/>
+            <a:ext cx="4811748" cy="1430972"/>
+          </a:xfrm>
+          <a:prstGeom prst="rect">
+            <a:avLst/>
+          </a:prstGeom>
+        </p:spPr>
+      </p:pic>
+      <p:sp>
+        <p:nvSpPr>
+          <p:cNvPr id="8" name="TextBox 7">
+            <a:extLst>
+              <a:ext uri="{FF2B5EF4-FFF2-40B4-BE49-F238E27FC236}">
+                <a16:creationId xmlns:a16="http://schemas.microsoft.com/office/drawing/2014/main" id="{95A951C0-97BE-1A2D-1A47-93451C2BB49E}"/>
+              </a:ext>
+            </a:extLst>
+          </p:cNvPr>
+          <p:cNvSpPr txBox="1"/>
+          <p:nvPr/>
+        </p:nvSpPr>
+        <p:spPr>
+          <a:xfrm>
+            <a:off x="1056490" y="2974588"/>
+            <a:ext cx="6614652" cy="2308324"/>
+          </a:xfrm>
+          <a:prstGeom prst="rect">
+            <a:avLst/>
+          </a:prstGeom>
+          <a:noFill/>
+        </p:spPr>
+        <p:txBody>
+          <a:bodyPr wrap="square" rtlCol="0">
+            <a:spAutoFit/>
+          </a:bodyPr>
+          <a:lstStyle/>
+          <a:p>
+            <a:pPr marL="342900" indent="-342900">
+              <a:buFont typeface="+mj-lt"/>
+              <a:buAutoNum type="arabicPeriod"/>
+            </a:pPr>
+            <a:r>
+              <a:rPr lang="en-US" dirty="0"/>
+              <a:t>Fibonacci(5) calls </a:t>
+            </a:r>
+            <a:r>
+              <a:rPr lang="en-US" dirty="0">
+                <a:sym typeface="Wingdings" panose="05000000000000000000" pitchFamily="2" charset="2"/>
+              </a:rPr>
+              <a:t> Fibonacci(4) + Fibonacci(3)</a:t>
+            </a:r>
+          </a:p>
+          <a:p>
+            <a:pPr marL="342900" indent="-342900">
+              <a:buFont typeface="+mj-lt"/>
+              <a:buAutoNum type="arabicPeriod"/>
+            </a:pPr>
+            <a:r>
+              <a:rPr lang="en-US" dirty="0"/>
+              <a:t>Fibonacci(4) calls </a:t>
+            </a:r>
+            <a:r>
+              <a:rPr lang="en-US" dirty="0">
+                <a:sym typeface="Wingdings" panose="05000000000000000000" pitchFamily="2" charset="2"/>
+              </a:rPr>
+              <a:t> Fibonacci(3) + Fibonacci(2)</a:t>
+            </a:r>
+          </a:p>
+          <a:p>
+            <a:pPr marL="342900" indent="-342900">
+              <a:buFont typeface="+mj-lt"/>
+              <a:buAutoNum type="arabicPeriod"/>
+            </a:pPr>
+            <a:r>
+              <a:rPr lang="en-US" dirty="0"/>
+              <a:t>Fibonacci(3) calls </a:t>
+            </a:r>
+            <a:r>
+              <a:rPr lang="en-US" dirty="0">
+                <a:sym typeface="Wingdings" panose="05000000000000000000" pitchFamily="2" charset="2"/>
+              </a:rPr>
+              <a:t> Fibonacci(2) + Fibonacci(1)</a:t>
+            </a:r>
+          </a:p>
+          <a:p>
+            <a:pPr marL="342900" indent="-342900">
+              <a:buFont typeface="+mj-lt"/>
+              <a:buAutoNum type="arabicPeriod"/>
+            </a:pPr>
+            <a:r>
+              <a:rPr lang="en-US" dirty="0"/>
+              <a:t>Fibonacci(2) calls </a:t>
+            </a:r>
+            <a:r>
+              <a:rPr lang="en-US" dirty="0">
+                <a:sym typeface="Wingdings" panose="05000000000000000000" pitchFamily="2" charset="2"/>
+              </a:rPr>
+              <a:t> Fibonacci(1) + Fibonacci(0)</a:t>
+            </a:r>
+          </a:p>
+          <a:p>
+            <a:pPr marL="342900" indent="-342900">
+              <a:buFont typeface="+mj-lt"/>
+              <a:buAutoNum type="arabicPeriod"/>
+            </a:pPr>
+            <a:r>
+              <a:rPr lang="en-US" dirty="0"/>
+              <a:t>Base case:</a:t>
+            </a:r>
+            <a:br>
+              <a:rPr lang="en-US" dirty="0"/>
+            </a:br>
+            <a:r>
+              <a:rPr lang="en-US" dirty="0"/>
+              <a:t>        Fibonacci(1) returns 1</a:t>
+            </a:r>
+            <a:br>
+              <a:rPr lang="en-US" dirty="0"/>
+            </a:br>
+            <a:r>
+              <a:rPr lang="en-US" dirty="0"/>
+              <a:t>        Fibonacci(0) returns 0</a:t>
+            </a:r>
+            <a:br>
+              <a:rPr lang="en-US" dirty="0"/>
+            </a:br>
+            <a:r>
+              <a:rPr lang="en-US" dirty="0"/>
+              <a:t>               </a:t>
+            </a:r>
+          </a:p>
+        </p:txBody>
+      </p:sp>
+      <p:pic>
+        <p:nvPicPr>
+          <p:cNvPr id="10" name="Picture 9" descr="A computer screen shot of a number&#10;&#10;Description automatically generated">
+            <a:extLst>
+              <a:ext uri="{FF2B5EF4-FFF2-40B4-BE49-F238E27FC236}">
+                <a16:creationId xmlns:a16="http://schemas.microsoft.com/office/drawing/2014/main" id="{6E42F6D7-CBE1-EB10-84C1-1338C8295F07}"/>
+              </a:ext>
+            </a:extLst>
+          </p:cNvPr>
+          <p:cNvPicPr>
+            <a:picLocks noChangeAspect="1"/>
+          </p:cNvPicPr>
+          <p:nvPr/>
+        </p:nvPicPr>
+        <p:blipFill>
+          <a:blip r:embed="rId4">
+            <a:extLst>
+              <a:ext uri="{28A0092B-C50C-407E-A947-70E740481C1C}">
+                <a14:useLocalDpi xmlns:a14="http://schemas.microsoft.com/office/drawing/2010/main" val="0"/>
+              </a:ext>
+            </a:extLst>
+          </a:blip>
+          <a:stretch>
+            <a:fillRect/>
+          </a:stretch>
+        </p:blipFill>
+        <p:spPr>
+          <a:xfrm>
+            <a:off x="6197094" y="3801325"/>
+            <a:ext cx="5153025" cy="2752725"/>
+          </a:xfrm>
+          <a:prstGeom prst="rect">
+            <a:avLst/>
+          </a:prstGeom>
+        </p:spPr>
+      </p:pic>
+    </p:spTree>
+    <p:extLst>
+      <p:ext uri="{BB962C8B-B14F-4D97-AF65-F5344CB8AC3E}">
+        <p14:creationId xmlns:p14="http://schemas.microsoft.com/office/powerpoint/2010/main" val="1754468583"/>
+      </p:ext>
+    </p:extLst>
+  </p:cSld>
+  <p:clrMapOvr>
+    <a:masterClrMapping/>
+  </p:clrMapOvr>
+</p:sld>
+</file>
+
+<file path=ppt/slides/slide23.xml><?xml version="1.0" encoding="utf-8"?>
+<p:sld xmlns:a="http://schemas.openxmlformats.org/drawingml/2006/main" xmlns:r="http://schemas.openxmlformats.org/officeDocument/2006/relationships" xmlns:p="http://schemas.openxmlformats.org/presentationml/2006/main">
+  <p:cSld>
+    <p:spTree>
+      <p:nvGrpSpPr>
+        <p:cNvPr id="1" name=""/>
+        <p:cNvGrpSpPr/>
+        <p:nvPr/>
+      </p:nvGrpSpPr>
+      <p:grpSpPr>
+        <a:xfrm>
+          <a:off x="0" y="0"/>
+          <a:ext cx="0" cy="0"/>
+          <a:chOff x="0" y="0"/>
+          <a:chExt cx="0" cy="0"/>
+        </a:xfrm>
+      </p:grpSpPr>
+      <p:sp>
+        <p:nvSpPr>
+          <p:cNvPr id="2" name="Title 1">
+            <a:extLst>
+              <a:ext uri="{FF2B5EF4-FFF2-40B4-BE49-F238E27FC236}">
+                <a16:creationId xmlns:a16="http://schemas.microsoft.com/office/drawing/2014/main" id="{D1D307F6-B8C8-3B03-1BAA-5F930D5564F3}"/>
+              </a:ext>
+            </a:extLst>
+          </p:cNvPr>
           <p:cNvSpPr>
             <a:spLocks noGrp="1"/>
           </p:cNvSpPr>
@@ -10668,23 +10641,22 @@
         </p:nvSpPr>
         <p:spPr/>
         <p:txBody>
-          <a:bodyPr>
-            <a:normAutofit/>
-          </a:bodyPr>
+          <a:bodyPr/>
           <a:lstStyle/>
           <a:p>
-            <a:pPr algn="ctr"/>
-            <a:r>
-              <a:rPr lang="en-US" sz="3600" b="1" u="sng" dirty="0" smtClean="0"/>
-              <a:t>Breadth-First Search Algorithm</a:t>
-            </a:r>
-            <a:endParaRPr lang="en-US" sz="3600" b="1" u="sng" dirty="0"/>
+            <a:endParaRPr lang="en-US"/>
           </a:p>
         </p:txBody>
       </p:sp>
       <p:sp>
         <p:nvSpPr>
-          <p:cNvPr id="3" name="Content Placeholder 2"/>
+          <p:cNvPr id="3" name="Content Placeholder 2">
+            <a:extLst>
+              <a:ext uri="{FF2B5EF4-FFF2-40B4-BE49-F238E27FC236}">
+                <a16:creationId xmlns:a16="http://schemas.microsoft.com/office/drawing/2014/main" id="{FEA283A3-BD90-A1E9-7BBE-F64221308E03}"/>
+              </a:ext>
+            </a:extLst>
+          </p:cNvPr>
           <p:cNvSpPr>
             <a:spLocks noGrp="1"/>
           </p:cNvSpPr>
@@ -10697,34 +10669,94 @@
           <a:bodyPr/>
           <a:lstStyle/>
           <a:p>
-            <a:pPr marL="0" indent="0">
-              <a:buNone/>
-            </a:pPr>
-            <a:r>
-              <a:rPr lang="en-US" dirty="0" smtClean="0"/>
-              <a:t>BFS is the best algorithm used for path finding in </a:t>
-            </a:r>
-            <a:r>
-              <a:rPr lang="en-US" b="1" dirty="0" smtClean="0"/>
-              <a:t>unweighted graphs</a:t>
-            </a:r>
-            <a:r>
-              <a:rPr lang="en-US" dirty="0" smtClean="0"/>
-              <a:t>.</a:t>
-            </a:r>
-          </a:p>
-          <a:p>
-            <a:pPr marL="0" indent="0">
-              <a:buNone/>
-            </a:pPr>
-            <a:endParaRPr lang="en-US" dirty="0"/>
+            <a:endParaRPr lang="en-US"/>
           </a:p>
         </p:txBody>
       </p:sp>
     </p:spTree>
     <p:extLst>
       <p:ext uri="{BB962C8B-B14F-4D97-AF65-F5344CB8AC3E}">
-        <p14:creationId xmlns:p14="http://schemas.microsoft.com/office/powerpoint/2010/main" val="3891699235"/>
+        <p14:creationId xmlns:p14="http://schemas.microsoft.com/office/powerpoint/2010/main" val="3702748845"/>
+      </p:ext>
+    </p:extLst>
+  </p:cSld>
+  <p:clrMapOvr>
+    <a:masterClrMapping/>
+  </p:clrMapOvr>
+</p:sld>
+</file>
+
+<file path=ppt/slides/slide24.xml><?xml version="1.0" encoding="utf-8"?>
+<p:sld xmlns:a="http://schemas.openxmlformats.org/drawingml/2006/main" xmlns:r="http://schemas.openxmlformats.org/officeDocument/2006/relationships" xmlns:p="http://schemas.openxmlformats.org/presentationml/2006/main">
+  <p:cSld>
+    <p:spTree>
+      <p:nvGrpSpPr>
+        <p:cNvPr id="1" name=""/>
+        <p:cNvGrpSpPr/>
+        <p:nvPr/>
+      </p:nvGrpSpPr>
+      <p:grpSpPr>
+        <a:xfrm>
+          <a:off x="0" y="0"/>
+          <a:ext cx="0" cy="0"/>
+          <a:chOff x="0" y="0"/>
+          <a:chExt cx="0" cy="0"/>
+        </a:xfrm>
+      </p:grpSpPr>
+      <p:sp>
+        <p:nvSpPr>
+          <p:cNvPr id="2" name="Title 1">
+            <a:extLst>
+              <a:ext uri="{FF2B5EF4-FFF2-40B4-BE49-F238E27FC236}">
+                <a16:creationId xmlns:a16="http://schemas.microsoft.com/office/drawing/2014/main" id="{541DE334-4CE1-C359-556C-5DDF02F925B6}"/>
+              </a:ext>
+            </a:extLst>
+          </p:cNvPr>
+          <p:cNvSpPr>
+            <a:spLocks noGrp="1"/>
+          </p:cNvSpPr>
+          <p:nvPr>
+            <p:ph type="title"/>
+          </p:nvPr>
+        </p:nvSpPr>
+        <p:spPr/>
+        <p:txBody>
+          <a:bodyPr/>
+          <a:lstStyle/>
+          <a:p>
+            <a:endParaRPr lang="en-US"/>
+          </a:p>
+        </p:txBody>
+      </p:sp>
+      <p:sp>
+        <p:nvSpPr>
+          <p:cNvPr id="3" name="Content Placeholder 2">
+            <a:extLst>
+              <a:ext uri="{FF2B5EF4-FFF2-40B4-BE49-F238E27FC236}">
+                <a16:creationId xmlns:a16="http://schemas.microsoft.com/office/drawing/2014/main" id="{A5971B38-D1D0-A590-9946-FC484563E14D}"/>
+              </a:ext>
+            </a:extLst>
+          </p:cNvPr>
+          <p:cNvSpPr>
+            <a:spLocks noGrp="1"/>
+          </p:cNvSpPr>
+          <p:nvPr>
+            <p:ph idx="1"/>
+          </p:nvPr>
+        </p:nvSpPr>
+        <p:spPr/>
+        <p:txBody>
+          <a:bodyPr/>
+          <a:lstStyle/>
+          <a:p>
+            <a:endParaRPr lang="en-US"/>
+          </a:p>
+        </p:txBody>
+      </p:sp>
+    </p:spTree>
+    <p:extLst>
+      <p:ext uri="{BB962C8B-B14F-4D97-AF65-F5344CB8AC3E}">
+        <p14:creationId xmlns:p14="http://schemas.microsoft.com/office/powerpoint/2010/main" val="2271223376"/>
       </p:ext>
     </p:extLst>
   </p:cSld>
@@ -12837,11 +12869,7 @@
             </a:r>
             <a:r>
               <a:rPr lang="en-US" sz="2000"/>
-              <a:t>called </a:t>
-            </a:r>
-            <a:r>
-              <a:rPr lang="en-US" sz="2000" smtClean="0"/>
-              <a:t>disconnected </a:t>
+              <a:t>called disconnected </a:t>
             </a:r>
             <a:r>
               <a:rPr lang="en-US" sz="2000" dirty="0"/>

--- a/group5_graphtheory.pptx
+++ b/group5_graphtheory.pptx
@@ -2,7 +2,7 @@
 <file path=ppt/presentation.xml><?xml version="1.0" encoding="utf-8"?>
 <p:presentation xmlns:a="http://schemas.openxmlformats.org/drawingml/2006/main" xmlns:r="http://schemas.openxmlformats.org/officeDocument/2006/relationships" xmlns:p="http://schemas.openxmlformats.org/presentationml/2006/main" saveSubsetFonts="1">
   <p:sldMasterIdLst>
-    <p:sldMasterId id="2147483648" r:id="rId1"/>
+    <p:sldMasterId id="2147483672" r:id="rId1"/>
   </p:sldMasterIdLst>
   <p:notesMasterIdLst>
     <p:notesMasterId r:id="rId26"/>
@@ -520,7 +520,7 @@
           <p:cNvPr id="2" name="Title 1">
             <a:extLst>
               <a:ext uri="{FF2B5EF4-FFF2-40B4-BE49-F238E27FC236}">
-                <a16:creationId xmlns:a16="http://schemas.microsoft.com/office/drawing/2014/main" id="{BBCE1907-BF49-D1B3-738F-3128D585CAE0}"/>
+                <a16:creationId xmlns:a16="http://schemas.microsoft.com/office/drawing/2014/main" id="{90153CA9-CEE3-490E-B904-C83BB791F8FC}"/>
               </a:ext>
             </a:extLst>
           </p:cNvPr>
@@ -557,7 +557,7 @@
           <p:cNvPr id="3" name="Subtitle 2">
             <a:extLst>
               <a:ext uri="{FF2B5EF4-FFF2-40B4-BE49-F238E27FC236}">
-                <a16:creationId xmlns:a16="http://schemas.microsoft.com/office/drawing/2014/main" id="{19BC5ED9-2757-F5C3-CD09-15EB86E41325}"/>
+                <a16:creationId xmlns:a16="http://schemas.microsoft.com/office/drawing/2014/main" id="{AF28206C-017D-4C71-899C-BCADCCA35571}"/>
               </a:ext>
             </a:extLst>
           </p:cNvPr>
@@ -627,7 +627,7 @@
           <p:cNvPr id="4" name="Date Placeholder 3">
             <a:extLst>
               <a:ext uri="{FF2B5EF4-FFF2-40B4-BE49-F238E27FC236}">
-                <a16:creationId xmlns:a16="http://schemas.microsoft.com/office/drawing/2014/main" id="{05358264-F8B0-A276-EFD2-30AB32E7D94D}"/>
+                <a16:creationId xmlns:a16="http://schemas.microsoft.com/office/drawing/2014/main" id="{2E5154E0-7D74-4AF7-9183-40C4B80F41AC}"/>
               </a:ext>
             </a:extLst>
           </p:cNvPr>
@@ -656,7 +656,7 @@
           <p:cNvPr id="5" name="Footer Placeholder 4">
             <a:extLst>
               <a:ext uri="{FF2B5EF4-FFF2-40B4-BE49-F238E27FC236}">
-                <a16:creationId xmlns:a16="http://schemas.microsoft.com/office/drawing/2014/main" id="{90EE5563-C195-4274-9EC3-F64606ED5028}"/>
+                <a16:creationId xmlns:a16="http://schemas.microsoft.com/office/drawing/2014/main" id="{CE1DB4D5-CCCF-43CB-8AB6-351312003C02}"/>
               </a:ext>
             </a:extLst>
           </p:cNvPr>
@@ -681,7 +681,7 @@
           <p:cNvPr id="6" name="Slide Number Placeholder 5">
             <a:extLst>
               <a:ext uri="{FF2B5EF4-FFF2-40B4-BE49-F238E27FC236}">
-                <a16:creationId xmlns:a16="http://schemas.microsoft.com/office/drawing/2014/main" id="{F4099638-DF8D-621F-D9A4-D6A107E6D17D}"/>
+                <a16:creationId xmlns:a16="http://schemas.microsoft.com/office/drawing/2014/main" id="{2AF6B164-9EBD-465E-967C-869A54FF0EE7}"/>
               </a:ext>
             </a:extLst>
           </p:cNvPr>
@@ -708,7 +708,7 @@
     </p:spTree>
     <p:extLst>
       <p:ext uri="{BB962C8B-B14F-4D97-AF65-F5344CB8AC3E}">
-        <p14:creationId xmlns:p14="http://schemas.microsoft.com/office/powerpoint/2010/main" val="3669527005"/>
+        <p14:creationId xmlns:p14="http://schemas.microsoft.com/office/powerpoint/2010/main" val="1500984811"/>
       </p:ext>
     </p:extLst>
   </p:cSld>
@@ -740,7 +740,7 @@
           <p:cNvPr id="2" name="Title 1">
             <a:extLst>
               <a:ext uri="{FF2B5EF4-FFF2-40B4-BE49-F238E27FC236}">
-                <a16:creationId xmlns:a16="http://schemas.microsoft.com/office/drawing/2014/main" id="{ADFC1F59-0CFE-78AB-46EC-BCE01ADA4D41}"/>
+                <a16:creationId xmlns:a16="http://schemas.microsoft.com/office/drawing/2014/main" id="{54DF0A69-A3E1-41DF-8F4B-E2FC7C9D5151}"/>
               </a:ext>
             </a:extLst>
           </p:cNvPr>
@@ -768,7 +768,7 @@
           <p:cNvPr id="3" name="Vertical Text Placeholder 2">
             <a:extLst>
               <a:ext uri="{FF2B5EF4-FFF2-40B4-BE49-F238E27FC236}">
-                <a16:creationId xmlns:a16="http://schemas.microsoft.com/office/drawing/2014/main" id="{E67E3BB0-EA82-7DF3-C844-C08581E515F5}"/>
+                <a16:creationId xmlns:a16="http://schemas.microsoft.com/office/drawing/2014/main" id="{A0BFDFE4-B6D8-419C-BDC3-B155D6309148}"/>
               </a:ext>
             </a:extLst>
           </p:cNvPr>
@@ -787,7 +787,7 @@
             <a:pPr lvl="0"/>
             <a:r>
               <a:rPr lang="en-US"/>
-              <a:t>Click to edit Master text styles</a:t>
+              <a:t>Edit Master text styles</a:t>
             </a:r>
           </a:p>
           <a:p>
@@ -825,7 +825,7 @@
           <p:cNvPr id="4" name="Date Placeholder 3">
             <a:extLst>
               <a:ext uri="{FF2B5EF4-FFF2-40B4-BE49-F238E27FC236}">
-                <a16:creationId xmlns:a16="http://schemas.microsoft.com/office/drawing/2014/main" id="{397E52DF-A3DD-73BC-352D-108DA5F729C0}"/>
+                <a16:creationId xmlns:a16="http://schemas.microsoft.com/office/drawing/2014/main" id="{B773AFF5-9B35-492B-B44A-6CD8A7D05A7D}"/>
               </a:ext>
             </a:extLst>
           </p:cNvPr>
@@ -854,7 +854,7 @@
           <p:cNvPr id="5" name="Footer Placeholder 4">
             <a:extLst>
               <a:ext uri="{FF2B5EF4-FFF2-40B4-BE49-F238E27FC236}">
-                <a16:creationId xmlns:a16="http://schemas.microsoft.com/office/drawing/2014/main" id="{EADBC1C7-87F5-254B-E446-5AD25DA0392E}"/>
+                <a16:creationId xmlns:a16="http://schemas.microsoft.com/office/drawing/2014/main" id="{E7141136-EF5A-43E2-9B26-722C11CB378A}"/>
               </a:ext>
             </a:extLst>
           </p:cNvPr>
@@ -879,7 +879,7 @@
           <p:cNvPr id="6" name="Slide Number Placeholder 5">
             <a:extLst>
               <a:ext uri="{FF2B5EF4-FFF2-40B4-BE49-F238E27FC236}">
-                <a16:creationId xmlns:a16="http://schemas.microsoft.com/office/drawing/2014/main" id="{C152FEE2-1BD3-A4D0-0D35-E7305E78860E}"/>
+                <a16:creationId xmlns:a16="http://schemas.microsoft.com/office/drawing/2014/main" id="{1A704786-C1BF-4805-AF1E-AE04E48C6A40}"/>
               </a:ext>
             </a:extLst>
           </p:cNvPr>
@@ -906,7 +906,7 @@
     </p:spTree>
     <p:extLst>
       <p:ext uri="{BB962C8B-B14F-4D97-AF65-F5344CB8AC3E}">
-        <p14:creationId xmlns:p14="http://schemas.microsoft.com/office/powerpoint/2010/main" val="3117715651"/>
+        <p14:creationId xmlns:p14="http://schemas.microsoft.com/office/powerpoint/2010/main" val="3823692288"/>
       </p:ext>
     </p:extLst>
   </p:cSld>
@@ -938,7 +938,7 @@
           <p:cNvPr id="2" name="Vertical Title 1">
             <a:extLst>
               <a:ext uri="{FF2B5EF4-FFF2-40B4-BE49-F238E27FC236}">
-                <a16:creationId xmlns:a16="http://schemas.microsoft.com/office/drawing/2014/main" id="{481586F5-F921-B763-3950-D7872EE73133}"/>
+                <a16:creationId xmlns:a16="http://schemas.microsoft.com/office/drawing/2014/main" id="{DEE7E6CB-F7BE-4718-A84B-BA25DB80FF39}"/>
               </a:ext>
             </a:extLst>
           </p:cNvPr>
@@ -971,7 +971,7 @@
           <p:cNvPr id="3" name="Vertical Text Placeholder 2">
             <a:extLst>
               <a:ext uri="{FF2B5EF4-FFF2-40B4-BE49-F238E27FC236}">
-                <a16:creationId xmlns:a16="http://schemas.microsoft.com/office/drawing/2014/main" id="{3EEE1185-E9A2-AC83-C12D-85B8AAFE2D09}"/>
+                <a16:creationId xmlns:a16="http://schemas.microsoft.com/office/drawing/2014/main" id="{82A4C9AA-1C74-4EA8-B5F2-F0E47B6CF5AC}"/>
               </a:ext>
             </a:extLst>
           </p:cNvPr>
@@ -995,7 +995,7 @@
             <a:pPr lvl="0"/>
             <a:r>
               <a:rPr lang="en-US"/>
-              <a:t>Click to edit Master text styles</a:t>
+              <a:t>Edit Master text styles</a:t>
             </a:r>
           </a:p>
           <a:p>
@@ -1033,7 +1033,7 @@
           <p:cNvPr id="4" name="Date Placeholder 3">
             <a:extLst>
               <a:ext uri="{FF2B5EF4-FFF2-40B4-BE49-F238E27FC236}">
-                <a16:creationId xmlns:a16="http://schemas.microsoft.com/office/drawing/2014/main" id="{19B0B450-44E0-65BA-46AD-192A2EAF8A93}"/>
+                <a16:creationId xmlns:a16="http://schemas.microsoft.com/office/drawing/2014/main" id="{7E9EB41A-0C2B-4C24-BC92-6C6A82B8E9A6}"/>
               </a:ext>
             </a:extLst>
           </p:cNvPr>
@@ -1062,7 +1062,7 @@
           <p:cNvPr id="5" name="Footer Placeholder 4">
             <a:extLst>
               <a:ext uri="{FF2B5EF4-FFF2-40B4-BE49-F238E27FC236}">
-                <a16:creationId xmlns:a16="http://schemas.microsoft.com/office/drawing/2014/main" id="{CA3D37D5-2E14-DE41-F72B-817ED02D2C96}"/>
+                <a16:creationId xmlns:a16="http://schemas.microsoft.com/office/drawing/2014/main" id="{DFD51F58-722A-4E64-B816-094C6DE676CE}"/>
               </a:ext>
             </a:extLst>
           </p:cNvPr>
@@ -1087,7 +1087,7 @@
           <p:cNvPr id="6" name="Slide Number Placeholder 5">
             <a:extLst>
               <a:ext uri="{FF2B5EF4-FFF2-40B4-BE49-F238E27FC236}">
-                <a16:creationId xmlns:a16="http://schemas.microsoft.com/office/drawing/2014/main" id="{E37FEEDB-FAA5-ACE2-C695-76BB6061883B}"/>
+                <a16:creationId xmlns:a16="http://schemas.microsoft.com/office/drawing/2014/main" id="{F689F127-125D-40B1-AE36-1A9AF2927119}"/>
               </a:ext>
             </a:extLst>
           </p:cNvPr>
@@ -1114,7 +1114,7 @@
     </p:spTree>
     <p:extLst>
       <p:ext uri="{BB962C8B-B14F-4D97-AF65-F5344CB8AC3E}">
-        <p14:creationId xmlns:p14="http://schemas.microsoft.com/office/powerpoint/2010/main" val="2473992616"/>
+        <p14:creationId xmlns:p14="http://schemas.microsoft.com/office/powerpoint/2010/main" val="1033734425"/>
       </p:ext>
     </p:extLst>
   </p:cSld>
@@ -1146,7 +1146,7 @@
           <p:cNvPr id="2" name="Title 1">
             <a:extLst>
               <a:ext uri="{FF2B5EF4-FFF2-40B4-BE49-F238E27FC236}">
-                <a16:creationId xmlns:a16="http://schemas.microsoft.com/office/drawing/2014/main" id="{84E22EA6-F011-81D0-C0ED-156511373D36}"/>
+                <a16:creationId xmlns:a16="http://schemas.microsoft.com/office/drawing/2014/main" id="{54374454-874D-41BA-919F-BEAA279DADFF}"/>
               </a:ext>
             </a:extLst>
           </p:cNvPr>
@@ -1174,7 +1174,7 @@
           <p:cNvPr id="3" name="Content Placeholder 2">
             <a:extLst>
               <a:ext uri="{FF2B5EF4-FFF2-40B4-BE49-F238E27FC236}">
-                <a16:creationId xmlns:a16="http://schemas.microsoft.com/office/drawing/2014/main" id="{F131A518-20A3-5D2F-0E56-CE8C14DF8C9C}"/>
+                <a16:creationId xmlns:a16="http://schemas.microsoft.com/office/drawing/2014/main" id="{E404983B-6A7A-48AE-9727-E7B2382AA789}"/>
               </a:ext>
             </a:extLst>
           </p:cNvPr>
@@ -1193,7 +1193,7 @@
             <a:pPr lvl="0"/>
             <a:r>
               <a:rPr lang="en-US"/>
-              <a:t>Click to edit Master text styles</a:t>
+              <a:t>Edit Master text styles</a:t>
             </a:r>
           </a:p>
           <a:p>
@@ -1231,7 +1231,7 @@
           <p:cNvPr id="4" name="Date Placeholder 3">
             <a:extLst>
               <a:ext uri="{FF2B5EF4-FFF2-40B4-BE49-F238E27FC236}">
-                <a16:creationId xmlns:a16="http://schemas.microsoft.com/office/drawing/2014/main" id="{C39E8D88-7C40-D6EA-C801-7004B82E559F}"/>
+                <a16:creationId xmlns:a16="http://schemas.microsoft.com/office/drawing/2014/main" id="{7E95549F-5540-4931-AEC5-9C8E878C63FA}"/>
               </a:ext>
             </a:extLst>
           </p:cNvPr>
@@ -1260,7 +1260,7 @@
           <p:cNvPr id="5" name="Footer Placeholder 4">
             <a:extLst>
               <a:ext uri="{FF2B5EF4-FFF2-40B4-BE49-F238E27FC236}">
-                <a16:creationId xmlns:a16="http://schemas.microsoft.com/office/drawing/2014/main" id="{2F8260DA-273E-9730-5618-99CA28D71F74}"/>
+                <a16:creationId xmlns:a16="http://schemas.microsoft.com/office/drawing/2014/main" id="{E8540E33-F975-459A-94C6-D3350BCC7F9F}"/>
               </a:ext>
             </a:extLst>
           </p:cNvPr>
@@ -1285,7 +1285,7 @@
           <p:cNvPr id="6" name="Slide Number Placeholder 5">
             <a:extLst>
               <a:ext uri="{FF2B5EF4-FFF2-40B4-BE49-F238E27FC236}">
-                <a16:creationId xmlns:a16="http://schemas.microsoft.com/office/drawing/2014/main" id="{50132774-5B01-379E-B018-4A9C359F9C93}"/>
+                <a16:creationId xmlns:a16="http://schemas.microsoft.com/office/drawing/2014/main" id="{4DD482F3-4727-47AC-AF4C-2BA1E8D999B7}"/>
               </a:ext>
             </a:extLst>
           </p:cNvPr>
@@ -1312,7 +1312,7 @@
     </p:spTree>
     <p:extLst>
       <p:ext uri="{BB962C8B-B14F-4D97-AF65-F5344CB8AC3E}">
-        <p14:creationId xmlns:p14="http://schemas.microsoft.com/office/powerpoint/2010/main" val="3838265736"/>
+        <p14:creationId xmlns:p14="http://schemas.microsoft.com/office/powerpoint/2010/main" val="4205174019"/>
       </p:ext>
     </p:extLst>
   </p:cSld>
@@ -1344,7 +1344,7 @@
           <p:cNvPr id="2" name="Title 1">
             <a:extLst>
               <a:ext uri="{FF2B5EF4-FFF2-40B4-BE49-F238E27FC236}">
-                <a16:creationId xmlns:a16="http://schemas.microsoft.com/office/drawing/2014/main" id="{00FB3524-C4D6-30E3-4D4B-0443D14E204B}"/>
+                <a16:creationId xmlns:a16="http://schemas.microsoft.com/office/drawing/2014/main" id="{509BBA42-97E6-45AB-A899-778F199EC23A}"/>
               </a:ext>
             </a:extLst>
           </p:cNvPr>
@@ -1381,7 +1381,7 @@
           <p:cNvPr id="3" name="Text Placeholder 2">
             <a:extLst>
               <a:ext uri="{FF2B5EF4-FFF2-40B4-BE49-F238E27FC236}">
-                <a16:creationId xmlns:a16="http://schemas.microsoft.com/office/drawing/2014/main" id="{A5D1FA1C-A238-5208-BE02-3F4A97CA23FC}"/>
+                <a16:creationId xmlns:a16="http://schemas.microsoft.com/office/drawing/2014/main" id="{FE679065-DE80-4215-AA5E-4A108CDBF123}"/>
               </a:ext>
             </a:extLst>
           </p:cNvPr>
@@ -1496,7 +1496,7 @@
             <a:pPr lvl="0"/>
             <a:r>
               <a:rPr lang="en-US"/>
-              <a:t>Click to edit Master text styles</a:t>
+              <a:t>Edit Master text styles</a:t>
             </a:r>
           </a:p>
         </p:txBody>
@@ -1506,7 +1506,7 @@
           <p:cNvPr id="4" name="Date Placeholder 3">
             <a:extLst>
               <a:ext uri="{FF2B5EF4-FFF2-40B4-BE49-F238E27FC236}">
-                <a16:creationId xmlns:a16="http://schemas.microsoft.com/office/drawing/2014/main" id="{800247F4-BC63-27C9-5D19-3C0C02ED9345}"/>
+                <a16:creationId xmlns:a16="http://schemas.microsoft.com/office/drawing/2014/main" id="{920AD797-AA9B-4468-8365-7E29961EE793}"/>
               </a:ext>
             </a:extLst>
           </p:cNvPr>
@@ -1535,7 +1535,7 @@
           <p:cNvPr id="5" name="Footer Placeholder 4">
             <a:extLst>
               <a:ext uri="{FF2B5EF4-FFF2-40B4-BE49-F238E27FC236}">
-                <a16:creationId xmlns:a16="http://schemas.microsoft.com/office/drawing/2014/main" id="{BC194FA8-D691-0D9E-9120-77618A79867F}"/>
+                <a16:creationId xmlns:a16="http://schemas.microsoft.com/office/drawing/2014/main" id="{D84B7625-6DFE-47C1-9BF2-FC6CBCE0477B}"/>
               </a:ext>
             </a:extLst>
           </p:cNvPr>
@@ -1560,7 +1560,7 @@
           <p:cNvPr id="6" name="Slide Number Placeholder 5">
             <a:extLst>
               <a:ext uri="{FF2B5EF4-FFF2-40B4-BE49-F238E27FC236}">
-                <a16:creationId xmlns:a16="http://schemas.microsoft.com/office/drawing/2014/main" id="{072E3DB1-DA2C-41DA-6AD2-74A29F7CD026}"/>
+                <a16:creationId xmlns:a16="http://schemas.microsoft.com/office/drawing/2014/main" id="{8A6662A9-EF45-4BA6-A5E9-CA08D9AE56F4}"/>
               </a:ext>
             </a:extLst>
           </p:cNvPr>
@@ -1587,7 +1587,7 @@
     </p:spTree>
     <p:extLst>
       <p:ext uri="{BB962C8B-B14F-4D97-AF65-F5344CB8AC3E}">
-        <p14:creationId xmlns:p14="http://schemas.microsoft.com/office/powerpoint/2010/main" val="3608905927"/>
+        <p14:creationId xmlns:p14="http://schemas.microsoft.com/office/powerpoint/2010/main" val="4169160647"/>
       </p:ext>
     </p:extLst>
   </p:cSld>
@@ -1619,7 +1619,7 @@
           <p:cNvPr id="2" name="Title 1">
             <a:extLst>
               <a:ext uri="{FF2B5EF4-FFF2-40B4-BE49-F238E27FC236}">
-                <a16:creationId xmlns:a16="http://schemas.microsoft.com/office/drawing/2014/main" id="{D68B1386-0E2D-5C90-1B89-3B5418CF7ED3}"/>
+                <a16:creationId xmlns:a16="http://schemas.microsoft.com/office/drawing/2014/main" id="{2A320807-A51F-458D-808F-414E5E8BD54C}"/>
               </a:ext>
             </a:extLst>
           </p:cNvPr>
@@ -1647,7 +1647,7 @@
           <p:cNvPr id="3" name="Content Placeholder 2">
             <a:extLst>
               <a:ext uri="{FF2B5EF4-FFF2-40B4-BE49-F238E27FC236}">
-                <a16:creationId xmlns:a16="http://schemas.microsoft.com/office/drawing/2014/main" id="{BE2FA58E-2FC7-158F-57C9-FA55B827EE2C}"/>
+                <a16:creationId xmlns:a16="http://schemas.microsoft.com/office/drawing/2014/main" id="{6C329B2A-E17E-4DF2-A942-093AC35C9A24}"/>
               </a:ext>
             </a:extLst>
           </p:cNvPr>
@@ -1671,7 +1671,7 @@
             <a:pPr lvl="0"/>
             <a:r>
               <a:rPr lang="en-US"/>
-              <a:t>Click to edit Master text styles</a:t>
+              <a:t>Edit Master text styles</a:t>
             </a:r>
           </a:p>
           <a:p>
@@ -1709,7 +1709,7 @@
           <p:cNvPr id="4" name="Content Placeholder 3">
             <a:extLst>
               <a:ext uri="{FF2B5EF4-FFF2-40B4-BE49-F238E27FC236}">
-                <a16:creationId xmlns:a16="http://schemas.microsoft.com/office/drawing/2014/main" id="{5E19EEDA-1B50-C4A1-AA84-BDCE2951D7AC}"/>
+                <a16:creationId xmlns:a16="http://schemas.microsoft.com/office/drawing/2014/main" id="{EDBAC129-F5B0-481F-93A8-B9BA1C7601B7}"/>
               </a:ext>
             </a:extLst>
           </p:cNvPr>
@@ -1733,7 +1733,7 @@
             <a:pPr lvl="0"/>
             <a:r>
               <a:rPr lang="en-US"/>
-              <a:t>Click to edit Master text styles</a:t>
+              <a:t>Edit Master text styles</a:t>
             </a:r>
           </a:p>
           <a:p>
@@ -1771,7 +1771,7 @@
           <p:cNvPr id="5" name="Date Placeholder 4">
             <a:extLst>
               <a:ext uri="{FF2B5EF4-FFF2-40B4-BE49-F238E27FC236}">
-                <a16:creationId xmlns:a16="http://schemas.microsoft.com/office/drawing/2014/main" id="{3F78F499-4FC9-1D3E-1E41-F30EE944124A}"/>
+                <a16:creationId xmlns:a16="http://schemas.microsoft.com/office/drawing/2014/main" id="{5135CE7C-6A91-4DF8-9FDA-9FF470B132BB}"/>
               </a:ext>
             </a:extLst>
           </p:cNvPr>
@@ -1800,7 +1800,7 @@
           <p:cNvPr id="6" name="Footer Placeholder 5">
             <a:extLst>
               <a:ext uri="{FF2B5EF4-FFF2-40B4-BE49-F238E27FC236}">
-                <a16:creationId xmlns:a16="http://schemas.microsoft.com/office/drawing/2014/main" id="{46B62AD9-1B9C-DABA-B54D-C1E21197DAB2}"/>
+                <a16:creationId xmlns:a16="http://schemas.microsoft.com/office/drawing/2014/main" id="{D451B40A-821D-430D-B1EC-0F30A840642C}"/>
               </a:ext>
             </a:extLst>
           </p:cNvPr>
@@ -1825,7 +1825,7 @@
           <p:cNvPr id="7" name="Slide Number Placeholder 6">
             <a:extLst>
               <a:ext uri="{FF2B5EF4-FFF2-40B4-BE49-F238E27FC236}">
-                <a16:creationId xmlns:a16="http://schemas.microsoft.com/office/drawing/2014/main" id="{F844C1F3-1ACA-6BE7-97C3-B4EA973CF4CE}"/>
+                <a16:creationId xmlns:a16="http://schemas.microsoft.com/office/drawing/2014/main" id="{9289948C-896E-4C7F-9D59-DEBB009C386B}"/>
               </a:ext>
             </a:extLst>
           </p:cNvPr>
@@ -1852,7 +1852,7 @@
     </p:spTree>
     <p:extLst>
       <p:ext uri="{BB962C8B-B14F-4D97-AF65-F5344CB8AC3E}">
-        <p14:creationId xmlns:p14="http://schemas.microsoft.com/office/powerpoint/2010/main" val="2407236397"/>
+        <p14:creationId xmlns:p14="http://schemas.microsoft.com/office/powerpoint/2010/main" val="4211167358"/>
       </p:ext>
     </p:extLst>
   </p:cSld>
@@ -1884,7 +1884,7 @@
           <p:cNvPr id="2" name="Title 1">
             <a:extLst>
               <a:ext uri="{FF2B5EF4-FFF2-40B4-BE49-F238E27FC236}">
-                <a16:creationId xmlns:a16="http://schemas.microsoft.com/office/drawing/2014/main" id="{09A128E3-5716-3024-9D46-E59D7B932FF6}"/>
+                <a16:creationId xmlns:a16="http://schemas.microsoft.com/office/drawing/2014/main" id="{C573F594-9B9F-49C2-BCEF-6C5F0C5AD6F4}"/>
               </a:ext>
             </a:extLst>
           </p:cNvPr>
@@ -1917,7 +1917,7 @@
           <p:cNvPr id="3" name="Text Placeholder 2">
             <a:extLst>
               <a:ext uri="{FF2B5EF4-FFF2-40B4-BE49-F238E27FC236}">
-                <a16:creationId xmlns:a16="http://schemas.microsoft.com/office/drawing/2014/main" id="{903AEA5E-7524-8500-1847-1F745A90F0BE}"/>
+                <a16:creationId xmlns:a16="http://schemas.microsoft.com/office/drawing/2014/main" id="{6BD242A9-626B-4277-8B4E-3DEFB86B1E30}"/>
               </a:ext>
             </a:extLst>
           </p:cNvPr>
@@ -1978,7 +1978,7 @@
             <a:pPr lvl="0"/>
             <a:r>
               <a:rPr lang="en-US"/>
-              <a:t>Click to edit Master text styles</a:t>
+              <a:t>Edit Master text styles</a:t>
             </a:r>
           </a:p>
         </p:txBody>
@@ -1988,7 +1988,7 @@
           <p:cNvPr id="4" name="Content Placeholder 3">
             <a:extLst>
               <a:ext uri="{FF2B5EF4-FFF2-40B4-BE49-F238E27FC236}">
-                <a16:creationId xmlns:a16="http://schemas.microsoft.com/office/drawing/2014/main" id="{26385443-3F52-B4D9-DC5E-FBD9AFCC8004}"/>
+                <a16:creationId xmlns:a16="http://schemas.microsoft.com/office/drawing/2014/main" id="{6C71FFBE-4605-4F11-A2C8-C65B1BEC25B8}"/>
               </a:ext>
             </a:extLst>
           </p:cNvPr>
@@ -2012,7 +2012,7 @@
             <a:pPr lvl="0"/>
             <a:r>
               <a:rPr lang="en-US"/>
-              <a:t>Click to edit Master text styles</a:t>
+              <a:t>Edit Master text styles</a:t>
             </a:r>
           </a:p>
           <a:p>
@@ -2050,7 +2050,7 @@
           <p:cNvPr id="5" name="Text Placeholder 4">
             <a:extLst>
               <a:ext uri="{FF2B5EF4-FFF2-40B4-BE49-F238E27FC236}">
-                <a16:creationId xmlns:a16="http://schemas.microsoft.com/office/drawing/2014/main" id="{35F61570-4F38-4CDB-A24E-DD8FAFC8576C}"/>
+                <a16:creationId xmlns:a16="http://schemas.microsoft.com/office/drawing/2014/main" id="{597E7E94-08D2-4465-8275-03756E03DCA7}"/>
               </a:ext>
             </a:extLst>
           </p:cNvPr>
@@ -2111,7 +2111,7 @@
             <a:pPr lvl="0"/>
             <a:r>
               <a:rPr lang="en-US"/>
-              <a:t>Click to edit Master text styles</a:t>
+              <a:t>Edit Master text styles</a:t>
             </a:r>
           </a:p>
         </p:txBody>
@@ -2121,7 +2121,7 @@
           <p:cNvPr id="6" name="Content Placeholder 5">
             <a:extLst>
               <a:ext uri="{FF2B5EF4-FFF2-40B4-BE49-F238E27FC236}">
-                <a16:creationId xmlns:a16="http://schemas.microsoft.com/office/drawing/2014/main" id="{A684AE46-B417-9498-ACA0-B5C29C74F994}"/>
+                <a16:creationId xmlns:a16="http://schemas.microsoft.com/office/drawing/2014/main" id="{B640757D-FFF3-47E6-99C9-BFD670AF0D0A}"/>
               </a:ext>
             </a:extLst>
           </p:cNvPr>
@@ -2145,7 +2145,7 @@
             <a:pPr lvl="0"/>
             <a:r>
               <a:rPr lang="en-US"/>
-              <a:t>Click to edit Master text styles</a:t>
+              <a:t>Edit Master text styles</a:t>
             </a:r>
           </a:p>
           <a:p>
@@ -2183,7 +2183,7 @@
           <p:cNvPr id="7" name="Date Placeholder 6">
             <a:extLst>
               <a:ext uri="{FF2B5EF4-FFF2-40B4-BE49-F238E27FC236}">
-                <a16:creationId xmlns:a16="http://schemas.microsoft.com/office/drawing/2014/main" id="{0A6D5722-A5AB-C98A-3760-C4A46DB3E4F2}"/>
+                <a16:creationId xmlns:a16="http://schemas.microsoft.com/office/drawing/2014/main" id="{002B89D3-9991-4FD5-8491-E2460974C3AE}"/>
               </a:ext>
             </a:extLst>
           </p:cNvPr>
@@ -2212,7 +2212,7 @@
           <p:cNvPr id="8" name="Footer Placeholder 7">
             <a:extLst>
               <a:ext uri="{FF2B5EF4-FFF2-40B4-BE49-F238E27FC236}">
-                <a16:creationId xmlns:a16="http://schemas.microsoft.com/office/drawing/2014/main" id="{8ADE145D-2965-4477-6BE6-F32EB844DBAB}"/>
+                <a16:creationId xmlns:a16="http://schemas.microsoft.com/office/drawing/2014/main" id="{300CDECF-9448-4116-8114-C14E91479E02}"/>
               </a:ext>
             </a:extLst>
           </p:cNvPr>
@@ -2237,7 +2237,7 @@
           <p:cNvPr id="9" name="Slide Number Placeholder 8">
             <a:extLst>
               <a:ext uri="{FF2B5EF4-FFF2-40B4-BE49-F238E27FC236}">
-                <a16:creationId xmlns:a16="http://schemas.microsoft.com/office/drawing/2014/main" id="{B710E74F-2313-3984-02CF-47253D50D1DB}"/>
+                <a16:creationId xmlns:a16="http://schemas.microsoft.com/office/drawing/2014/main" id="{76DADDA4-B891-462D-9A7C-282C46B1F901}"/>
               </a:ext>
             </a:extLst>
           </p:cNvPr>
@@ -2264,7 +2264,7 @@
     </p:spTree>
     <p:extLst>
       <p:ext uri="{BB962C8B-B14F-4D97-AF65-F5344CB8AC3E}">
-        <p14:creationId xmlns:p14="http://schemas.microsoft.com/office/powerpoint/2010/main" val="166670714"/>
+        <p14:creationId xmlns:p14="http://schemas.microsoft.com/office/powerpoint/2010/main" val="3621685068"/>
       </p:ext>
     </p:extLst>
   </p:cSld>
@@ -2296,7 +2296,7 @@
           <p:cNvPr id="2" name="Title 1">
             <a:extLst>
               <a:ext uri="{FF2B5EF4-FFF2-40B4-BE49-F238E27FC236}">
-                <a16:creationId xmlns:a16="http://schemas.microsoft.com/office/drawing/2014/main" id="{D04FF4D3-F102-6994-FA69-5C26730E7C18}"/>
+                <a16:creationId xmlns:a16="http://schemas.microsoft.com/office/drawing/2014/main" id="{7B389A39-8BA1-460B-A7B7-0BAFB619D949}"/>
               </a:ext>
             </a:extLst>
           </p:cNvPr>
@@ -2324,7 +2324,7 @@
           <p:cNvPr id="3" name="Date Placeholder 2">
             <a:extLst>
               <a:ext uri="{FF2B5EF4-FFF2-40B4-BE49-F238E27FC236}">
-                <a16:creationId xmlns:a16="http://schemas.microsoft.com/office/drawing/2014/main" id="{FDD70FFA-1560-4913-A4E9-9FECE4917152}"/>
+                <a16:creationId xmlns:a16="http://schemas.microsoft.com/office/drawing/2014/main" id="{DE857218-C2CF-4B5D-BD2D-953DBA4E65F7}"/>
               </a:ext>
             </a:extLst>
           </p:cNvPr>
@@ -2353,7 +2353,7 @@
           <p:cNvPr id="4" name="Footer Placeholder 3">
             <a:extLst>
               <a:ext uri="{FF2B5EF4-FFF2-40B4-BE49-F238E27FC236}">
-                <a16:creationId xmlns:a16="http://schemas.microsoft.com/office/drawing/2014/main" id="{5CED9349-2BF4-715A-1D0D-66B2F7755624}"/>
+                <a16:creationId xmlns:a16="http://schemas.microsoft.com/office/drawing/2014/main" id="{B87E3C4D-51BB-4849-AC59-BE7A0EFDACF3}"/>
               </a:ext>
             </a:extLst>
           </p:cNvPr>
@@ -2378,7 +2378,7 @@
           <p:cNvPr id="5" name="Slide Number Placeholder 4">
             <a:extLst>
               <a:ext uri="{FF2B5EF4-FFF2-40B4-BE49-F238E27FC236}">
-                <a16:creationId xmlns:a16="http://schemas.microsoft.com/office/drawing/2014/main" id="{4E376E25-195F-FFE9-1361-CEACAF8E3FFC}"/>
+                <a16:creationId xmlns:a16="http://schemas.microsoft.com/office/drawing/2014/main" id="{1A483845-0A19-4135-8A4B-234E6DA4B3C4}"/>
               </a:ext>
             </a:extLst>
           </p:cNvPr>
@@ -2405,7 +2405,7 @@
     </p:spTree>
     <p:extLst>
       <p:ext uri="{BB962C8B-B14F-4D97-AF65-F5344CB8AC3E}">
-        <p14:creationId xmlns:p14="http://schemas.microsoft.com/office/powerpoint/2010/main" val="1193445838"/>
+        <p14:creationId xmlns:p14="http://schemas.microsoft.com/office/powerpoint/2010/main" val="2511764951"/>
       </p:ext>
     </p:extLst>
   </p:cSld>
@@ -2437,7 +2437,7 @@
           <p:cNvPr id="2" name="Date Placeholder 1">
             <a:extLst>
               <a:ext uri="{FF2B5EF4-FFF2-40B4-BE49-F238E27FC236}">
-                <a16:creationId xmlns:a16="http://schemas.microsoft.com/office/drawing/2014/main" id="{888CE8D8-AA39-0D35-7F03-0BCCC48CF4E8}"/>
+                <a16:creationId xmlns:a16="http://schemas.microsoft.com/office/drawing/2014/main" id="{6A911417-751B-4A8B-8B5C-E830524A1670}"/>
               </a:ext>
             </a:extLst>
           </p:cNvPr>
@@ -2466,7 +2466,7 @@
           <p:cNvPr id="3" name="Footer Placeholder 2">
             <a:extLst>
               <a:ext uri="{FF2B5EF4-FFF2-40B4-BE49-F238E27FC236}">
-                <a16:creationId xmlns:a16="http://schemas.microsoft.com/office/drawing/2014/main" id="{D5D0993D-B522-8602-EDA4-47C7C80D3A9A}"/>
+                <a16:creationId xmlns:a16="http://schemas.microsoft.com/office/drawing/2014/main" id="{5CA4A73D-9967-4B6D-AFC0-E36A3DADD2B2}"/>
               </a:ext>
             </a:extLst>
           </p:cNvPr>
@@ -2491,7 +2491,7 @@
           <p:cNvPr id="4" name="Slide Number Placeholder 3">
             <a:extLst>
               <a:ext uri="{FF2B5EF4-FFF2-40B4-BE49-F238E27FC236}">
-                <a16:creationId xmlns:a16="http://schemas.microsoft.com/office/drawing/2014/main" id="{D2DFDD99-8F35-0B5C-EA47-3CE1D767F1D7}"/>
+                <a16:creationId xmlns:a16="http://schemas.microsoft.com/office/drawing/2014/main" id="{9B683209-557C-448F-B737-7B704BE13B30}"/>
               </a:ext>
             </a:extLst>
           </p:cNvPr>
@@ -2518,7 +2518,7 @@
     </p:spTree>
     <p:extLst>
       <p:ext uri="{BB962C8B-B14F-4D97-AF65-F5344CB8AC3E}">
-        <p14:creationId xmlns:p14="http://schemas.microsoft.com/office/powerpoint/2010/main" val="1592230869"/>
+        <p14:creationId xmlns:p14="http://schemas.microsoft.com/office/powerpoint/2010/main" val="284658774"/>
       </p:ext>
     </p:extLst>
   </p:cSld>
@@ -2550,7 +2550,7 @@
           <p:cNvPr id="2" name="Title 1">
             <a:extLst>
               <a:ext uri="{FF2B5EF4-FFF2-40B4-BE49-F238E27FC236}">
-                <a16:creationId xmlns:a16="http://schemas.microsoft.com/office/drawing/2014/main" id="{409C0E09-3F32-A176-2CEC-80DE25093100}"/>
+                <a16:creationId xmlns:a16="http://schemas.microsoft.com/office/drawing/2014/main" id="{C6242804-3BAA-4C10-8C80-09163D1A9385}"/>
               </a:ext>
             </a:extLst>
           </p:cNvPr>
@@ -2587,7 +2587,7 @@
           <p:cNvPr id="3" name="Content Placeholder 2">
             <a:extLst>
               <a:ext uri="{FF2B5EF4-FFF2-40B4-BE49-F238E27FC236}">
-                <a16:creationId xmlns:a16="http://schemas.microsoft.com/office/drawing/2014/main" id="{96161A0A-5C2F-040B-0B8B-2C8A80CBD3D9}"/>
+                <a16:creationId xmlns:a16="http://schemas.microsoft.com/office/drawing/2014/main" id="{3572D3B3-8BBD-4040-8A8E-EB60A12217C9}"/>
               </a:ext>
             </a:extLst>
           </p:cNvPr>
@@ -2639,7 +2639,7 @@
             <a:pPr lvl="0"/>
             <a:r>
               <a:rPr lang="en-US"/>
-              <a:t>Click to edit Master text styles</a:t>
+              <a:t>Edit Master text styles</a:t>
             </a:r>
           </a:p>
           <a:p>
@@ -2677,7 +2677,7 @@
           <p:cNvPr id="4" name="Text Placeholder 3">
             <a:extLst>
               <a:ext uri="{FF2B5EF4-FFF2-40B4-BE49-F238E27FC236}">
-                <a16:creationId xmlns:a16="http://schemas.microsoft.com/office/drawing/2014/main" id="{230714B7-95F4-FD5A-4EFA-6E1CB9AC75D1}"/>
+                <a16:creationId xmlns:a16="http://schemas.microsoft.com/office/drawing/2014/main" id="{35CFFDF4-C3C7-40B7-998A-C4E5DC70044C}"/>
               </a:ext>
             </a:extLst>
           </p:cNvPr>
@@ -2738,7 +2738,7 @@
             <a:pPr lvl="0"/>
             <a:r>
               <a:rPr lang="en-US"/>
-              <a:t>Click to edit Master text styles</a:t>
+              <a:t>Edit Master text styles</a:t>
             </a:r>
           </a:p>
         </p:txBody>
@@ -2748,7 +2748,7 @@
           <p:cNvPr id="5" name="Date Placeholder 4">
             <a:extLst>
               <a:ext uri="{FF2B5EF4-FFF2-40B4-BE49-F238E27FC236}">
-                <a16:creationId xmlns:a16="http://schemas.microsoft.com/office/drawing/2014/main" id="{ACA955DA-6E22-361C-D051-1DEDC7B93482}"/>
+                <a16:creationId xmlns:a16="http://schemas.microsoft.com/office/drawing/2014/main" id="{AB3D33DC-9AC1-44A6-8EF1-559EC4BB19DD}"/>
               </a:ext>
             </a:extLst>
           </p:cNvPr>
@@ -2777,7 +2777,7 @@
           <p:cNvPr id="6" name="Footer Placeholder 5">
             <a:extLst>
               <a:ext uri="{FF2B5EF4-FFF2-40B4-BE49-F238E27FC236}">
-                <a16:creationId xmlns:a16="http://schemas.microsoft.com/office/drawing/2014/main" id="{35E37E4F-2A21-0255-AF4B-171A69863F92}"/>
+                <a16:creationId xmlns:a16="http://schemas.microsoft.com/office/drawing/2014/main" id="{C46E6C10-CEB5-4B1F-AC0D-6AB2C63AE4A7}"/>
               </a:ext>
             </a:extLst>
           </p:cNvPr>
@@ -2802,7 +2802,7 @@
           <p:cNvPr id="7" name="Slide Number Placeholder 6">
             <a:extLst>
               <a:ext uri="{FF2B5EF4-FFF2-40B4-BE49-F238E27FC236}">
-                <a16:creationId xmlns:a16="http://schemas.microsoft.com/office/drawing/2014/main" id="{18E00153-4ED2-57CB-DE0A-9D5BEA86DAE0}"/>
+                <a16:creationId xmlns:a16="http://schemas.microsoft.com/office/drawing/2014/main" id="{A017AC0C-F6FA-40D6-9F6C-8C368C978273}"/>
               </a:ext>
             </a:extLst>
           </p:cNvPr>
@@ -2829,7 +2829,7 @@
     </p:spTree>
     <p:extLst>
       <p:ext uri="{BB962C8B-B14F-4D97-AF65-F5344CB8AC3E}">
-        <p14:creationId xmlns:p14="http://schemas.microsoft.com/office/powerpoint/2010/main" val="780544810"/>
+        <p14:creationId xmlns:p14="http://schemas.microsoft.com/office/powerpoint/2010/main" val="4171351269"/>
       </p:ext>
     </p:extLst>
   </p:cSld>
@@ -2861,7 +2861,7 @@
           <p:cNvPr id="2" name="Title 1">
             <a:extLst>
               <a:ext uri="{FF2B5EF4-FFF2-40B4-BE49-F238E27FC236}">
-                <a16:creationId xmlns:a16="http://schemas.microsoft.com/office/drawing/2014/main" id="{4F190398-F10E-E9EC-25DD-9CB1BB6771B2}"/>
+                <a16:creationId xmlns:a16="http://schemas.microsoft.com/office/drawing/2014/main" id="{A7F24B01-EE1C-45EE-8417-7DD723D22EC4}"/>
               </a:ext>
             </a:extLst>
           </p:cNvPr>
@@ -2898,7 +2898,7 @@
           <p:cNvPr id="3" name="Picture Placeholder 2">
             <a:extLst>
               <a:ext uri="{FF2B5EF4-FFF2-40B4-BE49-F238E27FC236}">
-                <a16:creationId xmlns:a16="http://schemas.microsoft.com/office/drawing/2014/main" id="{D893508A-77DE-4D92-69DC-11609AAA1531}"/>
+                <a16:creationId xmlns:a16="http://schemas.microsoft.com/office/drawing/2014/main" id="{232AA200-9C6F-4F24-A443-CCF4808F2DDE}"/>
               </a:ext>
             </a:extLst>
           </p:cNvPr>
@@ -2965,7 +2965,7 @@
           <p:cNvPr id="4" name="Text Placeholder 3">
             <a:extLst>
               <a:ext uri="{FF2B5EF4-FFF2-40B4-BE49-F238E27FC236}">
-                <a16:creationId xmlns:a16="http://schemas.microsoft.com/office/drawing/2014/main" id="{7AFCBC79-8C85-31AF-D1C8-F2AF64DAB98F}"/>
+                <a16:creationId xmlns:a16="http://schemas.microsoft.com/office/drawing/2014/main" id="{233B9892-61C9-4F8E-9C07-E15B547144F6}"/>
               </a:ext>
             </a:extLst>
           </p:cNvPr>
@@ -3026,7 +3026,7 @@
             <a:pPr lvl="0"/>
             <a:r>
               <a:rPr lang="en-US"/>
-              <a:t>Click to edit Master text styles</a:t>
+              <a:t>Edit Master text styles</a:t>
             </a:r>
           </a:p>
         </p:txBody>
@@ -3036,7 +3036,7 @@
           <p:cNvPr id="5" name="Date Placeholder 4">
             <a:extLst>
               <a:ext uri="{FF2B5EF4-FFF2-40B4-BE49-F238E27FC236}">
-                <a16:creationId xmlns:a16="http://schemas.microsoft.com/office/drawing/2014/main" id="{76389C7E-9267-3EDF-003D-7C0FDBFA508F}"/>
+                <a16:creationId xmlns:a16="http://schemas.microsoft.com/office/drawing/2014/main" id="{5033C767-5AFB-4AEE-889D-C078CADF5B53}"/>
               </a:ext>
             </a:extLst>
           </p:cNvPr>
@@ -3065,7 +3065,7 @@
           <p:cNvPr id="6" name="Footer Placeholder 5">
             <a:extLst>
               <a:ext uri="{FF2B5EF4-FFF2-40B4-BE49-F238E27FC236}">
-                <a16:creationId xmlns:a16="http://schemas.microsoft.com/office/drawing/2014/main" id="{1B14C527-EFB6-DFF4-9FEB-0D9DFB2B6811}"/>
+                <a16:creationId xmlns:a16="http://schemas.microsoft.com/office/drawing/2014/main" id="{48223B0A-488A-42B2-89E2-051C35A33957}"/>
               </a:ext>
             </a:extLst>
           </p:cNvPr>
@@ -3090,7 +3090,7 @@
           <p:cNvPr id="7" name="Slide Number Placeholder 6">
             <a:extLst>
               <a:ext uri="{FF2B5EF4-FFF2-40B4-BE49-F238E27FC236}">
-                <a16:creationId xmlns:a16="http://schemas.microsoft.com/office/drawing/2014/main" id="{04F8F925-6262-B826-A3DD-C173AE89BFB6}"/>
+                <a16:creationId xmlns:a16="http://schemas.microsoft.com/office/drawing/2014/main" id="{E7F74123-1917-4DB7-92FB-40764EA7A03C}"/>
               </a:ext>
             </a:extLst>
           </p:cNvPr>
@@ -3117,7 +3117,7 @@
     </p:spTree>
     <p:extLst>
       <p:ext uri="{BB962C8B-B14F-4D97-AF65-F5344CB8AC3E}">
-        <p14:creationId xmlns:p14="http://schemas.microsoft.com/office/powerpoint/2010/main" val="375813318"/>
+        <p14:creationId xmlns:p14="http://schemas.microsoft.com/office/powerpoint/2010/main" val="3746057260"/>
       </p:ext>
     </p:extLst>
   </p:cSld>
@@ -3154,7 +3154,7 @@
           <p:cNvPr id="2" name="Title Placeholder 1">
             <a:extLst>
               <a:ext uri="{FF2B5EF4-FFF2-40B4-BE49-F238E27FC236}">
-                <a16:creationId xmlns:a16="http://schemas.microsoft.com/office/drawing/2014/main" id="{B32AADF5-564A-6FC8-DA02-52CD62EE83BB}"/>
+                <a16:creationId xmlns:a16="http://schemas.microsoft.com/office/drawing/2014/main" id="{382F6176-00BD-4693-9923-06254454CE87}"/>
               </a:ext>
             </a:extLst>
           </p:cNvPr>
@@ -3192,7 +3192,7 @@
           <p:cNvPr id="3" name="Text Placeholder 2">
             <a:extLst>
               <a:ext uri="{FF2B5EF4-FFF2-40B4-BE49-F238E27FC236}">
-                <a16:creationId xmlns:a16="http://schemas.microsoft.com/office/drawing/2014/main" id="{FCA809DA-1918-6B6E-84B9-7AF4846B4EF4}"/>
+                <a16:creationId xmlns:a16="http://schemas.microsoft.com/office/drawing/2014/main" id="{D72465CB-1324-49D6-9ECC-556522513431}"/>
               </a:ext>
             </a:extLst>
           </p:cNvPr>
@@ -3221,7 +3221,7 @@
             <a:pPr lvl="0"/>
             <a:r>
               <a:rPr lang="en-US"/>
-              <a:t>Click to edit Master text styles</a:t>
+              <a:t>Edit Master text styles</a:t>
             </a:r>
           </a:p>
           <a:p>
@@ -3259,7 +3259,7 @@
           <p:cNvPr id="4" name="Date Placeholder 3">
             <a:extLst>
               <a:ext uri="{FF2B5EF4-FFF2-40B4-BE49-F238E27FC236}">
-                <a16:creationId xmlns:a16="http://schemas.microsoft.com/office/drawing/2014/main" id="{770793CA-3E15-F6B2-B2A1-34FDFAE0C83D}"/>
+                <a16:creationId xmlns:a16="http://schemas.microsoft.com/office/drawing/2014/main" id="{015AC27E-C027-48A9-9810-D8B9A76821C3}"/>
               </a:ext>
             </a:extLst>
           </p:cNvPr>
@@ -3306,7 +3306,7 @@
           <p:cNvPr id="5" name="Footer Placeholder 4">
             <a:extLst>
               <a:ext uri="{FF2B5EF4-FFF2-40B4-BE49-F238E27FC236}">
-                <a16:creationId xmlns:a16="http://schemas.microsoft.com/office/drawing/2014/main" id="{AB07A422-CD51-D5AD-C86C-33D1D909F553}"/>
+                <a16:creationId xmlns:a16="http://schemas.microsoft.com/office/drawing/2014/main" id="{2E413427-C6F3-4826-9257-F18E6C1304BA}"/>
               </a:ext>
             </a:extLst>
           </p:cNvPr>
@@ -3349,7 +3349,7 @@
           <p:cNvPr id="6" name="Slide Number Placeholder 5">
             <a:extLst>
               <a:ext uri="{FF2B5EF4-FFF2-40B4-BE49-F238E27FC236}">
-                <a16:creationId xmlns:a16="http://schemas.microsoft.com/office/drawing/2014/main" id="{CF4075A9-3CCD-DE39-76BC-8197600561E6}"/>
+                <a16:creationId xmlns:a16="http://schemas.microsoft.com/office/drawing/2014/main" id="{E752DF0D-A4E4-4EBB-84AE-4128B6C45E42}"/>
               </a:ext>
             </a:extLst>
           </p:cNvPr>
@@ -3394,23 +3394,23 @@
     </p:spTree>
     <p:extLst>
       <p:ext uri="{BB962C8B-B14F-4D97-AF65-F5344CB8AC3E}">
-        <p14:creationId xmlns:p14="http://schemas.microsoft.com/office/powerpoint/2010/main" val="26580616"/>
+        <p14:creationId xmlns:p14="http://schemas.microsoft.com/office/powerpoint/2010/main" val="3223482367"/>
       </p:ext>
     </p:extLst>
   </p:cSld>
   <p:clrMap bg1="lt1" tx1="dk1" bg2="lt2" tx2="dk2" accent1="accent1" accent2="accent2" accent3="accent3" accent4="accent4" accent5="accent5" accent6="accent6" hlink="hlink" folHlink="folHlink"/>
   <p:sldLayoutIdLst>
-    <p:sldLayoutId id="2147483649" r:id="rId1"/>
-    <p:sldLayoutId id="2147483650" r:id="rId2"/>
-    <p:sldLayoutId id="2147483651" r:id="rId3"/>
-    <p:sldLayoutId id="2147483652" r:id="rId4"/>
-    <p:sldLayoutId id="2147483653" r:id="rId5"/>
-    <p:sldLayoutId id="2147483654" r:id="rId6"/>
-    <p:sldLayoutId id="2147483655" r:id="rId7"/>
-    <p:sldLayoutId id="2147483656" r:id="rId8"/>
-    <p:sldLayoutId id="2147483657" r:id="rId9"/>
-    <p:sldLayoutId id="2147483658" r:id="rId10"/>
-    <p:sldLayoutId id="2147483659" r:id="rId11"/>
+    <p:sldLayoutId id="2147483673" r:id="rId1"/>
+    <p:sldLayoutId id="2147483674" r:id="rId2"/>
+    <p:sldLayoutId id="2147483675" r:id="rId3"/>
+    <p:sldLayoutId id="2147483676" r:id="rId4"/>
+    <p:sldLayoutId id="2147483677" r:id="rId5"/>
+    <p:sldLayoutId id="2147483678" r:id="rId6"/>
+    <p:sldLayoutId id="2147483679" r:id="rId7"/>
+    <p:sldLayoutId id="2147483680" r:id="rId8"/>
+    <p:sldLayoutId id="2147483681" r:id="rId9"/>
+    <p:sldLayoutId id="2147483682" r:id="rId10"/>
+    <p:sldLayoutId id="2147483683" r:id="rId11"/>
   </p:sldLayoutIdLst>
   <p:txStyles>
     <p:titleStyle>
@@ -8463,6 +8463,31 @@
       </p:sp>
       <p:sp>
         <p:nvSpPr>
+          <p:cNvPr id="3" name="Content Placeholder 2">
+            <a:extLst>
+              <a:ext uri="{FF2B5EF4-FFF2-40B4-BE49-F238E27FC236}">
+                <a16:creationId xmlns:a16="http://schemas.microsoft.com/office/drawing/2014/main" id="{D5E016E4-BDAF-4DC3-9D94-4DE8B9339639}"/>
+              </a:ext>
+            </a:extLst>
+          </p:cNvPr>
+          <p:cNvSpPr>
+            <a:spLocks noGrp="1"/>
+          </p:cNvSpPr>
+          <p:nvPr>
+            <p:ph idx="1"/>
+          </p:nvPr>
+        </p:nvSpPr>
+        <p:spPr/>
+        <p:txBody>
+          <a:bodyPr/>
+          <a:lstStyle/>
+          <a:p>
+            <a:endParaRPr lang="en-US" dirty="0"/>
+          </a:p>
+        </p:txBody>
+      </p:sp>
+      <p:sp>
+        <p:nvSpPr>
           <p:cNvPr id="4" name="Text Placeholder 3">
             <a:extLst>
               <a:ext uri="{FF2B5EF4-FFF2-40B4-BE49-F238E27FC236}">
@@ -8486,31 +8511,6 @@
               <a:rPr lang="en-US" dirty="0"/>
               <a:t>Topics like graph theory, and recursion play crucial roles in modeling and solving the game.</a:t>
             </a:r>
-          </a:p>
-        </p:txBody>
-      </p:sp>
-      <p:sp>
-        <p:nvSpPr>
-          <p:cNvPr id="3" name="Content Placeholder 2">
-            <a:extLst>
-              <a:ext uri="{FF2B5EF4-FFF2-40B4-BE49-F238E27FC236}">
-                <a16:creationId xmlns:a16="http://schemas.microsoft.com/office/drawing/2014/main" id="{D5E016E4-BDAF-4DC3-9D94-4DE8B9339639}"/>
-              </a:ext>
-            </a:extLst>
-          </p:cNvPr>
-          <p:cNvSpPr>
-            <a:spLocks noGrp="1"/>
-          </p:cNvSpPr>
-          <p:nvPr>
-            <p:ph idx="1"/>
-          </p:nvPr>
-        </p:nvSpPr>
-        <p:spPr/>
-        <p:txBody>
-          <a:bodyPr/>
-          <a:lstStyle/>
-          <a:p>
-            <a:endParaRPr lang="en-US" dirty="0"/>
           </a:p>
         </p:txBody>
       </p:sp>
@@ -9708,13 +9708,42 @@
         </p:nvSpPr>
         <p:spPr>
           <a:xfrm>
-            <a:off x="831848" y="768350"/>
-            <a:ext cx="10515599" cy="1500187"/>
+            <a:off x="838200" y="1852217"/>
+            <a:ext cx="10515599" cy="1091366"/>
           </a:xfrm>
+          <a:solidFill>
+            <a:schemeClr val="accent1">
+              <a:lumMod val="40000"/>
+              <a:lumOff val="60000"/>
+              <a:alpha val="43000"/>
+            </a:schemeClr>
+          </a:solidFill>
+          <a:effectLst>
+            <a:outerShdw blurRad="50800" dist="50800" dir="21540000" algn="ctr" rotWithShape="0">
+              <a:srgbClr val="000000">
+                <a:alpha val="43137"/>
+              </a:srgbClr>
+            </a:outerShdw>
+            <a:softEdge rad="12700"/>
+          </a:effectLst>
         </p:spPr>
+        <p:style>
+          <a:lnRef idx="2">
+            <a:schemeClr val="accent5"/>
+          </a:lnRef>
+          <a:fillRef idx="1">
+            <a:schemeClr val="lt1"/>
+          </a:fillRef>
+          <a:effectRef idx="0">
+            <a:schemeClr val="accent5"/>
+          </a:effectRef>
+          <a:fontRef idx="minor">
+            <a:schemeClr val="dk1"/>
+          </a:fontRef>
+        </p:style>
         <p:txBody>
           <a:bodyPr>
-            <a:normAutofit fontScale="90000"/>
+            <a:normAutofit/>
           </a:bodyPr>
           <a:lstStyle/>
           <a:p>
@@ -9724,21 +9753,11 @@
               </a:lnSpc>
             </a:pPr>
             <a:r>
-              <a:rPr lang="en-US" sz="4000" b="1" dirty="0">
-                <a:latin typeface="Arial Black" panose="020B0A04020102020204" pitchFamily="34" charset="0"/>
-              </a:rPr>
-              <a:t>GRAPH :</a:t>
-            </a:r>
-            <a:r>
-              <a:rPr lang="en-US" dirty="0"/>
-              <a:t> </a:t>
-            </a:r>
-            <a:r>
               <a:rPr lang="en-US" sz="3200" dirty="0">
                 <a:latin typeface="Arial" panose="020B0604020202020204" pitchFamily="34" charset="0"/>
                 <a:cs typeface="Arial" panose="020B0604020202020204" pitchFamily="34" charset="0"/>
               </a:rPr>
-              <a:t>a list of pairs of “things” called vertex/vertices, and lines between those points, called edges </a:t>
+              <a:t>A list of pairs of “things” called vertex/vertices, and lines between those points, called edges </a:t>
             </a:r>
             <a:endParaRPr lang="en-US" dirty="0">
               <a:latin typeface="Arial" panose="020B0604020202020204" pitchFamily="34" charset="0"/>
@@ -9765,9 +9784,16 @@
         </p:nvSpPr>
         <p:spPr>
           <a:xfrm>
-            <a:off x="831847" y="2903537"/>
-            <a:ext cx="10515600" cy="1500187"/>
+            <a:off x="842007" y="2974657"/>
+            <a:ext cx="6361433" cy="1360025"/>
           </a:xfrm>
+          <a:solidFill>
+            <a:schemeClr val="accent1">
+              <a:lumMod val="40000"/>
+              <a:lumOff val="60000"/>
+              <a:alpha val="44000"/>
+            </a:schemeClr>
+          </a:solidFill>
         </p:spPr>
         <p:txBody>
           <a:bodyPr/>
@@ -9840,7 +9866,7 @@
         </p:blipFill>
         <p:spPr>
           <a:xfrm>
-            <a:off x="8343937" y="3702353"/>
+            <a:off x="7763794" y="3312808"/>
             <a:ext cx="3543263" cy="2978676"/>
           </a:xfrm>
           <a:prstGeom prst="rect">
@@ -9916,8 +9942,238 @@
           <a:prstGeom prst="rect">
             <a:avLst/>
           </a:prstGeom>
+          <a:gradFill flip="none" rotWithShape="1">
+            <a:gsLst>
+              <a:gs pos="0">
+                <a:srgbClr val="B4C7E7"/>
+              </a:gs>
+              <a:gs pos="74000">
+                <a:schemeClr val="accent5">
+                  <a:lumMod val="45000"/>
+                  <a:lumOff val="55000"/>
+                </a:schemeClr>
+              </a:gs>
+              <a:gs pos="83000">
+                <a:schemeClr val="accent5">
+                  <a:lumMod val="45000"/>
+                  <a:lumOff val="55000"/>
+                </a:schemeClr>
+              </a:gs>
+              <a:gs pos="100000">
+                <a:schemeClr val="accent5">
+                  <a:lumMod val="30000"/>
+                  <a:lumOff val="70000"/>
+                </a:schemeClr>
+              </a:gs>
+            </a:gsLst>
+            <a:lin ang="5400000" scaled="1"/>
+            <a:tileRect/>
+          </a:gradFill>
         </p:spPr>
       </p:pic>
+      <p:sp>
+        <p:nvSpPr>
+          <p:cNvPr id="6" name="Rectangle 5">
+            <a:extLst>
+              <a:ext uri="{FF2B5EF4-FFF2-40B4-BE49-F238E27FC236}">
+                <a16:creationId xmlns:a16="http://schemas.microsoft.com/office/drawing/2014/main" id="{08C08A99-DA83-4ED5-934A-46DE386A0F26}"/>
+              </a:ext>
+            </a:extLst>
+          </p:cNvPr>
+          <p:cNvSpPr/>
+          <p:nvPr/>
+        </p:nvSpPr>
+        <p:spPr>
+          <a:xfrm>
+            <a:off x="0" y="1"/>
+            <a:ext cx="12192000" cy="264160"/>
+          </a:xfrm>
+          <a:prstGeom prst="rect">
+            <a:avLst/>
+          </a:prstGeom>
+          <a:gradFill flip="none" rotWithShape="0">
+            <a:gsLst>
+              <a:gs pos="0">
+                <a:schemeClr val="accent2">
+                  <a:lumMod val="75000"/>
+                  <a:alpha val="80000"/>
+                </a:schemeClr>
+              </a:gs>
+              <a:gs pos="100000">
+                <a:schemeClr val="tx2">
+                  <a:lumMod val="90000"/>
+                  <a:lumOff val="10000"/>
+                </a:schemeClr>
+              </a:gs>
+            </a:gsLst>
+            <a:lin ang="5400000" scaled="1"/>
+            <a:tileRect/>
+          </a:gradFill>
+        </p:spPr>
+        <p:style>
+          <a:lnRef idx="2">
+            <a:schemeClr val="accent1">
+              <a:shade val="50000"/>
+            </a:schemeClr>
+          </a:lnRef>
+          <a:fillRef idx="1">
+            <a:schemeClr val="accent1"/>
+          </a:fillRef>
+          <a:effectRef idx="0">
+            <a:schemeClr val="accent1"/>
+          </a:effectRef>
+          <a:fontRef idx="minor">
+            <a:schemeClr val="lt1"/>
+          </a:fontRef>
+        </p:style>
+        <p:txBody>
+          <a:bodyPr rtlCol="0" anchor="ctr"/>
+          <a:lstStyle/>
+          <a:p>
+            <a:pPr algn="ctr"/>
+            <a:endParaRPr lang="en-US"/>
+          </a:p>
+        </p:txBody>
+      </p:sp>
+      <p:sp>
+        <p:nvSpPr>
+          <p:cNvPr id="11" name="TextBox 10">
+            <a:extLst>
+              <a:ext uri="{FF2B5EF4-FFF2-40B4-BE49-F238E27FC236}">
+                <a16:creationId xmlns:a16="http://schemas.microsoft.com/office/drawing/2014/main" id="{DA88858B-D6D6-4C4E-AE8B-389F1084DDB3}"/>
+              </a:ext>
+            </a:extLst>
+          </p:cNvPr>
+          <p:cNvSpPr txBox="1"/>
+          <p:nvPr/>
+        </p:nvSpPr>
+        <p:spPr>
+          <a:xfrm>
+            <a:off x="3891280" y="860999"/>
+            <a:ext cx="4452657" cy="769441"/>
+          </a:xfrm>
+          <a:prstGeom prst="rect">
+            <a:avLst/>
+          </a:prstGeom>
+          <a:noFill/>
+        </p:spPr>
+        <p:txBody>
+          <a:bodyPr wrap="square" rtlCol="0">
+            <a:spAutoFit/>
+          </a:bodyPr>
+          <a:lstStyle/>
+          <a:p>
+            <a:pPr algn="ctr"/>
+            <a:r>
+              <a:rPr lang="en-US" sz="4400" b="1" dirty="0"/>
+              <a:t>GRAPH</a:t>
+            </a:r>
+          </a:p>
+        </p:txBody>
+      </p:sp>
+      <p:sp>
+        <p:nvSpPr>
+          <p:cNvPr id="14" name="Rectangle 13">
+            <a:extLst>
+              <a:ext uri="{FF2B5EF4-FFF2-40B4-BE49-F238E27FC236}">
+                <a16:creationId xmlns:a16="http://schemas.microsoft.com/office/drawing/2014/main" id="{756206C2-8189-4D35-B098-D73C3F67FBFF}"/>
+              </a:ext>
+            </a:extLst>
+          </p:cNvPr>
+          <p:cNvSpPr/>
+          <p:nvPr/>
+        </p:nvSpPr>
+        <p:spPr>
+          <a:xfrm>
+            <a:off x="-1" y="6660709"/>
+            <a:ext cx="12192000" cy="264160"/>
+          </a:xfrm>
+          <a:prstGeom prst="rect">
+            <a:avLst/>
+          </a:prstGeom>
+          <a:gradFill>
+            <a:gsLst>
+              <a:gs pos="4000">
+                <a:schemeClr val="accent2">
+                  <a:lumMod val="75000"/>
+                  <a:alpha val="78000"/>
+                </a:schemeClr>
+              </a:gs>
+              <a:gs pos="100000">
+                <a:schemeClr val="tx2">
+                  <a:lumMod val="90000"/>
+                  <a:lumOff val="10000"/>
+                </a:schemeClr>
+              </a:gs>
+            </a:gsLst>
+            <a:lin ang="5400000" scaled="1"/>
+          </a:gradFill>
+        </p:spPr>
+        <p:style>
+          <a:lnRef idx="2">
+            <a:schemeClr val="accent1">
+              <a:shade val="50000"/>
+            </a:schemeClr>
+          </a:lnRef>
+          <a:fillRef idx="1">
+            <a:schemeClr val="accent1"/>
+          </a:fillRef>
+          <a:effectRef idx="0">
+            <a:schemeClr val="accent1"/>
+          </a:effectRef>
+          <a:fontRef idx="minor">
+            <a:schemeClr val="lt1"/>
+          </a:fontRef>
+        </p:style>
+        <p:txBody>
+          <a:bodyPr rtlCol="0" anchor="ctr"/>
+          <a:lstStyle/>
+          <a:p>
+            <a:pPr algn="ctr"/>
+            <a:endParaRPr lang="en-US"/>
+          </a:p>
+        </p:txBody>
+      </p:sp>
+      <p:sp>
+        <p:nvSpPr>
+          <p:cNvPr id="16" name="TextBox 15">
+            <a:extLst>
+              <a:ext uri="{FF2B5EF4-FFF2-40B4-BE49-F238E27FC236}">
+                <a16:creationId xmlns:a16="http://schemas.microsoft.com/office/drawing/2014/main" id="{10BDE3AA-9B93-40EE-9DFE-CDAF5EB5A879}"/>
+              </a:ext>
+            </a:extLst>
+          </p:cNvPr>
+          <p:cNvSpPr txBox="1"/>
+          <p:nvPr/>
+        </p:nvSpPr>
+        <p:spPr>
+          <a:xfrm>
+            <a:off x="538480" y="6660709"/>
+            <a:ext cx="4826000" cy="369332"/>
+          </a:xfrm>
+          <a:prstGeom prst="rect">
+            <a:avLst/>
+          </a:prstGeom>
+          <a:noFill/>
+        </p:spPr>
+        <p:txBody>
+          <a:bodyPr wrap="square" rtlCol="0">
+            <a:spAutoFit/>
+          </a:bodyPr>
+          <a:lstStyle/>
+          <a:p>
+            <a:r>
+              <a:rPr lang="en-US" dirty="0">
+                <a:solidFill>
+                  <a:schemeClr val="bg1"/>
+                </a:solidFill>
+                <a:latin typeface="Berlin Sans FB" panose="020E0602020502020306" pitchFamily="34" charset="0"/>
+              </a:rPr>
+              <a:t>GRAPH THEORY IN BOARD GAMES</a:t>
+            </a:r>
+          </a:p>
+        </p:txBody>
+      </p:sp>
     </p:spTree>
     <p:extLst>
       <p:ext uri="{BB962C8B-B14F-4D97-AF65-F5344CB8AC3E}">
@@ -9928,6 +10184,14 @@
   <p:clrMapOvr>
     <a:masterClrMapping/>
   </p:clrMapOvr>
+  <mc:AlternateContent xmlns:mc="http://schemas.openxmlformats.org/markup-compatibility/2006">
+    <mc:Choice xmlns:p14="http://schemas.microsoft.com/office/powerpoint/2010/main" Requires="p14">
+      <p:transition p14:dur="10"/>
+    </mc:Choice>
+    <mc:Fallback>
+      <p:transition/>
+    </mc:Fallback>
+  </mc:AlternateContent>
 </p:sld>
 </file>
 

--- a/group5_graphtheory.pptx
+++ b/group5_graphtheory.pptx
@@ -5,7 +5,7 @@
     <p:sldMasterId id="2147483672" r:id="rId1"/>
   </p:sldMasterIdLst>
   <p:notesMasterIdLst>
-    <p:notesMasterId r:id="rId26"/>
+    <p:notesMasterId r:id="rId28"/>
   </p:notesMasterIdLst>
   <p:sldIdLst>
     <p:sldId id="257" r:id="rId2"/>
@@ -32,6 +32,8 @@
     <p:sldId id="258" r:id="rId23"/>
     <p:sldId id="281" r:id="rId24"/>
     <p:sldId id="282" r:id="rId25"/>
+    <p:sldId id="283" r:id="rId26"/>
+    <p:sldId id="284" r:id="rId27"/>
   </p:sldIdLst>
   <p:sldSz cx="12192000" cy="6858000"/>
   <p:notesSz cx="6858000" cy="9144000"/>
@@ -231,7 +233,7 @@
           <a:p>
             <a:fld id="{1ACB21A0-39B6-47AA-9E9C-8EBA43CBC444}" type="datetimeFigureOut">
               <a:rPr lang="en-US" smtClean="0"/>
-              <a:t>11/10/2024</a:t>
+              <a:t>11/15/2024</a:t>
             </a:fld>
             <a:endParaRPr lang="en-US"/>
           </a:p>
@@ -645,7 +647,7 @@
           <a:p>
             <a:fld id="{98235D44-F49E-4F77-A348-B0CDA85E7A83}" type="datetimeFigureOut">
               <a:rPr lang="en-US" smtClean="0"/>
-              <a:t>11/10/2024</a:t>
+              <a:t>11/15/2024</a:t>
             </a:fld>
             <a:endParaRPr lang="en-US"/>
           </a:p>
@@ -843,7 +845,7 @@
           <a:p>
             <a:fld id="{98235D44-F49E-4F77-A348-B0CDA85E7A83}" type="datetimeFigureOut">
               <a:rPr lang="en-US" smtClean="0"/>
-              <a:t>11/10/2024</a:t>
+              <a:t>11/15/2024</a:t>
             </a:fld>
             <a:endParaRPr lang="en-US"/>
           </a:p>
@@ -1051,7 +1053,7 @@
           <a:p>
             <a:fld id="{98235D44-F49E-4F77-A348-B0CDA85E7A83}" type="datetimeFigureOut">
               <a:rPr lang="en-US" smtClean="0"/>
-              <a:t>11/10/2024</a:t>
+              <a:t>11/15/2024</a:t>
             </a:fld>
             <a:endParaRPr lang="en-US"/>
           </a:p>
@@ -1249,7 +1251,7 @@
           <a:p>
             <a:fld id="{98235D44-F49E-4F77-A348-B0CDA85E7A83}" type="datetimeFigureOut">
               <a:rPr lang="en-US" smtClean="0"/>
-              <a:t>11/10/2024</a:t>
+              <a:t>11/15/2024</a:t>
             </a:fld>
             <a:endParaRPr lang="en-US"/>
           </a:p>
@@ -1524,7 +1526,7 @@
           <a:p>
             <a:fld id="{98235D44-F49E-4F77-A348-B0CDA85E7A83}" type="datetimeFigureOut">
               <a:rPr lang="en-US" smtClean="0"/>
-              <a:t>11/10/2024</a:t>
+              <a:t>11/15/2024</a:t>
             </a:fld>
             <a:endParaRPr lang="en-US"/>
           </a:p>
@@ -1789,7 +1791,7 @@
           <a:p>
             <a:fld id="{98235D44-F49E-4F77-A348-B0CDA85E7A83}" type="datetimeFigureOut">
               <a:rPr lang="en-US" smtClean="0"/>
-              <a:t>11/10/2024</a:t>
+              <a:t>11/15/2024</a:t>
             </a:fld>
             <a:endParaRPr lang="en-US"/>
           </a:p>
@@ -2201,7 +2203,7 @@
           <a:p>
             <a:fld id="{98235D44-F49E-4F77-A348-B0CDA85E7A83}" type="datetimeFigureOut">
               <a:rPr lang="en-US" smtClean="0"/>
-              <a:t>11/10/2024</a:t>
+              <a:t>11/15/2024</a:t>
             </a:fld>
             <a:endParaRPr lang="en-US"/>
           </a:p>
@@ -2342,7 +2344,7 @@
           <a:p>
             <a:fld id="{98235D44-F49E-4F77-A348-B0CDA85E7A83}" type="datetimeFigureOut">
               <a:rPr lang="en-US" smtClean="0"/>
-              <a:t>11/10/2024</a:t>
+              <a:t>11/15/2024</a:t>
             </a:fld>
             <a:endParaRPr lang="en-US"/>
           </a:p>
@@ -2455,7 +2457,7 @@
           <a:p>
             <a:fld id="{98235D44-F49E-4F77-A348-B0CDA85E7A83}" type="datetimeFigureOut">
               <a:rPr lang="en-US" smtClean="0"/>
-              <a:t>11/10/2024</a:t>
+              <a:t>11/15/2024</a:t>
             </a:fld>
             <a:endParaRPr lang="en-US"/>
           </a:p>
@@ -2766,7 +2768,7 @@
           <a:p>
             <a:fld id="{98235D44-F49E-4F77-A348-B0CDA85E7A83}" type="datetimeFigureOut">
               <a:rPr lang="en-US" smtClean="0"/>
-              <a:t>11/10/2024</a:t>
+              <a:t>11/15/2024</a:t>
             </a:fld>
             <a:endParaRPr lang="en-US"/>
           </a:p>
@@ -3054,7 +3056,7 @@
           <a:p>
             <a:fld id="{98235D44-F49E-4F77-A348-B0CDA85E7A83}" type="datetimeFigureOut">
               <a:rPr lang="en-US" smtClean="0"/>
-              <a:t>11/10/2024</a:t>
+              <a:t>11/15/2024</a:t>
             </a:fld>
             <a:endParaRPr lang="en-US"/>
           </a:p>
@@ -3295,7 +3297,7 @@
           <a:p>
             <a:fld id="{98235D44-F49E-4F77-A348-B0CDA85E7A83}" type="datetimeFigureOut">
               <a:rPr lang="en-US" smtClean="0"/>
-              <a:t>11/10/2024</a:t>
+              <a:t>11/15/2024</a:t>
             </a:fld>
             <a:endParaRPr lang="en-US"/>
           </a:p>
@@ -8783,6 +8785,16 @@
           <a:lstStyle/>
           <a:p>
             <a:pPr algn="r"/>
+            <a:r>
+              <a:rPr lang="en-US" sz="1800" dirty="0">
+                <a:solidFill>
+                  <a:schemeClr val="bg1">
+                    <a:lumMod val="75000"/>
+                  </a:schemeClr>
+                </a:solidFill>
+              </a:rPr>
+              <a:t/>
+            </a:r>
             <a:br>
               <a:rPr lang="en-US" sz="1800" dirty="0">
                 <a:solidFill>
@@ -8891,6 +8903,13 @@
   <p:clrMapOvr>
     <a:masterClrMapping/>
   </p:clrMapOvr>
+  <p:timing>
+    <p:tnLst>
+      <p:par>
+        <p:cTn id="1" dur="indefinite" restart="never" nodeType="tmRoot"/>
+      </p:par>
+    </p:tnLst>
+  </p:timing>
 </p:sld>
 </file>
 
@@ -9140,6 +9159,13 @@
   <p:clrMapOvr>
     <a:masterClrMapping/>
   </p:clrMapOvr>
+  <p:timing>
+    <p:tnLst>
+      <p:par>
+        <p:cTn id="1" dur="indefinite" restart="never" nodeType="tmRoot"/>
+      </p:par>
+    </p:tnLst>
+  </p:timing>
 </p:sld>
 </file>
 
@@ -9272,6 +9298,13 @@
   <p:clrMapOvr>
     <a:masterClrMapping/>
   </p:clrMapOvr>
+  <p:timing>
+    <p:tnLst>
+      <p:par>
+        <p:cTn id="1" dur="indefinite" restart="never" nodeType="tmRoot"/>
+      </p:par>
+    </p:tnLst>
+  </p:timing>
 </p:sld>
 </file>
 
@@ -9515,6 +9548,13 @@
   <p:clrMapOvr>
     <a:masterClrMapping/>
   </p:clrMapOvr>
+  <p:timing>
+    <p:tnLst>
+      <p:par>
+        <p:cTn id="1" dur="indefinite" restart="never" nodeType="tmRoot"/>
+      </p:par>
+    </p:tnLst>
+  </p:timing>
 </p:sld>
 </file>
 
@@ -9686,6 +9726,13 @@
   <p:clrMapOvr>
     <a:masterClrMapping/>
   </p:clrMapOvr>
+  <p:timing>
+    <p:tnLst>
+      <p:par>
+        <p:cTn id="1" dur="indefinite" restart="never" nodeType="tmRoot"/>
+      </p:par>
+    </p:tnLst>
+  </p:timing>
 </p:sld>
 </file>
 
@@ -9851,6 +9898,13 @@
   <p:clrMapOvr>
     <a:masterClrMapping/>
   </p:clrMapOvr>
+  <p:timing>
+    <p:tnLst>
+      <p:par>
+        <p:cTn id="1" dur="indefinite" restart="never" nodeType="tmRoot"/>
+      </p:par>
+    </p:tnLst>
+  </p:timing>
 </p:sld>
 </file>
 
@@ -10039,6 +10093,13 @@
   <p:clrMapOvr>
     <a:masterClrMapping/>
   </p:clrMapOvr>
+  <p:timing>
+    <p:tnLst>
+      <p:par>
+        <p:cTn id="1" dur="indefinite" restart="never" nodeType="tmRoot"/>
+      </p:par>
+    </p:tnLst>
+  </p:timing>
 </p:sld>
 </file>
 
@@ -10174,6 +10235,13 @@
   <p:clrMapOvr>
     <a:masterClrMapping/>
   </p:clrMapOvr>
+  <p:timing>
+    <p:tnLst>
+      <p:par>
+        <p:cTn id="1" dur="indefinite" restart="never" nodeType="tmRoot"/>
+      </p:par>
+    </p:tnLst>
+  </p:timing>
 </p:sld>
 </file>
 
@@ -10324,6 +10392,13 @@
   <p:clrMapOvr>
     <a:masterClrMapping/>
   </p:clrMapOvr>
+  <p:timing>
+    <p:tnLst>
+      <p:par>
+        <p:cTn id="1" dur="indefinite" restart="never" nodeType="tmRoot"/>
+      </p:par>
+    </p:tnLst>
+  </p:timing>
 </p:sld>
 </file>
 
@@ -10433,6 +10508,13 @@
   <p:clrMapOvr>
     <a:masterClrMapping/>
   </p:clrMapOvr>
+  <p:timing>
+    <p:tnLst>
+      <p:par>
+        <p:cTn id="1" dur="indefinite" restart="never" nodeType="tmRoot"/>
+      </p:par>
+    </p:tnLst>
+  </p:timing>
 </p:sld>
 </file>
 
@@ -10537,6 +10619,10 @@
               <a:rPr lang="en-US" b="1" dirty="0"/>
               <a:t>Recursive case:</a:t>
             </a:r>
+            <a:r>
+              <a:rPr lang="en-US" sz="3600" b="1" dirty="0"/>
+              <a:t/>
+            </a:r>
             <a:br>
               <a:rPr lang="en-US" sz="3600" b="1" dirty="0"/>
             </a:br>
@@ -10548,9 +10634,17 @@
               <a:rPr lang="en-US" sz="2400" dirty="0"/>
               <a:t>It is the part of a recursive function that breaks down a problem into smaller subproblems, which moves the problem closer to the base case.</a:t>
             </a:r>
+            <a:r>
+              <a:rPr lang="en-US" sz="2400" b="1" dirty="0"/>
+              <a:t/>
+            </a:r>
             <a:br>
               <a:rPr lang="en-US" sz="2400" b="1" dirty="0"/>
             </a:br>
+            <a:r>
+              <a:rPr lang="en-US" sz="2400" b="1" dirty="0"/>
+              <a:t/>
+            </a:r>
             <a:br>
               <a:rPr lang="en-US" sz="2400" b="1" dirty="0"/>
             </a:br>
@@ -10570,6 +10664,10 @@
                 <a:latin typeface="+mj-lt"/>
               </a:rPr>
               <a:t>Recursive function is a function that values at any point can be calculated from the values of the function at some previous points</a:t>
+            </a:r>
+            <a:r>
+              <a:rPr lang="en-US" sz="2400" b="1" dirty="0"/>
+              <a:t/>
             </a:r>
             <a:br>
               <a:rPr lang="en-US" sz="2400" b="1" dirty="0"/>
@@ -10591,6 +10689,13 @@
   <p:clrMapOvr>
     <a:masterClrMapping/>
   </p:clrMapOvr>
+  <p:timing>
+    <p:tnLst>
+      <p:par>
+        <p:cTn id="1" dur="indefinite" restart="never" nodeType="tmRoot"/>
+      </p:par>
+    </p:tnLst>
+  </p:timing>
 </p:sld>
 </file>
 
@@ -11113,6 +11218,13 @@
       <p:transition/>
     </mc:Fallback>
   </mc:AlternateContent>
+  <p:timing>
+    <p:tnLst>
+      <p:par>
+        <p:cTn id="1" dur="indefinite" restart="never" nodeType="tmRoot"/>
+      </p:par>
+    </p:tnLst>
+  </p:timing>
 </p:sld>
 </file>
 
@@ -11334,6 +11446,13 @@
   <p:clrMapOvr>
     <a:masterClrMapping/>
   </p:clrMapOvr>
+  <p:timing>
+    <p:tnLst>
+      <p:par>
+        <p:cTn id="1" dur="indefinite" restart="never" nodeType="tmRoot"/>
+      </p:par>
+    </p:tnLst>
+  </p:timing>
 </p:sld>
 </file>
 
@@ -11630,6 +11749,13 @@
   <p:clrMapOvr>
     <a:masterClrMapping/>
   </p:clrMapOvr>
+  <p:timing>
+    <p:tnLst>
+      <p:par>
+        <p:cTn id="1" dur="indefinite" restart="never" nodeType="tmRoot"/>
+      </p:par>
+    </p:tnLst>
+  </p:timing>
 </p:sld>
 </file>
 
@@ -11754,6 +11880,13 @@
   <p:clrMapOvr>
     <a:masterClrMapping/>
   </p:clrMapOvr>
+  <p:timing>
+    <p:tnLst>
+      <p:par>
+        <p:cTn id="1" dur="indefinite" restart="never" nodeType="tmRoot"/>
+      </p:par>
+    </p:tnLst>
+  </p:timing>
 </p:sld>
 </file>
 
@@ -11810,6 +11943,10 @@
               <a:rPr lang="en-US" b="1" dirty="0" err="1"/>
               <a:t>Gomoku</a:t>
             </a:r>
+            <a:r>
+              <a:rPr lang="en-US" dirty="0"/>
+              <a:t/>
+            </a:r>
             <a:br>
               <a:rPr lang="en-US" dirty="0"/>
             </a:br>
@@ -12014,6 +12151,13 @@
   <p:clrMapOvr>
     <a:masterClrMapping/>
   </p:clrMapOvr>
+  <p:timing>
+    <p:tnLst>
+      <p:par>
+        <p:cTn id="1" dur="indefinite" restart="never" nodeType="tmRoot"/>
+      </p:par>
+    </p:tnLst>
+  </p:timing>
 </p:sld>
 </file>
 
@@ -12193,6 +12337,779 @@
   <p:clrMapOvr>
     <a:masterClrMapping/>
   </p:clrMapOvr>
+  <p:timing>
+    <p:tnLst>
+      <p:par>
+        <p:cTn id="1" dur="indefinite" restart="never" nodeType="tmRoot"/>
+      </p:par>
+    </p:tnLst>
+  </p:timing>
+</p:sld>
+</file>
+
+<file path=ppt/slides/slide25.xml><?xml version="1.0" encoding="utf-8"?>
+<p:sld xmlns:a="http://schemas.openxmlformats.org/drawingml/2006/main" xmlns:r="http://schemas.openxmlformats.org/officeDocument/2006/relationships" xmlns:p="http://schemas.openxmlformats.org/presentationml/2006/main">
+  <p:cSld>
+    <p:spTree>
+      <p:nvGrpSpPr>
+        <p:cNvPr id="1" name=""/>
+        <p:cNvGrpSpPr/>
+        <p:nvPr/>
+      </p:nvGrpSpPr>
+      <p:grpSpPr>
+        <a:xfrm>
+          <a:off x="0" y="0"/>
+          <a:ext cx="0" cy="0"/>
+          <a:chOff x="0" y="0"/>
+          <a:chExt cx="0" cy="0"/>
+        </a:xfrm>
+      </p:grpSpPr>
+      <p:sp>
+        <p:nvSpPr>
+          <p:cNvPr id="4" name="Title 1"/>
+          <p:cNvSpPr txBox="1">
+            <a:spLocks/>
+          </p:cNvSpPr>
+          <p:nvPr/>
+        </p:nvSpPr>
+        <p:spPr>
+          <a:xfrm>
+            <a:off x="603029" y="234770"/>
+            <a:ext cx="5539470" cy="1012370"/>
+          </a:xfrm>
+          <a:prstGeom prst="rect">
+            <a:avLst/>
+          </a:prstGeom>
+        </p:spPr>
+        <p:txBody>
+          <a:bodyPr vert="horz" lIns="91440" tIns="45720" rIns="91440" bIns="45720" rtlCol="0" anchor="ctr">
+            <a:noAutofit/>
+          </a:bodyPr>
+          <a:lstStyle>
+            <a:lvl1pPr algn="ctr" defTabSz="457200" rtl="0" eaLnBrk="1" latinLnBrk="0" hangingPunct="1">
+              <a:spcBef>
+                <a:spcPct val="0"/>
+              </a:spcBef>
+              <a:buNone/>
+              <a:defRPr sz="4400" kern="1200">
+                <a:solidFill>
+                  <a:schemeClr val="tx1"/>
+                </a:solidFill>
+                <a:latin typeface="+mj-lt"/>
+                <a:ea typeface="+mj-ea"/>
+                <a:cs typeface="+mj-cs"/>
+              </a:defRPr>
+            </a:lvl1pPr>
+          </a:lstStyle>
+          <a:p>
+            <a:pPr algn="just"/>
+            <a:r>
+              <a:rPr lang="en-US" sz="3200" b="1" dirty="0">
+                <a:latin typeface="Arial Black" panose="020B0A04020102020204" pitchFamily="34" charset="0"/>
+              </a:rPr>
+              <a:t>CONCLUSION</a:t>
+            </a:r>
+            <a:endParaRPr lang="en-US" sz="3200" b="1" dirty="0">
+              <a:latin typeface="Arial Black" panose="020B0A04020102020204" pitchFamily="34" charset="0"/>
+            </a:endParaRPr>
+          </a:p>
+        </p:txBody>
+      </p:sp>
+      <p:sp>
+        <p:nvSpPr>
+          <p:cNvPr id="6" name="TextBox 5"/>
+          <p:cNvSpPr txBox="1"/>
+          <p:nvPr/>
+        </p:nvSpPr>
+        <p:spPr>
+          <a:xfrm>
+            <a:off x="998764" y="1140548"/>
+            <a:ext cx="3292929" cy="400110"/>
+          </a:xfrm>
+          <a:prstGeom prst="rect">
+            <a:avLst/>
+          </a:prstGeom>
+          <a:noFill/>
+        </p:spPr>
+        <p:txBody>
+          <a:bodyPr wrap="square" rtlCol="0">
+            <a:spAutoFit/>
+          </a:bodyPr>
+          <a:lstStyle/>
+          <a:p>
+            <a:pPr marL="342900" indent="-342900">
+              <a:buFont typeface="Arial" panose="020B0604020202020204" pitchFamily="34" charset="0"/>
+              <a:buChar char="•"/>
+              <a:defRPr sz="2000" b="1">
+                <a:solidFill>
+                  <a:srgbClr val="003366"/>
+                </a:solidFill>
+              </a:defRPr>
+            </a:pPr>
+            <a:r>
+              <a:rPr lang="en-US" sz="2000" dirty="0"/>
+              <a:t>Graph Theory:</a:t>
+            </a:r>
+            <a:endParaRPr lang="en-US" sz="2000" dirty="0"/>
+          </a:p>
+        </p:txBody>
+      </p:sp>
+      <p:sp>
+        <p:nvSpPr>
+          <p:cNvPr id="7" name="TextBox 6"/>
+          <p:cNvSpPr txBox="1"/>
+          <p:nvPr/>
+        </p:nvSpPr>
+        <p:spPr>
+          <a:xfrm>
+            <a:off x="1352488" y="1585396"/>
+            <a:ext cx="10093840" cy="646331"/>
+          </a:xfrm>
+          <a:prstGeom prst="rect">
+            <a:avLst/>
+          </a:prstGeom>
+          <a:noFill/>
+        </p:spPr>
+        <p:txBody>
+          <a:bodyPr wrap="square" rtlCol="0">
+            <a:spAutoFit/>
+          </a:bodyPr>
+          <a:lstStyle/>
+          <a:p>
+            <a:pPr algn="just"/>
+            <a:r>
+              <a:rPr lang="en-US" dirty="0"/>
+              <a:t>Helps us map and understand game boards and other complex structures by showing connections and paths, making strategic planning easier.</a:t>
+            </a:r>
+          </a:p>
+        </p:txBody>
+      </p:sp>
+      <p:sp>
+        <p:nvSpPr>
+          <p:cNvPr id="8" name="TextBox 7"/>
+          <p:cNvSpPr txBox="1"/>
+          <p:nvPr/>
+        </p:nvSpPr>
+        <p:spPr>
+          <a:xfrm>
+            <a:off x="998764" y="2262683"/>
+            <a:ext cx="3292929" cy="400110"/>
+          </a:xfrm>
+          <a:prstGeom prst="rect">
+            <a:avLst/>
+          </a:prstGeom>
+          <a:noFill/>
+        </p:spPr>
+        <p:txBody>
+          <a:bodyPr wrap="square" rtlCol="0">
+            <a:spAutoFit/>
+          </a:bodyPr>
+          <a:lstStyle/>
+          <a:p>
+            <a:pPr marL="342900" indent="-342900">
+              <a:buFont typeface="Arial" panose="020B0604020202020204" pitchFamily="34" charset="0"/>
+              <a:buChar char="•"/>
+              <a:defRPr sz="2000" b="1">
+                <a:solidFill>
+                  <a:srgbClr val="003366"/>
+                </a:solidFill>
+              </a:defRPr>
+            </a:pPr>
+            <a:r>
+              <a:rPr lang="en-US" sz="2000" dirty="0"/>
+              <a:t>Recursion:</a:t>
+            </a:r>
+            <a:endParaRPr lang="en-US" sz="2000" dirty="0"/>
+          </a:p>
+        </p:txBody>
+      </p:sp>
+      <p:sp>
+        <p:nvSpPr>
+          <p:cNvPr id="11" name="TextBox 10"/>
+          <p:cNvSpPr txBox="1"/>
+          <p:nvPr/>
+        </p:nvSpPr>
+        <p:spPr>
+          <a:xfrm>
+            <a:off x="998764" y="3327360"/>
+            <a:ext cx="2494657" cy="400110"/>
+          </a:xfrm>
+          <a:prstGeom prst="rect">
+            <a:avLst/>
+          </a:prstGeom>
+          <a:noFill/>
+        </p:spPr>
+        <p:txBody>
+          <a:bodyPr wrap="none">
+            <a:spAutoFit/>
+          </a:bodyPr>
+          <a:lstStyle/>
+          <a:p>
+            <a:pPr marL="342900" indent="-342900">
+              <a:buFont typeface="Arial" panose="020B0604020202020204" pitchFamily="34" charset="0"/>
+              <a:buChar char="•"/>
+              <a:defRPr sz="1800" b="1"/>
+            </a:pPr>
+            <a:r>
+              <a:rPr sz="2000" dirty="0">
+                <a:solidFill>
+                  <a:schemeClr val="tx2">
+                    <a:lumMod val="75000"/>
+                  </a:schemeClr>
+                </a:solidFill>
+              </a:rPr>
+              <a:t>AI in Board Games</a:t>
+            </a:r>
+          </a:p>
+        </p:txBody>
+      </p:sp>
+      <p:sp>
+        <p:nvSpPr>
+          <p:cNvPr id="16" name="TextBox 15"/>
+          <p:cNvSpPr txBox="1"/>
+          <p:nvPr/>
+        </p:nvSpPr>
+        <p:spPr>
+          <a:xfrm>
+            <a:off x="1352488" y="2404030"/>
+            <a:ext cx="10093840" cy="923330"/>
+          </a:xfrm>
+          <a:prstGeom prst="rect">
+            <a:avLst/>
+          </a:prstGeom>
+          <a:noFill/>
+        </p:spPr>
+        <p:txBody>
+          <a:bodyPr wrap="square">
+            <a:spAutoFit/>
+          </a:bodyPr>
+          <a:lstStyle/>
+          <a:p>
+            <a:pPr algn="just"/>
+            <a:endParaRPr dirty="0"/>
+          </a:p>
+          <a:p>
+            <a:pPr algn="just">
+              <a:defRPr sz="1800">
+                <a:solidFill>
+                  <a:srgbClr val="000000"/>
+                </a:solidFill>
+              </a:defRPr>
+            </a:pPr>
+            <a:r>
+              <a:rPr dirty="0"/>
+              <a:t>A flexible tool for solving repetitive tasks and layered challenges, especially useful in game logic to solve problems efficiently.</a:t>
+            </a:r>
+          </a:p>
+        </p:txBody>
+      </p:sp>
+      <p:sp>
+        <p:nvSpPr>
+          <p:cNvPr id="17" name="TextBox 16"/>
+          <p:cNvSpPr txBox="1"/>
+          <p:nvPr/>
+        </p:nvSpPr>
+        <p:spPr>
+          <a:xfrm>
+            <a:off x="1352488" y="3499663"/>
+            <a:ext cx="10093840" cy="923330"/>
+          </a:xfrm>
+          <a:prstGeom prst="rect">
+            <a:avLst/>
+          </a:prstGeom>
+          <a:noFill/>
+        </p:spPr>
+        <p:txBody>
+          <a:bodyPr wrap="square">
+            <a:spAutoFit/>
+          </a:bodyPr>
+          <a:lstStyle/>
+          <a:p>
+            <a:pPr algn="just"/>
+            <a:endParaRPr dirty="0"/>
+          </a:p>
+          <a:p>
+            <a:pPr algn="just">
+              <a:defRPr sz="1800">
+                <a:solidFill>
+                  <a:srgbClr val="000000"/>
+                </a:solidFill>
+              </a:defRPr>
+            </a:pPr>
+            <a:r>
+              <a:rPr lang="en-US" dirty="0"/>
+              <a:t>AI </a:t>
+            </a:r>
+            <a:r>
+              <a:rPr lang="en-US" dirty="0"/>
+              <a:t>can be enhanced for games like </a:t>
+            </a:r>
+            <a:r>
+              <a:rPr lang="en-US" dirty="0" err="1"/>
+              <a:t>Gomoku</a:t>
+            </a:r>
+            <a:r>
+              <a:rPr lang="en-US" dirty="0"/>
+              <a:t> by using graph theory and recursion to develop smarter, more adaptable strategies.</a:t>
+            </a:r>
+            <a:endParaRPr dirty="0"/>
+          </a:p>
+        </p:txBody>
+      </p:sp>
+      <p:sp>
+        <p:nvSpPr>
+          <p:cNvPr id="19" name="TextBox 18"/>
+          <p:cNvSpPr txBox="1"/>
+          <p:nvPr/>
+        </p:nvSpPr>
+        <p:spPr>
+          <a:xfrm>
+            <a:off x="603029" y="4649423"/>
+            <a:ext cx="2086084" cy="477054"/>
+          </a:xfrm>
+          <a:prstGeom prst="rect">
+            <a:avLst/>
+          </a:prstGeom>
+          <a:noFill/>
+        </p:spPr>
+        <p:txBody>
+          <a:bodyPr wrap="none">
+            <a:spAutoFit/>
+          </a:bodyPr>
+          <a:lstStyle/>
+          <a:p>
+            <a:pPr>
+              <a:defRPr sz="2000" b="1">
+                <a:solidFill>
+                  <a:srgbClr val="0000FF"/>
+                </a:solidFill>
+              </a:defRPr>
+            </a:pPr>
+            <a:r>
+              <a:rPr sz="2500" dirty="0">
+                <a:solidFill>
+                  <a:schemeClr val="tx1">
+                    <a:lumMod val="95000"/>
+                    <a:lumOff val="5000"/>
+                  </a:schemeClr>
+                </a:solidFill>
+              </a:rPr>
+              <a:t>Final Thought:</a:t>
+            </a:r>
+          </a:p>
+        </p:txBody>
+      </p:sp>
+      <p:sp>
+        <p:nvSpPr>
+          <p:cNvPr id="20" name="TextBox 19"/>
+          <p:cNvSpPr txBox="1"/>
+          <p:nvPr/>
+        </p:nvSpPr>
+        <p:spPr>
+          <a:xfrm>
+            <a:off x="1352487" y="5190037"/>
+            <a:ext cx="10093841" cy="923330"/>
+          </a:xfrm>
+          <a:prstGeom prst="rect">
+            <a:avLst/>
+          </a:prstGeom>
+          <a:noFill/>
+        </p:spPr>
+        <p:txBody>
+          <a:bodyPr wrap="square">
+            <a:spAutoFit/>
+          </a:bodyPr>
+          <a:lstStyle/>
+          <a:p>
+            <a:pPr algn="just"/>
+            <a:r>
+              <a:rPr lang="en-US" dirty="0"/>
+              <a:t>Graph theory and recursion deepen our understanding of </a:t>
+            </a:r>
+            <a:r>
+              <a:rPr lang="en-US" dirty="0"/>
+              <a:t>mathematical structures </a:t>
+            </a:r>
+            <a:r>
+              <a:rPr lang="en-US" dirty="0"/>
+              <a:t>while transforming practical areas like game development. These concepts enable smarter AI, richer game mechanics, and effective problem-solving, bridging </a:t>
+            </a:r>
+            <a:r>
+              <a:rPr lang="en-US" dirty="0"/>
+              <a:t>gap between theoretical knowledge and </a:t>
+            </a:r>
+            <a:r>
+              <a:rPr lang="en-US" dirty="0"/>
+              <a:t>real-world applications.</a:t>
+            </a:r>
+            <a:endParaRPr dirty="0"/>
+          </a:p>
+        </p:txBody>
+      </p:sp>
+    </p:spTree>
+    <p:extLst>
+      <p:ext uri="{BB962C8B-B14F-4D97-AF65-F5344CB8AC3E}">
+        <p14:creationId xmlns:p14="http://schemas.microsoft.com/office/powerpoint/2010/main" val="2471309136"/>
+      </p:ext>
+    </p:extLst>
+  </p:cSld>
+  <p:clrMapOvr>
+    <a:masterClrMapping/>
+  </p:clrMapOvr>
+  <p:timing>
+    <p:tnLst>
+      <p:par>
+        <p:cTn id="1" dur="indefinite" restart="never" nodeType="tmRoot"/>
+      </p:par>
+    </p:tnLst>
+  </p:timing>
+</p:sld>
+</file>
+
+<file path=ppt/slides/slide26.xml><?xml version="1.0" encoding="utf-8"?>
+<p:sld xmlns:a="http://schemas.openxmlformats.org/drawingml/2006/main" xmlns:r="http://schemas.openxmlformats.org/officeDocument/2006/relationships" xmlns:p="http://schemas.openxmlformats.org/presentationml/2006/main">
+  <p:cSld>
+    <p:spTree>
+      <p:nvGrpSpPr>
+        <p:cNvPr id="1" name=""/>
+        <p:cNvGrpSpPr/>
+        <p:nvPr/>
+      </p:nvGrpSpPr>
+      <p:grpSpPr>
+        <a:xfrm>
+          <a:off x="0" y="0"/>
+          <a:ext cx="0" cy="0"/>
+          <a:chOff x="0" y="0"/>
+          <a:chExt cx="0" cy="0"/>
+        </a:xfrm>
+      </p:grpSpPr>
+      <p:sp>
+        <p:nvSpPr>
+          <p:cNvPr id="13" name="Flowchart: Display 12"/>
+          <p:cNvSpPr/>
+          <p:nvPr/>
+        </p:nvSpPr>
+        <p:spPr>
+          <a:xfrm>
+            <a:off x="-1" y="-163288"/>
+            <a:ext cx="5878051" cy="7309153"/>
+          </a:xfrm>
+          <a:custGeom>
+            <a:avLst/>
+            <a:gdLst>
+              <a:gd name="connsiteX0" fmla="*/ 0 w 10000"/>
+              <a:gd name="connsiteY0" fmla="*/ 5000 h 10000"/>
+              <a:gd name="connsiteX1" fmla="*/ 1667 w 10000"/>
+              <a:gd name="connsiteY1" fmla="*/ 0 h 10000"/>
+              <a:gd name="connsiteX2" fmla="*/ 8333 w 10000"/>
+              <a:gd name="connsiteY2" fmla="*/ 0 h 10000"/>
+              <a:gd name="connsiteX3" fmla="*/ 10000 w 10000"/>
+              <a:gd name="connsiteY3" fmla="*/ 5000 h 10000"/>
+              <a:gd name="connsiteX4" fmla="*/ 8333 w 10000"/>
+              <a:gd name="connsiteY4" fmla="*/ 10000 h 10000"/>
+              <a:gd name="connsiteX5" fmla="*/ 1667 w 10000"/>
+              <a:gd name="connsiteY5" fmla="*/ 10000 h 10000"/>
+              <a:gd name="connsiteX6" fmla="*/ 0 w 10000"/>
+              <a:gd name="connsiteY6" fmla="*/ 5000 h 10000"/>
+              <a:gd name="connsiteX0" fmla="*/ 85 w 8333"/>
+              <a:gd name="connsiteY0" fmla="*/ 5217 h 10000"/>
+              <a:gd name="connsiteX1" fmla="*/ 0 w 8333"/>
+              <a:gd name="connsiteY1" fmla="*/ 0 h 10000"/>
+              <a:gd name="connsiteX2" fmla="*/ 6666 w 8333"/>
+              <a:gd name="connsiteY2" fmla="*/ 0 h 10000"/>
+              <a:gd name="connsiteX3" fmla="*/ 8333 w 8333"/>
+              <a:gd name="connsiteY3" fmla="*/ 5000 h 10000"/>
+              <a:gd name="connsiteX4" fmla="*/ 6666 w 8333"/>
+              <a:gd name="connsiteY4" fmla="*/ 10000 h 10000"/>
+              <a:gd name="connsiteX5" fmla="*/ 0 w 8333"/>
+              <a:gd name="connsiteY5" fmla="*/ 10000 h 10000"/>
+              <a:gd name="connsiteX6" fmla="*/ 85 w 8333"/>
+              <a:gd name="connsiteY6" fmla="*/ 5217 h 10000"/>
+              <a:gd name="connsiteX0" fmla="*/ 73 w 10000"/>
+              <a:gd name="connsiteY0" fmla="*/ 5193 h 10000"/>
+              <a:gd name="connsiteX1" fmla="*/ 0 w 10000"/>
+              <a:gd name="connsiteY1" fmla="*/ 0 h 10000"/>
+              <a:gd name="connsiteX2" fmla="*/ 8000 w 10000"/>
+              <a:gd name="connsiteY2" fmla="*/ 0 h 10000"/>
+              <a:gd name="connsiteX3" fmla="*/ 10000 w 10000"/>
+              <a:gd name="connsiteY3" fmla="*/ 5000 h 10000"/>
+              <a:gd name="connsiteX4" fmla="*/ 8000 w 10000"/>
+              <a:gd name="connsiteY4" fmla="*/ 10000 h 10000"/>
+              <a:gd name="connsiteX5" fmla="*/ 0 w 10000"/>
+              <a:gd name="connsiteY5" fmla="*/ 10000 h 10000"/>
+              <a:gd name="connsiteX6" fmla="*/ 73 w 10000"/>
+              <a:gd name="connsiteY6" fmla="*/ 5193 h 10000"/>
+              <a:gd name="connsiteX0" fmla="*/ 15 w 10000"/>
+              <a:gd name="connsiteY0" fmla="*/ 5314 h 10000"/>
+              <a:gd name="connsiteX1" fmla="*/ 0 w 10000"/>
+              <a:gd name="connsiteY1" fmla="*/ 0 h 10000"/>
+              <a:gd name="connsiteX2" fmla="*/ 8000 w 10000"/>
+              <a:gd name="connsiteY2" fmla="*/ 0 h 10000"/>
+              <a:gd name="connsiteX3" fmla="*/ 10000 w 10000"/>
+              <a:gd name="connsiteY3" fmla="*/ 5000 h 10000"/>
+              <a:gd name="connsiteX4" fmla="*/ 8000 w 10000"/>
+              <a:gd name="connsiteY4" fmla="*/ 10000 h 10000"/>
+              <a:gd name="connsiteX5" fmla="*/ 0 w 10000"/>
+              <a:gd name="connsiteY5" fmla="*/ 10000 h 10000"/>
+              <a:gd name="connsiteX6" fmla="*/ 15 w 10000"/>
+              <a:gd name="connsiteY6" fmla="*/ 5314 h 10000"/>
+            </a:gdLst>
+            <a:ahLst/>
+            <a:cxnLst>
+              <a:cxn ang="0">
+                <a:pos x="connsiteX0" y="connsiteY0"/>
+              </a:cxn>
+              <a:cxn ang="0">
+                <a:pos x="connsiteX1" y="connsiteY1"/>
+              </a:cxn>
+              <a:cxn ang="0">
+                <a:pos x="connsiteX2" y="connsiteY2"/>
+              </a:cxn>
+              <a:cxn ang="0">
+                <a:pos x="connsiteX3" y="connsiteY3"/>
+              </a:cxn>
+              <a:cxn ang="0">
+                <a:pos x="connsiteX4" y="connsiteY4"/>
+              </a:cxn>
+              <a:cxn ang="0">
+                <a:pos x="connsiteX5" y="connsiteY5"/>
+              </a:cxn>
+              <a:cxn ang="0">
+                <a:pos x="connsiteX6" y="connsiteY6"/>
+              </a:cxn>
+            </a:cxnLst>
+            <a:rect l="l" t="t" r="r" b="b"/>
+            <a:pathLst>
+              <a:path w="10000" h="10000">
+                <a:moveTo>
+                  <a:pt x="15" y="5314"/>
+                </a:moveTo>
+                <a:cubicBezTo>
+                  <a:pt x="-19" y="3575"/>
+                  <a:pt x="34" y="1739"/>
+                  <a:pt x="0" y="0"/>
+                </a:cubicBezTo>
+                <a:lnTo>
+                  <a:pt x="8000" y="0"/>
+                </a:lnTo>
+                <a:cubicBezTo>
+                  <a:pt x="9105" y="0"/>
+                  <a:pt x="10000" y="2239"/>
+                  <a:pt x="10000" y="5000"/>
+                </a:cubicBezTo>
+                <a:cubicBezTo>
+                  <a:pt x="10000" y="7761"/>
+                  <a:pt x="9105" y="10000"/>
+                  <a:pt x="8000" y="10000"/>
+                </a:cubicBezTo>
+                <a:lnTo>
+                  <a:pt x="0" y="10000"/>
+                </a:lnTo>
+                <a:cubicBezTo>
+                  <a:pt x="34" y="8406"/>
+                  <a:pt x="-19" y="6908"/>
+                  <a:pt x="15" y="5314"/>
+                </a:cubicBezTo>
+                <a:close/>
+              </a:path>
+            </a:pathLst>
+          </a:custGeom>
+          <a:solidFill>
+            <a:schemeClr val="accent1">
+              <a:lumMod val="20000"/>
+              <a:lumOff val="80000"/>
+            </a:schemeClr>
+          </a:solidFill>
+          <a:ln>
+            <a:solidFill>
+              <a:schemeClr val="tx2">
+                <a:lumMod val="20000"/>
+                <a:lumOff val="80000"/>
+              </a:schemeClr>
+            </a:solidFill>
+          </a:ln>
+        </p:spPr>
+        <p:style>
+          <a:lnRef idx="1">
+            <a:schemeClr val="accent1"/>
+          </a:lnRef>
+          <a:fillRef idx="3">
+            <a:schemeClr val="accent1"/>
+          </a:fillRef>
+          <a:effectRef idx="2">
+            <a:schemeClr val="accent1"/>
+          </a:effectRef>
+          <a:fontRef idx="minor">
+            <a:schemeClr val="lt1"/>
+          </a:fontRef>
+        </p:style>
+        <p:txBody>
+          <a:bodyPr rtlCol="0" anchor="ctr"/>
+          <a:lstStyle/>
+          <a:p>
+            <a:pPr algn="ctr"/>
+            <a:endParaRPr lang="en-US"/>
+          </a:p>
+        </p:txBody>
+      </p:sp>
+      <p:sp>
+        <p:nvSpPr>
+          <p:cNvPr id="3" name="TextBox 2"/>
+          <p:cNvSpPr txBox="1"/>
+          <p:nvPr/>
+        </p:nvSpPr>
+        <p:spPr>
+          <a:xfrm>
+            <a:off x="229691" y="1896357"/>
+            <a:ext cx="5418666" cy="1323439"/>
+          </a:xfrm>
+          <a:prstGeom prst="rect">
+            <a:avLst/>
+          </a:prstGeom>
+          <a:noFill/>
+        </p:spPr>
+        <p:txBody>
+          <a:bodyPr wrap="square">
+            <a:spAutoFit/>
+          </a:bodyPr>
+          <a:lstStyle/>
+          <a:p>
+            <a:pPr algn="ctr">
+              <a:defRPr sz="4000" b="1">
+                <a:solidFill>
+                  <a:srgbClr val="003366"/>
+                </a:solidFill>
+              </a:defRPr>
+            </a:pPr>
+            <a:r>
+              <a:rPr sz="4000" dirty="0"/>
+              <a:t>Thank you for your attention!</a:t>
+            </a:r>
+          </a:p>
+        </p:txBody>
+      </p:sp>
+      <p:sp>
+        <p:nvSpPr>
+          <p:cNvPr id="4" name="TextBox 3"/>
+          <p:cNvSpPr txBox="1"/>
+          <p:nvPr/>
+        </p:nvSpPr>
+        <p:spPr>
+          <a:xfrm>
+            <a:off x="229691" y="3380157"/>
+            <a:ext cx="5418666" cy="830997"/>
+          </a:xfrm>
+          <a:prstGeom prst="rect">
+            <a:avLst/>
+          </a:prstGeom>
+          <a:noFill/>
+        </p:spPr>
+        <p:txBody>
+          <a:bodyPr wrap="square">
+            <a:spAutoFit/>
+          </a:bodyPr>
+          <a:lstStyle/>
+          <a:p>
+            <a:pPr algn="ctr">
+              <a:defRPr sz="2400">
+                <a:solidFill>
+                  <a:srgbClr val="808080"/>
+                </a:solidFill>
+              </a:defRPr>
+            </a:pPr>
+            <a:r>
+              <a:rPr sz="2400" dirty="0"/>
+              <a:t>Feel free to ask any questions, share</a:t>
+            </a:r>
+            <a:r>
+              <a:rPr lang="en-US" sz="2400" dirty="0"/>
+              <a:t> thoughts or</a:t>
+            </a:r>
+            <a:r>
+              <a:rPr sz="2400" dirty="0"/>
+              <a:t> discuss further.</a:t>
+            </a:r>
+            <a:endParaRPr sz="2400" dirty="0"/>
+          </a:p>
+        </p:txBody>
+      </p:sp>
+      <p:sp>
+        <p:nvSpPr>
+          <p:cNvPr id="5" name="TextBox 4"/>
+          <p:cNvSpPr txBox="1"/>
+          <p:nvPr/>
+        </p:nvSpPr>
+        <p:spPr>
+          <a:xfrm>
+            <a:off x="229691" y="4371515"/>
+            <a:ext cx="5418666" cy="400110"/>
+          </a:xfrm>
+          <a:prstGeom prst="rect">
+            <a:avLst/>
+          </a:prstGeom>
+          <a:noFill/>
+        </p:spPr>
+        <p:txBody>
+          <a:bodyPr wrap="square">
+            <a:spAutoFit/>
+          </a:bodyPr>
+          <a:lstStyle/>
+          <a:p>
+            <a:pPr algn="ctr">
+              <a:defRPr sz="2000">
+                <a:solidFill>
+                  <a:srgbClr val="646464"/>
+                </a:solidFill>
+              </a:defRPr>
+            </a:pPr>
+            <a:r>
+              <a:rPr sz="2000" dirty="0"/>
+              <a:t>Looking forward to insightful discussions!</a:t>
+            </a:r>
+          </a:p>
+        </p:txBody>
+      </p:sp>
+      <p:pic>
+        <p:nvPicPr>
+          <p:cNvPr id="15" name="Picture 14"/>
+          <p:cNvPicPr>
+            <a:picLocks noChangeAspect="1"/>
+          </p:cNvPicPr>
+          <p:nvPr/>
+        </p:nvPicPr>
+        <p:blipFill>
+          <a:blip r:embed="rId2"/>
+          <a:stretch>
+            <a:fillRect/>
+          </a:stretch>
+        </p:blipFill>
+        <p:spPr>
+          <a:xfrm>
+            <a:off x="7689660" y="2002119"/>
+            <a:ext cx="2978340" cy="2978340"/>
+          </a:xfrm>
+          <a:prstGeom prst="rect">
+            <a:avLst/>
+          </a:prstGeom>
+        </p:spPr>
+      </p:pic>
+    </p:spTree>
+    <p:extLst>
+      <p:ext uri="{BB962C8B-B14F-4D97-AF65-F5344CB8AC3E}">
+        <p14:creationId xmlns:p14="http://schemas.microsoft.com/office/powerpoint/2010/main" val="365827827"/>
+      </p:ext>
+    </p:extLst>
+  </p:cSld>
+  <p:clrMapOvr>
+    <a:masterClrMapping/>
+  </p:clrMapOvr>
+  <p:timing>
+    <p:tnLst>
+      <p:par>
+        <p:cTn id="1" dur="indefinite" restart="never" nodeType="tmRoot"/>
+      </p:par>
+    </p:tnLst>
+  </p:timing>
 </p:sld>
 </file>
 
@@ -12806,6 +13723,13 @@
   <p:clrMapOvr>
     <a:masterClrMapping/>
   </p:clrMapOvr>
+  <p:timing>
+    <p:tnLst>
+      <p:par>
+        <p:cTn id="1" dur="indefinite" restart="never" nodeType="tmRoot"/>
+      </p:par>
+    </p:tnLst>
+  </p:timing>
 </p:sld>
 </file>
 
@@ -13546,6 +14470,13 @@
   <p:clrMapOvr>
     <a:masterClrMapping/>
   </p:clrMapOvr>
+  <p:timing>
+    <p:tnLst>
+      <p:par>
+        <p:cTn id="1" dur="indefinite" restart="never" nodeType="tmRoot"/>
+      </p:par>
+    </p:tnLst>
+  </p:timing>
 </p:sld>
 </file>
 
@@ -13792,6 +14723,13 @@
   <p:clrMapOvr>
     <a:masterClrMapping/>
   </p:clrMapOvr>
+  <p:timing>
+    <p:tnLst>
+      <p:par>
+        <p:cTn id="1" dur="indefinite" restart="never" nodeType="tmRoot"/>
+      </p:par>
+    </p:tnLst>
+  </p:timing>
 </p:sld>
 </file>
 
@@ -14002,6 +14940,13 @@
   <p:clrMapOvr>
     <a:masterClrMapping/>
   </p:clrMapOvr>
+  <p:timing>
+    <p:tnLst>
+      <p:par>
+        <p:cTn id="1" dur="indefinite" restart="never" nodeType="tmRoot"/>
+      </p:par>
+    </p:tnLst>
+  </p:timing>
 </p:sld>
 </file>
 
@@ -14209,6 +15154,13 @@
   <p:clrMapOvr>
     <a:masterClrMapping/>
   </p:clrMapOvr>
+  <p:timing>
+    <p:tnLst>
+      <p:par>
+        <p:cTn id="1" dur="indefinite" restart="never" nodeType="tmRoot"/>
+      </p:par>
+    </p:tnLst>
+  </p:timing>
 </p:sld>
 </file>
 
@@ -14446,6 +15398,13 @@
   <p:clrMapOvr>
     <a:masterClrMapping/>
   </p:clrMapOvr>
+  <p:timing>
+    <p:tnLst>
+      <p:par>
+        <p:cTn id="1" dur="indefinite" restart="never" nodeType="tmRoot"/>
+      </p:par>
+    </p:tnLst>
+  </p:timing>
 </p:sld>
 </file>
 
@@ -14657,6 +15616,13 @@
   <p:clrMapOvr>
     <a:masterClrMapping/>
   </p:clrMapOvr>
+  <p:timing>
+    <p:tnLst>
+      <p:par>
+        <p:cTn id="1" dur="indefinite" restart="never" nodeType="tmRoot"/>
+      </p:par>
+    </p:tnLst>
+  </p:timing>
 </p:sld>
 </file>
 

--- a/group5_graphtheory.pptx
+++ b/group5_graphtheory.pptx
@@ -5,7 +5,7 @@
     <p:sldMasterId id="2147483672" r:id="rId1"/>
   </p:sldMasterIdLst>
   <p:notesMasterIdLst>
-    <p:notesMasterId r:id="rId28"/>
+    <p:notesMasterId r:id="rId33"/>
   </p:notesMasterIdLst>
   <p:sldIdLst>
     <p:sldId id="257" r:id="rId2"/>
@@ -16,24 +16,29 @@
     <p:sldId id="262" r:id="rId7"/>
     <p:sldId id="268" r:id="rId8"/>
     <p:sldId id="269" r:id="rId9"/>
-    <p:sldId id="265" r:id="rId10"/>
-    <p:sldId id="266" r:id="rId11"/>
-    <p:sldId id="263" r:id="rId12"/>
-    <p:sldId id="267" r:id="rId13"/>
-    <p:sldId id="270" r:id="rId14"/>
-    <p:sldId id="271" r:id="rId15"/>
-    <p:sldId id="272" r:id="rId16"/>
-    <p:sldId id="273" r:id="rId17"/>
-    <p:sldId id="274" r:id="rId18"/>
-    <p:sldId id="275" r:id="rId19"/>
-    <p:sldId id="277" r:id="rId20"/>
-    <p:sldId id="278" r:id="rId21"/>
-    <p:sldId id="279" r:id="rId22"/>
-    <p:sldId id="258" r:id="rId23"/>
-    <p:sldId id="281" r:id="rId24"/>
-    <p:sldId id="282" r:id="rId25"/>
-    <p:sldId id="283" r:id="rId26"/>
-    <p:sldId id="284" r:id="rId27"/>
+    <p:sldId id="270" r:id="rId10"/>
+    <p:sldId id="265" r:id="rId11"/>
+    <p:sldId id="266" r:id="rId12"/>
+    <p:sldId id="277" r:id="rId13"/>
+    <p:sldId id="278" r:id="rId14"/>
+    <p:sldId id="279" r:id="rId15"/>
+    <p:sldId id="263" r:id="rId16"/>
+    <p:sldId id="267" r:id="rId17"/>
+    <p:sldId id="271" r:id="rId18"/>
+    <p:sldId id="272" r:id="rId19"/>
+    <p:sldId id="273" r:id="rId20"/>
+    <p:sldId id="274" r:id="rId21"/>
+    <p:sldId id="275" r:id="rId22"/>
+    <p:sldId id="285" r:id="rId23"/>
+    <p:sldId id="286" r:id="rId24"/>
+    <p:sldId id="287" r:id="rId25"/>
+    <p:sldId id="288" r:id="rId26"/>
+    <p:sldId id="289" r:id="rId27"/>
+    <p:sldId id="258" r:id="rId28"/>
+    <p:sldId id="281" r:id="rId29"/>
+    <p:sldId id="282" r:id="rId30"/>
+    <p:sldId id="283" r:id="rId31"/>
+    <p:sldId id="284" r:id="rId32"/>
   </p:sldIdLst>
   <p:sldSz cx="12192000" cy="6858000"/>
   <p:notesSz cx="6858000" cy="9144000"/>
@@ -134,7 +139,7 @@
   </p:defaultTextStyle>
   <p:extLst>
     <p:ext uri="{EFAFB233-063F-42B5-8137-9DF3F51BA10A}">
-      <p15:sldGuideLst xmlns:p15="http://schemas.microsoft.com/office/powerpoint/2012/main">
+      <p15:sldGuideLst xmlns:p15="http://schemas.microsoft.com/office/powerpoint/2012/main" xmlns="">
         <p15:guide id="1" orient="horz" pos="2160">
           <p15:clr>
             <a:srgbClr val="A4A3A4"/>
@@ -233,7 +238,7 @@
           <a:p>
             <a:fld id="{1ACB21A0-39B6-47AA-9E9C-8EBA43CBC444}" type="datetimeFigureOut">
               <a:rPr lang="en-US" smtClean="0"/>
-              <a:t>11/15/2024</a:t>
+              <a:t>11/18/2024</a:t>
             </a:fld>
             <a:endParaRPr lang="en-US"/>
           </a:p>
@@ -522,7 +527,7 @@
           <p:cNvPr id="2" name="Title 1">
             <a:extLst>
               <a:ext uri="{FF2B5EF4-FFF2-40B4-BE49-F238E27FC236}">
-                <a16:creationId xmlns:a16="http://schemas.microsoft.com/office/drawing/2014/main" id="{90153CA9-CEE3-490E-B904-C83BB791F8FC}"/>
+                <a16:creationId xmlns:a16="http://schemas.microsoft.com/office/drawing/2014/main" xmlns="" id="{90153CA9-CEE3-490E-B904-C83BB791F8FC}"/>
               </a:ext>
             </a:extLst>
           </p:cNvPr>
@@ -559,7 +564,7 @@
           <p:cNvPr id="3" name="Subtitle 2">
             <a:extLst>
               <a:ext uri="{FF2B5EF4-FFF2-40B4-BE49-F238E27FC236}">
-                <a16:creationId xmlns:a16="http://schemas.microsoft.com/office/drawing/2014/main" id="{AF28206C-017D-4C71-899C-BCADCCA35571}"/>
+                <a16:creationId xmlns:a16="http://schemas.microsoft.com/office/drawing/2014/main" xmlns="" id="{AF28206C-017D-4C71-899C-BCADCCA35571}"/>
               </a:ext>
             </a:extLst>
           </p:cNvPr>
@@ -629,7 +634,7 @@
           <p:cNvPr id="4" name="Date Placeholder 3">
             <a:extLst>
               <a:ext uri="{FF2B5EF4-FFF2-40B4-BE49-F238E27FC236}">
-                <a16:creationId xmlns:a16="http://schemas.microsoft.com/office/drawing/2014/main" id="{2E5154E0-7D74-4AF7-9183-40C4B80F41AC}"/>
+                <a16:creationId xmlns:a16="http://schemas.microsoft.com/office/drawing/2014/main" xmlns="" id="{2E5154E0-7D74-4AF7-9183-40C4B80F41AC}"/>
               </a:ext>
             </a:extLst>
           </p:cNvPr>
@@ -647,7 +652,7 @@
           <a:p>
             <a:fld id="{98235D44-F49E-4F77-A348-B0CDA85E7A83}" type="datetimeFigureOut">
               <a:rPr lang="en-US" smtClean="0"/>
-              <a:t>11/15/2024</a:t>
+              <a:t>11/18/2024</a:t>
             </a:fld>
             <a:endParaRPr lang="en-US"/>
           </a:p>
@@ -658,7 +663,7 @@
           <p:cNvPr id="5" name="Footer Placeholder 4">
             <a:extLst>
               <a:ext uri="{FF2B5EF4-FFF2-40B4-BE49-F238E27FC236}">
-                <a16:creationId xmlns:a16="http://schemas.microsoft.com/office/drawing/2014/main" id="{CE1DB4D5-CCCF-43CB-8AB6-351312003C02}"/>
+                <a16:creationId xmlns:a16="http://schemas.microsoft.com/office/drawing/2014/main" xmlns="" id="{CE1DB4D5-CCCF-43CB-8AB6-351312003C02}"/>
               </a:ext>
             </a:extLst>
           </p:cNvPr>
@@ -683,7 +688,7 @@
           <p:cNvPr id="6" name="Slide Number Placeholder 5">
             <a:extLst>
               <a:ext uri="{FF2B5EF4-FFF2-40B4-BE49-F238E27FC236}">
-                <a16:creationId xmlns:a16="http://schemas.microsoft.com/office/drawing/2014/main" id="{2AF6B164-9EBD-465E-967C-869A54FF0EE7}"/>
+                <a16:creationId xmlns:a16="http://schemas.microsoft.com/office/drawing/2014/main" xmlns="" id="{2AF6B164-9EBD-465E-967C-869A54FF0EE7}"/>
               </a:ext>
             </a:extLst>
           </p:cNvPr>
@@ -742,7 +747,7 @@
           <p:cNvPr id="2" name="Title 1">
             <a:extLst>
               <a:ext uri="{FF2B5EF4-FFF2-40B4-BE49-F238E27FC236}">
-                <a16:creationId xmlns:a16="http://schemas.microsoft.com/office/drawing/2014/main" id="{54DF0A69-A3E1-41DF-8F4B-E2FC7C9D5151}"/>
+                <a16:creationId xmlns:a16="http://schemas.microsoft.com/office/drawing/2014/main" xmlns="" id="{54DF0A69-A3E1-41DF-8F4B-E2FC7C9D5151}"/>
               </a:ext>
             </a:extLst>
           </p:cNvPr>
@@ -770,7 +775,7 @@
           <p:cNvPr id="3" name="Vertical Text Placeholder 2">
             <a:extLst>
               <a:ext uri="{FF2B5EF4-FFF2-40B4-BE49-F238E27FC236}">
-                <a16:creationId xmlns:a16="http://schemas.microsoft.com/office/drawing/2014/main" id="{A0BFDFE4-B6D8-419C-BDC3-B155D6309148}"/>
+                <a16:creationId xmlns:a16="http://schemas.microsoft.com/office/drawing/2014/main" xmlns="" id="{A0BFDFE4-B6D8-419C-BDC3-B155D6309148}"/>
               </a:ext>
             </a:extLst>
           </p:cNvPr>
@@ -827,7 +832,7 @@
           <p:cNvPr id="4" name="Date Placeholder 3">
             <a:extLst>
               <a:ext uri="{FF2B5EF4-FFF2-40B4-BE49-F238E27FC236}">
-                <a16:creationId xmlns:a16="http://schemas.microsoft.com/office/drawing/2014/main" id="{B773AFF5-9B35-492B-B44A-6CD8A7D05A7D}"/>
+                <a16:creationId xmlns:a16="http://schemas.microsoft.com/office/drawing/2014/main" xmlns="" id="{B773AFF5-9B35-492B-B44A-6CD8A7D05A7D}"/>
               </a:ext>
             </a:extLst>
           </p:cNvPr>
@@ -845,7 +850,7 @@
           <a:p>
             <a:fld id="{98235D44-F49E-4F77-A348-B0CDA85E7A83}" type="datetimeFigureOut">
               <a:rPr lang="en-US" smtClean="0"/>
-              <a:t>11/15/2024</a:t>
+              <a:t>11/18/2024</a:t>
             </a:fld>
             <a:endParaRPr lang="en-US"/>
           </a:p>
@@ -856,7 +861,7 @@
           <p:cNvPr id="5" name="Footer Placeholder 4">
             <a:extLst>
               <a:ext uri="{FF2B5EF4-FFF2-40B4-BE49-F238E27FC236}">
-                <a16:creationId xmlns:a16="http://schemas.microsoft.com/office/drawing/2014/main" id="{E7141136-EF5A-43E2-9B26-722C11CB378A}"/>
+                <a16:creationId xmlns:a16="http://schemas.microsoft.com/office/drawing/2014/main" xmlns="" id="{E7141136-EF5A-43E2-9B26-722C11CB378A}"/>
               </a:ext>
             </a:extLst>
           </p:cNvPr>
@@ -881,7 +886,7 @@
           <p:cNvPr id="6" name="Slide Number Placeholder 5">
             <a:extLst>
               <a:ext uri="{FF2B5EF4-FFF2-40B4-BE49-F238E27FC236}">
-                <a16:creationId xmlns:a16="http://schemas.microsoft.com/office/drawing/2014/main" id="{1A704786-C1BF-4805-AF1E-AE04E48C6A40}"/>
+                <a16:creationId xmlns:a16="http://schemas.microsoft.com/office/drawing/2014/main" xmlns="" id="{1A704786-C1BF-4805-AF1E-AE04E48C6A40}"/>
               </a:ext>
             </a:extLst>
           </p:cNvPr>
@@ -940,7 +945,7 @@
           <p:cNvPr id="2" name="Vertical Title 1">
             <a:extLst>
               <a:ext uri="{FF2B5EF4-FFF2-40B4-BE49-F238E27FC236}">
-                <a16:creationId xmlns:a16="http://schemas.microsoft.com/office/drawing/2014/main" id="{DEE7E6CB-F7BE-4718-A84B-BA25DB80FF39}"/>
+                <a16:creationId xmlns:a16="http://schemas.microsoft.com/office/drawing/2014/main" xmlns="" id="{DEE7E6CB-F7BE-4718-A84B-BA25DB80FF39}"/>
               </a:ext>
             </a:extLst>
           </p:cNvPr>
@@ -973,7 +978,7 @@
           <p:cNvPr id="3" name="Vertical Text Placeholder 2">
             <a:extLst>
               <a:ext uri="{FF2B5EF4-FFF2-40B4-BE49-F238E27FC236}">
-                <a16:creationId xmlns:a16="http://schemas.microsoft.com/office/drawing/2014/main" id="{82A4C9AA-1C74-4EA8-B5F2-F0E47B6CF5AC}"/>
+                <a16:creationId xmlns:a16="http://schemas.microsoft.com/office/drawing/2014/main" xmlns="" id="{82A4C9AA-1C74-4EA8-B5F2-F0E47B6CF5AC}"/>
               </a:ext>
             </a:extLst>
           </p:cNvPr>
@@ -1035,7 +1040,7 @@
           <p:cNvPr id="4" name="Date Placeholder 3">
             <a:extLst>
               <a:ext uri="{FF2B5EF4-FFF2-40B4-BE49-F238E27FC236}">
-                <a16:creationId xmlns:a16="http://schemas.microsoft.com/office/drawing/2014/main" id="{7E9EB41A-0C2B-4C24-BC92-6C6A82B8E9A6}"/>
+                <a16:creationId xmlns:a16="http://schemas.microsoft.com/office/drawing/2014/main" xmlns="" id="{7E9EB41A-0C2B-4C24-BC92-6C6A82B8E9A6}"/>
               </a:ext>
             </a:extLst>
           </p:cNvPr>
@@ -1053,7 +1058,7 @@
           <a:p>
             <a:fld id="{98235D44-F49E-4F77-A348-B0CDA85E7A83}" type="datetimeFigureOut">
               <a:rPr lang="en-US" smtClean="0"/>
-              <a:t>11/15/2024</a:t>
+              <a:t>11/18/2024</a:t>
             </a:fld>
             <a:endParaRPr lang="en-US"/>
           </a:p>
@@ -1064,7 +1069,7 @@
           <p:cNvPr id="5" name="Footer Placeholder 4">
             <a:extLst>
               <a:ext uri="{FF2B5EF4-FFF2-40B4-BE49-F238E27FC236}">
-                <a16:creationId xmlns:a16="http://schemas.microsoft.com/office/drawing/2014/main" id="{DFD51F58-722A-4E64-B816-094C6DE676CE}"/>
+                <a16:creationId xmlns:a16="http://schemas.microsoft.com/office/drawing/2014/main" xmlns="" id="{DFD51F58-722A-4E64-B816-094C6DE676CE}"/>
               </a:ext>
             </a:extLst>
           </p:cNvPr>
@@ -1089,7 +1094,7 @@
           <p:cNvPr id="6" name="Slide Number Placeholder 5">
             <a:extLst>
               <a:ext uri="{FF2B5EF4-FFF2-40B4-BE49-F238E27FC236}">
-                <a16:creationId xmlns:a16="http://schemas.microsoft.com/office/drawing/2014/main" id="{F689F127-125D-40B1-AE36-1A9AF2927119}"/>
+                <a16:creationId xmlns:a16="http://schemas.microsoft.com/office/drawing/2014/main" xmlns="" id="{F689F127-125D-40B1-AE36-1A9AF2927119}"/>
               </a:ext>
             </a:extLst>
           </p:cNvPr>
@@ -1148,7 +1153,7 @@
           <p:cNvPr id="2" name="Title 1">
             <a:extLst>
               <a:ext uri="{FF2B5EF4-FFF2-40B4-BE49-F238E27FC236}">
-                <a16:creationId xmlns:a16="http://schemas.microsoft.com/office/drawing/2014/main" id="{54374454-874D-41BA-919F-BEAA279DADFF}"/>
+                <a16:creationId xmlns:a16="http://schemas.microsoft.com/office/drawing/2014/main" xmlns="" id="{54374454-874D-41BA-919F-BEAA279DADFF}"/>
               </a:ext>
             </a:extLst>
           </p:cNvPr>
@@ -1176,7 +1181,7 @@
           <p:cNvPr id="3" name="Content Placeholder 2">
             <a:extLst>
               <a:ext uri="{FF2B5EF4-FFF2-40B4-BE49-F238E27FC236}">
-                <a16:creationId xmlns:a16="http://schemas.microsoft.com/office/drawing/2014/main" id="{E404983B-6A7A-48AE-9727-E7B2382AA789}"/>
+                <a16:creationId xmlns:a16="http://schemas.microsoft.com/office/drawing/2014/main" xmlns="" id="{E404983B-6A7A-48AE-9727-E7B2382AA789}"/>
               </a:ext>
             </a:extLst>
           </p:cNvPr>
@@ -1233,7 +1238,7 @@
           <p:cNvPr id="4" name="Date Placeholder 3">
             <a:extLst>
               <a:ext uri="{FF2B5EF4-FFF2-40B4-BE49-F238E27FC236}">
-                <a16:creationId xmlns:a16="http://schemas.microsoft.com/office/drawing/2014/main" id="{7E95549F-5540-4931-AEC5-9C8E878C63FA}"/>
+                <a16:creationId xmlns:a16="http://schemas.microsoft.com/office/drawing/2014/main" xmlns="" id="{7E95549F-5540-4931-AEC5-9C8E878C63FA}"/>
               </a:ext>
             </a:extLst>
           </p:cNvPr>
@@ -1251,7 +1256,7 @@
           <a:p>
             <a:fld id="{98235D44-F49E-4F77-A348-B0CDA85E7A83}" type="datetimeFigureOut">
               <a:rPr lang="en-US" smtClean="0"/>
-              <a:t>11/15/2024</a:t>
+              <a:t>11/18/2024</a:t>
             </a:fld>
             <a:endParaRPr lang="en-US"/>
           </a:p>
@@ -1262,7 +1267,7 @@
           <p:cNvPr id="5" name="Footer Placeholder 4">
             <a:extLst>
               <a:ext uri="{FF2B5EF4-FFF2-40B4-BE49-F238E27FC236}">
-                <a16:creationId xmlns:a16="http://schemas.microsoft.com/office/drawing/2014/main" id="{E8540E33-F975-459A-94C6-D3350BCC7F9F}"/>
+                <a16:creationId xmlns:a16="http://schemas.microsoft.com/office/drawing/2014/main" xmlns="" id="{E8540E33-F975-459A-94C6-D3350BCC7F9F}"/>
               </a:ext>
             </a:extLst>
           </p:cNvPr>
@@ -1287,7 +1292,7 @@
           <p:cNvPr id="6" name="Slide Number Placeholder 5">
             <a:extLst>
               <a:ext uri="{FF2B5EF4-FFF2-40B4-BE49-F238E27FC236}">
-                <a16:creationId xmlns:a16="http://schemas.microsoft.com/office/drawing/2014/main" id="{4DD482F3-4727-47AC-AF4C-2BA1E8D999B7}"/>
+                <a16:creationId xmlns:a16="http://schemas.microsoft.com/office/drawing/2014/main" xmlns="" id="{4DD482F3-4727-47AC-AF4C-2BA1E8D999B7}"/>
               </a:ext>
             </a:extLst>
           </p:cNvPr>
@@ -1346,7 +1351,7 @@
           <p:cNvPr id="2" name="Title 1">
             <a:extLst>
               <a:ext uri="{FF2B5EF4-FFF2-40B4-BE49-F238E27FC236}">
-                <a16:creationId xmlns:a16="http://schemas.microsoft.com/office/drawing/2014/main" id="{509BBA42-97E6-45AB-A899-778F199EC23A}"/>
+                <a16:creationId xmlns:a16="http://schemas.microsoft.com/office/drawing/2014/main" xmlns="" id="{509BBA42-97E6-45AB-A899-778F199EC23A}"/>
               </a:ext>
             </a:extLst>
           </p:cNvPr>
@@ -1383,7 +1388,7 @@
           <p:cNvPr id="3" name="Text Placeholder 2">
             <a:extLst>
               <a:ext uri="{FF2B5EF4-FFF2-40B4-BE49-F238E27FC236}">
-                <a16:creationId xmlns:a16="http://schemas.microsoft.com/office/drawing/2014/main" id="{FE679065-DE80-4215-AA5E-4A108CDBF123}"/>
+                <a16:creationId xmlns:a16="http://schemas.microsoft.com/office/drawing/2014/main" xmlns="" id="{FE679065-DE80-4215-AA5E-4A108CDBF123}"/>
               </a:ext>
             </a:extLst>
           </p:cNvPr>
@@ -1508,7 +1513,7 @@
           <p:cNvPr id="4" name="Date Placeholder 3">
             <a:extLst>
               <a:ext uri="{FF2B5EF4-FFF2-40B4-BE49-F238E27FC236}">
-                <a16:creationId xmlns:a16="http://schemas.microsoft.com/office/drawing/2014/main" id="{920AD797-AA9B-4468-8365-7E29961EE793}"/>
+                <a16:creationId xmlns:a16="http://schemas.microsoft.com/office/drawing/2014/main" xmlns="" id="{920AD797-AA9B-4468-8365-7E29961EE793}"/>
               </a:ext>
             </a:extLst>
           </p:cNvPr>
@@ -1526,7 +1531,7 @@
           <a:p>
             <a:fld id="{98235D44-F49E-4F77-A348-B0CDA85E7A83}" type="datetimeFigureOut">
               <a:rPr lang="en-US" smtClean="0"/>
-              <a:t>11/15/2024</a:t>
+              <a:t>11/18/2024</a:t>
             </a:fld>
             <a:endParaRPr lang="en-US"/>
           </a:p>
@@ -1537,7 +1542,7 @@
           <p:cNvPr id="5" name="Footer Placeholder 4">
             <a:extLst>
               <a:ext uri="{FF2B5EF4-FFF2-40B4-BE49-F238E27FC236}">
-                <a16:creationId xmlns:a16="http://schemas.microsoft.com/office/drawing/2014/main" id="{D84B7625-6DFE-47C1-9BF2-FC6CBCE0477B}"/>
+                <a16:creationId xmlns:a16="http://schemas.microsoft.com/office/drawing/2014/main" xmlns="" id="{D84B7625-6DFE-47C1-9BF2-FC6CBCE0477B}"/>
               </a:ext>
             </a:extLst>
           </p:cNvPr>
@@ -1562,7 +1567,7 @@
           <p:cNvPr id="6" name="Slide Number Placeholder 5">
             <a:extLst>
               <a:ext uri="{FF2B5EF4-FFF2-40B4-BE49-F238E27FC236}">
-                <a16:creationId xmlns:a16="http://schemas.microsoft.com/office/drawing/2014/main" id="{8A6662A9-EF45-4BA6-A5E9-CA08D9AE56F4}"/>
+                <a16:creationId xmlns:a16="http://schemas.microsoft.com/office/drawing/2014/main" xmlns="" id="{8A6662A9-EF45-4BA6-A5E9-CA08D9AE56F4}"/>
               </a:ext>
             </a:extLst>
           </p:cNvPr>
@@ -1621,7 +1626,7 @@
           <p:cNvPr id="2" name="Title 1">
             <a:extLst>
               <a:ext uri="{FF2B5EF4-FFF2-40B4-BE49-F238E27FC236}">
-                <a16:creationId xmlns:a16="http://schemas.microsoft.com/office/drawing/2014/main" id="{2A320807-A51F-458D-808F-414E5E8BD54C}"/>
+                <a16:creationId xmlns:a16="http://schemas.microsoft.com/office/drawing/2014/main" xmlns="" id="{2A320807-A51F-458D-808F-414E5E8BD54C}"/>
               </a:ext>
             </a:extLst>
           </p:cNvPr>
@@ -1649,7 +1654,7 @@
           <p:cNvPr id="3" name="Content Placeholder 2">
             <a:extLst>
               <a:ext uri="{FF2B5EF4-FFF2-40B4-BE49-F238E27FC236}">
-                <a16:creationId xmlns:a16="http://schemas.microsoft.com/office/drawing/2014/main" id="{6C329B2A-E17E-4DF2-A942-093AC35C9A24}"/>
+                <a16:creationId xmlns:a16="http://schemas.microsoft.com/office/drawing/2014/main" xmlns="" id="{6C329B2A-E17E-4DF2-A942-093AC35C9A24}"/>
               </a:ext>
             </a:extLst>
           </p:cNvPr>
@@ -1711,7 +1716,7 @@
           <p:cNvPr id="4" name="Content Placeholder 3">
             <a:extLst>
               <a:ext uri="{FF2B5EF4-FFF2-40B4-BE49-F238E27FC236}">
-                <a16:creationId xmlns:a16="http://schemas.microsoft.com/office/drawing/2014/main" id="{EDBAC129-F5B0-481F-93A8-B9BA1C7601B7}"/>
+                <a16:creationId xmlns:a16="http://schemas.microsoft.com/office/drawing/2014/main" xmlns="" id="{EDBAC129-F5B0-481F-93A8-B9BA1C7601B7}"/>
               </a:ext>
             </a:extLst>
           </p:cNvPr>
@@ -1773,7 +1778,7 @@
           <p:cNvPr id="5" name="Date Placeholder 4">
             <a:extLst>
               <a:ext uri="{FF2B5EF4-FFF2-40B4-BE49-F238E27FC236}">
-                <a16:creationId xmlns:a16="http://schemas.microsoft.com/office/drawing/2014/main" id="{5135CE7C-6A91-4DF8-9FDA-9FF470B132BB}"/>
+                <a16:creationId xmlns:a16="http://schemas.microsoft.com/office/drawing/2014/main" xmlns="" id="{5135CE7C-6A91-4DF8-9FDA-9FF470B132BB}"/>
               </a:ext>
             </a:extLst>
           </p:cNvPr>
@@ -1791,7 +1796,7 @@
           <a:p>
             <a:fld id="{98235D44-F49E-4F77-A348-B0CDA85E7A83}" type="datetimeFigureOut">
               <a:rPr lang="en-US" smtClean="0"/>
-              <a:t>11/15/2024</a:t>
+              <a:t>11/18/2024</a:t>
             </a:fld>
             <a:endParaRPr lang="en-US"/>
           </a:p>
@@ -1802,7 +1807,7 @@
           <p:cNvPr id="6" name="Footer Placeholder 5">
             <a:extLst>
               <a:ext uri="{FF2B5EF4-FFF2-40B4-BE49-F238E27FC236}">
-                <a16:creationId xmlns:a16="http://schemas.microsoft.com/office/drawing/2014/main" id="{D451B40A-821D-430D-B1EC-0F30A840642C}"/>
+                <a16:creationId xmlns:a16="http://schemas.microsoft.com/office/drawing/2014/main" xmlns="" id="{D451B40A-821D-430D-B1EC-0F30A840642C}"/>
               </a:ext>
             </a:extLst>
           </p:cNvPr>
@@ -1827,7 +1832,7 @@
           <p:cNvPr id="7" name="Slide Number Placeholder 6">
             <a:extLst>
               <a:ext uri="{FF2B5EF4-FFF2-40B4-BE49-F238E27FC236}">
-                <a16:creationId xmlns:a16="http://schemas.microsoft.com/office/drawing/2014/main" id="{9289948C-896E-4C7F-9D59-DEBB009C386B}"/>
+                <a16:creationId xmlns:a16="http://schemas.microsoft.com/office/drawing/2014/main" xmlns="" id="{9289948C-896E-4C7F-9D59-DEBB009C386B}"/>
               </a:ext>
             </a:extLst>
           </p:cNvPr>
@@ -1886,7 +1891,7 @@
           <p:cNvPr id="2" name="Title 1">
             <a:extLst>
               <a:ext uri="{FF2B5EF4-FFF2-40B4-BE49-F238E27FC236}">
-                <a16:creationId xmlns:a16="http://schemas.microsoft.com/office/drawing/2014/main" id="{C573F594-9B9F-49C2-BCEF-6C5F0C5AD6F4}"/>
+                <a16:creationId xmlns:a16="http://schemas.microsoft.com/office/drawing/2014/main" xmlns="" id="{C573F594-9B9F-49C2-BCEF-6C5F0C5AD6F4}"/>
               </a:ext>
             </a:extLst>
           </p:cNvPr>
@@ -1919,7 +1924,7 @@
           <p:cNvPr id="3" name="Text Placeholder 2">
             <a:extLst>
               <a:ext uri="{FF2B5EF4-FFF2-40B4-BE49-F238E27FC236}">
-                <a16:creationId xmlns:a16="http://schemas.microsoft.com/office/drawing/2014/main" id="{6BD242A9-626B-4277-8B4E-3DEFB86B1E30}"/>
+                <a16:creationId xmlns:a16="http://schemas.microsoft.com/office/drawing/2014/main" xmlns="" id="{6BD242A9-626B-4277-8B4E-3DEFB86B1E30}"/>
               </a:ext>
             </a:extLst>
           </p:cNvPr>
@@ -1990,7 +1995,7 @@
           <p:cNvPr id="4" name="Content Placeholder 3">
             <a:extLst>
               <a:ext uri="{FF2B5EF4-FFF2-40B4-BE49-F238E27FC236}">
-                <a16:creationId xmlns:a16="http://schemas.microsoft.com/office/drawing/2014/main" id="{6C71FFBE-4605-4F11-A2C8-C65B1BEC25B8}"/>
+                <a16:creationId xmlns:a16="http://schemas.microsoft.com/office/drawing/2014/main" xmlns="" id="{6C71FFBE-4605-4F11-A2C8-C65B1BEC25B8}"/>
               </a:ext>
             </a:extLst>
           </p:cNvPr>
@@ -2052,7 +2057,7 @@
           <p:cNvPr id="5" name="Text Placeholder 4">
             <a:extLst>
               <a:ext uri="{FF2B5EF4-FFF2-40B4-BE49-F238E27FC236}">
-                <a16:creationId xmlns:a16="http://schemas.microsoft.com/office/drawing/2014/main" id="{597E7E94-08D2-4465-8275-03756E03DCA7}"/>
+                <a16:creationId xmlns:a16="http://schemas.microsoft.com/office/drawing/2014/main" xmlns="" id="{597E7E94-08D2-4465-8275-03756E03DCA7}"/>
               </a:ext>
             </a:extLst>
           </p:cNvPr>
@@ -2123,7 +2128,7 @@
           <p:cNvPr id="6" name="Content Placeholder 5">
             <a:extLst>
               <a:ext uri="{FF2B5EF4-FFF2-40B4-BE49-F238E27FC236}">
-                <a16:creationId xmlns:a16="http://schemas.microsoft.com/office/drawing/2014/main" id="{B640757D-FFF3-47E6-99C9-BFD670AF0D0A}"/>
+                <a16:creationId xmlns:a16="http://schemas.microsoft.com/office/drawing/2014/main" xmlns="" id="{B640757D-FFF3-47E6-99C9-BFD670AF0D0A}"/>
               </a:ext>
             </a:extLst>
           </p:cNvPr>
@@ -2185,7 +2190,7 @@
           <p:cNvPr id="7" name="Date Placeholder 6">
             <a:extLst>
               <a:ext uri="{FF2B5EF4-FFF2-40B4-BE49-F238E27FC236}">
-                <a16:creationId xmlns:a16="http://schemas.microsoft.com/office/drawing/2014/main" id="{002B89D3-9991-4FD5-8491-E2460974C3AE}"/>
+                <a16:creationId xmlns:a16="http://schemas.microsoft.com/office/drawing/2014/main" xmlns="" id="{002B89D3-9991-4FD5-8491-E2460974C3AE}"/>
               </a:ext>
             </a:extLst>
           </p:cNvPr>
@@ -2203,7 +2208,7 @@
           <a:p>
             <a:fld id="{98235D44-F49E-4F77-A348-B0CDA85E7A83}" type="datetimeFigureOut">
               <a:rPr lang="en-US" smtClean="0"/>
-              <a:t>11/15/2024</a:t>
+              <a:t>11/18/2024</a:t>
             </a:fld>
             <a:endParaRPr lang="en-US"/>
           </a:p>
@@ -2214,7 +2219,7 @@
           <p:cNvPr id="8" name="Footer Placeholder 7">
             <a:extLst>
               <a:ext uri="{FF2B5EF4-FFF2-40B4-BE49-F238E27FC236}">
-                <a16:creationId xmlns:a16="http://schemas.microsoft.com/office/drawing/2014/main" id="{300CDECF-9448-4116-8114-C14E91479E02}"/>
+                <a16:creationId xmlns:a16="http://schemas.microsoft.com/office/drawing/2014/main" xmlns="" id="{300CDECF-9448-4116-8114-C14E91479E02}"/>
               </a:ext>
             </a:extLst>
           </p:cNvPr>
@@ -2239,7 +2244,7 @@
           <p:cNvPr id="9" name="Slide Number Placeholder 8">
             <a:extLst>
               <a:ext uri="{FF2B5EF4-FFF2-40B4-BE49-F238E27FC236}">
-                <a16:creationId xmlns:a16="http://schemas.microsoft.com/office/drawing/2014/main" id="{76DADDA4-B891-462D-9A7C-282C46B1F901}"/>
+                <a16:creationId xmlns:a16="http://schemas.microsoft.com/office/drawing/2014/main" xmlns="" id="{76DADDA4-B891-462D-9A7C-282C46B1F901}"/>
               </a:ext>
             </a:extLst>
           </p:cNvPr>
@@ -2298,7 +2303,7 @@
           <p:cNvPr id="2" name="Title 1">
             <a:extLst>
               <a:ext uri="{FF2B5EF4-FFF2-40B4-BE49-F238E27FC236}">
-                <a16:creationId xmlns:a16="http://schemas.microsoft.com/office/drawing/2014/main" id="{7B389A39-8BA1-460B-A7B7-0BAFB619D949}"/>
+                <a16:creationId xmlns:a16="http://schemas.microsoft.com/office/drawing/2014/main" xmlns="" id="{7B389A39-8BA1-460B-A7B7-0BAFB619D949}"/>
               </a:ext>
             </a:extLst>
           </p:cNvPr>
@@ -2326,7 +2331,7 @@
           <p:cNvPr id="3" name="Date Placeholder 2">
             <a:extLst>
               <a:ext uri="{FF2B5EF4-FFF2-40B4-BE49-F238E27FC236}">
-                <a16:creationId xmlns:a16="http://schemas.microsoft.com/office/drawing/2014/main" id="{DE857218-C2CF-4B5D-BD2D-953DBA4E65F7}"/>
+                <a16:creationId xmlns:a16="http://schemas.microsoft.com/office/drawing/2014/main" xmlns="" id="{DE857218-C2CF-4B5D-BD2D-953DBA4E65F7}"/>
               </a:ext>
             </a:extLst>
           </p:cNvPr>
@@ -2344,7 +2349,7 @@
           <a:p>
             <a:fld id="{98235D44-F49E-4F77-A348-B0CDA85E7A83}" type="datetimeFigureOut">
               <a:rPr lang="en-US" smtClean="0"/>
-              <a:t>11/15/2024</a:t>
+              <a:t>11/18/2024</a:t>
             </a:fld>
             <a:endParaRPr lang="en-US"/>
           </a:p>
@@ -2355,7 +2360,7 @@
           <p:cNvPr id="4" name="Footer Placeholder 3">
             <a:extLst>
               <a:ext uri="{FF2B5EF4-FFF2-40B4-BE49-F238E27FC236}">
-                <a16:creationId xmlns:a16="http://schemas.microsoft.com/office/drawing/2014/main" id="{B87E3C4D-51BB-4849-AC59-BE7A0EFDACF3}"/>
+                <a16:creationId xmlns:a16="http://schemas.microsoft.com/office/drawing/2014/main" xmlns="" id="{B87E3C4D-51BB-4849-AC59-BE7A0EFDACF3}"/>
               </a:ext>
             </a:extLst>
           </p:cNvPr>
@@ -2380,7 +2385,7 @@
           <p:cNvPr id="5" name="Slide Number Placeholder 4">
             <a:extLst>
               <a:ext uri="{FF2B5EF4-FFF2-40B4-BE49-F238E27FC236}">
-                <a16:creationId xmlns:a16="http://schemas.microsoft.com/office/drawing/2014/main" id="{1A483845-0A19-4135-8A4B-234E6DA4B3C4}"/>
+                <a16:creationId xmlns:a16="http://schemas.microsoft.com/office/drawing/2014/main" xmlns="" id="{1A483845-0A19-4135-8A4B-234E6DA4B3C4}"/>
               </a:ext>
             </a:extLst>
           </p:cNvPr>
@@ -2439,7 +2444,7 @@
           <p:cNvPr id="2" name="Date Placeholder 1">
             <a:extLst>
               <a:ext uri="{FF2B5EF4-FFF2-40B4-BE49-F238E27FC236}">
-                <a16:creationId xmlns:a16="http://schemas.microsoft.com/office/drawing/2014/main" id="{6A911417-751B-4A8B-8B5C-E830524A1670}"/>
+                <a16:creationId xmlns:a16="http://schemas.microsoft.com/office/drawing/2014/main" xmlns="" id="{6A911417-751B-4A8B-8B5C-E830524A1670}"/>
               </a:ext>
             </a:extLst>
           </p:cNvPr>
@@ -2457,7 +2462,7 @@
           <a:p>
             <a:fld id="{98235D44-F49E-4F77-A348-B0CDA85E7A83}" type="datetimeFigureOut">
               <a:rPr lang="en-US" smtClean="0"/>
-              <a:t>11/15/2024</a:t>
+              <a:t>11/18/2024</a:t>
             </a:fld>
             <a:endParaRPr lang="en-US"/>
           </a:p>
@@ -2468,7 +2473,7 @@
           <p:cNvPr id="3" name="Footer Placeholder 2">
             <a:extLst>
               <a:ext uri="{FF2B5EF4-FFF2-40B4-BE49-F238E27FC236}">
-                <a16:creationId xmlns:a16="http://schemas.microsoft.com/office/drawing/2014/main" id="{5CA4A73D-9967-4B6D-AFC0-E36A3DADD2B2}"/>
+                <a16:creationId xmlns:a16="http://schemas.microsoft.com/office/drawing/2014/main" xmlns="" id="{5CA4A73D-9967-4B6D-AFC0-E36A3DADD2B2}"/>
               </a:ext>
             </a:extLst>
           </p:cNvPr>
@@ -2493,7 +2498,7 @@
           <p:cNvPr id="4" name="Slide Number Placeholder 3">
             <a:extLst>
               <a:ext uri="{FF2B5EF4-FFF2-40B4-BE49-F238E27FC236}">
-                <a16:creationId xmlns:a16="http://schemas.microsoft.com/office/drawing/2014/main" id="{9B683209-557C-448F-B737-7B704BE13B30}"/>
+                <a16:creationId xmlns:a16="http://schemas.microsoft.com/office/drawing/2014/main" xmlns="" id="{9B683209-557C-448F-B737-7B704BE13B30}"/>
               </a:ext>
             </a:extLst>
           </p:cNvPr>
@@ -2552,7 +2557,7 @@
           <p:cNvPr id="2" name="Title 1">
             <a:extLst>
               <a:ext uri="{FF2B5EF4-FFF2-40B4-BE49-F238E27FC236}">
-                <a16:creationId xmlns:a16="http://schemas.microsoft.com/office/drawing/2014/main" id="{C6242804-3BAA-4C10-8C80-09163D1A9385}"/>
+                <a16:creationId xmlns:a16="http://schemas.microsoft.com/office/drawing/2014/main" xmlns="" id="{C6242804-3BAA-4C10-8C80-09163D1A9385}"/>
               </a:ext>
             </a:extLst>
           </p:cNvPr>
@@ -2589,7 +2594,7 @@
           <p:cNvPr id="3" name="Content Placeholder 2">
             <a:extLst>
               <a:ext uri="{FF2B5EF4-FFF2-40B4-BE49-F238E27FC236}">
-                <a16:creationId xmlns:a16="http://schemas.microsoft.com/office/drawing/2014/main" id="{3572D3B3-8BBD-4040-8A8E-EB60A12217C9}"/>
+                <a16:creationId xmlns:a16="http://schemas.microsoft.com/office/drawing/2014/main" xmlns="" id="{3572D3B3-8BBD-4040-8A8E-EB60A12217C9}"/>
               </a:ext>
             </a:extLst>
           </p:cNvPr>
@@ -2679,7 +2684,7 @@
           <p:cNvPr id="4" name="Text Placeholder 3">
             <a:extLst>
               <a:ext uri="{FF2B5EF4-FFF2-40B4-BE49-F238E27FC236}">
-                <a16:creationId xmlns:a16="http://schemas.microsoft.com/office/drawing/2014/main" id="{35CFFDF4-C3C7-40B7-998A-C4E5DC70044C}"/>
+                <a16:creationId xmlns:a16="http://schemas.microsoft.com/office/drawing/2014/main" xmlns="" id="{35CFFDF4-C3C7-40B7-998A-C4E5DC70044C}"/>
               </a:ext>
             </a:extLst>
           </p:cNvPr>
@@ -2750,7 +2755,7 @@
           <p:cNvPr id="5" name="Date Placeholder 4">
             <a:extLst>
               <a:ext uri="{FF2B5EF4-FFF2-40B4-BE49-F238E27FC236}">
-                <a16:creationId xmlns:a16="http://schemas.microsoft.com/office/drawing/2014/main" id="{AB3D33DC-9AC1-44A6-8EF1-559EC4BB19DD}"/>
+                <a16:creationId xmlns:a16="http://schemas.microsoft.com/office/drawing/2014/main" xmlns="" id="{AB3D33DC-9AC1-44A6-8EF1-559EC4BB19DD}"/>
               </a:ext>
             </a:extLst>
           </p:cNvPr>
@@ -2768,7 +2773,7 @@
           <a:p>
             <a:fld id="{98235D44-F49E-4F77-A348-B0CDA85E7A83}" type="datetimeFigureOut">
               <a:rPr lang="en-US" smtClean="0"/>
-              <a:t>11/15/2024</a:t>
+              <a:t>11/18/2024</a:t>
             </a:fld>
             <a:endParaRPr lang="en-US"/>
           </a:p>
@@ -2779,7 +2784,7 @@
           <p:cNvPr id="6" name="Footer Placeholder 5">
             <a:extLst>
               <a:ext uri="{FF2B5EF4-FFF2-40B4-BE49-F238E27FC236}">
-                <a16:creationId xmlns:a16="http://schemas.microsoft.com/office/drawing/2014/main" id="{C46E6C10-CEB5-4B1F-AC0D-6AB2C63AE4A7}"/>
+                <a16:creationId xmlns:a16="http://schemas.microsoft.com/office/drawing/2014/main" xmlns="" id="{C46E6C10-CEB5-4B1F-AC0D-6AB2C63AE4A7}"/>
               </a:ext>
             </a:extLst>
           </p:cNvPr>
@@ -2804,7 +2809,7 @@
           <p:cNvPr id="7" name="Slide Number Placeholder 6">
             <a:extLst>
               <a:ext uri="{FF2B5EF4-FFF2-40B4-BE49-F238E27FC236}">
-                <a16:creationId xmlns:a16="http://schemas.microsoft.com/office/drawing/2014/main" id="{A017AC0C-F6FA-40D6-9F6C-8C368C978273}"/>
+                <a16:creationId xmlns:a16="http://schemas.microsoft.com/office/drawing/2014/main" xmlns="" id="{A017AC0C-F6FA-40D6-9F6C-8C368C978273}"/>
               </a:ext>
             </a:extLst>
           </p:cNvPr>
@@ -2863,7 +2868,7 @@
           <p:cNvPr id="2" name="Title 1">
             <a:extLst>
               <a:ext uri="{FF2B5EF4-FFF2-40B4-BE49-F238E27FC236}">
-                <a16:creationId xmlns:a16="http://schemas.microsoft.com/office/drawing/2014/main" id="{A7F24B01-EE1C-45EE-8417-7DD723D22EC4}"/>
+                <a16:creationId xmlns:a16="http://schemas.microsoft.com/office/drawing/2014/main" xmlns="" id="{A7F24B01-EE1C-45EE-8417-7DD723D22EC4}"/>
               </a:ext>
             </a:extLst>
           </p:cNvPr>
@@ -2900,7 +2905,7 @@
           <p:cNvPr id="3" name="Picture Placeholder 2">
             <a:extLst>
               <a:ext uri="{FF2B5EF4-FFF2-40B4-BE49-F238E27FC236}">
-                <a16:creationId xmlns:a16="http://schemas.microsoft.com/office/drawing/2014/main" id="{232AA200-9C6F-4F24-A443-CCF4808F2DDE}"/>
+                <a16:creationId xmlns:a16="http://schemas.microsoft.com/office/drawing/2014/main" xmlns="" id="{232AA200-9C6F-4F24-A443-CCF4808F2DDE}"/>
               </a:ext>
             </a:extLst>
           </p:cNvPr>
@@ -2967,7 +2972,7 @@
           <p:cNvPr id="4" name="Text Placeholder 3">
             <a:extLst>
               <a:ext uri="{FF2B5EF4-FFF2-40B4-BE49-F238E27FC236}">
-                <a16:creationId xmlns:a16="http://schemas.microsoft.com/office/drawing/2014/main" id="{233B9892-61C9-4F8E-9C07-E15B547144F6}"/>
+                <a16:creationId xmlns:a16="http://schemas.microsoft.com/office/drawing/2014/main" xmlns="" id="{233B9892-61C9-4F8E-9C07-E15B547144F6}"/>
               </a:ext>
             </a:extLst>
           </p:cNvPr>
@@ -3038,7 +3043,7 @@
           <p:cNvPr id="5" name="Date Placeholder 4">
             <a:extLst>
               <a:ext uri="{FF2B5EF4-FFF2-40B4-BE49-F238E27FC236}">
-                <a16:creationId xmlns:a16="http://schemas.microsoft.com/office/drawing/2014/main" id="{5033C767-5AFB-4AEE-889D-C078CADF5B53}"/>
+                <a16:creationId xmlns:a16="http://schemas.microsoft.com/office/drawing/2014/main" xmlns="" id="{5033C767-5AFB-4AEE-889D-C078CADF5B53}"/>
               </a:ext>
             </a:extLst>
           </p:cNvPr>
@@ -3056,7 +3061,7 @@
           <a:p>
             <a:fld id="{98235D44-F49E-4F77-A348-B0CDA85E7A83}" type="datetimeFigureOut">
               <a:rPr lang="en-US" smtClean="0"/>
-              <a:t>11/15/2024</a:t>
+              <a:t>11/18/2024</a:t>
             </a:fld>
             <a:endParaRPr lang="en-US"/>
           </a:p>
@@ -3067,7 +3072,7 @@
           <p:cNvPr id="6" name="Footer Placeholder 5">
             <a:extLst>
               <a:ext uri="{FF2B5EF4-FFF2-40B4-BE49-F238E27FC236}">
-                <a16:creationId xmlns:a16="http://schemas.microsoft.com/office/drawing/2014/main" id="{48223B0A-488A-42B2-89E2-051C35A33957}"/>
+                <a16:creationId xmlns:a16="http://schemas.microsoft.com/office/drawing/2014/main" xmlns="" id="{48223B0A-488A-42B2-89E2-051C35A33957}"/>
               </a:ext>
             </a:extLst>
           </p:cNvPr>
@@ -3092,7 +3097,7 @@
           <p:cNvPr id="7" name="Slide Number Placeholder 6">
             <a:extLst>
               <a:ext uri="{FF2B5EF4-FFF2-40B4-BE49-F238E27FC236}">
-                <a16:creationId xmlns:a16="http://schemas.microsoft.com/office/drawing/2014/main" id="{E7F74123-1917-4DB7-92FB-40764EA7A03C}"/>
+                <a16:creationId xmlns:a16="http://schemas.microsoft.com/office/drawing/2014/main" xmlns="" id="{E7F74123-1917-4DB7-92FB-40764EA7A03C}"/>
               </a:ext>
             </a:extLst>
           </p:cNvPr>
@@ -3156,7 +3161,7 @@
           <p:cNvPr id="2" name="Title Placeholder 1">
             <a:extLst>
               <a:ext uri="{FF2B5EF4-FFF2-40B4-BE49-F238E27FC236}">
-                <a16:creationId xmlns:a16="http://schemas.microsoft.com/office/drawing/2014/main" id="{382F6176-00BD-4693-9923-06254454CE87}"/>
+                <a16:creationId xmlns:a16="http://schemas.microsoft.com/office/drawing/2014/main" xmlns="" id="{382F6176-00BD-4693-9923-06254454CE87}"/>
               </a:ext>
             </a:extLst>
           </p:cNvPr>
@@ -3194,7 +3199,7 @@
           <p:cNvPr id="3" name="Text Placeholder 2">
             <a:extLst>
               <a:ext uri="{FF2B5EF4-FFF2-40B4-BE49-F238E27FC236}">
-                <a16:creationId xmlns:a16="http://schemas.microsoft.com/office/drawing/2014/main" id="{D72465CB-1324-49D6-9ECC-556522513431}"/>
+                <a16:creationId xmlns:a16="http://schemas.microsoft.com/office/drawing/2014/main" xmlns="" id="{D72465CB-1324-49D6-9ECC-556522513431}"/>
               </a:ext>
             </a:extLst>
           </p:cNvPr>
@@ -3261,7 +3266,7 @@
           <p:cNvPr id="4" name="Date Placeholder 3">
             <a:extLst>
               <a:ext uri="{FF2B5EF4-FFF2-40B4-BE49-F238E27FC236}">
-                <a16:creationId xmlns:a16="http://schemas.microsoft.com/office/drawing/2014/main" id="{015AC27E-C027-48A9-9810-D8B9A76821C3}"/>
+                <a16:creationId xmlns:a16="http://schemas.microsoft.com/office/drawing/2014/main" xmlns="" id="{015AC27E-C027-48A9-9810-D8B9A76821C3}"/>
               </a:ext>
             </a:extLst>
           </p:cNvPr>
@@ -3297,7 +3302,7 @@
           <a:p>
             <a:fld id="{98235D44-F49E-4F77-A348-B0CDA85E7A83}" type="datetimeFigureOut">
               <a:rPr lang="en-US" smtClean="0"/>
-              <a:t>11/15/2024</a:t>
+              <a:t>11/18/2024</a:t>
             </a:fld>
             <a:endParaRPr lang="en-US"/>
           </a:p>
@@ -3308,7 +3313,7 @@
           <p:cNvPr id="5" name="Footer Placeholder 4">
             <a:extLst>
               <a:ext uri="{FF2B5EF4-FFF2-40B4-BE49-F238E27FC236}">
-                <a16:creationId xmlns:a16="http://schemas.microsoft.com/office/drawing/2014/main" id="{2E413427-C6F3-4826-9257-F18E6C1304BA}"/>
+                <a16:creationId xmlns:a16="http://schemas.microsoft.com/office/drawing/2014/main" xmlns="" id="{2E413427-C6F3-4826-9257-F18E6C1304BA}"/>
               </a:ext>
             </a:extLst>
           </p:cNvPr>
@@ -3351,7 +3356,7 @@
           <p:cNvPr id="6" name="Slide Number Placeholder 5">
             <a:extLst>
               <a:ext uri="{FF2B5EF4-FFF2-40B4-BE49-F238E27FC236}">
-                <a16:creationId xmlns:a16="http://schemas.microsoft.com/office/drawing/2014/main" id="{E752DF0D-A4E4-4EBB-84AE-4128B6C45E42}"/>
+                <a16:creationId xmlns:a16="http://schemas.microsoft.com/office/drawing/2014/main" xmlns="" id="{E752DF0D-A4E4-4EBB-84AE-4128B6C45E42}"/>
               </a:ext>
             </a:extLst>
           </p:cNvPr>
@@ -3719,7 +3724,7 @@
           <p:cNvPr id="9" name="Picture 8">
             <a:extLst>
               <a:ext uri="{FF2B5EF4-FFF2-40B4-BE49-F238E27FC236}">
-                <a16:creationId xmlns:a16="http://schemas.microsoft.com/office/drawing/2014/main" id="{FFF4CB80-36A6-53FE-DF95-D3C353FD1650}"/>
+                <a16:creationId xmlns:a16="http://schemas.microsoft.com/office/drawing/2014/main" xmlns="" id="{FFF4CB80-36A6-53FE-DF95-D3C353FD1650}"/>
               </a:ext>
             </a:extLst>
           </p:cNvPr>
@@ -3755,7 +3760,7 @@
           <p:cNvPr id="6" name="TextBox 5">
             <a:extLst>
               <a:ext uri="{FF2B5EF4-FFF2-40B4-BE49-F238E27FC236}">
-                <a16:creationId xmlns:a16="http://schemas.microsoft.com/office/drawing/2014/main" id="{27A5B088-940D-5FBC-8942-18896A45CEB8}"/>
+                <a16:creationId xmlns:a16="http://schemas.microsoft.com/office/drawing/2014/main" xmlns="" id="{27A5B088-940D-5FBC-8942-18896A45CEB8}"/>
               </a:ext>
             </a:extLst>
           </p:cNvPr>
@@ -8761,7 +8766,7 @@
           <p:cNvPr id="3" name="Subtitle 2">
             <a:extLst>
               <a:ext uri="{FF2B5EF4-FFF2-40B4-BE49-F238E27FC236}">
-                <a16:creationId xmlns:a16="http://schemas.microsoft.com/office/drawing/2014/main" id="{40EC00D6-6139-ECCB-3970-DF39A63CDA01}"/>
+                <a16:creationId xmlns:a16="http://schemas.microsoft.com/office/drawing/2014/main" xmlns="" id="{40EC00D6-6139-ECCB-3970-DF39A63CDA01}"/>
               </a:ext>
             </a:extLst>
           </p:cNvPr>
@@ -8932,10 +8937,10 @@
       </p:grpSpPr>
       <p:sp>
         <p:nvSpPr>
-          <p:cNvPr id="2" name="TextBox 1">
+          <p:cNvPr id="3" name="TextBox 2">
             <a:extLst>
               <a:ext uri="{FF2B5EF4-FFF2-40B4-BE49-F238E27FC236}">
-                <a16:creationId xmlns:a16="http://schemas.microsoft.com/office/drawing/2014/main" id="{199B9149-BCE3-E8FF-B980-A671C271C1F7}"/>
+                <a16:creationId xmlns:a16="http://schemas.microsoft.com/office/drawing/2014/main" xmlns="" id="{6129BCCE-EAA2-06B8-2ABB-36E1965B0FED}"/>
               </a:ext>
             </a:extLst>
           </p:cNvPr>
@@ -8944,8 +8949,55 @@
         </p:nvSpPr>
         <p:spPr>
           <a:xfrm>
-            <a:off x="428625" y="628651"/>
-            <a:ext cx="5472112" cy="1089529"/>
+            <a:off x="360759" y="472559"/>
+            <a:ext cx="6097191" cy="1089529"/>
+          </a:xfrm>
+          <a:prstGeom prst="rect">
+            <a:avLst/>
+          </a:prstGeom>
+          <a:noFill/>
+        </p:spPr>
+        <p:txBody>
+          <a:bodyPr wrap="square">
+            <a:spAutoFit/>
+          </a:bodyPr>
+          <a:lstStyle/>
+          <a:p>
+            <a:pPr>
+              <a:lnSpc>
+                <a:spcPct val="90000"/>
+              </a:lnSpc>
+              <a:spcBef>
+                <a:spcPct val="0"/>
+              </a:spcBef>
+            </a:pPr>
+            <a:r>
+              <a:rPr lang="en-US" sz="3600" b="1" dirty="0">
+                <a:latin typeface="Arial Black" panose="020B0A04020102020204" pitchFamily="34" charset="0"/>
+                <a:ea typeface="+mj-ea"/>
+                <a:cs typeface="+mj-cs"/>
+              </a:rPr>
+              <a:t>GRAPH REPRESENTATION</a:t>
+            </a:r>
+          </a:p>
+        </p:txBody>
+      </p:sp>
+      <p:sp>
+        <p:nvSpPr>
+          <p:cNvPr id="2" name="TextBox 1">
+            <a:extLst>
+              <a:ext uri="{FF2B5EF4-FFF2-40B4-BE49-F238E27FC236}">
+                <a16:creationId xmlns:a16="http://schemas.microsoft.com/office/drawing/2014/main" xmlns="" id="{4073108B-FF80-2542-E514-618C5A826695}"/>
+              </a:ext>
+            </a:extLst>
+          </p:cNvPr>
+          <p:cNvSpPr txBox="1"/>
+          <p:nvPr/>
+        </p:nvSpPr>
+        <p:spPr>
+          <a:xfrm>
+            <a:off x="471487" y="2214563"/>
+            <a:ext cx="7158037" cy="3970318"/>
           </a:xfrm>
           <a:prstGeom prst="rect">
             <a:avLst/>
@@ -8958,188 +9010,103 @@
           </a:bodyPr>
           <a:lstStyle/>
           <a:p>
-            <a:pPr>
-              <a:lnSpc>
-                <a:spcPct val="90000"/>
-              </a:lnSpc>
-              <a:spcBef>
-                <a:spcPct val="0"/>
-              </a:spcBef>
-            </a:pPr>
-            <a:r>
-              <a:rPr lang="en-US" sz="3600" b="1" dirty="0">
-                <a:latin typeface="Arial Black" panose="020B0A04020102020204" pitchFamily="34" charset="0"/>
-                <a:ea typeface="+mj-ea"/>
-                <a:cs typeface="+mj-cs"/>
-              </a:rPr>
-              <a:t>Things we need for our area of research:</a:t>
-            </a:r>
-          </a:p>
-        </p:txBody>
-      </p:sp>
-      <p:sp>
-        <p:nvSpPr>
-          <p:cNvPr id="3" name="TextBox 2">
-            <a:extLst>
-              <a:ext uri="{FF2B5EF4-FFF2-40B4-BE49-F238E27FC236}">
-                <a16:creationId xmlns:a16="http://schemas.microsoft.com/office/drawing/2014/main" id="{2A3DBAD7-0349-C138-49F2-34BA414DC8BC}"/>
-              </a:ext>
-            </a:extLst>
-          </p:cNvPr>
-          <p:cNvSpPr txBox="1"/>
-          <p:nvPr/>
-        </p:nvSpPr>
-        <p:spPr>
-          <a:xfrm>
-            <a:off x="657225" y="2557463"/>
-            <a:ext cx="6777433" cy="1754326"/>
-          </a:xfrm>
-          <a:prstGeom prst="rect">
-            <a:avLst/>
-          </a:prstGeom>
-          <a:noFill/>
-        </p:spPr>
-        <p:txBody>
-          <a:bodyPr wrap="none" rtlCol="0">
-            <a:spAutoFit/>
-          </a:bodyPr>
-          <a:lstStyle/>
-          <a:p>
-            <a:pPr marL="347472" indent="-347472" algn="l" rtl="0" eaLnBrk="1" latinLnBrk="0" hangingPunct="1">
-              <a:spcBef>
-                <a:spcPts val="0"/>
-              </a:spcBef>
-              <a:spcAft>
-                <a:spcPts val="0"/>
-              </a:spcAft>
-              <a:buClrTx/>
-              <a:buSzPts val="1800"/>
-              <a:buFont typeface="+mj-lt"/>
+            <a:pPr marL="342900" indent="-342900">
               <a:buAutoNum type="arabicPeriod"/>
             </a:pPr>
             <a:r>
-              <a:rPr lang="en-US" sz="1800" kern="1200" dirty="0">
-                <a:solidFill>
-                  <a:srgbClr val="000000"/>
-                </a:solidFill>
-                <a:effectLst/>
-                <a:latin typeface="Calibri" panose="020F0502020204030204" pitchFamily="34" charset="0"/>
-                <a:ea typeface="+mn-ea"/>
-                <a:cs typeface="+mn-cs"/>
-              </a:rPr>
-              <a:t>How to traverse a graph</a:t>
-            </a:r>
-            <a:endParaRPr lang="en-US" dirty="0"/>
-          </a:p>
-          <a:p>
-            <a:pPr marL="347472" indent="-347472" algn="l" rtl="0" eaLnBrk="1" latinLnBrk="0" hangingPunct="1">
-              <a:spcBef>
-                <a:spcPts val="0"/>
-              </a:spcBef>
-              <a:spcAft>
-                <a:spcPts val="0"/>
-              </a:spcAft>
-              <a:buClrTx/>
-              <a:buSzPts val="1800"/>
-              <a:buFont typeface="+mj-lt"/>
+              <a:rPr lang="en-US" dirty="0"/>
+              <a:t>Edge List</a:t>
+            </a:r>
+          </a:p>
+          <a:p>
+            <a:pPr marL="800100" lvl="1" indent="-342900">
               <a:buAutoNum type="arabicPeriod"/>
             </a:pPr>
             <a:r>
-              <a:rPr lang="en-US" sz="1800" kern="1200" dirty="0">
-                <a:solidFill>
-                  <a:srgbClr val="000000"/>
-                </a:solidFill>
-                <a:effectLst/>
-                <a:latin typeface="Calibri" panose="020F0502020204030204" pitchFamily="34" charset="0"/>
-                <a:ea typeface="+mn-ea"/>
-                <a:cs typeface="+mn-cs"/>
-              </a:rPr>
-              <a:t>Count neighbors of a vertex</a:t>
-            </a:r>
-            <a:endParaRPr lang="en-US" dirty="0"/>
-          </a:p>
-          <a:p>
-            <a:pPr marL="347472" indent="-347472" algn="l" rtl="0" eaLnBrk="1" latinLnBrk="0" hangingPunct="1">
-              <a:spcBef>
-                <a:spcPts val="0"/>
-              </a:spcBef>
-              <a:spcAft>
-                <a:spcPts val="0"/>
-              </a:spcAft>
-              <a:buClrTx/>
-              <a:buSzPts val="1800"/>
-              <a:buFont typeface="+mj-lt"/>
+              <a:rPr lang="en-US" dirty="0"/>
+              <a:t>Individual track of all edges</a:t>
+            </a:r>
+          </a:p>
+          <a:p>
+            <a:pPr marL="800100" lvl="1" indent="-342900">
               <a:buAutoNum type="arabicPeriod"/>
             </a:pPr>
             <a:r>
-              <a:rPr lang="en-US" sz="1800" kern="1200" dirty="0">
-                <a:solidFill>
-                  <a:srgbClr val="000000"/>
-                </a:solidFill>
-                <a:effectLst/>
-                <a:latin typeface="Calibri" panose="020F0502020204030204" pitchFamily="34" charset="0"/>
-                <a:ea typeface="+mn-ea"/>
-                <a:cs typeface="+mn-cs"/>
-              </a:rPr>
-              <a:t>Count degree of a vertex(number of edges meeting at that vertex) </a:t>
-            </a:r>
-            <a:endParaRPr lang="en-US" dirty="0"/>
-          </a:p>
-          <a:p>
-            <a:pPr marL="347472" indent="-347472" algn="l" rtl="0" eaLnBrk="1" latinLnBrk="0" hangingPunct="1">
-              <a:spcBef>
-                <a:spcPts val="0"/>
-              </a:spcBef>
-              <a:spcAft>
-                <a:spcPts val="0"/>
-              </a:spcAft>
-              <a:buClrTx/>
-              <a:buSzPts val="1800"/>
-              <a:buFont typeface="+mj-lt"/>
+              <a:rPr lang="en-US" dirty="0"/>
+              <a:t>Need to check all edges</a:t>
+            </a:r>
+          </a:p>
+          <a:p>
+            <a:pPr marL="342900" indent="-342900">
               <a:buAutoNum type="arabicPeriod"/>
             </a:pPr>
-            <a:r>
-              <a:rPr lang="en-US" sz="1800" kern="1200" dirty="0">
-                <a:solidFill>
-                  <a:srgbClr val="000000"/>
-                </a:solidFill>
-                <a:effectLst/>
-                <a:latin typeface="Calibri" panose="020F0502020204030204" pitchFamily="34" charset="0"/>
-                <a:ea typeface="+mn-ea"/>
-                <a:cs typeface="+mn-cs"/>
-              </a:rPr>
-              <a:t>Deleting and inserting edges</a:t>
-            </a:r>
             <a:endParaRPr lang="en-US" dirty="0"/>
           </a:p>
           <a:p>
-            <a:pPr marL="347472" indent="-347472" algn="l" rtl="0" eaLnBrk="1" latinLnBrk="0" hangingPunct="1">
-              <a:spcBef>
-                <a:spcPts val="0"/>
-              </a:spcBef>
-              <a:spcAft>
-                <a:spcPts val="0"/>
-              </a:spcAft>
-              <a:buClrTx/>
-              <a:buSzPts val="1800"/>
-              <a:buFont typeface="+mj-lt"/>
+            <a:pPr marL="342900" indent="-342900">
               <a:buAutoNum type="arabicPeriod"/>
             </a:pPr>
             <a:r>
-              <a:rPr lang="en-US" sz="1800" kern="1200" dirty="0">
-                <a:solidFill>
-                  <a:srgbClr val="000000"/>
-                </a:solidFill>
-                <a:effectLst/>
-                <a:latin typeface="Calibri" panose="020F0502020204030204" pitchFamily="34" charset="0"/>
-                <a:ea typeface="+mn-ea"/>
-                <a:cs typeface="+mn-cs"/>
-              </a:rPr>
-              <a:t>Path and cycle of vertices</a:t>
-            </a:r>
-            <a:endParaRPr lang="en-US" dirty="0">
-              <a:effectLst/>
-            </a:endParaRPr>
+              <a:rPr lang="en-US" dirty="0"/>
+              <a:t>Adjacency List</a:t>
+            </a:r>
+          </a:p>
+          <a:p>
+            <a:pPr marL="800100" lvl="1" indent="-342900">
+              <a:buAutoNum type="arabicPeriod"/>
+            </a:pPr>
+            <a:r>
+              <a:rPr lang="en-US" dirty="0"/>
+              <a:t>Track of all adjacent to a particular edge</a:t>
+            </a:r>
+          </a:p>
+          <a:p>
+            <a:pPr marL="800100" lvl="1" indent="-342900">
+              <a:buAutoNum type="arabicPeriod"/>
+            </a:pPr>
+            <a:r>
+              <a:rPr lang="en-US" dirty="0"/>
+              <a:t>Need to check relevant list of adjacent </a:t>
+            </a:r>
+          </a:p>
+          <a:p>
+            <a:pPr marL="342900" indent="-342900">
+              <a:buAutoNum type="arabicPeriod"/>
+            </a:pPr>
+            <a:endParaRPr lang="en-US" dirty="0"/>
+          </a:p>
+          <a:p>
+            <a:pPr marL="342900" indent="-342900">
+              <a:buAutoNum type="arabicPeriod"/>
+            </a:pPr>
+            <a:r>
+              <a:rPr lang="en-US" dirty="0"/>
+              <a:t>Adjacency Matrix</a:t>
+            </a:r>
+          </a:p>
+          <a:p>
+            <a:pPr marL="800100" lvl="1" indent="-342900">
+              <a:buAutoNum type="arabicPeriod"/>
+            </a:pPr>
+            <a:r>
+              <a:rPr lang="en-US" dirty="0"/>
+              <a:t>Table in form of rows and columns that keep track of all possible edges in terms of YES/NO</a:t>
+            </a:r>
+          </a:p>
+          <a:p>
+            <a:pPr marL="800100" lvl="1" indent="-342900">
+              <a:buAutoNum type="arabicPeriod"/>
+            </a:pPr>
+            <a:r>
+              <a:rPr lang="en-US" dirty="0"/>
+              <a:t>Only need to check one cell.</a:t>
+            </a:r>
+          </a:p>
+          <a:p>
+            <a:pPr marL="800100" lvl="1" indent="-342900">
+              <a:buAutoNum type="arabicPeriod"/>
+            </a:pPr>
+            <a:endParaRPr lang="en-US" dirty="0"/>
           </a:p>
           <a:p>
             <a:pPr marL="342900" indent="-342900">
@@ -9152,7 +9119,7 @@
     </p:spTree>
     <p:extLst>
       <p:ext uri="{BB962C8B-B14F-4D97-AF65-F5344CB8AC3E}">
-        <p14:creationId xmlns:p14="http://schemas.microsoft.com/office/powerpoint/2010/main" val="3045866047"/>
+        <p14:creationId xmlns:p14="http://schemas.microsoft.com/office/powerpoint/2010/main" val="3072984554"/>
       </p:ext>
     </p:extLst>
   </p:cSld>
@@ -9188,110 +9155,227 @@
       </p:grpSpPr>
       <p:sp>
         <p:nvSpPr>
-          <p:cNvPr id="2" name="Title 1">
+          <p:cNvPr id="2" name="TextBox 1">
             <a:extLst>
               <a:ext uri="{FF2B5EF4-FFF2-40B4-BE49-F238E27FC236}">
-                <a16:creationId xmlns:a16="http://schemas.microsoft.com/office/drawing/2014/main" id="{4F6E24A9-DAC8-3CD7-F6AF-35F942D93487}"/>
+                <a16:creationId xmlns:a16="http://schemas.microsoft.com/office/drawing/2014/main" xmlns="" id="{199B9149-BCE3-E8FF-B980-A671C271C1F7}"/>
               </a:ext>
             </a:extLst>
           </p:cNvPr>
-          <p:cNvSpPr>
-            <a:spLocks noGrp="1"/>
-          </p:cNvSpPr>
-          <p:nvPr>
-            <p:ph type="title"/>
-          </p:nvPr>
+          <p:cNvSpPr txBox="1"/>
+          <p:nvPr/>
         </p:nvSpPr>
         <p:spPr>
           <a:xfrm>
-            <a:off x="839788" y="987425"/>
-            <a:ext cx="3932237" cy="614361"/>
+            <a:off x="428625" y="628651"/>
+            <a:ext cx="5472112" cy="1089529"/>
           </a:xfrm>
+          <a:prstGeom prst="rect">
+            <a:avLst/>
+          </a:prstGeom>
+          <a:noFill/>
         </p:spPr>
         <p:txBody>
-          <a:bodyPr>
-            <a:noAutofit/>
+          <a:bodyPr wrap="square" rtlCol="0">
+            <a:spAutoFit/>
           </a:bodyPr>
           <a:lstStyle/>
           <a:p>
+            <a:pPr>
+              <a:lnSpc>
+                <a:spcPct val="90000"/>
+              </a:lnSpc>
+              <a:spcBef>
+                <a:spcPct val="0"/>
+              </a:spcBef>
+            </a:pPr>
             <a:r>
               <a:rPr lang="en-US" sz="3600" b="1" dirty="0">
                 <a:latin typeface="Arial Black" panose="020B0A04020102020204" pitchFamily="34" charset="0"/>
+                <a:ea typeface="+mj-ea"/>
+                <a:cs typeface="+mj-cs"/>
               </a:rPr>
-              <a:t>Graph in Board Games</a:t>
+              <a:t>Things we need for our area of research:</a:t>
             </a:r>
           </a:p>
         </p:txBody>
       </p:sp>
       <p:sp>
         <p:nvSpPr>
-          <p:cNvPr id="3" name="Content Placeholder 2">
+          <p:cNvPr id="3" name="TextBox 2">
             <a:extLst>
               <a:ext uri="{FF2B5EF4-FFF2-40B4-BE49-F238E27FC236}">
-                <a16:creationId xmlns:a16="http://schemas.microsoft.com/office/drawing/2014/main" id="{A9173C1D-2F8B-2792-3149-B0AB3328C944}"/>
+                <a16:creationId xmlns:a16="http://schemas.microsoft.com/office/drawing/2014/main" xmlns="" id="{2A3DBAD7-0349-C138-49F2-34BA414DC8BC}"/>
               </a:ext>
             </a:extLst>
           </p:cNvPr>
-          <p:cNvSpPr>
-            <a:spLocks noGrp="1"/>
-          </p:cNvSpPr>
-          <p:nvPr>
-            <p:ph idx="1"/>
-          </p:nvPr>
+          <p:cNvSpPr txBox="1"/>
+          <p:nvPr/>
         </p:nvSpPr>
-        <p:spPr/>
+        <p:spPr>
+          <a:xfrm>
+            <a:off x="657225" y="2557463"/>
+            <a:ext cx="6777433" cy="1754326"/>
+          </a:xfrm>
+          <a:prstGeom prst="rect">
+            <a:avLst/>
+          </a:prstGeom>
+          <a:noFill/>
+        </p:spPr>
         <p:txBody>
-          <a:bodyPr/>
+          <a:bodyPr wrap="none" rtlCol="0">
+            <a:spAutoFit/>
+          </a:bodyPr>
           <a:lstStyle/>
           <a:p>
-            <a:endParaRPr lang="en-US"/>
-          </a:p>
-        </p:txBody>
-      </p:sp>
-      <p:sp>
-        <p:nvSpPr>
-          <p:cNvPr id="4" name="Text Placeholder 3">
-            <a:extLst>
-              <a:ext uri="{FF2B5EF4-FFF2-40B4-BE49-F238E27FC236}">
-                <a16:creationId xmlns:a16="http://schemas.microsoft.com/office/drawing/2014/main" id="{2575CAD2-AC30-D5F5-9D23-CF4A3F0D6D87}"/>
-              </a:ext>
-            </a:extLst>
-          </p:cNvPr>
-          <p:cNvSpPr>
-            <a:spLocks noGrp="1"/>
-          </p:cNvSpPr>
-          <p:nvPr>
-            <p:ph type="body" sz="half" idx="2"/>
-          </p:nvPr>
-        </p:nvSpPr>
-        <p:spPr/>
-        <p:txBody>
-          <a:bodyPr/>
-          <a:lstStyle/>
-          <a:p>
-            <a:r>
-              <a:rPr lang="en-US" dirty="0"/>
-              <a:t>Most board games are played two-dimensional grid. </a:t>
-            </a:r>
-          </a:p>
-          <a:p>
-            <a:r>
-              <a:rPr lang="en-US" dirty="0"/>
-              <a:t>• Nodes represent the cells where game pieces are placed. </a:t>
-            </a:r>
-          </a:p>
-          <a:p>
-            <a:r>
-              <a:rPr lang="en-US" dirty="0"/>
-              <a:t>• Winning conditions involve finding paths (edges) with consecutive stones.</a:t>
-            </a:r>
+            <a:pPr marL="347472" indent="-347472" algn="l" rtl="0" eaLnBrk="1" latinLnBrk="0" hangingPunct="1">
+              <a:spcBef>
+                <a:spcPts val="0"/>
+              </a:spcBef>
+              <a:spcAft>
+                <a:spcPts val="0"/>
+              </a:spcAft>
+              <a:buClrTx/>
+              <a:buSzPts val="1800"/>
+              <a:buFont typeface="+mj-lt"/>
+              <a:buAutoNum type="arabicPeriod"/>
+            </a:pPr>
+            <a:r>
+              <a:rPr lang="en-US" sz="1800" kern="1200" dirty="0">
+                <a:solidFill>
+                  <a:srgbClr val="000000"/>
+                </a:solidFill>
+                <a:effectLst/>
+                <a:latin typeface="Calibri" panose="020F0502020204030204" pitchFamily="34" charset="0"/>
+                <a:ea typeface="+mn-ea"/>
+                <a:cs typeface="+mn-cs"/>
+              </a:rPr>
+              <a:t>How to traverse a graph</a:t>
+            </a:r>
+            <a:endParaRPr lang="en-US" dirty="0"/>
+          </a:p>
+          <a:p>
+            <a:pPr marL="347472" indent="-347472" algn="l" rtl="0" eaLnBrk="1" latinLnBrk="0" hangingPunct="1">
+              <a:spcBef>
+                <a:spcPts val="0"/>
+              </a:spcBef>
+              <a:spcAft>
+                <a:spcPts val="0"/>
+              </a:spcAft>
+              <a:buClrTx/>
+              <a:buSzPts val="1800"/>
+              <a:buFont typeface="+mj-lt"/>
+              <a:buAutoNum type="arabicPeriod"/>
+            </a:pPr>
+            <a:r>
+              <a:rPr lang="en-US" sz="1800" kern="1200" dirty="0">
+                <a:solidFill>
+                  <a:srgbClr val="000000"/>
+                </a:solidFill>
+                <a:effectLst/>
+                <a:latin typeface="Calibri" panose="020F0502020204030204" pitchFamily="34" charset="0"/>
+                <a:ea typeface="+mn-ea"/>
+                <a:cs typeface="+mn-cs"/>
+              </a:rPr>
+              <a:t>Count neighbors of a vertex</a:t>
+            </a:r>
+            <a:endParaRPr lang="en-US" dirty="0"/>
+          </a:p>
+          <a:p>
+            <a:pPr marL="347472" indent="-347472" algn="l" rtl="0" eaLnBrk="1" latinLnBrk="0" hangingPunct="1">
+              <a:spcBef>
+                <a:spcPts val="0"/>
+              </a:spcBef>
+              <a:spcAft>
+                <a:spcPts val="0"/>
+              </a:spcAft>
+              <a:buClrTx/>
+              <a:buSzPts val="1800"/>
+              <a:buFont typeface="+mj-lt"/>
+              <a:buAutoNum type="arabicPeriod"/>
+            </a:pPr>
+            <a:r>
+              <a:rPr lang="en-US" sz="1800" kern="1200" dirty="0">
+                <a:solidFill>
+                  <a:srgbClr val="000000"/>
+                </a:solidFill>
+                <a:effectLst/>
+                <a:latin typeface="Calibri" panose="020F0502020204030204" pitchFamily="34" charset="0"/>
+                <a:ea typeface="+mn-ea"/>
+                <a:cs typeface="+mn-cs"/>
+              </a:rPr>
+              <a:t>Count degree of a vertex(number of edges meeting at that vertex) </a:t>
+            </a:r>
+            <a:endParaRPr lang="en-US" dirty="0"/>
+          </a:p>
+          <a:p>
+            <a:pPr marL="347472" indent="-347472" algn="l" rtl="0" eaLnBrk="1" latinLnBrk="0" hangingPunct="1">
+              <a:spcBef>
+                <a:spcPts val="0"/>
+              </a:spcBef>
+              <a:spcAft>
+                <a:spcPts val="0"/>
+              </a:spcAft>
+              <a:buClrTx/>
+              <a:buSzPts val="1800"/>
+              <a:buFont typeface="+mj-lt"/>
+              <a:buAutoNum type="arabicPeriod"/>
+            </a:pPr>
+            <a:r>
+              <a:rPr lang="en-US" sz="1800" kern="1200" dirty="0">
+                <a:solidFill>
+                  <a:srgbClr val="000000"/>
+                </a:solidFill>
+                <a:effectLst/>
+                <a:latin typeface="Calibri" panose="020F0502020204030204" pitchFamily="34" charset="0"/>
+                <a:ea typeface="+mn-ea"/>
+                <a:cs typeface="+mn-cs"/>
+              </a:rPr>
+              <a:t>Deleting and inserting edges</a:t>
+            </a:r>
+            <a:endParaRPr lang="en-US" dirty="0"/>
+          </a:p>
+          <a:p>
+            <a:pPr marL="347472" indent="-347472" algn="l" rtl="0" eaLnBrk="1" latinLnBrk="0" hangingPunct="1">
+              <a:spcBef>
+                <a:spcPts val="0"/>
+              </a:spcBef>
+              <a:spcAft>
+                <a:spcPts val="0"/>
+              </a:spcAft>
+              <a:buClrTx/>
+              <a:buSzPts val="1800"/>
+              <a:buFont typeface="+mj-lt"/>
+              <a:buAutoNum type="arabicPeriod"/>
+            </a:pPr>
+            <a:r>
+              <a:rPr lang="en-US" sz="1800" kern="1200" dirty="0">
+                <a:solidFill>
+                  <a:srgbClr val="000000"/>
+                </a:solidFill>
+                <a:effectLst/>
+                <a:latin typeface="Calibri" panose="020F0502020204030204" pitchFamily="34" charset="0"/>
+                <a:ea typeface="+mn-ea"/>
+                <a:cs typeface="+mn-cs"/>
+              </a:rPr>
+              <a:t>Path and cycle of vertices</a:t>
+            </a:r>
+            <a:endParaRPr lang="en-US" dirty="0">
+              <a:effectLst/>
+            </a:endParaRPr>
+          </a:p>
+          <a:p>
+            <a:pPr marL="342900" indent="-342900">
+              <a:buAutoNum type="arabicPeriod"/>
+            </a:pPr>
+            <a:endParaRPr lang="en-US" dirty="0"/>
           </a:p>
         </p:txBody>
       </p:sp>
     </p:spTree>
     <p:extLst>
       <p:ext uri="{BB962C8B-B14F-4D97-AF65-F5344CB8AC3E}">
-        <p14:creationId xmlns:p14="http://schemas.microsoft.com/office/powerpoint/2010/main" val="41218718"/>
+        <p14:creationId xmlns:p14="http://schemas.microsoft.com/office/powerpoint/2010/main" val="3045866047"/>
       </p:ext>
     </p:extLst>
   </p:cSld>
@@ -9327,213 +9411,144 @@
       </p:grpSpPr>
       <p:sp>
         <p:nvSpPr>
-          <p:cNvPr id="2" name="TextBox 1">
+          <p:cNvPr id="2" name="Title 1">
             <a:extLst>
               <a:ext uri="{FF2B5EF4-FFF2-40B4-BE49-F238E27FC236}">
-                <a16:creationId xmlns:a16="http://schemas.microsoft.com/office/drawing/2014/main" id="{6E50E356-37DA-4535-A5F0-B50C7D4B463F}"/>
+                <a16:creationId xmlns:a16="http://schemas.microsoft.com/office/drawing/2014/main" xmlns="" id="{F53F7F84-3779-F19C-0419-35270F37BEB9}"/>
               </a:ext>
             </a:extLst>
           </p:cNvPr>
-          <p:cNvSpPr txBox="1"/>
-          <p:nvPr/>
+          <p:cNvSpPr>
+            <a:spLocks noGrp="1"/>
+          </p:cNvSpPr>
+          <p:nvPr>
+            <p:ph type="title"/>
+          </p:nvPr>
         </p:nvSpPr>
         <p:spPr>
           <a:xfrm>
-            <a:off x="497840" y="528320"/>
-            <a:ext cx="4602480" cy="369332"/>
+            <a:off x="838200" y="365126"/>
+            <a:ext cx="9456174" cy="568940"/>
           </a:xfrm>
-          <a:prstGeom prst="rect">
-            <a:avLst/>
-          </a:prstGeom>
-          <a:noFill/>
         </p:spPr>
         <p:txBody>
-          <a:bodyPr wrap="square" rtlCol="0">
-            <a:spAutoFit/>
+          <a:bodyPr>
+            <a:normAutofit fontScale="90000"/>
           </a:bodyPr>
           <a:lstStyle/>
           <a:p>
             <a:r>
-              <a:rPr lang="en-US" dirty="0">
-                <a:latin typeface="Arial Black" panose="020B0A04020102020204" pitchFamily="34" charset="0"/>
-              </a:rPr>
-              <a:t>Graph Coloring in Board Games</a:t>
+              <a:rPr lang="en-US" b="1" dirty="0"/>
+              <a:t>RECURSION:</a:t>
             </a:r>
           </a:p>
         </p:txBody>
       </p:sp>
       <p:sp>
         <p:nvSpPr>
-          <p:cNvPr id="3" name="TextBox 2">
+          <p:cNvPr id="3" name="Content Placeholder 2">
             <a:extLst>
               <a:ext uri="{FF2B5EF4-FFF2-40B4-BE49-F238E27FC236}">
-                <a16:creationId xmlns:a16="http://schemas.microsoft.com/office/drawing/2014/main" id="{7E4FD040-A3D1-4B76-8051-4FF75D79F6C4}"/>
+                <a16:creationId xmlns:a16="http://schemas.microsoft.com/office/drawing/2014/main" xmlns="" id="{966624D1-576C-AC87-B49D-B0CFB2390EA1}"/>
               </a:ext>
             </a:extLst>
           </p:cNvPr>
-          <p:cNvSpPr txBox="1"/>
-          <p:nvPr/>
+          <p:cNvSpPr>
+            <a:spLocks noGrp="1"/>
+          </p:cNvSpPr>
+          <p:nvPr>
+            <p:ph idx="1"/>
+          </p:nvPr>
         </p:nvSpPr>
         <p:spPr>
           <a:xfrm>
-            <a:off x="650240" y="1371600"/>
-            <a:ext cx="4145280" cy="2031325"/>
+            <a:off x="678426" y="1170038"/>
+            <a:ext cx="6312309" cy="5043948"/>
           </a:xfrm>
-          <a:prstGeom prst="rect">
-            <a:avLst/>
-          </a:prstGeom>
-          <a:noFill/>
         </p:spPr>
         <p:txBody>
-          <a:bodyPr wrap="square" rtlCol="0">
-            <a:spAutoFit/>
+          <a:bodyPr>
+            <a:normAutofit lnSpcReduction="10000"/>
           </a:bodyPr>
           <a:lstStyle/>
           <a:p>
-            <a:pPr marL="285750" indent="-285750">
-              <a:buFont typeface="Arial" panose="020B0604020202020204" pitchFamily="34" charset="0"/>
-              <a:buChar char="•"/>
-            </a:pPr>
-            <a:r>
-              <a:rPr lang="en-US" dirty="0"/>
-              <a:t>involves assigning different colors to the vertices of a graph such that no two adjacent vertices share the same color.</a:t>
-            </a:r>
-          </a:p>
-          <a:p>
-            <a:pPr marL="285750" indent="-285750">
-              <a:buFont typeface="Arial" panose="020B0604020202020204" pitchFamily="34" charset="0"/>
-              <a:buChar char="•"/>
-            </a:pPr>
-            <a:r>
-              <a:rPr lang="en-US" dirty="0"/>
-              <a:t>Simplifies game design by managing player interactions and organizing regions.</a:t>
-            </a:r>
-          </a:p>
-        </p:txBody>
-      </p:sp>
-      <p:pic>
-        <p:nvPicPr>
-          <p:cNvPr id="5" name="Picture 4">
-            <a:extLst>
-              <a:ext uri="{FF2B5EF4-FFF2-40B4-BE49-F238E27FC236}">
-                <a16:creationId xmlns:a16="http://schemas.microsoft.com/office/drawing/2014/main" id="{247980FC-C224-4514-901E-C9B97207D2FD}"/>
-              </a:ext>
-            </a:extLst>
-          </p:cNvPr>
-          <p:cNvPicPr>
-            <a:picLocks noChangeAspect="1"/>
-          </p:cNvPicPr>
-          <p:nvPr/>
-        </p:nvPicPr>
-        <p:blipFill>
-          <a:blip r:embed="rId2">
-            <a:extLst>
-              <a:ext uri="{28A0092B-C50C-407E-A947-70E740481C1C}">
-                <a14:useLocalDpi xmlns:a14="http://schemas.microsoft.com/office/drawing/2010/main" val="0"/>
-              </a:ext>
-            </a:extLst>
-          </a:blip>
-          <a:stretch>
-            <a:fillRect/>
-          </a:stretch>
-        </p:blipFill>
-        <p:spPr>
-          <a:xfrm>
-            <a:off x="7833360" y="897652"/>
-            <a:ext cx="1904762" cy="1904762"/>
-          </a:xfrm>
-          <a:prstGeom prst="rect">
-            <a:avLst/>
-          </a:prstGeom>
-        </p:spPr>
-      </p:pic>
-      <p:sp>
-        <p:nvSpPr>
-          <p:cNvPr id="6" name="TextBox 5">
-            <a:extLst>
-              <a:ext uri="{FF2B5EF4-FFF2-40B4-BE49-F238E27FC236}">
-                <a16:creationId xmlns:a16="http://schemas.microsoft.com/office/drawing/2014/main" id="{7FFE7E87-12A9-44B8-B6D2-87BF797DE487}"/>
-              </a:ext>
-            </a:extLst>
-          </p:cNvPr>
-          <p:cNvSpPr txBox="1"/>
-          <p:nvPr/>
-        </p:nvSpPr>
-        <p:spPr>
-          <a:xfrm>
-            <a:off x="975360" y="3749040"/>
-            <a:ext cx="9083040" cy="923330"/>
-          </a:xfrm>
-          <a:prstGeom prst="rect">
-            <a:avLst/>
-          </a:prstGeom>
-          <a:noFill/>
-        </p:spPr>
-        <p:txBody>
-          <a:bodyPr wrap="square" rtlCol="0">
-            <a:spAutoFit/>
-          </a:bodyPr>
-          <a:lstStyle/>
-          <a:p>
-            <a:pPr marL="342900" indent="-342900">
-              <a:buFont typeface="+mj-lt"/>
-              <a:buAutoNum type="arabicPeriod"/>
-            </a:pPr>
-            <a:r>
-              <a:rPr lang="en-US" dirty="0"/>
-              <a:t>Territory </a:t>
-            </a:r>
-            <a:r>
-              <a:rPr lang="en-US" dirty="0" err="1"/>
-              <a:t>Colouring</a:t>
-            </a:r>
-            <a:r>
-              <a:rPr lang="en-US" dirty="0"/>
-              <a:t>:  Assigning different </a:t>
-            </a:r>
-            <a:r>
-              <a:rPr lang="en-US" dirty="0" err="1"/>
-              <a:t>colours</a:t>
-            </a:r>
-            <a:r>
-              <a:rPr lang="en-US" dirty="0"/>
-              <a:t> to </a:t>
-            </a:r>
-            <a:r>
-              <a:rPr lang="en-US" dirty="0" err="1"/>
-              <a:t>neighbouring</a:t>
-            </a:r>
-            <a:r>
-              <a:rPr lang="en-US" dirty="0"/>
-              <a:t> territories.</a:t>
-            </a:r>
-          </a:p>
-          <a:p>
-            <a:pPr marL="342900" indent="-342900">
-              <a:buFont typeface="+mj-lt"/>
-              <a:buAutoNum type="arabicPeriod"/>
-            </a:pPr>
-            <a:r>
-              <a:rPr lang="en-US" dirty="0"/>
-              <a:t>Player moves: Useful in multiplayer games to minimize conflicts.</a:t>
-            </a:r>
-          </a:p>
-          <a:p>
-            <a:pPr marL="342900" indent="-342900">
-              <a:buFont typeface="+mj-lt"/>
-              <a:buAutoNum type="arabicPeriod"/>
-            </a:pPr>
-            <a:r>
-              <a:rPr lang="en-US" dirty="0"/>
-              <a:t>Puzzle Solving: No two adjacent players have the same </a:t>
-            </a:r>
-            <a:r>
-              <a:rPr lang="en-US" dirty="0" err="1"/>
-              <a:t>colours</a:t>
-            </a:r>
-            <a:r>
-              <a:rPr lang="en-US" dirty="0"/>
-              <a:t>.</a:t>
+            <a:r>
+              <a:rPr lang="en-US" b="1" dirty="0"/>
+              <a:t>BASE CASE:</a:t>
+            </a:r>
+            <a:br>
+              <a:rPr lang="en-US" b="1" dirty="0"/>
+            </a:br>
+            <a:r>
+              <a:rPr lang="en-US" sz="2000" dirty="0"/>
+              <a:t>       </a:t>
+            </a:r>
+            <a:r>
+              <a:rPr lang="en-US" sz="2400" dirty="0"/>
+              <a:t>a condition that allows an algorithm stops further recursive calls and return a result.</a:t>
+            </a:r>
+          </a:p>
+          <a:p>
+            <a:r>
+              <a:rPr lang="en-US" b="1" dirty="0"/>
+              <a:t>Recursive case:</a:t>
+            </a:r>
+            <a:r>
+              <a:rPr lang="en-US" sz="3600" b="1" dirty="0"/>
+              <a:t/>
+            </a:r>
+            <a:br>
+              <a:rPr lang="en-US" sz="3600" b="1" dirty="0"/>
+            </a:br>
+            <a:r>
+              <a:rPr lang="en-US" sz="3600" dirty="0"/>
+              <a:t>      </a:t>
+            </a:r>
+            <a:r>
+              <a:rPr lang="en-US" sz="2400" dirty="0"/>
+              <a:t>It is the part of a recursive function that breaks down a problem into smaller subproblems, which moves the problem closer to the base case.</a:t>
+            </a:r>
+            <a:r>
+              <a:rPr lang="en-US" sz="2400" b="1" dirty="0"/>
+              <a:t/>
+            </a:r>
+            <a:br>
+              <a:rPr lang="en-US" sz="2400" b="1" dirty="0"/>
+            </a:br>
+            <a:r>
+              <a:rPr lang="en-US" sz="2400" b="1" dirty="0"/>
+              <a:t/>
+            </a:r>
+            <a:br>
+              <a:rPr lang="en-US" sz="2400" b="1" dirty="0"/>
+            </a:br>
+            <a:r>
+              <a:rPr lang="en-US" sz="2400" b="1" dirty="0"/>
+              <a:t>RECURSIVE FUNCTION:</a:t>
+            </a:r>
+            <a:br>
+              <a:rPr lang="en-US" sz="2400" b="1" dirty="0"/>
+            </a:br>
+            <a:r>
+              <a:rPr lang="en-US" sz="2400" b="1" dirty="0"/>
+              <a:t>    </a:t>
+            </a:r>
+            <a:r>
+              <a:rPr lang="en-US" sz="2400" dirty="0">
+                <a:latin typeface="+mj-lt"/>
+              </a:rPr>
+              <a:t>Recursive function is a function that values at any point can be calculated from the values of the function at some previous points</a:t>
+            </a:r>
+            <a:r>
+              <a:rPr lang="en-US" sz="2400" b="1" dirty="0"/>
+              <a:t/>
+            </a:r>
+            <a:br>
+              <a:rPr lang="en-US" sz="2400" b="1" dirty="0"/>
+            </a:br>
+            <a:r>
+              <a:rPr lang="en-US" sz="2400" b="1" dirty="0"/>
+              <a:t>        </a:t>
             </a:r>
           </a:p>
         </p:txBody>
@@ -9541,7 +9556,7 @@
     </p:spTree>
     <p:extLst>
       <p:ext uri="{BB962C8B-B14F-4D97-AF65-F5344CB8AC3E}">
-        <p14:creationId xmlns:p14="http://schemas.microsoft.com/office/powerpoint/2010/main" val="1875216096"/>
+        <p14:creationId xmlns:p14="http://schemas.microsoft.com/office/powerpoint/2010/main" val="681848417"/>
       </p:ext>
     </p:extLst>
   </p:cSld>
@@ -9577,115 +9592,165 @@
       </p:grpSpPr>
       <p:sp>
         <p:nvSpPr>
-          <p:cNvPr id="2" name="TextBox 1">
+          <p:cNvPr id="2" name="Title 1">
             <a:extLst>
               <a:ext uri="{FF2B5EF4-FFF2-40B4-BE49-F238E27FC236}">
-                <a16:creationId xmlns:a16="http://schemas.microsoft.com/office/drawing/2014/main" id="{79AFAFDD-C02B-4607-A351-DA70A2324FF1}"/>
+                <a16:creationId xmlns:a16="http://schemas.microsoft.com/office/drawing/2014/main" xmlns="" id="{702DA543-C91E-61A5-6A9C-86CB92B78E34}"/>
               </a:ext>
             </a:extLst>
           </p:cNvPr>
-          <p:cNvSpPr txBox="1"/>
-          <p:nvPr/>
+          <p:cNvSpPr>
+            <a:spLocks noGrp="1"/>
+          </p:cNvSpPr>
+          <p:nvPr>
+            <p:ph type="title"/>
+          </p:nvPr>
         </p:nvSpPr>
         <p:spPr>
           <a:xfrm>
-            <a:off x="519764" y="467360"/>
-            <a:ext cx="6175676" cy="584775"/>
+            <a:off x="838200" y="365125"/>
+            <a:ext cx="10515600" cy="752475"/>
           </a:xfrm>
-          <a:prstGeom prst="rect">
-            <a:avLst/>
-          </a:prstGeom>
-          <a:noFill/>
         </p:spPr>
         <p:txBody>
-          <a:bodyPr wrap="square" rtlCol="0">
-            <a:spAutoFit/>
-          </a:bodyPr>
+          <a:bodyPr/>
           <a:lstStyle/>
           <a:p>
             <a:r>
-              <a:rPr lang="en-US" sz="3200" b="1" dirty="0"/>
-              <a:t>TREES AND SPANNING TREES</a:t>
+              <a:rPr lang="en-US" dirty="0"/>
+              <a:t>HOW RECURSION WORKS :</a:t>
             </a:r>
           </a:p>
         </p:txBody>
       </p:sp>
       <p:sp>
         <p:nvSpPr>
-          <p:cNvPr id="3" name="TextBox 2">
+          <p:cNvPr id="3" name="Content Placeholder 2">
             <a:extLst>
               <a:ext uri="{FF2B5EF4-FFF2-40B4-BE49-F238E27FC236}">
-                <a16:creationId xmlns:a16="http://schemas.microsoft.com/office/drawing/2014/main" id="{08DB893F-338B-4F13-9E44-F3967F58E0B0}"/>
+                <a16:creationId xmlns:a16="http://schemas.microsoft.com/office/drawing/2014/main" xmlns="" id="{E6DBD077-263B-59D3-81D2-E6FBE084C96D}"/>
               </a:ext>
             </a:extLst>
           </p:cNvPr>
-          <p:cNvSpPr txBox="1"/>
-          <p:nvPr/>
+          <p:cNvSpPr>
+            <a:spLocks noGrp="1"/>
+          </p:cNvSpPr>
+          <p:nvPr>
+            <p:ph idx="1"/>
+          </p:nvPr>
         </p:nvSpPr>
         <p:spPr>
           <a:xfrm>
-            <a:off x="589280" y="1330960"/>
-            <a:ext cx="6390640" cy="3139321"/>
+            <a:off x="838200" y="1117601"/>
+            <a:ext cx="7625080" cy="3809999"/>
           </a:xfrm>
-          <a:prstGeom prst="rect">
-            <a:avLst/>
-          </a:prstGeom>
-          <a:noFill/>
         </p:spPr>
         <p:txBody>
-          <a:bodyPr wrap="square" rtlCol="0">
-            <a:spAutoFit/>
+          <a:bodyPr>
+            <a:normAutofit/>
           </a:bodyPr>
           <a:lstStyle/>
           <a:p>
             <a:r>
               <a:rPr lang="en-US" dirty="0"/>
-              <a:t>Tree is a simple, connected ,undirected ,acyclic(having  a unique path between any two vertices) graph.</a:t>
-            </a:r>
-          </a:p>
-          <a:p>
-            <a:endParaRPr lang="en-US" dirty="0"/>
-          </a:p>
-          <a:p>
-            <a:r>
-              <a:rPr lang="en-US" dirty="0"/>
-              <a:t>A </a:t>
-            </a:r>
-            <a:r>
-              <a:rPr lang="en-US" b="1" dirty="0"/>
-              <a:t>spanning tree</a:t>
-            </a:r>
-            <a:r>
-              <a:rPr lang="en-US" dirty="0"/>
-              <a:t> of a graph is a subgraph that includes all vertices of the graph and is a tree.</a:t>
-            </a:r>
-          </a:p>
-          <a:p>
-            <a:r>
-              <a:rPr lang="en-US" dirty="0"/>
-              <a:t>- Spanning trees connect all vertices with the minimum possible edges.</a:t>
-            </a:r>
-          </a:p>
-          <a:p>
-            <a:endParaRPr lang="en-US" dirty="0"/>
-          </a:p>
-          <a:p>
-            <a:endParaRPr lang="en-US" dirty="0"/>
-          </a:p>
-          <a:p>
-            <a:r>
-              <a:rPr lang="en-US" dirty="0"/>
-              <a:t>In games, spanning trees can help create unique paths with no loops.</a:t>
-            </a:r>
+              <a:t>Step By Step :</a:t>
+            </a:r>
+          </a:p>
+          <a:p>
+            <a:pPr marL="0" indent="0">
+              <a:buNone/>
+            </a:pPr>
+            <a:r>
+              <a:rPr lang="en-US" sz="2000" dirty="0"/>
+              <a:t>Step 2: Step 1 + lowest step.</a:t>
+            </a:r>
+          </a:p>
+          <a:p>
+            <a:pPr marL="0" indent="0">
+              <a:buNone/>
+            </a:pPr>
+            <a:r>
+              <a:rPr lang="en-US" sz="2000" dirty="0"/>
+              <a:t>Step 3: Step 2 + Step 1 + lowest step.</a:t>
+            </a:r>
+          </a:p>
+          <a:p>
+            <a:pPr marL="0" indent="0">
+              <a:buNone/>
+            </a:pPr>
+            <a:r>
+              <a:rPr lang="en-US" sz="2000" dirty="0"/>
+              <a:t>Step 4: Step 3 + step 2 + step 1+ lowest step, and so on.</a:t>
+            </a:r>
+            <a:br>
+              <a:rPr lang="en-US" sz="2000" dirty="0"/>
+            </a:br>
+            <a:endParaRPr lang="en-US" sz="2000" dirty="0"/>
+          </a:p>
+          <a:p>
+            <a:pPr marL="0" indent="0">
+              <a:buNone/>
+            </a:pPr>
+            <a:r>
+              <a:rPr lang="en-US" sz="2000" dirty="0">
+                <a:latin typeface="+mj-lt"/>
+              </a:rPr>
+              <a:t>The smallest argument is donated by f(0) or f(1) .</a:t>
+            </a:r>
+          </a:p>
+          <a:p>
+            <a:pPr marL="0" indent="0">
+              <a:buNone/>
+            </a:pPr>
+            <a:r>
+              <a:rPr lang="en-US" sz="2000" dirty="0">
+                <a:latin typeface="+mj-lt"/>
+              </a:rPr>
+              <a:t>The nth argument is donated by f(n).         </a:t>
+            </a:r>
+          </a:p>
+          <a:p>
+            <a:r>
+              <a:rPr lang="en-US" sz="2000" b="1" dirty="0">
+                <a:latin typeface="+mj-lt"/>
+              </a:rPr>
+              <a:t>Example:</a:t>
+            </a:r>
+            <a:br>
+              <a:rPr lang="en-US" sz="2000" b="1" dirty="0">
+                <a:latin typeface="+mj-lt"/>
+              </a:rPr>
+            </a:br>
+            <a:r>
+              <a:rPr lang="en-US" sz="2000" b="1" dirty="0">
+                <a:latin typeface="+mj-lt"/>
+              </a:rPr>
+              <a:t>           </a:t>
+            </a:r>
+            <a:r>
+              <a:rPr lang="en-US" sz="2000" dirty="0" err="1">
+                <a:latin typeface="+mj-lt"/>
+              </a:rPr>
+              <a:t>fibonacci</a:t>
+            </a:r>
+            <a:r>
+              <a:rPr lang="en-US" sz="2000" dirty="0">
+                <a:latin typeface="+mj-lt"/>
+              </a:rPr>
+              <a:t> sequence.</a:t>
+            </a:r>
+            <a:endParaRPr lang="en-US" sz="2000" b="1" dirty="0">
+              <a:latin typeface="+mj-lt"/>
+            </a:endParaRPr>
           </a:p>
         </p:txBody>
       </p:sp>
       <p:pic>
         <p:nvPicPr>
-          <p:cNvPr id="4" name="Picture 3">
+          <p:cNvPr id="7" name="Picture 6" descr="A formula of formula with numbers and symbols&#10;&#10;Description automatically generated with medium confidence">
             <a:extLst>
               <a:ext uri="{FF2B5EF4-FFF2-40B4-BE49-F238E27FC236}">
-                <a16:creationId xmlns:a16="http://schemas.microsoft.com/office/drawing/2014/main" id="{34D0DE42-2284-4BA0-9993-E885FC0F9DBD}"/>
+                <a16:creationId xmlns:a16="http://schemas.microsoft.com/office/drawing/2014/main" xmlns="" id="{0726D2C9-95C2-65EE-4E78-771E9CAAFF76}"/>
               </a:ext>
             </a:extLst>
           </p:cNvPr>
@@ -9695,31 +9760,31 @@
           <p:nvPr/>
         </p:nvPicPr>
         <p:blipFill>
-          <a:blip r:embed="rId2"/>
+          <a:blip r:embed="rId2">
+            <a:extLst>
+              <a:ext uri="{28A0092B-C50C-407E-A947-70E740481C1C}">
+                <a14:useLocalDpi xmlns:a14="http://schemas.microsoft.com/office/drawing/2010/main" val="0"/>
+              </a:ext>
+            </a:extLst>
+          </a:blip>
           <a:stretch>
             <a:fillRect/>
           </a:stretch>
         </p:blipFill>
         <p:spPr>
           <a:xfrm>
-            <a:off x="6979920" y="1187529"/>
-            <a:ext cx="4157832" cy="4035902"/>
+            <a:off x="7598369" y="1117600"/>
+            <a:ext cx="3351868" cy="2580781"/>
           </a:xfrm>
           <a:prstGeom prst="rect">
             <a:avLst/>
           </a:prstGeom>
-          <a:solidFill>
-            <a:schemeClr val="accent4">
-              <a:lumMod val="20000"/>
-              <a:lumOff val="80000"/>
-            </a:schemeClr>
-          </a:solidFill>
         </p:spPr>
       </p:pic>
     </p:spTree>
     <p:extLst>
       <p:ext uri="{BB962C8B-B14F-4D97-AF65-F5344CB8AC3E}">
-        <p14:creationId xmlns:p14="http://schemas.microsoft.com/office/powerpoint/2010/main" val="267629350"/>
+        <p14:creationId xmlns:p14="http://schemas.microsoft.com/office/powerpoint/2010/main" val="3699213669"/>
       </p:ext>
     </p:extLst>
   </p:cSld>
@@ -9755,7 +9820,13 @@
       </p:grpSpPr>
       <p:sp>
         <p:nvSpPr>
-          <p:cNvPr id="2" name="Title 1"/>
+          <p:cNvPr id="2" name="Title 1">
+            <a:extLst>
+              <a:ext uri="{FF2B5EF4-FFF2-40B4-BE49-F238E27FC236}">
+                <a16:creationId xmlns:a16="http://schemas.microsoft.com/office/drawing/2014/main" xmlns="" id="{4CB26A3C-A0BC-0EEB-93FB-62793A9C5DCB}"/>
+              </a:ext>
+            </a:extLst>
+          </p:cNvPr>
           <p:cNvSpPr>
             <a:spLocks noGrp="1"/>
           </p:cNvSpPr>
@@ -9763,35 +9834,10 @@
             <p:ph type="title"/>
           </p:nvPr>
         </p:nvSpPr>
-        <p:spPr/>
-        <p:txBody>
-          <a:bodyPr>
-            <a:normAutofit/>
-          </a:bodyPr>
-          <a:lstStyle/>
-          <a:p>
-            <a:pPr algn="ctr"/>
-            <a:r>
-              <a:rPr lang="en-US" sz="3600" b="1" u="sng" dirty="0"/>
-              <a:t>Path finding</a:t>
-            </a:r>
-          </a:p>
-        </p:txBody>
-      </p:sp>
-      <p:sp>
-        <p:nvSpPr>
-          <p:cNvPr id="3" name="Content Placeholder 2"/>
-          <p:cNvSpPr>
-            <a:spLocks noGrp="1"/>
-          </p:cNvSpPr>
-          <p:nvPr>
-            <p:ph idx="1"/>
-          </p:nvPr>
-        </p:nvSpPr>
         <p:spPr>
           <a:xfrm>
-            <a:off x="852487" y="1625600"/>
-            <a:ext cx="10515600" cy="2674938"/>
+            <a:off x="838200" y="365126"/>
+            <a:ext cx="5120473" cy="860774"/>
           </a:xfrm>
         </p:spPr>
         <p:txBody>
@@ -9800,88 +9846,238 @@
           </a:bodyPr>
           <a:lstStyle/>
           <a:p>
-            <a:pPr marL="0" indent="0">
-              <a:buNone/>
-            </a:pPr>
-            <a:r>
-              <a:rPr lang="en-US" sz="2000" b="1" dirty="0"/>
-              <a:t>Definition:</a:t>
-            </a:r>
-          </a:p>
-          <a:p>
-            <a:pPr marL="0" indent="0">
-              <a:buNone/>
-            </a:pPr>
-            <a:r>
-              <a:rPr lang="en-US" sz="2000" b="1" dirty="0"/>
-              <a:t>	“Pathfinding</a:t>
-            </a:r>
-            <a:r>
-              <a:rPr lang="en-US" sz="2000" dirty="0"/>
-              <a:t> refers to the process of finding a path from one point (vertex) to another in a graph.</a:t>
-            </a:r>
-            <a:r>
-              <a:rPr lang="en-US" sz="2000" b="1" dirty="0"/>
-              <a:t>”</a:t>
-            </a:r>
-          </a:p>
-          <a:p>
-            <a:pPr marL="0" indent="0">
-              <a:buNone/>
-            </a:pPr>
-            <a:endParaRPr lang="en-US" sz="2000" b="1" dirty="0"/>
-          </a:p>
-          <a:p>
-            <a:pPr marL="0" indent="0">
-              <a:buNone/>
-            </a:pPr>
-            <a:r>
-              <a:rPr lang="en-US" sz="2000" dirty="0"/>
-              <a:t>A </a:t>
-            </a:r>
-            <a:r>
-              <a:rPr lang="en-US" sz="2000" b="1" dirty="0"/>
-              <a:t>path</a:t>
-            </a:r>
-            <a:r>
-              <a:rPr lang="en-US" sz="2000" dirty="0"/>
-              <a:t> in a graph is a sequence of edges that connects a series of vertices.</a:t>
-            </a:r>
-          </a:p>
-          <a:p>
-            <a:pPr marL="0" indent="0">
-              <a:buNone/>
-            </a:pPr>
-            <a:r>
-              <a:rPr lang="en-US" sz="2000" dirty="0"/>
-              <a:t>It can be represented as a list of vertices starting from a source node and ending at a destination node, with each consecutive vertex connected by an edge.</a:t>
+            <a:r>
+              <a:rPr lang="en-US" dirty="0"/>
+              <a:t>Recursive function:</a:t>
             </a:r>
           </a:p>
         </p:txBody>
       </p:sp>
       <p:pic>
         <p:nvPicPr>
-          <p:cNvPr id="4" name="Picture 3"/>
+          <p:cNvPr id="5" name="Content Placeholder 4" descr="A diagram of a tree&#10;&#10;Description automatically generated">
+            <a:extLst>
+              <a:ext uri="{FF2B5EF4-FFF2-40B4-BE49-F238E27FC236}">
+                <a16:creationId xmlns:a16="http://schemas.microsoft.com/office/drawing/2014/main" xmlns="" id="{52073382-5AE2-3093-D6D4-80B4B3EA25A0}"/>
+              </a:ext>
+            </a:extLst>
+          </p:cNvPr>
+          <p:cNvPicPr>
+            <a:picLocks noGrp="1" noChangeAspect="1"/>
+          </p:cNvPicPr>
+          <p:nvPr>
+            <p:ph idx="1"/>
+          </p:nvPr>
+        </p:nvPicPr>
+        <p:blipFill>
+          <a:blip r:embed="rId2">
+            <a:extLst>
+              <a:ext uri="{28A0092B-C50C-407E-A947-70E740481C1C}">
+                <a14:useLocalDpi xmlns:a14="http://schemas.microsoft.com/office/drawing/2010/main" val="0"/>
+              </a:ext>
+            </a:extLst>
+          </a:blip>
+          <a:stretch>
+            <a:fillRect/>
+          </a:stretch>
+        </p:blipFill>
+        <p:spPr>
+          <a:xfrm>
+            <a:off x="7120535" y="-1"/>
+            <a:ext cx="4466079" cy="4301705"/>
+          </a:xfrm>
+        </p:spPr>
+      </p:pic>
+      <p:pic>
+        <p:nvPicPr>
+          <p:cNvPr id="7" name="Picture 6" descr="A math equation with numbers&#10;&#10;Description automatically generated">
+            <a:extLst>
+              <a:ext uri="{FF2B5EF4-FFF2-40B4-BE49-F238E27FC236}">
+                <a16:creationId xmlns:a16="http://schemas.microsoft.com/office/drawing/2014/main" xmlns="" id="{1D27D323-25BB-8BB8-2B40-5CAB37537CEA}"/>
+              </a:ext>
+            </a:extLst>
+          </p:cNvPr>
           <p:cNvPicPr>
             <a:picLocks noChangeAspect="1"/>
           </p:cNvPicPr>
           <p:nvPr/>
         </p:nvPicPr>
-        <p:blipFill rotWithShape="1">
-          <a:blip r:embed="rId2">
+        <p:blipFill>
+          <a:blip r:embed="rId3">
             <a:extLst>
               <a:ext uri="{28A0092B-C50C-407E-A947-70E740481C1C}">
                 <a14:useLocalDpi xmlns:a14="http://schemas.microsoft.com/office/drawing/2010/main" val="0"/>
               </a:ext>
             </a:extLst>
           </a:blip>
-          <a:srcRect b="13698"/>
-          <a:stretch/>
+          <a:stretch>
+            <a:fillRect/>
+          </a:stretch>
         </p:blipFill>
         <p:spPr>
           <a:xfrm>
-            <a:off x="3324222" y="4143374"/>
-            <a:ext cx="5423384" cy="2343151"/>
+            <a:off x="1056490" y="1298279"/>
+            <a:ext cx="4811748" cy="1430972"/>
+          </a:xfrm>
+          <a:prstGeom prst="rect">
+            <a:avLst/>
+          </a:prstGeom>
+        </p:spPr>
+      </p:pic>
+      <p:sp>
+        <p:nvSpPr>
+          <p:cNvPr id="8" name="TextBox 7">
+            <a:extLst>
+              <a:ext uri="{FF2B5EF4-FFF2-40B4-BE49-F238E27FC236}">
+                <a16:creationId xmlns:a16="http://schemas.microsoft.com/office/drawing/2014/main" xmlns="" id="{95A951C0-97BE-1A2D-1A47-93451C2BB49E}"/>
+              </a:ext>
+            </a:extLst>
+          </p:cNvPr>
+          <p:cNvSpPr txBox="1"/>
+          <p:nvPr/>
+        </p:nvSpPr>
+        <p:spPr>
+          <a:xfrm>
+            <a:off x="1056490" y="2974588"/>
+            <a:ext cx="6614652" cy="2308324"/>
+          </a:xfrm>
+          <a:prstGeom prst="rect">
+            <a:avLst/>
+          </a:prstGeom>
+          <a:noFill/>
+        </p:spPr>
+        <p:txBody>
+          <a:bodyPr wrap="square" rtlCol="0">
+            <a:spAutoFit/>
+          </a:bodyPr>
+          <a:lstStyle/>
+          <a:p>
+            <a:pPr marL="342900" indent="-342900">
+              <a:buFont typeface="+mj-lt"/>
+              <a:buAutoNum type="arabicPeriod"/>
+            </a:pPr>
+            <a:r>
+              <a:rPr lang="en-US" dirty="0"/>
+              <a:t>Fibonacci(5) calls </a:t>
+            </a:r>
+            <a:r>
+              <a:rPr lang="en-US" dirty="0">
+                <a:sym typeface="Wingdings" panose="05000000000000000000" pitchFamily="2" charset="2"/>
+              </a:rPr>
+              <a:t> Fibonacci(4) + Fibonacci(3)</a:t>
+            </a:r>
+          </a:p>
+          <a:p>
+            <a:pPr marL="342900" indent="-342900">
+              <a:buFont typeface="+mj-lt"/>
+              <a:buAutoNum type="arabicPeriod"/>
+            </a:pPr>
+            <a:r>
+              <a:rPr lang="en-US" dirty="0"/>
+              <a:t>Fibonacci(4) calls </a:t>
+            </a:r>
+            <a:r>
+              <a:rPr lang="en-US" dirty="0">
+                <a:sym typeface="Wingdings" panose="05000000000000000000" pitchFamily="2" charset="2"/>
+              </a:rPr>
+              <a:t> Fibonacci(3) + Fibonacci(2)</a:t>
+            </a:r>
+          </a:p>
+          <a:p>
+            <a:pPr marL="342900" indent="-342900">
+              <a:buFont typeface="+mj-lt"/>
+              <a:buAutoNum type="arabicPeriod"/>
+            </a:pPr>
+            <a:r>
+              <a:rPr lang="en-US" dirty="0"/>
+              <a:t>Fibonacci(3) calls </a:t>
+            </a:r>
+            <a:r>
+              <a:rPr lang="en-US" dirty="0">
+                <a:sym typeface="Wingdings" panose="05000000000000000000" pitchFamily="2" charset="2"/>
+              </a:rPr>
+              <a:t> Fibonacci(2) + Fibonacci(1)</a:t>
+            </a:r>
+          </a:p>
+          <a:p>
+            <a:pPr marL="342900" indent="-342900">
+              <a:buFont typeface="+mj-lt"/>
+              <a:buAutoNum type="arabicPeriod"/>
+            </a:pPr>
+            <a:r>
+              <a:rPr lang="en-US" dirty="0"/>
+              <a:t>Fibonacci(2) calls </a:t>
+            </a:r>
+            <a:r>
+              <a:rPr lang="en-US" dirty="0">
+                <a:sym typeface="Wingdings" panose="05000000000000000000" pitchFamily="2" charset="2"/>
+              </a:rPr>
+              <a:t> Fibonacci(1) + Fibonacci(0)</a:t>
+            </a:r>
+          </a:p>
+          <a:p>
+            <a:pPr marL="342900" indent="-342900">
+              <a:buFont typeface="+mj-lt"/>
+              <a:buAutoNum type="arabicPeriod"/>
+            </a:pPr>
+            <a:r>
+              <a:rPr lang="en-US" dirty="0"/>
+              <a:t>Base case:</a:t>
+            </a:r>
+            <a:br>
+              <a:rPr lang="en-US" dirty="0"/>
+            </a:br>
+            <a:r>
+              <a:rPr lang="en-US" dirty="0"/>
+              <a:t>        Fibonacci(1) returns 1</a:t>
+            </a:r>
+            <a:br>
+              <a:rPr lang="en-US" dirty="0"/>
+            </a:br>
+            <a:r>
+              <a:rPr lang="en-US" dirty="0"/>
+              <a:t>        Fibonacci(0) returns 0</a:t>
+            </a:r>
+            <a:br>
+              <a:rPr lang="en-US" dirty="0"/>
+            </a:br>
+            <a:r>
+              <a:rPr lang="en-US" dirty="0"/>
+              <a:t>               </a:t>
+            </a:r>
+          </a:p>
+        </p:txBody>
+      </p:sp>
+      <p:pic>
+        <p:nvPicPr>
+          <p:cNvPr id="10" name="Picture 9" descr="A computer screen shot of a number&#10;&#10;Description automatically generated">
+            <a:extLst>
+              <a:ext uri="{FF2B5EF4-FFF2-40B4-BE49-F238E27FC236}">
+                <a16:creationId xmlns:a16="http://schemas.microsoft.com/office/drawing/2014/main" xmlns="" id="{6E42F6D7-CBE1-EB10-84C1-1338C8295F07}"/>
+              </a:ext>
+            </a:extLst>
+          </p:cNvPr>
+          <p:cNvPicPr>
+            <a:picLocks noChangeAspect="1"/>
+          </p:cNvPicPr>
+          <p:nvPr/>
+        </p:nvPicPr>
+        <p:blipFill>
+          <a:blip r:embed="rId4">
+            <a:extLst>
+              <a:ext uri="{28A0092B-C50C-407E-A947-70E740481C1C}">
+                <a14:useLocalDpi xmlns:a14="http://schemas.microsoft.com/office/drawing/2010/main" val="0"/>
+              </a:ext>
+            </a:extLst>
+          </a:blip>
+          <a:stretch>
+            <a:fillRect/>
+          </a:stretch>
+        </p:blipFill>
+        <p:spPr>
+          <a:xfrm>
+            <a:off x="6197094" y="3801325"/>
+            <a:ext cx="5153025" cy="2752725"/>
           </a:xfrm>
           <a:prstGeom prst="rect">
             <a:avLst/>
@@ -9891,7 +10087,7 @@
     </p:spTree>
     <p:extLst>
       <p:ext uri="{BB962C8B-B14F-4D97-AF65-F5344CB8AC3E}">
-        <p14:creationId xmlns:p14="http://schemas.microsoft.com/office/powerpoint/2010/main" val="142484890"/>
+        <p14:creationId xmlns:p14="http://schemas.microsoft.com/office/powerpoint/2010/main" val="1754468583"/>
       </p:ext>
     </p:extLst>
   </p:cSld>
@@ -9927,7 +10123,13 @@
       </p:grpSpPr>
       <p:sp>
         <p:nvSpPr>
-          <p:cNvPr id="2" name="Title 1"/>
+          <p:cNvPr id="2" name="Title 1">
+            <a:extLst>
+              <a:ext uri="{FF2B5EF4-FFF2-40B4-BE49-F238E27FC236}">
+                <a16:creationId xmlns:a16="http://schemas.microsoft.com/office/drawing/2014/main" xmlns="" id="{4F6E24A9-DAC8-3CD7-F6AF-35F942D93487}"/>
+              </a:ext>
+            </a:extLst>
+          </p:cNvPr>
           <p:cNvSpPr>
             <a:spLocks noGrp="1"/>
           </p:cNvSpPr>
@@ -9935,24 +10137,36 @@
             <p:ph type="title"/>
           </p:nvPr>
         </p:nvSpPr>
-        <p:spPr/>
+        <p:spPr>
+          <a:xfrm>
+            <a:off x="839788" y="987425"/>
+            <a:ext cx="3932237" cy="614361"/>
+          </a:xfrm>
+        </p:spPr>
         <p:txBody>
           <a:bodyPr>
-            <a:normAutofit/>
+            <a:noAutofit/>
           </a:bodyPr>
           <a:lstStyle/>
           <a:p>
-            <a:pPr algn="ctr"/>
-            <a:r>
-              <a:rPr lang="en-US" sz="3600" b="1" u="sng" dirty="0"/>
-              <a:t>Shortest Path</a:t>
+            <a:r>
+              <a:rPr lang="en-US" sz="3600" b="1" dirty="0">
+                <a:latin typeface="Arial Black" panose="020B0A04020102020204" pitchFamily="34" charset="0"/>
+              </a:rPr>
+              <a:t>Graph in Board Games</a:t>
             </a:r>
           </a:p>
         </p:txBody>
       </p:sp>
       <p:sp>
         <p:nvSpPr>
-          <p:cNvPr id="3" name="Content Placeholder 2"/>
+          <p:cNvPr id="3" name="Content Placeholder 2">
+            <a:extLst>
+              <a:ext uri="{FF2B5EF4-FFF2-40B4-BE49-F238E27FC236}">
+                <a16:creationId xmlns:a16="http://schemas.microsoft.com/office/drawing/2014/main" xmlns="" id="{A9173C1D-2F8B-2792-3149-B0AB3328C944}"/>
+              </a:ext>
+            </a:extLst>
+          </p:cNvPr>
           <p:cNvSpPr>
             <a:spLocks noGrp="1"/>
           </p:cNvSpPr>
@@ -9960,133 +10174,59 @@
             <p:ph idx="1"/>
           </p:nvPr>
         </p:nvSpPr>
-        <p:spPr>
-          <a:xfrm>
-            <a:off x="852488" y="1673203"/>
-            <a:ext cx="10515600" cy="2317750"/>
-          </a:xfrm>
-        </p:spPr>
+        <p:spPr/>
         <p:txBody>
-          <a:bodyPr>
-            <a:normAutofit/>
-          </a:bodyPr>
+          <a:bodyPr/>
           <a:lstStyle/>
           <a:p>
-            <a:pPr marL="0" indent="0">
-              <a:buNone/>
-            </a:pPr>
-            <a:r>
-              <a:rPr lang="en-US" sz="2000" b="1" dirty="0"/>
-              <a:t>Definition:</a:t>
-            </a:r>
-          </a:p>
-          <a:p>
-            <a:pPr marL="0" indent="0">
-              <a:buNone/>
-            </a:pPr>
-            <a:r>
-              <a:rPr lang="en-US" sz="2000" dirty="0"/>
-              <a:t>	“The </a:t>
-            </a:r>
-            <a:r>
-              <a:rPr lang="en-US" sz="2000" b="1" dirty="0"/>
-              <a:t>shortest path</a:t>
-            </a:r>
-            <a:r>
-              <a:rPr lang="en-US" sz="2000" dirty="0"/>
-              <a:t> is a path between two vertices such that the sum of the weights of the edges in the path is minimized.”</a:t>
-            </a:r>
-          </a:p>
-          <a:p>
-            <a:pPr marL="0" indent="0">
-              <a:buNone/>
-            </a:pPr>
-            <a:endParaRPr lang="en-US" sz="2000" dirty="0"/>
-          </a:p>
-          <a:p>
-            <a:pPr marL="0" indent="0">
-              <a:buNone/>
-            </a:pPr>
-            <a:r>
-              <a:rPr lang="en-US" sz="2000" dirty="0"/>
-              <a:t>In unweighted graphs, the shortest path is simply the path with the least number of edges.</a:t>
-            </a:r>
-          </a:p>
-          <a:p>
-            <a:pPr marL="0" indent="0">
-              <a:buNone/>
-            </a:pPr>
-            <a:r>
-              <a:rPr lang="en-US" sz="2000" dirty="0"/>
-              <a:t>In weighted graphs, it’s the path with the minimum total weight.</a:t>
-            </a:r>
+            <a:endParaRPr lang="en-US"/>
           </a:p>
         </p:txBody>
       </p:sp>
-      <p:pic>
-        <p:nvPicPr>
-          <p:cNvPr id="4" name="Picture 3"/>
-          <p:cNvPicPr>
-            <a:picLocks noChangeAspect="1"/>
-          </p:cNvPicPr>
-          <p:nvPr/>
-        </p:nvPicPr>
-        <p:blipFill>
-          <a:blip r:embed="rId2">
-            <a:extLst>
-              <a:ext uri="{28A0092B-C50C-407E-A947-70E740481C1C}">
-                <a14:useLocalDpi xmlns:a14="http://schemas.microsoft.com/office/drawing/2010/main" val="0"/>
-              </a:ext>
-            </a:extLst>
-          </a:blip>
-          <a:stretch>
-            <a:fillRect/>
-          </a:stretch>
-        </p:blipFill>
-        <p:spPr>
-          <a:xfrm>
-            <a:off x="1119168" y="3890937"/>
-            <a:ext cx="4865672" cy="2709885"/>
-          </a:xfrm>
-          <a:prstGeom prst="rect">
-            <a:avLst/>
-          </a:prstGeom>
-        </p:spPr>
-      </p:pic>
-      <p:pic>
-        <p:nvPicPr>
-          <p:cNvPr id="5" name="Picture 4"/>
-          <p:cNvPicPr>
-            <a:picLocks noChangeAspect="1"/>
-          </p:cNvPicPr>
-          <p:nvPr/>
-        </p:nvPicPr>
-        <p:blipFill>
-          <a:blip r:embed="rId3">
-            <a:extLst>
-              <a:ext uri="{28A0092B-C50C-407E-A947-70E740481C1C}">
-                <a14:useLocalDpi xmlns:a14="http://schemas.microsoft.com/office/drawing/2010/main" val="0"/>
-              </a:ext>
-            </a:extLst>
-          </a:blip>
-          <a:stretch>
-            <a:fillRect/>
-          </a:stretch>
-        </p:blipFill>
-        <p:spPr>
-          <a:xfrm>
-            <a:off x="6386513" y="4190985"/>
-            <a:ext cx="4226704" cy="2109788"/>
-          </a:xfrm>
-          <a:prstGeom prst="rect">
-            <a:avLst/>
-          </a:prstGeom>
-        </p:spPr>
-      </p:pic>
+      <p:sp>
+        <p:nvSpPr>
+          <p:cNvPr id="4" name="Text Placeholder 3">
+            <a:extLst>
+              <a:ext uri="{FF2B5EF4-FFF2-40B4-BE49-F238E27FC236}">
+                <a16:creationId xmlns:a16="http://schemas.microsoft.com/office/drawing/2014/main" xmlns="" id="{2575CAD2-AC30-D5F5-9D23-CF4A3F0D6D87}"/>
+              </a:ext>
+            </a:extLst>
+          </p:cNvPr>
+          <p:cNvSpPr>
+            <a:spLocks noGrp="1"/>
+          </p:cNvSpPr>
+          <p:nvPr>
+            <p:ph type="body" sz="half" idx="2"/>
+          </p:nvPr>
+        </p:nvSpPr>
+        <p:spPr/>
+        <p:txBody>
+          <a:bodyPr/>
+          <a:lstStyle/>
+          <a:p>
+            <a:r>
+              <a:rPr lang="en-US" dirty="0"/>
+              <a:t>Most board games are played two-dimensional grid. </a:t>
+            </a:r>
+          </a:p>
+          <a:p>
+            <a:r>
+              <a:rPr lang="en-US" dirty="0"/>
+              <a:t>• Nodes represent the cells where game pieces are placed. </a:t>
+            </a:r>
+          </a:p>
+          <a:p>
+            <a:r>
+              <a:rPr lang="en-US" dirty="0"/>
+              <a:t>• Winning conditions involve finding paths (edges) with consecutive stones.</a:t>
+            </a:r>
+          </a:p>
+        </p:txBody>
+      </p:sp>
     </p:spTree>
     <p:extLst>
       <p:ext uri="{BB962C8B-B14F-4D97-AF65-F5344CB8AC3E}">
-        <p14:creationId xmlns:p14="http://schemas.microsoft.com/office/powerpoint/2010/main" val="1626842515"/>
+        <p14:creationId xmlns:p14="http://schemas.microsoft.com/office/powerpoint/2010/main" val="41218718"/>
       </p:ext>
     </p:extLst>
   </p:cSld>
@@ -10122,105 +10262,213 @@
       </p:grpSpPr>
       <p:sp>
         <p:nvSpPr>
-          <p:cNvPr id="2" name="Title 1"/>
-          <p:cNvSpPr>
-            <a:spLocks noGrp="1"/>
-          </p:cNvSpPr>
-          <p:nvPr>
-            <p:ph type="title"/>
-          </p:nvPr>
+          <p:cNvPr id="2" name="TextBox 1">
+            <a:extLst>
+              <a:ext uri="{FF2B5EF4-FFF2-40B4-BE49-F238E27FC236}">
+                <a16:creationId xmlns:a16="http://schemas.microsoft.com/office/drawing/2014/main" xmlns="" id="{6E50E356-37DA-4535-A5F0-B50C7D4B463F}"/>
+              </a:ext>
+            </a:extLst>
+          </p:cNvPr>
+          <p:cNvSpPr txBox="1"/>
+          <p:nvPr/>
         </p:nvSpPr>
-        <p:spPr/>
+        <p:spPr>
+          <a:xfrm>
+            <a:off x="497840" y="528320"/>
+            <a:ext cx="4602480" cy="369332"/>
+          </a:xfrm>
+          <a:prstGeom prst="rect">
+            <a:avLst/>
+          </a:prstGeom>
+          <a:noFill/>
+        </p:spPr>
         <p:txBody>
-          <a:bodyPr>
-            <a:normAutofit/>
+          <a:bodyPr wrap="square" rtlCol="0">
+            <a:spAutoFit/>
           </a:bodyPr>
           <a:lstStyle/>
           <a:p>
-            <a:pPr algn="ctr"/>
-            <a:r>
-              <a:rPr lang="en-US" sz="3200" b="1" u="sng" dirty="0"/>
-              <a:t>Some Algorithms Used for Path Finding</a:t>
+            <a:r>
+              <a:rPr lang="en-US" dirty="0">
+                <a:latin typeface="Arial Black" panose="020B0A04020102020204" pitchFamily="34" charset="0"/>
+              </a:rPr>
+              <a:t>Graph Coloring in Board Games</a:t>
             </a:r>
           </a:p>
         </p:txBody>
       </p:sp>
       <p:sp>
         <p:nvSpPr>
-          <p:cNvPr id="3" name="Content Placeholder 2"/>
-          <p:cNvSpPr>
-            <a:spLocks noGrp="1"/>
-          </p:cNvSpPr>
-          <p:nvPr>
-            <p:ph idx="1"/>
-          </p:nvPr>
+          <p:cNvPr id="3" name="TextBox 2">
+            <a:extLst>
+              <a:ext uri="{FF2B5EF4-FFF2-40B4-BE49-F238E27FC236}">
+                <a16:creationId xmlns:a16="http://schemas.microsoft.com/office/drawing/2014/main" xmlns="" id="{7E4FD040-A3D1-4B76-8051-4FF75D79F6C4}"/>
+              </a:ext>
+            </a:extLst>
+          </p:cNvPr>
+          <p:cNvSpPr txBox="1"/>
+          <p:nvPr/>
         </p:nvSpPr>
         <p:spPr>
           <a:xfrm>
-            <a:off x="838199" y="1911350"/>
-            <a:ext cx="10515600" cy="3846513"/>
+            <a:off x="650240" y="1371600"/>
+            <a:ext cx="4145280" cy="2031325"/>
           </a:xfrm>
+          <a:prstGeom prst="rect">
+            <a:avLst/>
+          </a:prstGeom>
+          <a:noFill/>
         </p:spPr>
         <p:txBody>
-          <a:bodyPr>
-            <a:normAutofit/>
+          <a:bodyPr wrap="square" rtlCol="0">
+            <a:spAutoFit/>
           </a:bodyPr>
           <a:lstStyle/>
           <a:p>
-            <a:pPr algn="ctr"/>
-            <a:r>
-              <a:rPr lang="en-US" sz="2000" dirty="0"/>
-              <a:t>Dijkstra’s Algorithm</a:t>
-            </a:r>
-          </a:p>
-          <a:p>
-            <a:pPr algn="ctr"/>
-            <a:r>
-              <a:rPr lang="en-US" sz="2000" dirty="0"/>
-              <a:t>A* Algorithm</a:t>
-            </a:r>
-          </a:p>
-          <a:p>
-            <a:pPr algn="ctr"/>
-            <a:r>
-              <a:rPr lang="en-US" sz="2000" dirty="0"/>
-              <a:t>Bellman-Ford Algorithm</a:t>
-            </a:r>
-          </a:p>
-          <a:p>
-            <a:pPr algn="ctr"/>
-            <a:r>
-              <a:rPr lang="en-US" sz="2000" dirty="0"/>
-              <a:t>Floyd-</a:t>
-            </a:r>
-            <a:r>
-              <a:rPr lang="en-US" sz="2000" dirty="0" err="1"/>
-              <a:t>Warshall</a:t>
-            </a:r>
-            <a:r>
-              <a:rPr lang="en-US" sz="2000" dirty="0"/>
-              <a:t> Algorithm</a:t>
-            </a:r>
-          </a:p>
-          <a:p>
-            <a:pPr algn="ctr"/>
-            <a:r>
-              <a:rPr lang="en-US" sz="2000" dirty="0"/>
-              <a:t>Breadth-First Search (BFS)</a:t>
-            </a:r>
-          </a:p>
-          <a:p>
-            <a:pPr algn="ctr"/>
-            <a:r>
-              <a:rPr lang="en-US" sz="2000" dirty="0"/>
-              <a:t>Depth-First Search (DFS)</a:t>
-            </a:r>
-          </a:p>
-          <a:p>
-            <a:pPr algn="ctr"/>
-            <a:r>
-              <a:rPr lang="en-US" sz="2000" dirty="0"/>
-              <a:t>Johnson’s Algorithm</a:t>
+            <a:pPr marL="285750" indent="-285750">
+              <a:buFont typeface="Arial" panose="020B0604020202020204" pitchFamily="34" charset="0"/>
+              <a:buChar char="•"/>
+            </a:pPr>
+            <a:r>
+              <a:rPr lang="en-US" dirty="0"/>
+              <a:t>involves assigning different colors to the vertices of a graph such that no two adjacent vertices share the same color.</a:t>
+            </a:r>
+          </a:p>
+          <a:p>
+            <a:pPr marL="285750" indent="-285750">
+              <a:buFont typeface="Arial" panose="020B0604020202020204" pitchFamily="34" charset="0"/>
+              <a:buChar char="•"/>
+            </a:pPr>
+            <a:r>
+              <a:rPr lang="en-US" dirty="0"/>
+              <a:t>Simplifies game design by managing player interactions and organizing regions.</a:t>
+            </a:r>
+          </a:p>
+        </p:txBody>
+      </p:sp>
+      <p:pic>
+        <p:nvPicPr>
+          <p:cNvPr id="5" name="Picture 4">
+            <a:extLst>
+              <a:ext uri="{FF2B5EF4-FFF2-40B4-BE49-F238E27FC236}">
+                <a16:creationId xmlns:a16="http://schemas.microsoft.com/office/drawing/2014/main" xmlns="" id="{247980FC-C224-4514-901E-C9B97207D2FD}"/>
+              </a:ext>
+            </a:extLst>
+          </p:cNvPr>
+          <p:cNvPicPr>
+            <a:picLocks noChangeAspect="1"/>
+          </p:cNvPicPr>
+          <p:nvPr/>
+        </p:nvPicPr>
+        <p:blipFill>
+          <a:blip r:embed="rId2">
+            <a:extLst>
+              <a:ext uri="{28A0092B-C50C-407E-A947-70E740481C1C}">
+                <a14:useLocalDpi xmlns:a14="http://schemas.microsoft.com/office/drawing/2010/main" val="0"/>
+              </a:ext>
+            </a:extLst>
+          </a:blip>
+          <a:stretch>
+            <a:fillRect/>
+          </a:stretch>
+        </p:blipFill>
+        <p:spPr>
+          <a:xfrm>
+            <a:off x="7833360" y="897652"/>
+            <a:ext cx="1904762" cy="1904762"/>
+          </a:xfrm>
+          <a:prstGeom prst="rect">
+            <a:avLst/>
+          </a:prstGeom>
+        </p:spPr>
+      </p:pic>
+      <p:sp>
+        <p:nvSpPr>
+          <p:cNvPr id="6" name="TextBox 5">
+            <a:extLst>
+              <a:ext uri="{FF2B5EF4-FFF2-40B4-BE49-F238E27FC236}">
+                <a16:creationId xmlns:a16="http://schemas.microsoft.com/office/drawing/2014/main" xmlns="" id="{7FFE7E87-12A9-44B8-B6D2-87BF797DE487}"/>
+              </a:ext>
+            </a:extLst>
+          </p:cNvPr>
+          <p:cNvSpPr txBox="1"/>
+          <p:nvPr/>
+        </p:nvSpPr>
+        <p:spPr>
+          <a:xfrm>
+            <a:off x="975360" y="3749040"/>
+            <a:ext cx="9083040" cy="923330"/>
+          </a:xfrm>
+          <a:prstGeom prst="rect">
+            <a:avLst/>
+          </a:prstGeom>
+          <a:noFill/>
+        </p:spPr>
+        <p:txBody>
+          <a:bodyPr wrap="square" rtlCol="0">
+            <a:spAutoFit/>
+          </a:bodyPr>
+          <a:lstStyle/>
+          <a:p>
+            <a:pPr marL="342900" indent="-342900">
+              <a:buFont typeface="+mj-lt"/>
+              <a:buAutoNum type="arabicPeriod"/>
+            </a:pPr>
+            <a:r>
+              <a:rPr lang="en-US" dirty="0"/>
+              <a:t>Territory </a:t>
+            </a:r>
+            <a:r>
+              <a:rPr lang="en-US" dirty="0" err="1"/>
+              <a:t>Colouring</a:t>
+            </a:r>
+            <a:r>
+              <a:rPr lang="en-US" dirty="0"/>
+              <a:t>:  Assigning different </a:t>
+            </a:r>
+            <a:r>
+              <a:rPr lang="en-US" dirty="0" err="1"/>
+              <a:t>colours</a:t>
+            </a:r>
+            <a:r>
+              <a:rPr lang="en-US" dirty="0"/>
+              <a:t> to </a:t>
+            </a:r>
+            <a:r>
+              <a:rPr lang="en-US" dirty="0" err="1"/>
+              <a:t>neighbouring</a:t>
+            </a:r>
+            <a:r>
+              <a:rPr lang="en-US" dirty="0"/>
+              <a:t> territories.</a:t>
+            </a:r>
+          </a:p>
+          <a:p>
+            <a:pPr marL="342900" indent="-342900">
+              <a:buFont typeface="+mj-lt"/>
+              <a:buAutoNum type="arabicPeriod"/>
+            </a:pPr>
+            <a:r>
+              <a:rPr lang="en-US" dirty="0"/>
+              <a:t>Player moves: Useful in multiplayer games to minimize conflicts.</a:t>
+            </a:r>
+          </a:p>
+          <a:p>
+            <a:pPr marL="342900" indent="-342900">
+              <a:buFont typeface="+mj-lt"/>
+              <a:buAutoNum type="arabicPeriod"/>
+            </a:pPr>
+            <a:r>
+              <a:rPr lang="en-US" dirty="0"/>
+              <a:t>Puzzle Solving: No two adjacent players have the same </a:t>
+            </a:r>
+            <a:r>
+              <a:rPr lang="en-US" dirty="0" err="1"/>
+              <a:t>colours</a:t>
+            </a:r>
+            <a:r>
+              <a:rPr lang="en-US" dirty="0"/>
+              <a:t>.</a:t>
             </a:r>
           </a:p>
         </p:txBody>
@@ -10228,7 +10476,7 @@
     </p:spTree>
     <p:extLst>
       <p:ext uri="{BB962C8B-B14F-4D97-AF65-F5344CB8AC3E}">
-        <p14:creationId xmlns:p14="http://schemas.microsoft.com/office/powerpoint/2010/main" val="2745718031"/>
+        <p14:creationId xmlns:p14="http://schemas.microsoft.com/office/powerpoint/2010/main" val="1875216096"/>
       </p:ext>
     </p:extLst>
   </p:cSld>
@@ -10281,8 +10529,8 @@
           <a:p>
             <a:pPr algn="ctr"/>
             <a:r>
-              <a:rPr lang="en-US" sz="3200" b="1" u="sng" dirty="0"/>
-              <a:t>Some Algorithms Used for Path Finding</a:t>
+              <a:rPr lang="en-US" sz="3600" b="1" u="sng" dirty="0"/>
+              <a:t>Path finding</a:t>
             </a:r>
           </a:p>
         </p:txBody>
@@ -10299,8 +10547,8 @@
         </p:nvSpPr>
         <p:spPr>
           <a:xfrm>
-            <a:off x="838199" y="1911350"/>
-            <a:ext cx="10515600" cy="3846513"/>
+            <a:off x="852487" y="1625600"/>
+            <a:ext cx="10515600" cy="2674938"/>
           </a:xfrm>
         </p:spPr>
         <p:txBody>
@@ -10309,83 +10557,98 @@
           </a:bodyPr>
           <a:lstStyle/>
           <a:p>
-            <a:pPr algn="ctr"/>
-            <a:r>
-              <a:rPr lang="en-US" sz="2000" dirty="0"/>
-              <a:t>Dijkstra’s Algorithm</a:t>
-            </a:r>
-          </a:p>
-          <a:p>
-            <a:pPr algn="ctr"/>
-            <a:r>
-              <a:rPr lang="en-US" sz="2000" dirty="0"/>
-              <a:t>A* Algorithm</a:t>
-            </a:r>
-          </a:p>
-          <a:p>
-            <a:pPr algn="ctr"/>
-            <a:r>
-              <a:rPr lang="en-US" sz="2000" dirty="0"/>
-              <a:t>Bellman-Ford Algorithm</a:t>
-            </a:r>
-          </a:p>
-          <a:p>
-            <a:pPr algn="ctr"/>
-            <a:r>
-              <a:rPr lang="en-US" sz="2000" dirty="0"/>
-              <a:t>Floyd-</a:t>
-            </a:r>
-            <a:r>
-              <a:rPr lang="en-US" sz="2000" dirty="0" err="1"/>
-              <a:t>Warshall</a:t>
-            </a:r>
-            <a:r>
-              <a:rPr lang="en-US" sz="2000" dirty="0"/>
-              <a:t> Algorithm</a:t>
-            </a:r>
-          </a:p>
-          <a:p>
-            <a:pPr algn="ctr"/>
-            <a:r>
-              <a:rPr lang="en-US" sz="2000" dirty="0"/>
-              <a:t>Breadth-First Search (BFS)</a:t>
-            </a:r>
-          </a:p>
-          <a:p>
-            <a:pPr algn="ctr"/>
-            <a:r>
-              <a:rPr lang="en-US" sz="2000" dirty="0"/>
-              <a:t>Depth-First Search (DFS)</a:t>
-            </a:r>
-          </a:p>
-          <a:p>
-            <a:pPr algn="ctr"/>
-            <a:r>
-              <a:rPr lang="en-US" sz="2000" dirty="0"/>
-              <a:t>Johnson’s Algorithm</a:t>
-            </a:r>
-          </a:p>
-          <a:p>
-            <a:pPr marL="0" indent="0" algn="ctr">
+            <a:pPr marL="0" indent="0">
               <a:buNone/>
             </a:pPr>
-            <a:endParaRPr lang="en-US" sz="2000" dirty="0"/>
-          </a:p>
-          <a:p>
-            <a:pPr marL="0" indent="0" algn="ctr">
+            <a:r>
+              <a:rPr lang="en-US" sz="2000" b="1" dirty="0"/>
+              <a:t>Definition:</a:t>
+            </a:r>
+          </a:p>
+          <a:p>
+            <a:pPr marL="0" indent="0">
               <a:buNone/>
             </a:pPr>
             <a:r>
+              <a:rPr lang="en-US" sz="2000" b="1" dirty="0"/>
+              <a:t>	“Pathfinding</a:t>
+            </a:r>
+            <a:r>
               <a:rPr lang="en-US" sz="2000" dirty="0"/>
-              <a:t>We have used Breadth-First Search (BFS) in our code..</a:t>
+              <a:t> refers to the process of finding a path from one point (vertex) to another in a graph.</a:t>
+            </a:r>
+            <a:r>
+              <a:rPr lang="en-US" sz="2000" b="1" dirty="0"/>
+              <a:t>”</a:t>
+            </a:r>
+          </a:p>
+          <a:p>
+            <a:pPr marL="0" indent="0">
+              <a:buNone/>
+            </a:pPr>
+            <a:endParaRPr lang="en-US" sz="2000" b="1" dirty="0"/>
+          </a:p>
+          <a:p>
+            <a:pPr marL="0" indent="0">
+              <a:buNone/>
+            </a:pPr>
+            <a:r>
+              <a:rPr lang="en-US" sz="2000" dirty="0"/>
+              <a:t>A </a:t>
+            </a:r>
+            <a:r>
+              <a:rPr lang="en-US" sz="2000" b="1" dirty="0"/>
+              <a:t>path</a:t>
+            </a:r>
+            <a:r>
+              <a:rPr lang="en-US" sz="2000" dirty="0"/>
+              <a:t> in a graph is a sequence of edges that connects a series of vertices.</a:t>
+            </a:r>
+          </a:p>
+          <a:p>
+            <a:pPr marL="0" indent="0">
+              <a:buNone/>
+            </a:pPr>
+            <a:r>
+              <a:rPr lang="en-US" sz="2000" dirty="0"/>
+              <a:t>It can be represented as a list of vertices starting from a source node and ending at a destination node, with each consecutive vertex connected by an edge.</a:t>
             </a:r>
           </a:p>
         </p:txBody>
       </p:sp>
+      <p:pic>
+        <p:nvPicPr>
+          <p:cNvPr id="4" name="Picture 3"/>
+          <p:cNvPicPr>
+            <a:picLocks noChangeAspect="1"/>
+          </p:cNvPicPr>
+          <p:nvPr/>
+        </p:nvPicPr>
+        <p:blipFill rotWithShape="1">
+          <a:blip r:embed="rId2">
+            <a:extLst>
+              <a:ext uri="{28A0092B-C50C-407E-A947-70E740481C1C}">
+                <a14:useLocalDpi xmlns:a14="http://schemas.microsoft.com/office/drawing/2010/main" val="0"/>
+              </a:ext>
+            </a:extLst>
+          </a:blip>
+          <a:srcRect b="13698"/>
+          <a:stretch/>
+        </p:blipFill>
+        <p:spPr>
+          <a:xfrm>
+            <a:off x="3324222" y="4143374"/>
+            <a:ext cx="5423384" cy="2343151"/>
+          </a:xfrm>
+          <a:prstGeom prst="rect">
+            <a:avLst/>
+          </a:prstGeom>
+        </p:spPr>
+      </p:pic>
     </p:spTree>
     <p:extLst>
       <p:ext uri="{BB962C8B-B14F-4D97-AF65-F5344CB8AC3E}">
-        <p14:creationId xmlns:p14="http://schemas.microsoft.com/office/powerpoint/2010/main" val="1758734204"/>
+        <p14:creationId xmlns:p14="http://schemas.microsoft.com/office/powerpoint/2010/main" val="142484890"/>
       </p:ext>
     </p:extLst>
   </p:cSld>
@@ -10439,7 +10702,7 @@
             <a:pPr algn="ctr"/>
             <a:r>
               <a:rPr lang="en-US" sz="3600" b="1" u="sng" dirty="0"/>
-              <a:t>Breadth-First Search Algorithm</a:t>
+              <a:t>Shortest Path</a:t>
             </a:r>
           </a:p>
         </p:txBody>
@@ -10454,54 +10717,133 @@
             <p:ph idx="1"/>
           </p:nvPr>
         </p:nvSpPr>
-        <p:spPr/>
+        <p:spPr>
+          <a:xfrm>
+            <a:off x="852488" y="1673203"/>
+            <a:ext cx="10515600" cy="2317750"/>
+          </a:xfrm>
+        </p:spPr>
         <p:txBody>
-          <a:bodyPr/>
+          <a:bodyPr>
+            <a:normAutofit/>
+          </a:bodyPr>
           <a:lstStyle/>
           <a:p>
             <a:pPr marL="0" indent="0">
               <a:buNone/>
             </a:pPr>
             <a:r>
-              <a:rPr lang="en-US" dirty="0"/>
-              <a:t>BFS is the best algorithm used for path finding in </a:t>
-            </a:r>
-            <a:r>
-              <a:rPr lang="en-US" b="1" dirty="0"/>
-              <a:t>unweighted graphs</a:t>
-            </a:r>
-            <a:r>
-              <a:rPr lang="en-US" dirty="0"/>
-              <a:t>.</a:t>
+              <a:rPr lang="en-US" sz="2000" b="1" dirty="0"/>
+              <a:t>Definition:</a:t>
             </a:r>
           </a:p>
           <a:p>
             <a:pPr marL="0" indent="0">
               <a:buNone/>
             </a:pPr>
-            <a:endParaRPr lang="en-US" dirty="0"/>
+            <a:r>
+              <a:rPr lang="en-US" sz="2000" dirty="0"/>
+              <a:t>	“The </a:t>
+            </a:r>
+            <a:r>
+              <a:rPr lang="en-US" sz="2000" b="1" dirty="0"/>
+              <a:t>shortest path</a:t>
+            </a:r>
+            <a:r>
+              <a:rPr lang="en-US" sz="2000" dirty="0"/>
+              <a:t> is a path between two vertices such that the sum of the weights of the edges in the path is minimized.”</a:t>
+            </a:r>
           </a:p>
           <a:p>
             <a:pPr marL="0" indent="0">
               <a:buNone/>
             </a:pPr>
-            <a:r>
-              <a:rPr lang="en-US" dirty="0"/>
-              <a:t>This BFS implementation explores close moves first and extends outward, efficiently finding potential moves for the AI to play based on nearby pieces.</a:t>
-            </a:r>
+            <a:endParaRPr lang="en-US" sz="2000" dirty="0"/>
           </a:p>
           <a:p>
             <a:pPr marL="0" indent="0">
               <a:buNone/>
             </a:pPr>
-            <a:endParaRPr lang="en-US" dirty="0"/>
+            <a:r>
+              <a:rPr lang="en-US" sz="2000" dirty="0"/>
+              <a:t>In unweighted graphs, the shortest path is simply the path with the least number of edges.</a:t>
+            </a:r>
+          </a:p>
+          <a:p>
+            <a:pPr marL="0" indent="0">
+              <a:buNone/>
+            </a:pPr>
+            <a:r>
+              <a:rPr lang="en-US" sz="2000" dirty="0"/>
+              <a:t>In weighted graphs, it’s the path with the minimum total weight.</a:t>
+            </a:r>
           </a:p>
         </p:txBody>
       </p:sp>
+      <p:pic>
+        <p:nvPicPr>
+          <p:cNvPr id="4" name="Picture 3"/>
+          <p:cNvPicPr>
+            <a:picLocks noChangeAspect="1"/>
+          </p:cNvPicPr>
+          <p:nvPr/>
+        </p:nvPicPr>
+        <p:blipFill>
+          <a:blip r:embed="rId2">
+            <a:extLst>
+              <a:ext uri="{28A0092B-C50C-407E-A947-70E740481C1C}">
+                <a14:useLocalDpi xmlns:a14="http://schemas.microsoft.com/office/drawing/2010/main" val="0"/>
+              </a:ext>
+            </a:extLst>
+          </a:blip>
+          <a:stretch>
+            <a:fillRect/>
+          </a:stretch>
+        </p:blipFill>
+        <p:spPr>
+          <a:xfrm>
+            <a:off x="1119168" y="3890937"/>
+            <a:ext cx="4865672" cy="2709885"/>
+          </a:xfrm>
+          <a:prstGeom prst="rect">
+            <a:avLst/>
+          </a:prstGeom>
+        </p:spPr>
+      </p:pic>
+      <p:pic>
+        <p:nvPicPr>
+          <p:cNvPr id="5" name="Picture 4"/>
+          <p:cNvPicPr>
+            <a:picLocks noChangeAspect="1"/>
+          </p:cNvPicPr>
+          <p:nvPr/>
+        </p:nvPicPr>
+        <p:blipFill>
+          <a:blip r:embed="rId3">
+            <a:extLst>
+              <a:ext uri="{28A0092B-C50C-407E-A947-70E740481C1C}">
+                <a14:useLocalDpi xmlns:a14="http://schemas.microsoft.com/office/drawing/2010/main" val="0"/>
+              </a:ext>
+            </a:extLst>
+          </a:blip>
+          <a:stretch>
+            <a:fillRect/>
+          </a:stretch>
+        </p:blipFill>
+        <p:spPr>
+          <a:xfrm>
+            <a:off x="6386513" y="4190985"/>
+            <a:ext cx="4226704" cy="2109788"/>
+          </a:xfrm>
+          <a:prstGeom prst="rect">
+            <a:avLst/>
+          </a:prstGeom>
+        </p:spPr>
+      </p:pic>
     </p:spTree>
     <p:extLst>
       <p:ext uri="{BB962C8B-B14F-4D97-AF65-F5344CB8AC3E}">
-        <p14:creationId xmlns:p14="http://schemas.microsoft.com/office/powerpoint/2010/main" val="3891699235"/>
+        <p14:creationId xmlns:p14="http://schemas.microsoft.com/office/powerpoint/2010/main" val="1626842515"/>
       </p:ext>
     </p:extLst>
   </p:cSld>
@@ -10537,13 +10879,7 @@
       </p:grpSpPr>
       <p:sp>
         <p:nvSpPr>
-          <p:cNvPr id="2" name="Title 1">
-            <a:extLst>
-              <a:ext uri="{FF2B5EF4-FFF2-40B4-BE49-F238E27FC236}">
-                <a16:creationId xmlns:a16="http://schemas.microsoft.com/office/drawing/2014/main" id="{F53F7F84-3779-F19C-0419-35270F37BEB9}"/>
-              </a:ext>
-            </a:extLst>
-          </p:cNvPr>
+          <p:cNvPr id="2" name="Title 1"/>
           <p:cNvSpPr>
             <a:spLocks noGrp="1"/>
           </p:cNvSpPr>
@@ -10551,34 +10887,24 @@
             <p:ph type="title"/>
           </p:nvPr>
         </p:nvSpPr>
-        <p:spPr>
-          <a:xfrm>
-            <a:off x="838200" y="365126"/>
-            <a:ext cx="9456174" cy="568940"/>
-          </a:xfrm>
-        </p:spPr>
+        <p:spPr/>
         <p:txBody>
           <a:bodyPr>
-            <a:normAutofit fontScale="90000"/>
+            <a:normAutofit/>
           </a:bodyPr>
           <a:lstStyle/>
           <a:p>
-            <a:r>
-              <a:rPr lang="en-US" b="1" dirty="0"/>
-              <a:t>RECURSION:</a:t>
+            <a:pPr algn="ctr"/>
+            <a:r>
+              <a:rPr lang="en-US" sz="3200" b="1" u="sng" dirty="0"/>
+              <a:t>Some Algorithms Used for Path Finding</a:t>
             </a:r>
           </a:p>
         </p:txBody>
       </p:sp>
       <p:sp>
         <p:nvSpPr>
-          <p:cNvPr id="3" name="Content Placeholder 2">
-            <a:extLst>
-              <a:ext uri="{FF2B5EF4-FFF2-40B4-BE49-F238E27FC236}">
-                <a16:creationId xmlns:a16="http://schemas.microsoft.com/office/drawing/2014/main" id="{966624D1-576C-AC87-B49D-B0CFB2390EA1}"/>
-              </a:ext>
-            </a:extLst>
-          </p:cNvPr>
+          <p:cNvPr id="3" name="Content Placeholder 2"/>
           <p:cNvSpPr>
             <a:spLocks noGrp="1"/>
           </p:cNvSpPr>
@@ -10588,93 +10914,70 @@
         </p:nvSpPr>
         <p:spPr>
           <a:xfrm>
-            <a:off x="678426" y="1170038"/>
-            <a:ext cx="6312309" cy="5043948"/>
+            <a:off x="838199" y="1911350"/>
+            <a:ext cx="10515600" cy="3846513"/>
           </a:xfrm>
         </p:spPr>
         <p:txBody>
           <a:bodyPr>
-            <a:normAutofit lnSpcReduction="10000"/>
+            <a:normAutofit/>
           </a:bodyPr>
           <a:lstStyle/>
           <a:p>
-            <a:r>
-              <a:rPr lang="en-US" b="1" dirty="0"/>
-              <a:t>BASE CASE:</a:t>
-            </a:r>
-            <a:br>
-              <a:rPr lang="en-US" b="1" dirty="0"/>
-            </a:br>
+            <a:pPr algn="ctr"/>
             <a:r>
               <a:rPr lang="en-US" sz="2000" dirty="0"/>
-              <a:t>       </a:t>
-            </a:r>
-            <a:r>
-              <a:rPr lang="en-US" sz="2400" dirty="0"/>
-              <a:t>a condition that allows an algorithm stops further recursive calls and return a result.</a:t>
-            </a:r>
-          </a:p>
-          <a:p>
-            <a:r>
-              <a:rPr lang="en-US" b="1" dirty="0"/>
-              <a:t>Recursive case:</a:t>
-            </a:r>
-            <a:r>
-              <a:rPr lang="en-US" sz="3600" b="1" dirty="0"/>
-              <a:t/>
-            </a:r>
-            <a:br>
-              <a:rPr lang="en-US" sz="3600" b="1" dirty="0"/>
-            </a:br>
-            <a:r>
-              <a:rPr lang="en-US" sz="3600" dirty="0"/>
-              <a:t>      </a:t>
-            </a:r>
-            <a:r>
-              <a:rPr lang="en-US" sz="2400" dirty="0"/>
-              <a:t>It is the part of a recursive function that breaks down a problem into smaller subproblems, which moves the problem closer to the base case.</a:t>
-            </a:r>
-            <a:r>
-              <a:rPr lang="en-US" sz="2400" b="1" dirty="0"/>
-              <a:t/>
-            </a:r>
-            <a:br>
-              <a:rPr lang="en-US" sz="2400" b="1" dirty="0"/>
-            </a:br>
-            <a:r>
-              <a:rPr lang="en-US" sz="2400" b="1" dirty="0"/>
-              <a:t/>
-            </a:r>
-            <a:br>
-              <a:rPr lang="en-US" sz="2400" b="1" dirty="0"/>
-            </a:br>
-            <a:r>
-              <a:rPr lang="en-US" sz="2400" b="1" dirty="0"/>
-              <a:t>RECURSIVE FUNCTION:</a:t>
-            </a:r>
-            <a:br>
-              <a:rPr lang="en-US" sz="2400" b="1" dirty="0"/>
-            </a:br>
-            <a:r>
-              <a:rPr lang="en-US" sz="2400" b="1" dirty="0"/>
-              <a:t>    </a:t>
-            </a:r>
-            <a:r>
-              <a:rPr lang="en-US" sz="2400" dirty="0">
-                <a:latin typeface="+mj-lt"/>
-              </a:rPr>
-              <a:t>Recursive function is a function that values at any point can be calculated from the values of the function at some previous points</a:t>
-            </a:r>
-            <a:r>
-              <a:rPr lang="en-US" sz="2400" b="1" dirty="0"/>
-              <a:t/>
-            </a:r>
-            <a:br>
-              <a:rPr lang="en-US" sz="2400" b="1" dirty="0"/>
-            </a:br>
-            <a:r>
-              <a:rPr lang="en-US" sz="2400" b="1" dirty="0"/>
-              <a:t>        </a:t>
+              <a:t>Dijkstra’s Algorithm</a:t>
+            </a:r>
+          </a:p>
+          <a:p>
+            <a:pPr algn="ctr"/>
+            <a:r>
+              <a:rPr lang="en-US" sz="2000" dirty="0"/>
+              <a:t>A* Algorithm</a:t>
+            </a:r>
+          </a:p>
+          <a:p>
+            <a:pPr algn="ctr"/>
+            <a:r>
+              <a:rPr lang="en-US" sz="2000" dirty="0"/>
+              <a:t>Bellman-Ford Algorithm</a:t>
+            </a:r>
+          </a:p>
+          <a:p>
+            <a:pPr algn="ctr"/>
+            <a:r>
+              <a:rPr lang="en-US" sz="2000" dirty="0"/>
+              <a:t>Floyd-</a:t>
+            </a:r>
+            <a:r>
+              <a:rPr lang="en-US" sz="2000" dirty="0" err="1"/>
+              <a:t>Warshall</a:t>
+            </a:r>
+            <a:r>
+              <a:rPr lang="en-US" sz="2000" dirty="0"/>
+              <a:t> Algorithm</a:t>
+            </a:r>
+          </a:p>
+          <a:p>
+            <a:pPr algn="ctr"/>
+            <a:r>
+              <a:rPr lang="en-US" sz="2000" dirty="0"/>
+              <a:t>Breadth-First Search (BFS)</a:t>
+            </a:r>
+          </a:p>
+          <a:p>
+            <a:pPr algn="ctr"/>
+            <a:r>
+              <a:rPr lang="en-US" sz="2000" dirty="0"/>
+              <a:t>Depth-First Search (DFS)</a:t>
+            </a:r>
+          </a:p>
+          <a:p>
+            <a:pPr algn="ctr"/>
+            <a:r>
+              <a:rPr lang="en-US" sz="2000" dirty="0"/>
+              <a:t>Johnson’s Algorithm</a:t>
             </a:r>
           </a:p>
         </p:txBody>
@@ -10682,7 +10985,7 @@
     </p:spTree>
     <p:extLst>
       <p:ext uri="{BB962C8B-B14F-4D97-AF65-F5344CB8AC3E}">
-        <p14:creationId xmlns:p14="http://schemas.microsoft.com/office/powerpoint/2010/main" val="681848417"/>
+        <p14:creationId xmlns:p14="http://schemas.microsoft.com/office/powerpoint/2010/main" val="2745718031"/>
       </p:ext>
     </p:extLst>
   </p:cSld>
@@ -10721,7 +11024,7 @@
           <p:cNvPr id="2" name="Title 1">
             <a:extLst>
               <a:ext uri="{FF2B5EF4-FFF2-40B4-BE49-F238E27FC236}">
-                <a16:creationId xmlns:a16="http://schemas.microsoft.com/office/drawing/2014/main" id="{5D30DDF8-853A-DFDB-A947-FE9D44C8E03C}"/>
+                <a16:creationId xmlns:a16="http://schemas.microsoft.com/office/drawing/2014/main" xmlns="" id="{5D30DDF8-853A-DFDB-A947-FE9D44C8E03C}"/>
               </a:ext>
             </a:extLst>
           </p:cNvPr>
@@ -10797,7 +11100,7 @@
           <p:cNvPr id="3" name="Text Placeholder 2">
             <a:extLst>
               <a:ext uri="{FF2B5EF4-FFF2-40B4-BE49-F238E27FC236}">
-                <a16:creationId xmlns:a16="http://schemas.microsoft.com/office/drawing/2014/main" id="{F3FFBF10-3A6A-039D-96F3-6E61CA66CD1E}"/>
+                <a16:creationId xmlns:a16="http://schemas.microsoft.com/office/drawing/2014/main" xmlns="" id="{F3FFBF10-3A6A-039D-96F3-6E61CA66CD1E}"/>
               </a:ext>
             </a:extLst>
           </p:cNvPr>
@@ -10870,7 +11173,7 @@
           <p:cNvPr id="5" name="Picture 4">
             <a:extLst>
               <a:ext uri="{FF2B5EF4-FFF2-40B4-BE49-F238E27FC236}">
-                <a16:creationId xmlns:a16="http://schemas.microsoft.com/office/drawing/2014/main" id="{DF5E120D-8E2E-D414-9BE3-A68A099B210E}"/>
+                <a16:creationId xmlns:a16="http://schemas.microsoft.com/office/drawing/2014/main" xmlns="" id="{DF5E120D-8E2E-D414-9BE3-A68A099B210E}"/>
               </a:ext>
             </a:extLst>
           </p:cNvPr>
@@ -10905,7 +11208,7 @@
           <p:cNvPr id="7" name="Picture 6">
             <a:extLst>
               <a:ext uri="{FF2B5EF4-FFF2-40B4-BE49-F238E27FC236}">
-                <a16:creationId xmlns:a16="http://schemas.microsoft.com/office/drawing/2014/main" id="{5EC6C3A6-23EE-3547-4CDC-5D24A0A7D522}"/>
+                <a16:creationId xmlns:a16="http://schemas.microsoft.com/office/drawing/2014/main" xmlns="" id="{5EC6C3A6-23EE-3547-4CDC-5D24A0A7D522}"/>
               </a:ext>
             </a:extLst>
           </p:cNvPr>
@@ -10940,7 +11243,7 @@
           <p:cNvPr id="9" name="Picture 8">
             <a:extLst>
               <a:ext uri="{FF2B5EF4-FFF2-40B4-BE49-F238E27FC236}">
-                <a16:creationId xmlns:a16="http://schemas.microsoft.com/office/drawing/2014/main" id="{BCAA92A2-3C81-650B-7F86-D978F3483C08}"/>
+                <a16:creationId xmlns:a16="http://schemas.microsoft.com/office/drawing/2014/main" xmlns="" id="{BCAA92A2-3C81-650B-7F86-D978F3483C08}"/>
               </a:ext>
             </a:extLst>
           </p:cNvPr>
@@ -11002,7 +11305,7 @@
           <p:cNvPr id="6" name="Rectangle 5">
             <a:extLst>
               <a:ext uri="{FF2B5EF4-FFF2-40B4-BE49-F238E27FC236}">
-                <a16:creationId xmlns:a16="http://schemas.microsoft.com/office/drawing/2014/main" id="{08C08A99-DA83-4ED5-934A-46DE386A0F26}"/>
+                <a16:creationId xmlns:a16="http://schemas.microsoft.com/office/drawing/2014/main" xmlns="" id="{08C08A99-DA83-4ED5-934A-46DE386A0F26}"/>
               </a:ext>
             </a:extLst>
           </p:cNvPr>
@@ -11066,7 +11369,7 @@
           <p:cNvPr id="11" name="TextBox 10">
             <a:extLst>
               <a:ext uri="{FF2B5EF4-FFF2-40B4-BE49-F238E27FC236}">
-                <a16:creationId xmlns:a16="http://schemas.microsoft.com/office/drawing/2014/main" id="{DA88858B-D6D6-4C4E-AE8B-389F1084DDB3}"/>
+                <a16:creationId xmlns:a16="http://schemas.microsoft.com/office/drawing/2014/main" xmlns="" id="{DA88858B-D6D6-4C4E-AE8B-389F1084DDB3}"/>
               </a:ext>
             </a:extLst>
           </p:cNvPr>
@@ -11102,7 +11405,7 @@
           <p:cNvPr id="14" name="Rectangle 13">
             <a:extLst>
               <a:ext uri="{FF2B5EF4-FFF2-40B4-BE49-F238E27FC236}">
-                <a16:creationId xmlns:a16="http://schemas.microsoft.com/office/drawing/2014/main" id="{756206C2-8189-4D35-B098-D73C3F67FBFF}"/>
+                <a16:creationId xmlns:a16="http://schemas.microsoft.com/office/drawing/2014/main" xmlns="" id="{756206C2-8189-4D35-B098-D73C3F67FBFF}"/>
               </a:ext>
             </a:extLst>
           </p:cNvPr>
@@ -11165,7 +11468,7 @@
           <p:cNvPr id="16" name="TextBox 15">
             <a:extLst>
               <a:ext uri="{FF2B5EF4-FFF2-40B4-BE49-F238E27FC236}">
-                <a16:creationId xmlns:a16="http://schemas.microsoft.com/office/drawing/2014/main" id="{10BDE3AA-9B93-40EE-9DFE-CDAF5EB5A879}"/>
+                <a16:creationId xmlns:a16="http://schemas.microsoft.com/office/drawing/2014/main" xmlns="" id="{10BDE3AA-9B93-40EE-9DFE-CDAF5EB5A879}"/>
               </a:ext>
             </a:extLst>
           </p:cNvPr>
@@ -11247,13 +11550,7 @@
       </p:grpSpPr>
       <p:sp>
         <p:nvSpPr>
-          <p:cNvPr id="2" name="Title 1">
-            <a:extLst>
-              <a:ext uri="{FF2B5EF4-FFF2-40B4-BE49-F238E27FC236}">
-                <a16:creationId xmlns:a16="http://schemas.microsoft.com/office/drawing/2014/main" id="{702DA543-C91E-61A5-6A9C-86CB92B78E34}"/>
-              </a:ext>
-            </a:extLst>
-          </p:cNvPr>
+          <p:cNvPr id="2" name="Title 1"/>
           <p:cNvSpPr>
             <a:spLocks noGrp="1"/>
           </p:cNvSpPr>
@@ -11261,32 +11558,24 @@
             <p:ph type="title"/>
           </p:nvPr>
         </p:nvSpPr>
-        <p:spPr>
-          <a:xfrm>
-            <a:off x="838200" y="365125"/>
-            <a:ext cx="10515600" cy="752475"/>
-          </a:xfrm>
-        </p:spPr>
+        <p:spPr/>
         <p:txBody>
-          <a:bodyPr/>
+          <a:bodyPr>
+            <a:normAutofit/>
+          </a:bodyPr>
           <a:lstStyle/>
           <a:p>
-            <a:r>
-              <a:rPr lang="en-US" dirty="0"/>
-              <a:t>HOW RECURSION WORKS :</a:t>
+            <a:pPr algn="ctr"/>
+            <a:r>
+              <a:rPr lang="en-US" sz="3200" b="1" u="sng" dirty="0"/>
+              <a:t>Some Algorithms Used for Path Finding</a:t>
             </a:r>
           </a:p>
         </p:txBody>
       </p:sp>
       <p:sp>
         <p:nvSpPr>
-          <p:cNvPr id="3" name="Content Placeholder 2">
-            <a:extLst>
-              <a:ext uri="{FF2B5EF4-FFF2-40B4-BE49-F238E27FC236}">
-                <a16:creationId xmlns:a16="http://schemas.microsoft.com/office/drawing/2014/main" id="{E6DBD077-263B-59D3-81D2-E6FBE084C96D}"/>
-              </a:ext>
-            </a:extLst>
-          </p:cNvPr>
+          <p:cNvPr id="3" name="Content Placeholder 2"/>
           <p:cNvSpPr>
             <a:spLocks noGrp="1"/>
           </p:cNvSpPr>
@@ -11296,8 +11585,8 @@
         </p:nvSpPr>
         <p:spPr>
           <a:xfrm>
-            <a:off x="838200" y="1117601"/>
-            <a:ext cx="7625080" cy="3809999"/>
+            <a:off x="838199" y="1911350"/>
+            <a:ext cx="10515600" cy="3846513"/>
           </a:xfrm>
         </p:spPr>
         <p:txBody>
@@ -11306,140 +11595,83 @@
           </a:bodyPr>
           <a:lstStyle/>
           <a:p>
-            <a:r>
-              <a:rPr lang="en-US" dirty="0"/>
-              <a:t>Step By Step :</a:t>
-            </a:r>
-          </a:p>
-          <a:p>
-            <a:pPr marL="0" indent="0">
+            <a:pPr algn="ctr"/>
+            <a:r>
+              <a:rPr lang="en-US" sz="2000" dirty="0"/>
+              <a:t>Dijkstra’s Algorithm</a:t>
+            </a:r>
+          </a:p>
+          <a:p>
+            <a:pPr algn="ctr"/>
+            <a:r>
+              <a:rPr lang="en-US" sz="2000" dirty="0"/>
+              <a:t>A* Algorithm</a:t>
+            </a:r>
+          </a:p>
+          <a:p>
+            <a:pPr algn="ctr"/>
+            <a:r>
+              <a:rPr lang="en-US" sz="2000" dirty="0"/>
+              <a:t>Bellman-Ford Algorithm</a:t>
+            </a:r>
+          </a:p>
+          <a:p>
+            <a:pPr algn="ctr"/>
+            <a:r>
+              <a:rPr lang="en-US" sz="2000" dirty="0"/>
+              <a:t>Floyd-</a:t>
+            </a:r>
+            <a:r>
+              <a:rPr lang="en-US" sz="2000" dirty="0" err="1"/>
+              <a:t>Warshall</a:t>
+            </a:r>
+            <a:r>
+              <a:rPr lang="en-US" sz="2000" dirty="0"/>
+              <a:t> Algorithm</a:t>
+            </a:r>
+          </a:p>
+          <a:p>
+            <a:pPr algn="ctr"/>
+            <a:r>
+              <a:rPr lang="en-US" sz="2000" dirty="0"/>
+              <a:t>Breadth-First Search (BFS)</a:t>
+            </a:r>
+          </a:p>
+          <a:p>
+            <a:pPr algn="ctr"/>
+            <a:r>
+              <a:rPr lang="en-US" sz="2000" dirty="0"/>
+              <a:t>Depth-First Search (DFS)</a:t>
+            </a:r>
+          </a:p>
+          <a:p>
+            <a:pPr algn="ctr"/>
+            <a:r>
+              <a:rPr lang="en-US" sz="2000" dirty="0"/>
+              <a:t>Johnson’s Algorithm</a:t>
+            </a:r>
+          </a:p>
+          <a:p>
+            <a:pPr marL="0" indent="0" algn="ctr">
               <a:buNone/>
             </a:pPr>
-            <a:r>
-              <a:rPr lang="en-US" sz="2000" dirty="0"/>
-              <a:t>Step 2: Step 1 + lowest step.</a:t>
-            </a:r>
-          </a:p>
-          <a:p>
-            <a:pPr marL="0" indent="0">
+            <a:endParaRPr lang="en-US" sz="2000" dirty="0"/>
+          </a:p>
+          <a:p>
+            <a:pPr marL="0" indent="0" algn="ctr">
               <a:buNone/>
             </a:pPr>
             <a:r>
               <a:rPr lang="en-US" sz="2000" dirty="0"/>
-              <a:t>Step 3: Step 2 + Step 1 + lowest step.</a:t>
-            </a:r>
-          </a:p>
-          <a:p>
-            <a:pPr marL="0" indent="0">
-              <a:buNone/>
-            </a:pPr>
-            <a:r>
-              <a:rPr lang="en-US" sz="2000" dirty="0"/>
-              <a:t>Step 4: Step 3 + step 2 + step 1+ lowest step, and so on.</a:t>
-            </a:r>
-            <a:br>
-              <a:rPr lang="en-US" sz="2000" dirty="0"/>
-            </a:br>
-            <a:endParaRPr lang="en-US" sz="2000" dirty="0"/>
-          </a:p>
-          <a:p>
-            <a:pPr marL="0" indent="0">
-              <a:buNone/>
-            </a:pPr>
-            <a:r>
-              <a:rPr lang="en-US" sz="2000" dirty="0">
-                <a:latin typeface="+mj-lt"/>
-              </a:rPr>
-              <a:t>The smallest argument is donated by f(0) or f(1) .</a:t>
-            </a:r>
-          </a:p>
-          <a:p>
-            <a:pPr marL="0" indent="0">
-              <a:buNone/>
-            </a:pPr>
-            <a:r>
-              <a:rPr lang="en-US" sz="2000" dirty="0">
-                <a:latin typeface="+mj-lt"/>
-              </a:rPr>
-              <a:t>The nth argument is donated by f(n).         </a:t>
-            </a:r>
-          </a:p>
-          <a:p>
-            <a:r>
-              <a:rPr lang="en-US" sz="2000" b="1" dirty="0">
-                <a:latin typeface="+mj-lt"/>
-              </a:rPr>
-              <a:t>Example:</a:t>
-            </a:r>
-            <a:br>
-              <a:rPr lang="en-US" sz="2000" b="1" dirty="0">
-                <a:latin typeface="+mj-lt"/>
-              </a:rPr>
-            </a:br>
-            <a:r>
-              <a:rPr lang="en-US" sz="2000" b="1" dirty="0">
-                <a:latin typeface="+mj-lt"/>
-              </a:rPr>
-              <a:t>           </a:t>
-            </a:r>
-            <a:r>
-              <a:rPr lang="en-US" sz="2000" dirty="0" err="1">
-                <a:latin typeface="+mj-lt"/>
-              </a:rPr>
-              <a:t>fibonacci</a:t>
-            </a:r>
-            <a:r>
-              <a:rPr lang="en-US" sz="2000" dirty="0">
-                <a:latin typeface="+mj-lt"/>
-              </a:rPr>
-              <a:t> sequence.</a:t>
-            </a:r>
-            <a:endParaRPr lang="en-US" sz="2000" b="1" dirty="0">
-              <a:latin typeface="+mj-lt"/>
-            </a:endParaRPr>
+              <a:t>We have used Breadth-First Search (BFS) in our code..</a:t>
+            </a:r>
           </a:p>
         </p:txBody>
       </p:sp>
-      <p:pic>
-        <p:nvPicPr>
-          <p:cNvPr id="7" name="Picture 6" descr="A formula of formula with numbers and symbols&#10;&#10;Description automatically generated with medium confidence">
-            <a:extLst>
-              <a:ext uri="{FF2B5EF4-FFF2-40B4-BE49-F238E27FC236}">
-                <a16:creationId xmlns:a16="http://schemas.microsoft.com/office/drawing/2014/main" id="{0726D2C9-95C2-65EE-4E78-771E9CAAFF76}"/>
-              </a:ext>
-            </a:extLst>
-          </p:cNvPr>
-          <p:cNvPicPr>
-            <a:picLocks noChangeAspect="1"/>
-          </p:cNvPicPr>
-          <p:nvPr/>
-        </p:nvPicPr>
-        <p:blipFill>
-          <a:blip r:embed="rId2">
-            <a:extLst>
-              <a:ext uri="{28A0092B-C50C-407E-A947-70E740481C1C}">
-                <a14:useLocalDpi xmlns:a14="http://schemas.microsoft.com/office/drawing/2010/main" val="0"/>
-              </a:ext>
-            </a:extLst>
-          </a:blip>
-          <a:stretch>
-            <a:fillRect/>
-          </a:stretch>
-        </p:blipFill>
-        <p:spPr>
-          <a:xfrm>
-            <a:off x="7598369" y="1117600"/>
-            <a:ext cx="3351868" cy="2580781"/>
-          </a:xfrm>
-          <a:prstGeom prst="rect">
-            <a:avLst/>
-          </a:prstGeom>
-        </p:spPr>
-      </p:pic>
     </p:spTree>
     <p:extLst>
       <p:ext uri="{BB962C8B-B14F-4D97-AF65-F5344CB8AC3E}">
-        <p14:creationId xmlns:p14="http://schemas.microsoft.com/office/powerpoint/2010/main" val="3699213669"/>
+        <p14:creationId xmlns:p14="http://schemas.microsoft.com/office/powerpoint/2010/main" val="1758734204"/>
       </p:ext>
     </p:extLst>
   </p:cSld>
@@ -11475,13 +11707,7 @@
       </p:grpSpPr>
       <p:sp>
         <p:nvSpPr>
-          <p:cNvPr id="2" name="Title 1">
-            <a:extLst>
-              <a:ext uri="{FF2B5EF4-FFF2-40B4-BE49-F238E27FC236}">
-                <a16:creationId xmlns:a16="http://schemas.microsoft.com/office/drawing/2014/main" id="{4CB26A3C-A0BC-0EEB-93FB-62793A9C5DCB}"/>
-              </a:ext>
-            </a:extLst>
-          </p:cNvPr>
+          <p:cNvPr id="2" name="Title 1"/>
           <p:cNvSpPr>
             <a:spLocks noGrp="1"/>
           </p:cNvSpPr>
@@ -11489,260 +11715,79 @@
             <p:ph type="title"/>
           </p:nvPr>
         </p:nvSpPr>
-        <p:spPr>
-          <a:xfrm>
-            <a:off x="838200" y="365126"/>
-            <a:ext cx="5120473" cy="860774"/>
-          </a:xfrm>
-        </p:spPr>
+        <p:spPr/>
         <p:txBody>
           <a:bodyPr>
             <a:normAutofit/>
           </a:bodyPr>
           <a:lstStyle/>
           <a:p>
-            <a:r>
-              <a:rPr lang="en-US" dirty="0"/>
-              <a:t>Recursive function:</a:t>
+            <a:pPr algn="ctr"/>
+            <a:r>
+              <a:rPr lang="en-US" sz="3600" b="1" u="sng" dirty="0"/>
+              <a:t>Breadth-First Search Algorithm</a:t>
             </a:r>
           </a:p>
         </p:txBody>
       </p:sp>
-      <p:pic>
-        <p:nvPicPr>
-          <p:cNvPr id="5" name="Content Placeholder 4" descr="A diagram of a tree&#10;&#10;Description automatically generated">
-            <a:extLst>
-              <a:ext uri="{FF2B5EF4-FFF2-40B4-BE49-F238E27FC236}">
-                <a16:creationId xmlns:a16="http://schemas.microsoft.com/office/drawing/2014/main" id="{52073382-5AE2-3093-D6D4-80B4B3EA25A0}"/>
-              </a:ext>
-            </a:extLst>
-          </p:cNvPr>
-          <p:cNvPicPr>
-            <a:picLocks noGrp="1" noChangeAspect="1"/>
-          </p:cNvPicPr>
+      <p:sp>
+        <p:nvSpPr>
+          <p:cNvPr id="3" name="Content Placeholder 2"/>
+          <p:cNvSpPr>
+            <a:spLocks noGrp="1"/>
+          </p:cNvSpPr>
           <p:nvPr>
             <p:ph idx="1"/>
           </p:nvPr>
-        </p:nvPicPr>
-        <p:blipFill>
-          <a:blip r:embed="rId2">
-            <a:extLst>
-              <a:ext uri="{28A0092B-C50C-407E-A947-70E740481C1C}">
-                <a14:useLocalDpi xmlns:a14="http://schemas.microsoft.com/office/drawing/2010/main" val="0"/>
-              </a:ext>
-            </a:extLst>
-          </a:blip>
-          <a:stretch>
-            <a:fillRect/>
-          </a:stretch>
-        </p:blipFill>
-        <p:spPr>
-          <a:xfrm>
-            <a:off x="7120535" y="-1"/>
-            <a:ext cx="4466079" cy="4301705"/>
-          </a:xfrm>
-        </p:spPr>
-      </p:pic>
-      <p:pic>
-        <p:nvPicPr>
-          <p:cNvPr id="7" name="Picture 6" descr="A math equation with numbers&#10;&#10;Description automatically generated">
-            <a:extLst>
-              <a:ext uri="{FF2B5EF4-FFF2-40B4-BE49-F238E27FC236}">
-                <a16:creationId xmlns:a16="http://schemas.microsoft.com/office/drawing/2014/main" id="{1D27D323-25BB-8BB8-2B40-5CAB37537CEA}"/>
-              </a:ext>
-            </a:extLst>
-          </p:cNvPr>
-          <p:cNvPicPr>
-            <a:picLocks noChangeAspect="1"/>
-          </p:cNvPicPr>
-          <p:nvPr/>
-        </p:nvPicPr>
-        <p:blipFill>
-          <a:blip r:embed="rId3">
-            <a:extLst>
-              <a:ext uri="{28A0092B-C50C-407E-A947-70E740481C1C}">
-                <a14:useLocalDpi xmlns:a14="http://schemas.microsoft.com/office/drawing/2010/main" val="0"/>
-              </a:ext>
-            </a:extLst>
-          </a:blip>
-          <a:stretch>
-            <a:fillRect/>
-          </a:stretch>
-        </p:blipFill>
-        <p:spPr>
-          <a:xfrm>
-            <a:off x="1056490" y="1298279"/>
-            <a:ext cx="4811748" cy="1430972"/>
-          </a:xfrm>
-          <a:prstGeom prst="rect">
-            <a:avLst/>
-          </a:prstGeom>
-        </p:spPr>
-      </p:pic>
-      <p:sp>
-        <p:nvSpPr>
-          <p:cNvPr id="8" name="TextBox 7">
-            <a:extLst>
-              <a:ext uri="{FF2B5EF4-FFF2-40B4-BE49-F238E27FC236}">
-                <a16:creationId xmlns:a16="http://schemas.microsoft.com/office/drawing/2014/main" id="{95A951C0-97BE-1A2D-1A47-93451C2BB49E}"/>
-              </a:ext>
-            </a:extLst>
-          </p:cNvPr>
-          <p:cNvSpPr txBox="1"/>
-          <p:nvPr/>
         </p:nvSpPr>
-        <p:spPr>
-          <a:xfrm>
-            <a:off x="1056490" y="2974588"/>
-            <a:ext cx="6614652" cy="2308324"/>
-          </a:xfrm>
-          <a:prstGeom prst="rect">
-            <a:avLst/>
-          </a:prstGeom>
-          <a:noFill/>
-        </p:spPr>
+        <p:spPr/>
         <p:txBody>
-          <a:bodyPr wrap="square" rtlCol="0">
-            <a:spAutoFit/>
-          </a:bodyPr>
+          <a:bodyPr/>
           <a:lstStyle/>
           <a:p>
-            <a:pPr marL="342900" indent="-342900">
-              <a:buFont typeface="+mj-lt"/>
-              <a:buAutoNum type="arabicPeriod"/>
+            <a:pPr marL="0" indent="0">
+              <a:buNone/>
             </a:pPr>
             <a:r>
               <a:rPr lang="en-US" dirty="0"/>
-              <a:t>Fibonacci(5) calls </a:t>
-            </a:r>
-            <a:r>
-              <a:rPr lang="en-US" dirty="0">
-                <a:sym typeface="Wingdings" panose="05000000000000000000" pitchFamily="2" charset="2"/>
-              </a:rPr>
-              <a:t> Fibonacci(4) + Fibonacci(3)</a:t>
-            </a:r>
-          </a:p>
-          <a:p>
-            <a:pPr marL="342900" indent="-342900">
-              <a:buFont typeface="+mj-lt"/>
-              <a:buAutoNum type="arabicPeriod"/>
+              <a:t>BFS is the best algorithm used for path finding in </a:t>
+            </a:r>
+            <a:r>
+              <a:rPr lang="en-US" b="1" dirty="0"/>
+              <a:t>unweighted graphs</a:t>
+            </a:r>
+            <a:r>
+              <a:rPr lang="en-US" dirty="0"/>
+              <a:t>.</a:t>
+            </a:r>
+          </a:p>
+          <a:p>
+            <a:pPr marL="0" indent="0">
+              <a:buNone/>
             </a:pPr>
+            <a:endParaRPr lang="en-US" dirty="0"/>
+          </a:p>
+          <a:p>
+            <a:pPr marL="0" indent="0">
+              <a:buNone/>
+            </a:pPr>
             <a:r>
               <a:rPr lang="en-US" dirty="0"/>
-              <a:t>Fibonacci(4) calls </a:t>
-            </a:r>
-            <a:r>
-              <a:rPr lang="en-US" dirty="0">
-                <a:sym typeface="Wingdings" panose="05000000000000000000" pitchFamily="2" charset="2"/>
-              </a:rPr>
-              <a:t> Fibonacci(3) + Fibonacci(2)</a:t>
-            </a:r>
-          </a:p>
-          <a:p>
-            <a:pPr marL="342900" indent="-342900">
-              <a:buFont typeface="+mj-lt"/>
-              <a:buAutoNum type="arabicPeriod"/>
+              <a:t>This BFS implementation explores close moves first and extends outward, efficiently finding potential moves for the AI to play based on nearby pieces.</a:t>
+            </a:r>
+          </a:p>
+          <a:p>
+            <a:pPr marL="0" indent="0">
+              <a:buNone/>
             </a:pPr>
-            <a:r>
-              <a:rPr lang="en-US" dirty="0"/>
-              <a:t>Fibonacci(3) calls </a:t>
-            </a:r>
-            <a:r>
-              <a:rPr lang="en-US" dirty="0">
-                <a:sym typeface="Wingdings" panose="05000000000000000000" pitchFamily="2" charset="2"/>
-              </a:rPr>
-              <a:t> Fibonacci(2) + Fibonacci(1)</a:t>
-            </a:r>
-          </a:p>
-          <a:p>
-            <a:pPr marL="342900" indent="-342900">
-              <a:buFont typeface="+mj-lt"/>
-              <a:buAutoNum type="arabicPeriod"/>
-            </a:pPr>
-            <a:r>
-              <a:rPr lang="en-US" dirty="0"/>
-              <a:t>Fibonacci(2) calls </a:t>
-            </a:r>
-            <a:r>
-              <a:rPr lang="en-US" dirty="0">
-                <a:sym typeface="Wingdings" panose="05000000000000000000" pitchFamily="2" charset="2"/>
-              </a:rPr>
-              <a:t> Fibonacci(1) + Fibonacci(0)</a:t>
-            </a:r>
-          </a:p>
-          <a:p>
-            <a:pPr marL="342900" indent="-342900">
-              <a:buFont typeface="+mj-lt"/>
-              <a:buAutoNum type="arabicPeriod"/>
-            </a:pPr>
-            <a:r>
-              <a:rPr lang="en-US" dirty="0"/>
-              <a:t>Base case:</a:t>
-            </a:r>
-            <a:br>
-              <a:rPr lang="en-US" dirty="0"/>
-            </a:br>
-            <a:r>
-              <a:rPr lang="en-US" dirty="0"/>
-              <a:t>        Fibonacci(1) returns 1</a:t>
-            </a:r>
-            <a:br>
-              <a:rPr lang="en-US" dirty="0"/>
-            </a:br>
-            <a:r>
-              <a:rPr lang="en-US" dirty="0"/>
-              <a:t>        Fibonacci(0) returns 0</a:t>
-            </a:r>
-            <a:br>
-              <a:rPr lang="en-US" dirty="0"/>
-            </a:br>
-            <a:r>
-              <a:rPr lang="en-US" dirty="0"/>
-              <a:t>               </a:t>
-            </a:r>
+            <a:endParaRPr lang="en-US" dirty="0"/>
           </a:p>
         </p:txBody>
       </p:sp>
-      <p:pic>
-        <p:nvPicPr>
-          <p:cNvPr id="10" name="Picture 9" descr="A computer screen shot of a number&#10;&#10;Description automatically generated">
-            <a:extLst>
-              <a:ext uri="{FF2B5EF4-FFF2-40B4-BE49-F238E27FC236}">
-                <a16:creationId xmlns:a16="http://schemas.microsoft.com/office/drawing/2014/main" id="{6E42F6D7-CBE1-EB10-84C1-1338C8295F07}"/>
-              </a:ext>
-            </a:extLst>
-          </p:cNvPr>
-          <p:cNvPicPr>
-            <a:picLocks noChangeAspect="1"/>
-          </p:cNvPicPr>
-          <p:nvPr/>
-        </p:nvPicPr>
-        <p:blipFill>
-          <a:blip r:embed="rId4">
-            <a:extLst>
-              <a:ext uri="{28A0092B-C50C-407E-A947-70E740481C1C}">
-                <a14:useLocalDpi xmlns:a14="http://schemas.microsoft.com/office/drawing/2010/main" val="0"/>
-              </a:ext>
-            </a:extLst>
-          </a:blip>
-          <a:stretch>
-            <a:fillRect/>
-          </a:stretch>
-        </p:blipFill>
-        <p:spPr>
-          <a:xfrm>
-            <a:off x="6197094" y="3801325"/>
-            <a:ext cx="5153025" cy="2752725"/>
-          </a:xfrm>
-          <a:prstGeom prst="rect">
-            <a:avLst/>
-          </a:prstGeom>
-        </p:spPr>
-      </p:pic>
     </p:spTree>
     <p:extLst>
       <p:ext uri="{BB962C8B-B14F-4D97-AF65-F5344CB8AC3E}">
-        <p14:creationId xmlns:p14="http://schemas.microsoft.com/office/powerpoint/2010/main" val="1754468583"/>
+        <p14:creationId xmlns:p14="http://schemas.microsoft.com/office/powerpoint/2010/main" val="3891699235"/>
       </p:ext>
     </p:extLst>
   </p:cSld>
@@ -11778,10 +11823,791 @@
       </p:grpSpPr>
       <p:sp>
         <p:nvSpPr>
+          <p:cNvPr id="2" name="Title 1"/>
+          <p:cNvSpPr>
+            <a:spLocks noGrp="1"/>
+          </p:cNvSpPr>
+          <p:nvPr>
+            <p:ph type="title"/>
+          </p:nvPr>
+        </p:nvSpPr>
+        <p:spPr/>
+        <p:txBody>
+          <a:bodyPr>
+            <a:normAutofit/>
+          </a:bodyPr>
+          <a:lstStyle/>
+          <a:p>
+            <a:pPr algn="ctr"/>
+            <a:r>
+              <a:rPr lang="en-US" sz="3600" b="1" u="sng" dirty="0" smtClean="0"/>
+              <a:t>Recursive Algorithms in Board Games</a:t>
+            </a:r>
+            <a:endParaRPr lang="en-US" sz="3600" b="1" u="sng" dirty="0"/>
+          </a:p>
+        </p:txBody>
+      </p:sp>
+      <p:sp>
+        <p:nvSpPr>
+          <p:cNvPr id="3" name="Content Placeholder 2"/>
+          <p:cNvSpPr>
+            <a:spLocks noGrp="1"/>
+          </p:cNvSpPr>
+          <p:nvPr>
+            <p:ph idx="1"/>
+          </p:nvPr>
+        </p:nvSpPr>
+        <p:spPr/>
+        <p:txBody>
+          <a:bodyPr>
+            <a:normAutofit fontScale="92500" lnSpcReduction="10000"/>
+          </a:bodyPr>
+          <a:lstStyle/>
+          <a:p>
+            <a:pPr marL="0" indent="0">
+              <a:buNone/>
+            </a:pPr>
+            <a:r>
+              <a:rPr lang="en-US" dirty="0" smtClean="0"/>
+              <a:t>Recursion is often used in board games to explore all the possible game states or moves to determine which one’s the best for you.</a:t>
+            </a:r>
+          </a:p>
+          <a:p>
+            <a:pPr marL="0" indent="0" algn="ctr">
+              <a:buNone/>
+            </a:pPr>
+            <a:r>
+              <a:rPr lang="en-US" dirty="0"/>
+              <a:t>Minimax </a:t>
+            </a:r>
+            <a:r>
+              <a:rPr lang="en-US" dirty="0" smtClean="0"/>
+              <a:t>Algorithm</a:t>
+            </a:r>
+          </a:p>
+          <a:p>
+            <a:pPr marL="0" indent="0" algn="ctr">
+              <a:buNone/>
+            </a:pPr>
+            <a:r>
+              <a:rPr lang="en-US" dirty="0" smtClean="0"/>
+              <a:t>Alpha-Beta Pruning</a:t>
+            </a:r>
+          </a:p>
+          <a:p>
+            <a:pPr marL="0" indent="0" algn="ctr">
+              <a:buNone/>
+            </a:pPr>
+            <a:r>
+              <a:rPr lang="en-US" dirty="0" smtClean="0"/>
+              <a:t>Monte </a:t>
+            </a:r>
+            <a:r>
+              <a:rPr lang="en-US" dirty="0"/>
+              <a:t>Carlo Tree Search (</a:t>
+            </a:r>
+            <a:r>
+              <a:rPr lang="en-US" dirty="0" smtClean="0"/>
+              <a:t>MCTS)</a:t>
+            </a:r>
+          </a:p>
+          <a:p>
+            <a:pPr marL="0" indent="0" algn="ctr">
+              <a:buNone/>
+            </a:pPr>
+            <a:r>
+              <a:rPr lang="en-US" dirty="0" err="1" smtClean="0"/>
+              <a:t>Negamax</a:t>
+            </a:r>
+            <a:endParaRPr lang="en-US" dirty="0" smtClean="0"/>
+          </a:p>
+          <a:p>
+            <a:pPr marL="0" indent="0" algn="ctr">
+              <a:buNone/>
+            </a:pPr>
+            <a:r>
+              <a:rPr lang="en-US" dirty="0" smtClean="0"/>
+              <a:t>Depth-First </a:t>
+            </a:r>
+            <a:r>
+              <a:rPr lang="en-US" dirty="0"/>
+              <a:t>Search (</a:t>
+            </a:r>
+            <a:r>
+              <a:rPr lang="en-US" dirty="0" smtClean="0"/>
+              <a:t>DFS)</a:t>
+            </a:r>
+          </a:p>
+          <a:p>
+            <a:pPr marL="0" indent="0" algn="ctr">
+              <a:buNone/>
+            </a:pPr>
+            <a:r>
+              <a:rPr lang="en-US" dirty="0" smtClean="0"/>
+              <a:t>Breadth-First </a:t>
+            </a:r>
+            <a:r>
+              <a:rPr lang="en-US" dirty="0"/>
+              <a:t>Search (</a:t>
+            </a:r>
+            <a:r>
+              <a:rPr lang="en-US" dirty="0" smtClean="0"/>
+              <a:t>BFS)</a:t>
+            </a:r>
+          </a:p>
+          <a:p>
+            <a:pPr marL="0" indent="0" algn="ctr">
+              <a:buNone/>
+            </a:pPr>
+            <a:r>
+              <a:rPr lang="en-US" dirty="0" smtClean="0"/>
+              <a:t>A</a:t>
+            </a:r>
+            <a:r>
+              <a:rPr lang="en-US" dirty="0"/>
+              <a:t>* Search </a:t>
+            </a:r>
+            <a:r>
+              <a:rPr lang="en-US" dirty="0" smtClean="0"/>
+              <a:t>Algorithm</a:t>
+            </a:r>
+          </a:p>
+          <a:p>
+            <a:pPr marL="0" indent="0" algn="ctr">
+              <a:buNone/>
+            </a:pPr>
+            <a:r>
+              <a:rPr lang="en-US" dirty="0" smtClean="0"/>
+              <a:t>Minimax </a:t>
+            </a:r>
+            <a:r>
+              <a:rPr lang="en-US" dirty="0"/>
+              <a:t>with </a:t>
+            </a:r>
+            <a:r>
+              <a:rPr lang="en-US" dirty="0" smtClean="0"/>
+              <a:t>Heuristics</a:t>
+            </a:r>
+            <a:endParaRPr lang="en-US" dirty="0"/>
+          </a:p>
+        </p:txBody>
+      </p:sp>
+    </p:spTree>
+    <p:extLst>
+      <p:ext uri="{BB962C8B-B14F-4D97-AF65-F5344CB8AC3E}">
+        <p14:creationId xmlns:p14="http://schemas.microsoft.com/office/powerpoint/2010/main" val="3214111758"/>
+      </p:ext>
+    </p:extLst>
+  </p:cSld>
+  <p:clrMapOvr>
+    <a:masterClrMapping/>
+  </p:clrMapOvr>
+</p:sld>
+</file>
+
+<file path=ppt/slides/slide23.xml><?xml version="1.0" encoding="utf-8"?>
+<p:sld xmlns:a="http://schemas.openxmlformats.org/drawingml/2006/main" xmlns:r="http://schemas.openxmlformats.org/officeDocument/2006/relationships" xmlns:p="http://schemas.openxmlformats.org/presentationml/2006/main">
+  <p:cSld>
+    <p:spTree>
+      <p:nvGrpSpPr>
+        <p:cNvPr id="1" name=""/>
+        <p:cNvGrpSpPr/>
+        <p:nvPr/>
+      </p:nvGrpSpPr>
+      <p:grpSpPr>
+        <a:xfrm>
+          <a:off x="0" y="0"/>
+          <a:ext cx="0" cy="0"/>
+          <a:chOff x="0" y="0"/>
+          <a:chExt cx="0" cy="0"/>
+        </a:xfrm>
+      </p:grpSpPr>
+      <p:sp>
+        <p:nvSpPr>
+          <p:cNvPr id="2" name="Title 1"/>
+          <p:cNvSpPr>
+            <a:spLocks noGrp="1"/>
+          </p:cNvSpPr>
+          <p:nvPr>
+            <p:ph type="title"/>
+          </p:nvPr>
+        </p:nvSpPr>
+        <p:spPr/>
+        <p:txBody>
+          <a:bodyPr>
+            <a:normAutofit/>
+          </a:bodyPr>
+          <a:lstStyle/>
+          <a:p>
+            <a:pPr algn="ctr"/>
+            <a:r>
+              <a:rPr lang="en-US" sz="3600" b="1" u="sng" dirty="0" smtClean="0"/>
+              <a:t>Minimax Algorithm</a:t>
+            </a:r>
+            <a:endParaRPr lang="en-US" sz="3600" b="1" u="sng" dirty="0"/>
+          </a:p>
+        </p:txBody>
+      </p:sp>
+      <p:sp>
+        <p:nvSpPr>
+          <p:cNvPr id="3" name="Content Placeholder 2"/>
+          <p:cNvSpPr>
+            <a:spLocks noGrp="1"/>
+          </p:cNvSpPr>
+          <p:nvPr>
+            <p:ph idx="1"/>
+          </p:nvPr>
+        </p:nvSpPr>
+        <p:spPr/>
+        <p:txBody>
+          <a:bodyPr>
+            <a:normAutofit/>
+          </a:bodyPr>
+          <a:lstStyle/>
+          <a:p>
+            <a:pPr marL="0" indent="0">
+              <a:buNone/>
+            </a:pPr>
+            <a:r>
+              <a:rPr lang="en-US" sz="2400" dirty="0"/>
+              <a:t>It is </a:t>
+            </a:r>
+            <a:r>
+              <a:rPr lang="en-US" sz="2400" dirty="0" smtClean="0"/>
+              <a:t>commonly used </a:t>
+            </a:r>
+            <a:r>
+              <a:rPr lang="en-US" sz="2400" dirty="0"/>
+              <a:t>in </a:t>
+            </a:r>
+            <a:r>
+              <a:rPr lang="en-US" sz="2400" b="1" dirty="0"/>
+              <a:t>two-player games </a:t>
+            </a:r>
+            <a:r>
+              <a:rPr lang="en-US" sz="2400" dirty="0"/>
+              <a:t>like </a:t>
+            </a:r>
+            <a:r>
+              <a:rPr lang="en-US" sz="2400" dirty="0" smtClean="0"/>
+              <a:t>chess which </a:t>
+            </a:r>
+            <a:r>
+              <a:rPr lang="en-US" sz="2400" dirty="0"/>
+              <a:t>helps to make the best decisions by assuming that both players play </a:t>
+            </a:r>
+            <a:r>
+              <a:rPr lang="en-US" sz="2400" b="1" dirty="0"/>
+              <a:t>optimally</a:t>
+            </a:r>
+            <a:r>
+              <a:rPr lang="en-US" sz="2400" dirty="0" smtClean="0"/>
+              <a:t>.</a:t>
+            </a:r>
+            <a:endParaRPr lang="en-US" sz="2400" dirty="0"/>
+          </a:p>
+        </p:txBody>
+      </p:sp>
+    </p:spTree>
+    <p:extLst>
+      <p:ext uri="{BB962C8B-B14F-4D97-AF65-F5344CB8AC3E}">
+        <p14:creationId xmlns:p14="http://schemas.microsoft.com/office/powerpoint/2010/main" val="2620435713"/>
+      </p:ext>
+    </p:extLst>
+  </p:cSld>
+  <p:clrMapOvr>
+    <a:masterClrMapping/>
+  </p:clrMapOvr>
+</p:sld>
+</file>
+
+<file path=ppt/slides/slide24.xml><?xml version="1.0" encoding="utf-8"?>
+<p:sld xmlns:a="http://schemas.openxmlformats.org/drawingml/2006/main" xmlns:r="http://schemas.openxmlformats.org/officeDocument/2006/relationships" xmlns:p="http://schemas.openxmlformats.org/presentationml/2006/main">
+  <p:cSld>
+    <p:spTree>
+      <p:nvGrpSpPr>
+        <p:cNvPr id="1" name=""/>
+        <p:cNvGrpSpPr/>
+        <p:nvPr/>
+      </p:nvGrpSpPr>
+      <p:grpSpPr>
+        <a:xfrm>
+          <a:off x="0" y="0"/>
+          <a:ext cx="0" cy="0"/>
+          <a:chOff x="0" y="0"/>
+          <a:chExt cx="0" cy="0"/>
+        </a:xfrm>
+      </p:grpSpPr>
+      <p:sp>
+        <p:nvSpPr>
+          <p:cNvPr id="2" name="Title 1"/>
+          <p:cNvSpPr>
+            <a:spLocks noGrp="1"/>
+          </p:cNvSpPr>
+          <p:nvPr>
+            <p:ph type="title"/>
+          </p:nvPr>
+        </p:nvSpPr>
+        <p:spPr/>
+        <p:txBody>
+          <a:bodyPr>
+            <a:normAutofit/>
+          </a:bodyPr>
+          <a:lstStyle/>
+          <a:p>
+            <a:pPr algn="ctr"/>
+            <a:r>
+              <a:rPr lang="en-US" sz="3600" b="1" u="sng" dirty="0" smtClean="0"/>
+              <a:t>How It Works</a:t>
+            </a:r>
+            <a:endParaRPr lang="en-US" sz="3600" b="1" u="sng" dirty="0"/>
+          </a:p>
+        </p:txBody>
+      </p:sp>
+      <p:sp>
+        <p:nvSpPr>
+          <p:cNvPr id="3" name="Content Placeholder 2"/>
+          <p:cNvSpPr>
+            <a:spLocks noGrp="1"/>
+          </p:cNvSpPr>
+          <p:nvPr>
+            <p:ph idx="1"/>
+          </p:nvPr>
+        </p:nvSpPr>
+        <p:spPr/>
+        <p:txBody>
+          <a:bodyPr>
+            <a:normAutofit fontScale="92500" lnSpcReduction="10000"/>
+          </a:bodyPr>
+          <a:lstStyle/>
+          <a:p>
+            <a:pPr marL="0" indent="0">
+              <a:buNone/>
+            </a:pPr>
+            <a:r>
+              <a:rPr lang="en-US" dirty="0"/>
+              <a:t>The game is represented as a </a:t>
+            </a:r>
+            <a:r>
+              <a:rPr lang="en-US" b="1" dirty="0"/>
+              <a:t>tree</a:t>
+            </a:r>
+            <a:r>
+              <a:rPr lang="en-US" dirty="0"/>
+              <a:t>, </a:t>
+            </a:r>
+            <a:r>
+              <a:rPr lang="en-US" dirty="0" smtClean="0"/>
+              <a:t>where each </a:t>
+            </a:r>
+            <a:r>
+              <a:rPr lang="en-US" dirty="0"/>
+              <a:t>node represents a game state.</a:t>
+            </a:r>
+          </a:p>
+          <a:p>
+            <a:pPr marL="0" indent="0">
+              <a:buNone/>
+            </a:pPr>
+            <a:r>
+              <a:rPr lang="en-US" dirty="0"/>
+              <a:t>Edges represent moves.</a:t>
+            </a:r>
+          </a:p>
+          <a:p>
+            <a:pPr marL="0" indent="0">
+              <a:buNone/>
+            </a:pPr>
+            <a:r>
+              <a:rPr lang="en-US" dirty="0"/>
+              <a:t>The algorithm alternates between two </a:t>
+            </a:r>
+            <a:r>
+              <a:rPr lang="en-US" dirty="0" smtClean="0"/>
+              <a:t>players:</a:t>
+            </a:r>
+          </a:p>
+          <a:p>
+            <a:pPr marL="0" indent="0">
+              <a:buNone/>
+            </a:pPr>
+            <a:r>
+              <a:rPr lang="en-US" b="1" dirty="0" smtClean="0"/>
+              <a:t>Maximizer</a:t>
+            </a:r>
+            <a:r>
+              <a:rPr lang="en-US" dirty="0"/>
+              <a:t>: Tries to maximize the score (e.g., their chance of winning).</a:t>
+            </a:r>
+          </a:p>
+          <a:p>
+            <a:pPr marL="0" indent="0">
+              <a:buNone/>
+            </a:pPr>
+            <a:r>
+              <a:rPr lang="en-US" b="1" dirty="0"/>
+              <a:t>Minimizer</a:t>
+            </a:r>
+            <a:r>
+              <a:rPr lang="en-US" dirty="0"/>
+              <a:t>: Tries to minimize the score (e.g., their opponent's chance of winning).</a:t>
+            </a:r>
+          </a:p>
+          <a:p>
+            <a:pPr marL="0" indent="0">
+              <a:buNone/>
+            </a:pPr>
+            <a:r>
+              <a:rPr lang="en-US" dirty="0"/>
+              <a:t>It </a:t>
+            </a:r>
+            <a:r>
+              <a:rPr lang="en-US" b="1" dirty="0"/>
+              <a:t>recursively</a:t>
+            </a:r>
+            <a:r>
+              <a:rPr lang="en-US" dirty="0"/>
+              <a:t> evaluates all possible game states down to the terminal states (e.g., win, lose, or draw</a:t>
+            </a:r>
+            <a:r>
+              <a:rPr lang="en-US" dirty="0" smtClean="0"/>
+              <a:t>).</a:t>
+            </a:r>
+          </a:p>
+          <a:p>
+            <a:pPr marL="0" indent="0">
+              <a:buNone/>
+            </a:pPr>
+            <a:r>
+              <a:rPr lang="en-US" dirty="0" smtClean="0"/>
+              <a:t>Backtracking </a:t>
+            </a:r>
+            <a:r>
+              <a:rPr lang="en-US" dirty="0"/>
+              <a:t>from the terminal states, it assigns a score to each move by choosing the best option for the player whose turn it is</a:t>
+            </a:r>
+            <a:r>
+              <a:rPr lang="en-US" dirty="0" smtClean="0"/>
+              <a:t>.</a:t>
+            </a:r>
+            <a:endParaRPr lang="en-US" dirty="0"/>
+          </a:p>
+        </p:txBody>
+      </p:sp>
+    </p:spTree>
+    <p:extLst>
+      <p:ext uri="{BB962C8B-B14F-4D97-AF65-F5344CB8AC3E}">
+        <p14:creationId xmlns:p14="http://schemas.microsoft.com/office/powerpoint/2010/main" val="3044511048"/>
+      </p:ext>
+    </p:extLst>
+  </p:cSld>
+  <p:clrMapOvr>
+    <a:masterClrMapping/>
+  </p:clrMapOvr>
+</p:sld>
+</file>
+
+<file path=ppt/slides/slide25.xml><?xml version="1.0" encoding="utf-8"?>
+<p:sld xmlns:a="http://schemas.openxmlformats.org/drawingml/2006/main" xmlns:r="http://schemas.openxmlformats.org/officeDocument/2006/relationships" xmlns:p="http://schemas.openxmlformats.org/presentationml/2006/main">
+  <p:cSld>
+    <p:spTree>
+      <p:nvGrpSpPr>
+        <p:cNvPr id="1" name=""/>
+        <p:cNvGrpSpPr/>
+        <p:nvPr/>
+      </p:nvGrpSpPr>
+      <p:grpSpPr>
+        <a:xfrm>
+          <a:off x="0" y="0"/>
+          <a:ext cx="0" cy="0"/>
+          <a:chOff x="0" y="0"/>
+          <a:chExt cx="0" cy="0"/>
+        </a:xfrm>
+      </p:grpSpPr>
+      <p:sp>
+        <p:nvSpPr>
+          <p:cNvPr id="2" name="Title 1"/>
+          <p:cNvSpPr>
+            <a:spLocks noGrp="1"/>
+          </p:cNvSpPr>
+          <p:nvPr>
+            <p:ph type="title"/>
+          </p:nvPr>
+        </p:nvSpPr>
+        <p:spPr/>
+        <p:txBody>
+          <a:bodyPr>
+            <a:normAutofit/>
+          </a:bodyPr>
+          <a:lstStyle/>
+          <a:p>
+            <a:pPr algn="ctr"/>
+            <a:r>
+              <a:rPr lang="en-US" sz="3600" b="1" u="sng" dirty="0"/>
+              <a:t>Alpha-Beta Pruning</a:t>
+            </a:r>
+            <a:endParaRPr lang="en-US" sz="3600" u="sng" dirty="0"/>
+          </a:p>
+        </p:txBody>
+      </p:sp>
+      <p:sp>
+        <p:nvSpPr>
+          <p:cNvPr id="3" name="Content Placeholder 2"/>
+          <p:cNvSpPr>
+            <a:spLocks noGrp="1"/>
+          </p:cNvSpPr>
+          <p:nvPr>
+            <p:ph idx="1"/>
+          </p:nvPr>
+        </p:nvSpPr>
+        <p:spPr/>
+        <p:txBody>
+          <a:bodyPr/>
+          <a:lstStyle/>
+          <a:p>
+            <a:pPr marL="0" indent="0">
+              <a:buNone/>
+            </a:pPr>
+            <a:r>
+              <a:rPr lang="en-US" dirty="0"/>
+              <a:t>Alpha-Beta Pruning is an optimization technique for the minimax algorithm. It reduces the number of nodes evaluated in the game tree by </a:t>
+            </a:r>
+            <a:r>
+              <a:rPr lang="en-US" b="1" dirty="0" smtClean="0"/>
+              <a:t>pruning </a:t>
+            </a:r>
+            <a:r>
+              <a:rPr lang="en-US" dirty="0" smtClean="0"/>
+              <a:t>or eliminating </a:t>
+            </a:r>
+            <a:r>
+              <a:rPr lang="en-US" dirty="0"/>
+              <a:t>branches that cannot influence the final decision.</a:t>
+            </a:r>
+          </a:p>
+        </p:txBody>
+      </p:sp>
+      <p:pic>
+        <p:nvPicPr>
+          <p:cNvPr id="4" name="Content Placeholder 3"/>
+          <p:cNvPicPr>
+            <a:picLocks noChangeAspect="1"/>
+          </p:cNvPicPr>
+          <p:nvPr/>
+        </p:nvPicPr>
+        <p:blipFill>
+          <a:blip r:embed="rId2">
+            <a:extLst>
+              <a:ext uri="{28A0092B-C50C-407E-A947-70E740481C1C}">
+                <a14:useLocalDpi xmlns:a14="http://schemas.microsoft.com/office/drawing/2010/main" val="0"/>
+              </a:ext>
+            </a:extLst>
+          </a:blip>
+          <a:stretch>
+            <a:fillRect/>
+          </a:stretch>
+        </p:blipFill>
+        <p:spPr>
+          <a:xfrm>
+            <a:off x="2433943" y="3497082"/>
+            <a:ext cx="6981519" cy="2992080"/>
+          </a:xfrm>
+          <a:prstGeom prst="rect">
+            <a:avLst/>
+          </a:prstGeom>
+        </p:spPr>
+      </p:pic>
+    </p:spTree>
+    <p:extLst>
+      <p:ext uri="{BB962C8B-B14F-4D97-AF65-F5344CB8AC3E}">
+        <p14:creationId xmlns:p14="http://schemas.microsoft.com/office/powerpoint/2010/main" val="1999102211"/>
+      </p:ext>
+    </p:extLst>
+  </p:cSld>
+  <p:clrMapOvr>
+    <a:masterClrMapping/>
+  </p:clrMapOvr>
+</p:sld>
+</file>
+
+<file path=ppt/slides/slide26.xml><?xml version="1.0" encoding="utf-8"?>
+<p:sld xmlns:a="http://schemas.openxmlformats.org/drawingml/2006/main" xmlns:r="http://schemas.openxmlformats.org/officeDocument/2006/relationships" xmlns:p="http://schemas.openxmlformats.org/presentationml/2006/main">
+  <p:cSld>
+    <p:spTree>
+      <p:nvGrpSpPr>
+        <p:cNvPr id="1" name=""/>
+        <p:cNvGrpSpPr/>
+        <p:nvPr/>
+      </p:nvGrpSpPr>
+      <p:grpSpPr>
+        <a:xfrm>
+          <a:off x="0" y="0"/>
+          <a:ext cx="0" cy="0"/>
+          <a:chOff x="0" y="0"/>
+          <a:chExt cx="0" cy="0"/>
+        </a:xfrm>
+      </p:grpSpPr>
+      <p:sp>
+        <p:nvSpPr>
+          <p:cNvPr id="2" name="Title 1"/>
+          <p:cNvSpPr>
+            <a:spLocks noGrp="1"/>
+          </p:cNvSpPr>
+          <p:nvPr>
+            <p:ph type="title"/>
+          </p:nvPr>
+        </p:nvSpPr>
+        <p:spPr/>
+        <p:txBody>
+          <a:bodyPr/>
+          <a:lstStyle/>
+          <a:p>
+            <a:r>
+              <a:rPr lang="en-US" dirty="0" smtClean="0"/>
+              <a:t>How it Works</a:t>
+            </a:r>
+            <a:endParaRPr lang="en-US" dirty="0"/>
+          </a:p>
+        </p:txBody>
+      </p:sp>
+      <p:sp>
+        <p:nvSpPr>
+          <p:cNvPr id="3" name="Content Placeholder 2"/>
+          <p:cNvSpPr>
+            <a:spLocks noGrp="1"/>
+          </p:cNvSpPr>
+          <p:nvPr>
+            <p:ph idx="1"/>
+          </p:nvPr>
+        </p:nvSpPr>
+        <p:spPr/>
+        <p:txBody>
+          <a:bodyPr>
+            <a:normAutofit fontScale="92500" lnSpcReduction="10000"/>
+          </a:bodyPr>
+          <a:lstStyle/>
+          <a:p>
+            <a:pPr marL="0" indent="0">
+              <a:buNone/>
+            </a:pPr>
+            <a:r>
+              <a:rPr lang="en-US" b="1" dirty="0"/>
+              <a:t>Alpha (α)</a:t>
+            </a:r>
+            <a:r>
+              <a:rPr lang="en-US" dirty="0"/>
+              <a:t>: The best value the maximizer currently can guarantee.</a:t>
+            </a:r>
+          </a:p>
+          <a:p>
+            <a:pPr marL="0" indent="0">
+              <a:buNone/>
+            </a:pPr>
+            <a:r>
+              <a:rPr lang="en-US" b="1" dirty="0"/>
+              <a:t>Beta (β)</a:t>
+            </a:r>
+            <a:r>
+              <a:rPr lang="en-US" dirty="0"/>
+              <a:t>: The best value the minimizer currently can guarantee.</a:t>
+            </a:r>
+          </a:p>
+          <a:p>
+            <a:pPr marL="0" indent="0">
+              <a:buNone/>
+            </a:pPr>
+            <a:r>
+              <a:rPr lang="en-US" dirty="0"/>
+              <a:t>During the traversal:</a:t>
+            </a:r>
+          </a:p>
+          <a:p>
+            <a:pPr marL="457200" lvl="1" indent="0">
+              <a:buNone/>
+            </a:pPr>
+            <a:r>
+              <a:rPr lang="en-US" dirty="0"/>
+              <a:t>If a branch's potential outcome is worse than an already evaluated branch for either player, that branch is pruned (skipped</a:t>
+            </a:r>
+            <a:r>
+              <a:rPr lang="en-US" dirty="0" smtClean="0"/>
+              <a:t>).</a:t>
+            </a:r>
+            <a:endParaRPr lang="en-US" dirty="0"/>
+          </a:p>
+          <a:p>
+            <a:pPr marL="0" indent="0">
+              <a:buNone/>
+            </a:pPr>
+            <a:r>
+              <a:rPr lang="en-US" dirty="0"/>
+              <a:t>The order in which nodes are explored determines the effectiveness of pruning.</a:t>
+            </a:r>
+          </a:p>
+          <a:p>
+            <a:pPr marL="0" indent="0">
+              <a:buNone/>
+            </a:pPr>
+            <a:r>
+              <a:rPr lang="en-US" b="1" dirty="0"/>
+              <a:t>Good move ordering</a:t>
+            </a:r>
+            <a:r>
+              <a:rPr lang="en-US" dirty="0"/>
+              <a:t> can significantly reduce the number of nodes </a:t>
+            </a:r>
+            <a:r>
+              <a:rPr lang="en-US" dirty="0" smtClean="0"/>
+              <a:t>evaluated.</a:t>
+            </a:r>
+          </a:p>
+          <a:p>
+            <a:pPr marL="0" indent="0">
+              <a:buNone/>
+            </a:pPr>
+            <a:r>
+              <a:rPr lang="en-US" dirty="0" smtClean="0"/>
+              <a:t>(There may be cases where no pruning occurs but it is faster most of the times.)</a:t>
+            </a:r>
+          </a:p>
+        </p:txBody>
+      </p:sp>
+    </p:spTree>
+    <p:extLst>
+      <p:ext uri="{BB962C8B-B14F-4D97-AF65-F5344CB8AC3E}">
+        <p14:creationId xmlns:p14="http://schemas.microsoft.com/office/powerpoint/2010/main" val="4163905530"/>
+      </p:ext>
+    </p:extLst>
+  </p:cSld>
+  <p:clrMapOvr>
+    <a:masterClrMapping/>
+  </p:clrMapOvr>
+</p:sld>
+</file>
+
+<file path=ppt/slides/slide27.xml><?xml version="1.0" encoding="utf-8"?>
+<p:sld xmlns:a="http://schemas.openxmlformats.org/drawingml/2006/main" xmlns:r="http://schemas.openxmlformats.org/officeDocument/2006/relationships" xmlns:p="http://schemas.openxmlformats.org/presentationml/2006/main">
+  <p:cSld>
+    <p:spTree>
+      <p:nvGrpSpPr>
+        <p:cNvPr id="1" name=""/>
+        <p:cNvGrpSpPr/>
+        <p:nvPr/>
+      </p:nvGrpSpPr>
+      <p:grpSpPr>
+        <a:xfrm>
+          <a:off x="0" y="0"/>
+          <a:ext cx="0" cy="0"/>
+          <a:chOff x="0" y="0"/>
+          <a:chExt cx="0" cy="0"/>
+        </a:xfrm>
+      </p:grpSpPr>
+      <p:sp>
+        <p:nvSpPr>
           <p:cNvPr id="2" name="Title 1">
             <a:extLst>
               <a:ext uri="{FF2B5EF4-FFF2-40B4-BE49-F238E27FC236}">
-                <a16:creationId xmlns:a16="http://schemas.microsoft.com/office/drawing/2014/main" id="{A044EC92-8709-66AA-FA34-6F35A4198D12}"/>
+                <a16:creationId xmlns:a16="http://schemas.microsoft.com/office/drawing/2014/main" xmlns="" id="{A044EC92-8709-66AA-FA34-6F35A4198D12}"/>
               </a:ext>
             </a:extLst>
           </p:cNvPr>
@@ -11822,7 +12648,7 @@
           <p:cNvPr id="3" name="Content Placeholder 2">
             <a:extLst>
               <a:ext uri="{FF2B5EF4-FFF2-40B4-BE49-F238E27FC236}">
-                <a16:creationId xmlns:a16="http://schemas.microsoft.com/office/drawing/2014/main" id="{D5E016E4-BDAF-4DC3-9D94-4DE8B9339639}"/>
+                <a16:creationId xmlns:a16="http://schemas.microsoft.com/office/drawing/2014/main" xmlns="" id="{D5E016E4-BDAF-4DC3-9D94-4DE8B9339639}"/>
               </a:ext>
             </a:extLst>
           </p:cNvPr>
@@ -11847,7 +12673,7 @@
           <p:cNvPr id="4" name="Text Placeholder 3">
             <a:extLst>
               <a:ext uri="{FF2B5EF4-FFF2-40B4-BE49-F238E27FC236}">
-                <a16:creationId xmlns:a16="http://schemas.microsoft.com/office/drawing/2014/main" id="{8AF72E6F-D5A1-6CBE-73C8-608D6839317F}"/>
+                <a16:creationId xmlns:a16="http://schemas.microsoft.com/office/drawing/2014/main" xmlns="" id="{8AF72E6F-D5A1-6CBE-73C8-608D6839317F}"/>
               </a:ext>
             </a:extLst>
           </p:cNvPr>
@@ -11890,7 +12716,7 @@
 </p:sld>
 </file>
 
-<file path=ppt/slides/slide23.xml><?xml version="1.0" encoding="utf-8"?>
+<file path=ppt/slides/slide28.xml><?xml version="1.0" encoding="utf-8"?>
 <p:sld xmlns:a="http://schemas.openxmlformats.org/drawingml/2006/main" xmlns:r="http://schemas.openxmlformats.org/officeDocument/2006/relationships" xmlns:p="http://schemas.openxmlformats.org/presentationml/2006/main">
   <p:cSld>
     <p:spTree>
@@ -11912,7 +12738,7 @@
           <p:cNvPr id="2" name="Title 1">
             <a:extLst>
               <a:ext uri="{FF2B5EF4-FFF2-40B4-BE49-F238E27FC236}">
-                <a16:creationId xmlns:a16="http://schemas.microsoft.com/office/drawing/2014/main" id="{D1D307F6-B8C8-3B03-1BAA-5F930D5564F3}"/>
+                <a16:creationId xmlns:a16="http://schemas.microsoft.com/office/drawing/2014/main" xmlns="" id="{D1D307F6-B8C8-3B03-1BAA-5F930D5564F3}"/>
               </a:ext>
             </a:extLst>
           </p:cNvPr>
@@ -11959,7 +12785,7 @@
           <p:cNvPr id="3" name="Content Placeholder 2">
             <a:extLst>
               <a:ext uri="{FF2B5EF4-FFF2-40B4-BE49-F238E27FC236}">
-                <a16:creationId xmlns:a16="http://schemas.microsoft.com/office/drawing/2014/main" id="{FEA283A3-BD90-A1E9-7BBE-F64221308E03}"/>
+                <a16:creationId xmlns:a16="http://schemas.microsoft.com/office/drawing/2014/main" xmlns="" id="{FEA283A3-BD90-A1E9-7BBE-F64221308E03}"/>
               </a:ext>
             </a:extLst>
           </p:cNvPr>
@@ -12161,7 +12987,7 @@
 </p:sld>
 </file>
 
-<file path=ppt/slides/slide24.xml><?xml version="1.0" encoding="utf-8"?>
+<file path=ppt/slides/slide29.xml><?xml version="1.0" encoding="utf-8"?>
 <p:sld xmlns:a="http://schemas.openxmlformats.org/drawingml/2006/main" xmlns:r="http://schemas.openxmlformats.org/officeDocument/2006/relationships" xmlns:p="http://schemas.openxmlformats.org/presentationml/2006/main">
   <p:cSld>
     <p:spTree>
@@ -12183,7 +13009,7 @@
           <p:cNvPr id="3" name="Content Placeholder 2">
             <a:extLst>
               <a:ext uri="{FF2B5EF4-FFF2-40B4-BE49-F238E27FC236}">
-                <a16:creationId xmlns:a16="http://schemas.microsoft.com/office/drawing/2014/main" id="{FEA283A3-BD90-A1E9-7BBE-F64221308E03}"/>
+                <a16:creationId xmlns:a16="http://schemas.microsoft.com/office/drawing/2014/main" xmlns="" id="{FEA283A3-BD90-A1E9-7BBE-F64221308E03}"/>
               </a:ext>
             </a:extLst>
           </p:cNvPr>
@@ -12347,7 +13173,627 @@
 </p:sld>
 </file>
 
-<file path=ppt/slides/slide25.xml><?xml version="1.0" encoding="utf-8"?>
+<file path=ppt/slides/slide3.xml><?xml version="1.0" encoding="utf-8"?>
+<p:sld xmlns:a="http://schemas.openxmlformats.org/drawingml/2006/main" xmlns:r="http://schemas.openxmlformats.org/officeDocument/2006/relationships" xmlns:p="http://schemas.openxmlformats.org/presentationml/2006/main">
+  <p:cSld>
+    <p:spTree>
+      <p:nvGrpSpPr>
+        <p:cNvPr id="1" name=""/>
+        <p:cNvGrpSpPr/>
+        <p:nvPr/>
+      </p:nvGrpSpPr>
+      <p:grpSpPr>
+        <a:xfrm>
+          <a:off x="0" y="0"/>
+          <a:ext cx="0" cy="0"/>
+          <a:chOff x="0" y="0"/>
+          <a:chExt cx="0" cy="0"/>
+        </a:xfrm>
+      </p:grpSpPr>
+      <p:sp>
+        <p:nvSpPr>
+          <p:cNvPr id="2" name="Title 1">
+            <a:extLst>
+              <a:ext uri="{FF2B5EF4-FFF2-40B4-BE49-F238E27FC236}">
+                <a16:creationId xmlns:a16="http://schemas.microsoft.com/office/drawing/2014/main" xmlns="" id="{5D30DDF8-853A-DFDB-A947-FE9D44C8E03C}"/>
+              </a:ext>
+            </a:extLst>
+          </p:cNvPr>
+          <p:cNvSpPr>
+            <a:spLocks noGrp="1"/>
+          </p:cNvSpPr>
+          <p:nvPr>
+            <p:ph type="title"/>
+          </p:nvPr>
+        </p:nvSpPr>
+        <p:spPr>
+          <a:xfrm>
+            <a:off x="831848" y="768350"/>
+            <a:ext cx="10515599" cy="1500187"/>
+          </a:xfrm>
+        </p:spPr>
+        <p:txBody>
+          <a:bodyPr>
+            <a:normAutofit fontScale="90000"/>
+          </a:bodyPr>
+          <a:lstStyle/>
+          <a:p>
+            <a:pPr>
+              <a:lnSpc>
+                <a:spcPct val="100000"/>
+              </a:lnSpc>
+            </a:pPr>
+            <a:r>
+              <a:rPr lang="en-US" sz="4000" b="1" dirty="0">
+                <a:latin typeface="Arial Black" panose="020B0A04020102020204" pitchFamily="34" charset="0"/>
+              </a:rPr>
+              <a:t>GRAPH :</a:t>
+            </a:r>
+            <a:r>
+              <a:rPr lang="en-US" dirty="0"/>
+              <a:t> </a:t>
+            </a:r>
+            <a:r>
+              <a:rPr lang="en-US" sz="3200" dirty="0">
+                <a:latin typeface="Arial" panose="020B0604020202020204" pitchFamily="34" charset="0"/>
+                <a:cs typeface="Arial" panose="020B0604020202020204" pitchFamily="34" charset="0"/>
+              </a:rPr>
+              <a:t>a list of pairs of “things” called vertex/vertices, and lines between those points, called edges </a:t>
+            </a:r>
+            <a:endParaRPr lang="en-US" dirty="0">
+              <a:latin typeface="Arial" panose="020B0604020202020204" pitchFamily="34" charset="0"/>
+              <a:cs typeface="Arial" panose="020B0604020202020204" pitchFamily="34" charset="0"/>
+            </a:endParaRPr>
+          </a:p>
+        </p:txBody>
+      </p:sp>
+      <p:sp>
+        <p:nvSpPr>
+          <p:cNvPr id="3" name="Text Placeholder 2">
+            <a:extLst>
+              <a:ext uri="{FF2B5EF4-FFF2-40B4-BE49-F238E27FC236}">
+                <a16:creationId xmlns:a16="http://schemas.microsoft.com/office/drawing/2014/main" xmlns="" id="{F3FFBF10-3A6A-039D-96F3-6E61CA66CD1E}"/>
+              </a:ext>
+            </a:extLst>
+          </p:cNvPr>
+          <p:cNvSpPr>
+            <a:spLocks noGrp="1"/>
+          </p:cNvSpPr>
+          <p:nvPr>
+            <p:ph type="body" idx="1"/>
+          </p:nvPr>
+        </p:nvSpPr>
+        <p:spPr>
+          <a:xfrm>
+            <a:off x="831847" y="2903537"/>
+            <a:ext cx="10515600" cy="1500187"/>
+          </a:xfrm>
+        </p:spPr>
+        <p:txBody>
+          <a:bodyPr/>
+          <a:lstStyle/>
+          <a:p>
+            <a:r>
+              <a:rPr lang="en-US" dirty="0">
+                <a:solidFill>
+                  <a:schemeClr val="tx1">
+                    <a:lumMod val="95000"/>
+                    <a:lumOff val="5000"/>
+                  </a:schemeClr>
+                </a:solidFill>
+              </a:rPr>
+              <a:t>𝐴 = {(1, 2), (1, 3), (3, 4), (4, 5)} </a:t>
+            </a:r>
+          </a:p>
+          <a:p>
+            <a:r>
+              <a:rPr lang="en-US" dirty="0">
+                <a:solidFill>
+                  <a:schemeClr val="tx1">
+                    <a:lumMod val="95000"/>
+                    <a:lumOff val="5000"/>
+                  </a:schemeClr>
+                </a:solidFill>
+              </a:rPr>
+              <a:t>𝐵 = {(A, B), (B, C), (A, C), (A, D)} </a:t>
+            </a:r>
+          </a:p>
+          <a:p>
+            <a:r>
+              <a:rPr lang="en-US" dirty="0">
+                <a:solidFill>
+                  <a:schemeClr val="tx1">
+                    <a:lumMod val="95000"/>
+                    <a:lumOff val="5000"/>
+                  </a:schemeClr>
+                </a:solidFill>
+              </a:rPr>
+              <a:t>𝐶 = {(LHR,KRA), (LHR,ISB), (FSD,SWL), (STD,MUL)}</a:t>
+            </a:r>
+          </a:p>
+        </p:txBody>
+      </p:sp>
+      <p:pic>
+        <p:nvPicPr>
+          <p:cNvPr id="5" name="Picture 4">
+            <a:extLst>
+              <a:ext uri="{FF2B5EF4-FFF2-40B4-BE49-F238E27FC236}">
+                <a16:creationId xmlns:a16="http://schemas.microsoft.com/office/drawing/2014/main" xmlns="" id="{DF5E120D-8E2E-D414-9BE3-A68A099B210E}"/>
+              </a:ext>
+            </a:extLst>
+          </p:cNvPr>
+          <p:cNvPicPr>
+            <a:picLocks noChangeAspect="1"/>
+          </p:cNvPicPr>
+          <p:nvPr/>
+        </p:nvPicPr>
+        <p:blipFill rotWithShape="1">
+          <a:blip r:embed="rId2">
+            <a:extLst>
+              <a:ext uri="{28A0092B-C50C-407E-A947-70E740481C1C}">
+                <a14:useLocalDpi xmlns:a14="http://schemas.microsoft.com/office/drawing/2010/main" val="0"/>
+              </a:ext>
+            </a:extLst>
+          </a:blip>
+          <a:srcRect t="6531" b="9403"/>
+          <a:stretch/>
+        </p:blipFill>
+        <p:spPr>
+          <a:xfrm>
+            <a:off x="8343937" y="3702353"/>
+            <a:ext cx="3543263" cy="2978676"/>
+          </a:xfrm>
+          <a:prstGeom prst="rect">
+            <a:avLst/>
+          </a:prstGeom>
+        </p:spPr>
+      </p:pic>
+      <p:pic>
+        <p:nvPicPr>
+          <p:cNvPr id="7" name="Picture 6">
+            <a:extLst>
+              <a:ext uri="{FF2B5EF4-FFF2-40B4-BE49-F238E27FC236}">
+                <a16:creationId xmlns:a16="http://schemas.microsoft.com/office/drawing/2014/main" xmlns="" id="{5EC6C3A6-23EE-3547-4CDC-5D24A0A7D522}"/>
+              </a:ext>
+            </a:extLst>
+          </p:cNvPr>
+          <p:cNvPicPr>
+            <a:picLocks noChangeAspect="1"/>
+          </p:cNvPicPr>
+          <p:nvPr/>
+        </p:nvPicPr>
+        <p:blipFill rotWithShape="1">
+          <a:blip r:embed="rId3">
+            <a:extLst>
+              <a:ext uri="{28A0092B-C50C-407E-A947-70E740481C1C}">
+                <a14:useLocalDpi xmlns:a14="http://schemas.microsoft.com/office/drawing/2010/main" val="0"/>
+              </a:ext>
+            </a:extLst>
+          </a:blip>
+          <a:srcRect l="16208" t="18615" r="21275" b="9955"/>
+          <a:stretch/>
+        </p:blipFill>
+        <p:spPr>
+          <a:xfrm>
+            <a:off x="5162513" y="4334682"/>
+            <a:ext cx="1909799" cy="2182041"/>
+          </a:xfrm>
+          <a:prstGeom prst="rect">
+            <a:avLst/>
+          </a:prstGeom>
+        </p:spPr>
+      </p:pic>
+      <p:pic>
+        <p:nvPicPr>
+          <p:cNvPr id="9" name="Picture 8">
+            <a:extLst>
+              <a:ext uri="{FF2B5EF4-FFF2-40B4-BE49-F238E27FC236}">
+                <a16:creationId xmlns:a16="http://schemas.microsoft.com/office/drawing/2014/main" xmlns="" id="{BCAA92A2-3C81-650B-7F86-D978F3483C08}"/>
+              </a:ext>
+            </a:extLst>
+          </p:cNvPr>
+          <p:cNvPicPr>
+            <a:picLocks noChangeAspect="1"/>
+          </p:cNvPicPr>
+          <p:nvPr/>
+        </p:nvPicPr>
+        <p:blipFill rotWithShape="1">
+          <a:blip r:embed="rId4">
+            <a:extLst>
+              <a:ext uri="{28A0092B-C50C-407E-A947-70E740481C1C}">
+                <a14:useLocalDpi xmlns:a14="http://schemas.microsoft.com/office/drawing/2010/main" val="0"/>
+              </a:ext>
+            </a:extLst>
+          </a:blip>
+          <a:srcRect l="14925" t="15385" r="12455" b="21978"/>
+          <a:stretch/>
+        </p:blipFill>
+        <p:spPr>
+          <a:xfrm>
+            <a:off x="1112026" y="4505918"/>
+            <a:ext cx="2331262" cy="2010805"/>
+          </a:xfrm>
+          <a:prstGeom prst="rect">
+            <a:avLst/>
+          </a:prstGeom>
+        </p:spPr>
+      </p:pic>
+      <p:cxnSp>
+        <p:nvCxnSpPr>
+          <p:cNvPr id="13" name="Straight Arrow Connector 12">
+            <a:extLst>
+              <a:ext uri="{FF2B5EF4-FFF2-40B4-BE49-F238E27FC236}">
+                <a16:creationId xmlns:a16="http://schemas.microsoft.com/office/drawing/2014/main" xmlns="" id="{0CF5CAB6-3C22-9FEC-7E1E-7B91C8E5761F}"/>
+              </a:ext>
+            </a:extLst>
+          </p:cNvPr>
+          <p:cNvCxnSpPr/>
+          <p:nvPr/>
+        </p:nvCxnSpPr>
+        <p:spPr>
+          <a:xfrm>
+            <a:off x="428625" y="5200650"/>
+            <a:ext cx="683401" cy="0"/>
+          </a:xfrm>
+          <a:prstGeom prst="straightConnector1">
+            <a:avLst/>
+          </a:prstGeom>
+          <a:ln w="57150">
+            <a:solidFill>
+              <a:schemeClr val="accent1">
+                <a:lumMod val="75000"/>
+              </a:schemeClr>
+            </a:solidFill>
+            <a:tailEnd type="triangle"/>
+          </a:ln>
+        </p:spPr>
+        <p:style>
+          <a:lnRef idx="1">
+            <a:schemeClr val="accent1"/>
+          </a:lnRef>
+          <a:fillRef idx="0">
+            <a:schemeClr val="accent1"/>
+          </a:fillRef>
+          <a:effectRef idx="0">
+            <a:schemeClr val="accent1"/>
+          </a:effectRef>
+          <a:fontRef idx="minor">
+            <a:schemeClr val="tx1"/>
+          </a:fontRef>
+        </p:style>
+      </p:cxnSp>
+      <p:cxnSp>
+        <p:nvCxnSpPr>
+          <p:cNvPr id="14" name="Straight Arrow Connector 13">
+            <a:extLst>
+              <a:ext uri="{FF2B5EF4-FFF2-40B4-BE49-F238E27FC236}">
+                <a16:creationId xmlns:a16="http://schemas.microsoft.com/office/drawing/2014/main" xmlns="" id="{1CCF16B9-A09E-4470-2324-7D202860F263}"/>
+              </a:ext>
+            </a:extLst>
+          </p:cNvPr>
+          <p:cNvCxnSpPr>
+            <a:cxnSpLocks/>
+          </p:cNvCxnSpPr>
+          <p:nvPr/>
+        </p:nvCxnSpPr>
+        <p:spPr>
+          <a:xfrm flipH="1">
+            <a:off x="2757488" y="4729163"/>
+            <a:ext cx="685800" cy="228600"/>
+          </a:xfrm>
+          <a:prstGeom prst="straightConnector1">
+            <a:avLst/>
+          </a:prstGeom>
+          <a:ln w="57150">
+            <a:solidFill>
+              <a:schemeClr val="accent1">
+                <a:lumMod val="40000"/>
+                <a:lumOff val="60000"/>
+              </a:schemeClr>
+            </a:solidFill>
+            <a:tailEnd type="triangle"/>
+          </a:ln>
+        </p:spPr>
+        <p:style>
+          <a:lnRef idx="1">
+            <a:schemeClr val="accent1"/>
+          </a:lnRef>
+          <a:fillRef idx="0">
+            <a:schemeClr val="accent1"/>
+          </a:fillRef>
+          <a:effectRef idx="0">
+            <a:schemeClr val="accent1"/>
+          </a:effectRef>
+          <a:fontRef idx="minor">
+            <a:schemeClr val="tx1"/>
+          </a:fontRef>
+        </p:style>
+      </p:cxnSp>
+      <p:cxnSp>
+        <p:nvCxnSpPr>
+          <p:cNvPr id="4" name="Straight Arrow Connector 3">
+            <a:extLst>
+              <a:ext uri="{FF2B5EF4-FFF2-40B4-BE49-F238E27FC236}">
+                <a16:creationId xmlns:a16="http://schemas.microsoft.com/office/drawing/2014/main" xmlns="" id="{98ADD665-6FC6-CEB4-6D76-8C26111BF116}"/>
+              </a:ext>
+            </a:extLst>
+          </p:cNvPr>
+          <p:cNvCxnSpPr/>
+          <p:nvPr/>
+        </p:nvCxnSpPr>
+        <p:spPr>
+          <a:xfrm>
+            <a:off x="4479112" y="5881688"/>
+            <a:ext cx="683401" cy="0"/>
+          </a:xfrm>
+          <a:prstGeom prst="straightConnector1">
+            <a:avLst/>
+          </a:prstGeom>
+          <a:ln w="57150">
+            <a:solidFill>
+              <a:schemeClr val="accent1">
+                <a:lumMod val="75000"/>
+              </a:schemeClr>
+            </a:solidFill>
+            <a:tailEnd type="triangle"/>
+          </a:ln>
+        </p:spPr>
+        <p:style>
+          <a:lnRef idx="1">
+            <a:schemeClr val="accent1"/>
+          </a:lnRef>
+          <a:fillRef idx="0">
+            <a:schemeClr val="accent1"/>
+          </a:fillRef>
+          <a:effectRef idx="0">
+            <a:schemeClr val="accent1"/>
+          </a:effectRef>
+          <a:fontRef idx="minor">
+            <a:schemeClr val="tx1"/>
+          </a:fontRef>
+        </p:style>
+      </p:cxnSp>
+      <p:cxnSp>
+        <p:nvCxnSpPr>
+          <p:cNvPr id="6" name="Straight Arrow Connector 5">
+            <a:extLst>
+              <a:ext uri="{FF2B5EF4-FFF2-40B4-BE49-F238E27FC236}">
+                <a16:creationId xmlns:a16="http://schemas.microsoft.com/office/drawing/2014/main" xmlns="" id="{3C0F131E-E90A-3652-2E94-739BA4B3AD14}"/>
+              </a:ext>
+            </a:extLst>
+          </p:cNvPr>
+          <p:cNvCxnSpPr/>
+          <p:nvPr/>
+        </p:nvCxnSpPr>
+        <p:spPr>
+          <a:xfrm>
+            <a:off x="8167688" y="5195887"/>
+            <a:ext cx="683401" cy="0"/>
+          </a:xfrm>
+          <a:prstGeom prst="straightConnector1">
+            <a:avLst/>
+          </a:prstGeom>
+          <a:ln w="57150">
+            <a:solidFill>
+              <a:schemeClr val="accent1">
+                <a:lumMod val="75000"/>
+              </a:schemeClr>
+            </a:solidFill>
+            <a:tailEnd type="triangle"/>
+          </a:ln>
+        </p:spPr>
+        <p:style>
+          <a:lnRef idx="1">
+            <a:schemeClr val="accent1"/>
+          </a:lnRef>
+          <a:fillRef idx="0">
+            <a:schemeClr val="accent1"/>
+          </a:fillRef>
+          <a:effectRef idx="0">
+            <a:schemeClr val="accent1"/>
+          </a:effectRef>
+          <a:fontRef idx="minor">
+            <a:schemeClr val="tx1"/>
+          </a:fontRef>
+        </p:style>
+      </p:cxnSp>
+      <p:cxnSp>
+        <p:nvCxnSpPr>
+          <p:cNvPr id="8" name="Straight Arrow Connector 7">
+            <a:extLst>
+              <a:ext uri="{FF2B5EF4-FFF2-40B4-BE49-F238E27FC236}">
+                <a16:creationId xmlns:a16="http://schemas.microsoft.com/office/drawing/2014/main" xmlns="" id="{953C8946-F2DA-9D06-E8E1-65ED0C5F25D8}"/>
+              </a:ext>
+            </a:extLst>
+          </p:cNvPr>
+          <p:cNvCxnSpPr>
+            <a:cxnSpLocks/>
+          </p:cNvCxnSpPr>
+          <p:nvPr/>
+        </p:nvCxnSpPr>
+        <p:spPr>
+          <a:xfrm flipH="1">
+            <a:off x="6562761" y="4685505"/>
+            <a:ext cx="685800" cy="228600"/>
+          </a:xfrm>
+          <a:prstGeom prst="straightConnector1">
+            <a:avLst/>
+          </a:prstGeom>
+          <a:ln w="57150">
+            <a:solidFill>
+              <a:schemeClr val="accent1">
+                <a:lumMod val="40000"/>
+                <a:lumOff val="60000"/>
+              </a:schemeClr>
+            </a:solidFill>
+            <a:tailEnd type="triangle"/>
+          </a:ln>
+        </p:spPr>
+        <p:style>
+          <a:lnRef idx="1">
+            <a:schemeClr val="accent1"/>
+          </a:lnRef>
+          <a:fillRef idx="0">
+            <a:schemeClr val="accent1"/>
+          </a:fillRef>
+          <a:effectRef idx="0">
+            <a:schemeClr val="accent1"/>
+          </a:effectRef>
+          <a:fontRef idx="minor">
+            <a:schemeClr val="tx1"/>
+          </a:fontRef>
+        </p:style>
+      </p:cxnSp>
+      <p:cxnSp>
+        <p:nvCxnSpPr>
+          <p:cNvPr id="10" name="Straight Arrow Connector 9">
+            <a:extLst>
+              <a:ext uri="{FF2B5EF4-FFF2-40B4-BE49-F238E27FC236}">
+                <a16:creationId xmlns:a16="http://schemas.microsoft.com/office/drawing/2014/main" xmlns="" id="{73A92731-B2F7-2195-B2DA-1A6401977BE5}"/>
+              </a:ext>
+            </a:extLst>
+          </p:cNvPr>
+          <p:cNvCxnSpPr>
+            <a:cxnSpLocks/>
+          </p:cNvCxnSpPr>
+          <p:nvPr/>
+        </p:nvCxnSpPr>
+        <p:spPr>
+          <a:xfrm flipH="1">
+            <a:off x="11004547" y="4091795"/>
+            <a:ext cx="685800" cy="228600"/>
+          </a:xfrm>
+          <a:prstGeom prst="straightConnector1">
+            <a:avLst/>
+          </a:prstGeom>
+          <a:ln w="57150">
+            <a:solidFill>
+              <a:schemeClr val="accent1">
+                <a:lumMod val="40000"/>
+                <a:lumOff val="60000"/>
+              </a:schemeClr>
+            </a:solidFill>
+            <a:tailEnd type="triangle"/>
+          </a:ln>
+        </p:spPr>
+        <p:style>
+          <a:lnRef idx="1">
+            <a:schemeClr val="accent1"/>
+          </a:lnRef>
+          <a:fillRef idx="0">
+            <a:schemeClr val="accent1"/>
+          </a:fillRef>
+          <a:effectRef idx="0">
+            <a:schemeClr val="accent1"/>
+          </a:effectRef>
+          <a:fontRef idx="minor">
+            <a:schemeClr val="tx1"/>
+          </a:fontRef>
+        </p:style>
+      </p:cxnSp>
+      <p:sp>
+        <p:nvSpPr>
+          <p:cNvPr id="11" name="TextBox 10">
+            <a:extLst>
+              <a:ext uri="{FF2B5EF4-FFF2-40B4-BE49-F238E27FC236}">
+                <a16:creationId xmlns:a16="http://schemas.microsoft.com/office/drawing/2014/main" xmlns="" id="{25E40C69-AAB7-773A-3E63-8815E4C667BB}"/>
+              </a:ext>
+            </a:extLst>
+          </p:cNvPr>
+          <p:cNvSpPr txBox="1"/>
+          <p:nvPr/>
+        </p:nvSpPr>
+        <p:spPr>
+          <a:xfrm>
+            <a:off x="7248561" y="4465160"/>
+            <a:ext cx="734175" cy="369332"/>
+          </a:xfrm>
+          <a:prstGeom prst="rect">
+            <a:avLst/>
+          </a:prstGeom>
+          <a:noFill/>
+        </p:spPr>
+        <p:txBody>
+          <a:bodyPr wrap="none" rtlCol="0">
+            <a:spAutoFit/>
+          </a:bodyPr>
+          <a:lstStyle/>
+          <a:p>
+            <a:r>
+              <a:rPr lang="en-US" dirty="0">
+                <a:solidFill>
+                  <a:schemeClr val="accent1">
+                    <a:lumMod val="75000"/>
+                  </a:schemeClr>
+                </a:solidFill>
+              </a:rPr>
+              <a:t>edges</a:t>
+            </a:r>
+          </a:p>
+        </p:txBody>
+      </p:sp>
+      <p:sp>
+        <p:nvSpPr>
+          <p:cNvPr id="12" name="TextBox 11">
+            <a:extLst>
+              <a:ext uri="{FF2B5EF4-FFF2-40B4-BE49-F238E27FC236}">
+                <a16:creationId xmlns:a16="http://schemas.microsoft.com/office/drawing/2014/main" xmlns="" id="{C2D554D5-ACAF-44BE-A0AE-5FAD5C39073F}"/>
+              </a:ext>
+            </a:extLst>
+          </p:cNvPr>
+          <p:cNvSpPr txBox="1"/>
+          <p:nvPr/>
+        </p:nvSpPr>
+        <p:spPr>
+          <a:xfrm>
+            <a:off x="3742705" y="5697022"/>
+            <a:ext cx="767967" cy="369332"/>
+          </a:xfrm>
+          <a:prstGeom prst="rect">
+            <a:avLst/>
+          </a:prstGeom>
+          <a:noFill/>
+        </p:spPr>
+        <p:txBody>
+          <a:bodyPr wrap="none" rtlCol="0">
+            <a:spAutoFit/>
+          </a:bodyPr>
+          <a:lstStyle/>
+          <a:p>
+            <a:r>
+              <a:rPr lang="en-US" dirty="0">
+                <a:solidFill>
+                  <a:schemeClr val="accent1">
+                    <a:lumMod val="50000"/>
+                  </a:schemeClr>
+                </a:solidFill>
+              </a:rPr>
+              <a:t>vertex</a:t>
+            </a:r>
+          </a:p>
+        </p:txBody>
+      </p:sp>
+    </p:spTree>
+    <p:extLst>
+      <p:ext uri="{BB962C8B-B14F-4D97-AF65-F5344CB8AC3E}">
+        <p14:creationId xmlns:p14="http://schemas.microsoft.com/office/powerpoint/2010/main" val="3646663250"/>
+      </p:ext>
+    </p:extLst>
+  </p:cSld>
+  <p:clrMapOvr>
+    <a:masterClrMapping/>
+  </p:clrMapOvr>
+  <p:timing>
+    <p:tnLst>
+      <p:par>
+        <p:cTn id="1" dur="indefinite" restart="never" nodeType="tmRoot"/>
+      </p:par>
+    </p:tnLst>
+  </p:timing>
+</p:sld>
+</file>
+
+<file path=ppt/slides/slide30.xml><?xml version="1.0" encoding="utf-8"?>
 <p:sld xmlns:a="http://schemas.openxmlformats.org/drawingml/2006/main" xmlns:r="http://schemas.openxmlformats.org/officeDocument/2006/relationships" xmlns:p="http://schemas.openxmlformats.org/presentationml/2006/main">
   <p:cSld>
     <p:spTree>
@@ -12409,9 +13855,6 @@
               </a:rPr>
               <a:t>CONCLUSION</a:t>
             </a:r>
-            <a:endParaRPr lang="en-US" sz="3200" b="1" dirty="0">
-              <a:latin typeface="Arial Black" panose="020B0A04020102020204" pitchFamily="34" charset="0"/>
-            </a:endParaRPr>
           </a:p>
         </p:txBody>
       </p:sp>
@@ -12450,7 +13893,6 @@
               <a:rPr lang="en-US" sz="2000" dirty="0"/>
               <a:t>Graph Theory:</a:t>
             </a:r>
-            <a:endParaRPr lang="en-US" sz="2000" dirty="0"/>
           </a:p>
         </p:txBody>
       </p:sp>
@@ -12519,7 +13961,6 @@
               <a:rPr lang="en-US" sz="2000" dirty="0"/>
               <a:t>Recursion:</a:t>
             </a:r>
-            <a:endParaRPr lang="en-US" sz="2000" dirty="0"/>
           </a:p>
         </p:txBody>
       </p:sp>
@@ -12638,11 +14079,7 @@
             </a:pPr>
             <a:r>
               <a:rPr lang="en-US" dirty="0"/>
-              <a:t>AI </a:t>
-            </a:r>
-            <a:r>
-              <a:rPr lang="en-US" dirty="0"/>
-              <a:t>can be enhanced for games like </a:t>
+              <a:t>AI can be enhanced for games like </a:t>
             </a:r>
             <a:r>
               <a:rPr lang="en-US" dirty="0" err="1"/>
@@ -12724,23 +14161,7 @@
             <a:pPr algn="just"/>
             <a:r>
               <a:rPr lang="en-US" dirty="0"/>
-              <a:t>Graph theory and recursion deepen our understanding of </a:t>
-            </a:r>
-            <a:r>
-              <a:rPr lang="en-US" dirty="0"/>
-              <a:t>mathematical structures </a:t>
-            </a:r>
-            <a:r>
-              <a:rPr lang="en-US" dirty="0"/>
-              <a:t>while transforming practical areas like game development. These concepts enable smarter AI, richer game mechanics, and effective problem-solving, bridging </a:t>
-            </a:r>
-            <a:r>
-              <a:rPr lang="en-US" dirty="0"/>
-              <a:t>gap between theoretical knowledge and </a:t>
-            </a:r>
-            <a:r>
-              <a:rPr lang="en-US" dirty="0"/>
-              <a:t>real-world applications.</a:t>
+              <a:t>Graph theory and recursion deepen our understanding of mathematical structures while transforming practical areas like game development. These concepts enable smarter AI, richer game mechanics, and effective problem-solving, bridging gap between theoretical knowledge and real-world applications.</a:t>
             </a:r>
             <a:endParaRPr dirty="0"/>
           </a:p>
@@ -12766,7 +14187,7 @@
 </p:sld>
 </file>
 
-<file path=ppt/slides/slide26.xml><?xml version="1.0" encoding="utf-8"?>
+<file path=ppt/slides/slide31.xml><?xml version="1.0" encoding="utf-8"?>
 <p:sld xmlns:a="http://schemas.openxmlformats.org/drawingml/2006/main" xmlns:r="http://schemas.openxmlformats.org/officeDocument/2006/relationships" xmlns:p="http://schemas.openxmlformats.org/presentationml/2006/main">
   <p:cSld>
     <p:spTree>
@@ -13029,7 +14450,6 @@
               <a:rPr sz="2400" dirty="0"/>
               <a:t> discuss further.</a:t>
             </a:r>
-            <a:endParaRPr sz="2400" dirty="0"/>
           </a:p>
         </p:txBody>
       </p:sp>
@@ -13113,7 +14533,7 @@
 </p:sld>
 </file>
 
-<file path=ppt/slides/slide3.xml><?xml version="1.0" encoding="utf-8"?>
+<file path=ppt/slides/slide4.xml><?xml version="1.0" encoding="utf-8"?>
 <p:sld xmlns:a="http://schemas.openxmlformats.org/drawingml/2006/main" xmlns:r="http://schemas.openxmlformats.org/officeDocument/2006/relationships" xmlns:p="http://schemas.openxmlformats.org/presentationml/2006/main">
   <p:cSld>
     <p:spTree>
@@ -13135,7 +14555,7 @@
           <p:cNvPr id="2" name="Title 1">
             <a:extLst>
               <a:ext uri="{FF2B5EF4-FFF2-40B4-BE49-F238E27FC236}">
-                <a16:creationId xmlns:a16="http://schemas.microsoft.com/office/drawing/2014/main" id="{5D30DDF8-853A-DFDB-A947-FE9D44C8E03C}"/>
+                <a16:creationId xmlns:a16="http://schemas.microsoft.com/office/drawing/2014/main" xmlns="" id="{5D30DDF8-853A-DFDB-A947-FE9D44C8E03C}"/>
               </a:ext>
             </a:extLst>
           </p:cNvPr>
@@ -13192,7 +14612,7 @@
           <p:cNvPr id="3" name="Text Placeholder 2">
             <a:extLst>
               <a:ext uri="{FF2B5EF4-FFF2-40B4-BE49-F238E27FC236}">
-                <a16:creationId xmlns:a16="http://schemas.microsoft.com/office/drawing/2014/main" id="{F3FFBF10-3A6A-039D-96F3-6E61CA66CD1E}"/>
+                <a16:creationId xmlns:a16="http://schemas.microsoft.com/office/drawing/2014/main" xmlns="" id="{F3FFBF10-3A6A-039D-96F3-6E61CA66CD1E}"/>
               </a:ext>
             </a:extLst>
           </p:cNvPr>
@@ -13258,7 +14678,7 @@
           <p:cNvPr id="5" name="Picture 4">
             <a:extLst>
               <a:ext uri="{FF2B5EF4-FFF2-40B4-BE49-F238E27FC236}">
-                <a16:creationId xmlns:a16="http://schemas.microsoft.com/office/drawing/2014/main" id="{DF5E120D-8E2E-D414-9BE3-A68A099B210E}"/>
+                <a16:creationId xmlns:a16="http://schemas.microsoft.com/office/drawing/2014/main" xmlns="" id="{DF5E120D-8E2E-D414-9BE3-A68A099B210E}"/>
               </a:ext>
             </a:extLst>
           </p:cNvPr>
@@ -13293,7 +14713,7 @@
           <p:cNvPr id="7" name="Picture 6">
             <a:extLst>
               <a:ext uri="{FF2B5EF4-FFF2-40B4-BE49-F238E27FC236}">
-                <a16:creationId xmlns:a16="http://schemas.microsoft.com/office/drawing/2014/main" id="{5EC6C3A6-23EE-3547-4CDC-5D24A0A7D522}"/>
+                <a16:creationId xmlns:a16="http://schemas.microsoft.com/office/drawing/2014/main" xmlns="" id="{5EC6C3A6-23EE-3547-4CDC-5D24A0A7D522}"/>
               </a:ext>
             </a:extLst>
           </p:cNvPr>
@@ -13315,7 +14735,7 @@
         </p:blipFill>
         <p:spPr>
           <a:xfrm>
-            <a:off x="5162513" y="4334682"/>
+            <a:off x="5162513" y="4318386"/>
             <a:ext cx="1909799" cy="2182041"/>
           </a:xfrm>
           <a:prstGeom prst="rect">
@@ -13328,7 +14748,7 @@
           <p:cNvPr id="9" name="Picture 8">
             <a:extLst>
               <a:ext uri="{FF2B5EF4-FFF2-40B4-BE49-F238E27FC236}">
-                <a16:creationId xmlns:a16="http://schemas.microsoft.com/office/drawing/2014/main" id="{BCAA92A2-3C81-650B-7F86-D978F3483C08}"/>
+                <a16:creationId xmlns:a16="http://schemas.microsoft.com/office/drawing/2014/main" xmlns="" id="{BCAA92A2-3C81-650B-7F86-D978F3483C08}"/>
               </a:ext>
             </a:extLst>
           </p:cNvPr>
@@ -13363,7 +14783,7 @@
           <p:cNvPr id="13" name="Straight Arrow Connector 12">
             <a:extLst>
               <a:ext uri="{FF2B5EF4-FFF2-40B4-BE49-F238E27FC236}">
-                <a16:creationId xmlns:a16="http://schemas.microsoft.com/office/drawing/2014/main" id="{0CF5CAB6-3C22-9FEC-7E1E-7B91C8E5761F}"/>
+                <a16:creationId xmlns:a16="http://schemas.microsoft.com/office/drawing/2014/main" xmlns="" id="{0CF5CAB6-3C22-9FEC-7E1E-7B91C8E5761F}"/>
               </a:ext>
             </a:extLst>
           </p:cNvPr>
@@ -13407,7 +14827,7 @@
           <p:cNvPr id="14" name="Straight Arrow Connector 13">
             <a:extLst>
               <a:ext uri="{FF2B5EF4-FFF2-40B4-BE49-F238E27FC236}">
-                <a16:creationId xmlns:a16="http://schemas.microsoft.com/office/drawing/2014/main" id="{1CCF16B9-A09E-4470-2324-7D202860F263}"/>
+                <a16:creationId xmlns:a16="http://schemas.microsoft.com/office/drawing/2014/main" xmlns="" id="{1CCF16B9-A09E-4470-2324-7D202860F263}"/>
               </a:ext>
             </a:extLst>
           </p:cNvPr>
@@ -13454,7 +14874,7 @@
           <p:cNvPr id="4" name="Straight Arrow Connector 3">
             <a:extLst>
               <a:ext uri="{FF2B5EF4-FFF2-40B4-BE49-F238E27FC236}">
-                <a16:creationId xmlns:a16="http://schemas.microsoft.com/office/drawing/2014/main" id="{98ADD665-6FC6-CEB4-6D76-8C26111BF116}"/>
+                <a16:creationId xmlns:a16="http://schemas.microsoft.com/office/drawing/2014/main" xmlns="" id="{98ADD665-6FC6-CEB4-6D76-8C26111BF116}"/>
               </a:ext>
             </a:extLst>
           </p:cNvPr>
@@ -13498,7 +14918,7 @@
           <p:cNvPr id="6" name="Straight Arrow Connector 5">
             <a:extLst>
               <a:ext uri="{FF2B5EF4-FFF2-40B4-BE49-F238E27FC236}">
-                <a16:creationId xmlns:a16="http://schemas.microsoft.com/office/drawing/2014/main" id="{3C0F131E-E90A-3652-2E94-739BA4B3AD14}"/>
+                <a16:creationId xmlns:a16="http://schemas.microsoft.com/office/drawing/2014/main" xmlns="" id="{3C0F131E-E90A-3652-2E94-739BA4B3AD14}"/>
               </a:ext>
             </a:extLst>
           </p:cNvPr>
@@ -13542,7 +14962,7 @@
           <p:cNvPr id="8" name="Straight Arrow Connector 7">
             <a:extLst>
               <a:ext uri="{FF2B5EF4-FFF2-40B4-BE49-F238E27FC236}">
-                <a16:creationId xmlns:a16="http://schemas.microsoft.com/office/drawing/2014/main" id="{953C8946-F2DA-9D06-E8E1-65ED0C5F25D8}"/>
+                <a16:creationId xmlns:a16="http://schemas.microsoft.com/office/drawing/2014/main" xmlns="" id="{953C8946-F2DA-9D06-E8E1-65ED0C5F25D8}"/>
               </a:ext>
             </a:extLst>
           </p:cNvPr>
@@ -13589,7 +15009,7 @@
           <p:cNvPr id="10" name="Straight Arrow Connector 9">
             <a:extLst>
               <a:ext uri="{FF2B5EF4-FFF2-40B4-BE49-F238E27FC236}">
-                <a16:creationId xmlns:a16="http://schemas.microsoft.com/office/drawing/2014/main" id="{73A92731-B2F7-2195-B2DA-1A6401977BE5}"/>
+                <a16:creationId xmlns:a16="http://schemas.microsoft.com/office/drawing/2014/main" xmlns="" id="{73A92731-B2F7-2195-B2DA-1A6401977BE5}"/>
               </a:ext>
             </a:extLst>
           </p:cNvPr>
@@ -13636,7 +15056,7 @@
           <p:cNvPr id="11" name="TextBox 10">
             <a:extLst>
               <a:ext uri="{FF2B5EF4-FFF2-40B4-BE49-F238E27FC236}">
-                <a16:creationId xmlns:a16="http://schemas.microsoft.com/office/drawing/2014/main" id="{25E40C69-AAB7-773A-3E63-8815E4C667BB}"/>
+                <a16:creationId xmlns:a16="http://schemas.microsoft.com/office/drawing/2014/main" xmlns="" id="{25E40C69-AAB7-773A-3E63-8815E4C667BB}"/>
               </a:ext>
             </a:extLst>
           </p:cNvPr>
@@ -13677,7 +15097,7 @@
           <p:cNvPr id="12" name="TextBox 11">
             <a:extLst>
               <a:ext uri="{FF2B5EF4-FFF2-40B4-BE49-F238E27FC236}">
-                <a16:creationId xmlns:a16="http://schemas.microsoft.com/office/drawing/2014/main" id="{C2D554D5-ACAF-44BE-A0AE-5FAD5C39073F}"/>
+                <a16:creationId xmlns:a16="http://schemas.microsoft.com/office/drawing/2014/main" xmlns="" id="{C2D554D5-ACAF-44BE-A0AE-5FAD5C39073F}"/>
               </a:ext>
             </a:extLst>
           </p:cNvPr>
@@ -13713,632 +15133,12 @@
           </a:p>
         </p:txBody>
       </p:sp>
-    </p:spTree>
-    <p:extLst>
-      <p:ext uri="{BB962C8B-B14F-4D97-AF65-F5344CB8AC3E}">
-        <p14:creationId xmlns:p14="http://schemas.microsoft.com/office/powerpoint/2010/main" val="3646663250"/>
-      </p:ext>
-    </p:extLst>
-  </p:cSld>
-  <p:clrMapOvr>
-    <a:masterClrMapping/>
-  </p:clrMapOvr>
-  <p:timing>
-    <p:tnLst>
-      <p:par>
-        <p:cTn id="1" dur="indefinite" restart="never" nodeType="tmRoot"/>
-      </p:par>
-    </p:tnLst>
-  </p:timing>
-</p:sld>
-</file>
-
-<file path=ppt/slides/slide4.xml><?xml version="1.0" encoding="utf-8"?>
-<p:sld xmlns:a="http://schemas.openxmlformats.org/drawingml/2006/main" xmlns:r="http://schemas.openxmlformats.org/officeDocument/2006/relationships" xmlns:p="http://schemas.openxmlformats.org/presentationml/2006/main">
-  <p:cSld>
-    <p:spTree>
-      <p:nvGrpSpPr>
-        <p:cNvPr id="1" name=""/>
-        <p:cNvGrpSpPr/>
-        <p:nvPr/>
-      </p:nvGrpSpPr>
-      <p:grpSpPr>
-        <a:xfrm>
-          <a:off x="0" y="0"/>
-          <a:ext cx="0" cy="0"/>
-          <a:chOff x="0" y="0"/>
-          <a:chExt cx="0" cy="0"/>
-        </a:xfrm>
-      </p:grpSpPr>
-      <p:sp>
-        <p:nvSpPr>
-          <p:cNvPr id="2" name="Title 1">
-            <a:extLst>
-              <a:ext uri="{FF2B5EF4-FFF2-40B4-BE49-F238E27FC236}">
-                <a16:creationId xmlns:a16="http://schemas.microsoft.com/office/drawing/2014/main" id="{5D30DDF8-853A-DFDB-A947-FE9D44C8E03C}"/>
-              </a:ext>
-            </a:extLst>
-          </p:cNvPr>
-          <p:cNvSpPr>
-            <a:spLocks noGrp="1"/>
-          </p:cNvSpPr>
-          <p:nvPr>
-            <p:ph type="title"/>
-          </p:nvPr>
-        </p:nvSpPr>
-        <p:spPr>
-          <a:xfrm>
-            <a:off x="831848" y="768350"/>
-            <a:ext cx="10515599" cy="1500187"/>
-          </a:xfrm>
-        </p:spPr>
-        <p:txBody>
-          <a:bodyPr>
-            <a:normAutofit fontScale="90000"/>
-          </a:bodyPr>
-          <a:lstStyle/>
-          <a:p>
-            <a:pPr>
-              <a:lnSpc>
-                <a:spcPct val="100000"/>
-              </a:lnSpc>
-            </a:pPr>
-            <a:r>
-              <a:rPr lang="en-US" sz="4000" b="1" dirty="0">
-                <a:latin typeface="Arial Black" panose="020B0A04020102020204" pitchFamily="34" charset="0"/>
-              </a:rPr>
-              <a:t>GRAPH :</a:t>
-            </a:r>
-            <a:r>
-              <a:rPr lang="en-US" dirty="0"/>
-              <a:t> </a:t>
-            </a:r>
-            <a:r>
-              <a:rPr lang="en-US" sz="3200" dirty="0">
-                <a:latin typeface="Arial" panose="020B0604020202020204" pitchFamily="34" charset="0"/>
-                <a:cs typeface="Arial" panose="020B0604020202020204" pitchFamily="34" charset="0"/>
-              </a:rPr>
-              <a:t>a list of pairs of “things” called vertex/vertices, and lines between those points, called edges </a:t>
-            </a:r>
-            <a:endParaRPr lang="en-US" dirty="0">
-              <a:latin typeface="Arial" panose="020B0604020202020204" pitchFamily="34" charset="0"/>
-              <a:cs typeface="Arial" panose="020B0604020202020204" pitchFamily="34" charset="0"/>
-            </a:endParaRPr>
-          </a:p>
-        </p:txBody>
-      </p:sp>
-      <p:sp>
-        <p:nvSpPr>
-          <p:cNvPr id="3" name="Text Placeholder 2">
-            <a:extLst>
-              <a:ext uri="{FF2B5EF4-FFF2-40B4-BE49-F238E27FC236}">
-                <a16:creationId xmlns:a16="http://schemas.microsoft.com/office/drawing/2014/main" id="{F3FFBF10-3A6A-039D-96F3-6E61CA66CD1E}"/>
-              </a:ext>
-            </a:extLst>
-          </p:cNvPr>
-          <p:cNvSpPr>
-            <a:spLocks noGrp="1"/>
-          </p:cNvSpPr>
-          <p:nvPr>
-            <p:ph type="body" idx="1"/>
-          </p:nvPr>
-        </p:nvSpPr>
-        <p:spPr>
-          <a:xfrm>
-            <a:off x="831847" y="2903537"/>
-            <a:ext cx="10515600" cy="1500187"/>
-          </a:xfrm>
-        </p:spPr>
-        <p:txBody>
-          <a:bodyPr/>
-          <a:lstStyle/>
-          <a:p>
-            <a:r>
-              <a:rPr lang="en-US" dirty="0">
-                <a:solidFill>
-                  <a:schemeClr val="tx1">
-                    <a:lumMod val="95000"/>
-                    <a:lumOff val="5000"/>
-                  </a:schemeClr>
-                </a:solidFill>
-              </a:rPr>
-              <a:t>𝐴 = {(1, 2), (1, 3), (3, 4), (4, 5)} </a:t>
-            </a:r>
-          </a:p>
-          <a:p>
-            <a:r>
-              <a:rPr lang="en-US" dirty="0">
-                <a:solidFill>
-                  <a:schemeClr val="tx1">
-                    <a:lumMod val="95000"/>
-                    <a:lumOff val="5000"/>
-                  </a:schemeClr>
-                </a:solidFill>
-              </a:rPr>
-              <a:t>𝐵 = {(A, B), (B, C), (A, C), (A, D)} </a:t>
-            </a:r>
-          </a:p>
-          <a:p>
-            <a:r>
-              <a:rPr lang="en-US" dirty="0">
-                <a:solidFill>
-                  <a:schemeClr val="tx1">
-                    <a:lumMod val="95000"/>
-                    <a:lumOff val="5000"/>
-                  </a:schemeClr>
-                </a:solidFill>
-              </a:rPr>
-              <a:t>𝐶 = {(LHR,KRA), (LHR,ISB), (FSD,SWL), (STD,MUL)}</a:t>
-            </a:r>
-          </a:p>
-        </p:txBody>
-      </p:sp>
-      <p:pic>
-        <p:nvPicPr>
-          <p:cNvPr id="5" name="Picture 4">
-            <a:extLst>
-              <a:ext uri="{FF2B5EF4-FFF2-40B4-BE49-F238E27FC236}">
-                <a16:creationId xmlns:a16="http://schemas.microsoft.com/office/drawing/2014/main" id="{DF5E120D-8E2E-D414-9BE3-A68A099B210E}"/>
-              </a:ext>
-            </a:extLst>
-          </p:cNvPr>
-          <p:cNvPicPr>
-            <a:picLocks noChangeAspect="1"/>
-          </p:cNvPicPr>
-          <p:nvPr/>
-        </p:nvPicPr>
-        <p:blipFill rotWithShape="1">
-          <a:blip r:embed="rId2">
-            <a:extLst>
-              <a:ext uri="{28A0092B-C50C-407E-A947-70E740481C1C}">
-                <a14:useLocalDpi xmlns:a14="http://schemas.microsoft.com/office/drawing/2010/main" val="0"/>
-              </a:ext>
-            </a:extLst>
-          </a:blip>
-          <a:srcRect t="6531" b="9403"/>
-          <a:stretch/>
-        </p:blipFill>
-        <p:spPr>
-          <a:xfrm>
-            <a:off x="8343937" y="3702353"/>
-            <a:ext cx="3543263" cy="2978676"/>
-          </a:xfrm>
-          <a:prstGeom prst="rect">
-            <a:avLst/>
-          </a:prstGeom>
-        </p:spPr>
-      </p:pic>
-      <p:pic>
-        <p:nvPicPr>
-          <p:cNvPr id="7" name="Picture 6">
-            <a:extLst>
-              <a:ext uri="{FF2B5EF4-FFF2-40B4-BE49-F238E27FC236}">
-                <a16:creationId xmlns:a16="http://schemas.microsoft.com/office/drawing/2014/main" id="{5EC6C3A6-23EE-3547-4CDC-5D24A0A7D522}"/>
-              </a:ext>
-            </a:extLst>
-          </p:cNvPr>
-          <p:cNvPicPr>
-            <a:picLocks noChangeAspect="1"/>
-          </p:cNvPicPr>
-          <p:nvPr/>
-        </p:nvPicPr>
-        <p:blipFill rotWithShape="1">
-          <a:blip r:embed="rId3">
-            <a:extLst>
-              <a:ext uri="{28A0092B-C50C-407E-A947-70E740481C1C}">
-                <a14:useLocalDpi xmlns:a14="http://schemas.microsoft.com/office/drawing/2010/main" val="0"/>
-              </a:ext>
-            </a:extLst>
-          </a:blip>
-          <a:srcRect l="16208" t="18615" r="21275" b="9955"/>
-          <a:stretch/>
-        </p:blipFill>
-        <p:spPr>
-          <a:xfrm>
-            <a:off x="5162513" y="4318386"/>
-            <a:ext cx="1909799" cy="2182041"/>
-          </a:xfrm>
-          <a:prstGeom prst="rect">
-            <a:avLst/>
-          </a:prstGeom>
-        </p:spPr>
-      </p:pic>
-      <p:pic>
-        <p:nvPicPr>
-          <p:cNvPr id="9" name="Picture 8">
-            <a:extLst>
-              <a:ext uri="{FF2B5EF4-FFF2-40B4-BE49-F238E27FC236}">
-                <a16:creationId xmlns:a16="http://schemas.microsoft.com/office/drawing/2014/main" id="{BCAA92A2-3C81-650B-7F86-D978F3483C08}"/>
-              </a:ext>
-            </a:extLst>
-          </p:cNvPr>
-          <p:cNvPicPr>
-            <a:picLocks noChangeAspect="1"/>
-          </p:cNvPicPr>
-          <p:nvPr/>
-        </p:nvPicPr>
-        <p:blipFill rotWithShape="1">
-          <a:blip r:embed="rId4">
-            <a:extLst>
-              <a:ext uri="{28A0092B-C50C-407E-A947-70E740481C1C}">
-                <a14:useLocalDpi xmlns:a14="http://schemas.microsoft.com/office/drawing/2010/main" val="0"/>
-              </a:ext>
-            </a:extLst>
-          </a:blip>
-          <a:srcRect l="14925" t="15385" r="12455" b="21978"/>
-          <a:stretch/>
-        </p:blipFill>
-        <p:spPr>
-          <a:xfrm>
-            <a:off x="1112026" y="4505918"/>
-            <a:ext cx="2331262" cy="2010805"/>
-          </a:xfrm>
-          <a:prstGeom prst="rect">
-            <a:avLst/>
-          </a:prstGeom>
-        </p:spPr>
-      </p:pic>
-      <p:cxnSp>
-        <p:nvCxnSpPr>
-          <p:cNvPr id="13" name="Straight Arrow Connector 12">
-            <a:extLst>
-              <a:ext uri="{FF2B5EF4-FFF2-40B4-BE49-F238E27FC236}">
-                <a16:creationId xmlns:a16="http://schemas.microsoft.com/office/drawing/2014/main" id="{0CF5CAB6-3C22-9FEC-7E1E-7B91C8E5761F}"/>
-              </a:ext>
-            </a:extLst>
-          </p:cNvPr>
-          <p:cNvCxnSpPr/>
-          <p:nvPr/>
-        </p:nvCxnSpPr>
-        <p:spPr>
-          <a:xfrm>
-            <a:off x="428625" y="5200650"/>
-            <a:ext cx="683401" cy="0"/>
-          </a:xfrm>
-          <a:prstGeom prst="straightConnector1">
-            <a:avLst/>
-          </a:prstGeom>
-          <a:ln w="57150">
-            <a:solidFill>
-              <a:schemeClr val="accent1">
-                <a:lumMod val="75000"/>
-              </a:schemeClr>
-            </a:solidFill>
-            <a:tailEnd type="triangle"/>
-          </a:ln>
-        </p:spPr>
-        <p:style>
-          <a:lnRef idx="1">
-            <a:schemeClr val="accent1"/>
-          </a:lnRef>
-          <a:fillRef idx="0">
-            <a:schemeClr val="accent1"/>
-          </a:fillRef>
-          <a:effectRef idx="0">
-            <a:schemeClr val="accent1"/>
-          </a:effectRef>
-          <a:fontRef idx="minor">
-            <a:schemeClr val="tx1"/>
-          </a:fontRef>
-        </p:style>
-      </p:cxnSp>
-      <p:cxnSp>
-        <p:nvCxnSpPr>
-          <p:cNvPr id="14" name="Straight Arrow Connector 13">
-            <a:extLst>
-              <a:ext uri="{FF2B5EF4-FFF2-40B4-BE49-F238E27FC236}">
-                <a16:creationId xmlns:a16="http://schemas.microsoft.com/office/drawing/2014/main" id="{1CCF16B9-A09E-4470-2324-7D202860F263}"/>
-              </a:ext>
-            </a:extLst>
-          </p:cNvPr>
-          <p:cNvCxnSpPr>
-            <a:cxnSpLocks/>
-          </p:cNvCxnSpPr>
-          <p:nvPr/>
-        </p:nvCxnSpPr>
-        <p:spPr>
-          <a:xfrm flipH="1">
-            <a:off x="2757488" y="4729163"/>
-            <a:ext cx="685800" cy="228600"/>
-          </a:xfrm>
-          <a:prstGeom prst="straightConnector1">
-            <a:avLst/>
-          </a:prstGeom>
-          <a:ln w="57150">
-            <a:solidFill>
-              <a:schemeClr val="accent1">
-                <a:lumMod val="40000"/>
-                <a:lumOff val="60000"/>
-              </a:schemeClr>
-            </a:solidFill>
-            <a:tailEnd type="triangle"/>
-          </a:ln>
-        </p:spPr>
-        <p:style>
-          <a:lnRef idx="1">
-            <a:schemeClr val="accent1"/>
-          </a:lnRef>
-          <a:fillRef idx="0">
-            <a:schemeClr val="accent1"/>
-          </a:fillRef>
-          <a:effectRef idx="0">
-            <a:schemeClr val="accent1"/>
-          </a:effectRef>
-          <a:fontRef idx="minor">
-            <a:schemeClr val="tx1"/>
-          </a:fontRef>
-        </p:style>
-      </p:cxnSp>
-      <p:cxnSp>
-        <p:nvCxnSpPr>
-          <p:cNvPr id="4" name="Straight Arrow Connector 3">
-            <a:extLst>
-              <a:ext uri="{FF2B5EF4-FFF2-40B4-BE49-F238E27FC236}">
-                <a16:creationId xmlns:a16="http://schemas.microsoft.com/office/drawing/2014/main" id="{98ADD665-6FC6-CEB4-6D76-8C26111BF116}"/>
-              </a:ext>
-            </a:extLst>
-          </p:cNvPr>
-          <p:cNvCxnSpPr/>
-          <p:nvPr/>
-        </p:nvCxnSpPr>
-        <p:spPr>
-          <a:xfrm>
-            <a:off x="4479112" y="5881688"/>
-            <a:ext cx="683401" cy="0"/>
-          </a:xfrm>
-          <a:prstGeom prst="straightConnector1">
-            <a:avLst/>
-          </a:prstGeom>
-          <a:ln w="57150">
-            <a:solidFill>
-              <a:schemeClr val="accent1">
-                <a:lumMod val="75000"/>
-              </a:schemeClr>
-            </a:solidFill>
-            <a:tailEnd type="triangle"/>
-          </a:ln>
-        </p:spPr>
-        <p:style>
-          <a:lnRef idx="1">
-            <a:schemeClr val="accent1"/>
-          </a:lnRef>
-          <a:fillRef idx="0">
-            <a:schemeClr val="accent1"/>
-          </a:fillRef>
-          <a:effectRef idx="0">
-            <a:schemeClr val="accent1"/>
-          </a:effectRef>
-          <a:fontRef idx="minor">
-            <a:schemeClr val="tx1"/>
-          </a:fontRef>
-        </p:style>
-      </p:cxnSp>
-      <p:cxnSp>
-        <p:nvCxnSpPr>
-          <p:cNvPr id="6" name="Straight Arrow Connector 5">
-            <a:extLst>
-              <a:ext uri="{FF2B5EF4-FFF2-40B4-BE49-F238E27FC236}">
-                <a16:creationId xmlns:a16="http://schemas.microsoft.com/office/drawing/2014/main" id="{3C0F131E-E90A-3652-2E94-739BA4B3AD14}"/>
-              </a:ext>
-            </a:extLst>
-          </p:cNvPr>
-          <p:cNvCxnSpPr/>
-          <p:nvPr/>
-        </p:nvCxnSpPr>
-        <p:spPr>
-          <a:xfrm>
-            <a:off x="8167688" y="5195887"/>
-            <a:ext cx="683401" cy="0"/>
-          </a:xfrm>
-          <a:prstGeom prst="straightConnector1">
-            <a:avLst/>
-          </a:prstGeom>
-          <a:ln w="57150">
-            <a:solidFill>
-              <a:schemeClr val="accent1">
-                <a:lumMod val="75000"/>
-              </a:schemeClr>
-            </a:solidFill>
-            <a:tailEnd type="triangle"/>
-          </a:ln>
-        </p:spPr>
-        <p:style>
-          <a:lnRef idx="1">
-            <a:schemeClr val="accent1"/>
-          </a:lnRef>
-          <a:fillRef idx="0">
-            <a:schemeClr val="accent1"/>
-          </a:fillRef>
-          <a:effectRef idx="0">
-            <a:schemeClr val="accent1"/>
-          </a:effectRef>
-          <a:fontRef idx="minor">
-            <a:schemeClr val="tx1"/>
-          </a:fontRef>
-        </p:style>
-      </p:cxnSp>
-      <p:cxnSp>
-        <p:nvCxnSpPr>
-          <p:cNvPr id="8" name="Straight Arrow Connector 7">
-            <a:extLst>
-              <a:ext uri="{FF2B5EF4-FFF2-40B4-BE49-F238E27FC236}">
-                <a16:creationId xmlns:a16="http://schemas.microsoft.com/office/drawing/2014/main" id="{953C8946-F2DA-9D06-E8E1-65ED0C5F25D8}"/>
-              </a:ext>
-            </a:extLst>
-          </p:cNvPr>
-          <p:cNvCxnSpPr>
-            <a:cxnSpLocks/>
-          </p:cNvCxnSpPr>
-          <p:nvPr/>
-        </p:nvCxnSpPr>
-        <p:spPr>
-          <a:xfrm flipH="1">
-            <a:off x="6562761" y="4685505"/>
-            <a:ext cx="685800" cy="228600"/>
-          </a:xfrm>
-          <a:prstGeom prst="straightConnector1">
-            <a:avLst/>
-          </a:prstGeom>
-          <a:ln w="57150">
-            <a:solidFill>
-              <a:schemeClr val="accent1">
-                <a:lumMod val="40000"/>
-                <a:lumOff val="60000"/>
-              </a:schemeClr>
-            </a:solidFill>
-            <a:tailEnd type="triangle"/>
-          </a:ln>
-        </p:spPr>
-        <p:style>
-          <a:lnRef idx="1">
-            <a:schemeClr val="accent1"/>
-          </a:lnRef>
-          <a:fillRef idx="0">
-            <a:schemeClr val="accent1"/>
-          </a:fillRef>
-          <a:effectRef idx="0">
-            <a:schemeClr val="accent1"/>
-          </a:effectRef>
-          <a:fontRef idx="minor">
-            <a:schemeClr val="tx1"/>
-          </a:fontRef>
-        </p:style>
-      </p:cxnSp>
-      <p:cxnSp>
-        <p:nvCxnSpPr>
-          <p:cNvPr id="10" name="Straight Arrow Connector 9">
-            <a:extLst>
-              <a:ext uri="{FF2B5EF4-FFF2-40B4-BE49-F238E27FC236}">
-                <a16:creationId xmlns:a16="http://schemas.microsoft.com/office/drawing/2014/main" id="{73A92731-B2F7-2195-B2DA-1A6401977BE5}"/>
-              </a:ext>
-            </a:extLst>
-          </p:cNvPr>
-          <p:cNvCxnSpPr>
-            <a:cxnSpLocks/>
-          </p:cNvCxnSpPr>
-          <p:nvPr/>
-        </p:nvCxnSpPr>
-        <p:spPr>
-          <a:xfrm flipH="1">
-            <a:off x="11004547" y="4091795"/>
-            <a:ext cx="685800" cy="228600"/>
-          </a:xfrm>
-          <a:prstGeom prst="straightConnector1">
-            <a:avLst/>
-          </a:prstGeom>
-          <a:ln w="57150">
-            <a:solidFill>
-              <a:schemeClr val="accent1">
-                <a:lumMod val="40000"/>
-                <a:lumOff val="60000"/>
-              </a:schemeClr>
-            </a:solidFill>
-            <a:tailEnd type="triangle"/>
-          </a:ln>
-        </p:spPr>
-        <p:style>
-          <a:lnRef idx="1">
-            <a:schemeClr val="accent1"/>
-          </a:lnRef>
-          <a:fillRef idx="0">
-            <a:schemeClr val="accent1"/>
-          </a:fillRef>
-          <a:effectRef idx="0">
-            <a:schemeClr val="accent1"/>
-          </a:effectRef>
-          <a:fontRef idx="minor">
-            <a:schemeClr val="tx1"/>
-          </a:fontRef>
-        </p:style>
-      </p:cxnSp>
-      <p:sp>
-        <p:nvSpPr>
-          <p:cNvPr id="11" name="TextBox 10">
-            <a:extLst>
-              <a:ext uri="{FF2B5EF4-FFF2-40B4-BE49-F238E27FC236}">
-                <a16:creationId xmlns:a16="http://schemas.microsoft.com/office/drawing/2014/main" id="{25E40C69-AAB7-773A-3E63-8815E4C667BB}"/>
-              </a:ext>
-            </a:extLst>
-          </p:cNvPr>
-          <p:cNvSpPr txBox="1"/>
-          <p:nvPr/>
-        </p:nvSpPr>
-        <p:spPr>
-          <a:xfrm>
-            <a:off x="7248561" y="4465160"/>
-            <a:ext cx="734175" cy="369332"/>
-          </a:xfrm>
-          <a:prstGeom prst="rect">
-            <a:avLst/>
-          </a:prstGeom>
-          <a:noFill/>
-        </p:spPr>
-        <p:txBody>
-          <a:bodyPr wrap="none" rtlCol="0">
-            <a:spAutoFit/>
-          </a:bodyPr>
-          <a:lstStyle/>
-          <a:p>
-            <a:r>
-              <a:rPr lang="en-US" dirty="0">
-                <a:solidFill>
-                  <a:schemeClr val="accent1">
-                    <a:lumMod val="75000"/>
-                  </a:schemeClr>
-                </a:solidFill>
-              </a:rPr>
-              <a:t>edges</a:t>
-            </a:r>
-          </a:p>
-        </p:txBody>
-      </p:sp>
-      <p:sp>
-        <p:nvSpPr>
-          <p:cNvPr id="12" name="TextBox 11">
-            <a:extLst>
-              <a:ext uri="{FF2B5EF4-FFF2-40B4-BE49-F238E27FC236}">
-                <a16:creationId xmlns:a16="http://schemas.microsoft.com/office/drawing/2014/main" id="{C2D554D5-ACAF-44BE-A0AE-5FAD5C39073F}"/>
-              </a:ext>
-            </a:extLst>
-          </p:cNvPr>
-          <p:cNvSpPr txBox="1"/>
-          <p:nvPr/>
-        </p:nvSpPr>
-        <p:spPr>
-          <a:xfrm>
-            <a:off x="3742705" y="5697022"/>
-            <a:ext cx="767967" cy="369332"/>
-          </a:xfrm>
-          <a:prstGeom prst="rect">
-            <a:avLst/>
-          </a:prstGeom>
-          <a:noFill/>
-        </p:spPr>
-        <p:txBody>
-          <a:bodyPr wrap="none" rtlCol="0">
-            <a:spAutoFit/>
-          </a:bodyPr>
-          <a:lstStyle/>
-          <a:p>
-            <a:r>
-              <a:rPr lang="en-US" dirty="0">
-                <a:solidFill>
-                  <a:schemeClr val="accent1">
-                    <a:lumMod val="50000"/>
-                  </a:schemeClr>
-                </a:solidFill>
-              </a:rPr>
-              <a:t>vertex</a:t>
-            </a:r>
-          </a:p>
-        </p:txBody>
-      </p:sp>
       <p:cxnSp>
         <p:nvCxnSpPr>
           <p:cNvPr id="16" name="Straight Connector 15">
             <a:extLst>
               <a:ext uri="{FF2B5EF4-FFF2-40B4-BE49-F238E27FC236}">
-                <a16:creationId xmlns:a16="http://schemas.microsoft.com/office/drawing/2014/main" id="{ACDAADC2-F7E7-2AB3-8431-833234F0D948}"/>
+                <a16:creationId xmlns:a16="http://schemas.microsoft.com/office/drawing/2014/main" xmlns="" id="{ACDAADC2-F7E7-2AB3-8431-833234F0D948}"/>
               </a:ext>
             </a:extLst>
           </p:cNvPr>
@@ -14381,7 +15181,7 @@
           <p:cNvPr id="19" name="Straight Connector 18">
             <a:extLst>
               <a:ext uri="{FF2B5EF4-FFF2-40B4-BE49-F238E27FC236}">
-                <a16:creationId xmlns:a16="http://schemas.microsoft.com/office/drawing/2014/main" id="{1D3114F2-3799-D088-0DA0-DE82349A782F}"/>
+                <a16:creationId xmlns:a16="http://schemas.microsoft.com/office/drawing/2014/main" xmlns="" id="{1D3114F2-3799-D088-0DA0-DE82349A782F}"/>
               </a:ext>
             </a:extLst>
           </p:cNvPr>
@@ -14424,7 +15224,7 @@
           <p:cNvPr id="22" name="TextBox 21">
             <a:extLst>
               <a:ext uri="{FF2B5EF4-FFF2-40B4-BE49-F238E27FC236}">
-                <a16:creationId xmlns:a16="http://schemas.microsoft.com/office/drawing/2014/main" id="{46B7EA58-223A-76DA-904C-B127A21679D7}"/>
+                <a16:creationId xmlns:a16="http://schemas.microsoft.com/office/drawing/2014/main" xmlns="" id="{46B7EA58-223A-76DA-904C-B127A21679D7}"/>
               </a:ext>
             </a:extLst>
           </p:cNvPr>
@@ -14502,7 +15302,7 @@
           <p:cNvPr id="2" name="TextBox 1">
             <a:extLst>
               <a:ext uri="{FF2B5EF4-FFF2-40B4-BE49-F238E27FC236}">
-                <a16:creationId xmlns:a16="http://schemas.microsoft.com/office/drawing/2014/main" id="{CFBB8880-030D-770F-78E0-250ED3C4086B}"/>
+                <a16:creationId xmlns:a16="http://schemas.microsoft.com/office/drawing/2014/main" xmlns="" id="{CFBB8880-030D-770F-78E0-250ED3C4086B}"/>
               </a:ext>
             </a:extLst>
           </p:cNvPr>
@@ -14541,7 +15341,7 @@
           <p:cNvPr id="4" name="Picture 3">
             <a:extLst>
               <a:ext uri="{FF2B5EF4-FFF2-40B4-BE49-F238E27FC236}">
-                <a16:creationId xmlns:a16="http://schemas.microsoft.com/office/drawing/2014/main" id="{FAAEB7AD-C825-8836-2CCC-6A519C365B2E}"/>
+                <a16:creationId xmlns:a16="http://schemas.microsoft.com/office/drawing/2014/main" xmlns="" id="{FAAEB7AD-C825-8836-2CCC-6A519C365B2E}"/>
               </a:ext>
             </a:extLst>
           </p:cNvPr>
@@ -14577,7 +15377,7 @@
           <p:cNvPr id="6" name="Picture 5">
             <a:extLst>
               <a:ext uri="{FF2B5EF4-FFF2-40B4-BE49-F238E27FC236}">
-                <a16:creationId xmlns:a16="http://schemas.microsoft.com/office/drawing/2014/main" id="{12FC48A8-7E76-3B37-EC98-7F8A0B19AB46}"/>
+                <a16:creationId xmlns:a16="http://schemas.microsoft.com/office/drawing/2014/main" xmlns="" id="{12FC48A8-7E76-3B37-EC98-7F8A0B19AB46}"/>
               </a:ext>
             </a:extLst>
           </p:cNvPr>
@@ -14613,7 +15413,7 @@
           <p:cNvPr id="7" name="TextBox 6">
             <a:extLst>
               <a:ext uri="{FF2B5EF4-FFF2-40B4-BE49-F238E27FC236}">
-                <a16:creationId xmlns:a16="http://schemas.microsoft.com/office/drawing/2014/main" id="{7A58E15A-2348-A7C6-FC81-48AD1D6E4181}"/>
+                <a16:creationId xmlns:a16="http://schemas.microsoft.com/office/drawing/2014/main" xmlns="" id="{7A58E15A-2348-A7C6-FC81-48AD1D6E4181}"/>
               </a:ext>
             </a:extLst>
           </p:cNvPr>
@@ -14648,7 +15448,7 @@
           <p:cNvPr id="8" name="Picture 7">
             <a:extLst>
               <a:ext uri="{FF2B5EF4-FFF2-40B4-BE49-F238E27FC236}">
-                <a16:creationId xmlns:a16="http://schemas.microsoft.com/office/drawing/2014/main" id="{C1B70BF2-C4A5-2826-E7C8-890B5910688F}"/>
+                <a16:creationId xmlns:a16="http://schemas.microsoft.com/office/drawing/2014/main" xmlns="" id="{C1B70BF2-C4A5-2826-E7C8-890B5910688F}"/>
               </a:ext>
             </a:extLst>
           </p:cNvPr>
@@ -14683,7 +15483,7 @@
           <p:cNvPr id="9" name="TextBox 8">
             <a:extLst>
               <a:ext uri="{FF2B5EF4-FFF2-40B4-BE49-F238E27FC236}">
-                <a16:creationId xmlns:a16="http://schemas.microsoft.com/office/drawing/2014/main" id="{F327D58F-429A-36B6-C4D6-D4B3D7248B24}"/>
+                <a16:creationId xmlns:a16="http://schemas.microsoft.com/office/drawing/2014/main" xmlns="" id="{F327D58F-429A-36B6-C4D6-D4B3D7248B24}"/>
               </a:ext>
             </a:extLst>
           </p:cNvPr>
@@ -14755,7 +15555,7 @@
           <p:cNvPr id="2" name="TextBox 1">
             <a:extLst>
               <a:ext uri="{FF2B5EF4-FFF2-40B4-BE49-F238E27FC236}">
-                <a16:creationId xmlns:a16="http://schemas.microsoft.com/office/drawing/2014/main" id="{CFBB8880-030D-770F-78E0-250ED3C4086B}"/>
+                <a16:creationId xmlns:a16="http://schemas.microsoft.com/office/drawing/2014/main" xmlns="" id="{CFBB8880-030D-770F-78E0-250ED3C4086B}"/>
               </a:ext>
             </a:extLst>
           </p:cNvPr>
@@ -14794,7 +15594,7 @@
           <p:cNvPr id="4" name="Picture 3">
             <a:extLst>
               <a:ext uri="{FF2B5EF4-FFF2-40B4-BE49-F238E27FC236}">
-                <a16:creationId xmlns:a16="http://schemas.microsoft.com/office/drawing/2014/main" id="{FAAEB7AD-C825-8836-2CCC-6A519C365B2E}"/>
+                <a16:creationId xmlns:a16="http://schemas.microsoft.com/office/drawing/2014/main" xmlns="" id="{FAAEB7AD-C825-8836-2CCC-6A519C365B2E}"/>
               </a:ext>
             </a:extLst>
           </p:cNvPr>
@@ -14830,7 +15630,7 @@
           <p:cNvPr id="3" name="TextBox 2">
             <a:extLst>
               <a:ext uri="{FF2B5EF4-FFF2-40B4-BE49-F238E27FC236}">
-                <a16:creationId xmlns:a16="http://schemas.microsoft.com/office/drawing/2014/main" id="{C3BFC904-2C98-0A6B-DB9F-F77D7062E30B}"/>
+                <a16:creationId xmlns:a16="http://schemas.microsoft.com/office/drawing/2014/main" xmlns="" id="{C3BFC904-2C98-0A6B-DB9F-F77D7062E30B}"/>
               </a:ext>
             </a:extLst>
           </p:cNvPr>
@@ -14865,7 +15665,7 @@
           <p:cNvPr id="10" name="Picture 9">
             <a:extLst>
               <a:ext uri="{FF2B5EF4-FFF2-40B4-BE49-F238E27FC236}">
-                <a16:creationId xmlns:a16="http://schemas.microsoft.com/office/drawing/2014/main" id="{479D0D63-8B89-D61F-B6AC-12A0A9B1880F}"/>
+                <a16:creationId xmlns:a16="http://schemas.microsoft.com/office/drawing/2014/main" xmlns="" id="{479D0D63-8B89-D61F-B6AC-12A0A9B1880F}"/>
               </a:ext>
             </a:extLst>
           </p:cNvPr>
@@ -14900,7 +15700,7 @@
           <p:cNvPr id="11" name="TextBox 10">
             <a:extLst>
               <a:ext uri="{FF2B5EF4-FFF2-40B4-BE49-F238E27FC236}">
-                <a16:creationId xmlns:a16="http://schemas.microsoft.com/office/drawing/2014/main" id="{3EE8954A-E471-F2EF-426C-D988AF32186F}"/>
+                <a16:creationId xmlns:a16="http://schemas.microsoft.com/office/drawing/2014/main" xmlns="" id="{3EE8954A-E471-F2EF-426C-D988AF32186F}"/>
               </a:ext>
             </a:extLst>
           </p:cNvPr>
@@ -14972,7 +15772,7 @@
           <p:cNvPr id="2" name="TextBox 1">
             <a:extLst>
               <a:ext uri="{FF2B5EF4-FFF2-40B4-BE49-F238E27FC236}">
-                <a16:creationId xmlns:a16="http://schemas.microsoft.com/office/drawing/2014/main" id="{58458917-3328-445C-86E8-B4D8A6CBAF47}"/>
+                <a16:creationId xmlns:a16="http://schemas.microsoft.com/office/drawing/2014/main" xmlns="" id="{58458917-3328-445C-86E8-B4D8A6CBAF47}"/>
               </a:ext>
             </a:extLst>
           </p:cNvPr>
@@ -15007,7 +15807,7 @@
           <p:cNvPr id="4" name="TextBox 3">
             <a:extLst>
               <a:ext uri="{FF2B5EF4-FFF2-40B4-BE49-F238E27FC236}">
-                <a16:creationId xmlns:a16="http://schemas.microsoft.com/office/drawing/2014/main" id="{59C408C2-F21E-4C19-8E48-FFB355E98CF4}"/>
+                <a16:creationId xmlns:a16="http://schemas.microsoft.com/office/drawing/2014/main" xmlns="" id="{59C408C2-F21E-4C19-8E48-FFB355E98CF4}"/>
               </a:ext>
             </a:extLst>
           </p:cNvPr>
@@ -15048,7 +15848,7 @@
           <p:cNvPr id="24" name="Picture 23">
             <a:extLst>
               <a:ext uri="{FF2B5EF4-FFF2-40B4-BE49-F238E27FC236}">
-                <a16:creationId xmlns:a16="http://schemas.microsoft.com/office/drawing/2014/main" id="{7601F9BB-3928-4495-B86A-5B5A12CCEAB1}"/>
+                <a16:creationId xmlns:a16="http://schemas.microsoft.com/office/drawing/2014/main" xmlns="" id="{7601F9BB-3928-4495-B86A-5B5A12CCEAB1}"/>
               </a:ext>
             </a:extLst>
           </p:cNvPr>
@@ -15084,7 +15884,7 @@
           <p:cNvPr id="25" name="TextBox 24">
             <a:extLst>
               <a:ext uri="{FF2B5EF4-FFF2-40B4-BE49-F238E27FC236}">
-                <a16:creationId xmlns:a16="http://schemas.microsoft.com/office/drawing/2014/main" id="{76B2A961-23A7-46AF-9437-D9BEDD34FE3E}"/>
+                <a16:creationId xmlns:a16="http://schemas.microsoft.com/office/drawing/2014/main" xmlns="" id="{76B2A961-23A7-46AF-9437-D9BEDD34FE3E}"/>
               </a:ext>
             </a:extLst>
           </p:cNvPr>
@@ -15186,7 +15986,7 @@
           <p:cNvPr id="2" name="TextBox 1">
             <a:extLst>
               <a:ext uri="{FF2B5EF4-FFF2-40B4-BE49-F238E27FC236}">
-                <a16:creationId xmlns:a16="http://schemas.microsoft.com/office/drawing/2014/main" id="{A694A103-367C-4EBF-A279-F53737AF5323}"/>
+                <a16:creationId xmlns:a16="http://schemas.microsoft.com/office/drawing/2014/main" xmlns="" id="{A694A103-367C-4EBF-A279-F53737AF5323}"/>
               </a:ext>
             </a:extLst>
           </p:cNvPr>
@@ -15222,7 +16022,7 @@
           <p:cNvPr id="4" name="TextBox 3">
             <a:extLst>
               <a:ext uri="{FF2B5EF4-FFF2-40B4-BE49-F238E27FC236}">
-                <a16:creationId xmlns:a16="http://schemas.microsoft.com/office/drawing/2014/main" id="{8E41D626-2890-4F5E-986E-D62832054533}"/>
+                <a16:creationId xmlns:a16="http://schemas.microsoft.com/office/drawing/2014/main" xmlns="" id="{8E41D626-2890-4F5E-986E-D62832054533}"/>
               </a:ext>
             </a:extLst>
           </p:cNvPr>
@@ -15271,7 +16071,7 @@
           <p:cNvPr id="6" name="Picture 5">
             <a:extLst>
               <a:ext uri="{FF2B5EF4-FFF2-40B4-BE49-F238E27FC236}">
-                <a16:creationId xmlns:a16="http://schemas.microsoft.com/office/drawing/2014/main" id="{BB4F0E99-6A1D-4C17-B926-AF7D414F4769}"/>
+                <a16:creationId xmlns:a16="http://schemas.microsoft.com/office/drawing/2014/main" xmlns="" id="{BB4F0E99-6A1D-4C17-B926-AF7D414F4769}"/>
               </a:ext>
             </a:extLst>
           </p:cNvPr>
@@ -15307,7 +16107,7 @@
           <p:cNvPr id="7" name="TextBox 6">
             <a:extLst>
               <a:ext uri="{FF2B5EF4-FFF2-40B4-BE49-F238E27FC236}">
-                <a16:creationId xmlns:a16="http://schemas.microsoft.com/office/drawing/2014/main" id="{BD591925-B68E-4F15-A165-E73B5EC33074}"/>
+                <a16:creationId xmlns:a16="http://schemas.microsoft.com/office/drawing/2014/main" xmlns="" id="{BD591925-B68E-4F15-A165-E73B5EC33074}"/>
               </a:ext>
             </a:extLst>
           </p:cNvPr>
@@ -15357,7 +16157,7 @@
           <p:cNvPr id="11" name="Picture 10">
             <a:extLst>
               <a:ext uri="{FF2B5EF4-FFF2-40B4-BE49-F238E27FC236}">
-                <a16:creationId xmlns:a16="http://schemas.microsoft.com/office/drawing/2014/main" id="{0532259E-1BD2-4B1E-AFFB-6294D0EFCE91}"/>
+                <a16:creationId xmlns:a16="http://schemas.microsoft.com/office/drawing/2014/main" xmlns="" id="{0532259E-1BD2-4B1E-AFFB-6294D0EFCE91}"/>
               </a:ext>
             </a:extLst>
           </p:cNvPr>
@@ -15427,10 +16227,10 @@
       </p:grpSpPr>
       <p:sp>
         <p:nvSpPr>
-          <p:cNvPr id="3" name="TextBox 2">
+          <p:cNvPr id="2" name="TextBox 1">
             <a:extLst>
               <a:ext uri="{FF2B5EF4-FFF2-40B4-BE49-F238E27FC236}">
-                <a16:creationId xmlns:a16="http://schemas.microsoft.com/office/drawing/2014/main" id="{6129BCCE-EAA2-06B8-2ABB-36E1965B0FED}"/>
+                <a16:creationId xmlns:a16="http://schemas.microsoft.com/office/drawing/2014/main" xmlns="" id="{79AFAFDD-C02B-4607-A351-DA70A2324FF1}"/>
               </a:ext>
             </a:extLst>
           </p:cNvPr>
@@ -15439,55 +16239,8 @@
         </p:nvSpPr>
         <p:spPr>
           <a:xfrm>
-            <a:off x="360759" y="472559"/>
-            <a:ext cx="6097191" cy="1089529"/>
-          </a:xfrm>
-          <a:prstGeom prst="rect">
-            <a:avLst/>
-          </a:prstGeom>
-          <a:noFill/>
-        </p:spPr>
-        <p:txBody>
-          <a:bodyPr wrap="square">
-            <a:spAutoFit/>
-          </a:bodyPr>
-          <a:lstStyle/>
-          <a:p>
-            <a:pPr>
-              <a:lnSpc>
-                <a:spcPct val="90000"/>
-              </a:lnSpc>
-              <a:spcBef>
-                <a:spcPct val="0"/>
-              </a:spcBef>
-            </a:pPr>
-            <a:r>
-              <a:rPr lang="en-US" sz="3600" b="1" dirty="0">
-                <a:latin typeface="Arial Black" panose="020B0A04020102020204" pitchFamily="34" charset="0"/>
-                <a:ea typeface="+mj-ea"/>
-                <a:cs typeface="+mj-cs"/>
-              </a:rPr>
-              <a:t>GRAPH REPRESENTATION</a:t>
-            </a:r>
-          </a:p>
-        </p:txBody>
-      </p:sp>
-      <p:sp>
-        <p:nvSpPr>
-          <p:cNvPr id="2" name="TextBox 1">
-            <a:extLst>
-              <a:ext uri="{FF2B5EF4-FFF2-40B4-BE49-F238E27FC236}">
-                <a16:creationId xmlns:a16="http://schemas.microsoft.com/office/drawing/2014/main" id="{4073108B-FF80-2542-E514-618C5A826695}"/>
-              </a:ext>
-            </a:extLst>
-          </p:cNvPr>
-          <p:cNvSpPr txBox="1"/>
-          <p:nvPr/>
-        </p:nvSpPr>
-        <p:spPr>
-          <a:xfrm>
-            <a:off x="471487" y="2214563"/>
-            <a:ext cx="7158037" cy="3970318"/>
+            <a:off x="519764" y="467360"/>
+            <a:ext cx="6175676" cy="584775"/>
           </a:xfrm>
           <a:prstGeom prst="rect">
             <a:avLst/>
@@ -15500,116 +16253,123 @@
           </a:bodyPr>
           <a:lstStyle/>
           <a:p>
-            <a:pPr marL="342900" indent="-342900">
-              <a:buAutoNum type="arabicPeriod"/>
-            </a:pPr>
-            <a:r>
-              <a:rPr lang="en-US" dirty="0"/>
-              <a:t>Edge List</a:t>
-            </a:r>
-          </a:p>
-          <a:p>
-            <a:pPr marL="800100" lvl="1" indent="-342900">
-              <a:buAutoNum type="arabicPeriod"/>
-            </a:pPr>
-            <a:r>
-              <a:rPr lang="en-US" dirty="0"/>
-              <a:t>Individual track of all edges</a:t>
-            </a:r>
-          </a:p>
-          <a:p>
-            <a:pPr marL="800100" lvl="1" indent="-342900">
-              <a:buAutoNum type="arabicPeriod"/>
-            </a:pPr>
-            <a:r>
-              <a:rPr lang="en-US" dirty="0"/>
-              <a:t>Need to check all edges</a:t>
-            </a:r>
-          </a:p>
-          <a:p>
-            <a:pPr marL="342900" indent="-342900">
-              <a:buAutoNum type="arabicPeriod"/>
-            </a:pPr>
-            <a:endParaRPr lang="en-US" dirty="0"/>
-          </a:p>
-          <a:p>
-            <a:pPr marL="342900" indent="-342900">
-              <a:buAutoNum type="arabicPeriod"/>
-            </a:pPr>
-            <a:r>
-              <a:rPr lang="en-US" dirty="0"/>
-              <a:t>Adjacency List</a:t>
-            </a:r>
-          </a:p>
-          <a:p>
-            <a:pPr marL="800100" lvl="1" indent="-342900">
-              <a:buAutoNum type="arabicPeriod"/>
-            </a:pPr>
-            <a:r>
-              <a:rPr lang="en-US" dirty="0"/>
-              <a:t>Track of all adjacent to a particular edge</a:t>
-            </a:r>
-          </a:p>
-          <a:p>
-            <a:pPr marL="800100" lvl="1" indent="-342900">
-              <a:buAutoNum type="arabicPeriod"/>
-            </a:pPr>
-            <a:r>
-              <a:rPr lang="en-US" dirty="0"/>
-              <a:t>Need to check relevant list of adjacent </a:t>
-            </a:r>
-          </a:p>
-          <a:p>
-            <a:pPr marL="342900" indent="-342900">
-              <a:buAutoNum type="arabicPeriod"/>
-            </a:pPr>
-            <a:endParaRPr lang="en-US" dirty="0"/>
-          </a:p>
-          <a:p>
-            <a:pPr marL="342900" indent="-342900">
-              <a:buAutoNum type="arabicPeriod"/>
-            </a:pPr>
-            <a:r>
-              <a:rPr lang="en-US" dirty="0"/>
-              <a:t>Adjacency Matrix</a:t>
-            </a:r>
-          </a:p>
-          <a:p>
-            <a:pPr marL="800100" lvl="1" indent="-342900">
-              <a:buAutoNum type="arabicPeriod"/>
-            </a:pPr>
-            <a:r>
-              <a:rPr lang="en-US" dirty="0"/>
-              <a:t>Table in form of rows and columns that keep track of all possible edges in terms of YES/NO</a:t>
-            </a:r>
-          </a:p>
-          <a:p>
-            <a:pPr marL="800100" lvl="1" indent="-342900">
-              <a:buAutoNum type="arabicPeriod"/>
-            </a:pPr>
-            <a:r>
-              <a:rPr lang="en-US" dirty="0"/>
-              <a:t>Only need to check one cell.</a:t>
-            </a:r>
-          </a:p>
-          <a:p>
-            <a:pPr marL="800100" lvl="1" indent="-342900">
-              <a:buAutoNum type="arabicPeriod"/>
-            </a:pPr>
-            <a:endParaRPr lang="en-US" dirty="0"/>
-          </a:p>
-          <a:p>
-            <a:pPr marL="342900" indent="-342900">
-              <a:buAutoNum type="arabicPeriod"/>
-            </a:pPr>
-            <a:endParaRPr lang="en-US" dirty="0"/>
+            <a:r>
+              <a:rPr lang="en-US" sz="3200" b="1" dirty="0"/>
+              <a:t>TREES AND SPANNING TREES</a:t>
+            </a:r>
           </a:p>
         </p:txBody>
       </p:sp>
+      <p:sp>
+        <p:nvSpPr>
+          <p:cNvPr id="3" name="TextBox 2">
+            <a:extLst>
+              <a:ext uri="{FF2B5EF4-FFF2-40B4-BE49-F238E27FC236}">
+                <a16:creationId xmlns:a16="http://schemas.microsoft.com/office/drawing/2014/main" xmlns="" id="{08DB893F-338B-4F13-9E44-F3967F58E0B0}"/>
+              </a:ext>
+            </a:extLst>
+          </p:cNvPr>
+          <p:cNvSpPr txBox="1"/>
+          <p:nvPr/>
+        </p:nvSpPr>
+        <p:spPr>
+          <a:xfrm>
+            <a:off x="589280" y="1330960"/>
+            <a:ext cx="6390640" cy="3139321"/>
+          </a:xfrm>
+          <a:prstGeom prst="rect">
+            <a:avLst/>
+          </a:prstGeom>
+          <a:noFill/>
+        </p:spPr>
+        <p:txBody>
+          <a:bodyPr wrap="square" rtlCol="0">
+            <a:spAutoFit/>
+          </a:bodyPr>
+          <a:lstStyle/>
+          <a:p>
+            <a:r>
+              <a:rPr lang="en-US" dirty="0"/>
+              <a:t>Tree is a simple, connected ,undirected ,acyclic(having  a unique path between any two vertices) graph.</a:t>
+            </a:r>
+          </a:p>
+          <a:p>
+            <a:endParaRPr lang="en-US" dirty="0"/>
+          </a:p>
+          <a:p>
+            <a:r>
+              <a:rPr lang="en-US" dirty="0"/>
+              <a:t>A </a:t>
+            </a:r>
+            <a:r>
+              <a:rPr lang="en-US" b="1" dirty="0"/>
+              <a:t>spanning tree</a:t>
+            </a:r>
+            <a:r>
+              <a:rPr lang="en-US" dirty="0"/>
+              <a:t> of a graph is a subgraph that includes all vertices of the graph and is a tree.</a:t>
+            </a:r>
+          </a:p>
+          <a:p>
+            <a:r>
+              <a:rPr lang="en-US" dirty="0"/>
+              <a:t>- Spanning trees connect all vertices with the minimum possible edges.</a:t>
+            </a:r>
+          </a:p>
+          <a:p>
+            <a:endParaRPr lang="en-US" dirty="0"/>
+          </a:p>
+          <a:p>
+            <a:endParaRPr lang="en-US" dirty="0"/>
+          </a:p>
+          <a:p>
+            <a:r>
+              <a:rPr lang="en-US" dirty="0"/>
+              <a:t>In games, spanning trees can help create unique paths with no loops.</a:t>
+            </a:r>
+          </a:p>
+        </p:txBody>
+      </p:sp>
+      <p:pic>
+        <p:nvPicPr>
+          <p:cNvPr id="4" name="Picture 3">
+            <a:extLst>
+              <a:ext uri="{FF2B5EF4-FFF2-40B4-BE49-F238E27FC236}">
+                <a16:creationId xmlns:a16="http://schemas.microsoft.com/office/drawing/2014/main" xmlns="" id="{34D0DE42-2284-4BA0-9993-E885FC0F9DBD}"/>
+              </a:ext>
+            </a:extLst>
+          </p:cNvPr>
+          <p:cNvPicPr>
+            <a:picLocks noChangeAspect="1"/>
+          </p:cNvPicPr>
+          <p:nvPr/>
+        </p:nvPicPr>
+        <p:blipFill>
+          <a:blip r:embed="rId2"/>
+          <a:stretch>
+            <a:fillRect/>
+          </a:stretch>
+        </p:blipFill>
+        <p:spPr>
+          <a:xfrm>
+            <a:off x="6979920" y="1187529"/>
+            <a:ext cx="4157832" cy="4035902"/>
+          </a:xfrm>
+          <a:prstGeom prst="rect">
+            <a:avLst/>
+          </a:prstGeom>
+          <a:solidFill>
+            <a:schemeClr val="accent4">
+              <a:lumMod val="20000"/>
+              <a:lumOff val="80000"/>
+            </a:schemeClr>
+          </a:solidFill>
+        </p:spPr>
+      </p:pic>
     </p:spTree>
     <p:extLst>
       <p:ext uri="{BB962C8B-B14F-4D97-AF65-F5344CB8AC3E}">
-        <p14:creationId xmlns:p14="http://schemas.microsoft.com/office/powerpoint/2010/main" val="3072984554"/>
+        <p14:creationId xmlns:p14="http://schemas.microsoft.com/office/powerpoint/2010/main" val="267629350"/>
       </p:ext>
     </p:extLst>
   </p:cSld>
@@ -15915,7 +16675,7 @@
   <a:extraClrSchemeLst/>
   <a:extLst>
     <a:ext uri="{05A4C25C-085E-4340-85A3-A5531E510DB2}">
-      <thm15:themeFamily xmlns:thm15="http://schemas.microsoft.com/office/thememl/2012/main" name="Office Theme" id="{62F939B6-93AF-4DB8-9C6B-D6C7DFDC589F}" vid="{4A3C46E8-61CC-4603-A589-7422A47A8E4A}"/>
+      <thm15:themeFamily xmlns:thm15="http://schemas.microsoft.com/office/thememl/2012/main" xmlns="" name="Office Theme" id="{62F939B6-93AF-4DB8-9C6B-D6C7DFDC589F}" vid="{4A3C46E8-61CC-4603-A589-7422A47A8E4A}"/>
     </a:ext>
   </a:extLst>
 </a:theme>
@@ -16210,7 +16970,7 @@
   <a:extraClrSchemeLst/>
   <a:extLst>
     <a:ext uri="{05A4C25C-085E-4340-85A3-A5531E510DB2}">
-      <thm15:themeFamily xmlns:thm15="http://schemas.microsoft.com/office/thememl/2012/main" name="Office Theme" id="{62F939B6-93AF-4DB8-9C6B-D6C7DFDC589F}" vid="{4A3C46E8-61CC-4603-A589-7422A47A8E4A}"/>
+      <thm15:themeFamily xmlns:thm15="http://schemas.microsoft.com/office/thememl/2012/main" xmlns="" name="Office Theme" id="{62F939B6-93AF-4DB8-9C6B-D6C7DFDC589F}" vid="{4A3C46E8-61CC-4603-A589-7422A47A8E4A}"/>
     </a:ext>
   </a:extLst>
 </a:theme>

--- a/group5_graphtheory.pptx
+++ b/group5_graphtheory.pptx
@@ -139,7 +139,7 @@
   </p:defaultTextStyle>
   <p:extLst>
     <p:ext uri="{EFAFB233-063F-42B5-8137-9DF3F51BA10A}">
-      <p15:sldGuideLst xmlns:p15="http://schemas.microsoft.com/office/powerpoint/2012/main" xmlns="">
+      <p15:sldGuideLst xmlns:p15="http://schemas.microsoft.com/office/powerpoint/2012/main">
         <p15:guide id="1" orient="horz" pos="2160">
           <p15:clr>
             <a:srgbClr val="A4A3A4"/>
@@ -238,7 +238,7 @@
           <a:p>
             <a:fld id="{1ACB21A0-39B6-47AA-9E9C-8EBA43CBC444}" type="datetimeFigureOut">
               <a:rPr lang="en-US" smtClean="0"/>
-              <a:t>11/18/2024</a:t>
+              <a:t>11/23/2024</a:t>
             </a:fld>
             <a:endParaRPr lang="en-US"/>
           </a:p>
@@ -527,7 +527,7 @@
           <p:cNvPr id="2" name="Title 1">
             <a:extLst>
               <a:ext uri="{FF2B5EF4-FFF2-40B4-BE49-F238E27FC236}">
-                <a16:creationId xmlns:a16="http://schemas.microsoft.com/office/drawing/2014/main" xmlns="" id="{90153CA9-CEE3-490E-B904-C83BB791F8FC}"/>
+                <a16:creationId xmlns:a16="http://schemas.microsoft.com/office/drawing/2014/main" id="{90153CA9-CEE3-490E-B904-C83BB791F8FC}"/>
               </a:ext>
             </a:extLst>
           </p:cNvPr>
@@ -564,7 +564,7 @@
           <p:cNvPr id="3" name="Subtitle 2">
             <a:extLst>
               <a:ext uri="{FF2B5EF4-FFF2-40B4-BE49-F238E27FC236}">
-                <a16:creationId xmlns:a16="http://schemas.microsoft.com/office/drawing/2014/main" xmlns="" id="{AF28206C-017D-4C71-899C-BCADCCA35571}"/>
+                <a16:creationId xmlns:a16="http://schemas.microsoft.com/office/drawing/2014/main" id="{AF28206C-017D-4C71-899C-BCADCCA35571}"/>
               </a:ext>
             </a:extLst>
           </p:cNvPr>
@@ -634,7 +634,7 @@
           <p:cNvPr id="4" name="Date Placeholder 3">
             <a:extLst>
               <a:ext uri="{FF2B5EF4-FFF2-40B4-BE49-F238E27FC236}">
-                <a16:creationId xmlns:a16="http://schemas.microsoft.com/office/drawing/2014/main" xmlns="" id="{2E5154E0-7D74-4AF7-9183-40C4B80F41AC}"/>
+                <a16:creationId xmlns:a16="http://schemas.microsoft.com/office/drawing/2014/main" id="{2E5154E0-7D74-4AF7-9183-40C4B80F41AC}"/>
               </a:ext>
             </a:extLst>
           </p:cNvPr>
@@ -652,7 +652,7 @@
           <a:p>
             <a:fld id="{98235D44-F49E-4F77-A348-B0CDA85E7A83}" type="datetimeFigureOut">
               <a:rPr lang="en-US" smtClean="0"/>
-              <a:t>11/18/2024</a:t>
+              <a:t>11/23/2024</a:t>
             </a:fld>
             <a:endParaRPr lang="en-US"/>
           </a:p>
@@ -663,7 +663,7 @@
           <p:cNvPr id="5" name="Footer Placeholder 4">
             <a:extLst>
               <a:ext uri="{FF2B5EF4-FFF2-40B4-BE49-F238E27FC236}">
-                <a16:creationId xmlns:a16="http://schemas.microsoft.com/office/drawing/2014/main" xmlns="" id="{CE1DB4D5-CCCF-43CB-8AB6-351312003C02}"/>
+                <a16:creationId xmlns:a16="http://schemas.microsoft.com/office/drawing/2014/main" id="{CE1DB4D5-CCCF-43CB-8AB6-351312003C02}"/>
               </a:ext>
             </a:extLst>
           </p:cNvPr>
@@ -688,7 +688,7 @@
           <p:cNvPr id="6" name="Slide Number Placeholder 5">
             <a:extLst>
               <a:ext uri="{FF2B5EF4-FFF2-40B4-BE49-F238E27FC236}">
-                <a16:creationId xmlns:a16="http://schemas.microsoft.com/office/drawing/2014/main" xmlns="" id="{2AF6B164-9EBD-465E-967C-869A54FF0EE7}"/>
+                <a16:creationId xmlns:a16="http://schemas.microsoft.com/office/drawing/2014/main" id="{2AF6B164-9EBD-465E-967C-869A54FF0EE7}"/>
               </a:ext>
             </a:extLst>
           </p:cNvPr>
@@ -747,7 +747,7 @@
           <p:cNvPr id="2" name="Title 1">
             <a:extLst>
               <a:ext uri="{FF2B5EF4-FFF2-40B4-BE49-F238E27FC236}">
-                <a16:creationId xmlns:a16="http://schemas.microsoft.com/office/drawing/2014/main" xmlns="" id="{54DF0A69-A3E1-41DF-8F4B-E2FC7C9D5151}"/>
+                <a16:creationId xmlns:a16="http://schemas.microsoft.com/office/drawing/2014/main" id="{54DF0A69-A3E1-41DF-8F4B-E2FC7C9D5151}"/>
               </a:ext>
             </a:extLst>
           </p:cNvPr>
@@ -775,7 +775,7 @@
           <p:cNvPr id="3" name="Vertical Text Placeholder 2">
             <a:extLst>
               <a:ext uri="{FF2B5EF4-FFF2-40B4-BE49-F238E27FC236}">
-                <a16:creationId xmlns:a16="http://schemas.microsoft.com/office/drawing/2014/main" xmlns="" id="{A0BFDFE4-B6D8-419C-BDC3-B155D6309148}"/>
+                <a16:creationId xmlns:a16="http://schemas.microsoft.com/office/drawing/2014/main" id="{A0BFDFE4-B6D8-419C-BDC3-B155D6309148}"/>
               </a:ext>
             </a:extLst>
           </p:cNvPr>
@@ -832,7 +832,7 @@
           <p:cNvPr id="4" name="Date Placeholder 3">
             <a:extLst>
               <a:ext uri="{FF2B5EF4-FFF2-40B4-BE49-F238E27FC236}">
-                <a16:creationId xmlns:a16="http://schemas.microsoft.com/office/drawing/2014/main" xmlns="" id="{B773AFF5-9B35-492B-B44A-6CD8A7D05A7D}"/>
+                <a16:creationId xmlns:a16="http://schemas.microsoft.com/office/drawing/2014/main" id="{B773AFF5-9B35-492B-B44A-6CD8A7D05A7D}"/>
               </a:ext>
             </a:extLst>
           </p:cNvPr>
@@ -850,7 +850,7 @@
           <a:p>
             <a:fld id="{98235D44-F49E-4F77-A348-B0CDA85E7A83}" type="datetimeFigureOut">
               <a:rPr lang="en-US" smtClean="0"/>
-              <a:t>11/18/2024</a:t>
+              <a:t>11/23/2024</a:t>
             </a:fld>
             <a:endParaRPr lang="en-US"/>
           </a:p>
@@ -861,7 +861,7 @@
           <p:cNvPr id="5" name="Footer Placeholder 4">
             <a:extLst>
               <a:ext uri="{FF2B5EF4-FFF2-40B4-BE49-F238E27FC236}">
-                <a16:creationId xmlns:a16="http://schemas.microsoft.com/office/drawing/2014/main" xmlns="" id="{E7141136-EF5A-43E2-9B26-722C11CB378A}"/>
+                <a16:creationId xmlns:a16="http://schemas.microsoft.com/office/drawing/2014/main" id="{E7141136-EF5A-43E2-9B26-722C11CB378A}"/>
               </a:ext>
             </a:extLst>
           </p:cNvPr>
@@ -886,7 +886,7 @@
           <p:cNvPr id="6" name="Slide Number Placeholder 5">
             <a:extLst>
               <a:ext uri="{FF2B5EF4-FFF2-40B4-BE49-F238E27FC236}">
-                <a16:creationId xmlns:a16="http://schemas.microsoft.com/office/drawing/2014/main" xmlns="" id="{1A704786-C1BF-4805-AF1E-AE04E48C6A40}"/>
+                <a16:creationId xmlns:a16="http://schemas.microsoft.com/office/drawing/2014/main" id="{1A704786-C1BF-4805-AF1E-AE04E48C6A40}"/>
               </a:ext>
             </a:extLst>
           </p:cNvPr>
@@ -945,7 +945,7 @@
           <p:cNvPr id="2" name="Vertical Title 1">
             <a:extLst>
               <a:ext uri="{FF2B5EF4-FFF2-40B4-BE49-F238E27FC236}">
-                <a16:creationId xmlns:a16="http://schemas.microsoft.com/office/drawing/2014/main" xmlns="" id="{DEE7E6CB-F7BE-4718-A84B-BA25DB80FF39}"/>
+                <a16:creationId xmlns:a16="http://schemas.microsoft.com/office/drawing/2014/main" id="{DEE7E6CB-F7BE-4718-A84B-BA25DB80FF39}"/>
               </a:ext>
             </a:extLst>
           </p:cNvPr>
@@ -978,7 +978,7 @@
           <p:cNvPr id="3" name="Vertical Text Placeholder 2">
             <a:extLst>
               <a:ext uri="{FF2B5EF4-FFF2-40B4-BE49-F238E27FC236}">
-                <a16:creationId xmlns:a16="http://schemas.microsoft.com/office/drawing/2014/main" xmlns="" id="{82A4C9AA-1C74-4EA8-B5F2-F0E47B6CF5AC}"/>
+                <a16:creationId xmlns:a16="http://schemas.microsoft.com/office/drawing/2014/main" id="{82A4C9AA-1C74-4EA8-B5F2-F0E47B6CF5AC}"/>
               </a:ext>
             </a:extLst>
           </p:cNvPr>
@@ -1040,7 +1040,7 @@
           <p:cNvPr id="4" name="Date Placeholder 3">
             <a:extLst>
               <a:ext uri="{FF2B5EF4-FFF2-40B4-BE49-F238E27FC236}">
-                <a16:creationId xmlns:a16="http://schemas.microsoft.com/office/drawing/2014/main" xmlns="" id="{7E9EB41A-0C2B-4C24-BC92-6C6A82B8E9A6}"/>
+                <a16:creationId xmlns:a16="http://schemas.microsoft.com/office/drawing/2014/main" id="{7E9EB41A-0C2B-4C24-BC92-6C6A82B8E9A6}"/>
               </a:ext>
             </a:extLst>
           </p:cNvPr>
@@ -1058,7 +1058,7 @@
           <a:p>
             <a:fld id="{98235D44-F49E-4F77-A348-B0CDA85E7A83}" type="datetimeFigureOut">
               <a:rPr lang="en-US" smtClean="0"/>
-              <a:t>11/18/2024</a:t>
+              <a:t>11/23/2024</a:t>
             </a:fld>
             <a:endParaRPr lang="en-US"/>
           </a:p>
@@ -1069,7 +1069,7 @@
           <p:cNvPr id="5" name="Footer Placeholder 4">
             <a:extLst>
               <a:ext uri="{FF2B5EF4-FFF2-40B4-BE49-F238E27FC236}">
-                <a16:creationId xmlns:a16="http://schemas.microsoft.com/office/drawing/2014/main" xmlns="" id="{DFD51F58-722A-4E64-B816-094C6DE676CE}"/>
+                <a16:creationId xmlns:a16="http://schemas.microsoft.com/office/drawing/2014/main" id="{DFD51F58-722A-4E64-B816-094C6DE676CE}"/>
               </a:ext>
             </a:extLst>
           </p:cNvPr>
@@ -1094,7 +1094,7 @@
           <p:cNvPr id="6" name="Slide Number Placeholder 5">
             <a:extLst>
               <a:ext uri="{FF2B5EF4-FFF2-40B4-BE49-F238E27FC236}">
-                <a16:creationId xmlns:a16="http://schemas.microsoft.com/office/drawing/2014/main" xmlns="" id="{F689F127-125D-40B1-AE36-1A9AF2927119}"/>
+                <a16:creationId xmlns:a16="http://schemas.microsoft.com/office/drawing/2014/main" id="{F689F127-125D-40B1-AE36-1A9AF2927119}"/>
               </a:ext>
             </a:extLst>
           </p:cNvPr>
@@ -1153,7 +1153,7 @@
           <p:cNvPr id="2" name="Title 1">
             <a:extLst>
               <a:ext uri="{FF2B5EF4-FFF2-40B4-BE49-F238E27FC236}">
-                <a16:creationId xmlns:a16="http://schemas.microsoft.com/office/drawing/2014/main" xmlns="" id="{54374454-874D-41BA-919F-BEAA279DADFF}"/>
+                <a16:creationId xmlns:a16="http://schemas.microsoft.com/office/drawing/2014/main" id="{54374454-874D-41BA-919F-BEAA279DADFF}"/>
               </a:ext>
             </a:extLst>
           </p:cNvPr>
@@ -1181,7 +1181,7 @@
           <p:cNvPr id="3" name="Content Placeholder 2">
             <a:extLst>
               <a:ext uri="{FF2B5EF4-FFF2-40B4-BE49-F238E27FC236}">
-                <a16:creationId xmlns:a16="http://schemas.microsoft.com/office/drawing/2014/main" xmlns="" id="{E404983B-6A7A-48AE-9727-E7B2382AA789}"/>
+                <a16:creationId xmlns:a16="http://schemas.microsoft.com/office/drawing/2014/main" id="{E404983B-6A7A-48AE-9727-E7B2382AA789}"/>
               </a:ext>
             </a:extLst>
           </p:cNvPr>
@@ -1238,7 +1238,7 @@
           <p:cNvPr id="4" name="Date Placeholder 3">
             <a:extLst>
               <a:ext uri="{FF2B5EF4-FFF2-40B4-BE49-F238E27FC236}">
-                <a16:creationId xmlns:a16="http://schemas.microsoft.com/office/drawing/2014/main" xmlns="" id="{7E95549F-5540-4931-AEC5-9C8E878C63FA}"/>
+                <a16:creationId xmlns:a16="http://schemas.microsoft.com/office/drawing/2014/main" id="{7E95549F-5540-4931-AEC5-9C8E878C63FA}"/>
               </a:ext>
             </a:extLst>
           </p:cNvPr>
@@ -1256,7 +1256,7 @@
           <a:p>
             <a:fld id="{98235D44-F49E-4F77-A348-B0CDA85E7A83}" type="datetimeFigureOut">
               <a:rPr lang="en-US" smtClean="0"/>
-              <a:t>11/18/2024</a:t>
+              <a:t>11/23/2024</a:t>
             </a:fld>
             <a:endParaRPr lang="en-US"/>
           </a:p>
@@ -1267,7 +1267,7 @@
           <p:cNvPr id="5" name="Footer Placeholder 4">
             <a:extLst>
               <a:ext uri="{FF2B5EF4-FFF2-40B4-BE49-F238E27FC236}">
-                <a16:creationId xmlns:a16="http://schemas.microsoft.com/office/drawing/2014/main" xmlns="" id="{E8540E33-F975-459A-94C6-D3350BCC7F9F}"/>
+                <a16:creationId xmlns:a16="http://schemas.microsoft.com/office/drawing/2014/main" id="{E8540E33-F975-459A-94C6-D3350BCC7F9F}"/>
               </a:ext>
             </a:extLst>
           </p:cNvPr>
@@ -1292,7 +1292,7 @@
           <p:cNvPr id="6" name="Slide Number Placeholder 5">
             <a:extLst>
               <a:ext uri="{FF2B5EF4-FFF2-40B4-BE49-F238E27FC236}">
-                <a16:creationId xmlns:a16="http://schemas.microsoft.com/office/drawing/2014/main" xmlns="" id="{4DD482F3-4727-47AC-AF4C-2BA1E8D999B7}"/>
+                <a16:creationId xmlns:a16="http://schemas.microsoft.com/office/drawing/2014/main" id="{4DD482F3-4727-47AC-AF4C-2BA1E8D999B7}"/>
               </a:ext>
             </a:extLst>
           </p:cNvPr>
@@ -1351,7 +1351,7 @@
           <p:cNvPr id="2" name="Title 1">
             <a:extLst>
               <a:ext uri="{FF2B5EF4-FFF2-40B4-BE49-F238E27FC236}">
-                <a16:creationId xmlns:a16="http://schemas.microsoft.com/office/drawing/2014/main" xmlns="" id="{509BBA42-97E6-45AB-A899-778F199EC23A}"/>
+                <a16:creationId xmlns:a16="http://schemas.microsoft.com/office/drawing/2014/main" id="{509BBA42-97E6-45AB-A899-778F199EC23A}"/>
               </a:ext>
             </a:extLst>
           </p:cNvPr>
@@ -1388,7 +1388,7 @@
           <p:cNvPr id="3" name="Text Placeholder 2">
             <a:extLst>
               <a:ext uri="{FF2B5EF4-FFF2-40B4-BE49-F238E27FC236}">
-                <a16:creationId xmlns:a16="http://schemas.microsoft.com/office/drawing/2014/main" xmlns="" id="{FE679065-DE80-4215-AA5E-4A108CDBF123}"/>
+                <a16:creationId xmlns:a16="http://schemas.microsoft.com/office/drawing/2014/main" id="{FE679065-DE80-4215-AA5E-4A108CDBF123}"/>
               </a:ext>
             </a:extLst>
           </p:cNvPr>
@@ -1513,7 +1513,7 @@
           <p:cNvPr id="4" name="Date Placeholder 3">
             <a:extLst>
               <a:ext uri="{FF2B5EF4-FFF2-40B4-BE49-F238E27FC236}">
-                <a16:creationId xmlns:a16="http://schemas.microsoft.com/office/drawing/2014/main" xmlns="" id="{920AD797-AA9B-4468-8365-7E29961EE793}"/>
+                <a16:creationId xmlns:a16="http://schemas.microsoft.com/office/drawing/2014/main" id="{920AD797-AA9B-4468-8365-7E29961EE793}"/>
               </a:ext>
             </a:extLst>
           </p:cNvPr>
@@ -1531,7 +1531,7 @@
           <a:p>
             <a:fld id="{98235D44-F49E-4F77-A348-B0CDA85E7A83}" type="datetimeFigureOut">
               <a:rPr lang="en-US" smtClean="0"/>
-              <a:t>11/18/2024</a:t>
+              <a:t>11/23/2024</a:t>
             </a:fld>
             <a:endParaRPr lang="en-US"/>
           </a:p>
@@ -1542,7 +1542,7 @@
           <p:cNvPr id="5" name="Footer Placeholder 4">
             <a:extLst>
               <a:ext uri="{FF2B5EF4-FFF2-40B4-BE49-F238E27FC236}">
-                <a16:creationId xmlns:a16="http://schemas.microsoft.com/office/drawing/2014/main" xmlns="" id="{D84B7625-6DFE-47C1-9BF2-FC6CBCE0477B}"/>
+                <a16:creationId xmlns:a16="http://schemas.microsoft.com/office/drawing/2014/main" id="{D84B7625-6DFE-47C1-9BF2-FC6CBCE0477B}"/>
               </a:ext>
             </a:extLst>
           </p:cNvPr>
@@ -1567,7 +1567,7 @@
           <p:cNvPr id="6" name="Slide Number Placeholder 5">
             <a:extLst>
               <a:ext uri="{FF2B5EF4-FFF2-40B4-BE49-F238E27FC236}">
-                <a16:creationId xmlns:a16="http://schemas.microsoft.com/office/drawing/2014/main" xmlns="" id="{8A6662A9-EF45-4BA6-A5E9-CA08D9AE56F4}"/>
+                <a16:creationId xmlns:a16="http://schemas.microsoft.com/office/drawing/2014/main" id="{8A6662A9-EF45-4BA6-A5E9-CA08D9AE56F4}"/>
               </a:ext>
             </a:extLst>
           </p:cNvPr>
@@ -1626,7 +1626,7 @@
           <p:cNvPr id="2" name="Title 1">
             <a:extLst>
               <a:ext uri="{FF2B5EF4-FFF2-40B4-BE49-F238E27FC236}">
-                <a16:creationId xmlns:a16="http://schemas.microsoft.com/office/drawing/2014/main" xmlns="" id="{2A320807-A51F-458D-808F-414E5E8BD54C}"/>
+                <a16:creationId xmlns:a16="http://schemas.microsoft.com/office/drawing/2014/main" id="{2A320807-A51F-458D-808F-414E5E8BD54C}"/>
               </a:ext>
             </a:extLst>
           </p:cNvPr>
@@ -1654,7 +1654,7 @@
           <p:cNvPr id="3" name="Content Placeholder 2">
             <a:extLst>
               <a:ext uri="{FF2B5EF4-FFF2-40B4-BE49-F238E27FC236}">
-                <a16:creationId xmlns:a16="http://schemas.microsoft.com/office/drawing/2014/main" xmlns="" id="{6C329B2A-E17E-4DF2-A942-093AC35C9A24}"/>
+                <a16:creationId xmlns:a16="http://schemas.microsoft.com/office/drawing/2014/main" id="{6C329B2A-E17E-4DF2-A942-093AC35C9A24}"/>
               </a:ext>
             </a:extLst>
           </p:cNvPr>
@@ -1716,7 +1716,7 @@
           <p:cNvPr id="4" name="Content Placeholder 3">
             <a:extLst>
               <a:ext uri="{FF2B5EF4-FFF2-40B4-BE49-F238E27FC236}">
-                <a16:creationId xmlns:a16="http://schemas.microsoft.com/office/drawing/2014/main" xmlns="" id="{EDBAC129-F5B0-481F-93A8-B9BA1C7601B7}"/>
+                <a16:creationId xmlns:a16="http://schemas.microsoft.com/office/drawing/2014/main" id="{EDBAC129-F5B0-481F-93A8-B9BA1C7601B7}"/>
               </a:ext>
             </a:extLst>
           </p:cNvPr>
@@ -1778,7 +1778,7 @@
           <p:cNvPr id="5" name="Date Placeholder 4">
             <a:extLst>
               <a:ext uri="{FF2B5EF4-FFF2-40B4-BE49-F238E27FC236}">
-                <a16:creationId xmlns:a16="http://schemas.microsoft.com/office/drawing/2014/main" xmlns="" id="{5135CE7C-6A91-4DF8-9FDA-9FF470B132BB}"/>
+                <a16:creationId xmlns:a16="http://schemas.microsoft.com/office/drawing/2014/main" id="{5135CE7C-6A91-4DF8-9FDA-9FF470B132BB}"/>
               </a:ext>
             </a:extLst>
           </p:cNvPr>
@@ -1796,7 +1796,7 @@
           <a:p>
             <a:fld id="{98235D44-F49E-4F77-A348-B0CDA85E7A83}" type="datetimeFigureOut">
               <a:rPr lang="en-US" smtClean="0"/>
-              <a:t>11/18/2024</a:t>
+              <a:t>11/23/2024</a:t>
             </a:fld>
             <a:endParaRPr lang="en-US"/>
           </a:p>
@@ -1807,7 +1807,7 @@
           <p:cNvPr id="6" name="Footer Placeholder 5">
             <a:extLst>
               <a:ext uri="{FF2B5EF4-FFF2-40B4-BE49-F238E27FC236}">
-                <a16:creationId xmlns:a16="http://schemas.microsoft.com/office/drawing/2014/main" xmlns="" id="{D451B40A-821D-430D-B1EC-0F30A840642C}"/>
+                <a16:creationId xmlns:a16="http://schemas.microsoft.com/office/drawing/2014/main" id="{D451B40A-821D-430D-B1EC-0F30A840642C}"/>
               </a:ext>
             </a:extLst>
           </p:cNvPr>
@@ -1832,7 +1832,7 @@
           <p:cNvPr id="7" name="Slide Number Placeholder 6">
             <a:extLst>
               <a:ext uri="{FF2B5EF4-FFF2-40B4-BE49-F238E27FC236}">
-                <a16:creationId xmlns:a16="http://schemas.microsoft.com/office/drawing/2014/main" xmlns="" id="{9289948C-896E-4C7F-9D59-DEBB009C386B}"/>
+                <a16:creationId xmlns:a16="http://schemas.microsoft.com/office/drawing/2014/main" id="{9289948C-896E-4C7F-9D59-DEBB009C386B}"/>
               </a:ext>
             </a:extLst>
           </p:cNvPr>
@@ -1891,7 +1891,7 @@
           <p:cNvPr id="2" name="Title 1">
             <a:extLst>
               <a:ext uri="{FF2B5EF4-FFF2-40B4-BE49-F238E27FC236}">
-                <a16:creationId xmlns:a16="http://schemas.microsoft.com/office/drawing/2014/main" xmlns="" id="{C573F594-9B9F-49C2-BCEF-6C5F0C5AD6F4}"/>
+                <a16:creationId xmlns:a16="http://schemas.microsoft.com/office/drawing/2014/main" id="{C573F594-9B9F-49C2-BCEF-6C5F0C5AD6F4}"/>
               </a:ext>
             </a:extLst>
           </p:cNvPr>
@@ -1924,7 +1924,7 @@
           <p:cNvPr id="3" name="Text Placeholder 2">
             <a:extLst>
               <a:ext uri="{FF2B5EF4-FFF2-40B4-BE49-F238E27FC236}">
-                <a16:creationId xmlns:a16="http://schemas.microsoft.com/office/drawing/2014/main" xmlns="" id="{6BD242A9-626B-4277-8B4E-3DEFB86B1E30}"/>
+                <a16:creationId xmlns:a16="http://schemas.microsoft.com/office/drawing/2014/main" id="{6BD242A9-626B-4277-8B4E-3DEFB86B1E30}"/>
               </a:ext>
             </a:extLst>
           </p:cNvPr>
@@ -1995,7 +1995,7 @@
           <p:cNvPr id="4" name="Content Placeholder 3">
             <a:extLst>
               <a:ext uri="{FF2B5EF4-FFF2-40B4-BE49-F238E27FC236}">
-                <a16:creationId xmlns:a16="http://schemas.microsoft.com/office/drawing/2014/main" xmlns="" id="{6C71FFBE-4605-4F11-A2C8-C65B1BEC25B8}"/>
+                <a16:creationId xmlns:a16="http://schemas.microsoft.com/office/drawing/2014/main" id="{6C71FFBE-4605-4F11-A2C8-C65B1BEC25B8}"/>
               </a:ext>
             </a:extLst>
           </p:cNvPr>
@@ -2057,7 +2057,7 @@
           <p:cNvPr id="5" name="Text Placeholder 4">
             <a:extLst>
               <a:ext uri="{FF2B5EF4-FFF2-40B4-BE49-F238E27FC236}">
-                <a16:creationId xmlns:a16="http://schemas.microsoft.com/office/drawing/2014/main" xmlns="" id="{597E7E94-08D2-4465-8275-03756E03DCA7}"/>
+                <a16:creationId xmlns:a16="http://schemas.microsoft.com/office/drawing/2014/main" id="{597E7E94-08D2-4465-8275-03756E03DCA7}"/>
               </a:ext>
             </a:extLst>
           </p:cNvPr>
@@ -2128,7 +2128,7 @@
           <p:cNvPr id="6" name="Content Placeholder 5">
             <a:extLst>
               <a:ext uri="{FF2B5EF4-FFF2-40B4-BE49-F238E27FC236}">
-                <a16:creationId xmlns:a16="http://schemas.microsoft.com/office/drawing/2014/main" xmlns="" id="{B640757D-FFF3-47E6-99C9-BFD670AF0D0A}"/>
+                <a16:creationId xmlns:a16="http://schemas.microsoft.com/office/drawing/2014/main" id="{B640757D-FFF3-47E6-99C9-BFD670AF0D0A}"/>
               </a:ext>
             </a:extLst>
           </p:cNvPr>
@@ -2190,7 +2190,7 @@
           <p:cNvPr id="7" name="Date Placeholder 6">
             <a:extLst>
               <a:ext uri="{FF2B5EF4-FFF2-40B4-BE49-F238E27FC236}">
-                <a16:creationId xmlns:a16="http://schemas.microsoft.com/office/drawing/2014/main" xmlns="" id="{002B89D3-9991-4FD5-8491-E2460974C3AE}"/>
+                <a16:creationId xmlns:a16="http://schemas.microsoft.com/office/drawing/2014/main" id="{002B89D3-9991-4FD5-8491-E2460974C3AE}"/>
               </a:ext>
             </a:extLst>
           </p:cNvPr>
@@ -2208,7 +2208,7 @@
           <a:p>
             <a:fld id="{98235D44-F49E-4F77-A348-B0CDA85E7A83}" type="datetimeFigureOut">
               <a:rPr lang="en-US" smtClean="0"/>
-              <a:t>11/18/2024</a:t>
+              <a:t>11/23/2024</a:t>
             </a:fld>
             <a:endParaRPr lang="en-US"/>
           </a:p>
@@ -2219,7 +2219,7 @@
           <p:cNvPr id="8" name="Footer Placeholder 7">
             <a:extLst>
               <a:ext uri="{FF2B5EF4-FFF2-40B4-BE49-F238E27FC236}">
-                <a16:creationId xmlns:a16="http://schemas.microsoft.com/office/drawing/2014/main" xmlns="" id="{300CDECF-9448-4116-8114-C14E91479E02}"/>
+                <a16:creationId xmlns:a16="http://schemas.microsoft.com/office/drawing/2014/main" id="{300CDECF-9448-4116-8114-C14E91479E02}"/>
               </a:ext>
             </a:extLst>
           </p:cNvPr>
@@ -2244,7 +2244,7 @@
           <p:cNvPr id="9" name="Slide Number Placeholder 8">
             <a:extLst>
               <a:ext uri="{FF2B5EF4-FFF2-40B4-BE49-F238E27FC236}">
-                <a16:creationId xmlns:a16="http://schemas.microsoft.com/office/drawing/2014/main" xmlns="" id="{76DADDA4-B891-462D-9A7C-282C46B1F901}"/>
+                <a16:creationId xmlns:a16="http://schemas.microsoft.com/office/drawing/2014/main" id="{76DADDA4-B891-462D-9A7C-282C46B1F901}"/>
               </a:ext>
             </a:extLst>
           </p:cNvPr>
@@ -2303,7 +2303,7 @@
           <p:cNvPr id="2" name="Title 1">
             <a:extLst>
               <a:ext uri="{FF2B5EF4-FFF2-40B4-BE49-F238E27FC236}">
-                <a16:creationId xmlns:a16="http://schemas.microsoft.com/office/drawing/2014/main" xmlns="" id="{7B389A39-8BA1-460B-A7B7-0BAFB619D949}"/>
+                <a16:creationId xmlns:a16="http://schemas.microsoft.com/office/drawing/2014/main" id="{7B389A39-8BA1-460B-A7B7-0BAFB619D949}"/>
               </a:ext>
             </a:extLst>
           </p:cNvPr>
@@ -2331,7 +2331,7 @@
           <p:cNvPr id="3" name="Date Placeholder 2">
             <a:extLst>
               <a:ext uri="{FF2B5EF4-FFF2-40B4-BE49-F238E27FC236}">
-                <a16:creationId xmlns:a16="http://schemas.microsoft.com/office/drawing/2014/main" xmlns="" id="{DE857218-C2CF-4B5D-BD2D-953DBA4E65F7}"/>
+                <a16:creationId xmlns:a16="http://schemas.microsoft.com/office/drawing/2014/main" id="{DE857218-C2CF-4B5D-BD2D-953DBA4E65F7}"/>
               </a:ext>
             </a:extLst>
           </p:cNvPr>
@@ -2349,7 +2349,7 @@
           <a:p>
             <a:fld id="{98235D44-F49E-4F77-A348-B0CDA85E7A83}" type="datetimeFigureOut">
               <a:rPr lang="en-US" smtClean="0"/>
-              <a:t>11/18/2024</a:t>
+              <a:t>11/23/2024</a:t>
             </a:fld>
             <a:endParaRPr lang="en-US"/>
           </a:p>
@@ -2360,7 +2360,7 @@
           <p:cNvPr id="4" name="Footer Placeholder 3">
             <a:extLst>
               <a:ext uri="{FF2B5EF4-FFF2-40B4-BE49-F238E27FC236}">
-                <a16:creationId xmlns:a16="http://schemas.microsoft.com/office/drawing/2014/main" xmlns="" id="{B87E3C4D-51BB-4849-AC59-BE7A0EFDACF3}"/>
+                <a16:creationId xmlns:a16="http://schemas.microsoft.com/office/drawing/2014/main" id="{B87E3C4D-51BB-4849-AC59-BE7A0EFDACF3}"/>
               </a:ext>
             </a:extLst>
           </p:cNvPr>
@@ -2385,7 +2385,7 @@
           <p:cNvPr id="5" name="Slide Number Placeholder 4">
             <a:extLst>
               <a:ext uri="{FF2B5EF4-FFF2-40B4-BE49-F238E27FC236}">
-                <a16:creationId xmlns:a16="http://schemas.microsoft.com/office/drawing/2014/main" xmlns="" id="{1A483845-0A19-4135-8A4B-234E6DA4B3C4}"/>
+                <a16:creationId xmlns:a16="http://schemas.microsoft.com/office/drawing/2014/main" id="{1A483845-0A19-4135-8A4B-234E6DA4B3C4}"/>
               </a:ext>
             </a:extLst>
           </p:cNvPr>
@@ -2444,7 +2444,7 @@
           <p:cNvPr id="2" name="Date Placeholder 1">
             <a:extLst>
               <a:ext uri="{FF2B5EF4-FFF2-40B4-BE49-F238E27FC236}">
-                <a16:creationId xmlns:a16="http://schemas.microsoft.com/office/drawing/2014/main" xmlns="" id="{6A911417-751B-4A8B-8B5C-E830524A1670}"/>
+                <a16:creationId xmlns:a16="http://schemas.microsoft.com/office/drawing/2014/main" id="{6A911417-751B-4A8B-8B5C-E830524A1670}"/>
               </a:ext>
             </a:extLst>
           </p:cNvPr>
@@ -2462,7 +2462,7 @@
           <a:p>
             <a:fld id="{98235D44-F49E-4F77-A348-B0CDA85E7A83}" type="datetimeFigureOut">
               <a:rPr lang="en-US" smtClean="0"/>
-              <a:t>11/18/2024</a:t>
+              <a:t>11/23/2024</a:t>
             </a:fld>
             <a:endParaRPr lang="en-US"/>
           </a:p>
@@ -2473,7 +2473,7 @@
           <p:cNvPr id="3" name="Footer Placeholder 2">
             <a:extLst>
               <a:ext uri="{FF2B5EF4-FFF2-40B4-BE49-F238E27FC236}">
-                <a16:creationId xmlns:a16="http://schemas.microsoft.com/office/drawing/2014/main" xmlns="" id="{5CA4A73D-9967-4B6D-AFC0-E36A3DADD2B2}"/>
+                <a16:creationId xmlns:a16="http://schemas.microsoft.com/office/drawing/2014/main" id="{5CA4A73D-9967-4B6D-AFC0-E36A3DADD2B2}"/>
               </a:ext>
             </a:extLst>
           </p:cNvPr>
@@ -2498,7 +2498,7 @@
           <p:cNvPr id="4" name="Slide Number Placeholder 3">
             <a:extLst>
               <a:ext uri="{FF2B5EF4-FFF2-40B4-BE49-F238E27FC236}">
-                <a16:creationId xmlns:a16="http://schemas.microsoft.com/office/drawing/2014/main" xmlns="" id="{9B683209-557C-448F-B737-7B704BE13B30}"/>
+                <a16:creationId xmlns:a16="http://schemas.microsoft.com/office/drawing/2014/main" id="{9B683209-557C-448F-B737-7B704BE13B30}"/>
               </a:ext>
             </a:extLst>
           </p:cNvPr>
@@ -2557,7 +2557,7 @@
           <p:cNvPr id="2" name="Title 1">
             <a:extLst>
               <a:ext uri="{FF2B5EF4-FFF2-40B4-BE49-F238E27FC236}">
-                <a16:creationId xmlns:a16="http://schemas.microsoft.com/office/drawing/2014/main" xmlns="" id="{C6242804-3BAA-4C10-8C80-09163D1A9385}"/>
+                <a16:creationId xmlns:a16="http://schemas.microsoft.com/office/drawing/2014/main" id="{C6242804-3BAA-4C10-8C80-09163D1A9385}"/>
               </a:ext>
             </a:extLst>
           </p:cNvPr>
@@ -2594,7 +2594,7 @@
           <p:cNvPr id="3" name="Content Placeholder 2">
             <a:extLst>
               <a:ext uri="{FF2B5EF4-FFF2-40B4-BE49-F238E27FC236}">
-                <a16:creationId xmlns:a16="http://schemas.microsoft.com/office/drawing/2014/main" xmlns="" id="{3572D3B3-8BBD-4040-8A8E-EB60A12217C9}"/>
+                <a16:creationId xmlns:a16="http://schemas.microsoft.com/office/drawing/2014/main" id="{3572D3B3-8BBD-4040-8A8E-EB60A12217C9}"/>
               </a:ext>
             </a:extLst>
           </p:cNvPr>
@@ -2684,7 +2684,7 @@
           <p:cNvPr id="4" name="Text Placeholder 3">
             <a:extLst>
               <a:ext uri="{FF2B5EF4-FFF2-40B4-BE49-F238E27FC236}">
-                <a16:creationId xmlns:a16="http://schemas.microsoft.com/office/drawing/2014/main" xmlns="" id="{35CFFDF4-C3C7-40B7-998A-C4E5DC70044C}"/>
+                <a16:creationId xmlns:a16="http://schemas.microsoft.com/office/drawing/2014/main" id="{35CFFDF4-C3C7-40B7-998A-C4E5DC70044C}"/>
               </a:ext>
             </a:extLst>
           </p:cNvPr>
@@ -2755,7 +2755,7 @@
           <p:cNvPr id="5" name="Date Placeholder 4">
             <a:extLst>
               <a:ext uri="{FF2B5EF4-FFF2-40B4-BE49-F238E27FC236}">
-                <a16:creationId xmlns:a16="http://schemas.microsoft.com/office/drawing/2014/main" xmlns="" id="{AB3D33DC-9AC1-44A6-8EF1-559EC4BB19DD}"/>
+                <a16:creationId xmlns:a16="http://schemas.microsoft.com/office/drawing/2014/main" id="{AB3D33DC-9AC1-44A6-8EF1-559EC4BB19DD}"/>
               </a:ext>
             </a:extLst>
           </p:cNvPr>
@@ -2773,7 +2773,7 @@
           <a:p>
             <a:fld id="{98235D44-F49E-4F77-A348-B0CDA85E7A83}" type="datetimeFigureOut">
               <a:rPr lang="en-US" smtClean="0"/>
-              <a:t>11/18/2024</a:t>
+              <a:t>11/23/2024</a:t>
             </a:fld>
             <a:endParaRPr lang="en-US"/>
           </a:p>
@@ -2784,7 +2784,7 @@
           <p:cNvPr id="6" name="Footer Placeholder 5">
             <a:extLst>
               <a:ext uri="{FF2B5EF4-FFF2-40B4-BE49-F238E27FC236}">
-                <a16:creationId xmlns:a16="http://schemas.microsoft.com/office/drawing/2014/main" xmlns="" id="{C46E6C10-CEB5-4B1F-AC0D-6AB2C63AE4A7}"/>
+                <a16:creationId xmlns:a16="http://schemas.microsoft.com/office/drawing/2014/main" id="{C46E6C10-CEB5-4B1F-AC0D-6AB2C63AE4A7}"/>
               </a:ext>
             </a:extLst>
           </p:cNvPr>
@@ -2809,7 +2809,7 @@
           <p:cNvPr id="7" name="Slide Number Placeholder 6">
             <a:extLst>
               <a:ext uri="{FF2B5EF4-FFF2-40B4-BE49-F238E27FC236}">
-                <a16:creationId xmlns:a16="http://schemas.microsoft.com/office/drawing/2014/main" xmlns="" id="{A017AC0C-F6FA-40D6-9F6C-8C368C978273}"/>
+                <a16:creationId xmlns:a16="http://schemas.microsoft.com/office/drawing/2014/main" id="{A017AC0C-F6FA-40D6-9F6C-8C368C978273}"/>
               </a:ext>
             </a:extLst>
           </p:cNvPr>
@@ -2868,7 +2868,7 @@
           <p:cNvPr id="2" name="Title 1">
             <a:extLst>
               <a:ext uri="{FF2B5EF4-FFF2-40B4-BE49-F238E27FC236}">
-                <a16:creationId xmlns:a16="http://schemas.microsoft.com/office/drawing/2014/main" xmlns="" id="{A7F24B01-EE1C-45EE-8417-7DD723D22EC4}"/>
+                <a16:creationId xmlns:a16="http://schemas.microsoft.com/office/drawing/2014/main" id="{A7F24B01-EE1C-45EE-8417-7DD723D22EC4}"/>
               </a:ext>
             </a:extLst>
           </p:cNvPr>
@@ -2905,7 +2905,7 @@
           <p:cNvPr id="3" name="Picture Placeholder 2">
             <a:extLst>
               <a:ext uri="{FF2B5EF4-FFF2-40B4-BE49-F238E27FC236}">
-                <a16:creationId xmlns:a16="http://schemas.microsoft.com/office/drawing/2014/main" xmlns="" id="{232AA200-9C6F-4F24-A443-CCF4808F2DDE}"/>
+                <a16:creationId xmlns:a16="http://schemas.microsoft.com/office/drawing/2014/main" id="{232AA200-9C6F-4F24-A443-CCF4808F2DDE}"/>
               </a:ext>
             </a:extLst>
           </p:cNvPr>
@@ -2972,7 +2972,7 @@
           <p:cNvPr id="4" name="Text Placeholder 3">
             <a:extLst>
               <a:ext uri="{FF2B5EF4-FFF2-40B4-BE49-F238E27FC236}">
-                <a16:creationId xmlns:a16="http://schemas.microsoft.com/office/drawing/2014/main" xmlns="" id="{233B9892-61C9-4F8E-9C07-E15B547144F6}"/>
+                <a16:creationId xmlns:a16="http://schemas.microsoft.com/office/drawing/2014/main" id="{233B9892-61C9-4F8E-9C07-E15B547144F6}"/>
               </a:ext>
             </a:extLst>
           </p:cNvPr>
@@ -3043,7 +3043,7 @@
           <p:cNvPr id="5" name="Date Placeholder 4">
             <a:extLst>
               <a:ext uri="{FF2B5EF4-FFF2-40B4-BE49-F238E27FC236}">
-                <a16:creationId xmlns:a16="http://schemas.microsoft.com/office/drawing/2014/main" xmlns="" id="{5033C767-5AFB-4AEE-889D-C078CADF5B53}"/>
+                <a16:creationId xmlns:a16="http://schemas.microsoft.com/office/drawing/2014/main" id="{5033C767-5AFB-4AEE-889D-C078CADF5B53}"/>
               </a:ext>
             </a:extLst>
           </p:cNvPr>
@@ -3061,7 +3061,7 @@
           <a:p>
             <a:fld id="{98235D44-F49E-4F77-A348-B0CDA85E7A83}" type="datetimeFigureOut">
               <a:rPr lang="en-US" smtClean="0"/>
-              <a:t>11/18/2024</a:t>
+              <a:t>11/23/2024</a:t>
             </a:fld>
             <a:endParaRPr lang="en-US"/>
           </a:p>
@@ -3072,7 +3072,7 @@
           <p:cNvPr id="6" name="Footer Placeholder 5">
             <a:extLst>
               <a:ext uri="{FF2B5EF4-FFF2-40B4-BE49-F238E27FC236}">
-                <a16:creationId xmlns:a16="http://schemas.microsoft.com/office/drawing/2014/main" xmlns="" id="{48223B0A-488A-42B2-89E2-051C35A33957}"/>
+                <a16:creationId xmlns:a16="http://schemas.microsoft.com/office/drawing/2014/main" id="{48223B0A-488A-42B2-89E2-051C35A33957}"/>
               </a:ext>
             </a:extLst>
           </p:cNvPr>
@@ -3097,7 +3097,7 @@
           <p:cNvPr id="7" name="Slide Number Placeholder 6">
             <a:extLst>
               <a:ext uri="{FF2B5EF4-FFF2-40B4-BE49-F238E27FC236}">
-                <a16:creationId xmlns:a16="http://schemas.microsoft.com/office/drawing/2014/main" xmlns="" id="{E7F74123-1917-4DB7-92FB-40764EA7A03C}"/>
+                <a16:creationId xmlns:a16="http://schemas.microsoft.com/office/drawing/2014/main" id="{E7F74123-1917-4DB7-92FB-40764EA7A03C}"/>
               </a:ext>
             </a:extLst>
           </p:cNvPr>
@@ -3161,7 +3161,7 @@
           <p:cNvPr id="2" name="Title Placeholder 1">
             <a:extLst>
               <a:ext uri="{FF2B5EF4-FFF2-40B4-BE49-F238E27FC236}">
-                <a16:creationId xmlns:a16="http://schemas.microsoft.com/office/drawing/2014/main" xmlns="" id="{382F6176-00BD-4693-9923-06254454CE87}"/>
+                <a16:creationId xmlns:a16="http://schemas.microsoft.com/office/drawing/2014/main" id="{382F6176-00BD-4693-9923-06254454CE87}"/>
               </a:ext>
             </a:extLst>
           </p:cNvPr>
@@ -3199,7 +3199,7 @@
           <p:cNvPr id="3" name="Text Placeholder 2">
             <a:extLst>
               <a:ext uri="{FF2B5EF4-FFF2-40B4-BE49-F238E27FC236}">
-                <a16:creationId xmlns:a16="http://schemas.microsoft.com/office/drawing/2014/main" xmlns="" id="{D72465CB-1324-49D6-9ECC-556522513431}"/>
+                <a16:creationId xmlns:a16="http://schemas.microsoft.com/office/drawing/2014/main" id="{D72465CB-1324-49D6-9ECC-556522513431}"/>
               </a:ext>
             </a:extLst>
           </p:cNvPr>
@@ -3266,7 +3266,7 @@
           <p:cNvPr id="4" name="Date Placeholder 3">
             <a:extLst>
               <a:ext uri="{FF2B5EF4-FFF2-40B4-BE49-F238E27FC236}">
-                <a16:creationId xmlns:a16="http://schemas.microsoft.com/office/drawing/2014/main" xmlns="" id="{015AC27E-C027-48A9-9810-D8B9A76821C3}"/>
+                <a16:creationId xmlns:a16="http://schemas.microsoft.com/office/drawing/2014/main" id="{015AC27E-C027-48A9-9810-D8B9A76821C3}"/>
               </a:ext>
             </a:extLst>
           </p:cNvPr>
@@ -3302,7 +3302,7 @@
           <a:p>
             <a:fld id="{98235D44-F49E-4F77-A348-B0CDA85E7A83}" type="datetimeFigureOut">
               <a:rPr lang="en-US" smtClean="0"/>
-              <a:t>11/18/2024</a:t>
+              <a:t>11/23/2024</a:t>
             </a:fld>
             <a:endParaRPr lang="en-US"/>
           </a:p>
@@ -3313,7 +3313,7 @@
           <p:cNvPr id="5" name="Footer Placeholder 4">
             <a:extLst>
               <a:ext uri="{FF2B5EF4-FFF2-40B4-BE49-F238E27FC236}">
-                <a16:creationId xmlns:a16="http://schemas.microsoft.com/office/drawing/2014/main" xmlns="" id="{2E413427-C6F3-4826-9257-F18E6C1304BA}"/>
+                <a16:creationId xmlns:a16="http://schemas.microsoft.com/office/drawing/2014/main" id="{2E413427-C6F3-4826-9257-F18E6C1304BA}"/>
               </a:ext>
             </a:extLst>
           </p:cNvPr>
@@ -3356,7 +3356,7 @@
           <p:cNvPr id="6" name="Slide Number Placeholder 5">
             <a:extLst>
               <a:ext uri="{FF2B5EF4-FFF2-40B4-BE49-F238E27FC236}">
-                <a16:creationId xmlns:a16="http://schemas.microsoft.com/office/drawing/2014/main" xmlns="" id="{E752DF0D-A4E4-4EBB-84AE-4128B6C45E42}"/>
+                <a16:creationId xmlns:a16="http://schemas.microsoft.com/office/drawing/2014/main" id="{E752DF0D-A4E4-4EBB-84AE-4128B6C45E42}"/>
               </a:ext>
             </a:extLst>
           </p:cNvPr>
@@ -3724,7 +3724,7 @@
           <p:cNvPr id="9" name="Picture 8">
             <a:extLst>
               <a:ext uri="{FF2B5EF4-FFF2-40B4-BE49-F238E27FC236}">
-                <a16:creationId xmlns:a16="http://schemas.microsoft.com/office/drawing/2014/main" xmlns="" id="{FFF4CB80-36A6-53FE-DF95-D3C353FD1650}"/>
+                <a16:creationId xmlns:a16="http://schemas.microsoft.com/office/drawing/2014/main" id="{FFF4CB80-36A6-53FE-DF95-D3C353FD1650}"/>
               </a:ext>
             </a:extLst>
           </p:cNvPr>
@@ -3760,7 +3760,7 @@
           <p:cNvPr id="6" name="TextBox 5">
             <a:extLst>
               <a:ext uri="{FF2B5EF4-FFF2-40B4-BE49-F238E27FC236}">
-                <a16:creationId xmlns:a16="http://schemas.microsoft.com/office/drawing/2014/main" xmlns="" id="{27A5B088-940D-5FBC-8942-18896A45CEB8}"/>
+                <a16:creationId xmlns:a16="http://schemas.microsoft.com/office/drawing/2014/main" id="{27A5B088-940D-5FBC-8942-18896A45CEB8}"/>
               </a:ext>
             </a:extLst>
           </p:cNvPr>
@@ -8766,7 +8766,7 @@
           <p:cNvPr id="3" name="Subtitle 2">
             <a:extLst>
               <a:ext uri="{FF2B5EF4-FFF2-40B4-BE49-F238E27FC236}">
-                <a16:creationId xmlns:a16="http://schemas.microsoft.com/office/drawing/2014/main" xmlns="" id="{40EC00D6-6139-ECCB-3970-DF39A63CDA01}"/>
+                <a16:creationId xmlns:a16="http://schemas.microsoft.com/office/drawing/2014/main" id="{40EC00D6-6139-ECCB-3970-DF39A63CDA01}"/>
               </a:ext>
             </a:extLst>
           </p:cNvPr>
@@ -8790,16 +8790,6 @@
           <a:lstStyle/>
           <a:p>
             <a:pPr algn="r"/>
-            <a:r>
-              <a:rPr lang="en-US" sz="1800" dirty="0">
-                <a:solidFill>
-                  <a:schemeClr val="bg1">
-                    <a:lumMod val="75000"/>
-                  </a:schemeClr>
-                </a:solidFill>
-              </a:rPr>
-              <a:t/>
-            </a:r>
             <a:br>
               <a:rPr lang="en-US" sz="1800" dirty="0">
                 <a:solidFill>
@@ -8908,13 +8898,6 @@
   <p:clrMapOvr>
     <a:masterClrMapping/>
   </p:clrMapOvr>
-  <p:timing>
-    <p:tnLst>
-      <p:par>
-        <p:cTn id="1" dur="indefinite" restart="never" nodeType="tmRoot"/>
-      </p:par>
-    </p:tnLst>
-  </p:timing>
 </p:sld>
 </file>
 
@@ -8940,7 +8923,7 @@
           <p:cNvPr id="3" name="TextBox 2">
             <a:extLst>
               <a:ext uri="{FF2B5EF4-FFF2-40B4-BE49-F238E27FC236}">
-                <a16:creationId xmlns:a16="http://schemas.microsoft.com/office/drawing/2014/main" xmlns="" id="{6129BCCE-EAA2-06B8-2ABB-36E1965B0FED}"/>
+                <a16:creationId xmlns:a16="http://schemas.microsoft.com/office/drawing/2014/main" id="{6129BCCE-EAA2-06B8-2ABB-36E1965B0FED}"/>
               </a:ext>
             </a:extLst>
           </p:cNvPr>
@@ -8987,7 +8970,7 @@
           <p:cNvPr id="2" name="TextBox 1">
             <a:extLst>
               <a:ext uri="{FF2B5EF4-FFF2-40B4-BE49-F238E27FC236}">
-                <a16:creationId xmlns:a16="http://schemas.microsoft.com/office/drawing/2014/main" xmlns="" id="{4073108B-FF80-2542-E514-618C5A826695}"/>
+                <a16:creationId xmlns:a16="http://schemas.microsoft.com/office/drawing/2014/main" id="{4073108B-FF80-2542-E514-618C5A826695}"/>
               </a:ext>
             </a:extLst>
           </p:cNvPr>
@@ -9113,6 +9096,173 @@
               <a:buAutoNum type="arabicPeriod"/>
             </a:pPr>
             <a:endParaRPr lang="en-US" dirty="0"/>
+          </a:p>
+        </p:txBody>
+      </p:sp>
+      <p:sp>
+        <p:nvSpPr>
+          <p:cNvPr id="4" name="Rectangle 3">
+            <a:extLst>
+              <a:ext uri="{FF2B5EF4-FFF2-40B4-BE49-F238E27FC236}">
+                <a16:creationId xmlns:a16="http://schemas.microsoft.com/office/drawing/2014/main" id="{06FD0CC3-8142-4DC7-AD32-79DE24435108}"/>
+              </a:ext>
+            </a:extLst>
+          </p:cNvPr>
+          <p:cNvSpPr/>
+          <p:nvPr/>
+        </p:nvSpPr>
+        <p:spPr>
+          <a:xfrm>
+            <a:off x="-1" y="0"/>
+            <a:ext cx="12192000" cy="264160"/>
+          </a:xfrm>
+          <a:prstGeom prst="rect">
+            <a:avLst/>
+          </a:prstGeom>
+          <a:gradFill flip="none" rotWithShape="0">
+            <a:gsLst>
+              <a:gs pos="0">
+                <a:schemeClr val="accent2">
+                  <a:lumMod val="75000"/>
+                  <a:alpha val="80000"/>
+                </a:schemeClr>
+              </a:gs>
+              <a:gs pos="100000">
+                <a:schemeClr val="tx2">
+                  <a:lumMod val="90000"/>
+                  <a:lumOff val="10000"/>
+                </a:schemeClr>
+              </a:gs>
+            </a:gsLst>
+            <a:lin ang="5400000" scaled="1"/>
+            <a:tileRect/>
+          </a:gradFill>
+        </p:spPr>
+        <p:style>
+          <a:lnRef idx="2">
+            <a:schemeClr val="accent1">
+              <a:shade val="50000"/>
+            </a:schemeClr>
+          </a:lnRef>
+          <a:fillRef idx="1">
+            <a:schemeClr val="accent1"/>
+          </a:fillRef>
+          <a:effectRef idx="0">
+            <a:schemeClr val="accent1"/>
+          </a:effectRef>
+          <a:fontRef idx="minor">
+            <a:schemeClr val="lt1"/>
+          </a:fontRef>
+        </p:style>
+        <p:txBody>
+          <a:bodyPr rtlCol="0" anchor="ctr"/>
+          <a:lstStyle/>
+          <a:p>
+            <a:pPr algn="ctr"/>
+            <a:endParaRPr lang="en-US"/>
+          </a:p>
+        </p:txBody>
+      </p:sp>
+      <p:sp>
+        <p:nvSpPr>
+          <p:cNvPr id="5" name="Rectangle 4">
+            <a:extLst>
+              <a:ext uri="{FF2B5EF4-FFF2-40B4-BE49-F238E27FC236}">
+                <a16:creationId xmlns:a16="http://schemas.microsoft.com/office/drawing/2014/main" id="{CB2AF524-26BE-4938-A569-EC9603BD581D}"/>
+              </a:ext>
+            </a:extLst>
+          </p:cNvPr>
+          <p:cNvSpPr/>
+          <p:nvPr/>
+        </p:nvSpPr>
+        <p:spPr>
+          <a:xfrm>
+            <a:off x="-1" y="6660709"/>
+            <a:ext cx="12192000" cy="264159"/>
+          </a:xfrm>
+          <a:prstGeom prst="rect">
+            <a:avLst/>
+          </a:prstGeom>
+          <a:gradFill>
+            <a:gsLst>
+              <a:gs pos="4000">
+                <a:schemeClr val="accent2">
+                  <a:lumMod val="75000"/>
+                  <a:alpha val="78000"/>
+                </a:schemeClr>
+              </a:gs>
+              <a:gs pos="100000">
+                <a:schemeClr val="tx2">
+                  <a:lumMod val="90000"/>
+                  <a:lumOff val="10000"/>
+                </a:schemeClr>
+              </a:gs>
+            </a:gsLst>
+            <a:lin ang="5400000" scaled="1"/>
+          </a:gradFill>
+        </p:spPr>
+        <p:style>
+          <a:lnRef idx="2">
+            <a:schemeClr val="accent1">
+              <a:shade val="50000"/>
+            </a:schemeClr>
+          </a:lnRef>
+          <a:fillRef idx="1">
+            <a:schemeClr val="accent1"/>
+          </a:fillRef>
+          <a:effectRef idx="0">
+            <a:schemeClr val="accent1"/>
+          </a:effectRef>
+          <a:fontRef idx="minor">
+            <a:schemeClr val="lt1"/>
+          </a:fontRef>
+        </p:style>
+        <p:txBody>
+          <a:bodyPr rtlCol="0" anchor="ctr"/>
+          <a:lstStyle/>
+          <a:p>
+            <a:pPr algn="ctr"/>
+            <a:endParaRPr lang="en-US"/>
+          </a:p>
+        </p:txBody>
+      </p:sp>
+      <p:sp>
+        <p:nvSpPr>
+          <p:cNvPr id="6" name="TextBox 5">
+            <a:extLst>
+              <a:ext uri="{FF2B5EF4-FFF2-40B4-BE49-F238E27FC236}">
+                <a16:creationId xmlns:a16="http://schemas.microsoft.com/office/drawing/2014/main" id="{91ABEE54-6401-42E9-AC9D-A367923E5147}"/>
+              </a:ext>
+            </a:extLst>
+          </p:cNvPr>
+          <p:cNvSpPr txBox="1"/>
+          <p:nvPr/>
+        </p:nvSpPr>
+        <p:spPr>
+          <a:xfrm>
+            <a:off x="731520" y="6583680"/>
+            <a:ext cx="4937760" cy="483880"/>
+          </a:xfrm>
+          <a:prstGeom prst="rect">
+            <a:avLst/>
+          </a:prstGeom>
+          <a:noFill/>
+        </p:spPr>
+        <p:txBody>
+          <a:bodyPr wrap="square" rtlCol="0">
+            <a:spAutoFit/>
+          </a:bodyPr>
+          <a:lstStyle/>
+          <a:p>
+            <a:r>
+              <a:rPr lang="en-US" dirty="0">
+                <a:solidFill>
+                  <a:schemeClr val="bg1"/>
+                </a:solidFill>
+                <a:latin typeface="Berlin Sans FB" panose="020E0602020502020306" pitchFamily="34" charset="0"/>
+              </a:rPr>
+              <a:t>GRAPH THEORY IN BOARD GAMES</a:t>
+            </a:r>
           </a:p>
         </p:txBody>
       </p:sp>
@@ -9126,13 +9276,6 @@
   <p:clrMapOvr>
     <a:masterClrMapping/>
   </p:clrMapOvr>
-  <p:timing>
-    <p:tnLst>
-      <p:par>
-        <p:cTn id="1" dur="indefinite" restart="never" nodeType="tmRoot"/>
-      </p:par>
-    </p:tnLst>
-  </p:timing>
 </p:sld>
 </file>
 
@@ -9158,7 +9301,7 @@
           <p:cNvPr id="2" name="TextBox 1">
             <a:extLst>
               <a:ext uri="{FF2B5EF4-FFF2-40B4-BE49-F238E27FC236}">
-                <a16:creationId xmlns:a16="http://schemas.microsoft.com/office/drawing/2014/main" xmlns="" id="{199B9149-BCE3-E8FF-B980-A671C271C1F7}"/>
+                <a16:creationId xmlns:a16="http://schemas.microsoft.com/office/drawing/2014/main" id="{199B9149-BCE3-E8FF-B980-A671C271C1F7}"/>
               </a:ext>
             </a:extLst>
           </p:cNvPr>
@@ -9205,7 +9348,7 @@
           <p:cNvPr id="3" name="TextBox 2">
             <a:extLst>
               <a:ext uri="{FF2B5EF4-FFF2-40B4-BE49-F238E27FC236}">
-                <a16:creationId xmlns:a16="http://schemas.microsoft.com/office/drawing/2014/main" xmlns="" id="{2A3DBAD7-0349-C138-49F2-34BA414DC8BC}"/>
+                <a16:creationId xmlns:a16="http://schemas.microsoft.com/office/drawing/2014/main" id="{2A3DBAD7-0349-C138-49F2-34BA414DC8BC}"/>
               </a:ext>
             </a:extLst>
           </p:cNvPr>
@@ -9372,6 +9515,173 @@
           </a:p>
         </p:txBody>
       </p:sp>
+      <p:sp>
+        <p:nvSpPr>
+          <p:cNvPr id="4" name="Rectangle 3">
+            <a:extLst>
+              <a:ext uri="{FF2B5EF4-FFF2-40B4-BE49-F238E27FC236}">
+                <a16:creationId xmlns:a16="http://schemas.microsoft.com/office/drawing/2014/main" id="{B66E0DA8-7939-4E38-92BD-695D6004DF37}"/>
+              </a:ext>
+            </a:extLst>
+          </p:cNvPr>
+          <p:cNvSpPr/>
+          <p:nvPr/>
+        </p:nvSpPr>
+        <p:spPr>
+          <a:xfrm>
+            <a:off x="-1" y="0"/>
+            <a:ext cx="12192000" cy="264160"/>
+          </a:xfrm>
+          <a:prstGeom prst="rect">
+            <a:avLst/>
+          </a:prstGeom>
+          <a:gradFill flip="none" rotWithShape="0">
+            <a:gsLst>
+              <a:gs pos="0">
+                <a:schemeClr val="accent2">
+                  <a:lumMod val="75000"/>
+                  <a:alpha val="80000"/>
+                </a:schemeClr>
+              </a:gs>
+              <a:gs pos="100000">
+                <a:schemeClr val="tx2">
+                  <a:lumMod val="90000"/>
+                  <a:lumOff val="10000"/>
+                </a:schemeClr>
+              </a:gs>
+            </a:gsLst>
+            <a:lin ang="5400000" scaled="1"/>
+            <a:tileRect/>
+          </a:gradFill>
+        </p:spPr>
+        <p:style>
+          <a:lnRef idx="2">
+            <a:schemeClr val="accent1">
+              <a:shade val="50000"/>
+            </a:schemeClr>
+          </a:lnRef>
+          <a:fillRef idx="1">
+            <a:schemeClr val="accent1"/>
+          </a:fillRef>
+          <a:effectRef idx="0">
+            <a:schemeClr val="accent1"/>
+          </a:effectRef>
+          <a:fontRef idx="minor">
+            <a:schemeClr val="lt1"/>
+          </a:fontRef>
+        </p:style>
+        <p:txBody>
+          <a:bodyPr rtlCol="0" anchor="ctr"/>
+          <a:lstStyle/>
+          <a:p>
+            <a:pPr algn="ctr"/>
+            <a:endParaRPr lang="en-US"/>
+          </a:p>
+        </p:txBody>
+      </p:sp>
+      <p:sp>
+        <p:nvSpPr>
+          <p:cNvPr id="5" name="Rectangle 4">
+            <a:extLst>
+              <a:ext uri="{FF2B5EF4-FFF2-40B4-BE49-F238E27FC236}">
+                <a16:creationId xmlns:a16="http://schemas.microsoft.com/office/drawing/2014/main" id="{408F8904-5AD1-4CD6-B9D2-930954629029}"/>
+              </a:ext>
+            </a:extLst>
+          </p:cNvPr>
+          <p:cNvSpPr/>
+          <p:nvPr/>
+        </p:nvSpPr>
+        <p:spPr>
+          <a:xfrm>
+            <a:off x="-1" y="6660709"/>
+            <a:ext cx="12192000" cy="264159"/>
+          </a:xfrm>
+          <a:prstGeom prst="rect">
+            <a:avLst/>
+          </a:prstGeom>
+          <a:gradFill>
+            <a:gsLst>
+              <a:gs pos="4000">
+                <a:schemeClr val="accent2">
+                  <a:lumMod val="75000"/>
+                  <a:alpha val="78000"/>
+                </a:schemeClr>
+              </a:gs>
+              <a:gs pos="100000">
+                <a:schemeClr val="tx2">
+                  <a:lumMod val="90000"/>
+                  <a:lumOff val="10000"/>
+                </a:schemeClr>
+              </a:gs>
+            </a:gsLst>
+            <a:lin ang="5400000" scaled="1"/>
+          </a:gradFill>
+        </p:spPr>
+        <p:style>
+          <a:lnRef idx="2">
+            <a:schemeClr val="accent1">
+              <a:shade val="50000"/>
+            </a:schemeClr>
+          </a:lnRef>
+          <a:fillRef idx="1">
+            <a:schemeClr val="accent1"/>
+          </a:fillRef>
+          <a:effectRef idx="0">
+            <a:schemeClr val="accent1"/>
+          </a:effectRef>
+          <a:fontRef idx="minor">
+            <a:schemeClr val="lt1"/>
+          </a:fontRef>
+        </p:style>
+        <p:txBody>
+          <a:bodyPr rtlCol="0" anchor="ctr"/>
+          <a:lstStyle/>
+          <a:p>
+            <a:pPr algn="ctr"/>
+            <a:endParaRPr lang="en-US"/>
+          </a:p>
+        </p:txBody>
+      </p:sp>
+      <p:sp>
+        <p:nvSpPr>
+          <p:cNvPr id="6" name="TextBox 5">
+            <a:extLst>
+              <a:ext uri="{FF2B5EF4-FFF2-40B4-BE49-F238E27FC236}">
+                <a16:creationId xmlns:a16="http://schemas.microsoft.com/office/drawing/2014/main" id="{6F485EDD-1FD3-47DD-87C8-54A5E71A4B75}"/>
+              </a:ext>
+            </a:extLst>
+          </p:cNvPr>
+          <p:cNvSpPr txBox="1"/>
+          <p:nvPr/>
+        </p:nvSpPr>
+        <p:spPr>
+          <a:xfrm>
+            <a:off x="731520" y="6583680"/>
+            <a:ext cx="4937760" cy="483880"/>
+          </a:xfrm>
+          <a:prstGeom prst="rect">
+            <a:avLst/>
+          </a:prstGeom>
+          <a:noFill/>
+        </p:spPr>
+        <p:txBody>
+          <a:bodyPr wrap="square" rtlCol="0">
+            <a:spAutoFit/>
+          </a:bodyPr>
+          <a:lstStyle/>
+          <a:p>
+            <a:r>
+              <a:rPr lang="en-US" dirty="0">
+                <a:solidFill>
+                  <a:schemeClr val="bg1"/>
+                </a:solidFill>
+                <a:latin typeface="Berlin Sans FB" panose="020E0602020502020306" pitchFamily="34" charset="0"/>
+              </a:rPr>
+              <a:t>GRAPH THEORY IN BOARD GAMES</a:t>
+            </a:r>
+          </a:p>
+        </p:txBody>
+      </p:sp>
     </p:spTree>
     <p:extLst>
       <p:ext uri="{BB962C8B-B14F-4D97-AF65-F5344CB8AC3E}">
@@ -9382,13 +9692,6 @@
   <p:clrMapOvr>
     <a:masterClrMapping/>
   </p:clrMapOvr>
-  <p:timing>
-    <p:tnLst>
-      <p:par>
-        <p:cTn id="1" dur="indefinite" restart="never" nodeType="tmRoot"/>
-      </p:par>
-    </p:tnLst>
-  </p:timing>
 </p:sld>
 </file>
 
@@ -9414,7 +9717,7 @@
           <p:cNvPr id="2" name="Title 1">
             <a:extLst>
               <a:ext uri="{FF2B5EF4-FFF2-40B4-BE49-F238E27FC236}">
-                <a16:creationId xmlns:a16="http://schemas.microsoft.com/office/drawing/2014/main" xmlns="" id="{F53F7F84-3779-F19C-0419-35270F37BEB9}"/>
+                <a16:creationId xmlns:a16="http://schemas.microsoft.com/office/drawing/2014/main" id="{F53F7F84-3779-F19C-0419-35270F37BEB9}"/>
               </a:ext>
             </a:extLst>
           </p:cNvPr>
@@ -9449,7 +9752,7 @@
           <p:cNvPr id="3" name="Content Placeholder 2">
             <a:extLst>
               <a:ext uri="{FF2B5EF4-FFF2-40B4-BE49-F238E27FC236}">
-                <a16:creationId xmlns:a16="http://schemas.microsoft.com/office/drawing/2014/main" xmlns="" id="{966624D1-576C-AC87-B49D-B0CFB2390EA1}"/>
+                <a16:creationId xmlns:a16="http://schemas.microsoft.com/office/drawing/2014/main" id="{966624D1-576C-AC87-B49D-B0CFB2390EA1}"/>
               </a:ext>
             </a:extLst>
           </p:cNvPr>
@@ -9493,10 +9796,6 @@
               <a:rPr lang="en-US" b="1" dirty="0"/>
               <a:t>Recursive case:</a:t>
             </a:r>
-            <a:r>
-              <a:rPr lang="en-US" sz="3600" b="1" dirty="0"/>
-              <a:t/>
-            </a:r>
             <a:br>
               <a:rPr lang="en-US" sz="3600" b="1" dirty="0"/>
             </a:br>
@@ -9508,17 +9807,9 @@
               <a:rPr lang="en-US" sz="2400" dirty="0"/>
               <a:t>It is the part of a recursive function that breaks down a problem into smaller subproblems, which moves the problem closer to the base case.</a:t>
             </a:r>
-            <a:r>
-              <a:rPr lang="en-US" sz="2400" b="1" dirty="0"/>
-              <a:t/>
-            </a:r>
             <a:br>
               <a:rPr lang="en-US" sz="2400" b="1" dirty="0"/>
             </a:br>
-            <a:r>
-              <a:rPr lang="en-US" sz="2400" b="1" dirty="0"/>
-              <a:t/>
-            </a:r>
             <a:br>
               <a:rPr lang="en-US" sz="2400" b="1" dirty="0"/>
             </a:br>
@@ -9539,16 +9830,179 @@
               </a:rPr>
               <a:t>Recursive function is a function that values at any point can be calculated from the values of the function at some previous points</a:t>
             </a:r>
-            <a:r>
-              <a:rPr lang="en-US" sz="2400" b="1" dirty="0"/>
-              <a:t/>
-            </a:r>
             <a:br>
               <a:rPr lang="en-US" sz="2400" b="1" dirty="0"/>
             </a:br>
             <a:r>
               <a:rPr lang="en-US" sz="2400" b="1" dirty="0"/>
               <a:t>        </a:t>
+            </a:r>
+          </a:p>
+        </p:txBody>
+      </p:sp>
+      <p:sp>
+        <p:nvSpPr>
+          <p:cNvPr id="4" name="Rectangle 3">
+            <a:extLst>
+              <a:ext uri="{FF2B5EF4-FFF2-40B4-BE49-F238E27FC236}">
+                <a16:creationId xmlns:a16="http://schemas.microsoft.com/office/drawing/2014/main" id="{45A9D8C7-6844-4689-B159-7026F956741A}"/>
+              </a:ext>
+            </a:extLst>
+          </p:cNvPr>
+          <p:cNvSpPr/>
+          <p:nvPr/>
+        </p:nvSpPr>
+        <p:spPr>
+          <a:xfrm>
+            <a:off x="-1" y="0"/>
+            <a:ext cx="12192000" cy="264160"/>
+          </a:xfrm>
+          <a:prstGeom prst="rect">
+            <a:avLst/>
+          </a:prstGeom>
+          <a:gradFill flip="none" rotWithShape="0">
+            <a:gsLst>
+              <a:gs pos="0">
+                <a:schemeClr val="accent2">
+                  <a:lumMod val="75000"/>
+                  <a:alpha val="80000"/>
+                </a:schemeClr>
+              </a:gs>
+              <a:gs pos="100000">
+                <a:schemeClr val="tx2">
+                  <a:lumMod val="90000"/>
+                  <a:lumOff val="10000"/>
+                </a:schemeClr>
+              </a:gs>
+            </a:gsLst>
+            <a:lin ang="5400000" scaled="1"/>
+            <a:tileRect/>
+          </a:gradFill>
+        </p:spPr>
+        <p:style>
+          <a:lnRef idx="2">
+            <a:schemeClr val="accent1">
+              <a:shade val="50000"/>
+            </a:schemeClr>
+          </a:lnRef>
+          <a:fillRef idx="1">
+            <a:schemeClr val="accent1"/>
+          </a:fillRef>
+          <a:effectRef idx="0">
+            <a:schemeClr val="accent1"/>
+          </a:effectRef>
+          <a:fontRef idx="minor">
+            <a:schemeClr val="lt1"/>
+          </a:fontRef>
+        </p:style>
+        <p:txBody>
+          <a:bodyPr rtlCol="0" anchor="ctr"/>
+          <a:lstStyle/>
+          <a:p>
+            <a:pPr algn="ctr"/>
+            <a:endParaRPr lang="en-US"/>
+          </a:p>
+        </p:txBody>
+      </p:sp>
+      <p:sp>
+        <p:nvSpPr>
+          <p:cNvPr id="5" name="Rectangle 4">
+            <a:extLst>
+              <a:ext uri="{FF2B5EF4-FFF2-40B4-BE49-F238E27FC236}">
+                <a16:creationId xmlns:a16="http://schemas.microsoft.com/office/drawing/2014/main" id="{BC7BD289-144D-481D-BC73-36A78CF57055}"/>
+              </a:ext>
+            </a:extLst>
+          </p:cNvPr>
+          <p:cNvSpPr/>
+          <p:nvPr/>
+        </p:nvSpPr>
+        <p:spPr>
+          <a:xfrm>
+            <a:off x="-1" y="6660709"/>
+            <a:ext cx="12192000" cy="264159"/>
+          </a:xfrm>
+          <a:prstGeom prst="rect">
+            <a:avLst/>
+          </a:prstGeom>
+          <a:gradFill>
+            <a:gsLst>
+              <a:gs pos="4000">
+                <a:schemeClr val="accent2">
+                  <a:lumMod val="75000"/>
+                  <a:alpha val="78000"/>
+                </a:schemeClr>
+              </a:gs>
+              <a:gs pos="100000">
+                <a:schemeClr val="tx2">
+                  <a:lumMod val="90000"/>
+                  <a:lumOff val="10000"/>
+                </a:schemeClr>
+              </a:gs>
+            </a:gsLst>
+            <a:lin ang="5400000" scaled="1"/>
+          </a:gradFill>
+        </p:spPr>
+        <p:style>
+          <a:lnRef idx="2">
+            <a:schemeClr val="accent1">
+              <a:shade val="50000"/>
+            </a:schemeClr>
+          </a:lnRef>
+          <a:fillRef idx="1">
+            <a:schemeClr val="accent1"/>
+          </a:fillRef>
+          <a:effectRef idx="0">
+            <a:schemeClr val="accent1"/>
+          </a:effectRef>
+          <a:fontRef idx="minor">
+            <a:schemeClr val="lt1"/>
+          </a:fontRef>
+        </p:style>
+        <p:txBody>
+          <a:bodyPr rtlCol="0" anchor="ctr"/>
+          <a:lstStyle/>
+          <a:p>
+            <a:pPr algn="ctr"/>
+            <a:endParaRPr lang="en-US"/>
+          </a:p>
+        </p:txBody>
+      </p:sp>
+      <p:sp>
+        <p:nvSpPr>
+          <p:cNvPr id="6" name="TextBox 5">
+            <a:extLst>
+              <a:ext uri="{FF2B5EF4-FFF2-40B4-BE49-F238E27FC236}">
+                <a16:creationId xmlns:a16="http://schemas.microsoft.com/office/drawing/2014/main" id="{821A9147-9B52-4773-A5BA-56F843291056}"/>
+              </a:ext>
+            </a:extLst>
+          </p:cNvPr>
+          <p:cNvSpPr txBox="1"/>
+          <p:nvPr/>
+        </p:nvSpPr>
+        <p:spPr>
+          <a:xfrm>
+            <a:off x="731520" y="6583680"/>
+            <a:ext cx="4937760" cy="483880"/>
+          </a:xfrm>
+          <a:prstGeom prst="rect">
+            <a:avLst/>
+          </a:prstGeom>
+          <a:noFill/>
+        </p:spPr>
+        <p:txBody>
+          <a:bodyPr wrap="square" rtlCol="0">
+            <a:spAutoFit/>
+          </a:bodyPr>
+          <a:lstStyle/>
+          <a:p>
+            <a:r>
+              <a:rPr lang="en-US" dirty="0">
+                <a:solidFill>
+                  <a:schemeClr val="bg1"/>
+                </a:solidFill>
+                <a:latin typeface="Berlin Sans FB" panose="020E0602020502020306" pitchFamily="34" charset="0"/>
+              </a:rPr>
+              <a:t>GRAPH THEORY IN BOARD GAMES</a:t>
             </a:r>
           </a:p>
         </p:txBody>
@@ -9563,13 +10017,6 @@
   <p:clrMapOvr>
     <a:masterClrMapping/>
   </p:clrMapOvr>
-  <p:timing>
-    <p:tnLst>
-      <p:par>
-        <p:cTn id="1" dur="indefinite" restart="never" nodeType="tmRoot"/>
-      </p:par>
-    </p:tnLst>
-  </p:timing>
 </p:sld>
 </file>
 
@@ -9595,7 +10042,7 @@
           <p:cNvPr id="2" name="Title 1">
             <a:extLst>
               <a:ext uri="{FF2B5EF4-FFF2-40B4-BE49-F238E27FC236}">
-                <a16:creationId xmlns:a16="http://schemas.microsoft.com/office/drawing/2014/main" xmlns="" id="{702DA543-C91E-61A5-6A9C-86CB92B78E34}"/>
+                <a16:creationId xmlns:a16="http://schemas.microsoft.com/office/drawing/2014/main" id="{702DA543-C91E-61A5-6A9C-86CB92B78E34}"/>
               </a:ext>
             </a:extLst>
           </p:cNvPr>
@@ -9628,7 +10075,7 @@
           <p:cNvPr id="3" name="Content Placeholder 2">
             <a:extLst>
               <a:ext uri="{FF2B5EF4-FFF2-40B4-BE49-F238E27FC236}">
-                <a16:creationId xmlns:a16="http://schemas.microsoft.com/office/drawing/2014/main" xmlns="" id="{E6DBD077-263B-59D3-81D2-E6FBE084C96D}"/>
+                <a16:creationId xmlns:a16="http://schemas.microsoft.com/office/drawing/2014/main" id="{E6DBD077-263B-59D3-81D2-E6FBE084C96D}"/>
               </a:ext>
             </a:extLst>
           </p:cNvPr>
@@ -9750,7 +10197,7 @@
           <p:cNvPr id="7" name="Picture 6" descr="A formula of formula with numbers and symbols&#10;&#10;Description automatically generated with medium confidence">
             <a:extLst>
               <a:ext uri="{FF2B5EF4-FFF2-40B4-BE49-F238E27FC236}">
-                <a16:creationId xmlns:a16="http://schemas.microsoft.com/office/drawing/2014/main" xmlns="" id="{0726D2C9-95C2-65EE-4E78-771E9CAAFF76}"/>
+                <a16:creationId xmlns:a16="http://schemas.microsoft.com/office/drawing/2014/main" id="{0726D2C9-95C2-65EE-4E78-771E9CAAFF76}"/>
               </a:ext>
             </a:extLst>
           </p:cNvPr>
@@ -9781,6 +10228,173 @@
           </a:prstGeom>
         </p:spPr>
       </p:pic>
+      <p:sp>
+        <p:nvSpPr>
+          <p:cNvPr id="5" name="Rectangle 4">
+            <a:extLst>
+              <a:ext uri="{FF2B5EF4-FFF2-40B4-BE49-F238E27FC236}">
+                <a16:creationId xmlns:a16="http://schemas.microsoft.com/office/drawing/2014/main" id="{91B4AE2C-5930-483E-849D-2D49A4AD766E}"/>
+              </a:ext>
+            </a:extLst>
+          </p:cNvPr>
+          <p:cNvSpPr/>
+          <p:nvPr/>
+        </p:nvSpPr>
+        <p:spPr>
+          <a:xfrm>
+            <a:off x="-1" y="0"/>
+            <a:ext cx="12192000" cy="264160"/>
+          </a:xfrm>
+          <a:prstGeom prst="rect">
+            <a:avLst/>
+          </a:prstGeom>
+          <a:gradFill flip="none" rotWithShape="0">
+            <a:gsLst>
+              <a:gs pos="0">
+                <a:schemeClr val="accent2">
+                  <a:lumMod val="75000"/>
+                  <a:alpha val="80000"/>
+                </a:schemeClr>
+              </a:gs>
+              <a:gs pos="100000">
+                <a:schemeClr val="tx2">
+                  <a:lumMod val="90000"/>
+                  <a:lumOff val="10000"/>
+                </a:schemeClr>
+              </a:gs>
+            </a:gsLst>
+            <a:lin ang="5400000" scaled="1"/>
+            <a:tileRect/>
+          </a:gradFill>
+        </p:spPr>
+        <p:style>
+          <a:lnRef idx="2">
+            <a:schemeClr val="accent1">
+              <a:shade val="50000"/>
+            </a:schemeClr>
+          </a:lnRef>
+          <a:fillRef idx="1">
+            <a:schemeClr val="accent1"/>
+          </a:fillRef>
+          <a:effectRef idx="0">
+            <a:schemeClr val="accent1"/>
+          </a:effectRef>
+          <a:fontRef idx="minor">
+            <a:schemeClr val="lt1"/>
+          </a:fontRef>
+        </p:style>
+        <p:txBody>
+          <a:bodyPr rtlCol="0" anchor="ctr"/>
+          <a:lstStyle/>
+          <a:p>
+            <a:pPr algn="ctr"/>
+            <a:endParaRPr lang="en-US"/>
+          </a:p>
+        </p:txBody>
+      </p:sp>
+      <p:sp>
+        <p:nvSpPr>
+          <p:cNvPr id="6" name="Rectangle 5">
+            <a:extLst>
+              <a:ext uri="{FF2B5EF4-FFF2-40B4-BE49-F238E27FC236}">
+                <a16:creationId xmlns:a16="http://schemas.microsoft.com/office/drawing/2014/main" id="{D76DDE97-C0F7-4734-9C70-0993268F6787}"/>
+              </a:ext>
+            </a:extLst>
+          </p:cNvPr>
+          <p:cNvSpPr/>
+          <p:nvPr/>
+        </p:nvSpPr>
+        <p:spPr>
+          <a:xfrm>
+            <a:off x="-1" y="6660709"/>
+            <a:ext cx="12192000" cy="264159"/>
+          </a:xfrm>
+          <a:prstGeom prst="rect">
+            <a:avLst/>
+          </a:prstGeom>
+          <a:gradFill>
+            <a:gsLst>
+              <a:gs pos="4000">
+                <a:schemeClr val="accent2">
+                  <a:lumMod val="75000"/>
+                  <a:alpha val="78000"/>
+                </a:schemeClr>
+              </a:gs>
+              <a:gs pos="100000">
+                <a:schemeClr val="tx2">
+                  <a:lumMod val="90000"/>
+                  <a:lumOff val="10000"/>
+                </a:schemeClr>
+              </a:gs>
+            </a:gsLst>
+            <a:lin ang="5400000" scaled="1"/>
+          </a:gradFill>
+        </p:spPr>
+        <p:style>
+          <a:lnRef idx="2">
+            <a:schemeClr val="accent1">
+              <a:shade val="50000"/>
+            </a:schemeClr>
+          </a:lnRef>
+          <a:fillRef idx="1">
+            <a:schemeClr val="accent1"/>
+          </a:fillRef>
+          <a:effectRef idx="0">
+            <a:schemeClr val="accent1"/>
+          </a:effectRef>
+          <a:fontRef idx="minor">
+            <a:schemeClr val="lt1"/>
+          </a:fontRef>
+        </p:style>
+        <p:txBody>
+          <a:bodyPr rtlCol="0" anchor="ctr"/>
+          <a:lstStyle/>
+          <a:p>
+            <a:pPr algn="ctr"/>
+            <a:endParaRPr lang="en-US"/>
+          </a:p>
+        </p:txBody>
+      </p:sp>
+      <p:sp>
+        <p:nvSpPr>
+          <p:cNvPr id="8" name="TextBox 7">
+            <a:extLst>
+              <a:ext uri="{FF2B5EF4-FFF2-40B4-BE49-F238E27FC236}">
+                <a16:creationId xmlns:a16="http://schemas.microsoft.com/office/drawing/2014/main" id="{9B5DAE21-97EA-486C-97DE-22B21B304D0C}"/>
+              </a:ext>
+            </a:extLst>
+          </p:cNvPr>
+          <p:cNvSpPr txBox="1"/>
+          <p:nvPr/>
+        </p:nvSpPr>
+        <p:spPr>
+          <a:xfrm>
+            <a:off x="731520" y="6583680"/>
+            <a:ext cx="4937760" cy="483880"/>
+          </a:xfrm>
+          <a:prstGeom prst="rect">
+            <a:avLst/>
+          </a:prstGeom>
+          <a:noFill/>
+        </p:spPr>
+        <p:txBody>
+          <a:bodyPr wrap="square" rtlCol="0">
+            <a:spAutoFit/>
+          </a:bodyPr>
+          <a:lstStyle/>
+          <a:p>
+            <a:r>
+              <a:rPr lang="en-US" dirty="0">
+                <a:solidFill>
+                  <a:schemeClr val="bg1"/>
+                </a:solidFill>
+                <a:latin typeface="Berlin Sans FB" panose="020E0602020502020306" pitchFamily="34" charset="0"/>
+              </a:rPr>
+              <a:t>GRAPH THEORY IN BOARD GAMES</a:t>
+            </a:r>
+          </a:p>
+        </p:txBody>
+      </p:sp>
     </p:spTree>
     <p:extLst>
       <p:ext uri="{BB962C8B-B14F-4D97-AF65-F5344CB8AC3E}">
@@ -9791,13 +10405,6 @@
   <p:clrMapOvr>
     <a:masterClrMapping/>
   </p:clrMapOvr>
-  <p:timing>
-    <p:tnLst>
-      <p:par>
-        <p:cTn id="1" dur="indefinite" restart="never" nodeType="tmRoot"/>
-      </p:par>
-    </p:tnLst>
-  </p:timing>
 </p:sld>
 </file>
 
@@ -9823,7 +10430,7 @@
           <p:cNvPr id="2" name="Title 1">
             <a:extLst>
               <a:ext uri="{FF2B5EF4-FFF2-40B4-BE49-F238E27FC236}">
-                <a16:creationId xmlns:a16="http://schemas.microsoft.com/office/drawing/2014/main" xmlns="" id="{4CB26A3C-A0BC-0EEB-93FB-62793A9C5DCB}"/>
+                <a16:creationId xmlns:a16="http://schemas.microsoft.com/office/drawing/2014/main" id="{4CB26A3C-A0BC-0EEB-93FB-62793A9C5DCB}"/>
               </a:ext>
             </a:extLst>
           </p:cNvPr>
@@ -9858,7 +10465,7 @@
           <p:cNvPr id="5" name="Content Placeholder 4" descr="A diagram of a tree&#10;&#10;Description automatically generated">
             <a:extLst>
               <a:ext uri="{FF2B5EF4-FFF2-40B4-BE49-F238E27FC236}">
-                <a16:creationId xmlns:a16="http://schemas.microsoft.com/office/drawing/2014/main" xmlns="" id="{52073382-5AE2-3093-D6D4-80B4B3EA25A0}"/>
+                <a16:creationId xmlns:a16="http://schemas.microsoft.com/office/drawing/2014/main" id="{52073382-5AE2-3093-D6D4-80B4B3EA25A0}"/>
               </a:ext>
             </a:extLst>
           </p:cNvPr>
@@ -9893,7 +10500,7 @@
           <p:cNvPr id="7" name="Picture 6" descr="A math equation with numbers&#10;&#10;Description automatically generated">
             <a:extLst>
               <a:ext uri="{FF2B5EF4-FFF2-40B4-BE49-F238E27FC236}">
-                <a16:creationId xmlns:a16="http://schemas.microsoft.com/office/drawing/2014/main" xmlns="" id="{1D27D323-25BB-8BB8-2B40-5CAB37537CEA}"/>
+                <a16:creationId xmlns:a16="http://schemas.microsoft.com/office/drawing/2014/main" id="{1D27D323-25BB-8BB8-2B40-5CAB37537CEA}"/>
               </a:ext>
             </a:extLst>
           </p:cNvPr>
@@ -9929,7 +10536,7 @@
           <p:cNvPr id="8" name="TextBox 7">
             <a:extLst>
               <a:ext uri="{FF2B5EF4-FFF2-40B4-BE49-F238E27FC236}">
-                <a16:creationId xmlns:a16="http://schemas.microsoft.com/office/drawing/2014/main" xmlns="" id="{95A951C0-97BE-1A2D-1A47-93451C2BB49E}"/>
+                <a16:creationId xmlns:a16="http://schemas.microsoft.com/office/drawing/2014/main" id="{95A951C0-97BE-1A2D-1A47-93451C2BB49E}"/>
               </a:ext>
             </a:extLst>
           </p:cNvPr>
@@ -10053,7 +10660,7 @@
           <p:cNvPr id="10" name="Picture 9" descr="A computer screen shot of a number&#10;&#10;Description automatically generated">
             <a:extLst>
               <a:ext uri="{FF2B5EF4-FFF2-40B4-BE49-F238E27FC236}">
-                <a16:creationId xmlns:a16="http://schemas.microsoft.com/office/drawing/2014/main" xmlns="" id="{6E42F6D7-CBE1-EB10-84C1-1338C8295F07}"/>
+                <a16:creationId xmlns:a16="http://schemas.microsoft.com/office/drawing/2014/main" id="{6E42F6D7-CBE1-EB10-84C1-1338C8295F07}"/>
               </a:ext>
             </a:extLst>
           </p:cNvPr>
@@ -10084,6 +10691,173 @@
           </a:prstGeom>
         </p:spPr>
       </p:pic>
+      <p:sp>
+        <p:nvSpPr>
+          <p:cNvPr id="9" name="Rectangle 8">
+            <a:extLst>
+              <a:ext uri="{FF2B5EF4-FFF2-40B4-BE49-F238E27FC236}">
+                <a16:creationId xmlns:a16="http://schemas.microsoft.com/office/drawing/2014/main" id="{1696C30F-9B76-4412-96A5-ED483E2D1E96}"/>
+              </a:ext>
+            </a:extLst>
+          </p:cNvPr>
+          <p:cNvSpPr/>
+          <p:nvPr/>
+        </p:nvSpPr>
+        <p:spPr>
+          <a:xfrm>
+            <a:off x="-1" y="0"/>
+            <a:ext cx="12192000" cy="264160"/>
+          </a:xfrm>
+          <a:prstGeom prst="rect">
+            <a:avLst/>
+          </a:prstGeom>
+          <a:gradFill flip="none" rotWithShape="0">
+            <a:gsLst>
+              <a:gs pos="0">
+                <a:schemeClr val="accent2">
+                  <a:lumMod val="75000"/>
+                  <a:alpha val="80000"/>
+                </a:schemeClr>
+              </a:gs>
+              <a:gs pos="100000">
+                <a:schemeClr val="tx2">
+                  <a:lumMod val="90000"/>
+                  <a:lumOff val="10000"/>
+                </a:schemeClr>
+              </a:gs>
+            </a:gsLst>
+            <a:lin ang="5400000" scaled="1"/>
+            <a:tileRect/>
+          </a:gradFill>
+        </p:spPr>
+        <p:style>
+          <a:lnRef idx="2">
+            <a:schemeClr val="accent1">
+              <a:shade val="50000"/>
+            </a:schemeClr>
+          </a:lnRef>
+          <a:fillRef idx="1">
+            <a:schemeClr val="accent1"/>
+          </a:fillRef>
+          <a:effectRef idx="0">
+            <a:schemeClr val="accent1"/>
+          </a:effectRef>
+          <a:fontRef idx="minor">
+            <a:schemeClr val="lt1"/>
+          </a:fontRef>
+        </p:style>
+        <p:txBody>
+          <a:bodyPr rtlCol="0" anchor="ctr"/>
+          <a:lstStyle/>
+          <a:p>
+            <a:pPr algn="ctr"/>
+            <a:endParaRPr lang="en-US"/>
+          </a:p>
+        </p:txBody>
+      </p:sp>
+      <p:sp>
+        <p:nvSpPr>
+          <p:cNvPr id="11" name="Rectangle 10">
+            <a:extLst>
+              <a:ext uri="{FF2B5EF4-FFF2-40B4-BE49-F238E27FC236}">
+                <a16:creationId xmlns:a16="http://schemas.microsoft.com/office/drawing/2014/main" id="{47BF8ECF-89D6-4DAD-9AB4-9A3C5C98597D}"/>
+              </a:ext>
+            </a:extLst>
+          </p:cNvPr>
+          <p:cNvSpPr/>
+          <p:nvPr/>
+        </p:nvSpPr>
+        <p:spPr>
+          <a:xfrm>
+            <a:off x="-1" y="6660709"/>
+            <a:ext cx="12192000" cy="264159"/>
+          </a:xfrm>
+          <a:prstGeom prst="rect">
+            <a:avLst/>
+          </a:prstGeom>
+          <a:gradFill>
+            <a:gsLst>
+              <a:gs pos="4000">
+                <a:schemeClr val="accent2">
+                  <a:lumMod val="75000"/>
+                  <a:alpha val="78000"/>
+                </a:schemeClr>
+              </a:gs>
+              <a:gs pos="100000">
+                <a:schemeClr val="tx2">
+                  <a:lumMod val="90000"/>
+                  <a:lumOff val="10000"/>
+                </a:schemeClr>
+              </a:gs>
+            </a:gsLst>
+            <a:lin ang="5400000" scaled="1"/>
+          </a:gradFill>
+        </p:spPr>
+        <p:style>
+          <a:lnRef idx="2">
+            <a:schemeClr val="accent1">
+              <a:shade val="50000"/>
+            </a:schemeClr>
+          </a:lnRef>
+          <a:fillRef idx="1">
+            <a:schemeClr val="accent1"/>
+          </a:fillRef>
+          <a:effectRef idx="0">
+            <a:schemeClr val="accent1"/>
+          </a:effectRef>
+          <a:fontRef idx="minor">
+            <a:schemeClr val="lt1"/>
+          </a:fontRef>
+        </p:style>
+        <p:txBody>
+          <a:bodyPr rtlCol="0" anchor="ctr"/>
+          <a:lstStyle/>
+          <a:p>
+            <a:pPr algn="ctr"/>
+            <a:endParaRPr lang="en-US"/>
+          </a:p>
+        </p:txBody>
+      </p:sp>
+      <p:sp>
+        <p:nvSpPr>
+          <p:cNvPr id="12" name="TextBox 11">
+            <a:extLst>
+              <a:ext uri="{FF2B5EF4-FFF2-40B4-BE49-F238E27FC236}">
+                <a16:creationId xmlns:a16="http://schemas.microsoft.com/office/drawing/2014/main" id="{E633C7B8-A0EB-48AD-AF47-763FE61E3965}"/>
+              </a:ext>
+            </a:extLst>
+          </p:cNvPr>
+          <p:cNvSpPr txBox="1"/>
+          <p:nvPr/>
+        </p:nvSpPr>
+        <p:spPr>
+          <a:xfrm>
+            <a:off x="731520" y="6583680"/>
+            <a:ext cx="4937760" cy="483880"/>
+          </a:xfrm>
+          <a:prstGeom prst="rect">
+            <a:avLst/>
+          </a:prstGeom>
+          <a:noFill/>
+        </p:spPr>
+        <p:txBody>
+          <a:bodyPr wrap="square" rtlCol="0">
+            <a:spAutoFit/>
+          </a:bodyPr>
+          <a:lstStyle/>
+          <a:p>
+            <a:r>
+              <a:rPr lang="en-US" dirty="0">
+                <a:solidFill>
+                  <a:schemeClr val="bg1"/>
+                </a:solidFill>
+                <a:latin typeface="Berlin Sans FB" panose="020E0602020502020306" pitchFamily="34" charset="0"/>
+              </a:rPr>
+              <a:t>GRAPH THEORY IN BOARD GAMES</a:t>
+            </a:r>
+          </a:p>
+        </p:txBody>
+      </p:sp>
     </p:spTree>
     <p:extLst>
       <p:ext uri="{BB962C8B-B14F-4D97-AF65-F5344CB8AC3E}">
@@ -10094,13 +10868,6 @@
   <p:clrMapOvr>
     <a:masterClrMapping/>
   </p:clrMapOvr>
-  <p:timing>
-    <p:tnLst>
-      <p:par>
-        <p:cTn id="1" dur="indefinite" restart="never" nodeType="tmRoot"/>
-      </p:par>
-    </p:tnLst>
-  </p:timing>
 </p:sld>
 </file>
 
@@ -10126,7 +10893,7 @@
           <p:cNvPr id="2" name="Title 1">
             <a:extLst>
               <a:ext uri="{FF2B5EF4-FFF2-40B4-BE49-F238E27FC236}">
-                <a16:creationId xmlns:a16="http://schemas.microsoft.com/office/drawing/2014/main" xmlns="" id="{4F6E24A9-DAC8-3CD7-F6AF-35F942D93487}"/>
+                <a16:creationId xmlns:a16="http://schemas.microsoft.com/office/drawing/2014/main" id="{4F6E24A9-DAC8-3CD7-F6AF-35F942D93487}"/>
               </a:ext>
             </a:extLst>
           </p:cNvPr>
@@ -10163,7 +10930,7 @@
           <p:cNvPr id="3" name="Content Placeholder 2">
             <a:extLst>
               <a:ext uri="{FF2B5EF4-FFF2-40B4-BE49-F238E27FC236}">
-                <a16:creationId xmlns:a16="http://schemas.microsoft.com/office/drawing/2014/main" xmlns="" id="{A9173C1D-2F8B-2792-3149-B0AB3328C944}"/>
+                <a16:creationId xmlns:a16="http://schemas.microsoft.com/office/drawing/2014/main" id="{A9173C1D-2F8B-2792-3149-B0AB3328C944}"/>
               </a:ext>
             </a:extLst>
           </p:cNvPr>
@@ -10188,7 +10955,7 @@
           <p:cNvPr id="4" name="Text Placeholder 3">
             <a:extLst>
               <a:ext uri="{FF2B5EF4-FFF2-40B4-BE49-F238E27FC236}">
-                <a16:creationId xmlns:a16="http://schemas.microsoft.com/office/drawing/2014/main" xmlns="" id="{2575CAD2-AC30-D5F5-9D23-CF4A3F0D6D87}"/>
+                <a16:creationId xmlns:a16="http://schemas.microsoft.com/office/drawing/2014/main" id="{2575CAD2-AC30-D5F5-9D23-CF4A3F0D6D87}"/>
               </a:ext>
             </a:extLst>
           </p:cNvPr>
@@ -10219,6 +10986,173 @@
             <a:r>
               <a:rPr lang="en-US" dirty="0"/>
               <a:t>• Winning conditions involve finding paths (edges) with consecutive stones.</a:t>
+            </a:r>
+          </a:p>
+        </p:txBody>
+      </p:sp>
+      <p:sp>
+        <p:nvSpPr>
+          <p:cNvPr id="5" name="Rectangle 4">
+            <a:extLst>
+              <a:ext uri="{FF2B5EF4-FFF2-40B4-BE49-F238E27FC236}">
+                <a16:creationId xmlns:a16="http://schemas.microsoft.com/office/drawing/2014/main" id="{8BE9CAB5-1E9F-4D1E-B1CF-823CA9853DFC}"/>
+              </a:ext>
+            </a:extLst>
+          </p:cNvPr>
+          <p:cNvSpPr/>
+          <p:nvPr/>
+        </p:nvSpPr>
+        <p:spPr>
+          <a:xfrm>
+            <a:off x="-1" y="0"/>
+            <a:ext cx="12192000" cy="264160"/>
+          </a:xfrm>
+          <a:prstGeom prst="rect">
+            <a:avLst/>
+          </a:prstGeom>
+          <a:gradFill flip="none" rotWithShape="0">
+            <a:gsLst>
+              <a:gs pos="0">
+                <a:schemeClr val="accent2">
+                  <a:lumMod val="75000"/>
+                  <a:alpha val="80000"/>
+                </a:schemeClr>
+              </a:gs>
+              <a:gs pos="100000">
+                <a:schemeClr val="tx2">
+                  <a:lumMod val="90000"/>
+                  <a:lumOff val="10000"/>
+                </a:schemeClr>
+              </a:gs>
+            </a:gsLst>
+            <a:lin ang="5400000" scaled="1"/>
+            <a:tileRect/>
+          </a:gradFill>
+        </p:spPr>
+        <p:style>
+          <a:lnRef idx="2">
+            <a:schemeClr val="accent1">
+              <a:shade val="50000"/>
+            </a:schemeClr>
+          </a:lnRef>
+          <a:fillRef idx="1">
+            <a:schemeClr val="accent1"/>
+          </a:fillRef>
+          <a:effectRef idx="0">
+            <a:schemeClr val="accent1"/>
+          </a:effectRef>
+          <a:fontRef idx="minor">
+            <a:schemeClr val="lt1"/>
+          </a:fontRef>
+        </p:style>
+        <p:txBody>
+          <a:bodyPr rtlCol="0" anchor="ctr"/>
+          <a:lstStyle/>
+          <a:p>
+            <a:pPr algn="ctr"/>
+            <a:endParaRPr lang="en-US"/>
+          </a:p>
+        </p:txBody>
+      </p:sp>
+      <p:sp>
+        <p:nvSpPr>
+          <p:cNvPr id="6" name="Rectangle 5">
+            <a:extLst>
+              <a:ext uri="{FF2B5EF4-FFF2-40B4-BE49-F238E27FC236}">
+                <a16:creationId xmlns:a16="http://schemas.microsoft.com/office/drawing/2014/main" id="{E97E325A-28B1-4C4F-B37E-2FCDEA1D31F6}"/>
+              </a:ext>
+            </a:extLst>
+          </p:cNvPr>
+          <p:cNvSpPr/>
+          <p:nvPr/>
+        </p:nvSpPr>
+        <p:spPr>
+          <a:xfrm>
+            <a:off x="-1" y="6660709"/>
+            <a:ext cx="12192000" cy="264159"/>
+          </a:xfrm>
+          <a:prstGeom prst="rect">
+            <a:avLst/>
+          </a:prstGeom>
+          <a:gradFill>
+            <a:gsLst>
+              <a:gs pos="4000">
+                <a:schemeClr val="accent2">
+                  <a:lumMod val="75000"/>
+                  <a:alpha val="78000"/>
+                </a:schemeClr>
+              </a:gs>
+              <a:gs pos="100000">
+                <a:schemeClr val="tx2">
+                  <a:lumMod val="90000"/>
+                  <a:lumOff val="10000"/>
+                </a:schemeClr>
+              </a:gs>
+            </a:gsLst>
+            <a:lin ang="5400000" scaled="1"/>
+          </a:gradFill>
+        </p:spPr>
+        <p:style>
+          <a:lnRef idx="2">
+            <a:schemeClr val="accent1">
+              <a:shade val="50000"/>
+            </a:schemeClr>
+          </a:lnRef>
+          <a:fillRef idx="1">
+            <a:schemeClr val="accent1"/>
+          </a:fillRef>
+          <a:effectRef idx="0">
+            <a:schemeClr val="accent1"/>
+          </a:effectRef>
+          <a:fontRef idx="minor">
+            <a:schemeClr val="lt1"/>
+          </a:fontRef>
+        </p:style>
+        <p:txBody>
+          <a:bodyPr rtlCol="0" anchor="ctr"/>
+          <a:lstStyle/>
+          <a:p>
+            <a:pPr algn="ctr"/>
+            <a:endParaRPr lang="en-US"/>
+          </a:p>
+        </p:txBody>
+      </p:sp>
+      <p:sp>
+        <p:nvSpPr>
+          <p:cNvPr id="7" name="TextBox 6">
+            <a:extLst>
+              <a:ext uri="{FF2B5EF4-FFF2-40B4-BE49-F238E27FC236}">
+                <a16:creationId xmlns:a16="http://schemas.microsoft.com/office/drawing/2014/main" id="{082A6B47-852A-448E-9358-60FAD665C28A}"/>
+              </a:ext>
+            </a:extLst>
+          </p:cNvPr>
+          <p:cNvSpPr txBox="1"/>
+          <p:nvPr/>
+        </p:nvSpPr>
+        <p:spPr>
+          <a:xfrm>
+            <a:off x="731520" y="6583680"/>
+            <a:ext cx="4937760" cy="483880"/>
+          </a:xfrm>
+          <a:prstGeom prst="rect">
+            <a:avLst/>
+          </a:prstGeom>
+          <a:noFill/>
+        </p:spPr>
+        <p:txBody>
+          <a:bodyPr wrap="square" rtlCol="0">
+            <a:spAutoFit/>
+          </a:bodyPr>
+          <a:lstStyle/>
+          <a:p>
+            <a:r>
+              <a:rPr lang="en-US" dirty="0">
+                <a:solidFill>
+                  <a:schemeClr val="bg1"/>
+                </a:solidFill>
+                <a:latin typeface="Berlin Sans FB" panose="020E0602020502020306" pitchFamily="34" charset="0"/>
+              </a:rPr>
+              <a:t>GRAPH THEORY IN BOARD GAMES</a:t>
             </a:r>
           </a:p>
         </p:txBody>
@@ -10233,13 +11167,6 @@
   <p:clrMapOvr>
     <a:masterClrMapping/>
   </p:clrMapOvr>
-  <p:timing>
-    <p:tnLst>
-      <p:par>
-        <p:cTn id="1" dur="indefinite" restart="never" nodeType="tmRoot"/>
-      </p:par>
-    </p:tnLst>
-  </p:timing>
 </p:sld>
 </file>
 
@@ -10265,7 +11192,7 @@
           <p:cNvPr id="2" name="TextBox 1">
             <a:extLst>
               <a:ext uri="{FF2B5EF4-FFF2-40B4-BE49-F238E27FC236}">
-                <a16:creationId xmlns:a16="http://schemas.microsoft.com/office/drawing/2014/main" xmlns="" id="{6E50E356-37DA-4535-A5F0-B50C7D4B463F}"/>
+                <a16:creationId xmlns:a16="http://schemas.microsoft.com/office/drawing/2014/main" id="{6E50E356-37DA-4535-A5F0-B50C7D4B463F}"/>
               </a:ext>
             </a:extLst>
           </p:cNvPr>
@@ -10302,7 +11229,7 @@
           <p:cNvPr id="3" name="TextBox 2">
             <a:extLst>
               <a:ext uri="{FF2B5EF4-FFF2-40B4-BE49-F238E27FC236}">
-                <a16:creationId xmlns:a16="http://schemas.microsoft.com/office/drawing/2014/main" xmlns="" id="{7E4FD040-A3D1-4B76-8051-4FF75D79F6C4}"/>
+                <a16:creationId xmlns:a16="http://schemas.microsoft.com/office/drawing/2014/main" id="{7E4FD040-A3D1-4B76-8051-4FF75D79F6C4}"/>
               </a:ext>
             </a:extLst>
           </p:cNvPr>
@@ -10351,7 +11278,7 @@
           <p:cNvPr id="5" name="Picture 4">
             <a:extLst>
               <a:ext uri="{FF2B5EF4-FFF2-40B4-BE49-F238E27FC236}">
-                <a16:creationId xmlns:a16="http://schemas.microsoft.com/office/drawing/2014/main" xmlns="" id="{247980FC-C224-4514-901E-C9B97207D2FD}"/>
+                <a16:creationId xmlns:a16="http://schemas.microsoft.com/office/drawing/2014/main" id="{247980FC-C224-4514-901E-C9B97207D2FD}"/>
               </a:ext>
             </a:extLst>
           </p:cNvPr>
@@ -10387,7 +11314,7 @@
           <p:cNvPr id="6" name="TextBox 5">
             <a:extLst>
               <a:ext uri="{FF2B5EF4-FFF2-40B4-BE49-F238E27FC236}">
-                <a16:creationId xmlns:a16="http://schemas.microsoft.com/office/drawing/2014/main" xmlns="" id="{7FFE7E87-12A9-44B8-B6D2-87BF797DE487}"/>
+                <a16:creationId xmlns:a16="http://schemas.microsoft.com/office/drawing/2014/main" id="{7FFE7E87-12A9-44B8-B6D2-87BF797DE487}"/>
               </a:ext>
             </a:extLst>
           </p:cNvPr>
@@ -10469,6 +11396,173 @@
             <a:r>
               <a:rPr lang="en-US" dirty="0"/>
               <a:t>.</a:t>
+            </a:r>
+          </a:p>
+        </p:txBody>
+      </p:sp>
+      <p:sp>
+        <p:nvSpPr>
+          <p:cNvPr id="7" name="Rectangle 6">
+            <a:extLst>
+              <a:ext uri="{FF2B5EF4-FFF2-40B4-BE49-F238E27FC236}">
+                <a16:creationId xmlns:a16="http://schemas.microsoft.com/office/drawing/2014/main" id="{23655A8C-9705-405D-B5FB-0B99AD6BB690}"/>
+              </a:ext>
+            </a:extLst>
+          </p:cNvPr>
+          <p:cNvSpPr/>
+          <p:nvPr/>
+        </p:nvSpPr>
+        <p:spPr>
+          <a:xfrm>
+            <a:off x="-1" y="0"/>
+            <a:ext cx="12192000" cy="264160"/>
+          </a:xfrm>
+          <a:prstGeom prst="rect">
+            <a:avLst/>
+          </a:prstGeom>
+          <a:gradFill flip="none" rotWithShape="0">
+            <a:gsLst>
+              <a:gs pos="0">
+                <a:schemeClr val="accent2">
+                  <a:lumMod val="75000"/>
+                  <a:alpha val="80000"/>
+                </a:schemeClr>
+              </a:gs>
+              <a:gs pos="100000">
+                <a:schemeClr val="tx2">
+                  <a:lumMod val="90000"/>
+                  <a:lumOff val="10000"/>
+                </a:schemeClr>
+              </a:gs>
+            </a:gsLst>
+            <a:lin ang="5400000" scaled="1"/>
+            <a:tileRect/>
+          </a:gradFill>
+        </p:spPr>
+        <p:style>
+          <a:lnRef idx="2">
+            <a:schemeClr val="accent1">
+              <a:shade val="50000"/>
+            </a:schemeClr>
+          </a:lnRef>
+          <a:fillRef idx="1">
+            <a:schemeClr val="accent1"/>
+          </a:fillRef>
+          <a:effectRef idx="0">
+            <a:schemeClr val="accent1"/>
+          </a:effectRef>
+          <a:fontRef idx="minor">
+            <a:schemeClr val="lt1"/>
+          </a:fontRef>
+        </p:style>
+        <p:txBody>
+          <a:bodyPr rtlCol="0" anchor="ctr"/>
+          <a:lstStyle/>
+          <a:p>
+            <a:pPr algn="ctr"/>
+            <a:endParaRPr lang="en-US"/>
+          </a:p>
+        </p:txBody>
+      </p:sp>
+      <p:sp>
+        <p:nvSpPr>
+          <p:cNvPr id="8" name="Rectangle 7">
+            <a:extLst>
+              <a:ext uri="{FF2B5EF4-FFF2-40B4-BE49-F238E27FC236}">
+                <a16:creationId xmlns:a16="http://schemas.microsoft.com/office/drawing/2014/main" id="{23808991-1217-42AE-987F-3B0CEBD1FD80}"/>
+              </a:ext>
+            </a:extLst>
+          </p:cNvPr>
+          <p:cNvSpPr/>
+          <p:nvPr/>
+        </p:nvSpPr>
+        <p:spPr>
+          <a:xfrm>
+            <a:off x="-1" y="6660709"/>
+            <a:ext cx="12192000" cy="264159"/>
+          </a:xfrm>
+          <a:prstGeom prst="rect">
+            <a:avLst/>
+          </a:prstGeom>
+          <a:gradFill>
+            <a:gsLst>
+              <a:gs pos="4000">
+                <a:schemeClr val="accent2">
+                  <a:lumMod val="75000"/>
+                  <a:alpha val="78000"/>
+                </a:schemeClr>
+              </a:gs>
+              <a:gs pos="100000">
+                <a:schemeClr val="tx2">
+                  <a:lumMod val="90000"/>
+                  <a:lumOff val="10000"/>
+                </a:schemeClr>
+              </a:gs>
+            </a:gsLst>
+            <a:lin ang="5400000" scaled="1"/>
+          </a:gradFill>
+        </p:spPr>
+        <p:style>
+          <a:lnRef idx="2">
+            <a:schemeClr val="accent1">
+              <a:shade val="50000"/>
+            </a:schemeClr>
+          </a:lnRef>
+          <a:fillRef idx="1">
+            <a:schemeClr val="accent1"/>
+          </a:fillRef>
+          <a:effectRef idx="0">
+            <a:schemeClr val="accent1"/>
+          </a:effectRef>
+          <a:fontRef idx="minor">
+            <a:schemeClr val="lt1"/>
+          </a:fontRef>
+        </p:style>
+        <p:txBody>
+          <a:bodyPr rtlCol="0" anchor="ctr"/>
+          <a:lstStyle/>
+          <a:p>
+            <a:pPr algn="ctr"/>
+            <a:endParaRPr lang="en-US"/>
+          </a:p>
+        </p:txBody>
+      </p:sp>
+      <p:sp>
+        <p:nvSpPr>
+          <p:cNvPr id="9" name="TextBox 8">
+            <a:extLst>
+              <a:ext uri="{FF2B5EF4-FFF2-40B4-BE49-F238E27FC236}">
+                <a16:creationId xmlns:a16="http://schemas.microsoft.com/office/drawing/2014/main" id="{8E5FDE61-7D26-41AE-9555-C067EBB092A5}"/>
+              </a:ext>
+            </a:extLst>
+          </p:cNvPr>
+          <p:cNvSpPr txBox="1"/>
+          <p:nvPr/>
+        </p:nvSpPr>
+        <p:spPr>
+          <a:xfrm>
+            <a:off x="731520" y="6583680"/>
+            <a:ext cx="4937760" cy="483880"/>
+          </a:xfrm>
+          <a:prstGeom prst="rect">
+            <a:avLst/>
+          </a:prstGeom>
+          <a:noFill/>
+        </p:spPr>
+        <p:txBody>
+          <a:bodyPr wrap="square" rtlCol="0">
+            <a:spAutoFit/>
+          </a:bodyPr>
+          <a:lstStyle/>
+          <a:p>
+            <a:r>
+              <a:rPr lang="en-US" dirty="0">
+                <a:solidFill>
+                  <a:schemeClr val="bg1"/>
+                </a:solidFill>
+                <a:latin typeface="Berlin Sans FB" panose="020E0602020502020306" pitchFamily="34" charset="0"/>
+              </a:rPr>
+              <a:t>GRAPH THEORY IN BOARD GAMES</a:t>
             </a:r>
           </a:p>
         </p:txBody>
@@ -10483,13 +11577,6 @@
   <p:clrMapOvr>
     <a:masterClrMapping/>
   </p:clrMapOvr>
-  <p:timing>
-    <p:tnLst>
-      <p:par>
-        <p:cTn id="1" dur="indefinite" restart="never" nodeType="tmRoot"/>
-      </p:par>
-    </p:tnLst>
-  </p:timing>
 </p:sld>
 </file>
 
@@ -10645,6 +11732,173 @@
           </a:prstGeom>
         </p:spPr>
       </p:pic>
+      <p:sp>
+        <p:nvSpPr>
+          <p:cNvPr id="5" name="Rectangle 4">
+            <a:extLst>
+              <a:ext uri="{FF2B5EF4-FFF2-40B4-BE49-F238E27FC236}">
+                <a16:creationId xmlns:a16="http://schemas.microsoft.com/office/drawing/2014/main" id="{FDD930B3-0AF6-4259-B357-12C09F6087C7}"/>
+              </a:ext>
+            </a:extLst>
+          </p:cNvPr>
+          <p:cNvSpPr/>
+          <p:nvPr/>
+        </p:nvSpPr>
+        <p:spPr>
+          <a:xfrm>
+            <a:off x="-1" y="0"/>
+            <a:ext cx="12192000" cy="264160"/>
+          </a:xfrm>
+          <a:prstGeom prst="rect">
+            <a:avLst/>
+          </a:prstGeom>
+          <a:gradFill flip="none" rotWithShape="0">
+            <a:gsLst>
+              <a:gs pos="0">
+                <a:schemeClr val="accent2">
+                  <a:lumMod val="75000"/>
+                  <a:alpha val="80000"/>
+                </a:schemeClr>
+              </a:gs>
+              <a:gs pos="100000">
+                <a:schemeClr val="tx2">
+                  <a:lumMod val="90000"/>
+                  <a:lumOff val="10000"/>
+                </a:schemeClr>
+              </a:gs>
+            </a:gsLst>
+            <a:lin ang="5400000" scaled="1"/>
+            <a:tileRect/>
+          </a:gradFill>
+        </p:spPr>
+        <p:style>
+          <a:lnRef idx="2">
+            <a:schemeClr val="accent1">
+              <a:shade val="50000"/>
+            </a:schemeClr>
+          </a:lnRef>
+          <a:fillRef idx="1">
+            <a:schemeClr val="accent1"/>
+          </a:fillRef>
+          <a:effectRef idx="0">
+            <a:schemeClr val="accent1"/>
+          </a:effectRef>
+          <a:fontRef idx="minor">
+            <a:schemeClr val="lt1"/>
+          </a:fontRef>
+        </p:style>
+        <p:txBody>
+          <a:bodyPr rtlCol="0" anchor="ctr"/>
+          <a:lstStyle/>
+          <a:p>
+            <a:pPr algn="ctr"/>
+            <a:endParaRPr lang="en-US"/>
+          </a:p>
+        </p:txBody>
+      </p:sp>
+      <p:sp>
+        <p:nvSpPr>
+          <p:cNvPr id="6" name="Rectangle 5">
+            <a:extLst>
+              <a:ext uri="{FF2B5EF4-FFF2-40B4-BE49-F238E27FC236}">
+                <a16:creationId xmlns:a16="http://schemas.microsoft.com/office/drawing/2014/main" id="{0677116A-BC10-4BF5-8523-89A7CBAC4DBA}"/>
+              </a:ext>
+            </a:extLst>
+          </p:cNvPr>
+          <p:cNvSpPr/>
+          <p:nvPr/>
+        </p:nvSpPr>
+        <p:spPr>
+          <a:xfrm>
+            <a:off x="-1" y="6660709"/>
+            <a:ext cx="12192000" cy="264159"/>
+          </a:xfrm>
+          <a:prstGeom prst="rect">
+            <a:avLst/>
+          </a:prstGeom>
+          <a:gradFill>
+            <a:gsLst>
+              <a:gs pos="4000">
+                <a:schemeClr val="accent2">
+                  <a:lumMod val="75000"/>
+                  <a:alpha val="78000"/>
+                </a:schemeClr>
+              </a:gs>
+              <a:gs pos="100000">
+                <a:schemeClr val="tx2">
+                  <a:lumMod val="90000"/>
+                  <a:lumOff val="10000"/>
+                </a:schemeClr>
+              </a:gs>
+            </a:gsLst>
+            <a:lin ang="5400000" scaled="1"/>
+          </a:gradFill>
+        </p:spPr>
+        <p:style>
+          <a:lnRef idx="2">
+            <a:schemeClr val="accent1">
+              <a:shade val="50000"/>
+            </a:schemeClr>
+          </a:lnRef>
+          <a:fillRef idx="1">
+            <a:schemeClr val="accent1"/>
+          </a:fillRef>
+          <a:effectRef idx="0">
+            <a:schemeClr val="accent1"/>
+          </a:effectRef>
+          <a:fontRef idx="minor">
+            <a:schemeClr val="lt1"/>
+          </a:fontRef>
+        </p:style>
+        <p:txBody>
+          <a:bodyPr rtlCol="0" anchor="ctr"/>
+          <a:lstStyle/>
+          <a:p>
+            <a:pPr algn="ctr"/>
+            <a:endParaRPr lang="en-US"/>
+          </a:p>
+        </p:txBody>
+      </p:sp>
+      <p:sp>
+        <p:nvSpPr>
+          <p:cNvPr id="7" name="TextBox 6">
+            <a:extLst>
+              <a:ext uri="{FF2B5EF4-FFF2-40B4-BE49-F238E27FC236}">
+                <a16:creationId xmlns:a16="http://schemas.microsoft.com/office/drawing/2014/main" id="{F0400CB7-2D4A-4DD3-841D-040876370866}"/>
+              </a:ext>
+            </a:extLst>
+          </p:cNvPr>
+          <p:cNvSpPr txBox="1"/>
+          <p:nvPr/>
+        </p:nvSpPr>
+        <p:spPr>
+          <a:xfrm>
+            <a:off x="731520" y="6583680"/>
+            <a:ext cx="4937760" cy="483880"/>
+          </a:xfrm>
+          <a:prstGeom prst="rect">
+            <a:avLst/>
+          </a:prstGeom>
+          <a:noFill/>
+        </p:spPr>
+        <p:txBody>
+          <a:bodyPr wrap="square" rtlCol="0">
+            <a:spAutoFit/>
+          </a:bodyPr>
+          <a:lstStyle/>
+          <a:p>
+            <a:r>
+              <a:rPr lang="en-US" dirty="0">
+                <a:solidFill>
+                  <a:schemeClr val="bg1"/>
+                </a:solidFill>
+                <a:latin typeface="Berlin Sans FB" panose="020E0602020502020306" pitchFamily="34" charset="0"/>
+              </a:rPr>
+              <a:t>GRAPH THEORY IN BOARD GAMES</a:t>
+            </a:r>
+          </a:p>
+        </p:txBody>
+      </p:sp>
     </p:spTree>
     <p:extLst>
       <p:ext uri="{BB962C8B-B14F-4D97-AF65-F5344CB8AC3E}">
@@ -10655,13 +11909,6 @@
   <p:clrMapOvr>
     <a:masterClrMapping/>
   </p:clrMapOvr>
-  <p:timing>
-    <p:tnLst>
-      <p:par>
-        <p:cTn id="1" dur="indefinite" restart="never" nodeType="tmRoot"/>
-      </p:par>
-    </p:tnLst>
-  </p:timing>
 </p:sld>
 </file>
 
@@ -10840,6 +12087,173 @@
           </a:prstGeom>
         </p:spPr>
       </p:pic>
+      <p:sp>
+        <p:nvSpPr>
+          <p:cNvPr id="6" name="Rectangle 5">
+            <a:extLst>
+              <a:ext uri="{FF2B5EF4-FFF2-40B4-BE49-F238E27FC236}">
+                <a16:creationId xmlns:a16="http://schemas.microsoft.com/office/drawing/2014/main" id="{2A6BF938-3DBE-485A-A777-EE26AB2BBCF4}"/>
+              </a:ext>
+            </a:extLst>
+          </p:cNvPr>
+          <p:cNvSpPr/>
+          <p:nvPr/>
+        </p:nvSpPr>
+        <p:spPr>
+          <a:xfrm>
+            <a:off x="-1" y="0"/>
+            <a:ext cx="12192000" cy="264160"/>
+          </a:xfrm>
+          <a:prstGeom prst="rect">
+            <a:avLst/>
+          </a:prstGeom>
+          <a:gradFill flip="none" rotWithShape="0">
+            <a:gsLst>
+              <a:gs pos="0">
+                <a:schemeClr val="accent2">
+                  <a:lumMod val="75000"/>
+                  <a:alpha val="80000"/>
+                </a:schemeClr>
+              </a:gs>
+              <a:gs pos="100000">
+                <a:schemeClr val="tx2">
+                  <a:lumMod val="90000"/>
+                  <a:lumOff val="10000"/>
+                </a:schemeClr>
+              </a:gs>
+            </a:gsLst>
+            <a:lin ang="5400000" scaled="1"/>
+            <a:tileRect/>
+          </a:gradFill>
+        </p:spPr>
+        <p:style>
+          <a:lnRef idx="2">
+            <a:schemeClr val="accent1">
+              <a:shade val="50000"/>
+            </a:schemeClr>
+          </a:lnRef>
+          <a:fillRef idx="1">
+            <a:schemeClr val="accent1"/>
+          </a:fillRef>
+          <a:effectRef idx="0">
+            <a:schemeClr val="accent1"/>
+          </a:effectRef>
+          <a:fontRef idx="minor">
+            <a:schemeClr val="lt1"/>
+          </a:fontRef>
+        </p:style>
+        <p:txBody>
+          <a:bodyPr rtlCol="0" anchor="ctr"/>
+          <a:lstStyle/>
+          <a:p>
+            <a:pPr algn="ctr"/>
+            <a:endParaRPr lang="en-US"/>
+          </a:p>
+        </p:txBody>
+      </p:sp>
+      <p:sp>
+        <p:nvSpPr>
+          <p:cNvPr id="7" name="Rectangle 6">
+            <a:extLst>
+              <a:ext uri="{FF2B5EF4-FFF2-40B4-BE49-F238E27FC236}">
+                <a16:creationId xmlns:a16="http://schemas.microsoft.com/office/drawing/2014/main" id="{6567464E-8053-4687-ACF6-52600593F531}"/>
+              </a:ext>
+            </a:extLst>
+          </p:cNvPr>
+          <p:cNvSpPr/>
+          <p:nvPr/>
+        </p:nvSpPr>
+        <p:spPr>
+          <a:xfrm>
+            <a:off x="-1" y="6660709"/>
+            <a:ext cx="12192000" cy="264159"/>
+          </a:xfrm>
+          <a:prstGeom prst="rect">
+            <a:avLst/>
+          </a:prstGeom>
+          <a:gradFill>
+            <a:gsLst>
+              <a:gs pos="4000">
+                <a:schemeClr val="accent2">
+                  <a:lumMod val="75000"/>
+                  <a:alpha val="78000"/>
+                </a:schemeClr>
+              </a:gs>
+              <a:gs pos="100000">
+                <a:schemeClr val="tx2">
+                  <a:lumMod val="90000"/>
+                  <a:lumOff val="10000"/>
+                </a:schemeClr>
+              </a:gs>
+            </a:gsLst>
+            <a:lin ang="5400000" scaled="1"/>
+          </a:gradFill>
+        </p:spPr>
+        <p:style>
+          <a:lnRef idx="2">
+            <a:schemeClr val="accent1">
+              <a:shade val="50000"/>
+            </a:schemeClr>
+          </a:lnRef>
+          <a:fillRef idx="1">
+            <a:schemeClr val="accent1"/>
+          </a:fillRef>
+          <a:effectRef idx="0">
+            <a:schemeClr val="accent1"/>
+          </a:effectRef>
+          <a:fontRef idx="minor">
+            <a:schemeClr val="lt1"/>
+          </a:fontRef>
+        </p:style>
+        <p:txBody>
+          <a:bodyPr rtlCol="0" anchor="ctr"/>
+          <a:lstStyle/>
+          <a:p>
+            <a:pPr algn="ctr"/>
+            <a:endParaRPr lang="en-US"/>
+          </a:p>
+        </p:txBody>
+      </p:sp>
+      <p:sp>
+        <p:nvSpPr>
+          <p:cNvPr id="8" name="TextBox 7">
+            <a:extLst>
+              <a:ext uri="{FF2B5EF4-FFF2-40B4-BE49-F238E27FC236}">
+                <a16:creationId xmlns:a16="http://schemas.microsoft.com/office/drawing/2014/main" id="{BD4D2D70-9BC6-41BC-9A1A-E3ECB3008C50}"/>
+              </a:ext>
+            </a:extLst>
+          </p:cNvPr>
+          <p:cNvSpPr txBox="1"/>
+          <p:nvPr/>
+        </p:nvSpPr>
+        <p:spPr>
+          <a:xfrm>
+            <a:off x="731520" y="6583680"/>
+            <a:ext cx="4937760" cy="483880"/>
+          </a:xfrm>
+          <a:prstGeom prst="rect">
+            <a:avLst/>
+          </a:prstGeom>
+          <a:noFill/>
+        </p:spPr>
+        <p:txBody>
+          <a:bodyPr wrap="square" rtlCol="0">
+            <a:spAutoFit/>
+          </a:bodyPr>
+          <a:lstStyle/>
+          <a:p>
+            <a:r>
+              <a:rPr lang="en-US" dirty="0">
+                <a:solidFill>
+                  <a:schemeClr val="bg1"/>
+                </a:solidFill>
+                <a:latin typeface="Berlin Sans FB" panose="020E0602020502020306" pitchFamily="34" charset="0"/>
+              </a:rPr>
+              <a:t>GRAPH THEORY IN BOARD GAMES</a:t>
+            </a:r>
+          </a:p>
+        </p:txBody>
+      </p:sp>
     </p:spTree>
     <p:extLst>
       <p:ext uri="{BB962C8B-B14F-4D97-AF65-F5344CB8AC3E}">
@@ -10850,13 +12264,6 @@
   <p:clrMapOvr>
     <a:masterClrMapping/>
   </p:clrMapOvr>
-  <p:timing>
-    <p:tnLst>
-      <p:par>
-        <p:cTn id="1" dur="indefinite" restart="never" nodeType="tmRoot"/>
-      </p:par>
-    </p:tnLst>
-  </p:timing>
 </p:sld>
 </file>
 
@@ -10982,6 +12389,173 @@
           </a:p>
         </p:txBody>
       </p:sp>
+      <p:sp>
+        <p:nvSpPr>
+          <p:cNvPr id="4" name="Rectangle 3">
+            <a:extLst>
+              <a:ext uri="{FF2B5EF4-FFF2-40B4-BE49-F238E27FC236}">
+                <a16:creationId xmlns:a16="http://schemas.microsoft.com/office/drawing/2014/main" id="{DB2D3EE2-8738-4A0C-8CC5-40637AB73FFC}"/>
+              </a:ext>
+            </a:extLst>
+          </p:cNvPr>
+          <p:cNvSpPr/>
+          <p:nvPr/>
+        </p:nvSpPr>
+        <p:spPr>
+          <a:xfrm>
+            <a:off x="-1" y="0"/>
+            <a:ext cx="12192000" cy="264160"/>
+          </a:xfrm>
+          <a:prstGeom prst="rect">
+            <a:avLst/>
+          </a:prstGeom>
+          <a:gradFill flip="none" rotWithShape="0">
+            <a:gsLst>
+              <a:gs pos="0">
+                <a:schemeClr val="accent2">
+                  <a:lumMod val="75000"/>
+                  <a:alpha val="80000"/>
+                </a:schemeClr>
+              </a:gs>
+              <a:gs pos="100000">
+                <a:schemeClr val="tx2">
+                  <a:lumMod val="90000"/>
+                  <a:lumOff val="10000"/>
+                </a:schemeClr>
+              </a:gs>
+            </a:gsLst>
+            <a:lin ang="5400000" scaled="1"/>
+            <a:tileRect/>
+          </a:gradFill>
+        </p:spPr>
+        <p:style>
+          <a:lnRef idx="2">
+            <a:schemeClr val="accent1">
+              <a:shade val="50000"/>
+            </a:schemeClr>
+          </a:lnRef>
+          <a:fillRef idx="1">
+            <a:schemeClr val="accent1"/>
+          </a:fillRef>
+          <a:effectRef idx="0">
+            <a:schemeClr val="accent1"/>
+          </a:effectRef>
+          <a:fontRef idx="minor">
+            <a:schemeClr val="lt1"/>
+          </a:fontRef>
+        </p:style>
+        <p:txBody>
+          <a:bodyPr rtlCol="0" anchor="ctr"/>
+          <a:lstStyle/>
+          <a:p>
+            <a:pPr algn="ctr"/>
+            <a:endParaRPr lang="en-US"/>
+          </a:p>
+        </p:txBody>
+      </p:sp>
+      <p:sp>
+        <p:nvSpPr>
+          <p:cNvPr id="5" name="Rectangle 4">
+            <a:extLst>
+              <a:ext uri="{FF2B5EF4-FFF2-40B4-BE49-F238E27FC236}">
+                <a16:creationId xmlns:a16="http://schemas.microsoft.com/office/drawing/2014/main" id="{86013913-9DEA-44E3-9039-1BC3A5660F96}"/>
+              </a:ext>
+            </a:extLst>
+          </p:cNvPr>
+          <p:cNvSpPr/>
+          <p:nvPr/>
+        </p:nvSpPr>
+        <p:spPr>
+          <a:xfrm>
+            <a:off x="-1" y="6660709"/>
+            <a:ext cx="12192000" cy="264159"/>
+          </a:xfrm>
+          <a:prstGeom prst="rect">
+            <a:avLst/>
+          </a:prstGeom>
+          <a:gradFill>
+            <a:gsLst>
+              <a:gs pos="4000">
+                <a:schemeClr val="accent2">
+                  <a:lumMod val="75000"/>
+                  <a:alpha val="78000"/>
+                </a:schemeClr>
+              </a:gs>
+              <a:gs pos="100000">
+                <a:schemeClr val="tx2">
+                  <a:lumMod val="90000"/>
+                  <a:lumOff val="10000"/>
+                </a:schemeClr>
+              </a:gs>
+            </a:gsLst>
+            <a:lin ang="5400000" scaled="1"/>
+          </a:gradFill>
+        </p:spPr>
+        <p:style>
+          <a:lnRef idx="2">
+            <a:schemeClr val="accent1">
+              <a:shade val="50000"/>
+            </a:schemeClr>
+          </a:lnRef>
+          <a:fillRef idx="1">
+            <a:schemeClr val="accent1"/>
+          </a:fillRef>
+          <a:effectRef idx="0">
+            <a:schemeClr val="accent1"/>
+          </a:effectRef>
+          <a:fontRef idx="minor">
+            <a:schemeClr val="lt1"/>
+          </a:fontRef>
+        </p:style>
+        <p:txBody>
+          <a:bodyPr rtlCol="0" anchor="ctr"/>
+          <a:lstStyle/>
+          <a:p>
+            <a:pPr algn="ctr"/>
+            <a:endParaRPr lang="en-US"/>
+          </a:p>
+        </p:txBody>
+      </p:sp>
+      <p:sp>
+        <p:nvSpPr>
+          <p:cNvPr id="6" name="TextBox 5">
+            <a:extLst>
+              <a:ext uri="{FF2B5EF4-FFF2-40B4-BE49-F238E27FC236}">
+                <a16:creationId xmlns:a16="http://schemas.microsoft.com/office/drawing/2014/main" id="{0549AFBC-B4C7-4B93-80E0-EC693AA96194}"/>
+              </a:ext>
+            </a:extLst>
+          </p:cNvPr>
+          <p:cNvSpPr txBox="1"/>
+          <p:nvPr/>
+        </p:nvSpPr>
+        <p:spPr>
+          <a:xfrm>
+            <a:off x="731520" y="6583680"/>
+            <a:ext cx="4937760" cy="483880"/>
+          </a:xfrm>
+          <a:prstGeom prst="rect">
+            <a:avLst/>
+          </a:prstGeom>
+          <a:noFill/>
+        </p:spPr>
+        <p:txBody>
+          <a:bodyPr wrap="square" rtlCol="0">
+            <a:spAutoFit/>
+          </a:bodyPr>
+          <a:lstStyle/>
+          <a:p>
+            <a:r>
+              <a:rPr lang="en-US" dirty="0">
+                <a:solidFill>
+                  <a:schemeClr val="bg1"/>
+                </a:solidFill>
+                <a:latin typeface="Berlin Sans FB" panose="020E0602020502020306" pitchFamily="34" charset="0"/>
+              </a:rPr>
+              <a:t>GRAPH THEORY IN BOARD GAMES</a:t>
+            </a:r>
+          </a:p>
+        </p:txBody>
+      </p:sp>
     </p:spTree>
     <p:extLst>
       <p:ext uri="{BB962C8B-B14F-4D97-AF65-F5344CB8AC3E}">
@@ -10992,13 +12566,6 @@
   <p:clrMapOvr>
     <a:masterClrMapping/>
   </p:clrMapOvr>
-  <p:timing>
-    <p:tnLst>
-      <p:par>
-        <p:cTn id="1" dur="indefinite" restart="never" nodeType="tmRoot"/>
-      </p:par>
-    </p:tnLst>
-  </p:timing>
 </p:sld>
 </file>
 
@@ -11024,7 +12591,7 @@
           <p:cNvPr id="2" name="Title 1">
             <a:extLst>
               <a:ext uri="{FF2B5EF4-FFF2-40B4-BE49-F238E27FC236}">
-                <a16:creationId xmlns:a16="http://schemas.microsoft.com/office/drawing/2014/main" xmlns="" id="{5D30DDF8-853A-DFDB-A947-FE9D44C8E03C}"/>
+                <a16:creationId xmlns:a16="http://schemas.microsoft.com/office/drawing/2014/main" id="{5D30DDF8-853A-DFDB-A947-FE9D44C8E03C}"/>
               </a:ext>
             </a:extLst>
           </p:cNvPr>
@@ -11100,7 +12667,7 @@
           <p:cNvPr id="3" name="Text Placeholder 2">
             <a:extLst>
               <a:ext uri="{FF2B5EF4-FFF2-40B4-BE49-F238E27FC236}">
-                <a16:creationId xmlns:a16="http://schemas.microsoft.com/office/drawing/2014/main" xmlns="" id="{F3FFBF10-3A6A-039D-96F3-6E61CA66CD1E}"/>
+                <a16:creationId xmlns:a16="http://schemas.microsoft.com/office/drawing/2014/main" id="{F3FFBF10-3A6A-039D-96F3-6E61CA66CD1E}"/>
               </a:ext>
             </a:extLst>
           </p:cNvPr>
@@ -11173,7 +12740,7 @@
           <p:cNvPr id="5" name="Picture 4">
             <a:extLst>
               <a:ext uri="{FF2B5EF4-FFF2-40B4-BE49-F238E27FC236}">
-                <a16:creationId xmlns:a16="http://schemas.microsoft.com/office/drawing/2014/main" xmlns="" id="{DF5E120D-8E2E-D414-9BE3-A68A099B210E}"/>
+                <a16:creationId xmlns:a16="http://schemas.microsoft.com/office/drawing/2014/main" id="{DF5E120D-8E2E-D414-9BE3-A68A099B210E}"/>
               </a:ext>
             </a:extLst>
           </p:cNvPr>
@@ -11208,7 +12775,7 @@
           <p:cNvPr id="7" name="Picture 6">
             <a:extLst>
               <a:ext uri="{FF2B5EF4-FFF2-40B4-BE49-F238E27FC236}">
-                <a16:creationId xmlns:a16="http://schemas.microsoft.com/office/drawing/2014/main" xmlns="" id="{5EC6C3A6-23EE-3547-4CDC-5D24A0A7D522}"/>
+                <a16:creationId xmlns:a16="http://schemas.microsoft.com/office/drawing/2014/main" id="{5EC6C3A6-23EE-3547-4CDC-5D24A0A7D522}"/>
               </a:ext>
             </a:extLst>
           </p:cNvPr>
@@ -11243,7 +12810,7 @@
           <p:cNvPr id="9" name="Picture 8">
             <a:extLst>
               <a:ext uri="{FF2B5EF4-FFF2-40B4-BE49-F238E27FC236}">
-                <a16:creationId xmlns:a16="http://schemas.microsoft.com/office/drawing/2014/main" xmlns="" id="{BCAA92A2-3C81-650B-7F86-D978F3483C08}"/>
+                <a16:creationId xmlns:a16="http://schemas.microsoft.com/office/drawing/2014/main" id="{BCAA92A2-3C81-650B-7F86-D978F3483C08}"/>
               </a:ext>
             </a:extLst>
           </p:cNvPr>
@@ -11305,7 +12872,7 @@
           <p:cNvPr id="6" name="Rectangle 5">
             <a:extLst>
               <a:ext uri="{FF2B5EF4-FFF2-40B4-BE49-F238E27FC236}">
-                <a16:creationId xmlns:a16="http://schemas.microsoft.com/office/drawing/2014/main" xmlns="" id="{08C08A99-DA83-4ED5-934A-46DE386A0F26}"/>
+                <a16:creationId xmlns:a16="http://schemas.microsoft.com/office/drawing/2014/main" id="{08C08A99-DA83-4ED5-934A-46DE386A0F26}"/>
               </a:ext>
             </a:extLst>
           </p:cNvPr>
@@ -11314,7 +12881,7 @@
         </p:nvSpPr>
         <p:spPr>
           <a:xfrm>
-            <a:off x="0" y="1"/>
+            <a:off x="-1" y="0"/>
             <a:ext cx="12192000" cy="264160"/>
           </a:xfrm>
           <a:prstGeom prst="rect">
@@ -11369,7 +12936,7 @@
           <p:cNvPr id="11" name="TextBox 10">
             <a:extLst>
               <a:ext uri="{FF2B5EF4-FFF2-40B4-BE49-F238E27FC236}">
-                <a16:creationId xmlns:a16="http://schemas.microsoft.com/office/drawing/2014/main" xmlns="" id="{DA88858B-D6D6-4C4E-AE8B-389F1084DDB3}"/>
+                <a16:creationId xmlns:a16="http://schemas.microsoft.com/office/drawing/2014/main" id="{DA88858B-D6D6-4C4E-AE8B-389F1084DDB3}"/>
               </a:ext>
             </a:extLst>
           </p:cNvPr>
@@ -11405,7 +12972,7 @@
           <p:cNvPr id="14" name="Rectangle 13">
             <a:extLst>
               <a:ext uri="{FF2B5EF4-FFF2-40B4-BE49-F238E27FC236}">
-                <a16:creationId xmlns:a16="http://schemas.microsoft.com/office/drawing/2014/main" xmlns="" id="{756206C2-8189-4D35-B098-D73C3F67FBFF}"/>
+                <a16:creationId xmlns:a16="http://schemas.microsoft.com/office/drawing/2014/main" id="{756206C2-8189-4D35-B098-D73C3F67FBFF}"/>
               </a:ext>
             </a:extLst>
           </p:cNvPr>
@@ -11415,7 +12982,7 @@
         <p:spPr>
           <a:xfrm>
             <a:off x="-1" y="6660709"/>
-            <a:ext cx="12192000" cy="264160"/>
+            <a:ext cx="12192000" cy="264159"/>
           </a:xfrm>
           <a:prstGeom prst="rect">
             <a:avLst/>
@@ -11468,7 +13035,7 @@
           <p:cNvPr id="16" name="TextBox 15">
             <a:extLst>
               <a:ext uri="{FF2B5EF4-FFF2-40B4-BE49-F238E27FC236}">
-                <a16:creationId xmlns:a16="http://schemas.microsoft.com/office/drawing/2014/main" xmlns="" id="{10BDE3AA-9B93-40EE-9DFE-CDAF5EB5A879}"/>
+                <a16:creationId xmlns:a16="http://schemas.microsoft.com/office/drawing/2014/main" id="{10BDE3AA-9B93-40EE-9DFE-CDAF5EB5A879}"/>
               </a:ext>
             </a:extLst>
           </p:cNvPr>
@@ -11477,8 +13044,8 @@
         </p:nvSpPr>
         <p:spPr>
           <a:xfrm>
-            <a:off x="538480" y="6660709"/>
-            <a:ext cx="4826000" cy="369332"/>
+            <a:off x="731520" y="6583680"/>
+            <a:ext cx="4937760" cy="483880"/>
           </a:xfrm>
           <a:prstGeom prst="rect">
             <a:avLst/>
@@ -11521,13 +13088,6 @@
       <p:transition/>
     </mc:Fallback>
   </mc:AlternateContent>
-  <p:timing>
-    <p:tnLst>
-      <p:par>
-        <p:cTn id="1" dur="indefinite" restart="never" nodeType="tmRoot"/>
-      </p:par>
-    </p:tnLst>
-  </p:timing>
 </p:sld>
 </file>
 
@@ -11668,6 +13228,173 @@
           </a:p>
         </p:txBody>
       </p:sp>
+      <p:sp>
+        <p:nvSpPr>
+          <p:cNvPr id="4" name="Rectangle 3">
+            <a:extLst>
+              <a:ext uri="{FF2B5EF4-FFF2-40B4-BE49-F238E27FC236}">
+                <a16:creationId xmlns:a16="http://schemas.microsoft.com/office/drawing/2014/main" id="{A494D329-8869-42CA-A021-3DBE2A671219}"/>
+              </a:ext>
+            </a:extLst>
+          </p:cNvPr>
+          <p:cNvSpPr/>
+          <p:nvPr/>
+        </p:nvSpPr>
+        <p:spPr>
+          <a:xfrm>
+            <a:off x="-1" y="0"/>
+            <a:ext cx="12192000" cy="264160"/>
+          </a:xfrm>
+          <a:prstGeom prst="rect">
+            <a:avLst/>
+          </a:prstGeom>
+          <a:gradFill flip="none" rotWithShape="0">
+            <a:gsLst>
+              <a:gs pos="0">
+                <a:schemeClr val="accent2">
+                  <a:lumMod val="75000"/>
+                  <a:alpha val="80000"/>
+                </a:schemeClr>
+              </a:gs>
+              <a:gs pos="100000">
+                <a:schemeClr val="tx2">
+                  <a:lumMod val="90000"/>
+                  <a:lumOff val="10000"/>
+                </a:schemeClr>
+              </a:gs>
+            </a:gsLst>
+            <a:lin ang="5400000" scaled="1"/>
+            <a:tileRect/>
+          </a:gradFill>
+        </p:spPr>
+        <p:style>
+          <a:lnRef idx="2">
+            <a:schemeClr val="accent1">
+              <a:shade val="50000"/>
+            </a:schemeClr>
+          </a:lnRef>
+          <a:fillRef idx="1">
+            <a:schemeClr val="accent1"/>
+          </a:fillRef>
+          <a:effectRef idx="0">
+            <a:schemeClr val="accent1"/>
+          </a:effectRef>
+          <a:fontRef idx="minor">
+            <a:schemeClr val="lt1"/>
+          </a:fontRef>
+        </p:style>
+        <p:txBody>
+          <a:bodyPr rtlCol="0" anchor="ctr"/>
+          <a:lstStyle/>
+          <a:p>
+            <a:pPr algn="ctr"/>
+            <a:endParaRPr lang="en-US"/>
+          </a:p>
+        </p:txBody>
+      </p:sp>
+      <p:sp>
+        <p:nvSpPr>
+          <p:cNvPr id="5" name="Rectangle 4">
+            <a:extLst>
+              <a:ext uri="{FF2B5EF4-FFF2-40B4-BE49-F238E27FC236}">
+                <a16:creationId xmlns:a16="http://schemas.microsoft.com/office/drawing/2014/main" id="{F3EF6D5E-022F-4C2F-9227-65C75FAE4DA9}"/>
+              </a:ext>
+            </a:extLst>
+          </p:cNvPr>
+          <p:cNvSpPr/>
+          <p:nvPr/>
+        </p:nvSpPr>
+        <p:spPr>
+          <a:xfrm>
+            <a:off x="-1" y="6660709"/>
+            <a:ext cx="12192000" cy="264159"/>
+          </a:xfrm>
+          <a:prstGeom prst="rect">
+            <a:avLst/>
+          </a:prstGeom>
+          <a:gradFill>
+            <a:gsLst>
+              <a:gs pos="4000">
+                <a:schemeClr val="accent2">
+                  <a:lumMod val="75000"/>
+                  <a:alpha val="78000"/>
+                </a:schemeClr>
+              </a:gs>
+              <a:gs pos="100000">
+                <a:schemeClr val="tx2">
+                  <a:lumMod val="90000"/>
+                  <a:lumOff val="10000"/>
+                </a:schemeClr>
+              </a:gs>
+            </a:gsLst>
+            <a:lin ang="5400000" scaled="1"/>
+          </a:gradFill>
+        </p:spPr>
+        <p:style>
+          <a:lnRef idx="2">
+            <a:schemeClr val="accent1">
+              <a:shade val="50000"/>
+            </a:schemeClr>
+          </a:lnRef>
+          <a:fillRef idx="1">
+            <a:schemeClr val="accent1"/>
+          </a:fillRef>
+          <a:effectRef idx="0">
+            <a:schemeClr val="accent1"/>
+          </a:effectRef>
+          <a:fontRef idx="minor">
+            <a:schemeClr val="lt1"/>
+          </a:fontRef>
+        </p:style>
+        <p:txBody>
+          <a:bodyPr rtlCol="0" anchor="ctr"/>
+          <a:lstStyle/>
+          <a:p>
+            <a:pPr algn="ctr"/>
+            <a:endParaRPr lang="en-US"/>
+          </a:p>
+        </p:txBody>
+      </p:sp>
+      <p:sp>
+        <p:nvSpPr>
+          <p:cNvPr id="6" name="TextBox 5">
+            <a:extLst>
+              <a:ext uri="{FF2B5EF4-FFF2-40B4-BE49-F238E27FC236}">
+                <a16:creationId xmlns:a16="http://schemas.microsoft.com/office/drawing/2014/main" id="{2510499C-4450-4711-8C1C-8C7DDAA70EF1}"/>
+              </a:ext>
+            </a:extLst>
+          </p:cNvPr>
+          <p:cNvSpPr txBox="1"/>
+          <p:nvPr/>
+        </p:nvSpPr>
+        <p:spPr>
+          <a:xfrm>
+            <a:off x="731520" y="6583680"/>
+            <a:ext cx="4937760" cy="483880"/>
+          </a:xfrm>
+          <a:prstGeom prst="rect">
+            <a:avLst/>
+          </a:prstGeom>
+          <a:noFill/>
+        </p:spPr>
+        <p:txBody>
+          <a:bodyPr wrap="square" rtlCol="0">
+            <a:spAutoFit/>
+          </a:bodyPr>
+          <a:lstStyle/>
+          <a:p>
+            <a:r>
+              <a:rPr lang="en-US" dirty="0">
+                <a:solidFill>
+                  <a:schemeClr val="bg1"/>
+                </a:solidFill>
+                <a:latin typeface="Berlin Sans FB" panose="020E0602020502020306" pitchFamily="34" charset="0"/>
+              </a:rPr>
+              <a:t>GRAPH THEORY IN BOARD GAMES</a:t>
+            </a:r>
+          </a:p>
+        </p:txBody>
+      </p:sp>
     </p:spTree>
     <p:extLst>
       <p:ext uri="{BB962C8B-B14F-4D97-AF65-F5344CB8AC3E}">
@@ -11678,13 +13405,6 @@
   <p:clrMapOvr>
     <a:masterClrMapping/>
   </p:clrMapOvr>
-  <p:timing>
-    <p:tnLst>
-      <p:par>
-        <p:cTn id="1" dur="indefinite" restart="never" nodeType="tmRoot"/>
-      </p:par>
-    </p:tnLst>
-  </p:timing>
 </p:sld>
 </file>
 
@@ -11784,6 +13504,173 @@
           </a:p>
         </p:txBody>
       </p:sp>
+      <p:sp>
+        <p:nvSpPr>
+          <p:cNvPr id="4" name="Rectangle 3">
+            <a:extLst>
+              <a:ext uri="{FF2B5EF4-FFF2-40B4-BE49-F238E27FC236}">
+                <a16:creationId xmlns:a16="http://schemas.microsoft.com/office/drawing/2014/main" id="{C25A5E31-C12B-4466-8960-98D33AAFE1AD}"/>
+              </a:ext>
+            </a:extLst>
+          </p:cNvPr>
+          <p:cNvSpPr/>
+          <p:nvPr/>
+        </p:nvSpPr>
+        <p:spPr>
+          <a:xfrm>
+            <a:off x="-1" y="0"/>
+            <a:ext cx="12192000" cy="264160"/>
+          </a:xfrm>
+          <a:prstGeom prst="rect">
+            <a:avLst/>
+          </a:prstGeom>
+          <a:gradFill flip="none" rotWithShape="0">
+            <a:gsLst>
+              <a:gs pos="0">
+                <a:schemeClr val="accent2">
+                  <a:lumMod val="75000"/>
+                  <a:alpha val="80000"/>
+                </a:schemeClr>
+              </a:gs>
+              <a:gs pos="100000">
+                <a:schemeClr val="tx2">
+                  <a:lumMod val="90000"/>
+                  <a:lumOff val="10000"/>
+                </a:schemeClr>
+              </a:gs>
+            </a:gsLst>
+            <a:lin ang="5400000" scaled="1"/>
+            <a:tileRect/>
+          </a:gradFill>
+        </p:spPr>
+        <p:style>
+          <a:lnRef idx="2">
+            <a:schemeClr val="accent1">
+              <a:shade val="50000"/>
+            </a:schemeClr>
+          </a:lnRef>
+          <a:fillRef idx="1">
+            <a:schemeClr val="accent1"/>
+          </a:fillRef>
+          <a:effectRef idx="0">
+            <a:schemeClr val="accent1"/>
+          </a:effectRef>
+          <a:fontRef idx="minor">
+            <a:schemeClr val="lt1"/>
+          </a:fontRef>
+        </p:style>
+        <p:txBody>
+          <a:bodyPr rtlCol="0" anchor="ctr"/>
+          <a:lstStyle/>
+          <a:p>
+            <a:pPr algn="ctr"/>
+            <a:endParaRPr lang="en-US"/>
+          </a:p>
+        </p:txBody>
+      </p:sp>
+      <p:sp>
+        <p:nvSpPr>
+          <p:cNvPr id="5" name="Rectangle 4">
+            <a:extLst>
+              <a:ext uri="{FF2B5EF4-FFF2-40B4-BE49-F238E27FC236}">
+                <a16:creationId xmlns:a16="http://schemas.microsoft.com/office/drawing/2014/main" id="{6984325B-5CE0-43DD-B603-EC77E9F6D90A}"/>
+              </a:ext>
+            </a:extLst>
+          </p:cNvPr>
+          <p:cNvSpPr/>
+          <p:nvPr/>
+        </p:nvSpPr>
+        <p:spPr>
+          <a:xfrm>
+            <a:off x="-1" y="6660709"/>
+            <a:ext cx="12192000" cy="264159"/>
+          </a:xfrm>
+          <a:prstGeom prst="rect">
+            <a:avLst/>
+          </a:prstGeom>
+          <a:gradFill>
+            <a:gsLst>
+              <a:gs pos="4000">
+                <a:schemeClr val="accent2">
+                  <a:lumMod val="75000"/>
+                  <a:alpha val="78000"/>
+                </a:schemeClr>
+              </a:gs>
+              <a:gs pos="100000">
+                <a:schemeClr val="tx2">
+                  <a:lumMod val="90000"/>
+                  <a:lumOff val="10000"/>
+                </a:schemeClr>
+              </a:gs>
+            </a:gsLst>
+            <a:lin ang="5400000" scaled="1"/>
+          </a:gradFill>
+        </p:spPr>
+        <p:style>
+          <a:lnRef idx="2">
+            <a:schemeClr val="accent1">
+              <a:shade val="50000"/>
+            </a:schemeClr>
+          </a:lnRef>
+          <a:fillRef idx="1">
+            <a:schemeClr val="accent1"/>
+          </a:fillRef>
+          <a:effectRef idx="0">
+            <a:schemeClr val="accent1"/>
+          </a:effectRef>
+          <a:fontRef idx="minor">
+            <a:schemeClr val="lt1"/>
+          </a:fontRef>
+        </p:style>
+        <p:txBody>
+          <a:bodyPr rtlCol="0" anchor="ctr"/>
+          <a:lstStyle/>
+          <a:p>
+            <a:pPr algn="ctr"/>
+            <a:endParaRPr lang="en-US"/>
+          </a:p>
+        </p:txBody>
+      </p:sp>
+      <p:sp>
+        <p:nvSpPr>
+          <p:cNvPr id="6" name="TextBox 5">
+            <a:extLst>
+              <a:ext uri="{FF2B5EF4-FFF2-40B4-BE49-F238E27FC236}">
+                <a16:creationId xmlns:a16="http://schemas.microsoft.com/office/drawing/2014/main" id="{583EDB11-5C7A-499B-8F46-0C66F3FEE64D}"/>
+              </a:ext>
+            </a:extLst>
+          </p:cNvPr>
+          <p:cNvSpPr txBox="1"/>
+          <p:nvPr/>
+        </p:nvSpPr>
+        <p:spPr>
+          <a:xfrm>
+            <a:off x="731520" y="6583680"/>
+            <a:ext cx="4937760" cy="483880"/>
+          </a:xfrm>
+          <a:prstGeom prst="rect">
+            <a:avLst/>
+          </a:prstGeom>
+          <a:noFill/>
+        </p:spPr>
+        <p:txBody>
+          <a:bodyPr wrap="square" rtlCol="0">
+            <a:spAutoFit/>
+          </a:bodyPr>
+          <a:lstStyle/>
+          <a:p>
+            <a:r>
+              <a:rPr lang="en-US" dirty="0">
+                <a:solidFill>
+                  <a:schemeClr val="bg1"/>
+                </a:solidFill>
+                <a:latin typeface="Berlin Sans FB" panose="020E0602020502020306" pitchFamily="34" charset="0"/>
+              </a:rPr>
+              <a:t>GRAPH THEORY IN BOARD GAMES</a:t>
+            </a:r>
+          </a:p>
+        </p:txBody>
+      </p:sp>
     </p:spTree>
     <p:extLst>
       <p:ext uri="{BB962C8B-B14F-4D97-AF65-F5344CB8AC3E}">
@@ -11794,13 +13681,6 @@
   <p:clrMapOvr>
     <a:masterClrMapping/>
   </p:clrMapOvr>
-  <p:timing>
-    <p:tnLst>
-      <p:par>
-        <p:cTn id="1" dur="indefinite" restart="never" nodeType="tmRoot"/>
-      </p:par>
-    </p:tnLst>
-  </p:timing>
 </p:sld>
 </file>
 
@@ -11840,10 +13720,9 @@
           <a:p>
             <a:pPr algn="ctr"/>
             <a:r>
-              <a:rPr lang="en-US" sz="3600" b="1" u="sng" dirty="0" smtClean="0"/>
+              <a:rPr lang="en-US" sz="3600" b="1" u="sng" dirty="0"/>
               <a:t>Recursive Algorithms in Board Games</a:t>
             </a:r>
-            <a:endParaRPr lang="en-US" sz="3600" b="1" u="sng" dirty="0"/>
           </a:p>
         </p:txBody>
       </p:sp>
@@ -11868,7 +13747,7 @@
               <a:buNone/>
             </a:pPr>
             <a:r>
-              <a:rPr lang="en-US" dirty="0" smtClean="0"/>
+              <a:rPr lang="en-US" dirty="0"/>
               <a:t>Recursion is often used in board games to explore all the possible game states or moves to determine which one’s the best for you.</a:t>
             </a:r>
           </a:p>
@@ -11878,11 +13757,7 @@
             </a:pPr>
             <a:r>
               <a:rPr lang="en-US" dirty="0"/>
-              <a:t>Minimax </a:t>
-            </a:r>
-            <a:r>
-              <a:rPr lang="en-US" dirty="0" smtClean="0"/>
-              <a:t>Algorithm</a:t>
+              <a:t>Minimax Algorithm</a:t>
             </a:r>
           </a:p>
           <a:p>
@@ -11890,7 +13765,7 @@
               <a:buNone/>
             </a:pPr>
             <a:r>
-              <a:rPr lang="en-US" dirty="0" smtClean="0"/>
+              <a:rPr lang="en-US" dirty="0"/>
               <a:t>Alpha-Beta Pruning</a:t>
             </a:r>
           </a:p>
@@ -11899,16 +13774,8 @@
               <a:buNone/>
             </a:pPr>
             <a:r>
-              <a:rPr lang="en-US" dirty="0" smtClean="0"/>
-              <a:t>Monte </a:t>
-            </a:r>
-            <a:r>
               <a:rPr lang="en-US" dirty="0"/>
-              <a:t>Carlo Tree Search (</a:t>
-            </a:r>
-            <a:r>
-              <a:rPr lang="en-US" dirty="0" smtClean="0"/>
-              <a:t>MCTS)</a:t>
+              <a:t>Monte Carlo Tree Search (MCTS)</a:t>
             </a:r>
           </a:p>
           <a:p>
@@ -11916,26 +13783,18 @@
               <a:buNone/>
             </a:pPr>
             <a:r>
-              <a:rPr lang="en-US" dirty="0" err="1" smtClean="0"/>
+              <a:rPr lang="en-US" dirty="0" err="1"/>
               <a:t>Negamax</a:t>
             </a:r>
-            <a:endParaRPr lang="en-US" dirty="0" smtClean="0"/>
+            <a:endParaRPr lang="en-US" dirty="0"/>
           </a:p>
           <a:p>
             <a:pPr marL="0" indent="0" algn="ctr">
               <a:buNone/>
             </a:pPr>
             <a:r>
-              <a:rPr lang="en-US" dirty="0" smtClean="0"/>
-              <a:t>Depth-First </a:t>
-            </a:r>
-            <a:r>
               <a:rPr lang="en-US" dirty="0"/>
-              <a:t>Search (</a:t>
-            </a:r>
-            <a:r>
-              <a:rPr lang="en-US" dirty="0" smtClean="0"/>
-              <a:t>DFS)</a:t>
+              <a:t>Depth-First Search (DFS)</a:t>
             </a:r>
           </a:p>
           <a:p>
@@ -11943,16 +13802,8 @@
               <a:buNone/>
             </a:pPr>
             <a:r>
-              <a:rPr lang="en-US" dirty="0" smtClean="0"/>
-              <a:t>Breadth-First </a:t>
-            </a:r>
-            <a:r>
               <a:rPr lang="en-US" dirty="0"/>
-              <a:t>Search (</a:t>
-            </a:r>
-            <a:r>
-              <a:rPr lang="en-US" dirty="0" smtClean="0"/>
-              <a:t>BFS)</a:t>
+              <a:t>Breadth-First Search (BFS)</a:t>
             </a:r>
           </a:p>
           <a:p>
@@ -11960,16 +13811,8 @@
               <a:buNone/>
             </a:pPr>
             <a:r>
-              <a:rPr lang="en-US" dirty="0" smtClean="0"/>
-              <a:t>A</a:t>
-            </a:r>
-            <a:r>
               <a:rPr lang="en-US" dirty="0"/>
-              <a:t>* Search </a:t>
-            </a:r>
-            <a:r>
-              <a:rPr lang="en-US" dirty="0" smtClean="0"/>
-              <a:t>Algorithm</a:t>
+              <a:t>A* Search Algorithm</a:t>
             </a:r>
           </a:p>
           <a:p>
@@ -11977,18 +13820,176 @@
               <a:buNone/>
             </a:pPr>
             <a:r>
-              <a:rPr lang="en-US" dirty="0" smtClean="0"/>
-              <a:t>Minimax </a:t>
-            </a:r>
-            <a:r>
               <a:rPr lang="en-US" dirty="0"/>
-              <a:t>with </a:t>
-            </a:r>
-            <a:r>
-              <a:rPr lang="en-US" dirty="0" smtClean="0"/>
-              <a:t>Heuristics</a:t>
-            </a:r>
-            <a:endParaRPr lang="en-US" dirty="0"/>
+              <a:t>Minimax with Heuristics</a:t>
+            </a:r>
+          </a:p>
+        </p:txBody>
+      </p:sp>
+      <p:sp>
+        <p:nvSpPr>
+          <p:cNvPr id="4" name="Rectangle 3">
+            <a:extLst>
+              <a:ext uri="{FF2B5EF4-FFF2-40B4-BE49-F238E27FC236}">
+                <a16:creationId xmlns:a16="http://schemas.microsoft.com/office/drawing/2014/main" id="{DF1635F8-FF44-4E8D-8F7F-F1ACB37EA660}"/>
+              </a:ext>
+            </a:extLst>
+          </p:cNvPr>
+          <p:cNvSpPr/>
+          <p:nvPr/>
+        </p:nvSpPr>
+        <p:spPr>
+          <a:xfrm>
+            <a:off x="-1" y="0"/>
+            <a:ext cx="12192000" cy="264160"/>
+          </a:xfrm>
+          <a:prstGeom prst="rect">
+            <a:avLst/>
+          </a:prstGeom>
+          <a:gradFill flip="none" rotWithShape="0">
+            <a:gsLst>
+              <a:gs pos="0">
+                <a:schemeClr val="accent2">
+                  <a:lumMod val="75000"/>
+                  <a:alpha val="80000"/>
+                </a:schemeClr>
+              </a:gs>
+              <a:gs pos="100000">
+                <a:schemeClr val="tx2">
+                  <a:lumMod val="90000"/>
+                  <a:lumOff val="10000"/>
+                </a:schemeClr>
+              </a:gs>
+            </a:gsLst>
+            <a:lin ang="5400000" scaled="1"/>
+            <a:tileRect/>
+          </a:gradFill>
+        </p:spPr>
+        <p:style>
+          <a:lnRef idx="2">
+            <a:schemeClr val="accent1">
+              <a:shade val="50000"/>
+            </a:schemeClr>
+          </a:lnRef>
+          <a:fillRef idx="1">
+            <a:schemeClr val="accent1"/>
+          </a:fillRef>
+          <a:effectRef idx="0">
+            <a:schemeClr val="accent1"/>
+          </a:effectRef>
+          <a:fontRef idx="minor">
+            <a:schemeClr val="lt1"/>
+          </a:fontRef>
+        </p:style>
+        <p:txBody>
+          <a:bodyPr rtlCol="0" anchor="ctr"/>
+          <a:lstStyle/>
+          <a:p>
+            <a:pPr algn="ctr"/>
+            <a:endParaRPr lang="en-US"/>
+          </a:p>
+        </p:txBody>
+      </p:sp>
+      <p:sp>
+        <p:nvSpPr>
+          <p:cNvPr id="5" name="Rectangle 4">
+            <a:extLst>
+              <a:ext uri="{FF2B5EF4-FFF2-40B4-BE49-F238E27FC236}">
+                <a16:creationId xmlns:a16="http://schemas.microsoft.com/office/drawing/2014/main" id="{1299A0DC-0E5E-40CF-81ED-6F4A3DB56A76}"/>
+              </a:ext>
+            </a:extLst>
+          </p:cNvPr>
+          <p:cNvSpPr/>
+          <p:nvPr/>
+        </p:nvSpPr>
+        <p:spPr>
+          <a:xfrm>
+            <a:off x="-1" y="6660709"/>
+            <a:ext cx="12192000" cy="264159"/>
+          </a:xfrm>
+          <a:prstGeom prst="rect">
+            <a:avLst/>
+          </a:prstGeom>
+          <a:gradFill>
+            <a:gsLst>
+              <a:gs pos="4000">
+                <a:schemeClr val="accent2">
+                  <a:lumMod val="75000"/>
+                  <a:alpha val="78000"/>
+                </a:schemeClr>
+              </a:gs>
+              <a:gs pos="100000">
+                <a:schemeClr val="tx2">
+                  <a:lumMod val="90000"/>
+                  <a:lumOff val="10000"/>
+                </a:schemeClr>
+              </a:gs>
+            </a:gsLst>
+            <a:lin ang="5400000" scaled="1"/>
+          </a:gradFill>
+        </p:spPr>
+        <p:style>
+          <a:lnRef idx="2">
+            <a:schemeClr val="accent1">
+              <a:shade val="50000"/>
+            </a:schemeClr>
+          </a:lnRef>
+          <a:fillRef idx="1">
+            <a:schemeClr val="accent1"/>
+          </a:fillRef>
+          <a:effectRef idx="0">
+            <a:schemeClr val="accent1"/>
+          </a:effectRef>
+          <a:fontRef idx="minor">
+            <a:schemeClr val="lt1"/>
+          </a:fontRef>
+        </p:style>
+        <p:txBody>
+          <a:bodyPr rtlCol="0" anchor="ctr"/>
+          <a:lstStyle/>
+          <a:p>
+            <a:pPr algn="ctr"/>
+            <a:endParaRPr lang="en-US"/>
+          </a:p>
+        </p:txBody>
+      </p:sp>
+      <p:sp>
+        <p:nvSpPr>
+          <p:cNvPr id="6" name="TextBox 5">
+            <a:extLst>
+              <a:ext uri="{FF2B5EF4-FFF2-40B4-BE49-F238E27FC236}">
+                <a16:creationId xmlns:a16="http://schemas.microsoft.com/office/drawing/2014/main" id="{84FB580D-A9E1-4A3D-B5A4-A4D6DFE15F08}"/>
+              </a:ext>
+            </a:extLst>
+          </p:cNvPr>
+          <p:cNvSpPr txBox="1"/>
+          <p:nvPr/>
+        </p:nvSpPr>
+        <p:spPr>
+          <a:xfrm>
+            <a:off x="731520" y="6583680"/>
+            <a:ext cx="4937760" cy="483880"/>
+          </a:xfrm>
+          <a:prstGeom prst="rect">
+            <a:avLst/>
+          </a:prstGeom>
+          <a:noFill/>
+        </p:spPr>
+        <p:txBody>
+          <a:bodyPr wrap="square" rtlCol="0">
+            <a:spAutoFit/>
+          </a:bodyPr>
+          <a:lstStyle/>
+          <a:p>
+            <a:r>
+              <a:rPr lang="en-US" dirty="0">
+                <a:solidFill>
+                  <a:schemeClr val="bg1"/>
+                </a:solidFill>
+                <a:latin typeface="Berlin Sans FB" panose="020E0602020502020306" pitchFamily="34" charset="0"/>
+              </a:rPr>
+              <a:t>GRAPH THEORY IN BOARD GAMES</a:t>
+            </a:r>
           </a:p>
         </p:txBody>
       </p:sp>
@@ -12041,10 +14042,9 @@
           <a:p>
             <a:pPr algn="ctr"/>
             <a:r>
-              <a:rPr lang="en-US" sz="3600" b="1" u="sng" dirty="0" smtClean="0"/>
+              <a:rPr lang="en-US" sz="3600" b="1" u="sng" dirty="0"/>
               <a:t>Minimax Algorithm</a:t>
             </a:r>
-            <a:endParaRPr lang="en-US" sz="3600" b="1" u="sng" dirty="0"/>
           </a:p>
         </p:txBody>
       </p:sp>
@@ -12070,15 +14070,7 @@
             </a:pPr>
             <a:r>
               <a:rPr lang="en-US" sz="2400" dirty="0"/>
-              <a:t>It is </a:t>
-            </a:r>
-            <a:r>
-              <a:rPr lang="en-US" sz="2400" dirty="0" smtClean="0"/>
-              <a:t>commonly used </a:t>
-            </a:r>
-            <a:r>
-              <a:rPr lang="en-US" sz="2400" dirty="0"/>
-              <a:t>in </a:t>
+              <a:t>It is commonly used in </a:t>
             </a:r>
             <a:r>
               <a:rPr lang="en-US" sz="2400" b="1" dirty="0"/>
@@ -12086,25 +14078,183 @@
             </a:r>
             <a:r>
               <a:rPr lang="en-US" sz="2400" dirty="0"/>
-              <a:t>like </a:t>
-            </a:r>
-            <a:r>
-              <a:rPr lang="en-US" sz="2400" dirty="0" smtClean="0"/>
-              <a:t>chess which </a:t>
-            </a:r>
-            <a:r>
-              <a:rPr lang="en-US" sz="2400" dirty="0"/>
-              <a:t>helps to make the best decisions by assuming that both players play </a:t>
+              <a:t>like chess which helps to make the best decisions by assuming that both players play </a:t>
             </a:r>
             <a:r>
               <a:rPr lang="en-US" sz="2400" b="1" dirty="0"/>
               <a:t>optimally</a:t>
             </a:r>
             <a:r>
-              <a:rPr lang="en-US" sz="2400" dirty="0" smtClean="0"/>
+              <a:rPr lang="en-US" sz="2400" dirty="0"/>
               <a:t>.</a:t>
             </a:r>
-            <a:endParaRPr lang="en-US" sz="2400" dirty="0"/>
+          </a:p>
+        </p:txBody>
+      </p:sp>
+      <p:sp>
+        <p:nvSpPr>
+          <p:cNvPr id="4" name="Rectangle 3">
+            <a:extLst>
+              <a:ext uri="{FF2B5EF4-FFF2-40B4-BE49-F238E27FC236}">
+                <a16:creationId xmlns:a16="http://schemas.microsoft.com/office/drawing/2014/main" id="{0E5C1C92-5DBB-492C-83C8-D5794BC69CD4}"/>
+              </a:ext>
+            </a:extLst>
+          </p:cNvPr>
+          <p:cNvSpPr/>
+          <p:nvPr/>
+        </p:nvSpPr>
+        <p:spPr>
+          <a:xfrm>
+            <a:off x="-1" y="0"/>
+            <a:ext cx="12192000" cy="264160"/>
+          </a:xfrm>
+          <a:prstGeom prst="rect">
+            <a:avLst/>
+          </a:prstGeom>
+          <a:gradFill flip="none" rotWithShape="0">
+            <a:gsLst>
+              <a:gs pos="0">
+                <a:schemeClr val="accent2">
+                  <a:lumMod val="75000"/>
+                  <a:alpha val="80000"/>
+                </a:schemeClr>
+              </a:gs>
+              <a:gs pos="100000">
+                <a:schemeClr val="tx2">
+                  <a:lumMod val="90000"/>
+                  <a:lumOff val="10000"/>
+                </a:schemeClr>
+              </a:gs>
+            </a:gsLst>
+            <a:lin ang="5400000" scaled="1"/>
+            <a:tileRect/>
+          </a:gradFill>
+        </p:spPr>
+        <p:style>
+          <a:lnRef idx="2">
+            <a:schemeClr val="accent1">
+              <a:shade val="50000"/>
+            </a:schemeClr>
+          </a:lnRef>
+          <a:fillRef idx="1">
+            <a:schemeClr val="accent1"/>
+          </a:fillRef>
+          <a:effectRef idx="0">
+            <a:schemeClr val="accent1"/>
+          </a:effectRef>
+          <a:fontRef idx="minor">
+            <a:schemeClr val="lt1"/>
+          </a:fontRef>
+        </p:style>
+        <p:txBody>
+          <a:bodyPr rtlCol="0" anchor="ctr"/>
+          <a:lstStyle/>
+          <a:p>
+            <a:pPr algn="ctr"/>
+            <a:endParaRPr lang="en-US"/>
+          </a:p>
+        </p:txBody>
+      </p:sp>
+      <p:sp>
+        <p:nvSpPr>
+          <p:cNvPr id="5" name="Rectangle 4">
+            <a:extLst>
+              <a:ext uri="{FF2B5EF4-FFF2-40B4-BE49-F238E27FC236}">
+                <a16:creationId xmlns:a16="http://schemas.microsoft.com/office/drawing/2014/main" id="{E720147F-A342-4693-9329-428B23F74A34}"/>
+              </a:ext>
+            </a:extLst>
+          </p:cNvPr>
+          <p:cNvSpPr/>
+          <p:nvPr/>
+        </p:nvSpPr>
+        <p:spPr>
+          <a:xfrm>
+            <a:off x="-1" y="6660709"/>
+            <a:ext cx="12192000" cy="264159"/>
+          </a:xfrm>
+          <a:prstGeom prst="rect">
+            <a:avLst/>
+          </a:prstGeom>
+          <a:gradFill>
+            <a:gsLst>
+              <a:gs pos="4000">
+                <a:schemeClr val="accent2">
+                  <a:lumMod val="75000"/>
+                  <a:alpha val="78000"/>
+                </a:schemeClr>
+              </a:gs>
+              <a:gs pos="100000">
+                <a:schemeClr val="tx2">
+                  <a:lumMod val="90000"/>
+                  <a:lumOff val="10000"/>
+                </a:schemeClr>
+              </a:gs>
+            </a:gsLst>
+            <a:lin ang="5400000" scaled="1"/>
+          </a:gradFill>
+        </p:spPr>
+        <p:style>
+          <a:lnRef idx="2">
+            <a:schemeClr val="accent1">
+              <a:shade val="50000"/>
+            </a:schemeClr>
+          </a:lnRef>
+          <a:fillRef idx="1">
+            <a:schemeClr val="accent1"/>
+          </a:fillRef>
+          <a:effectRef idx="0">
+            <a:schemeClr val="accent1"/>
+          </a:effectRef>
+          <a:fontRef idx="minor">
+            <a:schemeClr val="lt1"/>
+          </a:fontRef>
+        </p:style>
+        <p:txBody>
+          <a:bodyPr rtlCol="0" anchor="ctr"/>
+          <a:lstStyle/>
+          <a:p>
+            <a:pPr algn="ctr"/>
+            <a:endParaRPr lang="en-US"/>
+          </a:p>
+        </p:txBody>
+      </p:sp>
+      <p:sp>
+        <p:nvSpPr>
+          <p:cNvPr id="6" name="TextBox 5">
+            <a:extLst>
+              <a:ext uri="{FF2B5EF4-FFF2-40B4-BE49-F238E27FC236}">
+                <a16:creationId xmlns:a16="http://schemas.microsoft.com/office/drawing/2014/main" id="{FE4BB38F-0A66-479D-89B8-0041E9BAA3D7}"/>
+              </a:ext>
+            </a:extLst>
+          </p:cNvPr>
+          <p:cNvSpPr txBox="1"/>
+          <p:nvPr/>
+        </p:nvSpPr>
+        <p:spPr>
+          <a:xfrm>
+            <a:off x="731520" y="6583680"/>
+            <a:ext cx="4937760" cy="483880"/>
+          </a:xfrm>
+          <a:prstGeom prst="rect">
+            <a:avLst/>
+          </a:prstGeom>
+          <a:noFill/>
+        </p:spPr>
+        <p:txBody>
+          <a:bodyPr wrap="square" rtlCol="0">
+            <a:spAutoFit/>
+          </a:bodyPr>
+          <a:lstStyle/>
+          <a:p>
+            <a:r>
+              <a:rPr lang="en-US" dirty="0">
+                <a:solidFill>
+                  <a:schemeClr val="bg1"/>
+                </a:solidFill>
+                <a:latin typeface="Berlin Sans FB" panose="020E0602020502020306" pitchFamily="34" charset="0"/>
+              </a:rPr>
+              <a:t>GRAPH THEORY IN BOARD GAMES</a:t>
+            </a:r>
           </a:p>
         </p:txBody>
       </p:sp>
@@ -12157,10 +14307,9 @@
           <a:p>
             <a:pPr algn="ctr"/>
             <a:r>
-              <a:rPr lang="en-US" sz="3600" b="1" u="sng" dirty="0" smtClean="0"/>
+              <a:rPr lang="en-US" sz="3600" b="1" u="sng" dirty="0"/>
               <a:t>How It Works</a:t>
             </a:r>
-            <a:endParaRPr lang="en-US" sz="3600" b="1" u="sng" dirty="0"/>
           </a:p>
         </p:txBody>
       </p:sp>
@@ -12194,15 +14343,7 @@
             </a:r>
             <a:r>
               <a:rPr lang="en-US" dirty="0"/>
-              <a:t>, </a:t>
-            </a:r>
-            <a:r>
-              <a:rPr lang="en-US" dirty="0" smtClean="0"/>
-              <a:t>where each </a:t>
-            </a:r>
-            <a:r>
-              <a:rPr lang="en-US" dirty="0"/>
-              <a:t>node represents a game state.</a:t>
+              <a:t>, where each node represents a game state.</a:t>
             </a:r>
           </a:p>
           <a:p>
@@ -12220,11 +14361,7 @@
             </a:pPr>
             <a:r>
               <a:rPr lang="en-US" dirty="0"/>
-              <a:t>The algorithm alternates between two </a:t>
-            </a:r>
-            <a:r>
-              <a:rPr lang="en-US" dirty="0" smtClean="0"/>
-              <a:t>players:</a:t>
+              <a:t>The algorithm alternates between two players:</a:t>
             </a:r>
           </a:p>
           <a:p>
@@ -12232,7 +14369,7 @@
               <a:buNone/>
             </a:pPr>
             <a:r>
-              <a:rPr lang="en-US" b="1" dirty="0" smtClean="0"/>
+              <a:rPr lang="en-US" b="1" dirty="0"/>
               <a:t>Maximizer</a:t>
             </a:r>
             <a:r>
@@ -12267,11 +14404,7 @@
             </a:r>
             <a:r>
               <a:rPr lang="en-US" dirty="0"/>
-              <a:t> evaluates all possible game states down to the terminal states (e.g., win, lose, or draw</a:t>
-            </a:r>
-            <a:r>
-              <a:rPr lang="en-US" dirty="0" smtClean="0"/>
-              <a:t>).</a:t>
+              <a:t> evaluates all possible game states down to the terminal states (e.g., win, lose, or draw).</a:t>
             </a:r>
           </a:p>
           <a:p>
@@ -12279,18 +14412,176 @@
               <a:buNone/>
             </a:pPr>
             <a:r>
-              <a:rPr lang="en-US" dirty="0" smtClean="0"/>
-              <a:t>Backtracking </a:t>
-            </a:r>
-            <a:r>
               <a:rPr lang="en-US" dirty="0"/>
-              <a:t>from the terminal states, it assigns a score to each move by choosing the best option for the player whose turn it is</a:t>
-            </a:r>
-            <a:r>
-              <a:rPr lang="en-US" dirty="0" smtClean="0"/>
-              <a:t>.</a:t>
-            </a:r>
-            <a:endParaRPr lang="en-US" dirty="0"/>
+              <a:t>Backtracking from the terminal states, it assigns a score to each move by choosing the best option for the player whose turn it is.</a:t>
+            </a:r>
+          </a:p>
+        </p:txBody>
+      </p:sp>
+      <p:sp>
+        <p:nvSpPr>
+          <p:cNvPr id="4" name="Rectangle 3">
+            <a:extLst>
+              <a:ext uri="{FF2B5EF4-FFF2-40B4-BE49-F238E27FC236}">
+                <a16:creationId xmlns:a16="http://schemas.microsoft.com/office/drawing/2014/main" id="{0F87387D-ABB0-4126-9161-D82D93ED1AE0}"/>
+              </a:ext>
+            </a:extLst>
+          </p:cNvPr>
+          <p:cNvSpPr/>
+          <p:nvPr/>
+        </p:nvSpPr>
+        <p:spPr>
+          <a:xfrm>
+            <a:off x="-1" y="0"/>
+            <a:ext cx="12192000" cy="264160"/>
+          </a:xfrm>
+          <a:prstGeom prst="rect">
+            <a:avLst/>
+          </a:prstGeom>
+          <a:gradFill flip="none" rotWithShape="0">
+            <a:gsLst>
+              <a:gs pos="0">
+                <a:schemeClr val="accent2">
+                  <a:lumMod val="75000"/>
+                  <a:alpha val="80000"/>
+                </a:schemeClr>
+              </a:gs>
+              <a:gs pos="100000">
+                <a:schemeClr val="tx2">
+                  <a:lumMod val="90000"/>
+                  <a:lumOff val="10000"/>
+                </a:schemeClr>
+              </a:gs>
+            </a:gsLst>
+            <a:lin ang="5400000" scaled="1"/>
+            <a:tileRect/>
+          </a:gradFill>
+        </p:spPr>
+        <p:style>
+          <a:lnRef idx="2">
+            <a:schemeClr val="accent1">
+              <a:shade val="50000"/>
+            </a:schemeClr>
+          </a:lnRef>
+          <a:fillRef idx="1">
+            <a:schemeClr val="accent1"/>
+          </a:fillRef>
+          <a:effectRef idx="0">
+            <a:schemeClr val="accent1"/>
+          </a:effectRef>
+          <a:fontRef idx="minor">
+            <a:schemeClr val="lt1"/>
+          </a:fontRef>
+        </p:style>
+        <p:txBody>
+          <a:bodyPr rtlCol="0" anchor="ctr"/>
+          <a:lstStyle/>
+          <a:p>
+            <a:pPr algn="ctr"/>
+            <a:endParaRPr lang="en-US"/>
+          </a:p>
+        </p:txBody>
+      </p:sp>
+      <p:sp>
+        <p:nvSpPr>
+          <p:cNvPr id="5" name="Rectangle 4">
+            <a:extLst>
+              <a:ext uri="{FF2B5EF4-FFF2-40B4-BE49-F238E27FC236}">
+                <a16:creationId xmlns:a16="http://schemas.microsoft.com/office/drawing/2014/main" id="{8C56DAC7-0302-4116-8769-7EE8A1FF0B72}"/>
+              </a:ext>
+            </a:extLst>
+          </p:cNvPr>
+          <p:cNvSpPr/>
+          <p:nvPr/>
+        </p:nvSpPr>
+        <p:spPr>
+          <a:xfrm>
+            <a:off x="-1" y="6660709"/>
+            <a:ext cx="12192000" cy="264159"/>
+          </a:xfrm>
+          <a:prstGeom prst="rect">
+            <a:avLst/>
+          </a:prstGeom>
+          <a:gradFill>
+            <a:gsLst>
+              <a:gs pos="4000">
+                <a:schemeClr val="accent2">
+                  <a:lumMod val="75000"/>
+                  <a:alpha val="78000"/>
+                </a:schemeClr>
+              </a:gs>
+              <a:gs pos="100000">
+                <a:schemeClr val="tx2">
+                  <a:lumMod val="90000"/>
+                  <a:lumOff val="10000"/>
+                </a:schemeClr>
+              </a:gs>
+            </a:gsLst>
+            <a:lin ang="5400000" scaled="1"/>
+          </a:gradFill>
+        </p:spPr>
+        <p:style>
+          <a:lnRef idx="2">
+            <a:schemeClr val="accent1">
+              <a:shade val="50000"/>
+            </a:schemeClr>
+          </a:lnRef>
+          <a:fillRef idx="1">
+            <a:schemeClr val="accent1"/>
+          </a:fillRef>
+          <a:effectRef idx="0">
+            <a:schemeClr val="accent1"/>
+          </a:effectRef>
+          <a:fontRef idx="minor">
+            <a:schemeClr val="lt1"/>
+          </a:fontRef>
+        </p:style>
+        <p:txBody>
+          <a:bodyPr rtlCol="0" anchor="ctr"/>
+          <a:lstStyle/>
+          <a:p>
+            <a:pPr algn="ctr"/>
+            <a:endParaRPr lang="en-US"/>
+          </a:p>
+        </p:txBody>
+      </p:sp>
+      <p:sp>
+        <p:nvSpPr>
+          <p:cNvPr id="6" name="TextBox 5">
+            <a:extLst>
+              <a:ext uri="{FF2B5EF4-FFF2-40B4-BE49-F238E27FC236}">
+                <a16:creationId xmlns:a16="http://schemas.microsoft.com/office/drawing/2014/main" id="{24644A16-2F6F-40D6-A6AA-274F6D9EE84A}"/>
+              </a:ext>
+            </a:extLst>
+          </p:cNvPr>
+          <p:cNvSpPr txBox="1"/>
+          <p:nvPr/>
+        </p:nvSpPr>
+        <p:spPr>
+          <a:xfrm>
+            <a:off x="731520" y="6583680"/>
+            <a:ext cx="4937760" cy="483880"/>
+          </a:xfrm>
+          <a:prstGeom prst="rect">
+            <a:avLst/>
+          </a:prstGeom>
+          <a:noFill/>
+        </p:spPr>
+        <p:txBody>
+          <a:bodyPr wrap="square" rtlCol="0">
+            <a:spAutoFit/>
+          </a:bodyPr>
+          <a:lstStyle/>
+          <a:p>
+            <a:r>
+              <a:rPr lang="en-US" dirty="0">
+                <a:solidFill>
+                  <a:schemeClr val="bg1"/>
+                </a:solidFill>
+                <a:latin typeface="Berlin Sans FB" panose="020E0602020502020306" pitchFamily="34" charset="0"/>
+              </a:rPr>
+              <a:t>GRAPH THEORY IN BOARD GAMES</a:t>
+            </a:r>
           </a:p>
         </p:txBody>
       </p:sp>
@@ -12373,16 +14664,12 @@
               <a:t>Alpha-Beta Pruning is an optimization technique for the minimax algorithm. It reduces the number of nodes evaluated in the game tree by </a:t>
             </a:r>
             <a:r>
-              <a:rPr lang="en-US" b="1" dirty="0" smtClean="0"/>
+              <a:rPr lang="en-US" b="1" dirty="0"/>
               <a:t>pruning </a:t>
             </a:r>
             <a:r>
-              <a:rPr lang="en-US" dirty="0" smtClean="0"/>
-              <a:t>or eliminating </a:t>
-            </a:r>
-            <a:r>
               <a:rPr lang="en-US" dirty="0"/>
-              <a:t>branches that cannot influence the final decision.</a:t>
+              <a:t>or eliminating branches that cannot influence the final decision.</a:t>
             </a:r>
           </a:p>
         </p:txBody>
@@ -12417,6 +14704,173 @@
           </a:prstGeom>
         </p:spPr>
       </p:pic>
+      <p:sp>
+        <p:nvSpPr>
+          <p:cNvPr id="5" name="Rectangle 4">
+            <a:extLst>
+              <a:ext uri="{FF2B5EF4-FFF2-40B4-BE49-F238E27FC236}">
+                <a16:creationId xmlns:a16="http://schemas.microsoft.com/office/drawing/2014/main" id="{B09C3127-106D-4EAC-8077-85AC832B6585}"/>
+              </a:ext>
+            </a:extLst>
+          </p:cNvPr>
+          <p:cNvSpPr/>
+          <p:nvPr/>
+        </p:nvSpPr>
+        <p:spPr>
+          <a:xfrm>
+            <a:off x="-1" y="0"/>
+            <a:ext cx="12192000" cy="264160"/>
+          </a:xfrm>
+          <a:prstGeom prst="rect">
+            <a:avLst/>
+          </a:prstGeom>
+          <a:gradFill flip="none" rotWithShape="0">
+            <a:gsLst>
+              <a:gs pos="0">
+                <a:schemeClr val="accent2">
+                  <a:lumMod val="75000"/>
+                  <a:alpha val="80000"/>
+                </a:schemeClr>
+              </a:gs>
+              <a:gs pos="100000">
+                <a:schemeClr val="tx2">
+                  <a:lumMod val="90000"/>
+                  <a:lumOff val="10000"/>
+                </a:schemeClr>
+              </a:gs>
+            </a:gsLst>
+            <a:lin ang="5400000" scaled="1"/>
+            <a:tileRect/>
+          </a:gradFill>
+        </p:spPr>
+        <p:style>
+          <a:lnRef idx="2">
+            <a:schemeClr val="accent1">
+              <a:shade val="50000"/>
+            </a:schemeClr>
+          </a:lnRef>
+          <a:fillRef idx="1">
+            <a:schemeClr val="accent1"/>
+          </a:fillRef>
+          <a:effectRef idx="0">
+            <a:schemeClr val="accent1"/>
+          </a:effectRef>
+          <a:fontRef idx="minor">
+            <a:schemeClr val="lt1"/>
+          </a:fontRef>
+        </p:style>
+        <p:txBody>
+          <a:bodyPr rtlCol="0" anchor="ctr"/>
+          <a:lstStyle/>
+          <a:p>
+            <a:pPr algn="ctr"/>
+            <a:endParaRPr lang="en-US"/>
+          </a:p>
+        </p:txBody>
+      </p:sp>
+      <p:sp>
+        <p:nvSpPr>
+          <p:cNvPr id="6" name="Rectangle 5">
+            <a:extLst>
+              <a:ext uri="{FF2B5EF4-FFF2-40B4-BE49-F238E27FC236}">
+                <a16:creationId xmlns:a16="http://schemas.microsoft.com/office/drawing/2014/main" id="{DD7FC1B0-7606-41AD-8D9D-22C4C5E1CD3E}"/>
+              </a:ext>
+            </a:extLst>
+          </p:cNvPr>
+          <p:cNvSpPr/>
+          <p:nvPr/>
+        </p:nvSpPr>
+        <p:spPr>
+          <a:xfrm>
+            <a:off x="-1" y="6660709"/>
+            <a:ext cx="12192000" cy="264159"/>
+          </a:xfrm>
+          <a:prstGeom prst="rect">
+            <a:avLst/>
+          </a:prstGeom>
+          <a:gradFill>
+            <a:gsLst>
+              <a:gs pos="4000">
+                <a:schemeClr val="accent2">
+                  <a:lumMod val="75000"/>
+                  <a:alpha val="78000"/>
+                </a:schemeClr>
+              </a:gs>
+              <a:gs pos="100000">
+                <a:schemeClr val="tx2">
+                  <a:lumMod val="90000"/>
+                  <a:lumOff val="10000"/>
+                </a:schemeClr>
+              </a:gs>
+            </a:gsLst>
+            <a:lin ang="5400000" scaled="1"/>
+          </a:gradFill>
+        </p:spPr>
+        <p:style>
+          <a:lnRef idx="2">
+            <a:schemeClr val="accent1">
+              <a:shade val="50000"/>
+            </a:schemeClr>
+          </a:lnRef>
+          <a:fillRef idx="1">
+            <a:schemeClr val="accent1"/>
+          </a:fillRef>
+          <a:effectRef idx="0">
+            <a:schemeClr val="accent1"/>
+          </a:effectRef>
+          <a:fontRef idx="minor">
+            <a:schemeClr val="lt1"/>
+          </a:fontRef>
+        </p:style>
+        <p:txBody>
+          <a:bodyPr rtlCol="0" anchor="ctr"/>
+          <a:lstStyle/>
+          <a:p>
+            <a:pPr algn="ctr"/>
+            <a:endParaRPr lang="en-US"/>
+          </a:p>
+        </p:txBody>
+      </p:sp>
+      <p:sp>
+        <p:nvSpPr>
+          <p:cNvPr id="7" name="TextBox 6">
+            <a:extLst>
+              <a:ext uri="{FF2B5EF4-FFF2-40B4-BE49-F238E27FC236}">
+                <a16:creationId xmlns:a16="http://schemas.microsoft.com/office/drawing/2014/main" id="{C97C8299-0F17-44B8-AC1D-642229166A4D}"/>
+              </a:ext>
+            </a:extLst>
+          </p:cNvPr>
+          <p:cNvSpPr txBox="1"/>
+          <p:nvPr/>
+        </p:nvSpPr>
+        <p:spPr>
+          <a:xfrm>
+            <a:off x="731520" y="6583680"/>
+            <a:ext cx="4937760" cy="483880"/>
+          </a:xfrm>
+          <a:prstGeom prst="rect">
+            <a:avLst/>
+          </a:prstGeom>
+          <a:noFill/>
+        </p:spPr>
+        <p:txBody>
+          <a:bodyPr wrap="square" rtlCol="0">
+            <a:spAutoFit/>
+          </a:bodyPr>
+          <a:lstStyle/>
+          <a:p>
+            <a:r>
+              <a:rPr lang="en-US" dirty="0">
+                <a:solidFill>
+                  <a:schemeClr val="bg1"/>
+                </a:solidFill>
+                <a:latin typeface="Berlin Sans FB" panose="020E0602020502020306" pitchFamily="34" charset="0"/>
+              </a:rPr>
+              <a:t>GRAPH THEORY IN BOARD GAMES</a:t>
+            </a:r>
+          </a:p>
+        </p:txBody>
+      </p:sp>
     </p:spTree>
     <p:extLst>
       <p:ext uri="{BB962C8B-B14F-4D97-AF65-F5344CB8AC3E}">
@@ -12463,10 +14917,9 @@
           <a:lstStyle/>
           <a:p>
             <a:r>
-              <a:rPr lang="en-US" dirty="0" smtClean="0"/>
+              <a:rPr lang="en-US" dirty="0"/>
               <a:t>How it Works</a:t>
             </a:r>
-            <a:endParaRPr lang="en-US" dirty="0"/>
           </a:p>
         </p:txBody>
       </p:sp>
@@ -12527,13 +14980,8 @@
             </a:pPr>
             <a:r>
               <a:rPr lang="en-US" dirty="0"/>
-              <a:t>If a branch's potential outcome is worse than an already evaluated branch for either player, that branch is pruned (skipped</a:t>
-            </a:r>
-            <a:r>
-              <a:rPr lang="en-US" dirty="0" smtClean="0"/>
-              <a:t>).</a:t>
-            </a:r>
-            <a:endParaRPr lang="en-US" dirty="0"/>
+              <a:t>If a branch's potential outcome is worse than an already evaluated branch for either player, that branch is pruned (skipped).</a:t>
+            </a:r>
           </a:p>
           <a:p>
             <a:pPr marL="0" indent="0">
@@ -12554,11 +15002,7 @@
             </a:r>
             <a:r>
               <a:rPr lang="en-US" dirty="0"/>
-              <a:t> can significantly reduce the number of nodes </a:t>
-            </a:r>
-            <a:r>
-              <a:rPr lang="en-US" dirty="0" smtClean="0"/>
-              <a:t>evaluated.</a:t>
+              <a:t> can significantly reduce the number of nodes evaluated.</a:t>
             </a:r>
           </a:p>
           <a:p>
@@ -12566,8 +15010,175 @@
               <a:buNone/>
             </a:pPr>
             <a:r>
-              <a:rPr lang="en-US" dirty="0" smtClean="0"/>
+              <a:rPr lang="en-US" dirty="0"/>
               <a:t>(There may be cases where no pruning occurs but it is faster most of the times.)</a:t>
+            </a:r>
+          </a:p>
+        </p:txBody>
+      </p:sp>
+      <p:sp>
+        <p:nvSpPr>
+          <p:cNvPr id="4" name="Rectangle 3">
+            <a:extLst>
+              <a:ext uri="{FF2B5EF4-FFF2-40B4-BE49-F238E27FC236}">
+                <a16:creationId xmlns:a16="http://schemas.microsoft.com/office/drawing/2014/main" id="{8B2DB3D1-B113-45A3-8567-26C6131DA898}"/>
+              </a:ext>
+            </a:extLst>
+          </p:cNvPr>
+          <p:cNvSpPr/>
+          <p:nvPr/>
+        </p:nvSpPr>
+        <p:spPr>
+          <a:xfrm>
+            <a:off x="-1" y="0"/>
+            <a:ext cx="12192000" cy="264160"/>
+          </a:xfrm>
+          <a:prstGeom prst="rect">
+            <a:avLst/>
+          </a:prstGeom>
+          <a:gradFill flip="none" rotWithShape="0">
+            <a:gsLst>
+              <a:gs pos="0">
+                <a:schemeClr val="accent2">
+                  <a:lumMod val="75000"/>
+                  <a:alpha val="80000"/>
+                </a:schemeClr>
+              </a:gs>
+              <a:gs pos="100000">
+                <a:schemeClr val="tx2">
+                  <a:lumMod val="90000"/>
+                  <a:lumOff val="10000"/>
+                </a:schemeClr>
+              </a:gs>
+            </a:gsLst>
+            <a:lin ang="5400000" scaled="1"/>
+            <a:tileRect/>
+          </a:gradFill>
+        </p:spPr>
+        <p:style>
+          <a:lnRef idx="2">
+            <a:schemeClr val="accent1">
+              <a:shade val="50000"/>
+            </a:schemeClr>
+          </a:lnRef>
+          <a:fillRef idx="1">
+            <a:schemeClr val="accent1"/>
+          </a:fillRef>
+          <a:effectRef idx="0">
+            <a:schemeClr val="accent1"/>
+          </a:effectRef>
+          <a:fontRef idx="minor">
+            <a:schemeClr val="lt1"/>
+          </a:fontRef>
+        </p:style>
+        <p:txBody>
+          <a:bodyPr rtlCol="0" anchor="ctr"/>
+          <a:lstStyle/>
+          <a:p>
+            <a:pPr algn="ctr"/>
+            <a:endParaRPr lang="en-US"/>
+          </a:p>
+        </p:txBody>
+      </p:sp>
+      <p:sp>
+        <p:nvSpPr>
+          <p:cNvPr id="5" name="Rectangle 4">
+            <a:extLst>
+              <a:ext uri="{FF2B5EF4-FFF2-40B4-BE49-F238E27FC236}">
+                <a16:creationId xmlns:a16="http://schemas.microsoft.com/office/drawing/2014/main" id="{F3E28657-91DD-4197-AD31-94CC739B9F83}"/>
+              </a:ext>
+            </a:extLst>
+          </p:cNvPr>
+          <p:cNvSpPr/>
+          <p:nvPr/>
+        </p:nvSpPr>
+        <p:spPr>
+          <a:xfrm>
+            <a:off x="-1" y="6660709"/>
+            <a:ext cx="12192000" cy="264159"/>
+          </a:xfrm>
+          <a:prstGeom prst="rect">
+            <a:avLst/>
+          </a:prstGeom>
+          <a:gradFill>
+            <a:gsLst>
+              <a:gs pos="4000">
+                <a:schemeClr val="accent2">
+                  <a:lumMod val="75000"/>
+                  <a:alpha val="78000"/>
+                </a:schemeClr>
+              </a:gs>
+              <a:gs pos="100000">
+                <a:schemeClr val="tx2">
+                  <a:lumMod val="90000"/>
+                  <a:lumOff val="10000"/>
+                </a:schemeClr>
+              </a:gs>
+            </a:gsLst>
+            <a:lin ang="5400000" scaled="1"/>
+          </a:gradFill>
+        </p:spPr>
+        <p:style>
+          <a:lnRef idx="2">
+            <a:schemeClr val="accent1">
+              <a:shade val="50000"/>
+            </a:schemeClr>
+          </a:lnRef>
+          <a:fillRef idx="1">
+            <a:schemeClr val="accent1"/>
+          </a:fillRef>
+          <a:effectRef idx="0">
+            <a:schemeClr val="accent1"/>
+          </a:effectRef>
+          <a:fontRef idx="minor">
+            <a:schemeClr val="lt1"/>
+          </a:fontRef>
+        </p:style>
+        <p:txBody>
+          <a:bodyPr rtlCol="0" anchor="ctr"/>
+          <a:lstStyle/>
+          <a:p>
+            <a:pPr algn="ctr"/>
+            <a:endParaRPr lang="en-US"/>
+          </a:p>
+        </p:txBody>
+      </p:sp>
+      <p:sp>
+        <p:nvSpPr>
+          <p:cNvPr id="6" name="TextBox 5">
+            <a:extLst>
+              <a:ext uri="{FF2B5EF4-FFF2-40B4-BE49-F238E27FC236}">
+                <a16:creationId xmlns:a16="http://schemas.microsoft.com/office/drawing/2014/main" id="{EADC1590-D1E4-4D1B-8A9C-0E7E1FCDCB29}"/>
+              </a:ext>
+            </a:extLst>
+          </p:cNvPr>
+          <p:cNvSpPr txBox="1"/>
+          <p:nvPr/>
+        </p:nvSpPr>
+        <p:spPr>
+          <a:xfrm>
+            <a:off x="731520" y="6583680"/>
+            <a:ext cx="4937760" cy="483880"/>
+          </a:xfrm>
+          <a:prstGeom prst="rect">
+            <a:avLst/>
+          </a:prstGeom>
+          <a:noFill/>
+        </p:spPr>
+        <p:txBody>
+          <a:bodyPr wrap="square" rtlCol="0">
+            <a:spAutoFit/>
+          </a:bodyPr>
+          <a:lstStyle/>
+          <a:p>
+            <a:r>
+              <a:rPr lang="en-US" dirty="0">
+                <a:solidFill>
+                  <a:schemeClr val="bg1"/>
+                </a:solidFill>
+                <a:latin typeface="Berlin Sans FB" panose="020E0602020502020306" pitchFamily="34" charset="0"/>
+              </a:rPr>
+              <a:t>GRAPH THEORY IN BOARD GAMES</a:t>
             </a:r>
           </a:p>
         </p:txBody>
@@ -12607,7 +15218,7 @@
           <p:cNvPr id="2" name="Title 1">
             <a:extLst>
               <a:ext uri="{FF2B5EF4-FFF2-40B4-BE49-F238E27FC236}">
-                <a16:creationId xmlns:a16="http://schemas.microsoft.com/office/drawing/2014/main" xmlns="" id="{A044EC92-8709-66AA-FA34-6F35A4198D12}"/>
+                <a16:creationId xmlns:a16="http://schemas.microsoft.com/office/drawing/2014/main" id="{A044EC92-8709-66AA-FA34-6F35A4198D12}"/>
               </a:ext>
             </a:extLst>
           </p:cNvPr>
@@ -12648,7 +15259,7 @@
           <p:cNvPr id="3" name="Content Placeholder 2">
             <a:extLst>
               <a:ext uri="{FF2B5EF4-FFF2-40B4-BE49-F238E27FC236}">
-                <a16:creationId xmlns:a16="http://schemas.microsoft.com/office/drawing/2014/main" xmlns="" id="{D5E016E4-BDAF-4DC3-9D94-4DE8B9339639}"/>
+                <a16:creationId xmlns:a16="http://schemas.microsoft.com/office/drawing/2014/main" id="{D5E016E4-BDAF-4DC3-9D94-4DE8B9339639}"/>
               </a:ext>
             </a:extLst>
           </p:cNvPr>
@@ -12673,7 +15284,7 @@
           <p:cNvPr id="4" name="Text Placeholder 3">
             <a:extLst>
               <a:ext uri="{FF2B5EF4-FFF2-40B4-BE49-F238E27FC236}">
-                <a16:creationId xmlns:a16="http://schemas.microsoft.com/office/drawing/2014/main" xmlns="" id="{8AF72E6F-D5A1-6CBE-73C8-608D6839317F}"/>
+                <a16:creationId xmlns:a16="http://schemas.microsoft.com/office/drawing/2014/main" id="{8AF72E6F-D5A1-6CBE-73C8-608D6839317F}"/>
               </a:ext>
             </a:extLst>
           </p:cNvPr>
@@ -12692,6 +15303,173 @@
             <a:r>
               <a:rPr lang="en-US" dirty="0"/>
               <a:t>Topics like graph theory, and recursion play crucial roles in modeling and solving the game.</a:t>
+            </a:r>
+          </a:p>
+        </p:txBody>
+      </p:sp>
+      <p:sp>
+        <p:nvSpPr>
+          <p:cNvPr id="5" name="Rectangle 4">
+            <a:extLst>
+              <a:ext uri="{FF2B5EF4-FFF2-40B4-BE49-F238E27FC236}">
+                <a16:creationId xmlns:a16="http://schemas.microsoft.com/office/drawing/2014/main" id="{4A521344-576C-4665-AC3A-E757AFB32BA9}"/>
+              </a:ext>
+            </a:extLst>
+          </p:cNvPr>
+          <p:cNvSpPr/>
+          <p:nvPr/>
+        </p:nvSpPr>
+        <p:spPr>
+          <a:xfrm>
+            <a:off x="-1" y="0"/>
+            <a:ext cx="12192000" cy="264160"/>
+          </a:xfrm>
+          <a:prstGeom prst="rect">
+            <a:avLst/>
+          </a:prstGeom>
+          <a:gradFill flip="none" rotWithShape="0">
+            <a:gsLst>
+              <a:gs pos="0">
+                <a:schemeClr val="accent2">
+                  <a:lumMod val="75000"/>
+                  <a:alpha val="80000"/>
+                </a:schemeClr>
+              </a:gs>
+              <a:gs pos="100000">
+                <a:schemeClr val="tx2">
+                  <a:lumMod val="90000"/>
+                  <a:lumOff val="10000"/>
+                </a:schemeClr>
+              </a:gs>
+            </a:gsLst>
+            <a:lin ang="5400000" scaled="1"/>
+            <a:tileRect/>
+          </a:gradFill>
+        </p:spPr>
+        <p:style>
+          <a:lnRef idx="2">
+            <a:schemeClr val="accent1">
+              <a:shade val="50000"/>
+            </a:schemeClr>
+          </a:lnRef>
+          <a:fillRef idx="1">
+            <a:schemeClr val="accent1"/>
+          </a:fillRef>
+          <a:effectRef idx="0">
+            <a:schemeClr val="accent1"/>
+          </a:effectRef>
+          <a:fontRef idx="minor">
+            <a:schemeClr val="lt1"/>
+          </a:fontRef>
+        </p:style>
+        <p:txBody>
+          <a:bodyPr rtlCol="0" anchor="ctr"/>
+          <a:lstStyle/>
+          <a:p>
+            <a:pPr algn="ctr"/>
+            <a:endParaRPr lang="en-US"/>
+          </a:p>
+        </p:txBody>
+      </p:sp>
+      <p:sp>
+        <p:nvSpPr>
+          <p:cNvPr id="6" name="Rectangle 5">
+            <a:extLst>
+              <a:ext uri="{FF2B5EF4-FFF2-40B4-BE49-F238E27FC236}">
+                <a16:creationId xmlns:a16="http://schemas.microsoft.com/office/drawing/2014/main" id="{C3BE2AA2-8DE7-4EC5-94CA-3F70884EA3FE}"/>
+              </a:ext>
+            </a:extLst>
+          </p:cNvPr>
+          <p:cNvSpPr/>
+          <p:nvPr/>
+        </p:nvSpPr>
+        <p:spPr>
+          <a:xfrm>
+            <a:off x="-1" y="6660709"/>
+            <a:ext cx="12192000" cy="264159"/>
+          </a:xfrm>
+          <a:prstGeom prst="rect">
+            <a:avLst/>
+          </a:prstGeom>
+          <a:gradFill>
+            <a:gsLst>
+              <a:gs pos="4000">
+                <a:schemeClr val="accent2">
+                  <a:lumMod val="75000"/>
+                  <a:alpha val="78000"/>
+                </a:schemeClr>
+              </a:gs>
+              <a:gs pos="100000">
+                <a:schemeClr val="tx2">
+                  <a:lumMod val="90000"/>
+                  <a:lumOff val="10000"/>
+                </a:schemeClr>
+              </a:gs>
+            </a:gsLst>
+            <a:lin ang="5400000" scaled="1"/>
+          </a:gradFill>
+        </p:spPr>
+        <p:style>
+          <a:lnRef idx="2">
+            <a:schemeClr val="accent1">
+              <a:shade val="50000"/>
+            </a:schemeClr>
+          </a:lnRef>
+          <a:fillRef idx="1">
+            <a:schemeClr val="accent1"/>
+          </a:fillRef>
+          <a:effectRef idx="0">
+            <a:schemeClr val="accent1"/>
+          </a:effectRef>
+          <a:fontRef idx="minor">
+            <a:schemeClr val="lt1"/>
+          </a:fontRef>
+        </p:style>
+        <p:txBody>
+          <a:bodyPr rtlCol="0" anchor="ctr"/>
+          <a:lstStyle/>
+          <a:p>
+            <a:pPr algn="ctr"/>
+            <a:endParaRPr lang="en-US"/>
+          </a:p>
+        </p:txBody>
+      </p:sp>
+      <p:sp>
+        <p:nvSpPr>
+          <p:cNvPr id="7" name="TextBox 6">
+            <a:extLst>
+              <a:ext uri="{FF2B5EF4-FFF2-40B4-BE49-F238E27FC236}">
+                <a16:creationId xmlns:a16="http://schemas.microsoft.com/office/drawing/2014/main" id="{5AEFA798-7C9F-4A3D-93E0-1E12F1FB4450}"/>
+              </a:ext>
+            </a:extLst>
+          </p:cNvPr>
+          <p:cNvSpPr txBox="1"/>
+          <p:nvPr/>
+        </p:nvSpPr>
+        <p:spPr>
+          <a:xfrm>
+            <a:off x="731520" y="6583680"/>
+            <a:ext cx="4937760" cy="483880"/>
+          </a:xfrm>
+          <a:prstGeom prst="rect">
+            <a:avLst/>
+          </a:prstGeom>
+          <a:noFill/>
+        </p:spPr>
+        <p:txBody>
+          <a:bodyPr wrap="square" rtlCol="0">
+            <a:spAutoFit/>
+          </a:bodyPr>
+          <a:lstStyle/>
+          <a:p>
+            <a:r>
+              <a:rPr lang="en-US" dirty="0">
+                <a:solidFill>
+                  <a:schemeClr val="bg1"/>
+                </a:solidFill>
+                <a:latin typeface="Berlin Sans FB" panose="020E0602020502020306" pitchFamily="34" charset="0"/>
+              </a:rPr>
+              <a:t>GRAPH THEORY IN BOARD GAMES</a:t>
             </a:r>
           </a:p>
         </p:txBody>
@@ -12706,13 +15484,6 @@
   <p:clrMapOvr>
     <a:masterClrMapping/>
   </p:clrMapOvr>
-  <p:timing>
-    <p:tnLst>
-      <p:par>
-        <p:cTn id="1" dur="indefinite" restart="never" nodeType="tmRoot"/>
-      </p:par>
-    </p:tnLst>
-  </p:timing>
 </p:sld>
 </file>
 
@@ -12738,7 +15509,7 @@
           <p:cNvPr id="2" name="Title 1">
             <a:extLst>
               <a:ext uri="{FF2B5EF4-FFF2-40B4-BE49-F238E27FC236}">
-                <a16:creationId xmlns:a16="http://schemas.microsoft.com/office/drawing/2014/main" xmlns="" id="{D1D307F6-B8C8-3B03-1BAA-5F930D5564F3}"/>
+                <a16:creationId xmlns:a16="http://schemas.microsoft.com/office/drawing/2014/main" id="{D1D307F6-B8C8-3B03-1BAA-5F930D5564F3}"/>
               </a:ext>
             </a:extLst>
           </p:cNvPr>
@@ -12769,10 +15540,6 @@
               <a:rPr lang="en-US" b="1" dirty="0" err="1"/>
               <a:t>Gomoku</a:t>
             </a:r>
-            <a:r>
-              <a:rPr lang="en-US" dirty="0"/>
-              <a:t/>
-            </a:r>
             <a:br>
               <a:rPr lang="en-US" dirty="0"/>
             </a:br>
@@ -12785,7 +15552,7 @@
           <p:cNvPr id="3" name="Content Placeholder 2">
             <a:extLst>
               <a:ext uri="{FF2B5EF4-FFF2-40B4-BE49-F238E27FC236}">
-                <a16:creationId xmlns:a16="http://schemas.microsoft.com/office/drawing/2014/main" xmlns="" id="{FEA283A3-BD90-A1E9-7BBE-F64221308E03}"/>
+                <a16:creationId xmlns:a16="http://schemas.microsoft.com/office/drawing/2014/main" id="{FEA283A3-BD90-A1E9-7BBE-F64221308E03}"/>
               </a:ext>
             </a:extLst>
           </p:cNvPr>
@@ -12964,6 +15731,173 @@
           </a:p>
           <a:p>
             <a:endParaRPr lang="en-US" dirty="0"/>
+          </a:p>
+        </p:txBody>
+      </p:sp>
+      <p:sp>
+        <p:nvSpPr>
+          <p:cNvPr id="4" name="Rectangle 3">
+            <a:extLst>
+              <a:ext uri="{FF2B5EF4-FFF2-40B4-BE49-F238E27FC236}">
+                <a16:creationId xmlns:a16="http://schemas.microsoft.com/office/drawing/2014/main" id="{1960E2AE-CCBA-498B-9B5D-EC6192AE4B2D}"/>
+              </a:ext>
+            </a:extLst>
+          </p:cNvPr>
+          <p:cNvSpPr/>
+          <p:nvPr/>
+        </p:nvSpPr>
+        <p:spPr>
+          <a:xfrm>
+            <a:off x="-1" y="0"/>
+            <a:ext cx="12192000" cy="264160"/>
+          </a:xfrm>
+          <a:prstGeom prst="rect">
+            <a:avLst/>
+          </a:prstGeom>
+          <a:gradFill flip="none" rotWithShape="0">
+            <a:gsLst>
+              <a:gs pos="0">
+                <a:schemeClr val="accent2">
+                  <a:lumMod val="75000"/>
+                  <a:alpha val="80000"/>
+                </a:schemeClr>
+              </a:gs>
+              <a:gs pos="100000">
+                <a:schemeClr val="tx2">
+                  <a:lumMod val="90000"/>
+                  <a:lumOff val="10000"/>
+                </a:schemeClr>
+              </a:gs>
+            </a:gsLst>
+            <a:lin ang="5400000" scaled="1"/>
+            <a:tileRect/>
+          </a:gradFill>
+        </p:spPr>
+        <p:style>
+          <a:lnRef idx="2">
+            <a:schemeClr val="accent1">
+              <a:shade val="50000"/>
+            </a:schemeClr>
+          </a:lnRef>
+          <a:fillRef idx="1">
+            <a:schemeClr val="accent1"/>
+          </a:fillRef>
+          <a:effectRef idx="0">
+            <a:schemeClr val="accent1"/>
+          </a:effectRef>
+          <a:fontRef idx="minor">
+            <a:schemeClr val="lt1"/>
+          </a:fontRef>
+        </p:style>
+        <p:txBody>
+          <a:bodyPr rtlCol="0" anchor="ctr"/>
+          <a:lstStyle/>
+          <a:p>
+            <a:pPr algn="ctr"/>
+            <a:endParaRPr lang="en-US"/>
+          </a:p>
+        </p:txBody>
+      </p:sp>
+      <p:sp>
+        <p:nvSpPr>
+          <p:cNvPr id="5" name="Rectangle 4">
+            <a:extLst>
+              <a:ext uri="{FF2B5EF4-FFF2-40B4-BE49-F238E27FC236}">
+                <a16:creationId xmlns:a16="http://schemas.microsoft.com/office/drawing/2014/main" id="{9298954E-84BE-47ED-A7B3-A6E0FF8D3F60}"/>
+              </a:ext>
+            </a:extLst>
+          </p:cNvPr>
+          <p:cNvSpPr/>
+          <p:nvPr/>
+        </p:nvSpPr>
+        <p:spPr>
+          <a:xfrm>
+            <a:off x="-1" y="6660709"/>
+            <a:ext cx="12192000" cy="264159"/>
+          </a:xfrm>
+          <a:prstGeom prst="rect">
+            <a:avLst/>
+          </a:prstGeom>
+          <a:gradFill>
+            <a:gsLst>
+              <a:gs pos="4000">
+                <a:schemeClr val="accent2">
+                  <a:lumMod val="75000"/>
+                  <a:alpha val="78000"/>
+                </a:schemeClr>
+              </a:gs>
+              <a:gs pos="100000">
+                <a:schemeClr val="tx2">
+                  <a:lumMod val="90000"/>
+                  <a:lumOff val="10000"/>
+                </a:schemeClr>
+              </a:gs>
+            </a:gsLst>
+            <a:lin ang="5400000" scaled="1"/>
+          </a:gradFill>
+        </p:spPr>
+        <p:style>
+          <a:lnRef idx="2">
+            <a:schemeClr val="accent1">
+              <a:shade val="50000"/>
+            </a:schemeClr>
+          </a:lnRef>
+          <a:fillRef idx="1">
+            <a:schemeClr val="accent1"/>
+          </a:fillRef>
+          <a:effectRef idx="0">
+            <a:schemeClr val="accent1"/>
+          </a:effectRef>
+          <a:fontRef idx="minor">
+            <a:schemeClr val="lt1"/>
+          </a:fontRef>
+        </p:style>
+        <p:txBody>
+          <a:bodyPr rtlCol="0" anchor="ctr"/>
+          <a:lstStyle/>
+          <a:p>
+            <a:pPr algn="ctr"/>
+            <a:endParaRPr lang="en-US"/>
+          </a:p>
+        </p:txBody>
+      </p:sp>
+      <p:sp>
+        <p:nvSpPr>
+          <p:cNvPr id="6" name="TextBox 5">
+            <a:extLst>
+              <a:ext uri="{FF2B5EF4-FFF2-40B4-BE49-F238E27FC236}">
+                <a16:creationId xmlns:a16="http://schemas.microsoft.com/office/drawing/2014/main" id="{DD32E8B3-3ECB-4D0A-8DB4-ED0F881F79BE}"/>
+              </a:ext>
+            </a:extLst>
+          </p:cNvPr>
+          <p:cNvSpPr txBox="1"/>
+          <p:nvPr/>
+        </p:nvSpPr>
+        <p:spPr>
+          <a:xfrm>
+            <a:off x="731520" y="6583680"/>
+            <a:ext cx="4937760" cy="483880"/>
+          </a:xfrm>
+          <a:prstGeom prst="rect">
+            <a:avLst/>
+          </a:prstGeom>
+          <a:noFill/>
+        </p:spPr>
+        <p:txBody>
+          <a:bodyPr wrap="square" rtlCol="0">
+            <a:spAutoFit/>
+          </a:bodyPr>
+          <a:lstStyle/>
+          <a:p>
+            <a:r>
+              <a:rPr lang="en-US" dirty="0">
+                <a:solidFill>
+                  <a:schemeClr val="bg1"/>
+                </a:solidFill>
+                <a:latin typeface="Berlin Sans FB" panose="020E0602020502020306" pitchFamily="34" charset="0"/>
+              </a:rPr>
+              <a:t>GRAPH THEORY IN BOARD GAMES</a:t>
+            </a:r>
           </a:p>
         </p:txBody>
       </p:sp>
@@ -12977,13 +15911,6 @@
   <p:clrMapOvr>
     <a:masterClrMapping/>
   </p:clrMapOvr>
-  <p:timing>
-    <p:tnLst>
-      <p:par>
-        <p:cTn id="1" dur="indefinite" restart="never" nodeType="tmRoot"/>
-      </p:par>
-    </p:tnLst>
-  </p:timing>
 </p:sld>
 </file>
 
@@ -13009,7 +15936,7 @@
           <p:cNvPr id="3" name="Content Placeholder 2">
             <a:extLst>
               <a:ext uri="{FF2B5EF4-FFF2-40B4-BE49-F238E27FC236}">
-                <a16:creationId xmlns:a16="http://schemas.microsoft.com/office/drawing/2014/main" xmlns="" id="{FEA283A3-BD90-A1E9-7BBE-F64221308E03}"/>
+                <a16:creationId xmlns:a16="http://schemas.microsoft.com/office/drawing/2014/main" id="{FEA283A3-BD90-A1E9-7BBE-F64221308E03}"/>
               </a:ext>
             </a:extLst>
           </p:cNvPr>
@@ -13150,6 +16077,173 @@
           </a:p>
           <a:p>
             <a:endParaRPr lang="en-US" dirty="0"/>
+          </a:p>
+        </p:txBody>
+      </p:sp>
+      <p:sp>
+        <p:nvSpPr>
+          <p:cNvPr id="4" name="Rectangle 3">
+            <a:extLst>
+              <a:ext uri="{FF2B5EF4-FFF2-40B4-BE49-F238E27FC236}">
+                <a16:creationId xmlns:a16="http://schemas.microsoft.com/office/drawing/2014/main" id="{1875E3B2-3DDC-44FC-A6F6-57397315CECA}"/>
+              </a:ext>
+            </a:extLst>
+          </p:cNvPr>
+          <p:cNvSpPr/>
+          <p:nvPr/>
+        </p:nvSpPr>
+        <p:spPr>
+          <a:xfrm>
+            <a:off x="-1" y="0"/>
+            <a:ext cx="12192000" cy="264160"/>
+          </a:xfrm>
+          <a:prstGeom prst="rect">
+            <a:avLst/>
+          </a:prstGeom>
+          <a:gradFill flip="none" rotWithShape="0">
+            <a:gsLst>
+              <a:gs pos="0">
+                <a:schemeClr val="accent2">
+                  <a:lumMod val="75000"/>
+                  <a:alpha val="80000"/>
+                </a:schemeClr>
+              </a:gs>
+              <a:gs pos="100000">
+                <a:schemeClr val="tx2">
+                  <a:lumMod val="90000"/>
+                  <a:lumOff val="10000"/>
+                </a:schemeClr>
+              </a:gs>
+            </a:gsLst>
+            <a:lin ang="5400000" scaled="1"/>
+            <a:tileRect/>
+          </a:gradFill>
+        </p:spPr>
+        <p:style>
+          <a:lnRef idx="2">
+            <a:schemeClr val="accent1">
+              <a:shade val="50000"/>
+            </a:schemeClr>
+          </a:lnRef>
+          <a:fillRef idx="1">
+            <a:schemeClr val="accent1"/>
+          </a:fillRef>
+          <a:effectRef idx="0">
+            <a:schemeClr val="accent1"/>
+          </a:effectRef>
+          <a:fontRef idx="minor">
+            <a:schemeClr val="lt1"/>
+          </a:fontRef>
+        </p:style>
+        <p:txBody>
+          <a:bodyPr rtlCol="0" anchor="ctr"/>
+          <a:lstStyle/>
+          <a:p>
+            <a:pPr algn="ctr"/>
+            <a:endParaRPr lang="en-US"/>
+          </a:p>
+        </p:txBody>
+      </p:sp>
+      <p:sp>
+        <p:nvSpPr>
+          <p:cNvPr id="5" name="Rectangle 4">
+            <a:extLst>
+              <a:ext uri="{FF2B5EF4-FFF2-40B4-BE49-F238E27FC236}">
+                <a16:creationId xmlns:a16="http://schemas.microsoft.com/office/drawing/2014/main" id="{4F783FFB-603F-4C23-8126-F579D1043EEF}"/>
+              </a:ext>
+            </a:extLst>
+          </p:cNvPr>
+          <p:cNvSpPr/>
+          <p:nvPr/>
+        </p:nvSpPr>
+        <p:spPr>
+          <a:xfrm>
+            <a:off x="-1" y="6660709"/>
+            <a:ext cx="12192000" cy="264159"/>
+          </a:xfrm>
+          <a:prstGeom prst="rect">
+            <a:avLst/>
+          </a:prstGeom>
+          <a:gradFill>
+            <a:gsLst>
+              <a:gs pos="4000">
+                <a:schemeClr val="accent2">
+                  <a:lumMod val="75000"/>
+                  <a:alpha val="78000"/>
+                </a:schemeClr>
+              </a:gs>
+              <a:gs pos="100000">
+                <a:schemeClr val="tx2">
+                  <a:lumMod val="90000"/>
+                  <a:lumOff val="10000"/>
+                </a:schemeClr>
+              </a:gs>
+            </a:gsLst>
+            <a:lin ang="5400000" scaled="1"/>
+          </a:gradFill>
+        </p:spPr>
+        <p:style>
+          <a:lnRef idx="2">
+            <a:schemeClr val="accent1">
+              <a:shade val="50000"/>
+            </a:schemeClr>
+          </a:lnRef>
+          <a:fillRef idx="1">
+            <a:schemeClr val="accent1"/>
+          </a:fillRef>
+          <a:effectRef idx="0">
+            <a:schemeClr val="accent1"/>
+          </a:effectRef>
+          <a:fontRef idx="minor">
+            <a:schemeClr val="lt1"/>
+          </a:fontRef>
+        </p:style>
+        <p:txBody>
+          <a:bodyPr rtlCol="0" anchor="ctr"/>
+          <a:lstStyle/>
+          <a:p>
+            <a:pPr algn="ctr"/>
+            <a:endParaRPr lang="en-US"/>
+          </a:p>
+        </p:txBody>
+      </p:sp>
+      <p:sp>
+        <p:nvSpPr>
+          <p:cNvPr id="6" name="TextBox 5">
+            <a:extLst>
+              <a:ext uri="{FF2B5EF4-FFF2-40B4-BE49-F238E27FC236}">
+                <a16:creationId xmlns:a16="http://schemas.microsoft.com/office/drawing/2014/main" id="{1F08357F-A12F-4716-AAA2-AA867849CC72}"/>
+              </a:ext>
+            </a:extLst>
+          </p:cNvPr>
+          <p:cNvSpPr txBox="1"/>
+          <p:nvPr/>
+        </p:nvSpPr>
+        <p:spPr>
+          <a:xfrm>
+            <a:off x="731520" y="6583680"/>
+            <a:ext cx="4937760" cy="483880"/>
+          </a:xfrm>
+          <a:prstGeom prst="rect">
+            <a:avLst/>
+          </a:prstGeom>
+          <a:noFill/>
+        </p:spPr>
+        <p:txBody>
+          <a:bodyPr wrap="square" rtlCol="0">
+            <a:spAutoFit/>
+          </a:bodyPr>
+          <a:lstStyle/>
+          <a:p>
+            <a:r>
+              <a:rPr lang="en-US" dirty="0">
+                <a:solidFill>
+                  <a:schemeClr val="bg1"/>
+                </a:solidFill>
+                <a:latin typeface="Berlin Sans FB" panose="020E0602020502020306" pitchFamily="34" charset="0"/>
+              </a:rPr>
+              <a:t>GRAPH THEORY IN BOARD GAMES</a:t>
+            </a:r>
           </a:p>
         </p:txBody>
       </p:sp>
@@ -13163,13 +16257,6 @@
   <p:clrMapOvr>
     <a:masterClrMapping/>
   </p:clrMapOvr>
-  <p:timing>
-    <p:tnLst>
-      <p:par>
-        <p:cTn id="1" dur="indefinite" restart="never" nodeType="tmRoot"/>
-      </p:par>
-    </p:tnLst>
-  </p:timing>
 </p:sld>
 </file>
 
@@ -13195,7 +16282,7 @@
           <p:cNvPr id="2" name="Title 1">
             <a:extLst>
               <a:ext uri="{FF2B5EF4-FFF2-40B4-BE49-F238E27FC236}">
-                <a16:creationId xmlns:a16="http://schemas.microsoft.com/office/drawing/2014/main" xmlns="" id="{5D30DDF8-853A-DFDB-A947-FE9D44C8E03C}"/>
+                <a16:creationId xmlns:a16="http://schemas.microsoft.com/office/drawing/2014/main" id="{5D30DDF8-853A-DFDB-A947-FE9D44C8E03C}"/>
               </a:ext>
             </a:extLst>
           </p:cNvPr>
@@ -13252,7 +16339,7 @@
           <p:cNvPr id="3" name="Text Placeholder 2">
             <a:extLst>
               <a:ext uri="{FF2B5EF4-FFF2-40B4-BE49-F238E27FC236}">
-                <a16:creationId xmlns:a16="http://schemas.microsoft.com/office/drawing/2014/main" xmlns="" id="{F3FFBF10-3A6A-039D-96F3-6E61CA66CD1E}"/>
+                <a16:creationId xmlns:a16="http://schemas.microsoft.com/office/drawing/2014/main" id="{F3FFBF10-3A6A-039D-96F3-6E61CA66CD1E}"/>
               </a:ext>
             </a:extLst>
           </p:cNvPr>
@@ -13318,7 +16405,7 @@
           <p:cNvPr id="5" name="Picture 4">
             <a:extLst>
               <a:ext uri="{FF2B5EF4-FFF2-40B4-BE49-F238E27FC236}">
-                <a16:creationId xmlns:a16="http://schemas.microsoft.com/office/drawing/2014/main" xmlns="" id="{DF5E120D-8E2E-D414-9BE3-A68A099B210E}"/>
+                <a16:creationId xmlns:a16="http://schemas.microsoft.com/office/drawing/2014/main" id="{DF5E120D-8E2E-D414-9BE3-A68A099B210E}"/>
               </a:ext>
             </a:extLst>
           </p:cNvPr>
@@ -13353,7 +16440,7 @@
           <p:cNvPr id="7" name="Picture 6">
             <a:extLst>
               <a:ext uri="{FF2B5EF4-FFF2-40B4-BE49-F238E27FC236}">
-                <a16:creationId xmlns:a16="http://schemas.microsoft.com/office/drawing/2014/main" xmlns="" id="{5EC6C3A6-23EE-3547-4CDC-5D24A0A7D522}"/>
+                <a16:creationId xmlns:a16="http://schemas.microsoft.com/office/drawing/2014/main" id="{5EC6C3A6-23EE-3547-4CDC-5D24A0A7D522}"/>
               </a:ext>
             </a:extLst>
           </p:cNvPr>
@@ -13388,7 +16475,7 @@
           <p:cNvPr id="9" name="Picture 8">
             <a:extLst>
               <a:ext uri="{FF2B5EF4-FFF2-40B4-BE49-F238E27FC236}">
-                <a16:creationId xmlns:a16="http://schemas.microsoft.com/office/drawing/2014/main" xmlns="" id="{BCAA92A2-3C81-650B-7F86-D978F3483C08}"/>
+                <a16:creationId xmlns:a16="http://schemas.microsoft.com/office/drawing/2014/main" id="{BCAA92A2-3C81-650B-7F86-D978F3483C08}"/>
               </a:ext>
             </a:extLst>
           </p:cNvPr>
@@ -13423,7 +16510,7 @@
           <p:cNvPr id="13" name="Straight Arrow Connector 12">
             <a:extLst>
               <a:ext uri="{FF2B5EF4-FFF2-40B4-BE49-F238E27FC236}">
-                <a16:creationId xmlns:a16="http://schemas.microsoft.com/office/drawing/2014/main" xmlns="" id="{0CF5CAB6-3C22-9FEC-7E1E-7B91C8E5761F}"/>
+                <a16:creationId xmlns:a16="http://schemas.microsoft.com/office/drawing/2014/main" id="{0CF5CAB6-3C22-9FEC-7E1E-7B91C8E5761F}"/>
               </a:ext>
             </a:extLst>
           </p:cNvPr>
@@ -13467,7 +16554,7 @@
           <p:cNvPr id="14" name="Straight Arrow Connector 13">
             <a:extLst>
               <a:ext uri="{FF2B5EF4-FFF2-40B4-BE49-F238E27FC236}">
-                <a16:creationId xmlns:a16="http://schemas.microsoft.com/office/drawing/2014/main" xmlns="" id="{1CCF16B9-A09E-4470-2324-7D202860F263}"/>
+                <a16:creationId xmlns:a16="http://schemas.microsoft.com/office/drawing/2014/main" id="{1CCF16B9-A09E-4470-2324-7D202860F263}"/>
               </a:ext>
             </a:extLst>
           </p:cNvPr>
@@ -13514,7 +16601,7 @@
           <p:cNvPr id="4" name="Straight Arrow Connector 3">
             <a:extLst>
               <a:ext uri="{FF2B5EF4-FFF2-40B4-BE49-F238E27FC236}">
-                <a16:creationId xmlns:a16="http://schemas.microsoft.com/office/drawing/2014/main" xmlns="" id="{98ADD665-6FC6-CEB4-6D76-8C26111BF116}"/>
+                <a16:creationId xmlns:a16="http://schemas.microsoft.com/office/drawing/2014/main" id="{98ADD665-6FC6-CEB4-6D76-8C26111BF116}"/>
               </a:ext>
             </a:extLst>
           </p:cNvPr>
@@ -13558,7 +16645,7 @@
           <p:cNvPr id="6" name="Straight Arrow Connector 5">
             <a:extLst>
               <a:ext uri="{FF2B5EF4-FFF2-40B4-BE49-F238E27FC236}">
-                <a16:creationId xmlns:a16="http://schemas.microsoft.com/office/drawing/2014/main" xmlns="" id="{3C0F131E-E90A-3652-2E94-739BA4B3AD14}"/>
+                <a16:creationId xmlns:a16="http://schemas.microsoft.com/office/drawing/2014/main" id="{3C0F131E-E90A-3652-2E94-739BA4B3AD14}"/>
               </a:ext>
             </a:extLst>
           </p:cNvPr>
@@ -13602,7 +16689,7 @@
           <p:cNvPr id="8" name="Straight Arrow Connector 7">
             <a:extLst>
               <a:ext uri="{FF2B5EF4-FFF2-40B4-BE49-F238E27FC236}">
-                <a16:creationId xmlns:a16="http://schemas.microsoft.com/office/drawing/2014/main" xmlns="" id="{953C8946-F2DA-9D06-E8E1-65ED0C5F25D8}"/>
+                <a16:creationId xmlns:a16="http://schemas.microsoft.com/office/drawing/2014/main" id="{953C8946-F2DA-9D06-E8E1-65ED0C5F25D8}"/>
               </a:ext>
             </a:extLst>
           </p:cNvPr>
@@ -13649,7 +16736,7 @@
           <p:cNvPr id="10" name="Straight Arrow Connector 9">
             <a:extLst>
               <a:ext uri="{FF2B5EF4-FFF2-40B4-BE49-F238E27FC236}">
-                <a16:creationId xmlns:a16="http://schemas.microsoft.com/office/drawing/2014/main" xmlns="" id="{73A92731-B2F7-2195-B2DA-1A6401977BE5}"/>
+                <a16:creationId xmlns:a16="http://schemas.microsoft.com/office/drawing/2014/main" id="{73A92731-B2F7-2195-B2DA-1A6401977BE5}"/>
               </a:ext>
             </a:extLst>
           </p:cNvPr>
@@ -13696,7 +16783,7 @@
           <p:cNvPr id="11" name="TextBox 10">
             <a:extLst>
               <a:ext uri="{FF2B5EF4-FFF2-40B4-BE49-F238E27FC236}">
-                <a16:creationId xmlns:a16="http://schemas.microsoft.com/office/drawing/2014/main" xmlns="" id="{25E40C69-AAB7-773A-3E63-8815E4C667BB}"/>
+                <a16:creationId xmlns:a16="http://schemas.microsoft.com/office/drawing/2014/main" id="{25E40C69-AAB7-773A-3E63-8815E4C667BB}"/>
               </a:ext>
             </a:extLst>
           </p:cNvPr>
@@ -13737,7 +16824,7 @@
           <p:cNvPr id="12" name="TextBox 11">
             <a:extLst>
               <a:ext uri="{FF2B5EF4-FFF2-40B4-BE49-F238E27FC236}">
-                <a16:creationId xmlns:a16="http://schemas.microsoft.com/office/drawing/2014/main" xmlns="" id="{C2D554D5-ACAF-44BE-A0AE-5FAD5C39073F}"/>
+                <a16:creationId xmlns:a16="http://schemas.microsoft.com/office/drawing/2014/main" id="{C2D554D5-ACAF-44BE-A0AE-5FAD5C39073F}"/>
               </a:ext>
             </a:extLst>
           </p:cNvPr>
@@ -13769,6 +16856,173 @@
                 </a:solidFill>
               </a:rPr>
               <a:t>vertex</a:t>
+            </a:r>
+          </a:p>
+        </p:txBody>
+      </p:sp>
+      <p:sp>
+        <p:nvSpPr>
+          <p:cNvPr id="15" name="Rectangle 14">
+            <a:extLst>
+              <a:ext uri="{FF2B5EF4-FFF2-40B4-BE49-F238E27FC236}">
+                <a16:creationId xmlns:a16="http://schemas.microsoft.com/office/drawing/2014/main" id="{6958D139-95CF-496F-A912-A4BE84EC4C55}"/>
+              </a:ext>
+            </a:extLst>
+          </p:cNvPr>
+          <p:cNvSpPr/>
+          <p:nvPr/>
+        </p:nvSpPr>
+        <p:spPr>
+          <a:xfrm>
+            <a:off x="-6353" y="-10379"/>
+            <a:ext cx="12192000" cy="264160"/>
+          </a:xfrm>
+          <a:prstGeom prst="rect">
+            <a:avLst/>
+          </a:prstGeom>
+          <a:gradFill flip="none" rotWithShape="0">
+            <a:gsLst>
+              <a:gs pos="0">
+                <a:schemeClr val="accent2">
+                  <a:lumMod val="75000"/>
+                  <a:alpha val="80000"/>
+                </a:schemeClr>
+              </a:gs>
+              <a:gs pos="100000">
+                <a:schemeClr val="tx2">
+                  <a:lumMod val="90000"/>
+                  <a:lumOff val="10000"/>
+                </a:schemeClr>
+              </a:gs>
+            </a:gsLst>
+            <a:lin ang="5400000" scaled="1"/>
+            <a:tileRect/>
+          </a:gradFill>
+        </p:spPr>
+        <p:style>
+          <a:lnRef idx="2">
+            <a:schemeClr val="accent1">
+              <a:shade val="50000"/>
+            </a:schemeClr>
+          </a:lnRef>
+          <a:fillRef idx="1">
+            <a:schemeClr val="accent1"/>
+          </a:fillRef>
+          <a:effectRef idx="0">
+            <a:schemeClr val="accent1"/>
+          </a:effectRef>
+          <a:fontRef idx="minor">
+            <a:schemeClr val="lt1"/>
+          </a:fontRef>
+        </p:style>
+        <p:txBody>
+          <a:bodyPr rtlCol="0" anchor="ctr"/>
+          <a:lstStyle/>
+          <a:p>
+            <a:pPr algn="ctr"/>
+            <a:endParaRPr lang="en-US"/>
+          </a:p>
+        </p:txBody>
+      </p:sp>
+      <p:sp>
+        <p:nvSpPr>
+          <p:cNvPr id="16" name="Rectangle 15">
+            <a:extLst>
+              <a:ext uri="{FF2B5EF4-FFF2-40B4-BE49-F238E27FC236}">
+                <a16:creationId xmlns:a16="http://schemas.microsoft.com/office/drawing/2014/main" id="{9723E3C9-8253-41FB-970E-D4AF8562FCB1}"/>
+              </a:ext>
+            </a:extLst>
+          </p:cNvPr>
+          <p:cNvSpPr/>
+          <p:nvPr/>
+        </p:nvSpPr>
+        <p:spPr>
+          <a:xfrm>
+            <a:off x="-1" y="6681029"/>
+            <a:ext cx="12192000" cy="264159"/>
+          </a:xfrm>
+          <a:prstGeom prst="rect">
+            <a:avLst/>
+          </a:prstGeom>
+          <a:gradFill>
+            <a:gsLst>
+              <a:gs pos="4000">
+                <a:schemeClr val="accent2">
+                  <a:lumMod val="75000"/>
+                  <a:alpha val="78000"/>
+                </a:schemeClr>
+              </a:gs>
+              <a:gs pos="100000">
+                <a:schemeClr val="tx2">
+                  <a:lumMod val="90000"/>
+                  <a:lumOff val="10000"/>
+                </a:schemeClr>
+              </a:gs>
+            </a:gsLst>
+            <a:lin ang="5400000" scaled="1"/>
+          </a:gradFill>
+        </p:spPr>
+        <p:style>
+          <a:lnRef idx="2">
+            <a:schemeClr val="accent1">
+              <a:shade val="50000"/>
+            </a:schemeClr>
+          </a:lnRef>
+          <a:fillRef idx="1">
+            <a:schemeClr val="accent1"/>
+          </a:fillRef>
+          <a:effectRef idx="0">
+            <a:schemeClr val="accent1"/>
+          </a:effectRef>
+          <a:fontRef idx="minor">
+            <a:schemeClr val="lt1"/>
+          </a:fontRef>
+        </p:style>
+        <p:txBody>
+          <a:bodyPr rtlCol="0" anchor="ctr"/>
+          <a:lstStyle/>
+          <a:p>
+            <a:pPr algn="ctr"/>
+            <a:endParaRPr lang="en-US"/>
+          </a:p>
+        </p:txBody>
+      </p:sp>
+      <p:sp>
+        <p:nvSpPr>
+          <p:cNvPr id="17" name="TextBox 16">
+            <a:extLst>
+              <a:ext uri="{FF2B5EF4-FFF2-40B4-BE49-F238E27FC236}">
+                <a16:creationId xmlns:a16="http://schemas.microsoft.com/office/drawing/2014/main" id="{0BD4F27F-4C7C-40DE-A27C-7171FB2D6064}"/>
+              </a:ext>
+            </a:extLst>
+          </p:cNvPr>
+          <p:cNvSpPr txBox="1"/>
+          <p:nvPr/>
+        </p:nvSpPr>
+        <p:spPr>
+          <a:xfrm>
+            <a:off x="731520" y="6583680"/>
+            <a:ext cx="4937760" cy="483880"/>
+          </a:xfrm>
+          <a:prstGeom prst="rect">
+            <a:avLst/>
+          </a:prstGeom>
+          <a:noFill/>
+        </p:spPr>
+        <p:txBody>
+          <a:bodyPr wrap="square" rtlCol="0">
+            <a:spAutoFit/>
+          </a:bodyPr>
+          <a:lstStyle/>
+          <a:p>
+            <a:r>
+              <a:rPr lang="en-US" dirty="0">
+                <a:solidFill>
+                  <a:schemeClr val="bg1"/>
+                </a:solidFill>
+                <a:latin typeface="Berlin Sans FB" panose="020E0602020502020306" pitchFamily="34" charset="0"/>
+              </a:rPr>
+              <a:t>GRAPH THEORY IN BOARD GAMES</a:t>
             </a:r>
           </a:p>
         </p:txBody>
@@ -13783,13 +17037,6 @@
   <p:clrMapOvr>
     <a:masterClrMapping/>
   </p:clrMapOvr>
-  <p:timing>
-    <p:tnLst>
-      <p:par>
-        <p:cTn id="1" dur="indefinite" restart="never" nodeType="tmRoot"/>
-      </p:par>
-    </p:tnLst>
-  </p:timing>
 </p:sld>
 </file>
 
@@ -14167,6 +17414,173 @@
           </a:p>
         </p:txBody>
       </p:sp>
+      <p:sp>
+        <p:nvSpPr>
+          <p:cNvPr id="13" name="Rectangle 12">
+            <a:extLst>
+              <a:ext uri="{FF2B5EF4-FFF2-40B4-BE49-F238E27FC236}">
+                <a16:creationId xmlns:a16="http://schemas.microsoft.com/office/drawing/2014/main" id="{EB57B5F3-A555-484F-9F1C-44A7EF042494}"/>
+              </a:ext>
+            </a:extLst>
+          </p:cNvPr>
+          <p:cNvSpPr/>
+          <p:nvPr/>
+        </p:nvSpPr>
+        <p:spPr>
+          <a:xfrm>
+            <a:off x="-1" y="0"/>
+            <a:ext cx="12192000" cy="264160"/>
+          </a:xfrm>
+          <a:prstGeom prst="rect">
+            <a:avLst/>
+          </a:prstGeom>
+          <a:gradFill flip="none" rotWithShape="0">
+            <a:gsLst>
+              <a:gs pos="0">
+                <a:schemeClr val="accent2">
+                  <a:lumMod val="75000"/>
+                  <a:alpha val="80000"/>
+                </a:schemeClr>
+              </a:gs>
+              <a:gs pos="100000">
+                <a:schemeClr val="tx2">
+                  <a:lumMod val="90000"/>
+                  <a:lumOff val="10000"/>
+                </a:schemeClr>
+              </a:gs>
+            </a:gsLst>
+            <a:lin ang="5400000" scaled="1"/>
+            <a:tileRect/>
+          </a:gradFill>
+        </p:spPr>
+        <p:style>
+          <a:lnRef idx="2">
+            <a:schemeClr val="accent1">
+              <a:shade val="50000"/>
+            </a:schemeClr>
+          </a:lnRef>
+          <a:fillRef idx="1">
+            <a:schemeClr val="accent1"/>
+          </a:fillRef>
+          <a:effectRef idx="0">
+            <a:schemeClr val="accent1"/>
+          </a:effectRef>
+          <a:fontRef idx="minor">
+            <a:schemeClr val="lt1"/>
+          </a:fontRef>
+        </p:style>
+        <p:txBody>
+          <a:bodyPr rtlCol="0" anchor="ctr"/>
+          <a:lstStyle/>
+          <a:p>
+            <a:pPr algn="ctr"/>
+            <a:endParaRPr lang="en-US"/>
+          </a:p>
+        </p:txBody>
+      </p:sp>
+      <p:sp>
+        <p:nvSpPr>
+          <p:cNvPr id="14" name="Rectangle 13">
+            <a:extLst>
+              <a:ext uri="{FF2B5EF4-FFF2-40B4-BE49-F238E27FC236}">
+                <a16:creationId xmlns:a16="http://schemas.microsoft.com/office/drawing/2014/main" id="{13C113DF-2BFC-4960-B193-0B944C5847D7}"/>
+              </a:ext>
+            </a:extLst>
+          </p:cNvPr>
+          <p:cNvSpPr/>
+          <p:nvPr/>
+        </p:nvSpPr>
+        <p:spPr>
+          <a:xfrm>
+            <a:off x="-1" y="6660709"/>
+            <a:ext cx="12192000" cy="264159"/>
+          </a:xfrm>
+          <a:prstGeom prst="rect">
+            <a:avLst/>
+          </a:prstGeom>
+          <a:gradFill>
+            <a:gsLst>
+              <a:gs pos="4000">
+                <a:schemeClr val="accent2">
+                  <a:lumMod val="75000"/>
+                  <a:alpha val="78000"/>
+                </a:schemeClr>
+              </a:gs>
+              <a:gs pos="100000">
+                <a:schemeClr val="tx2">
+                  <a:lumMod val="90000"/>
+                  <a:lumOff val="10000"/>
+                </a:schemeClr>
+              </a:gs>
+            </a:gsLst>
+            <a:lin ang="5400000" scaled="1"/>
+          </a:gradFill>
+        </p:spPr>
+        <p:style>
+          <a:lnRef idx="2">
+            <a:schemeClr val="accent1">
+              <a:shade val="50000"/>
+            </a:schemeClr>
+          </a:lnRef>
+          <a:fillRef idx="1">
+            <a:schemeClr val="accent1"/>
+          </a:fillRef>
+          <a:effectRef idx="0">
+            <a:schemeClr val="accent1"/>
+          </a:effectRef>
+          <a:fontRef idx="minor">
+            <a:schemeClr val="lt1"/>
+          </a:fontRef>
+        </p:style>
+        <p:txBody>
+          <a:bodyPr rtlCol="0" anchor="ctr"/>
+          <a:lstStyle/>
+          <a:p>
+            <a:pPr algn="ctr"/>
+            <a:endParaRPr lang="en-US"/>
+          </a:p>
+        </p:txBody>
+      </p:sp>
+      <p:sp>
+        <p:nvSpPr>
+          <p:cNvPr id="15" name="TextBox 14">
+            <a:extLst>
+              <a:ext uri="{FF2B5EF4-FFF2-40B4-BE49-F238E27FC236}">
+                <a16:creationId xmlns:a16="http://schemas.microsoft.com/office/drawing/2014/main" id="{707A5105-7EDD-4264-853A-6515C5AB3771}"/>
+              </a:ext>
+            </a:extLst>
+          </p:cNvPr>
+          <p:cNvSpPr txBox="1"/>
+          <p:nvPr/>
+        </p:nvSpPr>
+        <p:spPr>
+          <a:xfrm>
+            <a:off x="731520" y="6583680"/>
+            <a:ext cx="4937760" cy="483880"/>
+          </a:xfrm>
+          <a:prstGeom prst="rect">
+            <a:avLst/>
+          </a:prstGeom>
+          <a:noFill/>
+        </p:spPr>
+        <p:txBody>
+          <a:bodyPr wrap="square" rtlCol="0">
+            <a:spAutoFit/>
+          </a:bodyPr>
+          <a:lstStyle/>
+          <a:p>
+            <a:r>
+              <a:rPr lang="en-US" dirty="0">
+                <a:solidFill>
+                  <a:schemeClr val="bg1"/>
+                </a:solidFill>
+                <a:latin typeface="Berlin Sans FB" panose="020E0602020502020306" pitchFamily="34" charset="0"/>
+              </a:rPr>
+              <a:t>GRAPH THEORY IN BOARD GAMES</a:t>
+            </a:r>
+          </a:p>
+        </p:txBody>
+      </p:sp>
     </p:spTree>
     <p:extLst>
       <p:ext uri="{BB962C8B-B14F-4D97-AF65-F5344CB8AC3E}">
@@ -14177,13 +17591,6 @@
   <p:clrMapOvr>
     <a:masterClrMapping/>
   </p:clrMapOvr>
-  <p:timing>
-    <p:tnLst>
-      <p:par>
-        <p:cTn id="1" dur="indefinite" restart="never" nodeType="tmRoot"/>
-      </p:par>
-    </p:tnLst>
-  </p:timing>
 </p:sld>
 </file>
 
@@ -14513,6 +17920,173 @@
           </a:prstGeom>
         </p:spPr>
       </p:pic>
+      <p:sp>
+        <p:nvSpPr>
+          <p:cNvPr id="8" name="Rectangle 7">
+            <a:extLst>
+              <a:ext uri="{FF2B5EF4-FFF2-40B4-BE49-F238E27FC236}">
+                <a16:creationId xmlns:a16="http://schemas.microsoft.com/office/drawing/2014/main" id="{4DB2F94A-701C-47C1-BA55-5596DCFD2068}"/>
+              </a:ext>
+            </a:extLst>
+          </p:cNvPr>
+          <p:cNvSpPr/>
+          <p:nvPr/>
+        </p:nvSpPr>
+        <p:spPr>
+          <a:xfrm>
+            <a:off x="-1" y="-204656"/>
+            <a:ext cx="12192000" cy="264160"/>
+          </a:xfrm>
+          <a:prstGeom prst="rect">
+            <a:avLst/>
+          </a:prstGeom>
+          <a:gradFill flip="none" rotWithShape="0">
+            <a:gsLst>
+              <a:gs pos="0">
+                <a:schemeClr val="accent2">
+                  <a:lumMod val="75000"/>
+                  <a:alpha val="80000"/>
+                </a:schemeClr>
+              </a:gs>
+              <a:gs pos="100000">
+                <a:schemeClr val="tx2">
+                  <a:lumMod val="90000"/>
+                  <a:lumOff val="10000"/>
+                </a:schemeClr>
+              </a:gs>
+            </a:gsLst>
+            <a:lin ang="5400000" scaled="1"/>
+            <a:tileRect/>
+          </a:gradFill>
+        </p:spPr>
+        <p:style>
+          <a:lnRef idx="2">
+            <a:schemeClr val="accent1">
+              <a:shade val="50000"/>
+            </a:schemeClr>
+          </a:lnRef>
+          <a:fillRef idx="1">
+            <a:schemeClr val="accent1"/>
+          </a:fillRef>
+          <a:effectRef idx="0">
+            <a:schemeClr val="accent1"/>
+          </a:effectRef>
+          <a:fontRef idx="minor">
+            <a:schemeClr val="lt1"/>
+          </a:fontRef>
+        </p:style>
+        <p:txBody>
+          <a:bodyPr rtlCol="0" anchor="ctr"/>
+          <a:lstStyle/>
+          <a:p>
+            <a:pPr algn="ctr"/>
+            <a:endParaRPr lang="en-US"/>
+          </a:p>
+        </p:txBody>
+      </p:sp>
+      <p:sp>
+        <p:nvSpPr>
+          <p:cNvPr id="9" name="Rectangle 8">
+            <a:extLst>
+              <a:ext uri="{FF2B5EF4-FFF2-40B4-BE49-F238E27FC236}">
+                <a16:creationId xmlns:a16="http://schemas.microsoft.com/office/drawing/2014/main" id="{BAB2A915-02B7-4FED-A54D-194EA0EB2284}"/>
+              </a:ext>
+            </a:extLst>
+          </p:cNvPr>
+          <p:cNvSpPr/>
+          <p:nvPr/>
+        </p:nvSpPr>
+        <p:spPr>
+          <a:xfrm>
+            <a:off x="-1" y="6660709"/>
+            <a:ext cx="12192000" cy="264159"/>
+          </a:xfrm>
+          <a:prstGeom prst="rect">
+            <a:avLst/>
+          </a:prstGeom>
+          <a:gradFill>
+            <a:gsLst>
+              <a:gs pos="4000">
+                <a:schemeClr val="accent2">
+                  <a:lumMod val="75000"/>
+                  <a:alpha val="78000"/>
+                </a:schemeClr>
+              </a:gs>
+              <a:gs pos="100000">
+                <a:schemeClr val="tx2">
+                  <a:lumMod val="90000"/>
+                  <a:lumOff val="10000"/>
+                </a:schemeClr>
+              </a:gs>
+            </a:gsLst>
+            <a:lin ang="5400000" scaled="1"/>
+          </a:gradFill>
+        </p:spPr>
+        <p:style>
+          <a:lnRef idx="2">
+            <a:schemeClr val="accent1">
+              <a:shade val="50000"/>
+            </a:schemeClr>
+          </a:lnRef>
+          <a:fillRef idx="1">
+            <a:schemeClr val="accent1"/>
+          </a:fillRef>
+          <a:effectRef idx="0">
+            <a:schemeClr val="accent1"/>
+          </a:effectRef>
+          <a:fontRef idx="minor">
+            <a:schemeClr val="lt1"/>
+          </a:fontRef>
+        </p:style>
+        <p:txBody>
+          <a:bodyPr rtlCol="0" anchor="ctr"/>
+          <a:lstStyle/>
+          <a:p>
+            <a:pPr algn="ctr"/>
+            <a:endParaRPr lang="en-US"/>
+          </a:p>
+        </p:txBody>
+      </p:sp>
+      <p:sp>
+        <p:nvSpPr>
+          <p:cNvPr id="10" name="TextBox 9">
+            <a:extLst>
+              <a:ext uri="{FF2B5EF4-FFF2-40B4-BE49-F238E27FC236}">
+                <a16:creationId xmlns:a16="http://schemas.microsoft.com/office/drawing/2014/main" id="{47A2BF34-5143-484F-A002-B542AA9F4C47}"/>
+              </a:ext>
+            </a:extLst>
+          </p:cNvPr>
+          <p:cNvSpPr txBox="1"/>
+          <p:nvPr/>
+        </p:nvSpPr>
+        <p:spPr>
+          <a:xfrm>
+            <a:off x="731520" y="6583680"/>
+            <a:ext cx="4937760" cy="483880"/>
+          </a:xfrm>
+          <a:prstGeom prst="rect">
+            <a:avLst/>
+          </a:prstGeom>
+          <a:noFill/>
+        </p:spPr>
+        <p:txBody>
+          <a:bodyPr wrap="square" rtlCol="0">
+            <a:spAutoFit/>
+          </a:bodyPr>
+          <a:lstStyle/>
+          <a:p>
+            <a:r>
+              <a:rPr lang="en-US" dirty="0">
+                <a:solidFill>
+                  <a:schemeClr val="bg1"/>
+                </a:solidFill>
+                <a:latin typeface="Berlin Sans FB" panose="020E0602020502020306" pitchFamily="34" charset="0"/>
+              </a:rPr>
+              <a:t>GRAPH THEORY IN BOARD GAMES</a:t>
+            </a:r>
+          </a:p>
+        </p:txBody>
+      </p:sp>
     </p:spTree>
     <p:extLst>
       <p:ext uri="{BB962C8B-B14F-4D97-AF65-F5344CB8AC3E}">
@@ -14523,13 +18097,6 @@
   <p:clrMapOvr>
     <a:masterClrMapping/>
   </p:clrMapOvr>
-  <p:timing>
-    <p:tnLst>
-      <p:par>
-        <p:cTn id="1" dur="indefinite" restart="never" nodeType="tmRoot"/>
-      </p:par>
-    </p:tnLst>
-  </p:timing>
 </p:sld>
 </file>
 
@@ -14555,7 +18122,7 @@
           <p:cNvPr id="2" name="Title 1">
             <a:extLst>
               <a:ext uri="{FF2B5EF4-FFF2-40B4-BE49-F238E27FC236}">
-                <a16:creationId xmlns:a16="http://schemas.microsoft.com/office/drawing/2014/main" xmlns="" id="{5D30DDF8-853A-DFDB-A947-FE9D44C8E03C}"/>
+                <a16:creationId xmlns:a16="http://schemas.microsoft.com/office/drawing/2014/main" id="{5D30DDF8-853A-DFDB-A947-FE9D44C8E03C}"/>
               </a:ext>
             </a:extLst>
           </p:cNvPr>
@@ -14612,7 +18179,7 @@
           <p:cNvPr id="3" name="Text Placeholder 2">
             <a:extLst>
               <a:ext uri="{FF2B5EF4-FFF2-40B4-BE49-F238E27FC236}">
-                <a16:creationId xmlns:a16="http://schemas.microsoft.com/office/drawing/2014/main" xmlns="" id="{F3FFBF10-3A6A-039D-96F3-6E61CA66CD1E}"/>
+                <a16:creationId xmlns:a16="http://schemas.microsoft.com/office/drawing/2014/main" id="{F3FFBF10-3A6A-039D-96F3-6E61CA66CD1E}"/>
               </a:ext>
             </a:extLst>
           </p:cNvPr>
@@ -14678,7 +18245,7 @@
           <p:cNvPr id="5" name="Picture 4">
             <a:extLst>
               <a:ext uri="{FF2B5EF4-FFF2-40B4-BE49-F238E27FC236}">
-                <a16:creationId xmlns:a16="http://schemas.microsoft.com/office/drawing/2014/main" xmlns="" id="{DF5E120D-8E2E-D414-9BE3-A68A099B210E}"/>
+                <a16:creationId xmlns:a16="http://schemas.microsoft.com/office/drawing/2014/main" id="{DF5E120D-8E2E-D414-9BE3-A68A099B210E}"/>
               </a:ext>
             </a:extLst>
           </p:cNvPr>
@@ -14713,7 +18280,7 @@
           <p:cNvPr id="7" name="Picture 6">
             <a:extLst>
               <a:ext uri="{FF2B5EF4-FFF2-40B4-BE49-F238E27FC236}">
-                <a16:creationId xmlns:a16="http://schemas.microsoft.com/office/drawing/2014/main" xmlns="" id="{5EC6C3A6-23EE-3547-4CDC-5D24A0A7D522}"/>
+                <a16:creationId xmlns:a16="http://schemas.microsoft.com/office/drawing/2014/main" id="{5EC6C3A6-23EE-3547-4CDC-5D24A0A7D522}"/>
               </a:ext>
             </a:extLst>
           </p:cNvPr>
@@ -14748,7 +18315,7 @@
           <p:cNvPr id="9" name="Picture 8">
             <a:extLst>
               <a:ext uri="{FF2B5EF4-FFF2-40B4-BE49-F238E27FC236}">
-                <a16:creationId xmlns:a16="http://schemas.microsoft.com/office/drawing/2014/main" xmlns="" id="{BCAA92A2-3C81-650B-7F86-D978F3483C08}"/>
+                <a16:creationId xmlns:a16="http://schemas.microsoft.com/office/drawing/2014/main" id="{BCAA92A2-3C81-650B-7F86-D978F3483C08}"/>
               </a:ext>
             </a:extLst>
           </p:cNvPr>
@@ -14783,7 +18350,7 @@
           <p:cNvPr id="13" name="Straight Arrow Connector 12">
             <a:extLst>
               <a:ext uri="{FF2B5EF4-FFF2-40B4-BE49-F238E27FC236}">
-                <a16:creationId xmlns:a16="http://schemas.microsoft.com/office/drawing/2014/main" xmlns="" id="{0CF5CAB6-3C22-9FEC-7E1E-7B91C8E5761F}"/>
+                <a16:creationId xmlns:a16="http://schemas.microsoft.com/office/drawing/2014/main" id="{0CF5CAB6-3C22-9FEC-7E1E-7B91C8E5761F}"/>
               </a:ext>
             </a:extLst>
           </p:cNvPr>
@@ -14827,7 +18394,7 @@
           <p:cNvPr id="14" name="Straight Arrow Connector 13">
             <a:extLst>
               <a:ext uri="{FF2B5EF4-FFF2-40B4-BE49-F238E27FC236}">
-                <a16:creationId xmlns:a16="http://schemas.microsoft.com/office/drawing/2014/main" xmlns="" id="{1CCF16B9-A09E-4470-2324-7D202860F263}"/>
+                <a16:creationId xmlns:a16="http://schemas.microsoft.com/office/drawing/2014/main" id="{1CCF16B9-A09E-4470-2324-7D202860F263}"/>
               </a:ext>
             </a:extLst>
           </p:cNvPr>
@@ -14874,7 +18441,7 @@
           <p:cNvPr id="4" name="Straight Arrow Connector 3">
             <a:extLst>
               <a:ext uri="{FF2B5EF4-FFF2-40B4-BE49-F238E27FC236}">
-                <a16:creationId xmlns:a16="http://schemas.microsoft.com/office/drawing/2014/main" xmlns="" id="{98ADD665-6FC6-CEB4-6D76-8C26111BF116}"/>
+                <a16:creationId xmlns:a16="http://schemas.microsoft.com/office/drawing/2014/main" id="{98ADD665-6FC6-CEB4-6D76-8C26111BF116}"/>
               </a:ext>
             </a:extLst>
           </p:cNvPr>
@@ -14918,7 +18485,7 @@
           <p:cNvPr id="6" name="Straight Arrow Connector 5">
             <a:extLst>
               <a:ext uri="{FF2B5EF4-FFF2-40B4-BE49-F238E27FC236}">
-                <a16:creationId xmlns:a16="http://schemas.microsoft.com/office/drawing/2014/main" xmlns="" id="{3C0F131E-E90A-3652-2E94-739BA4B3AD14}"/>
+                <a16:creationId xmlns:a16="http://schemas.microsoft.com/office/drawing/2014/main" id="{3C0F131E-E90A-3652-2E94-739BA4B3AD14}"/>
               </a:ext>
             </a:extLst>
           </p:cNvPr>
@@ -14962,7 +18529,7 @@
           <p:cNvPr id="8" name="Straight Arrow Connector 7">
             <a:extLst>
               <a:ext uri="{FF2B5EF4-FFF2-40B4-BE49-F238E27FC236}">
-                <a16:creationId xmlns:a16="http://schemas.microsoft.com/office/drawing/2014/main" xmlns="" id="{953C8946-F2DA-9D06-E8E1-65ED0C5F25D8}"/>
+                <a16:creationId xmlns:a16="http://schemas.microsoft.com/office/drawing/2014/main" id="{953C8946-F2DA-9D06-E8E1-65ED0C5F25D8}"/>
               </a:ext>
             </a:extLst>
           </p:cNvPr>
@@ -15009,7 +18576,7 @@
           <p:cNvPr id="10" name="Straight Arrow Connector 9">
             <a:extLst>
               <a:ext uri="{FF2B5EF4-FFF2-40B4-BE49-F238E27FC236}">
-                <a16:creationId xmlns:a16="http://schemas.microsoft.com/office/drawing/2014/main" xmlns="" id="{73A92731-B2F7-2195-B2DA-1A6401977BE5}"/>
+                <a16:creationId xmlns:a16="http://schemas.microsoft.com/office/drawing/2014/main" id="{73A92731-B2F7-2195-B2DA-1A6401977BE5}"/>
               </a:ext>
             </a:extLst>
           </p:cNvPr>
@@ -15056,7 +18623,7 @@
           <p:cNvPr id="11" name="TextBox 10">
             <a:extLst>
               <a:ext uri="{FF2B5EF4-FFF2-40B4-BE49-F238E27FC236}">
-                <a16:creationId xmlns:a16="http://schemas.microsoft.com/office/drawing/2014/main" xmlns="" id="{25E40C69-AAB7-773A-3E63-8815E4C667BB}"/>
+                <a16:creationId xmlns:a16="http://schemas.microsoft.com/office/drawing/2014/main" id="{25E40C69-AAB7-773A-3E63-8815E4C667BB}"/>
               </a:ext>
             </a:extLst>
           </p:cNvPr>
@@ -15097,7 +18664,7 @@
           <p:cNvPr id="12" name="TextBox 11">
             <a:extLst>
               <a:ext uri="{FF2B5EF4-FFF2-40B4-BE49-F238E27FC236}">
-                <a16:creationId xmlns:a16="http://schemas.microsoft.com/office/drawing/2014/main" xmlns="" id="{C2D554D5-ACAF-44BE-A0AE-5FAD5C39073F}"/>
+                <a16:creationId xmlns:a16="http://schemas.microsoft.com/office/drawing/2014/main" id="{C2D554D5-ACAF-44BE-A0AE-5FAD5C39073F}"/>
               </a:ext>
             </a:extLst>
           </p:cNvPr>
@@ -15138,7 +18705,7 @@
           <p:cNvPr id="16" name="Straight Connector 15">
             <a:extLst>
               <a:ext uri="{FF2B5EF4-FFF2-40B4-BE49-F238E27FC236}">
-                <a16:creationId xmlns:a16="http://schemas.microsoft.com/office/drawing/2014/main" xmlns="" id="{ACDAADC2-F7E7-2AB3-8431-833234F0D948}"/>
+                <a16:creationId xmlns:a16="http://schemas.microsoft.com/office/drawing/2014/main" id="{ACDAADC2-F7E7-2AB3-8431-833234F0D948}"/>
               </a:ext>
             </a:extLst>
           </p:cNvPr>
@@ -15181,7 +18748,7 @@
           <p:cNvPr id="19" name="Straight Connector 18">
             <a:extLst>
               <a:ext uri="{FF2B5EF4-FFF2-40B4-BE49-F238E27FC236}">
-                <a16:creationId xmlns:a16="http://schemas.microsoft.com/office/drawing/2014/main" xmlns="" id="{1D3114F2-3799-D088-0DA0-DE82349A782F}"/>
+                <a16:creationId xmlns:a16="http://schemas.microsoft.com/office/drawing/2014/main" id="{1D3114F2-3799-D088-0DA0-DE82349A782F}"/>
               </a:ext>
             </a:extLst>
           </p:cNvPr>
@@ -15224,7 +18791,7 @@
           <p:cNvPr id="22" name="TextBox 21">
             <a:extLst>
               <a:ext uri="{FF2B5EF4-FFF2-40B4-BE49-F238E27FC236}">
-                <a16:creationId xmlns:a16="http://schemas.microsoft.com/office/drawing/2014/main" xmlns="" id="{46B7EA58-223A-76DA-904C-B127A21679D7}"/>
+                <a16:creationId xmlns:a16="http://schemas.microsoft.com/office/drawing/2014/main" id="{46B7EA58-223A-76DA-904C-B127A21679D7}"/>
               </a:ext>
             </a:extLst>
           </p:cNvPr>
@@ -15256,6 +18823,173 @@
             <a:r>
               <a:rPr lang="en-US" dirty="0"/>
               <a:t>(n(n-1))/2</a:t>
+            </a:r>
+          </a:p>
+        </p:txBody>
+      </p:sp>
+      <p:sp>
+        <p:nvSpPr>
+          <p:cNvPr id="18" name="Rectangle 17">
+            <a:extLst>
+              <a:ext uri="{FF2B5EF4-FFF2-40B4-BE49-F238E27FC236}">
+                <a16:creationId xmlns:a16="http://schemas.microsoft.com/office/drawing/2014/main" id="{40426A74-F659-4275-BA85-5830E3F96E2D}"/>
+              </a:ext>
+            </a:extLst>
+          </p:cNvPr>
+          <p:cNvSpPr/>
+          <p:nvPr/>
+        </p:nvSpPr>
+        <p:spPr>
+          <a:xfrm>
+            <a:off x="-1" y="0"/>
+            <a:ext cx="12192000" cy="264160"/>
+          </a:xfrm>
+          <a:prstGeom prst="rect">
+            <a:avLst/>
+          </a:prstGeom>
+          <a:gradFill flip="none" rotWithShape="0">
+            <a:gsLst>
+              <a:gs pos="0">
+                <a:schemeClr val="accent2">
+                  <a:lumMod val="75000"/>
+                  <a:alpha val="80000"/>
+                </a:schemeClr>
+              </a:gs>
+              <a:gs pos="100000">
+                <a:schemeClr val="tx2">
+                  <a:lumMod val="90000"/>
+                  <a:lumOff val="10000"/>
+                </a:schemeClr>
+              </a:gs>
+            </a:gsLst>
+            <a:lin ang="5400000" scaled="1"/>
+            <a:tileRect/>
+          </a:gradFill>
+        </p:spPr>
+        <p:style>
+          <a:lnRef idx="2">
+            <a:schemeClr val="accent1">
+              <a:shade val="50000"/>
+            </a:schemeClr>
+          </a:lnRef>
+          <a:fillRef idx="1">
+            <a:schemeClr val="accent1"/>
+          </a:fillRef>
+          <a:effectRef idx="0">
+            <a:schemeClr val="accent1"/>
+          </a:effectRef>
+          <a:fontRef idx="minor">
+            <a:schemeClr val="lt1"/>
+          </a:fontRef>
+        </p:style>
+        <p:txBody>
+          <a:bodyPr rtlCol="0" anchor="ctr"/>
+          <a:lstStyle/>
+          <a:p>
+            <a:pPr algn="ctr"/>
+            <a:endParaRPr lang="en-US"/>
+          </a:p>
+        </p:txBody>
+      </p:sp>
+      <p:sp>
+        <p:nvSpPr>
+          <p:cNvPr id="20" name="Rectangle 19">
+            <a:extLst>
+              <a:ext uri="{FF2B5EF4-FFF2-40B4-BE49-F238E27FC236}">
+                <a16:creationId xmlns:a16="http://schemas.microsoft.com/office/drawing/2014/main" id="{2D6208CC-038F-4289-87D9-0CB1A59DD79B}"/>
+              </a:ext>
+            </a:extLst>
+          </p:cNvPr>
+          <p:cNvSpPr/>
+          <p:nvPr/>
+        </p:nvSpPr>
+        <p:spPr>
+          <a:xfrm>
+            <a:off x="-1" y="6660709"/>
+            <a:ext cx="12192000" cy="264159"/>
+          </a:xfrm>
+          <a:prstGeom prst="rect">
+            <a:avLst/>
+          </a:prstGeom>
+          <a:gradFill>
+            <a:gsLst>
+              <a:gs pos="4000">
+                <a:schemeClr val="accent2">
+                  <a:lumMod val="75000"/>
+                  <a:alpha val="78000"/>
+                </a:schemeClr>
+              </a:gs>
+              <a:gs pos="100000">
+                <a:schemeClr val="tx2">
+                  <a:lumMod val="90000"/>
+                  <a:lumOff val="10000"/>
+                </a:schemeClr>
+              </a:gs>
+            </a:gsLst>
+            <a:lin ang="5400000" scaled="1"/>
+          </a:gradFill>
+        </p:spPr>
+        <p:style>
+          <a:lnRef idx="2">
+            <a:schemeClr val="accent1">
+              <a:shade val="50000"/>
+            </a:schemeClr>
+          </a:lnRef>
+          <a:fillRef idx="1">
+            <a:schemeClr val="accent1"/>
+          </a:fillRef>
+          <a:effectRef idx="0">
+            <a:schemeClr val="accent1"/>
+          </a:effectRef>
+          <a:fontRef idx="minor">
+            <a:schemeClr val="lt1"/>
+          </a:fontRef>
+        </p:style>
+        <p:txBody>
+          <a:bodyPr rtlCol="0" anchor="ctr"/>
+          <a:lstStyle/>
+          <a:p>
+            <a:pPr algn="ctr"/>
+            <a:endParaRPr lang="en-US"/>
+          </a:p>
+        </p:txBody>
+      </p:sp>
+      <p:sp>
+        <p:nvSpPr>
+          <p:cNvPr id="21" name="TextBox 20">
+            <a:extLst>
+              <a:ext uri="{FF2B5EF4-FFF2-40B4-BE49-F238E27FC236}">
+                <a16:creationId xmlns:a16="http://schemas.microsoft.com/office/drawing/2014/main" id="{BEF8BAEC-CE7B-4E32-95FA-2C2ADEECFDF4}"/>
+              </a:ext>
+            </a:extLst>
+          </p:cNvPr>
+          <p:cNvSpPr txBox="1"/>
+          <p:nvPr/>
+        </p:nvSpPr>
+        <p:spPr>
+          <a:xfrm>
+            <a:off x="731520" y="6583680"/>
+            <a:ext cx="4937760" cy="483880"/>
+          </a:xfrm>
+          <a:prstGeom prst="rect">
+            <a:avLst/>
+          </a:prstGeom>
+          <a:noFill/>
+        </p:spPr>
+        <p:txBody>
+          <a:bodyPr wrap="square" rtlCol="0">
+            <a:spAutoFit/>
+          </a:bodyPr>
+          <a:lstStyle/>
+          <a:p>
+            <a:r>
+              <a:rPr lang="en-US" dirty="0">
+                <a:solidFill>
+                  <a:schemeClr val="bg1"/>
+                </a:solidFill>
+                <a:latin typeface="Berlin Sans FB" panose="020E0602020502020306" pitchFamily="34" charset="0"/>
+              </a:rPr>
+              <a:t>GRAPH THEORY IN BOARD GAMES</a:t>
             </a:r>
           </a:p>
         </p:txBody>
@@ -15270,13 +19004,6 @@
   <p:clrMapOvr>
     <a:masterClrMapping/>
   </p:clrMapOvr>
-  <p:timing>
-    <p:tnLst>
-      <p:par>
-        <p:cTn id="1" dur="indefinite" restart="never" nodeType="tmRoot"/>
-      </p:par>
-    </p:tnLst>
-  </p:timing>
 </p:sld>
 </file>
 
@@ -15302,7 +19029,7 @@
           <p:cNvPr id="2" name="TextBox 1">
             <a:extLst>
               <a:ext uri="{FF2B5EF4-FFF2-40B4-BE49-F238E27FC236}">
-                <a16:creationId xmlns:a16="http://schemas.microsoft.com/office/drawing/2014/main" xmlns="" id="{CFBB8880-030D-770F-78E0-250ED3C4086B}"/>
+                <a16:creationId xmlns:a16="http://schemas.microsoft.com/office/drawing/2014/main" id="{CFBB8880-030D-770F-78E0-250ED3C4086B}"/>
               </a:ext>
             </a:extLst>
           </p:cNvPr>
@@ -15341,7 +19068,7 @@
           <p:cNvPr id="4" name="Picture 3">
             <a:extLst>
               <a:ext uri="{FF2B5EF4-FFF2-40B4-BE49-F238E27FC236}">
-                <a16:creationId xmlns:a16="http://schemas.microsoft.com/office/drawing/2014/main" xmlns="" id="{FAAEB7AD-C825-8836-2CCC-6A519C365B2E}"/>
+                <a16:creationId xmlns:a16="http://schemas.microsoft.com/office/drawing/2014/main" id="{FAAEB7AD-C825-8836-2CCC-6A519C365B2E}"/>
               </a:ext>
             </a:extLst>
           </p:cNvPr>
@@ -15377,7 +19104,7 @@
           <p:cNvPr id="6" name="Picture 5">
             <a:extLst>
               <a:ext uri="{FF2B5EF4-FFF2-40B4-BE49-F238E27FC236}">
-                <a16:creationId xmlns:a16="http://schemas.microsoft.com/office/drawing/2014/main" xmlns="" id="{12FC48A8-7E76-3B37-EC98-7F8A0B19AB46}"/>
+                <a16:creationId xmlns:a16="http://schemas.microsoft.com/office/drawing/2014/main" id="{12FC48A8-7E76-3B37-EC98-7F8A0B19AB46}"/>
               </a:ext>
             </a:extLst>
           </p:cNvPr>
@@ -15413,7 +19140,7 @@
           <p:cNvPr id="7" name="TextBox 6">
             <a:extLst>
               <a:ext uri="{FF2B5EF4-FFF2-40B4-BE49-F238E27FC236}">
-                <a16:creationId xmlns:a16="http://schemas.microsoft.com/office/drawing/2014/main" xmlns="" id="{7A58E15A-2348-A7C6-FC81-48AD1D6E4181}"/>
+                <a16:creationId xmlns:a16="http://schemas.microsoft.com/office/drawing/2014/main" id="{7A58E15A-2348-A7C6-FC81-48AD1D6E4181}"/>
               </a:ext>
             </a:extLst>
           </p:cNvPr>
@@ -15448,7 +19175,7 @@
           <p:cNvPr id="8" name="Picture 7">
             <a:extLst>
               <a:ext uri="{FF2B5EF4-FFF2-40B4-BE49-F238E27FC236}">
-                <a16:creationId xmlns:a16="http://schemas.microsoft.com/office/drawing/2014/main" xmlns="" id="{C1B70BF2-C4A5-2826-E7C8-890B5910688F}"/>
+                <a16:creationId xmlns:a16="http://schemas.microsoft.com/office/drawing/2014/main" id="{C1B70BF2-C4A5-2826-E7C8-890B5910688F}"/>
               </a:ext>
             </a:extLst>
           </p:cNvPr>
@@ -15483,7 +19210,7 @@
           <p:cNvPr id="9" name="TextBox 8">
             <a:extLst>
               <a:ext uri="{FF2B5EF4-FFF2-40B4-BE49-F238E27FC236}">
-                <a16:creationId xmlns:a16="http://schemas.microsoft.com/office/drawing/2014/main" xmlns="" id="{F327D58F-429A-36B6-C4D6-D4B3D7248B24}"/>
+                <a16:creationId xmlns:a16="http://schemas.microsoft.com/office/drawing/2014/main" id="{F327D58F-429A-36B6-C4D6-D4B3D7248B24}"/>
               </a:ext>
             </a:extLst>
           </p:cNvPr>
@@ -15509,6 +19236,173 @@
             <a:r>
               <a:rPr lang="en-US" dirty="0"/>
               <a:t>Siblings Relation</a:t>
+            </a:r>
+          </a:p>
+        </p:txBody>
+      </p:sp>
+      <p:sp>
+        <p:nvSpPr>
+          <p:cNvPr id="10" name="Rectangle 9">
+            <a:extLst>
+              <a:ext uri="{FF2B5EF4-FFF2-40B4-BE49-F238E27FC236}">
+                <a16:creationId xmlns:a16="http://schemas.microsoft.com/office/drawing/2014/main" id="{B5CB2EA2-6E69-4E76-8223-EC2A84D05DC7}"/>
+              </a:ext>
+            </a:extLst>
+          </p:cNvPr>
+          <p:cNvSpPr/>
+          <p:nvPr/>
+        </p:nvSpPr>
+        <p:spPr>
+          <a:xfrm>
+            <a:off x="-1" y="0"/>
+            <a:ext cx="12192000" cy="264160"/>
+          </a:xfrm>
+          <a:prstGeom prst="rect">
+            <a:avLst/>
+          </a:prstGeom>
+          <a:gradFill flip="none" rotWithShape="0">
+            <a:gsLst>
+              <a:gs pos="0">
+                <a:schemeClr val="accent2">
+                  <a:lumMod val="75000"/>
+                  <a:alpha val="80000"/>
+                </a:schemeClr>
+              </a:gs>
+              <a:gs pos="100000">
+                <a:schemeClr val="tx2">
+                  <a:lumMod val="90000"/>
+                  <a:lumOff val="10000"/>
+                </a:schemeClr>
+              </a:gs>
+            </a:gsLst>
+            <a:lin ang="5400000" scaled="1"/>
+            <a:tileRect/>
+          </a:gradFill>
+        </p:spPr>
+        <p:style>
+          <a:lnRef idx="2">
+            <a:schemeClr val="accent1">
+              <a:shade val="50000"/>
+            </a:schemeClr>
+          </a:lnRef>
+          <a:fillRef idx="1">
+            <a:schemeClr val="accent1"/>
+          </a:fillRef>
+          <a:effectRef idx="0">
+            <a:schemeClr val="accent1"/>
+          </a:effectRef>
+          <a:fontRef idx="minor">
+            <a:schemeClr val="lt1"/>
+          </a:fontRef>
+        </p:style>
+        <p:txBody>
+          <a:bodyPr rtlCol="0" anchor="ctr"/>
+          <a:lstStyle/>
+          <a:p>
+            <a:pPr algn="ctr"/>
+            <a:endParaRPr lang="en-US"/>
+          </a:p>
+        </p:txBody>
+      </p:sp>
+      <p:sp>
+        <p:nvSpPr>
+          <p:cNvPr id="11" name="Rectangle 10">
+            <a:extLst>
+              <a:ext uri="{FF2B5EF4-FFF2-40B4-BE49-F238E27FC236}">
+                <a16:creationId xmlns:a16="http://schemas.microsoft.com/office/drawing/2014/main" id="{1A0F1BA2-F152-4356-908A-E08737044EF0}"/>
+              </a:ext>
+            </a:extLst>
+          </p:cNvPr>
+          <p:cNvSpPr/>
+          <p:nvPr/>
+        </p:nvSpPr>
+        <p:spPr>
+          <a:xfrm>
+            <a:off x="-1" y="6660709"/>
+            <a:ext cx="12192000" cy="264159"/>
+          </a:xfrm>
+          <a:prstGeom prst="rect">
+            <a:avLst/>
+          </a:prstGeom>
+          <a:gradFill>
+            <a:gsLst>
+              <a:gs pos="4000">
+                <a:schemeClr val="accent2">
+                  <a:lumMod val="75000"/>
+                  <a:alpha val="78000"/>
+                </a:schemeClr>
+              </a:gs>
+              <a:gs pos="100000">
+                <a:schemeClr val="tx2">
+                  <a:lumMod val="90000"/>
+                  <a:lumOff val="10000"/>
+                </a:schemeClr>
+              </a:gs>
+            </a:gsLst>
+            <a:lin ang="5400000" scaled="1"/>
+          </a:gradFill>
+        </p:spPr>
+        <p:style>
+          <a:lnRef idx="2">
+            <a:schemeClr val="accent1">
+              <a:shade val="50000"/>
+            </a:schemeClr>
+          </a:lnRef>
+          <a:fillRef idx="1">
+            <a:schemeClr val="accent1"/>
+          </a:fillRef>
+          <a:effectRef idx="0">
+            <a:schemeClr val="accent1"/>
+          </a:effectRef>
+          <a:fontRef idx="minor">
+            <a:schemeClr val="lt1"/>
+          </a:fontRef>
+        </p:style>
+        <p:txBody>
+          <a:bodyPr rtlCol="0" anchor="ctr"/>
+          <a:lstStyle/>
+          <a:p>
+            <a:pPr algn="ctr"/>
+            <a:endParaRPr lang="en-US"/>
+          </a:p>
+        </p:txBody>
+      </p:sp>
+      <p:sp>
+        <p:nvSpPr>
+          <p:cNvPr id="12" name="TextBox 11">
+            <a:extLst>
+              <a:ext uri="{FF2B5EF4-FFF2-40B4-BE49-F238E27FC236}">
+                <a16:creationId xmlns:a16="http://schemas.microsoft.com/office/drawing/2014/main" id="{DEFF6D3C-2492-4C49-A85D-5A67EF7805A9}"/>
+              </a:ext>
+            </a:extLst>
+          </p:cNvPr>
+          <p:cNvSpPr txBox="1"/>
+          <p:nvPr/>
+        </p:nvSpPr>
+        <p:spPr>
+          <a:xfrm>
+            <a:off x="731520" y="6583680"/>
+            <a:ext cx="4937760" cy="483880"/>
+          </a:xfrm>
+          <a:prstGeom prst="rect">
+            <a:avLst/>
+          </a:prstGeom>
+          <a:noFill/>
+        </p:spPr>
+        <p:txBody>
+          <a:bodyPr wrap="square" rtlCol="0">
+            <a:spAutoFit/>
+          </a:bodyPr>
+          <a:lstStyle/>
+          <a:p>
+            <a:r>
+              <a:rPr lang="en-US" dirty="0">
+                <a:solidFill>
+                  <a:schemeClr val="bg1"/>
+                </a:solidFill>
+                <a:latin typeface="Berlin Sans FB" panose="020E0602020502020306" pitchFamily="34" charset="0"/>
+              </a:rPr>
+              <a:t>GRAPH THEORY IN BOARD GAMES</a:t>
             </a:r>
           </a:p>
         </p:txBody>
@@ -15523,13 +19417,6 @@
   <p:clrMapOvr>
     <a:masterClrMapping/>
   </p:clrMapOvr>
-  <p:timing>
-    <p:tnLst>
-      <p:par>
-        <p:cTn id="1" dur="indefinite" restart="never" nodeType="tmRoot"/>
-      </p:par>
-    </p:tnLst>
-  </p:timing>
 </p:sld>
 </file>
 
@@ -15555,7 +19442,7 @@
           <p:cNvPr id="2" name="TextBox 1">
             <a:extLst>
               <a:ext uri="{FF2B5EF4-FFF2-40B4-BE49-F238E27FC236}">
-                <a16:creationId xmlns:a16="http://schemas.microsoft.com/office/drawing/2014/main" xmlns="" id="{CFBB8880-030D-770F-78E0-250ED3C4086B}"/>
+                <a16:creationId xmlns:a16="http://schemas.microsoft.com/office/drawing/2014/main" id="{CFBB8880-030D-770F-78E0-250ED3C4086B}"/>
               </a:ext>
             </a:extLst>
           </p:cNvPr>
@@ -15594,7 +19481,7 @@
           <p:cNvPr id="4" name="Picture 3">
             <a:extLst>
               <a:ext uri="{FF2B5EF4-FFF2-40B4-BE49-F238E27FC236}">
-                <a16:creationId xmlns:a16="http://schemas.microsoft.com/office/drawing/2014/main" xmlns="" id="{FAAEB7AD-C825-8836-2CCC-6A519C365B2E}"/>
+                <a16:creationId xmlns:a16="http://schemas.microsoft.com/office/drawing/2014/main" id="{FAAEB7AD-C825-8836-2CCC-6A519C365B2E}"/>
               </a:ext>
             </a:extLst>
           </p:cNvPr>
@@ -15630,7 +19517,7 @@
           <p:cNvPr id="3" name="TextBox 2">
             <a:extLst>
               <a:ext uri="{FF2B5EF4-FFF2-40B4-BE49-F238E27FC236}">
-                <a16:creationId xmlns:a16="http://schemas.microsoft.com/office/drawing/2014/main" xmlns="" id="{C3BFC904-2C98-0A6B-DB9F-F77D7062E30B}"/>
+                <a16:creationId xmlns:a16="http://schemas.microsoft.com/office/drawing/2014/main" id="{C3BFC904-2C98-0A6B-DB9F-F77D7062E30B}"/>
               </a:ext>
             </a:extLst>
           </p:cNvPr>
@@ -15665,7 +19552,7 @@
           <p:cNvPr id="10" name="Picture 9">
             <a:extLst>
               <a:ext uri="{FF2B5EF4-FFF2-40B4-BE49-F238E27FC236}">
-                <a16:creationId xmlns:a16="http://schemas.microsoft.com/office/drawing/2014/main" xmlns="" id="{479D0D63-8B89-D61F-B6AC-12A0A9B1880F}"/>
+                <a16:creationId xmlns:a16="http://schemas.microsoft.com/office/drawing/2014/main" id="{479D0D63-8B89-D61F-B6AC-12A0A9B1880F}"/>
               </a:ext>
             </a:extLst>
           </p:cNvPr>
@@ -15700,7 +19587,7 @@
           <p:cNvPr id="11" name="TextBox 10">
             <a:extLst>
               <a:ext uri="{FF2B5EF4-FFF2-40B4-BE49-F238E27FC236}">
-                <a16:creationId xmlns:a16="http://schemas.microsoft.com/office/drawing/2014/main" xmlns="" id="{3EE8954A-E471-F2EF-426C-D988AF32186F}"/>
+                <a16:creationId xmlns:a16="http://schemas.microsoft.com/office/drawing/2014/main" id="{3EE8954A-E471-F2EF-426C-D988AF32186F}"/>
               </a:ext>
             </a:extLst>
           </p:cNvPr>
@@ -15726,6 +19613,173 @@
             <a:r>
               <a:rPr lang="en-US" dirty="0"/>
               <a:t>Siblings Relation</a:t>
+            </a:r>
+          </a:p>
+        </p:txBody>
+      </p:sp>
+      <p:sp>
+        <p:nvSpPr>
+          <p:cNvPr id="7" name="Rectangle 6">
+            <a:extLst>
+              <a:ext uri="{FF2B5EF4-FFF2-40B4-BE49-F238E27FC236}">
+                <a16:creationId xmlns:a16="http://schemas.microsoft.com/office/drawing/2014/main" id="{BF83BD78-5739-409A-BA6F-278184F3E543}"/>
+              </a:ext>
+            </a:extLst>
+          </p:cNvPr>
+          <p:cNvSpPr/>
+          <p:nvPr/>
+        </p:nvSpPr>
+        <p:spPr>
+          <a:xfrm>
+            <a:off x="-1" y="0"/>
+            <a:ext cx="12192000" cy="264160"/>
+          </a:xfrm>
+          <a:prstGeom prst="rect">
+            <a:avLst/>
+          </a:prstGeom>
+          <a:gradFill flip="none" rotWithShape="0">
+            <a:gsLst>
+              <a:gs pos="0">
+                <a:schemeClr val="accent2">
+                  <a:lumMod val="75000"/>
+                  <a:alpha val="80000"/>
+                </a:schemeClr>
+              </a:gs>
+              <a:gs pos="100000">
+                <a:schemeClr val="tx2">
+                  <a:lumMod val="90000"/>
+                  <a:lumOff val="10000"/>
+                </a:schemeClr>
+              </a:gs>
+            </a:gsLst>
+            <a:lin ang="5400000" scaled="1"/>
+            <a:tileRect/>
+          </a:gradFill>
+        </p:spPr>
+        <p:style>
+          <a:lnRef idx="2">
+            <a:schemeClr val="accent1">
+              <a:shade val="50000"/>
+            </a:schemeClr>
+          </a:lnRef>
+          <a:fillRef idx="1">
+            <a:schemeClr val="accent1"/>
+          </a:fillRef>
+          <a:effectRef idx="0">
+            <a:schemeClr val="accent1"/>
+          </a:effectRef>
+          <a:fontRef idx="minor">
+            <a:schemeClr val="lt1"/>
+          </a:fontRef>
+        </p:style>
+        <p:txBody>
+          <a:bodyPr rtlCol="0" anchor="ctr"/>
+          <a:lstStyle/>
+          <a:p>
+            <a:pPr algn="ctr"/>
+            <a:endParaRPr lang="en-US"/>
+          </a:p>
+        </p:txBody>
+      </p:sp>
+      <p:sp>
+        <p:nvSpPr>
+          <p:cNvPr id="8" name="Rectangle 7">
+            <a:extLst>
+              <a:ext uri="{FF2B5EF4-FFF2-40B4-BE49-F238E27FC236}">
+                <a16:creationId xmlns:a16="http://schemas.microsoft.com/office/drawing/2014/main" id="{5A7F683F-B869-46CF-BF4A-90F057AD99C1}"/>
+              </a:ext>
+            </a:extLst>
+          </p:cNvPr>
+          <p:cNvSpPr/>
+          <p:nvPr/>
+        </p:nvSpPr>
+        <p:spPr>
+          <a:xfrm>
+            <a:off x="-1" y="6660709"/>
+            <a:ext cx="12192000" cy="264159"/>
+          </a:xfrm>
+          <a:prstGeom prst="rect">
+            <a:avLst/>
+          </a:prstGeom>
+          <a:gradFill>
+            <a:gsLst>
+              <a:gs pos="4000">
+                <a:schemeClr val="accent2">
+                  <a:lumMod val="75000"/>
+                  <a:alpha val="78000"/>
+                </a:schemeClr>
+              </a:gs>
+              <a:gs pos="100000">
+                <a:schemeClr val="tx2">
+                  <a:lumMod val="90000"/>
+                  <a:lumOff val="10000"/>
+                </a:schemeClr>
+              </a:gs>
+            </a:gsLst>
+            <a:lin ang="5400000" scaled="1"/>
+          </a:gradFill>
+        </p:spPr>
+        <p:style>
+          <a:lnRef idx="2">
+            <a:schemeClr val="accent1">
+              <a:shade val="50000"/>
+            </a:schemeClr>
+          </a:lnRef>
+          <a:fillRef idx="1">
+            <a:schemeClr val="accent1"/>
+          </a:fillRef>
+          <a:effectRef idx="0">
+            <a:schemeClr val="accent1"/>
+          </a:effectRef>
+          <a:fontRef idx="minor">
+            <a:schemeClr val="lt1"/>
+          </a:fontRef>
+        </p:style>
+        <p:txBody>
+          <a:bodyPr rtlCol="0" anchor="ctr"/>
+          <a:lstStyle/>
+          <a:p>
+            <a:pPr algn="ctr"/>
+            <a:endParaRPr lang="en-US"/>
+          </a:p>
+        </p:txBody>
+      </p:sp>
+      <p:sp>
+        <p:nvSpPr>
+          <p:cNvPr id="9" name="TextBox 8">
+            <a:extLst>
+              <a:ext uri="{FF2B5EF4-FFF2-40B4-BE49-F238E27FC236}">
+                <a16:creationId xmlns:a16="http://schemas.microsoft.com/office/drawing/2014/main" id="{66AE1E55-64E0-4DEB-9A30-A13581C7ED32}"/>
+              </a:ext>
+            </a:extLst>
+          </p:cNvPr>
+          <p:cNvSpPr txBox="1"/>
+          <p:nvPr/>
+        </p:nvSpPr>
+        <p:spPr>
+          <a:xfrm>
+            <a:off x="731520" y="6583680"/>
+            <a:ext cx="4937760" cy="483880"/>
+          </a:xfrm>
+          <a:prstGeom prst="rect">
+            <a:avLst/>
+          </a:prstGeom>
+          <a:noFill/>
+        </p:spPr>
+        <p:txBody>
+          <a:bodyPr wrap="square" rtlCol="0">
+            <a:spAutoFit/>
+          </a:bodyPr>
+          <a:lstStyle/>
+          <a:p>
+            <a:r>
+              <a:rPr lang="en-US" dirty="0">
+                <a:solidFill>
+                  <a:schemeClr val="bg1"/>
+                </a:solidFill>
+                <a:latin typeface="Berlin Sans FB" panose="020E0602020502020306" pitchFamily="34" charset="0"/>
+              </a:rPr>
+              <a:t>GRAPH THEORY IN BOARD GAMES</a:t>
             </a:r>
           </a:p>
         </p:txBody>
@@ -15740,13 +19794,6 @@
   <p:clrMapOvr>
     <a:masterClrMapping/>
   </p:clrMapOvr>
-  <p:timing>
-    <p:tnLst>
-      <p:par>
-        <p:cTn id="1" dur="indefinite" restart="never" nodeType="tmRoot"/>
-      </p:par>
-    </p:tnLst>
-  </p:timing>
 </p:sld>
 </file>
 
@@ -15772,7 +19819,7 @@
           <p:cNvPr id="2" name="TextBox 1">
             <a:extLst>
               <a:ext uri="{FF2B5EF4-FFF2-40B4-BE49-F238E27FC236}">
-                <a16:creationId xmlns:a16="http://schemas.microsoft.com/office/drawing/2014/main" xmlns="" id="{58458917-3328-445C-86E8-B4D8A6CBAF47}"/>
+                <a16:creationId xmlns:a16="http://schemas.microsoft.com/office/drawing/2014/main" id="{58458917-3328-445C-86E8-B4D8A6CBAF47}"/>
               </a:ext>
             </a:extLst>
           </p:cNvPr>
@@ -15807,7 +19854,7 @@
           <p:cNvPr id="4" name="TextBox 3">
             <a:extLst>
               <a:ext uri="{FF2B5EF4-FFF2-40B4-BE49-F238E27FC236}">
-                <a16:creationId xmlns:a16="http://schemas.microsoft.com/office/drawing/2014/main" xmlns="" id="{59C408C2-F21E-4C19-8E48-FFB355E98CF4}"/>
+                <a16:creationId xmlns:a16="http://schemas.microsoft.com/office/drawing/2014/main" id="{59C408C2-F21E-4C19-8E48-FFB355E98CF4}"/>
               </a:ext>
             </a:extLst>
           </p:cNvPr>
@@ -15848,7 +19895,7 @@
           <p:cNvPr id="24" name="Picture 23">
             <a:extLst>
               <a:ext uri="{FF2B5EF4-FFF2-40B4-BE49-F238E27FC236}">
-                <a16:creationId xmlns:a16="http://schemas.microsoft.com/office/drawing/2014/main" xmlns="" id="{7601F9BB-3928-4495-B86A-5B5A12CCEAB1}"/>
+                <a16:creationId xmlns:a16="http://schemas.microsoft.com/office/drawing/2014/main" id="{7601F9BB-3928-4495-B86A-5B5A12CCEAB1}"/>
               </a:ext>
             </a:extLst>
           </p:cNvPr>
@@ -15884,7 +19931,7 @@
           <p:cNvPr id="25" name="TextBox 24">
             <a:extLst>
               <a:ext uri="{FF2B5EF4-FFF2-40B4-BE49-F238E27FC236}">
-                <a16:creationId xmlns:a16="http://schemas.microsoft.com/office/drawing/2014/main" xmlns="" id="{76B2A961-23A7-46AF-9437-D9BEDD34FE3E}"/>
+                <a16:creationId xmlns:a16="http://schemas.microsoft.com/office/drawing/2014/main" id="{76B2A961-23A7-46AF-9437-D9BEDD34FE3E}"/>
               </a:ext>
             </a:extLst>
           </p:cNvPr>
@@ -15940,6 +19987,173 @@
             <a:r>
               <a:rPr lang="en-US" dirty="0"/>
               <a:t>In more advanced AI implementations, weighted graphs can help find paths that maximize player's advantage while minimizing the opponent’s.</a:t>
+            </a:r>
+          </a:p>
+        </p:txBody>
+      </p:sp>
+      <p:sp>
+        <p:nvSpPr>
+          <p:cNvPr id="6" name="Rectangle 5">
+            <a:extLst>
+              <a:ext uri="{FF2B5EF4-FFF2-40B4-BE49-F238E27FC236}">
+                <a16:creationId xmlns:a16="http://schemas.microsoft.com/office/drawing/2014/main" id="{AD4C855F-F942-4438-B678-0E45CA8BEF91}"/>
+              </a:ext>
+            </a:extLst>
+          </p:cNvPr>
+          <p:cNvSpPr/>
+          <p:nvPr/>
+        </p:nvSpPr>
+        <p:spPr>
+          <a:xfrm>
+            <a:off x="-1" y="0"/>
+            <a:ext cx="12192000" cy="264160"/>
+          </a:xfrm>
+          <a:prstGeom prst="rect">
+            <a:avLst/>
+          </a:prstGeom>
+          <a:gradFill flip="none" rotWithShape="0">
+            <a:gsLst>
+              <a:gs pos="0">
+                <a:schemeClr val="accent2">
+                  <a:lumMod val="75000"/>
+                  <a:alpha val="80000"/>
+                </a:schemeClr>
+              </a:gs>
+              <a:gs pos="100000">
+                <a:schemeClr val="tx2">
+                  <a:lumMod val="90000"/>
+                  <a:lumOff val="10000"/>
+                </a:schemeClr>
+              </a:gs>
+            </a:gsLst>
+            <a:lin ang="5400000" scaled="1"/>
+            <a:tileRect/>
+          </a:gradFill>
+        </p:spPr>
+        <p:style>
+          <a:lnRef idx="2">
+            <a:schemeClr val="accent1">
+              <a:shade val="50000"/>
+            </a:schemeClr>
+          </a:lnRef>
+          <a:fillRef idx="1">
+            <a:schemeClr val="accent1"/>
+          </a:fillRef>
+          <a:effectRef idx="0">
+            <a:schemeClr val="accent1"/>
+          </a:effectRef>
+          <a:fontRef idx="minor">
+            <a:schemeClr val="lt1"/>
+          </a:fontRef>
+        </p:style>
+        <p:txBody>
+          <a:bodyPr rtlCol="0" anchor="ctr"/>
+          <a:lstStyle/>
+          <a:p>
+            <a:pPr algn="ctr"/>
+            <a:endParaRPr lang="en-US"/>
+          </a:p>
+        </p:txBody>
+      </p:sp>
+      <p:sp>
+        <p:nvSpPr>
+          <p:cNvPr id="7" name="Rectangle 6">
+            <a:extLst>
+              <a:ext uri="{FF2B5EF4-FFF2-40B4-BE49-F238E27FC236}">
+                <a16:creationId xmlns:a16="http://schemas.microsoft.com/office/drawing/2014/main" id="{FA450446-512E-41E9-B28B-D183FDE7757A}"/>
+              </a:ext>
+            </a:extLst>
+          </p:cNvPr>
+          <p:cNvSpPr/>
+          <p:nvPr/>
+        </p:nvSpPr>
+        <p:spPr>
+          <a:xfrm>
+            <a:off x="-1" y="6660709"/>
+            <a:ext cx="12192000" cy="264159"/>
+          </a:xfrm>
+          <a:prstGeom prst="rect">
+            <a:avLst/>
+          </a:prstGeom>
+          <a:gradFill>
+            <a:gsLst>
+              <a:gs pos="4000">
+                <a:schemeClr val="accent2">
+                  <a:lumMod val="75000"/>
+                  <a:alpha val="78000"/>
+                </a:schemeClr>
+              </a:gs>
+              <a:gs pos="100000">
+                <a:schemeClr val="tx2">
+                  <a:lumMod val="90000"/>
+                  <a:lumOff val="10000"/>
+                </a:schemeClr>
+              </a:gs>
+            </a:gsLst>
+            <a:lin ang="5400000" scaled="1"/>
+          </a:gradFill>
+        </p:spPr>
+        <p:style>
+          <a:lnRef idx="2">
+            <a:schemeClr val="accent1">
+              <a:shade val="50000"/>
+            </a:schemeClr>
+          </a:lnRef>
+          <a:fillRef idx="1">
+            <a:schemeClr val="accent1"/>
+          </a:fillRef>
+          <a:effectRef idx="0">
+            <a:schemeClr val="accent1"/>
+          </a:effectRef>
+          <a:fontRef idx="minor">
+            <a:schemeClr val="lt1"/>
+          </a:fontRef>
+        </p:style>
+        <p:txBody>
+          <a:bodyPr rtlCol="0" anchor="ctr"/>
+          <a:lstStyle/>
+          <a:p>
+            <a:pPr algn="ctr"/>
+            <a:endParaRPr lang="en-US"/>
+          </a:p>
+        </p:txBody>
+      </p:sp>
+      <p:sp>
+        <p:nvSpPr>
+          <p:cNvPr id="8" name="TextBox 7">
+            <a:extLst>
+              <a:ext uri="{FF2B5EF4-FFF2-40B4-BE49-F238E27FC236}">
+                <a16:creationId xmlns:a16="http://schemas.microsoft.com/office/drawing/2014/main" id="{6980661E-9327-4D4B-B3A5-E3DF41FBC216}"/>
+              </a:ext>
+            </a:extLst>
+          </p:cNvPr>
+          <p:cNvSpPr txBox="1"/>
+          <p:nvPr/>
+        </p:nvSpPr>
+        <p:spPr>
+          <a:xfrm>
+            <a:off x="731520" y="6583680"/>
+            <a:ext cx="4937760" cy="483880"/>
+          </a:xfrm>
+          <a:prstGeom prst="rect">
+            <a:avLst/>
+          </a:prstGeom>
+          <a:noFill/>
+        </p:spPr>
+        <p:txBody>
+          <a:bodyPr wrap="square" rtlCol="0">
+            <a:spAutoFit/>
+          </a:bodyPr>
+          <a:lstStyle/>
+          <a:p>
+            <a:r>
+              <a:rPr lang="en-US" dirty="0">
+                <a:solidFill>
+                  <a:schemeClr val="bg1"/>
+                </a:solidFill>
+                <a:latin typeface="Berlin Sans FB" panose="020E0602020502020306" pitchFamily="34" charset="0"/>
+              </a:rPr>
+              <a:t>GRAPH THEORY IN BOARD GAMES</a:t>
             </a:r>
           </a:p>
         </p:txBody>
@@ -15954,13 +20168,6 @@
   <p:clrMapOvr>
     <a:masterClrMapping/>
   </p:clrMapOvr>
-  <p:timing>
-    <p:tnLst>
-      <p:par>
-        <p:cTn id="1" dur="indefinite" restart="never" nodeType="tmRoot"/>
-      </p:par>
-    </p:tnLst>
-  </p:timing>
 </p:sld>
 </file>
 
@@ -15986,7 +20193,7 @@
           <p:cNvPr id="2" name="TextBox 1">
             <a:extLst>
               <a:ext uri="{FF2B5EF4-FFF2-40B4-BE49-F238E27FC236}">
-                <a16:creationId xmlns:a16="http://schemas.microsoft.com/office/drawing/2014/main" xmlns="" id="{A694A103-367C-4EBF-A279-F53737AF5323}"/>
+                <a16:creationId xmlns:a16="http://schemas.microsoft.com/office/drawing/2014/main" id="{A694A103-367C-4EBF-A279-F53737AF5323}"/>
               </a:ext>
             </a:extLst>
           </p:cNvPr>
@@ -16022,7 +20229,7 @@
           <p:cNvPr id="4" name="TextBox 3">
             <a:extLst>
               <a:ext uri="{FF2B5EF4-FFF2-40B4-BE49-F238E27FC236}">
-                <a16:creationId xmlns:a16="http://schemas.microsoft.com/office/drawing/2014/main" xmlns="" id="{8E41D626-2890-4F5E-986E-D62832054533}"/>
+                <a16:creationId xmlns:a16="http://schemas.microsoft.com/office/drawing/2014/main" id="{8E41D626-2890-4F5E-986E-D62832054533}"/>
               </a:ext>
             </a:extLst>
           </p:cNvPr>
@@ -16071,7 +20278,7 @@
           <p:cNvPr id="6" name="Picture 5">
             <a:extLst>
               <a:ext uri="{FF2B5EF4-FFF2-40B4-BE49-F238E27FC236}">
-                <a16:creationId xmlns:a16="http://schemas.microsoft.com/office/drawing/2014/main" xmlns="" id="{BB4F0E99-6A1D-4C17-B926-AF7D414F4769}"/>
+                <a16:creationId xmlns:a16="http://schemas.microsoft.com/office/drawing/2014/main" id="{BB4F0E99-6A1D-4C17-B926-AF7D414F4769}"/>
               </a:ext>
             </a:extLst>
           </p:cNvPr>
@@ -16107,7 +20314,7 @@
           <p:cNvPr id="7" name="TextBox 6">
             <a:extLst>
               <a:ext uri="{FF2B5EF4-FFF2-40B4-BE49-F238E27FC236}">
-                <a16:creationId xmlns:a16="http://schemas.microsoft.com/office/drawing/2014/main" xmlns="" id="{BD591925-B68E-4F15-A165-E73B5EC33074}"/>
+                <a16:creationId xmlns:a16="http://schemas.microsoft.com/office/drawing/2014/main" id="{BD591925-B68E-4F15-A165-E73B5EC33074}"/>
               </a:ext>
             </a:extLst>
           </p:cNvPr>
@@ -16157,7 +20364,7 @@
           <p:cNvPr id="11" name="Picture 10">
             <a:extLst>
               <a:ext uri="{FF2B5EF4-FFF2-40B4-BE49-F238E27FC236}">
-                <a16:creationId xmlns:a16="http://schemas.microsoft.com/office/drawing/2014/main" xmlns="" id="{0532259E-1BD2-4B1E-AFFB-6294D0EFCE91}"/>
+                <a16:creationId xmlns:a16="http://schemas.microsoft.com/office/drawing/2014/main" id="{0532259E-1BD2-4B1E-AFFB-6294D0EFCE91}"/>
               </a:ext>
             </a:extLst>
           </p:cNvPr>
@@ -16188,6 +20395,173 @@
           </a:prstGeom>
         </p:spPr>
       </p:pic>
+      <p:sp>
+        <p:nvSpPr>
+          <p:cNvPr id="8" name="Rectangle 7">
+            <a:extLst>
+              <a:ext uri="{FF2B5EF4-FFF2-40B4-BE49-F238E27FC236}">
+                <a16:creationId xmlns:a16="http://schemas.microsoft.com/office/drawing/2014/main" id="{6BD372DD-5A51-4C7B-9A27-8590BAF72C09}"/>
+              </a:ext>
+            </a:extLst>
+          </p:cNvPr>
+          <p:cNvSpPr/>
+          <p:nvPr/>
+        </p:nvSpPr>
+        <p:spPr>
+          <a:xfrm>
+            <a:off x="-1" y="0"/>
+            <a:ext cx="12192000" cy="264160"/>
+          </a:xfrm>
+          <a:prstGeom prst="rect">
+            <a:avLst/>
+          </a:prstGeom>
+          <a:gradFill flip="none" rotWithShape="0">
+            <a:gsLst>
+              <a:gs pos="0">
+                <a:schemeClr val="accent2">
+                  <a:lumMod val="75000"/>
+                  <a:alpha val="80000"/>
+                </a:schemeClr>
+              </a:gs>
+              <a:gs pos="100000">
+                <a:schemeClr val="tx2">
+                  <a:lumMod val="90000"/>
+                  <a:lumOff val="10000"/>
+                </a:schemeClr>
+              </a:gs>
+            </a:gsLst>
+            <a:lin ang="5400000" scaled="1"/>
+            <a:tileRect/>
+          </a:gradFill>
+        </p:spPr>
+        <p:style>
+          <a:lnRef idx="2">
+            <a:schemeClr val="accent1">
+              <a:shade val="50000"/>
+            </a:schemeClr>
+          </a:lnRef>
+          <a:fillRef idx="1">
+            <a:schemeClr val="accent1"/>
+          </a:fillRef>
+          <a:effectRef idx="0">
+            <a:schemeClr val="accent1"/>
+          </a:effectRef>
+          <a:fontRef idx="minor">
+            <a:schemeClr val="lt1"/>
+          </a:fontRef>
+        </p:style>
+        <p:txBody>
+          <a:bodyPr rtlCol="0" anchor="ctr"/>
+          <a:lstStyle/>
+          <a:p>
+            <a:pPr algn="ctr"/>
+            <a:endParaRPr lang="en-US"/>
+          </a:p>
+        </p:txBody>
+      </p:sp>
+      <p:sp>
+        <p:nvSpPr>
+          <p:cNvPr id="9" name="Rectangle 8">
+            <a:extLst>
+              <a:ext uri="{FF2B5EF4-FFF2-40B4-BE49-F238E27FC236}">
+                <a16:creationId xmlns:a16="http://schemas.microsoft.com/office/drawing/2014/main" id="{402A016A-15EF-40BB-9714-87ED4735B3C5}"/>
+              </a:ext>
+            </a:extLst>
+          </p:cNvPr>
+          <p:cNvSpPr/>
+          <p:nvPr/>
+        </p:nvSpPr>
+        <p:spPr>
+          <a:xfrm>
+            <a:off x="-1" y="6660709"/>
+            <a:ext cx="12192000" cy="264159"/>
+          </a:xfrm>
+          <a:prstGeom prst="rect">
+            <a:avLst/>
+          </a:prstGeom>
+          <a:gradFill>
+            <a:gsLst>
+              <a:gs pos="4000">
+                <a:schemeClr val="accent2">
+                  <a:lumMod val="75000"/>
+                  <a:alpha val="78000"/>
+                </a:schemeClr>
+              </a:gs>
+              <a:gs pos="100000">
+                <a:schemeClr val="tx2">
+                  <a:lumMod val="90000"/>
+                  <a:lumOff val="10000"/>
+                </a:schemeClr>
+              </a:gs>
+            </a:gsLst>
+            <a:lin ang="5400000" scaled="1"/>
+          </a:gradFill>
+        </p:spPr>
+        <p:style>
+          <a:lnRef idx="2">
+            <a:schemeClr val="accent1">
+              <a:shade val="50000"/>
+            </a:schemeClr>
+          </a:lnRef>
+          <a:fillRef idx="1">
+            <a:schemeClr val="accent1"/>
+          </a:fillRef>
+          <a:effectRef idx="0">
+            <a:schemeClr val="accent1"/>
+          </a:effectRef>
+          <a:fontRef idx="minor">
+            <a:schemeClr val="lt1"/>
+          </a:fontRef>
+        </p:style>
+        <p:txBody>
+          <a:bodyPr rtlCol="0" anchor="ctr"/>
+          <a:lstStyle/>
+          <a:p>
+            <a:pPr algn="ctr"/>
+            <a:endParaRPr lang="en-US"/>
+          </a:p>
+        </p:txBody>
+      </p:sp>
+      <p:sp>
+        <p:nvSpPr>
+          <p:cNvPr id="10" name="TextBox 9">
+            <a:extLst>
+              <a:ext uri="{FF2B5EF4-FFF2-40B4-BE49-F238E27FC236}">
+                <a16:creationId xmlns:a16="http://schemas.microsoft.com/office/drawing/2014/main" id="{55F08BBF-F99C-4137-82F2-18F98CB4D823}"/>
+              </a:ext>
+            </a:extLst>
+          </p:cNvPr>
+          <p:cNvSpPr txBox="1"/>
+          <p:nvPr/>
+        </p:nvSpPr>
+        <p:spPr>
+          <a:xfrm>
+            <a:off x="731520" y="6583680"/>
+            <a:ext cx="4937760" cy="483880"/>
+          </a:xfrm>
+          <a:prstGeom prst="rect">
+            <a:avLst/>
+          </a:prstGeom>
+          <a:noFill/>
+        </p:spPr>
+        <p:txBody>
+          <a:bodyPr wrap="square" rtlCol="0">
+            <a:spAutoFit/>
+          </a:bodyPr>
+          <a:lstStyle/>
+          <a:p>
+            <a:r>
+              <a:rPr lang="en-US" dirty="0">
+                <a:solidFill>
+                  <a:schemeClr val="bg1"/>
+                </a:solidFill>
+                <a:latin typeface="Berlin Sans FB" panose="020E0602020502020306" pitchFamily="34" charset="0"/>
+              </a:rPr>
+              <a:t>GRAPH THEORY IN BOARD GAMES</a:t>
+            </a:r>
+          </a:p>
+        </p:txBody>
+      </p:sp>
     </p:spTree>
     <p:extLst>
       <p:ext uri="{BB962C8B-B14F-4D97-AF65-F5344CB8AC3E}">
@@ -16198,13 +20572,6 @@
   <p:clrMapOvr>
     <a:masterClrMapping/>
   </p:clrMapOvr>
-  <p:timing>
-    <p:tnLst>
-      <p:par>
-        <p:cTn id="1" dur="indefinite" restart="never" nodeType="tmRoot"/>
-      </p:par>
-    </p:tnLst>
-  </p:timing>
 </p:sld>
 </file>
 
@@ -16230,7 +20597,7 @@
           <p:cNvPr id="2" name="TextBox 1">
             <a:extLst>
               <a:ext uri="{FF2B5EF4-FFF2-40B4-BE49-F238E27FC236}">
-                <a16:creationId xmlns:a16="http://schemas.microsoft.com/office/drawing/2014/main" xmlns="" id="{79AFAFDD-C02B-4607-A351-DA70A2324FF1}"/>
+                <a16:creationId xmlns:a16="http://schemas.microsoft.com/office/drawing/2014/main" id="{79AFAFDD-C02B-4607-A351-DA70A2324FF1}"/>
               </a:ext>
             </a:extLst>
           </p:cNvPr>
@@ -16265,7 +20632,7 @@
           <p:cNvPr id="3" name="TextBox 2">
             <a:extLst>
               <a:ext uri="{FF2B5EF4-FFF2-40B4-BE49-F238E27FC236}">
-                <a16:creationId xmlns:a16="http://schemas.microsoft.com/office/drawing/2014/main" xmlns="" id="{08DB893F-338B-4F13-9E44-F3967F58E0B0}"/>
+                <a16:creationId xmlns:a16="http://schemas.microsoft.com/office/drawing/2014/main" id="{08DB893F-338B-4F13-9E44-F3967F58E0B0}"/>
               </a:ext>
             </a:extLst>
           </p:cNvPr>
@@ -16335,7 +20702,7 @@
           <p:cNvPr id="4" name="Picture 3">
             <a:extLst>
               <a:ext uri="{FF2B5EF4-FFF2-40B4-BE49-F238E27FC236}">
-                <a16:creationId xmlns:a16="http://schemas.microsoft.com/office/drawing/2014/main" xmlns="" id="{34D0DE42-2284-4BA0-9993-E885FC0F9DBD}"/>
+                <a16:creationId xmlns:a16="http://schemas.microsoft.com/office/drawing/2014/main" id="{34D0DE42-2284-4BA0-9993-E885FC0F9DBD}"/>
               </a:ext>
             </a:extLst>
           </p:cNvPr>
@@ -16366,6 +20733,173 @@
           </a:solidFill>
         </p:spPr>
       </p:pic>
+      <p:sp>
+        <p:nvSpPr>
+          <p:cNvPr id="5" name="Rectangle 4">
+            <a:extLst>
+              <a:ext uri="{FF2B5EF4-FFF2-40B4-BE49-F238E27FC236}">
+                <a16:creationId xmlns:a16="http://schemas.microsoft.com/office/drawing/2014/main" id="{26671150-657F-4087-B9F8-227CC013D2A2}"/>
+              </a:ext>
+            </a:extLst>
+          </p:cNvPr>
+          <p:cNvSpPr/>
+          <p:nvPr/>
+        </p:nvSpPr>
+        <p:spPr>
+          <a:xfrm>
+            <a:off x="-1" y="0"/>
+            <a:ext cx="12192000" cy="264160"/>
+          </a:xfrm>
+          <a:prstGeom prst="rect">
+            <a:avLst/>
+          </a:prstGeom>
+          <a:gradFill flip="none" rotWithShape="0">
+            <a:gsLst>
+              <a:gs pos="0">
+                <a:schemeClr val="accent2">
+                  <a:lumMod val="75000"/>
+                  <a:alpha val="80000"/>
+                </a:schemeClr>
+              </a:gs>
+              <a:gs pos="100000">
+                <a:schemeClr val="tx2">
+                  <a:lumMod val="90000"/>
+                  <a:lumOff val="10000"/>
+                </a:schemeClr>
+              </a:gs>
+            </a:gsLst>
+            <a:lin ang="5400000" scaled="1"/>
+            <a:tileRect/>
+          </a:gradFill>
+        </p:spPr>
+        <p:style>
+          <a:lnRef idx="2">
+            <a:schemeClr val="accent1">
+              <a:shade val="50000"/>
+            </a:schemeClr>
+          </a:lnRef>
+          <a:fillRef idx="1">
+            <a:schemeClr val="accent1"/>
+          </a:fillRef>
+          <a:effectRef idx="0">
+            <a:schemeClr val="accent1"/>
+          </a:effectRef>
+          <a:fontRef idx="minor">
+            <a:schemeClr val="lt1"/>
+          </a:fontRef>
+        </p:style>
+        <p:txBody>
+          <a:bodyPr rtlCol="0" anchor="ctr"/>
+          <a:lstStyle/>
+          <a:p>
+            <a:pPr algn="ctr"/>
+            <a:endParaRPr lang="en-US"/>
+          </a:p>
+        </p:txBody>
+      </p:sp>
+      <p:sp>
+        <p:nvSpPr>
+          <p:cNvPr id="6" name="Rectangle 5">
+            <a:extLst>
+              <a:ext uri="{FF2B5EF4-FFF2-40B4-BE49-F238E27FC236}">
+                <a16:creationId xmlns:a16="http://schemas.microsoft.com/office/drawing/2014/main" id="{5F193BE2-44F6-4D37-8051-4B5BFB0FA9BC}"/>
+              </a:ext>
+            </a:extLst>
+          </p:cNvPr>
+          <p:cNvSpPr/>
+          <p:nvPr/>
+        </p:nvSpPr>
+        <p:spPr>
+          <a:xfrm>
+            <a:off x="-1" y="6660709"/>
+            <a:ext cx="12192000" cy="264159"/>
+          </a:xfrm>
+          <a:prstGeom prst="rect">
+            <a:avLst/>
+          </a:prstGeom>
+          <a:gradFill>
+            <a:gsLst>
+              <a:gs pos="4000">
+                <a:schemeClr val="accent2">
+                  <a:lumMod val="75000"/>
+                  <a:alpha val="78000"/>
+                </a:schemeClr>
+              </a:gs>
+              <a:gs pos="100000">
+                <a:schemeClr val="tx2">
+                  <a:lumMod val="90000"/>
+                  <a:lumOff val="10000"/>
+                </a:schemeClr>
+              </a:gs>
+            </a:gsLst>
+            <a:lin ang="5400000" scaled="1"/>
+          </a:gradFill>
+        </p:spPr>
+        <p:style>
+          <a:lnRef idx="2">
+            <a:schemeClr val="accent1">
+              <a:shade val="50000"/>
+            </a:schemeClr>
+          </a:lnRef>
+          <a:fillRef idx="1">
+            <a:schemeClr val="accent1"/>
+          </a:fillRef>
+          <a:effectRef idx="0">
+            <a:schemeClr val="accent1"/>
+          </a:effectRef>
+          <a:fontRef idx="minor">
+            <a:schemeClr val="lt1"/>
+          </a:fontRef>
+        </p:style>
+        <p:txBody>
+          <a:bodyPr rtlCol="0" anchor="ctr"/>
+          <a:lstStyle/>
+          <a:p>
+            <a:pPr algn="ctr"/>
+            <a:endParaRPr lang="en-US"/>
+          </a:p>
+        </p:txBody>
+      </p:sp>
+      <p:sp>
+        <p:nvSpPr>
+          <p:cNvPr id="7" name="TextBox 6">
+            <a:extLst>
+              <a:ext uri="{FF2B5EF4-FFF2-40B4-BE49-F238E27FC236}">
+                <a16:creationId xmlns:a16="http://schemas.microsoft.com/office/drawing/2014/main" id="{8446C4AF-5A40-408B-B902-4A006CA642E5}"/>
+              </a:ext>
+            </a:extLst>
+          </p:cNvPr>
+          <p:cNvSpPr txBox="1"/>
+          <p:nvPr/>
+        </p:nvSpPr>
+        <p:spPr>
+          <a:xfrm>
+            <a:off x="731520" y="6583680"/>
+            <a:ext cx="4937760" cy="483880"/>
+          </a:xfrm>
+          <a:prstGeom prst="rect">
+            <a:avLst/>
+          </a:prstGeom>
+          <a:noFill/>
+        </p:spPr>
+        <p:txBody>
+          <a:bodyPr wrap="square" rtlCol="0">
+            <a:spAutoFit/>
+          </a:bodyPr>
+          <a:lstStyle/>
+          <a:p>
+            <a:r>
+              <a:rPr lang="en-US" dirty="0">
+                <a:solidFill>
+                  <a:schemeClr val="bg1"/>
+                </a:solidFill>
+                <a:latin typeface="Berlin Sans FB" panose="020E0602020502020306" pitchFamily="34" charset="0"/>
+              </a:rPr>
+              <a:t>GRAPH THEORY IN BOARD GAMES</a:t>
+            </a:r>
+          </a:p>
+        </p:txBody>
+      </p:sp>
     </p:spTree>
     <p:extLst>
       <p:ext uri="{BB962C8B-B14F-4D97-AF65-F5344CB8AC3E}">
@@ -16376,13 +20910,6 @@
   <p:clrMapOvr>
     <a:masterClrMapping/>
   </p:clrMapOvr>
-  <p:timing>
-    <p:tnLst>
-      <p:par>
-        <p:cTn id="1" dur="indefinite" restart="never" nodeType="tmRoot"/>
-      </p:par>
-    </p:tnLst>
-  </p:timing>
 </p:sld>
 </file>
 
@@ -16675,7 +21202,7 @@
   <a:extraClrSchemeLst/>
   <a:extLst>
     <a:ext uri="{05A4C25C-085E-4340-85A3-A5531E510DB2}">
-      <thm15:themeFamily xmlns:thm15="http://schemas.microsoft.com/office/thememl/2012/main" xmlns="" name="Office Theme" id="{62F939B6-93AF-4DB8-9C6B-D6C7DFDC589F}" vid="{4A3C46E8-61CC-4603-A589-7422A47A8E4A}"/>
+      <thm15:themeFamily xmlns:thm15="http://schemas.microsoft.com/office/thememl/2012/main" name="Office Theme" id="{62F939B6-93AF-4DB8-9C6B-D6C7DFDC589F}" vid="{4A3C46E8-61CC-4603-A589-7422A47A8E4A}"/>
     </a:ext>
   </a:extLst>
 </a:theme>
@@ -16970,7 +21497,7 @@
   <a:extraClrSchemeLst/>
   <a:extLst>
     <a:ext uri="{05A4C25C-085E-4340-85A3-A5531E510DB2}">
-      <thm15:themeFamily xmlns:thm15="http://schemas.microsoft.com/office/thememl/2012/main" xmlns="" name="Office Theme" id="{62F939B6-93AF-4DB8-9C6B-D6C7DFDC589F}" vid="{4A3C46E8-61CC-4603-A589-7422A47A8E4A}"/>
+      <thm15:themeFamily xmlns:thm15="http://schemas.microsoft.com/office/thememl/2012/main" name="Office Theme" id="{62F939B6-93AF-4DB8-9C6B-D6C7DFDC589F}" vid="{4A3C46E8-61CC-4603-A589-7422A47A8E4A}"/>
     </a:ext>
   </a:extLst>
 </a:theme>

--- a/group5_graphtheory.pptx
+++ b/group5_graphtheory.pptx
@@ -5,7 +5,7 @@
     <p:sldMasterId id="2147483672" r:id="rId1"/>
   </p:sldMasterIdLst>
   <p:notesMasterIdLst>
-    <p:notesMasterId r:id="rId33"/>
+    <p:notesMasterId r:id="rId34"/>
   </p:notesMasterIdLst>
   <p:sldIdLst>
     <p:sldId id="257" r:id="rId2"/>
@@ -14,31 +14,32 @@
     <p:sldId id="264" r:id="rId5"/>
     <p:sldId id="261" r:id="rId6"/>
     <p:sldId id="262" r:id="rId7"/>
-    <p:sldId id="268" r:id="rId8"/>
-    <p:sldId id="269" r:id="rId9"/>
-    <p:sldId id="270" r:id="rId10"/>
-    <p:sldId id="265" r:id="rId11"/>
-    <p:sldId id="266" r:id="rId12"/>
-    <p:sldId id="277" r:id="rId13"/>
-    <p:sldId id="278" r:id="rId14"/>
-    <p:sldId id="279" r:id="rId15"/>
-    <p:sldId id="263" r:id="rId16"/>
-    <p:sldId id="267" r:id="rId17"/>
-    <p:sldId id="271" r:id="rId18"/>
-    <p:sldId id="272" r:id="rId19"/>
-    <p:sldId id="273" r:id="rId20"/>
-    <p:sldId id="274" r:id="rId21"/>
-    <p:sldId id="275" r:id="rId22"/>
-    <p:sldId id="285" r:id="rId23"/>
-    <p:sldId id="286" r:id="rId24"/>
-    <p:sldId id="287" r:id="rId25"/>
-    <p:sldId id="288" r:id="rId26"/>
-    <p:sldId id="289" r:id="rId27"/>
-    <p:sldId id="258" r:id="rId28"/>
-    <p:sldId id="281" r:id="rId29"/>
-    <p:sldId id="282" r:id="rId30"/>
-    <p:sldId id="283" r:id="rId31"/>
-    <p:sldId id="284" r:id="rId32"/>
+    <p:sldId id="290" r:id="rId8"/>
+    <p:sldId id="268" r:id="rId9"/>
+    <p:sldId id="269" r:id="rId10"/>
+    <p:sldId id="270" r:id="rId11"/>
+    <p:sldId id="265" r:id="rId12"/>
+    <p:sldId id="266" r:id="rId13"/>
+    <p:sldId id="277" r:id="rId14"/>
+    <p:sldId id="278" r:id="rId15"/>
+    <p:sldId id="279" r:id="rId16"/>
+    <p:sldId id="263" r:id="rId17"/>
+    <p:sldId id="267" r:id="rId18"/>
+    <p:sldId id="271" r:id="rId19"/>
+    <p:sldId id="272" r:id="rId20"/>
+    <p:sldId id="273" r:id="rId21"/>
+    <p:sldId id="274" r:id="rId22"/>
+    <p:sldId id="275" r:id="rId23"/>
+    <p:sldId id="285" r:id="rId24"/>
+    <p:sldId id="286" r:id="rId25"/>
+    <p:sldId id="287" r:id="rId26"/>
+    <p:sldId id="288" r:id="rId27"/>
+    <p:sldId id="289" r:id="rId28"/>
+    <p:sldId id="258" r:id="rId29"/>
+    <p:sldId id="281" r:id="rId30"/>
+    <p:sldId id="282" r:id="rId31"/>
+    <p:sldId id="283" r:id="rId32"/>
+    <p:sldId id="284" r:id="rId33"/>
   </p:sldIdLst>
   <p:sldSz cx="12192000" cy="6858000"/>
   <p:notesSz cx="6858000" cy="9144000"/>
@@ -238,7 +239,7 @@
           <a:p>
             <a:fld id="{1ACB21A0-39B6-47AA-9E9C-8EBA43CBC444}" type="datetimeFigureOut">
               <a:rPr lang="en-US" smtClean="0"/>
-              <a:t>11/23/2024</a:t>
+              <a:t>11/24/2024</a:t>
             </a:fld>
             <a:endParaRPr lang="en-US"/>
           </a:p>
@@ -652,7 +653,7 @@
           <a:p>
             <a:fld id="{98235D44-F49E-4F77-A348-B0CDA85E7A83}" type="datetimeFigureOut">
               <a:rPr lang="en-US" smtClean="0"/>
-              <a:t>11/23/2024</a:t>
+              <a:t>11/24/2024</a:t>
             </a:fld>
             <a:endParaRPr lang="en-US"/>
           </a:p>
@@ -850,7 +851,7 @@
           <a:p>
             <a:fld id="{98235D44-F49E-4F77-A348-B0CDA85E7A83}" type="datetimeFigureOut">
               <a:rPr lang="en-US" smtClean="0"/>
-              <a:t>11/23/2024</a:t>
+              <a:t>11/24/2024</a:t>
             </a:fld>
             <a:endParaRPr lang="en-US"/>
           </a:p>
@@ -1058,7 +1059,7 @@
           <a:p>
             <a:fld id="{98235D44-F49E-4F77-A348-B0CDA85E7A83}" type="datetimeFigureOut">
               <a:rPr lang="en-US" smtClean="0"/>
-              <a:t>11/23/2024</a:t>
+              <a:t>11/24/2024</a:t>
             </a:fld>
             <a:endParaRPr lang="en-US"/>
           </a:p>
@@ -1256,7 +1257,7 @@
           <a:p>
             <a:fld id="{98235D44-F49E-4F77-A348-B0CDA85E7A83}" type="datetimeFigureOut">
               <a:rPr lang="en-US" smtClean="0"/>
-              <a:t>11/23/2024</a:t>
+              <a:t>11/24/2024</a:t>
             </a:fld>
             <a:endParaRPr lang="en-US"/>
           </a:p>
@@ -1531,7 +1532,7 @@
           <a:p>
             <a:fld id="{98235D44-F49E-4F77-A348-B0CDA85E7A83}" type="datetimeFigureOut">
               <a:rPr lang="en-US" smtClean="0"/>
-              <a:t>11/23/2024</a:t>
+              <a:t>11/24/2024</a:t>
             </a:fld>
             <a:endParaRPr lang="en-US"/>
           </a:p>
@@ -1796,7 +1797,7 @@
           <a:p>
             <a:fld id="{98235D44-F49E-4F77-A348-B0CDA85E7A83}" type="datetimeFigureOut">
               <a:rPr lang="en-US" smtClean="0"/>
-              <a:t>11/23/2024</a:t>
+              <a:t>11/24/2024</a:t>
             </a:fld>
             <a:endParaRPr lang="en-US"/>
           </a:p>
@@ -2208,7 +2209,7 @@
           <a:p>
             <a:fld id="{98235D44-F49E-4F77-A348-B0CDA85E7A83}" type="datetimeFigureOut">
               <a:rPr lang="en-US" smtClean="0"/>
-              <a:t>11/23/2024</a:t>
+              <a:t>11/24/2024</a:t>
             </a:fld>
             <a:endParaRPr lang="en-US"/>
           </a:p>
@@ -2349,7 +2350,7 @@
           <a:p>
             <a:fld id="{98235D44-F49E-4F77-A348-B0CDA85E7A83}" type="datetimeFigureOut">
               <a:rPr lang="en-US" smtClean="0"/>
-              <a:t>11/23/2024</a:t>
+              <a:t>11/24/2024</a:t>
             </a:fld>
             <a:endParaRPr lang="en-US"/>
           </a:p>
@@ -2462,7 +2463,7 @@
           <a:p>
             <a:fld id="{98235D44-F49E-4F77-A348-B0CDA85E7A83}" type="datetimeFigureOut">
               <a:rPr lang="en-US" smtClean="0"/>
-              <a:t>11/23/2024</a:t>
+              <a:t>11/24/2024</a:t>
             </a:fld>
             <a:endParaRPr lang="en-US"/>
           </a:p>
@@ -2773,7 +2774,7 @@
           <a:p>
             <a:fld id="{98235D44-F49E-4F77-A348-B0CDA85E7A83}" type="datetimeFigureOut">
               <a:rPr lang="en-US" smtClean="0"/>
-              <a:t>11/23/2024</a:t>
+              <a:t>11/24/2024</a:t>
             </a:fld>
             <a:endParaRPr lang="en-US"/>
           </a:p>
@@ -3061,7 +3062,7 @@
           <a:p>
             <a:fld id="{98235D44-F49E-4F77-A348-B0CDA85E7A83}" type="datetimeFigureOut">
               <a:rPr lang="en-US" smtClean="0"/>
-              <a:t>11/23/2024</a:t>
+              <a:t>11/24/2024</a:t>
             </a:fld>
             <a:endParaRPr lang="en-US"/>
           </a:p>
@@ -3302,7 +3303,7 @@
           <a:p>
             <a:fld id="{98235D44-F49E-4F77-A348-B0CDA85E7A83}" type="datetimeFigureOut">
               <a:rPr lang="en-US" smtClean="0"/>
-              <a:t>11/23/2024</a:t>
+              <a:t>11/24/2024</a:t>
             </a:fld>
             <a:endParaRPr lang="en-US"/>
           </a:p>
@@ -8920,10 +8921,10 @@
       </p:grpSpPr>
       <p:sp>
         <p:nvSpPr>
-          <p:cNvPr id="3" name="TextBox 2">
-            <a:extLst>
-              <a:ext uri="{FF2B5EF4-FFF2-40B4-BE49-F238E27FC236}">
-                <a16:creationId xmlns:a16="http://schemas.microsoft.com/office/drawing/2014/main" id="{6129BCCE-EAA2-06B8-2ABB-36E1965B0FED}"/>
+          <p:cNvPr id="2" name="TextBox 1">
+            <a:extLst>
+              <a:ext uri="{FF2B5EF4-FFF2-40B4-BE49-F238E27FC236}">
+                <a16:creationId xmlns:a16="http://schemas.microsoft.com/office/drawing/2014/main" id="{79AFAFDD-C02B-4607-A351-DA70A2324FF1}"/>
               </a:ext>
             </a:extLst>
           </p:cNvPr>
@@ -8932,8 +8933,8 @@
         </p:nvSpPr>
         <p:spPr>
           <a:xfrm>
-            <a:off x="360759" y="472559"/>
-            <a:ext cx="6097191" cy="1089529"/>
+            <a:off x="519764" y="467360"/>
+            <a:ext cx="6175676" cy="584775"/>
           </a:xfrm>
           <a:prstGeom prst="rect">
             <a:avLst/>
@@ -8941,36 +8942,24 @@
           <a:noFill/>
         </p:spPr>
         <p:txBody>
-          <a:bodyPr wrap="square">
+          <a:bodyPr wrap="square" rtlCol="0">
             <a:spAutoFit/>
           </a:bodyPr>
           <a:lstStyle/>
           <a:p>
-            <a:pPr>
-              <a:lnSpc>
-                <a:spcPct val="90000"/>
-              </a:lnSpc>
-              <a:spcBef>
-                <a:spcPct val="0"/>
-              </a:spcBef>
-            </a:pPr>
-            <a:r>
-              <a:rPr lang="en-US" sz="3600" b="1" dirty="0">
-                <a:latin typeface="Arial Black" panose="020B0A04020102020204" pitchFamily="34" charset="0"/>
-                <a:ea typeface="+mj-ea"/>
-                <a:cs typeface="+mj-cs"/>
-              </a:rPr>
-              <a:t>GRAPH REPRESENTATION</a:t>
-            </a:r>
-          </a:p>
-        </p:txBody>
-      </p:sp>
-      <p:sp>
-        <p:nvSpPr>
-          <p:cNvPr id="2" name="TextBox 1">
-            <a:extLst>
-              <a:ext uri="{FF2B5EF4-FFF2-40B4-BE49-F238E27FC236}">
-                <a16:creationId xmlns:a16="http://schemas.microsoft.com/office/drawing/2014/main" id="{4073108B-FF80-2542-E514-618C5A826695}"/>
+            <a:r>
+              <a:rPr lang="en-US" sz="3200" b="1" dirty="0"/>
+              <a:t>TREES AND SPANNING TREES</a:t>
+            </a:r>
+          </a:p>
+        </p:txBody>
+      </p:sp>
+      <p:sp>
+        <p:nvSpPr>
+          <p:cNvPr id="3" name="TextBox 2">
+            <a:extLst>
+              <a:ext uri="{FF2B5EF4-FFF2-40B4-BE49-F238E27FC236}">
+                <a16:creationId xmlns:a16="http://schemas.microsoft.com/office/drawing/2014/main" id="{08DB893F-338B-4F13-9E44-F3967F58E0B0}"/>
               </a:ext>
             </a:extLst>
           </p:cNvPr>
@@ -8979,8 +8968,8 @@
         </p:nvSpPr>
         <p:spPr>
           <a:xfrm>
-            <a:off x="471487" y="2214563"/>
-            <a:ext cx="7158037" cy="3970318"/>
+            <a:off x="589280" y="1330960"/>
+            <a:ext cx="6390640" cy="3139321"/>
           </a:xfrm>
           <a:prstGeom prst="rect">
             <a:avLst/>
@@ -8993,118 +8982,90 @@
           </a:bodyPr>
           <a:lstStyle/>
           <a:p>
-            <a:pPr marL="342900" indent="-342900">
-              <a:buAutoNum type="arabicPeriod"/>
-            </a:pPr>
             <a:r>
               <a:rPr lang="en-US" dirty="0"/>
-              <a:t>Edge List</a:t>
-            </a:r>
-          </a:p>
-          <a:p>
-            <a:pPr marL="800100" lvl="1" indent="-342900">
-              <a:buAutoNum type="arabicPeriod"/>
-            </a:pPr>
+              <a:t>Tree is a simple, connected ,undirected ,acyclic(having  a unique path between any two vertices) graph.</a:t>
+            </a:r>
+          </a:p>
+          <a:p>
+            <a:endParaRPr lang="en-US" dirty="0"/>
+          </a:p>
+          <a:p>
             <a:r>
               <a:rPr lang="en-US" dirty="0"/>
-              <a:t>Individual track of all edges</a:t>
-            </a:r>
-          </a:p>
-          <a:p>
-            <a:pPr marL="800100" lvl="1" indent="-342900">
-              <a:buAutoNum type="arabicPeriod"/>
-            </a:pPr>
+              <a:t>A </a:t>
+            </a:r>
+            <a:r>
+              <a:rPr lang="en-US" b="1" dirty="0"/>
+              <a:t>spanning tree</a:t>
+            </a:r>
             <a:r>
               <a:rPr lang="en-US" dirty="0"/>
-              <a:t>Need to check all edges</a:t>
-            </a:r>
-          </a:p>
-          <a:p>
-            <a:pPr marL="342900" indent="-342900">
-              <a:buAutoNum type="arabicPeriod"/>
-            </a:pPr>
+              <a:t> of a graph is a subgraph that includes all vertices of the graph and is a tree.</a:t>
+            </a:r>
+          </a:p>
+          <a:p>
+            <a:r>
+              <a:rPr lang="en-US" dirty="0"/>
+              <a:t>- Spanning trees connect all vertices with the minimum possible edges.</a:t>
+            </a:r>
+          </a:p>
+          <a:p>
             <a:endParaRPr lang="en-US" dirty="0"/>
           </a:p>
           <a:p>
-            <a:pPr marL="342900" indent="-342900">
-              <a:buAutoNum type="arabicPeriod"/>
-            </a:pPr>
+            <a:endParaRPr lang="en-US" dirty="0"/>
+          </a:p>
+          <a:p>
             <a:r>
               <a:rPr lang="en-US" dirty="0"/>
-              <a:t>Adjacency List</a:t>
-            </a:r>
-          </a:p>
-          <a:p>
-            <a:pPr marL="800100" lvl="1" indent="-342900">
-              <a:buAutoNum type="arabicPeriod"/>
-            </a:pPr>
-            <a:r>
-              <a:rPr lang="en-US" dirty="0"/>
-              <a:t>Track of all adjacent to a particular edge</a:t>
-            </a:r>
-          </a:p>
-          <a:p>
-            <a:pPr marL="800100" lvl="1" indent="-342900">
-              <a:buAutoNum type="arabicPeriod"/>
-            </a:pPr>
-            <a:r>
-              <a:rPr lang="en-US" dirty="0"/>
-              <a:t>Need to check relevant list of adjacent </a:t>
-            </a:r>
-          </a:p>
-          <a:p>
-            <a:pPr marL="342900" indent="-342900">
-              <a:buAutoNum type="arabicPeriod"/>
-            </a:pPr>
-            <a:endParaRPr lang="en-US" dirty="0"/>
-          </a:p>
-          <a:p>
-            <a:pPr marL="342900" indent="-342900">
-              <a:buAutoNum type="arabicPeriod"/>
-            </a:pPr>
-            <a:r>
-              <a:rPr lang="en-US" dirty="0"/>
-              <a:t>Adjacency Matrix</a:t>
-            </a:r>
-          </a:p>
-          <a:p>
-            <a:pPr marL="800100" lvl="1" indent="-342900">
-              <a:buAutoNum type="arabicPeriod"/>
-            </a:pPr>
-            <a:r>
-              <a:rPr lang="en-US" dirty="0"/>
-              <a:t>Table in form of rows and columns that keep track of all possible edges in terms of YES/NO</a:t>
-            </a:r>
-          </a:p>
-          <a:p>
-            <a:pPr marL="800100" lvl="1" indent="-342900">
-              <a:buAutoNum type="arabicPeriod"/>
-            </a:pPr>
-            <a:r>
-              <a:rPr lang="en-US" dirty="0"/>
-              <a:t>Only need to check one cell.</a:t>
-            </a:r>
-          </a:p>
-          <a:p>
-            <a:pPr marL="800100" lvl="1" indent="-342900">
-              <a:buAutoNum type="arabicPeriod"/>
-            </a:pPr>
-            <a:endParaRPr lang="en-US" dirty="0"/>
-          </a:p>
-          <a:p>
-            <a:pPr marL="342900" indent="-342900">
-              <a:buAutoNum type="arabicPeriod"/>
-            </a:pPr>
-            <a:endParaRPr lang="en-US" dirty="0"/>
-          </a:p>
-        </p:txBody>
-      </p:sp>
-      <p:sp>
-        <p:nvSpPr>
-          <p:cNvPr id="4" name="Rectangle 3">
-            <a:extLst>
-              <a:ext uri="{FF2B5EF4-FFF2-40B4-BE49-F238E27FC236}">
-                <a16:creationId xmlns:a16="http://schemas.microsoft.com/office/drawing/2014/main" id="{06FD0CC3-8142-4DC7-AD32-79DE24435108}"/>
+              <a:t>In games, spanning trees can help create unique paths with no loops.</a:t>
+            </a:r>
+          </a:p>
+        </p:txBody>
+      </p:sp>
+      <p:pic>
+        <p:nvPicPr>
+          <p:cNvPr id="4" name="Picture 3">
+            <a:extLst>
+              <a:ext uri="{FF2B5EF4-FFF2-40B4-BE49-F238E27FC236}">
+                <a16:creationId xmlns:a16="http://schemas.microsoft.com/office/drawing/2014/main" id="{34D0DE42-2284-4BA0-9993-E885FC0F9DBD}"/>
+              </a:ext>
+            </a:extLst>
+          </p:cNvPr>
+          <p:cNvPicPr>
+            <a:picLocks noChangeAspect="1"/>
+          </p:cNvPicPr>
+          <p:nvPr/>
+        </p:nvPicPr>
+        <p:blipFill>
+          <a:blip r:embed="rId2"/>
+          <a:stretch>
+            <a:fillRect/>
+          </a:stretch>
+        </p:blipFill>
+        <p:spPr>
+          <a:xfrm>
+            <a:off x="6979920" y="1187529"/>
+            <a:ext cx="4157832" cy="4035902"/>
+          </a:xfrm>
+          <a:prstGeom prst="rect">
+            <a:avLst/>
+          </a:prstGeom>
+          <a:solidFill>
+            <a:schemeClr val="accent4">
+              <a:lumMod val="20000"/>
+              <a:lumOff val="80000"/>
+            </a:schemeClr>
+          </a:solidFill>
+        </p:spPr>
+      </p:pic>
+      <p:sp>
+        <p:nvSpPr>
+          <p:cNvPr id="5" name="Rectangle 4">
+            <a:extLst>
+              <a:ext uri="{FF2B5EF4-FFF2-40B4-BE49-F238E27FC236}">
+                <a16:creationId xmlns:a16="http://schemas.microsoft.com/office/drawing/2014/main" id="{26671150-657F-4087-B9F8-227CC013D2A2}"/>
               </a:ext>
             </a:extLst>
           </p:cNvPr>
@@ -9165,10 +9126,10 @@
       </p:sp>
       <p:sp>
         <p:nvSpPr>
-          <p:cNvPr id="5" name="Rectangle 4">
-            <a:extLst>
-              <a:ext uri="{FF2B5EF4-FFF2-40B4-BE49-F238E27FC236}">
-                <a16:creationId xmlns:a16="http://schemas.microsoft.com/office/drawing/2014/main" id="{CB2AF524-26BE-4938-A569-EC9603BD581D}"/>
+          <p:cNvPr id="6" name="Rectangle 5">
+            <a:extLst>
+              <a:ext uri="{FF2B5EF4-FFF2-40B4-BE49-F238E27FC236}">
+                <a16:creationId xmlns:a16="http://schemas.microsoft.com/office/drawing/2014/main" id="{5F193BE2-44F6-4D37-8051-4B5BFB0FA9BC}"/>
               </a:ext>
             </a:extLst>
           </p:cNvPr>
@@ -9228,10 +9189,10 @@
       </p:sp>
       <p:sp>
         <p:nvSpPr>
-          <p:cNvPr id="6" name="TextBox 5">
-            <a:extLst>
-              <a:ext uri="{FF2B5EF4-FFF2-40B4-BE49-F238E27FC236}">
-                <a16:creationId xmlns:a16="http://schemas.microsoft.com/office/drawing/2014/main" id="{91ABEE54-6401-42E9-AC9D-A367923E5147}"/>
+          <p:cNvPr id="7" name="TextBox 6">
+            <a:extLst>
+              <a:ext uri="{FF2B5EF4-FFF2-40B4-BE49-F238E27FC236}">
+                <a16:creationId xmlns:a16="http://schemas.microsoft.com/office/drawing/2014/main" id="{8446C4AF-5A40-408B-B902-4A006CA642E5}"/>
               </a:ext>
             </a:extLst>
           </p:cNvPr>
@@ -9269,7 +9230,7 @@
     </p:spTree>
     <p:extLst>
       <p:ext uri="{BB962C8B-B14F-4D97-AF65-F5344CB8AC3E}">
-        <p14:creationId xmlns:p14="http://schemas.microsoft.com/office/powerpoint/2010/main" val="3072984554"/>
+        <p14:creationId xmlns:p14="http://schemas.microsoft.com/office/powerpoint/2010/main" val="267629350"/>
       </p:ext>
     </p:extLst>
   </p:cSld>
@@ -9298,10 +9259,10 @@
       </p:grpSpPr>
       <p:sp>
         <p:nvSpPr>
-          <p:cNvPr id="2" name="TextBox 1">
-            <a:extLst>
-              <a:ext uri="{FF2B5EF4-FFF2-40B4-BE49-F238E27FC236}">
-                <a16:creationId xmlns:a16="http://schemas.microsoft.com/office/drawing/2014/main" id="{199B9149-BCE3-E8FF-B980-A671C271C1F7}"/>
+          <p:cNvPr id="3" name="TextBox 2">
+            <a:extLst>
+              <a:ext uri="{FF2B5EF4-FFF2-40B4-BE49-F238E27FC236}">
+                <a16:creationId xmlns:a16="http://schemas.microsoft.com/office/drawing/2014/main" id="{6129BCCE-EAA2-06B8-2ABB-36E1965B0FED}"/>
               </a:ext>
             </a:extLst>
           </p:cNvPr>
@@ -9310,8 +9271,8 @@
         </p:nvSpPr>
         <p:spPr>
           <a:xfrm>
-            <a:off x="428625" y="628651"/>
-            <a:ext cx="5472112" cy="1089529"/>
+            <a:off x="360759" y="472559"/>
+            <a:ext cx="6097191" cy="1089529"/>
           </a:xfrm>
           <a:prstGeom prst="rect">
             <a:avLst/>
@@ -9319,7 +9280,7 @@
           <a:noFill/>
         </p:spPr>
         <p:txBody>
-          <a:bodyPr wrap="square" rtlCol="0">
+          <a:bodyPr wrap="square">
             <a:spAutoFit/>
           </a:bodyPr>
           <a:lstStyle/>
@@ -9338,17 +9299,17 @@
                 <a:ea typeface="+mj-ea"/>
                 <a:cs typeface="+mj-cs"/>
               </a:rPr>
-              <a:t>Things we need for our area of research:</a:t>
-            </a:r>
-          </a:p>
-        </p:txBody>
-      </p:sp>
-      <p:sp>
-        <p:nvSpPr>
-          <p:cNvPr id="3" name="TextBox 2">
-            <a:extLst>
-              <a:ext uri="{FF2B5EF4-FFF2-40B4-BE49-F238E27FC236}">
-                <a16:creationId xmlns:a16="http://schemas.microsoft.com/office/drawing/2014/main" id="{2A3DBAD7-0349-C138-49F2-34BA414DC8BC}"/>
+              <a:t>GRAPH REPRESENTATION</a:t>
+            </a:r>
+          </a:p>
+        </p:txBody>
+      </p:sp>
+      <p:sp>
+        <p:nvSpPr>
+          <p:cNvPr id="2" name="TextBox 1">
+            <a:extLst>
+              <a:ext uri="{FF2B5EF4-FFF2-40B4-BE49-F238E27FC236}">
+                <a16:creationId xmlns:a16="http://schemas.microsoft.com/office/drawing/2014/main" id="{4073108B-FF80-2542-E514-618C5A826695}"/>
               </a:ext>
             </a:extLst>
           </p:cNvPr>
@@ -9357,8 +9318,8 @@
         </p:nvSpPr>
         <p:spPr>
           <a:xfrm>
-            <a:off x="657225" y="2557463"/>
-            <a:ext cx="6777433" cy="1754326"/>
+            <a:off x="471487" y="2214563"/>
+            <a:ext cx="7158037" cy="3970318"/>
           </a:xfrm>
           <a:prstGeom prst="rect">
             <a:avLst/>
@@ -9366,146 +9327,36 @@
           <a:noFill/>
         </p:spPr>
         <p:txBody>
-          <a:bodyPr wrap="none" rtlCol="0">
+          <a:bodyPr wrap="square" rtlCol="0">
             <a:spAutoFit/>
           </a:bodyPr>
           <a:lstStyle/>
           <a:p>
-            <a:pPr marL="347472" indent="-347472" algn="l" rtl="0" eaLnBrk="1" latinLnBrk="0" hangingPunct="1">
-              <a:spcBef>
-                <a:spcPts val="0"/>
-              </a:spcBef>
-              <a:spcAft>
-                <a:spcPts val="0"/>
-              </a:spcAft>
-              <a:buClrTx/>
-              <a:buSzPts val="1800"/>
-              <a:buFont typeface="+mj-lt"/>
+            <a:pPr marL="342900" indent="-342900">
               <a:buAutoNum type="arabicPeriod"/>
             </a:pPr>
             <a:r>
-              <a:rPr lang="en-US" sz="1800" kern="1200" dirty="0">
-                <a:solidFill>
-                  <a:srgbClr val="000000"/>
-                </a:solidFill>
-                <a:effectLst/>
-                <a:latin typeface="Calibri" panose="020F0502020204030204" pitchFamily="34" charset="0"/>
-                <a:ea typeface="+mn-ea"/>
-                <a:cs typeface="+mn-cs"/>
-              </a:rPr>
-              <a:t>How to traverse a graph</a:t>
-            </a:r>
-            <a:endParaRPr lang="en-US" dirty="0"/>
-          </a:p>
-          <a:p>
-            <a:pPr marL="347472" indent="-347472" algn="l" rtl="0" eaLnBrk="1" latinLnBrk="0" hangingPunct="1">
-              <a:spcBef>
-                <a:spcPts val="0"/>
-              </a:spcBef>
-              <a:spcAft>
-                <a:spcPts val="0"/>
-              </a:spcAft>
-              <a:buClrTx/>
-              <a:buSzPts val="1800"/>
-              <a:buFont typeface="+mj-lt"/>
+              <a:rPr lang="en-US" dirty="0"/>
+              <a:t>Edge List</a:t>
+            </a:r>
+          </a:p>
+          <a:p>
+            <a:pPr marL="800100" lvl="1" indent="-342900">
               <a:buAutoNum type="arabicPeriod"/>
             </a:pPr>
             <a:r>
-              <a:rPr lang="en-US" sz="1800" kern="1200" dirty="0">
-                <a:solidFill>
-                  <a:srgbClr val="000000"/>
-                </a:solidFill>
-                <a:effectLst/>
-                <a:latin typeface="Calibri" panose="020F0502020204030204" pitchFamily="34" charset="0"/>
-                <a:ea typeface="+mn-ea"/>
-                <a:cs typeface="+mn-cs"/>
-              </a:rPr>
-              <a:t>Count neighbors of a vertex</a:t>
-            </a:r>
-            <a:endParaRPr lang="en-US" dirty="0"/>
-          </a:p>
-          <a:p>
-            <a:pPr marL="347472" indent="-347472" algn="l" rtl="0" eaLnBrk="1" latinLnBrk="0" hangingPunct="1">
-              <a:spcBef>
-                <a:spcPts val="0"/>
-              </a:spcBef>
-              <a:spcAft>
-                <a:spcPts val="0"/>
-              </a:spcAft>
-              <a:buClrTx/>
-              <a:buSzPts val="1800"/>
-              <a:buFont typeface="+mj-lt"/>
+              <a:rPr lang="en-US" dirty="0"/>
+              <a:t>Individual track of all edges</a:t>
+            </a:r>
+          </a:p>
+          <a:p>
+            <a:pPr marL="800100" lvl="1" indent="-342900">
               <a:buAutoNum type="arabicPeriod"/>
             </a:pPr>
             <a:r>
-              <a:rPr lang="en-US" sz="1800" kern="1200" dirty="0">
-                <a:solidFill>
-                  <a:srgbClr val="000000"/>
-                </a:solidFill>
-                <a:effectLst/>
-                <a:latin typeface="Calibri" panose="020F0502020204030204" pitchFamily="34" charset="0"/>
-                <a:ea typeface="+mn-ea"/>
-                <a:cs typeface="+mn-cs"/>
-              </a:rPr>
-              <a:t>Count degree of a vertex(number of edges meeting at that vertex) </a:t>
-            </a:r>
-            <a:endParaRPr lang="en-US" dirty="0"/>
-          </a:p>
-          <a:p>
-            <a:pPr marL="347472" indent="-347472" algn="l" rtl="0" eaLnBrk="1" latinLnBrk="0" hangingPunct="1">
-              <a:spcBef>
-                <a:spcPts val="0"/>
-              </a:spcBef>
-              <a:spcAft>
-                <a:spcPts val="0"/>
-              </a:spcAft>
-              <a:buClrTx/>
-              <a:buSzPts val="1800"/>
-              <a:buFont typeface="+mj-lt"/>
-              <a:buAutoNum type="arabicPeriod"/>
-            </a:pPr>
-            <a:r>
-              <a:rPr lang="en-US" sz="1800" kern="1200" dirty="0">
-                <a:solidFill>
-                  <a:srgbClr val="000000"/>
-                </a:solidFill>
-                <a:effectLst/>
-                <a:latin typeface="Calibri" panose="020F0502020204030204" pitchFamily="34" charset="0"/>
-                <a:ea typeface="+mn-ea"/>
-                <a:cs typeface="+mn-cs"/>
-              </a:rPr>
-              <a:t>Deleting and inserting edges</a:t>
-            </a:r>
-            <a:endParaRPr lang="en-US" dirty="0"/>
-          </a:p>
-          <a:p>
-            <a:pPr marL="347472" indent="-347472" algn="l" rtl="0" eaLnBrk="1" latinLnBrk="0" hangingPunct="1">
-              <a:spcBef>
-                <a:spcPts val="0"/>
-              </a:spcBef>
-              <a:spcAft>
-                <a:spcPts val="0"/>
-              </a:spcAft>
-              <a:buClrTx/>
-              <a:buSzPts val="1800"/>
-              <a:buFont typeface="+mj-lt"/>
-              <a:buAutoNum type="arabicPeriod"/>
-            </a:pPr>
-            <a:r>
-              <a:rPr lang="en-US" sz="1800" kern="1200" dirty="0">
-                <a:solidFill>
-                  <a:srgbClr val="000000"/>
-                </a:solidFill>
-                <a:effectLst/>
-                <a:latin typeface="Calibri" panose="020F0502020204030204" pitchFamily="34" charset="0"/>
-                <a:ea typeface="+mn-ea"/>
-                <a:cs typeface="+mn-cs"/>
-              </a:rPr>
-              <a:t>Path and cycle of vertices</a:t>
-            </a:r>
-            <a:endParaRPr lang="en-US" dirty="0">
-              <a:effectLst/>
-            </a:endParaRPr>
+              <a:rPr lang="en-US" dirty="0"/>
+              <a:t>Need to check all edges</a:t>
+            </a:r>
           </a:p>
           <a:p>
             <a:pPr marL="342900" indent="-342900">
@@ -9513,6 +9364,78 @@
             </a:pPr>
             <a:endParaRPr lang="en-US" dirty="0"/>
           </a:p>
+          <a:p>
+            <a:pPr marL="342900" indent="-342900">
+              <a:buAutoNum type="arabicPeriod"/>
+            </a:pPr>
+            <a:r>
+              <a:rPr lang="en-US" dirty="0"/>
+              <a:t>Adjacency List</a:t>
+            </a:r>
+          </a:p>
+          <a:p>
+            <a:pPr marL="800100" lvl="1" indent="-342900">
+              <a:buAutoNum type="arabicPeriod"/>
+            </a:pPr>
+            <a:r>
+              <a:rPr lang="en-US" dirty="0"/>
+              <a:t>Track of all adjacent to a particular edge</a:t>
+            </a:r>
+          </a:p>
+          <a:p>
+            <a:pPr marL="800100" lvl="1" indent="-342900">
+              <a:buAutoNum type="arabicPeriod"/>
+            </a:pPr>
+            <a:r>
+              <a:rPr lang="en-US" dirty="0"/>
+              <a:t>Need to check relevant list of adjacent </a:t>
+            </a:r>
+          </a:p>
+          <a:p>
+            <a:pPr marL="342900" indent="-342900">
+              <a:buAutoNum type="arabicPeriod"/>
+            </a:pPr>
+            <a:endParaRPr lang="en-US" dirty="0"/>
+          </a:p>
+          <a:p>
+            <a:pPr marL="342900" indent="-342900">
+              <a:buAutoNum type="arabicPeriod"/>
+            </a:pPr>
+            <a:r>
+              <a:rPr lang="en-US" dirty="0"/>
+              <a:t>Adjacency Matrix</a:t>
+            </a:r>
+          </a:p>
+          <a:p>
+            <a:pPr marL="800100" lvl="1" indent="-342900">
+              <a:buAutoNum type="arabicPeriod"/>
+            </a:pPr>
+            <a:r>
+              <a:rPr lang="en-US" dirty="0"/>
+              <a:t>Table in form of rows and columns that keep track of all possible edges in terms of YES/NO</a:t>
+            </a:r>
+          </a:p>
+          <a:p>
+            <a:pPr marL="800100" lvl="1" indent="-342900">
+              <a:buAutoNum type="arabicPeriod"/>
+            </a:pPr>
+            <a:r>
+              <a:rPr lang="en-US" dirty="0"/>
+              <a:t>Only need to check one cell.</a:t>
+            </a:r>
+          </a:p>
+          <a:p>
+            <a:pPr marL="800100" lvl="1" indent="-342900">
+              <a:buAutoNum type="arabicPeriod"/>
+            </a:pPr>
+            <a:endParaRPr lang="en-US" dirty="0"/>
+          </a:p>
+          <a:p>
+            <a:pPr marL="342900" indent="-342900">
+              <a:buAutoNum type="arabicPeriod"/>
+            </a:pPr>
+            <a:endParaRPr lang="en-US" dirty="0"/>
+          </a:p>
         </p:txBody>
       </p:sp>
       <p:sp>
@@ -9520,7 +9443,7 @@
           <p:cNvPr id="4" name="Rectangle 3">
             <a:extLst>
               <a:ext uri="{FF2B5EF4-FFF2-40B4-BE49-F238E27FC236}">
-                <a16:creationId xmlns:a16="http://schemas.microsoft.com/office/drawing/2014/main" id="{B66E0DA8-7939-4E38-92BD-695D6004DF37}"/>
+                <a16:creationId xmlns:a16="http://schemas.microsoft.com/office/drawing/2014/main" id="{06FD0CC3-8142-4DC7-AD32-79DE24435108}"/>
               </a:ext>
             </a:extLst>
           </p:cNvPr>
@@ -9584,7 +9507,7 @@
           <p:cNvPr id="5" name="Rectangle 4">
             <a:extLst>
               <a:ext uri="{FF2B5EF4-FFF2-40B4-BE49-F238E27FC236}">
-                <a16:creationId xmlns:a16="http://schemas.microsoft.com/office/drawing/2014/main" id="{408F8904-5AD1-4CD6-B9D2-930954629029}"/>
+                <a16:creationId xmlns:a16="http://schemas.microsoft.com/office/drawing/2014/main" id="{CB2AF524-26BE-4938-A569-EC9603BD581D}"/>
               </a:ext>
             </a:extLst>
           </p:cNvPr>
@@ -9647,7 +9570,7 @@
           <p:cNvPr id="6" name="TextBox 5">
             <a:extLst>
               <a:ext uri="{FF2B5EF4-FFF2-40B4-BE49-F238E27FC236}">
-                <a16:creationId xmlns:a16="http://schemas.microsoft.com/office/drawing/2014/main" id="{6F485EDD-1FD3-47DD-87C8-54A5E71A4B75}"/>
+                <a16:creationId xmlns:a16="http://schemas.microsoft.com/office/drawing/2014/main" id="{91ABEE54-6401-42E9-AC9D-A367923E5147}"/>
               </a:ext>
             </a:extLst>
           </p:cNvPr>
@@ -9685,7 +9608,7 @@
     </p:spTree>
     <p:extLst>
       <p:ext uri="{BB962C8B-B14F-4D97-AF65-F5344CB8AC3E}">
-        <p14:creationId xmlns:p14="http://schemas.microsoft.com/office/powerpoint/2010/main" val="3045866047"/>
+        <p14:creationId xmlns:p14="http://schemas.microsoft.com/office/powerpoint/2010/main" val="3072984554"/>
       </p:ext>
     </p:extLst>
   </p:cSld>
@@ -9714,129 +9637,220 @@
       </p:grpSpPr>
       <p:sp>
         <p:nvSpPr>
-          <p:cNvPr id="2" name="Title 1">
-            <a:extLst>
-              <a:ext uri="{FF2B5EF4-FFF2-40B4-BE49-F238E27FC236}">
-                <a16:creationId xmlns:a16="http://schemas.microsoft.com/office/drawing/2014/main" id="{F53F7F84-3779-F19C-0419-35270F37BEB9}"/>
-              </a:ext>
-            </a:extLst>
-          </p:cNvPr>
-          <p:cNvSpPr>
-            <a:spLocks noGrp="1"/>
-          </p:cNvSpPr>
-          <p:nvPr>
-            <p:ph type="title"/>
-          </p:nvPr>
-        </p:nvSpPr>
-        <p:spPr>
-          <a:xfrm>
-            <a:off x="838200" y="365126"/>
-            <a:ext cx="9456174" cy="568940"/>
-          </a:xfrm>
-        </p:spPr>
-        <p:txBody>
-          <a:bodyPr>
-            <a:normAutofit fontScale="90000"/>
+          <p:cNvPr id="2" name="TextBox 1">
+            <a:extLst>
+              <a:ext uri="{FF2B5EF4-FFF2-40B4-BE49-F238E27FC236}">
+                <a16:creationId xmlns:a16="http://schemas.microsoft.com/office/drawing/2014/main" id="{199B9149-BCE3-E8FF-B980-A671C271C1F7}"/>
+              </a:ext>
+            </a:extLst>
+          </p:cNvPr>
+          <p:cNvSpPr txBox="1"/>
+          <p:nvPr/>
+        </p:nvSpPr>
+        <p:spPr>
+          <a:xfrm>
+            <a:off x="428625" y="628651"/>
+            <a:ext cx="5472112" cy="1089529"/>
+          </a:xfrm>
+          <a:prstGeom prst="rect">
+            <a:avLst/>
+          </a:prstGeom>
+          <a:noFill/>
+        </p:spPr>
+        <p:txBody>
+          <a:bodyPr wrap="square" rtlCol="0">
+            <a:spAutoFit/>
           </a:bodyPr>
           <a:lstStyle/>
           <a:p>
-            <a:r>
-              <a:rPr lang="en-US" b="1" dirty="0"/>
-              <a:t>RECURSION:</a:t>
-            </a:r>
-          </a:p>
-        </p:txBody>
-      </p:sp>
-      <p:sp>
-        <p:nvSpPr>
-          <p:cNvPr id="3" name="Content Placeholder 2">
-            <a:extLst>
-              <a:ext uri="{FF2B5EF4-FFF2-40B4-BE49-F238E27FC236}">
-                <a16:creationId xmlns:a16="http://schemas.microsoft.com/office/drawing/2014/main" id="{966624D1-576C-AC87-B49D-B0CFB2390EA1}"/>
-              </a:ext>
-            </a:extLst>
-          </p:cNvPr>
-          <p:cNvSpPr>
-            <a:spLocks noGrp="1"/>
-          </p:cNvSpPr>
-          <p:nvPr>
-            <p:ph idx="1"/>
-          </p:nvPr>
-        </p:nvSpPr>
-        <p:spPr>
-          <a:xfrm>
-            <a:off x="678426" y="1170038"/>
-            <a:ext cx="6312309" cy="5043948"/>
-          </a:xfrm>
-        </p:spPr>
-        <p:txBody>
-          <a:bodyPr>
-            <a:normAutofit lnSpcReduction="10000"/>
+            <a:pPr>
+              <a:lnSpc>
+                <a:spcPct val="90000"/>
+              </a:lnSpc>
+              <a:spcBef>
+                <a:spcPct val="0"/>
+              </a:spcBef>
+            </a:pPr>
+            <a:r>
+              <a:rPr lang="en-US" sz="3600" b="1" dirty="0">
+                <a:latin typeface="Arial Black" panose="020B0A04020102020204" pitchFamily="34" charset="0"/>
+                <a:ea typeface="+mj-ea"/>
+                <a:cs typeface="+mj-cs"/>
+              </a:rPr>
+              <a:t>Things we need for our area of research:</a:t>
+            </a:r>
+          </a:p>
+        </p:txBody>
+      </p:sp>
+      <p:sp>
+        <p:nvSpPr>
+          <p:cNvPr id="3" name="TextBox 2">
+            <a:extLst>
+              <a:ext uri="{FF2B5EF4-FFF2-40B4-BE49-F238E27FC236}">
+                <a16:creationId xmlns:a16="http://schemas.microsoft.com/office/drawing/2014/main" id="{2A3DBAD7-0349-C138-49F2-34BA414DC8BC}"/>
+              </a:ext>
+            </a:extLst>
+          </p:cNvPr>
+          <p:cNvSpPr txBox="1"/>
+          <p:nvPr/>
+        </p:nvSpPr>
+        <p:spPr>
+          <a:xfrm>
+            <a:off x="657225" y="2557463"/>
+            <a:ext cx="6777433" cy="1754326"/>
+          </a:xfrm>
+          <a:prstGeom prst="rect">
+            <a:avLst/>
+          </a:prstGeom>
+          <a:noFill/>
+        </p:spPr>
+        <p:txBody>
+          <a:bodyPr wrap="none" rtlCol="0">
+            <a:spAutoFit/>
           </a:bodyPr>
           <a:lstStyle/>
           <a:p>
-            <a:r>
-              <a:rPr lang="en-US" b="1" dirty="0"/>
-              <a:t>BASE CASE:</a:t>
-            </a:r>
-            <a:br>
-              <a:rPr lang="en-US" b="1" dirty="0"/>
-            </a:br>
-            <a:r>
-              <a:rPr lang="en-US" sz="2000" dirty="0"/>
-              <a:t>       </a:t>
-            </a:r>
-            <a:r>
-              <a:rPr lang="en-US" sz="2400" dirty="0"/>
-              <a:t>a condition that allows an algorithm stops further recursive calls and return a result.</a:t>
-            </a:r>
-          </a:p>
-          <a:p>
-            <a:r>
-              <a:rPr lang="en-US" b="1" dirty="0"/>
-              <a:t>Recursive case:</a:t>
-            </a:r>
-            <a:br>
-              <a:rPr lang="en-US" sz="3600" b="1" dirty="0"/>
-            </a:br>
-            <a:r>
-              <a:rPr lang="en-US" sz="3600" dirty="0"/>
-              <a:t>      </a:t>
-            </a:r>
-            <a:r>
-              <a:rPr lang="en-US" sz="2400" dirty="0"/>
-              <a:t>It is the part of a recursive function that breaks down a problem into smaller subproblems, which moves the problem closer to the base case.</a:t>
-            </a:r>
-            <a:br>
-              <a:rPr lang="en-US" sz="2400" b="1" dirty="0"/>
-            </a:br>
-            <a:br>
-              <a:rPr lang="en-US" sz="2400" b="1" dirty="0"/>
-            </a:br>
-            <a:r>
-              <a:rPr lang="en-US" sz="2400" b="1" dirty="0"/>
-              <a:t>RECURSIVE FUNCTION:</a:t>
-            </a:r>
-            <a:br>
-              <a:rPr lang="en-US" sz="2400" b="1" dirty="0"/>
-            </a:br>
-            <a:r>
-              <a:rPr lang="en-US" sz="2400" b="1" dirty="0"/>
-              <a:t>    </a:t>
-            </a:r>
-            <a:r>
-              <a:rPr lang="en-US" sz="2400" dirty="0">
-                <a:latin typeface="+mj-lt"/>
+            <a:pPr marL="347472" indent="-347472" algn="l" rtl="0" eaLnBrk="1" latinLnBrk="0" hangingPunct="1">
+              <a:spcBef>
+                <a:spcPts val="0"/>
+              </a:spcBef>
+              <a:spcAft>
+                <a:spcPts val="0"/>
+              </a:spcAft>
+              <a:buClrTx/>
+              <a:buSzPts val="1800"/>
+              <a:buFont typeface="+mj-lt"/>
+              <a:buAutoNum type="arabicPeriod"/>
+            </a:pPr>
+            <a:r>
+              <a:rPr lang="en-US" sz="1800" kern="1200" dirty="0">
+                <a:solidFill>
+                  <a:srgbClr val="000000"/>
+                </a:solidFill>
+                <a:effectLst/>
+                <a:latin typeface="Calibri" panose="020F0502020204030204" pitchFamily="34" charset="0"/>
+                <a:ea typeface="+mn-ea"/>
+                <a:cs typeface="+mn-cs"/>
               </a:rPr>
-              <a:t>Recursive function is a function that values at any point can be calculated from the values of the function at some previous points</a:t>
-            </a:r>
-            <a:br>
-              <a:rPr lang="en-US" sz="2400" b="1" dirty="0"/>
-            </a:br>
-            <a:r>
-              <a:rPr lang="en-US" sz="2400" b="1" dirty="0"/>
-              <a:t>        </a:t>
-            </a:r>
+              <a:t>How to traverse a graph</a:t>
+            </a:r>
+            <a:endParaRPr lang="en-US" dirty="0"/>
+          </a:p>
+          <a:p>
+            <a:pPr marL="347472" indent="-347472" algn="l" rtl="0" eaLnBrk="1" latinLnBrk="0" hangingPunct="1">
+              <a:spcBef>
+                <a:spcPts val="0"/>
+              </a:spcBef>
+              <a:spcAft>
+                <a:spcPts val="0"/>
+              </a:spcAft>
+              <a:buClrTx/>
+              <a:buSzPts val="1800"/>
+              <a:buFont typeface="+mj-lt"/>
+              <a:buAutoNum type="arabicPeriod"/>
+            </a:pPr>
+            <a:r>
+              <a:rPr lang="en-US" sz="1800" kern="1200" dirty="0">
+                <a:solidFill>
+                  <a:srgbClr val="000000"/>
+                </a:solidFill>
+                <a:effectLst/>
+                <a:latin typeface="Calibri" panose="020F0502020204030204" pitchFamily="34" charset="0"/>
+                <a:ea typeface="+mn-ea"/>
+                <a:cs typeface="+mn-cs"/>
+              </a:rPr>
+              <a:t>Count neighbors of a vertex</a:t>
+            </a:r>
+            <a:endParaRPr lang="en-US" dirty="0"/>
+          </a:p>
+          <a:p>
+            <a:pPr marL="347472" indent="-347472" algn="l" rtl="0" eaLnBrk="1" latinLnBrk="0" hangingPunct="1">
+              <a:spcBef>
+                <a:spcPts val="0"/>
+              </a:spcBef>
+              <a:spcAft>
+                <a:spcPts val="0"/>
+              </a:spcAft>
+              <a:buClrTx/>
+              <a:buSzPts val="1800"/>
+              <a:buFont typeface="+mj-lt"/>
+              <a:buAutoNum type="arabicPeriod"/>
+            </a:pPr>
+            <a:r>
+              <a:rPr lang="en-US" sz="1800" kern="1200" dirty="0">
+                <a:solidFill>
+                  <a:srgbClr val="000000"/>
+                </a:solidFill>
+                <a:effectLst/>
+                <a:latin typeface="Calibri" panose="020F0502020204030204" pitchFamily="34" charset="0"/>
+                <a:ea typeface="+mn-ea"/>
+                <a:cs typeface="+mn-cs"/>
+              </a:rPr>
+              <a:t>Count degree of a vertex(number of edges meeting at that vertex) </a:t>
+            </a:r>
+            <a:endParaRPr lang="en-US" dirty="0"/>
+          </a:p>
+          <a:p>
+            <a:pPr marL="347472" indent="-347472" algn="l" rtl="0" eaLnBrk="1" latinLnBrk="0" hangingPunct="1">
+              <a:spcBef>
+                <a:spcPts val="0"/>
+              </a:spcBef>
+              <a:spcAft>
+                <a:spcPts val="0"/>
+              </a:spcAft>
+              <a:buClrTx/>
+              <a:buSzPts val="1800"/>
+              <a:buFont typeface="+mj-lt"/>
+              <a:buAutoNum type="arabicPeriod"/>
+            </a:pPr>
+            <a:r>
+              <a:rPr lang="en-US" sz="1800" kern="1200" dirty="0">
+                <a:solidFill>
+                  <a:srgbClr val="000000"/>
+                </a:solidFill>
+                <a:effectLst/>
+                <a:latin typeface="Calibri" panose="020F0502020204030204" pitchFamily="34" charset="0"/>
+                <a:ea typeface="+mn-ea"/>
+                <a:cs typeface="+mn-cs"/>
+              </a:rPr>
+              <a:t>Deleting and inserting edges</a:t>
+            </a:r>
+            <a:endParaRPr lang="en-US" dirty="0"/>
+          </a:p>
+          <a:p>
+            <a:pPr marL="347472" indent="-347472" algn="l" rtl="0" eaLnBrk="1" latinLnBrk="0" hangingPunct="1">
+              <a:spcBef>
+                <a:spcPts val="0"/>
+              </a:spcBef>
+              <a:spcAft>
+                <a:spcPts val="0"/>
+              </a:spcAft>
+              <a:buClrTx/>
+              <a:buSzPts val="1800"/>
+              <a:buFont typeface="+mj-lt"/>
+              <a:buAutoNum type="arabicPeriod"/>
+            </a:pPr>
+            <a:r>
+              <a:rPr lang="en-US" sz="1800" kern="1200" dirty="0">
+                <a:solidFill>
+                  <a:srgbClr val="000000"/>
+                </a:solidFill>
+                <a:effectLst/>
+                <a:latin typeface="Calibri" panose="020F0502020204030204" pitchFamily="34" charset="0"/>
+                <a:ea typeface="+mn-ea"/>
+                <a:cs typeface="+mn-cs"/>
+              </a:rPr>
+              <a:t>Path and cycle of vertices</a:t>
+            </a:r>
+            <a:endParaRPr lang="en-US" dirty="0">
+              <a:effectLst/>
+            </a:endParaRPr>
+          </a:p>
+          <a:p>
+            <a:pPr marL="342900" indent="-342900">
+              <a:buAutoNum type="arabicPeriod"/>
+            </a:pPr>
+            <a:endParaRPr lang="en-US" dirty="0"/>
           </a:p>
         </p:txBody>
       </p:sp>
@@ -9845,7 +9859,7 @@
           <p:cNvPr id="4" name="Rectangle 3">
             <a:extLst>
               <a:ext uri="{FF2B5EF4-FFF2-40B4-BE49-F238E27FC236}">
-                <a16:creationId xmlns:a16="http://schemas.microsoft.com/office/drawing/2014/main" id="{45A9D8C7-6844-4689-B159-7026F956741A}"/>
+                <a16:creationId xmlns:a16="http://schemas.microsoft.com/office/drawing/2014/main" id="{B66E0DA8-7939-4E38-92BD-695D6004DF37}"/>
               </a:ext>
             </a:extLst>
           </p:cNvPr>
@@ -9909,7 +9923,7 @@
           <p:cNvPr id="5" name="Rectangle 4">
             <a:extLst>
               <a:ext uri="{FF2B5EF4-FFF2-40B4-BE49-F238E27FC236}">
-                <a16:creationId xmlns:a16="http://schemas.microsoft.com/office/drawing/2014/main" id="{BC7BD289-144D-481D-BC73-36A78CF57055}"/>
+                <a16:creationId xmlns:a16="http://schemas.microsoft.com/office/drawing/2014/main" id="{408F8904-5AD1-4CD6-B9D2-930954629029}"/>
               </a:ext>
             </a:extLst>
           </p:cNvPr>
@@ -9972,7 +9986,7 @@
           <p:cNvPr id="6" name="TextBox 5">
             <a:extLst>
               <a:ext uri="{FF2B5EF4-FFF2-40B4-BE49-F238E27FC236}">
-                <a16:creationId xmlns:a16="http://schemas.microsoft.com/office/drawing/2014/main" id="{821A9147-9B52-4773-A5BA-56F843291056}"/>
+                <a16:creationId xmlns:a16="http://schemas.microsoft.com/office/drawing/2014/main" id="{6F485EDD-1FD3-47DD-87C8-54A5E71A4B75}"/>
               </a:ext>
             </a:extLst>
           </p:cNvPr>
@@ -10010,7 +10024,7 @@
     </p:spTree>
     <p:extLst>
       <p:ext uri="{BB962C8B-B14F-4D97-AF65-F5344CB8AC3E}">
-        <p14:creationId xmlns:p14="http://schemas.microsoft.com/office/powerpoint/2010/main" val="681848417"/>
+        <p14:creationId xmlns:p14="http://schemas.microsoft.com/office/powerpoint/2010/main" val="3045866047"/>
       </p:ext>
     </p:extLst>
   </p:cSld>
@@ -10042,7 +10056,7 @@
           <p:cNvPr id="2" name="Title 1">
             <a:extLst>
               <a:ext uri="{FF2B5EF4-FFF2-40B4-BE49-F238E27FC236}">
-                <a16:creationId xmlns:a16="http://schemas.microsoft.com/office/drawing/2014/main" id="{702DA543-C91E-61A5-6A9C-86CB92B78E34}"/>
+                <a16:creationId xmlns:a16="http://schemas.microsoft.com/office/drawing/2014/main" id="{F53F7F84-3779-F19C-0419-35270F37BEB9}"/>
               </a:ext>
             </a:extLst>
           </p:cNvPr>
@@ -10055,17 +10069,19 @@
         </p:nvSpPr>
         <p:spPr>
           <a:xfrm>
-            <a:off x="838200" y="365125"/>
-            <a:ext cx="10515600" cy="752475"/>
-          </a:xfrm>
-        </p:spPr>
-        <p:txBody>
-          <a:bodyPr/>
-          <a:lstStyle/>
-          <a:p>
-            <a:r>
-              <a:rPr lang="en-US" dirty="0"/>
-              <a:t>HOW RECURSION WORKS :</a:t>
+            <a:off x="838200" y="365126"/>
+            <a:ext cx="9456174" cy="568940"/>
+          </a:xfrm>
+        </p:spPr>
+        <p:txBody>
+          <a:bodyPr>
+            <a:normAutofit fontScale="90000"/>
+          </a:bodyPr>
+          <a:lstStyle/>
+          <a:p>
+            <a:r>
+              <a:rPr lang="en-US" b="1" dirty="0"/>
+              <a:t>RECURSION:</a:t>
             </a:r>
           </a:p>
         </p:txBody>
@@ -10075,7 +10091,7 @@
           <p:cNvPr id="3" name="Content Placeholder 2">
             <a:extLst>
               <a:ext uri="{FF2B5EF4-FFF2-40B4-BE49-F238E27FC236}">
-                <a16:creationId xmlns:a16="http://schemas.microsoft.com/office/drawing/2014/main" id="{E6DBD077-263B-59D3-81D2-E6FBE084C96D}"/>
+                <a16:creationId xmlns:a16="http://schemas.microsoft.com/office/drawing/2014/main" id="{966624D1-576C-AC87-B49D-B0CFB2390EA1}"/>
               </a:ext>
             </a:extLst>
           </p:cNvPr>
@@ -10088,152 +10104,87 @@
         </p:nvSpPr>
         <p:spPr>
           <a:xfrm>
-            <a:off x="838200" y="1117601"/>
-            <a:ext cx="7625080" cy="3809999"/>
+            <a:off x="678426" y="1170038"/>
+            <a:ext cx="6312309" cy="5043948"/>
           </a:xfrm>
         </p:spPr>
         <p:txBody>
           <a:bodyPr>
-            <a:normAutofit/>
+            <a:normAutofit lnSpcReduction="10000"/>
           </a:bodyPr>
           <a:lstStyle/>
           <a:p>
             <a:r>
-              <a:rPr lang="en-US" dirty="0"/>
-              <a:t>Step By Step :</a:t>
-            </a:r>
-          </a:p>
-          <a:p>
-            <a:pPr marL="0" indent="0">
-              <a:buNone/>
-            </a:pPr>
+              <a:rPr lang="en-US" b="1" dirty="0"/>
+              <a:t>BASE CASE:</a:t>
+            </a:r>
+            <a:br>
+              <a:rPr lang="en-US" b="1" dirty="0"/>
+            </a:br>
             <a:r>
               <a:rPr lang="en-US" sz="2000" dirty="0"/>
-              <a:t>Step 2: Step 1 + lowest step.</a:t>
-            </a:r>
-          </a:p>
-          <a:p>
-            <a:pPr marL="0" indent="0">
-              <a:buNone/>
-            </a:pPr>
-            <a:r>
-              <a:rPr lang="en-US" sz="2000" dirty="0"/>
-              <a:t>Step 3: Step 2 + Step 1 + lowest step.</a:t>
-            </a:r>
-          </a:p>
-          <a:p>
-            <a:pPr marL="0" indent="0">
-              <a:buNone/>
-            </a:pPr>
-            <a:r>
-              <a:rPr lang="en-US" sz="2000" dirty="0"/>
-              <a:t>Step 4: Step 3 + step 2 + step 1+ lowest step, and so on.</a:t>
+              <a:t>       </a:t>
+            </a:r>
+            <a:r>
+              <a:rPr lang="en-US" sz="2400" dirty="0"/>
+              <a:t>a condition that allows an algorithm stops further recursive calls and return a result.</a:t>
+            </a:r>
+          </a:p>
+          <a:p>
+            <a:r>
+              <a:rPr lang="en-US" b="1" dirty="0"/>
+              <a:t>Recursive case:</a:t>
             </a:r>
             <a:br>
-              <a:rPr lang="en-US" sz="2000" dirty="0"/>
+              <a:rPr lang="en-US" sz="3600" b="1" dirty="0"/>
             </a:br>
-            <a:endParaRPr lang="en-US" sz="2000" dirty="0"/>
-          </a:p>
-          <a:p>
-            <a:pPr marL="0" indent="0">
-              <a:buNone/>
-            </a:pPr>
-            <a:r>
-              <a:rPr lang="en-US" sz="2000" dirty="0">
+            <a:r>
+              <a:rPr lang="en-US" sz="3600" dirty="0"/>
+              <a:t>      </a:t>
+            </a:r>
+            <a:r>
+              <a:rPr lang="en-US" sz="2400" dirty="0"/>
+              <a:t>It is the part of a recursive function that breaks down a problem into smaller subproblems, which moves the problem closer to the base case.</a:t>
+            </a:r>
+            <a:br>
+              <a:rPr lang="en-US" sz="2400" b="1" dirty="0"/>
+            </a:br>
+            <a:br>
+              <a:rPr lang="en-US" sz="2400" b="1" dirty="0"/>
+            </a:br>
+            <a:r>
+              <a:rPr lang="en-US" sz="2400" b="1" dirty="0"/>
+              <a:t>RECURSIVE FUNCTION:</a:t>
+            </a:r>
+            <a:br>
+              <a:rPr lang="en-US" sz="2400" b="1" dirty="0"/>
+            </a:br>
+            <a:r>
+              <a:rPr lang="en-US" sz="2400" b="1" dirty="0"/>
+              <a:t>    </a:t>
+            </a:r>
+            <a:r>
+              <a:rPr lang="en-US" sz="2400" dirty="0">
                 <a:latin typeface="+mj-lt"/>
               </a:rPr>
-              <a:t>The smallest argument is donated by f(0) or f(1) .</a:t>
-            </a:r>
-          </a:p>
-          <a:p>
-            <a:pPr marL="0" indent="0">
-              <a:buNone/>
-            </a:pPr>
-            <a:r>
-              <a:rPr lang="en-US" sz="2000" dirty="0">
-                <a:latin typeface="+mj-lt"/>
-              </a:rPr>
-              <a:t>The nth argument is donated by f(n).         </a:t>
-            </a:r>
-          </a:p>
-          <a:p>
-            <a:r>
-              <a:rPr lang="en-US" sz="2000" b="1" dirty="0">
-                <a:latin typeface="+mj-lt"/>
-              </a:rPr>
-              <a:t>Example:</a:t>
+              <a:t>Recursive function is a function that values at any point can be calculated from the values of the function at some previous points</a:t>
             </a:r>
             <a:br>
-              <a:rPr lang="en-US" sz="2000" b="1" dirty="0">
-                <a:latin typeface="+mj-lt"/>
-              </a:rPr>
+              <a:rPr lang="en-US" sz="2400" b="1" dirty="0"/>
             </a:br>
             <a:r>
-              <a:rPr lang="en-US" sz="2000" b="1" dirty="0">
-                <a:latin typeface="+mj-lt"/>
-              </a:rPr>
-              <a:t>           </a:t>
-            </a:r>
-            <a:r>
-              <a:rPr lang="en-US" sz="2000" dirty="0" err="1">
-                <a:latin typeface="+mj-lt"/>
-              </a:rPr>
-              <a:t>fibonacci</a:t>
-            </a:r>
-            <a:r>
-              <a:rPr lang="en-US" sz="2000" dirty="0">
-                <a:latin typeface="+mj-lt"/>
-              </a:rPr>
-              <a:t> sequence.</a:t>
-            </a:r>
-            <a:endParaRPr lang="en-US" sz="2000" b="1" dirty="0">
-              <a:latin typeface="+mj-lt"/>
-            </a:endParaRPr>
-          </a:p>
-        </p:txBody>
-      </p:sp>
-      <p:pic>
-        <p:nvPicPr>
-          <p:cNvPr id="7" name="Picture 6" descr="A formula of formula with numbers and symbols&#10;&#10;Description automatically generated with medium confidence">
-            <a:extLst>
-              <a:ext uri="{FF2B5EF4-FFF2-40B4-BE49-F238E27FC236}">
-                <a16:creationId xmlns:a16="http://schemas.microsoft.com/office/drawing/2014/main" id="{0726D2C9-95C2-65EE-4E78-771E9CAAFF76}"/>
-              </a:ext>
-            </a:extLst>
-          </p:cNvPr>
-          <p:cNvPicPr>
-            <a:picLocks noChangeAspect="1"/>
-          </p:cNvPicPr>
-          <p:nvPr/>
-        </p:nvPicPr>
-        <p:blipFill>
-          <a:blip r:embed="rId2">
-            <a:extLst>
-              <a:ext uri="{28A0092B-C50C-407E-A947-70E740481C1C}">
-                <a14:useLocalDpi xmlns:a14="http://schemas.microsoft.com/office/drawing/2010/main" val="0"/>
-              </a:ext>
-            </a:extLst>
-          </a:blip>
-          <a:stretch>
-            <a:fillRect/>
-          </a:stretch>
-        </p:blipFill>
-        <p:spPr>
-          <a:xfrm>
-            <a:off x="7598369" y="1117600"/>
-            <a:ext cx="3351868" cy="2580781"/>
-          </a:xfrm>
-          <a:prstGeom prst="rect">
-            <a:avLst/>
-          </a:prstGeom>
-        </p:spPr>
-      </p:pic>
-      <p:sp>
-        <p:nvSpPr>
-          <p:cNvPr id="5" name="Rectangle 4">
-            <a:extLst>
-              <a:ext uri="{FF2B5EF4-FFF2-40B4-BE49-F238E27FC236}">
-                <a16:creationId xmlns:a16="http://schemas.microsoft.com/office/drawing/2014/main" id="{91B4AE2C-5930-483E-849D-2D49A4AD766E}"/>
+              <a:rPr lang="en-US" sz="2400" b="1" dirty="0"/>
+              <a:t>        </a:t>
+            </a:r>
+          </a:p>
+        </p:txBody>
+      </p:sp>
+      <p:sp>
+        <p:nvSpPr>
+          <p:cNvPr id="4" name="Rectangle 3">
+            <a:extLst>
+              <a:ext uri="{FF2B5EF4-FFF2-40B4-BE49-F238E27FC236}">
+                <a16:creationId xmlns:a16="http://schemas.microsoft.com/office/drawing/2014/main" id="{45A9D8C7-6844-4689-B159-7026F956741A}"/>
               </a:ext>
             </a:extLst>
           </p:cNvPr>
@@ -10294,10 +10245,10 @@
       </p:sp>
       <p:sp>
         <p:nvSpPr>
-          <p:cNvPr id="6" name="Rectangle 5">
-            <a:extLst>
-              <a:ext uri="{FF2B5EF4-FFF2-40B4-BE49-F238E27FC236}">
-                <a16:creationId xmlns:a16="http://schemas.microsoft.com/office/drawing/2014/main" id="{D76DDE97-C0F7-4734-9C70-0993268F6787}"/>
+          <p:cNvPr id="5" name="Rectangle 4">
+            <a:extLst>
+              <a:ext uri="{FF2B5EF4-FFF2-40B4-BE49-F238E27FC236}">
+                <a16:creationId xmlns:a16="http://schemas.microsoft.com/office/drawing/2014/main" id="{BC7BD289-144D-481D-BC73-36A78CF57055}"/>
               </a:ext>
             </a:extLst>
           </p:cNvPr>
@@ -10357,10 +10308,10 @@
       </p:sp>
       <p:sp>
         <p:nvSpPr>
-          <p:cNvPr id="8" name="TextBox 7">
-            <a:extLst>
-              <a:ext uri="{FF2B5EF4-FFF2-40B4-BE49-F238E27FC236}">
-                <a16:creationId xmlns:a16="http://schemas.microsoft.com/office/drawing/2014/main" id="{9B5DAE21-97EA-486C-97DE-22B21B304D0C}"/>
+          <p:cNvPr id="6" name="TextBox 5">
+            <a:extLst>
+              <a:ext uri="{FF2B5EF4-FFF2-40B4-BE49-F238E27FC236}">
+                <a16:creationId xmlns:a16="http://schemas.microsoft.com/office/drawing/2014/main" id="{821A9147-9B52-4773-A5BA-56F843291056}"/>
               </a:ext>
             </a:extLst>
           </p:cNvPr>
@@ -10398,7 +10349,7 @@
     </p:spTree>
     <p:extLst>
       <p:ext uri="{BB962C8B-B14F-4D97-AF65-F5344CB8AC3E}">
-        <p14:creationId xmlns:p14="http://schemas.microsoft.com/office/powerpoint/2010/main" val="3699213669"/>
+        <p14:creationId xmlns:p14="http://schemas.microsoft.com/office/powerpoint/2010/main" val="681848417"/>
       </p:ext>
     </p:extLst>
   </p:cSld>
@@ -10430,7 +10381,7 @@
           <p:cNvPr id="2" name="Title 1">
             <a:extLst>
               <a:ext uri="{FF2B5EF4-FFF2-40B4-BE49-F238E27FC236}">
-                <a16:creationId xmlns:a16="http://schemas.microsoft.com/office/drawing/2014/main" id="{4CB26A3C-A0BC-0EEB-93FB-62793A9C5DCB}"/>
+                <a16:creationId xmlns:a16="http://schemas.microsoft.com/office/drawing/2014/main" id="{702DA543-C91E-61A5-6A9C-86CB92B78E34}"/>
               </a:ext>
             </a:extLst>
           </p:cNvPr>
@@ -10443,8 +10394,41 @@
         </p:nvSpPr>
         <p:spPr>
           <a:xfrm>
-            <a:off x="838200" y="365126"/>
-            <a:ext cx="5120473" cy="860774"/>
+            <a:off x="838200" y="365125"/>
+            <a:ext cx="10515600" cy="752475"/>
+          </a:xfrm>
+        </p:spPr>
+        <p:txBody>
+          <a:bodyPr/>
+          <a:lstStyle/>
+          <a:p>
+            <a:r>
+              <a:rPr lang="en-US" dirty="0"/>
+              <a:t>HOW RECURSION WORKS :</a:t>
+            </a:r>
+          </a:p>
+        </p:txBody>
+      </p:sp>
+      <p:sp>
+        <p:nvSpPr>
+          <p:cNvPr id="3" name="Content Placeholder 2">
+            <a:extLst>
+              <a:ext uri="{FF2B5EF4-FFF2-40B4-BE49-F238E27FC236}">
+                <a16:creationId xmlns:a16="http://schemas.microsoft.com/office/drawing/2014/main" id="{E6DBD077-263B-59D3-81D2-E6FBE084C96D}"/>
+              </a:ext>
+            </a:extLst>
+          </p:cNvPr>
+          <p:cNvSpPr>
+            <a:spLocks noGrp="1"/>
+          </p:cNvSpPr>
+          <p:nvPr>
+            <p:ph idx="1"/>
+          </p:nvPr>
+        </p:nvSpPr>
+        <p:spPr>
+          <a:xfrm>
+            <a:off x="838200" y="1117601"/>
+            <a:ext cx="7625080" cy="3809999"/>
           </a:xfrm>
         </p:spPr>
         <p:txBody>
@@ -10455,52 +10439,104 @@
           <a:p>
             <a:r>
               <a:rPr lang="en-US" dirty="0"/>
-              <a:t>Recursive function:</a:t>
-            </a:r>
+              <a:t>Step By Step :</a:t>
+            </a:r>
+          </a:p>
+          <a:p>
+            <a:pPr marL="0" indent="0">
+              <a:buNone/>
+            </a:pPr>
+            <a:r>
+              <a:rPr lang="en-US" sz="2000" dirty="0"/>
+              <a:t>Step 2: Step 1 + lowest step.</a:t>
+            </a:r>
+          </a:p>
+          <a:p>
+            <a:pPr marL="0" indent="0">
+              <a:buNone/>
+            </a:pPr>
+            <a:r>
+              <a:rPr lang="en-US" sz="2000" dirty="0"/>
+              <a:t>Step 3: Step 2 + Step 1 + lowest step.</a:t>
+            </a:r>
+          </a:p>
+          <a:p>
+            <a:pPr marL="0" indent="0">
+              <a:buNone/>
+            </a:pPr>
+            <a:r>
+              <a:rPr lang="en-US" sz="2000" dirty="0"/>
+              <a:t>Step 4: Step 3 + step 2 + step 1+ lowest step, and so on.</a:t>
+            </a:r>
+            <a:br>
+              <a:rPr lang="en-US" sz="2000" dirty="0"/>
+            </a:br>
+            <a:endParaRPr lang="en-US" sz="2000" dirty="0"/>
+          </a:p>
+          <a:p>
+            <a:pPr marL="0" indent="0">
+              <a:buNone/>
+            </a:pPr>
+            <a:r>
+              <a:rPr lang="en-US" sz="2000" dirty="0">
+                <a:latin typeface="+mj-lt"/>
+              </a:rPr>
+              <a:t>The smallest argument is donated by f(0) or f(1) .</a:t>
+            </a:r>
+          </a:p>
+          <a:p>
+            <a:pPr marL="0" indent="0">
+              <a:buNone/>
+            </a:pPr>
+            <a:r>
+              <a:rPr lang="en-US" sz="2000" dirty="0">
+                <a:latin typeface="+mj-lt"/>
+              </a:rPr>
+              <a:t>The nth argument is donated by f(n).         </a:t>
+            </a:r>
+          </a:p>
+          <a:p>
+            <a:r>
+              <a:rPr lang="en-US" sz="2000" b="1" dirty="0">
+                <a:latin typeface="+mj-lt"/>
+              </a:rPr>
+              <a:t>Example:</a:t>
+            </a:r>
+            <a:br>
+              <a:rPr lang="en-US" sz="2000" b="1" dirty="0">
+                <a:latin typeface="+mj-lt"/>
+              </a:rPr>
+            </a:br>
+            <a:r>
+              <a:rPr lang="en-US" sz="2000" b="1" dirty="0">
+                <a:latin typeface="+mj-lt"/>
+              </a:rPr>
+              <a:t>           </a:t>
+            </a:r>
+            <a:r>
+              <a:rPr lang="en-US" sz="2000" dirty="0" err="1">
+                <a:latin typeface="+mj-lt"/>
+              </a:rPr>
+              <a:t>fibonacci</a:t>
+            </a:r>
+            <a:r>
+              <a:rPr lang="en-US" sz="2000" dirty="0">
+                <a:latin typeface="+mj-lt"/>
+              </a:rPr>
+              <a:t> sequence.</a:t>
+            </a:r>
+            <a:endParaRPr lang="en-US" sz="2000" b="1" dirty="0">
+              <a:latin typeface="+mj-lt"/>
+            </a:endParaRPr>
           </a:p>
         </p:txBody>
       </p:sp>
       <p:pic>
         <p:nvPicPr>
-          <p:cNvPr id="5" name="Content Placeholder 4" descr="A diagram of a tree&#10;&#10;Description automatically generated">
-            <a:extLst>
-              <a:ext uri="{FF2B5EF4-FFF2-40B4-BE49-F238E27FC236}">
-                <a16:creationId xmlns:a16="http://schemas.microsoft.com/office/drawing/2014/main" id="{52073382-5AE2-3093-D6D4-80B4B3EA25A0}"/>
-              </a:ext>
-            </a:extLst>
-          </p:cNvPr>
-          <p:cNvPicPr>
-            <a:picLocks noGrp="1" noChangeAspect="1"/>
-          </p:cNvPicPr>
-          <p:nvPr>
-            <p:ph idx="1"/>
-          </p:nvPr>
-        </p:nvPicPr>
-        <p:blipFill>
-          <a:blip r:embed="rId2">
-            <a:extLst>
-              <a:ext uri="{28A0092B-C50C-407E-A947-70E740481C1C}">
-                <a14:useLocalDpi xmlns:a14="http://schemas.microsoft.com/office/drawing/2010/main" val="0"/>
-              </a:ext>
-            </a:extLst>
-          </a:blip>
-          <a:stretch>
-            <a:fillRect/>
-          </a:stretch>
-        </p:blipFill>
-        <p:spPr>
-          <a:xfrm>
-            <a:off x="7120535" y="-1"/>
-            <a:ext cx="4466079" cy="4301705"/>
-          </a:xfrm>
-        </p:spPr>
-      </p:pic>
-      <p:pic>
-        <p:nvPicPr>
-          <p:cNvPr id="7" name="Picture 6" descr="A math equation with numbers&#10;&#10;Description automatically generated">
-            <a:extLst>
-              <a:ext uri="{FF2B5EF4-FFF2-40B4-BE49-F238E27FC236}">
-                <a16:creationId xmlns:a16="http://schemas.microsoft.com/office/drawing/2014/main" id="{1D27D323-25BB-8BB8-2B40-5CAB37537CEA}"/>
+          <p:cNvPr id="7" name="Picture 6" descr="A formula of formula with numbers and symbols&#10;&#10;Description automatically generated with medium confidence">
+            <a:extLst>
+              <a:ext uri="{FF2B5EF4-FFF2-40B4-BE49-F238E27FC236}">
+                <a16:creationId xmlns:a16="http://schemas.microsoft.com/office/drawing/2014/main" id="{0726D2C9-95C2-65EE-4E78-771E9CAAFF76}"/>
               </a:ext>
             </a:extLst>
           </p:cNvPr>
@@ -10510,7 +10546,7 @@
           <p:nvPr/>
         </p:nvPicPr>
         <p:blipFill>
-          <a:blip r:embed="rId3">
+          <a:blip r:embed="rId2">
             <a:extLst>
               <a:ext uri="{28A0092B-C50C-407E-A947-70E740481C1C}">
                 <a14:useLocalDpi xmlns:a14="http://schemas.microsoft.com/office/drawing/2010/main" val="0"/>
@@ -10523,8 +10559,8 @@
         </p:blipFill>
         <p:spPr>
           <a:xfrm>
-            <a:off x="1056490" y="1298279"/>
-            <a:ext cx="4811748" cy="1430972"/>
+            <a:off x="7598369" y="1117600"/>
+            <a:ext cx="3351868" cy="2580781"/>
           </a:xfrm>
           <a:prstGeom prst="rect">
             <a:avLst/>
@@ -10533,170 +10569,10 @@
       </p:pic>
       <p:sp>
         <p:nvSpPr>
-          <p:cNvPr id="8" name="TextBox 7">
-            <a:extLst>
-              <a:ext uri="{FF2B5EF4-FFF2-40B4-BE49-F238E27FC236}">
-                <a16:creationId xmlns:a16="http://schemas.microsoft.com/office/drawing/2014/main" id="{95A951C0-97BE-1A2D-1A47-93451C2BB49E}"/>
-              </a:ext>
-            </a:extLst>
-          </p:cNvPr>
-          <p:cNvSpPr txBox="1"/>
-          <p:nvPr/>
-        </p:nvSpPr>
-        <p:spPr>
-          <a:xfrm>
-            <a:off x="1056490" y="2974588"/>
-            <a:ext cx="6614652" cy="2308324"/>
-          </a:xfrm>
-          <a:prstGeom prst="rect">
-            <a:avLst/>
-          </a:prstGeom>
-          <a:noFill/>
-        </p:spPr>
-        <p:txBody>
-          <a:bodyPr wrap="square" rtlCol="0">
-            <a:spAutoFit/>
-          </a:bodyPr>
-          <a:lstStyle/>
-          <a:p>
-            <a:pPr marL="342900" indent="-342900">
-              <a:buFont typeface="+mj-lt"/>
-              <a:buAutoNum type="arabicPeriod"/>
-            </a:pPr>
-            <a:r>
-              <a:rPr lang="en-US" dirty="0"/>
-              <a:t>Fibonacci(5) calls </a:t>
-            </a:r>
-            <a:r>
-              <a:rPr lang="en-US" dirty="0">
-                <a:sym typeface="Wingdings" panose="05000000000000000000" pitchFamily="2" charset="2"/>
-              </a:rPr>
-              <a:t> Fibonacci(4) + Fibonacci(3)</a:t>
-            </a:r>
-          </a:p>
-          <a:p>
-            <a:pPr marL="342900" indent="-342900">
-              <a:buFont typeface="+mj-lt"/>
-              <a:buAutoNum type="arabicPeriod"/>
-            </a:pPr>
-            <a:r>
-              <a:rPr lang="en-US" dirty="0"/>
-              <a:t>Fibonacci(4) calls </a:t>
-            </a:r>
-            <a:r>
-              <a:rPr lang="en-US" dirty="0">
-                <a:sym typeface="Wingdings" panose="05000000000000000000" pitchFamily="2" charset="2"/>
-              </a:rPr>
-              <a:t> Fibonacci(3) + Fibonacci(2)</a:t>
-            </a:r>
-          </a:p>
-          <a:p>
-            <a:pPr marL="342900" indent="-342900">
-              <a:buFont typeface="+mj-lt"/>
-              <a:buAutoNum type="arabicPeriod"/>
-            </a:pPr>
-            <a:r>
-              <a:rPr lang="en-US" dirty="0"/>
-              <a:t>Fibonacci(3) calls </a:t>
-            </a:r>
-            <a:r>
-              <a:rPr lang="en-US" dirty="0">
-                <a:sym typeface="Wingdings" panose="05000000000000000000" pitchFamily="2" charset="2"/>
-              </a:rPr>
-              <a:t> Fibonacci(2) + Fibonacci(1)</a:t>
-            </a:r>
-          </a:p>
-          <a:p>
-            <a:pPr marL="342900" indent="-342900">
-              <a:buFont typeface="+mj-lt"/>
-              <a:buAutoNum type="arabicPeriod"/>
-            </a:pPr>
-            <a:r>
-              <a:rPr lang="en-US" dirty="0"/>
-              <a:t>Fibonacci(2) calls </a:t>
-            </a:r>
-            <a:r>
-              <a:rPr lang="en-US" dirty="0">
-                <a:sym typeface="Wingdings" panose="05000000000000000000" pitchFamily="2" charset="2"/>
-              </a:rPr>
-              <a:t> Fibonacci(1) + Fibonacci(0)</a:t>
-            </a:r>
-          </a:p>
-          <a:p>
-            <a:pPr marL="342900" indent="-342900">
-              <a:buFont typeface="+mj-lt"/>
-              <a:buAutoNum type="arabicPeriod"/>
-            </a:pPr>
-            <a:r>
-              <a:rPr lang="en-US" dirty="0"/>
-              <a:t>Base case:</a:t>
-            </a:r>
-            <a:br>
-              <a:rPr lang="en-US" dirty="0"/>
-            </a:br>
-            <a:r>
-              <a:rPr lang="en-US" dirty="0"/>
-              <a:t>        Fibonacci(1) returns 1</a:t>
-            </a:r>
-            <a:br>
-              <a:rPr lang="en-US" dirty="0"/>
-            </a:br>
-            <a:r>
-              <a:rPr lang="en-US" dirty="0"/>
-              <a:t>        Fibonacci(0) returns 0</a:t>
-            </a:r>
-            <a:br>
-              <a:rPr lang="en-US" dirty="0"/>
-            </a:br>
-            <a:r>
-              <a:rPr lang="en-US" dirty="0"/>
-              <a:t>               </a:t>
-            </a:r>
-          </a:p>
-        </p:txBody>
-      </p:sp>
-      <p:pic>
-        <p:nvPicPr>
-          <p:cNvPr id="10" name="Picture 9" descr="A computer screen shot of a number&#10;&#10;Description automatically generated">
-            <a:extLst>
-              <a:ext uri="{FF2B5EF4-FFF2-40B4-BE49-F238E27FC236}">
-                <a16:creationId xmlns:a16="http://schemas.microsoft.com/office/drawing/2014/main" id="{6E42F6D7-CBE1-EB10-84C1-1338C8295F07}"/>
-              </a:ext>
-            </a:extLst>
-          </p:cNvPr>
-          <p:cNvPicPr>
-            <a:picLocks noChangeAspect="1"/>
-          </p:cNvPicPr>
-          <p:nvPr/>
-        </p:nvPicPr>
-        <p:blipFill>
-          <a:blip r:embed="rId4">
-            <a:extLst>
-              <a:ext uri="{28A0092B-C50C-407E-A947-70E740481C1C}">
-                <a14:useLocalDpi xmlns:a14="http://schemas.microsoft.com/office/drawing/2010/main" val="0"/>
-              </a:ext>
-            </a:extLst>
-          </a:blip>
-          <a:stretch>
-            <a:fillRect/>
-          </a:stretch>
-        </p:blipFill>
-        <p:spPr>
-          <a:xfrm>
-            <a:off x="6197094" y="3801325"/>
-            <a:ext cx="5153025" cy="2752725"/>
-          </a:xfrm>
-          <a:prstGeom prst="rect">
-            <a:avLst/>
-          </a:prstGeom>
-        </p:spPr>
-      </p:pic>
-      <p:sp>
-        <p:nvSpPr>
-          <p:cNvPr id="9" name="Rectangle 8">
-            <a:extLst>
-              <a:ext uri="{FF2B5EF4-FFF2-40B4-BE49-F238E27FC236}">
-                <a16:creationId xmlns:a16="http://schemas.microsoft.com/office/drawing/2014/main" id="{1696C30F-9B76-4412-96A5-ED483E2D1E96}"/>
+          <p:cNvPr id="5" name="Rectangle 4">
+            <a:extLst>
+              <a:ext uri="{FF2B5EF4-FFF2-40B4-BE49-F238E27FC236}">
+                <a16:creationId xmlns:a16="http://schemas.microsoft.com/office/drawing/2014/main" id="{91B4AE2C-5930-483E-849D-2D49A4AD766E}"/>
               </a:ext>
             </a:extLst>
           </p:cNvPr>
@@ -10757,10 +10633,10 @@
       </p:sp>
       <p:sp>
         <p:nvSpPr>
-          <p:cNvPr id="11" name="Rectangle 10">
-            <a:extLst>
-              <a:ext uri="{FF2B5EF4-FFF2-40B4-BE49-F238E27FC236}">
-                <a16:creationId xmlns:a16="http://schemas.microsoft.com/office/drawing/2014/main" id="{47BF8ECF-89D6-4DAD-9AB4-9A3C5C98597D}"/>
+          <p:cNvPr id="6" name="Rectangle 5">
+            <a:extLst>
+              <a:ext uri="{FF2B5EF4-FFF2-40B4-BE49-F238E27FC236}">
+                <a16:creationId xmlns:a16="http://schemas.microsoft.com/office/drawing/2014/main" id="{D76DDE97-C0F7-4734-9C70-0993268F6787}"/>
               </a:ext>
             </a:extLst>
           </p:cNvPr>
@@ -10820,10 +10696,10 @@
       </p:sp>
       <p:sp>
         <p:nvSpPr>
-          <p:cNvPr id="12" name="TextBox 11">
-            <a:extLst>
-              <a:ext uri="{FF2B5EF4-FFF2-40B4-BE49-F238E27FC236}">
-                <a16:creationId xmlns:a16="http://schemas.microsoft.com/office/drawing/2014/main" id="{E633C7B8-A0EB-48AD-AF47-763FE61E3965}"/>
+          <p:cNvPr id="8" name="TextBox 7">
+            <a:extLst>
+              <a:ext uri="{FF2B5EF4-FFF2-40B4-BE49-F238E27FC236}">
+                <a16:creationId xmlns:a16="http://schemas.microsoft.com/office/drawing/2014/main" id="{9B5DAE21-97EA-486C-97DE-22B21B304D0C}"/>
               </a:ext>
             </a:extLst>
           </p:cNvPr>
@@ -10861,7 +10737,7 @@
     </p:spTree>
     <p:extLst>
       <p:ext uri="{BB962C8B-B14F-4D97-AF65-F5344CB8AC3E}">
-        <p14:creationId xmlns:p14="http://schemas.microsoft.com/office/powerpoint/2010/main" val="1754468583"/>
+        <p14:creationId xmlns:p14="http://schemas.microsoft.com/office/powerpoint/2010/main" val="3699213669"/>
       </p:ext>
     </p:extLst>
   </p:cSld>
@@ -10893,7 +10769,7 @@
           <p:cNvPr id="2" name="Title 1">
             <a:extLst>
               <a:ext uri="{FF2B5EF4-FFF2-40B4-BE49-F238E27FC236}">
-                <a16:creationId xmlns:a16="http://schemas.microsoft.com/office/drawing/2014/main" id="{4F6E24A9-DAC8-3CD7-F6AF-35F942D93487}"/>
+                <a16:creationId xmlns:a16="http://schemas.microsoft.com/office/drawing/2014/main" id="{4CB26A3C-A0BC-0EEB-93FB-62793A9C5DCB}"/>
               </a:ext>
             </a:extLst>
           </p:cNvPr>
@@ -10906,96 +10782,260 @@
         </p:nvSpPr>
         <p:spPr>
           <a:xfrm>
-            <a:off x="839788" y="987425"/>
-            <a:ext cx="3932237" cy="614361"/>
+            <a:off x="838200" y="365126"/>
+            <a:ext cx="5120473" cy="860774"/>
           </a:xfrm>
         </p:spPr>
         <p:txBody>
           <a:bodyPr>
-            <a:noAutofit/>
+            <a:normAutofit/>
           </a:bodyPr>
           <a:lstStyle/>
           <a:p>
             <a:r>
-              <a:rPr lang="en-US" sz="3600" b="1" dirty="0">
-                <a:latin typeface="Arial Black" panose="020B0A04020102020204" pitchFamily="34" charset="0"/>
-              </a:rPr>
-              <a:t>Graph in Board Games</a:t>
-            </a:r>
-          </a:p>
-        </p:txBody>
-      </p:sp>
-      <p:sp>
-        <p:nvSpPr>
-          <p:cNvPr id="3" name="Content Placeholder 2">
-            <a:extLst>
-              <a:ext uri="{FF2B5EF4-FFF2-40B4-BE49-F238E27FC236}">
-                <a16:creationId xmlns:a16="http://schemas.microsoft.com/office/drawing/2014/main" id="{A9173C1D-2F8B-2792-3149-B0AB3328C944}"/>
-              </a:ext>
-            </a:extLst>
-          </p:cNvPr>
-          <p:cNvSpPr>
-            <a:spLocks noGrp="1"/>
-          </p:cNvSpPr>
+              <a:rPr lang="en-US" dirty="0"/>
+              <a:t>Recursive function:</a:t>
+            </a:r>
+          </a:p>
+        </p:txBody>
+      </p:sp>
+      <p:pic>
+        <p:nvPicPr>
+          <p:cNvPr id="5" name="Content Placeholder 4" descr="A diagram of a tree&#10;&#10;Description automatically generated">
+            <a:extLst>
+              <a:ext uri="{FF2B5EF4-FFF2-40B4-BE49-F238E27FC236}">
+                <a16:creationId xmlns:a16="http://schemas.microsoft.com/office/drawing/2014/main" id="{52073382-5AE2-3093-D6D4-80B4B3EA25A0}"/>
+              </a:ext>
+            </a:extLst>
+          </p:cNvPr>
+          <p:cNvPicPr>
+            <a:picLocks noGrp="1" noChangeAspect="1"/>
+          </p:cNvPicPr>
           <p:nvPr>
             <p:ph idx="1"/>
           </p:nvPr>
-        </p:nvSpPr>
-        <p:spPr/>
-        <p:txBody>
-          <a:bodyPr/>
-          <a:lstStyle/>
-          <a:p>
-            <a:endParaRPr lang="en-US"/>
-          </a:p>
-        </p:txBody>
-      </p:sp>
-      <p:sp>
-        <p:nvSpPr>
-          <p:cNvPr id="4" name="Text Placeholder 3">
-            <a:extLst>
-              <a:ext uri="{FF2B5EF4-FFF2-40B4-BE49-F238E27FC236}">
-                <a16:creationId xmlns:a16="http://schemas.microsoft.com/office/drawing/2014/main" id="{2575CAD2-AC30-D5F5-9D23-CF4A3F0D6D87}"/>
-              </a:ext>
-            </a:extLst>
-          </p:cNvPr>
-          <p:cNvSpPr>
-            <a:spLocks noGrp="1"/>
-          </p:cNvSpPr>
-          <p:nvPr>
-            <p:ph type="body" sz="half" idx="2"/>
-          </p:nvPr>
-        </p:nvSpPr>
-        <p:spPr/>
-        <p:txBody>
-          <a:bodyPr/>
-          <a:lstStyle/>
-          <a:p>
+        </p:nvPicPr>
+        <p:blipFill>
+          <a:blip r:embed="rId2">
+            <a:extLst>
+              <a:ext uri="{28A0092B-C50C-407E-A947-70E740481C1C}">
+                <a14:useLocalDpi xmlns:a14="http://schemas.microsoft.com/office/drawing/2010/main" val="0"/>
+              </a:ext>
+            </a:extLst>
+          </a:blip>
+          <a:stretch>
+            <a:fillRect/>
+          </a:stretch>
+        </p:blipFill>
+        <p:spPr>
+          <a:xfrm>
+            <a:off x="7120535" y="-1"/>
+            <a:ext cx="4466079" cy="4301705"/>
+          </a:xfrm>
+        </p:spPr>
+      </p:pic>
+      <p:pic>
+        <p:nvPicPr>
+          <p:cNvPr id="7" name="Picture 6" descr="A math equation with numbers&#10;&#10;Description automatically generated">
+            <a:extLst>
+              <a:ext uri="{FF2B5EF4-FFF2-40B4-BE49-F238E27FC236}">
+                <a16:creationId xmlns:a16="http://schemas.microsoft.com/office/drawing/2014/main" id="{1D27D323-25BB-8BB8-2B40-5CAB37537CEA}"/>
+              </a:ext>
+            </a:extLst>
+          </p:cNvPr>
+          <p:cNvPicPr>
+            <a:picLocks noChangeAspect="1"/>
+          </p:cNvPicPr>
+          <p:nvPr/>
+        </p:nvPicPr>
+        <p:blipFill>
+          <a:blip r:embed="rId3">
+            <a:extLst>
+              <a:ext uri="{28A0092B-C50C-407E-A947-70E740481C1C}">
+                <a14:useLocalDpi xmlns:a14="http://schemas.microsoft.com/office/drawing/2010/main" val="0"/>
+              </a:ext>
+            </a:extLst>
+          </a:blip>
+          <a:stretch>
+            <a:fillRect/>
+          </a:stretch>
+        </p:blipFill>
+        <p:spPr>
+          <a:xfrm>
+            <a:off x="1056490" y="1298279"/>
+            <a:ext cx="4811748" cy="1430972"/>
+          </a:xfrm>
+          <a:prstGeom prst="rect">
+            <a:avLst/>
+          </a:prstGeom>
+        </p:spPr>
+      </p:pic>
+      <p:sp>
+        <p:nvSpPr>
+          <p:cNvPr id="8" name="TextBox 7">
+            <a:extLst>
+              <a:ext uri="{FF2B5EF4-FFF2-40B4-BE49-F238E27FC236}">
+                <a16:creationId xmlns:a16="http://schemas.microsoft.com/office/drawing/2014/main" id="{95A951C0-97BE-1A2D-1A47-93451C2BB49E}"/>
+              </a:ext>
+            </a:extLst>
+          </p:cNvPr>
+          <p:cNvSpPr txBox="1"/>
+          <p:nvPr/>
+        </p:nvSpPr>
+        <p:spPr>
+          <a:xfrm>
+            <a:off x="1056490" y="2974588"/>
+            <a:ext cx="6614652" cy="2308324"/>
+          </a:xfrm>
+          <a:prstGeom prst="rect">
+            <a:avLst/>
+          </a:prstGeom>
+          <a:noFill/>
+        </p:spPr>
+        <p:txBody>
+          <a:bodyPr wrap="square" rtlCol="0">
+            <a:spAutoFit/>
+          </a:bodyPr>
+          <a:lstStyle/>
+          <a:p>
+            <a:pPr marL="342900" indent="-342900">
+              <a:buFont typeface="+mj-lt"/>
+              <a:buAutoNum type="arabicPeriod"/>
+            </a:pPr>
             <a:r>
               <a:rPr lang="en-US" dirty="0"/>
-              <a:t>Most board games are played two-dimensional grid. </a:t>
-            </a:r>
-          </a:p>
-          <a:p>
+              <a:t>Fibonacci(5) calls </a:t>
+            </a:r>
+            <a:r>
+              <a:rPr lang="en-US" dirty="0">
+                <a:sym typeface="Wingdings" panose="05000000000000000000" pitchFamily="2" charset="2"/>
+              </a:rPr>
+              <a:t> Fibonacci(4) + Fibonacci(3)</a:t>
+            </a:r>
+          </a:p>
+          <a:p>
+            <a:pPr marL="342900" indent="-342900">
+              <a:buFont typeface="+mj-lt"/>
+              <a:buAutoNum type="arabicPeriod"/>
+            </a:pPr>
             <a:r>
               <a:rPr lang="en-US" dirty="0"/>
-              <a:t>• Nodes represent the cells where game pieces are placed. </a:t>
-            </a:r>
-          </a:p>
-          <a:p>
+              <a:t>Fibonacci(4) calls </a:t>
+            </a:r>
+            <a:r>
+              <a:rPr lang="en-US" dirty="0">
+                <a:sym typeface="Wingdings" panose="05000000000000000000" pitchFamily="2" charset="2"/>
+              </a:rPr>
+              <a:t> Fibonacci(3) + Fibonacci(2)</a:t>
+            </a:r>
+          </a:p>
+          <a:p>
+            <a:pPr marL="342900" indent="-342900">
+              <a:buFont typeface="+mj-lt"/>
+              <a:buAutoNum type="arabicPeriod"/>
+            </a:pPr>
             <a:r>
               <a:rPr lang="en-US" dirty="0"/>
-              <a:t>• Winning conditions involve finding paths (edges) with consecutive stones.</a:t>
-            </a:r>
-          </a:p>
-        </p:txBody>
-      </p:sp>
-      <p:sp>
-        <p:nvSpPr>
-          <p:cNvPr id="5" name="Rectangle 4">
-            <a:extLst>
-              <a:ext uri="{FF2B5EF4-FFF2-40B4-BE49-F238E27FC236}">
-                <a16:creationId xmlns:a16="http://schemas.microsoft.com/office/drawing/2014/main" id="{8BE9CAB5-1E9F-4D1E-B1CF-823CA9853DFC}"/>
+              <a:t>Fibonacci(3) calls </a:t>
+            </a:r>
+            <a:r>
+              <a:rPr lang="en-US" dirty="0">
+                <a:sym typeface="Wingdings" panose="05000000000000000000" pitchFamily="2" charset="2"/>
+              </a:rPr>
+              <a:t> Fibonacci(2) + Fibonacci(1)</a:t>
+            </a:r>
+          </a:p>
+          <a:p>
+            <a:pPr marL="342900" indent="-342900">
+              <a:buFont typeface="+mj-lt"/>
+              <a:buAutoNum type="arabicPeriod"/>
+            </a:pPr>
+            <a:r>
+              <a:rPr lang="en-US" dirty="0"/>
+              <a:t>Fibonacci(2) calls </a:t>
+            </a:r>
+            <a:r>
+              <a:rPr lang="en-US" dirty="0">
+                <a:sym typeface="Wingdings" panose="05000000000000000000" pitchFamily="2" charset="2"/>
+              </a:rPr>
+              <a:t> Fibonacci(1) + Fibonacci(0)</a:t>
+            </a:r>
+          </a:p>
+          <a:p>
+            <a:pPr marL="342900" indent="-342900">
+              <a:buFont typeface="+mj-lt"/>
+              <a:buAutoNum type="arabicPeriod"/>
+            </a:pPr>
+            <a:r>
+              <a:rPr lang="en-US" dirty="0"/>
+              <a:t>Base case:</a:t>
+            </a:r>
+            <a:br>
+              <a:rPr lang="en-US" dirty="0"/>
+            </a:br>
+            <a:r>
+              <a:rPr lang="en-US" dirty="0"/>
+              <a:t>        Fibonacci(1) returns 1</a:t>
+            </a:r>
+            <a:br>
+              <a:rPr lang="en-US" dirty="0"/>
+            </a:br>
+            <a:r>
+              <a:rPr lang="en-US" dirty="0"/>
+              <a:t>        Fibonacci(0) returns 0</a:t>
+            </a:r>
+            <a:br>
+              <a:rPr lang="en-US" dirty="0"/>
+            </a:br>
+            <a:r>
+              <a:rPr lang="en-US" dirty="0"/>
+              <a:t>               </a:t>
+            </a:r>
+          </a:p>
+        </p:txBody>
+      </p:sp>
+      <p:pic>
+        <p:nvPicPr>
+          <p:cNvPr id="10" name="Picture 9" descr="A computer screen shot of a number&#10;&#10;Description automatically generated">
+            <a:extLst>
+              <a:ext uri="{FF2B5EF4-FFF2-40B4-BE49-F238E27FC236}">
+                <a16:creationId xmlns:a16="http://schemas.microsoft.com/office/drawing/2014/main" id="{6E42F6D7-CBE1-EB10-84C1-1338C8295F07}"/>
+              </a:ext>
+            </a:extLst>
+          </p:cNvPr>
+          <p:cNvPicPr>
+            <a:picLocks noChangeAspect="1"/>
+          </p:cNvPicPr>
+          <p:nvPr/>
+        </p:nvPicPr>
+        <p:blipFill>
+          <a:blip r:embed="rId4">
+            <a:extLst>
+              <a:ext uri="{28A0092B-C50C-407E-A947-70E740481C1C}">
+                <a14:useLocalDpi xmlns:a14="http://schemas.microsoft.com/office/drawing/2010/main" val="0"/>
+              </a:ext>
+            </a:extLst>
+          </a:blip>
+          <a:stretch>
+            <a:fillRect/>
+          </a:stretch>
+        </p:blipFill>
+        <p:spPr>
+          <a:xfrm>
+            <a:off x="6197094" y="3801325"/>
+            <a:ext cx="5153025" cy="2752725"/>
+          </a:xfrm>
+          <a:prstGeom prst="rect">
+            <a:avLst/>
+          </a:prstGeom>
+        </p:spPr>
+      </p:pic>
+      <p:sp>
+        <p:nvSpPr>
+          <p:cNvPr id="9" name="Rectangle 8">
+            <a:extLst>
+              <a:ext uri="{FF2B5EF4-FFF2-40B4-BE49-F238E27FC236}">
+                <a16:creationId xmlns:a16="http://schemas.microsoft.com/office/drawing/2014/main" id="{1696C30F-9B76-4412-96A5-ED483E2D1E96}"/>
               </a:ext>
             </a:extLst>
           </p:cNvPr>
@@ -11056,10 +11096,10 @@
       </p:sp>
       <p:sp>
         <p:nvSpPr>
-          <p:cNvPr id="6" name="Rectangle 5">
-            <a:extLst>
-              <a:ext uri="{FF2B5EF4-FFF2-40B4-BE49-F238E27FC236}">
-                <a16:creationId xmlns:a16="http://schemas.microsoft.com/office/drawing/2014/main" id="{E97E325A-28B1-4C4F-B37E-2FCDEA1D31F6}"/>
+          <p:cNvPr id="11" name="Rectangle 10">
+            <a:extLst>
+              <a:ext uri="{FF2B5EF4-FFF2-40B4-BE49-F238E27FC236}">
+                <a16:creationId xmlns:a16="http://schemas.microsoft.com/office/drawing/2014/main" id="{47BF8ECF-89D6-4DAD-9AB4-9A3C5C98597D}"/>
               </a:ext>
             </a:extLst>
           </p:cNvPr>
@@ -11119,10 +11159,10 @@
       </p:sp>
       <p:sp>
         <p:nvSpPr>
-          <p:cNvPr id="7" name="TextBox 6">
-            <a:extLst>
-              <a:ext uri="{FF2B5EF4-FFF2-40B4-BE49-F238E27FC236}">
-                <a16:creationId xmlns:a16="http://schemas.microsoft.com/office/drawing/2014/main" id="{082A6B47-852A-448E-9358-60FAD665C28A}"/>
+          <p:cNvPr id="12" name="TextBox 11">
+            <a:extLst>
+              <a:ext uri="{FF2B5EF4-FFF2-40B4-BE49-F238E27FC236}">
+                <a16:creationId xmlns:a16="http://schemas.microsoft.com/office/drawing/2014/main" id="{E633C7B8-A0EB-48AD-AF47-763FE61E3965}"/>
               </a:ext>
             </a:extLst>
           </p:cNvPr>
@@ -11160,7 +11200,7 @@
     </p:spTree>
     <p:extLst>
       <p:ext uri="{BB962C8B-B14F-4D97-AF65-F5344CB8AC3E}">
-        <p14:creationId xmlns:p14="http://schemas.microsoft.com/office/powerpoint/2010/main" val="41218718"/>
+        <p14:creationId xmlns:p14="http://schemas.microsoft.com/office/powerpoint/2010/main" val="1754468583"/>
       </p:ext>
     </p:extLst>
   </p:cSld>
@@ -11189,223 +11229,112 @@
       </p:grpSpPr>
       <p:sp>
         <p:nvSpPr>
-          <p:cNvPr id="2" name="TextBox 1">
-            <a:extLst>
-              <a:ext uri="{FF2B5EF4-FFF2-40B4-BE49-F238E27FC236}">
-                <a16:creationId xmlns:a16="http://schemas.microsoft.com/office/drawing/2014/main" id="{6E50E356-37DA-4535-A5F0-B50C7D4B463F}"/>
-              </a:ext>
-            </a:extLst>
-          </p:cNvPr>
-          <p:cNvSpPr txBox="1"/>
-          <p:nvPr/>
-        </p:nvSpPr>
-        <p:spPr>
-          <a:xfrm>
-            <a:off x="497840" y="528320"/>
-            <a:ext cx="4602480" cy="369332"/>
-          </a:xfrm>
-          <a:prstGeom prst="rect">
-            <a:avLst/>
-          </a:prstGeom>
-          <a:noFill/>
-        </p:spPr>
-        <p:txBody>
-          <a:bodyPr wrap="square" rtlCol="0">
-            <a:spAutoFit/>
+          <p:cNvPr id="2" name="Title 1">
+            <a:extLst>
+              <a:ext uri="{FF2B5EF4-FFF2-40B4-BE49-F238E27FC236}">
+                <a16:creationId xmlns:a16="http://schemas.microsoft.com/office/drawing/2014/main" id="{4F6E24A9-DAC8-3CD7-F6AF-35F942D93487}"/>
+              </a:ext>
+            </a:extLst>
+          </p:cNvPr>
+          <p:cNvSpPr>
+            <a:spLocks noGrp="1"/>
+          </p:cNvSpPr>
+          <p:nvPr>
+            <p:ph type="title"/>
+          </p:nvPr>
+        </p:nvSpPr>
+        <p:spPr>
+          <a:xfrm>
+            <a:off x="839788" y="987425"/>
+            <a:ext cx="3932237" cy="614361"/>
+          </a:xfrm>
+        </p:spPr>
+        <p:txBody>
+          <a:bodyPr>
+            <a:noAutofit/>
           </a:bodyPr>
           <a:lstStyle/>
           <a:p>
             <a:r>
-              <a:rPr lang="en-US" dirty="0">
+              <a:rPr lang="en-US" sz="3600" b="1" dirty="0">
                 <a:latin typeface="Arial Black" panose="020B0A04020102020204" pitchFamily="34" charset="0"/>
               </a:rPr>
-              <a:t>Graph Coloring in Board Games</a:t>
-            </a:r>
-          </a:p>
-        </p:txBody>
-      </p:sp>
-      <p:sp>
-        <p:nvSpPr>
-          <p:cNvPr id="3" name="TextBox 2">
-            <a:extLst>
-              <a:ext uri="{FF2B5EF4-FFF2-40B4-BE49-F238E27FC236}">
-                <a16:creationId xmlns:a16="http://schemas.microsoft.com/office/drawing/2014/main" id="{7E4FD040-A3D1-4B76-8051-4FF75D79F6C4}"/>
-              </a:ext>
-            </a:extLst>
-          </p:cNvPr>
-          <p:cNvSpPr txBox="1"/>
-          <p:nvPr/>
-        </p:nvSpPr>
-        <p:spPr>
-          <a:xfrm>
-            <a:off x="650240" y="1371600"/>
-            <a:ext cx="4145280" cy="2031325"/>
-          </a:xfrm>
-          <a:prstGeom prst="rect">
-            <a:avLst/>
-          </a:prstGeom>
-          <a:noFill/>
-        </p:spPr>
-        <p:txBody>
-          <a:bodyPr wrap="square" rtlCol="0">
-            <a:spAutoFit/>
-          </a:bodyPr>
-          <a:lstStyle/>
-          <a:p>
-            <a:pPr marL="285750" indent="-285750">
-              <a:buFont typeface="Arial" panose="020B0604020202020204" pitchFamily="34" charset="0"/>
-              <a:buChar char="•"/>
-            </a:pPr>
+              <a:t>Graph in Board Games</a:t>
+            </a:r>
+          </a:p>
+        </p:txBody>
+      </p:sp>
+      <p:sp>
+        <p:nvSpPr>
+          <p:cNvPr id="3" name="Content Placeholder 2">
+            <a:extLst>
+              <a:ext uri="{FF2B5EF4-FFF2-40B4-BE49-F238E27FC236}">
+                <a16:creationId xmlns:a16="http://schemas.microsoft.com/office/drawing/2014/main" id="{A9173C1D-2F8B-2792-3149-B0AB3328C944}"/>
+              </a:ext>
+            </a:extLst>
+          </p:cNvPr>
+          <p:cNvSpPr>
+            <a:spLocks noGrp="1"/>
+          </p:cNvSpPr>
+          <p:nvPr>
+            <p:ph idx="1"/>
+          </p:nvPr>
+        </p:nvSpPr>
+        <p:spPr/>
+        <p:txBody>
+          <a:bodyPr/>
+          <a:lstStyle/>
+          <a:p>
+            <a:endParaRPr lang="en-US"/>
+          </a:p>
+        </p:txBody>
+      </p:sp>
+      <p:sp>
+        <p:nvSpPr>
+          <p:cNvPr id="4" name="Text Placeholder 3">
+            <a:extLst>
+              <a:ext uri="{FF2B5EF4-FFF2-40B4-BE49-F238E27FC236}">
+                <a16:creationId xmlns:a16="http://schemas.microsoft.com/office/drawing/2014/main" id="{2575CAD2-AC30-D5F5-9D23-CF4A3F0D6D87}"/>
+              </a:ext>
+            </a:extLst>
+          </p:cNvPr>
+          <p:cNvSpPr>
+            <a:spLocks noGrp="1"/>
+          </p:cNvSpPr>
+          <p:nvPr>
+            <p:ph type="body" sz="half" idx="2"/>
+          </p:nvPr>
+        </p:nvSpPr>
+        <p:spPr/>
+        <p:txBody>
+          <a:bodyPr/>
+          <a:lstStyle/>
+          <a:p>
             <a:r>
               <a:rPr lang="en-US" dirty="0"/>
-              <a:t>involves assigning different colors to the vertices of a graph such that no two adjacent vertices share the same color.</a:t>
-            </a:r>
-          </a:p>
-          <a:p>
-            <a:pPr marL="285750" indent="-285750">
-              <a:buFont typeface="Arial" panose="020B0604020202020204" pitchFamily="34" charset="0"/>
-              <a:buChar char="•"/>
-            </a:pPr>
+              <a:t>Most board games are played two-dimensional grid. </a:t>
+            </a:r>
+          </a:p>
+          <a:p>
             <a:r>
               <a:rPr lang="en-US" dirty="0"/>
-              <a:t>Simplifies game design by managing player interactions and organizing regions.</a:t>
-            </a:r>
-          </a:p>
-        </p:txBody>
-      </p:sp>
-      <p:pic>
-        <p:nvPicPr>
-          <p:cNvPr id="5" name="Picture 4">
-            <a:extLst>
-              <a:ext uri="{FF2B5EF4-FFF2-40B4-BE49-F238E27FC236}">
-                <a16:creationId xmlns:a16="http://schemas.microsoft.com/office/drawing/2014/main" id="{247980FC-C224-4514-901E-C9B97207D2FD}"/>
-              </a:ext>
-            </a:extLst>
-          </p:cNvPr>
-          <p:cNvPicPr>
-            <a:picLocks noChangeAspect="1"/>
-          </p:cNvPicPr>
-          <p:nvPr/>
-        </p:nvPicPr>
-        <p:blipFill>
-          <a:blip r:embed="rId2">
-            <a:extLst>
-              <a:ext uri="{28A0092B-C50C-407E-A947-70E740481C1C}">
-                <a14:useLocalDpi xmlns:a14="http://schemas.microsoft.com/office/drawing/2010/main" val="0"/>
-              </a:ext>
-            </a:extLst>
-          </a:blip>
-          <a:stretch>
-            <a:fillRect/>
-          </a:stretch>
-        </p:blipFill>
-        <p:spPr>
-          <a:xfrm>
-            <a:off x="7833360" y="897652"/>
-            <a:ext cx="1904762" cy="1904762"/>
-          </a:xfrm>
-          <a:prstGeom prst="rect">
-            <a:avLst/>
-          </a:prstGeom>
-        </p:spPr>
-      </p:pic>
-      <p:sp>
-        <p:nvSpPr>
-          <p:cNvPr id="6" name="TextBox 5">
-            <a:extLst>
-              <a:ext uri="{FF2B5EF4-FFF2-40B4-BE49-F238E27FC236}">
-                <a16:creationId xmlns:a16="http://schemas.microsoft.com/office/drawing/2014/main" id="{7FFE7E87-12A9-44B8-B6D2-87BF797DE487}"/>
-              </a:ext>
-            </a:extLst>
-          </p:cNvPr>
-          <p:cNvSpPr txBox="1"/>
-          <p:nvPr/>
-        </p:nvSpPr>
-        <p:spPr>
-          <a:xfrm>
-            <a:off x="975360" y="3749040"/>
-            <a:ext cx="9083040" cy="923330"/>
-          </a:xfrm>
-          <a:prstGeom prst="rect">
-            <a:avLst/>
-          </a:prstGeom>
-          <a:noFill/>
-        </p:spPr>
-        <p:txBody>
-          <a:bodyPr wrap="square" rtlCol="0">
-            <a:spAutoFit/>
-          </a:bodyPr>
-          <a:lstStyle/>
-          <a:p>
-            <a:pPr marL="342900" indent="-342900">
-              <a:buFont typeface="+mj-lt"/>
-              <a:buAutoNum type="arabicPeriod"/>
-            </a:pPr>
+              <a:t>• Nodes represent the cells where game pieces are placed. </a:t>
+            </a:r>
+          </a:p>
+          <a:p>
             <a:r>
               <a:rPr lang="en-US" dirty="0"/>
-              <a:t>Territory </a:t>
-            </a:r>
-            <a:r>
-              <a:rPr lang="en-US" dirty="0" err="1"/>
-              <a:t>Colouring</a:t>
-            </a:r>
-            <a:r>
-              <a:rPr lang="en-US" dirty="0"/>
-              <a:t>:  Assigning different </a:t>
-            </a:r>
-            <a:r>
-              <a:rPr lang="en-US" dirty="0" err="1"/>
-              <a:t>colours</a:t>
-            </a:r>
-            <a:r>
-              <a:rPr lang="en-US" dirty="0"/>
-              <a:t> to </a:t>
-            </a:r>
-            <a:r>
-              <a:rPr lang="en-US" dirty="0" err="1"/>
-              <a:t>neighbouring</a:t>
-            </a:r>
-            <a:r>
-              <a:rPr lang="en-US" dirty="0"/>
-              <a:t> territories.</a:t>
-            </a:r>
-          </a:p>
-          <a:p>
-            <a:pPr marL="342900" indent="-342900">
-              <a:buFont typeface="+mj-lt"/>
-              <a:buAutoNum type="arabicPeriod"/>
-            </a:pPr>
-            <a:r>
-              <a:rPr lang="en-US" dirty="0"/>
-              <a:t>Player moves: Useful in multiplayer games to minimize conflicts.</a:t>
-            </a:r>
-          </a:p>
-          <a:p>
-            <a:pPr marL="342900" indent="-342900">
-              <a:buFont typeface="+mj-lt"/>
-              <a:buAutoNum type="arabicPeriod"/>
-            </a:pPr>
-            <a:r>
-              <a:rPr lang="en-US" dirty="0"/>
-              <a:t>Puzzle Solving: No two adjacent players have the same </a:t>
-            </a:r>
-            <a:r>
-              <a:rPr lang="en-US" dirty="0" err="1"/>
-              <a:t>colours</a:t>
-            </a:r>
-            <a:r>
-              <a:rPr lang="en-US" dirty="0"/>
-              <a:t>.</a:t>
-            </a:r>
-          </a:p>
-        </p:txBody>
-      </p:sp>
-      <p:sp>
-        <p:nvSpPr>
-          <p:cNvPr id="7" name="Rectangle 6">
-            <a:extLst>
-              <a:ext uri="{FF2B5EF4-FFF2-40B4-BE49-F238E27FC236}">
-                <a16:creationId xmlns:a16="http://schemas.microsoft.com/office/drawing/2014/main" id="{23655A8C-9705-405D-B5FB-0B99AD6BB690}"/>
+              <a:t>• Winning conditions involve finding paths (edges) with consecutive stones.</a:t>
+            </a:r>
+          </a:p>
+        </p:txBody>
+      </p:sp>
+      <p:sp>
+        <p:nvSpPr>
+          <p:cNvPr id="5" name="Rectangle 4">
+            <a:extLst>
+              <a:ext uri="{FF2B5EF4-FFF2-40B4-BE49-F238E27FC236}">
+                <a16:creationId xmlns:a16="http://schemas.microsoft.com/office/drawing/2014/main" id="{8BE9CAB5-1E9F-4D1E-B1CF-823CA9853DFC}"/>
               </a:ext>
             </a:extLst>
           </p:cNvPr>
@@ -11466,10 +11395,10 @@
       </p:sp>
       <p:sp>
         <p:nvSpPr>
-          <p:cNvPr id="8" name="Rectangle 7">
-            <a:extLst>
-              <a:ext uri="{FF2B5EF4-FFF2-40B4-BE49-F238E27FC236}">
-                <a16:creationId xmlns:a16="http://schemas.microsoft.com/office/drawing/2014/main" id="{23808991-1217-42AE-987F-3B0CEBD1FD80}"/>
+          <p:cNvPr id="6" name="Rectangle 5">
+            <a:extLst>
+              <a:ext uri="{FF2B5EF4-FFF2-40B4-BE49-F238E27FC236}">
+                <a16:creationId xmlns:a16="http://schemas.microsoft.com/office/drawing/2014/main" id="{E97E325A-28B1-4C4F-B37E-2FCDEA1D31F6}"/>
               </a:ext>
             </a:extLst>
           </p:cNvPr>
@@ -11529,10 +11458,10 @@
       </p:sp>
       <p:sp>
         <p:nvSpPr>
-          <p:cNvPr id="9" name="TextBox 8">
-            <a:extLst>
-              <a:ext uri="{FF2B5EF4-FFF2-40B4-BE49-F238E27FC236}">
-                <a16:creationId xmlns:a16="http://schemas.microsoft.com/office/drawing/2014/main" id="{8E5FDE61-7D26-41AE-9555-C067EBB092A5}"/>
+          <p:cNvPr id="7" name="TextBox 6">
+            <a:extLst>
+              <a:ext uri="{FF2B5EF4-FFF2-40B4-BE49-F238E27FC236}">
+                <a16:creationId xmlns:a16="http://schemas.microsoft.com/office/drawing/2014/main" id="{082A6B47-852A-448E-9358-60FAD665C28A}"/>
               </a:ext>
             </a:extLst>
           </p:cNvPr>
@@ -11570,7 +11499,7 @@
     </p:spTree>
     <p:extLst>
       <p:ext uri="{BB962C8B-B14F-4D97-AF65-F5344CB8AC3E}">
-        <p14:creationId xmlns:p14="http://schemas.microsoft.com/office/powerpoint/2010/main" val="1875216096"/>
+        <p14:creationId xmlns:p14="http://schemas.microsoft.com/office/powerpoint/2010/main" val="41218718"/>
       </p:ext>
     </p:extLst>
   </p:cSld>
@@ -11599,119 +11528,105 @@
       </p:grpSpPr>
       <p:sp>
         <p:nvSpPr>
-          <p:cNvPr id="2" name="Title 1"/>
-          <p:cNvSpPr>
-            <a:spLocks noGrp="1"/>
-          </p:cNvSpPr>
-          <p:nvPr>
-            <p:ph type="title"/>
-          </p:nvPr>
-        </p:nvSpPr>
-        <p:spPr/>
-        <p:txBody>
-          <a:bodyPr>
-            <a:normAutofit/>
+          <p:cNvPr id="2" name="TextBox 1">
+            <a:extLst>
+              <a:ext uri="{FF2B5EF4-FFF2-40B4-BE49-F238E27FC236}">
+                <a16:creationId xmlns:a16="http://schemas.microsoft.com/office/drawing/2014/main" id="{6E50E356-37DA-4535-A5F0-B50C7D4B463F}"/>
+              </a:ext>
+            </a:extLst>
+          </p:cNvPr>
+          <p:cNvSpPr txBox="1"/>
+          <p:nvPr/>
+        </p:nvSpPr>
+        <p:spPr>
+          <a:xfrm>
+            <a:off x="497840" y="528320"/>
+            <a:ext cx="4602480" cy="369332"/>
+          </a:xfrm>
+          <a:prstGeom prst="rect">
+            <a:avLst/>
+          </a:prstGeom>
+          <a:noFill/>
+        </p:spPr>
+        <p:txBody>
+          <a:bodyPr wrap="square" rtlCol="0">
+            <a:spAutoFit/>
           </a:bodyPr>
           <a:lstStyle/>
           <a:p>
-            <a:pPr algn="ctr"/>
-            <a:r>
-              <a:rPr lang="en-US" sz="3600" b="1" u="sng" dirty="0"/>
-              <a:t>Path finding</a:t>
-            </a:r>
-          </a:p>
-        </p:txBody>
-      </p:sp>
-      <p:sp>
-        <p:nvSpPr>
-          <p:cNvPr id="3" name="Content Placeholder 2"/>
-          <p:cNvSpPr>
-            <a:spLocks noGrp="1"/>
-          </p:cNvSpPr>
-          <p:nvPr>
-            <p:ph idx="1"/>
-          </p:nvPr>
-        </p:nvSpPr>
-        <p:spPr>
-          <a:xfrm>
-            <a:off x="852487" y="1625600"/>
-            <a:ext cx="10515600" cy="2674938"/>
-          </a:xfrm>
-        </p:spPr>
-        <p:txBody>
-          <a:bodyPr>
-            <a:normAutofit/>
+            <a:r>
+              <a:rPr lang="en-US" dirty="0">
+                <a:latin typeface="Arial Black" panose="020B0A04020102020204" pitchFamily="34" charset="0"/>
+              </a:rPr>
+              <a:t>Graph Coloring in Board Games</a:t>
+            </a:r>
+          </a:p>
+        </p:txBody>
+      </p:sp>
+      <p:sp>
+        <p:nvSpPr>
+          <p:cNvPr id="3" name="TextBox 2">
+            <a:extLst>
+              <a:ext uri="{FF2B5EF4-FFF2-40B4-BE49-F238E27FC236}">
+                <a16:creationId xmlns:a16="http://schemas.microsoft.com/office/drawing/2014/main" id="{7E4FD040-A3D1-4B76-8051-4FF75D79F6C4}"/>
+              </a:ext>
+            </a:extLst>
+          </p:cNvPr>
+          <p:cNvSpPr txBox="1"/>
+          <p:nvPr/>
+        </p:nvSpPr>
+        <p:spPr>
+          <a:xfrm>
+            <a:off x="650240" y="1371600"/>
+            <a:ext cx="4145280" cy="2031325"/>
+          </a:xfrm>
+          <a:prstGeom prst="rect">
+            <a:avLst/>
+          </a:prstGeom>
+          <a:noFill/>
+        </p:spPr>
+        <p:txBody>
+          <a:bodyPr wrap="square" rtlCol="0">
+            <a:spAutoFit/>
           </a:bodyPr>
           <a:lstStyle/>
           <a:p>
-            <a:pPr marL="0" indent="0">
-              <a:buNone/>
+            <a:pPr marL="285750" indent="-285750">
+              <a:buFont typeface="Arial" panose="020B0604020202020204" pitchFamily="34" charset="0"/>
+              <a:buChar char="•"/>
             </a:pPr>
             <a:r>
-              <a:rPr lang="en-US" sz="2000" b="1" dirty="0"/>
-              <a:t>Definition:</a:t>
-            </a:r>
-          </a:p>
-          <a:p>
-            <a:pPr marL="0" indent="0">
-              <a:buNone/>
+              <a:rPr lang="en-US" dirty="0"/>
+              <a:t>involves assigning different colors to the vertices of a graph such that no two adjacent vertices share the same color.</a:t>
+            </a:r>
+          </a:p>
+          <a:p>
+            <a:pPr marL="285750" indent="-285750">
+              <a:buFont typeface="Arial" panose="020B0604020202020204" pitchFamily="34" charset="0"/>
+              <a:buChar char="•"/>
             </a:pPr>
             <a:r>
-              <a:rPr lang="en-US" sz="2000" b="1" dirty="0"/>
-              <a:t>	“Pathfinding</a:t>
-            </a:r>
-            <a:r>
-              <a:rPr lang="en-US" sz="2000" dirty="0"/>
-              <a:t> refers to the process of finding a path from one point (vertex) to another in a graph.</a:t>
-            </a:r>
-            <a:r>
-              <a:rPr lang="en-US" sz="2000" b="1" dirty="0"/>
-              <a:t>”</a:t>
-            </a:r>
-          </a:p>
-          <a:p>
-            <a:pPr marL="0" indent="0">
-              <a:buNone/>
-            </a:pPr>
-            <a:endParaRPr lang="en-US" sz="2000" b="1" dirty="0"/>
-          </a:p>
-          <a:p>
-            <a:pPr marL="0" indent="0">
-              <a:buNone/>
-            </a:pPr>
-            <a:r>
-              <a:rPr lang="en-US" sz="2000" dirty="0"/>
-              <a:t>A </a:t>
-            </a:r>
-            <a:r>
-              <a:rPr lang="en-US" sz="2000" b="1" dirty="0"/>
-              <a:t>path</a:t>
-            </a:r>
-            <a:r>
-              <a:rPr lang="en-US" sz="2000" dirty="0"/>
-              <a:t> in a graph is a sequence of edges that connects a series of vertices.</a:t>
-            </a:r>
-          </a:p>
-          <a:p>
-            <a:pPr marL="0" indent="0">
-              <a:buNone/>
-            </a:pPr>
-            <a:r>
-              <a:rPr lang="en-US" sz="2000" dirty="0"/>
-              <a:t>It can be represented as a list of vertices starting from a source node and ending at a destination node, with each consecutive vertex connected by an edge.</a:t>
+              <a:rPr lang="en-US" dirty="0"/>
+              <a:t>Simplifies game design by managing player interactions and organizing regions.</a:t>
             </a:r>
           </a:p>
         </p:txBody>
       </p:sp>
       <p:pic>
         <p:nvPicPr>
-          <p:cNvPr id="4" name="Picture 3"/>
+          <p:cNvPr id="5" name="Picture 4">
+            <a:extLst>
+              <a:ext uri="{FF2B5EF4-FFF2-40B4-BE49-F238E27FC236}">
+                <a16:creationId xmlns:a16="http://schemas.microsoft.com/office/drawing/2014/main" id="{247980FC-C224-4514-901E-C9B97207D2FD}"/>
+              </a:ext>
+            </a:extLst>
+          </p:cNvPr>
           <p:cNvPicPr>
             <a:picLocks noChangeAspect="1"/>
           </p:cNvPicPr>
           <p:nvPr/>
         </p:nvPicPr>
-        <p:blipFill rotWithShape="1">
+        <p:blipFill>
           <a:blip r:embed="rId2">
             <a:extLst>
               <a:ext uri="{28A0092B-C50C-407E-A947-70E740481C1C}">
@@ -11719,13 +11634,14 @@
               </a:ext>
             </a:extLst>
           </a:blip>
-          <a:srcRect b="13698"/>
-          <a:stretch/>
+          <a:stretch>
+            <a:fillRect/>
+          </a:stretch>
         </p:blipFill>
         <p:spPr>
           <a:xfrm>
-            <a:off x="3324222" y="4143374"/>
-            <a:ext cx="5423384" cy="2343151"/>
+            <a:off x="7833360" y="897652"/>
+            <a:ext cx="1904762" cy="1904762"/>
           </a:xfrm>
           <a:prstGeom prst="rect">
             <a:avLst/>
@@ -11734,10 +11650,101 @@
       </p:pic>
       <p:sp>
         <p:nvSpPr>
-          <p:cNvPr id="5" name="Rectangle 4">
-            <a:extLst>
-              <a:ext uri="{FF2B5EF4-FFF2-40B4-BE49-F238E27FC236}">
-                <a16:creationId xmlns:a16="http://schemas.microsoft.com/office/drawing/2014/main" id="{FDD930B3-0AF6-4259-B357-12C09F6087C7}"/>
+          <p:cNvPr id="6" name="TextBox 5">
+            <a:extLst>
+              <a:ext uri="{FF2B5EF4-FFF2-40B4-BE49-F238E27FC236}">
+                <a16:creationId xmlns:a16="http://schemas.microsoft.com/office/drawing/2014/main" id="{7FFE7E87-12A9-44B8-B6D2-87BF797DE487}"/>
+              </a:ext>
+            </a:extLst>
+          </p:cNvPr>
+          <p:cNvSpPr txBox="1"/>
+          <p:nvPr/>
+        </p:nvSpPr>
+        <p:spPr>
+          <a:xfrm>
+            <a:off x="975360" y="3749040"/>
+            <a:ext cx="9083040" cy="923330"/>
+          </a:xfrm>
+          <a:prstGeom prst="rect">
+            <a:avLst/>
+          </a:prstGeom>
+          <a:noFill/>
+        </p:spPr>
+        <p:txBody>
+          <a:bodyPr wrap="square" rtlCol="0">
+            <a:spAutoFit/>
+          </a:bodyPr>
+          <a:lstStyle/>
+          <a:p>
+            <a:pPr marL="342900" indent="-342900">
+              <a:buFont typeface="+mj-lt"/>
+              <a:buAutoNum type="arabicPeriod"/>
+            </a:pPr>
+            <a:r>
+              <a:rPr lang="en-US" dirty="0"/>
+              <a:t>Territory </a:t>
+            </a:r>
+            <a:r>
+              <a:rPr lang="en-US" dirty="0" err="1"/>
+              <a:t>Colouring</a:t>
+            </a:r>
+            <a:r>
+              <a:rPr lang="en-US" dirty="0"/>
+              <a:t>:  Assigning different </a:t>
+            </a:r>
+            <a:r>
+              <a:rPr lang="en-US" dirty="0" err="1"/>
+              <a:t>colours</a:t>
+            </a:r>
+            <a:r>
+              <a:rPr lang="en-US" dirty="0"/>
+              <a:t> to </a:t>
+            </a:r>
+            <a:r>
+              <a:rPr lang="en-US" dirty="0" err="1"/>
+              <a:t>neighbouring</a:t>
+            </a:r>
+            <a:r>
+              <a:rPr lang="en-US" dirty="0"/>
+              <a:t> territories.</a:t>
+            </a:r>
+          </a:p>
+          <a:p>
+            <a:pPr marL="342900" indent="-342900">
+              <a:buFont typeface="+mj-lt"/>
+              <a:buAutoNum type="arabicPeriod"/>
+            </a:pPr>
+            <a:r>
+              <a:rPr lang="en-US" dirty="0"/>
+              <a:t>Player moves: Useful in multiplayer games to minimize conflicts.</a:t>
+            </a:r>
+          </a:p>
+          <a:p>
+            <a:pPr marL="342900" indent="-342900">
+              <a:buFont typeface="+mj-lt"/>
+              <a:buAutoNum type="arabicPeriod"/>
+            </a:pPr>
+            <a:r>
+              <a:rPr lang="en-US" dirty="0"/>
+              <a:t>Puzzle Solving: No two adjacent players have the same </a:t>
+            </a:r>
+            <a:r>
+              <a:rPr lang="en-US" dirty="0" err="1"/>
+              <a:t>colours</a:t>
+            </a:r>
+            <a:r>
+              <a:rPr lang="en-US" dirty="0"/>
+              <a:t>.</a:t>
+            </a:r>
+          </a:p>
+        </p:txBody>
+      </p:sp>
+      <p:sp>
+        <p:nvSpPr>
+          <p:cNvPr id="7" name="Rectangle 6">
+            <a:extLst>
+              <a:ext uri="{FF2B5EF4-FFF2-40B4-BE49-F238E27FC236}">
+                <a16:creationId xmlns:a16="http://schemas.microsoft.com/office/drawing/2014/main" id="{23655A8C-9705-405D-B5FB-0B99AD6BB690}"/>
               </a:ext>
             </a:extLst>
           </p:cNvPr>
@@ -11798,10 +11805,10 @@
       </p:sp>
       <p:sp>
         <p:nvSpPr>
-          <p:cNvPr id="6" name="Rectangle 5">
-            <a:extLst>
-              <a:ext uri="{FF2B5EF4-FFF2-40B4-BE49-F238E27FC236}">
-                <a16:creationId xmlns:a16="http://schemas.microsoft.com/office/drawing/2014/main" id="{0677116A-BC10-4BF5-8523-89A7CBAC4DBA}"/>
+          <p:cNvPr id="8" name="Rectangle 7">
+            <a:extLst>
+              <a:ext uri="{FF2B5EF4-FFF2-40B4-BE49-F238E27FC236}">
+                <a16:creationId xmlns:a16="http://schemas.microsoft.com/office/drawing/2014/main" id="{23808991-1217-42AE-987F-3B0CEBD1FD80}"/>
               </a:ext>
             </a:extLst>
           </p:cNvPr>
@@ -11861,10 +11868,10 @@
       </p:sp>
       <p:sp>
         <p:nvSpPr>
-          <p:cNvPr id="7" name="TextBox 6">
-            <a:extLst>
-              <a:ext uri="{FF2B5EF4-FFF2-40B4-BE49-F238E27FC236}">
-                <a16:creationId xmlns:a16="http://schemas.microsoft.com/office/drawing/2014/main" id="{F0400CB7-2D4A-4DD3-841D-040876370866}"/>
+          <p:cNvPr id="9" name="TextBox 8">
+            <a:extLst>
+              <a:ext uri="{FF2B5EF4-FFF2-40B4-BE49-F238E27FC236}">
+                <a16:creationId xmlns:a16="http://schemas.microsoft.com/office/drawing/2014/main" id="{8E5FDE61-7D26-41AE-9555-C067EBB092A5}"/>
               </a:ext>
             </a:extLst>
           </p:cNvPr>
@@ -11902,7 +11909,7 @@
     </p:spTree>
     <p:extLst>
       <p:ext uri="{BB962C8B-B14F-4D97-AF65-F5344CB8AC3E}">
-        <p14:creationId xmlns:p14="http://schemas.microsoft.com/office/powerpoint/2010/main" val="142484890"/>
+        <p14:creationId xmlns:p14="http://schemas.microsoft.com/office/powerpoint/2010/main" val="1875216096"/>
       </p:ext>
     </p:extLst>
   </p:cSld>
@@ -11949,7 +11956,7 @@
             <a:pPr algn="ctr"/>
             <a:r>
               <a:rPr lang="en-US" sz="3600" b="1" u="sng" dirty="0"/>
-              <a:t>Shortest Path</a:t>
+              <a:t>Path finding</a:t>
             </a:r>
           </a:p>
         </p:txBody>
@@ -11966,8 +11973,8 @@
         </p:nvSpPr>
         <p:spPr>
           <a:xfrm>
-            <a:off x="852488" y="1673203"/>
-            <a:ext cx="10515600" cy="2317750"/>
+            <a:off x="852487" y="1625600"/>
+            <a:ext cx="10515600" cy="2674938"/>
           </a:xfrm>
         </p:spPr>
         <p:txBody>
@@ -11989,23 +11996,23 @@
               <a:buNone/>
             </a:pPr>
             <a:r>
+              <a:rPr lang="en-US" sz="2000" b="1" dirty="0"/>
+              <a:t>	“Pathfinding</a:t>
+            </a:r>
+            <a:r>
               <a:rPr lang="en-US" sz="2000" dirty="0"/>
-              <a:t>	“The </a:t>
+              <a:t> refers to the process of finding a path from one point (vertex) to another in a graph.</a:t>
             </a:r>
             <a:r>
               <a:rPr lang="en-US" sz="2000" b="1" dirty="0"/>
-              <a:t>shortest path</a:t>
-            </a:r>
-            <a:r>
-              <a:rPr lang="en-US" sz="2000" dirty="0"/>
-              <a:t> is a path between two vertices such that the sum of the weights of the edges in the path is minimized.”</a:t>
+              <a:t>”</a:t>
             </a:r>
           </a:p>
           <a:p>
             <a:pPr marL="0" indent="0">
               <a:buNone/>
             </a:pPr>
-            <a:endParaRPr lang="en-US" sz="2000" dirty="0"/>
+            <a:endParaRPr lang="en-US" sz="2000" b="1" dirty="0"/>
           </a:p>
           <a:p>
             <a:pPr marL="0" indent="0">
@@ -12013,7 +12020,15 @@
             </a:pPr>
             <a:r>
               <a:rPr lang="en-US" sz="2000" dirty="0"/>
-              <a:t>In unweighted graphs, the shortest path is simply the path with the least number of edges.</a:t>
+              <a:t>A </a:t>
+            </a:r>
+            <a:r>
+              <a:rPr lang="en-US" sz="2000" b="1" dirty="0"/>
+              <a:t>path</a:t>
+            </a:r>
+            <a:r>
+              <a:rPr lang="en-US" sz="2000" dirty="0"/>
+              <a:t> in a graph is a sequence of edges that connects a series of vertices.</a:t>
             </a:r>
           </a:p>
           <a:p>
@@ -12022,7 +12037,7 @@
             </a:pPr>
             <a:r>
               <a:rPr lang="en-US" sz="2000" dirty="0"/>
-              <a:t>In weighted graphs, it’s the path with the minimum total weight.</a:t>
+              <a:t>It can be represented as a list of vertices starting from a source node and ending at a destination node, with each consecutive vertex connected by an edge.</a:t>
             </a:r>
           </a:p>
         </p:txBody>
@@ -12035,7 +12050,7 @@
           </p:cNvPicPr>
           <p:nvPr/>
         </p:nvPicPr>
-        <p:blipFill>
+        <p:blipFill rotWithShape="1">
           <a:blip r:embed="rId2">
             <a:extLst>
               <a:ext uri="{28A0092B-C50C-407E-A947-70E740481C1C}">
@@ -12043,56 +12058,25 @@
               </a:ext>
             </a:extLst>
           </a:blip>
-          <a:stretch>
-            <a:fillRect/>
-          </a:stretch>
+          <a:srcRect b="13698"/>
+          <a:stretch/>
         </p:blipFill>
         <p:spPr>
           <a:xfrm>
-            <a:off x="1119168" y="3890937"/>
-            <a:ext cx="4865672" cy="2709885"/>
+            <a:off x="3324222" y="4143374"/>
+            <a:ext cx="5423384" cy="2343151"/>
           </a:xfrm>
           <a:prstGeom prst="rect">
             <a:avLst/>
           </a:prstGeom>
         </p:spPr>
       </p:pic>
-      <p:pic>
-        <p:nvPicPr>
-          <p:cNvPr id="5" name="Picture 4"/>
-          <p:cNvPicPr>
-            <a:picLocks noChangeAspect="1"/>
-          </p:cNvPicPr>
-          <p:nvPr/>
-        </p:nvPicPr>
-        <p:blipFill>
-          <a:blip r:embed="rId3">
-            <a:extLst>
-              <a:ext uri="{28A0092B-C50C-407E-A947-70E740481C1C}">
-                <a14:useLocalDpi xmlns:a14="http://schemas.microsoft.com/office/drawing/2010/main" val="0"/>
-              </a:ext>
-            </a:extLst>
-          </a:blip>
-          <a:stretch>
-            <a:fillRect/>
-          </a:stretch>
-        </p:blipFill>
-        <p:spPr>
-          <a:xfrm>
-            <a:off x="6386513" y="4190985"/>
-            <a:ext cx="4226704" cy="2109788"/>
-          </a:xfrm>
-          <a:prstGeom prst="rect">
-            <a:avLst/>
-          </a:prstGeom>
-        </p:spPr>
-      </p:pic>
-      <p:sp>
-        <p:nvSpPr>
-          <p:cNvPr id="6" name="Rectangle 5">
-            <a:extLst>
-              <a:ext uri="{FF2B5EF4-FFF2-40B4-BE49-F238E27FC236}">
-                <a16:creationId xmlns:a16="http://schemas.microsoft.com/office/drawing/2014/main" id="{2A6BF938-3DBE-485A-A777-EE26AB2BBCF4}"/>
+      <p:sp>
+        <p:nvSpPr>
+          <p:cNvPr id="5" name="Rectangle 4">
+            <a:extLst>
+              <a:ext uri="{FF2B5EF4-FFF2-40B4-BE49-F238E27FC236}">
+                <a16:creationId xmlns:a16="http://schemas.microsoft.com/office/drawing/2014/main" id="{FDD930B3-0AF6-4259-B357-12C09F6087C7}"/>
               </a:ext>
             </a:extLst>
           </p:cNvPr>
@@ -12153,10 +12137,10 @@
       </p:sp>
       <p:sp>
         <p:nvSpPr>
-          <p:cNvPr id="7" name="Rectangle 6">
-            <a:extLst>
-              <a:ext uri="{FF2B5EF4-FFF2-40B4-BE49-F238E27FC236}">
-                <a16:creationId xmlns:a16="http://schemas.microsoft.com/office/drawing/2014/main" id="{6567464E-8053-4687-ACF6-52600593F531}"/>
+          <p:cNvPr id="6" name="Rectangle 5">
+            <a:extLst>
+              <a:ext uri="{FF2B5EF4-FFF2-40B4-BE49-F238E27FC236}">
+                <a16:creationId xmlns:a16="http://schemas.microsoft.com/office/drawing/2014/main" id="{0677116A-BC10-4BF5-8523-89A7CBAC4DBA}"/>
               </a:ext>
             </a:extLst>
           </p:cNvPr>
@@ -12216,10 +12200,10 @@
       </p:sp>
       <p:sp>
         <p:nvSpPr>
-          <p:cNvPr id="8" name="TextBox 7">
-            <a:extLst>
-              <a:ext uri="{FF2B5EF4-FFF2-40B4-BE49-F238E27FC236}">
-                <a16:creationId xmlns:a16="http://schemas.microsoft.com/office/drawing/2014/main" id="{BD4D2D70-9BC6-41BC-9A1A-E3ECB3008C50}"/>
+          <p:cNvPr id="7" name="TextBox 6">
+            <a:extLst>
+              <a:ext uri="{FF2B5EF4-FFF2-40B4-BE49-F238E27FC236}">
+                <a16:creationId xmlns:a16="http://schemas.microsoft.com/office/drawing/2014/main" id="{F0400CB7-2D4A-4DD3-841D-040876370866}"/>
               </a:ext>
             </a:extLst>
           </p:cNvPr>
@@ -12257,7 +12241,7 @@
     </p:spTree>
     <p:extLst>
       <p:ext uri="{BB962C8B-B14F-4D97-AF65-F5344CB8AC3E}">
-        <p14:creationId xmlns:p14="http://schemas.microsoft.com/office/powerpoint/2010/main" val="1626842515"/>
+        <p14:creationId xmlns:p14="http://schemas.microsoft.com/office/powerpoint/2010/main" val="142484890"/>
       </p:ext>
     </p:extLst>
   </p:cSld>
@@ -12303,8 +12287,8 @@
           <a:p>
             <a:pPr algn="ctr"/>
             <a:r>
-              <a:rPr lang="en-US" sz="3200" b="1" u="sng" dirty="0"/>
-              <a:t>Some Algorithms Used for Path Finding</a:t>
+              <a:rPr lang="en-US" sz="3600" b="1" u="sng" dirty="0"/>
+              <a:t>Shortest Path</a:t>
             </a:r>
           </a:p>
         </p:txBody>
@@ -12321,8 +12305,8 @@
         </p:nvSpPr>
         <p:spPr>
           <a:xfrm>
-            <a:off x="838199" y="1911350"/>
-            <a:ext cx="10515600" cy="3846513"/>
+            <a:off x="852488" y="1673203"/>
+            <a:ext cx="10515600" cy="2317750"/>
           </a:xfrm>
         </p:spPr>
         <p:txBody>
@@ -12331,70 +12315,123 @@
           </a:bodyPr>
           <a:lstStyle/>
           <a:p>
-            <a:pPr algn="ctr"/>
+            <a:pPr marL="0" indent="0">
+              <a:buNone/>
+            </a:pPr>
+            <a:r>
+              <a:rPr lang="en-US" sz="2000" b="1" dirty="0"/>
+              <a:t>Definition:</a:t>
+            </a:r>
+          </a:p>
+          <a:p>
+            <a:pPr marL="0" indent="0">
+              <a:buNone/>
+            </a:pPr>
             <a:r>
               <a:rPr lang="en-US" sz="2000" dirty="0"/>
-              <a:t>Dijkstra’s Algorithm</a:t>
-            </a:r>
-          </a:p>
-          <a:p>
-            <a:pPr algn="ctr"/>
+              <a:t>	“The </a:t>
+            </a:r>
+            <a:r>
+              <a:rPr lang="en-US" sz="2000" b="1" dirty="0"/>
+              <a:t>shortest path</a:t>
+            </a:r>
             <a:r>
               <a:rPr lang="en-US" sz="2000" dirty="0"/>
-              <a:t>A* Algorithm</a:t>
-            </a:r>
-          </a:p>
-          <a:p>
-            <a:pPr algn="ctr"/>
+              <a:t> is a path between two vertices such that the sum of the weights of the edges in the path is minimized.”</a:t>
+            </a:r>
+          </a:p>
+          <a:p>
+            <a:pPr marL="0" indent="0">
+              <a:buNone/>
+            </a:pPr>
+            <a:endParaRPr lang="en-US" sz="2000" dirty="0"/>
+          </a:p>
+          <a:p>
+            <a:pPr marL="0" indent="0">
+              <a:buNone/>
+            </a:pPr>
             <a:r>
               <a:rPr lang="en-US" sz="2000" dirty="0"/>
-              <a:t>Bellman-Ford Algorithm</a:t>
-            </a:r>
-          </a:p>
-          <a:p>
-            <a:pPr algn="ctr"/>
+              <a:t>In unweighted graphs, the shortest path is simply the path with the least number of edges.</a:t>
+            </a:r>
+          </a:p>
+          <a:p>
+            <a:pPr marL="0" indent="0">
+              <a:buNone/>
+            </a:pPr>
             <a:r>
               <a:rPr lang="en-US" sz="2000" dirty="0"/>
-              <a:t>Floyd-</a:t>
-            </a:r>
-            <a:r>
-              <a:rPr lang="en-US" sz="2000" dirty="0" err="1"/>
-              <a:t>Warshall</a:t>
-            </a:r>
-            <a:r>
-              <a:rPr lang="en-US" sz="2000" dirty="0"/>
-              <a:t> Algorithm</a:t>
-            </a:r>
-          </a:p>
-          <a:p>
-            <a:pPr algn="ctr"/>
-            <a:r>
-              <a:rPr lang="en-US" sz="2000" dirty="0"/>
-              <a:t>Breadth-First Search (BFS)</a:t>
-            </a:r>
-          </a:p>
-          <a:p>
-            <a:pPr algn="ctr"/>
-            <a:r>
-              <a:rPr lang="en-US" sz="2000" dirty="0"/>
-              <a:t>Depth-First Search (DFS)</a:t>
-            </a:r>
-          </a:p>
-          <a:p>
-            <a:pPr algn="ctr"/>
-            <a:r>
-              <a:rPr lang="en-US" sz="2000" dirty="0"/>
-              <a:t>Johnson’s Algorithm</a:t>
-            </a:r>
-          </a:p>
-        </p:txBody>
-      </p:sp>
-      <p:sp>
-        <p:nvSpPr>
-          <p:cNvPr id="4" name="Rectangle 3">
-            <a:extLst>
-              <a:ext uri="{FF2B5EF4-FFF2-40B4-BE49-F238E27FC236}">
-                <a16:creationId xmlns:a16="http://schemas.microsoft.com/office/drawing/2014/main" id="{DB2D3EE2-8738-4A0C-8CC5-40637AB73FFC}"/>
+              <a:t>In weighted graphs, it’s the path with the minimum total weight.</a:t>
+            </a:r>
+          </a:p>
+        </p:txBody>
+      </p:sp>
+      <p:pic>
+        <p:nvPicPr>
+          <p:cNvPr id="4" name="Picture 3"/>
+          <p:cNvPicPr>
+            <a:picLocks noChangeAspect="1"/>
+          </p:cNvPicPr>
+          <p:nvPr/>
+        </p:nvPicPr>
+        <p:blipFill>
+          <a:blip r:embed="rId2">
+            <a:extLst>
+              <a:ext uri="{28A0092B-C50C-407E-A947-70E740481C1C}">
+                <a14:useLocalDpi xmlns:a14="http://schemas.microsoft.com/office/drawing/2010/main" val="0"/>
+              </a:ext>
+            </a:extLst>
+          </a:blip>
+          <a:stretch>
+            <a:fillRect/>
+          </a:stretch>
+        </p:blipFill>
+        <p:spPr>
+          <a:xfrm>
+            <a:off x="1119168" y="3890937"/>
+            <a:ext cx="4865672" cy="2709885"/>
+          </a:xfrm>
+          <a:prstGeom prst="rect">
+            <a:avLst/>
+          </a:prstGeom>
+        </p:spPr>
+      </p:pic>
+      <p:pic>
+        <p:nvPicPr>
+          <p:cNvPr id="5" name="Picture 4"/>
+          <p:cNvPicPr>
+            <a:picLocks noChangeAspect="1"/>
+          </p:cNvPicPr>
+          <p:nvPr/>
+        </p:nvPicPr>
+        <p:blipFill>
+          <a:blip r:embed="rId3">
+            <a:extLst>
+              <a:ext uri="{28A0092B-C50C-407E-A947-70E740481C1C}">
+                <a14:useLocalDpi xmlns:a14="http://schemas.microsoft.com/office/drawing/2010/main" val="0"/>
+              </a:ext>
+            </a:extLst>
+          </a:blip>
+          <a:stretch>
+            <a:fillRect/>
+          </a:stretch>
+        </p:blipFill>
+        <p:spPr>
+          <a:xfrm>
+            <a:off x="6386513" y="4190985"/>
+            <a:ext cx="4226704" cy="2109788"/>
+          </a:xfrm>
+          <a:prstGeom prst="rect">
+            <a:avLst/>
+          </a:prstGeom>
+        </p:spPr>
+      </p:pic>
+      <p:sp>
+        <p:nvSpPr>
+          <p:cNvPr id="6" name="Rectangle 5">
+            <a:extLst>
+              <a:ext uri="{FF2B5EF4-FFF2-40B4-BE49-F238E27FC236}">
+                <a16:creationId xmlns:a16="http://schemas.microsoft.com/office/drawing/2014/main" id="{2A6BF938-3DBE-485A-A777-EE26AB2BBCF4}"/>
               </a:ext>
             </a:extLst>
           </p:cNvPr>
@@ -12455,10 +12492,10 @@
       </p:sp>
       <p:sp>
         <p:nvSpPr>
-          <p:cNvPr id="5" name="Rectangle 4">
-            <a:extLst>
-              <a:ext uri="{FF2B5EF4-FFF2-40B4-BE49-F238E27FC236}">
-                <a16:creationId xmlns:a16="http://schemas.microsoft.com/office/drawing/2014/main" id="{86013913-9DEA-44E3-9039-1BC3A5660F96}"/>
+          <p:cNvPr id="7" name="Rectangle 6">
+            <a:extLst>
+              <a:ext uri="{FF2B5EF4-FFF2-40B4-BE49-F238E27FC236}">
+                <a16:creationId xmlns:a16="http://schemas.microsoft.com/office/drawing/2014/main" id="{6567464E-8053-4687-ACF6-52600593F531}"/>
               </a:ext>
             </a:extLst>
           </p:cNvPr>
@@ -12518,10 +12555,10 @@
       </p:sp>
       <p:sp>
         <p:nvSpPr>
-          <p:cNvPr id="6" name="TextBox 5">
-            <a:extLst>
-              <a:ext uri="{FF2B5EF4-FFF2-40B4-BE49-F238E27FC236}">
-                <a16:creationId xmlns:a16="http://schemas.microsoft.com/office/drawing/2014/main" id="{0549AFBC-B4C7-4B93-80E0-EC693AA96194}"/>
+          <p:cNvPr id="8" name="TextBox 7">
+            <a:extLst>
+              <a:ext uri="{FF2B5EF4-FFF2-40B4-BE49-F238E27FC236}">
+                <a16:creationId xmlns:a16="http://schemas.microsoft.com/office/drawing/2014/main" id="{BD4D2D70-9BC6-41BC-9A1A-E3ECB3008C50}"/>
               </a:ext>
             </a:extLst>
           </p:cNvPr>
@@ -12559,7 +12596,7 @@
     </p:spTree>
     <p:extLst>
       <p:ext uri="{BB962C8B-B14F-4D97-AF65-F5344CB8AC3E}">
-        <p14:creationId xmlns:p14="http://schemas.microsoft.com/office/powerpoint/2010/main" val="2745718031"/>
+        <p14:creationId xmlns:p14="http://schemas.microsoft.com/office/powerpoint/2010/main" val="1626842515"/>
       </p:ext>
     </p:extLst>
   </p:cSld>
@@ -12611,7 +12648,7 @@
             <a:schemeClr val="accent1">
               <a:lumMod val="40000"/>
               <a:lumOff val="60000"/>
-              <a:alpha val="43000"/>
+              <a:alpha val="31000"/>
             </a:schemeClr>
           </a:solidFill>
           <a:effectLst>
@@ -12687,7 +12724,7 @@
             <a:schemeClr val="accent1">
               <a:lumMod val="40000"/>
               <a:lumOff val="60000"/>
-              <a:alpha val="44000"/>
+              <a:alpha val="20000"/>
             </a:schemeClr>
           </a:solidFill>
         </p:spPr>
@@ -13211,21 +13248,6 @@
               <a:t>Johnson’s Algorithm</a:t>
             </a:r>
           </a:p>
-          <a:p>
-            <a:pPr marL="0" indent="0" algn="ctr">
-              <a:buNone/>
-            </a:pPr>
-            <a:endParaRPr lang="en-US" sz="2000" dirty="0"/>
-          </a:p>
-          <a:p>
-            <a:pPr marL="0" indent="0" algn="ctr">
-              <a:buNone/>
-            </a:pPr>
-            <a:r>
-              <a:rPr lang="en-US" sz="2000" dirty="0"/>
-              <a:t>We have used Breadth-First Search (BFS) in our code..</a:t>
-            </a:r>
-          </a:p>
         </p:txBody>
       </p:sp>
       <p:sp>
@@ -13233,7 +13255,7 @@
           <p:cNvPr id="4" name="Rectangle 3">
             <a:extLst>
               <a:ext uri="{FF2B5EF4-FFF2-40B4-BE49-F238E27FC236}">
-                <a16:creationId xmlns:a16="http://schemas.microsoft.com/office/drawing/2014/main" id="{A494D329-8869-42CA-A021-3DBE2A671219}"/>
+                <a16:creationId xmlns:a16="http://schemas.microsoft.com/office/drawing/2014/main" id="{DB2D3EE2-8738-4A0C-8CC5-40637AB73FFC}"/>
               </a:ext>
             </a:extLst>
           </p:cNvPr>
@@ -13297,7 +13319,7 @@
           <p:cNvPr id="5" name="Rectangle 4">
             <a:extLst>
               <a:ext uri="{FF2B5EF4-FFF2-40B4-BE49-F238E27FC236}">
-                <a16:creationId xmlns:a16="http://schemas.microsoft.com/office/drawing/2014/main" id="{F3EF6D5E-022F-4C2F-9227-65C75FAE4DA9}"/>
+                <a16:creationId xmlns:a16="http://schemas.microsoft.com/office/drawing/2014/main" id="{86013913-9DEA-44E3-9039-1BC3A5660F96}"/>
               </a:ext>
             </a:extLst>
           </p:cNvPr>
@@ -13360,7 +13382,7 @@
           <p:cNvPr id="6" name="TextBox 5">
             <a:extLst>
               <a:ext uri="{FF2B5EF4-FFF2-40B4-BE49-F238E27FC236}">
-                <a16:creationId xmlns:a16="http://schemas.microsoft.com/office/drawing/2014/main" id="{2510499C-4450-4711-8C1C-8C7DDAA70EF1}"/>
+                <a16:creationId xmlns:a16="http://schemas.microsoft.com/office/drawing/2014/main" id="{0549AFBC-B4C7-4B93-80E0-EC693AA96194}"/>
               </a:ext>
             </a:extLst>
           </p:cNvPr>
@@ -13398,7 +13420,7 @@
     </p:spTree>
     <p:extLst>
       <p:ext uri="{BB962C8B-B14F-4D97-AF65-F5344CB8AC3E}">
-        <p14:creationId xmlns:p14="http://schemas.microsoft.com/office/powerpoint/2010/main" val="1758734204"/>
+        <p14:creationId xmlns:p14="http://schemas.microsoft.com/office/powerpoint/2010/main" val="2745718031"/>
       </p:ext>
     </p:extLst>
   </p:cSld>
@@ -13444,8 +13466,8 @@
           <a:p>
             <a:pPr algn="ctr"/>
             <a:r>
-              <a:rPr lang="en-US" sz="3600" b="1" u="sng" dirty="0"/>
-              <a:t>Breadth-First Search Algorithm</a:t>
+              <a:rPr lang="en-US" sz="3200" b="1" u="sng" dirty="0"/>
+              <a:t>Some Algorithms Used for Path Finding</a:t>
             </a:r>
           </a:p>
         </p:txBody>
@@ -13460,47 +13482,88 @@
             <p:ph idx="1"/>
           </p:nvPr>
         </p:nvSpPr>
-        <p:spPr/>
-        <p:txBody>
-          <a:bodyPr/>
-          <a:lstStyle/>
-          <a:p>
-            <a:pPr marL="0" indent="0">
+        <p:spPr>
+          <a:xfrm>
+            <a:off x="838199" y="1911350"/>
+            <a:ext cx="10515600" cy="3846513"/>
+          </a:xfrm>
+        </p:spPr>
+        <p:txBody>
+          <a:bodyPr>
+            <a:normAutofit/>
+          </a:bodyPr>
+          <a:lstStyle/>
+          <a:p>
+            <a:pPr algn="ctr"/>
+            <a:r>
+              <a:rPr lang="en-US" sz="2000" dirty="0"/>
+              <a:t>Dijkstra’s Algorithm</a:t>
+            </a:r>
+          </a:p>
+          <a:p>
+            <a:pPr algn="ctr"/>
+            <a:r>
+              <a:rPr lang="en-US" sz="2000" dirty="0"/>
+              <a:t>A* Algorithm</a:t>
+            </a:r>
+          </a:p>
+          <a:p>
+            <a:pPr algn="ctr"/>
+            <a:r>
+              <a:rPr lang="en-US" sz="2000" dirty="0"/>
+              <a:t>Bellman-Ford Algorithm</a:t>
+            </a:r>
+          </a:p>
+          <a:p>
+            <a:pPr algn="ctr"/>
+            <a:r>
+              <a:rPr lang="en-US" sz="2000" dirty="0"/>
+              <a:t>Floyd-</a:t>
+            </a:r>
+            <a:r>
+              <a:rPr lang="en-US" sz="2000" dirty="0" err="1"/>
+              <a:t>Warshall</a:t>
+            </a:r>
+            <a:r>
+              <a:rPr lang="en-US" sz="2000" dirty="0"/>
+              <a:t> Algorithm</a:t>
+            </a:r>
+          </a:p>
+          <a:p>
+            <a:pPr algn="ctr"/>
+            <a:r>
+              <a:rPr lang="en-US" sz="2000" dirty="0"/>
+              <a:t>Breadth-First Search (BFS)</a:t>
+            </a:r>
+          </a:p>
+          <a:p>
+            <a:pPr algn="ctr"/>
+            <a:r>
+              <a:rPr lang="en-US" sz="2000" dirty="0"/>
+              <a:t>Depth-First Search (DFS)</a:t>
+            </a:r>
+          </a:p>
+          <a:p>
+            <a:pPr algn="ctr"/>
+            <a:r>
+              <a:rPr lang="en-US" sz="2000" dirty="0"/>
+              <a:t>Johnson’s Algorithm</a:t>
+            </a:r>
+          </a:p>
+          <a:p>
+            <a:pPr marL="0" indent="0" algn="ctr">
               <a:buNone/>
             </a:pPr>
-            <a:r>
-              <a:rPr lang="en-US" dirty="0"/>
-              <a:t>BFS is the best algorithm used for path finding in </a:t>
-            </a:r>
-            <a:r>
-              <a:rPr lang="en-US" b="1" dirty="0"/>
-              <a:t>unweighted graphs</a:t>
-            </a:r>
-            <a:r>
-              <a:rPr lang="en-US" dirty="0"/>
-              <a:t>.</a:t>
-            </a:r>
-          </a:p>
-          <a:p>
-            <a:pPr marL="0" indent="0">
+            <a:endParaRPr lang="en-US" sz="2000" dirty="0"/>
+          </a:p>
+          <a:p>
+            <a:pPr marL="0" indent="0" algn="ctr">
               <a:buNone/>
             </a:pPr>
-            <a:endParaRPr lang="en-US" dirty="0"/>
-          </a:p>
-          <a:p>
-            <a:pPr marL="0" indent="0">
-              <a:buNone/>
-            </a:pPr>
-            <a:r>
-              <a:rPr lang="en-US" dirty="0"/>
-              <a:t>This BFS implementation explores close moves first and extends outward, efficiently finding potential moves for the AI to play based on nearby pieces.</a:t>
-            </a:r>
-          </a:p>
-          <a:p>
-            <a:pPr marL="0" indent="0">
-              <a:buNone/>
-            </a:pPr>
-            <a:endParaRPr lang="en-US" dirty="0"/>
+            <a:r>
+              <a:rPr lang="en-US" sz="2000" dirty="0"/>
+              <a:t>We have used Breadth-First Search (BFS) in our code..</a:t>
+            </a:r>
           </a:p>
         </p:txBody>
       </p:sp>
@@ -13509,7 +13572,7 @@
           <p:cNvPr id="4" name="Rectangle 3">
             <a:extLst>
               <a:ext uri="{FF2B5EF4-FFF2-40B4-BE49-F238E27FC236}">
-                <a16:creationId xmlns:a16="http://schemas.microsoft.com/office/drawing/2014/main" id="{C25A5E31-C12B-4466-8960-98D33AAFE1AD}"/>
+                <a16:creationId xmlns:a16="http://schemas.microsoft.com/office/drawing/2014/main" id="{A494D329-8869-42CA-A021-3DBE2A671219}"/>
               </a:ext>
             </a:extLst>
           </p:cNvPr>
@@ -13573,7 +13636,7 @@
           <p:cNvPr id="5" name="Rectangle 4">
             <a:extLst>
               <a:ext uri="{FF2B5EF4-FFF2-40B4-BE49-F238E27FC236}">
-                <a16:creationId xmlns:a16="http://schemas.microsoft.com/office/drawing/2014/main" id="{6984325B-5CE0-43DD-B603-EC77E9F6D90A}"/>
+                <a16:creationId xmlns:a16="http://schemas.microsoft.com/office/drawing/2014/main" id="{F3EF6D5E-022F-4C2F-9227-65C75FAE4DA9}"/>
               </a:ext>
             </a:extLst>
           </p:cNvPr>
@@ -13636,7 +13699,7 @@
           <p:cNvPr id="6" name="TextBox 5">
             <a:extLst>
               <a:ext uri="{FF2B5EF4-FFF2-40B4-BE49-F238E27FC236}">
-                <a16:creationId xmlns:a16="http://schemas.microsoft.com/office/drawing/2014/main" id="{583EDB11-5C7A-499B-8F46-0C66F3FEE64D}"/>
+                <a16:creationId xmlns:a16="http://schemas.microsoft.com/office/drawing/2014/main" id="{2510499C-4450-4711-8C1C-8C7DDAA70EF1}"/>
               </a:ext>
             </a:extLst>
           </p:cNvPr>
@@ -13674,7 +13737,7 @@
     </p:spTree>
     <p:extLst>
       <p:ext uri="{BB962C8B-B14F-4D97-AF65-F5344CB8AC3E}">
-        <p14:creationId xmlns:p14="http://schemas.microsoft.com/office/powerpoint/2010/main" val="3891699235"/>
+        <p14:creationId xmlns:p14="http://schemas.microsoft.com/office/powerpoint/2010/main" val="1758734204"/>
       </p:ext>
     </p:extLst>
   </p:cSld>
@@ -13721,7 +13784,7 @@
             <a:pPr algn="ctr"/>
             <a:r>
               <a:rPr lang="en-US" sz="3600" b="1" u="sng" dirty="0"/>
-              <a:t>Recursive Algorithms in Board Games</a:t>
+              <a:t>Breadth-First Search Algorithm</a:t>
             </a:r>
           </a:p>
         </p:txBody>
@@ -13738,9 +13801,7 @@
         </p:nvSpPr>
         <p:spPr/>
         <p:txBody>
-          <a:bodyPr>
-            <a:normAutofit fontScale="92500" lnSpcReduction="10000"/>
-          </a:bodyPr>
+          <a:bodyPr/>
           <a:lstStyle/>
           <a:p>
             <a:pPr marL="0" indent="0">
@@ -13748,82 +13809,38 @@
             </a:pPr>
             <a:r>
               <a:rPr lang="en-US" dirty="0"/>
-              <a:t>Recursion is often used in board games to explore all the possible game states or moves to determine which one’s the best for you.</a:t>
-            </a:r>
-          </a:p>
-          <a:p>
-            <a:pPr marL="0" indent="0" algn="ctr">
+              <a:t>BFS is the best algorithm used for path finding in </a:t>
+            </a:r>
+            <a:r>
+              <a:rPr lang="en-US" b="1" dirty="0"/>
+              <a:t>unweighted graphs</a:t>
+            </a:r>
+            <a:r>
+              <a:rPr lang="en-US" dirty="0"/>
+              <a:t>.</a:t>
+            </a:r>
+          </a:p>
+          <a:p>
+            <a:pPr marL="0" indent="0">
               <a:buNone/>
             </a:pPr>
-            <a:r>
-              <a:rPr lang="en-US" dirty="0"/>
-              <a:t>Minimax Algorithm</a:t>
-            </a:r>
-          </a:p>
-          <a:p>
-            <a:pPr marL="0" indent="0" algn="ctr">
+            <a:endParaRPr lang="en-US" dirty="0"/>
+          </a:p>
+          <a:p>
+            <a:pPr marL="0" indent="0">
               <a:buNone/>
             </a:pPr>
             <a:r>
               <a:rPr lang="en-US" dirty="0"/>
-              <a:t>Alpha-Beta Pruning</a:t>
-            </a:r>
-          </a:p>
-          <a:p>
-            <a:pPr marL="0" indent="0" algn="ctr">
+              <a:t>This BFS implementation explores close moves first and extends outward, efficiently finding potential moves for the AI to play based on nearby pieces.</a:t>
+            </a:r>
+          </a:p>
+          <a:p>
+            <a:pPr marL="0" indent="0">
               <a:buNone/>
             </a:pPr>
-            <a:r>
-              <a:rPr lang="en-US" dirty="0"/>
-              <a:t>Monte Carlo Tree Search (MCTS)</a:t>
-            </a:r>
-          </a:p>
-          <a:p>
-            <a:pPr marL="0" indent="0" algn="ctr">
-              <a:buNone/>
-            </a:pPr>
-            <a:r>
-              <a:rPr lang="en-US" dirty="0" err="1"/>
-              <a:t>Negamax</a:t>
-            </a:r>
             <a:endParaRPr lang="en-US" dirty="0"/>
           </a:p>
-          <a:p>
-            <a:pPr marL="0" indent="0" algn="ctr">
-              <a:buNone/>
-            </a:pPr>
-            <a:r>
-              <a:rPr lang="en-US" dirty="0"/>
-              <a:t>Depth-First Search (DFS)</a:t>
-            </a:r>
-          </a:p>
-          <a:p>
-            <a:pPr marL="0" indent="0" algn="ctr">
-              <a:buNone/>
-            </a:pPr>
-            <a:r>
-              <a:rPr lang="en-US" dirty="0"/>
-              <a:t>Breadth-First Search (BFS)</a:t>
-            </a:r>
-          </a:p>
-          <a:p>
-            <a:pPr marL="0" indent="0" algn="ctr">
-              <a:buNone/>
-            </a:pPr>
-            <a:r>
-              <a:rPr lang="en-US" dirty="0"/>
-              <a:t>A* Search Algorithm</a:t>
-            </a:r>
-          </a:p>
-          <a:p>
-            <a:pPr marL="0" indent="0" algn="ctr">
-              <a:buNone/>
-            </a:pPr>
-            <a:r>
-              <a:rPr lang="en-US" dirty="0"/>
-              <a:t>Minimax with Heuristics</a:t>
-            </a:r>
-          </a:p>
         </p:txBody>
       </p:sp>
       <p:sp>
@@ -13831,7 +13848,7 @@
           <p:cNvPr id="4" name="Rectangle 3">
             <a:extLst>
               <a:ext uri="{FF2B5EF4-FFF2-40B4-BE49-F238E27FC236}">
-                <a16:creationId xmlns:a16="http://schemas.microsoft.com/office/drawing/2014/main" id="{DF1635F8-FF44-4E8D-8F7F-F1ACB37EA660}"/>
+                <a16:creationId xmlns:a16="http://schemas.microsoft.com/office/drawing/2014/main" id="{C25A5E31-C12B-4466-8960-98D33AAFE1AD}"/>
               </a:ext>
             </a:extLst>
           </p:cNvPr>
@@ -13895,7 +13912,7 @@
           <p:cNvPr id="5" name="Rectangle 4">
             <a:extLst>
               <a:ext uri="{FF2B5EF4-FFF2-40B4-BE49-F238E27FC236}">
-                <a16:creationId xmlns:a16="http://schemas.microsoft.com/office/drawing/2014/main" id="{1299A0DC-0E5E-40CF-81ED-6F4A3DB56A76}"/>
+                <a16:creationId xmlns:a16="http://schemas.microsoft.com/office/drawing/2014/main" id="{6984325B-5CE0-43DD-B603-EC77E9F6D90A}"/>
               </a:ext>
             </a:extLst>
           </p:cNvPr>
@@ -13958,7 +13975,7 @@
           <p:cNvPr id="6" name="TextBox 5">
             <a:extLst>
               <a:ext uri="{FF2B5EF4-FFF2-40B4-BE49-F238E27FC236}">
-                <a16:creationId xmlns:a16="http://schemas.microsoft.com/office/drawing/2014/main" id="{84FB580D-A9E1-4A3D-B5A4-A4D6DFE15F08}"/>
+                <a16:creationId xmlns:a16="http://schemas.microsoft.com/office/drawing/2014/main" id="{583EDB11-5C7A-499B-8F46-0C66F3FEE64D}"/>
               </a:ext>
             </a:extLst>
           </p:cNvPr>
@@ -13996,7 +14013,7 @@
     </p:spTree>
     <p:extLst>
       <p:ext uri="{BB962C8B-B14F-4D97-AF65-F5344CB8AC3E}">
-        <p14:creationId xmlns:p14="http://schemas.microsoft.com/office/powerpoint/2010/main" val="3214111758"/>
+        <p14:creationId xmlns:p14="http://schemas.microsoft.com/office/powerpoint/2010/main" val="3891699235"/>
       </p:ext>
     </p:extLst>
   </p:cSld>
@@ -14043,7 +14060,7 @@
             <a:pPr algn="ctr"/>
             <a:r>
               <a:rPr lang="en-US" sz="3600" b="1" u="sng" dirty="0"/>
-              <a:t>Minimax Algorithm</a:t>
+              <a:t>Recursive Algorithms in Board Games</a:t>
             </a:r>
           </a:p>
         </p:txBody>
@@ -14061,7 +14078,7 @@
         <p:spPr/>
         <p:txBody>
           <a:bodyPr>
-            <a:normAutofit/>
+            <a:normAutofit fontScale="92500" lnSpcReduction="10000"/>
           </a:bodyPr>
           <a:lstStyle/>
           <a:p>
@@ -14069,24 +14086,81 @@
               <a:buNone/>
             </a:pPr>
             <a:r>
-              <a:rPr lang="en-US" sz="2400" dirty="0"/>
-              <a:t>It is commonly used in </a:t>
-            </a:r>
-            <a:r>
-              <a:rPr lang="en-US" sz="2400" b="1" dirty="0"/>
-              <a:t>two-player games </a:t>
-            </a:r>
-            <a:r>
-              <a:rPr lang="en-US" sz="2400" dirty="0"/>
-              <a:t>like chess which helps to make the best decisions by assuming that both players play </a:t>
-            </a:r>
-            <a:r>
-              <a:rPr lang="en-US" sz="2400" b="1" dirty="0"/>
-              <a:t>optimally</a:t>
-            </a:r>
-            <a:r>
-              <a:rPr lang="en-US" sz="2400" dirty="0"/>
-              <a:t>.</a:t>
+              <a:rPr lang="en-US" dirty="0"/>
+              <a:t>Recursion is often used in board games to explore all the possible game states or moves to determine which one’s the best for you.</a:t>
+            </a:r>
+          </a:p>
+          <a:p>
+            <a:pPr marL="0" indent="0" algn="ctr">
+              <a:buNone/>
+            </a:pPr>
+            <a:r>
+              <a:rPr lang="en-US" dirty="0"/>
+              <a:t>Minimax Algorithm</a:t>
+            </a:r>
+          </a:p>
+          <a:p>
+            <a:pPr marL="0" indent="0" algn="ctr">
+              <a:buNone/>
+            </a:pPr>
+            <a:r>
+              <a:rPr lang="en-US" dirty="0"/>
+              <a:t>Alpha-Beta Pruning</a:t>
+            </a:r>
+          </a:p>
+          <a:p>
+            <a:pPr marL="0" indent="0" algn="ctr">
+              <a:buNone/>
+            </a:pPr>
+            <a:r>
+              <a:rPr lang="en-US" dirty="0"/>
+              <a:t>Monte Carlo Tree Search (MCTS)</a:t>
+            </a:r>
+          </a:p>
+          <a:p>
+            <a:pPr marL="0" indent="0" algn="ctr">
+              <a:buNone/>
+            </a:pPr>
+            <a:r>
+              <a:rPr lang="en-US" dirty="0" err="1"/>
+              <a:t>Negamax</a:t>
+            </a:r>
+            <a:endParaRPr lang="en-US" dirty="0"/>
+          </a:p>
+          <a:p>
+            <a:pPr marL="0" indent="0" algn="ctr">
+              <a:buNone/>
+            </a:pPr>
+            <a:r>
+              <a:rPr lang="en-US" dirty="0"/>
+              <a:t>Depth-First Search (DFS)</a:t>
+            </a:r>
+          </a:p>
+          <a:p>
+            <a:pPr marL="0" indent="0" algn="ctr">
+              <a:buNone/>
+            </a:pPr>
+            <a:r>
+              <a:rPr lang="en-US" dirty="0"/>
+              <a:t>Breadth-First Search (BFS)</a:t>
+            </a:r>
+          </a:p>
+          <a:p>
+            <a:pPr marL="0" indent="0" algn="ctr">
+              <a:buNone/>
+            </a:pPr>
+            <a:r>
+              <a:rPr lang="en-US" dirty="0"/>
+              <a:t>A* Search Algorithm</a:t>
+            </a:r>
+          </a:p>
+          <a:p>
+            <a:pPr marL="0" indent="0" algn="ctr">
+              <a:buNone/>
+            </a:pPr>
+            <a:r>
+              <a:rPr lang="en-US" dirty="0"/>
+              <a:t>Minimax with Heuristics</a:t>
             </a:r>
           </a:p>
         </p:txBody>
@@ -14096,7 +14170,7 @@
           <p:cNvPr id="4" name="Rectangle 3">
             <a:extLst>
               <a:ext uri="{FF2B5EF4-FFF2-40B4-BE49-F238E27FC236}">
-                <a16:creationId xmlns:a16="http://schemas.microsoft.com/office/drawing/2014/main" id="{0E5C1C92-5DBB-492C-83C8-D5794BC69CD4}"/>
+                <a16:creationId xmlns:a16="http://schemas.microsoft.com/office/drawing/2014/main" id="{DF1635F8-FF44-4E8D-8F7F-F1ACB37EA660}"/>
               </a:ext>
             </a:extLst>
           </p:cNvPr>
@@ -14160,7 +14234,7 @@
           <p:cNvPr id="5" name="Rectangle 4">
             <a:extLst>
               <a:ext uri="{FF2B5EF4-FFF2-40B4-BE49-F238E27FC236}">
-                <a16:creationId xmlns:a16="http://schemas.microsoft.com/office/drawing/2014/main" id="{E720147F-A342-4693-9329-428B23F74A34}"/>
+                <a16:creationId xmlns:a16="http://schemas.microsoft.com/office/drawing/2014/main" id="{1299A0DC-0E5E-40CF-81ED-6F4A3DB56A76}"/>
               </a:ext>
             </a:extLst>
           </p:cNvPr>
@@ -14223,7 +14297,7 @@
           <p:cNvPr id="6" name="TextBox 5">
             <a:extLst>
               <a:ext uri="{FF2B5EF4-FFF2-40B4-BE49-F238E27FC236}">
-                <a16:creationId xmlns:a16="http://schemas.microsoft.com/office/drawing/2014/main" id="{FE4BB38F-0A66-479D-89B8-0041E9BAA3D7}"/>
+                <a16:creationId xmlns:a16="http://schemas.microsoft.com/office/drawing/2014/main" id="{84FB580D-A9E1-4A3D-B5A4-A4D6DFE15F08}"/>
               </a:ext>
             </a:extLst>
           </p:cNvPr>
@@ -14261,7 +14335,7 @@
     </p:spTree>
     <p:extLst>
       <p:ext uri="{BB962C8B-B14F-4D97-AF65-F5344CB8AC3E}">
-        <p14:creationId xmlns:p14="http://schemas.microsoft.com/office/powerpoint/2010/main" val="2620435713"/>
+        <p14:creationId xmlns:p14="http://schemas.microsoft.com/office/powerpoint/2010/main" val="3214111758"/>
       </p:ext>
     </p:extLst>
   </p:cSld>
@@ -14308,7 +14382,7 @@
             <a:pPr algn="ctr"/>
             <a:r>
               <a:rPr lang="en-US" sz="3600" b="1" u="sng" dirty="0"/>
-              <a:t>How It Works</a:t>
+              <a:t>Minimax Algorithm</a:t>
             </a:r>
           </a:p>
         </p:txBody>
@@ -14326,7 +14400,7 @@
         <p:spPr/>
         <p:txBody>
           <a:bodyPr>
-            <a:normAutofit fontScale="92500" lnSpcReduction="10000"/>
+            <a:normAutofit/>
           </a:bodyPr>
           <a:lstStyle/>
           <a:p>
@@ -14334,86 +14408,24 @@
               <a:buNone/>
             </a:pPr>
             <a:r>
-              <a:rPr lang="en-US" dirty="0"/>
-              <a:t>The game is represented as a </a:t>
-            </a:r>
-            <a:r>
-              <a:rPr lang="en-US" b="1" dirty="0"/>
-              <a:t>tree</a:t>
-            </a:r>
-            <a:r>
-              <a:rPr lang="en-US" dirty="0"/>
-              <a:t>, where each node represents a game state.</a:t>
-            </a:r>
-          </a:p>
-          <a:p>
-            <a:pPr marL="0" indent="0">
-              <a:buNone/>
-            </a:pPr>
-            <a:r>
-              <a:rPr lang="en-US" dirty="0"/>
-              <a:t>Edges represent moves.</a:t>
-            </a:r>
-          </a:p>
-          <a:p>
-            <a:pPr marL="0" indent="0">
-              <a:buNone/>
-            </a:pPr>
-            <a:r>
-              <a:rPr lang="en-US" dirty="0"/>
-              <a:t>The algorithm alternates between two players:</a:t>
-            </a:r>
-          </a:p>
-          <a:p>
-            <a:pPr marL="0" indent="0">
-              <a:buNone/>
-            </a:pPr>
-            <a:r>
-              <a:rPr lang="en-US" b="1" dirty="0"/>
-              <a:t>Maximizer</a:t>
-            </a:r>
-            <a:r>
-              <a:rPr lang="en-US" dirty="0"/>
-              <a:t>: Tries to maximize the score (e.g., their chance of winning).</a:t>
-            </a:r>
-          </a:p>
-          <a:p>
-            <a:pPr marL="0" indent="0">
-              <a:buNone/>
-            </a:pPr>
-            <a:r>
-              <a:rPr lang="en-US" b="1" dirty="0"/>
-              <a:t>Minimizer</a:t>
-            </a:r>
-            <a:r>
-              <a:rPr lang="en-US" dirty="0"/>
-              <a:t>: Tries to minimize the score (e.g., their opponent's chance of winning).</a:t>
-            </a:r>
-          </a:p>
-          <a:p>
-            <a:pPr marL="0" indent="0">
-              <a:buNone/>
-            </a:pPr>
-            <a:r>
-              <a:rPr lang="en-US" dirty="0"/>
-              <a:t>It </a:t>
-            </a:r>
-            <a:r>
-              <a:rPr lang="en-US" b="1" dirty="0"/>
-              <a:t>recursively</a:t>
-            </a:r>
-            <a:r>
-              <a:rPr lang="en-US" dirty="0"/>
-              <a:t> evaluates all possible game states down to the terminal states (e.g., win, lose, or draw).</a:t>
-            </a:r>
-          </a:p>
-          <a:p>
-            <a:pPr marL="0" indent="0">
-              <a:buNone/>
-            </a:pPr>
-            <a:r>
-              <a:rPr lang="en-US" dirty="0"/>
-              <a:t>Backtracking from the terminal states, it assigns a score to each move by choosing the best option for the player whose turn it is.</a:t>
+              <a:rPr lang="en-US" sz="2400" dirty="0"/>
+              <a:t>It is commonly used in </a:t>
+            </a:r>
+            <a:r>
+              <a:rPr lang="en-US" sz="2400" b="1" dirty="0"/>
+              <a:t>two-player games </a:t>
+            </a:r>
+            <a:r>
+              <a:rPr lang="en-US" sz="2400" dirty="0"/>
+              <a:t>like chess which helps to make the best decisions by assuming that both players play </a:t>
+            </a:r>
+            <a:r>
+              <a:rPr lang="en-US" sz="2400" b="1" dirty="0"/>
+              <a:t>optimally</a:t>
+            </a:r>
+            <a:r>
+              <a:rPr lang="en-US" sz="2400" dirty="0"/>
+              <a:t>.</a:t>
             </a:r>
           </a:p>
         </p:txBody>
@@ -14423,7 +14435,7 @@
           <p:cNvPr id="4" name="Rectangle 3">
             <a:extLst>
               <a:ext uri="{FF2B5EF4-FFF2-40B4-BE49-F238E27FC236}">
-                <a16:creationId xmlns:a16="http://schemas.microsoft.com/office/drawing/2014/main" id="{0F87387D-ABB0-4126-9161-D82D93ED1AE0}"/>
+                <a16:creationId xmlns:a16="http://schemas.microsoft.com/office/drawing/2014/main" id="{0E5C1C92-5DBB-492C-83C8-D5794BC69CD4}"/>
               </a:ext>
             </a:extLst>
           </p:cNvPr>
@@ -14487,7 +14499,7 @@
           <p:cNvPr id="5" name="Rectangle 4">
             <a:extLst>
               <a:ext uri="{FF2B5EF4-FFF2-40B4-BE49-F238E27FC236}">
-                <a16:creationId xmlns:a16="http://schemas.microsoft.com/office/drawing/2014/main" id="{8C56DAC7-0302-4116-8769-7EE8A1FF0B72}"/>
+                <a16:creationId xmlns:a16="http://schemas.microsoft.com/office/drawing/2014/main" id="{E720147F-A342-4693-9329-428B23F74A34}"/>
               </a:ext>
             </a:extLst>
           </p:cNvPr>
@@ -14550,7 +14562,7 @@
           <p:cNvPr id="6" name="TextBox 5">
             <a:extLst>
               <a:ext uri="{FF2B5EF4-FFF2-40B4-BE49-F238E27FC236}">
-                <a16:creationId xmlns:a16="http://schemas.microsoft.com/office/drawing/2014/main" id="{24644A16-2F6F-40D6-A6AA-274F6D9EE84A}"/>
+                <a16:creationId xmlns:a16="http://schemas.microsoft.com/office/drawing/2014/main" id="{FE4BB38F-0A66-479D-89B8-0041E9BAA3D7}"/>
               </a:ext>
             </a:extLst>
           </p:cNvPr>
@@ -14588,7 +14600,7 @@
     </p:spTree>
     <p:extLst>
       <p:ext uri="{BB962C8B-B14F-4D97-AF65-F5344CB8AC3E}">
-        <p14:creationId xmlns:p14="http://schemas.microsoft.com/office/powerpoint/2010/main" val="3044511048"/>
+        <p14:creationId xmlns:p14="http://schemas.microsoft.com/office/powerpoint/2010/main" val="2620435713"/>
       </p:ext>
     </p:extLst>
   </p:cSld>
@@ -14635,9 +14647,8 @@
             <a:pPr algn="ctr"/>
             <a:r>
               <a:rPr lang="en-US" sz="3600" b="1" u="sng" dirty="0"/>
-              <a:t>Alpha-Beta Pruning</a:t>
-            </a:r>
-            <a:endParaRPr lang="en-US" sz="3600" u="sng" dirty="0"/>
+              <a:t>How It Works</a:t>
+            </a:r>
           </a:p>
         </p:txBody>
       </p:sp>
@@ -14653,7 +14664,9 @@
         </p:nvSpPr>
         <p:spPr/>
         <p:txBody>
-          <a:bodyPr/>
+          <a:bodyPr>
+            <a:normAutofit fontScale="92500" lnSpcReduction="10000"/>
+          </a:bodyPr>
           <a:lstStyle/>
           <a:p>
             <a:pPr marL="0" indent="0">
@@ -14661,55 +14674,95 @@
             </a:pPr>
             <a:r>
               <a:rPr lang="en-US" dirty="0"/>
-              <a:t>Alpha-Beta Pruning is an optimization technique for the minimax algorithm. It reduces the number of nodes evaluated in the game tree by </a:t>
+              <a:t>The game is represented as a </a:t>
             </a:r>
             <a:r>
               <a:rPr lang="en-US" b="1" dirty="0"/>
-              <a:t>pruning </a:t>
+              <a:t>tree</a:t>
             </a:r>
             <a:r>
               <a:rPr lang="en-US" dirty="0"/>
-              <a:t>or eliminating branches that cannot influence the final decision.</a:t>
-            </a:r>
-          </a:p>
-        </p:txBody>
-      </p:sp>
-      <p:pic>
-        <p:nvPicPr>
-          <p:cNvPr id="4" name="Content Placeholder 3"/>
-          <p:cNvPicPr>
-            <a:picLocks noChangeAspect="1"/>
-          </p:cNvPicPr>
-          <p:nvPr/>
-        </p:nvPicPr>
-        <p:blipFill>
-          <a:blip r:embed="rId2">
-            <a:extLst>
-              <a:ext uri="{28A0092B-C50C-407E-A947-70E740481C1C}">
-                <a14:useLocalDpi xmlns:a14="http://schemas.microsoft.com/office/drawing/2010/main" val="0"/>
-              </a:ext>
-            </a:extLst>
-          </a:blip>
-          <a:stretch>
-            <a:fillRect/>
-          </a:stretch>
-        </p:blipFill>
-        <p:spPr>
-          <a:xfrm>
-            <a:off x="2433943" y="3497082"/>
-            <a:ext cx="6981519" cy="2992080"/>
-          </a:xfrm>
-          <a:prstGeom prst="rect">
-            <a:avLst/>
-          </a:prstGeom>
-        </p:spPr>
-      </p:pic>
-      <p:sp>
-        <p:nvSpPr>
-          <p:cNvPr id="5" name="Rectangle 4">
-            <a:extLst>
-              <a:ext uri="{FF2B5EF4-FFF2-40B4-BE49-F238E27FC236}">
-                <a16:creationId xmlns:a16="http://schemas.microsoft.com/office/drawing/2014/main" id="{B09C3127-106D-4EAC-8077-85AC832B6585}"/>
+              <a:t>, where each node represents a game state.</a:t>
+            </a:r>
+          </a:p>
+          <a:p>
+            <a:pPr marL="0" indent="0">
+              <a:buNone/>
+            </a:pPr>
+            <a:r>
+              <a:rPr lang="en-US" dirty="0"/>
+              <a:t>Edges represent moves.</a:t>
+            </a:r>
+          </a:p>
+          <a:p>
+            <a:pPr marL="0" indent="0">
+              <a:buNone/>
+            </a:pPr>
+            <a:r>
+              <a:rPr lang="en-US" dirty="0"/>
+              <a:t>The algorithm alternates between two players:</a:t>
+            </a:r>
+          </a:p>
+          <a:p>
+            <a:pPr marL="0" indent="0">
+              <a:buNone/>
+            </a:pPr>
+            <a:r>
+              <a:rPr lang="en-US" b="1" dirty="0"/>
+              <a:t>Maximizer</a:t>
+            </a:r>
+            <a:r>
+              <a:rPr lang="en-US" dirty="0"/>
+              <a:t>: Tries to maximize the score (e.g., their chance of winning).</a:t>
+            </a:r>
+          </a:p>
+          <a:p>
+            <a:pPr marL="0" indent="0">
+              <a:buNone/>
+            </a:pPr>
+            <a:r>
+              <a:rPr lang="en-US" b="1" dirty="0"/>
+              <a:t>Minimizer</a:t>
+            </a:r>
+            <a:r>
+              <a:rPr lang="en-US" dirty="0"/>
+              <a:t>: Tries to minimize the score (e.g., their opponent's chance of winning).</a:t>
+            </a:r>
+          </a:p>
+          <a:p>
+            <a:pPr marL="0" indent="0">
+              <a:buNone/>
+            </a:pPr>
+            <a:r>
+              <a:rPr lang="en-US" dirty="0"/>
+              <a:t>It </a:t>
+            </a:r>
+            <a:r>
+              <a:rPr lang="en-US" b="1" dirty="0"/>
+              <a:t>recursively</a:t>
+            </a:r>
+            <a:r>
+              <a:rPr lang="en-US" dirty="0"/>
+              <a:t> evaluates all possible game states down to the terminal states (e.g., win, lose, or draw).</a:t>
+            </a:r>
+          </a:p>
+          <a:p>
+            <a:pPr marL="0" indent="0">
+              <a:buNone/>
+            </a:pPr>
+            <a:r>
+              <a:rPr lang="en-US" dirty="0"/>
+              <a:t>Backtracking from the terminal states, it assigns a score to each move by choosing the best option for the player whose turn it is.</a:t>
+            </a:r>
+          </a:p>
+        </p:txBody>
+      </p:sp>
+      <p:sp>
+        <p:nvSpPr>
+          <p:cNvPr id="4" name="Rectangle 3">
+            <a:extLst>
+              <a:ext uri="{FF2B5EF4-FFF2-40B4-BE49-F238E27FC236}">
+                <a16:creationId xmlns:a16="http://schemas.microsoft.com/office/drawing/2014/main" id="{0F87387D-ABB0-4126-9161-D82D93ED1AE0}"/>
               </a:ext>
             </a:extLst>
           </p:cNvPr>
@@ -14770,10 +14823,10 @@
       </p:sp>
       <p:sp>
         <p:nvSpPr>
-          <p:cNvPr id="6" name="Rectangle 5">
-            <a:extLst>
-              <a:ext uri="{FF2B5EF4-FFF2-40B4-BE49-F238E27FC236}">
-                <a16:creationId xmlns:a16="http://schemas.microsoft.com/office/drawing/2014/main" id="{DD7FC1B0-7606-41AD-8D9D-22C4C5E1CD3E}"/>
+          <p:cNvPr id="5" name="Rectangle 4">
+            <a:extLst>
+              <a:ext uri="{FF2B5EF4-FFF2-40B4-BE49-F238E27FC236}">
+                <a16:creationId xmlns:a16="http://schemas.microsoft.com/office/drawing/2014/main" id="{8C56DAC7-0302-4116-8769-7EE8A1FF0B72}"/>
               </a:ext>
             </a:extLst>
           </p:cNvPr>
@@ -14833,10 +14886,10 @@
       </p:sp>
       <p:sp>
         <p:nvSpPr>
-          <p:cNvPr id="7" name="TextBox 6">
-            <a:extLst>
-              <a:ext uri="{FF2B5EF4-FFF2-40B4-BE49-F238E27FC236}">
-                <a16:creationId xmlns:a16="http://schemas.microsoft.com/office/drawing/2014/main" id="{C97C8299-0F17-44B8-AC1D-642229166A4D}"/>
+          <p:cNvPr id="6" name="TextBox 5">
+            <a:extLst>
+              <a:ext uri="{FF2B5EF4-FFF2-40B4-BE49-F238E27FC236}">
+                <a16:creationId xmlns:a16="http://schemas.microsoft.com/office/drawing/2014/main" id="{24644A16-2F6F-40D6-A6AA-274F6D9EE84A}"/>
               </a:ext>
             </a:extLst>
           </p:cNvPr>
@@ -14874,7 +14927,7 @@
     </p:spTree>
     <p:extLst>
       <p:ext uri="{BB962C8B-B14F-4D97-AF65-F5344CB8AC3E}">
-        <p14:creationId xmlns:p14="http://schemas.microsoft.com/office/powerpoint/2010/main" val="1999102211"/>
+        <p14:creationId xmlns:p14="http://schemas.microsoft.com/office/powerpoint/2010/main" val="3044511048"/>
       </p:ext>
     </p:extLst>
   </p:cSld>
@@ -14913,13 +14966,17 @@
         </p:nvSpPr>
         <p:spPr/>
         <p:txBody>
-          <a:bodyPr/>
-          <a:lstStyle/>
-          <a:p>
-            <a:r>
-              <a:rPr lang="en-US" dirty="0"/>
-              <a:t>How it Works</a:t>
-            </a:r>
+          <a:bodyPr>
+            <a:normAutofit/>
+          </a:bodyPr>
+          <a:lstStyle/>
+          <a:p>
+            <a:pPr algn="ctr"/>
+            <a:r>
+              <a:rPr lang="en-US" sz="3600" b="1" u="sng" dirty="0"/>
+              <a:t>Alpha-Beta Pruning</a:t>
+            </a:r>
+            <a:endParaRPr lang="en-US" sz="3600" u="sng" dirty="0"/>
           </a:p>
         </p:txBody>
       </p:sp>
@@ -14935,93 +14992,63 @@
         </p:nvSpPr>
         <p:spPr/>
         <p:txBody>
-          <a:bodyPr>
-            <a:normAutofit fontScale="92500" lnSpcReduction="10000"/>
-          </a:bodyPr>
+          <a:bodyPr/>
           <a:lstStyle/>
           <a:p>
             <a:pPr marL="0" indent="0">
               <a:buNone/>
             </a:pPr>
             <a:r>
+              <a:rPr lang="en-US" dirty="0"/>
+              <a:t>Alpha-Beta Pruning is an optimization technique for the minimax algorithm. It reduces the number of nodes evaluated in the game tree by </a:t>
+            </a:r>
+            <a:r>
               <a:rPr lang="en-US" b="1" dirty="0"/>
-              <a:t>Alpha (α)</a:t>
+              <a:t>pruning </a:t>
             </a:r>
             <a:r>
               <a:rPr lang="en-US" dirty="0"/>
-              <a:t>: The best value the maximizer currently can guarantee.</a:t>
-            </a:r>
-          </a:p>
-          <a:p>
-            <a:pPr marL="0" indent="0">
-              <a:buNone/>
-            </a:pPr>
-            <a:r>
-              <a:rPr lang="en-US" b="1" dirty="0"/>
-              <a:t>Beta (β)</a:t>
-            </a:r>
-            <a:r>
-              <a:rPr lang="en-US" dirty="0"/>
-              <a:t>: The best value the minimizer currently can guarantee.</a:t>
-            </a:r>
-          </a:p>
-          <a:p>
-            <a:pPr marL="0" indent="0">
-              <a:buNone/>
-            </a:pPr>
-            <a:r>
-              <a:rPr lang="en-US" dirty="0"/>
-              <a:t>During the traversal:</a:t>
-            </a:r>
-          </a:p>
-          <a:p>
-            <a:pPr marL="457200" lvl="1" indent="0">
-              <a:buNone/>
-            </a:pPr>
-            <a:r>
-              <a:rPr lang="en-US" dirty="0"/>
-              <a:t>If a branch's potential outcome is worse than an already evaluated branch for either player, that branch is pruned (skipped).</a:t>
-            </a:r>
-          </a:p>
-          <a:p>
-            <a:pPr marL="0" indent="0">
-              <a:buNone/>
-            </a:pPr>
-            <a:r>
-              <a:rPr lang="en-US" dirty="0"/>
-              <a:t>The order in which nodes are explored determines the effectiveness of pruning.</a:t>
-            </a:r>
-          </a:p>
-          <a:p>
-            <a:pPr marL="0" indent="0">
-              <a:buNone/>
-            </a:pPr>
-            <a:r>
-              <a:rPr lang="en-US" b="1" dirty="0"/>
-              <a:t>Good move ordering</a:t>
-            </a:r>
-            <a:r>
-              <a:rPr lang="en-US" dirty="0"/>
-              <a:t> can significantly reduce the number of nodes evaluated.</a:t>
-            </a:r>
-          </a:p>
-          <a:p>
-            <a:pPr marL="0" indent="0">
-              <a:buNone/>
-            </a:pPr>
-            <a:r>
-              <a:rPr lang="en-US" dirty="0"/>
-              <a:t>(There may be cases where no pruning occurs but it is faster most of the times.)</a:t>
-            </a:r>
-          </a:p>
-        </p:txBody>
-      </p:sp>
-      <p:sp>
-        <p:nvSpPr>
-          <p:cNvPr id="4" name="Rectangle 3">
-            <a:extLst>
-              <a:ext uri="{FF2B5EF4-FFF2-40B4-BE49-F238E27FC236}">
-                <a16:creationId xmlns:a16="http://schemas.microsoft.com/office/drawing/2014/main" id="{8B2DB3D1-B113-45A3-8567-26C6131DA898}"/>
+              <a:t>or eliminating branches that cannot influence the final decision.</a:t>
+            </a:r>
+          </a:p>
+        </p:txBody>
+      </p:sp>
+      <p:pic>
+        <p:nvPicPr>
+          <p:cNvPr id="4" name="Content Placeholder 3"/>
+          <p:cNvPicPr>
+            <a:picLocks noChangeAspect="1"/>
+          </p:cNvPicPr>
+          <p:nvPr/>
+        </p:nvPicPr>
+        <p:blipFill>
+          <a:blip r:embed="rId2">
+            <a:extLst>
+              <a:ext uri="{28A0092B-C50C-407E-A947-70E740481C1C}">
+                <a14:useLocalDpi xmlns:a14="http://schemas.microsoft.com/office/drawing/2010/main" val="0"/>
+              </a:ext>
+            </a:extLst>
+          </a:blip>
+          <a:stretch>
+            <a:fillRect/>
+          </a:stretch>
+        </p:blipFill>
+        <p:spPr>
+          <a:xfrm>
+            <a:off x="2433943" y="3497082"/>
+            <a:ext cx="6981519" cy="2992080"/>
+          </a:xfrm>
+          <a:prstGeom prst="rect">
+            <a:avLst/>
+          </a:prstGeom>
+        </p:spPr>
+      </p:pic>
+      <p:sp>
+        <p:nvSpPr>
+          <p:cNvPr id="5" name="Rectangle 4">
+            <a:extLst>
+              <a:ext uri="{FF2B5EF4-FFF2-40B4-BE49-F238E27FC236}">
+                <a16:creationId xmlns:a16="http://schemas.microsoft.com/office/drawing/2014/main" id="{B09C3127-106D-4EAC-8077-85AC832B6585}"/>
               </a:ext>
             </a:extLst>
           </p:cNvPr>
@@ -15082,10 +15109,10 @@
       </p:sp>
       <p:sp>
         <p:nvSpPr>
-          <p:cNvPr id="5" name="Rectangle 4">
-            <a:extLst>
-              <a:ext uri="{FF2B5EF4-FFF2-40B4-BE49-F238E27FC236}">
-                <a16:creationId xmlns:a16="http://schemas.microsoft.com/office/drawing/2014/main" id="{F3E28657-91DD-4197-AD31-94CC739B9F83}"/>
+          <p:cNvPr id="6" name="Rectangle 5">
+            <a:extLst>
+              <a:ext uri="{FF2B5EF4-FFF2-40B4-BE49-F238E27FC236}">
+                <a16:creationId xmlns:a16="http://schemas.microsoft.com/office/drawing/2014/main" id="{DD7FC1B0-7606-41AD-8D9D-22C4C5E1CD3E}"/>
               </a:ext>
             </a:extLst>
           </p:cNvPr>
@@ -15145,10 +15172,10 @@
       </p:sp>
       <p:sp>
         <p:nvSpPr>
-          <p:cNvPr id="6" name="TextBox 5">
-            <a:extLst>
-              <a:ext uri="{FF2B5EF4-FFF2-40B4-BE49-F238E27FC236}">
-                <a16:creationId xmlns:a16="http://schemas.microsoft.com/office/drawing/2014/main" id="{EADC1590-D1E4-4D1B-8A9C-0E7E1FCDCB29}"/>
+          <p:cNvPr id="7" name="TextBox 6">
+            <a:extLst>
+              <a:ext uri="{FF2B5EF4-FFF2-40B4-BE49-F238E27FC236}">
+                <a16:creationId xmlns:a16="http://schemas.microsoft.com/office/drawing/2014/main" id="{C97C8299-0F17-44B8-AC1D-642229166A4D}"/>
               </a:ext>
             </a:extLst>
           </p:cNvPr>
@@ -15186,7 +15213,7 @@
     </p:spTree>
     <p:extLst>
       <p:ext uri="{BB962C8B-B14F-4D97-AF65-F5344CB8AC3E}">
-        <p14:creationId xmlns:p14="http://schemas.microsoft.com/office/powerpoint/2010/main" val="4163905530"/>
+        <p14:creationId xmlns:p14="http://schemas.microsoft.com/office/powerpoint/2010/main" val="1999102211"/>
       </p:ext>
     </p:extLst>
   </p:cSld>
@@ -15215,13 +15242,7 @@
       </p:grpSpPr>
       <p:sp>
         <p:nvSpPr>
-          <p:cNvPr id="2" name="Title 1">
-            <a:extLst>
-              <a:ext uri="{FF2B5EF4-FFF2-40B4-BE49-F238E27FC236}">
-                <a16:creationId xmlns:a16="http://schemas.microsoft.com/office/drawing/2014/main" id="{A044EC92-8709-66AA-FA34-6F35A4198D12}"/>
-              </a:ext>
-            </a:extLst>
-          </p:cNvPr>
+          <p:cNvPr id="2" name="Title 1"/>
           <p:cNvSpPr>
             <a:spLocks noGrp="1"/>
           </p:cNvSpPr>
@@ -15229,40 +15250,21 @@
             <p:ph type="title"/>
           </p:nvPr>
         </p:nvSpPr>
-        <p:spPr>
-          <a:xfrm>
-            <a:off x="839788" y="987425"/>
-            <a:ext cx="3932237" cy="571500"/>
-          </a:xfrm>
-        </p:spPr>
-        <p:txBody>
-          <a:bodyPr>
-            <a:normAutofit fontScale="90000"/>
-          </a:bodyPr>
-          <a:lstStyle/>
-          <a:p>
-            <a:r>
-              <a:rPr lang="en-US" sz="3600" b="1" dirty="0">
-                <a:latin typeface="Arial Black" panose="020B0A04020102020204" pitchFamily="34" charset="0"/>
-              </a:rPr>
-              <a:t>Implementation</a:t>
-            </a:r>
+        <p:spPr/>
+        <p:txBody>
+          <a:bodyPr/>
+          <a:lstStyle/>
+          <a:p>
             <a:r>
               <a:rPr lang="en-US" dirty="0"/>
-              <a:t> </a:t>
-            </a:r>
-          </a:p>
-        </p:txBody>
-      </p:sp>
-      <p:sp>
-        <p:nvSpPr>
-          <p:cNvPr id="3" name="Content Placeholder 2">
-            <a:extLst>
-              <a:ext uri="{FF2B5EF4-FFF2-40B4-BE49-F238E27FC236}">
-                <a16:creationId xmlns:a16="http://schemas.microsoft.com/office/drawing/2014/main" id="{D5E016E4-BDAF-4DC3-9D94-4DE8B9339639}"/>
-              </a:ext>
-            </a:extLst>
-          </p:cNvPr>
+              <a:t>How it Works</a:t>
+            </a:r>
+          </a:p>
+        </p:txBody>
+      </p:sp>
+      <p:sp>
+        <p:nvSpPr>
+          <p:cNvPr id="3" name="Content Placeholder 2"/>
           <p:cNvSpPr>
             <a:spLocks noGrp="1"/>
           </p:cNvSpPr>
@@ -15272,47 +15274,93 @@
         </p:nvSpPr>
         <p:spPr/>
         <p:txBody>
-          <a:bodyPr/>
-          <a:lstStyle/>
-          <a:p>
-            <a:endParaRPr lang="en-US" dirty="0"/>
-          </a:p>
-        </p:txBody>
-      </p:sp>
-      <p:sp>
-        <p:nvSpPr>
-          <p:cNvPr id="4" name="Text Placeholder 3">
-            <a:extLst>
-              <a:ext uri="{FF2B5EF4-FFF2-40B4-BE49-F238E27FC236}">
-                <a16:creationId xmlns:a16="http://schemas.microsoft.com/office/drawing/2014/main" id="{8AF72E6F-D5A1-6CBE-73C8-608D6839317F}"/>
-              </a:ext>
-            </a:extLst>
-          </p:cNvPr>
-          <p:cNvSpPr>
-            <a:spLocks noGrp="1"/>
-          </p:cNvSpPr>
-          <p:nvPr>
-            <p:ph type="body" sz="half" idx="2"/>
-          </p:nvPr>
-        </p:nvSpPr>
-        <p:spPr/>
-        <p:txBody>
-          <a:bodyPr/>
-          <a:lstStyle/>
-          <a:p>
+          <a:bodyPr>
+            <a:normAutofit fontScale="92500" lnSpcReduction="10000"/>
+          </a:bodyPr>
+          <a:lstStyle/>
+          <a:p>
+            <a:pPr marL="0" indent="0">
+              <a:buNone/>
+            </a:pPr>
+            <a:r>
+              <a:rPr lang="en-US" b="1" dirty="0"/>
+              <a:t>Alpha (α)</a:t>
+            </a:r>
             <a:r>
               <a:rPr lang="en-US" dirty="0"/>
-              <a:t>Topics like graph theory, and recursion play crucial roles in modeling and solving the game.</a:t>
-            </a:r>
-          </a:p>
-        </p:txBody>
-      </p:sp>
-      <p:sp>
-        <p:nvSpPr>
-          <p:cNvPr id="5" name="Rectangle 4">
-            <a:extLst>
-              <a:ext uri="{FF2B5EF4-FFF2-40B4-BE49-F238E27FC236}">
-                <a16:creationId xmlns:a16="http://schemas.microsoft.com/office/drawing/2014/main" id="{4A521344-576C-4665-AC3A-E757AFB32BA9}"/>
+              <a:t>: The best value the maximizer currently can guarantee.</a:t>
+            </a:r>
+          </a:p>
+          <a:p>
+            <a:pPr marL="0" indent="0">
+              <a:buNone/>
+            </a:pPr>
+            <a:r>
+              <a:rPr lang="en-US" b="1" dirty="0"/>
+              <a:t>Beta (β)</a:t>
+            </a:r>
+            <a:r>
+              <a:rPr lang="en-US" dirty="0"/>
+              <a:t>: The best value the minimizer currently can guarantee.</a:t>
+            </a:r>
+          </a:p>
+          <a:p>
+            <a:pPr marL="0" indent="0">
+              <a:buNone/>
+            </a:pPr>
+            <a:r>
+              <a:rPr lang="en-US" dirty="0"/>
+              <a:t>During the traversal:</a:t>
+            </a:r>
+          </a:p>
+          <a:p>
+            <a:pPr marL="457200" lvl="1" indent="0">
+              <a:buNone/>
+            </a:pPr>
+            <a:r>
+              <a:rPr lang="en-US" dirty="0"/>
+              <a:t>If a branch's potential outcome is worse than an already evaluated branch for either player, that branch is pruned (skipped).</a:t>
+            </a:r>
+          </a:p>
+          <a:p>
+            <a:pPr marL="0" indent="0">
+              <a:buNone/>
+            </a:pPr>
+            <a:r>
+              <a:rPr lang="en-US" dirty="0"/>
+              <a:t>The order in which nodes are explored determines the effectiveness of pruning.</a:t>
+            </a:r>
+          </a:p>
+          <a:p>
+            <a:pPr marL="0" indent="0">
+              <a:buNone/>
+            </a:pPr>
+            <a:r>
+              <a:rPr lang="en-US" b="1" dirty="0"/>
+              <a:t>Good move ordering</a:t>
+            </a:r>
+            <a:r>
+              <a:rPr lang="en-US" dirty="0"/>
+              <a:t> can significantly reduce the number of nodes evaluated.</a:t>
+            </a:r>
+          </a:p>
+          <a:p>
+            <a:pPr marL="0" indent="0">
+              <a:buNone/>
+            </a:pPr>
+            <a:r>
+              <a:rPr lang="en-US" dirty="0"/>
+              <a:t>(There may be cases where no pruning occurs but it is faster most of the times.)</a:t>
+            </a:r>
+          </a:p>
+        </p:txBody>
+      </p:sp>
+      <p:sp>
+        <p:nvSpPr>
+          <p:cNvPr id="4" name="Rectangle 3">
+            <a:extLst>
+              <a:ext uri="{FF2B5EF4-FFF2-40B4-BE49-F238E27FC236}">
+                <a16:creationId xmlns:a16="http://schemas.microsoft.com/office/drawing/2014/main" id="{8B2DB3D1-B113-45A3-8567-26C6131DA898}"/>
               </a:ext>
             </a:extLst>
           </p:cNvPr>
@@ -15373,10 +15421,10 @@
       </p:sp>
       <p:sp>
         <p:nvSpPr>
-          <p:cNvPr id="6" name="Rectangle 5">
-            <a:extLst>
-              <a:ext uri="{FF2B5EF4-FFF2-40B4-BE49-F238E27FC236}">
-                <a16:creationId xmlns:a16="http://schemas.microsoft.com/office/drawing/2014/main" id="{C3BE2AA2-8DE7-4EC5-94CA-3F70884EA3FE}"/>
+          <p:cNvPr id="5" name="Rectangle 4">
+            <a:extLst>
+              <a:ext uri="{FF2B5EF4-FFF2-40B4-BE49-F238E27FC236}">
+                <a16:creationId xmlns:a16="http://schemas.microsoft.com/office/drawing/2014/main" id="{F3E28657-91DD-4197-AD31-94CC739B9F83}"/>
               </a:ext>
             </a:extLst>
           </p:cNvPr>
@@ -15436,10 +15484,10 @@
       </p:sp>
       <p:sp>
         <p:nvSpPr>
-          <p:cNvPr id="7" name="TextBox 6">
-            <a:extLst>
-              <a:ext uri="{FF2B5EF4-FFF2-40B4-BE49-F238E27FC236}">
-                <a16:creationId xmlns:a16="http://schemas.microsoft.com/office/drawing/2014/main" id="{5AEFA798-7C9F-4A3D-93E0-1E12F1FB4450}"/>
+          <p:cNvPr id="6" name="TextBox 5">
+            <a:extLst>
+              <a:ext uri="{FF2B5EF4-FFF2-40B4-BE49-F238E27FC236}">
+                <a16:creationId xmlns:a16="http://schemas.microsoft.com/office/drawing/2014/main" id="{EADC1590-D1E4-4D1B-8A9C-0E7E1FCDCB29}"/>
               </a:ext>
             </a:extLst>
           </p:cNvPr>
@@ -15477,7 +15525,7 @@
     </p:spTree>
     <p:extLst>
       <p:ext uri="{BB962C8B-B14F-4D97-AF65-F5344CB8AC3E}">
-        <p14:creationId xmlns:p14="http://schemas.microsoft.com/office/powerpoint/2010/main" val="4070419102"/>
+        <p14:creationId xmlns:p14="http://schemas.microsoft.com/office/powerpoint/2010/main" val="4163905530"/>
       </p:ext>
     </p:extLst>
   </p:cSld>
@@ -15509,7 +15557,7 @@
           <p:cNvPr id="2" name="Title 1">
             <a:extLst>
               <a:ext uri="{FF2B5EF4-FFF2-40B4-BE49-F238E27FC236}">
-                <a16:creationId xmlns:a16="http://schemas.microsoft.com/office/drawing/2014/main" id="{D1D307F6-B8C8-3B03-1BAA-5F930D5564F3}"/>
+                <a16:creationId xmlns:a16="http://schemas.microsoft.com/office/drawing/2014/main" id="{A044EC92-8709-66AA-FA34-6F35A4198D12}"/>
               </a:ext>
             </a:extLst>
           </p:cNvPr>
@@ -15522,8 +15570,8 @@
         </p:nvSpPr>
         <p:spPr>
           <a:xfrm>
-            <a:off x="838200" y="365125"/>
-            <a:ext cx="10515600" cy="849313"/>
+            <a:off x="839788" y="987425"/>
+            <a:ext cx="3932237" cy="571500"/>
           </a:xfrm>
         </p:spPr>
         <p:txBody>
@@ -15533,17 +15581,15 @@
           <a:lstStyle/>
           <a:p>
             <a:r>
-              <a:rPr lang="en-US" b="1" dirty="0"/>
-              <a:t>Introduction to </a:t>
-            </a:r>
-            <a:r>
-              <a:rPr lang="en-US" b="1" dirty="0" err="1"/>
-              <a:t>Gomoku</a:t>
-            </a:r>
-            <a:br>
+              <a:rPr lang="en-US" sz="3600" b="1" dirty="0">
+                <a:latin typeface="Arial Black" panose="020B0A04020102020204" pitchFamily="34" charset="0"/>
+              </a:rPr>
+              <a:t>Implementation</a:t>
+            </a:r>
+            <a:r>
               <a:rPr lang="en-US" dirty="0"/>
-            </a:br>
-            <a:endParaRPr lang="en-US" dirty="0"/>
+              <a:t> </a:t>
+            </a:r>
           </a:p>
         </p:txBody>
       </p:sp>
@@ -15552,7 +15598,7 @@
           <p:cNvPr id="3" name="Content Placeholder 2">
             <a:extLst>
               <a:ext uri="{FF2B5EF4-FFF2-40B4-BE49-F238E27FC236}">
-                <a16:creationId xmlns:a16="http://schemas.microsoft.com/office/drawing/2014/main" id="{FEA283A3-BD90-A1E9-7BBE-F64221308E03}"/>
+                <a16:creationId xmlns:a16="http://schemas.microsoft.com/office/drawing/2014/main" id="{D5E016E4-BDAF-4DC3-9D94-4DE8B9339639}"/>
               </a:ext>
             </a:extLst>
           </p:cNvPr>
@@ -15563,183 +15609,49 @@
             <p:ph idx="1"/>
           </p:nvPr>
         </p:nvSpPr>
-        <p:spPr>
-          <a:xfrm>
-            <a:off x="838200" y="1428750"/>
-            <a:ext cx="10515600" cy="4748213"/>
-          </a:xfrm>
-        </p:spPr>
-        <p:txBody>
-          <a:bodyPr>
-            <a:normAutofit fontScale="77500" lnSpcReduction="20000"/>
-          </a:bodyPr>
-          <a:lstStyle/>
-          <a:p>
-            <a:pPr marL="0" indent="0">
-              <a:buNone/>
-            </a:pPr>
-            <a:r>
-              <a:rPr lang="en-US" b="1" dirty="0" err="1"/>
-              <a:t>Gomoku</a:t>
-            </a:r>
+        <p:spPr/>
+        <p:txBody>
+          <a:bodyPr/>
+          <a:lstStyle/>
+          <a:p>
+            <a:endParaRPr lang="en-US" dirty="0"/>
+          </a:p>
+        </p:txBody>
+      </p:sp>
+      <p:sp>
+        <p:nvSpPr>
+          <p:cNvPr id="4" name="Text Placeholder 3">
+            <a:extLst>
+              <a:ext uri="{FF2B5EF4-FFF2-40B4-BE49-F238E27FC236}">
+                <a16:creationId xmlns:a16="http://schemas.microsoft.com/office/drawing/2014/main" id="{8AF72E6F-D5A1-6CBE-73C8-608D6839317F}"/>
+              </a:ext>
+            </a:extLst>
+          </p:cNvPr>
+          <p:cNvSpPr>
+            <a:spLocks noGrp="1"/>
+          </p:cNvSpPr>
+          <p:nvPr>
+            <p:ph type="body" sz="half" idx="2"/>
+          </p:nvPr>
+        </p:nvSpPr>
+        <p:spPr/>
+        <p:txBody>
+          <a:bodyPr/>
+          <a:lstStyle/>
+          <a:p>
             <a:r>
               <a:rPr lang="en-US" dirty="0"/>
-              <a:t> rules and win condition</a:t>
-            </a:r>
-          </a:p>
-          <a:p>
-            <a:pPr marL="0" indent="0">
-              <a:buNone/>
-            </a:pPr>
-            <a:r>
-              <a:rPr lang="en-US" b="1" dirty="0"/>
-              <a:t>Graph Model</a:t>
-            </a:r>
-            <a:r>
-              <a:rPr lang="en-US" dirty="0"/>
-              <a:t>: </a:t>
-            </a:r>
-            <a:r>
-              <a:rPr lang="en-US" dirty="0" err="1"/>
-              <a:t>Gomoku’s</a:t>
-            </a:r>
-            <a:r>
-              <a:rPr lang="en-US" dirty="0"/>
-              <a:t> grid can be represented as a graph where:</a:t>
-            </a:r>
-          </a:p>
-          <a:p>
-            <a:pPr marL="742950" lvl="1" indent="-285750">
-              <a:buFont typeface="Arial" panose="020B0604020202020204" pitchFamily="34" charset="0"/>
-              <a:buChar char="•"/>
-            </a:pPr>
-            <a:r>
-              <a:rPr lang="en-US" b="1" dirty="0"/>
-              <a:t>Vertices (Nodes)</a:t>
-            </a:r>
-            <a:r>
-              <a:rPr lang="en-US" dirty="0"/>
-              <a:t> represent each board position.</a:t>
-            </a:r>
-          </a:p>
-          <a:p>
-            <a:pPr marL="742950" lvl="1" indent="-285750">
-              <a:buFont typeface="Arial" panose="020B0604020202020204" pitchFamily="34" charset="0"/>
-              <a:buChar char="•"/>
-            </a:pPr>
-            <a:r>
-              <a:rPr lang="en-US" b="1" dirty="0"/>
-              <a:t>Edges (Connections)</a:t>
-            </a:r>
-            <a:r>
-              <a:rPr lang="en-US" dirty="0"/>
-              <a:t> represent possible moves between adjacent positions (up, down, left, right, or diagonally).</a:t>
-            </a:r>
-          </a:p>
-          <a:p>
-            <a:pPr>
-              <a:buFont typeface="Arial" panose="020B0604020202020204" pitchFamily="34" charset="0"/>
-              <a:buChar char="•"/>
-            </a:pPr>
-            <a:r>
-              <a:rPr lang="en-US" b="1" dirty="0"/>
-              <a:t>Significance</a:t>
-            </a:r>
-            <a:r>
-              <a:rPr lang="en-US" dirty="0"/>
-              <a:t>: This representation enables the game to leverage graph algorithms to analyze the board for optimal moves and winning patterns.</a:t>
-            </a:r>
-          </a:p>
-          <a:p>
-            <a:r>
-              <a:rPr lang="en-US" b="1" dirty="0"/>
-              <a:t>Recursion in </a:t>
-            </a:r>
-            <a:r>
-              <a:rPr lang="en-US" b="1" dirty="0" err="1"/>
-              <a:t>Gomoku</a:t>
-            </a:r>
-            <a:r>
-              <a:rPr lang="en-US" b="1" dirty="0"/>
-              <a:t>:</a:t>
-            </a:r>
-            <a:endParaRPr lang="en-US" dirty="0"/>
-          </a:p>
-          <a:p>
-            <a:pPr>
-              <a:buFont typeface="Arial" panose="020B0604020202020204" pitchFamily="34" charset="0"/>
-              <a:buChar char="•"/>
-            </a:pPr>
-            <a:r>
-              <a:rPr lang="en-US" b="1" dirty="0"/>
-              <a:t>Exploring Moves Recursively</a:t>
-            </a:r>
-            <a:r>
-              <a:rPr lang="en-US" dirty="0"/>
-              <a:t>: AI can use recursion to evaluate multiple future moves, creating a </a:t>
-            </a:r>
-            <a:r>
-              <a:rPr lang="en-US" b="1" dirty="0"/>
-              <a:t>game tree</a:t>
-            </a:r>
-            <a:r>
-              <a:rPr lang="en-US" dirty="0"/>
-              <a:t> structure. Each recursive call simulates a potential move, building layers of possible future game states.</a:t>
-            </a:r>
-          </a:p>
-          <a:p>
-            <a:pPr>
-              <a:buFont typeface="Arial" panose="020B0604020202020204" pitchFamily="34" charset="0"/>
-              <a:buChar char="•"/>
-            </a:pPr>
-            <a:r>
-              <a:rPr lang="en-US" b="1" dirty="0"/>
-              <a:t>AI Strategy</a:t>
-            </a:r>
-            <a:r>
-              <a:rPr lang="en-US" dirty="0"/>
-              <a:t>:</a:t>
-            </a:r>
-          </a:p>
-          <a:p>
-            <a:pPr marL="742950" lvl="1" indent="-285750">
-              <a:buFont typeface="Arial" panose="020B0604020202020204" pitchFamily="34" charset="0"/>
-              <a:buChar char="•"/>
-            </a:pPr>
-            <a:r>
-              <a:rPr lang="en-US" b="1" dirty="0"/>
-              <a:t>Block Opponent Moves</a:t>
-            </a:r>
-            <a:r>
-              <a:rPr lang="en-US" dirty="0"/>
-              <a:t>: The AI recursively checks potential moves that could lead to an opponent's victory, blocking these to defend.</a:t>
-            </a:r>
-          </a:p>
-          <a:p>
-            <a:pPr marL="742950" lvl="1" indent="-285750">
-              <a:buFont typeface="Arial" panose="020B0604020202020204" pitchFamily="34" charset="0"/>
-              <a:buChar char="•"/>
-            </a:pPr>
-            <a:r>
-              <a:rPr lang="en-US" b="1" dirty="0"/>
-              <a:t>Find Winning Paths</a:t>
-            </a:r>
-            <a:r>
-              <a:rPr lang="en-US" dirty="0"/>
-              <a:t>: It evaluates sequences of moves to identify paths where it can form five in a row.</a:t>
-            </a:r>
-          </a:p>
-          <a:p>
-            <a:endParaRPr lang="en-US" dirty="0"/>
-          </a:p>
-        </p:txBody>
-      </p:sp>
-      <p:sp>
-        <p:nvSpPr>
-          <p:cNvPr id="4" name="Rectangle 3">
-            <a:extLst>
-              <a:ext uri="{FF2B5EF4-FFF2-40B4-BE49-F238E27FC236}">
-                <a16:creationId xmlns:a16="http://schemas.microsoft.com/office/drawing/2014/main" id="{1960E2AE-CCBA-498B-9B5D-EC6192AE4B2D}"/>
+              <a:t>Topics like graph theory, and recursion play crucial roles in modeling and solving the game.</a:t>
+            </a:r>
+          </a:p>
+        </p:txBody>
+      </p:sp>
+      <p:sp>
+        <p:nvSpPr>
+          <p:cNvPr id="5" name="Rectangle 4">
+            <a:extLst>
+              <a:ext uri="{FF2B5EF4-FFF2-40B4-BE49-F238E27FC236}">
+                <a16:creationId xmlns:a16="http://schemas.microsoft.com/office/drawing/2014/main" id="{4A521344-576C-4665-AC3A-E757AFB32BA9}"/>
               </a:ext>
             </a:extLst>
           </p:cNvPr>
@@ -15800,10 +15712,10 @@
       </p:sp>
       <p:sp>
         <p:nvSpPr>
-          <p:cNvPr id="5" name="Rectangle 4">
-            <a:extLst>
-              <a:ext uri="{FF2B5EF4-FFF2-40B4-BE49-F238E27FC236}">
-                <a16:creationId xmlns:a16="http://schemas.microsoft.com/office/drawing/2014/main" id="{9298954E-84BE-47ED-A7B3-A6E0FF8D3F60}"/>
+          <p:cNvPr id="6" name="Rectangle 5">
+            <a:extLst>
+              <a:ext uri="{FF2B5EF4-FFF2-40B4-BE49-F238E27FC236}">
+                <a16:creationId xmlns:a16="http://schemas.microsoft.com/office/drawing/2014/main" id="{C3BE2AA2-8DE7-4EC5-94CA-3F70884EA3FE}"/>
               </a:ext>
             </a:extLst>
           </p:cNvPr>
@@ -15863,10 +15775,10 @@
       </p:sp>
       <p:sp>
         <p:nvSpPr>
-          <p:cNvPr id="6" name="TextBox 5">
-            <a:extLst>
-              <a:ext uri="{FF2B5EF4-FFF2-40B4-BE49-F238E27FC236}">
-                <a16:creationId xmlns:a16="http://schemas.microsoft.com/office/drawing/2014/main" id="{DD32E8B3-3ECB-4D0A-8DB4-ED0F881F79BE}"/>
+          <p:cNvPr id="7" name="TextBox 6">
+            <a:extLst>
+              <a:ext uri="{FF2B5EF4-FFF2-40B4-BE49-F238E27FC236}">
+                <a16:creationId xmlns:a16="http://schemas.microsoft.com/office/drawing/2014/main" id="{5AEFA798-7C9F-4A3D-93E0-1E12F1FB4450}"/>
               </a:ext>
             </a:extLst>
           </p:cNvPr>
@@ -15904,7 +15816,7 @@
     </p:spTree>
     <p:extLst>
       <p:ext uri="{BB962C8B-B14F-4D97-AF65-F5344CB8AC3E}">
-        <p14:creationId xmlns:p14="http://schemas.microsoft.com/office/powerpoint/2010/main" val="3702748845"/>
+        <p14:creationId xmlns:p14="http://schemas.microsoft.com/office/powerpoint/2010/main" val="4070419102"/>
       </p:ext>
     </p:extLst>
   </p:cSld>
@@ -15933,6 +15845,49 @@
       </p:grpSpPr>
       <p:sp>
         <p:nvSpPr>
+          <p:cNvPr id="2" name="Title 1">
+            <a:extLst>
+              <a:ext uri="{FF2B5EF4-FFF2-40B4-BE49-F238E27FC236}">
+                <a16:creationId xmlns:a16="http://schemas.microsoft.com/office/drawing/2014/main" id="{D1D307F6-B8C8-3B03-1BAA-5F930D5564F3}"/>
+              </a:ext>
+            </a:extLst>
+          </p:cNvPr>
+          <p:cNvSpPr>
+            <a:spLocks noGrp="1"/>
+          </p:cNvSpPr>
+          <p:nvPr>
+            <p:ph type="title"/>
+          </p:nvPr>
+        </p:nvSpPr>
+        <p:spPr>
+          <a:xfrm>
+            <a:off x="838200" y="365125"/>
+            <a:ext cx="10515600" cy="849313"/>
+          </a:xfrm>
+        </p:spPr>
+        <p:txBody>
+          <a:bodyPr>
+            <a:normAutofit fontScale="90000"/>
+          </a:bodyPr>
+          <a:lstStyle/>
+          <a:p>
+            <a:r>
+              <a:rPr lang="en-US" b="1" dirty="0"/>
+              <a:t>Introduction to </a:t>
+            </a:r>
+            <a:r>
+              <a:rPr lang="en-US" b="1" dirty="0" err="1"/>
+              <a:t>Gomoku</a:t>
+            </a:r>
+            <a:br>
+              <a:rPr lang="en-US" dirty="0"/>
+            </a:br>
+            <a:endParaRPr lang="en-US" dirty="0"/>
+          </a:p>
+        </p:txBody>
+      </p:sp>
+      <p:sp>
+        <p:nvSpPr>
           <p:cNvPr id="3" name="Content Placeholder 2">
             <a:extLst>
               <a:ext uri="{FF2B5EF4-FFF2-40B4-BE49-F238E27FC236}">
@@ -15949,15 +15904,77 @@
         </p:nvSpPr>
         <p:spPr>
           <a:xfrm>
-            <a:off x="838200" y="485776"/>
-            <a:ext cx="10515600" cy="5691188"/>
+            <a:off x="838200" y="1428750"/>
+            <a:ext cx="10515600" cy="4748213"/>
           </a:xfrm>
         </p:spPr>
         <p:txBody>
           <a:bodyPr>
-            <a:normAutofit lnSpcReduction="10000"/>
+            <a:normAutofit fontScale="77500" lnSpcReduction="20000"/>
           </a:bodyPr>
           <a:lstStyle/>
+          <a:p>
+            <a:pPr marL="0" indent="0">
+              <a:buNone/>
+            </a:pPr>
+            <a:r>
+              <a:rPr lang="en-US" b="1" dirty="0" err="1"/>
+              <a:t>Gomoku</a:t>
+            </a:r>
+            <a:r>
+              <a:rPr lang="en-US" dirty="0"/>
+              <a:t> rules and win condition</a:t>
+            </a:r>
+          </a:p>
+          <a:p>
+            <a:pPr marL="0" indent="0">
+              <a:buNone/>
+            </a:pPr>
+            <a:r>
+              <a:rPr lang="en-US" b="1" dirty="0"/>
+              <a:t>Graph Model</a:t>
+            </a:r>
+            <a:r>
+              <a:rPr lang="en-US" dirty="0"/>
+              <a:t>: </a:t>
+            </a:r>
+            <a:r>
+              <a:rPr lang="en-US" dirty="0" err="1"/>
+              <a:t>Gomoku’s</a:t>
+            </a:r>
+            <a:r>
+              <a:rPr lang="en-US" dirty="0"/>
+              <a:t> grid can be represented as a graph where:</a:t>
+            </a:r>
+          </a:p>
+          <a:p>
+            <a:pPr marL="742950" lvl="1" indent="-285750">
+              <a:buFont typeface="Arial" panose="020B0604020202020204" pitchFamily="34" charset="0"/>
+              <a:buChar char="•"/>
+            </a:pPr>
+            <a:r>
+              <a:rPr lang="en-US" b="1" dirty="0"/>
+              <a:t>Vertices (Nodes)</a:t>
+            </a:r>
+            <a:r>
+              <a:rPr lang="en-US" dirty="0"/>
+              <a:t> represent each board position.</a:t>
+            </a:r>
+          </a:p>
+          <a:p>
+            <a:pPr marL="742950" lvl="1" indent="-285750">
+              <a:buFont typeface="Arial" panose="020B0604020202020204" pitchFamily="34" charset="0"/>
+              <a:buChar char="•"/>
+            </a:pPr>
+            <a:r>
+              <a:rPr lang="en-US" b="1" dirty="0"/>
+              <a:t>Edges (Connections)</a:t>
+            </a:r>
+            <a:r>
+              <a:rPr lang="en-US" dirty="0"/>
+              <a:t> represent possible moves between adjacent positions (up, down, left, right, or diagonally).</a:t>
+            </a:r>
+          </a:p>
           <a:p>
             <a:pPr>
               <a:buFont typeface="Arial" panose="020B0604020202020204" pitchFamily="34" charset="0"/>
@@ -15965,11 +15982,62 @@
             </a:pPr>
             <a:r>
               <a:rPr lang="en-US" b="1" dirty="0"/>
-              <a:t>Graph Theory</a:t>
+              <a:t>Significance</a:t>
             </a:r>
             <a:r>
               <a:rPr lang="en-US" dirty="0"/>
-              <a:t>: By modeling the board as a graph, the AI can:</a:t>
+              <a:t>: This representation enables the game to leverage graph algorithms to analyze the board for optimal moves and winning patterns.</a:t>
+            </a:r>
+          </a:p>
+          <a:p>
+            <a:r>
+              <a:rPr lang="en-US" b="1" dirty="0"/>
+              <a:t>Recursion in </a:t>
+            </a:r>
+            <a:r>
+              <a:rPr lang="en-US" b="1" dirty="0" err="1"/>
+              <a:t>Gomoku</a:t>
+            </a:r>
+            <a:r>
+              <a:rPr lang="en-US" b="1" dirty="0"/>
+              <a:t>:</a:t>
+            </a:r>
+            <a:endParaRPr lang="en-US" dirty="0"/>
+          </a:p>
+          <a:p>
+            <a:pPr>
+              <a:buFont typeface="Arial" panose="020B0604020202020204" pitchFamily="34" charset="0"/>
+              <a:buChar char="•"/>
+            </a:pPr>
+            <a:r>
+              <a:rPr lang="en-US" b="1" dirty="0"/>
+              <a:t>Exploring Moves Recursively</a:t>
+            </a:r>
+            <a:r>
+              <a:rPr lang="en-US" dirty="0"/>
+              <a:t>: AI can use recursion to evaluate multiple future moves, creating a </a:t>
+            </a:r>
+            <a:r>
+              <a:rPr lang="en-US" b="1" dirty="0"/>
+              <a:t>game tree</a:t>
+            </a:r>
+            <a:r>
+              <a:rPr lang="en-US" dirty="0"/>
+              <a:t> structure. Each recursive call simulates a potential move, building layers of possible future game states.</a:t>
+            </a:r>
+          </a:p>
+          <a:p>
+            <a:pPr>
+              <a:buFont typeface="Arial" panose="020B0604020202020204" pitchFamily="34" charset="0"/>
+              <a:buChar char="•"/>
+            </a:pPr>
+            <a:r>
+              <a:rPr lang="en-US" b="1" dirty="0"/>
+              <a:t>AI Strategy</a:t>
+            </a:r>
+            <a:r>
+              <a:rPr lang="en-US" dirty="0"/>
+              <a:t>:</a:t>
             </a:r>
           </a:p>
           <a:p>
@@ -15978,8 +16046,12 @@
               <a:buChar char="•"/>
             </a:pPr>
             <a:r>
+              <a:rPr lang="en-US" b="1" dirty="0"/>
+              <a:t>Block Opponent Moves</a:t>
+            </a:r>
+            <a:r>
               <a:rPr lang="en-US" dirty="0"/>
-              <a:t>Track connections between moves.</a:t>
+              <a:t>: The AI recursively checks potential moves that could lead to an opponent's victory, blocking these to defend.</a:t>
             </a:r>
           </a:p>
           <a:p>
@@ -15988,96 +16060,17 @@
               <a:buChar char="•"/>
             </a:pPr>
             <a:r>
+              <a:rPr lang="en-US" b="1" dirty="0"/>
+              <a:t>Find Winning Paths</a:t>
+            </a:r>
+            <a:r>
               <a:rPr lang="en-US" dirty="0"/>
-              <a:t>Evaluate clusters of pieces that could lead to potential wins.</a:t>
-            </a:r>
-          </a:p>
-          <a:p>
-            <a:pPr>
-              <a:buFont typeface="Arial" panose="020B0604020202020204" pitchFamily="34" charset="0"/>
-              <a:buChar char="•"/>
-            </a:pPr>
-            <a:r>
-              <a:rPr lang="en-US" b="1" dirty="0"/>
-              <a:t>Recursion</a:t>
-            </a:r>
-            <a:r>
-              <a:rPr lang="en-US" dirty="0"/>
-              <a:t>: Recursively explores all potential moves, simulating different sequences and choosing the path that maximizes the chance of winning.</a:t>
-            </a:r>
-          </a:p>
-          <a:p>
-            <a:pPr>
-              <a:buFont typeface="Arial" panose="020B0604020202020204" pitchFamily="34" charset="0"/>
-              <a:buChar char="•"/>
-            </a:pPr>
-            <a:r>
-              <a:rPr lang="en-US" b="1" dirty="0"/>
-              <a:t>Python</a:t>
-            </a:r>
-            <a:r>
-              <a:rPr lang="en-US" dirty="0"/>
-              <a:t>: Recommended for ease of use and development speed, especially with libraries that simplify board representation and recursive functions.</a:t>
-            </a:r>
-          </a:p>
-          <a:p>
-            <a:pPr>
-              <a:buFont typeface="Arial" panose="020B0604020202020204" pitchFamily="34" charset="0"/>
-              <a:buChar char="•"/>
-            </a:pPr>
-            <a:r>
-              <a:rPr lang="en-US" b="1" dirty="0"/>
-              <a:t>Basic Algorithm for AI Move Selection</a:t>
-            </a:r>
+              <a:t>: It evaluates sequences of moves to identify paths where it can form five in a row.</a:t>
+            </a:r>
+          </a:p>
+          <a:p>
             <a:endParaRPr lang="en-US" dirty="0"/>
           </a:p>
-          <a:p>
-            <a:pPr>
-              <a:buFont typeface="Arial" panose="020B0604020202020204" pitchFamily="34" charset="0"/>
-              <a:buChar char="•"/>
-            </a:pPr>
-            <a:r>
-              <a:rPr lang="en-US" b="1" dirty="0"/>
-              <a:t>Recursive Evaluation</a:t>
-            </a:r>
-            <a:r>
-              <a:rPr lang="en-US" dirty="0"/>
-              <a:t>:</a:t>
-            </a:r>
-          </a:p>
-          <a:p>
-            <a:pPr marL="742950" lvl="1" indent="-285750">
-              <a:buFont typeface="Arial" panose="020B0604020202020204" pitchFamily="34" charset="0"/>
-              <a:buChar char="•"/>
-            </a:pPr>
-            <a:r>
-              <a:rPr lang="en-US" dirty="0"/>
-              <a:t>Start with an empty board state, checking all valid moves.</a:t>
-            </a:r>
-          </a:p>
-          <a:p>
-            <a:pPr marL="742950" lvl="1" indent="-285750">
-              <a:buFont typeface="Arial" panose="020B0604020202020204" pitchFamily="34" charset="0"/>
-              <a:buChar char="•"/>
-            </a:pPr>
-            <a:r>
-              <a:rPr lang="en-US" dirty="0"/>
-              <a:t>For each move, recursively simulate possible opponent responses.</a:t>
-            </a:r>
-          </a:p>
-          <a:p>
-            <a:pPr marL="742950" lvl="1" indent="-285750">
-              <a:buFont typeface="Arial" panose="020B0604020202020204" pitchFamily="34" charset="0"/>
-              <a:buChar char="•"/>
-            </a:pPr>
-            <a:r>
-              <a:rPr lang="en-US" dirty="0"/>
-              <a:t>Limit recursive checks</a:t>
-            </a:r>
-          </a:p>
-          <a:p>
-            <a:endParaRPr lang="en-US" dirty="0"/>
-          </a:p>
         </p:txBody>
       </p:sp>
       <p:sp>
@@ -16085,7 +16078,7 @@
           <p:cNvPr id="4" name="Rectangle 3">
             <a:extLst>
               <a:ext uri="{FF2B5EF4-FFF2-40B4-BE49-F238E27FC236}">
-                <a16:creationId xmlns:a16="http://schemas.microsoft.com/office/drawing/2014/main" id="{1875E3B2-3DDC-44FC-A6F6-57397315CECA}"/>
+                <a16:creationId xmlns:a16="http://schemas.microsoft.com/office/drawing/2014/main" id="{1960E2AE-CCBA-498B-9B5D-EC6192AE4B2D}"/>
               </a:ext>
             </a:extLst>
           </p:cNvPr>
@@ -16149,7 +16142,7 @@
           <p:cNvPr id="5" name="Rectangle 4">
             <a:extLst>
               <a:ext uri="{FF2B5EF4-FFF2-40B4-BE49-F238E27FC236}">
-                <a16:creationId xmlns:a16="http://schemas.microsoft.com/office/drawing/2014/main" id="{4F783FFB-603F-4C23-8126-F579D1043EEF}"/>
+                <a16:creationId xmlns:a16="http://schemas.microsoft.com/office/drawing/2014/main" id="{9298954E-84BE-47ED-A7B3-A6E0FF8D3F60}"/>
               </a:ext>
             </a:extLst>
           </p:cNvPr>
@@ -16212,7 +16205,7 @@
           <p:cNvPr id="6" name="TextBox 5">
             <a:extLst>
               <a:ext uri="{FF2B5EF4-FFF2-40B4-BE49-F238E27FC236}">
-                <a16:creationId xmlns:a16="http://schemas.microsoft.com/office/drawing/2014/main" id="{1F08357F-A12F-4716-AAA2-AA867849CC72}"/>
+                <a16:creationId xmlns:a16="http://schemas.microsoft.com/office/drawing/2014/main" id="{DD32E8B3-3ECB-4D0A-8DB4-ED0F881F79BE}"/>
               </a:ext>
             </a:extLst>
           </p:cNvPr>
@@ -16250,7 +16243,7 @@
     </p:spTree>
     <p:extLst>
       <p:ext uri="{BB962C8B-B14F-4D97-AF65-F5344CB8AC3E}">
-        <p14:creationId xmlns:p14="http://schemas.microsoft.com/office/powerpoint/2010/main" val="6519585"/>
+        <p14:creationId xmlns:p14="http://schemas.microsoft.com/office/powerpoint/2010/main" val="3702748845"/>
       </p:ext>
     </p:extLst>
   </p:cSld>
@@ -16277,129 +16270,6 @@
           <a:chExt cx="0" cy="0"/>
         </a:xfrm>
       </p:grpSpPr>
-      <p:sp>
-        <p:nvSpPr>
-          <p:cNvPr id="2" name="Title 1">
-            <a:extLst>
-              <a:ext uri="{FF2B5EF4-FFF2-40B4-BE49-F238E27FC236}">
-                <a16:creationId xmlns:a16="http://schemas.microsoft.com/office/drawing/2014/main" id="{5D30DDF8-853A-DFDB-A947-FE9D44C8E03C}"/>
-              </a:ext>
-            </a:extLst>
-          </p:cNvPr>
-          <p:cNvSpPr>
-            <a:spLocks noGrp="1"/>
-          </p:cNvSpPr>
-          <p:nvPr>
-            <p:ph type="title"/>
-          </p:nvPr>
-        </p:nvSpPr>
-        <p:spPr>
-          <a:xfrm>
-            <a:off x="831848" y="768350"/>
-            <a:ext cx="10515599" cy="1500187"/>
-          </a:xfrm>
-        </p:spPr>
-        <p:txBody>
-          <a:bodyPr>
-            <a:normAutofit fontScale="90000"/>
-          </a:bodyPr>
-          <a:lstStyle/>
-          <a:p>
-            <a:pPr>
-              <a:lnSpc>
-                <a:spcPct val="100000"/>
-              </a:lnSpc>
-            </a:pPr>
-            <a:r>
-              <a:rPr lang="en-US" sz="4000" b="1" dirty="0">
-                <a:latin typeface="Arial Black" panose="020B0A04020102020204" pitchFamily="34" charset="0"/>
-              </a:rPr>
-              <a:t>GRAPH :</a:t>
-            </a:r>
-            <a:r>
-              <a:rPr lang="en-US" dirty="0"/>
-              <a:t> </a:t>
-            </a:r>
-            <a:r>
-              <a:rPr lang="en-US" sz="3200" dirty="0">
-                <a:latin typeface="Arial" panose="020B0604020202020204" pitchFamily="34" charset="0"/>
-                <a:cs typeface="Arial" panose="020B0604020202020204" pitchFamily="34" charset="0"/>
-              </a:rPr>
-              <a:t>a list of pairs of “things” called vertex/vertices, and lines between those points, called edges </a:t>
-            </a:r>
-            <a:endParaRPr lang="en-US" dirty="0">
-              <a:latin typeface="Arial" panose="020B0604020202020204" pitchFamily="34" charset="0"/>
-              <a:cs typeface="Arial" panose="020B0604020202020204" pitchFamily="34" charset="0"/>
-            </a:endParaRPr>
-          </a:p>
-        </p:txBody>
-      </p:sp>
-      <p:sp>
-        <p:nvSpPr>
-          <p:cNvPr id="3" name="Text Placeholder 2">
-            <a:extLst>
-              <a:ext uri="{FF2B5EF4-FFF2-40B4-BE49-F238E27FC236}">
-                <a16:creationId xmlns:a16="http://schemas.microsoft.com/office/drawing/2014/main" id="{F3FFBF10-3A6A-039D-96F3-6E61CA66CD1E}"/>
-              </a:ext>
-            </a:extLst>
-          </p:cNvPr>
-          <p:cNvSpPr>
-            <a:spLocks noGrp="1"/>
-          </p:cNvSpPr>
-          <p:nvPr>
-            <p:ph type="body" idx="1"/>
-          </p:nvPr>
-        </p:nvSpPr>
-        <p:spPr>
-          <a:xfrm>
-            <a:off x="831847" y="2903537"/>
-            <a:ext cx="10515600" cy="1500187"/>
-          </a:xfrm>
-        </p:spPr>
-        <p:txBody>
-          <a:bodyPr/>
-          <a:lstStyle/>
-          <a:p>
-            <a:r>
-              <a:rPr lang="en-US" dirty="0">
-                <a:solidFill>
-                  <a:schemeClr val="tx1">
-                    <a:lumMod val="95000"/>
-                    <a:lumOff val="5000"/>
-                  </a:schemeClr>
-                </a:solidFill>
-              </a:rPr>
-              <a:t>𝐴 = {(1, 2), (1, 3), (3, 4), (4, 5)} </a:t>
-            </a:r>
-          </a:p>
-          <a:p>
-            <a:r>
-              <a:rPr lang="en-US" dirty="0">
-                <a:solidFill>
-                  <a:schemeClr val="tx1">
-                    <a:lumMod val="95000"/>
-                    <a:lumOff val="5000"/>
-                  </a:schemeClr>
-                </a:solidFill>
-              </a:rPr>
-              <a:t>𝐵 = {(A, B), (B, C), (A, C), (A, D)} </a:t>
-            </a:r>
-          </a:p>
-          <a:p>
-            <a:r>
-              <a:rPr lang="en-US" dirty="0">
-                <a:solidFill>
-                  <a:schemeClr val="tx1">
-                    <a:lumMod val="95000"/>
-                    <a:lumOff val="5000"/>
-                  </a:schemeClr>
-                </a:solidFill>
-              </a:rPr>
-              <a:t>𝐶 = {(LHR,KRA), (LHR,ISB), (FSD,SWL), (STD,MUL)}</a:t>
-            </a:r>
-          </a:p>
-        </p:txBody>
-      </p:sp>
       <p:pic>
         <p:nvPicPr>
           <p:cNvPr id="5" name="Picture 4">
@@ -17023,6 +16893,191 @@
                 <a:latin typeface="Berlin Sans FB" panose="020E0602020502020306" pitchFamily="34" charset="0"/>
               </a:rPr>
               <a:t>GRAPH THEORY IN BOARD GAMES</a:t>
+            </a:r>
+          </a:p>
+        </p:txBody>
+      </p:sp>
+      <p:sp>
+        <p:nvSpPr>
+          <p:cNvPr id="19" name="TextBox 18">
+            <a:extLst>
+              <a:ext uri="{FF2B5EF4-FFF2-40B4-BE49-F238E27FC236}">
+                <a16:creationId xmlns:a16="http://schemas.microsoft.com/office/drawing/2014/main" id="{46859BBD-6210-4668-B55F-8A8C33E49D1F}"/>
+              </a:ext>
+            </a:extLst>
+          </p:cNvPr>
+          <p:cNvSpPr txBox="1"/>
+          <p:nvPr/>
+        </p:nvSpPr>
+        <p:spPr>
+          <a:xfrm>
+            <a:off x="3891280" y="860999"/>
+            <a:ext cx="4452657" cy="769441"/>
+          </a:xfrm>
+          <a:prstGeom prst="rect">
+            <a:avLst/>
+          </a:prstGeom>
+          <a:noFill/>
+        </p:spPr>
+        <p:txBody>
+          <a:bodyPr wrap="square" rtlCol="0">
+            <a:spAutoFit/>
+          </a:bodyPr>
+          <a:lstStyle/>
+          <a:p>
+            <a:pPr algn="ctr"/>
+            <a:r>
+              <a:rPr lan